--- a/slides/T320_Classificação (Parte II).pptx
+++ b/slides/T320_Classificação (Parte II).pptx
@@ -5,10 +5,10 @@
     <p:sldMasterId id="2147483648" r:id="rId1"/>
   </p:sldMasterIdLst>
   <p:notesMasterIdLst>
-    <p:notesMasterId r:id="rId13"/>
+    <p:notesMasterId r:id="rId15"/>
   </p:notesMasterIdLst>
   <p:handoutMasterIdLst>
-    <p:handoutMasterId r:id="rId14"/>
+    <p:handoutMasterId r:id="rId16"/>
   </p:handoutMasterIdLst>
   <p:sldIdLst>
     <p:sldId id="256" r:id="rId2"/>
@@ -20,8 +20,10 @@
     <p:sldId id="347" r:id="rId8"/>
     <p:sldId id="348" r:id="rId9"/>
     <p:sldId id="349" r:id="rId10"/>
-    <p:sldId id="324" r:id="rId11"/>
-    <p:sldId id="306" r:id="rId12"/>
+    <p:sldId id="366" r:id="rId11"/>
+    <p:sldId id="324" r:id="rId12"/>
+    <p:sldId id="306" r:id="rId13"/>
+    <p:sldId id="367" r:id="rId14"/>
   </p:sldIdLst>
   <p:sldSz cx="12192000" cy="6858000"/>
   <p:notesSz cx="7315200" cy="9601200"/>
@@ -285,7 +287,7 @@
           <a:p>
             <a:fld id="{144F1436-6906-4D93-B7A2-786C327BFA14}" type="datetimeFigureOut">
               <a:rPr lang="nl-BE" smtClean="0"/>
-              <a:t>27/07/2021</a:t>
+              <a:t>28/07/2021</a:t>
             </a:fld>
             <a:endParaRPr lang="nl-BE"/>
           </a:p>
@@ -450,7 +452,7 @@
           <a:p>
             <a:fld id="{AA8CD09E-2914-4F47-B6C1-51B2C31814C9}" type="datetimeFigureOut">
               <a:rPr lang="pt-BR" smtClean="0"/>
-              <a:t>27/07/2021</a:t>
+              <a:t>28/07/2021</a:t>
             </a:fld>
             <a:endParaRPr lang="pt-BR"/>
           </a:p>
@@ -1155,11 +1157,7 @@
           <a:p>
             <a:r>
               <a:rPr lang="pt-BR" sz="1200" b="1" smtClean="0"/>
-              <a:t>Laboratório </a:t>
-            </a:r>
-            <a:r>
-              <a:rPr lang="pt-BR" sz="1200" b="1" smtClean="0"/>
-              <a:t>#2</a:t>
+              <a:t>Laboratório #2</a:t>
             </a:r>
             <a:r>
               <a:rPr lang="pt-BR" sz="1200" smtClean="0"/>
@@ -1192,7 +1190,7 @@
           <a:p>
             <a:fld id="{6FC8D850-966F-45A6-8DE7-15B891E7D40D}" type="slidenum">
               <a:rPr lang="pt-BR" smtClean="0"/>
-              <a:t>10</a:t>
+              <a:t>11</a:t>
             </a:fld>
             <a:endParaRPr lang="pt-BR"/>
           </a:p>
@@ -1358,7 +1356,7 @@
           <a:p>
             <a:fld id="{63289F7E-B80B-496E-81B4-D396C37C9454}" type="datetimeFigureOut">
               <a:rPr lang="pt-BR" smtClean="0"/>
-              <a:t>27/07/2021</a:t>
+              <a:t>28/07/2021</a:t>
             </a:fld>
             <a:endParaRPr lang="pt-BR"/>
           </a:p>
@@ -1556,7 +1554,7 @@
           <a:p>
             <a:fld id="{63289F7E-B80B-496E-81B4-D396C37C9454}" type="datetimeFigureOut">
               <a:rPr lang="pt-BR" smtClean="0"/>
-              <a:t>27/07/2021</a:t>
+              <a:t>28/07/2021</a:t>
             </a:fld>
             <a:endParaRPr lang="pt-BR"/>
           </a:p>
@@ -1764,7 +1762,7 @@
           <a:p>
             <a:fld id="{63289F7E-B80B-496E-81B4-D396C37C9454}" type="datetimeFigureOut">
               <a:rPr lang="pt-BR" smtClean="0"/>
-              <a:t>27/07/2021</a:t>
+              <a:t>28/07/2021</a:t>
             </a:fld>
             <a:endParaRPr lang="pt-BR"/>
           </a:p>
@@ -1962,7 +1960,7 @@
           <a:p>
             <a:fld id="{63289F7E-B80B-496E-81B4-D396C37C9454}" type="datetimeFigureOut">
               <a:rPr lang="pt-BR" smtClean="0"/>
-              <a:t>27/07/2021</a:t>
+              <a:t>28/07/2021</a:t>
             </a:fld>
             <a:endParaRPr lang="pt-BR"/>
           </a:p>
@@ -2237,7 +2235,7 @@
           <a:p>
             <a:fld id="{63289F7E-B80B-496E-81B4-D396C37C9454}" type="datetimeFigureOut">
               <a:rPr lang="pt-BR" smtClean="0"/>
-              <a:t>27/07/2021</a:t>
+              <a:t>28/07/2021</a:t>
             </a:fld>
             <a:endParaRPr lang="pt-BR"/>
           </a:p>
@@ -2502,7 +2500,7 @@
           <a:p>
             <a:fld id="{63289F7E-B80B-496E-81B4-D396C37C9454}" type="datetimeFigureOut">
               <a:rPr lang="pt-BR" smtClean="0"/>
-              <a:t>27/07/2021</a:t>
+              <a:t>28/07/2021</a:t>
             </a:fld>
             <a:endParaRPr lang="pt-BR"/>
           </a:p>
@@ -2914,7 +2912,7 @@
           <a:p>
             <a:fld id="{63289F7E-B80B-496E-81B4-D396C37C9454}" type="datetimeFigureOut">
               <a:rPr lang="pt-BR" smtClean="0"/>
-              <a:t>27/07/2021</a:t>
+              <a:t>28/07/2021</a:t>
             </a:fld>
             <a:endParaRPr lang="pt-BR"/>
           </a:p>
@@ -3055,7 +3053,7 @@
           <a:p>
             <a:fld id="{63289F7E-B80B-496E-81B4-D396C37C9454}" type="datetimeFigureOut">
               <a:rPr lang="pt-BR" smtClean="0"/>
-              <a:t>27/07/2021</a:t>
+              <a:t>28/07/2021</a:t>
             </a:fld>
             <a:endParaRPr lang="pt-BR"/>
           </a:p>
@@ -3168,7 +3166,7 @@
           <a:p>
             <a:fld id="{63289F7E-B80B-496E-81B4-D396C37C9454}" type="datetimeFigureOut">
               <a:rPr lang="pt-BR" smtClean="0"/>
-              <a:t>27/07/2021</a:t>
+              <a:t>28/07/2021</a:t>
             </a:fld>
             <a:endParaRPr lang="pt-BR"/>
           </a:p>
@@ -3479,7 +3477,7 @@
           <a:p>
             <a:fld id="{63289F7E-B80B-496E-81B4-D396C37C9454}" type="datetimeFigureOut">
               <a:rPr lang="pt-BR" smtClean="0"/>
-              <a:t>27/07/2021</a:t>
+              <a:t>28/07/2021</a:t>
             </a:fld>
             <a:endParaRPr lang="pt-BR"/>
           </a:p>
@@ -3767,7 +3765,7 @@
           <a:p>
             <a:fld id="{63289F7E-B80B-496E-81B4-D396C37C9454}" type="datetimeFigureOut">
               <a:rPr lang="pt-BR" smtClean="0"/>
-              <a:t>27/07/2021</a:t>
+              <a:t>28/07/2021</a:t>
             </a:fld>
             <a:endParaRPr lang="pt-BR"/>
           </a:p>
@@ -4008,7 +4006,7 @@
           <a:p>
             <a:fld id="{63289F7E-B80B-496E-81B4-D396C37C9454}" type="datetimeFigureOut">
               <a:rPr lang="pt-BR" smtClean="0"/>
-              <a:t>27/07/2021</a:t>
+              <a:t>28/07/2021</a:t>
             </a:fld>
             <a:endParaRPr lang="pt-BR"/>
           </a:p>
@@ -4649,6 +4647,406 @@
           <a:lstStyle/>
           <a:p>
             <a:r>
+              <a:rPr lang="pt-BR" dirty="0"/>
+              <a:t>Classificadores lineares com limiar de decisão rígido</a:t>
+            </a:r>
+          </a:p>
+        </p:txBody>
+      </p:sp>
+      <mc:AlternateContent xmlns:mc="http://schemas.openxmlformats.org/markup-compatibility/2006" xmlns:a14="http://schemas.microsoft.com/office/drawing/2010/main">
+        <mc:Choice Requires="a14">
+          <p:sp>
+            <p:nvSpPr>
+              <p:cNvPr id="3" name="Content Placeholder 2"/>
+              <p:cNvSpPr>
+                <a:spLocks noGrp="1"/>
+              </p:cNvSpPr>
+              <p:nvPr>
+                <p:ph idx="1"/>
+              </p:nvPr>
+            </p:nvSpPr>
+            <p:spPr>
+              <a:xfrm>
+                <a:off x="838200" y="1825624"/>
+                <a:ext cx="8134350" cy="5032376"/>
+              </a:xfrm>
+            </p:spPr>
+            <p:txBody>
+              <a:bodyPr>
+                <a:normAutofit fontScale="92500" lnSpcReduction="10000"/>
+              </a:bodyPr>
+              <a:lstStyle/>
+              <a:p>
+                <a:r>
+                  <a:rPr lang="pt-BR" dirty="0" smtClean="0"/>
+                  <a:t>Outro problema com classificadores que usam </a:t>
+                </a:r>
+                <a:r>
+                  <a:rPr lang="pt-BR" b="1" i="1" dirty="0" smtClean="0"/>
+                  <a:t>limiar de decisão rígido </a:t>
+                </a:r>
+                <a:r>
+                  <a:rPr lang="pt-BR" dirty="0" smtClean="0"/>
+                  <a:t>é a falta de informação sobre a confiança do classificador quanto a um resultado.</a:t>
+                </a:r>
+              </a:p>
+              <a:p>
+                <a:r>
+                  <a:rPr lang="pt-BR" dirty="0" smtClean="0"/>
+                  <a:t>No exemplo ao lado, dois exemplos estão bem próximos da </a:t>
+                </a:r>
+                <a:r>
+                  <a:rPr lang="pt-BR" b="1" i="1" dirty="0" smtClean="0"/>
+                  <a:t>fronteira de decisão </a:t>
+                </a:r>
+                <a:r>
+                  <a:rPr lang="pt-BR" dirty="0" smtClean="0"/>
+                  <a:t>enquanto outros dois estão bem distantes dela.</a:t>
+                </a:r>
+              </a:p>
+              <a:p>
+                <a:r>
+                  <a:rPr lang="pt-BR" dirty="0" smtClean="0"/>
+                  <a:t>O classificador com limiar rígido, faria uma previsão completamente confiante pelo valor 1 para os dois pontos azuis e 0 para os dois triângulos vermelhos, mesmo eles tendo valores bem diferentes de </a:t>
+                </a:r>
+                <a14:m>
+                  <m:oMath xmlns:m="http://schemas.openxmlformats.org/officeDocument/2006/math">
+                    <m:r>
+                      <a:rPr lang="pt-BR" b="0" i="1" smtClean="0">
+                        <a:latin typeface="Cambria Math" panose="02040503050406030204" pitchFamily="18" charset="0"/>
+                      </a:rPr>
+                      <m:t>𝑔</m:t>
+                    </m:r>
+                    <m:r>
+                      <a:rPr lang="pt-BR" b="0" i="1" smtClean="0">
+                        <a:latin typeface="Cambria Math" panose="02040503050406030204" pitchFamily="18" charset="0"/>
+                      </a:rPr>
+                      <m:t>(</m:t>
+                    </m:r>
+                    <m:r>
+                      <a:rPr lang="pt-BR" b="1" i="1" smtClean="0">
+                        <a:latin typeface="Cambria Math" panose="02040503050406030204" pitchFamily="18" charset="0"/>
+                      </a:rPr>
+                      <m:t>𝒙</m:t>
+                    </m:r>
+                    <m:r>
+                      <a:rPr lang="pt-BR" b="0" i="1" smtClean="0">
+                        <a:latin typeface="Cambria Math" panose="02040503050406030204" pitchFamily="18" charset="0"/>
+                      </a:rPr>
+                      <m:t>)</m:t>
+                    </m:r>
+                  </m:oMath>
+                </a14:m>
+                <a:r>
+                  <a:rPr lang="pt-BR" dirty="0" smtClean="0"/>
+                  <a:t>.</a:t>
+                </a:r>
+              </a:p>
+              <a:p>
+                <a:r>
+                  <a:rPr lang="pt-BR" dirty="0" smtClean="0"/>
+                  <a:t>Em </a:t>
+                </a:r>
+                <a:r>
+                  <a:rPr lang="pt-BR" dirty="0"/>
+                  <a:t>muitas situações, nós precisamos de previsões mais graduadas, que indiquem incertezas quanto à classificação</a:t>
+                </a:r>
+                <a:r>
+                  <a:rPr lang="pt-BR" dirty="0" smtClean="0"/>
+                  <a:t>.</a:t>
+                </a:r>
+                <a:endParaRPr lang="pt-BR" dirty="0"/>
+              </a:p>
+            </p:txBody>
+          </p:sp>
+        </mc:Choice>
+        <mc:Fallback xmlns="">
+          <p:sp>
+            <p:nvSpPr>
+              <p:cNvPr id="3" name="Content Placeholder 2"/>
+              <p:cNvSpPr>
+                <a:spLocks noGrp="1" noRot="1" noChangeAspect="1" noMove="1" noResize="1" noEditPoints="1" noAdjustHandles="1" noChangeArrowheads="1" noChangeShapeType="1" noTextEdit="1"/>
+              </p:cNvSpPr>
+              <p:nvPr>
+                <p:ph idx="1"/>
+              </p:nvPr>
+            </p:nvSpPr>
+            <p:spPr>
+              <a:xfrm>
+                <a:off x="838200" y="1825624"/>
+                <a:ext cx="8134350" cy="5032376"/>
+              </a:xfrm>
+              <a:blipFill rotWithShape="0">
+                <a:blip r:embed="rId2"/>
+                <a:stretch>
+                  <a:fillRect l="-1199" t="-2421" r="-225"/>
+                </a:stretch>
+              </a:blipFill>
+            </p:spPr>
+            <p:txBody>
+              <a:bodyPr/>
+              <a:lstStyle/>
+              <a:p>
+                <a:r>
+                  <a:rPr lang="pt-BR">
+                    <a:noFill/>
+                  </a:rPr>
+                  <a:t> </a:t>
+                </a:r>
+              </a:p>
+            </p:txBody>
+          </p:sp>
+        </mc:Fallback>
+      </mc:AlternateContent>
+      <p:pic>
+        <p:nvPicPr>
+          <p:cNvPr id="8" name="Picture 7"/>
+          <p:cNvPicPr>
+            <a:picLocks noChangeAspect="1"/>
+          </p:cNvPicPr>
+          <p:nvPr/>
+        </p:nvPicPr>
+        <p:blipFill rotWithShape="1">
+          <a:blip r:embed="rId3">
+            <a:extLst>
+              <a:ext uri="{28A0092B-C50C-407E-A947-70E740481C1C}">
+                <a14:useLocalDpi xmlns:a14="http://schemas.microsoft.com/office/drawing/2010/main" val="0"/>
+              </a:ext>
+            </a:extLst>
+          </a:blip>
+          <a:srcRect l="6890" t="2565" r="7668"/>
+          <a:stretch/>
+        </p:blipFill>
+        <p:spPr>
+          <a:xfrm>
+            <a:off x="8972550" y="1668433"/>
+            <a:ext cx="3193143" cy="2750289"/>
+          </a:xfrm>
+          <a:prstGeom prst="rect">
+            <a:avLst/>
+          </a:prstGeom>
+        </p:spPr>
+      </p:pic>
+      <mc:AlternateContent xmlns:mc="http://schemas.openxmlformats.org/markup-compatibility/2006" xmlns:a14="http://schemas.microsoft.com/office/drawing/2010/main">
+        <mc:Choice Requires="a14">
+          <p:sp>
+            <p:nvSpPr>
+              <p:cNvPr id="9" name="TextBox 8"/>
+              <p:cNvSpPr txBox="1"/>
+              <p:nvPr/>
+            </p:nvSpPr>
+            <p:spPr>
+              <a:xfrm>
+                <a:off x="8577944" y="4418722"/>
+                <a:ext cx="3587750" cy="2308324"/>
+              </a:xfrm>
+              <a:prstGeom prst="rect">
+                <a:avLst/>
+              </a:prstGeom>
+              <a:noFill/>
+            </p:spPr>
+            <p:txBody>
+              <a:bodyPr wrap="square" rtlCol="0">
+                <a:spAutoFit/>
+              </a:bodyPr>
+              <a:lstStyle/>
+              <a:p>
+                <a:pPr marL="285750" indent="-285750">
+                  <a:buFont typeface="Arial" panose="020B0604020202020204" pitchFamily="34" charset="0"/>
+                  <a:buChar char="•"/>
+                </a:pPr>
+                <a:r>
+                  <a:rPr lang="pt-BR" sz="1600" dirty="0" smtClean="0"/>
+                  <a:t>Os pontos distantes da </a:t>
+                </a:r>
+                <a:r>
+                  <a:rPr lang="pt-BR" sz="1600" b="1" i="1" dirty="0" smtClean="0"/>
+                  <a:t>fronteira de decisão </a:t>
+                </a:r>
+                <a:r>
+                  <a:rPr lang="pt-BR" sz="1600" dirty="0" smtClean="0"/>
+                  <a:t>têm valores absolutos de </a:t>
+                </a:r>
+                <a14:m>
+                  <m:oMath xmlns:m="http://schemas.openxmlformats.org/officeDocument/2006/math">
+                    <m:r>
+                      <a:rPr lang="pt-BR" sz="1600" i="1">
+                        <a:latin typeface="Cambria Math" panose="02040503050406030204" pitchFamily="18" charset="0"/>
+                      </a:rPr>
+                      <m:t>𝑔</m:t>
+                    </m:r>
+                    <m:d>
+                      <m:dPr>
+                        <m:ctrlPr>
+                          <a:rPr lang="pt-BR" sz="1600" i="1">
+                            <a:latin typeface="Cambria Math" panose="02040503050406030204" pitchFamily="18" charset="0"/>
+                          </a:rPr>
+                        </m:ctrlPr>
+                      </m:dPr>
+                      <m:e>
+                        <m:r>
+                          <a:rPr lang="pt-BR" sz="1600" b="1" i="1">
+                            <a:latin typeface="Cambria Math" panose="02040503050406030204" pitchFamily="18" charset="0"/>
+                          </a:rPr>
+                          <m:t>𝒙</m:t>
+                        </m:r>
+                      </m:e>
+                    </m:d>
+                  </m:oMath>
+                </a14:m>
+                <a:r>
+                  <a:rPr lang="pt-BR" sz="1600" dirty="0" smtClean="0"/>
+                  <a:t> bem maiores do que os dos pontos próximos, os quais têm valores de </a:t>
+                </a:r>
+                <a14:m>
+                  <m:oMath xmlns:m="http://schemas.openxmlformats.org/officeDocument/2006/math">
+                    <m:r>
+                      <a:rPr lang="pt-BR" sz="1600" i="1">
+                        <a:latin typeface="Cambria Math" panose="02040503050406030204" pitchFamily="18" charset="0"/>
+                      </a:rPr>
+                      <m:t>𝑔</m:t>
+                    </m:r>
+                    <m:r>
+                      <a:rPr lang="pt-BR" sz="1600" i="1">
+                        <a:latin typeface="Cambria Math" panose="02040503050406030204" pitchFamily="18" charset="0"/>
+                      </a:rPr>
+                      <m:t>(</m:t>
+                    </m:r>
+                    <m:r>
+                      <a:rPr lang="pt-BR" sz="1600" b="1" i="1">
+                        <a:latin typeface="Cambria Math" panose="02040503050406030204" pitchFamily="18" charset="0"/>
+                      </a:rPr>
+                      <m:t>𝒙</m:t>
+                    </m:r>
+                    <m:r>
+                      <a:rPr lang="pt-BR" sz="1600" i="1">
+                        <a:latin typeface="Cambria Math" panose="02040503050406030204" pitchFamily="18" charset="0"/>
+                      </a:rPr>
+                      <m:t>)</m:t>
+                    </m:r>
+                  </m:oMath>
+                </a14:m>
+                <a:r>
+                  <a:rPr lang="pt-BR" sz="1600" dirty="0" smtClean="0"/>
+                  <a:t> muito próximos de 0. </a:t>
+                </a:r>
+              </a:p>
+              <a:p>
+                <a:pPr marL="285750" indent="-285750">
+                  <a:buFont typeface="Arial" panose="020B0604020202020204" pitchFamily="34" charset="0"/>
+                  <a:buChar char="•"/>
+                </a:pPr>
+                <a:r>
+                  <a:rPr lang="pt-BR" sz="1600" dirty="0" smtClean="0"/>
+                  <a:t>Ou seja, a cofiança deveria ser maior pra pontos distantes.</a:t>
+                </a:r>
+              </a:p>
+              <a:p>
+                <a:pPr marL="285750" indent="-285750">
+                  <a:buFont typeface="Arial" panose="020B0604020202020204" pitchFamily="34" charset="0"/>
+                  <a:buChar char="•"/>
+                </a:pPr>
+                <a:r>
+                  <a:rPr lang="pt-BR" sz="1600" dirty="0" smtClean="0"/>
+                  <a:t>Porém, isso não é refletido na saída do classificador com limiar rígido.</a:t>
+                </a:r>
+                <a:endParaRPr lang="pt-BR" sz="1600" dirty="0"/>
+              </a:p>
+            </p:txBody>
+          </p:sp>
+        </mc:Choice>
+        <mc:Fallback xmlns="">
+          <p:sp>
+            <p:nvSpPr>
+              <p:cNvPr id="9" name="TextBox 8"/>
+              <p:cNvSpPr txBox="1">
+                <a:spLocks noRot="1" noChangeAspect="1" noMove="1" noResize="1" noEditPoints="1" noAdjustHandles="1" noChangeArrowheads="1" noChangeShapeType="1" noTextEdit="1"/>
+              </p:cNvSpPr>
+              <p:nvPr/>
+            </p:nvSpPr>
+            <p:spPr>
+              <a:xfrm>
+                <a:off x="8577944" y="4418722"/>
+                <a:ext cx="3587750" cy="2308324"/>
+              </a:xfrm>
+              <a:prstGeom prst="rect">
+                <a:avLst/>
+              </a:prstGeom>
+              <a:blipFill rotWithShape="0">
+                <a:blip r:embed="rId4"/>
+                <a:stretch>
+                  <a:fillRect l="-679" t="-792" r="-1698" b="-2375"/>
+                </a:stretch>
+              </a:blipFill>
+            </p:spPr>
+            <p:txBody>
+              <a:bodyPr/>
+              <a:lstStyle/>
+              <a:p>
+                <a:r>
+                  <a:rPr lang="pt-BR">
+                    <a:noFill/>
+                  </a:rPr>
+                  <a:t> </a:t>
+                </a:r>
+              </a:p>
+            </p:txBody>
+          </p:sp>
+        </mc:Fallback>
+      </mc:AlternateContent>
+    </p:spTree>
+    <p:extLst>
+      <p:ext uri="{BB962C8B-B14F-4D97-AF65-F5344CB8AC3E}">
+        <p14:creationId xmlns:p14="http://schemas.microsoft.com/office/powerpoint/2010/main" val="2997199183"/>
+      </p:ext>
+    </p:extLst>
+  </p:cSld>
+  <p:clrMapOvr>
+    <a:masterClrMapping/>
+  </p:clrMapOvr>
+  <p:timing>
+    <p:tnLst>
+      <p:par>
+        <p:cTn id="1" dur="indefinite" restart="never" nodeType="tmRoot"/>
+      </p:par>
+    </p:tnLst>
+  </p:timing>
+</p:sld>
+</file>
+
+<file path=ppt/slides/slide11.xml><?xml version="1.0" encoding="utf-8"?>
+<p:sld xmlns:a="http://schemas.openxmlformats.org/drawingml/2006/main" xmlns:r="http://schemas.openxmlformats.org/officeDocument/2006/relationships" xmlns:p="http://schemas.openxmlformats.org/presentationml/2006/main">
+  <p:cSld>
+    <p:spTree>
+      <p:nvGrpSpPr>
+        <p:cNvPr id="1" name=""/>
+        <p:cNvGrpSpPr/>
+        <p:nvPr/>
+      </p:nvGrpSpPr>
+      <p:grpSpPr>
+        <a:xfrm>
+          <a:off x="0" y="0"/>
+          <a:ext cx="0" cy="0"/>
+          <a:chOff x="0" y="0"/>
+          <a:chExt cx="0" cy="0"/>
+        </a:xfrm>
+      </p:grpSpPr>
+      <p:sp>
+        <p:nvSpPr>
+          <p:cNvPr id="2" name="Title 1"/>
+          <p:cNvSpPr>
+            <a:spLocks noGrp="1"/>
+          </p:cNvSpPr>
+          <p:nvPr>
+            <p:ph type="title"/>
+          </p:nvPr>
+        </p:nvSpPr>
+        <p:spPr/>
+        <p:txBody>
+          <a:bodyPr/>
+          <a:lstStyle/>
+          <a:p>
+            <a:r>
               <a:rPr lang="pt-BR" dirty="0" smtClean="0"/>
               <a:t>Tarefas</a:t>
             </a:r>
@@ -4800,7 +5198,7 @@
 </p:sld>
 </file>
 
-<file path=ppt/slides/slide11.xml><?xml version="1.0" encoding="utf-8"?>
+<file path=ppt/slides/slide12.xml><?xml version="1.0" encoding="utf-8"?>
 <p:sld xmlns:a="http://schemas.openxmlformats.org/drawingml/2006/main" xmlns:r="http://schemas.openxmlformats.org/officeDocument/2006/relationships" xmlns:p="http://schemas.openxmlformats.org/presentationml/2006/main">
   <p:cSld>
     <p:spTree>
@@ -4893,6 +5291,1846 @@
 </p:sld>
 </file>
 
+<file path=ppt/slides/slide13.xml><?xml version="1.0" encoding="utf-8"?>
+<p:sld xmlns:a="http://schemas.openxmlformats.org/drawingml/2006/main" xmlns:r="http://schemas.openxmlformats.org/officeDocument/2006/relationships" xmlns:p="http://schemas.openxmlformats.org/presentationml/2006/main">
+  <p:cSld>
+    <p:spTree>
+      <p:nvGrpSpPr>
+        <p:cNvPr id="1" name=""/>
+        <p:cNvGrpSpPr/>
+        <p:nvPr/>
+      </p:nvGrpSpPr>
+      <p:grpSpPr>
+        <a:xfrm>
+          <a:off x="0" y="0"/>
+          <a:ext cx="0" cy="0"/>
+          <a:chOff x="0" y="0"/>
+          <a:chExt cx="0" cy="0"/>
+        </a:xfrm>
+      </p:grpSpPr>
+      <p:grpSp>
+        <p:nvGrpSpPr>
+          <p:cNvPr id="50" name="Group 49"/>
+          <p:cNvGrpSpPr/>
+          <p:nvPr/>
+        </p:nvGrpSpPr>
+        <p:grpSpPr>
+          <a:xfrm>
+            <a:off x="4010190" y="1821094"/>
+            <a:ext cx="3740834" cy="2807647"/>
+            <a:chOff x="4010190" y="1821094"/>
+            <a:chExt cx="3740834" cy="2807647"/>
+          </a:xfrm>
+        </p:grpSpPr>
+        <p:cxnSp>
+          <p:nvCxnSpPr>
+            <p:cNvPr id="5" name="Straight Arrow Connector 4"/>
+            <p:cNvCxnSpPr/>
+            <p:nvPr/>
+          </p:nvCxnSpPr>
+          <p:spPr>
+            <a:xfrm flipV="1">
+              <a:off x="4403890" y="2415405"/>
+              <a:ext cx="0" cy="2009104"/>
+            </a:xfrm>
+            <a:prstGeom prst="straightConnector1">
+              <a:avLst/>
+            </a:prstGeom>
+            <a:ln w="28575">
+              <a:solidFill>
+                <a:schemeClr val="tx1"/>
+              </a:solidFill>
+              <a:tailEnd type="triangle"/>
+            </a:ln>
+          </p:spPr>
+          <p:style>
+            <a:lnRef idx="1">
+              <a:schemeClr val="accent1"/>
+            </a:lnRef>
+            <a:fillRef idx="0">
+              <a:schemeClr val="accent1"/>
+            </a:fillRef>
+            <a:effectRef idx="0">
+              <a:schemeClr val="accent1"/>
+            </a:effectRef>
+            <a:fontRef idx="minor">
+              <a:schemeClr val="tx1"/>
+            </a:fontRef>
+          </p:style>
+        </p:cxnSp>
+        <p:cxnSp>
+          <p:nvCxnSpPr>
+            <p:cNvPr id="6" name="Straight Arrow Connector 5"/>
+            <p:cNvCxnSpPr/>
+            <p:nvPr/>
+          </p:nvCxnSpPr>
+          <p:spPr>
+            <a:xfrm>
+              <a:off x="4391190" y="4424509"/>
+              <a:ext cx="2772000" cy="0"/>
+            </a:xfrm>
+            <a:prstGeom prst="straightConnector1">
+              <a:avLst/>
+            </a:prstGeom>
+            <a:ln w="28575">
+              <a:solidFill>
+                <a:schemeClr val="tx1"/>
+              </a:solidFill>
+              <a:tailEnd type="triangle"/>
+            </a:ln>
+          </p:spPr>
+          <p:style>
+            <a:lnRef idx="1">
+              <a:schemeClr val="accent1"/>
+            </a:lnRef>
+            <a:fillRef idx="0">
+              <a:schemeClr val="accent1"/>
+            </a:fillRef>
+            <a:effectRef idx="0">
+              <a:schemeClr val="accent1"/>
+            </a:effectRef>
+            <a:fontRef idx="minor">
+              <a:schemeClr val="tx1"/>
+            </a:fontRef>
+          </p:style>
+        </p:cxnSp>
+        <p:sp>
+          <p:nvSpPr>
+            <p:cNvPr id="7" name="Oval 6"/>
+            <p:cNvSpPr/>
+            <p:nvPr/>
+          </p:nvSpPr>
+          <p:spPr>
+            <a:xfrm>
+              <a:off x="5312521" y="3819300"/>
+              <a:ext cx="146765" cy="154547"/>
+            </a:xfrm>
+            <a:prstGeom prst="ellipse">
+              <a:avLst/>
+            </a:prstGeom>
+            <a:solidFill>
+              <a:schemeClr val="accent5"/>
+            </a:solidFill>
+            <a:ln>
+              <a:solidFill>
+                <a:schemeClr val="accent5"/>
+              </a:solidFill>
+            </a:ln>
+          </p:spPr>
+          <p:style>
+            <a:lnRef idx="2">
+              <a:schemeClr val="accent1">
+                <a:shade val="50000"/>
+              </a:schemeClr>
+            </a:lnRef>
+            <a:fillRef idx="1">
+              <a:schemeClr val="accent1"/>
+            </a:fillRef>
+            <a:effectRef idx="0">
+              <a:schemeClr val="accent1"/>
+            </a:effectRef>
+            <a:fontRef idx="minor">
+              <a:schemeClr val="lt1"/>
+            </a:fontRef>
+          </p:style>
+          <p:txBody>
+            <a:bodyPr rtlCol="0" anchor="ctr"/>
+            <a:lstStyle/>
+            <a:p>
+              <a:pPr algn="ctr"/>
+              <a:endParaRPr lang="pt-BR"/>
+            </a:p>
+          </p:txBody>
+        </p:sp>
+        <p:sp>
+          <p:nvSpPr>
+            <p:cNvPr id="8" name="Isosceles Triangle 7"/>
+            <p:cNvSpPr/>
+            <p:nvPr/>
+          </p:nvSpPr>
+          <p:spPr>
+            <a:xfrm>
+              <a:off x="4928082" y="2433336"/>
+              <a:ext cx="133350" cy="165100"/>
+            </a:xfrm>
+            <a:prstGeom prst="triangle">
+              <a:avLst/>
+            </a:prstGeom>
+            <a:solidFill>
+              <a:srgbClr val="FF0000"/>
+            </a:solidFill>
+            <a:ln>
+              <a:solidFill>
+                <a:srgbClr val="FF0000"/>
+              </a:solidFill>
+            </a:ln>
+          </p:spPr>
+          <p:style>
+            <a:lnRef idx="2">
+              <a:schemeClr val="accent1">
+                <a:shade val="50000"/>
+              </a:schemeClr>
+            </a:lnRef>
+            <a:fillRef idx="1">
+              <a:schemeClr val="accent1"/>
+            </a:fillRef>
+            <a:effectRef idx="0">
+              <a:schemeClr val="accent1"/>
+            </a:effectRef>
+            <a:fontRef idx="minor">
+              <a:schemeClr val="lt1"/>
+            </a:fontRef>
+          </p:style>
+          <p:txBody>
+            <a:bodyPr rtlCol="0" anchor="ctr"/>
+            <a:lstStyle/>
+            <a:p>
+              <a:pPr algn="ctr"/>
+              <a:endParaRPr lang="pt-BR"/>
+            </a:p>
+          </p:txBody>
+        </p:sp>
+        <p:cxnSp>
+          <p:nvCxnSpPr>
+            <p:cNvPr id="9" name="Straight Connector 8"/>
+            <p:cNvCxnSpPr/>
+            <p:nvPr/>
+          </p:nvCxnSpPr>
+          <p:spPr>
+            <a:xfrm>
+              <a:off x="4402673" y="2616367"/>
+              <a:ext cx="2664000" cy="1728000"/>
+            </a:xfrm>
+            <a:prstGeom prst="line">
+              <a:avLst/>
+            </a:prstGeom>
+            <a:ln w="12700">
+              <a:solidFill>
+                <a:schemeClr val="tx1"/>
+              </a:solidFill>
+            </a:ln>
+          </p:spPr>
+          <p:style>
+            <a:lnRef idx="1">
+              <a:schemeClr val="accent1"/>
+            </a:lnRef>
+            <a:fillRef idx="0">
+              <a:schemeClr val="accent1"/>
+            </a:fillRef>
+            <a:effectRef idx="0">
+              <a:schemeClr val="accent1"/>
+            </a:effectRef>
+            <a:fontRef idx="minor">
+              <a:schemeClr val="tx1"/>
+            </a:fontRef>
+          </p:style>
+        </p:cxnSp>
+        <p:sp>
+          <p:nvSpPr>
+            <p:cNvPr id="10" name="Oval 9"/>
+            <p:cNvSpPr/>
+            <p:nvPr/>
+          </p:nvSpPr>
+          <p:spPr>
+            <a:xfrm>
+              <a:off x="5076117" y="3546619"/>
+              <a:ext cx="146765" cy="154547"/>
+            </a:xfrm>
+            <a:prstGeom prst="ellipse">
+              <a:avLst/>
+            </a:prstGeom>
+            <a:solidFill>
+              <a:schemeClr val="accent5"/>
+            </a:solidFill>
+            <a:ln>
+              <a:solidFill>
+                <a:schemeClr val="accent5"/>
+              </a:solidFill>
+            </a:ln>
+          </p:spPr>
+          <p:style>
+            <a:lnRef idx="2">
+              <a:schemeClr val="accent1">
+                <a:shade val="50000"/>
+              </a:schemeClr>
+            </a:lnRef>
+            <a:fillRef idx="1">
+              <a:schemeClr val="accent1"/>
+            </a:fillRef>
+            <a:effectRef idx="0">
+              <a:schemeClr val="accent1"/>
+            </a:effectRef>
+            <a:fontRef idx="minor">
+              <a:schemeClr val="lt1"/>
+            </a:fontRef>
+          </p:style>
+          <p:txBody>
+            <a:bodyPr rtlCol="0" anchor="ctr"/>
+            <a:lstStyle/>
+            <a:p>
+              <a:pPr algn="ctr"/>
+              <a:endParaRPr lang="pt-BR"/>
+            </a:p>
+          </p:txBody>
+        </p:sp>
+        <p:sp>
+          <p:nvSpPr>
+            <p:cNvPr id="11" name="Oval 10"/>
+            <p:cNvSpPr/>
+            <p:nvPr/>
+          </p:nvSpPr>
+          <p:spPr>
+            <a:xfrm>
+              <a:off x="4636086" y="4026266"/>
+              <a:ext cx="146765" cy="154547"/>
+            </a:xfrm>
+            <a:prstGeom prst="ellipse">
+              <a:avLst/>
+            </a:prstGeom>
+            <a:solidFill>
+              <a:schemeClr val="accent5"/>
+            </a:solidFill>
+            <a:ln>
+              <a:solidFill>
+                <a:schemeClr val="accent5"/>
+              </a:solidFill>
+            </a:ln>
+          </p:spPr>
+          <p:style>
+            <a:lnRef idx="2">
+              <a:schemeClr val="accent1">
+                <a:shade val="50000"/>
+              </a:schemeClr>
+            </a:lnRef>
+            <a:fillRef idx="1">
+              <a:schemeClr val="accent1"/>
+            </a:fillRef>
+            <a:effectRef idx="0">
+              <a:schemeClr val="accent1"/>
+            </a:effectRef>
+            <a:fontRef idx="minor">
+              <a:schemeClr val="lt1"/>
+            </a:fontRef>
+          </p:style>
+          <p:txBody>
+            <a:bodyPr rtlCol="0" anchor="ctr"/>
+            <a:lstStyle/>
+            <a:p>
+              <a:pPr algn="ctr"/>
+              <a:endParaRPr lang="pt-BR"/>
+            </a:p>
+          </p:txBody>
+        </p:sp>
+        <p:sp>
+          <p:nvSpPr>
+            <p:cNvPr id="12" name="Oval 11"/>
+            <p:cNvSpPr/>
+            <p:nvPr/>
+          </p:nvSpPr>
+          <p:spPr>
+            <a:xfrm>
+              <a:off x="5688595" y="3846095"/>
+              <a:ext cx="146765" cy="154547"/>
+            </a:xfrm>
+            <a:prstGeom prst="ellipse">
+              <a:avLst/>
+            </a:prstGeom>
+            <a:solidFill>
+              <a:schemeClr val="accent5"/>
+            </a:solidFill>
+            <a:ln>
+              <a:solidFill>
+                <a:schemeClr val="accent5"/>
+              </a:solidFill>
+            </a:ln>
+          </p:spPr>
+          <p:style>
+            <a:lnRef idx="2">
+              <a:schemeClr val="accent1">
+                <a:shade val="50000"/>
+              </a:schemeClr>
+            </a:lnRef>
+            <a:fillRef idx="1">
+              <a:schemeClr val="accent1"/>
+            </a:fillRef>
+            <a:effectRef idx="0">
+              <a:schemeClr val="accent1"/>
+            </a:effectRef>
+            <a:fontRef idx="minor">
+              <a:schemeClr val="lt1"/>
+            </a:fontRef>
+          </p:style>
+          <p:txBody>
+            <a:bodyPr rtlCol="0" anchor="ctr"/>
+            <a:lstStyle/>
+            <a:p>
+              <a:pPr algn="ctr"/>
+              <a:endParaRPr lang="pt-BR"/>
+            </a:p>
+          </p:txBody>
+        </p:sp>
+        <p:sp>
+          <p:nvSpPr>
+            <p:cNvPr id="13" name="Oval 12"/>
+            <p:cNvSpPr/>
+            <p:nvPr/>
+          </p:nvSpPr>
+          <p:spPr>
+            <a:xfrm>
+              <a:off x="4728351" y="3533536"/>
+              <a:ext cx="146765" cy="154547"/>
+            </a:xfrm>
+            <a:prstGeom prst="ellipse">
+              <a:avLst/>
+            </a:prstGeom>
+            <a:solidFill>
+              <a:schemeClr val="accent5"/>
+            </a:solidFill>
+            <a:ln>
+              <a:solidFill>
+                <a:schemeClr val="accent5"/>
+              </a:solidFill>
+            </a:ln>
+          </p:spPr>
+          <p:style>
+            <a:lnRef idx="2">
+              <a:schemeClr val="accent1">
+                <a:shade val="50000"/>
+              </a:schemeClr>
+            </a:lnRef>
+            <a:fillRef idx="1">
+              <a:schemeClr val="accent1"/>
+            </a:fillRef>
+            <a:effectRef idx="0">
+              <a:schemeClr val="accent1"/>
+            </a:effectRef>
+            <a:fontRef idx="minor">
+              <a:schemeClr val="lt1"/>
+            </a:fontRef>
+          </p:style>
+          <p:txBody>
+            <a:bodyPr rtlCol="0" anchor="ctr"/>
+            <a:lstStyle/>
+            <a:p>
+              <a:pPr algn="ctr"/>
+              <a:endParaRPr lang="pt-BR"/>
+            </a:p>
+          </p:txBody>
+        </p:sp>
+        <p:sp>
+          <p:nvSpPr>
+            <p:cNvPr id="14" name="Oval 13"/>
+            <p:cNvSpPr/>
+            <p:nvPr/>
+          </p:nvSpPr>
+          <p:spPr>
+            <a:xfrm>
+              <a:off x="4812863" y="3219326"/>
+              <a:ext cx="152400" cy="154547"/>
+            </a:xfrm>
+            <a:prstGeom prst="ellipse">
+              <a:avLst/>
+            </a:prstGeom>
+            <a:solidFill>
+              <a:schemeClr val="accent5"/>
+            </a:solidFill>
+            <a:ln>
+              <a:solidFill>
+                <a:schemeClr val="accent5"/>
+              </a:solidFill>
+            </a:ln>
+          </p:spPr>
+          <p:style>
+            <a:lnRef idx="2">
+              <a:schemeClr val="accent1">
+                <a:shade val="50000"/>
+              </a:schemeClr>
+            </a:lnRef>
+            <a:fillRef idx="1">
+              <a:schemeClr val="accent1"/>
+            </a:fillRef>
+            <a:effectRef idx="0">
+              <a:schemeClr val="accent1"/>
+            </a:effectRef>
+            <a:fontRef idx="minor">
+              <a:schemeClr val="lt1"/>
+            </a:fontRef>
+          </p:style>
+          <p:txBody>
+            <a:bodyPr rtlCol="0" anchor="ctr"/>
+            <a:lstStyle/>
+            <a:p>
+              <a:pPr algn="ctr"/>
+              <a:endParaRPr lang="pt-BR"/>
+            </a:p>
+          </p:txBody>
+        </p:sp>
+        <p:sp>
+          <p:nvSpPr>
+            <p:cNvPr id="15" name="Oval 14"/>
+            <p:cNvSpPr/>
+            <p:nvPr/>
+          </p:nvSpPr>
+          <p:spPr>
+            <a:xfrm>
+              <a:off x="5512242" y="3393649"/>
+              <a:ext cx="146765" cy="154547"/>
+            </a:xfrm>
+            <a:prstGeom prst="ellipse">
+              <a:avLst/>
+            </a:prstGeom>
+            <a:solidFill>
+              <a:schemeClr val="accent5"/>
+            </a:solidFill>
+            <a:ln>
+              <a:solidFill>
+                <a:schemeClr val="accent5"/>
+              </a:solidFill>
+            </a:ln>
+          </p:spPr>
+          <p:style>
+            <a:lnRef idx="2">
+              <a:schemeClr val="accent1">
+                <a:shade val="50000"/>
+              </a:schemeClr>
+            </a:lnRef>
+            <a:fillRef idx="1">
+              <a:schemeClr val="accent1"/>
+            </a:fillRef>
+            <a:effectRef idx="0">
+              <a:schemeClr val="accent1"/>
+            </a:effectRef>
+            <a:fontRef idx="minor">
+              <a:schemeClr val="lt1"/>
+            </a:fontRef>
+          </p:style>
+          <p:txBody>
+            <a:bodyPr rtlCol="0" anchor="ctr"/>
+            <a:lstStyle/>
+            <a:p>
+              <a:pPr algn="ctr"/>
+              <a:endParaRPr lang="pt-BR"/>
+            </a:p>
+          </p:txBody>
+        </p:sp>
+        <p:sp>
+          <p:nvSpPr>
+            <p:cNvPr id="16" name="Isosceles Triangle 15"/>
+            <p:cNvSpPr/>
+            <p:nvPr/>
+          </p:nvSpPr>
+          <p:spPr>
+            <a:xfrm>
+              <a:off x="6219587" y="2814337"/>
+              <a:ext cx="133350" cy="165100"/>
+            </a:xfrm>
+            <a:prstGeom prst="triangle">
+              <a:avLst/>
+            </a:prstGeom>
+            <a:solidFill>
+              <a:srgbClr val="FF0000"/>
+            </a:solidFill>
+            <a:ln>
+              <a:solidFill>
+                <a:srgbClr val="FF0000"/>
+              </a:solidFill>
+            </a:ln>
+          </p:spPr>
+          <p:style>
+            <a:lnRef idx="2">
+              <a:schemeClr val="accent1">
+                <a:shade val="50000"/>
+              </a:schemeClr>
+            </a:lnRef>
+            <a:fillRef idx="1">
+              <a:schemeClr val="accent1"/>
+            </a:fillRef>
+            <a:effectRef idx="0">
+              <a:schemeClr val="accent1"/>
+            </a:effectRef>
+            <a:fontRef idx="minor">
+              <a:schemeClr val="lt1"/>
+            </a:fontRef>
+          </p:style>
+          <p:txBody>
+            <a:bodyPr rtlCol="0" anchor="ctr"/>
+            <a:lstStyle/>
+            <a:p>
+              <a:pPr algn="ctr"/>
+              <a:endParaRPr lang="pt-BR"/>
+            </a:p>
+          </p:txBody>
+        </p:sp>
+        <p:sp>
+          <p:nvSpPr>
+            <p:cNvPr id="17" name="Isosceles Triangle 16"/>
+            <p:cNvSpPr/>
+            <p:nvPr/>
+          </p:nvSpPr>
+          <p:spPr>
+            <a:xfrm>
+              <a:off x="5912596" y="3010068"/>
+              <a:ext cx="133350" cy="165100"/>
+            </a:xfrm>
+            <a:prstGeom prst="triangle">
+              <a:avLst/>
+            </a:prstGeom>
+            <a:solidFill>
+              <a:srgbClr val="FF0000"/>
+            </a:solidFill>
+            <a:ln>
+              <a:solidFill>
+                <a:srgbClr val="FF0000"/>
+              </a:solidFill>
+            </a:ln>
+          </p:spPr>
+          <p:style>
+            <a:lnRef idx="2">
+              <a:schemeClr val="accent1">
+                <a:shade val="50000"/>
+              </a:schemeClr>
+            </a:lnRef>
+            <a:fillRef idx="1">
+              <a:schemeClr val="accent1"/>
+            </a:fillRef>
+            <a:effectRef idx="0">
+              <a:schemeClr val="accent1"/>
+            </a:effectRef>
+            <a:fontRef idx="minor">
+              <a:schemeClr val="lt1"/>
+            </a:fontRef>
+          </p:style>
+          <p:txBody>
+            <a:bodyPr rtlCol="0" anchor="ctr"/>
+            <a:lstStyle/>
+            <a:p>
+              <a:pPr algn="ctr"/>
+              <a:endParaRPr lang="pt-BR"/>
+            </a:p>
+          </p:txBody>
+        </p:sp>
+        <p:sp>
+          <p:nvSpPr>
+            <p:cNvPr id="18" name="Isosceles Triangle 17"/>
+            <p:cNvSpPr/>
+            <p:nvPr/>
+          </p:nvSpPr>
+          <p:spPr>
+            <a:xfrm>
+              <a:off x="5914244" y="3424248"/>
+              <a:ext cx="133350" cy="165100"/>
+            </a:xfrm>
+            <a:prstGeom prst="triangle">
+              <a:avLst/>
+            </a:prstGeom>
+            <a:solidFill>
+              <a:srgbClr val="FF0000"/>
+            </a:solidFill>
+            <a:ln>
+              <a:solidFill>
+                <a:srgbClr val="FF0000"/>
+              </a:solidFill>
+            </a:ln>
+          </p:spPr>
+          <p:style>
+            <a:lnRef idx="2">
+              <a:schemeClr val="accent1">
+                <a:shade val="50000"/>
+              </a:schemeClr>
+            </a:lnRef>
+            <a:fillRef idx="1">
+              <a:schemeClr val="accent1"/>
+            </a:fillRef>
+            <a:effectRef idx="0">
+              <a:schemeClr val="accent1"/>
+            </a:effectRef>
+            <a:fontRef idx="minor">
+              <a:schemeClr val="lt1"/>
+            </a:fontRef>
+          </p:style>
+          <p:txBody>
+            <a:bodyPr rtlCol="0" anchor="ctr"/>
+            <a:lstStyle/>
+            <a:p>
+              <a:pPr algn="ctr"/>
+              <a:endParaRPr lang="pt-BR"/>
+            </a:p>
+          </p:txBody>
+        </p:sp>
+        <p:sp>
+          <p:nvSpPr>
+            <p:cNvPr id="19" name="Isosceles Triangle 18"/>
+            <p:cNvSpPr/>
+            <p:nvPr/>
+          </p:nvSpPr>
+          <p:spPr>
+            <a:xfrm>
+              <a:off x="5585624" y="2876475"/>
+              <a:ext cx="133350" cy="165100"/>
+            </a:xfrm>
+            <a:prstGeom prst="triangle">
+              <a:avLst/>
+            </a:prstGeom>
+            <a:solidFill>
+              <a:srgbClr val="FF0000"/>
+            </a:solidFill>
+            <a:ln>
+              <a:solidFill>
+                <a:srgbClr val="FF0000"/>
+              </a:solidFill>
+            </a:ln>
+          </p:spPr>
+          <p:style>
+            <a:lnRef idx="2">
+              <a:schemeClr val="accent1">
+                <a:shade val="50000"/>
+              </a:schemeClr>
+            </a:lnRef>
+            <a:fillRef idx="1">
+              <a:schemeClr val="accent1"/>
+            </a:fillRef>
+            <a:effectRef idx="0">
+              <a:schemeClr val="accent1"/>
+            </a:effectRef>
+            <a:fontRef idx="minor">
+              <a:schemeClr val="lt1"/>
+            </a:fontRef>
+          </p:style>
+          <p:txBody>
+            <a:bodyPr rtlCol="0" anchor="ctr"/>
+            <a:lstStyle/>
+            <a:p>
+              <a:pPr algn="ctr"/>
+              <a:endParaRPr lang="pt-BR"/>
+            </a:p>
+          </p:txBody>
+        </p:sp>
+        <p:sp>
+          <p:nvSpPr>
+            <p:cNvPr id="20" name="Isosceles Triangle 19"/>
+            <p:cNvSpPr/>
+            <p:nvPr/>
+          </p:nvSpPr>
+          <p:spPr>
+            <a:xfrm>
+              <a:off x="5889909" y="2512355"/>
+              <a:ext cx="133350" cy="165100"/>
+            </a:xfrm>
+            <a:prstGeom prst="triangle">
+              <a:avLst/>
+            </a:prstGeom>
+            <a:solidFill>
+              <a:srgbClr val="FF0000"/>
+            </a:solidFill>
+            <a:ln>
+              <a:solidFill>
+                <a:srgbClr val="FF0000"/>
+              </a:solidFill>
+            </a:ln>
+          </p:spPr>
+          <p:style>
+            <a:lnRef idx="2">
+              <a:schemeClr val="accent1">
+                <a:shade val="50000"/>
+              </a:schemeClr>
+            </a:lnRef>
+            <a:fillRef idx="1">
+              <a:schemeClr val="accent1"/>
+            </a:fillRef>
+            <a:effectRef idx="0">
+              <a:schemeClr val="accent1"/>
+            </a:effectRef>
+            <a:fontRef idx="minor">
+              <a:schemeClr val="lt1"/>
+            </a:fontRef>
+          </p:style>
+          <p:txBody>
+            <a:bodyPr rtlCol="0" anchor="ctr"/>
+            <a:lstStyle/>
+            <a:p>
+              <a:pPr algn="ctr"/>
+              <a:endParaRPr lang="pt-BR"/>
+            </a:p>
+          </p:txBody>
+        </p:sp>
+        <p:sp>
+          <p:nvSpPr>
+            <p:cNvPr id="21" name="Isosceles Triangle 20"/>
+            <p:cNvSpPr/>
+            <p:nvPr/>
+          </p:nvSpPr>
+          <p:spPr>
+            <a:xfrm>
+              <a:off x="5149499" y="2657256"/>
+              <a:ext cx="133350" cy="165100"/>
+            </a:xfrm>
+            <a:prstGeom prst="triangle">
+              <a:avLst/>
+            </a:prstGeom>
+            <a:solidFill>
+              <a:srgbClr val="FF0000"/>
+            </a:solidFill>
+            <a:ln>
+              <a:solidFill>
+                <a:srgbClr val="FF0000"/>
+              </a:solidFill>
+            </a:ln>
+          </p:spPr>
+          <p:style>
+            <a:lnRef idx="2">
+              <a:schemeClr val="accent1">
+                <a:shade val="50000"/>
+              </a:schemeClr>
+            </a:lnRef>
+            <a:fillRef idx="1">
+              <a:schemeClr val="accent1"/>
+            </a:fillRef>
+            <a:effectRef idx="0">
+              <a:schemeClr val="accent1"/>
+            </a:effectRef>
+            <a:fontRef idx="minor">
+              <a:schemeClr val="lt1"/>
+            </a:fontRef>
+          </p:style>
+          <p:txBody>
+            <a:bodyPr rtlCol="0" anchor="ctr"/>
+            <a:lstStyle/>
+            <a:p>
+              <a:pPr algn="ctr"/>
+              <a:endParaRPr lang="pt-BR"/>
+            </a:p>
+          </p:txBody>
+        </p:sp>
+        <p:sp>
+          <p:nvSpPr>
+            <p:cNvPr id="22" name="Isosceles Triangle 21"/>
+            <p:cNvSpPr/>
+            <p:nvPr/>
+          </p:nvSpPr>
+          <p:spPr>
+            <a:xfrm>
+              <a:off x="6422959" y="3139606"/>
+              <a:ext cx="133350" cy="165100"/>
+            </a:xfrm>
+            <a:prstGeom prst="triangle">
+              <a:avLst/>
+            </a:prstGeom>
+            <a:solidFill>
+              <a:srgbClr val="FF0000"/>
+            </a:solidFill>
+            <a:ln>
+              <a:solidFill>
+                <a:srgbClr val="FF0000"/>
+              </a:solidFill>
+            </a:ln>
+          </p:spPr>
+          <p:style>
+            <a:lnRef idx="2">
+              <a:schemeClr val="accent1">
+                <a:shade val="50000"/>
+              </a:schemeClr>
+            </a:lnRef>
+            <a:fillRef idx="1">
+              <a:schemeClr val="accent1"/>
+            </a:fillRef>
+            <a:effectRef idx="0">
+              <a:schemeClr val="accent1"/>
+            </a:effectRef>
+            <a:fontRef idx="minor">
+              <a:schemeClr val="lt1"/>
+            </a:fontRef>
+          </p:style>
+          <p:txBody>
+            <a:bodyPr rtlCol="0" anchor="ctr"/>
+            <a:lstStyle/>
+            <a:p>
+              <a:pPr algn="ctr"/>
+              <a:endParaRPr lang="pt-BR"/>
+            </a:p>
+          </p:txBody>
+        </p:sp>
+        <mc:AlternateContent xmlns:mc="http://schemas.openxmlformats.org/markup-compatibility/2006" xmlns:a14="http://schemas.microsoft.com/office/drawing/2010/main">
+          <mc:Choice Requires="a14">
+            <p:sp>
+              <p:nvSpPr>
+                <p:cNvPr id="23" name="Rectangle 22"/>
+                <p:cNvSpPr/>
+                <p:nvPr/>
+              </p:nvSpPr>
+              <p:spPr>
+                <a:xfrm>
+                  <a:off x="5029533" y="3989093"/>
+                  <a:ext cx="521168" cy="400110"/>
+                </a:xfrm>
+                <a:prstGeom prst="rect">
+                  <a:avLst/>
+                </a:prstGeom>
+              </p:spPr>
+              <p:txBody>
+                <a:bodyPr wrap="none">
+                  <a:spAutoFit/>
+                </a:bodyPr>
+                <a:lstStyle/>
+                <a:p>
+                  <a:pPr/>
+                  <a14:m>
+                    <m:oMathPara xmlns:m="http://schemas.openxmlformats.org/officeDocument/2006/math">
+                      <m:oMathParaPr>
+                        <m:jc m:val="centerGroup"/>
+                      </m:oMathParaPr>
+                      <m:oMath xmlns:m="http://schemas.openxmlformats.org/officeDocument/2006/math">
+                        <m:sSub>
+                          <m:sSubPr>
+                            <m:ctrlPr>
+                              <a:rPr lang="pt-BR" sz="2000" i="1" smtClean="0">
+                                <a:latin typeface="Cambria Math" panose="02040503050406030204" pitchFamily="18" charset="0"/>
+                              </a:rPr>
+                            </m:ctrlPr>
+                          </m:sSubPr>
+                          <m:e>
+                            <m:r>
+                              <a:rPr lang="pt-BR" sz="2000" i="1">
+                                <a:latin typeface="Cambria Math" panose="02040503050406030204" pitchFamily="18" charset="0"/>
+                              </a:rPr>
+                              <m:t>𝑅</m:t>
+                            </m:r>
+                          </m:e>
+                          <m:sub>
+                            <m:r>
+                              <a:rPr lang="pt-BR" sz="2000" b="0" i="1" smtClean="0">
+                                <a:latin typeface="Cambria Math" panose="02040503050406030204" pitchFamily="18" charset="0"/>
+                              </a:rPr>
+                              <m:t>2</m:t>
+                            </m:r>
+                          </m:sub>
+                        </m:sSub>
+                      </m:oMath>
+                    </m:oMathPara>
+                  </a14:m>
+                  <a:endParaRPr lang="pt-BR" sz="2000" dirty="0"/>
+                </a:p>
+              </p:txBody>
+            </p:sp>
+          </mc:Choice>
+          <mc:Fallback xmlns="">
+            <p:sp>
+              <p:nvSpPr>
+                <p:cNvPr id="23" name="Rectangle 22"/>
+                <p:cNvSpPr>
+                  <a:spLocks noRot="1" noChangeAspect="1" noMove="1" noResize="1" noEditPoints="1" noAdjustHandles="1" noChangeArrowheads="1" noChangeShapeType="1" noTextEdit="1"/>
+                </p:cNvSpPr>
+                <p:nvPr/>
+              </p:nvSpPr>
+              <p:spPr>
+                <a:xfrm>
+                  <a:off x="5029533" y="3989093"/>
+                  <a:ext cx="521168" cy="400110"/>
+                </a:xfrm>
+                <a:prstGeom prst="rect">
+                  <a:avLst/>
+                </a:prstGeom>
+                <a:blipFill rotWithShape="0">
+                  <a:blip r:embed="rId2"/>
+                  <a:stretch>
+                    <a:fillRect/>
+                  </a:stretch>
+                </a:blipFill>
+              </p:spPr>
+              <p:txBody>
+                <a:bodyPr/>
+                <a:lstStyle/>
+                <a:p>
+                  <a:r>
+                    <a:rPr lang="pt-BR">
+                      <a:noFill/>
+                    </a:rPr>
+                    <a:t> </a:t>
+                  </a:r>
+                </a:p>
+              </p:txBody>
+            </p:sp>
+          </mc:Fallback>
+        </mc:AlternateContent>
+        <mc:AlternateContent xmlns:mc="http://schemas.openxmlformats.org/markup-compatibility/2006" xmlns:a14="http://schemas.microsoft.com/office/drawing/2010/main">
+          <mc:Choice Requires="a14">
+            <p:sp>
+              <p:nvSpPr>
+                <p:cNvPr id="24" name="Rectangle 23"/>
+                <p:cNvSpPr/>
+                <p:nvPr/>
+              </p:nvSpPr>
+              <p:spPr>
+                <a:xfrm>
+                  <a:off x="6674365" y="2967590"/>
+                  <a:ext cx="515206" cy="400110"/>
+                </a:xfrm>
+                <a:prstGeom prst="rect">
+                  <a:avLst/>
+                </a:prstGeom>
+              </p:spPr>
+              <p:txBody>
+                <a:bodyPr wrap="none">
+                  <a:spAutoFit/>
+                </a:bodyPr>
+                <a:lstStyle/>
+                <a:p>
+                  <a:pPr/>
+                  <a14:m>
+                    <m:oMathPara xmlns:m="http://schemas.openxmlformats.org/officeDocument/2006/math">
+                      <m:oMathParaPr>
+                        <m:jc m:val="centerGroup"/>
+                      </m:oMathParaPr>
+                      <m:oMath xmlns:m="http://schemas.openxmlformats.org/officeDocument/2006/math">
+                        <m:sSub>
+                          <m:sSubPr>
+                            <m:ctrlPr>
+                              <a:rPr lang="pt-BR" sz="2000" i="1" smtClean="0">
+                                <a:latin typeface="Cambria Math" panose="02040503050406030204" pitchFamily="18" charset="0"/>
+                              </a:rPr>
+                            </m:ctrlPr>
+                          </m:sSubPr>
+                          <m:e>
+                            <m:r>
+                              <a:rPr lang="pt-BR" sz="2000" i="1">
+                                <a:latin typeface="Cambria Math" panose="02040503050406030204" pitchFamily="18" charset="0"/>
+                              </a:rPr>
+                              <m:t>𝑅</m:t>
+                            </m:r>
+                          </m:e>
+                          <m:sub>
+                            <m:r>
+                              <a:rPr lang="pt-BR" sz="2000" b="0" i="1" smtClean="0">
+                                <a:latin typeface="Cambria Math" panose="02040503050406030204" pitchFamily="18" charset="0"/>
+                              </a:rPr>
+                              <m:t>1</m:t>
+                            </m:r>
+                          </m:sub>
+                        </m:sSub>
+                      </m:oMath>
+                    </m:oMathPara>
+                  </a14:m>
+                  <a:endParaRPr lang="pt-BR" sz="2000" dirty="0"/>
+                </a:p>
+              </p:txBody>
+            </p:sp>
+          </mc:Choice>
+          <mc:Fallback xmlns="">
+            <p:sp>
+              <p:nvSpPr>
+                <p:cNvPr id="24" name="Rectangle 23"/>
+                <p:cNvSpPr>
+                  <a:spLocks noRot="1" noChangeAspect="1" noMove="1" noResize="1" noEditPoints="1" noAdjustHandles="1" noChangeArrowheads="1" noChangeShapeType="1" noTextEdit="1"/>
+                </p:cNvSpPr>
+                <p:nvPr/>
+              </p:nvSpPr>
+              <p:spPr>
+                <a:xfrm>
+                  <a:off x="6674365" y="2967590"/>
+                  <a:ext cx="515206" cy="400110"/>
+                </a:xfrm>
+                <a:prstGeom prst="rect">
+                  <a:avLst/>
+                </a:prstGeom>
+                <a:blipFill rotWithShape="0">
+                  <a:blip r:embed="rId3"/>
+                  <a:stretch>
+                    <a:fillRect/>
+                  </a:stretch>
+                </a:blipFill>
+              </p:spPr>
+              <p:txBody>
+                <a:bodyPr/>
+                <a:lstStyle/>
+                <a:p>
+                  <a:r>
+                    <a:rPr lang="pt-BR">
+                      <a:noFill/>
+                    </a:rPr>
+                    <a:t> </a:t>
+                  </a:r>
+                </a:p>
+              </p:txBody>
+            </p:sp>
+          </mc:Fallback>
+        </mc:AlternateContent>
+        <mc:AlternateContent xmlns:mc="http://schemas.openxmlformats.org/markup-compatibility/2006" xmlns:a14="http://schemas.microsoft.com/office/drawing/2010/main">
+          <mc:Choice Requires="a14">
+            <p:sp>
+              <p:nvSpPr>
+                <p:cNvPr id="25" name="TextBox 24"/>
+                <p:cNvSpPr txBox="1"/>
+                <p:nvPr/>
+              </p:nvSpPr>
+              <p:spPr>
+                <a:xfrm>
+                  <a:off x="6963624" y="4259409"/>
+                  <a:ext cx="787400" cy="369332"/>
+                </a:xfrm>
+                <a:prstGeom prst="rect">
+                  <a:avLst/>
+                </a:prstGeom>
+                <a:noFill/>
+              </p:spPr>
+              <p:txBody>
+                <a:bodyPr wrap="square" rtlCol="0">
+                  <a:spAutoFit/>
+                </a:bodyPr>
+                <a:lstStyle/>
+                <a:p>
+                  <a:pPr/>
+                  <a14:m>
+                    <m:oMathPara xmlns:m="http://schemas.openxmlformats.org/officeDocument/2006/math">
+                      <m:oMathParaPr>
+                        <m:jc m:val="centerGroup"/>
+                      </m:oMathParaPr>
+                      <m:oMath xmlns:m="http://schemas.openxmlformats.org/officeDocument/2006/math">
+                        <m:sSub>
+                          <m:sSubPr>
+                            <m:ctrlPr>
+                              <a:rPr lang="pt-BR" i="1" smtClean="0">
+                                <a:latin typeface="Cambria Math" panose="02040503050406030204" pitchFamily="18" charset="0"/>
+                              </a:rPr>
+                            </m:ctrlPr>
+                          </m:sSubPr>
+                          <m:e>
+                            <m:r>
+                              <a:rPr lang="pt-BR" b="0" i="1" smtClean="0">
+                                <a:latin typeface="Cambria Math" panose="02040503050406030204" pitchFamily="18" charset="0"/>
+                              </a:rPr>
+                              <m:t>𝑥</m:t>
+                            </m:r>
+                          </m:e>
+                          <m:sub>
+                            <m:r>
+                              <a:rPr lang="pt-BR" b="0" i="1" smtClean="0">
+                                <a:latin typeface="Cambria Math" panose="02040503050406030204" pitchFamily="18" charset="0"/>
+                              </a:rPr>
+                              <m:t>1</m:t>
+                            </m:r>
+                          </m:sub>
+                        </m:sSub>
+                      </m:oMath>
+                    </m:oMathPara>
+                  </a14:m>
+                  <a:endParaRPr lang="pt-BR" dirty="0"/>
+                </a:p>
+              </p:txBody>
+            </p:sp>
+          </mc:Choice>
+          <mc:Fallback xmlns="">
+            <p:sp>
+              <p:nvSpPr>
+                <p:cNvPr id="25" name="TextBox 24"/>
+                <p:cNvSpPr txBox="1">
+                  <a:spLocks noRot="1" noChangeAspect="1" noMove="1" noResize="1" noEditPoints="1" noAdjustHandles="1" noChangeArrowheads="1" noChangeShapeType="1" noTextEdit="1"/>
+                </p:cNvSpPr>
+                <p:nvPr/>
+              </p:nvSpPr>
+              <p:spPr>
+                <a:xfrm>
+                  <a:off x="6963624" y="4259409"/>
+                  <a:ext cx="787400" cy="369332"/>
+                </a:xfrm>
+                <a:prstGeom prst="rect">
+                  <a:avLst/>
+                </a:prstGeom>
+                <a:blipFill rotWithShape="0">
+                  <a:blip r:embed="rId4"/>
+                  <a:stretch>
+                    <a:fillRect/>
+                  </a:stretch>
+                </a:blipFill>
+              </p:spPr>
+              <p:txBody>
+                <a:bodyPr/>
+                <a:lstStyle/>
+                <a:p>
+                  <a:r>
+                    <a:rPr lang="pt-BR">
+                      <a:noFill/>
+                    </a:rPr>
+                    <a:t> </a:t>
+                  </a:r>
+                </a:p>
+              </p:txBody>
+            </p:sp>
+          </mc:Fallback>
+        </mc:AlternateContent>
+        <mc:AlternateContent xmlns:mc="http://schemas.openxmlformats.org/markup-compatibility/2006" xmlns:a14="http://schemas.microsoft.com/office/drawing/2010/main">
+          <mc:Choice Requires="a14">
+            <p:sp>
+              <p:nvSpPr>
+                <p:cNvPr id="26" name="TextBox 25"/>
+                <p:cNvSpPr txBox="1"/>
+                <p:nvPr/>
+              </p:nvSpPr>
+              <p:spPr>
+                <a:xfrm>
+                  <a:off x="4010190" y="2026508"/>
+                  <a:ext cx="787400" cy="369332"/>
+                </a:xfrm>
+                <a:prstGeom prst="rect">
+                  <a:avLst/>
+                </a:prstGeom>
+                <a:noFill/>
+              </p:spPr>
+              <p:txBody>
+                <a:bodyPr wrap="square" rtlCol="0">
+                  <a:spAutoFit/>
+                </a:bodyPr>
+                <a:lstStyle/>
+                <a:p>
+                  <a:pPr/>
+                  <a14:m>
+                    <m:oMathPara xmlns:m="http://schemas.openxmlformats.org/officeDocument/2006/math">
+                      <m:oMathParaPr>
+                        <m:jc m:val="centerGroup"/>
+                      </m:oMathParaPr>
+                      <m:oMath xmlns:m="http://schemas.openxmlformats.org/officeDocument/2006/math">
+                        <m:sSub>
+                          <m:sSubPr>
+                            <m:ctrlPr>
+                              <a:rPr lang="pt-BR" i="1" smtClean="0">
+                                <a:latin typeface="Cambria Math" panose="02040503050406030204" pitchFamily="18" charset="0"/>
+                              </a:rPr>
+                            </m:ctrlPr>
+                          </m:sSubPr>
+                          <m:e>
+                            <m:r>
+                              <a:rPr lang="pt-BR" b="0" i="1" smtClean="0">
+                                <a:latin typeface="Cambria Math" panose="02040503050406030204" pitchFamily="18" charset="0"/>
+                              </a:rPr>
+                              <m:t>𝑥</m:t>
+                            </m:r>
+                          </m:e>
+                          <m:sub>
+                            <m:r>
+                              <a:rPr lang="pt-BR" b="0" i="1" smtClean="0">
+                                <a:latin typeface="Cambria Math" panose="02040503050406030204" pitchFamily="18" charset="0"/>
+                              </a:rPr>
+                              <m:t>2</m:t>
+                            </m:r>
+                          </m:sub>
+                        </m:sSub>
+                      </m:oMath>
+                    </m:oMathPara>
+                  </a14:m>
+                  <a:endParaRPr lang="pt-BR" dirty="0"/>
+                </a:p>
+              </p:txBody>
+            </p:sp>
+          </mc:Choice>
+          <mc:Fallback xmlns="">
+            <p:sp>
+              <p:nvSpPr>
+                <p:cNvPr id="26" name="TextBox 25"/>
+                <p:cNvSpPr txBox="1">
+                  <a:spLocks noRot="1" noChangeAspect="1" noMove="1" noResize="1" noEditPoints="1" noAdjustHandles="1" noChangeArrowheads="1" noChangeShapeType="1" noTextEdit="1"/>
+                </p:cNvSpPr>
+                <p:nvPr/>
+              </p:nvSpPr>
+              <p:spPr>
+                <a:xfrm>
+                  <a:off x="4010190" y="2026508"/>
+                  <a:ext cx="787400" cy="369332"/>
+                </a:xfrm>
+                <a:prstGeom prst="rect">
+                  <a:avLst/>
+                </a:prstGeom>
+                <a:blipFill rotWithShape="0">
+                  <a:blip r:embed="rId5"/>
+                  <a:stretch>
+                    <a:fillRect/>
+                  </a:stretch>
+                </a:blipFill>
+              </p:spPr>
+              <p:txBody>
+                <a:bodyPr/>
+                <a:lstStyle/>
+                <a:p>
+                  <a:r>
+                    <a:rPr lang="pt-BR">
+                      <a:noFill/>
+                    </a:rPr>
+                    <a:t> </a:t>
+                  </a:r>
+                </a:p>
+              </p:txBody>
+            </p:sp>
+          </mc:Fallback>
+        </mc:AlternateContent>
+        <p:sp>
+          <p:nvSpPr>
+            <p:cNvPr id="28" name="Oval 27"/>
+            <p:cNvSpPr/>
+            <p:nvPr/>
+          </p:nvSpPr>
+          <p:spPr>
+            <a:xfrm>
+              <a:off x="5406766" y="3352981"/>
+              <a:ext cx="788277" cy="273808"/>
+            </a:xfrm>
+            <a:prstGeom prst="ellipse">
+              <a:avLst/>
+            </a:prstGeom>
+            <a:noFill/>
+            <a:ln w="28575">
+              <a:solidFill>
+                <a:srgbClr val="7030A0"/>
+              </a:solidFill>
+            </a:ln>
+          </p:spPr>
+          <p:style>
+            <a:lnRef idx="2">
+              <a:schemeClr val="accent1">
+                <a:shade val="50000"/>
+              </a:schemeClr>
+            </a:lnRef>
+            <a:fillRef idx="1">
+              <a:schemeClr val="accent1"/>
+            </a:fillRef>
+            <a:effectRef idx="0">
+              <a:schemeClr val="accent1"/>
+            </a:effectRef>
+            <a:fontRef idx="minor">
+              <a:schemeClr val="lt1"/>
+            </a:fontRef>
+          </p:style>
+          <p:txBody>
+            <a:bodyPr rtlCol="0" anchor="ctr"/>
+            <a:lstStyle/>
+            <a:p>
+              <a:pPr algn="ctr"/>
+              <a:endParaRPr lang="pt-BR"/>
+            </a:p>
+          </p:txBody>
+        </p:sp>
+        <p:cxnSp>
+          <p:nvCxnSpPr>
+            <p:cNvPr id="30" name="Straight Arrow Connector 29"/>
+            <p:cNvCxnSpPr>
+              <a:stCxn id="28" idx="0"/>
+              <a:endCxn id="31" idx="2"/>
+            </p:cNvCxnSpPr>
+            <p:nvPr/>
+          </p:nvCxnSpPr>
+          <p:spPr>
+            <a:xfrm flipV="1">
+              <a:off x="5800905" y="2344314"/>
+              <a:ext cx="10681" cy="1008667"/>
+            </a:xfrm>
+            <a:prstGeom prst="straightConnector1">
+              <a:avLst/>
+            </a:prstGeom>
+            <a:noFill/>
+            <a:ln w="28575">
+              <a:solidFill>
+                <a:srgbClr val="7030A0"/>
+              </a:solidFill>
+              <a:headEnd type="none" w="med" len="med"/>
+              <a:tailEnd type="arrow" w="med" len="med"/>
+            </a:ln>
+          </p:spPr>
+          <p:style>
+            <a:lnRef idx="2">
+              <a:schemeClr val="accent1">
+                <a:shade val="50000"/>
+              </a:schemeClr>
+            </a:lnRef>
+            <a:fillRef idx="1">
+              <a:schemeClr val="accent1"/>
+            </a:fillRef>
+            <a:effectRef idx="0">
+              <a:schemeClr val="accent1"/>
+            </a:effectRef>
+            <a:fontRef idx="minor">
+              <a:schemeClr val="lt1"/>
+            </a:fontRef>
+          </p:style>
+        </p:cxnSp>
+        <p:sp>
+          <p:nvSpPr>
+            <p:cNvPr id="31" name="TextBox 30"/>
+            <p:cNvSpPr txBox="1"/>
+            <p:nvPr/>
+          </p:nvSpPr>
+          <p:spPr>
+            <a:xfrm>
+              <a:off x="4948806" y="1821094"/>
+              <a:ext cx="1725559" cy="523220"/>
+            </a:xfrm>
+            <a:prstGeom prst="rect">
+              <a:avLst/>
+            </a:prstGeom>
+            <a:noFill/>
+          </p:spPr>
+          <p:txBody>
+            <a:bodyPr wrap="square" rtlCol="0">
+              <a:spAutoFit/>
+            </a:bodyPr>
+            <a:lstStyle/>
+            <a:p>
+              <a:pPr algn="ctr"/>
+              <a:r>
+                <a:rPr lang="pt-BR" sz="1400" dirty="0" smtClean="0"/>
+                <a:t>Qual a certeza destas classificações?</a:t>
+              </a:r>
+              <a:endParaRPr lang="pt-BR" sz="1400" dirty="0"/>
+            </a:p>
+          </p:txBody>
+        </p:sp>
+        <p:sp>
+          <p:nvSpPr>
+            <p:cNvPr id="36" name="Oval 35"/>
+            <p:cNvSpPr/>
+            <p:nvPr/>
+          </p:nvSpPr>
+          <p:spPr>
+            <a:xfrm>
+              <a:off x="4594381" y="3962196"/>
+              <a:ext cx="248152" cy="273808"/>
+            </a:xfrm>
+            <a:prstGeom prst="ellipse">
+              <a:avLst/>
+            </a:prstGeom>
+            <a:noFill/>
+            <a:ln w="28575">
+              <a:solidFill>
+                <a:srgbClr val="7030A0"/>
+              </a:solidFill>
+            </a:ln>
+          </p:spPr>
+          <p:style>
+            <a:lnRef idx="2">
+              <a:schemeClr val="accent1">
+                <a:shade val="50000"/>
+              </a:schemeClr>
+            </a:lnRef>
+            <a:fillRef idx="1">
+              <a:schemeClr val="accent1"/>
+            </a:fillRef>
+            <a:effectRef idx="0">
+              <a:schemeClr val="accent1"/>
+            </a:effectRef>
+            <a:fontRef idx="minor">
+              <a:schemeClr val="lt1"/>
+            </a:fontRef>
+          </p:style>
+          <p:txBody>
+            <a:bodyPr rtlCol="0" anchor="ctr"/>
+            <a:lstStyle/>
+            <a:p>
+              <a:pPr algn="ctr"/>
+              <a:endParaRPr lang="pt-BR"/>
+            </a:p>
+          </p:txBody>
+        </p:sp>
+        <p:sp>
+          <p:nvSpPr>
+            <p:cNvPr id="38" name="Oval 37"/>
+            <p:cNvSpPr/>
+            <p:nvPr/>
+          </p:nvSpPr>
+          <p:spPr>
+            <a:xfrm>
+              <a:off x="6750897" y="2497010"/>
+              <a:ext cx="248152" cy="273808"/>
+            </a:xfrm>
+            <a:prstGeom prst="ellipse">
+              <a:avLst/>
+            </a:prstGeom>
+            <a:noFill/>
+            <a:ln w="28575">
+              <a:solidFill>
+                <a:srgbClr val="7030A0"/>
+              </a:solidFill>
+            </a:ln>
+          </p:spPr>
+          <p:style>
+            <a:lnRef idx="2">
+              <a:schemeClr val="accent1">
+                <a:shade val="50000"/>
+              </a:schemeClr>
+            </a:lnRef>
+            <a:fillRef idx="1">
+              <a:schemeClr val="accent1"/>
+            </a:fillRef>
+            <a:effectRef idx="0">
+              <a:schemeClr val="accent1"/>
+            </a:effectRef>
+            <a:fontRef idx="minor">
+              <a:schemeClr val="lt1"/>
+            </a:fontRef>
+          </p:style>
+          <p:txBody>
+            <a:bodyPr rtlCol="0" anchor="ctr"/>
+            <a:lstStyle/>
+            <a:p>
+              <a:pPr algn="ctr"/>
+              <a:endParaRPr lang="pt-BR"/>
+            </a:p>
+          </p:txBody>
+        </p:sp>
+        <p:sp>
+          <p:nvSpPr>
+            <p:cNvPr id="39" name="Isosceles Triangle 38"/>
+            <p:cNvSpPr/>
+            <p:nvPr/>
+          </p:nvSpPr>
+          <p:spPr>
+            <a:xfrm>
+              <a:off x="6808298" y="2552268"/>
+              <a:ext cx="133350" cy="165100"/>
+            </a:xfrm>
+            <a:prstGeom prst="triangle">
+              <a:avLst/>
+            </a:prstGeom>
+            <a:solidFill>
+              <a:srgbClr val="FF0000"/>
+            </a:solidFill>
+            <a:ln>
+              <a:solidFill>
+                <a:srgbClr val="FF0000"/>
+              </a:solidFill>
+            </a:ln>
+          </p:spPr>
+          <p:style>
+            <a:lnRef idx="2">
+              <a:schemeClr val="accent1">
+                <a:shade val="50000"/>
+              </a:schemeClr>
+            </a:lnRef>
+            <a:fillRef idx="1">
+              <a:schemeClr val="accent1"/>
+            </a:fillRef>
+            <a:effectRef idx="0">
+              <a:schemeClr val="accent1"/>
+            </a:effectRef>
+            <a:fontRef idx="minor">
+              <a:schemeClr val="lt1"/>
+            </a:fontRef>
+          </p:style>
+          <p:txBody>
+            <a:bodyPr rtlCol="0" anchor="ctr"/>
+            <a:lstStyle/>
+            <a:p>
+              <a:pPr algn="ctr"/>
+              <a:endParaRPr lang="pt-BR"/>
+            </a:p>
+          </p:txBody>
+        </p:sp>
+        <p:cxnSp>
+          <p:nvCxnSpPr>
+            <p:cNvPr id="40" name="Straight Arrow Connector 39"/>
+            <p:cNvCxnSpPr>
+              <a:stCxn id="36" idx="7"/>
+            </p:cNvCxnSpPr>
+            <p:nvPr/>
+          </p:nvCxnSpPr>
+          <p:spPr>
+            <a:xfrm flipV="1">
+              <a:off x="4806192" y="2344314"/>
+              <a:ext cx="832821" cy="1657980"/>
+            </a:xfrm>
+            <a:prstGeom prst="straightConnector1">
+              <a:avLst/>
+            </a:prstGeom>
+            <a:noFill/>
+            <a:ln w="28575">
+              <a:solidFill>
+                <a:srgbClr val="7030A0"/>
+              </a:solidFill>
+              <a:headEnd type="none" w="med" len="med"/>
+              <a:tailEnd type="arrow" w="med" len="med"/>
+            </a:ln>
+          </p:spPr>
+          <p:style>
+            <a:lnRef idx="2">
+              <a:schemeClr val="accent1">
+                <a:shade val="50000"/>
+              </a:schemeClr>
+            </a:lnRef>
+            <a:fillRef idx="1">
+              <a:schemeClr val="accent1"/>
+            </a:fillRef>
+            <a:effectRef idx="0">
+              <a:schemeClr val="accent1"/>
+            </a:effectRef>
+            <a:fontRef idx="minor">
+              <a:schemeClr val="lt1"/>
+            </a:fontRef>
+          </p:style>
+        </p:cxnSp>
+        <p:cxnSp>
+          <p:nvCxnSpPr>
+            <p:cNvPr id="43" name="Straight Arrow Connector 42"/>
+            <p:cNvCxnSpPr>
+              <a:stCxn id="38" idx="2"/>
+            </p:cNvCxnSpPr>
+            <p:nvPr/>
+          </p:nvCxnSpPr>
+          <p:spPr>
+            <a:xfrm flipH="1" flipV="1">
+              <a:off x="6051730" y="2368601"/>
+              <a:ext cx="699167" cy="265313"/>
+            </a:xfrm>
+            <a:prstGeom prst="straightConnector1">
+              <a:avLst/>
+            </a:prstGeom>
+            <a:noFill/>
+            <a:ln w="28575">
+              <a:solidFill>
+                <a:srgbClr val="7030A0"/>
+              </a:solidFill>
+              <a:headEnd type="none" w="med" len="med"/>
+              <a:tailEnd type="arrow" w="med" len="med"/>
+            </a:ln>
+          </p:spPr>
+          <p:style>
+            <a:lnRef idx="2">
+              <a:schemeClr val="accent1">
+                <a:shade val="50000"/>
+              </a:schemeClr>
+            </a:lnRef>
+            <a:fillRef idx="1">
+              <a:schemeClr val="accent1"/>
+            </a:fillRef>
+            <a:effectRef idx="0">
+              <a:schemeClr val="accent1"/>
+            </a:effectRef>
+            <a:fontRef idx="minor">
+              <a:schemeClr val="lt1"/>
+            </a:fontRef>
+          </p:style>
+        </p:cxnSp>
+        <mc:AlternateContent xmlns:mc="http://schemas.openxmlformats.org/markup-compatibility/2006" xmlns:a14="http://schemas.microsoft.com/office/drawing/2010/main">
+          <mc:Choice Requires="a14">
+            <p:sp>
+              <p:nvSpPr>
+                <p:cNvPr id="48" name="TextBox 47"/>
+                <p:cNvSpPr txBox="1"/>
+                <p:nvPr/>
+              </p:nvSpPr>
+              <p:spPr>
+                <a:xfrm>
+                  <a:off x="5736007" y="4101486"/>
+                  <a:ext cx="925446" cy="307777"/>
+                </a:xfrm>
+                <a:prstGeom prst="rect">
+                  <a:avLst/>
+                </a:prstGeom>
+                <a:noFill/>
+              </p:spPr>
+              <p:txBody>
+                <a:bodyPr wrap="none" rtlCol="0">
+                  <a:spAutoFit/>
+                </a:bodyPr>
+                <a:lstStyle/>
+                <a:p>
+                  <a:pPr/>
+                  <a14:m>
+                    <m:oMathPara xmlns:m="http://schemas.openxmlformats.org/officeDocument/2006/math">
+                      <m:oMathParaPr>
+                        <m:jc m:val="centerGroup"/>
+                      </m:oMathParaPr>
+                      <m:oMath xmlns:m="http://schemas.openxmlformats.org/officeDocument/2006/math">
+                        <m:r>
+                          <a:rPr lang="pt-BR" sz="1400" b="0" i="1" smtClean="0">
+                            <a:latin typeface="Cambria Math" panose="02040503050406030204" pitchFamily="18" charset="0"/>
+                          </a:rPr>
+                          <m:t>𝑔</m:t>
+                        </m:r>
+                        <m:d>
+                          <m:dPr>
+                            <m:ctrlPr>
+                              <a:rPr lang="pt-BR" sz="1400" b="0" i="1" smtClean="0">
+                                <a:latin typeface="Cambria Math" panose="02040503050406030204" pitchFamily="18" charset="0"/>
+                              </a:rPr>
+                            </m:ctrlPr>
+                          </m:dPr>
+                          <m:e>
+                            <m:r>
+                              <a:rPr lang="pt-BR" sz="1400" b="1" i="1" smtClean="0">
+                                <a:latin typeface="Cambria Math" panose="02040503050406030204" pitchFamily="18" charset="0"/>
+                              </a:rPr>
+                              <m:t>𝒙</m:t>
+                            </m:r>
+                          </m:e>
+                        </m:d>
+                        <m:r>
+                          <a:rPr lang="pt-BR" sz="1400" b="0" i="1" smtClean="0">
+                            <a:latin typeface="Cambria Math" panose="02040503050406030204" pitchFamily="18" charset="0"/>
+                          </a:rPr>
+                          <m:t>&gt;0</m:t>
+                        </m:r>
+                      </m:oMath>
+                    </m:oMathPara>
+                  </a14:m>
+                  <a:endParaRPr lang="pt-BR" sz="1400" dirty="0"/>
+                </a:p>
+              </p:txBody>
+            </p:sp>
+          </mc:Choice>
+          <mc:Fallback xmlns="">
+            <p:sp>
+              <p:nvSpPr>
+                <p:cNvPr id="48" name="TextBox 47"/>
+                <p:cNvSpPr txBox="1">
+                  <a:spLocks noRot="1" noChangeAspect="1" noMove="1" noResize="1" noEditPoints="1" noAdjustHandles="1" noChangeArrowheads="1" noChangeShapeType="1" noTextEdit="1"/>
+                </p:cNvSpPr>
+                <p:nvPr/>
+              </p:nvSpPr>
+              <p:spPr>
+                <a:xfrm>
+                  <a:off x="5736007" y="4101486"/>
+                  <a:ext cx="925446" cy="307777"/>
+                </a:xfrm>
+                <a:prstGeom prst="rect">
+                  <a:avLst/>
+                </a:prstGeom>
+                <a:blipFill rotWithShape="0">
+                  <a:blip r:embed="rId6"/>
+                  <a:stretch>
+                    <a:fillRect b="-2000"/>
+                  </a:stretch>
+                </a:blipFill>
+              </p:spPr>
+              <p:txBody>
+                <a:bodyPr/>
+                <a:lstStyle/>
+                <a:p>
+                  <a:r>
+                    <a:rPr lang="pt-BR">
+                      <a:noFill/>
+                    </a:rPr>
+                    <a:t> </a:t>
+                  </a:r>
+                </a:p>
+              </p:txBody>
+            </p:sp>
+          </mc:Fallback>
+        </mc:AlternateContent>
+        <mc:AlternateContent xmlns:mc="http://schemas.openxmlformats.org/markup-compatibility/2006" xmlns:a14="http://schemas.microsoft.com/office/drawing/2010/main">
+          <mc:Choice Requires="a14">
+            <p:sp>
+              <p:nvSpPr>
+                <p:cNvPr id="49" name="TextBox 48"/>
+                <p:cNvSpPr txBox="1"/>
+                <p:nvPr/>
+              </p:nvSpPr>
+              <p:spPr>
+                <a:xfrm>
+                  <a:off x="6543528" y="3736131"/>
+                  <a:ext cx="925446" cy="307777"/>
+                </a:xfrm>
+                <a:prstGeom prst="rect">
+                  <a:avLst/>
+                </a:prstGeom>
+                <a:noFill/>
+              </p:spPr>
+              <p:txBody>
+                <a:bodyPr wrap="none" rtlCol="0">
+                  <a:spAutoFit/>
+                </a:bodyPr>
+                <a:lstStyle/>
+                <a:p>
+                  <a:pPr/>
+                  <a14:m>
+                    <m:oMathPara xmlns:m="http://schemas.openxmlformats.org/officeDocument/2006/math">
+                      <m:oMathParaPr>
+                        <m:jc m:val="centerGroup"/>
+                      </m:oMathParaPr>
+                      <m:oMath xmlns:m="http://schemas.openxmlformats.org/officeDocument/2006/math">
+                        <m:r>
+                          <a:rPr lang="pt-BR" sz="1400" b="0" i="1" smtClean="0">
+                            <a:latin typeface="Cambria Math" panose="02040503050406030204" pitchFamily="18" charset="0"/>
+                          </a:rPr>
+                          <m:t>𝑔</m:t>
+                        </m:r>
+                        <m:d>
+                          <m:dPr>
+                            <m:ctrlPr>
+                              <a:rPr lang="pt-BR" sz="1400" b="0" i="1" smtClean="0">
+                                <a:latin typeface="Cambria Math" panose="02040503050406030204" pitchFamily="18" charset="0"/>
+                              </a:rPr>
+                            </m:ctrlPr>
+                          </m:dPr>
+                          <m:e>
+                            <m:r>
+                              <a:rPr lang="pt-BR" sz="1400" b="1" i="1" smtClean="0">
+                                <a:latin typeface="Cambria Math" panose="02040503050406030204" pitchFamily="18" charset="0"/>
+                              </a:rPr>
+                              <m:t>𝒙</m:t>
+                            </m:r>
+                          </m:e>
+                        </m:d>
+                        <m:r>
+                          <a:rPr lang="pt-BR" sz="1400" b="0" i="1" smtClean="0">
+                            <a:latin typeface="Cambria Math" panose="02040503050406030204" pitchFamily="18" charset="0"/>
+                          </a:rPr>
+                          <m:t>&lt;0</m:t>
+                        </m:r>
+                      </m:oMath>
+                    </m:oMathPara>
+                  </a14:m>
+                  <a:endParaRPr lang="pt-BR" sz="1400" dirty="0"/>
+                </a:p>
+              </p:txBody>
+            </p:sp>
+          </mc:Choice>
+          <mc:Fallback xmlns="">
+            <p:sp>
+              <p:nvSpPr>
+                <p:cNvPr id="49" name="TextBox 48"/>
+                <p:cNvSpPr txBox="1">
+                  <a:spLocks noRot="1" noChangeAspect="1" noMove="1" noResize="1" noEditPoints="1" noAdjustHandles="1" noChangeArrowheads="1" noChangeShapeType="1" noTextEdit="1"/>
+                </p:cNvSpPr>
+                <p:nvPr/>
+              </p:nvSpPr>
+              <p:spPr>
+                <a:xfrm>
+                  <a:off x="6543528" y="3736131"/>
+                  <a:ext cx="925446" cy="307777"/>
+                </a:xfrm>
+                <a:prstGeom prst="rect">
+                  <a:avLst/>
+                </a:prstGeom>
+                <a:blipFill rotWithShape="0">
+                  <a:blip r:embed="rId7"/>
+                  <a:stretch>
+                    <a:fillRect b="-2000"/>
+                  </a:stretch>
+                </a:blipFill>
+              </p:spPr>
+              <p:txBody>
+                <a:bodyPr/>
+                <a:lstStyle/>
+                <a:p>
+                  <a:r>
+                    <a:rPr lang="pt-BR">
+                      <a:noFill/>
+                    </a:rPr>
+                    <a:t> </a:t>
+                  </a:r>
+                </a:p>
+              </p:txBody>
+            </p:sp>
+          </mc:Fallback>
+        </mc:AlternateContent>
+      </p:grpSp>
+    </p:spTree>
+    <p:extLst>
+      <p:ext uri="{BB962C8B-B14F-4D97-AF65-F5344CB8AC3E}">
+        <p14:creationId xmlns:p14="http://schemas.microsoft.com/office/powerpoint/2010/main" val="1044406012"/>
+      </p:ext>
+    </p:extLst>
+  </p:cSld>
+  <p:clrMapOvr>
+    <a:masterClrMapping/>
+  </p:clrMapOvr>
+</p:sld>
+</file>
+
 <file path=ppt/slides/slide2.xml><?xml version="1.0" encoding="utf-8"?>
 <p:sld xmlns:a="http://schemas.openxmlformats.org/drawingml/2006/main" xmlns:r="http://schemas.openxmlformats.org/officeDocument/2006/relationships" xmlns:p="http://schemas.openxmlformats.org/presentationml/2006/main">
   <p:cSld>
@@ -5149,10 +7387,14 @@
                 </a:r>
                 <a:r>
                   <a:rPr lang="pt-BR" b="1" i="1" dirty="0"/>
-                  <a:t>função discriminate</a:t>
-                </a:r>
-                <a:r>
-                  <a:rPr lang="pt-BR" dirty="0"/>
+                  <a:t>função </a:t>
+                </a:r>
+                <a:r>
+                  <a:rPr lang="pt-BR" b="1" i="1" dirty="0" smtClean="0"/>
+                  <a:t>discriminante</a:t>
+                </a:r>
+                <a:r>
+                  <a:rPr lang="pt-BR" dirty="0" smtClean="0"/>
                   <a:t> </a:t>
                 </a:r>
                 <a:r>
@@ -5951,12 +8193,11 @@
               <a:rPr lang="pt-BR" dirty="0"/>
               <a:t>Classificação linear</a:t>
             </a:r>
-            <a:endParaRPr lang="pt-BR" dirty="0"/>
           </a:p>
         </p:txBody>
       </p:sp>
-      <mc:AlternateContent xmlns:mc="http://schemas.openxmlformats.org/markup-compatibility/2006">
-        <mc:Choice xmlns:a14="http://schemas.microsoft.com/office/drawing/2010/main" Requires="a14">
+      <mc:AlternateContent xmlns:mc="http://schemas.openxmlformats.org/markup-compatibility/2006" xmlns:a14="http://schemas.microsoft.com/office/drawing/2010/main">
+        <mc:Choice Requires="a14">
           <p:sp>
             <p:nvSpPr>
               <p:cNvPr id="3" name="Content Placeholder 2"/>
@@ -6352,7 +8593,7 @@
             </p:txBody>
           </p:sp>
         </mc:Choice>
-        <mc:Fallback>
+        <mc:Fallback xmlns="">
           <p:sp>
             <p:nvSpPr>
               <p:cNvPr id="3" name="Content Placeholder 2"/>
@@ -6603,15 +8844,7 @@
               </a:r>
               <a:r>
                 <a:rPr lang="pt-BR" sz="1100" dirty="0" smtClean="0"/>
-                <a:t>) </a:t>
-              </a:r>
-              <a:r>
-                <a:rPr lang="pt-BR" sz="1100" dirty="0" smtClean="0"/>
-                <a:t>≥ </a:t>
-              </a:r>
-              <a:r>
-                <a:rPr lang="pt-BR" sz="1100" dirty="0" smtClean="0"/>
-                <a:t>0</a:t>
+                <a:t>) ≥ 0</a:t>
               </a:r>
               <a:endParaRPr lang="pt-BR" sz="1100" dirty="0"/>
             </a:p>
@@ -6662,11 +8895,7 @@
               </a:r>
               <a:r>
                 <a:rPr lang="pt-BR" sz="1100" dirty="0" smtClean="0"/>
-                <a:t> </a:t>
-              </a:r>
-              <a:r>
-                <a:rPr lang="pt-BR" sz="1100" dirty="0" smtClean="0"/>
-                <a:t>0</a:t>
+                <a:t> 0</a:t>
               </a:r>
               <a:endParaRPr lang="pt-BR" sz="1100" dirty="0"/>
             </a:p>
@@ -6741,8 +8970,8 @@
           </a:p>
         </p:txBody>
       </p:sp>
-      <mc:AlternateContent xmlns:mc="http://schemas.openxmlformats.org/markup-compatibility/2006">
-        <mc:Choice xmlns:a14="http://schemas.microsoft.com/office/drawing/2010/main" Requires="a14">
+      <mc:AlternateContent xmlns:mc="http://schemas.openxmlformats.org/markup-compatibility/2006" xmlns:a14="http://schemas.microsoft.com/office/drawing/2010/main">
+        <mc:Choice Requires="a14">
           <p:sp>
             <p:nvSpPr>
               <p:cNvPr id="3" name="Content Placeholder 2"/>
@@ -7007,13 +9236,7 @@
                                 <a:rPr lang="pt-BR" b="1" i="1">
                                   <a:latin typeface="Cambria Math" panose="02040503050406030204" pitchFamily="18" charset="0"/>
                                 </a:rPr>
-                                <m:t>,</m:t>
-                              </m:r>
-                              <m:r>
-                                <a:rPr lang="pt-BR" b="1" i="1">
-                                  <a:latin typeface="Cambria Math" panose="02040503050406030204" pitchFamily="18" charset="0"/>
-                                </a:rPr>
-                                <m:t>  </m:t>
+                                <m:t>,  </m:t>
                               </m:r>
                               <m:r>
                                 <a:rPr lang="pt-BR" i="1">
@@ -7087,14 +9310,7 @@
                                   <a:latin typeface="Cambria Math" panose="02040503050406030204" pitchFamily="18" charset="0"/>
                                   <a:ea typeface="Cambria Math" panose="02040503050406030204" pitchFamily="18" charset="0"/>
                                 </a:rPr>
-                                <m:t>0</m:t>
-                              </m:r>
-                              <m:r>
-                                <a:rPr lang="pt-BR" i="1">
-                                  <a:latin typeface="Cambria Math" panose="02040503050406030204" pitchFamily="18" charset="0"/>
-                                  <a:ea typeface="Cambria Math" panose="02040503050406030204" pitchFamily="18" charset="0"/>
-                                </a:rPr>
-                                <m:t> </m:t>
+                                <m:t>0 </m:t>
                               </m:r>
                               <m:r>
                                 <a:rPr lang="pt-BR" i="0">
@@ -7498,7 +9714,7 @@
             </p:txBody>
           </p:sp>
         </mc:Choice>
-        <mc:Fallback>
+        <mc:Fallback xmlns="">
           <p:sp>
             <p:nvSpPr>
               <p:cNvPr id="3" name="Content Placeholder 2"/>
@@ -7722,15 +9938,7 @@
                 </a:r>
                 <a:r>
                   <a:rPr lang="pt-BR" sz="1100" dirty="0" smtClean="0"/>
-                  <a:t>) </a:t>
-                </a:r>
-                <a:r>
-                  <a:rPr lang="pt-BR" sz="1100" dirty="0" smtClean="0"/>
-                  <a:t>≥ </a:t>
-                </a:r>
-                <a:r>
-                  <a:rPr lang="pt-BR" sz="1100" dirty="0" smtClean="0"/>
-                  <a:t>0</a:t>
+                  <a:t>) ≥ 0</a:t>
                 </a:r>
                 <a:endParaRPr lang="pt-BR" sz="1100" dirty="0"/>
               </a:p>
@@ -7781,11 +9989,7 @@
                 </a:r>
                 <a:r>
                   <a:rPr lang="pt-BR" sz="1100" dirty="0" smtClean="0"/>
-                  <a:t> </a:t>
-                </a:r>
-                <a:r>
-                  <a:rPr lang="pt-BR" sz="1100" dirty="0" smtClean="0"/>
-                  <a:t>0</a:t>
+                  <a:t> 0</a:t>
                 </a:r>
                 <a:endParaRPr lang="pt-BR" sz="1100" dirty="0"/>
               </a:p>
@@ -8007,8 +10211,8 @@
           </a:p>
         </p:txBody>
       </p:sp>
-      <mc:AlternateContent xmlns:mc="http://schemas.openxmlformats.org/markup-compatibility/2006">
-        <mc:Choice xmlns:a14="http://schemas.microsoft.com/office/drawing/2010/main" Requires="a14">
+      <mc:AlternateContent xmlns:mc="http://schemas.openxmlformats.org/markup-compatibility/2006" xmlns:a14="http://schemas.microsoft.com/office/drawing/2010/main">
+        <mc:Choice Requires="a14">
           <p:sp>
             <p:nvSpPr>
               <p:cNvPr id="3" name="Content Placeholder 2"/>
@@ -8033,19 +10237,11 @@
               <a:p>
                 <a:r>
                   <a:rPr lang="pt-BR" dirty="0" smtClean="0"/>
-                  <a:t>Agora </a:t>
-                </a:r>
-                <a:r>
-                  <a:rPr lang="pt-BR" dirty="0" smtClean="0"/>
-                  <a:t>que a </a:t>
+                  <a:t>Agora que a </a:t>
                 </a:r>
                 <a:r>
                   <a:rPr lang="pt-BR" b="1" i="1" dirty="0" smtClean="0"/>
-                  <a:t>função </a:t>
-                </a:r>
-                <a:r>
-                  <a:rPr lang="pt-BR" b="1" i="1" dirty="0" smtClean="0"/>
-                  <a:t>hipótese</a:t>
+                  <a:t>função hipótese</a:t>
                 </a:r>
                 <a:r>
                   <a:rPr lang="pt-BR" dirty="0" smtClean="0"/>
@@ -8149,7 +10345,6 @@
                   <a:rPr lang="pt-BR" dirty="0" smtClean="0"/>
                   <a:t>, nós fizemos isso de duas maneiras: </a:t>
                 </a:r>
-                <a:endParaRPr lang="pt-BR" dirty="0" smtClean="0"/>
               </a:p>
               <a:p>
                 <a:pPr marL="971550" lvl="1" indent="-514350">
@@ -8158,11 +10353,7 @@
                 </a:pPr>
                 <a:r>
                   <a:rPr lang="pt-BR" dirty="0" smtClean="0"/>
-                  <a:t>de </a:t>
-                </a:r>
-                <a:r>
-                  <a:rPr lang="pt-BR" dirty="0" smtClean="0"/>
-                  <a:t>forma fechada (através da </a:t>
+                  <a:t>de forma fechada (através da </a:t>
                 </a:r>
                 <a:r>
                   <a:rPr lang="pt-BR" b="1" i="1" dirty="0" smtClean="0"/>
@@ -8170,11 +10361,7 @@
                 </a:r>
                 <a:r>
                   <a:rPr lang="pt-BR" dirty="0" smtClean="0"/>
-                  <a:t>) fazendo o gradiente igual a zero e resolvendo a equação para os </a:t>
-                </a:r>
-                <a:r>
-                  <a:rPr lang="pt-BR" dirty="0" smtClean="0"/>
-                  <a:t>pesos;</a:t>
+                  <a:t>) fazendo o gradiente igual a zero e resolvendo a equação para os pesos;</a:t>
                 </a:r>
               </a:p>
               <a:p>
@@ -8184,15 +10371,7 @@
                 </a:pPr>
                 <a:r>
                   <a:rPr lang="pt-BR" dirty="0" smtClean="0"/>
-                  <a:t>e </a:t>
-                </a:r>
-                <a:r>
-                  <a:rPr lang="pt-BR" dirty="0" smtClean="0"/>
-                  <a:t>através </a:t>
-                </a:r>
-                <a:r>
-                  <a:rPr lang="pt-BR" dirty="0" smtClean="0"/>
-                  <a:t>do algoritmo do </a:t>
+                  <a:t>e através do algoritmo do </a:t>
                 </a:r>
                 <a:r>
                   <a:rPr lang="pt-BR" b="1" i="1" dirty="0" smtClean="0"/>
@@ -8210,19 +10389,11 @@
                 </a:r>
                 <a:r>
                   <a:rPr lang="pt-BR" b="1" i="1" dirty="0" smtClean="0"/>
-                  <a:t>função de limiar </a:t>
-                </a:r>
-                <a:r>
-                  <a:rPr lang="pt-BR" b="1" i="1" dirty="0" smtClean="0"/>
-                  <a:t>rígido</a:t>
+                  <a:t>função de limiar rígido</a:t>
                 </a:r>
                 <a:r>
                   <a:rPr lang="pt-BR" dirty="0" smtClean="0"/>
-                  <a:t>, </a:t>
-                </a:r>
-                <a:r>
-                  <a:rPr lang="pt-BR" dirty="0" smtClean="0"/>
-                  <a:t>nenhuma das duas abordagens é possível devido ao fato do </a:t>
+                  <a:t>, nenhuma das duas abordagens é possível devido ao fato do </a:t>
                 </a:r>
                 <a:r>
                   <a:rPr lang="pt-BR" b="1" i="1" dirty="0" smtClean="0"/>
@@ -8230,23 +10401,7 @@
                 </a:r>
                 <a:r>
                   <a:rPr lang="pt-BR" dirty="0" smtClean="0"/>
-                  <a:t> ser </a:t>
-                </a:r>
-                <a:r>
-                  <a:rPr lang="pt-BR" dirty="0" smtClean="0"/>
-                  <a:t>igual a zero </a:t>
-                </a:r>
-                <a:r>
-                  <a:rPr lang="pt-BR" dirty="0" smtClean="0"/>
-                  <a:t>em todos os pontos do espaço de pesos exceto </a:t>
-                </a:r>
-                <a:r>
-                  <a:rPr lang="pt-BR" dirty="0" smtClean="0"/>
-                  <a:t>no ponto </a:t>
-                </a:r>
-                <a:r>
-                  <a:rPr lang="pt-BR" dirty="0" smtClean="0"/>
-                  <a:t>onde </a:t>
+                  <a:t> ser igual a zero em todos os pontos do espaço de pesos exceto no ponto onde </a:t>
                 </a:r>
                 <a14:m>
                   <m:oMath xmlns:m="http://schemas.openxmlformats.org/officeDocument/2006/math">
@@ -8300,13 +10455,8 @@
                 </a:r>
                 <a:r>
                   <a:rPr lang="pt-BR" dirty="0" smtClean="0"/>
-                  <a:t> é indeterminado </a:t>
-                </a:r>
-                <a:r>
-                  <a:rPr lang="pt-BR" dirty="0" smtClean="0"/>
-                  <a:t>nesse ponto.</a:t>
-                </a:r>
-                <a:endParaRPr lang="pt-BR" dirty="0" smtClean="0"/>
+                  <a:t> é indeterminado nesse ponto.</a:t>
+                </a:r>
               </a:p>
               <a:p>
                 <a:r>
@@ -8326,7 +10476,7 @@
             </p:txBody>
           </p:sp>
         </mc:Choice>
-        <mc:Fallback>
+        <mc:Fallback xmlns="">
           <p:sp>
             <p:nvSpPr>
               <p:cNvPr id="3" name="Content Placeholder 2"/>
@@ -8446,8 +10596,8 @@
           </a:p>
         </p:txBody>
       </p:sp>
-      <mc:AlternateContent xmlns:mc="http://schemas.openxmlformats.org/markup-compatibility/2006">
-        <mc:Choice xmlns:a14="http://schemas.microsoft.com/office/drawing/2010/main" Requires="a14">
+      <mc:AlternateContent xmlns:mc="http://schemas.openxmlformats.org/markup-compatibility/2006" xmlns:a14="http://schemas.microsoft.com/office/drawing/2010/main">
+        <mc:Choice Requires="a14">
           <p:sp>
             <p:nvSpPr>
               <p:cNvPr id="3" name="Content Placeholder 2"/>
@@ -8743,11 +10893,7 @@
                 </a:r>
                 <a:r>
                   <a:rPr lang="pt-BR" b="1" i="1" dirty="0" smtClean="0"/>
-                  <a:t>regressão </a:t>
-                </a:r>
-                <a:r>
-                  <a:rPr lang="pt-BR" b="1" i="1" dirty="0" smtClean="0"/>
-                  <a:t>linear</a:t>
+                  <a:t>regressão linear</a:t>
                 </a:r>
                 <a:r>
                   <a:rPr lang="pt-BR" dirty="0" smtClean="0"/>
@@ -8761,7 +10907,6 @@
                   <a:rPr lang="pt-BR" dirty="0" smtClean="0"/>
                   <a:t>.</a:t>
                 </a:r>
-                <a:endParaRPr lang="pt-BR" dirty="0" smtClean="0"/>
               </a:p>
               <a:p>
                 <a:r>
@@ -8774,7 +10919,21 @@
                 </a:r>
                 <a:r>
                   <a:rPr lang="pt-BR" dirty="0" smtClean="0"/>
-                  <a:t>, por razões que discutiremos em breve</a:t>
+                  <a:t>, por razões que discutiremos em breve.</a:t>
+                </a:r>
+              </a:p>
+              <a:p>
+                <a:r>
+                  <a:rPr lang="pt-BR" dirty="0" smtClean="0"/>
+                  <a:t>Essa </a:t>
+                </a:r>
+                <a:r>
+                  <a:rPr lang="pt-BR" dirty="0"/>
+                  <a:t>regra de aprendizagem é aplicada a um exemplo por vez, escolhendo exemplos aleatóriamente, assim como fizemos com o </a:t>
+                </a:r>
+                <a:r>
+                  <a:rPr lang="pt-BR" b="1" i="1" dirty="0"/>
+                  <a:t>gradiente descendente estocástico</a:t>
                 </a:r>
                 <a:r>
                   <a:rPr lang="pt-BR" dirty="0" smtClean="0"/>
@@ -8784,34 +10943,7 @@
               <a:p>
                 <a:r>
                   <a:rPr lang="pt-BR" dirty="0" smtClean="0"/>
-                  <a:t>Essa </a:t>
-                </a:r>
-                <a:r>
-                  <a:rPr lang="pt-BR" dirty="0"/>
-                  <a:t>regra de aprendizagem é aplicada a um exemplo por vez, escolhendo exemplos aleatóriamente, assim como fizemos com o </a:t>
-                </a:r>
-                <a:r>
-                  <a:rPr lang="pt-BR" b="1" i="1" dirty="0"/>
-                  <a:t>gradiente descendente estocástico</a:t>
-                </a:r>
-                <a:r>
-                  <a:rPr lang="pt-BR" dirty="0" smtClean="0"/>
-                  <a:t>.</a:t>
-                </a:r>
-                <a:endParaRPr lang="pt-BR" dirty="0" smtClean="0"/>
-              </a:p>
-              <a:p>
-                <a:r>
-                  <a:rPr lang="pt-BR" dirty="0" smtClean="0"/>
-                  <a:t>Como estamos considerando </a:t>
-                </a:r>
-                <a:r>
-                  <a:rPr lang="pt-BR" dirty="0" smtClean="0"/>
-                  <a:t>classificadores </a:t>
-                </a:r>
-                <a:r>
-                  <a:rPr lang="pt-BR" dirty="0" smtClean="0"/>
-                  <a:t>com valores de saída 0 ou 1, o comportamento da regra de atualização será diferente do comportamento para  a regressão linear, como veremos a seguir.</a:t>
+                  <a:t>Como estamos considerando classificadores com valores de saída 0 ou 1, o comportamento da regra de atualização será diferente do comportamento para  a regressão linear, como veremos a seguir.</a:t>
                 </a:r>
                 <a:endParaRPr lang="pt-BR" dirty="0"/>
               </a:p>
@@ -8824,7 +10956,7 @@
             </p:txBody>
           </p:sp>
         </mc:Choice>
-        <mc:Fallback>
+        <mc:Fallback xmlns="">
           <p:sp>
             <p:nvSpPr>
               <p:cNvPr id="3" name="Content Placeholder 2"/>
@@ -8980,12 +11112,11 @@
               <a:rPr lang="pt-BR" dirty="0"/>
               <a:t>Classificadores lineares com limiar de decisão rígido</a:t>
             </a:r>
-            <a:endParaRPr lang="pt-BR" dirty="0"/>
           </a:p>
         </p:txBody>
       </p:sp>
-      <mc:AlternateContent xmlns:mc="http://schemas.openxmlformats.org/markup-compatibility/2006">
-        <mc:Choice xmlns:a14="http://schemas.microsoft.com/office/drawing/2010/main" Requires="a14">
+      <mc:AlternateContent xmlns:mc="http://schemas.openxmlformats.org/markup-compatibility/2006" xmlns:a14="http://schemas.microsoft.com/office/drawing/2010/main">
+        <mc:Choice Requires="a14">
           <p:sp>
             <p:nvSpPr>
               <p:cNvPr id="3" name="Content Placeholder 2"/>
@@ -9187,11 +11318,7 @@
               <a:p>
                 <a:r>
                   <a:rPr lang="pt-BR" dirty="0" smtClean="0"/>
-                  <a:t>Ambos</a:t>
-                </a:r>
-                <a:r>
-                  <a:rPr lang="pt-BR" dirty="0" smtClean="0"/>
-                  <a:t>, o valor desejado, </a:t>
+                  <a:t>Ambos, o valor desejado, </a:t>
                 </a:r>
                 <a14:m>
                   <m:oMath xmlns:m="http://schemas.openxmlformats.org/officeDocument/2006/math">
@@ -10071,7 +12198,7 @@
             </p:txBody>
           </p:sp>
         </mc:Choice>
-        <mc:Fallback>
+        <mc:Fallback xmlns="">
           <p:sp>
             <p:nvSpPr>
               <p:cNvPr id="3" name="Content Placeholder 2"/>
@@ -10158,12 +12285,11 @@
               <a:rPr lang="pt-BR" dirty="0"/>
               <a:t>Classificadores lineares com limiar de decisão rígido</a:t>
             </a:r>
-            <a:endParaRPr lang="pt-BR" dirty="0"/>
           </a:p>
         </p:txBody>
       </p:sp>
-      <mc:AlternateContent xmlns:mc="http://schemas.openxmlformats.org/markup-compatibility/2006">
-        <mc:Choice xmlns:a14="http://schemas.microsoft.com/office/drawing/2010/main" Requires="a14">
+      <mc:AlternateContent xmlns:mc="http://schemas.openxmlformats.org/markup-compatibility/2006" xmlns:a14="http://schemas.microsoft.com/office/drawing/2010/main">
+        <mc:Choice Requires="a14">
           <p:sp>
             <p:nvSpPr>
               <p:cNvPr id="3" name="Content Placeholder 2"/>
@@ -10267,7 +12393,6 @@
                   <a:rPr lang="pt-BR" dirty="0"/>
                   <a:t>, na prática essa situação não é muito comum.</a:t>
                 </a:r>
-                <a:endParaRPr lang="pt-BR" dirty="0"/>
               </a:p>
               <a:p>
                 <a:r>
@@ -10286,7 +12411,6 @@
                   <a:rPr lang="pt-BR" dirty="0" smtClean="0"/>
                   <a:t>perfeita. </a:t>
                 </a:r>
-                <a:endParaRPr lang="pt-BR" dirty="0" smtClean="0"/>
               </a:p>
               <a:p>
                 <a:r>
@@ -10366,7 +12490,7 @@
             </p:txBody>
           </p:sp>
         </mc:Choice>
-        <mc:Fallback>
+        <mc:Fallback xmlns="">
           <p:sp>
             <p:nvSpPr>
               <p:cNvPr id="3" name="Content Placeholder 2"/>
@@ -10445,6 +12569,13 @@
   <p:clrMapOvr>
     <a:masterClrMapping/>
   </p:clrMapOvr>
+  <p:timing>
+    <p:tnLst>
+      <p:par>
+        <p:cTn id="1" dur="indefinite" restart="never" nodeType="tmRoot"/>
+      </p:par>
+    </p:tnLst>
+  </p:timing>
 </p:sld>
 </file>
 

--- a/slides/T320_Classificação (Parte II).pptx
+++ b/slides/T320_Classificação (Parte II).pptx
@@ -5,10 +5,10 @@
     <p:sldMasterId id="2147483648" r:id="rId1"/>
   </p:sldMasterIdLst>
   <p:notesMasterIdLst>
-    <p:notesMasterId r:id="rId15"/>
+    <p:notesMasterId r:id="rId16"/>
   </p:notesMasterIdLst>
   <p:handoutMasterIdLst>
-    <p:handoutMasterId r:id="rId16"/>
+    <p:handoutMasterId r:id="rId17"/>
   </p:handoutMasterIdLst>
   <p:sldIdLst>
     <p:sldId id="256" r:id="rId2"/>
@@ -21,9 +21,10 @@
     <p:sldId id="348" r:id="rId9"/>
     <p:sldId id="349" r:id="rId10"/>
     <p:sldId id="366" r:id="rId11"/>
-    <p:sldId id="324" r:id="rId12"/>
-    <p:sldId id="306" r:id="rId13"/>
-    <p:sldId id="367" r:id="rId14"/>
+    <p:sldId id="368" r:id="rId12"/>
+    <p:sldId id="324" r:id="rId13"/>
+    <p:sldId id="306" r:id="rId14"/>
+    <p:sldId id="367" r:id="rId15"/>
   </p:sldIdLst>
   <p:sldSz cx="12192000" cy="6858000"/>
   <p:notesSz cx="7315200" cy="9601200"/>
@@ -287,7 +288,7 @@
           <a:p>
             <a:fld id="{144F1436-6906-4D93-B7A2-786C327BFA14}" type="datetimeFigureOut">
               <a:rPr lang="nl-BE" smtClean="0"/>
-              <a:t>28/07/2021</a:t>
+              <a:t>10/08/2021</a:t>
             </a:fld>
             <a:endParaRPr lang="nl-BE"/>
           </a:p>
@@ -452,7 +453,7 @@
           <a:p>
             <a:fld id="{AA8CD09E-2914-4F47-B6C1-51B2C31814C9}" type="datetimeFigureOut">
               <a:rPr lang="pt-BR" smtClean="0"/>
-              <a:t>28/07/2021</a:t>
+              <a:t>10/08/2021</a:t>
             </a:fld>
             <a:endParaRPr lang="pt-BR"/>
           </a:p>
@@ -955,10 +956,6 @@
           <a:bodyPr/>
           <a:lstStyle/>
           <a:p>
-            <a:r>
-              <a:rPr lang="pt-BR" dirty="0" smtClean="0"/>
-              <a:t>O classificador sempre anuncia uma previsão completamente confiante de 0 ou 1, mesmo para exemplos muito próximos do limite. Em muitas situações, precisamos realmente de previsões mais graduadas.</a:t>
-            </a:r>
             <a:endParaRPr lang="pt-BR" dirty="0"/>
           </a:p>
         </p:txBody>
@@ -978,9 +975,9 @@
           <a:bodyPr/>
           <a:lstStyle/>
           <a:p>
-            <a:fld id="{F430A2A4-8C14-4B1A-AD48-7B6401078BF7}" type="slidenum">
+            <a:fld id="{6FC8D850-966F-45A6-8DE7-15B891E7D40D}" type="slidenum">
               <a:rPr lang="pt-BR" smtClean="0"/>
-              <a:t>6</a:t>
+              <a:t>4</a:t>
             </a:fld>
             <a:endParaRPr lang="pt-BR"/>
           </a:p>
@@ -989,7 +986,7 @@
     </p:spTree>
     <p:extLst>
       <p:ext uri="{BB962C8B-B14F-4D97-AF65-F5344CB8AC3E}">
-        <p14:creationId xmlns:p14="http://schemas.microsoft.com/office/powerpoint/2010/main" val="3362670738"/>
+        <p14:creationId xmlns:p14="http://schemas.microsoft.com/office/powerpoint/2010/main" val="522075187"/>
       </p:ext>
     </p:extLst>
   </p:cSld>
@@ -1043,35 +1040,11 @@
           <a:bodyPr/>
           <a:lstStyle/>
           <a:p>
-            <a:pPr marL="0" marR="0" lvl="0" indent="0" algn="l" defTabSz="914400" rtl="0" eaLnBrk="1" fontAlgn="auto" latinLnBrk="0" hangingPunct="1">
-              <a:lnSpc>
-                <a:spcPct val="100000"/>
-              </a:lnSpc>
-              <a:spcBef>
-                <a:spcPts val="0"/>
-              </a:spcBef>
-              <a:spcAft>
-                <a:spcPts val="0"/>
-              </a:spcAft>
-              <a:buClrTx/>
-              <a:buSzTx/>
-              <a:buFontTx/>
-              <a:buNone/>
-              <a:tabLst/>
-              <a:defRPr/>
-            </a:pPr>
-            <a:r>
-              <a:rPr lang="pt-BR" b="1" dirty="0" smtClean="0"/>
-              <a:t>Exemplo</a:t>
-            </a:r>
             <a:r>
               <a:rPr lang="pt-BR" dirty="0" smtClean="0"/>
-              <a:t>: https://colab.research.google.com/github/zz4fap/t320_aprendizado_de_maquina/blob/main/notebooks/classificação/</a:t>
-            </a:r>
-            <a:r>
-              <a:rPr lang="pt-BR" sz="1200" dirty="0" smtClean="0"/>
-              <a:t>classificador_linear_com_limiar_rigido.ipynb</a:t>
-            </a:r>
+              <a:t>O classificador sempre anuncia uma previsão completamente confiante de 0 ou 1, mesmo para exemplos muito próximos do limite. Em muitas situações, precisamos realmente de previsões mais graduadas.</a:t>
+            </a:r>
+            <a:endParaRPr lang="pt-BR" dirty="0"/>
           </a:p>
         </p:txBody>
       </p:sp>
@@ -1090,9 +1063,9 @@
           <a:bodyPr/>
           <a:lstStyle/>
           <a:p>
-            <a:fld id="{6FC8D850-966F-45A6-8DE7-15B891E7D40D}" type="slidenum">
+            <a:fld id="{F430A2A4-8C14-4B1A-AD48-7B6401078BF7}" type="slidenum">
               <a:rPr lang="pt-BR" smtClean="0"/>
-              <a:t>9</a:t>
+              <a:t>6</a:t>
             </a:fld>
             <a:endParaRPr lang="pt-BR"/>
           </a:p>
@@ -1101,7 +1074,7 @@
     </p:spTree>
     <p:extLst>
       <p:ext uri="{BB962C8B-B14F-4D97-AF65-F5344CB8AC3E}">
-        <p14:creationId xmlns:p14="http://schemas.microsoft.com/office/powerpoint/2010/main" val="2028219504"/>
+        <p14:creationId xmlns:p14="http://schemas.microsoft.com/office/powerpoint/2010/main" val="3362670738"/>
       </p:ext>
     </p:extLst>
   </p:cSld>
@@ -1155,21 +1128,35 @@
           <a:bodyPr/>
           <a:lstStyle/>
           <a:p>
-            <a:r>
-              <a:rPr lang="pt-BR" sz="1200" b="1" smtClean="0"/>
-              <a:t>Laboratório #2</a:t>
-            </a:r>
-            <a:r>
-              <a:rPr lang="pt-BR" sz="1200" smtClean="0"/>
-              <a:t>: </a:t>
+            <a:pPr marL="0" marR="0" lvl="0" indent="0" algn="l" defTabSz="914400" rtl="0" eaLnBrk="1" fontAlgn="auto" latinLnBrk="0" hangingPunct="1">
+              <a:lnSpc>
+                <a:spcPct val="100000"/>
+              </a:lnSpc>
+              <a:spcBef>
+                <a:spcPts val="0"/>
+              </a:spcBef>
+              <a:spcAft>
+                <a:spcPts val="0"/>
+              </a:spcAft>
+              <a:buClrTx/>
+              <a:buSzTx/>
+              <a:buFontTx/>
+              <a:buNone/>
+              <a:tabLst/>
+              <a:defRPr/>
+            </a:pPr>
+            <a:r>
+              <a:rPr lang="pt-BR" b="1" dirty="0" smtClean="0"/>
+              <a:t>Exemplo</a:t>
+            </a:r>
+            <a:r>
+              <a:rPr lang="pt-BR" dirty="0" smtClean="0"/>
+              <a:t>: https://colab.research.google.com/github/zz4fap/t320_aprendizado_de_maquina/blob/main/notebooks/classificação/</a:t>
             </a:r>
             <a:r>
               <a:rPr lang="pt-BR" sz="1200" dirty="0" smtClean="0"/>
-              <a:t>https://mybinder.org/v2/gh/zz4fap/t320_aprendizado_de_maquina/main?filepath=labs%2FLaboratorio2.ipynb</a:t>
-            </a:r>
-          </a:p>
-          <a:p>
-            <a:endParaRPr lang="pt-BR" sz="1200" dirty="0"/>
+              <a:t>classificador_linear_com_limiar_rigido.ipynb</a:t>
+            </a:r>
           </a:p>
         </p:txBody>
       </p:sp>
@@ -1190,7 +1177,105 @@
           <a:p>
             <a:fld id="{6FC8D850-966F-45A6-8DE7-15B891E7D40D}" type="slidenum">
               <a:rPr lang="pt-BR" smtClean="0"/>
-              <a:t>11</a:t>
+              <a:t>9</a:t>
+            </a:fld>
+            <a:endParaRPr lang="pt-BR"/>
+          </a:p>
+        </p:txBody>
+      </p:sp>
+    </p:spTree>
+    <p:extLst>
+      <p:ext uri="{BB962C8B-B14F-4D97-AF65-F5344CB8AC3E}">
+        <p14:creationId xmlns:p14="http://schemas.microsoft.com/office/powerpoint/2010/main" val="2028219504"/>
+      </p:ext>
+    </p:extLst>
+  </p:cSld>
+  <p:clrMapOvr>
+    <a:masterClrMapping/>
+  </p:clrMapOvr>
+</p:notes>
+</file>
+
+<file path=ppt/notesSlides/notesSlide6.xml><?xml version="1.0" encoding="utf-8"?>
+<p:notes xmlns:a="http://schemas.openxmlformats.org/drawingml/2006/main" xmlns:r="http://schemas.openxmlformats.org/officeDocument/2006/relationships" xmlns:p="http://schemas.openxmlformats.org/presentationml/2006/main">
+  <p:cSld>
+    <p:spTree>
+      <p:nvGrpSpPr>
+        <p:cNvPr id="1" name=""/>
+        <p:cNvGrpSpPr/>
+        <p:nvPr/>
+      </p:nvGrpSpPr>
+      <p:grpSpPr>
+        <a:xfrm>
+          <a:off x="0" y="0"/>
+          <a:ext cx="0" cy="0"/>
+          <a:chOff x="0" y="0"/>
+          <a:chExt cx="0" cy="0"/>
+        </a:xfrm>
+      </p:grpSpPr>
+      <p:sp>
+        <p:nvSpPr>
+          <p:cNvPr id="2" name="Slide Image Placeholder 1"/>
+          <p:cNvSpPr>
+            <a:spLocks noGrp="1" noRot="1" noChangeAspect="1"/>
+          </p:cNvSpPr>
+          <p:nvPr>
+            <p:ph type="sldImg"/>
+          </p:nvPr>
+        </p:nvSpPr>
+        <p:spPr/>
+      </p:sp>
+      <p:sp>
+        <p:nvSpPr>
+          <p:cNvPr id="3" name="Notes Placeholder 2"/>
+          <p:cNvSpPr>
+            <a:spLocks noGrp="1"/>
+          </p:cNvSpPr>
+          <p:nvPr>
+            <p:ph type="body" idx="1"/>
+          </p:nvPr>
+        </p:nvSpPr>
+        <p:spPr/>
+        <p:txBody>
+          <a:bodyPr/>
+          <a:lstStyle/>
+          <a:p>
+            <a:r>
+              <a:rPr lang="pt-BR" sz="1200" b="1" smtClean="0"/>
+              <a:t>Laboratório #2</a:t>
+            </a:r>
+            <a:r>
+              <a:rPr lang="pt-BR" sz="1200" smtClean="0"/>
+              <a:t>: </a:t>
+            </a:r>
+            <a:r>
+              <a:rPr lang="pt-BR" sz="1200" dirty="0" smtClean="0"/>
+              <a:t>https://mybinder.org/v2/gh/zz4fap/t320_aprendizado_de_maquina/main?filepath=labs%2FLaboratorio2.ipynb</a:t>
+            </a:r>
+          </a:p>
+          <a:p>
+            <a:endParaRPr lang="pt-BR" sz="1200" dirty="0"/>
+          </a:p>
+        </p:txBody>
+      </p:sp>
+      <p:sp>
+        <p:nvSpPr>
+          <p:cNvPr id="4" name="Slide Number Placeholder 3"/>
+          <p:cNvSpPr>
+            <a:spLocks noGrp="1"/>
+          </p:cNvSpPr>
+          <p:nvPr>
+            <p:ph type="sldNum" sz="quarter" idx="10"/>
+          </p:nvPr>
+        </p:nvSpPr>
+        <p:spPr/>
+        <p:txBody>
+          <a:bodyPr/>
+          <a:lstStyle/>
+          <a:p>
+            <a:fld id="{6FC8D850-966F-45A6-8DE7-15B891E7D40D}" type="slidenum">
+              <a:rPr lang="pt-BR" smtClean="0"/>
+              <a:t>12</a:t>
             </a:fld>
             <a:endParaRPr lang="pt-BR"/>
           </a:p>
@@ -1231,7 +1316,7 @@
           <p:cNvPr id="2" name="Título 1">
             <a:extLst>
               <a:ext uri="{FF2B5EF4-FFF2-40B4-BE49-F238E27FC236}">
-                <a16:creationId xmlns:a16="http://schemas.microsoft.com/office/drawing/2014/main" xmlns="" id="{1DB9B4FF-B06E-403C-A326-BDC64D8FF94E}"/>
+                <a16:creationId xmlns="" xmlns:a16="http://schemas.microsoft.com/office/drawing/2014/main" id="{1DB9B4FF-B06E-403C-A326-BDC64D8FF94E}"/>
               </a:ext>
             </a:extLst>
           </p:cNvPr>
@@ -1268,7 +1353,7 @@
           <p:cNvPr id="3" name="Subtítulo 2">
             <a:extLst>
               <a:ext uri="{FF2B5EF4-FFF2-40B4-BE49-F238E27FC236}">
-                <a16:creationId xmlns:a16="http://schemas.microsoft.com/office/drawing/2014/main" xmlns="" id="{247BDFCE-746E-45BF-A319-4733D58D1632}"/>
+                <a16:creationId xmlns="" xmlns:a16="http://schemas.microsoft.com/office/drawing/2014/main" id="{247BDFCE-746E-45BF-A319-4733D58D1632}"/>
               </a:ext>
             </a:extLst>
           </p:cNvPr>
@@ -1338,7 +1423,7 @@
           <p:cNvPr id="4" name="Espaço Reservado para Data 3">
             <a:extLst>
               <a:ext uri="{FF2B5EF4-FFF2-40B4-BE49-F238E27FC236}">
-                <a16:creationId xmlns:a16="http://schemas.microsoft.com/office/drawing/2014/main" xmlns="" id="{9EDE2778-5372-4104-B96D-968184DA8288}"/>
+                <a16:creationId xmlns="" xmlns:a16="http://schemas.microsoft.com/office/drawing/2014/main" id="{9EDE2778-5372-4104-B96D-968184DA8288}"/>
               </a:ext>
             </a:extLst>
           </p:cNvPr>
@@ -1356,7 +1441,7 @@
           <a:p>
             <a:fld id="{63289F7E-B80B-496E-81B4-D396C37C9454}" type="datetimeFigureOut">
               <a:rPr lang="pt-BR" smtClean="0"/>
-              <a:t>28/07/2021</a:t>
+              <a:t>10/08/2021</a:t>
             </a:fld>
             <a:endParaRPr lang="pt-BR"/>
           </a:p>
@@ -1367,7 +1452,7 @@
           <p:cNvPr id="5" name="Espaço Reservado para Rodapé 4">
             <a:extLst>
               <a:ext uri="{FF2B5EF4-FFF2-40B4-BE49-F238E27FC236}">
-                <a16:creationId xmlns:a16="http://schemas.microsoft.com/office/drawing/2014/main" xmlns="" id="{C1DD0F41-C861-4051-988D-3024A37A4B93}"/>
+                <a16:creationId xmlns="" xmlns:a16="http://schemas.microsoft.com/office/drawing/2014/main" id="{C1DD0F41-C861-4051-988D-3024A37A4B93}"/>
               </a:ext>
             </a:extLst>
           </p:cNvPr>
@@ -1392,7 +1477,7 @@
           <p:cNvPr id="6" name="Espaço Reservado para Número de Slide 5">
             <a:extLst>
               <a:ext uri="{FF2B5EF4-FFF2-40B4-BE49-F238E27FC236}">
-                <a16:creationId xmlns:a16="http://schemas.microsoft.com/office/drawing/2014/main" xmlns="" id="{07E5967E-D980-431A-A5DB-3F0C5030A81E}"/>
+                <a16:creationId xmlns="" xmlns:a16="http://schemas.microsoft.com/office/drawing/2014/main" id="{07E5967E-D980-431A-A5DB-3F0C5030A81E}"/>
               </a:ext>
             </a:extLst>
           </p:cNvPr>
@@ -1451,7 +1536,7 @@
           <p:cNvPr id="2" name="Título 1">
             <a:extLst>
               <a:ext uri="{FF2B5EF4-FFF2-40B4-BE49-F238E27FC236}">
-                <a16:creationId xmlns:a16="http://schemas.microsoft.com/office/drawing/2014/main" xmlns="" id="{9036C49F-3E68-4175-81BA-3C3FEE44308A}"/>
+                <a16:creationId xmlns="" xmlns:a16="http://schemas.microsoft.com/office/drawing/2014/main" id="{9036C49F-3E68-4175-81BA-3C3FEE44308A}"/>
               </a:ext>
             </a:extLst>
           </p:cNvPr>
@@ -1479,7 +1564,7 @@
           <p:cNvPr id="3" name="Espaço Reservado para Texto Vertical 2">
             <a:extLst>
               <a:ext uri="{FF2B5EF4-FFF2-40B4-BE49-F238E27FC236}">
-                <a16:creationId xmlns:a16="http://schemas.microsoft.com/office/drawing/2014/main" xmlns="" id="{426FA736-3DD3-4D4E-B57B-BBE1D8F7D424}"/>
+                <a16:creationId xmlns="" xmlns:a16="http://schemas.microsoft.com/office/drawing/2014/main" id="{426FA736-3DD3-4D4E-B57B-BBE1D8F7D424}"/>
               </a:ext>
             </a:extLst>
           </p:cNvPr>
@@ -1536,7 +1621,7 @@
           <p:cNvPr id="4" name="Espaço Reservado para Data 3">
             <a:extLst>
               <a:ext uri="{FF2B5EF4-FFF2-40B4-BE49-F238E27FC236}">
-                <a16:creationId xmlns:a16="http://schemas.microsoft.com/office/drawing/2014/main" xmlns="" id="{99E8855C-D8FD-48F6-B14E-861E0DE4D915}"/>
+                <a16:creationId xmlns="" xmlns:a16="http://schemas.microsoft.com/office/drawing/2014/main" id="{99E8855C-D8FD-48F6-B14E-861E0DE4D915}"/>
               </a:ext>
             </a:extLst>
           </p:cNvPr>
@@ -1554,7 +1639,7 @@
           <a:p>
             <a:fld id="{63289F7E-B80B-496E-81B4-D396C37C9454}" type="datetimeFigureOut">
               <a:rPr lang="pt-BR" smtClean="0"/>
-              <a:t>28/07/2021</a:t>
+              <a:t>10/08/2021</a:t>
             </a:fld>
             <a:endParaRPr lang="pt-BR"/>
           </a:p>
@@ -1565,7 +1650,7 @@
           <p:cNvPr id="5" name="Espaço Reservado para Rodapé 4">
             <a:extLst>
               <a:ext uri="{FF2B5EF4-FFF2-40B4-BE49-F238E27FC236}">
-                <a16:creationId xmlns:a16="http://schemas.microsoft.com/office/drawing/2014/main" xmlns="" id="{97C0BB88-2F21-42A5-ACFF-83DA47F2D340}"/>
+                <a16:creationId xmlns="" xmlns:a16="http://schemas.microsoft.com/office/drawing/2014/main" id="{97C0BB88-2F21-42A5-ACFF-83DA47F2D340}"/>
               </a:ext>
             </a:extLst>
           </p:cNvPr>
@@ -1590,7 +1675,7 @@
           <p:cNvPr id="6" name="Espaço Reservado para Número de Slide 5">
             <a:extLst>
               <a:ext uri="{FF2B5EF4-FFF2-40B4-BE49-F238E27FC236}">
-                <a16:creationId xmlns:a16="http://schemas.microsoft.com/office/drawing/2014/main" xmlns="" id="{6CB462B3-1F22-4C05-B4B8-7A279FB7D5E9}"/>
+                <a16:creationId xmlns="" xmlns:a16="http://schemas.microsoft.com/office/drawing/2014/main" id="{6CB462B3-1F22-4C05-B4B8-7A279FB7D5E9}"/>
               </a:ext>
             </a:extLst>
           </p:cNvPr>
@@ -1649,7 +1734,7 @@
           <p:cNvPr id="2" name="Título Vertical 1">
             <a:extLst>
               <a:ext uri="{FF2B5EF4-FFF2-40B4-BE49-F238E27FC236}">
-                <a16:creationId xmlns:a16="http://schemas.microsoft.com/office/drawing/2014/main" xmlns="" id="{EAEAB728-701C-4207-A9D5-23FF45C60502}"/>
+                <a16:creationId xmlns="" xmlns:a16="http://schemas.microsoft.com/office/drawing/2014/main" id="{EAEAB728-701C-4207-A9D5-23FF45C60502}"/>
               </a:ext>
             </a:extLst>
           </p:cNvPr>
@@ -1682,7 +1767,7 @@
           <p:cNvPr id="3" name="Espaço Reservado para Texto Vertical 2">
             <a:extLst>
               <a:ext uri="{FF2B5EF4-FFF2-40B4-BE49-F238E27FC236}">
-                <a16:creationId xmlns:a16="http://schemas.microsoft.com/office/drawing/2014/main" xmlns="" id="{BA8C8CCF-7823-480A-9A19-0F664DD17E3B}"/>
+                <a16:creationId xmlns="" xmlns:a16="http://schemas.microsoft.com/office/drawing/2014/main" id="{BA8C8CCF-7823-480A-9A19-0F664DD17E3B}"/>
               </a:ext>
             </a:extLst>
           </p:cNvPr>
@@ -1744,7 +1829,7 @@
           <p:cNvPr id="4" name="Espaço Reservado para Data 3">
             <a:extLst>
               <a:ext uri="{FF2B5EF4-FFF2-40B4-BE49-F238E27FC236}">
-                <a16:creationId xmlns:a16="http://schemas.microsoft.com/office/drawing/2014/main" xmlns="" id="{721D5734-7B1F-425D-942F-6EB73344027C}"/>
+                <a16:creationId xmlns="" xmlns:a16="http://schemas.microsoft.com/office/drawing/2014/main" id="{721D5734-7B1F-425D-942F-6EB73344027C}"/>
               </a:ext>
             </a:extLst>
           </p:cNvPr>
@@ -1762,7 +1847,7 @@
           <a:p>
             <a:fld id="{63289F7E-B80B-496E-81B4-D396C37C9454}" type="datetimeFigureOut">
               <a:rPr lang="pt-BR" smtClean="0"/>
-              <a:t>28/07/2021</a:t>
+              <a:t>10/08/2021</a:t>
             </a:fld>
             <a:endParaRPr lang="pt-BR"/>
           </a:p>
@@ -1773,7 +1858,7 @@
           <p:cNvPr id="5" name="Espaço Reservado para Rodapé 4">
             <a:extLst>
               <a:ext uri="{FF2B5EF4-FFF2-40B4-BE49-F238E27FC236}">
-                <a16:creationId xmlns:a16="http://schemas.microsoft.com/office/drawing/2014/main" xmlns="" id="{1E1AAEAC-F08D-45FE-89EC-B1B349A868C9}"/>
+                <a16:creationId xmlns="" xmlns:a16="http://schemas.microsoft.com/office/drawing/2014/main" id="{1E1AAEAC-F08D-45FE-89EC-B1B349A868C9}"/>
               </a:ext>
             </a:extLst>
           </p:cNvPr>
@@ -1798,7 +1883,7 @@
           <p:cNvPr id="6" name="Espaço Reservado para Número de Slide 5">
             <a:extLst>
               <a:ext uri="{FF2B5EF4-FFF2-40B4-BE49-F238E27FC236}">
-                <a16:creationId xmlns:a16="http://schemas.microsoft.com/office/drawing/2014/main" xmlns="" id="{BAA44493-9911-47B2-87A6-C2141A972BC8}"/>
+                <a16:creationId xmlns="" xmlns:a16="http://schemas.microsoft.com/office/drawing/2014/main" id="{BAA44493-9911-47B2-87A6-C2141A972BC8}"/>
               </a:ext>
             </a:extLst>
           </p:cNvPr>
@@ -1857,7 +1942,7 @@
           <p:cNvPr id="2" name="Título 1">
             <a:extLst>
               <a:ext uri="{FF2B5EF4-FFF2-40B4-BE49-F238E27FC236}">
-                <a16:creationId xmlns:a16="http://schemas.microsoft.com/office/drawing/2014/main" xmlns="" id="{71BD44A5-8F21-4626-A01D-48A1C874B1D5}"/>
+                <a16:creationId xmlns="" xmlns:a16="http://schemas.microsoft.com/office/drawing/2014/main" id="{71BD44A5-8F21-4626-A01D-48A1C874B1D5}"/>
               </a:ext>
             </a:extLst>
           </p:cNvPr>
@@ -1885,7 +1970,7 @@
           <p:cNvPr id="3" name="Espaço Reservado para Conteúdo 2">
             <a:extLst>
               <a:ext uri="{FF2B5EF4-FFF2-40B4-BE49-F238E27FC236}">
-                <a16:creationId xmlns:a16="http://schemas.microsoft.com/office/drawing/2014/main" xmlns="" id="{B79E8085-65A9-48AA-951D-71D978BFF4ED}"/>
+                <a16:creationId xmlns="" xmlns:a16="http://schemas.microsoft.com/office/drawing/2014/main" id="{B79E8085-65A9-48AA-951D-71D978BFF4ED}"/>
               </a:ext>
             </a:extLst>
           </p:cNvPr>
@@ -1942,7 +2027,7 @@
           <p:cNvPr id="4" name="Espaço Reservado para Data 3">
             <a:extLst>
               <a:ext uri="{FF2B5EF4-FFF2-40B4-BE49-F238E27FC236}">
-                <a16:creationId xmlns:a16="http://schemas.microsoft.com/office/drawing/2014/main" xmlns="" id="{F05BE1AF-51EA-425D-B188-DE7BD675009F}"/>
+                <a16:creationId xmlns="" xmlns:a16="http://schemas.microsoft.com/office/drawing/2014/main" id="{F05BE1AF-51EA-425D-B188-DE7BD675009F}"/>
               </a:ext>
             </a:extLst>
           </p:cNvPr>
@@ -1960,7 +2045,7 @@
           <a:p>
             <a:fld id="{63289F7E-B80B-496E-81B4-D396C37C9454}" type="datetimeFigureOut">
               <a:rPr lang="pt-BR" smtClean="0"/>
-              <a:t>28/07/2021</a:t>
+              <a:t>10/08/2021</a:t>
             </a:fld>
             <a:endParaRPr lang="pt-BR"/>
           </a:p>
@@ -1971,7 +2056,7 @@
           <p:cNvPr id="5" name="Espaço Reservado para Rodapé 4">
             <a:extLst>
               <a:ext uri="{FF2B5EF4-FFF2-40B4-BE49-F238E27FC236}">
-                <a16:creationId xmlns:a16="http://schemas.microsoft.com/office/drawing/2014/main" xmlns="" id="{121BE632-29CF-4CB9-B365-C9EF38F89BE6}"/>
+                <a16:creationId xmlns="" xmlns:a16="http://schemas.microsoft.com/office/drawing/2014/main" id="{121BE632-29CF-4CB9-B365-C9EF38F89BE6}"/>
               </a:ext>
             </a:extLst>
           </p:cNvPr>
@@ -1996,7 +2081,7 @@
           <p:cNvPr id="6" name="Espaço Reservado para Número de Slide 5">
             <a:extLst>
               <a:ext uri="{FF2B5EF4-FFF2-40B4-BE49-F238E27FC236}">
-                <a16:creationId xmlns:a16="http://schemas.microsoft.com/office/drawing/2014/main" xmlns="" id="{60CF3DD1-9AEC-4A57-B461-4E4DD86FAC18}"/>
+                <a16:creationId xmlns="" xmlns:a16="http://schemas.microsoft.com/office/drawing/2014/main" id="{60CF3DD1-9AEC-4A57-B461-4E4DD86FAC18}"/>
               </a:ext>
             </a:extLst>
           </p:cNvPr>
@@ -2055,7 +2140,7 @@
           <p:cNvPr id="2" name="Título 1">
             <a:extLst>
               <a:ext uri="{FF2B5EF4-FFF2-40B4-BE49-F238E27FC236}">
-                <a16:creationId xmlns:a16="http://schemas.microsoft.com/office/drawing/2014/main" xmlns="" id="{34AB2FF0-A4D7-4E28-991D-FF26140D5988}"/>
+                <a16:creationId xmlns="" xmlns:a16="http://schemas.microsoft.com/office/drawing/2014/main" id="{34AB2FF0-A4D7-4E28-991D-FF26140D5988}"/>
               </a:ext>
             </a:extLst>
           </p:cNvPr>
@@ -2092,7 +2177,7 @@
           <p:cNvPr id="3" name="Espaço Reservado para Texto 2">
             <a:extLst>
               <a:ext uri="{FF2B5EF4-FFF2-40B4-BE49-F238E27FC236}">
-                <a16:creationId xmlns:a16="http://schemas.microsoft.com/office/drawing/2014/main" xmlns="" id="{E2AC45B0-4145-40DB-8E61-105461170604}"/>
+                <a16:creationId xmlns="" xmlns:a16="http://schemas.microsoft.com/office/drawing/2014/main" id="{E2AC45B0-4145-40DB-8E61-105461170604}"/>
               </a:ext>
             </a:extLst>
           </p:cNvPr>
@@ -2217,7 +2302,7 @@
           <p:cNvPr id="4" name="Espaço Reservado para Data 3">
             <a:extLst>
               <a:ext uri="{FF2B5EF4-FFF2-40B4-BE49-F238E27FC236}">
-                <a16:creationId xmlns:a16="http://schemas.microsoft.com/office/drawing/2014/main" xmlns="" id="{50F1D3FB-740A-4EBA-A309-2CE71D12ECFB}"/>
+                <a16:creationId xmlns="" xmlns:a16="http://schemas.microsoft.com/office/drawing/2014/main" id="{50F1D3FB-740A-4EBA-A309-2CE71D12ECFB}"/>
               </a:ext>
             </a:extLst>
           </p:cNvPr>
@@ -2235,7 +2320,7 @@
           <a:p>
             <a:fld id="{63289F7E-B80B-496E-81B4-D396C37C9454}" type="datetimeFigureOut">
               <a:rPr lang="pt-BR" smtClean="0"/>
-              <a:t>28/07/2021</a:t>
+              <a:t>10/08/2021</a:t>
             </a:fld>
             <a:endParaRPr lang="pt-BR"/>
           </a:p>
@@ -2246,7 +2331,7 @@
           <p:cNvPr id="5" name="Espaço Reservado para Rodapé 4">
             <a:extLst>
               <a:ext uri="{FF2B5EF4-FFF2-40B4-BE49-F238E27FC236}">
-                <a16:creationId xmlns:a16="http://schemas.microsoft.com/office/drawing/2014/main" xmlns="" id="{BDCAB18F-8715-4465-A940-F9C193A2ACE9}"/>
+                <a16:creationId xmlns="" xmlns:a16="http://schemas.microsoft.com/office/drawing/2014/main" id="{BDCAB18F-8715-4465-A940-F9C193A2ACE9}"/>
               </a:ext>
             </a:extLst>
           </p:cNvPr>
@@ -2271,7 +2356,7 @@
           <p:cNvPr id="6" name="Espaço Reservado para Número de Slide 5">
             <a:extLst>
               <a:ext uri="{FF2B5EF4-FFF2-40B4-BE49-F238E27FC236}">
-                <a16:creationId xmlns:a16="http://schemas.microsoft.com/office/drawing/2014/main" xmlns="" id="{353466C6-8248-429F-8056-FF040BF509EB}"/>
+                <a16:creationId xmlns="" xmlns:a16="http://schemas.microsoft.com/office/drawing/2014/main" id="{353466C6-8248-429F-8056-FF040BF509EB}"/>
               </a:ext>
             </a:extLst>
           </p:cNvPr>
@@ -2330,7 +2415,7 @@
           <p:cNvPr id="2" name="Título 1">
             <a:extLst>
               <a:ext uri="{FF2B5EF4-FFF2-40B4-BE49-F238E27FC236}">
-                <a16:creationId xmlns:a16="http://schemas.microsoft.com/office/drawing/2014/main" xmlns="" id="{BC7BB9F0-F14B-4A91-B2B7-35BC47FE4DE7}"/>
+                <a16:creationId xmlns="" xmlns:a16="http://schemas.microsoft.com/office/drawing/2014/main" id="{BC7BB9F0-F14B-4A91-B2B7-35BC47FE4DE7}"/>
               </a:ext>
             </a:extLst>
           </p:cNvPr>
@@ -2358,7 +2443,7 @@
           <p:cNvPr id="3" name="Espaço Reservado para Conteúdo 2">
             <a:extLst>
               <a:ext uri="{FF2B5EF4-FFF2-40B4-BE49-F238E27FC236}">
-                <a16:creationId xmlns:a16="http://schemas.microsoft.com/office/drawing/2014/main" xmlns="" id="{EC1FC1C4-73DA-47A6-8496-B0B457F7D39A}"/>
+                <a16:creationId xmlns="" xmlns:a16="http://schemas.microsoft.com/office/drawing/2014/main" id="{EC1FC1C4-73DA-47A6-8496-B0B457F7D39A}"/>
               </a:ext>
             </a:extLst>
           </p:cNvPr>
@@ -2420,7 +2505,7 @@
           <p:cNvPr id="4" name="Espaço Reservado para Conteúdo 3">
             <a:extLst>
               <a:ext uri="{FF2B5EF4-FFF2-40B4-BE49-F238E27FC236}">
-                <a16:creationId xmlns:a16="http://schemas.microsoft.com/office/drawing/2014/main" xmlns="" id="{E92F06A8-A449-4D92-9912-76873E529B38}"/>
+                <a16:creationId xmlns="" xmlns:a16="http://schemas.microsoft.com/office/drawing/2014/main" id="{E92F06A8-A449-4D92-9912-76873E529B38}"/>
               </a:ext>
             </a:extLst>
           </p:cNvPr>
@@ -2482,7 +2567,7 @@
           <p:cNvPr id="5" name="Espaço Reservado para Data 4">
             <a:extLst>
               <a:ext uri="{FF2B5EF4-FFF2-40B4-BE49-F238E27FC236}">
-                <a16:creationId xmlns:a16="http://schemas.microsoft.com/office/drawing/2014/main" xmlns="" id="{938070A4-BC2F-4D55-BD8D-DEAF11BB9EE9}"/>
+                <a16:creationId xmlns="" xmlns:a16="http://schemas.microsoft.com/office/drawing/2014/main" id="{938070A4-BC2F-4D55-BD8D-DEAF11BB9EE9}"/>
               </a:ext>
             </a:extLst>
           </p:cNvPr>
@@ -2500,7 +2585,7 @@
           <a:p>
             <a:fld id="{63289F7E-B80B-496E-81B4-D396C37C9454}" type="datetimeFigureOut">
               <a:rPr lang="pt-BR" smtClean="0"/>
-              <a:t>28/07/2021</a:t>
+              <a:t>10/08/2021</a:t>
             </a:fld>
             <a:endParaRPr lang="pt-BR"/>
           </a:p>
@@ -2511,7 +2596,7 @@
           <p:cNvPr id="6" name="Espaço Reservado para Rodapé 5">
             <a:extLst>
               <a:ext uri="{FF2B5EF4-FFF2-40B4-BE49-F238E27FC236}">
-                <a16:creationId xmlns:a16="http://schemas.microsoft.com/office/drawing/2014/main" xmlns="" id="{45CC2DB8-844A-465F-BA9A-7734C80C7F43}"/>
+                <a16:creationId xmlns="" xmlns:a16="http://schemas.microsoft.com/office/drawing/2014/main" id="{45CC2DB8-844A-465F-BA9A-7734C80C7F43}"/>
               </a:ext>
             </a:extLst>
           </p:cNvPr>
@@ -2536,7 +2621,7 @@
           <p:cNvPr id="7" name="Espaço Reservado para Número de Slide 6">
             <a:extLst>
               <a:ext uri="{FF2B5EF4-FFF2-40B4-BE49-F238E27FC236}">
-                <a16:creationId xmlns:a16="http://schemas.microsoft.com/office/drawing/2014/main" xmlns="" id="{4CC606A8-097B-4040-94E0-CD8C88280D8F}"/>
+                <a16:creationId xmlns="" xmlns:a16="http://schemas.microsoft.com/office/drawing/2014/main" id="{4CC606A8-097B-4040-94E0-CD8C88280D8F}"/>
               </a:ext>
             </a:extLst>
           </p:cNvPr>
@@ -2595,7 +2680,7 @@
           <p:cNvPr id="2" name="Título 1">
             <a:extLst>
               <a:ext uri="{FF2B5EF4-FFF2-40B4-BE49-F238E27FC236}">
-                <a16:creationId xmlns:a16="http://schemas.microsoft.com/office/drawing/2014/main" xmlns="" id="{76D66686-0143-4CB6-8C09-BA326F1E7ACA}"/>
+                <a16:creationId xmlns="" xmlns:a16="http://schemas.microsoft.com/office/drawing/2014/main" id="{76D66686-0143-4CB6-8C09-BA326F1E7ACA}"/>
               </a:ext>
             </a:extLst>
           </p:cNvPr>
@@ -2628,7 +2713,7 @@
           <p:cNvPr id="3" name="Espaço Reservado para Texto 2">
             <a:extLst>
               <a:ext uri="{FF2B5EF4-FFF2-40B4-BE49-F238E27FC236}">
-                <a16:creationId xmlns:a16="http://schemas.microsoft.com/office/drawing/2014/main" xmlns="" id="{0227AB85-F59E-4BCE-B846-4FA0992C2F23}"/>
+                <a16:creationId xmlns="" xmlns:a16="http://schemas.microsoft.com/office/drawing/2014/main" id="{0227AB85-F59E-4BCE-B846-4FA0992C2F23}"/>
               </a:ext>
             </a:extLst>
           </p:cNvPr>
@@ -2699,7 +2784,7 @@
           <p:cNvPr id="4" name="Espaço Reservado para Conteúdo 3">
             <a:extLst>
               <a:ext uri="{FF2B5EF4-FFF2-40B4-BE49-F238E27FC236}">
-                <a16:creationId xmlns:a16="http://schemas.microsoft.com/office/drawing/2014/main" xmlns="" id="{3373456C-7319-4D0A-827D-D29F6B083F5D}"/>
+                <a16:creationId xmlns="" xmlns:a16="http://schemas.microsoft.com/office/drawing/2014/main" id="{3373456C-7319-4D0A-827D-D29F6B083F5D}"/>
               </a:ext>
             </a:extLst>
           </p:cNvPr>
@@ -2761,7 +2846,7 @@
           <p:cNvPr id="5" name="Espaço Reservado para Texto 4">
             <a:extLst>
               <a:ext uri="{FF2B5EF4-FFF2-40B4-BE49-F238E27FC236}">
-                <a16:creationId xmlns:a16="http://schemas.microsoft.com/office/drawing/2014/main" xmlns="" id="{4CD109D0-2E83-4262-8029-A871CEC47406}"/>
+                <a16:creationId xmlns="" xmlns:a16="http://schemas.microsoft.com/office/drawing/2014/main" id="{4CD109D0-2E83-4262-8029-A871CEC47406}"/>
               </a:ext>
             </a:extLst>
           </p:cNvPr>
@@ -2832,7 +2917,7 @@
           <p:cNvPr id="6" name="Espaço Reservado para Conteúdo 5">
             <a:extLst>
               <a:ext uri="{FF2B5EF4-FFF2-40B4-BE49-F238E27FC236}">
-                <a16:creationId xmlns:a16="http://schemas.microsoft.com/office/drawing/2014/main" xmlns="" id="{AD706E3A-CFBB-4A6C-A65F-D0360A9E74FE}"/>
+                <a16:creationId xmlns="" xmlns:a16="http://schemas.microsoft.com/office/drawing/2014/main" id="{AD706E3A-CFBB-4A6C-A65F-D0360A9E74FE}"/>
               </a:ext>
             </a:extLst>
           </p:cNvPr>
@@ -2894,7 +2979,7 @@
           <p:cNvPr id="7" name="Espaço Reservado para Data 6">
             <a:extLst>
               <a:ext uri="{FF2B5EF4-FFF2-40B4-BE49-F238E27FC236}">
-                <a16:creationId xmlns:a16="http://schemas.microsoft.com/office/drawing/2014/main" xmlns="" id="{4172C0E5-5AF0-4805-BB51-443733CD2BD5}"/>
+                <a16:creationId xmlns="" xmlns:a16="http://schemas.microsoft.com/office/drawing/2014/main" id="{4172C0E5-5AF0-4805-BB51-443733CD2BD5}"/>
               </a:ext>
             </a:extLst>
           </p:cNvPr>
@@ -2912,7 +2997,7 @@
           <a:p>
             <a:fld id="{63289F7E-B80B-496E-81B4-D396C37C9454}" type="datetimeFigureOut">
               <a:rPr lang="pt-BR" smtClean="0"/>
-              <a:t>28/07/2021</a:t>
+              <a:t>10/08/2021</a:t>
             </a:fld>
             <a:endParaRPr lang="pt-BR"/>
           </a:p>
@@ -2923,7 +3008,7 @@
           <p:cNvPr id="8" name="Espaço Reservado para Rodapé 7">
             <a:extLst>
               <a:ext uri="{FF2B5EF4-FFF2-40B4-BE49-F238E27FC236}">
-                <a16:creationId xmlns:a16="http://schemas.microsoft.com/office/drawing/2014/main" xmlns="" id="{0E801648-156F-497E-99CF-797DF48051E1}"/>
+                <a16:creationId xmlns="" xmlns:a16="http://schemas.microsoft.com/office/drawing/2014/main" id="{0E801648-156F-497E-99CF-797DF48051E1}"/>
               </a:ext>
             </a:extLst>
           </p:cNvPr>
@@ -2948,7 +3033,7 @@
           <p:cNvPr id="9" name="Espaço Reservado para Número de Slide 8">
             <a:extLst>
               <a:ext uri="{FF2B5EF4-FFF2-40B4-BE49-F238E27FC236}">
-                <a16:creationId xmlns:a16="http://schemas.microsoft.com/office/drawing/2014/main" xmlns="" id="{EEE23D32-80E7-4796-A137-66BF842E4B53}"/>
+                <a16:creationId xmlns="" xmlns:a16="http://schemas.microsoft.com/office/drawing/2014/main" id="{EEE23D32-80E7-4796-A137-66BF842E4B53}"/>
               </a:ext>
             </a:extLst>
           </p:cNvPr>
@@ -3007,7 +3092,7 @@
           <p:cNvPr id="2" name="Título 1">
             <a:extLst>
               <a:ext uri="{FF2B5EF4-FFF2-40B4-BE49-F238E27FC236}">
-                <a16:creationId xmlns:a16="http://schemas.microsoft.com/office/drawing/2014/main" xmlns="" id="{2BCE2379-C78F-47E1-8CFC-B846E7AF148D}"/>
+                <a16:creationId xmlns="" xmlns:a16="http://schemas.microsoft.com/office/drawing/2014/main" id="{2BCE2379-C78F-47E1-8CFC-B846E7AF148D}"/>
               </a:ext>
             </a:extLst>
           </p:cNvPr>
@@ -3035,7 +3120,7 @@
           <p:cNvPr id="3" name="Espaço Reservado para Data 2">
             <a:extLst>
               <a:ext uri="{FF2B5EF4-FFF2-40B4-BE49-F238E27FC236}">
-                <a16:creationId xmlns:a16="http://schemas.microsoft.com/office/drawing/2014/main" xmlns="" id="{342600A9-7F92-4E22-9D94-E4717252A817}"/>
+                <a16:creationId xmlns="" xmlns:a16="http://schemas.microsoft.com/office/drawing/2014/main" id="{342600A9-7F92-4E22-9D94-E4717252A817}"/>
               </a:ext>
             </a:extLst>
           </p:cNvPr>
@@ -3053,7 +3138,7 @@
           <a:p>
             <a:fld id="{63289F7E-B80B-496E-81B4-D396C37C9454}" type="datetimeFigureOut">
               <a:rPr lang="pt-BR" smtClean="0"/>
-              <a:t>28/07/2021</a:t>
+              <a:t>10/08/2021</a:t>
             </a:fld>
             <a:endParaRPr lang="pt-BR"/>
           </a:p>
@@ -3064,7 +3149,7 @@
           <p:cNvPr id="4" name="Espaço Reservado para Rodapé 3">
             <a:extLst>
               <a:ext uri="{FF2B5EF4-FFF2-40B4-BE49-F238E27FC236}">
-                <a16:creationId xmlns:a16="http://schemas.microsoft.com/office/drawing/2014/main" xmlns="" id="{192E6BED-F546-40CC-A2DF-99CBA853654E}"/>
+                <a16:creationId xmlns="" xmlns:a16="http://schemas.microsoft.com/office/drawing/2014/main" id="{192E6BED-F546-40CC-A2DF-99CBA853654E}"/>
               </a:ext>
             </a:extLst>
           </p:cNvPr>
@@ -3089,7 +3174,7 @@
           <p:cNvPr id="5" name="Espaço Reservado para Número de Slide 4">
             <a:extLst>
               <a:ext uri="{FF2B5EF4-FFF2-40B4-BE49-F238E27FC236}">
-                <a16:creationId xmlns:a16="http://schemas.microsoft.com/office/drawing/2014/main" xmlns="" id="{6091CC40-A8C4-4063-80EB-CC5099621678}"/>
+                <a16:creationId xmlns="" xmlns:a16="http://schemas.microsoft.com/office/drawing/2014/main" id="{6091CC40-A8C4-4063-80EB-CC5099621678}"/>
               </a:ext>
             </a:extLst>
           </p:cNvPr>
@@ -3148,7 +3233,7 @@
           <p:cNvPr id="2" name="Espaço Reservado para Data 1">
             <a:extLst>
               <a:ext uri="{FF2B5EF4-FFF2-40B4-BE49-F238E27FC236}">
-                <a16:creationId xmlns:a16="http://schemas.microsoft.com/office/drawing/2014/main" xmlns="" id="{DD19515C-212C-4EAE-84A3-8FF4BC844F1B}"/>
+                <a16:creationId xmlns="" xmlns:a16="http://schemas.microsoft.com/office/drawing/2014/main" id="{DD19515C-212C-4EAE-84A3-8FF4BC844F1B}"/>
               </a:ext>
             </a:extLst>
           </p:cNvPr>
@@ -3166,7 +3251,7 @@
           <a:p>
             <a:fld id="{63289F7E-B80B-496E-81B4-D396C37C9454}" type="datetimeFigureOut">
               <a:rPr lang="pt-BR" smtClean="0"/>
-              <a:t>28/07/2021</a:t>
+              <a:t>10/08/2021</a:t>
             </a:fld>
             <a:endParaRPr lang="pt-BR"/>
           </a:p>
@@ -3177,7 +3262,7 @@
           <p:cNvPr id="3" name="Espaço Reservado para Rodapé 2">
             <a:extLst>
               <a:ext uri="{FF2B5EF4-FFF2-40B4-BE49-F238E27FC236}">
-                <a16:creationId xmlns:a16="http://schemas.microsoft.com/office/drawing/2014/main" xmlns="" id="{94D3D120-B3E8-4C96-861D-7A4F12F49B3A}"/>
+                <a16:creationId xmlns="" xmlns:a16="http://schemas.microsoft.com/office/drawing/2014/main" id="{94D3D120-B3E8-4C96-861D-7A4F12F49B3A}"/>
               </a:ext>
             </a:extLst>
           </p:cNvPr>
@@ -3202,7 +3287,7 @@
           <p:cNvPr id="4" name="Espaço Reservado para Número de Slide 3">
             <a:extLst>
               <a:ext uri="{FF2B5EF4-FFF2-40B4-BE49-F238E27FC236}">
-                <a16:creationId xmlns:a16="http://schemas.microsoft.com/office/drawing/2014/main" xmlns="" id="{42E49B68-FA1B-468B-9F17-D5C09243D454}"/>
+                <a16:creationId xmlns="" xmlns:a16="http://schemas.microsoft.com/office/drawing/2014/main" id="{42E49B68-FA1B-468B-9F17-D5C09243D454}"/>
               </a:ext>
             </a:extLst>
           </p:cNvPr>
@@ -3261,7 +3346,7 @@
           <p:cNvPr id="2" name="Título 1">
             <a:extLst>
               <a:ext uri="{FF2B5EF4-FFF2-40B4-BE49-F238E27FC236}">
-                <a16:creationId xmlns:a16="http://schemas.microsoft.com/office/drawing/2014/main" xmlns="" id="{1C17BCBE-A897-4319-85EC-D87909C24980}"/>
+                <a16:creationId xmlns="" xmlns:a16="http://schemas.microsoft.com/office/drawing/2014/main" id="{1C17BCBE-A897-4319-85EC-D87909C24980}"/>
               </a:ext>
             </a:extLst>
           </p:cNvPr>
@@ -3298,7 +3383,7 @@
           <p:cNvPr id="3" name="Espaço Reservado para Conteúdo 2">
             <a:extLst>
               <a:ext uri="{FF2B5EF4-FFF2-40B4-BE49-F238E27FC236}">
-                <a16:creationId xmlns:a16="http://schemas.microsoft.com/office/drawing/2014/main" xmlns="" id="{4226F885-0204-4913-868B-4B8B82576F17}"/>
+                <a16:creationId xmlns="" xmlns:a16="http://schemas.microsoft.com/office/drawing/2014/main" id="{4226F885-0204-4913-868B-4B8B82576F17}"/>
               </a:ext>
             </a:extLst>
           </p:cNvPr>
@@ -3388,7 +3473,7 @@
           <p:cNvPr id="4" name="Espaço Reservado para Texto 3">
             <a:extLst>
               <a:ext uri="{FF2B5EF4-FFF2-40B4-BE49-F238E27FC236}">
-                <a16:creationId xmlns:a16="http://schemas.microsoft.com/office/drawing/2014/main" xmlns="" id="{00F9F784-A858-441B-8AB5-697098141751}"/>
+                <a16:creationId xmlns="" xmlns:a16="http://schemas.microsoft.com/office/drawing/2014/main" id="{00F9F784-A858-441B-8AB5-697098141751}"/>
               </a:ext>
             </a:extLst>
           </p:cNvPr>
@@ -3459,7 +3544,7 @@
           <p:cNvPr id="5" name="Espaço Reservado para Data 4">
             <a:extLst>
               <a:ext uri="{FF2B5EF4-FFF2-40B4-BE49-F238E27FC236}">
-                <a16:creationId xmlns:a16="http://schemas.microsoft.com/office/drawing/2014/main" xmlns="" id="{A4DC363A-5000-472E-8B17-02E7DCB8840A}"/>
+                <a16:creationId xmlns="" xmlns:a16="http://schemas.microsoft.com/office/drawing/2014/main" id="{A4DC363A-5000-472E-8B17-02E7DCB8840A}"/>
               </a:ext>
             </a:extLst>
           </p:cNvPr>
@@ -3477,7 +3562,7 @@
           <a:p>
             <a:fld id="{63289F7E-B80B-496E-81B4-D396C37C9454}" type="datetimeFigureOut">
               <a:rPr lang="pt-BR" smtClean="0"/>
-              <a:t>28/07/2021</a:t>
+              <a:t>10/08/2021</a:t>
             </a:fld>
             <a:endParaRPr lang="pt-BR"/>
           </a:p>
@@ -3488,7 +3573,7 @@
           <p:cNvPr id="6" name="Espaço Reservado para Rodapé 5">
             <a:extLst>
               <a:ext uri="{FF2B5EF4-FFF2-40B4-BE49-F238E27FC236}">
-                <a16:creationId xmlns:a16="http://schemas.microsoft.com/office/drawing/2014/main" xmlns="" id="{5548425D-2C21-4C56-BAD4-662978775C28}"/>
+                <a16:creationId xmlns="" xmlns:a16="http://schemas.microsoft.com/office/drawing/2014/main" id="{5548425D-2C21-4C56-BAD4-662978775C28}"/>
               </a:ext>
             </a:extLst>
           </p:cNvPr>
@@ -3513,7 +3598,7 @@
           <p:cNvPr id="7" name="Espaço Reservado para Número de Slide 6">
             <a:extLst>
               <a:ext uri="{FF2B5EF4-FFF2-40B4-BE49-F238E27FC236}">
-                <a16:creationId xmlns:a16="http://schemas.microsoft.com/office/drawing/2014/main" xmlns="" id="{C63E9726-E64C-42B2-AE8A-8C235A956B48}"/>
+                <a16:creationId xmlns="" xmlns:a16="http://schemas.microsoft.com/office/drawing/2014/main" id="{C63E9726-E64C-42B2-AE8A-8C235A956B48}"/>
               </a:ext>
             </a:extLst>
           </p:cNvPr>
@@ -3572,7 +3657,7 @@
           <p:cNvPr id="2" name="Título 1">
             <a:extLst>
               <a:ext uri="{FF2B5EF4-FFF2-40B4-BE49-F238E27FC236}">
-                <a16:creationId xmlns:a16="http://schemas.microsoft.com/office/drawing/2014/main" xmlns="" id="{11086A78-3E74-450C-96A6-CA8AC37AF772}"/>
+                <a16:creationId xmlns="" xmlns:a16="http://schemas.microsoft.com/office/drawing/2014/main" id="{11086A78-3E74-450C-96A6-CA8AC37AF772}"/>
               </a:ext>
             </a:extLst>
           </p:cNvPr>
@@ -3609,7 +3694,7 @@
           <p:cNvPr id="3" name="Espaço Reservado para Imagem 2">
             <a:extLst>
               <a:ext uri="{FF2B5EF4-FFF2-40B4-BE49-F238E27FC236}">
-                <a16:creationId xmlns:a16="http://schemas.microsoft.com/office/drawing/2014/main" xmlns="" id="{5F5B7312-975A-4DBC-9B2F-3652ADA006FD}"/>
+                <a16:creationId xmlns="" xmlns:a16="http://schemas.microsoft.com/office/drawing/2014/main" id="{5F5B7312-975A-4DBC-9B2F-3652ADA006FD}"/>
               </a:ext>
             </a:extLst>
           </p:cNvPr>
@@ -3676,7 +3761,7 @@
           <p:cNvPr id="4" name="Espaço Reservado para Texto 3">
             <a:extLst>
               <a:ext uri="{FF2B5EF4-FFF2-40B4-BE49-F238E27FC236}">
-                <a16:creationId xmlns:a16="http://schemas.microsoft.com/office/drawing/2014/main" xmlns="" id="{AAF805F5-1DFF-41C6-944C-7D79FE0D0963}"/>
+                <a16:creationId xmlns="" xmlns:a16="http://schemas.microsoft.com/office/drawing/2014/main" id="{AAF805F5-1DFF-41C6-944C-7D79FE0D0963}"/>
               </a:ext>
             </a:extLst>
           </p:cNvPr>
@@ -3747,7 +3832,7 @@
           <p:cNvPr id="5" name="Espaço Reservado para Data 4">
             <a:extLst>
               <a:ext uri="{FF2B5EF4-FFF2-40B4-BE49-F238E27FC236}">
-                <a16:creationId xmlns:a16="http://schemas.microsoft.com/office/drawing/2014/main" xmlns="" id="{02113D81-8665-4516-BD81-C6A1F254EECD}"/>
+                <a16:creationId xmlns="" xmlns:a16="http://schemas.microsoft.com/office/drawing/2014/main" id="{02113D81-8665-4516-BD81-C6A1F254EECD}"/>
               </a:ext>
             </a:extLst>
           </p:cNvPr>
@@ -3765,7 +3850,7 @@
           <a:p>
             <a:fld id="{63289F7E-B80B-496E-81B4-D396C37C9454}" type="datetimeFigureOut">
               <a:rPr lang="pt-BR" smtClean="0"/>
-              <a:t>28/07/2021</a:t>
+              <a:t>10/08/2021</a:t>
             </a:fld>
             <a:endParaRPr lang="pt-BR"/>
           </a:p>
@@ -3776,7 +3861,7 @@
           <p:cNvPr id="6" name="Espaço Reservado para Rodapé 5">
             <a:extLst>
               <a:ext uri="{FF2B5EF4-FFF2-40B4-BE49-F238E27FC236}">
-                <a16:creationId xmlns:a16="http://schemas.microsoft.com/office/drawing/2014/main" xmlns="" id="{2B00C88B-FF32-40AA-A187-727D96FD7862}"/>
+                <a16:creationId xmlns="" xmlns:a16="http://schemas.microsoft.com/office/drawing/2014/main" id="{2B00C88B-FF32-40AA-A187-727D96FD7862}"/>
               </a:ext>
             </a:extLst>
           </p:cNvPr>
@@ -3801,7 +3886,7 @@
           <p:cNvPr id="7" name="Espaço Reservado para Número de Slide 6">
             <a:extLst>
               <a:ext uri="{FF2B5EF4-FFF2-40B4-BE49-F238E27FC236}">
-                <a16:creationId xmlns:a16="http://schemas.microsoft.com/office/drawing/2014/main" xmlns="" id="{A04D1A2D-69F7-4B8F-A730-BC26DC340BA6}"/>
+                <a16:creationId xmlns="" xmlns:a16="http://schemas.microsoft.com/office/drawing/2014/main" id="{A04D1A2D-69F7-4B8F-A730-BC26DC340BA6}"/>
               </a:ext>
             </a:extLst>
           </p:cNvPr>
@@ -3865,7 +3950,7 @@
           <p:cNvPr id="2" name="Espaço Reservado para Título 1">
             <a:extLst>
               <a:ext uri="{FF2B5EF4-FFF2-40B4-BE49-F238E27FC236}">
-                <a16:creationId xmlns:a16="http://schemas.microsoft.com/office/drawing/2014/main" xmlns="" id="{E69A0273-1966-4A1B-9370-4C1CE5036371}"/>
+                <a16:creationId xmlns="" xmlns:a16="http://schemas.microsoft.com/office/drawing/2014/main" id="{E69A0273-1966-4A1B-9370-4C1CE5036371}"/>
               </a:ext>
             </a:extLst>
           </p:cNvPr>
@@ -3903,7 +3988,7 @@
           <p:cNvPr id="3" name="Espaço Reservado para Texto 2">
             <a:extLst>
               <a:ext uri="{FF2B5EF4-FFF2-40B4-BE49-F238E27FC236}">
-                <a16:creationId xmlns:a16="http://schemas.microsoft.com/office/drawing/2014/main" xmlns="" id="{3B9CF87A-0448-49A7-AB25-EBC1D56A40EF}"/>
+                <a16:creationId xmlns="" xmlns:a16="http://schemas.microsoft.com/office/drawing/2014/main" id="{3B9CF87A-0448-49A7-AB25-EBC1D56A40EF}"/>
               </a:ext>
             </a:extLst>
           </p:cNvPr>
@@ -3970,7 +4055,7 @@
           <p:cNvPr id="4" name="Espaço Reservado para Data 3">
             <a:extLst>
               <a:ext uri="{FF2B5EF4-FFF2-40B4-BE49-F238E27FC236}">
-                <a16:creationId xmlns:a16="http://schemas.microsoft.com/office/drawing/2014/main" xmlns="" id="{2EF7B1F2-BB5A-44D0-816D-16AD2C71430E}"/>
+                <a16:creationId xmlns="" xmlns:a16="http://schemas.microsoft.com/office/drawing/2014/main" id="{2EF7B1F2-BB5A-44D0-816D-16AD2C71430E}"/>
               </a:ext>
             </a:extLst>
           </p:cNvPr>
@@ -4006,7 +4091,7 @@
           <a:p>
             <a:fld id="{63289F7E-B80B-496E-81B4-D396C37C9454}" type="datetimeFigureOut">
               <a:rPr lang="pt-BR" smtClean="0"/>
-              <a:t>28/07/2021</a:t>
+              <a:t>10/08/2021</a:t>
             </a:fld>
             <a:endParaRPr lang="pt-BR"/>
           </a:p>
@@ -4017,7 +4102,7 @@
           <p:cNvPr id="5" name="Espaço Reservado para Rodapé 4">
             <a:extLst>
               <a:ext uri="{FF2B5EF4-FFF2-40B4-BE49-F238E27FC236}">
-                <a16:creationId xmlns:a16="http://schemas.microsoft.com/office/drawing/2014/main" xmlns="" id="{C703F94C-2CC8-4DAA-BC35-14FC3E841DCD}"/>
+                <a16:creationId xmlns="" xmlns:a16="http://schemas.microsoft.com/office/drawing/2014/main" id="{C703F94C-2CC8-4DAA-BC35-14FC3E841DCD}"/>
               </a:ext>
             </a:extLst>
           </p:cNvPr>
@@ -4060,7 +4145,7 @@
           <p:cNvPr id="6" name="Espaço Reservado para Número de Slide 5">
             <a:extLst>
               <a:ext uri="{FF2B5EF4-FFF2-40B4-BE49-F238E27FC236}">
-                <a16:creationId xmlns:a16="http://schemas.microsoft.com/office/drawing/2014/main" xmlns="" id="{64051336-7048-457A-8B61-D94291D71648}"/>
+                <a16:creationId xmlns="" xmlns:a16="http://schemas.microsoft.com/office/drawing/2014/main" id="{64051336-7048-457A-8B61-D94291D71648}"/>
               </a:ext>
             </a:extLst>
           </p:cNvPr>
@@ -4428,7 +4513,7 @@
           <p:cNvPr id="2" name="Título 1">
             <a:extLst>
               <a:ext uri="{FF2B5EF4-FFF2-40B4-BE49-F238E27FC236}">
-                <a16:creationId xmlns:a16="http://schemas.microsoft.com/office/drawing/2014/main" xmlns="" id="{32666AC8-2E17-4DB4-B0F5-60C640CCFD2E}"/>
+                <a16:creationId xmlns="" xmlns:a16="http://schemas.microsoft.com/office/drawing/2014/main" id="{32666AC8-2E17-4DB4-B0F5-60C640CCFD2E}"/>
               </a:ext>
             </a:extLst>
           </p:cNvPr>
@@ -4475,7 +4560,7 @@
           <p:cNvPr id="4" name="CaixaDeTexto 3">
             <a:extLst>
               <a:ext uri="{FF2B5EF4-FFF2-40B4-BE49-F238E27FC236}">
-                <a16:creationId xmlns:a16="http://schemas.microsoft.com/office/drawing/2014/main" xmlns="" id="{430EB894-B7D4-434C-9D1A-A14094D9BEEC}"/>
+                <a16:creationId xmlns="" xmlns:a16="http://schemas.microsoft.com/office/drawing/2014/main" id="{430EB894-B7D4-434C-9D1A-A14094D9BEEC}"/>
               </a:ext>
             </a:extLst>
           </p:cNvPr>
@@ -4516,7 +4601,7 @@
           <p:cNvPr id="1026" name="Picture 2" descr="Logo">
             <a:extLst>
               <a:ext uri="{FF2B5EF4-FFF2-40B4-BE49-F238E27FC236}">
-                <a16:creationId xmlns:a16="http://schemas.microsoft.com/office/drawing/2014/main" xmlns="" id="{3F2642E0-4F6A-4196-8F58-E77D36E9A33F}"/>
+                <a16:creationId xmlns="" xmlns:a16="http://schemas.microsoft.com/office/drawing/2014/main" id="{3F2642E0-4F6A-4196-8F58-E77D36E9A33F}"/>
               </a:ext>
             </a:extLst>
           </p:cNvPr>
@@ -4561,7 +4646,7 @@
           <p:cNvPr id="5122" name="Picture 2" descr="Image result for machine learning">
             <a:extLst>
               <a:ext uri="{FF2B5EF4-FFF2-40B4-BE49-F238E27FC236}">
-                <a16:creationId xmlns:a16="http://schemas.microsoft.com/office/drawing/2014/main" xmlns="" id="{810CE0A2-4102-44A6-A370-175E7896CDCB}"/>
+                <a16:creationId xmlns="" xmlns:a16="http://schemas.microsoft.com/office/drawing/2014/main" id="{810CE0A2-4102-44A6-A370-175E7896CDCB}"/>
               </a:ext>
             </a:extLst>
           </p:cNvPr>
@@ -5048,6 +5133,78 @@
           <a:p>
             <a:r>
               <a:rPr lang="pt-BR" dirty="0" smtClean="0"/>
+              <a:t>Truque do Kernel</a:t>
+            </a:r>
+            <a:endParaRPr lang="pt-BR" dirty="0"/>
+          </a:p>
+        </p:txBody>
+      </p:sp>
+      <p:sp>
+        <p:nvSpPr>
+          <p:cNvPr id="3" name="Content Placeholder 2"/>
+          <p:cNvSpPr>
+            <a:spLocks noGrp="1"/>
+          </p:cNvSpPr>
+          <p:nvPr>
+            <p:ph idx="1"/>
+          </p:nvPr>
+        </p:nvSpPr>
+        <p:spPr/>
+        <p:txBody>
+          <a:bodyPr/>
+          <a:lstStyle/>
+          <a:p>
+            <a:endParaRPr lang="pt-BR"/>
+          </a:p>
+        </p:txBody>
+      </p:sp>
+    </p:spTree>
+    <p:extLst>
+      <p:ext uri="{BB962C8B-B14F-4D97-AF65-F5344CB8AC3E}">
+        <p14:creationId xmlns:p14="http://schemas.microsoft.com/office/powerpoint/2010/main" val="806289443"/>
+      </p:ext>
+    </p:extLst>
+  </p:cSld>
+  <p:clrMapOvr>
+    <a:masterClrMapping/>
+  </p:clrMapOvr>
+</p:sld>
+</file>
+
+<file path=ppt/slides/slide12.xml><?xml version="1.0" encoding="utf-8"?>
+<p:sld xmlns:a="http://schemas.openxmlformats.org/drawingml/2006/main" xmlns:r="http://schemas.openxmlformats.org/officeDocument/2006/relationships" xmlns:p="http://schemas.openxmlformats.org/presentationml/2006/main">
+  <p:cSld>
+    <p:spTree>
+      <p:nvGrpSpPr>
+        <p:cNvPr id="1" name=""/>
+        <p:cNvGrpSpPr/>
+        <p:nvPr/>
+      </p:nvGrpSpPr>
+      <p:grpSpPr>
+        <a:xfrm>
+          <a:off x="0" y="0"/>
+          <a:ext cx="0" cy="0"/>
+          <a:chOff x="0" y="0"/>
+          <a:chExt cx="0" cy="0"/>
+        </a:xfrm>
+      </p:grpSpPr>
+      <p:sp>
+        <p:nvSpPr>
+          <p:cNvPr id="2" name="Title 1"/>
+          <p:cNvSpPr>
+            <a:spLocks noGrp="1"/>
+          </p:cNvSpPr>
+          <p:nvPr>
+            <p:ph type="title"/>
+          </p:nvPr>
+        </p:nvSpPr>
+        <p:spPr/>
+        <p:txBody>
+          <a:bodyPr/>
+          <a:lstStyle/>
+          <a:p>
+            <a:r>
+              <a:rPr lang="pt-BR" dirty="0" smtClean="0"/>
               <a:t>Tarefas</a:t>
             </a:r>
             <a:endParaRPr lang="pt-BR" dirty="0"/>
@@ -5198,7 +5355,7 @@
 </p:sld>
 </file>
 
-<file path=ppt/slides/slide12.xml><?xml version="1.0" encoding="utf-8"?>
+<file path=ppt/slides/slide13.xml><?xml version="1.0" encoding="utf-8"?>
 <p:sld xmlns:a="http://schemas.openxmlformats.org/drawingml/2006/main" xmlns:r="http://schemas.openxmlformats.org/officeDocument/2006/relationships" xmlns:p="http://schemas.openxmlformats.org/presentationml/2006/main">
   <p:cSld>
     <p:spTree>
@@ -5220,7 +5377,7 @@
           <p:cNvPr id="4" name="Título 1">
             <a:extLst>
               <a:ext uri="{FF2B5EF4-FFF2-40B4-BE49-F238E27FC236}">
-                <a16:creationId xmlns:a16="http://schemas.microsoft.com/office/drawing/2014/main" xmlns="" id="{32666AC8-2E17-4DB4-B0F5-60C640CCFD2E}"/>
+                <a16:creationId xmlns="" xmlns:a16="http://schemas.microsoft.com/office/drawing/2014/main" id="{32666AC8-2E17-4DB4-B0F5-60C640CCFD2E}"/>
               </a:ext>
             </a:extLst>
           </p:cNvPr>
@@ -5291,7 +5448,7 @@
 </p:sld>
 </file>
 
-<file path=ppt/slides/slide13.xml><?xml version="1.0" encoding="utf-8"?>
+<file path=ppt/slides/slide14.xml><?xml version="1.0" encoding="utf-8"?>
 <p:sld xmlns:a="http://schemas.openxmlformats.org/drawingml/2006/main" xmlns:r="http://schemas.openxmlformats.org/officeDocument/2006/relationships" xmlns:p="http://schemas.openxmlformats.org/presentationml/2006/main">
   <p:cSld>
     <p:spTree>
@@ -7303,7 +7460,12 @@
             <p:ph type="title"/>
           </p:nvPr>
         </p:nvSpPr>
-        <p:spPr/>
+        <p:spPr>
+          <a:xfrm>
+            <a:off x="838200" y="240430"/>
+            <a:ext cx="10515600" cy="1325563"/>
+          </a:xfrm>
+        </p:spPr>
         <p:txBody>
           <a:bodyPr/>
           <a:lstStyle/>
@@ -7329,13 +7491,13 @@
             </p:nvSpPr>
             <p:spPr>
               <a:xfrm>
-                <a:off x="838199" y="1825624"/>
-                <a:ext cx="11110993" cy="5032375"/>
+                <a:off x="838199" y="1690688"/>
+                <a:ext cx="11110993" cy="5167311"/>
               </a:xfrm>
             </p:spPr>
             <p:txBody>
               <a:bodyPr>
-                <a:normAutofit fontScale="92500" lnSpcReduction="10000"/>
+                <a:normAutofit fontScale="92500" lnSpcReduction="20000"/>
               </a:bodyPr>
               <a:lstStyle/>
               <a:p>
@@ -7693,9 +7855,10 @@
                   </m:oMath>
                 </a14:m>
                 <a:r>
-                  <a:rPr lang="pt-BR" dirty="0"/>
+                  <a:rPr lang="pt-BR" dirty="0" smtClean="0"/>
                   <a:t>,</a:t>
                 </a:r>
+                <a:endParaRPr lang="pt-BR" dirty="0"/>
               </a:p>
               <a:p>
                 <a:pPr marL="0" indent="0">
@@ -8015,8 +8178,128 @@
                 </a:r>
                 <a:r>
                   <a:rPr lang="pt-BR" dirty="0" smtClean="0"/>
-                  <a:t>s que usamos para definir as classes.</a:t>
-                </a:r>
+                  <a:t>s que usamos para definir as classes</a:t>
+                </a:r>
+                <a:r>
+                  <a:rPr lang="pt-BR" dirty="0" smtClean="0"/>
+                  <a:t>.</a:t>
+                </a:r>
+              </a:p>
+              <a:p>
+                <a:r>
+                  <a:rPr lang="pt-BR" dirty="0" smtClean="0"/>
+                  <a:t>Originalmente, as </a:t>
+                </a:r>
+                <a:r>
+                  <a:rPr lang="pt-BR" b="1" i="1" dirty="0" smtClean="0"/>
+                  <a:t>funções discriminantes </a:t>
+                </a:r>
+                <a:r>
+                  <a:rPr lang="pt-BR" dirty="0" smtClean="0"/>
+                  <a:t>eram apenas formadas por equações de hiperplanos: </a:t>
+                </a:r>
+                <a14:m>
+                  <m:oMath xmlns:m="http://schemas.openxmlformats.org/officeDocument/2006/math">
+                    <m:nary>
+                      <m:naryPr>
+                        <m:chr m:val="∑"/>
+                        <m:ctrlPr>
+                          <a:rPr lang="en-US" i="1">
+                            <a:latin typeface="Cambria Math" panose="02040503050406030204" pitchFamily="18" charset="0"/>
+                          </a:rPr>
+                        </m:ctrlPr>
+                      </m:naryPr>
+                      <m:sub>
+                        <m:r>
+                          <m:rPr>
+                            <m:brk m:alnAt="23"/>
+                          </m:rPr>
+                          <a:rPr lang="en-US" i="1">
+                            <a:latin typeface="Cambria Math" panose="02040503050406030204" pitchFamily="18" charset="0"/>
+                          </a:rPr>
+                          <m:t>𝑘</m:t>
+                        </m:r>
+                        <m:r>
+                          <a:rPr lang="en-US" i="1">
+                            <a:latin typeface="Cambria Math" panose="02040503050406030204" pitchFamily="18" charset="0"/>
+                          </a:rPr>
+                          <m:t>=</m:t>
+                        </m:r>
+                        <m:r>
+                          <a:rPr lang="pt-BR" i="1">
+                            <a:latin typeface="Cambria Math" panose="02040503050406030204" pitchFamily="18" charset="0"/>
+                          </a:rPr>
+                          <m:t>0</m:t>
+                        </m:r>
+                      </m:sub>
+                      <m:sup>
+                        <m:r>
+                          <a:rPr lang="en-US" i="1">
+                            <a:latin typeface="Cambria Math" panose="02040503050406030204" pitchFamily="18" charset="0"/>
+                          </a:rPr>
+                          <m:t>𝐾</m:t>
+                        </m:r>
+                      </m:sup>
+                      <m:e>
+                        <m:sSub>
+                          <m:sSubPr>
+                            <m:ctrlPr>
+                              <a:rPr lang="en-US" i="1">
+                                <a:latin typeface="Cambria Math" panose="02040503050406030204" pitchFamily="18" charset="0"/>
+                              </a:rPr>
+                            </m:ctrlPr>
+                          </m:sSubPr>
+                          <m:e>
+                            <m:r>
+                              <a:rPr lang="en-US" i="1">
+                                <a:latin typeface="Cambria Math" panose="02040503050406030204" pitchFamily="18" charset="0"/>
+                              </a:rPr>
+                              <m:t>𝑎</m:t>
+                            </m:r>
+                          </m:e>
+                          <m:sub>
+                            <m:r>
+                              <a:rPr lang="en-US" i="1">
+                                <a:latin typeface="Cambria Math" panose="02040503050406030204" pitchFamily="18" charset="0"/>
+                              </a:rPr>
+                              <m:t>𝑘</m:t>
+                            </m:r>
+                          </m:sub>
+                        </m:sSub>
+                        <m:sSub>
+                          <m:sSubPr>
+                            <m:ctrlPr>
+                              <a:rPr lang="en-US" i="1">
+                                <a:latin typeface="Cambria Math" panose="02040503050406030204" pitchFamily="18" charset="0"/>
+                              </a:rPr>
+                            </m:ctrlPr>
+                          </m:sSubPr>
+                          <m:e>
+                            <m:r>
+                              <a:rPr lang="en-US" i="1">
+                                <a:latin typeface="Cambria Math" panose="02040503050406030204" pitchFamily="18" charset="0"/>
+                              </a:rPr>
+                              <m:t>𝑥</m:t>
+                            </m:r>
+                          </m:e>
+                          <m:sub>
+                            <m:r>
+                              <a:rPr lang="en-US" i="1">
+                                <a:latin typeface="Cambria Math" panose="02040503050406030204" pitchFamily="18" charset="0"/>
+                              </a:rPr>
+                              <m:t>𝑘</m:t>
+                            </m:r>
+                          </m:sub>
+                        </m:sSub>
+                      </m:e>
+                    </m:nary>
+                  </m:oMath>
+                </a14:m>
+                <a:r>
+                  <a:rPr lang="pt-BR" dirty="0" smtClean="0"/>
+                  <a:t>.</a:t>
+                </a:r>
+                <a:endParaRPr lang="pt-BR" dirty="0" smtClean="0"/>
               </a:p>
               <a:p>
                 <a14:m>
@@ -8107,13 +8390,13 @@
             </p:nvSpPr>
             <p:spPr>
               <a:xfrm>
-                <a:off x="838199" y="1825624"/>
-                <a:ext cx="11110993" cy="5032375"/>
+                <a:off x="838199" y="1690688"/>
+                <a:ext cx="11110993" cy="5167311"/>
               </a:xfrm>
               <a:blipFill rotWithShape="0">
                 <a:blip r:embed="rId3"/>
                 <a:stretch>
-                  <a:fillRect l="-933" t="-2421" r="-1097"/>
+                  <a:fillRect l="-933" t="-2948" r="-1097" b="-943"/>
                 </a:stretch>
               </a:blipFill>
             </p:spPr>
@@ -8196,8 +8479,8 @@
           </a:p>
         </p:txBody>
       </p:sp>
-      <mc:AlternateContent xmlns:mc="http://schemas.openxmlformats.org/markup-compatibility/2006" xmlns:a14="http://schemas.microsoft.com/office/drawing/2010/main">
-        <mc:Choice Requires="a14">
+      <mc:AlternateContent xmlns:mc="http://schemas.openxmlformats.org/markup-compatibility/2006">
+        <mc:Choice xmlns:a14="http://schemas.microsoft.com/office/drawing/2010/main" Requires="a14">
           <p:sp>
             <p:nvSpPr>
               <p:cNvPr id="3" name="Content Placeholder 2"/>
@@ -8216,7 +8499,7 @@
             </p:spPr>
             <p:txBody>
               <a:bodyPr>
-                <a:normAutofit fontScale="92500"/>
+                <a:normAutofit fontScale="77500" lnSpcReduction="20000"/>
               </a:bodyPr>
               <a:lstStyle/>
               <a:p>
@@ -8539,8 +8822,130 @@
               </a:p>
               <a:p>
                 <a:r>
+                  <a:rPr lang="pt-BR" dirty="0" smtClean="0"/>
+                  <a:t>Para </a:t>
+                </a:r>
+                <a:r>
                   <a:rPr lang="pt-BR" dirty="0"/>
-                  <a:t>Na figura ao lado, a </a:t>
+                  <a:t>que </a:t>
+                </a:r>
+                <a:r>
+                  <a:rPr lang="pt-BR" dirty="0" smtClean="0"/>
+                  <a:t>um </a:t>
+                </a:r>
+                <a:r>
+                  <a:rPr lang="pt-BR" b="1" i="1" dirty="0" smtClean="0"/>
+                  <a:t>classificador linear </a:t>
+                </a:r>
+                <a:r>
+                  <a:rPr lang="pt-BR" dirty="0" smtClean="0"/>
+                  <a:t>funcione </a:t>
+                </a:r>
+                <a:r>
+                  <a:rPr lang="pt-BR" dirty="0"/>
+                  <a:t>corretamente, as duas classes </a:t>
+                </a:r>
+                <a:r>
+                  <a:rPr lang="pt-BR" dirty="0" smtClean="0"/>
+                  <a:t>devem </a:t>
+                </a:r>
+                <a:r>
+                  <a:rPr lang="pt-BR" dirty="0"/>
+                  <a:t>ser </a:t>
+                </a:r>
+                <a:r>
+                  <a:rPr lang="pt-BR" b="1" i="1" dirty="0"/>
+                  <a:t>linearmente separáveis</a:t>
+                </a:r>
+                <a:r>
+                  <a:rPr lang="pt-BR" dirty="0" smtClean="0"/>
+                  <a:t>.</a:t>
+                </a:r>
+              </a:p>
+              <a:p>
+                <a:r>
+                  <a:rPr lang="pt-BR" dirty="0" smtClean="0"/>
+                  <a:t>Isso significa </a:t>
+                </a:r>
+                <a:r>
+                  <a:rPr lang="pt-BR" dirty="0"/>
+                  <a:t>que </a:t>
+                </a:r>
+                <a:r>
+                  <a:rPr lang="pt-BR" dirty="0" smtClean="0"/>
+                  <a:t>as classes devem </a:t>
+                </a:r>
+                <a:r>
+                  <a:rPr lang="pt-BR" dirty="0"/>
+                  <a:t>ser </a:t>
+                </a:r>
+                <a:r>
+                  <a:rPr lang="pt-BR" b="1" i="1" dirty="0"/>
+                  <a:t>suficientemente </a:t>
+                </a:r>
+                <a:r>
+                  <a:rPr lang="pt-BR" b="1" i="1" dirty="0" smtClean="0"/>
+                  <a:t>separadas </a:t>
+                </a:r>
+                <a:r>
+                  <a:rPr lang="pt-BR" dirty="0" smtClean="0"/>
+                  <a:t>umas das outras </a:t>
+                </a:r>
+                <a:r>
+                  <a:rPr lang="pt-BR" dirty="0"/>
+                  <a:t>para garantir que a </a:t>
+                </a:r>
+                <a:r>
+                  <a:rPr lang="pt-BR" b="1" i="1" dirty="0"/>
+                  <a:t>superfície de decisão </a:t>
+                </a:r>
+                <a:r>
+                  <a:rPr lang="pt-BR" dirty="0" smtClean="0"/>
+                  <a:t>consista de um </a:t>
+                </a:r>
+                <a:r>
+                  <a:rPr lang="pt-BR" b="1" i="1" dirty="0"/>
+                  <a:t>hiperplano</a:t>
+                </a:r>
+                <a:r>
+                  <a:rPr lang="pt-BR" dirty="0" smtClean="0"/>
+                  <a:t>.</a:t>
+                </a:r>
+              </a:p>
+              <a:p>
+                <a:r>
+                  <a:rPr lang="pt-BR" dirty="0" smtClean="0"/>
+                  <a:t>Classes que podem ser separadas por um </a:t>
+                </a:r>
+                <a:r>
+                  <a:rPr lang="pt-BR" b="1" i="1" dirty="0" smtClean="0"/>
+                  <a:t>hiperplano</a:t>
+                </a:r>
+                <a:r>
+                  <a:rPr lang="pt-BR" dirty="0" smtClean="0"/>
+                  <a:t> são chamadas de </a:t>
+                </a:r>
+                <a:r>
+                  <a:rPr lang="pt-BR" b="1" i="1" dirty="0" smtClean="0"/>
+                  <a:t>linearmente separáveis</a:t>
+                </a:r>
+                <a:r>
+                  <a:rPr lang="pt-BR" dirty="0" smtClean="0"/>
+                  <a:t>.</a:t>
+                </a:r>
+              </a:p>
+              <a:p>
+                <a:r>
+                  <a:rPr lang="pt-BR" dirty="0"/>
+                  <a:t>Na </a:t>
+                </a:r>
+                <a:r>
+                  <a:rPr lang="pt-BR" dirty="0" smtClean="0"/>
+                  <a:t>primeira figura, </a:t>
+                </a:r>
+                <a:r>
+                  <a:rPr lang="pt-BR" dirty="0"/>
+                  <a:t>a </a:t>
                 </a:r>
                 <a:r>
                   <a:rPr lang="pt-BR" b="1" i="1" dirty="0"/>
@@ -8556,44 +8961,125 @@
                 </a:r>
                 <a:r>
                   <a:rPr lang="pt-BR" dirty="0"/>
-                  <a:t>que é uma reta.</a:t>
+                  <a:t>que é uma </a:t>
+                </a:r>
+                <a:r>
+                  <a:rPr lang="pt-BR" b="1" dirty="0" smtClean="0"/>
+                  <a:t>reta: </a:t>
+                </a:r>
+                <a14:m>
+                  <m:oMath xmlns:m="http://schemas.openxmlformats.org/officeDocument/2006/math">
+                    <m:r>
+                      <a:rPr lang="pt-BR" sz="2100" b="0" i="1" smtClean="0">
+                        <a:latin typeface="Cambria Math" panose="02040503050406030204" pitchFamily="18" charset="0"/>
+                      </a:rPr>
+                      <m:t>𝑔</m:t>
+                    </m:r>
+                    <m:d>
+                      <m:dPr>
+                        <m:ctrlPr>
+                          <a:rPr lang="pt-BR" sz="2100" b="0" i="1" smtClean="0">
+                            <a:latin typeface="Cambria Math" panose="02040503050406030204" pitchFamily="18" charset="0"/>
+                          </a:rPr>
+                        </m:ctrlPr>
+                      </m:dPr>
+                      <m:e>
+                        <m:r>
+                          <a:rPr lang="pt-BR" sz="2100" b="1" i="1" smtClean="0">
+                            <a:latin typeface="Cambria Math" panose="02040503050406030204" pitchFamily="18" charset="0"/>
+                          </a:rPr>
+                          <m:t>𝒙</m:t>
+                        </m:r>
+                      </m:e>
+                    </m:d>
+                    <m:r>
+                      <a:rPr lang="pt-BR" sz="2100" b="0" i="1" smtClean="0">
+                        <a:latin typeface="Cambria Math" panose="02040503050406030204" pitchFamily="18" charset="0"/>
+                      </a:rPr>
+                      <m:t>=1−</m:t>
+                    </m:r>
+                    <m:sSub>
+                      <m:sSubPr>
+                        <m:ctrlPr>
+                          <a:rPr lang="pt-BR" sz="2100" b="0" i="1" smtClean="0">
+                            <a:latin typeface="Cambria Math" panose="02040503050406030204" pitchFamily="18" charset="0"/>
+                          </a:rPr>
+                        </m:ctrlPr>
+                      </m:sSubPr>
+                      <m:e>
+                        <m:r>
+                          <a:rPr lang="pt-BR" sz="2100" b="0" i="1" smtClean="0">
+                            <a:latin typeface="Cambria Math" panose="02040503050406030204" pitchFamily="18" charset="0"/>
+                          </a:rPr>
+                          <m:t>𝑥</m:t>
+                        </m:r>
+                      </m:e>
+                      <m:sub>
+                        <m:r>
+                          <a:rPr lang="pt-BR" sz="2100" b="0" i="1" smtClean="0">
+                            <a:latin typeface="Cambria Math" panose="02040503050406030204" pitchFamily="18" charset="0"/>
+                          </a:rPr>
+                          <m:t>1</m:t>
+                        </m:r>
+                      </m:sub>
+                    </m:sSub>
+                    <m:r>
+                      <a:rPr lang="pt-BR" sz="2100" b="0" i="1" smtClean="0">
+                        <a:latin typeface="Cambria Math" panose="02040503050406030204" pitchFamily="18" charset="0"/>
+                      </a:rPr>
+                      <m:t>−</m:t>
+                    </m:r>
+                    <m:sSub>
+                      <m:sSubPr>
+                        <m:ctrlPr>
+                          <a:rPr lang="pt-BR" sz="2100" b="0" i="1" smtClean="0">
+                            <a:latin typeface="Cambria Math" panose="02040503050406030204" pitchFamily="18" charset="0"/>
+                          </a:rPr>
+                        </m:ctrlPr>
+                      </m:sSubPr>
+                      <m:e>
+                        <m:r>
+                          <a:rPr lang="pt-BR" sz="2100" b="0" i="1" smtClean="0">
+                            <a:latin typeface="Cambria Math" panose="02040503050406030204" pitchFamily="18" charset="0"/>
+                          </a:rPr>
+                          <m:t>𝑥</m:t>
+                        </m:r>
+                      </m:e>
+                      <m:sub>
+                        <m:r>
+                          <a:rPr lang="pt-BR" sz="2100" b="0" i="1" smtClean="0">
+                            <a:latin typeface="Cambria Math" panose="02040503050406030204" pitchFamily="18" charset="0"/>
+                          </a:rPr>
+                          <m:t>2</m:t>
+                        </m:r>
+                      </m:sub>
+                    </m:sSub>
+                  </m:oMath>
+                </a14:m>
+                <a:r>
+                  <a:rPr lang="pt-BR" dirty="0" smtClean="0"/>
+                  <a:t>.</a:t>
                 </a:r>
               </a:p>
               <a:p>
                 <a:r>
-                  <a:rPr lang="pt-BR" dirty="0"/>
-                  <a:t>Uma </a:t>
-                </a:r>
-                <a:r>
-                  <a:rPr lang="pt-BR" b="1" i="1" dirty="0"/>
-                  <a:t>fronteira de decisão linear </a:t>
-                </a:r>
-                <a:r>
-                  <a:rPr lang="pt-BR" dirty="0"/>
-                  <a:t>é chamada de </a:t>
-                </a:r>
-                <a:r>
-                  <a:rPr lang="pt-BR" b="1" i="1" dirty="0"/>
-                  <a:t>separador linear </a:t>
-                </a:r>
-                <a:r>
-                  <a:rPr lang="pt-BR" dirty="0"/>
-                  <a:t>e dados que admitem tal separador são chamados de </a:t>
-                </a:r>
-                <a:r>
-                  <a:rPr lang="pt-BR" b="1" i="1" dirty="0"/>
-                  <a:t>linearmente separáveis</a:t>
-                </a:r>
-                <a:r>
                   <a:rPr lang="pt-BR" dirty="0" smtClean="0"/>
-                  <a:t>.</a:t>
+                  <a:t>Na segunda figura, devido à proximidade das classes, não existe um </a:t>
+                </a:r>
+                <a:r>
+                  <a:rPr lang="pt-BR" b="1" i="1" dirty="0" smtClean="0"/>
+                  <a:t>hiperplano</a:t>
+                </a:r>
+                <a:r>
+                  <a:rPr lang="pt-BR" dirty="0" smtClean="0"/>
+                  <a:t> que as separe.</a:t>
                 </a:r>
                 <a:endParaRPr lang="pt-BR" dirty="0"/>
               </a:p>
             </p:txBody>
           </p:sp>
         </mc:Choice>
-        <mc:Fallback xmlns="">
+        <mc:Fallback>
           <p:sp>
             <p:nvSpPr>
               <p:cNvPr id="3" name="Content Placeholder 2"/>
@@ -8610,9 +9096,9 @@
                 <a:ext cx="7925556" cy="5167311"/>
               </a:xfrm>
               <a:blipFill rotWithShape="0">
-                <a:blip r:embed="rId2"/>
+                <a:blip r:embed="rId3"/>
                 <a:stretch>
-                  <a:fillRect l="-1231" t="-1769" r="-1846" b="-2005"/>
+                  <a:fillRect l="-923" t="-2358" r="-1538" b="-943"/>
                 </a:stretch>
               </a:blipFill>
             </p:spPr>
@@ -8631,6 +9117,162 @@
           </p:sp>
         </mc:Fallback>
       </mc:AlternateContent>
+      <p:sp>
+        <p:nvSpPr>
+          <p:cNvPr id="11" name="TextBox 10"/>
+          <p:cNvSpPr txBox="1"/>
+          <p:nvPr/>
+        </p:nvSpPr>
+        <p:spPr>
+          <a:xfrm>
+            <a:off x="9198552" y="544875"/>
+            <a:ext cx="1512727" cy="430887"/>
+          </a:xfrm>
+          <a:prstGeom prst="rect">
+            <a:avLst/>
+          </a:prstGeom>
+          <a:noFill/>
+        </p:spPr>
+        <p:txBody>
+          <a:bodyPr wrap="square" rtlCol="0">
+            <a:spAutoFit/>
+          </a:bodyPr>
+          <a:lstStyle/>
+          <a:p>
+            <a:pPr algn="ctr"/>
+            <a:r>
+              <a:rPr lang="pt-BR" sz="1100" dirty="0" smtClean="0"/>
+              <a:t>Frontreira de decisão, onde </a:t>
+            </a:r>
+            <a:r>
+              <a:rPr lang="pt-BR" sz="1100" i="1" dirty="0" smtClean="0"/>
+              <a:t>g</a:t>
+            </a:r>
+            <a:r>
+              <a:rPr lang="pt-BR" sz="1100" dirty="0" smtClean="0"/>
+              <a:t>(</a:t>
+            </a:r>
+            <a:r>
+              <a:rPr lang="pt-BR" sz="1100" b="1" i="1" dirty="0" smtClean="0"/>
+              <a:t>x</a:t>
+            </a:r>
+            <a:r>
+              <a:rPr lang="pt-BR" sz="1100" dirty="0" smtClean="0"/>
+              <a:t>) = 0</a:t>
+            </a:r>
+            <a:endParaRPr lang="pt-BR" sz="1100" dirty="0"/>
+          </a:p>
+        </p:txBody>
+      </p:sp>
+      <p:pic>
+        <p:nvPicPr>
+          <p:cNvPr id="4" name="Picture 3"/>
+          <p:cNvPicPr>
+            <a:picLocks noChangeAspect="1"/>
+          </p:cNvPicPr>
+          <p:nvPr/>
+        </p:nvPicPr>
+        <p:blipFill rotWithShape="1">
+          <a:blip r:embed="rId4" cstate="print">
+            <a:extLst>
+              <a:ext uri="{28A0092B-C50C-407E-A947-70E740481C1C}">
+                <a14:useLocalDpi xmlns:a14="http://schemas.microsoft.com/office/drawing/2010/main" val="0"/>
+              </a:ext>
+            </a:extLst>
+          </a:blip>
+          <a:srcRect t="10964" r="9343"/>
+          <a:stretch/>
+        </p:blipFill>
+        <p:spPr>
+          <a:xfrm>
+            <a:off x="8740457" y="4203237"/>
+            <a:ext cx="3409953" cy="2232674"/>
+          </a:xfrm>
+          <a:prstGeom prst="rect">
+            <a:avLst/>
+          </a:prstGeom>
+        </p:spPr>
+      </p:pic>
+      <p:pic>
+        <p:nvPicPr>
+          <p:cNvPr id="5" name="Picture 4"/>
+          <p:cNvPicPr>
+            <a:picLocks noChangeAspect="1"/>
+          </p:cNvPicPr>
+          <p:nvPr/>
+        </p:nvPicPr>
+        <p:blipFill rotWithShape="1">
+          <a:blip r:embed="rId5" cstate="print">
+            <a:extLst>
+              <a:ext uri="{28A0092B-C50C-407E-A947-70E740481C1C}">
+                <a14:useLocalDpi xmlns:a14="http://schemas.microsoft.com/office/drawing/2010/main" val="0"/>
+              </a:ext>
+            </a:extLst>
+          </a:blip>
+          <a:srcRect l="3300" t="9508" r="9327"/>
+          <a:stretch/>
+        </p:blipFill>
+        <p:spPr>
+          <a:xfrm>
+            <a:off x="8740456" y="1094938"/>
+            <a:ext cx="3409953" cy="2354432"/>
+          </a:xfrm>
+          <a:prstGeom prst="rect">
+            <a:avLst/>
+          </a:prstGeom>
+        </p:spPr>
+      </p:pic>
+      <p:sp>
+        <p:nvSpPr>
+          <p:cNvPr id="12" name="TextBox 11"/>
+          <p:cNvSpPr txBox="1"/>
+          <p:nvPr/>
+        </p:nvSpPr>
+        <p:spPr>
+          <a:xfrm>
+            <a:off x="9954915" y="2838039"/>
+            <a:ext cx="1250306" cy="261610"/>
+          </a:xfrm>
+          <a:prstGeom prst="rect">
+            <a:avLst/>
+          </a:prstGeom>
+          <a:noFill/>
+        </p:spPr>
+        <p:txBody>
+          <a:bodyPr wrap="square" rtlCol="0">
+            <a:spAutoFit/>
+          </a:bodyPr>
+          <a:lstStyle/>
+          <a:p>
+            <a:pPr algn="ctr"/>
+            <a:r>
+              <a:rPr lang="pt-BR" sz="1100" i="1" dirty="0" smtClean="0"/>
+              <a:t>g</a:t>
+            </a:r>
+            <a:r>
+              <a:rPr lang="pt-BR" sz="1100" dirty="0" smtClean="0"/>
+              <a:t>(</a:t>
+            </a:r>
+            <a:r>
+              <a:rPr lang="pt-BR" sz="1100" b="1" i="1" dirty="0" smtClean="0"/>
+              <a:t>x</a:t>
+            </a:r>
+            <a:r>
+              <a:rPr lang="pt-BR" sz="1100" dirty="0" smtClean="0"/>
+              <a:t>) </a:t>
+            </a:r>
+            <a:r>
+              <a:rPr lang="pt-BR" sz="1100" dirty="0" smtClean="0"/>
+              <a:t>&gt; </a:t>
+            </a:r>
+            <a:r>
+              <a:rPr lang="pt-BR" sz="1100" dirty="0" smtClean="0"/>
+              <a:t>0</a:t>
+            </a:r>
+            <a:endParaRPr lang="pt-BR" sz="1100" dirty="0"/>
+          </a:p>
+        </p:txBody>
+      </p:sp>
       <p:cxnSp>
         <p:nvCxnSpPr>
           <p:cNvPr id="10" name="Curved Connector 9"/>
@@ -8641,13 +9283,13 @@
         </p:nvCxnSpPr>
         <p:spPr>
           <a:xfrm rot="5400000" flipH="1" flipV="1">
-            <a:off x="10470295" y="2604730"/>
-            <a:ext cx="785346" cy="16462"/>
+            <a:off x="9960465" y="1248706"/>
+            <a:ext cx="1239201" cy="262428"/>
           </a:xfrm>
           <a:prstGeom prst="curvedConnector4">
             <a:avLst>
-              <a:gd name="adj1" fmla="val 36283"/>
-              <a:gd name="adj2" fmla="val 1488653"/>
+              <a:gd name="adj1" fmla="val 41307"/>
+              <a:gd name="adj2" fmla="val 187110"/>
             </a:avLst>
           </a:prstGeom>
           <a:ln>
@@ -8674,14 +9316,14 @@
       </p:cxnSp>
       <p:sp>
         <p:nvSpPr>
-          <p:cNvPr id="11" name="TextBox 10"/>
+          <p:cNvPr id="13" name="TextBox 12"/>
           <p:cNvSpPr txBox="1"/>
           <p:nvPr/>
         </p:nvSpPr>
         <p:spPr>
           <a:xfrm>
-            <a:off x="9358472" y="2004844"/>
-            <a:ext cx="1512727" cy="430887"/>
+            <a:off x="9622871" y="1201198"/>
+            <a:ext cx="1250306" cy="232528"/>
           </a:xfrm>
           <a:prstGeom prst="rect">
             <a:avLst/>
@@ -8696,10 +9338,6 @@
           <a:p>
             <a:pPr algn="ctr"/>
             <a:r>
-              <a:rPr lang="pt-BR" sz="1100" dirty="0" smtClean="0"/>
-              <a:t>Frontreira de decisão, onde </a:t>
-            </a:r>
-            <a:r>
               <a:rPr lang="pt-BR" sz="1100" i="1" dirty="0" smtClean="0"/>
               <a:t>g</a:t>
             </a:r>
@@ -8713,195 +9351,82 @@
             </a:r>
             <a:r>
               <a:rPr lang="pt-BR" sz="1100" dirty="0" smtClean="0"/>
-              <a:t>) = 0</a:t>
+              <a:t>) </a:t>
+            </a:r>
+            <a:r>
+              <a:rPr lang="pt-BR" sz="1100" dirty="0"/>
+              <a:t>&lt;</a:t>
+            </a:r>
+            <a:r>
+              <a:rPr lang="pt-BR" sz="1100" dirty="0" smtClean="0"/>
+              <a:t> 0</a:t>
             </a:r>
             <a:endParaRPr lang="pt-BR" sz="1100" dirty="0"/>
           </a:p>
         </p:txBody>
       </p:sp>
-      <p:grpSp>
-        <p:nvGrpSpPr>
-          <p:cNvPr id="14" name="Group 13"/>
-          <p:cNvGrpSpPr/>
+      <p:sp>
+        <p:nvSpPr>
+          <p:cNvPr id="15" name="TextBox 14"/>
+          <p:cNvSpPr txBox="1"/>
           <p:nvPr/>
-        </p:nvGrpSpPr>
-        <p:grpSpPr>
+        </p:nvSpPr>
+        <p:spPr>
           <a:xfrm>
-            <a:off x="8763755" y="2675878"/>
-            <a:ext cx="3428245" cy="2966329"/>
-            <a:chOff x="8763755" y="2675878"/>
-            <a:chExt cx="3428245" cy="2966329"/>
+            <a:off x="8763756" y="3445435"/>
+            <a:ext cx="3428244" cy="338554"/>
           </a:xfrm>
-        </p:grpSpPr>
-        <p:grpSp>
-          <p:nvGrpSpPr>
-            <p:cNvPr id="7" name="Group 6"/>
-            <p:cNvGrpSpPr/>
-            <p:nvPr/>
-          </p:nvGrpSpPr>
-          <p:grpSpPr>
-            <a:xfrm>
-              <a:off x="8763755" y="2675878"/>
-              <a:ext cx="3289300" cy="2966329"/>
-              <a:chOff x="7391400" y="1415171"/>
-              <a:chExt cx="3289300" cy="2966329"/>
-            </a:xfrm>
-          </p:grpSpPr>
-          <p:pic>
-            <p:nvPicPr>
-              <p:cNvPr id="8" name="Picture 7"/>
-              <p:cNvPicPr>
-                <a:picLocks noChangeAspect="1"/>
-              </p:cNvPicPr>
-              <p:nvPr/>
-            </p:nvPicPr>
-            <p:blipFill rotWithShape="1">
-              <a:blip r:embed="rId3"/>
-              <a:srcRect l="4242" t="5371" r="8525" b="1204"/>
-              <a:stretch/>
-            </p:blipFill>
-            <p:spPr>
-              <a:xfrm>
-                <a:off x="7391400" y="1415171"/>
-                <a:ext cx="3289300" cy="2966329"/>
-              </a:xfrm>
-              <a:prstGeom prst="rect">
-                <a:avLst/>
-              </a:prstGeom>
-            </p:spPr>
-          </p:pic>
-          <p:cxnSp>
-            <p:nvCxnSpPr>
-              <p:cNvPr id="9" name="Straight Connector 8"/>
-              <p:cNvCxnSpPr/>
-              <p:nvPr/>
-            </p:nvCxnSpPr>
-            <p:spPr>
-              <a:xfrm flipV="1">
-                <a:off x="7986117" y="1483242"/>
-                <a:ext cx="1703388" cy="2582200"/>
-              </a:xfrm>
-              <a:prstGeom prst="line">
-                <a:avLst/>
-              </a:prstGeom>
-              <a:ln>
-                <a:solidFill>
-                  <a:schemeClr val="tx1"/>
-                </a:solidFill>
-                <a:prstDash val="dash"/>
-              </a:ln>
-            </p:spPr>
-            <p:style>
-              <a:lnRef idx="1">
-                <a:schemeClr val="accent1"/>
-              </a:lnRef>
-              <a:fillRef idx="0">
-                <a:schemeClr val="accent1"/>
-              </a:fillRef>
-              <a:effectRef idx="0">
-                <a:schemeClr val="accent1"/>
-              </a:effectRef>
-              <a:fontRef idx="minor">
-                <a:schemeClr val="tx1"/>
-              </a:fontRef>
-            </p:style>
-          </p:cxnSp>
-        </p:grpSp>
-        <p:sp>
-          <p:nvSpPr>
-            <p:cNvPr id="12" name="TextBox 11"/>
-            <p:cNvSpPr txBox="1"/>
-            <p:nvPr/>
-          </p:nvSpPr>
-          <p:spPr>
-            <a:xfrm>
-              <a:off x="10679273" y="4392529"/>
-              <a:ext cx="1512727" cy="261610"/>
-            </a:xfrm>
-            <a:prstGeom prst="rect">
-              <a:avLst/>
-            </a:prstGeom>
-            <a:noFill/>
-          </p:spPr>
-          <p:txBody>
-            <a:bodyPr wrap="square" rtlCol="0">
-              <a:spAutoFit/>
-            </a:bodyPr>
-            <a:lstStyle/>
-            <a:p>
-              <a:pPr algn="ctr"/>
-              <a:r>
-                <a:rPr lang="pt-BR" sz="1100" i="1" dirty="0" smtClean="0"/>
-                <a:t>g</a:t>
-              </a:r>
-              <a:r>
-                <a:rPr lang="pt-BR" sz="1100" dirty="0" smtClean="0"/>
-                <a:t>(</a:t>
-              </a:r>
-              <a:r>
-                <a:rPr lang="pt-BR" sz="1100" b="1" i="1" dirty="0" smtClean="0"/>
-                <a:t>x</a:t>
-              </a:r>
-              <a:r>
-                <a:rPr lang="pt-BR" sz="1100" dirty="0" smtClean="0"/>
-                <a:t>) ≥ 0</a:t>
-              </a:r>
-              <a:endParaRPr lang="pt-BR" sz="1100" dirty="0"/>
-            </a:p>
-          </p:txBody>
-        </p:sp>
-        <p:sp>
-          <p:nvSpPr>
-            <p:cNvPr id="13" name="TextBox 12"/>
-            <p:cNvSpPr txBox="1"/>
-            <p:nvPr/>
-          </p:nvSpPr>
-          <p:spPr>
-            <a:xfrm>
-              <a:off x="8767760" y="3290116"/>
-              <a:ext cx="1512727" cy="261610"/>
-            </a:xfrm>
-            <a:prstGeom prst="rect">
-              <a:avLst/>
-            </a:prstGeom>
-            <a:noFill/>
-          </p:spPr>
-          <p:txBody>
-            <a:bodyPr wrap="square" rtlCol="0">
-              <a:spAutoFit/>
-            </a:bodyPr>
-            <a:lstStyle/>
-            <a:p>
-              <a:pPr algn="ctr"/>
-              <a:r>
-                <a:rPr lang="pt-BR" sz="1100" i="1" dirty="0" smtClean="0"/>
-                <a:t>g</a:t>
-              </a:r>
-              <a:r>
-                <a:rPr lang="pt-BR" sz="1100" dirty="0" smtClean="0"/>
-                <a:t>(</a:t>
-              </a:r>
-              <a:r>
-                <a:rPr lang="pt-BR" sz="1100" b="1" i="1" dirty="0" smtClean="0"/>
-                <a:t>x</a:t>
-              </a:r>
-              <a:r>
-                <a:rPr lang="pt-BR" sz="1100" dirty="0" smtClean="0"/>
-                <a:t>) </a:t>
-              </a:r>
-              <a:r>
-                <a:rPr lang="pt-BR" sz="1100" dirty="0"/>
-                <a:t>&lt;</a:t>
-              </a:r>
-              <a:r>
-                <a:rPr lang="pt-BR" sz="1100" dirty="0" smtClean="0"/>
-                <a:t> 0</a:t>
-              </a:r>
-              <a:endParaRPr lang="pt-BR" sz="1100" dirty="0"/>
-            </a:p>
-          </p:txBody>
-        </p:sp>
-      </p:grpSp>
+          <a:prstGeom prst="rect">
+            <a:avLst/>
+          </a:prstGeom>
+          <a:noFill/>
+        </p:spPr>
+        <p:txBody>
+          <a:bodyPr wrap="square" rtlCol="0">
+            <a:spAutoFit/>
+          </a:bodyPr>
+          <a:lstStyle/>
+          <a:p>
+            <a:pPr algn="ctr"/>
+            <a:r>
+              <a:rPr lang="pt-BR" sz="1600" dirty="0" smtClean="0"/>
+              <a:t>Classes linearmente separáveis.</a:t>
+            </a:r>
+            <a:endParaRPr lang="pt-BR" sz="1600" dirty="0"/>
+          </a:p>
+        </p:txBody>
+      </p:sp>
+      <p:sp>
+        <p:nvSpPr>
+          <p:cNvPr id="16" name="TextBox 15"/>
+          <p:cNvSpPr txBox="1"/>
+          <p:nvPr/>
+        </p:nvSpPr>
+        <p:spPr>
+          <a:xfrm>
+            <a:off x="8763757" y="6435911"/>
+            <a:ext cx="3386652" cy="338554"/>
+          </a:xfrm>
+          <a:prstGeom prst="rect">
+            <a:avLst/>
+          </a:prstGeom>
+          <a:noFill/>
+        </p:spPr>
+        <p:txBody>
+          <a:bodyPr wrap="square" rtlCol="0">
+            <a:spAutoFit/>
+          </a:bodyPr>
+          <a:lstStyle/>
+          <a:p>
+            <a:pPr algn="ctr"/>
+            <a:r>
+              <a:rPr lang="pt-BR" sz="1600" dirty="0" smtClean="0"/>
+              <a:t>Classes não-linearmente separáveis.</a:t>
+            </a:r>
+            <a:endParaRPr lang="pt-BR" sz="1600" dirty="0"/>
+          </a:p>
+        </p:txBody>
+      </p:sp>
     </p:spTree>
     <p:extLst>
       <p:ext uri="{BB962C8B-B14F-4D97-AF65-F5344CB8AC3E}">
@@ -10211,8 +10736,8 @@
           </a:p>
         </p:txBody>
       </p:sp>
-      <mc:AlternateContent xmlns:mc="http://schemas.openxmlformats.org/markup-compatibility/2006" xmlns:a14="http://schemas.microsoft.com/office/drawing/2010/main">
-        <mc:Choice Requires="a14">
+      <mc:AlternateContent xmlns:mc="http://schemas.openxmlformats.org/markup-compatibility/2006">
+        <mc:Choice xmlns:a14="http://schemas.microsoft.com/office/drawing/2010/main" Requires="a14">
           <p:sp>
             <p:nvSpPr>
               <p:cNvPr id="3" name="Content Placeholder 2"/>
@@ -10298,8 +10823,12 @@
                   </m:oMath>
                 </a14:m>
                 <a:r>
+                  <a:rPr lang="pt-BR" dirty="0" smtClean="0"/>
+                  <a:t>,</a:t>
+                </a:r>
+                <a:r>
                   <a:rPr lang="pt-BR" b="1" i="1" dirty="0" smtClean="0"/>
-                  <a:t>, </a:t>
+                  <a:t> </a:t>
                 </a:r>
                 <a:r>
                   <a:rPr lang="pt-BR" dirty="0" smtClean="0"/>
@@ -10476,7 +11005,7 @@
             </p:txBody>
           </p:sp>
         </mc:Choice>
-        <mc:Fallback xmlns="">
+        <mc:Fallback>
           <p:sp>
             <p:nvSpPr>
               <p:cNvPr id="3" name="Content Placeholder 2"/>
@@ -10596,8 +11125,8 @@
           </a:p>
         </p:txBody>
       </p:sp>
-      <mc:AlternateContent xmlns:mc="http://schemas.openxmlformats.org/markup-compatibility/2006" xmlns:a14="http://schemas.microsoft.com/office/drawing/2010/main">
-        <mc:Choice Requires="a14">
+      <mc:AlternateContent xmlns:mc="http://schemas.openxmlformats.org/markup-compatibility/2006">
+        <mc:Choice xmlns:a14="http://schemas.microsoft.com/office/drawing/2010/main" Requires="a14">
           <p:sp>
             <p:nvSpPr>
               <p:cNvPr id="3" name="Content Placeholder 2"/>
@@ -10611,12 +11140,12 @@
             <p:spPr>
               <a:xfrm>
                 <a:off x="838200" y="1784680"/>
-                <a:ext cx="11158182" cy="5032376"/>
+                <a:ext cx="11158182" cy="5073320"/>
               </a:xfrm>
             </p:spPr>
             <p:txBody>
               <a:bodyPr>
-                <a:normAutofit fontScale="85000" lnSpcReduction="10000"/>
+                <a:normAutofit fontScale="85000" lnSpcReduction="20000"/>
               </a:bodyPr>
               <a:lstStyle/>
               <a:p>
@@ -10650,12 +11179,17 @@
                 </a:r>
                 <a:r>
                   <a:rPr lang="pt-BR" b="1" i="1" dirty="0" smtClean="0"/>
-                  <a:t>dado que os dados sejam linearmente separáveis</a:t>
+                  <a:t>dado que </a:t>
+                </a:r>
+                <a:r>
+                  <a:rPr lang="pt-BR" b="1" i="1" dirty="0" smtClean="0"/>
+                  <a:t>exista uma função discriminante adequada e que as classes não se sobreponham</a:t>
                 </a:r>
                 <a:r>
                   <a:rPr lang="pt-BR" dirty="0" smtClean="0"/>
                   <a:t>.</a:t>
                 </a:r>
+                <a:endParaRPr lang="pt-BR" dirty="0" smtClean="0"/>
               </a:p>
               <a:p>
                 <a:r>
@@ -10943,20 +11477,18 @@
               <a:p>
                 <a:r>
                   <a:rPr lang="pt-BR" dirty="0" smtClean="0"/>
-                  <a:t>Como estamos considerando classificadores com valores de saída 0 ou 1, o comportamento da regra de atualização será diferente do comportamento para  a regressão linear, como veremos a seguir.</a:t>
-                </a:r>
-                <a:endParaRPr lang="pt-BR" dirty="0"/>
-              </a:p>
-              <a:p>
-                <a:pPr marL="0" indent="0">
-                  <a:buNone/>
-                </a:pPr>
+                  <a:t>Como estamos considerando classificadores com valores de saída 0 ou 1, o comportamento da regra de atualização será diferente do comportamento para  a regressão linear, como veremos a seguir</a:t>
+                </a:r>
+                <a:r>
+                  <a:rPr lang="pt-BR" dirty="0" smtClean="0"/>
+                  <a:t>.</a:t>
+                </a:r>
                 <a:endParaRPr lang="pt-BR" dirty="0"/>
               </a:p>
             </p:txBody>
           </p:sp>
         </mc:Choice>
-        <mc:Fallback xmlns="">
+        <mc:Fallback>
           <p:sp>
             <p:nvSpPr>
               <p:cNvPr id="3" name="Content Placeholder 2"/>
@@ -10970,12 +11502,12 @@
             <p:spPr>
               <a:xfrm>
                 <a:off x="838200" y="1784680"/>
-                <a:ext cx="11158182" cy="5032376"/>
+                <a:ext cx="11158182" cy="5073320"/>
               </a:xfrm>
               <a:blipFill rotWithShape="0">
                 <a:blip r:embed="rId2"/>
                 <a:stretch>
-                  <a:fillRect l="-874" t="-2303" b="-2788"/>
+                  <a:fillRect l="-874" t="-2764" r="-273"/>
                 </a:stretch>
               </a:blipFill>
             </p:spPr>
@@ -12288,8 +12820,8 @@
           </a:p>
         </p:txBody>
       </p:sp>
-      <mc:AlternateContent xmlns:mc="http://schemas.openxmlformats.org/markup-compatibility/2006" xmlns:a14="http://schemas.microsoft.com/office/drawing/2010/main">
-        <mc:Choice Requires="a14">
+      <mc:AlternateContent xmlns:mc="http://schemas.openxmlformats.org/markup-compatibility/2006">
+        <mc:Choice xmlns:a14="http://schemas.microsoft.com/office/drawing/2010/main" Requires="a14">
           <p:sp>
             <p:nvSpPr>
               <p:cNvPr id="3" name="Content Placeholder 2"/>
@@ -12302,13 +12834,13 @@
             </p:nvSpPr>
             <p:spPr>
               <a:xfrm>
-                <a:off x="838199" y="1777498"/>
-                <a:ext cx="11209421" cy="5032375"/>
+                <a:off x="838199" y="1911926"/>
+                <a:ext cx="11209421" cy="4946073"/>
               </a:xfrm>
             </p:spPr>
             <p:txBody>
               <a:bodyPr>
-                <a:normAutofit lnSpcReduction="10000"/>
+                <a:normAutofit fontScale="85000" lnSpcReduction="20000"/>
               </a:bodyPr>
               <a:lstStyle/>
               <a:p>
@@ -12325,36 +12857,12 @@
                   <a:t>converge para um </a:t>
                 </a:r>
                 <a:r>
-                  <a:rPr lang="pt-BR" b="1" i="1" dirty="0"/>
-                  <a:t>separador linear </a:t>
-                </a:r>
-                <a:r>
                   <a:rPr lang="pt-BR" b="1" i="1" dirty="0" smtClean="0"/>
-                  <a:t>perfeito</a:t>
-                </a:r>
-                <a:r>
-                  <a:rPr lang="pt-BR" dirty="0"/>
-                  <a:t> </a:t>
+                  <a:t>separador perfeito</a:t>
                 </a:r>
                 <a:r>
                   <a:rPr lang="pt-BR" dirty="0" smtClean="0"/>
-                  <a:t>quando </a:t>
-                </a:r>
-                <a:r>
-                  <a:rPr lang="pt-BR" dirty="0"/>
-                  <a:t>os dados são </a:t>
-                </a:r>
-                <a:r>
-                  <a:rPr lang="pt-BR" b="1" i="1" dirty="0"/>
-                  <a:t>linearmente </a:t>
-                </a:r>
-                <a:r>
-                  <a:rPr lang="pt-BR" b="1" i="1" dirty="0" smtClean="0"/>
-                  <a:t>separáveis</a:t>
-                </a:r>
-                <a:r>
-                  <a:rPr lang="pt-BR" dirty="0"/>
-                  <a:t>.</a:t>
+                  <a:t> quando:</a:t>
                 </a:r>
                 <a:endParaRPr lang="pt-BR" dirty="0" smtClean="0"/>
               </a:p>
@@ -12364,20 +12872,81 @@
                   <a:buChar char="§"/>
                 </a:pPr>
                 <a:r>
+                  <a:rPr lang="pt-BR" dirty="0"/>
+                  <a:t>A</a:t>
+                </a:r>
+                <a:r>
+                  <a:rPr lang="pt-BR" dirty="0" smtClean="0"/>
+                  <a:t>s classes </a:t>
+                </a:r>
+                <a:r>
+                  <a:rPr lang="pt-BR" dirty="0" smtClean="0"/>
+                  <a:t>são </a:t>
+                </a:r>
+                <a:r>
+                  <a:rPr lang="pt-BR" b="1" i="1" dirty="0"/>
+                  <a:t>suficientemente separadas </a:t>
+                </a:r>
+                <a:r>
+                  <a:rPr lang="pt-BR" dirty="0"/>
+                  <a:t>umas das </a:t>
+                </a:r>
+                <a:r>
+                  <a:rPr lang="pt-BR" dirty="0" smtClean="0"/>
+                  <a:t>outras, ou seja, não se sobrepõem.</a:t>
+                </a:r>
+              </a:p>
+              <a:p>
+                <a:pPr lvl="1">
+                  <a:buFont typeface="Wingdings" panose="05000000000000000000" pitchFamily="2" charset="2"/>
+                  <a:buChar char="§"/>
+                </a:pPr>
+                <a:r>
+                  <a:rPr lang="pt-BR" dirty="0" smtClean="0"/>
+                  <a:t>Existe uma </a:t>
+                </a:r>
+                <a:r>
+                  <a:rPr lang="pt-BR" b="1" i="1" dirty="0" smtClean="0"/>
+                  <a:t>função discriminante </a:t>
+                </a:r>
+                <a:r>
+                  <a:rPr lang="pt-BR" dirty="0" smtClean="0"/>
+                  <a:t>adequada para o problema, mesmo que não seja um </a:t>
+                </a:r>
+                <a:r>
+                  <a:rPr lang="pt-BR" b="1" i="1" dirty="0" smtClean="0"/>
+                  <a:t>hiperplano</a:t>
+                </a:r>
+                <a:r>
+                  <a:rPr lang="pt-BR" dirty="0" smtClean="0"/>
+                  <a:t>.</a:t>
+                </a:r>
+                <a:endParaRPr lang="pt-BR" dirty="0" smtClean="0"/>
+              </a:p>
+              <a:p>
+                <a:r>
                   <a:rPr lang="pt-BR" b="1" i="1" dirty="0" smtClean="0"/>
                   <a:t>Separador </a:t>
                 </a:r>
                 <a:r>
-                  <a:rPr lang="pt-BR" b="1" i="1" dirty="0"/>
-                  <a:t>linear </a:t>
-                </a:r>
-                <a:r>
                   <a:rPr lang="pt-BR" b="1" i="1" dirty="0" smtClean="0"/>
-                  <a:t>perfeito: </a:t>
+                  <a:t>perfeito</a:t>
+                </a:r>
+                <a:r>
+                  <a:rPr lang="pt-BR" b="1" i="1" dirty="0" smtClean="0"/>
+                  <a:t>: </a:t>
                 </a:r>
                 <a:r>
                   <a:rPr lang="pt-BR" dirty="0"/>
-                  <a:t>com erro igual a </a:t>
+                  <a:t>com erro </a:t>
+                </a:r>
+                <a:r>
+                  <a:rPr lang="pt-BR" dirty="0" smtClean="0"/>
+                  <a:t>de classificação igual </a:t>
+                </a:r>
+                <a:r>
+                  <a:rPr lang="pt-BR" dirty="0"/>
+                  <a:t>a </a:t>
                 </a:r>
                 <a:r>
                   <a:rPr lang="pt-BR" dirty="0" smtClean="0"/>
@@ -12490,7 +13059,7 @@
             </p:txBody>
           </p:sp>
         </mc:Choice>
-        <mc:Fallback xmlns="">
+        <mc:Fallback>
           <p:sp>
             <p:nvSpPr>
               <p:cNvPr id="3" name="Content Placeholder 2"/>
@@ -12503,13 +13072,13 @@
             </p:nvSpPr>
             <p:spPr>
               <a:xfrm>
-                <a:off x="838199" y="1777498"/>
-                <a:ext cx="11209421" cy="5032375"/>
+                <a:off x="838199" y="1911926"/>
+                <a:ext cx="11209421" cy="4946073"/>
               </a:xfrm>
               <a:blipFill rotWithShape="0">
                 <a:blip r:embed="rId3"/>
                 <a:stretch>
-                  <a:fillRect l="-924" t="-2788" r="-435" b="-3152"/>
+                  <a:fillRect l="-707" t="-2836" r="-1142"/>
                 </a:stretch>
               </a:blipFill>
             </p:spPr>

--- a/slides/T320_Classificação (Parte II).pptx
+++ b/slides/T320_Classificação (Parte II).pptx
@@ -15,13 +15,13 @@
     <p:sldId id="314" r:id="rId3"/>
     <p:sldId id="363" r:id="rId4"/>
     <p:sldId id="364" r:id="rId5"/>
-    <p:sldId id="365" r:id="rId6"/>
-    <p:sldId id="346" r:id="rId7"/>
-    <p:sldId id="347" r:id="rId8"/>
-    <p:sldId id="348" r:id="rId9"/>
-    <p:sldId id="349" r:id="rId10"/>
-    <p:sldId id="366" r:id="rId11"/>
-    <p:sldId id="368" r:id="rId12"/>
+    <p:sldId id="368" r:id="rId6"/>
+    <p:sldId id="365" r:id="rId7"/>
+    <p:sldId id="346" r:id="rId8"/>
+    <p:sldId id="347" r:id="rId9"/>
+    <p:sldId id="348" r:id="rId10"/>
+    <p:sldId id="349" r:id="rId11"/>
+    <p:sldId id="366" r:id="rId12"/>
     <p:sldId id="324" r:id="rId13"/>
     <p:sldId id="306" r:id="rId14"/>
     <p:sldId id="367" r:id="rId15"/>
@@ -288,7 +288,7 @@
           <a:p>
             <a:fld id="{144F1436-6906-4D93-B7A2-786C327BFA14}" type="datetimeFigureOut">
               <a:rPr lang="nl-BE" smtClean="0"/>
-              <a:t>10/08/2021</a:t>
+              <a:t>12/08/2021</a:t>
             </a:fld>
             <a:endParaRPr lang="nl-BE"/>
           </a:p>
@@ -453,7 +453,7 @@
           <a:p>
             <a:fld id="{AA8CD09E-2914-4F47-B6C1-51B2C31814C9}" type="datetimeFigureOut">
               <a:rPr lang="pt-BR" smtClean="0"/>
-              <a:t>10/08/2021</a:t>
+              <a:t>12/08/2021</a:t>
             </a:fld>
             <a:endParaRPr lang="pt-BR"/>
           </a:p>
@@ -1040,9 +1040,30 @@
           <a:bodyPr/>
           <a:lstStyle/>
           <a:p>
+            <a:endParaRPr lang="pt-BR" dirty="0" smtClean="0"/>
+          </a:p>
+          <a:p>
+            <a:r>
+              <a:rPr lang="pt-BR" b="1" dirty="0" smtClean="0"/>
+              <a:t>Referências</a:t>
+            </a:r>
+          </a:p>
+          <a:p>
             <a:r>
               <a:rPr lang="pt-BR" dirty="0" smtClean="0"/>
-              <a:t>O classificador sempre anuncia uma previsão completamente confiante de 0 ou 1, mesmo para exemplos muito próximos do limite. Em muitas situações, precisamos realmente de previsões mais graduadas.</a:t>
+              <a:t>[1] https://towardsdatascience.com/logistic-regression-as-a-nonlinear-classifier-bdc6746db734</a:t>
+            </a:r>
+          </a:p>
+          <a:p>
+            <a:r>
+              <a:rPr lang="pt-BR" dirty="0" smtClean="0"/>
+              <a:t>[2] https://pt.wikipedia.org/wiki/Hip%C3%A9rbole</a:t>
+            </a:r>
+          </a:p>
+          <a:p>
+            <a:r>
+              <a:rPr lang="pt-BR" dirty="0" smtClean="0"/>
+              <a:t>[3] https://pt.wikipedia.org/wiki/Hip%C3%A9rbole</a:t>
             </a:r>
             <a:endParaRPr lang="pt-BR" dirty="0"/>
           </a:p>
@@ -1063,9 +1084,9 @@
           <a:bodyPr/>
           <a:lstStyle/>
           <a:p>
-            <a:fld id="{F430A2A4-8C14-4B1A-AD48-7B6401078BF7}" type="slidenum">
+            <a:fld id="{6FC8D850-966F-45A6-8DE7-15B891E7D40D}" type="slidenum">
               <a:rPr lang="pt-BR" smtClean="0"/>
-              <a:t>6</a:t>
+              <a:t>5</a:t>
             </a:fld>
             <a:endParaRPr lang="pt-BR"/>
           </a:p>
@@ -1074,7 +1095,7 @@
     </p:spTree>
     <p:extLst>
       <p:ext uri="{BB962C8B-B14F-4D97-AF65-F5344CB8AC3E}">
-        <p14:creationId xmlns:p14="http://schemas.microsoft.com/office/powerpoint/2010/main" val="3362670738"/>
+        <p14:creationId xmlns:p14="http://schemas.microsoft.com/office/powerpoint/2010/main" val="2615495383"/>
       </p:ext>
     </p:extLst>
   </p:cSld>
@@ -1128,35 +1149,11 @@
           <a:bodyPr/>
           <a:lstStyle/>
           <a:p>
-            <a:pPr marL="0" marR="0" lvl="0" indent="0" algn="l" defTabSz="914400" rtl="0" eaLnBrk="1" fontAlgn="auto" latinLnBrk="0" hangingPunct="1">
-              <a:lnSpc>
-                <a:spcPct val="100000"/>
-              </a:lnSpc>
-              <a:spcBef>
-                <a:spcPts val="0"/>
-              </a:spcBef>
-              <a:spcAft>
-                <a:spcPts val="0"/>
-              </a:spcAft>
-              <a:buClrTx/>
-              <a:buSzTx/>
-              <a:buFontTx/>
-              <a:buNone/>
-              <a:tabLst/>
-              <a:defRPr/>
-            </a:pPr>
-            <a:r>
-              <a:rPr lang="pt-BR" b="1" dirty="0" smtClean="0"/>
-              <a:t>Exemplo</a:t>
-            </a:r>
             <a:r>
               <a:rPr lang="pt-BR" dirty="0" smtClean="0"/>
-              <a:t>: https://colab.research.google.com/github/zz4fap/t320_aprendizado_de_maquina/blob/main/notebooks/classificação/</a:t>
+              <a:t>O classificador sempre anuncia uma previsão completamente confiante de 0 ou 1, mesmo para exemplos muito próximos do limite. Em muitas situações, precisamos realmente de previsões mais graduadas.</a:t>
             </a:r>
-            <a:r>
-              <a:rPr lang="pt-BR" sz="1200" dirty="0" smtClean="0"/>
-              <a:t>classificador_linear_com_limiar_rigido.ipynb</a:t>
-            </a:r>
+            <a:endParaRPr lang="pt-BR" dirty="0"/>
           </a:p>
         </p:txBody>
       </p:sp>
@@ -1175,9 +1172,9 @@
           <a:bodyPr/>
           <a:lstStyle/>
           <a:p>
-            <a:fld id="{6FC8D850-966F-45A6-8DE7-15B891E7D40D}" type="slidenum">
+            <a:fld id="{F430A2A4-8C14-4B1A-AD48-7B6401078BF7}" type="slidenum">
               <a:rPr lang="pt-BR" smtClean="0"/>
-              <a:t>9</a:t>
+              <a:t>7</a:t>
             </a:fld>
             <a:endParaRPr lang="pt-BR"/>
           </a:p>
@@ -1186,7 +1183,7 @@
     </p:spTree>
     <p:extLst>
       <p:ext uri="{BB962C8B-B14F-4D97-AF65-F5344CB8AC3E}">
-        <p14:creationId xmlns:p14="http://schemas.microsoft.com/office/powerpoint/2010/main" val="2028219504"/>
+        <p14:creationId xmlns:p14="http://schemas.microsoft.com/office/powerpoint/2010/main" val="3362670738"/>
       </p:ext>
     </p:extLst>
   </p:cSld>
@@ -1240,6 +1237,118 @@
           <a:bodyPr/>
           <a:lstStyle/>
           <a:p>
+            <a:pPr marL="0" marR="0" lvl="0" indent="0" algn="l" defTabSz="914400" rtl="0" eaLnBrk="1" fontAlgn="auto" latinLnBrk="0" hangingPunct="1">
+              <a:lnSpc>
+                <a:spcPct val="100000"/>
+              </a:lnSpc>
+              <a:spcBef>
+                <a:spcPts val="0"/>
+              </a:spcBef>
+              <a:spcAft>
+                <a:spcPts val="0"/>
+              </a:spcAft>
+              <a:buClrTx/>
+              <a:buSzTx/>
+              <a:buFontTx/>
+              <a:buNone/>
+              <a:tabLst/>
+              <a:defRPr/>
+            </a:pPr>
+            <a:r>
+              <a:rPr lang="pt-BR" b="1" dirty="0" smtClean="0"/>
+              <a:t>Exemplo</a:t>
+            </a:r>
+            <a:r>
+              <a:rPr lang="pt-BR" dirty="0" smtClean="0"/>
+              <a:t>: https://colab.research.google.com/github/zz4fap/t320_aprendizado_de_maquina/blob/main/notebooks/classificação/</a:t>
+            </a:r>
+            <a:r>
+              <a:rPr lang="pt-BR" sz="1200" dirty="0" smtClean="0"/>
+              <a:t>classificador_linear_com_limiar_rigido.ipynb</a:t>
+            </a:r>
+          </a:p>
+        </p:txBody>
+      </p:sp>
+      <p:sp>
+        <p:nvSpPr>
+          <p:cNvPr id="4" name="Slide Number Placeholder 3"/>
+          <p:cNvSpPr>
+            <a:spLocks noGrp="1"/>
+          </p:cNvSpPr>
+          <p:nvPr>
+            <p:ph type="sldNum" sz="quarter" idx="10"/>
+          </p:nvPr>
+        </p:nvSpPr>
+        <p:spPr/>
+        <p:txBody>
+          <a:bodyPr/>
+          <a:lstStyle/>
+          <a:p>
+            <a:fld id="{6FC8D850-966F-45A6-8DE7-15B891E7D40D}" type="slidenum">
+              <a:rPr lang="pt-BR" smtClean="0"/>
+              <a:t>10</a:t>
+            </a:fld>
+            <a:endParaRPr lang="pt-BR"/>
+          </a:p>
+        </p:txBody>
+      </p:sp>
+    </p:spTree>
+    <p:extLst>
+      <p:ext uri="{BB962C8B-B14F-4D97-AF65-F5344CB8AC3E}">
+        <p14:creationId xmlns:p14="http://schemas.microsoft.com/office/powerpoint/2010/main" val="2028219504"/>
+      </p:ext>
+    </p:extLst>
+  </p:cSld>
+  <p:clrMapOvr>
+    <a:masterClrMapping/>
+  </p:clrMapOvr>
+</p:notes>
+</file>
+
+<file path=ppt/notesSlides/notesSlide7.xml><?xml version="1.0" encoding="utf-8"?>
+<p:notes xmlns:a="http://schemas.openxmlformats.org/drawingml/2006/main" xmlns:r="http://schemas.openxmlformats.org/officeDocument/2006/relationships" xmlns:p="http://schemas.openxmlformats.org/presentationml/2006/main">
+  <p:cSld>
+    <p:spTree>
+      <p:nvGrpSpPr>
+        <p:cNvPr id="1" name=""/>
+        <p:cNvGrpSpPr/>
+        <p:nvPr/>
+      </p:nvGrpSpPr>
+      <p:grpSpPr>
+        <a:xfrm>
+          <a:off x="0" y="0"/>
+          <a:ext cx="0" cy="0"/>
+          <a:chOff x="0" y="0"/>
+          <a:chExt cx="0" cy="0"/>
+        </a:xfrm>
+      </p:grpSpPr>
+      <p:sp>
+        <p:nvSpPr>
+          <p:cNvPr id="2" name="Slide Image Placeholder 1"/>
+          <p:cNvSpPr>
+            <a:spLocks noGrp="1" noRot="1" noChangeAspect="1"/>
+          </p:cNvSpPr>
+          <p:nvPr>
+            <p:ph type="sldImg"/>
+          </p:nvPr>
+        </p:nvSpPr>
+        <p:spPr/>
+      </p:sp>
+      <p:sp>
+        <p:nvSpPr>
+          <p:cNvPr id="3" name="Notes Placeholder 2"/>
+          <p:cNvSpPr>
+            <a:spLocks noGrp="1"/>
+          </p:cNvSpPr>
+          <p:nvPr>
+            <p:ph type="body" idx="1"/>
+          </p:nvPr>
+        </p:nvSpPr>
+        <p:spPr/>
+        <p:txBody>
+          <a:bodyPr/>
+          <a:lstStyle/>
+          <a:p>
             <a:r>
               <a:rPr lang="pt-BR" sz="1200" b="1" smtClean="0"/>
               <a:t>Laboratório #2</a:t>
@@ -1316,7 +1425,7 @@
           <p:cNvPr id="2" name="Título 1">
             <a:extLst>
               <a:ext uri="{FF2B5EF4-FFF2-40B4-BE49-F238E27FC236}">
-                <a16:creationId xmlns="" xmlns:a16="http://schemas.microsoft.com/office/drawing/2014/main" id="{1DB9B4FF-B06E-403C-A326-BDC64D8FF94E}"/>
+                <a16:creationId xmlns:a16="http://schemas.microsoft.com/office/drawing/2014/main" xmlns="" id="{1DB9B4FF-B06E-403C-A326-BDC64D8FF94E}"/>
               </a:ext>
             </a:extLst>
           </p:cNvPr>
@@ -1353,7 +1462,7 @@
           <p:cNvPr id="3" name="Subtítulo 2">
             <a:extLst>
               <a:ext uri="{FF2B5EF4-FFF2-40B4-BE49-F238E27FC236}">
-                <a16:creationId xmlns="" xmlns:a16="http://schemas.microsoft.com/office/drawing/2014/main" id="{247BDFCE-746E-45BF-A319-4733D58D1632}"/>
+                <a16:creationId xmlns:a16="http://schemas.microsoft.com/office/drawing/2014/main" xmlns="" id="{247BDFCE-746E-45BF-A319-4733D58D1632}"/>
               </a:ext>
             </a:extLst>
           </p:cNvPr>
@@ -1423,7 +1532,7 @@
           <p:cNvPr id="4" name="Espaço Reservado para Data 3">
             <a:extLst>
               <a:ext uri="{FF2B5EF4-FFF2-40B4-BE49-F238E27FC236}">
-                <a16:creationId xmlns="" xmlns:a16="http://schemas.microsoft.com/office/drawing/2014/main" id="{9EDE2778-5372-4104-B96D-968184DA8288}"/>
+                <a16:creationId xmlns:a16="http://schemas.microsoft.com/office/drawing/2014/main" xmlns="" id="{9EDE2778-5372-4104-B96D-968184DA8288}"/>
               </a:ext>
             </a:extLst>
           </p:cNvPr>
@@ -1441,7 +1550,7 @@
           <a:p>
             <a:fld id="{63289F7E-B80B-496E-81B4-D396C37C9454}" type="datetimeFigureOut">
               <a:rPr lang="pt-BR" smtClean="0"/>
-              <a:t>10/08/2021</a:t>
+              <a:t>12/08/2021</a:t>
             </a:fld>
             <a:endParaRPr lang="pt-BR"/>
           </a:p>
@@ -1452,7 +1561,7 @@
           <p:cNvPr id="5" name="Espaço Reservado para Rodapé 4">
             <a:extLst>
               <a:ext uri="{FF2B5EF4-FFF2-40B4-BE49-F238E27FC236}">
-                <a16:creationId xmlns="" xmlns:a16="http://schemas.microsoft.com/office/drawing/2014/main" id="{C1DD0F41-C861-4051-988D-3024A37A4B93}"/>
+                <a16:creationId xmlns:a16="http://schemas.microsoft.com/office/drawing/2014/main" xmlns="" id="{C1DD0F41-C861-4051-988D-3024A37A4B93}"/>
               </a:ext>
             </a:extLst>
           </p:cNvPr>
@@ -1477,7 +1586,7 @@
           <p:cNvPr id="6" name="Espaço Reservado para Número de Slide 5">
             <a:extLst>
               <a:ext uri="{FF2B5EF4-FFF2-40B4-BE49-F238E27FC236}">
-                <a16:creationId xmlns="" xmlns:a16="http://schemas.microsoft.com/office/drawing/2014/main" id="{07E5967E-D980-431A-A5DB-3F0C5030A81E}"/>
+                <a16:creationId xmlns:a16="http://schemas.microsoft.com/office/drawing/2014/main" xmlns="" id="{07E5967E-D980-431A-A5DB-3F0C5030A81E}"/>
               </a:ext>
             </a:extLst>
           </p:cNvPr>
@@ -1536,7 +1645,7 @@
           <p:cNvPr id="2" name="Título 1">
             <a:extLst>
               <a:ext uri="{FF2B5EF4-FFF2-40B4-BE49-F238E27FC236}">
-                <a16:creationId xmlns="" xmlns:a16="http://schemas.microsoft.com/office/drawing/2014/main" id="{9036C49F-3E68-4175-81BA-3C3FEE44308A}"/>
+                <a16:creationId xmlns:a16="http://schemas.microsoft.com/office/drawing/2014/main" xmlns="" id="{9036C49F-3E68-4175-81BA-3C3FEE44308A}"/>
               </a:ext>
             </a:extLst>
           </p:cNvPr>
@@ -1564,7 +1673,7 @@
           <p:cNvPr id="3" name="Espaço Reservado para Texto Vertical 2">
             <a:extLst>
               <a:ext uri="{FF2B5EF4-FFF2-40B4-BE49-F238E27FC236}">
-                <a16:creationId xmlns="" xmlns:a16="http://schemas.microsoft.com/office/drawing/2014/main" id="{426FA736-3DD3-4D4E-B57B-BBE1D8F7D424}"/>
+                <a16:creationId xmlns:a16="http://schemas.microsoft.com/office/drawing/2014/main" xmlns="" id="{426FA736-3DD3-4D4E-B57B-BBE1D8F7D424}"/>
               </a:ext>
             </a:extLst>
           </p:cNvPr>
@@ -1621,7 +1730,7 @@
           <p:cNvPr id="4" name="Espaço Reservado para Data 3">
             <a:extLst>
               <a:ext uri="{FF2B5EF4-FFF2-40B4-BE49-F238E27FC236}">
-                <a16:creationId xmlns="" xmlns:a16="http://schemas.microsoft.com/office/drawing/2014/main" id="{99E8855C-D8FD-48F6-B14E-861E0DE4D915}"/>
+                <a16:creationId xmlns:a16="http://schemas.microsoft.com/office/drawing/2014/main" xmlns="" id="{99E8855C-D8FD-48F6-B14E-861E0DE4D915}"/>
               </a:ext>
             </a:extLst>
           </p:cNvPr>
@@ -1639,7 +1748,7 @@
           <a:p>
             <a:fld id="{63289F7E-B80B-496E-81B4-D396C37C9454}" type="datetimeFigureOut">
               <a:rPr lang="pt-BR" smtClean="0"/>
-              <a:t>10/08/2021</a:t>
+              <a:t>12/08/2021</a:t>
             </a:fld>
             <a:endParaRPr lang="pt-BR"/>
           </a:p>
@@ -1650,7 +1759,7 @@
           <p:cNvPr id="5" name="Espaço Reservado para Rodapé 4">
             <a:extLst>
               <a:ext uri="{FF2B5EF4-FFF2-40B4-BE49-F238E27FC236}">
-                <a16:creationId xmlns="" xmlns:a16="http://schemas.microsoft.com/office/drawing/2014/main" id="{97C0BB88-2F21-42A5-ACFF-83DA47F2D340}"/>
+                <a16:creationId xmlns:a16="http://schemas.microsoft.com/office/drawing/2014/main" xmlns="" id="{97C0BB88-2F21-42A5-ACFF-83DA47F2D340}"/>
               </a:ext>
             </a:extLst>
           </p:cNvPr>
@@ -1675,7 +1784,7 @@
           <p:cNvPr id="6" name="Espaço Reservado para Número de Slide 5">
             <a:extLst>
               <a:ext uri="{FF2B5EF4-FFF2-40B4-BE49-F238E27FC236}">
-                <a16:creationId xmlns="" xmlns:a16="http://schemas.microsoft.com/office/drawing/2014/main" id="{6CB462B3-1F22-4C05-B4B8-7A279FB7D5E9}"/>
+                <a16:creationId xmlns:a16="http://schemas.microsoft.com/office/drawing/2014/main" xmlns="" id="{6CB462B3-1F22-4C05-B4B8-7A279FB7D5E9}"/>
               </a:ext>
             </a:extLst>
           </p:cNvPr>
@@ -1734,7 +1843,7 @@
           <p:cNvPr id="2" name="Título Vertical 1">
             <a:extLst>
               <a:ext uri="{FF2B5EF4-FFF2-40B4-BE49-F238E27FC236}">
-                <a16:creationId xmlns="" xmlns:a16="http://schemas.microsoft.com/office/drawing/2014/main" id="{EAEAB728-701C-4207-A9D5-23FF45C60502}"/>
+                <a16:creationId xmlns:a16="http://schemas.microsoft.com/office/drawing/2014/main" xmlns="" id="{EAEAB728-701C-4207-A9D5-23FF45C60502}"/>
               </a:ext>
             </a:extLst>
           </p:cNvPr>
@@ -1767,7 +1876,7 @@
           <p:cNvPr id="3" name="Espaço Reservado para Texto Vertical 2">
             <a:extLst>
               <a:ext uri="{FF2B5EF4-FFF2-40B4-BE49-F238E27FC236}">
-                <a16:creationId xmlns="" xmlns:a16="http://schemas.microsoft.com/office/drawing/2014/main" id="{BA8C8CCF-7823-480A-9A19-0F664DD17E3B}"/>
+                <a16:creationId xmlns:a16="http://schemas.microsoft.com/office/drawing/2014/main" xmlns="" id="{BA8C8CCF-7823-480A-9A19-0F664DD17E3B}"/>
               </a:ext>
             </a:extLst>
           </p:cNvPr>
@@ -1829,7 +1938,7 @@
           <p:cNvPr id="4" name="Espaço Reservado para Data 3">
             <a:extLst>
               <a:ext uri="{FF2B5EF4-FFF2-40B4-BE49-F238E27FC236}">
-                <a16:creationId xmlns="" xmlns:a16="http://schemas.microsoft.com/office/drawing/2014/main" id="{721D5734-7B1F-425D-942F-6EB73344027C}"/>
+                <a16:creationId xmlns:a16="http://schemas.microsoft.com/office/drawing/2014/main" xmlns="" id="{721D5734-7B1F-425D-942F-6EB73344027C}"/>
               </a:ext>
             </a:extLst>
           </p:cNvPr>
@@ -1847,7 +1956,7 @@
           <a:p>
             <a:fld id="{63289F7E-B80B-496E-81B4-D396C37C9454}" type="datetimeFigureOut">
               <a:rPr lang="pt-BR" smtClean="0"/>
-              <a:t>10/08/2021</a:t>
+              <a:t>12/08/2021</a:t>
             </a:fld>
             <a:endParaRPr lang="pt-BR"/>
           </a:p>
@@ -1858,7 +1967,7 @@
           <p:cNvPr id="5" name="Espaço Reservado para Rodapé 4">
             <a:extLst>
               <a:ext uri="{FF2B5EF4-FFF2-40B4-BE49-F238E27FC236}">
-                <a16:creationId xmlns="" xmlns:a16="http://schemas.microsoft.com/office/drawing/2014/main" id="{1E1AAEAC-F08D-45FE-89EC-B1B349A868C9}"/>
+                <a16:creationId xmlns:a16="http://schemas.microsoft.com/office/drawing/2014/main" xmlns="" id="{1E1AAEAC-F08D-45FE-89EC-B1B349A868C9}"/>
               </a:ext>
             </a:extLst>
           </p:cNvPr>
@@ -1883,7 +1992,7 @@
           <p:cNvPr id="6" name="Espaço Reservado para Número de Slide 5">
             <a:extLst>
               <a:ext uri="{FF2B5EF4-FFF2-40B4-BE49-F238E27FC236}">
-                <a16:creationId xmlns="" xmlns:a16="http://schemas.microsoft.com/office/drawing/2014/main" id="{BAA44493-9911-47B2-87A6-C2141A972BC8}"/>
+                <a16:creationId xmlns:a16="http://schemas.microsoft.com/office/drawing/2014/main" xmlns="" id="{BAA44493-9911-47B2-87A6-C2141A972BC8}"/>
               </a:ext>
             </a:extLst>
           </p:cNvPr>
@@ -1942,7 +2051,7 @@
           <p:cNvPr id="2" name="Título 1">
             <a:extLst>
               <a:ext uri="{FF2B5EF4-FFF2-40B4-BE49-F238E27FC236}">
-                <a16:creationId xmlns="" xmlns:a16="http://schemas.microsoft.com/office/drawing/2014/main" id="{71BD44A5-8F21-4626-A01D-48A1C874B1D5}"/>
+                <a16:creationId xmlns:a16="http://schemas.microsoft.com/office/drawing/2014/main" xmlns="" id="{71BD44A5-8F21-4626-A01D-48A1C874B1D5}"/>
               </a:ext>
             </a:extLst>
           </p:cNvPr>
@@ -1970,7 +2079,7 @@
           <p:cNvPr id="3" name="Espaço Reservado para Conteúdo 2">
             <a:extLst>
               <a:ext uri="{FF2B5EF4-FFF2-40B4-BE49-F238E27FC236}">
-                <a16:creationId xmlns="" xmlns:a16="http://schemas.microsoft.com/office/drawing/2014/main" id="{B79E8085-65A9-48AA-951D-71D978BFF4ED}"/>
+                <a16:creationId xmlns:a16="http://schemas.microsoft.com/office/drawing/2014/main" xmlns="" id="{B79E8085-65A9-48AA-951D-71D978BFF4ED}"/>
               </a:ext>
             </a:extLst>
           </p:cNvPr>
@@ -2027,7 +2136,7 @@
           <p:cNvPr id="4" name="Espaço Reservado para Data 3">
             <a:extLst>
               <a:ext uri="{FF2B5EF4-FFF2-40B4-BE49-F238E27FC236}">
-                <a16:creationId xmlns="" xmlns:a16="http://schemas.microsoft.com/office/drawing/2014/main" id="{F05BE1AF-51EA-425D-B188-DE7BD675009F}"/>
+                <a16:creationId xmlns:a16="http://schemas.microsoft.com/office/drawing/2014/main" xmlns="" id="{F05BE1AF-51EA-425D-B188-DE7BD675009F}"/>
               </a:ext>
             </a:extLst>
           </p:cNvPr>
@@ -2045,7 +2154,7 @@
           <a:p>
             <a:fld id="{63289F7E-B80B-496E-81B4-D396C37C9454}" type="datetimeFigureOut">
               <a:rPr lang="pt-BR" smtClean="0"/>
-              <a:t>10/08/2021</a:t>
+              <a:t>12/08/2021</a:t>
             </a:fld>
             <a:endParaRPr lang="pt-BR"/>
           </a:p>
@@ -2056,7 +2165,7 @@
           <p:cNvPr id="5" name="Espaço Reservado para Rodapé 4">
             <a:extLst>
               <a:ext uri="{FF2B5EF4-FFF2-40B4-BE49-F238E27FC236}">
-                <a16:creationId xmlns="" xmlns:a16="http://schemas.microsoft.com/office/drawing/2014/main" id="{121BE632-29CF-4CB9-B365-C9EF38F89BE6}"/>
+                <a16:creationId xmlns:a16="http://schemas.microsoft.com/office/drawing/2014/main" xmlns="" id="{121BE632-29CF-4CB9-B365-C9EF38F89BE6}"/>
               </a:ext>
             </a:extLst>
           </p:cNvPr>
@@ -2081,7 +2190,7 @@
           <p:cNvPr id="6" name="Espaço Reservado para Número de Slide 5">
             <a:extLst>
               <a:ext uri="{FF2B5EF4-FFF2-40B4-BE49-F238E27FC236}">
-                <a16:creationId xmlns="" xmlns:a16="http://schemas.microsoft.com/office/drawing/2014/main" id="{60CF3DD1-9AEC-4A57-B461-4E4DD86FAC18}"/>
+                <a16:creationId xmlns:a16="http://schemas.microsoft.com/office/drawing/2014/main" xmlns="" id="{60CF3DD1-9AEC-4A57-B461-4E4DD86FAC18}"/>
               </a:ext>
             </a:extLst>
           </p:cNvPr>
@@ -2140,7 +2249,7 @@
           <p:cNvPr id="2" name="Título 1">
             <a:extLst>
               <a:ext uri="{FF2B5EF4-FFF2-40B4-BE49-F238E27FC236}">
-                <a16:creationId xmlns="" xmlns:a16="http://schemas.microsoft.com/office/drawing/2014/main" id="{34AB2FF0-A4D7-4E28-991D-FF26140D5988}"/>
+                <a16:creationId xmlns:a16="http://schemas.microsoft.com/office/drawing/2014/main" xmlns="" id="{34AB2FF0-A4D7-4E28-991D-FF26140D5988}"/>
               </a:ext>
             </a:extLst>
           </p:cNvPr>
@@ -2177,7 +2286,7 @@
           <p:cNvPr id="3" name="Espaço Reservado para Texto 2">
             <a:extLst>
               <a:ext uri="{FF2B5EF4-FFF2-40B4-BE49-F238E27FC236}">
-                <a16:creationId xmlns="" xmlns:a16="http://schemas.microsoft.com/office/drawing/2014/main" id="{E2AC45B0-4145-40DB-8E61-105461170604}"/>
+                <a16:creationId xmlns:a16="http://schemas.microsoft.com/office/drawing/2014/main" xmlns="" id="{E2AC45B0-4145-40DB-8E61-105461170604}"/>
               </a:ext>
             </a:extLst>
           </p:cNvPr>
@@ -2302,7 +2411,7 @@
           <p:cNvPr id="4" name="Espaço Reservado para Data 3">
             <a:extLst>
               <a:ext uri="{FF2B5EF4-FFF2-40B4-BE49-F238E27FC236}">
-                <a16:creationId xmlns="" xmlns:a16="http://schemas.microsoft.com/office/drawing/2014/main" id="{50F1D3FB-740A-4EBA-A309-2CE71D12ECFB}"/>
+                <a16:creationId xmlns:a16="http://schemas.microsoft.com/office/drawing/2014/main" xmlns="" id="{50F1D3FB-740A-4EBA-A309-2CE71D12ECFB}"/>
               </a:ext>
             </a:extLst>
           </p:cNvPr>
@@ -2320,7 +2429,7 @@
           <a:p>
             <a:fld id="{63289F7E-B80B-496E-81B4-D396C37C9454}" type="datetimeFigureOut">
               <a:rPr lang="pt-BR" smtClean="0"/>
-              <a:t>10/08/2021</a:t>
+              <a:t>12/08/2021</a:t>
             </a:fld>
             <a:endParaRPr lang="pt-BR"/>
           </a:p>
@@ -2331,7 +2440,7 @@
           <p:cNvPr id="5" name="Espaço Reservado para Rodapé 4">
             <a:extLst>
               <a:ext uri="{FF2B5EF4-FFF2-40B4-BE49-F238E27FC236}">
-                <a16:creationId xmlns="" xmlns:a16="http://schemas.microsoft.com/office/drawing/2014/main" id="{BDCAB18F-8715-4465-A940-F9C193A2ACE9}"/>
+                <a16:creationId xmlns:a16="http://schemas.microsoft.com/office/drawing/2014/main" xmlns="" id="{BDCAB18F-8715-4465-A940-F9C193A2ACE9}"/>
               </a:ext>
             </a:extLst>
           </p:cNvPr>
@@ -2356,7 +2465,7 @@
           <p:cNvPr id="6" name="Espaço Reservado para Número de Slide 5">
             <a:extLst>
               <a:ext uri="{FF2B5EF4-FFF2-40B4-BE49-F238E27FC236}">
-                <a16:creationId xmlns="" xmlns:a16="http://schemas.microsoft.com/office/drawing/2014/main" id="{353466C6-8248-429F-8056-FF040BF509EB}"/>
+                <a16:creationId xmlns:a16="http://schemas.microsoft.com/office/drawing/2014/main" xmlns="" id="{353466C6-8248-429F-8056-FF040BF509EB}"/>
               </a:ext>
             </a:extLst>
           </p:cNvPr>
@@ -2415,7 +2524,7 @@
           <p:cNvPr id="2" name="Título 1">
             <a:extLst>
               <a:ext uri="{FF2B5EF4-FFF2-40B4-BE49-F238E27FC236}">
-                <a16:creationId xmlns="" xmlns:a16="http://schemas.microsoft.com/office/drawing/2014/main" id="{BC7BB9F0-F14B-4A91-B2B7-35BC47FE4DE7}"/>
+                <a16:creationId xmlns:a16="http://schemas.microsoft.com/office/drawing/2014/main" xmlns="" id="{BC7BB9F0-F14B-4A91-B2B7-35BC47FE4DE7}"/>
               </a:ext>
             </a:extLst>
           </p:cNvPr>
@@ -2443,7 +2552,7 @@
           <p:cNvPr id="3" name="Espaço Reservado para Conteúdo 2">
             <a:extLst>
               <a:ext uri="{FF2B5EF4-FFF2-40B4-BE49-F238E27FC236}">
-                <a16:creationId xmlns="" xmlns:a16="http://schemas.microsoft.com/office/drawing/2014/main" id="{EC1FC1C4-73DA-47A6-8496-B0B457F7D39A}"/>
+                <a16:creationId xmlns:a16="http://schemas.microsoft.com/office/drawing/2014/main" xmlns="" id="{EC1FC1C4-73DA-47A6-8496-B0B457F7D39A}"/>
               </a:ext>
             </a:extLst>
           </p:cNvPr>
@@ -2505,7 +2614,7 @@
           <p:cNvPr id="4" name="Espaço Reservado para Conteúdo 3">
             <a:extLst>
               <a:ext uri="{FF2B5EF4-FFF2-40B4-BE49-F238E27FC236}">
-                <a16:creationId xmlns="" xmlns:a16="http://schemas.microsoft.com/office/drawing/2014/main" id="{E92F06A8-A449-4D92-9912-76873E529B38}"/>
+                <a16:creationId xmlns:a16="http://schemas.microsoft.com/office/drawing/2014/main" xmlns="" id="{E92F06A8-A449-4D92-9912-76873E529B38}"/>
               </a:ext>
             </a:extLst>
           </p:cNvPr>
@@ -2567,7 +2676,7 @@
           <p:cNvPr id="5" name="Espaço Reservado para Data 4">
             <a:extLst>
               <a:ext uri="{FF2B5EF4-FFF2-40B4-BE49-F238E27FC236}">
-                <a16:creationId xmlns="" xmlns:a16="http://schemas.microsoft.com/office/drawing/2014/main" id="{938070A4-BC2F-4D55-BD8D-DEAF11BB9EE9}"/>
+                <a16:creationId xmlns:a16="http://schemas.microsoft.com/office/drawing/2014/main" xmlns="" id="{938070A4-BC2F-4D55-BD8D-DEAF11BB9EE9}"/>
               </a:ext>
             </a:extLst>
           </p:cNvPr>
@@ -2585,7 +2694,7 @@
           <a:p>
             <a:fld id="{63289F7E-B80B-496E-81B4-D396C37C9454}" type="datetimeFigureOut">
               <a:rPr lang="pt-BR" smtClean="0"/>
-              <a:t>10/08/2021</a:t>
+              <a:t>12/08/2021</a:t>
             </a:fld>
             <a:endParaRPr lang="pt-BR"/>
           </a:p>
@@ -2596,7 +2705,7 @@
           <p:cNvPr id="6" name="Espaço Reservado para Rodapé 5">
             <a:extLst>
               <a:ext uri="{FF2B5EF4-FFF2-40B4-BE49-F238E27FC236}">
-                <a16:creationId xmlns="" xmlns:a16="http://schemas.microsoft.com/office/drawing/2014/main" id="{45CC2DB8-844A-465F-BA9A-7734C80C7F43}"/>
+                <a16:creationId xmlns:a16="http://schemas.microsoft.com/office/drawing/2014/main" xmlns="" id="{45CC2DB8-844A-465F-BA9A-7734C80C7F43}"/>
               </a:ext>
             </a:extLst>
           </p:cNvPr>
@@ -2621,7 +2730,7 @@
           <p:cNvPr id="7" name="Espaço Reservado para Número de Slide 6">
             <a:extLst>
               <a:ext uri="{FF2B5EF4-FFF2-40B4-BE49-F238E27FC236}">
-                <a16:creationId xmlns="" xmlns:a16="http://schemas.microsoft.com/office/drawing/2014/main" id="{4CC606A8-097B-4040-94E0-CD8C88280D8F}"/>
+                <a16:creationId xmlns:a16="http://schemas.microsoft.com/office/drawing/2014/main" xmlns="" id="{4CC606A8-097B-4040-94E0-CD8C88280D8F}"/>
               </a:ext>
             </a:extLst>
           </p:cNvPr>
@@ -2680,7 +2789,7 @@
           <p:cNvPr id="2" name="Título 1">
             <a:extLst>
               <a:ext uri="{FF2B5EF4-FFF2-40B4-BE49-F238E27FC236}">
-                <a16:creationId xmlns="" xmlns:a16="http://schemas.microsoft.com/office/drawing/2014/main" id="{76D66686-0143-4CB6-8C09-BA326F1E7ACA}"/>
+                <a16:creationId xmlns:a16="http://schemas.microsoft.com/office/drawing/2014/main" xmlns="" id="{76D66686-0143-4CB6-8C09-BA326F1E7ACA}"/>
               </a:ext>
             </a:extLst>
           </p:cNvPr>
@@ -2713,7 +2822,7 @@
           <p:cNvPr id="3" name="Espaço Reservado para Texto 2">
             <a:extLst>
               <a:ext uri="{FF2B5EF4-FFF2-40B4-BE49-F238E27FC236}">
-                <a16:creationId xmlns="" xmlns:a16="http://schemas.microsoft.com/office/drawing/2014/main" id="{0227AB85-F59E-4BCE-B846-4FA0992C2F23}"/>
+                <a16:creationId xmlns:a16="http://schemas.microsoft.com/office/drawing/2014/main" xmlns="" id="{0227AB85-F59E-4BCE-B846-4FA0992C2F23}"/>
               </a:ext>
             </a:extLst>
           </p:cNvPr>
@@ -2784,7 +2893,7 @@
           <p:cNvPr id="4" name="Espaço Reservado para Conteúdo 3">
             <a:extLst>
               <a:ext uri="{FF2B5EF4-FFF2-40B4-BE49-F238E27FC236}">
-                <a16:creationId xmlns="" xmlns:a16="http://schemas.microsoft.com/office/drawing/2014/main" id="{3373456C-7319-4D0A-827D-D29F6B083F5D}"/>
+                <a16:creationId xmlns:a16="http://schemas.microsoft.com/office/drawing/2014/main" xmlns="" id="{3373456C-7319-4D0A-827D-D29F6B083F5D}"/>
               </a:ext>
             </a:extLst>
           </p:cNvPr>
@@ -2846,7 +2955,7 @@
           <p:cNvPr id="5" name="Espaço Reservado para Texto 4">
             <a:extLst>
               <a:ext uri="{FF2B5EF4-FFF2-40B4-BE49-F238E27FC236}">
-                <a16:creationId xmlns="" xmlns:a16="http://schemas.microsoft.com/office/drawing/2014/main" id="{4CD109D0-2E83-4262-8029-A871CEC47406}"/>
+                <a16:creationId xmlns:a16="http://schemas.microsoft.com/office/drawing/2014/main" xmlns="" id="{4CD109D0-2E83-4262-8029-A871CEC47406}"/>
               </a:ext>
             </a:extLst>
           </p:cNvPr>
@@ -2917,7 +3026,7 @@
           <p:cNvPr id="6" name="Espaço Reservado para Conteúdo 5">
             <a:extLst>
               <a:ext uri="{FF2B5EF4-FFF2-40B4-BE49-F238E27FC236}">
-                <a16:creationId xmlns="" xmlns:a16="http://schemas.microsoft.com/office/drawing/2014/main" id="{AD706E3A-CFBB-4A6C-A65F-D0360A9E74FE}"/>
+                <a16:creationId xmlns:a16="http://schemas.microsoft.com/office/drawing/2014/main" xmlns="" id="{AD706E3A-CFBB-4A6C-A65F-D0360A9E74FE}"/>
               </a:ext>
             </a:extLst>
           </p:cNvPr>
@@ -2979,7 +3088,7 @@
           <p:cNvPr id="7" name="Espaço Reservado para Data 6">
             <a:extLst>
               <a:ext uri="{FF2B5EF4-FFF2-40B4-BE49-F238E27FC236}">
-                <a16:creationId xmlns="" xmlns:a16="http://schemas.microsoft.com/office/drawing/2014/main" id="{4172C0E5-5AF0-4805-BB51-443733CD2BD5}"/>
+                <a16:creationId xmlns:a16="http://schemas.microsoft.com/office/drawing/2014/main" xmlns="" id="{4172C0E5-5AF0-4805-BB51-443733CD2BD5}"/>
               </a:ext>
             </a:extLst>
           </p:cNvPr>
@@ -2997,7 +3106,7 @@
           <a:p>
             <a:fld id="{63289F7E-B80B-496E-81B4-D396C37C9454}" type="datetimeFigureOut">
               <a:rPr lang="pt-BR" smtClean="0"/>
-              <a:t>10/08/2021</a:t>
+              <a:t>12/08/2021</a:t>
             </a:fld>
             <a:endParaRPr lang="pt-BR"/>
           </a:p>
@@ -3008,7 +3117,7 @@
           <p:cNvPr id="8" name="Espaço Reservado para Rodapé 7">
             <a:extLst>
               <a:ext uri="{FF2B5EF4-FFF2-40B4-BE49-F238E27FC236}">
-                <a16:creationId xmlns="" xmlns:a16="http://schemas.microsoft.com/office/drawing/2014/main" id="{0E801648-156F-497E-99CF-797DF48051E1}"/>
+                <a16:creationId xmlns:a16="http://schemas.microsoft.com/office/drawing/2014/main" xmlns="" id="{0E801648-156F-497E-99CF-797DF48051E1}"/>
               </a:ext>
             </a:extLst>
           </p:cNvPr>
@@ -3033,7 +3142,7 @@
           <p:cNvPr id="9" name="Espaço Reservado para Número de Slide 8">
             <a:extLst>
               <a:ext uri="{FF2B5EF4-FFF2-40B4-BE49-F238E27FC236}">
-                <a16:creationId xmlns="" xmlns:a16="http://schemas.microsoft.com/office/drawing/2014/main" id="{EEE23D32-80E7-4796-A137-66BF842E4B53}"/>
+                <a16:creationId xmlns:a16="http://schemas.microsoft.com/office/drawing/2014/main" xmlns="" id="{EEE23D32-80E7-4796-A137-66BF842E4B53}"/>
               </a:ext>
             </a:extLst>
           </p:cNvPr>
@@ -3092,7 +3201,7 @@
           <p:cNvPr id="2" name="Título 1">
             <a:extLst>
               <a:ext uri="{FF2B5EF4-FFF2-40B4-BE49-F238E27FC236}">
-                <a16:creationId xmlns="" xmlns:a16="http://schemas.microsoft.com/office/drawing/2014/main" id="{2BCE2379-C78F-47E1-8CFC-B846E7AF148D}"/>
+                <a16:creationId xmlns:a16="http://schemas.microsoft.com/office/drawing/2014/main" xmlns="" id="{2BCE2379-C78F-47E1-8CFC-B846E7AF148D}"/>
               </a:ext>
             </a:extLst>
           </p:cNvPr>
@@ -3120,7 +3229,7 @@
           <p:cNvPr id="3" name="Espaço Reservado para Data 2">
             <a:extLst>
               <a:ext uri="{FF2B5EF4-FFF2-40B4-BE49-F238E27FC236}">
-                <a16:creationId xmlns="" xmlns:a16="http://schemas.microsoft.com/office/drawing/2014/main" id="{342600A9-7F92-4E22-9D94-E4717252A817}"/>
+                <a16:creationId xmlns:a16="http://schemas.microsoft.com/office/drawing/2014/main" xmlns="" id="{342600A9-7F92-4E22-9D94-E4717252A817}"/>
               </a:ext>
             </a:extLst>
           </p:cNvPr>
@@ -3138,7 +3247,7 @@
           <a:p>
             <a:fld id="{63289F7E-B80B-496E-81B4-D396C37C9454}" type="datetimeFigureOut">
               <a:rPr lang="pt-BR" smtClean="0"/>
-              <a:t>10/08/2021</a:t>
+              <a:t>12/08/2021</a:t>
             </a:fld>
             <a:endParaRPr lang="pt-BR"/>
           </a:p>
@@ -3149,7 +3258,7 @@
           <p:cNvPr id="4" name="Espaço Reservado para Rodapé 3">
             <a:extLst>
               <a:ext uri="{FF2B5EF4-FFF2-40B4-BE49-F238E27FC236}">
-                <a16:creationId xmlns="" xmlns:a16="http://schemas.microsoft.com/office/drawing/2014/main" id="{192E6BED-F546-40CC-A2DF-99CBA853654E}"/>
+                <a16:creationId xmlns:a16="http://schemas.microsoft.com/office/drawing/2014/main" xmlns="" id="{192E6BED-F546-40CC-A2DF-99CBA853654E}"/>
               </a:ext>
             </a:extLst>
           </p:cNvPr>
@@ -3174,7 +3283,7 @@
           <p:cNvPr id="5" name="Espaço Reservado para Número de Slide 4">
             <a:extLst>
               <a:ext uri="{FF2B5EF4-FFF2-40B4-BE49-F238E27FC236}">
-                <a16:creationId xmlns="" xmlns:a16="http://schemas.microsoft.com/office/drawing/2014/main" id="{6091CC40-A8C4-4063-80EB-CC5099621678}"/>
+                <a16:creationId xmlns:a16="http://schemas.microsoft.com/office/drawing/2014/main" xmlns="" id="{6091CC40-A8C4-4063-80EB-CC5099621678}"/>
               </a:ext>
             </a:extLst>
           </p:cNvPr>
@@ -3233,7 +3342,7 @@
           <p:cNvPr id="2" name="Espaço Reservado para Data 1">
             <a:extLst>
               <a:ext uri="{FF2B5EF4-FFF2-40B4-BE49-F238E27FC236}">
-                <a16:creationId xmlns="" xmlns:a16="http://schemas.microsoft.com/office/drawing/2014/main" id="{DD19515C-212C-4EAE-84A3-8FF4BC844F1B}"/>
+                <a16:creationId xmlns:a16="http://schemas.microsoft.com/office/drawing/2014/main" xmlns="" id="{DD19515C-212C-4EAE-84A3-8FF4BC844F1B}"/>
               </a:ext>
             </a:extLst>
           </p:cNvPr>
@@ -3251,7 +3360,7 @@
           <a:p>
             <a:fld id="{63289F7E-B80B-496E-81B4-D396C37C9454}" type="datetimeFigureOut">
               <a:rPr lang="pt-BR" smtClean="0"/>
-              <a:t>10/08/2021</a:t>
+              <a:t>12/08/2021</a:t>
             </a:fld>
             <a:endParaRPr lang="pt-BR"/>
           </a:p>
@@ -3262,7 +3371,7 @@
           <p:cNvPr id="3" name="Espaço Reservado para Rodapé 2">
             <a:extLst>
               <a:ext uri="{FF2B5EF4-FFF2-40B4-BE49-F238E27FC236}">
-                <a16:creationId xmlns="" xmlns:a16="http://schemas.microsoft.com/office/drawing/2014/main" id="{94D3D120-B3E8-4C96-861D-7A4F12F49B3A}"/>
+                <a16:creationId xmlns:a16="http://schemas.microsoft.com/office/drawing/2014/main" xmlns="" id="{94D3D120-B3E8-4C96-861D-7A4F12F49B3A}"/>
               </a:ext>
             </a:extLst>
           </p:cNvPr>
@@ -3287,7 +3396,7 @@
           <p:cNvPr id="4" name="Espaço Reservado para Número de Slide 3">
             <a:extLst>
               <a:ext uri="{FF2B5EF4-FFF2-40B4-BE49-F238E27FC236}">
-                <a16:creationId xmlns="" xmlns:a16="http://schemas.microsoft.com/office/drawing/2014/main" id="{42E49B68-FA1B-468B-9F17-D5C09243D454}"/>
+                <a16:creationId xmlns:a16="http://schemas.microsoft.com/office/drawing/2014/main" xmlns="" id="{42E49B68-FA1B-468B-9F17-D5C09243D454}"/>
               </a:ext>
             </a:extLst>
           </p:cNvPr>
@@ -3346,7 +3455,7 @@
           <p:cNvPr id="2" name="Título 1">
             <a:extLst>
               <a:ext uri="{FF2B5EF4-FFF2-40B4-BE49-F238E27FC236}">
-                <a16:creationId xmlns="" xmlns:a16="http://schemas.microsoft.com/office/drawing/2014/main" id="{1C17BCBE-A897-4319-85EC-D87909C24980}"/>
+                <a16:creationId xmlns:a16="http://schemas.microsoft.com/office/drawing/2014/main" xmlns="" id="{1C17BCBE-A897-4319-85EC-D87909C24980}"/>
               </a:ext>
             </a:extLst>
           </p:cNvPr>
@@ -3383,7 +3492,7 @@
           <p:cNvPr id="3" name="Espaço Reservado para Conteúdo 2">
             <a:extLst>
               <a:ext uri="{FF2B5EF4-FFF2-40B4-BE49-F238E27FC236}">
-                <a16:creationId xmlns="" xmlns:a16="http://schemas.microsoft.com/office/drawing/2014/main" id="{4226F885-0204-4913-868B-4B8B82576F17}"/>
+                <a16:creationId xmlns:a16="http://schemas.microsoft.com/office/drawing/2014/main" xmlns="" id="{4226F885-0204-4913-868B-4B8B82576F17}"/>
               </a:ext>
             </a:extLst>
           </p:cNvPr>
@@ -3473,7 +3582,7 @@
           <p:cNvPr id="4" name="Espaço Reservado para Texto 3">
             <a:extLst>
               <a:ext uri="{FF2B5EF4-FFF2-40B4-BE49-F238E27FC236}">
-                <a16:creationId xmlns="" xmlns:a16="http://schemas.microsoft.com/office/drawing/2014/main" id="{00F9F784-A858-441B-8AB5-697098141751}"/>
+                <a16:creationId xmlns:a16="http://schemas.microsoft.com/office/drawing/2014/main" xmlns="" id="{00F9F784-A858-441B-8AB5-697098141751}"/>
               </a:ext>
             </a:extLst>
           </p:cNvPr>
@@ -3544,7 +3653,7 @@
           <p:cNvPr id="5" name="Espaço Reservado para Data 4">
             <a:extLst>
               <a:ext uri="{FF2B5EF4-FFF2-40B4-BE49-F238E27FC236}">
-                <a16:creationId xmlns="" xmlns:a16="http://schemas.microsoft.com/office/drawing/2014/main" id="{A4DC363A-5000-472E-8B17-02E7DCB8840A}"/>
+                <a16:creationId xmlns:a16="http://schemas.microsoft.com/office/drawing/2014/main" xmlns="" id="{A4DC363A-5000-472E-8B17-02E7DCB8840A}"/>
               </a:ext>
             </a:extLst>
           </p:cNvPr>
@@ -3562,7 +3671,7 @@
           <a:p>
             <a:fld id="{63289F7E-B80B-496E-81B4-D396C37C9454}" type="datetimeFigureOut">
               <a:rPr lang="pt-BR" smtClean="0"/>
-              <a:t>10/08/2021</a:t>
+              <a:t>12/08/2021</a:t>
             </a:fld>
             <a:endParaRPr lang="pt-BR"/>
           </a:p>
@@ -3573,7 +3682,7 @@
           <p:cNvPr id="6" name="Espaço Reservado para Rodapé 5">
             <a:extLst>
               <a:ext uri="{FF2B5EF4-FFF2-40B4-BE49-F238E27FC236}">
-                <a16:creationId xmlns="" xmlns:a16="http://schemas.microsoft.com/office/drawing/2014/main" id="{5548425D-2C21-4C56-BAD4-662978775C28}"/>
+                <a16:creationId xmlns:a16="http://schemas.microsoft.com/office/drawing/2014/main" xmlns="" id="{5548425D-2C21-4C56-BAD4-662978775C28}"/>
               </a:ext>
             </a:extLst>
           </p:cNvPr>
@@ -3598,7 +3707,7 @@
           <p:cNvPr id="7" name="Espaço Reservado para Número de Slide 6">
             <a:extLst>
               <a:ext uri="{FF2B5EF4-FFF2-40B4-BE49-F238E27FC236}">
-                <a16:creationId xmlns="" xmlns:a16="http://schemas.microsoft.com/office/drawing/2014/main" id="{C63E9726-E64C-42B2-AE8A-8C235A956B48}"/>
+                <a16:creationId xmlns:a16="http://schemas.microsoft.com/office/drawing/2014/main" xmlns="" id="{C63E9726-E64C-42B2-AE8A-8C235A956B48}"/>
               </a:ext>
             </a:extLst>
           </p:cNvPr>
@@ -3657,7 +3766,7 @@
           <p:cNvPr id="2" name="Título 1">
             <a:extLst>
               <a:ext uri="{FF2B5EF4-FFF2-40B4-BE49-F238E27FC236}">
-                <a16:creationId xmlns="" xmlns:a16="http://schemas.microsoft.com/office/drawing/2014/main" id="{11086A78-3E74-450C-96A6-CA8AC37AF772}"/>
+                <a16:creationId xmlns:a16="http://schemas.microsoft.com/office/drawing/2014/main" xmlns="" id="{11086A78-3E74-450C-96A6-CA8AC37AF772}"/>
               </a:ext>
             </a:extLst>
           </p:cNvPr>
@@ -3694,7 +3803,7 @@
           <p:cNvPr id="3" name="Espaço Reservado para Imagem 2">
             <a:extLst>
               <a:ext uri="{FF2B5EF4-FFF2-40B4-BE49-F238E27FC236}">
-                <a16:creationId xmlns="" xmlns:a16="http://schemas.microsoft.com/office/drawing/2014/main" id="{5F5B7312-975A-4DBC-9B2F-3652ADA006FD}"/>
+                <a16:creationId xmlns:a16="http://schemas.microsoft.com/office/drawing/2014/main" xmlns="" id="{5F5B7312-975A-4DBC-9B2F-3652ADA006FD}"/>
               </a:ext>
             </a:extLst>
           </p:cNvPr>
@@ -3761,7 +3870,7 @@
           <p:cNvPr id="4" name="Espaço Reservado para Texto 3">
             <a:extLst>
               <a:ext uri="{FF2B5EF4-FFF2-40B4-BE49-F238E27FC236}">
-                <a16:creationId xmlns="" xmlns:a16="http://schemas.microsoft.com/office/drawing/2014/main" id="{AAF805F5-1DFF-41C6-944C-7D79FE0D0963}"/>
+                <a16:creationId xmlns:a16="http://schemas.microsoft.com/office/drawing/2014/main" xmlns="" id="{AAF805F5-1DFF-41C6-944C-7D79FE0D0963}"/>
               </a:ext>
             </a:extLst>
           </p:cNvPr>
@@ -3832,7 +3941,7 @@
           <p:cNvPr id="5" name="Espaço Reservado para Data 4">
             <a:extLst>
               <a:ext uri="{FF2B5EF4-FFF2-40B4-BE49-F238E27FC236}">
-                <a16:creationId xmlns="" xmlns:a16="http://schemas.microsoft.com/office/drawing/2014/main" id="{02113D81-8665-4516-BD81-C6A1F254EECD}"/>
+                <a16:creationId xmlns:a16="http://schemas.microsoft.com/office/drawing/2014/main" xmlns="" id="{02113D81-8665-4516-BD81-C6A1F254EECD}"/>
               </a:ext>
             </a:extLst>
           </p:cNvPr>
@@ -3850,7 +3959,7 @@
           <a:p>
             <a:fld id="{63289F7E-B80B-496E-81B4-D396C37C9454}" type="datetimeFigureOut">
               <a:rPr lang="pt-BR" smtClean="0"/>
-              <a:t>10/08/2021</a:t>
+              <a:t>12/08/2021</a:t>
             </a:fld>
             <a:endParaRPr lang="pt-BR"/>
           </a:p>
@@ -3861,7 +3970,7 @@
           <p:cNvPr id="6" name="Espaço Reservado para Rodapé 5">
             <a:extLst>
               <a:ext uri="{FF2B5EF4-FFF2-40B4-BE49-F238E27FC236}">
-                <a16:creationId xmlns="" xmlns:a16="http://schemas.microsoft.com/office/drawing/2014/main" id="{2B00C88B-FF32-40AA-A187-727D96FD7862}"/>
+                <a16:creationId xmlns:a16="http://schemas.microsoft.com/office/drawing/2014/main" xmlns="" id="{2B00C88B-FF32-40AA-A187-727D96FD7862}"/>
               </a:ext>
             </a:extLst>
           </p:cNvPr>
@@ -3886,7 +3995,7 @@
           <p:cNvPr id="7" name="Espaço Reservado para Número de Slide 6">
             <a:extLst>
               <a:ext uri="{FF2B5EF4-FFF2-40B4-BE49-F238E27FC236}">
-                <a16:creationId xmlns="" xmlns:a16="http://schemas.microsoft.com/office/drawing/2014/main" id="{A04D1A2D-69F7-4B8F-A730-BC26DC340BA6}"/>
+                <a16:creationId xmlns:a16="http://schemas.microsoft.com/office/drawing/2014/main" xmlns="" id="{A04D1A2D-69F7-4B8F-A730-BC26DC340BA6}"/>
               </a:ext>
             </a:extLst>
           </p:cNvPr>
@@ -3950,7 +4059,7 @@
           <p:cNvPr id="2" name="Espaço Reservado para Título 1">
             <a:extLst>
               <a:ext uri="{FF2B5EF4-FFF2-40B4-BE49-F238E27FC236}">
-                <a16:creationId xmlns="" xmlns:a16="http://schemas.microsoft.com/office/drawing/2014/main" id="{E69A0273-1966-4A1B-9370-4C1CE5036371}"/>
+                <a16:creationId xmlns:a16="http://schemas.microsoft.com/office/drawing/2014/main" xmlns="" id="{E69A0273-1966-4A1B-9370-4C1CE5036371}"/>
               </a:ext>
             </a:extLst>
           </p:cNvPr>
@@ -3988,7 +4097,7 @@
           <p:cNvPr id="3" name="Espaço Reservado para Texto 2">
             <a:extLst>
               <a:ext uri="{FF2B5EF4-FFF2-40B4-BE49-F238E27FC236}">
-                <a16:creationId xmlns="" xmlns:a16="http://schemas.microsoft.com/office/drawing/2014/main" id="{3B9CF87A-0448-49A7-AB25-EBC1D56A40EF}"/>
+                <a16:creationId xmlns:a16="http://schemas.microsoft.com/office/drawing/2014/main" xmlns="" id="{3B9CF87A-0448-49A7-AB25-EBC1D56A40EF}"/>
               </a:ext>
             </a:extLst>
           </p:cNvPr>
@@ -4055,7 +4164,7 @@
           <p:cNvPr id="4" name="Espaço Reservado para Data 3">
             <a:extLst>
               <a:ext uri="{FF2B5EF4-FFF2-40B4-BE49-F238E27FC236}">
-                <a16:creationId xmlns="" xmlns:a16="http://schemas.microsoft.com/office/drawing/2014/main" id="{2EF7B1F2-BB5A-44D0-816D-16AD2C71430E}"/>
+                <a16:creationId xmlns:a16="http://schemas.microsoft.com/office/drawing/2014/main" xmlns="" id="{2EF7B1F2-BB5A-44D0-816D-16AD2C71430E}"/>
               </a:ext>
             </a:extLst>
           </p:cNvPr>
@@ -4091,7 +4200,7 @@
           <a:p>
             <a:fld id="{63289F7E-B80B-496E-81B4-D396C37C9454}" type="datetimeFigureOut">
               <a:rPr lang="pt-BR" smtClean="0"/>
-              <a:t>10/08/2021</a:t>
+              <a:t>12/08/2021</a:t>
             </a:fld>
             <a:endParaRPr lang="pt-BR"/>
           </a:p>
@@ -4102,7 +4211,7 @@
           <p:cNvPr id="5" name="Espaço Reservado para Rodapé 4">
             <a:extLst>
               <a:ext uri="{FF2B5EF4-FFF2-40B4-BE49-F238E27FC236}">
-                <a16:creationId xmlns="" xmlns:a16="http://schemas.microsoft.com/office/drawing/2014/main" id="{C703F94C-2CC8-4DAA-BC35-14FC3E841DCD}"/>
+                <a16:creationId xmlns:a16="http://schemas.microsoft.com/office/drawing/2014/main" xmlns="" id="{C703F94C-2CC8-4DAA-BC35-14FC3E841DCD}"/>
               </a:ext>
             </a:extLst>
           </p:cNvPr>
@@ -4145,7 +4254,7 @@
           <p:cNvPr id="6" name="Espaço Reservado para Número de Slide 5">
             <a:extLst>
               <a:ext uri="{FF2B5EF4-FFF2-40B4-BE49-F238E27FC236}">
-                <a16:creationId xmlns="" xmlns:a16="http://schemas.microsoft.com/office/drawing/2014/main" id="{64051336-7048-457A-8B61-D94291D71648}"/>
+                <a16:creationId xmlns:a16="http://schemas.microsoft.com/office/drawing/2014/main" xmlns="" id="{64051336-7048-457A-8B61-D94291D71648}"/>
               </a:ext>
             </a:extLst>
           </p:cNvPr>
@@ -4513,7 +4622,7 @@
           <p:cNvPr id="2" name="Título 1">
             <a:extLst>
               <a:ext uri="{FF2B5EF4-FFF2-40B4-BE49-F238E27FC236}">
-                <a16:creationId xmlns="" xmlns:a16="http://schemas.microsoft.com/office/drawing/2014/main" id="{32666AC8-2E17-4DB4-B0F5-60C640CCFD2E}"/>
+                <a16:creationId xmlns:a16="http://schemas.microsoft.com/office/drawing/2014/main" xmlns="" id="{32666AC8-2E17-4DB4-B0F5-60C640CCFD2E}"/>
               </a:ext>
             </a:extLst>
           </p:cNvPr>
@@ -4560,7 +4669,7 @@
           <p:cNvPr id="4" name="CaixaDeTexto 3">
             <a:extLst>
               <a:ext uri="{FF2B5EF4-FFF2-40B4-BE49-F238E27FC236}">
-                <a16:creationId xmlns="" xmlns:a16="http://schemas.microsoft.com/office/drawing/2014/main" id="{430EB894-B7D4-434C-9D1A-A14094D9BEEC}"/>
+                <a16:creationId xmlns:a16="http://schemas.microsoft.com/office/drawing/2014/main" xmlns="" id="{430EB894-B7D4-434C-9D1A-A14094D9BEEC}"/>
               </a:ext>
             </a:extLst>
           </p:cNvPr>
@@ -4601,7 +4710,7 @@
           <p:cNvPr id="1026" name="Picture 2" descr="Logo">
             <a:extLst>
               <a:ext uri="{FF2B5EF4-FFF2-40B4-BE49-F238E27FC236}">
-                <a16:creationId xmlns="" xmlns:a16="http://schemas.microsoft.com/office/drawing/2014/main" id="{3F2642E0-4F6A-4196-8F58-E77D36E9A33F}"/>
+                <a16:creationId xmlns:a16="http://schemas.microsoft.com/office/drawing/2014/main" xmlns="" id="{3F2642E0-4F6A-4196-8F58-E77D36E9A33F}"/>
               </a:ext>
             </a:extLst>
           </p:cNvPr>
@@ -4646,7 +4755,7 @@
           <p:cNvPr id="5122" name="Picture 2" descr="Image result for machine learning">
             <a:extLst>
               <a:ext uri="{FF2B5EF4-FFF2-40B4-BE49-F238E27FC236}">
-                <a16:creationId xmlns="" xmlns:a16="http://schemas.microsoft.com/office/drawing/2014/main" id="{810CE0A2-4102-44A6-A370-175E7896CDCB}"/>
+                <a16:creationId xmlns:a16="http://schemas.microsoft.com/office/drawing/2014/main" xmlns="" id="{810CE0A2-4102-44A6-A370-175E7896CDCB}"/>
               </a:ext>
             </a:extLst>
           </p:cNvPr>
@@ -4733,13 +4842,368 @@
           <a:p>
             <a:r>
               <a:rPr lang="pt-BR" dirty="0"/>
-              <a:t>Classificadores lineares com limiar de decisão rígido</a:t>
+              <a:t>Classificação com limiar de decisão rígido</a:t>
             </a:r>
+            <a:endParaRPr lang="pt-BR" dirty="0"/>
           </a:p>
         </p:txBody>
       </p:sp>
       <mc:AlternateContent xmlns:mc="http://schemas.openxmlformats.org/markup-compatibility/2006" xmlns:a14="http://schemas.microsoft.com/office/drawing/2010/main">
         <mc:Choice Requires="a14">
+          <p:sp>
+            <p:nvSpPr>
+              <p:cNvPr id="3" name="Content Placeholder 2"/>
+              <p:cNvSpPr>
+                <a:spLocks noGrp="1"/>
+              </p:cNvSpPr>
+              <p:nvPr>
+                <p:ph idx="1"/>
+              </p:nvPr>
+            </p:nvSpPr>
+            <p:spPr>
+              <a:xfrm>
+                <a:off x="838199" y="1911926"/>
+                <a:ext cx="11209421" cy="4946073"/>
+              </a:xfrm>
+            </p:spPr>
+            <p:txBody>
+              <a:bodyPr>
+                <a:normAutofit fontScale="85000" lnSpcReduction="20000"/>
+              </a:bodyPr>
+              <a:lstStyle/>
+              <a:p>
+                <a:r>
+                  <a:rPr lang="pt-BR" dirty="0" smtClean="0"/>
+                  <a:t>A </a:t>
+                </a:r>
+                <a:r>
+                  <a:rPr lang="pt-BR" b="1" i="1" dirty="0"/>
+                  <a:t>regra de aprendizagem do perceptron </a:t>
+                </a:r>
+                <a:r>
+                  <a:rPr lang="pt-BR" dirty="0"/>
+                  <a:t>converge para um </a:t>
+                </a:r>
+                <a:r>
+                  <a:rPr lang="pt-BR" b="1" i="1" dirty="0" smtClean="0"/>
+                  <a:t>separador perfeito</a:t>
+                </a:r>
+                <a:r>
+                  <a:rPr lang="pt-BR" dirty="0" smtClean="0"/>
+                  <a:t> quando:</a:t>
+                </a:r>
+              </a:p>
+              <a:p>
+                <a:pPr lvl="1">
+                  <a:buFont typeface="Wingdings" panose="05000000000000000000" pitchFamily="2" charset="2"/>
+                  <a:buChar char="§"/>
+                </a:pPr>
+                <a:r>
+                  <a:rPr lang="pt-BR" dirty="0"/>
+                  <a:t>A</a:t>
+                </a:r>
+                <a:r>
+                  <a:rPr lang="pt-BR" dirty="0" smtClean="0"/>
+                  <a:t>s classes são </a:t>
+                </a:r>
+                <a:r>
+                  <a:rPr lang="pt-BR" b="1" i="1" dirty="0"/>
+                  <a:t>suficientemente separadas </a:t>
+                </a:r>
+                <a:r>
+                  <a:rPr lang="pt-BR" dirty="0"/>
+                  <a:t>umas das </a:t>
+                </a:r>
+                <a:r>
+                  <a:rPr lang="pt-BR" dirty="0" smtClean="0"/>
+                  <a:t>outras, ou seja, não se sobrepõem.</a:t>
+                </a:r>
+              </a:p>
+              <a:p>
+                <a:pPr lvl="1">
+                  <a:buFont typeface="Wingdings" panose="05000000000000000000" pitchFamily="2" charset="2"/>
+                  <a:buChar char="§"/>
+                </a:pPr>
+                <a:r>
+                  <a:rPr lang="pt-BR" dirty="0" smtClean="0"/>
+                  <a:t>Existe uma </a:t>
+                </a:r>
+                <a:r>
+                  <a:rPr lang="pt-BR" b="1" i="1" dirty="0" smtClean="0"/>
+                  <a:t>função discriminante </a:t>
+                </a:r>
+                <a:r>
+                  <a:rPr lang="pt-BR" dirty="0" smtClean="0"/>
+                  <a:t>adequada para o problema, mesmo que não seja um </a:t>
+                </a:r>
+                <a:r>
+                  <a:rPr lang="pt-BR" b="1" i="1" dirty="0" smtClean="0"/>
+                  <a:t>hiperplano</a:t>
+                </a:r>
+                <a:r>
+                  <a:rPr lang="pt-BR" dirty="0" smtClean="0"/>
+                  <a:t>.</a:t>
+                </a:r>
+              </a:p>
+              <a:p>
+                <a:r>
+                  <a:rPr lang="pt-BR" b="1" i="1" dirty="0" smtClean="0"/>
+                  <a:t>Separador perfeito: </a:t>
+                </a:r>
+                <a:r>
+                  <a:rPr lang="pt-BR" dirty="0"/>
+                  <a:t>com erro </a:t>
+                </a:r>
+                <a:r>
+                  <a:rPr lang="pt-BR" dirty="0" smtClean="0"/>
+                  <a:t>de classificação igual </a:t>
+                </a:r>
+                <a:r>
+                  <a:rPr lang="pt-BR" dirty="0"/>
+                  <a:t>a </a:t>
+                </a:r>
+                <a:r>
+                  <a:rPr lang="pt-BR" dirty="0" smtClean="0"/>
+                  <a:t>zero, ou seja, todos os exemplos são perfeitamente classificados.</a:t>
+                </a:r>
+              </a:p>
+              <a:p>
+                <a:r>
+                  <a:rPr lang="pt-BR" dirty="0" smtClean="0"/>
+                  <a:t>Porém</a:t>
+                </a:r>
+                <a:r>
+                  <a:rPr lang="pt-BR" dirty="0"/>
+                  <a:t>, na prática essa situação não é muito comum.</a:t>
+                </a:r>
+              </a:p>
+              <a:p>
+                <a:r>
+                  <a:rPr lang="pt-BR" dirty="0"/>
+                  <a:t>Nesse caso, a </a:t>
+                </a:r>
+                <a:r>
+                  <a:rPr lang="pt-BR" b="1" i="1" dirty="0"/>
+                  <a:t>regra de aprendizagem do perceptron </a:t>
+                </a:r>
+                <a:r>
+                  <a:rPr lang="pt-BR" dirty="0"/>
+                  <a:t>falha em convergir para uma solução </a:t>
+                </a:r>
+                <a:r>
+                  <a:rPr lang="pt-BR" dirty="0" smtClean="0"/>
+                  <a:t>perfeita. </a:t>
+                </a:r>
+              </a:p>
+              <a:p>
+                <a:r>
+                  <a:rPr lang="pt-BR" dirty="0" smtClean="0"/>
+                  <a:t>Em </a:t>
+                </a:r>
+                <a:r>
+                  <a:rPr lang="pt-BR" dirty="0"/>
+                  <a:t>geral, essa regra não converge para uma solução estável para valores fixos do </a:t>
+                </a:r>
+                <a:r>
+                  <a:rPr lang="pt-BR" b="1" i="1" dirty="0"/>
+                  <a:t>passo de aprendizagem</a:t>
+                </a:r>
+                <a:r>
+                  <a:rPr lang="pt-BR" dirty="0"/>
+                  <a:t>, </a:t>
+                </a:r>
+                <a14:m>
+                  <m:oMath xmlns:m="http://schemas.openxmlformats.org/officeDocument/2006/math">
+                    <m:r>
+                      <a:rPr lang="pt-BR" i="1">
+                        <a:latin typeface="Cambria Math" panose="02040503050406030204" pitchFamily="18" charset="0"/>
+                        <a:ea typeface="Cambria Math" panose="02040503050406030204" pitchFamily="18" charset="0"/>
+                      </a:rPr>
+                      <m:t>𝛼</m:t>
+                    </m:r>
+                  </m:oMath>
+                </a14:m>
+                <a:r>
+                  <a:rPr lang="pt-BR" dirty="0"/>
+                  <a:t>, mas se </a:t>
+                </a:r>
+                <a14:m>
+                  <m:oMath xmlns:m="http://schemas.openxmlformats.org/officeDocument/2006/math">
+                    <m:r>
+                      <a:rPr lang="pt-BR" i="1">
+                        <a:latin typeface="Cambria Math" panose="02040503050406030204" pitchFamily="18" charset="0"/>
+                        <a:ea typeface="Cambria Math" panose="02040503050406030204" pitchFamily="18" charset="0"/>
+                      </a:rPr>
+                      <m:t>𝛼</m:t>
+                    </m:r>
+                  </m:oMath>
+                </a14:m>
+                <a:r>
+                  <a:rPr lang="pt-BR" dirty="0"/>
+                  <a:t> decresce de acordo com as iterações, então a regra tem uma chance de convergir para uma solução de erro mínimo quando os exemplos são apresentados de forma aleatória</a:t>
+                </a:r>
+                <a:r>
+                  <a:rPr lang="pt-BR" dirty="0" smtClean="0"/>
+                  <a:t>.</a:t>
+                </a:r>
+              </a:p>
+              <a:p>
+                <a:r>
+                  <a:rPr lang="pt-BR" dirty="0" smtClean="0"/>
+                  <a:t>Podemos também usar o </a:t>
+                </a:r>
+                <a:r>
+                  <a:rPr lang="pt-BR" b="1" i="1" dirty="0" smtClean="0"/>
+                  <a:t>early-stop</a:t>
+                </a:r>
+                <a:r>
+                  <a:rPr lang="pt-BR" dirty="0" smtClean="0"/>
+                  <a:t> e utilizar os </a:t>
+                </a:r>
+                <a:r>
+                  <a:rPr lang="pt-BR" b="1" i="1" dirty="0" smtClean="0"/>
+                  <a:t>pesos</a:t>
+                </a:r>
+                <a:r>
+                  <a:rPr lang="pt-BR" dirty="0" smtClean="0"/>
+                  <a:t> que resultaram no menor erro de validação.</a:t>
+                </a:r>
+                <a:endParaRPr lang="pt-BR" dirty="0"/>
+              </a:p>
+            </p:txBody>
+          </p:sp>
+        </mc:Choice>
+        <mc:Fallback xmlns="">
+          <p:sp>
+            <p:nvSpPr>
+              <p:cNvPr id="3" name="Content Placeholder 2"/>
+              <p:cNvSpPr>
+                <a:spLocks noGrp="1" noRot="1" noChangeAspect="1" noMove="1" noResize="1" noEditPoints="1" noAdjustHandles="1" noChangeArrowheads="1" noChangeShapeType="1" noTextEdit="1"/>
+              </p:cNvSpPr>
+              <p:nvPr>
+                <p:ph idx="1"/>
+              </p:nvPr>
+            </p:nvSpPr>
+            <p:spPr>
+              <a:xfrm>
+                <a:off x="838199" y="1911926"/>
+                <a:ext cx="11209421" cy="4946073"/>
+              </a:xfrm>
+              <a:blipFill rotWithShape="0">
+                <a:blip r:embed="rId3"/>
+                <a:stretch>
+                  <a:fillRect l="-707" t="-2836" r="-1142"/>
+                </a:stretch>
+              </a:blipFill>
+            </p:spPr>
+            <p:txBody>
+              <a:bodyPr/>
+              <a:lstStyle/>
+              <a:p>
+                <a:r>
+                  <a:rPr lang="pt-BR">
+                    <a:noFill/>
+                  </a:rPr>
+                  <a:t> </a:t>
+                </a:r>
+              </a:p>
+            </p:txBody>
+          </p:sp>
+        </mc:Fallback>
+      </mc:AlternateContent>
+      <p:sp>
+        <p:nvSpPr>
+          <p:cNvPr id="4" name="Rectangle 3"/>
+          <p:cNvSpPr/>
+          <p:nvPr/>
+        </p:nvSpPr>
+        <p:spPr>
+          <a:xfrm>
+            <a:off x="7472695" y="6519445"/>
+            <a:ext cx="4719305" cy="338554"/>
+          </a:xfrm>
+          <a:prstGeom prst="rect">
+            <a:avLst/>
+          </a:prstGeom>
+        </p:spPr>
+        <p:txBody>
+          <a:bodyPr wrap="none">
+            <a:spAutoFit/>
+          </a:bodyPr>
+          <a:lstStyle/>
+          <a:p>
+            <a:r>
+              <a:rPr lang="pt-BR" sz="1600" dirty="0" smtClean="0">
+                <a:hlinkClick r:id="rId4"/>
+              </a:rPr>
+              <a:t>Exemplo: classificador_linear_com_limiar_rigido.ipynb</a:t>
+            </a:r>
+            <a:endParaRPr lang="pt-BR" sz="1600" dirty="0"/>
+          </a:p>
+        </p:txBody>
+      </p:sp>
+    </p:spTree>
+    <p:extLst>
+      <p:ext uri="{BB962C8B-B14F-4D97-AF65-F5344CB8AC3E}">
+        <p14:creationId xmlns:p14="http://schemas.microsoft.com/office/powerpoint/2010/main" val="1865431314"/>
+      </p:ext>
+    </p:extLst>
+  </p:cSld>
+  <p:clrMapOvr>
+    <a:masterClrMapping/>
+  </p:clrMapOvr>
+  <p:timing>
+    <p:tnLst>
+      <p:par>
+        <p:cTn id="1" dur="indefinite" restart="never" nodeType="tmRoot"/>
+      </p:par>
+    </p:tnLst>
+  </p:timing>
+</p:sld>
+</file>
+
+<file path=ppt/slides/slide11.xml><?xml version="1.0" encoding="utf-8"?>
+<p:sld xmlns:a="http://schemas.openxmlformats.org/drawingml/2006/main" xmlns:r="http://schemas.openxmlformats.org/officeDocument/2006/relationships" xmlns:p="http://schemas.openxmlformats.org/presentationml/2006/main">
+  <p:cSld>
+    <p:spTree>
+      <p:nvGrpSpPr>
+        <p:cNvPr id="1" name=""/>
+        <p:cNvGrpSpPr/>
+        <p:nvPr/>
+      </p:nvGrpSpPr>
+      <p:grpSpPr>
+        <a:xfrm>
+          <a:off x="0" y="0"/>
+          <a:ext cx="0" cy="0"/>
+          <a:chOff x="0" y="0"/>
+          <a:chExt cx="0" cy="0"/>
+        </a:xfrm>
+      </p:grpSpPr>
+      <p:sp>
+        <p:nvSpPr>
+          <p:cNvPr id="2" name="Title 1"/>
+          <p:cNvSpPr>
+            <a:spLocks noGrp="1"/>
+          </p:cNvSpPr>
+          <p:nvPr>
+            <p:ph type="title"/>
+          </p:nvPr>
+        </p:nvSpPr>
+        <p:spPr/>
+        <p:txBody>
+          <a:bodyPr/>
+          <a:lstStyle/>
+          <a:p>
+            <a:r>
+              <a:rPr lang="pt-BR" dirty="0"/>
+              <a:t>Classificação com limiar de decisão rígido</a:t>
+            </a:r>
+            <a:endParaRPr lang="pt-BR" dirty="0"/>
+          </a:p>
+        </p:txBody>
+      </p:sp>
+      <mc:AlternateContent xmlns:mc="http://schemas.openxmlformats.org/markup-compatibility/2006">
+        <mc:Choice xmlns:a14="http://schemas.microsoft.com/office/drawing/2010/main" Requires="a14">
           <p:sp>
             <p:nvSpPr>
               <p:cNvPr id="3" name="Content Placeholder 2"/>
@@ -4792,7 +5256,15 @@
               <a:p>
                 <a:r>
                   <a:rPr lang="pt-BR" dirty="0" smtClean="0"/>
-                  <a:t>O classificador com limiar rígido, faria uma previsão completamente confiante pelo valor 1 para os dois pontos azuis e 0 para os dois triângulos vermelhos, mesmo eles tendo valores bem diferentes de </a:t>
+                  <a:t>O classificador com </a:t>
+                </a:r>
+                <a:r>
+                  <a:rPr lang="pt-BR" b="1" i="1" dirty="0" smtClean="0"/>
+                  <a:t>limiar rígido</a:t>
+                </a:r>
+                <a:r>
+                  <a:rPr lang="pt-BR" dirty="0" smtClean="0"/>
+                  <a:t>, faria uma previsão completamente confiante pelo valor 1 para os dois pontos azuis e 0 para os dois triângulos vermelhos, mesmo eles tendo valores bem diferentes de </a:t>
                 </a:r>
                 <a14:m>
                   <m:oMath xmlns:m="http://schemas.openxmlformats.org/officeDocument/2006/math">
@@ -4845,7 +5317,7 @@
             </p:txBody>
           </p:sp>
         </mc:Choice>
-        <mc:Fallback xmlns="">
+        <mc:Fallback>
           <p:sp>
             <p:nvSpPr>
               <p:cNvPr id="3" name="Content Placeholder 2"/>
@@ -5099,78 +5571,6 @@
 </p:sld>
 </file>
 
-<file path=ppt/slides/slide11.xml><?xml version="1.0" encoding="utf-8"?>
-<p:sld xmlns:a="http://schemas.openxmlformats.org/drawingml/2006/main" xmlns:r="http://schemas.openxmlformats.org/officeDocument/2006/relationships" xmlns:p="http://schemas.openxmlformats.org/presentationml/2006/main">
-  <p:cSld>
-    <p:spTree>
-      <p:nvGrpSpPr>
-        <p:cNvPr id="1" name=""/>
-        <p:cNvGrpSpPr/>
-        <p:nvPr/>
-      </p:nvGrpSpPr>
-      <p:grpSpPr>
-        <a:xfrm>
-          <a:off x="0" y="0"/>
-          <a:ext cx="0" cy="0"/>
-          <a:chOff x="0" y="0"/>
-          <a:chExt cx="0" cy="0"/>
-        </a:xfrm>
-      </p:grpSpPr>
-      <p:sp>
-        <p:nvSpPr>
-          <p:cNvPr id="2" name="Title 1"/>
-          <p:cNvSpPr>
-            <a:spLocks noGrp="1"/>
-          </p:cNvSpPr>
-          <p:nvPr>
-            <p:ph type="title"/>
-          </p:nvPr>
-        </p:nvSpPr>
-        <p:spPr/>
-        <p:txBody>
-          <a:bodyPr/>
-          <a:lstStyle/>
-          <a:p>
-            <a:r>
-              <a:rPr lang="pt-BR" dirty="0" smtClean="0"/>
-              <a:t>Truque do Kernel</a:t>
-            </a:r>
-            <a:endParaRPr lang="pt-BR" dirty="0"/>
-          </a:p>
-        </p:txBody>
-      </p:sp>
-      <p:sp>
-        <p:nvSpPr>
-          <p:cNvPr id="3" name="Content Placeholder 2"/>
-          <p:cNvSpPr>
-            <a:spLocks noGrp="1"/>
-          </p:cNvSpPr>
-          <p:nvPr>
-            <p:ph idx="1"/>
-          </p:nvPr>
-        </p:nvSpPr>
-        <p:spPr/>
-        <p:txBody>
-          <a:bodyPr/>
-          <a:lstStyle/>
-          <a:p>
-            <a:endParaRPr lang="pt-BR"/>
-          </a:p>
-        </p:txBody>
-      </p:sp>
-    </p:spTree>
-    <p:extLst>
-      <p:ext uri="{BB962C8B-B14F-4D97-AF65-F5344CB8AC3E}">
-        <p14:creationId xmlns:p14="http://schemas.microsoft.com/office/powerpoint/2010/main" val="806289443"/>
-      </p:ext>
-    </p:extLst>
-  </p:cSld>
-  <p:clrMapOvr>
-    <a:masterClrMapping/>
-  </p:clrMapOvr>
-</p:sld>
-</file>
-
 <file path=ppt/slides/slide12.xml><?xml version="1.0" encoding="utf-8"?>
 <p:sld xmlns:a="http://schemas.openxmlformats.org/drawingml/2006/main" xmlns:r="http://schemas.openxmlformats.org/officeDocument/2006/relationships" xmlns:p="http://schemas.openxmlformats.org/presentationml/2006/main">
   <p:cSld>
@@ -5377,7 +5777,7 @@
           <p:cNvPr id="4" name="Título 1">
             <a:extLst>
               <a:ext uri="{FF2B5EF4-FFF2-40B4-BE49-F238E27FC236}">
-                <a16:creationId xmlns="" xmlns:a16="http://schemas.microsoft.com/office/drawing/2014/main" id="{32666AC8-2E17-4DB4-B0F5-60C640CCFD2E}"/>
+                <a16:creationId xmlns:a16="http://schemas.microsoft.com/office/drawing/2014/main" xmlns="" id="{32666AC8-2E17-4DB4-B0F5-60C640CCFD2E}"/>
               </a:ext>
             </a:extLst>
           </p:cNvPr>
@@ -8178,11 +8578,7 @@
                 </a:r>
                 <a:r>
                   <a:rPr lang="pt-BR" dirty="0" smtClean="0"/>
-                  <a:t>s que usamos para definir as classes</a:t>
-                </a:r>
-                <a:r>
-                  <a:rPr lang="pt-BR" dirty="0" smtClean="0"/>
-                  <a:t>.</a:t>
+                  <a:t>s que usamos para definir as classes.</a:t>
                 </a:r>
               </a:p>
               <a:p>
@@ -8196,7 +8592,11 @@
                 </a:r>
                 <a:r>
                   <a:rPr lang="pt-BR" dirty="0" smtClean="0"/>
-                  <a:t>eram apenas formadas por equações de hiperplanos: </a:t>
+                  <a:t>são formadas </a:t>
+                </a:r>
+                <a:r>
+                  <a:rPr lang="pt-BR" dirty="0" smtClean="0"/>
+                  <a:t>por equações de hiperplanos: </a:t>
                 </a:r>
                 <a14:m>
                   <m:oMath xmlns:m="http://schemas.openxmlformats.org/officeDocument/2006/math">
@@ -8299,7 +8699,6 @@
                   <a:rPr lang="pt-BR" dirty="0" smtClean="0"/>
                   <a:t>.</a:t>
                 </a:r>
-                <a:endParaRPr lang="pt-BR" dirty="0" smtClean="0"/>
               </a:p>
               <a:p>
                 <a14:m>
@@ -8479,8 +8878,8 @@
           </a:p>
         </p:txBody>
       </p:sp>
-      <mc:AlternateContent xmlns:mc="http://schemas.openxmlformats.org/markup-compatibility/2006">
-        <mc:Choice xmlns:a14="http://schemas.microsoft.com/office/drawing/2010/main" Requires="a14">
+      <mc:AlternateContent xmlns:mc="http://schemas.openxmlformats.org/markup-compatibility/2006" xmlns:a14="http://schemas.microsoft.com/office/drawing/2010/main">
+        <mc:Choice Requires="a14">
           <p:sp>
             <p:nvSpPr>
               <p:cNvPr id="3" name="Content Placeholder 2"/>
@@ -9079,7 +9478,7 @@
             </p:txBody>
           </p:sp>
         </mc:Choice>
-        <mc:Fallback>
+        <mc:Fallback xmlns="">
           <p:sp>
             <p:nvSpPr>
               <p:cNvPr id="3" name="Content Placeholder 2"/>
@@ -9259,15 +9658,7 @@
             </a:r>
             <a:r>
               <a:rPr lang="pt-BR" sz="1100" dirty="0" smtClean="0"/>
-              <a:t>) </a:t>
-            </a:r>
-            <a:r>
-              <a:rPr lang="pt-BR" sz="1100" dirty="0" smtClean="0"/>
-              <a:t>&gt; </a:t>
-            </a:r>
-            <a:r>
-              <a:rPr lang="pt-BR" sz="1100" dirty="0" smtClean="0"/>
-              <a:t>0</a:t>
+              <a:t>) &gt; 0</a:t>
             </a:r>
             <a:endParaRPr lang="pt-BR" sz="1100" dirty="0"/>
           </a:p>
@@ -9448,6 +9839,1156 @@
 </file>
 
 <file path=ppt/slides/slide5.xml><?xml version="1.0" encoding="utf-8"?>
+<p:sld xmlns:a="http://schemas.openxmlformats.org/drawingml/2006/main" xmlns:r="http://schemas.openxmlformats.org/officeDocument/2006/relationships" xmlns:p="http://schemas.openxmlformats.org/presentationml/2006/main">
+  <p:cSld>
+    <p:spTree>
+      <p:nvGrpSpPr>
+        <p:cNvPr id="1" name=""/>
+        <p:cNvGrpSpPr/>
+        <p:nvPr/>
+      </p:nvGrpSpPr>
+      <p:grpSpPr>
+        <a:xfrm>
+          <a:off x="0" y="0"/>
+          <a:ext cx="0" cy="0"/>
+          <a:chOff x="0" y="0"/>
+          <a:chExt cx="0" cy="0"/>
+        </a:xfrm>
+      </p:grpSpPr>
+      <p:sp>
+        <p:nvSpPr>
+          <p:cNvPr id="2" name="Title 1"/>
+          <p:cNvSpPr>
+            <a:spLocks noGrp="1"/>
+          </p:cNvSpPr>
+          <p:nvPr>
+            <p:ph type="title"/>
+          </p:nvPr>
+        </p:nvSpPr>
+        <p:spPr/>
+        <p:txBody>
+          <a:bodyPr/>
+          <a:lstStyle/>
+          <a:p>
+            <a:r>
+              <a:rPr lang="pt-BR" dirty="0" smtClean="0"/>
+              <a:t>Classificação não-linear</a:t>
+            </a:r>
+            <a:endParaRPr lang="pt-BR" dirty="0"/>
+          </a:p>
+        </p:txBody>
+      </p:sp>
+      <mc:AlternateContent xmlns:mc="http://schemas.openxmlformats.org/markup-compatibility/2006">
+        <mc:Choice xmlns:a14="http://schemas.microsoft.com/office/drawing/2010/main" Requires="a14">
+          <p:sp>
+            <p:nvSpPr>
+              <p:cNvPr id="3" name="Content Placeholder 2"/>
+              <p:cNvSpPr>
+                <a:spLocks noGrp="1"/>
+              </p:cNvSpPr>
+              <p:nvPr>
+                <p:ph idx="1"/>
+              </p:nvPr>
+            </p:nvSpPr>
+            <p:spPr>
+              <a:xfrm>
+                <a:off x="838199" y="1825624"/>
+                <a:ext cx="11187545" cy="5032375"/>
+              </a:xfrm>
+            </p:spPr>
+            <p:txBody>
+              <a:bodyPr>
+                <a:normAutofit fontScale="85000" lnSpcReduction="20000"/>
+              </a:bodyPr>
+              <a:lstStyle/>
+              <a:p>
+                <a:r>
+                  <a:rPr lang="pt-BR" dirty="0" smtClean="0"/>
+                  <a:t>Originalmente, </a:t>
+                </a:r>
+                <a:r>
+                  <a:rPr lang="pt-BR" b="1" i="1" dirty="0" smtClean="0"/>
+                  <a:t>Classificação linear </a:t>
+                </a:r>
+                <a:r>
+                  <a:rPr lang="pt-BR" dirty="0" smtClean="0"/>
+                  <a:t>é </a:t>
+                </a:r>
+                <a:r>
+                  <a:rPr lang="pt-BR" dirty="0"/>
+                  <a:t>tradicionalmente </a:t>
+                </a:r>
+                <a:r>
+                  <a:rPr lang="pt-BR" dirty="0" smtClean="0"/>
+                  <a:t>usada quando as classes podem ser separadas por superfícies de decisão lineares. </a:t>
+                </a:r>
+              </a:p>
+              <a:p>
+                <a:r>
+                  <a:rPr lang="pt-BR" dirty="0" smtClean="0"/>
+                  <a:t>Ou seja, as </a:t>
+                </a:r>
+                <a:r>
+                  <a:rPr lang="pt-BR" b="1" i="1" dirty="0"/>
+                  <a:t>funções discriminantes </a:t>
+                </a:r>
+                <a:r>
+                  <a:rPr lang="pt-BR" dirty="0" smtClean="0"/>
+                  <a:t>são </a:t>
+                </a:r>
+                <a:r>
+                  <a:rPr lang="pt-BR" b="1" i="1" dirty="0" smtClean="0"/>
+                  <a:t>hiperplanos</a:t>
+                </a:r>
+                <a:r>
+                  <a:rPr lang="pt-BR" dirty="0"/>
+                  <a:t>: </a:t>
+                </a:r>
+                <a14:m>
+                  <m:oMath xmlns:m="http://schemas.openxmlformats.org/officeDocument/2006/math">
+                    <m:nary>
+                      <m:naryPr>
+                        <m:chr m:val="∑"/>
+                        <m:ctrlPr>
+                          <a:rPr lang="en-US" i="1">
+                            <a:latin typeface="Cambria Math" panose="02040503050406030204" pitchFamily="18" charset="0"/>
+                          </a:rPr>
+                        </m:ctrlPr>
+                      </m:naryPr>
+                      <m:sub>
+                        <m:r>
+                          <m:rPr>
+                            <m:brk m:alnAt="23"/>
+                          </m:rPr>
+                          <a:rPr lang="en-US" i="1">
+                            <a:latin typeface="Cambria Math" panose="02040503050406030204" pitchFamily="18" charset="0"/>
+                          </a:rPr>
+                          <m:t>𝑘</m:t>
+                        </m:r>
+                        <m:r>
+                          <a:rPr lang="en-US" i="1">
+                            <a:latin typeface="Cambria Math" panose="02040503050406030204" pitchFamily="18" charset="0"/>
+                          </a:rPr>
+                          <m:t>=</m:t>
+                        </m:r>
+                        <m:r>
+                          <a:rPr lang="pt-BR" i="1">
+                            <a:latin typeface="Cambria Math" panose="02040503050406030204" pitchFamily="18" charset="0"/>
+                          </a:rPr>
+                          <m:t>0</m:t>
+                        </m:r>
+                      </m:sub>
+                      <m:sup>
+                        <m:r>
+                          <a:rPr lang="en-US" i="1">
+                            <a:latin typeface="Cambria Math" panose="02040503050406030204" pitchFamily="18" charset="0"/>
+                          </a:rPr>
+                          <m:t>𝐾</m:t>
+                        </m:r>
+                      </m:sup>
+                      <m:e>
+                        <m:sSub>
+                          <m:sSubPr>
+                            <m:ctrlPr>
+                              <a:rPr lang="en-US" i="1">
+                                <a:latin typeface="Cambria Math" panose="02040503050406030204" pitchFamily="18" charset="0"/>
+                              </a:rPr>
+                            </m:ctrlPr>
+                          </m:sSubPr>
+                          <m:e>
+                            <m:r>
+                              <a:rPr lang="en-US" i="1">
+                                <a:latin typeface="Cambria Math" panose="02040503050406030204" pitchFamily="18" charset="0"/>
+                              </a:rPr>
+                              <m:t>𝑎</m:t>
+                            </m:r>
+                          </m:e>
+                          <m:sub>
+                            <m:r>
+                              <a:rPr lang="en-US" i="1">
+                                <a:latin typeface="Cambria Math" panose="02040503050406030204" pitchFamily="18" charset="0"/>
+                              </a:rPr>
+                              <m:t>𝑘</m:t>
+                            </m:r>
+                          </m:sub>
+                        </m:sSub>
+                        <m:sSub>
+                          <m:sSubPr>
+                            <m:ctrlPr>
+                              <a:rPr lang="en-US" i="1">
+                                <a:latin typeface="Cambria Math" panose="02040503050406030204" pitchFamily="18" charset="0"/>
+                              </a:rPr>
+                            </m:ctrlPr>
+                          </m:sSubPr>
+                          <m:e>
+                            <m:r>
+                              <a:rPr lang="en-US" i="1">
+                                <a:latin typeface="Cambria Math" panose="02040503050406030204" pitchFamily="18" charset="0"/>
+                              </a:rPr>
+                              <m:t>𝑥</m:t>
+                            </m:r>
+                          </m:e>
+                          <m:sub>
+                            <m:r>
+                              <a:rPr lang="en-US" i="1">
+                                <a:latin typeface="Cambria Math" panose="02040503050406030204" pitchFamily="18" charset="0"/>
+                              </a:rPr>
+                              <m:t>𝑘</m:t>
+                            </m:r>
+                          </m:sub>
+                        </m:sSub>
+                      </m:e>
+                    </m:nary>
+                  </m:oMath>
+                </a14:m>
+                <a:r>
+                  <a:rPr lang="pt-BR" dirty="0" smtClean="0"/>
+                  <a:t>.</a:t>
+                </a:r>
+              </a:p>
+              <a:p>
+                <a:r>
+                  <a:rPr lang="pt-BR" dirty="0" smtClean="0"/>
+                  <a:t>Mas e se não pudermos separar as classes com um </a:t>
+                </a:r>
+                <a:r>
+                  <a:rPr lang="pt-BR" b="1" i="1" dirty="0" smtClean="0"/>
+                  <a:t>hiperplano</a:t>
+                </a:r>
+                <a:r>
+                  <a:rPr lang="pt-BR" dirty="0" smtClean="0"/>
+                  <a:t>, ou seja, elas não são </a:t>
+                </a:r>
+                <a:r>
+                  <a:rPr lang="pt-BR" b="1" i="1" dirty="0" smtClean="0"/>
+                  <a:t>linearmente separáveis</a:t>
+                </a:r>
+                <a:r>
+                  <a:rPr lang="pt-BR" dirty="0" smtClean="0"/>
+                  <a:t>?</a:t>
+                </a:r>
+              </a:p>
+              <a:p>
+                <a:r>
+                  <a:rPr lang="pt-BR" dirty="0" smtClean="0"/>
+                  <a:t>Nestes casos, podemos usar </a:t>
+                </a:r>
+                <a:r>
+                  <a:rPr lang="pt-BR" b="1" i="1" dirty="0" smtClean="0"/>
+                  <a:t>funções discriminantes não-lineares</a:t>
+                </a:r>
+                <a:r>
+                  <a:rPr lang="pt-BR" dirty="0" smtClean="0"/>
+                  <a:t>, como, por exemplo </a:t>
+                </a:r>
+                <a:r>
+                  <a:rPr lang="pt-BR" b="1" i="1" dirty="0" smtClean="0"/>
+                  <a:t>polinômios</a:t>
+                </a:r>
+                <a:r>
+                  <a:rPr lang="pt-BR" dirty="0" smtClean="0"/>
+                  <a:t>:</a:t>
+                </a:r>
+              </a:p>
+              <a:p>
+                <a:pPr lvl="1">
+                  <a:buFont typeface="Wingdings" panose="05000000000000000000" pitchFamily="2" charset="2"/>
+                  <a:buChar char="§"/>
+                </a:pPr>
+                <a14:m>
+                  <m:oMath xmlns:m="http://schemas.openxmlformats.org/officeDocument/2006/math">
+                    <m:r>
+                      <a:rPr lang="pt-BR" b="0" i="1" smtClean="0">
+                        <a:latin typeface="Cambria Math" panose="02040503050406030204" pitchFamily="18" charset="0"/>
+                      </a:rPr>
+                      <m:t>𝑔</m:t>
+                    </m:r>
+                    <m:d>
+                      <m:dPr>
+                        <m:ctrlPr>
+                          <a:rPr lang="pt-BR" b="0" i="1" smtClean="0">
+                            <a:latin typeface="Cambria Math" panose="02040503050406030204" pitchFamily="18" charset="0"/>
+                          </a:rPr>
+                        </m:ctrlPr>
+                      </m:dPr>
+                      <m:e>
+                        <m:r>
+                          <a:rPr lang="pt-BR" b="1" i="1" smtClean="0">
+                            <a:latin typeface="Cambria Math" panose="02040503050406030204" pitchFamily="18" charset="0"/>
+                          </a:rPr>
+                          <m:t>𝒙</m:t>
+                        </m:r>
+                      </m:e>
+                    </m:d>
+                    <m:r>
+                      <a:rPr lang="pt-BR" b="0" i="1" smtClean="0">
+                        <a:latin typeface="Cambria Math" panose="02040503050406030204" pitchFamily="18" charset="0"/>
+                      </a:rPr>
+                      <m:t>=</m:t>
+                    </m:r>
+                    <m:sSup>
+                      <m:sSupPr>
+                        <m:ctrlPr>
+                          <a:rPr lang="pt-BR" b="0" i="1" smtClean="0">
+                            <a:latin typeface="Cambria Math" panose="02040503050406030204" pitchFamily="18" charset="0"/>
+                          </a:rPr>
+                        </m:ctrlPr>
+                      </m:sSupPr>
+                      <m:e>
+                        <m:d>
+                          <m:dPr>
+                            <m:ctrlPr>
+                              <a:rPr lang="pt-BR" b="0" i="1" smtClean="0">
+                                <a:latin typeface="Cambria Math" panose="02040503050406030204" pitchFamily="18" charset="0"/>
+                              </a:rPr>
+                            </m:ctrlPr>
+                          </m:dPr>
+                          <m:e>
+                            <m:sSub>
+                              <m:sSubPr>
+                                <m:ctrlPr>
+                                  <a:rPr lang="pt-BR" b="0" i="1" smtClean="0">
+                                    <a:latin typeface="Cambria Math" panose="02040503050406030204" pitchFamily="18" charset="0"/>
+                                  </a:rPr>
+                                </m:ctrlPr>
+                              </m:sSubPr>
+                              <m:e>
+                                <m:r>
+                                  <a:rPr lang="pt-BR" b="0" i="1" smtClean="0">
+                                    <a:latin typeface="Cambria Math" panose="02040503050406030204" pitchFamily="18" charset="0"/>
+                                  </a:rPr>
+                                  <m:t>𝑥</m:t>
+                                </m:r>
+                              </m:e>
+                              <m:sub>
+                                <m:r>
+                                  <a:rPr lang="pt-BR" b="0" i="1" smtClean="0">
+                                    <a:latin typeface="Cambria Math" panose="02040503050406030204" pitchFamily="18" charset="0"/>
+                                  </a:rPr>
+                                  <m:t>1</m:t>
+                                </m:r>
+                              </m:sub>
+                            </m:sSub>
+                            <m:r>
+                              <a:rPr lang="pt-BR" b="0" i="1" smtClean="0">
+                                <a:latin typeface="Cambria Math" panose="02040503050406030204" pitchFamily="18" charset="0"/>
+                              </a:rPr>
+                              <m:t>−</m:t>
+                            </m:r>
+                            <m:r>
+                              <a:rPr lang="pt-BR" b="0" i="1" smtClean="0">
+                                <a:latin typeface="Cambria Math" panose="02040503050406030204" pitchFamily="18" charset="0"/>
+                              </a:rPr>
+                              <m:t>𝑎</m:t>
+                            </m:r>
+                          </m:e>
+                        </m:d>
+                      </m:e>
+                      <m:sup>
+                        <m:r>
+                          <a:rPr lang="pt-BR" b="0" i="1" smtClean="0">
+                            <a:latin typeface="Cambria Math" panose="02040503050406030204" pitchFamily="18" charset="0"/>
+                          </a:rPr>
+                          <m:t>2</m:t>
+                        </m:r>
+                      </m:sup>
+                    </m:sSup>
+                    <m:r>
+                      <a:rPr lang="pt-BR" b="0" i="1" smtClean="0">
+                        <a:latin typeface="Cambria Math" panose="02040503050406030204" pitchFamily="18" charset="0"/>
+                      </a:rPr>
+                      <m:t>+</m:t>
+                    </m:r>
+                    <m:sSup>
+                      <m:sSupPr>
+                        <m:ctrlPr>
+                          <a:rPr lang="pt-BR" i="1">
+                            <a:latin typeface="Cambria Math" panose="02040503050406030204" pitchFamily="18" charset="0"/>
+                          </a:rPr>
+                        </m:ctrlPr>
+                      </m:sSupPr>
+                      <m:e>
+                        <m:d>
+                          <m:dPr>
+                            <m:ctrlPr>
+                              <a:rPr lang="pt-BR" i="1">
+                                <a:latin typeface="Cambria Math" panose="02040503050406030204" pitchFamily="18" charset="0"/>
+                              </a:rPr>
+                            </m:ctrlPr>
+                          </m:dPr>
+                          <m:e>
+                            <m:sSub>
+                              <m:sSubPr>
+                                <m:ctrlPr>
+                                  <a:rPr lang="pt-BR" i="1">
+                                    <a:latin typeface="Cambria Math" panose="02040503050406030204" pitchFamily="18" charset="0"/>
+                                  </a:rPr>
+                                </m:ctrlPr>
+                              </m:sSubPr>
+                              <m:e>
+                                <m:r>
+                                  <a:rPr lang="pt-BR" i="1">
+                                    <a:latin typeface="Cambria Math" panose="02040503050406030204" pitchFamily="18" charset="0"/>
+                                  </a:rPr>
+                                  <m:t>𝑥</m:t>
+                                </m:r>
+                              </m:e>
+                              <m:sub>
+                                <m:r>
+                                  <a:rPr lang="pt-BR" b="0" i="1" smtClean="0">
+                                    <a:latin typeface="Cambria Math" panose="02040503050406030204" pitchFamily="18" charset="0"/>
+                                  </a:rPr>
+                                  <m:t>2</m:t>
+                                </m:r>
+                              </m:sub>
+                            </m:sSub>
+                            <m:r>
+                              <a:rPr lang="pt-BR" i="1">
+                                <a:latin typeface="Cambria Math" panose="02040503050406030204" pitchFamily="18" charset="0"/>
+                              </a:rPr>
+                              <m:t>−</m:t>
+                            </m:r>
+                            <m:r>
+                              <a:rPr lang="pt-BR" b="0" i="1" smtClean="0">
+                                <a:latin typeface="Cambria Math" panose="02040503050406030204" pitchFamily="18" charset="0"/>
+                              </a:rPr>
+                              <m:t>𝑏</m:t>
+                            </m:r>
+                          </m:e>
+                        </m:d>
+                      </m:e>
+                      <m:sup>
+                        <m:r>
+                          <a:rPr lang="pt-BR" i="1">
+                            <a:latin typeface="Cambria Math" panose="02040503050406030204" pitchFamily="18" charset="0"/>
+                          </a:rPr>
+                          <m:t>2</m:t>
+                        </m:r>
+                      </m:sup>
+                    </m:sSup>
+                    <m:r>
+                      <a:rPr lang="pt-BR" b="0" i="1" smtClean="0">
+                        <a:latin typeface="Cambria Math" panose="02040503050406030204" pitchFamily="18" charset="0"/>
+                      </a:rPr>
+                      <m:t>−</m:t>
+                    </m:r>
+                    <m:sSup>
+                      <m:sSupPr>
+                        <m:ctrlPr>
+                          <a:rPr lang="pt-BR" b="0" i="1" smtClean="0">
+                            <a:latin typeface="Cambria Math" panose="02040503050406030204" pitchFamily="18" charset="0"/>
+                          </a:rPr>
+                        </m:ctrlPr>
+                      </m:sSupPr>
+                      <m:e>
+                        <m:r>
+                          <a:rPr lang="pt-BR" b="0" i="1" smtClean="0">
+                            <a:latin typeface="Cambria Math" panose="02040503050406030204" pitchFamily="18" charset="0"/>
+                          </a:rPr>
+                          <m:t>𝑟</m:t>
+                        </m:r>
+                      </m:e>
+                      <m:sup>
+                        <m:r>
+                          <a:rPr lang="pt-BR" b="0" i="1" smtClean="0">
+                            <a:latin typeface="Cambria Math" panose="02040503050406030204" pitchFamily="18" charset="0"/>
+                          </a:rPr>
+                          <m:t>2</m:t>
+                        </m:r>
+                      </m:sup>
+                    </m:sSup>
+                    <m:r>
+                      <a:rPr lang="pt-BR" b="0" i="0" smtClean="0">
+                        <a:latin typeface="Cambria Math" panose="02040503050406030204" pitchFamily="18" charset="0"/>
+                      </a:rPr>
+                      <m:t>,</m:t>
+                    </m:r>
+                  </m:oMath>
+                </a14:m>
+                <a:r>
+                  <a:rPr lang="pt-BR" dirty="0" smtClean="0"/>
+                  <a:t> Círculo centrado em </a:t>
+                </a:r>
+                <a14:m>
+                  <m:oMath xmlns:m="http://schemas.openxmlformats.org/officeDocument/2006/math">
+                    <m:d>
+                      <m:dPr>
+                        <m:ctrlPr>
+                          <a:rPr lang="pt-BR" i="1" smtClean="0">
+                            <a:latin typeface="Cambria Math" panose="02040503050406030204" pitchFamily="18" charset="0"/>
+                          </a:rPr>
+                        </m:ctrlPr>
+                      </m:dPr>
+                      <m:e>
+                        <m:r>
+                          <a:rPr lang="pt-BR" b="0" i="1" smtClean="0">
+                            <a:latin typeface="Cambria Math" panose="02040503050406030204" pitchFamily="18" charset="0"/>
+                          </a:rPr>
+                          <m:t>𝑎</m:t>
+                        </m:r>
+                        <m:r>
+                          <a:rPr lang="pt-BR" b="0" i="1" smtClean="0">
+                            <a:latin typeface="Cambria Math" panose="02040503050406030204" pitchFamily="18" charset="0"/>
+                          </a:rPr>
+                          <m:t>,</m:t>
+                        </m:r>
+                        <m:r>
+                          <a:rPr lang="pt-BR" b="0" i="1" smtClean="0">
+                            <a:latin typeface="Cambria Math" panose="02040503050406030204" pitchFamily="18" charset="0"/>
+                          </a:rPr>
+                          <m:t>𝑏</m:t>
+                        </m:r>
+                      </m:e>
+                    </m:d>
+                  </m:oMath>
+                </a14:m>
+                <a:r>
+                  <a:rPr lang="pt-BR" dirty="0" smtClean="0"/>
+                  <a:t> e raio </a:t>
+                </a:r>
+                <a14:m>
+                  <m:oMath xmlns:m="http://schemas.openxmlformats.org/officeDocument/2006/math">
+                    <m:r>
+                      <a:rPr lang="pt-BR" b="0" i="1" smtClean="0">
+                        <a:latin typeface="Cambria Math" panose="02040503050406030204" pitchFamily="18" charset="0"/>
+                      </a:rPr>
+                      <m:t>𝑟</m:t>
+                    </m:r>
+                  </m:oMath>
+                </a14:m>
+                <a:r>
+                  <a:rPr lang="pt-BR" dirty="0" smtClean="0"/>
+                  <a:t>.</a:t>
+                </a:r>
+              </a:p>
+              <a:p>
+                <a:pPr lvl="1">
+                  <a:buFont typeface="Wingdings" panose="05000000000000000000" pitchFamily="2" charset="2"/>
+                  <a:buChar char="§"/>
+                </a:pPr>
+                <a14:m>
+                  <m:oMath xmlns:m="http://schemas.openxmlformats.org/officeDocument/2006/math">
+                    <m:r>
+                      <a:rPr lang="pt-BR" i="1">
+                        <a:latin typeface="Cambria Math" panose="02040503050406030204" pitchFamily="18" charset="0"/>
+                      </a:rPr>
+                      <m:t>𝑔</m:t>
+                    </m:r>
+                    <m:d>
+                      <m:dPr>
+                        <m:ctrlPr>
+                          <a:rPr lang="pt-BR" i="1">
+                            <a:latin typeface="Cambria Math" panose="02040503050406030204" pitchFamily="18" charset="0"/>
+                          </a:rPr>
+                        </m:ctrlPr>
+                      </m:dPr>
+                      <m:e>
+                        <m:r>
+                          <a:rPr lang="pt-BR" b="1" i="1">
+                            <a:latin typeface="Cambria Math" panose="02040503050406030204" pitchFamily="18" charset="0"/>
+                          </a:rPr>
+                          <m:t>𝒙</m:t>
+                        </m:r>
+                      </m:e>
+                    </m:d>
+                    <m:r>
+                      <a:rPr lang="pt-BR" i="1">
+                        <a:latin typeface="Cambria Math" panose="02040503050406030204" pitchFamily="18" charset="0"/>
+                      </a:rPr>
+                      <m:t>=</m:t>
+                    </m:r>
+                    <m:f>
+                      <m:fPr>
+                        <m:ctrlPr>
+                          <a:rPr lang="pt-BR" i="1" smtClean="0">
+                            <a:latin typeface="Cambria Math" panose="02040503050406030204" pitchFamily="18" charset="0"/>
+                          </a:rPr>
+                        </m:ctrlPr>
+                      </m:fPr>
+                      <m:num>
+                        <m:sSup>
+                          <m:sSupPr>
+                            <m:ctrlPr>
+                              <a:rPr lang="pt-BR" i="1">
+                                <a:latin typeface="Cambria Math" panose="02040503050406030204" pitchFamily="18" charset="0"/>
+                              </a:rPr>
+                            </m:ctrlPr>
+                          </m:sSupPr>
+                          <m:e>
+                            <m:d>
+                              <m:dPr>
+                                <m:ctrlPr>
+                                  <a:rPr lang="pt-BR" i="1">
+                                    <a:latin typeface="Cambria Math" panose="02040503050406030204" pitchFamily="18" charset="0"/>
+                                  </a:rPr>
+                                </m:ctrlPr>
+                              </m:dPr>
+                              <m:e>
+                                <m:sSub>
+                                  <m:sSubPr>
+                                    <m:ctrlPr>
+                                      <a:rPr lang="pt-BR" i="1">
+                                        <a:latin typeface="Cambria Math" panose="02040503050406030204" pitchFamily="18" charset="0"/>
+                                      </a:rPr>
+                                    </m:ctrlPr>
+                                  </m:sSubPr>
+                                  <m:e>
+                                    <m:r>
+                                      <a:rPr lang="pt-BR" i="1">
+                                        <a:latin typeface="Cambria Math" panose="02040503050406030204" pitchFamily="18" charset="0"/>
+                                      </a:rPr>
+                                      <m:t>𝑥</m:t>
+                                    </m:r>
+                                  </m:e>
+                                  <m:sub>
+                                    <m:r>
+                                      <a:rPr lang="pt-BR" i="1">
+                                        <a:latin typeface="Cambria Math" panose="02040503050406030204" pitchFamily="18" charset="0"/>
+                                      </a:rPr>
+                                      <m:t>1</m:t>
+                                    </m:r>
+                                  </m:sub>
+                                </m:sSub>
+                                <m:r>
+                                  <a:rPr lang="pt-BR" i="1">
+                                    <a:latin typeface="Cambria Math" panose="02040503050406030204" pitchFamily="18" charset="0"/>
+                                  </a:rPr>
+                                  <m:t>−</m:t>
+                                </m:r>
+                                <m:r>
+                                  <a:rPr lang="pt-BR" i="1">
+                                    <a:latin typeface="Cambria Math" panose="02040503050406030204" pitchFamily="18" charset="0"/>
+                                  </a:rPr>
+                                  <m:t>𝑎</m:t>
+                                </m:r>
+                              </m:e>
+                            </m:d>
+                          </m:e>
+                          <m:sup>
+                            <m:r>
+                              <a:rPr lang="pt-BR" i="1">
+                                <a:latin typeface="Cambria Math" panose="02040503050406030204" pitchFamily="18" charset="0"/>
+                              </a:rPr>
+                              <m:t>2</m:t>
+                            </m:r>
+                          </m:sup>
+                        </m:sSup>
+                      </m:num>
+                      <m:den>
+                        <m:sSup>
+                          <m:sSupPr>
+                            <m:ctrlPr>
+                              <a:rPr lang="pt-BR" i="1" smtClean="0">
+                                <a:latin typeface="Cambria Math" panose="02040503050406030204" pitchFamily="18" charset="0"/>
+                              </a:rPr>
+                            </m:ctrlPr>
+                          </m:sSupPr>
+                          <m:e>
+                            <m:r>
+                              <a:rPr lang="pt-BR" b="0" i="1" smtClean="0">
+                                <a:latin typeface="Cambria Math" panose="02040503050406030204" pitchFamily="18" charset="0"/>
+                              </a:rPr>
+                              <m:t>𝑐</m:t>
+                            </m:r>
+                          </m:e>
+                          <m:sup>
+                            <m:r>
+                              <a:rPr lang="pt-BR" b="0" i="1" smtClean="0">
+                                <a:latin typeface="Cambria Math" panose="02040503050406030204" pitchFamily="18" charset="0"/>
+                              </a:rPr>
+                              <m:t>2</m:t>
+                            </m:r>
+                          </m:sup>
+                        </m:sSup>
+                      </m:den>
+                    </m:f>
+                    <m:r>
+                      <a:rPr lang="pt-BR" b="0" i="1" smtClean="0">
+                        <a:latin typeface="Cambria Math" panose="02040503050406030204" pitchFamily="18" charset="0"/>
+                      </a:rPr>
+                      <m:t>+</m:t>
+                    </m:r>
+                    <m:f>
+                      <m:fPr>
+                        <m:ctrlPr>
+                          <a:rPr lang="pt-BR" i="1">
+                            <a:latin typeface="Cambria Math" panose="02040503050406030204" pitchFamily="18" charset="0"/>
+                          </a:rPr>
+                        </m:ctrlPr>
+                      </m:fPr>
+                      <m:num>
+                        <m:sSup>
+                          <m:sSupPr>
+                            <m:ctrlPr>
+                              <a:rPr lang="pt-BR" i="1">
+                                <a:latin typeface="Cambria Math" panose="02040503050406030204" pitchFamily="18" charset="0"/>
+                              </a:rPr>
+                            </m:ctrlPr>
+                          </m:sSupPr>
+                          <m:e>
+                            <m:d>
+                              <m:dPr>
+                                <m:ctrlPr>
+                                  <a:rPr lang="pt-BR" i="1">
+                                    <a:latin typeface="Cambria Math" panose="02040503050406030204" pitchFamily="18" charset="0"/>
+                                  </a:rPr>
+                                </m:ctrlPr>
+                              </m:dPr>
+                              <m:e>
+                                <m:sSub>
+                                  <m:sSubPr>
+                                    <m:ctrlPr>
+                                      <a:rPr lang="pt-BR" i="1" smtClean="0">
+                                        <a:latin typeface="Cambria Math" panose="02040503050406030204" pitchFamily="18" charset="0"/>
+                                      </a:rPr>
+                                    </m:ctrlPr>
+                                  </m:sSubPr>
+                                  <m:e>
+                                    <m:r>
+                                      <a:rPr lang="pt-BR" i="1">
+                                        <a:latin typeface="Cambria Math" panose="02040503050406030204" pitchFamily="18" charset="0"/>
+                                      </a:rPr>
+                                      <m:t>𝑥</m:t>
+                                    </m:r>
+                                  </m:e>
+                                  <m:sub>
+                                    <m:r>
+                                      <a:rPr lang="pt-BR" b="0" i="1" smtClean="0">
+                                        <a:latin typeface="Cambria Math" panose="02040503050406030204" pitchFamily="18" charset="0"/>
+                                      </a:rPr>
+                                      <m:t>2</m:t>
+                                    </m:r>
+                                  </m:sub>
+                                </m:sSub>
+                                <m:r>
+                                  <a:rPr lang="pt-BR" i="1">
+                                    <a:latin typeface="Cambria Math" panose="02040503050406030204" pitchFamily="18" charset="0"/>
+                                  </a:rPr>
+                                  <m:t>−</m:t>
+                                </m:r>
+                                <m:r>
+                                  <a:rPr lang="pt-BR" b="0" i="1" smtClean="0">
+                                    <a:latin typeface="Cambria Math" panose="02040503050406030204" pitchFamily="18" charset="0"/>
+                                  </a:rPr>
+                                  <m:t>𝑏</m:t>
+                                </m:r>
+                              </m:e>
+                            </m:d>
+                          </m:e>
+                          <m:sup>
+                            <m:r>
+                              <a:rPr lang="pt-BR" i="1">
+                                <a:latin typeface="Cambria Math" panose="02040503050406030204" pitchFamily="18" charset="0"/>
+                              </a:rPr>
+                              <m:t>2</m:t>
+                            </m:r>
+                          </m:sup>
+                        </m:sSup>
+                      </m:num>
+                      <m:den>
+                        <m:sSup>
+                          <m:sSupPr>
+                            <m:ctrlPr>
+                              <a:rPr lang="pt-BR" i="1" smtClean="0">
+                                <a:latin typeface="Cambria Math" panose="02040503050406030204" pitchFamily="18" charset="0"/>
+                              </a:rPr>
+                            </m:ctrlPr>
+                          </m:sSupPr>
+                          <m:e>
+                            <m:r>
+                              <a:rPr lang="pt-BR" b="0" i="1" smtClean="0">
+                                <a:latin typeface="Cambria Math" panose="02040503050406030204" pitchFamily="18" charset="0"/>
+                              </a:rPr>
+                              <m:t>𝑑</m:t>
+                            </m:r>
+                          </m:e>
+                          <m:sup>
+                            <m:r>
+                              <a:rPr lang="pt-BR" b="0" i="1" smtClean="0">
+                                <a:latin typeface="Cambria Math" panose="02040503050406030204" pitchFamily="18" charset="0"/>
+                              </a:rPr>
+                              <m:t>2</m:t>
+                            </m:r>
+                          </m:sup>
+                        </m:sSup>
+                      </m:den>
+                    </m:f>
+                    <m:r>
+                      <a:rPr lang="pt-BR" b="0" i="1" smtClean="0">
+                        <a:latin typeface="Cambria Math" panose="02040503050406030204" pitchFamily="18" charset="0"/>
+                      </a:rPr>
+                      <m:t>−1,</m:t>
+                    </m:r>
+                  </m:oMath>
+                </a14:m>
+                <a:r>
+                  <a:rPr lang="pt-BR" dirty="0" smtClean="0"/>
+                  <a:t> Elipse centrada </a:t>
+                </a:r>
+                <a:r>
+                  <a:rPr lang="pt-BR" dirty="0"/>
+                  <a:t>em </a:t>
+                </a:r>
+                <a14:m>
+                  <m:oMath xmlns:m="http://schemas.openxmlformats.org/officeDocument/2006/math">
+                    <m:d>
+                      <m:dPr>
+                        <m:ctrlPr>
+                          <a:rPr lang="pt-BR" i="1">
+                            <a:latin typeface="Cambria Math" panose="02040503050406030204" pitchFamily="18" charset="0"/>
+                          </a:rPr>
+                        </m:ctrlPr>
+                      </m:dPr>
+                      <m:e>
+                        <m:r>
+                          <a:rPr lang="pt-BR" i="1">
+                            <a:latin typeface="Cambria Math" panose="02040503050406030204" pitchFamily="18" charset="0"/>
+                          </a:rPr>
+                          <m:t>𝑎</m:t>
+                        </m:r>
+                        <m:r>
+                          <a:rPr lang="pt-BR" i="1">
+                            <a:latin typeface="Cambria Math" panose="02040503050406030204" pitchFamily="18" charset="0"/>
+                          </a:rPr>
+                          <m:t>,</m:t>
+                        </m:r>
+                        <m:r>
+                          <a:rPr lang="pt-BR" i="1">
+                            <a:latin typeface="Cambria Math" panose="02040503050406030204" pitchFamily="18" charset="0"/>
+                          </a:rPr>
+                          <m:t>𝑏</m:t>
+                        </m:r>
+                      </m:e>
+                    </m:d>
+                  </m:oMath>
+                </a14:m>
+                <a:r>
+                  <a:rPr lang="pt-BR" dirty="0" smtClean="0"/>
+                  <a:t>, </a:t>
+                </a:r>
+                <a:r>
+                  <a:rPr lang="pt-BR" dirty="0"/>
+                  <a:t>largura </a:t>
+                </a:r>
+                <a14:m>
+                  <m:oMath xmlns:m="http://schemas.openxmlformats.org/officeDocument/2006/math">
+                    <m:r>
+                      <a:rPr lang="pt-BR" b="0" i="1" smtClean="0">
+                        <a:latin typeface="Cambria Math" panose="02040503050406030204" pitchFamily="18" charset="0"/>
+                      </a:rPr>
+                      <m:t>2</m:t>
+                    </m:r>
+                    <m:r>
+                      <a:rPr lang="pt-BR" b="0" i="1" smtClean="0">
+                        <a:latin typeface="Cambria Math" panose="02040503050406030204" pitchFamily="18" charset="0"/>
+                      </a:rPr>
+                      <m:t>𝑐</m:t>
+                    </m:r>
+                  </m:oMath>
+                </a14:m>
+                <a:r>
+                  <a:rPr lang="pt-BR" dirty="0" smtClean="0"/>
+                  <a:t> </a:t>
+                </a:r>
+                <a:r>
+                  <a:rPr lang="pt-BR" dirty="0"/>
+                  <a:t>e altura </a:t>
+                </a:r>
+                <a14:m>
+                  <m:oMath xmlns:m="http://schemas.openxmlformats.org/officeDocument/2006/math">
+                    <m:r>
+                      <a:rPr lang="pt-BR" i="1">
+                        <a:latin typeface="Cambria Math" panose="02040503050406030204" pitchFamily="18" charset="0"/>
+                      </a:rPr>
+                      <m:t>2</m:t>
+                    </m:r>
+                    <m:r>
+                      <a:rPr lang="pt-BR" b="0" i="1" smtClean="0">
+                        <a:latin typeface="Cambria Math" panose="02040503050406030204" pitchFamily="18" charset="0"/>
+                      </a:rPr>
+                      <m:t>𝑑</m:t>
+                    </m:r>
+                  </m:oMath>
+                </a14:m>
+                <a:r>
+                  <a:rPr lang="pt-BR" dirty="0" smtClean="0"/>
+                  <a:t>.</a:t>
+                </a:r>
+              </a:p>
+              <a:p>
+                <a:pPr lvl="1">
+                  <a:buFont typeface="Wingdings" panose="05000000000000000000" pitchFamily="2" charset="2"/>
+                  <a:buChar char="§"/>
+                </a:pPr>
+                <a14:m>
+                  <m:oMath xmlns:m="http://schemas.openxmlformats.org/officeDocument/2006/math">
+                    <m:r>
+                      <a:rPr lang="pt-BR" i="1">
+                        <a:latin typeface="Cambria Math" panose="02040503050406030204" pitchFamily="18" charset="0"/>
+                      </a:rPr>
+                      <m:t>𝑔</m:t>
+                    </m:r>
+                    <m:d>
+                      <m:dPr>
+                        <m:ctrlPr>
+                          <a:rPr lang="pt-BR" i="1">
+                            <a:latin typeface="Cambria Math" panose="02040503050406030204" pitchFamily="18" charset="0"/>
+                          </a:rPr>
+                        </m:ctrlPr>
+                      </m:dPr>
+                      <m:e>
+                        <m:r>
+                          <a:rPr lang="pt-BR" b="1" i="1">
+                            <a:latin typeface="Cambria Math" panose="02040503050406030204" pitchFamily="18" charset="0"/>
+                          </a:rPr>
+                          <m:t>𝒙</m:t>
+                        </m:r>
+                      </m:e>
+                    </m:d>
+                    <m:r>
+                      <a:rPr lang="pt-BR" i="1">
+                        <a:latin typeface="Cambria Math" panose="02040503050406030204" pitchFamily="18" charset="0"/>
+                      </a:rPr>
+                      <m:t>=</m:t>
+                    </m:r>
+                    <m:sSub>
+                      <m:sSubPr>
+                        <m:ctrlPr>
+                          <a:rPr lang="pt-BR" i="1">
+                            <a:latin typeface="Cambria Math" panose="02040503050406030204" pitchFamily="18" charset="0"/>
+                          </a:rPr>
+                        </m:ctrlPr>
+                      </m:sSubPr>
+                      <m:e>
+                        <m:r>
+                          <a:rPr lang="pt-BR" b="0" i="1" smtClean="0">
+                            <a:latin typeface="Cambria Math" panose="02040503050406030204" pitchFamily="18" charset="0"/>
+                          </a:rPr>
+                          <m:t>(</m:t>
+                        </m:r>
+                        <m:r>
+                          <a:rPr lang="pt-BR" i="1">
+                            <a:latin typeface="Cambria Math" panose="02040503050406030204" pitchFamily="18" charset="0"/>
+                          </a:rPr>
+                          <m:t>𝑥</m:t>
+                        </m:r>
+                      </m:e>
+                      <m:sub>
+                        <m:r>
+                          <a:rPr lang="pt-BR" i="1">
+                            <a:latin typeface="Cambria Math" panose="02040503050406030204" pitchFamily="18" charset="0"/>
+                          </a:rPr>
+                          <m:t>1</m:t>
+                        </m:r>
+                      </m:sub>
+                    </m:sSub>
+                    <m:r>
+                      <a:rPr lang="pt-BR" b="0" i="1" smtClean="0">
+                        <a:latin typeface="Cambria Math" panose="02040503050406030204" pitchFamily="18" charset="0"/>
+                      </a:rPr>
+                      <m:t>− </m:t>
+                    </m:r>
+                    <m:r>
+                      <a:rPr lang="pt-BR" b="0" i="1" smtClean="0">
+                        <a:latin typeface="Cambria Math" panose="02040503050406030204" pitchFamily="18" charset="0"/>
+                      </a:rPr>
+                      <m:t>𝑎</m:t>
+                    </m:r>
+                    <m:r>
+                      <a:rPr lang="pt-BR" b="0" i="1" smtClean="0">
+                        <a:latin typeface="Cambria Math" panose="02040503050406030204" pitchFamily="18" charset="0"/>
+                      </a:rPr>
+                      <m:t>)(</m:t>
+                    </m:r>
+                    <m:sSub>
+                      <m:sSubPr>
+                        <m:ctrlPr>
+                          <a:rPr lang="pt-BR" i="1">
+                            <a:latin typeface="Cambria Math" panose="02040503050406030204" pitchFamily="18" charset="0"/>
+                          </a:rPr>
+                        </m:ctrlPr>
+                      </m:sSubPr>
+                      <m:e>
+                        <m:r>
+                          <a:rPr lang="pt-BR" i="1">
+                            <a:latin typeface="Cambria Math" panose="02040503050406030204" pitchFamily="18" charset="0"/>
+                          </a:rPr>
+                          <m:t>𝑥</m:t>
+                        </m:r>
+                      </m:e>
+                      <m:sub>
+                        <m:r>
+                          <a:rPr lang="pt-BR" b="0" i="1" smtClean="0">
+                            <a:latin typeface="Cambria Math" panose="02040503050406030204" pitchFamily="18" charset="0"/>
+                          </a:rPr>
+                          <m:t>2</m:t>
+                        </m:r>
+                      </m:sub>
+                    </m:sSub>
+                    <m:r>
+                      <a:rPr lang="pt-BR" b="0" i="1" smtClean="0">
+                        <a:latin typeface="Cambria Math" panose="02040503050406030204" pitchFamily="18" charset="0"/>
+                      </a:rPr>
+                      <m:t>−</m:t>
+                    </m:r>
+                    <m:r>
+                      <a:rPr lang="pt-BR" b="0" i="1" smtClean="0">
+                        <a:latin typeface="Cambria Math" panose="02040503050406030204" pitchFamily="18" charset="0"/>
+                      </a:rPr>
+                      <m:t>𝑏</m:t>
+                    </m:r>
+                    <m:r>
+                      <a:rPr lang="pt-BR" b="0" i="1" smtClean="0">
+                        <a:latin typeface="Cambria Math" panose="02040503050406030204" pitchFamily="18" charset="0"/>
+                      </a:rPr>
+                      <m:t>)−</m:t>
+                    </m:r>
+                    <m:r>
+                      <a:rPr lang="pt-BR" b="0" i="1" smtClean="0">
+                        <a:latin typeface="Cambria Math" panose="02040503050406030204" pitchFamily="18" charset="0"/>
+                      </a:rPr>
+                      <m:t>𝑐</m:t>
+                    </m:r>
+                    <m:r>
+                      <a:rPr lang="pt-BR" b="0" i="1" smtClean="0">
+                        <a:latin typeface="Cambria Math" panose="02040503050406030204" pitchFamily="18" charset="0"/>
+                      </a:rPr>
+                      <m:t>,</m:t>
+                    </m:r>
+                  </m:oMath>
+                </a14:m>
+                <a:r>
+                  <a:rPr lang="pt-BR" dirty="0" smtClean="0"/>
+                  <a:t> </a:t>
+                </a:r>
+                <a:r>
+                  <a:rPr lang="pt-BR" dirty="0"/>
+                  <a:t>H</a:t>
+                </a:r>
+                <a:r>
+                  <a:rPr lang="pt-BR" dirty="0" smtClean="0"/>
+                  <a:t>ipérbole retangular</a:t>
+                </a:r>
+                <a:r>
+                  <a:rPr lang="pt-BR" dirty="0"/>
+                  <a:t> </a:t>
+                </a:r>
+                <a:r>
+                  <a:rPr lang="pt-BR" dirty="0" smtClean="0"/>
+                  <a:t>com eixos paralelos às suas assíntotas.</a:t>
+                </a:r>
+              </a:p>
+              <a:p>
+                <a:r>
+                  <a:rPr lang="pt-BR" dirty="0"/>
+                  <a:t>Portanto, </a:t>
+                </a:r>
+                <a:r>
+                  <a:rPr lang="pt-BR" dirty="0" smtClean="0"/>
+                  <a:t>quando usamos uma função discriminante não-linear, convertemos </a:t>
+                </a:r>
+                <a:r>
+                  <a:rPr lang="pt-BR" dirty="0"/>
+                  <a:t>classificadores lineares em classificadores </a:t>
+                </a:r>
+                <a:r>
+                  <a:rPr lang="pt-BR" dirty="0" smtClean="0"/>
+                  <a:t>não-lineares através da aplicação de uma transformação dos atributos.</a:t>
+                </a:r>
+              </a:p>
+              <a:p>
+                <a:r>
+                  <a:rPr lang="pt-BR" dirty="0" smtClean="0"/>
+                  <a:t>Esta transformação pode ser vista também como uma mudança do </a:t>
+                </a:r>
+                <a:r>
+                  <a:rPr lang="pt-BR" dirty="0"/>
+                  <a:t>espaço de </a:t>
+                </a:r>
+                <a:r>
+                  <a:rPr lang="pt-BR" dirty="0" smtClean="0"/>
+                  <a:t>entrada, o que normalmente leva ao aumento das dimensões de entrada ou mudança dos eixos.</a:t>
+                </a:r>
+                <a:endParaRPr lang="pt-BR" dirty="0"/>
+              </a:p>
+              <a:p>
+                <a:pPr lvl="1"/>
+                <a:endParaRPr lang="pt-BR" dirty="0" smtClean="0"/>
+              </a:p>
+              <a:p>
+                <a:pPr lvl="1">
+                  <a:buFont typeface="Wingdings" panose="05000000000000000000" pitchFamily="2" charset="2"/>
+                  <a:buChar char="§"/>
+                </a:pPr>
+                <a:endParaRPr lang="pt-BR" dirty="0"/>
+              </a:p>
+              <a:p>
+                <a:endParaRPr lang="pt-BR" dirty="0" smtClean="0"/>
+              </a:p>
+              <a:p>
+                <a:endParaRPr lang="pt-BR" dirty="0"/>
+              </a:p>
+              <a:p>
+                <a:endParaRPr lang="pt-BR" dirty="0" smtClean="0"/>
+              </a:p>
+              <a:p>
+                <a:endParaRPr lang="pt-BR" dirty="0"/>
+              </a:p>
+            </p:txBody>
+          </p:sp>
+        </mc:Choice>
+        <mc:Fallback>
+          <p:sp>
+            <p:nvSpPr>
+              <p:cNvPr id="3" name="Content Placeholder 2"/>
+              <p:cNvSpPr>
+                <a:spLocks noGrp="1" noRot="1" noChangeAspect="1" noMove="1" noResize="1" noEditPoints="1" noAdjustHandles="1" noChangeArrowheads="1" noChangeShapeType="1" noTextEdit="1"/>
+              </p:cNvSpPr>
+              <p:nvPr>
+                <p:ph idx="1"/>
+              </p:nvPr>
+            </p:nvSpPr>
+            <p:spPr>
+              <a:xfrm>
+                <a:off x="838199" y="1825624"/>
+                <a:ext cx="11187545" cy="5032375"/>
+              </a:xfrm>
+              <a:blipFill rotWithShape="0">
+                <a:blip r:embed="rId3"/>
+                <a:stretch>
+                  <a:fillRect l="-708" t="-2785" r="-1144" b="-2663"/>
+                </a:stretch>
+              </a:blipFill>
+            </p:spPr>
+            <p:txBody>
+              <a:bodyPr/>
+              <a:lstStyle/>
+              <a:p>
+                <a:r>
+                  <a:rPr lang="pt-BR">
+                    <a:noFill/>
+                  </a:rPr>
+                  <a:t> </a:t>
+                </a:r>
+              </a:p>
+            </p:txBody>
+          </p:sp>
+        </mc:Fallback>
+      </mc:AlternateContent>
+    </p:spTree>
+    <p:extLst>
+      <p:ext uri="{BB962C8B-B14F-4D97-AF65-F5344CB8AC3E}">
+        <p14:creationId xmlns:p14="http://schemas.microsoft.com/office/powerpoint/2010/main" val="4224291905"/>
+      </p:ext>
+    </p:extLst>
+  </p:cSld>
+  <p:clrMapOvr>
+    <a:masterClrMapping/>
+  </p:clrMapOvr>
+</p:sld>
+</file>
+
+<file path=ppt/slides/slide6.xml><?xml version="1.0" encoding="utf-8"?>
 <p:sld xmlns:a="http://schemas.openxmlformats.org/drawingml/2006/main" xmlns:r="http://schemas.openxmlformats.org/officeDocument/2006/relationships" xmlns:p="http://schemas.openxmlformats.org/presentationml/2006/main">
   <p:cSld>
     <p:spTree>
@@ -10697,7 +12238,7 @@
 </p:sld>
 </file>
 
-<file path=ppt/slides/slide6.xml><?xml version="1.0" encoding="utf-8"?>
+<file path=ppt/slides/slide7.xml><?xml version="1.0" encoding="utf-8"?>
 <p:sld xmlns:a="http://schemas.openxmlformats.org/drawingml/2006/main" xmlns:r="http://schemas.openxmlformats.org/officeDocument/2006/relationships" xmlns:p="http://schemas.openxmlformats.org/presentationml/2006/main">
   <p:cSld>
     <p:spTree>
@@ -10730,14 +12271,18 @@
           <a:lstStyle/>
           <a:p>
             <a:r>
+              <a:rPr lang="pt-BR" dirty="0" smtClean="0"/>
+              <a:t>Classificação com </a:t>
+            </a:r>
+            <a:r>
               <a:rPr lang="pt-BR" dirty="0"/>
-              <a:t>Classificadores lineares com limiar de decisão rígido</a:t>
+              <a:t>limiar de decisão rígido</a:t>
             </a:r>
           </a:p>
         </p:txBody>
       </p:sp>
-      <mc:AlternateContent xmlns:mc="http://schemas.openxmlformats.org/markup-compatibility/2006">
-        <mc:Choice xmlns:a14="http://schemas.microsoft.com/office/drawing/2010/main" Requires="a14">
+      <mc:AlternateContent xmlns:mc="http://schemas.openxmlformats.org/markup-compatibility/2006" xmlns:a14="http://schemas.microsoft.com/office/drawing/2010/main">
+        <mc:Choice Requires="a14">
           <p:sp>
             <p:nvSpPr>
               <p:cNvPr id="3" name="Content Placeholder 2"/>
@@ -11005,7 +12550,7 @@
             </p:txBody>
           </p:sp>
         </mc:Choice>
-        <mc:Fallback>
+        <mc:Fallback xmlns="">
           <p:sp>
             <p:nvSpPr>
               <p:cNvPr id="3" name="Content Placeholder 2"/>
@@ -11086,7 +12631,7 @@
 </p:sld>
 </file>
 
-<file path=ppt/slides/slide7.xml><?xml version="1.0" encoding="utf-8"?>
+<file path=ppt/slides/slide8.xml><?xml version="1.0" encoding="utf-8"?>
 <p:sld xmlns:a="http://schemas.openxmlformats.org/drawingml/2006/main" xmlns:r="http://schemas.openxmlformats.org/officeDocument/2006/relationships" xmlns:p="http://schemas.openxmlformats.org/presentationml/2006/main">
   <p:cSld>
     <p:spTree>
@@ -11120,13 +12665,14 @@
           <a:p>
             <a:r>
               <a:rPr lang="pt-BR" dirty="0"/>
-              <a:t>Classificadores lineares com limiar de decisão rígido</a:t>
+              <a:t>Classificação com limiar de decisão rígido</a:t>
             </a:r>
+            <a:endParaRPr lang="pt-BR" dirty="0"/>
           </a:p>
         </p:txBody>
       </p:sp>
-      <mc:AlternateContent xmlns:mc="http://schemas.openxmlformats.org/markup-compatibility/2006">
-        <mc:Choice xmlns:a14="http://schemas.microsoft.com/office/drawing/2010/main" Requires="a14">
+      <mc:AlternateContent xmlns:mc="http://schemas.openxmlformats.org/markup-compatibility/2006" xmlns:a14="http://schemas.microsoft.com/office/drawing/2010/main">
+        <mc:Choice Requires="a14">
           <p:sp>
             <p:nvSpPr>
               <p:cNvPr id="3" name="Content Placeholder 2"/>
@@ -11179,17 +12725,12 @@
                 </a:r>
                 <a:r>
                   <a:rPr lang="pt-BR" b="1" i="1" dirty="0" smtClean="0"/>
-                  <a:t>dado que </a:t>
-                </a:r>
-                <a:r>
-                  <a:rPr lang="pt-BR" b="1" i="1" dirty="0" smtClean="0"/>
-                  <a:t>exista uma função discriminante adequada e que as classes não se sobreponham</a:t>
+                  <a:t>dado que exista uma função discriminante adequada e que as classes não se sobreponham</a:t>
                 </a:r>
                 <a:r>
                   <a:rPr lang="pt-BR" dirty="0" smtClean="0"/>
                   <a:t>.</a:t>
                 </a:r>
-                <a:endParaRPr lang="pt-BR" dirty="0" smtClean="0"/>
               </a:p>
               <a:p>
                 <a:r>
@@ -11477,18 +13018,14 @@
               <a:p>
                 <a:r>
                   <a:rPr lang="pt-BR" dirty="0" smtClean="0"/>
-                  <a:t>Como estamos considerando classificadores com valores de saída 0 ou 1, o comportamento da regra de atualização será diferente do comportamento para  a regressão linear, como veremos a seguir</a:t>
-                </a:r>
-                <a:r>
-                  <a:rPr lang="pt-BR" dirty="0" smtClean="0"/>
-                  <a:t>.</a:t>
+                  <a:t>Como estamos considerando classificadores com valores de saída 0 ou 1, o comportamento da regra de atualização será diferente do comportamento para  a regressão linear, como veremos a seguir.</a:t>
                 </a:r>
                 <a:endParaRPr lang="pt-BR" dirty="0"/>
               </a:p>
             </p:txBody>
           </p:sp>
         </mc:Choice>
-        <mc:Fallback>
+        <mc:Fallback xmlns="">
           <p:sp>
             <p:nvSpPr>
               <p:cNvPr id="3" name="Content Placeholder 2"/>
@@ -11608,7 +13145,7 @@
 </p:sld>
 </file>
 
-<file path=ppt/slides/slide8.xml><?xml version="1.0" encoding="utf-8"?>
+<file path=ppt/slides/slide9.xml><?xml version="1.0" encoding="utf-8"?>
 <p:sld xmlns:a="http://schemas.openxmlformats.org/drawingml/2006/main" xmlns:r="http://schemas.openxmlformats.org/officeDocument/2006/relationships" xmlns:p="http://schemas.openxmlformats.org/presentationml/2006/main">
   <p:cSld>
     <p:spTree>
@@ -11642,8 +13179,9 @@
           <a:p>
             <a:r>
               <a:rPr lang="pt-BR" dirty="0"/>
-              <a:t>Classificadores lineares com limiar de decisão rígido</a:t>
+              <a:t>Classificação com limiar de decisão rígido</a:t>
             </a:r>
+            <a:endParaRPr lang="pt-BR" dirty="0"/>
           </a:p>
         </p:txBody>
       </p:sp>
@@ -12778,373 +14316,6 @@
   <p:clrMapOvr>
     <a:masterClrMapping/>
   </p:clrMapOvr>
-</p:sld>
-</file>
-
-<file path=ppt/slides/slide9.xml><?xml version="1.0" encoding="utf-8"?>
-<p:sld xmlns:a="http://schemas.openxmlformats.org/drawingml/2006/main" xmlns:r="http://schemas.openxmlformats.org/officeDocument/2006/relationships" xmlns:p="http://schemas.openxmlformats.org/presentationml/2006/main">
-  <p:cSld>
-    <p:spTree>
-      <p:nvGrpSpPr>
-        <p:cNvPr id="1" name=""/>
-        <p:cNvGrpSpPr/>
-        <p:nvPr/>
-      </p:nvGrpSpPr>
-      <p:grpSpPr>
-        <a:xfrm>
-          <a:off x="0" y="0"/>
-          <a:ext cx="0" cy="0"/>
-          <a:chOff x="0" y="0"/>
-          <a:chExt cx="0" cy="0"/>
-        </a:xfrm>
-      </p:grpSpPr>
-      <p:sp>
-        <p:nvSpPr>
-          <p:cNvPr id="2" name="Title 1"/>
-          <p:cNvSpPr>
-            <a:spLocks noGrp="1"/>
-          </p:cNvSpPr>
-          <p:nvPr>
-            <p:ph type="title"/>
-          </p:nvPr>
-        </p:nvSpPr>
-        <p:spPr/>
-        <p:txBody>
-          <a:bodyPr/>
-          <a:lstStyle/>
-          <a:p>
-            <a:r>
-              <a:rPr lang="pt-BR" dirty="0"/>
-              <a:t>Classificadores lineares com limiar de decisão rígido</a:t>
-            </a:r>
-          </a:p>
-        </p:txBody>
-      </p:sp>
-      <mc:AlternateContent xmlns:mc="http://schemas.openxmlformats.org/markup-compatibility/2006">
-        <mc:Choice xmlns:a14="http://schemas.microsoft.com/office/drawing/2010/main" Requires="a14">
-          <p:sp>
-            <p:nvSpPr>
-              <p:cNvPr id="3" name="Content Placeholder 2"/>
-              <p:cNvSpPr>
-                <a:spLocks noGrp="1"/>
-              </p:cNvSpPr>
-              <p:nvPr>
-                <p:ph idx="1"/>
-              </p:nvPr>
-            </p:nvSpPr>
-            <p:spPr>
-              <a:xfrm>
-                <a:off x="838199" y="1911926"/>
-                <a:ext cx="11209421" cy="4946073"/>
-              </a:xfrm>
-            </p:spPr>
-            <p:txBody>
-              <a:bodyPr>
-                <a:normAutofit fontScale="85000" lnSpcReduction="20000"/>
-              </a:bodyPr>
-              <a:lstStyle/>
-              <a:p>
-                <a:r>
-                  <a:rPr lang="pt-BR" dirty="0" smtClean="0"/>
-                  <a:t>A </a:t>
-                </a:r>
-                <a:r>
-                  <a:rPr lang="pt-BR" b="1" i="1" dirty="0"/>
-                  <a:t>regra de aprendizagem do perceptron </a:t>
-                </a:r>
-                <a:r>
-                  <a:rPr lang="pt-BR" dirty="0"/>
-                  <a:t>converge para um </a:t>
-                </a:r>
-                <a:r>
-                  <a:rPr lang="pt-BR" b="1" i="1" dirty="0" smtClean="0"/>
-                  <a:t>separador perfeito</a:t>
-                </a:r>
-                <a:r>
-                  <a:rPr lang="pt-BR" dirty="0" smtClean="0"/>
-                  <a:t> quando:</a:t>
-                </a:r>
-                <a:endParaRPr lang="pt-BR" dirty="0" smtClean="0"/>
-              </a:p>
-              <a:p>
-                <a:pPr lvl="1">
-                  <a:buFont typeface="Wingdings" panose="05000000000000000000" pitchFamily="2" charset="2"/>
-                  <a:buChar char="§"/>
-                </a:pPr>
-                <a:r>
-                  <a:rPr lang="pt-BR" dirty="0"/>
-                  <a:t>A</a:t>
-                </a:r>
-                <a:r>
-                  <a:rPr lang="pt-BR" dirty="0" smtClean="0"/>
-                  <a:t>s classes </a:t>
-                </a:r>
-                <a:r>
-                  <a:rPr lang="pt-BR" dirty="0" smtClean="0"/>
-                  <a:t>são </a:t>
-                </a:r>
-                <a:r>
-                  <a:rPr lang="pt-BR" b="1" i="1" dirty="0"/>
-                  <a:t>suficientemente separadas </a:t>
-                </a:r>
-                <a:r>
-                  <a:rPr lang="pt-BR" dirty="0"/>
-                  <a:t>umas das </a:t>
-                </a:r>
-                <a:r>
-                  <a:rPr lang="pt-BR" dirty="0" smtClean="0"/>
-                  <a:t>outras, ou seja, não se sobrepõem.</a:t>
-                </a:r>
-              </a:p>
-              <a:p>
-                <a:pPr lvl="1">
-                  <a:buFont typeface="Wingdings" panose="05000000000000000000" pitchFamily="2" charset="2"/>
-                  <a:buChar char="§"/>
-                </a:pPr>
-                <a:r>
-                  <a:rPr lang="pt-BR" dirty="0" smtClean="0"/>
-                  <a:t>Existe uma </a:t>
-                </a:r>
-                <a:r>
-                  <a:rPr lang="pt-BR" b="1" i="1" dirty="0" smtClean="0"/>
-                  <a:t>função discriminante </a:t>
-                </a:r>
-                <a:r>
-                  <a:rPr lang="pt-BR" dirty="0" smtClean="0"/>
-                  <a:t>adequada para o problema, mesmo que não seja um </a:t>
-                </a:r>
-                <a:r>
-                  <a:rPr lang="pt-BR" b="1" i="1" dirty="0" smtClean="0"/>
-                  <a:t>hiperplano</a:t>
-                </a:r>
-                <a:r>
-                  <a:rPr lang="pt-BR" dirty="0" smtClean="0"/>
-                  <a:t>.</a:t>
-                </a:r>
-                <a:endParaRPr lang="pt-BR" dirty="0" smtClean="0"/>
-              </a:p>
-              <a:p>
-                <a:r>
-                  <a:rPr lang="pt-BR" b="1" i="1" dirty="0" smtClean="0"/>
-                  <a:t>Separador </a:t>
-                </a:r>
-                <a:r>
-                  <a:rPr lang="pt-BR" b="1" i="1" dirty="0" smtClean="0"/>
-                  <a:t>perfeito</a:t>
-                </a:r>
-                <a:r>
-                  <a:rPr lang="pt-BR" b="1" i="1" dirty="0" smtClean="0"/>
-                  <a:t>: </a:t>
-                </a:r>
-                <a:r>
-                  <a:rPr lang="pt-BR" dirty="0"/>
-                  <a:t>com erro </a:t>
-                </a:r>
-                <a:r>
-                  <a:rPr lang="pt-BR" dirty="0" smtClean="0"/>
-                  <a:t>de classificação igual </a:t>
-                </a:r>
-                <a:r>
-                  <a:rPr lang="pt-BR" dirty="0"/>
-                  <a:t>a </a:t>
-                </a:r>
-                <a:r>
-                  <a:rPr lang="pt-BR" dirty="0" smtClean="0"/>
-                  <a:t>zero, ou seja, todos os exemplos são perfeitamente classificados.</a:t>
-                </a:r>
-              </a:p>
-              <a:p>
-                <a:r>
-                  <a:rPr lang="pt-BR" dirty="0" smtClean="0"/>
-                  <a:t>Porém</a:t>
-                </a:r>
-                <a:r>
-                  <a:rPr lang="pt-BR" dirty="0"/>
-                  <a:t>, na prática essa situação não é muito comum.</a:t>
-                </a:r>
-              </a:p>
-              <a:p>
-                <a:r>
-                  <a:rPr lang="pt-BR" dirty="0"/>
-                  <a:t>Nesse caso, a </a:t>
-                </a:r>
-                <a:r>
-                  <a:rPr lang="pt-BR" b="1" i="1" dirty="0"/>
-                  <a:t>regra de aprendizagem do perceptron </a:t>
-                </a:r>
-                <a:r>
-                  <a:rPr lang="pt-BR" dirty="0"/>
-                  <a:t>falha em convergir para uma solução </a:t>
-                </a:r>
-                <a:r>
-                  <a:rPr lang="pt-BR" dirty="0" smtClean="0"/>
-                  <a:t>perfeita. </a:t>
-                </a:r>
-              </a:p>
-              <a:p>
-                <a:r>
-                  <a:rPr lang="pt-BR" dirty="0" smtClean="0"/>
-                  <a:t>Em </a:t>
-                </a:r>
-                <a:r>
-                  <a:rPr lang="pt-BR" dirty="0"/>
-                  <a:t>geral, essa regra não converge para uma solução estável para valores fixos do </a:t>
-                </a:r>
-                <a:r>
-                  <a:rPr lang="pt-BR" b="1" i="1" dirty="0"/>
-                  <a:t>passo de aprendizagem</a:t>
-                </a:r>
-                <a:r>
-                  <a:rPr lang="pt-BR" dirty="0"/>
-                  <a:t>, </a:t>
-                </a:r>
-                <a14:m>
-                  <m:oMath xmlns:m="http://schemas.openxmlformats.org/officeDocument/2006/math">
-                    <m:r>
-                      <a:rPr lang="pt-BR" i="1">
-                        <a:latin typeface="Cambria Math" panose="02040503050406030204" pitchFamily="18" charset="0"/>
-                        <a:ea typeface="Cambria Math" panose="02040503050406030204" pitchFamily="18" charset="0"/>
-                      </a:rPr>
-                      <m:t>𝛼</m:t>
-                    </m:r>
-                  </m:oMath>
-                </a14:m>
-                <a:r>
-                  <a:rPr lang="pt-BR" dirty="0"/>
-                  <a:t>, mas se </a:t>
-                </a:r>
-                <a14:m>
-                  <m:oMath xmlns:m="http://schemas.openxmlformats.org/officeDocument/2006/math">
-                    <m:r>
-                      <a:rPr lang="pt-BR" i="1">
-                        <a:latin typeface="Cambria Math" panose="02040503050406030204" pitchFamily="18" charset="0"/>
-                        <a:ea typeface="Cambria Math" panose="02040503050406030204" pitchFamily="18" charset="0"/>
-                      </a:rPr>
-                      <m:t>𝛼</m:t>
-                    </m:r>
-                  </m:oMath>
-                </a14:m>
-                <a:r>
-                  <a:rPr lang="pt-BR" dirty="0"/>
-                  <a:t> decresce de acordo com as iterações, então a regra tem uma chance de convergir para uma solução de erro mínimo quando os exemplos são apresentados de forma aleatória</a:t>
-                </a:r>
-                <a:r>
-                  <a:rPr lang="pt-BR" dirty="0" smtClean="0"/>
-                  <a:t>.</a:t>
-                </a:r>
-              </a:p>
-              <a:p>
-                <a:r>
-                  <a:rPr lang="pt-BR" dirty="0" smtClean="0"/>
-                  <a:t>Podemos também usar o </a:t>
-                </a:r>
-                <a:r>
-                  <a:rPr lang="pt-BR" b="1" i="1" dirty="0" smtClean="0"/>
-                  <a:t>early-stop</a:t>
-                </a:r>
-                <a:r>
-                  <a:rPr lang="pt-BR" dirty="0" smtClean="0"/>
-                  <a:t> e utilizar os </a:t>
-                </a:r>
-                <a:r>
-                  <a:rPr lang="pt-BR" b="1" i="1" dirty="0" smtClean="0"/>
-                  <a:t>pesos</a:t>
-                </a:r>
-                <a:r>
-                  <a:rPr lang="pt-BR" dirty="0" smtClean="0"/>
-                  <a:t> que resultaram no menor erro de validação.</a:t>
-                </a:r>
-                <a:endParaRPr lang="pt-BR" dirty="0"/>
-              </a:p>
-            </p:txBody>
-          </p:sp>
-        </mc:Choice>
-        <mc:Fallback>
-          <p:sp>
-            <p:nvSpPr>
-              <p:cNvPr id="3" name="Content Placeholder 2"/>
-              <p:cNvSpPr>
-                <a:spLocks noGrp="1" noRot="1" noChangeAspect="1" noMove="1" noResize="1" noEditPoints="1" noAdjustHandles="1" noChangeArrowheads="1" noChangeShapeType="1" noTextEdit="1"/>
-              </p:cNvSpPr>
-              <p:nvPr>
-                <p:ph idx="1"/>
-              </p:nvPr>
-            </p:nvSpPr>
-            <p:spPr>
-              <a:xfrm>
-                <a:off x="838199" y="1911926"/>
-                <a:ext cx="11209421" cy="4946073"/>
-              </a:xfrm>
-              <a:blipFill rotWithShape="0">
-                <a:blip r:embed="rId3"/>
-                <a:stretch>
-                  <a:fillRect l="-707" t="-2836" r="-1142"/>
-                </a:stretch>
-              </a:blipFill>
-            </p:spPr>
-            <p:txBody>
-              <a:bodyPr/>
-              <a:lstStyle/>
-              <a:p>
-                <a:r>
-                  <a:rPr lang="pt-BR">
-                    <a:noFill/>
-                  </a:rPr>
-                  <a:t> </a:t>
-                </a:r>
-              </a:p>
-            </p:txBody>
-          </p:sp>
-        </mc:Fallback>
-      </mc:AlternateContent>
-      <p:sp>
-        <p:nvSpPr>
-          <p:cNvPr id="4" name="Rectangle 3"/>
-          <p:cNvSpPr/>
-          <p:nvPr/>
-        </p:nvSpPr>
-        <p:spPr>
-          <a:xfrm>
-            <a:off x="7472695" y="6519445"/>
-            <a:ext cx="4719305" cy="338554"/>
-          </a:xfrm>
-          <a:prstGeom prst="rect">
-            <a:avLst/>
-          </a:prstGeom>
-        </p:spPr>
-        <p:txBody>
-          <a:bodyPr wrap="none">
-            <a:spAutoFit/>
-          </a:bodyPr>
-          <a:lstStyle/>
-          <a:p>
-            <a:r>
-              <a:rPr lang="pt-BR" sz="1600" dirty="0" smtClean="0">
-                <a:hlinkClick r:id="rId4"/>
-              </a:rPr>
-              <a:t>Exemplo: classificador_linear_com_limiar_rigido.ipynb</a:t>
-            </a:r>
-            <a:endParaRPr lang="pt-BR" sz="1600" dirty="0"/>
-          </a:p>
-        </p:txBody>
-      </p:sp>
-    </p:spTree>
-    <p:extLst>
-      <p:ext uri="{BB962C8B-B14F-4D97-AF65-F5344CB8AC3E}">
-        <p14:creationId xmlns:p14="http://schemas.microsoft.com/office/powerpoint/2010/main" val="1865431314"/>
-      </p:ext>
-    </p:extLst>
-  </p:cSld>
-  <p:clrMapOvr>
-    <a:masterClrMapping/>
-  </p:clrMapOvr>
-  <p:timing>
-    <p:tnLst>
-      <p:par>
-        <p:cTn id="1" dur="indefinite" restart="never" nodeType="tmRoot"/>
-      </p:par>
-    </p:tnLst>
-  </p:timing>
 </p:sld>
 </file>
 

--- a/slides/T320_Classificação (Parte II).pptx
+++ b/slides/T320_Classificação (Parte II).pptx
@@ -288,7 +288,7 @@
           <a:p>
             <a:fld id="{144F1436-6906-4D93-B7A2-786C327BFA14}" type="datetimeFigureOut">
               <a:rPr lang="nl-BE" smtClean="0"/>
-              <a:t>12/08/2021</a:t>
+              <a:t>13/08/2021</a:t>
             </a:fld>
             <a:endParaRPr lang="nl-BE"/>
           </a:p>
@@ -453,7 +453,7 @@
           <a:p>
             <a:fld id="{AA8CD09E-2914-4F47-B6C1-51B2C31814C9}" type="datetimeFigureOut">
               <a:rPr lang="pt-BR" smtClean="0"/>
-              <a:t>12/08/2021</a:t>
+              <a:t>13/08/2021</a:t>
             </a:fld>
             <a:endParaRPr lang="pt-BR"/>
           </a:p>
@@ -1425,7 +1425,7 @@
           <p:cNvPr id="2" name="Título 1">
             <a:extLst>
               <a:ext uri="{FF2B5EF4-FFF2-40B4-BE49-F238E27FC236}">
-                <a16:creationId xmlns:a16="http://schemas.microsoft.com/office/drawing/2014/main" xmlns="" id="{1DB9B4FF-B06E-403C-A326-BDC64D8FF94E}"/>
+                <a16:creationId xmlns="" xmlns:a16="http://schemas.microsoft.com/office/drawing/2014/main" id="{1DB9B4FF-B06E-403C-A326-BDC64D8FF94E}"/>
               </a:ext>
             </a:extLst>
           </p:cNvPr>
@@ -1462,7 +1462,7 @@
           <p:cNvPr id="3" name="Subtítulo 2">
             <a:extLst>
               <a:ext uri="{FF2B5EF4-FFF2-40B4-BE49-F238E27FC236}">
-                <a16:creationId xmlns:a16="http://schemas.microsoft.com/office/drawing/2014/main" xmlns="" id="{247BDFCE-746E-45BF-A319-4733D58D1632}"/>
+                <a16:creationId xmlns="" xmlns:a16="http://schemas.microsoft.com/office/drawing/2014/main" id="{247BDFCE-746E-45BF-A319-4733D58D1632}"/>
               </a:ext>
             </a:extLst>
           </p:cNvPr>
@@ -1532,7 +1532,7 @@
           <p:cNvPr id="4" name="Espaço Reservado para Data 3">
             <a:extLst>
               <a:ext uri="{FF2B5EF4-FFF2-40B4-BE49-F238E27FC236}">
-                <a16:creationId xmlns:a16="http://schemas.microsoft.com/office/drawing/2014/main" xmlns="" id="{9EDE2778-5372-4104-B96D-968184DA8288}"/>
+                <a16:creationId xmlns="" xmlns:a16="http://schemas.microsoft.com/office/drawing/2014/main" id="{9EDE2778-5372-4104-B96D-968184DA8288}"/>
               </a:ext>
             </a:extLst>
           </p:cNvPr>
@@ -1550,7 +1550,7 @@
           <a:p>
             <a:fld id="{63289F7E-B80B-496E-81B4-D396C37C9454}" type="datetimeFigureOut">
               <a:rPr lang="pt-BR" smtClean="0"/>
-              <a:t>12/08/2021</a:t>
+              <a:t>13/08/2021</a:t>
             </a:fld>
             <a:endParaRPr lang="pt-BR"/>
           </a:p>
@@ -1561,7 +1561,7 @@
           <p:cNvPr id="5" name="Espaço Reservado para Rodapé 4">
             <a:extLst>
               <a:ext uri="{FF2B5EF4-FFF2-40B4-BE49-F238E27FC236}">
-                <a16:creationId xmlns:a16="http://schemas.microsoft.com/office/drawing/2014/main" xmlns="" id="{C1DD0F41-C861-4051-988D-3024A37A4B93}"/>
+                <a16:creationId xmlns="" xmlns:a16="http://schemas.microsoft.com/office/drawing/2014/main" id="{C1DD0F41-C861-4051-988D-3024A37A4B93}"/>
               </a:ext>
             </a:extLst>
           </p:cNvPr>
@@ -1586,7 +1586,7 @@
           <p:cNvPr id="6" name="Espaço Reservado para Número de Slide 5">
             <a:extLst>
               <a:ext uri="{FF2B5EF4-FFF2-40B4-BE49-F238E27FC236}">
-                <a16:creationId xmlns:a16="http://schemas.microsoft.com/office/drawing/2014/main" xmlns="" id="{07E5967E-D980-431A-A5DB-3F0C5030A81E}"/>
+                <a16:creationId xmlns="" xmlns:a16="http://schemas.microsoft.com/office/drawing/2014/main" id="{07E5967E-D980-431A-A5DB-3F0C5030A81E}"/>
               </a:ext>
             </a:extLst>
           </p:cNvPr>
@@ -1645,7 +1645,7 @@
           <p:cNvPr id="2" name="Título 1">
             <a:extLst>
               <a:ext uri="{FF2B5EF4-FFF2-40B4-BE49-F238E27FC236}">
-                <a16:creationId xmlns:a16="http://schemas.microsoft.com/office/drawing/2014/main" xmlns="" id="{9036C49F-3E68-4175-81BA-3C3FEE44308A}"/>
+                <a16:creationId xmlns="" xmlns:a16="http://schemas.microsoft.com/office/drawing/2014/main" id="{9036C49F-3E68-4175-81BA-3C3FEE44308A}"/>
               </a:ext>
             </a:extLst>
           </p:cNvPr>
@@ -1673,7 +1673,7 @@
           <p:cNvPr id="3" name="Espaço Reservado para Texto Vertical 2">
             <a:extLst>
               <a:ext uri="{FF2B5EF4-FFF2-40B4-BE49-F238E27FC236}">
-                <a16:creationId xmlns:a16="http://schemas.microsoft.com/office/drawing/2014/main" xmlns="" id="{426FA736-3DD3-4D4E-B57B-BBE1D8F7D424}"/>
+                <a16:creationId xmlns="" xmlns:a16="http://schemas.microsoft.com/office/drawing/2014/main" id="{426FA736-3DD3-4D4E-B57B-BBE1D8F7D424}"/>
               </a:ext>
             </a:extLst>
           </p:cNvPr>
@@ -1730,7 +1730,7 @@
           <p:cNvPr id="4" name="Espaço Reservado para Data 3">
             <a:extLst>
               <a:ext uri="{FF2B5EF4-FFF2-40B4-BE49-F238E27FC236}">
-                <a16:creationId xmlns:a16="http://schemas.microsoft.com/office/drawing/2014/main" xmlns="" id="{99E8855C-D8FD-48F6-B14E-861E0DE4D915}"/>
+                <a16:creationId xmlns="" xmlns:a16="http://schemas.microsoft.com/office/drawing/2014/main" id="{99E8855C-D8FD-48F6-B14E-861E0DE4D915}"/>
               </a:ext>
             </a:extLst>
           </p:cNvPr>
@@ -1748,7 +1748,7 @@
           <a:p>
             <a:fld id="{63289F7E-B80B-496E-81B4-D396C37C9454}" type="datetimeFigureOut">
               <a:rPr lang="pt-BR" smtClean="0"/>
-              <a:t>12/08/2021</a:t>
+              <a:t>13/08/2021</a:t>
             </a:fld>
             <a:endParaRPr lang="pt-BR"/>
           </a:p>
@@ -1759,7 +1759,7 @@
           <p:cNvPr id="5" name="Espaço Reservado para Rodapé 4">
             <a:extLst>
               <a:ext uri="{FF2B5EF4-FFF2-40B4-BE49-F238E27FC236}">
-                <a16:creationId xmlns:a16="http://schemas.microsoft.com/office/drawing/2014/main" xmlns="" id="{97C0BB88-2F21-42A5-ACFF-83DA47F2D340}"/>
+                <a16:creationId xmlns="" xmlns:a16="http://schemas.microsoft.com/office/drawing/2014/main" id="{97C0BB88-2F21-42A5-ACFF-83DA47F2D340}"/>
               </a:ext>
             </a:extLst>
           </p:cNvPr>
@@ -1784,7 +1784,7 @@
           <p:cNvPr id="6" name="Espaço Reservado para Número de Slide 5">
             <a:extLst>
               <a:ext uri="{FF2B5EF4-FFF2-40B4-BE49-F238E27FC236}">
-                <a16:creationId xmlns:a16="http://schemas.microsoft.com/office/drawing/2014/main" xmlns="" id="{6CB462B3-1F22-4C05-B4B8-7A279FB7D5E9}"/>
+                <a16:creationId xmlns="" xmlns:a16="http://schemas.microsoft.com/office/drawing/2014/main" id="{6CB462B3-1F22-4C05-B4B8-7A279FB7D5E9}"/>
               </a:ext>
             </a:extLst>
           </p:cNvPr>
@@ -1843,7 +1843,7 @@
           <p:cNvPr id="2" name="Título Vertical 1">
             <a:extLst>
               <a:ext uri="{FF2B5EF4-FFF2-40B4-BE49-F238E27FC236}">
-                <a16:creationId xmlns:a16="http://schemas.microsoft.com/office/drawing/2014/main" xmlns="" id="{EAEAB728-701C-4207-A9D5-23FF45C60502}"/>
+                <a16:creationId xmlns="" xmlns:a16="http://schemas.microsoft.com/office/drawing/2014/main" id="{EAEAB728-701C-4207-A9D5-23FF45C60502}"/>
               </a:ext>
             </a:extLst>
           </p:cNvPr>
@@ -1876,7 +1876,7 @@
           <p:cNvPr id="3" name="Espaço Reservado para Texto Vertical 2">
             <a:extLst>
               <a:ext uri="{FF2B5EF4-FFF2-40B4-BE49-F238E27FC236}">
-                <a16:creationId xmlns:a16="http://schemas.microsoft.com/office/drawing/2014/main" xmlns="" id="{BA8C8CCF-7823-480A-9A19-0F664DD17E3B}"/>
+                <a16:creationId xmlns="" xmlns:a16="http://schemas.microsoft.com/office/drawing/2014/main" id="{BA8C8CCF-7823-480A-9A19-0F664DD17E3B}"/>
               </a:ext>
             </a:extLst>
           </p:cNvPr>
@@ -1938,7 +1938,7 @@
           <p:cNvPr id="4" name="Espaço Reservado para Data 3">
             <a:extLst>
               <a:ext uri="{FF2B5EF4-FFF2-40B4-BE49-F238E27FC236}">
-                <a16:creationId xmlns:a16="http://schemas.microsoft.com/office/drawing/2014/main" xmlns="" id="{721D5734-7B1F-425D-942F-6EB73344027C}"/>
+                <a16:creationId xmlns="" xmlns:a16="http://schemas.microsoft.com/office/drawing/2014/main" id="{721D5734-7B1F-425D-942F-6EB73344027C}"/>
               </a:ext>
             </a:extLst>
           </p:cNvPr>
@@ -1956,7 +1956,7 @@
           <a:p>
             <a:fld id="{63289F7E-B80B-496E-81B4-D396C37C9454}" type="datetimeFigureOut">
               <a:rPr lang="pt-BR" smtClean="0"/>
-              <a:t>12/08/2021</a:t>
+              <a:t>13/08/2021</a:t>
             </a:fld>
             <a:endParaRPr lang="pt-BR"/>
           </a:p>
@@ -1967,7 +1967,7 @@
           <p:cNvPr id="5" name="Espaço Reservado para Rodapé 4">
             <a:extLst>
               <a:ext uri="{FF2B5EF4-FFF2-40B4-BE49-F238E27FC236}">
-                <a16:creationId xmlns:a16="http://schemas.microsoft.com/office/drawing/2014/main" xmlns="" id="{1E1AAEAC-F08D-45FE-89EC-B1B349A868C9}"/>
+                <a16:creationId xmlns="" xmlns:a16="http://schemas.microsoft.com/office/drawing/2014/main" id="{1E1AAEAC-F08D-45FE-89EC-B1B349A868C9}"/>
               </a:ext>
             </a:extLst>
           </p:cNvPr>
@@ -1992,7 +1992,7 @@
           <p:cNvPr id="6" name="Espaço Reservado para Número de Slide 5">
             <a:extLst>
               <a:ext uri="{FF2B5EF4-FFF2-40B4-BE49-F238E27FC236}">
-                <a16:creationId xmlns:a16="http://schemas.microsoft.com/office/drawing/2014/main" xmlns="" id="{BAA44493-9911-47B2-87A6-C2141A972BC8}"/>
+                <a16:creationId xmlns="" xmlns:a16="http://schemas.microsoft.com/office/drawing/2014/main" id="{BAA44493-9911-47B2-87A6-C2141A972BC8}"/>
               </a:ext>
             </a:extLst>
           </p:cNvPr>
@@ -2051,7 +2051,7 @@
           <p:cNvPr id="2" name="Título 1">
             <a:extLst>
               <a:ext uri="{FF2B5EF4-FFF2-40B4-BE49-F238E27FC236}">
-                <a16:creationId xmlns:a16="http://schemas.microsoft.com/office/drawing/2014/main" xmlns="" id="{71BD44A5-8F21-4626-A01D-48A1C874B1D5}"/>
+                <a16:creationId xmlns="" xmlns:a16="http://schemas.microsoft.com/office/drawing/2014/main" id="{71BD44A5-8F21-4626-A01D-48A1C874B1D5}"/>
               </a:ext>
             </a:extLst>
           </p:cNvPr>
@@ -2079,7 +2079,7 @@
           <p:cNvPr id="3" name="Espaço Reservado para Conteúdo 2">
             <a:extLst>
               <a:ext uri="{FF2B5EF4-FFF2-40B4-BE49-F238E27FC236}">
-                <a16:creationId xmlns:a16="http://schemas.microsoft.com/office/drawing/2014/main" xmlns="" id="{B79E8085-65A9-48AA-951D-71D978BFF4ED}"/>
+                <a16:creationId xmlns="" xmlns:a16="http://schemas.microsoft.com/office/drawing/2014/main" id="{B79E8085-65A9-48AA-951D-71D978BFF4ED}"/>
               </a:ext>
             </a:extLst>
           </p:cNvPr>
@@ -2136,7 +2136,7 @@
           <p:cNvPr id="4" name="Espaço Reservado para Data 3">
             <a:extLst>
               <a:ext uri="{FF2B5EF4-FFF2-40B4-BE49-F238E27FC236}">
-                <a16:creationId xmlns:a16="http://schemas.microsoft.com/office/drawing/2014/main" xmlns="" id="{F05BE1AF-51EA-425D-B188-DE7BD675009F}"/>
+                <a16:creationId xmlns="" xmlns:a16="http://schemas.microsoft.com/office/drawing/2014/main" id="{F05BE1AF-51EA-425D-B188-DE7BD675009F}"/>
               </a:ext>
             </a:extLst>
           </p:cNvPr>
@@ -2154,7 +2154,7 @@
           <a:p>
             <a:fld id="{63289F7E-B80B-496E-81B4-D396C37C9454}" type="datetimeFigureOut">
               <a:rPr lang="pt-BR" smtClean="0"/>
-              <a:t>12/08/2021</a:t>
+              <a:t>13/08/2021</a:t>
             </a:fld>
             <a:endParaRPr lang="pt-BR"/>
           </a:p>
@@ -2165,7 +2165,7 @@
           <p:cNvPr id="5" name="Espaço Reservado para Rodapé 4">
             <a:extLst>
               <a:ext uri="{FF2B5EF4-FFF2-40B4-BE49-F238E27FC236}">
-                <a16:creationId xmlns:a16="http://schemas.microsoft.com/office/drawing/2014/main" xmlns="" id="{121BE632-29CF-4CB9-B365-C9EF38F89BE6}"/>
+                <a16:creationId xmlns="" xmlns:a16="http://schemas.microsoft.com/office/drawing/2014/main" id="{121BE632-29CF-4CB9-B365-C9EF38F89BE6}"/>
               </a:ext>
             </a:extLst>
           </p:cNvPr>
@@ -2190,7 +2190,7 @@
           <p:cNvPr id="6" name="Espaço Reservado para Número de Slide 5">
             <a:extLst>
               <a:ext uri="{FF2B5EF4-FFF2-40B4-BE49-F238E27FC236}">
-                <a16:creationId xmlns:a16="http://schemas.microsoft.com/office/drawing/2014/main" xmlns="" id="{60CF3DD1-9AEC-4A57-B461-4E4DD86FAC18}"/>
+                <a16:creationId xmlns="" xmlns:a16="http://schemas.microsoft.com/office/drawing/2014/main" id="{60CF3DD1-9AEC-4A57-B461-4E4DD86FAC18}"/>
               </a:ext>
             </a:extLst>
           </p:cNvPr>
@@ -2249,7 +2249,7 @@
           <p:cNvPr id="2" name="Título 1">
             <a:extLst>
               <a:ext uri="{FF2B5EF4-FFF2-40B4-BE49-F238E27FC236}">
-                <a16:creationId xmlns:a16="http://schemas.microsoft.com/office/drawing/2014/main" xmlns="" id="{34AB2FF0-A4D7-4E28-991D-FF26140D5988}"/>
+                <a16:creationId xmlns="" xmlns:a16="http://schemas.microsoft.com/office/drawing/2014/main" id="{34AB2FF0-A4D7-4E28-991D-FF26140D5988}"/>
               </a:ext>
             </a:extLst>
           </p:cNvPr>
@@ -2286,7 +2286,7 @@
           <p:cNvPr id="3" name="Espaço Reservado para Texto 2">
             <a:extLst>
               <a:ext uri="{FF2B5EF4-FFF2-40B4-BE49-F238E27FC236}">
-                <a16:creationId xmlns:a16="http://schemas.microsoft.com/office/drawing/2014/main" xmlns="" id="{E2AC45B0-4145-40DB-8E61-105461170604}"/>
+                <a16:creationId xmlns="" xmlns:a16="http://schemas.microsoft.com/office/drawing/2014/main" id="{E2AC45B0-4145-40DB-8E61-105461170604}"/>
               </a:ext>
             </a:extLst>
           </p:cNvPr>
@@ -2411,7 +2411,7 @@
           <p:cNvPr id="4" name="Espaço Reservado para Data 3">
             <a:extLst>
               <a:ext uri="{FF2B5EF4-FFF2-40B4-BE49-F238E27FC236}">
-                <a16:creationId xmlns:a16="http://schemas.microsoft.com/office/drawing/2014/main" xmlns="" id="{50F1D3FB-740A-4EBA-A309-2CE71D12ECFB}"/>
+                <a16:creationId xmlns="" xmlns:a16="http://schemas.microsoft.com/office/drawing/2014/main" id="{50F1D3FB-740A-4EBA-A309-2CE71D12ECFB}"/>
               </a:ext>
             </a:extLst>
           </p:cNvPr>
@@ -2429,7 +2429,7 @@
           <a:p>
             <a:fld id="{63289F7E-B80B-496E-81B4-D396C37C9454}" type="datetimeFigureOut">
               <a:rPr lang="pt-BR" smtClean="0"/>
-              <a:t>12/08/2021</a:t>
+              <a:t>13/08/2021</a:t>
             </a:fld>
             <a:endParaRPr lang="pt-BR"/>
           </a:p>
@@ -2440,7 +2440,7 @@
           <p:cNvPr id="5" name="Espaço Reservado para Rodapé 4">
             <a:extLst>
               <a:ext uri="{FF2B5EF4-FFF2-40B4-BE49-F238E27FC236}">
-                <a16:creationId xmlns:a16="http://schemas.microsoft.com/office/drawing/2014/main" xmlns="" id="{BDCAB18F-8715-4465-A940-F9C193A2ACE9}"/>
+                <a16:creationId xmlns="" xmlns:a16="http://schemas.microsoft.com/office/drawing/2014/main" id="{BDCAB18F-8715-4465-A940-F9C193A2ACE9}"/>
               </a:ext>
             </a:extLst>
           </p:cNvPr>
@@ -2465,7 +2465,7 @@
           <p:cNvPr id="6" name="Espaço Reservado para Número de Slide 5">
             <a:extLst>
               <a:ext uri="{FF2B5EF4-FFF2-40B4-BE49-F238E27FC236}">
-                <a16:creationId xmlns:a16="http://schemas.microsoft.com/office/drawing/2014/main" xmlns="" id="{353466C6-8248-429F-8056-FF040BF509EB}"/>
+                <a16:creationId xmlns="" xmlns:a16="http://schemas.microsoft.com/office/drawing/2014/main" id="{353466C6-8248-429F-8056-FF040BF509EB}"/>
               </a:ext>
             </a:extLst>
           </p:cNvPr>
@@ -2524,7 +2524,7 @@
           <p:cNvPr id="2" name="Título 1">
             <a:extLst>
               <a:ext uri="{FF2B5EF4-FFF2-40B4-BE49-F238E27FC236}">
-                <a16:creationId xmlns:a16="http://schemas.microsoft.com/office/drawing/2014/main" xmlns="" id="{BC7BB9F0-F14B-4A91-B2B7-35BC47FE4DE7}"/>
+                <a16:creationId xmlns="" xmlns:a16="http://schemas.microsoft.com/office/drawing/2014/main" id="{BC7BB9F0-F14B-4A91-B2B7-35BC47FE4DE7}"/>
               </a:ext>
             </a:extLst>
           </p:cNvPr>
@@ -2552,7 +2552,7 @@
           <p:cNvPr id="3" name="Espaço Reservado para Conteúdo 2">
             <a:extLst>
               <a:ext uri="{FF2B5EF4-FFF2-40B4-BE49-F238E27FC236}">
-                <a16:creationId xmlns:a16="http://schemas.microsoft.com/office/drawing/2014/main" xmlns="" id="{EC1FC1C4-73DA-47A6-8496-B0B457F7D39A}"/>
+                <a16:creationId xmlns="" xmlns:a16="http://schemas.microsoft.com/office/drawing/2014/main" id="{EC1FC1C4-73DA-47A6-8496-B0B457F7D39A}"/>
               </a:ext>
             </a:extLst>
           </p:cNvPr>
@@ -2614,7 +2614,7 @@
           <p:cNvPr id="4" name="Espaço Reservado para Conteúdo 3">
             <a:extLst>
               <a:ext uri="{FF2B5EF4-FFF2-40B4-BE49-F238E27FC236}">
-                <a16:creationId xmlns:a16="http://schemas.microsoft.com/office/drawing/2014/main" xmlns="" id="{E92F06A8-A449-4D92-9912-76873E529B38}"/>
+                <a16:creationId xmlns="" xmlns:a16="http://schemas.microsoft.com/office/drawing/2014/main" id="{E92F06A8-A449-4D92-9912-76873E529B38}"/>
               </a:ext>
             </a:extLst>
           </p:cNvPr>
@@ -2676,7 +2676,7 @@
           <p:cNvPr id="5" name="Espaço Reservado para Data 4">
             <a:extLst>
               <a:ext uri="{FF2B5EF4-FFF2-40B4-BE49-F238E27FC236}">
-                <a16:creationId xmlns:a16="http://schemas.microsoft.com/office/drawing/2014/main" xmlns="" id="{938070A4-BC2F-4D55-BD8D-DEAF11BB9EE9}"/>
+                <a16:creationId xmlns="" xmlns:a16="http://schemas.microsoft.com/office/drawing/2014/main" id="{938070A4-BC2F-4D55-BD8D-DEAF11BB9EE9}"/>
               </a:ext>
             </a:extLst>
           </p:cNvPr>
@@ -2694,7 +2694,7 @@
           <a:p>
             <a:fld id="{63289F7E-B80B-496E-81B4-D396C37C9454}" type="datetimeFigureOut">
               <a:rPr lang="pt-BR" smtClean="0"/>
-              <a:t>12/08/2021</a:t>
+              <a:t>13/08/2021</a:t>
             </a:fld>
             <a:endParaRPr lang="pt-BR"/>
           </a:p>
@@ -2705,7 +2705,7 @@
           <p:cNvPr id="6" name="Espaço Reservado para Rodapé 5">
             <a:extLst>
               <a:ext uri="{FF2B5EF4-FFF2-40B4-BE49-F238E27FC236}">
-                <a16:creationId xmlns:a16="http://schemas.microsoft.com/office/drawing/2014/main" xmlns="" id="{45CC2DB8-844A-465F-BA9A-7734C80C7F43}"/>
+                <a16:creationId xmlns="" xmlns:a16="http://schemas.microsoft.com/office/drawing/2014/main" id="{45CC2DB8-844A-465F-BA9A-7734C80C7F43}"/>
               </a:ext>
             </a:extLst>
           </p:cNvPr>
@@ -2730,7 +2730,7 @@
           <p:cNvPr id="7" name="Espaço Reservado para Número de Slide 6">
             <a:extLst>
               <a:ext uri="{FF2B5EF4-FFF2-40B4-BE49-F238E27FC236}">
-                <a16:creationId xmlns:a16="http://schemas.microsoft.com/office/drawing/2014/main" xmlns="" id="{4CC606A8-097B-4040-94E0-CD8C88280D8F}"/>
+                <a16:creationId xmlns="" xmlns:a16="http://schemas.microsoft.com/office/drawing/2014/main" id="{4CC606A8-097B-4040-94E0-CD8C88280D8F}"/>
               </a:ext>
             </a:extLst>
           </p:cNvPr>
@@ -2789,7 +2789,7 @@
           <p:cNvPr id="2" name="Título 1">
             <a:extLst>
               <a:ext uri="{FF2B5EF4-FFF2-40B4-BE49-F238E27FC236}">
-                <a16:creationId xmlns:a16="http://schemas.microsoft.com/office/drawing/2014/main" xmlns="" id="{76D66686-0143-4CB6-8C09-BA326F1E7ACA}"/>
+                <a16:creationId xmlns="" xmlns:a16="http://schemas.microsoft.com/office/drawing/2014/main" id="{76D66686-0143-4CB6-8C09-BA326F1E7ACA}"/>
               </a:ext>
             </a:extLst>
           </p:cNvPr>
@@ -2822,7 +2822,7 @@
           <p:cNvPr id="3" name="Espaço Reservado para Texto 2">
             <a:extLst>
               <a:ext uri="{FF2B5EF4-FFF2-40B4-BE49-F238E27FC236}">
-                <a16:creationId xmlns:a16="http://schemas.microsoft.com/office/drawing/2014/main" xmlns="" id="{0227AB85-F59E-4BCE-B846-4FA0992C2F23}"/>
+                <a16:creationId xmlns="" xmlns:a16="http://schemas.microsoft.com/office/drawing/2014/main" id="{0227AB85-F59E-4BCE-B846-4FA0992C2F23}"/>
               </a:ext>
             </a:extLst>
           </p:cNvPr>
@@ -2893,7 +2893,7 @@
           <p:cNvPr id="4" name="Espaço Reservado para Conteúdo 3">
             <a:extLst>
               <a:ext uri="{FF2B5EF4-FFF2-40B4-BE49-F238E27FC236}">
-                <a16:creationId xmlns:a16="http://schemas.microsoft.com/office/drawing/2014/main" xmlns="" id="{3373456C-7319-4D0A-827D-D29F6B083F5D}"/>
+                <a16:creationId xmlns="" xmlns:a16="http://schemas.microsoft.com/office/drawing/2014/main" id="{3373456C-7319-4D0A-827D-D29F6B083F5D}"/>
               </a:ext>
             </a:extLst>
           </p:cNvPr>
@@ -2955,7 +2955,7 @@
           <p:cNvPr id="5" name="Espaço Reservado para Texto 4">
             <a:extLst>
               <a:ext uri="{FF2B5EF4-FFF2-40B4-BE49-F238E27FC236}">
-                <a16:creationId xmlns:a16="http://schemas.microsoft.com/office/drawing/2014/main" xmlns="" id="{4CD109D0-2E83-4262-8029-A871CEC47406}"/>
+                <a16:creationId xmlns="" xmlns:a16="http://schemas.microsoft.com/office/drawing/2014/main" id="{4CD109D0-2E83-4262-8029-A871CEC47406}"/>
               </a:ext>
             </a:extLst>
           </p:cNvPr>
@@ -3026,7 +3026,7 @@
           <p:cNvPr id="6" name="Espaço Reservado para Conteúdo 5">
             <a:extLst>
               <a:ext uri="{FF2B5EF4-FFF2-40B4-BE49-F238E27FC236}">
-                <a16:creationId xmlns:a16="http://schemas.microsoft.com/office/drawing/2014/main" xmlns="" id="{AD706E3A-CFBB-4A6C-A65F-D0360A9E74FE}"/>
+                <a16:creationId xmlns="" xmlns:a16="http://schemas.microsoft.com/office/drawing/2014/main" id="{AD706E3A-CFBB-4A6C-A65F-D0360A9E74FE}"/>
               </a:ext>
             </a:extLst>
           </p:cNvPr>
@@ -3088,7 +3088,7 @@
           <p:cNvPr id="7" name="Espaço Reservado para Data 6">
             <a:extLst>
               <a:ext uri="{FF2B5EF4-FFF2-40B4-BE49-F238E27FC236}">
-                <a16:creationId xmlns:a16="http://schemas.microsoft.com/office/drawing/2014/main" xmlns="" id="{4172C0E5-5AF0-4805-BB51-443733CD2BD5}"/>
+                <a16:creationId xmlns="" xmlns:a16="http://schemas.microsoft.com/office/drawing/2014/main" id="{4172C0E5-5AF0-4805-BB51-443733CD2BD5}"/>
               </a:ext>
             </a:extLst>
           </p:cNvPr>
@@ -3106,7 +3106,7 @@
           <a:p>
             <a:fld id="{63289F7E-B80B-496E-81B4-D396C37C9454}" type="datetimeFigureOut">
               <a:rPr lang="pt-BR" smtClean="0"/>
-              <a:t>12/08/2021</a:t>
+              <a:t>13/08/2021</a:t>
             </a:fld>
             <a:endParaRPr lang="pt-BR"/>
           </a:p>
@@ -3117,7 +3117,7 @@
           <p:cNvPr id="8" name="Espaço Reservado para Rodapé 7">
             <a:extLst>
               <a:ext uri="{FF2B5EF4-FFF2-40B4-BE49-F238E27FC236}">
-                <a16:creationId xmlns:a16="http://schemas.microsoft.com/office/drawing/2014/main" xmlns="" id="{0E801648-156F-497E-99CF-797DF48051E1}"/>
+                <a16:creationId xmlns="" xmlns:a16="http://schemas.microsoft.com/office/drawing/2014/main" id="{0E801648-156F-497E-99CF-797DF48051E1}"/>
               </a:ext>
             </a:extLst>
           </p:cNvPr>
@@ -3142,7 +3142,7 @@
           <p:cNvPr id="9" name="Espaço Reservado para Número de Slide 8">
             <a:extLst>
               <a:ext uri="{FF2B5EF4-FFF2-40B4-BE49-F238E27FC236}">
-                <a16:creationId xmlns:a16="http://schemas.microsoft.com/office/drawing/2014/main" xmlns="" id="{EEE23D32-80E7-4796-A137-66BF842E4B53}"/>
+                <a16:creationId xmlns="" xmlns:a16="http://schemas.microsoft.com/office/drawing/2014/main" id="{EEE23D32-80E7-4796-A137-66BF842E4B53}"/>
               </a:ext>
             </a:extLst>
           </p:cNvPr>
@@ -3201,7 +3201,7 @@
           <p:cNvPr id="2" name="Título 1">
             <a:extLst>
               <a:ext uri="{FF2B5EF4-FFF2-40B4-BE49-F238E27FC236}">
-                <a16:creationId xmlns:a16="http://schemas.microsoft.com/office/drawing/2014/main" xmlns="" id="{2BCE2379-C78F-47E1-8CFC-B846E7AF148D}"/>
+                <a16:creationId xmlns="" xmlns:a16="http://schemas.microsoft.com/office/drawing/2014/main" id="{2BCE2379-C78F-47E1-8CFC-B846E7AF148D}"/>
               </a:ext>
             </a:extLst>
           </p:cNvPr>
@@ -3229,7 +3229,7 @@
           <p:cNvPr id="3" name="Espaço Reservado para Data 2">
             <a:extLst>
               <a:ext uri="{FF2B5EF4-FFF2-40B4-BE49-F238E27FC236}">
-                <a16:creationId xmlns:a16="http://schemas.microsoft.com/office/drawing/2014/main" xmlns="" id="{342600A9-7F92-4E22-9D94-E4717252A817}"/>
+                <a16:creationId xmlns="" xmlns:a16="http://schemas.microsoft.com/office/drawing/2014/main" id="{342600A9-7F92-4E22-9D94-E4717252A817}"/>
               </a:ext>
             </a:extLst>
           </p:cNvPr>
@@ -3247,7 +3247,7 @@
           <a:p>
             <a:fld id="{63289F7E-B80B-496E-81B4-D396C37C9454}" type="datetimeFigureOut">
               <a:rPr lang="pt-BR" smtClean="0"/>
-              <a:t>12/08/2021</a:t>
+              <a:t>13/08/2021</a:t>
             </a:fld>
             <a:endParaRPr lang="pt-BR"/>
           </a:p>
@@ -3258,7 +3258,7 @@
           <p:cNvPr id="4" name="Espaço Reservado para Rodapé 3">
             <a:extLst>
               <a:ext uri="{FF2B5EF4-FFF2-40B4-BE49-F238E27FC236}">
-                <a16:creationId xmlns:a16="http://schemas.microsoft.com/office/drawing/2014/main" xmlns="" id="{192E6BED-F546-40CC-A2DF-99CBA853654E}"/>
+                <a16:creationId xmlns="" xmlns:a16="http://schemas.microsoft.com/office/drawing/2014/main" id="{192E6BED-F546-40CC-A2DF-99CBA853654E}"/>
               </a:ext>
             </a:extLst>
           </p:cNvPr>
@@ -3283,7 +3283,7 @@
           <p:cNvPr id="5" name="Espaço Reservado para Número de Slide 4">
             <a:extLst>
               <a:ext uri="{FF2B5EF4-FFF2-40B4-BE49-F238E27FC236}">
-                <a16:creationId xmlns:a16="http://schemas.microsoft.com/office/drawing/2014/main" xmlns="" id="{6091CC40-A8C4-4063-80EB-CC5099621678}"/>
+                <a16:creationId xmlns="" xmlns:a16="http://schemas.microsoft.com/office/drawing/2014/main" id="{6091CC40-A8C4-4063-80EB-CC5099621678}"/>
               </a:ext>
             </a:extLst>
           </p:cNvPr>
@@ -3342,7 +3342,7 @@
           <p:cNvPr id="2" name="Espaço Reservado para Data 1">
             <a:extLst>
               <a:ext uri="{FF2B5EF4-FFF2-40B4-BE49-F238E27FC236}">
-                <a16:creationId xmlns:a16="http://schemas.microsoft.com/office/drawing/2014/main" xmlns="" id="{DD19515C-212C-4EAE-84A3-8FF4BC844F1B}"/>
+                <a16:creationId xmlns="" xmlns:a16="http://schemas.microsoft.com/office/drawing/2014/main" id="{DD19515C-212C-4EAE-84A3-8FF4BC844F1B}"/>
               </a:ext>
             </a:extLst>
           </p:cNvPr>
@@ -3360,7 +3360,7 @@
           <a:p>
             <a:fld id="{63289F7E-B80B-496E-81B4-D396C37C9454}" type="datetimeFigureOut">
               <a:rPr lang="pt-BR" smtClean="0"/>
-              <a:t>12/08/2021</a:t>
+              <a:t>13/08/2021</a:t>
             </a:fld>
             <a:endParaRPr lang="pt-BR"/>
           </a:p>
@@ -3371,7 +3371,7 @@
           <p:cNvPr id="3" name="Espaço Reservado para Rodapé 2">
             <a:extLst>
               <a:ext uri="{FF2B5EF4-FFF2-40B4-BE49-F238E27FC236}">
-                <a16:creationId xmlns:a16="http://schemas.microsoft.com/office/drawing/2014/main" xmlns="" id="{94D3D120-B3E8-4C96-861D-7A4F12F49B3A}"/>
+                <a16:creationId xmlns="" xmlns:a16="http://schemas.microsoft.com/office/drawing/2014/main" id="{94D3D120-B3E8-4C96-861D-7A4F12F49B3A}"/>
               </a:ext>
             </a:extLst>
           </p:cNvPr>
@@ -3396,7 +3396,7 @@
           <p:cNvPr id="4" name="Espaço Reservado para Número de Slide 3">
             <a:extLst>
               <a:ext uri="{FF2B5EF4-FFF2-40B4-BE49-F238E27FC236}">
-                <a16:creationId xmlns:a16="http://schemas.microsoft.com/office/drawing/2014/main" xmlns="" id="{42E49B68-FA1B-468B-9F17-D5C09243D454}"/>
+                <a16:creationId xmlns="" xmlns:a16="http://schemas.microsoft.com/office/drawing/2014/main" id="{42E49B68-FA1B-468B-9F17-D5C09243D454}"/>
               </a:ext>
             </a:extLst>
           </p:cNvPr>
@@ -3455,7 +3455,7 @@
           <p:cNvPr id="2" name="Título 1">
             <a:extLst>
               <a:ext uri="{FF2B5EF4-FFF2-40B4-BE49-F238E27FC236}">
-                <a16:creationId xmlns:a16="http://schemas.microsoft.com/office/drawing/2014/main" xmlns="" id="{1C17BCBE-A897-4319-85EC-D87909C24980}"/>
+                <a16:creationId xmlns="" xmlns:a16="http://schemas.microsoft.com/office/drawing/2014/main" id="{1C17BCBE-A897-4319-85EC-D87909C24980}"/>
               </a:ext>
             </a:extLst>
           </p:cNvPr>
@@ -3492,7 +3492,7 @@
           <p:cNvPr id="3" name="Espaço Reservado para Conteúdo 2">
             <a:extLst>
               <a:ext uri="{FF2B5EF4-FFF2-40B4-BE49-F238E27FC236}">
-                <a16:creationId xmlns:a16="http://schemas.microsoft.com/office/drawing/2014/main" xmlns="" id="{4226F885-0204-4913-868B-4B8B82576F17}"/>
+                <a16:creationId xmlns="" xmlns:a16="http://schemas.microsoft.com/office/drawing/2014/main" id="{4226F885-0204-4913-868B-4B8B82576F17}"/>
               </a:ext>
             </a:extLst>
           </p:cNvPr>
@@ -3582,7 +3582,7 @@
           <p:cNvPr id="4" name="Espaço Reservado para Texto 3">
             <a:extLst>
               <a:ext uri="{FF2B5EF4-FFF2-40B4-BE49-F238E27FC236}">
-                <a16:creationId xmlns:a16="http://schemas.microsoft.com/office/drawing/2014/main" xmlns="" id="{00F9F784-A858-441B-8AB5-697098141751}"/>
+                <a16:creationId xmlns="" xmlns:a16="http://schemas.microsoft.com/office/drawing/2014/main" id="{00F9F784-A858-441B-8AB5-697098141751}"/>
               </a:ext>
             </a:extLst>
           </p:cNvPr>
@@ -3653,7 +3653,7 @@
           <p:cNvPr id="5" name="Espaço Reservado para Data 4">
             <a:extLst>
               <a:ext uri="{FF2B5EF4-FFF2-40B4-BE49-F238E27FC236}">
-                <a16:creationId xmlns:a16="http://schemas.microsoft.com/office/drawing/2014/main" xmlns="" id="{A4DC363A-5000-472E-8B17-02E7DCB8840A}"/>
+                <a16:creationId xmlns="" xmlns:a16="http://schemas.microsoft.com/office/drawing/2014/main" id="{A4DC363A-5000-472E-8B17-02E7DCB8840A}"/>
               </a:ext>
             </a:extLst>
           </p:cNvPr>
@@ -3671,7 +3671,7 @@
           <a:p>
             <a:fld id="{63289F7E-B80B-496E-81B4-D396C37C9454}" type="datetimeFigureOut">
               <a:rPr lang="pt-BR" smtClean="0"/>
-              <a:t>12/08/2021</a:t>
+              <a:t>13/08/2021</a:t>
             </a:fld>
             <a:endParaRPr lang="pt-BR"/>
           </a:p>
@@ -3682,7 +3682,7 @@
           <p:cNvPr id="6" name="Espaço Reservado para Rodapé 5">
             <a:extLst>
               <a:ext uri="{FF2B5EF4-FFF2-40B4-BE49-F238E27FC236}">
-                <a16:creationId xmlns:a16="http://schemas.microsoft.com/office/drawing/2014/main" xmlns="" id="{5548425D-2C21-4C56-BAD4-662978775C28}"/>
+                <a16:creationId xmlns="" xmlns:a16="http://schemas.microsoft.com/office/drawing/2014/main" id="{5548425D-2C21-4C56-BAD4-662978775C28}"/>
               </a:ext>
             </a:extLst>
           </p:cNvPr>
@@ -3707,7 +3707,7 @@
           <p:cNvPr id="7" name="Espaço Reservado para Número de Slide 6">
             <a:extLst>
               <a:ext uri="{FF2B5EF4-FFF2-40B4-BE49-F238E27FC236}">
-                <a16:creationId xmlns:a16="http://schemas.microsoft.com/office/drawing/2014/main" xmlns="" id="{C63E9726-E64C-42B2-AE8A-8C235A956B48}"/>
+                <a16:creationId xmlns="" xmlns:a16="http://schemas.microsoft.com/office/drawing/2014/main" id="{C63E9726-E64C-42B2-AE8A-8C235A956B48}"/>
               </a:ext>
             </a:extLst>
           </p:cNvPr>
@@ -3766,7 +3766,7 @@
           <p:cNvPr id="2" name="Título 1">
             <a:extLst>
               <a:ext uri="{FF2B5EF4-FFF2-40B4-BE49-F238E27FC236}">
-                <a16:creationId xmlns:a16="http://schemas.microsoft.com/office/drawing/2014/main" xmlns="" id="{11086A78-3E74-450C-96A6-CA8AC37AF772}"/>
+                <a16:creationId xmlns="" xmlns:a16="http://schemas.microsoft.com/office/drawing/2014/main" id="{11086A78-3E74-450C-96A6-CA8AC37AF772}"/>
               </a:ext>
             </a:extLst>
           </p:cNvPr>
@@ -3803,7 +3803,7 @@
           <p:cNvPr id="3" name="Espaço Reservado para Imagem 2">
             <a:extLst>
               <a:ext uri="{FF2B5EF4-FFF2-40B4-BE49-F238E27FC236}">
-                <a16:creationId xmlns:a16="http://schemas.microsoft.com/office/drawing/2014/main" xmlns="" id="{5F5B7312-975A-4DBC-9B2F-3652ADA006FD}"/>
+                <a16:creationId xmlns="" xmlns:a16="http://schemas.microsoft.com/office/drawing/2014/main" id="{5F5B7312-975A-4DBC-9B2F-3652ADA006FD}"/>
               </a:ext>
             </a:extLst>
           </p:cNvPr>
@@ -3870,7 +3870,7 @@
           <p:cNvPr id="4" name="Espaço Reservado para Texto 3">
             <a:extLst>
               <a:ext uri="{FF2B5EF4-FFF2-40B4-BE49-F238E27FC236}">
-                <a16:creationId xmlns:a16="http://schemas.microsoft.com/office/drawing/2014/main" xmlns="" id="{AAF805F5-1DFF-41C6-944C-7D79FE0D0963}"/>
+                <a16:creationId xmlns="" xmlns:a16="http://schemas.microsoft.com/office/drawing/2014/main" id="{AAF805F5-1DFF-41C6-944C-7D79FE0D0963}"/>
               </a:ext>
             </a:extLst>
           </p:cNvPr>
@@ -3941,7 +3941,7 @@
           <p:cNvPr id="5" name="Espaço Reservado para Data 4">
             <a:extLst>
               <a:ext uri="{FF2B5EF4-FFF2-40B4-BE49-F238E27FC236}">
-                <a16:creationId xmlns:a16="http://schemas.microsoft.com/office/drawing/2014/main" xmlns="" id="{02113D81-8665-4516-BD81-C6A1F254EECD}"/>
+                <a16:creationId xmlns="" xmlns:a16="http://schemas.microsoft.com/office/drawing/2014/main" id="{02113D81-8665-4516-BD81-C6A1F254EECD}"/>
               </a:ext>
             </a:extLst>
           </p:cNvPr>
@@ -3959,7 +3959,7 @@
           <a:p>
             <a:fld id="{63289F7E-B80B-496E-81B4-D396C37C9454}" type="datetimeFigureOut">
               <a:rPr lang="pt-BR" smtClean="0"/>
-              <a:t>12/08/2021</a:t>
+              <a:t>13/08/2021</a:t>
             </a:fld>
             <a:endParaRPr lang="pt-BR"/>
           </a:p>
@@ -3970,7 +3970,7 @@
           <p:cNvPr id="6" name="Espaço Reservado para Rodapé 5">
             <a:extLst>
               <a:ext uri="{FF2B5EF4-FFF2-40B4-BE49-F238E27FC236}">
-                <a16:creationId xmlns:a16="http://schemas.microsoft.com/office/drawing/2014/main" xmlns="" id="{2B00C88B-FF32-40AA-A187-727D96FD7862}"/>
+                <a16:creationId xmlns="" xmlns:a16="http://schemas.microsoft.com/office/drawing/2014/main" id="{2B00C88B-FF32-40AA-A187-727D96FD7862}"/>
               </a:ext>
             </a:extLst>
           </p:cNvPr>
@@ -3995,7 +3995,7 @@
           <p:cNvPr id="7" name="Espaço Reservado para Número de Slide 6">
             <a:extLst>
               <a:ext uri="{FF2B5EF4-FFF2-40B4-BE49-F238E27FC236}">
-                <a16:creationId xmlns:a16="http://schemas.microsoft.com/office/drawing/2014/main" xmlns="" id="{A04D1A2D-69F7-4B8F-A730-BC26DC340BA6}"/>
+                <a16:creationId xmlns="" xmlns:a16="http://schemas.microsoft.com/office/drawing/2014/main" id="{A04D1A2D-69F7-4B8F-A730-BC26DC340BA6}"/>
               </a:ext>
             </a:extLst>
           </p:cNvPr>
@@ -4059,7 +4059,7 @@
           <p:cNvPr id="2" name="Espaço Reservado para Título 1">
             <a:extLst>
               <a:ext uri="{FF2B5EF4-FFF2-40B4-BE49-F238E27FC236}">
-                <a16:creationId xmlns:a16="http://schemas.microsoft.com/office/drawing/2014/main" xmlns="" id="{E69A0273-1966-4A1B-9370-4C1CE5036371}"/>
+                <a16:creationId xmlns="" xmlns:a16="http://schemas.microsoft.com/office/drawing/2014/main" id="{E69A0273-1966-4A1B-9370-4C1CE5036371}"/>
               </a:ext>
             </a:extLst>
           </p:cNvPr>
@@ -4097,7 +4097,7 @@
           <p:cNvPr id="3" name="Espaço Reservado para Texto 2">
             <a:extLst>
               <a:ext uri="{FF2B5EF4-FFF2-40B4-BE49-F238E27FC236}">
-                <a16:creationId xmlns:a16="http://schemas.microsoft.com/office/drawing/2014/main" xmlns="" id="{3B9CF87A-0448-49A7-AB25-EBC1D56A40EF}"/>
+                <a16:creationId xmlns="" xmlns:a16="http://schemas.microsoft.com/office/drawing/2014/main" id="{3B9CF87A-0448-49A7-AB25-EBC1D56A40EF}"/>
               </a:ext>
             </a:extLst>
           </p:cNvPr>
@@ -4164,7 +4164,7 @@
           <p:cNvPr id="4" name="Espaço Reservado para Data 3">
             <a:extLst>
               <a:ext uri="{FF2B5EF4-FFF2-40B4-BE49-F238E27FC236}">
-                <a16:creationId xmlns:a16="http://schemas.microsoft.com/office/drawing/2014/main" xmlns="" id="{2EF7B1F2-BB5A-44D0-816D-16AD2C71430E}"/>
+                <a16:creationId xmlns="" xmlns:a16="http://schemas.microsoft.com/office/drawing/2014/main" id="{2EF7B1F2-BB5A-44D0-816D-16AD2C71430E}"/>
               </a:ext>
             </a:extLst>
           </p:cNvPr>
@@ -4200,7 +4200,7 @@
           <a:p>
             <a:fld id="{63289F7E-B80B-496E-81B4-D396C37C9454}" type="datetimeFigureOut">
               <a:rPr lang="pt-BR" smtClean="0"/>
-              <a:t>12/08/2021</a:t>
+              <a:t>13/08/2021</a:t>
             </a:fld>
             <a:endParaRPr lang="pt-BR"/>
           </a:p>
@@ -4211,7 +4211,7 @@
           <p:cNvPr id="5" name="Espaço Reservado para Rodapé 4">
             <a:extLst>
               <a:ext uri="{FF2B5EF4-FFF2-40B4-BE49-F238E27FC236}">
-                <a16:creationId xmlns:a16="http://schemas.microsoft.com/office/drawing/2014/main" xmlns="" id="{C703F94C-2CC8-4DAA-BC35-14FC3E841DCD}"/>
+                <a16:creationId xmlns="" xmlns:a16="http://schemas.microsoft.com/office/drawing/2014/main" id="{C703F94C-2CC8-4DAA-BC35-14FC3E841DCD}"/>
               </a:ext>
             </a:extLst>
           </p:cNvPr>
@@ -4254,7 +4254,7 @@
           <p:cNvPr id="6" name="Espaço Reservado para Número de Slide 5">
             <a:extLst>
               <a:ext uri="{FF2B5EF4-FFF2-40B4-BE49-F238E27FC236}">
-                <a16:creationId xmlns:a16="http://schemas.microsoft.com/office/drawing/2014/main" xmlns="" id="{64051336-7048-457A-8B61-D94291D71648}"/>
+                <a16:creationId xmlns="" xmlns:a16="http://schemas.microsoft.com/office/drawing/2014/main" id="{64051336-7048-457A-8B61-D94291D71648}"/>
               </a:ext>
             </a:extLst>
           </p:cNvPr>
@@ -4622,7 +4622,7 @@
           <p:cNvPr id="2" name="Título 1">
             <a:extLst>
               <a:ext uri="{FF2B5EF4-FFF2-40B4-BE49-F238E27FC236}">
-                <a16:creationId xmlns:a16="http://schemas.microsoft.com/office/drawing/2014/main" xmlns="" id="{32666AC8-2E17-4DB4-B0F5-60C640CCFD2E}"/>
+                <a16:creationId xmlns="" xmlns:a16="http://schemas.microsoft.com/office/drawing/2014/main" id="{32666AC8-2E17-4DB4-B0F5-60C640CCFD2E}"/>
               </a:ext>
             </a:extLst>
           </p:cNvPr>
@@ -4669,7 +4669,7 @@
           <p:cNvPr id="4" name="CaixaDeTexto 3">
             <a:extLst>
               <a:ext uri="{FF2B5EF4-FFF2-40B4-BE49-F238E27FC236}">
-                <a16:creationId xmlns:a16="http://schemas.microsoft.com/office/drawing/2014/main" xmlns="" id="{430EB894-B7D4-434C-9D1A-A14094D9BEEC}"/>
+                <a16:creationId xmlns="" xmlns:a16="http://schemas.microsoft.com/office/drawing/2014/main" id="{430EB894-B7D4-434C-9D1A-A14094D9BEEC}"/>
               </a:ext>
             </a:extLst>
           </p:cNvPr>
@@ -4710,7 +4710,7 @@
           <p:cNvPr id="1026" name="Picture 2" descr="Logo">
             <a:extLst>
               <a:ext uri="{FF2B5EF4-FFF2-40B4-BE49-F238E27FC236}">
-                <a16:creationId xmlns:a16="http://schemas.microsoft.com/office/drawing/2014/main" xmlns="" id="{3F2642E0-4F6A-4196-8F58-E77D36E9A33F}"/>
+                <a16:creationId xmlns="" xmlns:a16="http://schemas.microsoft.com/office/drawing/2014/main" id="{3F2642E0-4F6A-4196-8F58-E77D36E9A33F}"/>
               </a:ext>
             </a:extLst>
           </p:cNvPr>
@@ -4755,7 +4755,7 @@
           <p:cNvPr id="5122" name="Picture 2" descr="Image result for machine learning">
             <a:extLst>
               <a:ext uri="{FF2B5EF4-FFF2-40B4-BE49-F238E27FC236}">
-                <a16:creationId xmlns:a16="http://schemas.microsoft.com/office/drawing/2014/main" xmlns="" id="{810CE0A2-4102-44A6-A370-175E7896CDCB}"/>
+                <a16:creationId xmlns="" xmlns:a16="http://schemas.microsoft.com/office/drawing/2014/main" id="{810CE0A2-4102-44A6-A370-175E7896CDCB}"/>
               </a:ext>
             </a:extLst>
           </p:cNvPr>
@@ -4844,12 +4844,11 @@
               <a:rPr lang="pt-BR" dirty="0"/>
               <a:t>Classificação com limiar de decisão rígido</a:t>
             </a:r>
-            <a:endParaRPr lang="pt-BR" dirty="0"/>
           </a:p>
         </p:txBody>
       </p:sp>
-      <mc:AlternateContent xmlns:mc="http://schemas.openxmlformats.org/markup-compatibility/2006" xmlns:a14="http://schemas.microsoft.com/office/drawing/2010/main">
-        <mc:Choice Requires="a14">
+      <mc:AlternateContent xmlns:mc="http://schemas.openxmlformats.org/markup-compatibility/2006">
+        <mc:Choice xmlns:a14="http://schemas.microsoft.com/office/drawing/2010/main" Requires="a14">
           <p:sp>
             <p:nvSpPr>
               <p:cNvPr id="3" name="Content Placeholder 2"/>
@@ -4930,11 +4929,11 @@
                 </a:r>
                 <a:r>
                   <a:rPr lang="pt-BR" b="1" i="1" dirty="0" smtClean="0"/>
-                  <a:t>função discriminante </a:t>
-                </a:r>
-                <a:r>
-                  <a:rPr lang="pt-BR" dirty="0" smtClean="0"/>
-                  <a:t>adequada para o problema, mesmo que não seja um </a:t>
+                  <a:t>função discriminante adequada para o problema</a:t>
+                </a:r>
+                <a:r>
+                  <a:rPr lang="pt-BR" dirty="0" smtClean="0"/>
+                  <a:t>, mesmo que não seja um </a:t>
                 </a:r>
                 <a:r>
                   <a:rPr lang="pt-BR" b="1" i="1" dirty="0" smtClean="0"/>
@@ -5073,7 +5072,7 @@
             </p:txBody>
           </p:sp>
         </mc:Choice>
-        <mc:Fallback xmlns="">
+        <mc:Fallback>
           <p:sp>
             <p:nvSpPr>
               <p:cNvPr id="3" name="Content Placeholder 2"/>
@@ -5198,7 +5197,6 @@
               <a:rPr lang="pt-BR" dirty="0"/>
               <a:t>Classificação com limiar de decisão rígido</a:t>
             </a:r>
-            <a:endParaRPr lang="pt-BR" dirty="0"/>
           </a:p>
         </p:txBody>
       </p:sp>
@@ -5216,8 +5214,8 @@
             </p:nvSpPr>
             <p:spPr>
               <a:xfrm>
-                <a:off x="838200" y="1825624"/>
-                <a:ext cx="8134350" cy="5032376"/>
+                <a:off x="838199" y="1825624"/>
+                <a:ext cx="7785295" cy="5032376"/>
               </a:xfrm>
             </p:spPr>
             <p:txBody>
@@ -5330,13 +5328,13 @@
             </p:nvSpPr>
             <p:spPr>
               <a:xfrm>
-                <a:off x="838200" y="1825624"/>
-                <a:ext cx="8134350" cy="5032376"/>
+                <a:off x="838199" y="1825624"/>
+                <a:ext cx="7785295" cy="5032376"/>
               </a:xfrm>
               <a:blipFill rotWithShape="0">
                 <a:blip r:embed="rId2"/>
                 <a:stretch>
-                  <a:fillRect l="-1199" t="-2421" r="-225"/>
+                  <a:fillRect l="-1174" t="-2421"/>
                 </a:stretch>
               </a:blipFill>
             </p:spPr>
@@ -5376,16 +5374,16 @@
         </p:blipFill>
         <p:spPr>
           <a:xfrm>
-            <a:off x="8972550" y="1668433"/>
-            <a:ext cx="3193143" cy="2750289"/>
+            <a:off x="8467075" y="1422698"/>
+            <a:ext cx="3542199" cy="3050935"/>
           </a:xfrm>
           <a:prstGeom prst="rect">
             <a:avLst/>
           </a:prstGeom>
         </p:spPr>
       </p:pic>
-      <mc:AlternateContent xmlns:mc="http://schemas.openxmlformats.org/markup-compatibility/2006" xmlns:a14="http://schemas.microsoft.com/office/drawing/2010/main">
-        <mc:Choice Requires="a14">
+      <mc:AlternateContent xmlns:mc="http://schemas.openxmlformats.org/markup-compatibility/2006">
+        <mc:Choice xmlns:a14="http://schemas.microsoft.com/office/drawing/2010/main" Requires="a14">
           <p:sp>
             <p:nvSpPr>
               <p:cNvPr id="9" name="TextBox 8"/>
@@ -5394,8 +5392,8 @@
             </p:nvSpPr>
             <p:spPr>
               <a:xfrm>
-                <a:off x="8577944" y="4418722"/>
-                <a:ext cx="3587750" cy="2308324"/>
+                <a:off x="8310657" y="4473633"/>
+                <a:ext cx="3855036" cy="2308324"/>
               </a:xfrm>
               <a:prstGeom prst="rect">
                 <a:avLst/>
@@ -5495,8 +5493,29 @@
                 </a:pPr>
                 <a:r>
                   <a:rPr lang="pt-BR" sz="1600" dirty="0" smtClean="0"/>
-                  <a:t>Ou seja, a cofiança deveria ser maior pra pontos distantes.</a:t>
-                </a:r>
+                  <a:t>Ou seja, a </a:t>
+                </a:r>
+                <a:r>
+                  <a:rPr lang="pt-BR" sz="1600" dirty="0" smtClean="0"/>
+                  <a:t>confiança </a:t>
+                </a:r>
+                <a:r>
+                  <a:rPr lang="pt-BR" sz="1600" dirty="0" smtClean="0"/>
+                  <a:t>deveria ser maior </a:t>
+                </a:r>
+                <a:r>
+                  <a:rPr lang="pt-BR" sz="1600" dirty="0" smtClean="0"/>
+                  <a:t>para </a:t>
+                </a:r>
+                <a:r>
+                  <a:rPr lang="pt-BR" sz="1600" dirty="0" smtClean="0"/>
+                  <a:t>pontos </a:t>
+                </a:r>
+                <a:r>
+                  <a:rPr lang="pt-BR" sz="1600" dirty="0" smtClean="0"/>
+                  <a:t>distantes da fronteira.</a:t>
+                </a:r>
+                <a:endParaRPr lang="pt-BR" sz="1600" dirty="0" smtClean="0"/>
               </a:p>
               <a:p>
                 <a:pPr marL="285750" indent="-285750">
@@ -5512,7 +5531,7 @@
             </p:txBody>
           </p:sp>
         </mc:Choice>
-        <mc:Fallback xmlns="">
+        <mc:Fallback>
           <p:sp>
             <p:nvSpPr>
               <p:cNvPr id="9" name="TextBox 8"/>
@@ -5523,8 +5542,8 @@
             </p:nvSpPr>
             <p:spPr>
               <a:xfrm>
-                <a:off x="8577944" y="4418722"/>
-                <a:ext cx="3587750" cy="2308324"/>
+                <a:off x="8310657" y="4473633"/>
+                <a:ext cx="3855036" cy="2308324"/>
               </a:xfrm>
               <a:prstGeom prst="rect">
                 <a:avLst/>
@@ -5532,7 +5551,7 @@
               <a:blipFill rotWithShape="0">
                 <a:blip r:embed="rId4"/>
                 <a:stretch>
-                  <a:fillRect l="-679" t="-792" r="-1698" b="-2375"/>
+                  <a:fillRect l="-632" t="-792" b="-2375"/>
                 </a:stretch>
               </a:blipFill>
             </p:spPr>
@@ -5777,7 +5796,7 @@
           <p:cNvPr id="4" name="Título 1">
             <a:extLst>
               <a:ext uri="{FF2B5EF4-FFF2-40B4-BE49-F238E27FC236}">
-                <a16:creationId xmlns:a16="http://schemas.microsoft.com/office/drawing/2014/main" xmlns="" id="{32666AC8-2E17-4DB4-B0F5-60C640CCFD2E}"/>
+                <a16:creationId xmlns="" xmlns:a16="http://schemas.microsoft.com/office/drawing/2014/main" id="{32666AC8-2E17-4DB4-B0F5-60C640CCFD2E}"/>
               </a:ext>
             </a:extLst>
           </p:cNvPr>
@@ -7795,7 +7814,15 @@
           <a:p>
             <a:r>
               <a:rPr lang="pt-BR" dirty="0" smtClean="0"/>
-              <a:t>Definimos o problema da classificação e concluímos que ele também é um problema de aprendizado do supervisionado.</a:t>
+              <a:t>Definimos o problema da classificação e concluímos que ele também é um problema de </a:t>
+            </a:r>
+            <a:r>
+              <a:rPr lang="pt-BR" dirty="0" smtClean="0"/>
+              <a:t>aprendizado </a:t>
+            </a:r>
+            <a:r>
+              <a:rPr lang="pt-BR" dirty="0" smtClean="0"/>
+              <a:t>supervisionado.</a:t>
             </a:r>
           </a:p>
           <a:p>
@@ -7897,7 +7924,7 @@
             </p:spPr>
             <p:txBody>
               <a:bodyPr>
-                <a:normAutofit fontScale="92500" lnSpcReduction="20000"/>
+                <a:normAutofit fontScale="85000" lnSpcReduction="10000"/>
               </a:bodyPr>
               <a:lstStyle/>
               <a:p>
@@ -7971,7 +7998,15 @@
               <a:p>
                 <a:r>
                   <a:rPr lang="pt-BR" dirty="0"/>
-                  <a:t>A saída de um classificador linear é dada por</a:t>
+                  <a:t>A saída de um </a:t>
+                </a:r>
+                <a:r>
+                  <a:rPr lang="pt-BR" b="1" i="1" dirty="0"/>
+                  <a:t>classificador linear </a:t>
+                </a:r>
+                <a:r>
+                  <a:rPr lang="pt-BR" dirty="0"/>
+                  <a:t>é dada por</a:t>
                 </a:r>
               </a:p>
               <a:p>
@@ -8544,11 +8579,45 @@
                         </m:r>
                       </m:sub>
                     </m:sSub>
+                    <m:r>
+                      <a:rPr lang="pt-BR" b="0" i="0" smtClean="0">
+                        <a:latin typeface="Cambria Math" panose="02040503050406030204" pitchFamily="18" charset="0"/>
+                      </a:rPr>
+                      <m:t>,  </m:t>
+                    </m:r>
+                    <m:r>
+                      <m:rPr>
+                        <m:sty m:val="p"/>
+                      </m:rPr>
+                      <a:rPr lang="pt-BR" b="0" i="0" smtClean="0">
+                        <a:latin typeface="Cambria Math" panose="02040503050406030204" pitchFamily="18" charset="0"/>
+                      </a:rPr>
+                      <m:t>q</m:t>
+                    </m:r>
+                    <m:r>
+                      <a:rPr lang="pt-BR" b="0" i="0" smtClean="0">
+                        <a:latin typeface="Cambria Math" panose="02040503050406030204" pitchFamily="18" charset="0"/>
+                      </a:rPr>
+                      <m:t>=1,…,</m:t>
+                    </m:r>
+                    <m:r>
+                      <m:rPr>
+                        <m:sty m:val="p"/>
+                      </m:rPr>
+                      <a:rPr lang="pt-BR" b="0" i="0" smtClean="0">
+                        <a:latin typeface="Cambria Math" panose="02040503050406030204" pitchFamily="18" charset="0"/>
+                      </a:rPr>
+                      <m:t>Q</m:t>
+                    </m:r>
                   </m:oMath>
                 </a14:m>
                 <a:r>
+                  <a:rPr lang="pt-BR" dirty="0" smtClean="0"/>
+                  <a:t>, </a:t>
+                </a:r>
+                <a:r>
                   <a:rPr lang="pt-BR" dirty="0"/>
-                  <a:t> do objeto</a:t>
+                  <a:t>do objeto</a:t>
                 </a:r>
                 <a:r>
                   <a:rPr lang="pt-BR" dirty="0" smtClean="0"/>
@@ -8592,11 +8661,7 @@
                 </a:r>
                 <a:r>
                   <a:rPr lang="pt-BR" dirty="0" smtClean="0"/>
-                  <a:t>são formadas </a:t>
-                </a:r>
-                <a:r>
-                  <a:rPr lang="pt-BR" dirty="0" smtClean="0"/>
-                  <a:t>por equações de hiperplanos: </a:t>
+                  <a:t>são formadas por equações de hiperplanos: </a:t>
                 </a:r>
                 <a14:m>
                   <m:oMath xmlns:m="http://schemas.openxmlformats.org/officeDocument/2006/math">
@@ -8795,7 +8860,7 @@
               <a:blipFill rotWithShape="0">
                 <a:blip r:embed="rId3"/>
                 <a:stretch>
-                  <a:fillRect l="-933" t="-2948" r="-1097" b="-943"/>
+                  <a:fillRect l="-2139" t="-2241" r="-494" b="-6250"/>
                 </a:stretch>
               </a:blipFill>
             </p:spPr>
@@ -8878,8 +8943,8 @@
           </a:p>
         </p:txBody>
       </p:sp>
-      <mc:AlternateContent xmlns:mc="http://schemas.openxmlformats.org/markup-compatibility/2006" xmlns:a14="http://schemas.microsoft.com/office/drawing/2010/main">
-        <mc:Choice Requires="a14">
+      <mc:AlternateContent xmlns:mc="http://schemas.openxmlformats.org/markup-compatibility/2006">
+        <mc:Choice xmlns:a14="http://schemas.microsoft.com/office/drawing/2010/main" Requires="a14">
           <p:sp>
             <p:nvSpPr>
               <p:cNvPr id="3" name="Content Placeholder 2"/>
@@ -9093,8 +9158,12 @@
               </a:p>
               <a:p>
                 <a:r>
-                  <a:rPr lang="pt-BR" dirty="0" smtClean="0"/>
-                  <a:t>Classificadores binários têm como saída o valor </a:t>
+                  <a:rPr lang="pt-BR" b="1" i="1" dirty="0" smtClean="0"/>
+                  <a:t>Classificadores binários </a:t>
+                </a:r>
+                <a:r>
+                  <a:rPr lang="pt-BR" dirty="0" smtClean="0"/>
+                  <a:t>têm como saída o valor </a:t>
                 </a:r>
                 <a:r>
                   <a:rPr lang="pt-BR" b="1" i="1" dirty="0" smtClean="0"/>
@@ -9478,7 +9547,7 @@
             </p:txBody>
           </p:sp>
         </mc:Choice>
-        <mc:Fallback xmlns="">
+        <mc:Fallback>
           <p:sp>
             <p:nvSpPr>
               <p:cNvPr id="3" name="Content Placeholder 2"/>
@@ -9892,7 +9961,7 @@
             </p:nvSpPr>
             <p:spPr>
               <a:xfrm>
-                <a:off x="838199" y="1825624"/>
+                <a:off x="838199" y="1783420"/>
                 <a:ext cx="11187545" cy="5032375"/>
               </a:xfrm>
             </p:spPr>
@@ -9907,8 +9976,16 @@
                   <a:t>Originalmente, </a:t>
                 </a:r>
                 <a:r>
+                  <a:rPr lang="pt-BR" b="1" i="1" dirty="0"/>
+                  <a:t>c</a:t>
+                </a:r>
+                <a:r>
                   <a:rPr lang="pt-BR" b="1" i="1" dirty="0" smtClean="0"/>
-                  <a:t>Classificação linear </a:t>
+                  <a:t>lassificação </a:t>
+                </a:r>
+                <a:r>
+                  <a:rPr lang="pt-BR" b="1" i="1" dirty="0" smtClean="0"/>
+                  <a:t>linear </a:t>
                 </a:r>
                 <a:r>
                   <a:rPr lang="pt-BR" dirty="0" smtClean="0"/>
@@ -9920,7 +9997,15 @@
                 </a:r>
                 <a:r>
                   <a:rPr lang="pt-BR" dirty="0" smtClean="0"/>
-                  <a:t>usada quando as classes podem ser separadas por superfícies de decisão lineares. </a:t>
+                  <a:t>usada quando as classes podem ser separadas por </a:t>
+                </a:r>
+                <a:r>
+                  <a:rPr lang="pt-BR" b="1" i="1" dirty="0" smtClean="0"/>
+                  <a:t>superfícies de decisão lineares</a:t>
+                </a:r>
+                <a:r>
+                  <a:rPr lang="pt-BR" dirty="0" smtClean="0"/>
+                  <a:t>. </a:t>
                 </a:r>
               </a:p>
               <a:p>
@@ -10057,11 +10142,27 @@
                 </a:r>
                 <a:r>
                   <a:rPr lang="pt-BR" dirty="0" smtClean="0"/>
-                  <a:t>, ou seja, elas não são </a:t>
+                  <a:t>, ou seja, </a:t>
+                </a:r>
+                <a:r>
+                  <a:rPr lang="pt-BR" dirty="0" smtClean="0"/>
+                  <a:t>se elas </a:t>
+                </a:r>
+                <a:r>
+                  <a:rPr lang="pt-BR" dirty="0" smtClean="0"/>
+                  <a:t>não </a:t>
+                </a:r>
+                <a:r>
+                  <a:rPr lang="pt-BR" dirty="0" smtClean="0"/>
+                  <a:t>forem </a:t>
                 </a:r>
                 <a:r>
                   <a:rPr lang="pt-BR" b="1" i="1" dirty="0" smtClean="0"/>
-                  <a:t>linearmente separáveis</a:t>
+                  <a:t>linearmente </a:t>
+                </a:r>
+                <a:r>
+                  <a:rPr lang="pt-BR" b="1" i="1" dirty="0" smtClean="0"/>
+                  <a:t>separáveis</a:t>
                 </a:r>
                 <a:r>
                   <a:rPr lang="pt-BR" dirty="0" smtClean="0"/>
@@ -10079,7 +10180,11 @@
                 </a:r>
                 <a:r>
                   <a:rPr lang="pt-BR" dirty="0" smtClean="0"/>
-                  <a:t>, como, por exemplo </a:t>
+                  <a:t>, como, por </a:t>
+                </a:r>
+                <a:r>
+                  <a:rPr lang="pt-BR" dirty="0" smtClean="0"/>
+                  <a:t>exemplo, </a:t>
                 </a:r>
                 <a:r>
                   <a:rPr lang="pt-BR" b="1" i="1" dirty="0" smtClean="0"/>
@@ -10885,21 +10990,53 @@
                 </a:r>
                 <a:r>
                   <a:rPr lang="pt-BR" dirty="0" smtClean="0"/>
-                  <a:t>quando usamos uma função discriminante não-linear, convertemos </a:t>
+                  <a:t>quando usamos uma </a:t>
+                </a:r>
+                <a:r>
+                  <a:rPr lang="pt-BR" b="1" i="1" dirty="0" smtClean="0"/>
+                  <a:t>função discriminante não-linear</a:t>
+                </a:r>
+                <a:r>
+                  <a:rPr lang="pt-BR" dirty="0" smtClean="0"/>
+                  <a:t>, convertemos </a:t>
+                </a:r>
+                <a:r>
+                  <a:rPr lang="pt-BR" b="1" i="1" dirty="0"/>
+                  <a:t>classificadores lineares </a:t>
                 </a:r>
                 <a:r>
                   <a:rPr lang="pt-BR" dirty="0"/>
-                  <a:t>classificadores lineares em classificadores </a:t>
-                </a:r>
-                <a:r>
-                  <a:rPr lang="pt-BR" dirty="0" smtClean="0"/>
-                  <a:t>não-lineares através da aplicação de uma transformação dos atributos.</a:t>
+                  <a:t>em </a:t>
+                </a:r>
+                <a:r>
+                  <a:rPr lang="pt-BR" b="1" i="1" dirty="0"/>
+                  <a:t>classificadores </a:t>
+                </a:r>
+                <a:r>
+                  <a:rPr lang="pt-BR" b="1" i="1" dirty="0" smtClean="0"/>
+                  <a:t>não-lineares </a:t>
+                </a:r>
+                <a:r>
+                  <a:rPr lang="pt-BR" dirty="0" smtClean="0"/>
+                  <a:t>através da aplicação de uma </a:t>
+                </a:r>
+                <a:r>
+                  <a:rPr lang="pt-BR" b="1" i="1" dirty="0" smtClean="0"/>
+                  <a:t>transformação dos atributos</a:t>
+                </a:r>
+                <a:r>
+                  <a:rPr lang="pt-BR" dirty="0" smtClean="0"/>
+                  <a:t>.</a:t>
                 </a:r>
               </a:p>
               <a:p>
                 <a:r>
                   <a:rPr lang="pt-BR" dirty="0" smtClean="0"/>
-                  <a:t>Esta transformação pode ser vista também como uma mudança do </a:t>
+                  <a:t>Esta </a:t>
+                </a:r>
+                <a:r>
+                  <a:rPr lang="pt-BR" dirty="0" smtClean="0"/>
+                  <a:t>transformação pode ser vista também como uma mudança do </a:t>
                 </a:r>
                 <a:r>
                   <a:rPr lang="pt-BR" dirty="0"/>
@@ -10907,31 +11044,12 @@
                 </a:r>
                 <a:r>
                   <a:rPr lang="pt-BR" dirty="0" smtClean="0"/>
-                  <a:t>entrada, o que normalmente leva ao aumento das dimensões de entrada ou mudança dos eixos.</a:t>
-                </a:r>
-                <a:endParaRPr lang="pt-BR" dirty="0"/>
-              </a:p>
-              <a:p>
-                <a:pPr lvl="1"/>
-                <a:endParaRPr lang="pt-BR" dirty="0" smtClean="0"/>
-              </a:p>
-              <a:p>
-                <a:pPr lvl="1">
-                  <a:buFont typeface="Wingdings" panose="05000000000000000000" pitchFamily="2" charset="2"/>
-                  <a:buChar char="§"/>
-                </a:pPr>
-                <a:endParaRPr lang="pt-BR" dirty="0"/>
-              </a:p>
-              <a:p>
-                <a:endParaRPr lang="pt-BR" dirty="0" smtClean="0"/>
-              </a:p>
-              <a:p>
-                <a:endParaRPr lang="pt-BR" dirty="0"/>
-              </a:p>
-              <a:p>
-                <a:endParaRPr lang="pt-BR" dirty="0" smtClean="0"/>
-              </a:p>
-              <a:p>
+                  <a:t>entrada, o que normalmente leva ao aumento das dimensões de entrada ou mudança dos eixos</a:t>
+                </a:r>
+                <a:r>
+                  <a:rPr lang="pt-BR" dirty="0" smtClean="0"/>
+                  <a:t>.</a:t>
+                </a:r>
                 <a:endParaRPr lang="pt-BR" dirty="0"/>
               </a:p>
             </p:txBody>
@@ -10950,13 +11068,13 @@
             </p:nvSpPr>
             <p:spPr>
               <a:xfrm>
-                <a:off x="838199" y="1825624"/>
+                <a:off x="838199" y="1783420"/>
                 <a:ext cx="11187545" cy="5032375"/>
               </a:xfrm>
               <a:blipFill rotWithShape="0">
                 <a:blip r:embed="rId3"/>
                 <a:stretch>
-                  <a:fillRect l="-708" t="-2785" r="-1144" b="-2663"/>
+                  <a:fillRect l="-708" t="-2788" r="-871" b="-2788"/>
                 </a:stretch>
               </a:blipFill>
             </p:spPr>
@@ -11036,8 +11154,8 @@
           </a:p>
         </p:txBody>
       </p:sp>
-      <mc:AlternateContent xmlns:mc="http://schemas.openxmlformats.org/markup-compatibility/2006" xmlns:a14="http://schemas.microsoft.com/office/drawing/2010/main">
-        <mc:Choice Requires="a14">
+      <mc:AlternateContent xmlns:mc="http://schemas.openxmlformats.org/markup-compatibility/2006">
+        <mc:Choice xmlns:a14="http://schemas.microsoft.com/office/drawing/2010/main" Requires="a14">
           <p:sp>
             <p:nvSpPr>
               <p:cNvPr id="3" name="Content Placeholder 2"/>
@@ -11428,7 +11546,15 @@
                 </a:r>
                 <a:r>
                   <a:rPr lang="pt-BR" dirty="0" smtClean="0"/>
-                  <a:t> é binária, ou seja, temos apenas 2 possíveis valores, 0 ou 1.</a:t>
+                  <a:t> é </a:t>
+                </a:r>
+                <a:r>
+                  <a:rPr lang="pt-BR" b="1" i="1" dirty="0" smtClean="0"/>
+                  <a:t>binária</a:t>
+                </a:r>
+                <a:r>
+                  <a:rPr lang="pt-BR" dirty="0" smtClean="0"/>
+                  <a:t>, ou seja, temos apenas 2 possíveis valores, 0 ou 1.</a:t>
                 </a:r>
               </a:p>
               <a:p>
@@ -11780,7 +11906,7 @@
             </p:txBody>
           </p:sp>
         </mc:Choice>
-        <mc:Fallback xmlns="">
+        <mc:Fallback>
           <p:sp>
             <p:nvSpPr>
               <p:cNvPr id="3" name="Content Placeholder 2"/>
@@ -12281,8 +12407,8 @@
           </a:p>
         </p:txBody>
       </p:sp>
-      <mc:AlternateContent xmlns:mc="http://schemas.openxmlformats.org/markup-compatibility/2006" xmlns:a14="http://schemas.microsoft.com/office/drawing/2010/main">
-        <mc:Choice Requires="a14">
+      <mc:AlternateContent xmlns:mc="http://schemas.openxmlformats.org/markup-compatibility/2006">
+        <mc:Choice xmlns:a14="http://schemas.microsoft.com/office/drawing/2010/main" Requires="a14">
           <p:sp>
             <p:nvSpPr>
               <p:cNvPr id="3" name="Content Placeholder 2"/>
@@ -12377,7 +12503,15 @@
                 </a:r>
                 <a:r>
                   <a:rPr lang="pt-BR" dirty="0" smtClean="0"/>
-                  <a:t>tem uma forma matemática bem definida, nós podemos pensar em como escolher os pesos </a:t>
+                  <a:t>tem uma forma matemática bem definida, </a:t>
+                </a:r>
+                <a:r>
+                  <a:rPr lang="pt-BR" dirty="0" smtClean="0"/>
+                  <a:t>nós </a:t>
+                </a:r>
+                <a:r>
+                  <a:rPr lang="pt-BR" dirty="0" smtClean="0"/>
+                  <a:t>podemos pensar em como escolher os pesos </a:t>
                 </a:r>
                 <a14:m>
                   <m:oMath xmlns:m="http://schemas.openxmlformats.org/officeDocument/2006/math">
@@ -12435,7 +12569,19 @@
                 </a:r>
                 <a:r>
                   <a:rPr lang="pt-BR" dirty="0" smtClean="0"/>
-                  <a:t>) fazendo o gradiente igual a zero e resolvendo a equação para os pesos;</a:t>
+                  <a:t>) fazendo </a:t>
+                </a:r>
+                <a:r>
+                  <a:rPr lang="pt-BR" dirty="0" smtClean="0"/>
+                  <a:t>a derivada parcial </a:t>
+                </a:r>
+                <a:r>
+                  <a:rPr lang="pt-BR" dirty="0" smtClean="0"/>
+                  <a:t>com relação aos pesos </a:t>
+                </a:r>
+                <a:r>
+                  <a:rPr lang="pt-BR" dirty="0" smtClean="0"/>
+                  <a:t>igual a zero e resolvendo a equação para os pesos;</a:t>
                 </a:r>
               </a:p>
               <a:p>
@@ -12550,7 +12696,7 @@
             </p:txBody>
           </p:sp>
         </mc:Choice>
-        <mc:Fallback xmlns="">
+        <mc:Fallback>
           <p:sp>
             <p:nvSpPr>
               <p:cNvPr id="3" name="Content Placeholder 2"/>
@@ -12569,7 +12715,7 @@
               <a:blipFill rotWithShape="0">
                 <a:blip r:embed="rId3"/>
                 <a:stretch>
-                  <a:fillRect l="-1190" t="-3226" r="-1190"/>
+                  <a:fillRect l="-1190" t="-3226" r="-1190" b="-2605"/>
                 </a:stretch>
               </a:blipFill>
             </p:spPr>
@@ -12667,7 +12813,6 @@
               <a:rPr lang="pt-BR" dirty="0"/>
               <a:t>Classificação com limiar de decisão rígido</a:t>
             </a:r>
-            <a:endParaRPr lang="pt-BR" dirty="0"/>
           </a:p>
         </p:txBody>
       </p:sp>
@@ -13181,12 +13326,11 @@
               <a:rPr lang="pt-BR" dirty="0"/>
               <a:t>Classificação com limiar de decisão rígido</a:t>
             </a:r>
-            <a:endParaRPr lang="pt-BR" dirty="0"/>
           </a:p>
         </p:txBody>
       </p:sp>
-      <mc:AlternateContent xmlns:mc="http://schemas.openxmlformats.org/markup-compatibility/2006" xmlns:a14="http://schemas.microsoft.com/office/drawing/2010/main">
-        <mc:Choice Requires="a14">
+      <mc:AlternateContent xmlns:mc="http://schemas.openxmlformats.org/markup-compatibility/2006">
+        <mc:Choice xmlns:a14="http://schemas.microsoft.com/office/drawing/2010/main" Requires="a14">
           <p:sp>
             <p:nvSpPr>
               <p:cNvPr id="3" name="Content Placeholder 2"/>
@@ -13208,6 +13352,12 @@
                 <a:normAutofit/>
               </a:bodyPr>
               <a:lstStyle/>
+              <a:p>
+                <a:r>
+                  <a:rPr lang="pt-BR" dirty="0" smtClean="0"/>
+                  <a:t>Observem a equação de atualizaçao dos pesos</a:t>
+                </a:r>
+              </a:p>
               <a:p>
                 <a:pPr marL="0" indent="0">
                   <a:buNone/>
@@ -13380,6 +13530,13 @@
                           </m:r>
                         </m:e>
                       </m:d>
+                      <m:r>
+                        <a:rPr lang="pt-BR" b="1" i="1" smtClean="0">
+                          <a:latin typeface="Cambria Math" panose="02040503050406030204" pitchFamily="18" charset="0"/>
+                          <a:ea typeface="Cambria Math" panose="02040503050406030204" pitchFamily="18" charset="0"/>
+                        </a:rPr>
+                        <m:t>.</m:t>
+                      </m:r>
                     </m:oMath>
                   </m:oMathPara>
                 </a14:m>
@@ -14268,7 +14425,7 @@
             </p:txBody>
           </p:sp>
         </mc:Choice>
-        <mc:Fallback xmlns="">
+        <mc:Fallback>
           <p:sp>
             <p:nvSpPr>
               <p:cNvPr id="3" name="Content Placeholder 2"/>
@@ -14287,7 +14444,7 @@
               <a:blipFill rotWithShape="0">
                 <a:blip r:embed="rId2"/>
                 <a:stretch>
-                  <a:fillRect l="-970" r="-228"/>
+                  <a:fillRect l="-970" t="-1887" r="-228"/>
                 </a:stretch>
               </a:blipFill>
             </p:spPr>

--- a/slides/T320_Classificação (Parte II).pptx
+++ b/slides/T320_Classificação (Parte II).pptx
@@ -15,7 +15,7 @@
     <p:sldId id="314" r:id="rId3"/>
     <p:sldId id="363" r:id="rId4"/>
     <p:sldId id="364" r:id="rId5"/>
-    <p:sldId id="368" r:id="rId6"/>
+    <p:sldId id="369" r:id="rId6"/>
     <p:sldId id="365" r:id="rId7"/>
     <p:sldId id="346" r:id="rId8"/>
     <p:sldId id="347" r:id="rId9"/>
@@ -288,7 +288,7 @@
           <a:p>
             <a:fld id="{144F1436-6906-4D93-B7A2-786C327BFA14}" type="datetimeFigureOut">
               <a:rPr lang="nl-BE" smtClean="0"/>
-              <a:t>13/08/2021</a:t>
+              <a:t>17/02/2022</a:t>
             </a:fld>
             <a:endParaRPr lang="nl-BE"/>
           </a:p>
@@ -453,7 +453,7 @@
           <a:p>
             <a:fld id="{AA8CD09E-2914-4F47-B6C1-51B2C31814C9}" type="datetimeFigureOut">
               <a:rPr lang="pt-BR" smtClean="0"/>
-              <a:t>13/08/2021</a:t>
+              <a:t>17/02/2022</a:t>
             </a:fld>
             <a:endParaRPr lang="pt-BR"/>
           </a:p>
@@ -1065,6 +1065,8 @@
               <a:rPr lang="pt-BR" dirty="0" smtClean="0"/>
               <a:t>[3] https://pt.wikipedia.org/wiki/Hip%C3%A9rbole</a:t>
             </a:r>
+          </a:p>
+          <a:p>
             <a:endParaRPr lang="pt-BR" dirty="0"/>
           </a:p>
         </p:txBody>
@@ -1095,7 +1097,7 @@
     </p:spTree>
     <p:extLst>
       <p:ext uri="{BB962C8B-B14F-4D97-AF65-F5344CB8AC3E}">
-        <p14:creationId xmlns:p14="http://schemas.microsoft.com/office/powerpoint/2010/main" val="2615495383"/>
+        <p14:creationId xmlns:p14="http://schemas.microsoft.com/office/powerpoint/2010/main" val="2608157781"/>
       </p:ext>
     </p:extLst>
   </p:cSld>
@@ -1350,16 +1352,12 @@
           <a:lstStyle/>
           <a:p>
             <a:r>
-              <a:rPr lang="pt-BR" sz="1200" b="1" smtClean="0"/>
+              <a:rPr lang="pt-BR" sz="1200" b="1" dirty="0" smtClean="0"/>
               <a:t>Laboratório #2</a:t>
             </a:r>
             <a:r>
-              <a:rPr lang="pt-BR" sz="1200" smtClean="0"/>
-              <a:t>: </a:t>
-            </a:r>
-            <a:r>
               <a:rPr lang="pt-BR" sz="1200" dirty="0" smtClean="0"/>
-              <a:t>https://mybinder.org/v2/gh/zz4fap/t320_aprendizado_de_maquina/main?filepath=labs%2FLaboratorio2.ipynb</a:t>
+              <a:t>: https://mybinder.org/v2/gh/zz4fap/t320_aprendizado_de_maquina/main?filepath=labs%2FLaboratorio2.ipynb</a:t>
             </a:r>
           </a:p>
           <a:p>
@@ -1550,7 +1548,7 @@
           <a:p>
             <a:fld id="{63289F7E-B80B-496E-81B4-D396C37C9454}" type="datetimeFigureOut">
               <a:rPr lang="pt-BR" smtClean="0"/>
-              <a:t>13/08/2021</a:t>
+              <a:t>17/02/2022</a:t>
             </a:fld>
             <a:endParaRPr lang="pt-BR"/>
           </a:p>
@@ -1748,7 +1746,7 @@
           <a:p>
             <a:fld id="{63289F7E-B80B-496E-81B4-D396C37C9454}" type="datetimeFigureOut">
               <a:rPr lang="pt-BR" smtClean="0"/>
-              <a:t>13/08/2021</a:t>
+              <a:t>17/02/2022</a:t>
             </a:fld>
             <a:endParaRPr lang="pt-BR"/>
           </a:p>
@@ -1956,7 +1954,7 @@
           <a:p>
             <a:fld id="{63289F7E-B80B-496E-81B4-D396C37C9454}" type="datetimeFigureOut">
               <a:rPr lang="pt-BR" smtClean="0"/>
-              <a:t>13/08/2021</a:t>
+              <a:t>17/02/2022</a:t>
             </a:fld>
             <a:endParaRPr lang="pt-BR"/>
           </a:p>
@@ -2154,7 +2152,7 @@
           <a:p>
             <a:fld id="{63289F7E-B80B-496E-81B4-D396C37C9454}" type="datetimeFigureOut">
               <a:rPr lang="pt-BR" smtClean="0"/>
-              <a:t>13/08/2021</a:t>
+              <a:t>17/02/2022</a:t>
             </a:fld>
             <a:endParaRPr lang="pt-BR"/>
           </a:p>
@@ -2429,7 +2427,7 @@
           <a:p>
             <a:fld id="{63289F7E-B80B-496E-81B4-D396C37C9454}" type="datetimeFigureOut">
               <a:rPr lang="pt-BR" smtClean="0"/>
-              <a:t>13/08/2021</a:t>
+              <a:t>17/02/2022</a:t>
             </a:fld>
             <a:endParaRPr lang="pt-BR"/>
           </a:p>
@@ -2694,7 +2692,7 @@
           <a:p>
             <a:fld id="{63289F7E-B80B-496E-81B4-D396C37C9454}" type="datetimeFigureOut">
               <a:rPr lang="pt-BR" smtClean="0"/>
-              <a:t>13/08/2021</a:t>
+              <a:t>17/02/2022</a:t>
             </a:fld>
             <a:endParaRPr lang="pt-BR"/>
           </a:p>
@@ -3106,7 +3104,7 @@
           <a:p>
             <a:fld id="{63289F7E-B80B-496E-81B4-D396C37C9454}" type="datetimeFigureOut">
               <a:rPr lang="pt-BR" smtClean="0"/>
-              <a:t>13/08/2021</a:t>
+              <a:t>17/02/2022</a:t>
             </a:fld>
             <a:endParaRPr lang="pt-BR"/>
           </a:p>
@@ -3247,7 +3245,7 @@
           <a:p>
             <a:fld id="{63289F7E-B80B-496E-81B4-D396C37C9454}" type="datetimeFigureOut">
               <a:rPr lang="pt-BR" smtClean="0"/>
-              <a:t>13/08/2021</a:t>
+              <a:t>17/02/2022</a:t>
             </a:fld>
             <a:endParaRPr lang="pt-BR"/>
           </a:p>
@@ -3360,7 +3358,7 @@
           <a:p>
             <a:fld id="{63289F7E-B80B-496E-81B4-D396C37C9454}" type="datetimeFigureOut">
               <a:rPr lang="pt-BR" smtClean="0"/>
-              <a:t>13/08/2021</a:t>
+              <a:t>17/02/2022</a:t>
             </a:fld>
             <a:endParaRPr lang="pt-BR"/>
           </a:p>
@@ -3671,7 +3669,7 @@
           <a:p>
             <a:fld id="{63289F7E-B80B-496E-81B4-D396C37C9454}" type="datetimeFigureOut">
               <a:rPr lang="pt-BR" smtClean="0"/>
-              <a:t>13/08/2021</a:t>
+              <a:t>17/02/2022</a:t>
             </a:fld>
             <a:endParaRPr lang="pt-BR"/>
           </a:p>
@@ -3959,7 +3957,7 @@
           <a:p>
             <a:fld id="{63289F7E-B80B-496E-81B4-D396C37C9454}" type="datetimeFigureOut">
               <a:rPr lang="pt-BR" smtClean="0"/>
-              <a:t>13/08/2021</a:t>
+              <a:t>17/02/2022</a:t>
             </a:fld>
             <a:endParaRPr lang="pt-BR"/>
           </a:p>
@@ -4200,7 +4198,7 @@
           <a:p>
             <a:fld id="{63289F7E-B80B-496E-81B4-D396C37C9454}" type="datetimeFigureOut">
               <a:rPr lang="pt-BR" smtClean="0"/>
-              <a:t>13/08/2021</a:t>
+              <a:t>17/02/2022</a:t>
             </a:fld>
             <a:endParaRPr lang="pt-BR"/>
           </a:p>
@@ -4847,8 +4845,8 @@
           </a:p>
         </p:txBody>
       </p:sp>
-      <mc:AlternateContent xmlns:mc="http://schemas.openxmlformats.org/markup-compatibility/2006">
-        <mc:Choice xmlns:a14="http://schemas.microsoft.com/office/drawing/2010/main" Requires="a14">
+      <mc:AlternateContent xmlns:mc="http://schemas.openxmlformats.org/markup-compatibility/2006" xmlns:a14="http://schemas.microsoft.com/office/drawing/2010/main">
+        <mc:Choice Requires="a14">
           <p:sp>
             <p:nvSpPr>
               <p:cNvPr id="3" name="Content Placeholder 2"/>
@@ -5072,7 +5070,7 @@
             </p:txBody>
           </p:sp>
         </mc:Choice>
-        <mc:Fallback>
+        <mc:Fallback xmlns="">
           <p:sp>
             <p:nvSpPr>
               <p:cNvPr id="3" name="Content Placeholder 2"/>
@@ -5200,8 +5198,8 @@
           </a:p>
         </p:txBody>
       </p:sp>
-      <mc:AlternateContent xmlns:mc="http://schemas.openxmlformats.org/markup-compatibility/2006">
-        <mc:Choice xmlns:a14="http://schemas.microsoft.com/office/drawing/2010/main" Requires="a14">
+      <mc:AlternateContent xmlns:mc="http://schemas.openxmlformats.org/markup-compatibility/2006" xmlns:a14="http://schemas.microsoft.com/office/drawing/2010/main">
+        <mc:Choice Requires="a14">
           <p:sp>
             <p:nvSpPr>
               <p:cNvPr id="3" name="Content Placeholder 2"/>
@@ -5315,7 +5313,7 @@
             </p:txBody>
           </p:sp>
         </mc:Choice>
-        <mc:Fallback>
+        <mc:Fallback xmlns="">
           <p:sp>
             <p:nvSpPr>
               <p:cNvPr id="3" name="Content Placeholder 2"/>
@@ -5382,8 +5380,8 @@
           </a:prstGeom>
         </p:spPr>
       </p:pic>
-      <mc:AlternateContent xmlns:mc="http://schemas.openxmlformats.org/markup-compatibility/2006">
-        <mc:Choice xmlns:a14="http://schemas.microsoft.com/office/drawing/2010/main" Requires="a14">
+      <mc:AlternateContent xmlns:mc="http://schemas.openxmlformats.org/markup-compatibility/2006" xmlns:a14="http://schemas.microsoft.com/office/drawing/2010/main">
+        <mc:Choice Requires="a14">
           <p:sp>
             <p:nvSpPr>
               <p:cNvPr id="9" name="TextBox 8"/>
@@ -5493,29 +5491,8 @@
                 </a:pPr>
                 <a:r>
                   <a:rPr lang="pt-BR" sz="1600" dirty="0" smtClean="0"/>
-                  <a:t>Ou seja, a </a:t>
-                </a:r>
-                <a:r>
-                  <a:rPr lang="pt-BR" sz="1600" dirty="0" smtClean="0"/>
-                  <a:t>confiança </a:t>
-                </a:r>
-                <a:r>
-                  <a:rPr lang="pt-BR" sz="1600" dirty="0" smtClean="0"/>
-                  <a:t>deveria ser maior </a:t>
-                </a:r>
-                <a:r>
-                  <a:rPr lang="pt-BR" sz="1600" dirty="0" smtClean="0"/>
-                  <a:t>para </a:t>
-                </a:r>
-                <a:r>
-                  <a:rPr lang="pt-BR" sz="1600" dirty="0" smtClean="0"/>
-                  <a:t>pontos </a:t>
-                </a:r>
-                <a:r>
-                  <a:rPr lang="pt-BR" sz="1600" dirty="0" smtClean="0"/>
-                  <a:t>distantes da fronteira.</a:t>
-                </a:r>
-                <a:endParaRPr lang="pt-BR" sz="1600" dirty="0" smtClean="0"/>
+                  <a:t>Ou seja, a confiança deveria ser maior para pontos distantes da fronteira.</a:t>
+                </a:r>
               </a:p>
               <a:p>
                 <a:pPr marL="285750" indent="-285750">
@@ -5531,7 +5508,7 @@
             </p:txBody>
           </p:sp>
         </mc:Choice>
-        <mc:Fallback>
+        <mc:Fallback xmlns="">
           <p:sp>
             <p:nvSpPr>
               <p:cNvPr id="9" name="TextBox 8"/>
@@ -7759,7 +7736,7 @@
         <p:spPr>
           <a:xfrm>
             <a:off x="838200" y="1825624"/>
-            <a:ext cx="10995212" cy="4646893"/>
+            <a:ext cx="11157642" cy="4901101"/>
           </a:xfrm>
         </p:spPr>
         <p:txBody>
@@ -7788,7 +7765,7 @@
             </a:pPr>
             <a:r>
               <a:rPr lang="pt-BR" dirty="0" smtClean="0"/>
-              <a:t>Classificação de spam.</a:t>
+              <a:t>Detecção de spams.</a:t>
             </a:r>
           </a:p>
           <a:p>
@@ -7817,12 +7794,12 @@
               <a:t>Definimos o problema da classificação e concluímos que ele também é um problema de </a:t>
             </a:r>
             <a:r>
-              <a:rPr lang="pt-BR" dirty="0" smtClean="0"/>
-              <a:t>aprendizado </a:t>
+              <a:rPr lang="pt-BR" b="1" i="1" dirty="0" smtClean="0"/>
+              <a:t>aprendizado supervisionado</a:t>
             </a:r>
             <a:r>
               <a:rPr lang="pt-BR" dirty="0" smtClean="0"/>
-              <a:t>supervisionado.</a:t>
+              <a:t>.</a:t>
             </a:r>
           </a:p>
           <a:p>
@@ -7840,10 +7817,10 @@
             </a:r>
           </a:p>
           <a:p>
-            <a:endParaRPr lang="pt-BR" dirty="0" smtClean="0"/>
-          </a:p>
-          <a:p>
-            <a:endParaRPr lang="pt-BR" dirty="0" smtClean="0"/>
+            <a:r>
+              <a:rPr lang="pt-BR" dirty="0" smtClean="0"/>
+              <a:t>A partir da aula de hoje, começamos a discutir como encontrar os pesos.</a:t>
+            </a:r>
           </a:p>
         </p:txBody>
       </p:sp>
@@ -7904,8 +7881,8 @@
           </a:p>
         </p:txBody>
       </p:sp>
-      <mc:AlternateContent xmlns:mc="http://schemas.openxmlformats.org/markup-compatibility/2006">
-        <mc:Choice xmlns:a14="http://schemas.microsoft.com/office/drawing/2010/main" Requires="a14">
+      <mc:AlternateContent xmlns:mc="http://schemas.openxmlformats.org/markup-compatibility/2006" xmlns:a14="http://schemas.microsoft.com/office/drawing/2010/main">
+        <mc:Choice Requires="a14">
           <p:sp>
             <p:nvSpPr>
               <p:cNvPr id="3" name="Content Placeholder 2"/>
@@ -7919,12 +7896,12 @@
             <p:spPr>
               <a:xfrm>
                 <a:off x="838199" y="1690688"/>
-                <a:ext cx="11110993" cy="5167311"/>
+                <a:ext cx="11112375" cy="5167311"/>
               </a:xfrm>
             </p:spPr>
             <p:txBody>
               <a:bodyPr>
-                <a:normAutofit fontScale="85000" lnSpcReduction="10000"/>
+                <a:normAutofit fontScale="92500" lnSpcReduction="20000"/>
               </a:bodyPr>
               <a:lstStyle/>
               <a:p>
@@ -8114,6 +8091,110 @@
                           </a:rPr>
                           <m:t>)</m:t>
                         </m:r>
+                      </m:e>
+                    </m:d>
+                    <m:r>
+                      <a:rPr lang="pt-BR" b="0" i="1" smtClean="0">
+                        <a:latin typeface="Cambria Math" panose="02040503050406030204" pitchFamily="18" charset="0"/>
+                      </a:rPr>
+                      <m:t>=</m:t>
+                    </m:r>
+                    <m:r>
+                      <a:rPr lang="en-US" i="1">
+                        <a:latin typeface="Cambria Math" panose="02040503050406030204" pitchFamily="18" charset="0"/>
+                      </a:rPr>
+                      <m:t>𝑓</m:t>
+                    </m:r>
+                    <m:d>
+                      <m:dPr>
+                        <m:ctrlPr>
+                          <a:rPr lang="en-US" i="1">
+                            <a:latin typeface="Cambria Math" panose="02040503050406030204" pitchFamily="18" charset="0"/>
+                          </a:rPr>
+                        </m:ctrlPr>
+                      </m:dPr>
+                      <m:e>
+                        <m:sSub>
+                          <m:sSubPr>
+                            <m:ctrlPr>
+                              <a:rPr lang="en-US" i="1">
+                                <a:latin typeface="Cambria Math" panose="02040503050406030204" pitchFamily="18" charset="0"/>
+                              </a:rPr>
+                            </m:ctrlPr>
+                          </m:sSubPr>
+                          <m:e>
+                            <m:r>
+                              <a:rPr lang="en-US" i="1">
+                                <a:latin typeface="Cambria Math" panose="02040503050406030204" pitchFamily="18" charset="0"/>
+                              </a:rPr>
+                              <m:t>𝑎</m:t>
+                            </m:r>
+                          </m:e>
+                          <m:sub>
+                            <m:r>
+                              <a:rPr lang="pt-BR" b="0" i="1" smtClean="0">
+                                <a:latin typeface="Cambria Math" panose="02040503050406030204" pitchFamily="18" charset="0"/>
+                              </a:rPr>
+                              <m:t>0</m:t>
+                            </m:r>
+                          </m:sub>
+                        </m:sSub>
+                        <m:r>
+                          <a:rPr lang="pt-BR" b="0" i="1" smtClean="0">
+                            <a:latin typeface="Cambria Math" panose="02040503050406030204" pitchFamily="18" charset="0"/>
+                          </a:rPr>
+                          <m:t>+⋯+</m:t>
+                        </m:r>
+                        <m:sSub>
+                          <m:sSubPr>
+                            <m:ctrlPr>
+                              <a:rPr lang="en-US" i="1">
+                                <a:latin typeface="Cambria Math" panose="02040503050406030204" pitchFamily="18" charset="0"/>
+                              </a:rPr>
+                            </m:ctrlPr>
+                          </m:sSubPr>
+                          <m:e>
+                            <m:r>
+                              <a:rPr lang="en-US" i="1">
+                                <a:latin typeface="Cambria Math" panose="02040503050406030204" pitchFamily="18" charset="0"/>
+                              </a:rPr>
+                              <m:t>𝑎</m:t>
+                            </m:r>
+                          </m:e>
+                          <m:sub>
+                            <m:r>
+                              <a:rPr lang="pt-BR" b="0" i="1" smtClean="0">
+                                <a:latin typeface="Cambria Math" panose="02040503050406030204" pitchFamily="18" charset="0"/>
+                              </a:rPr>
+                              <m:t>𝐾</m:t>
+                            </m:r>
+                          </m:sub>
+                        </m:sSub>
+                        <m:sSub>
+                          <m:sSubPr>
+                            <m:ctrlPr>
+                              <a:rPr lang="en-US" i="1">
+                                <a:latin typeface="Cambria Math" panose="02040503050406030204" pitchFamily="18" charset="0"/>
+                              </a:rPr>
+                            </m:ctrlPr>
+                          </m:sSubPr>
+                          <m:e>
+                            <m:r>
+                              <a:rPr lang="en-US" i="1">
+                                <a:latin typeface="Cambria Math" panose="02040503050406030204" pitchFamily="18" charset="0"/>
+                              </a:rPr>
+                              <m:t>𝑥</m:t>
+                            </m:r>
+                          </m:e>
+                          <m:sub>
+                            <m:r>
+                              <a:rPr lang="pt-BR" b="0" i="1" smtClean="0">
+                                <a:latin typeface="Cambria Math" panose="02040503050406030204" pitchFamily="18" charset="0"/>
+                              </a:rPr>
+                              <m:t>𝐾</m:t>
+                            </m:r>
+                          </m:sub>
+                        </m:sSub>
                       </m:e>
                     </m:d>
                     <m:r>
@@ -8301,7 +8382,73 @@
                 </a:pPr>
                 <a:r>
                   <a:rPr lang="pt-BR" dirty="0"/>
-                  <a:t>onde </a:t>
+                  <a:t>o</a:t>
+                </a:r>
+                <a:r>
+                  <a:rPr lang="pt-BR" dirty="0" smtClean="0"/>
+                  <a:t>nde </a:t>
+                </a:r>
+                <a14:m>
+                  <m:oMath xmlns:m="http://schemas.openxmlformats.org/officeDocument/2006/math">
+                    <m:sSub>
+                      <m:sSubPr>
+                        <m:ctrlPr>
+                          <a:rPr lang="pt-BR" i="1">
+                            <a:latin typeface="Cambria Math" panose="02040503050406030204" pitchFamily="18" charset="0"/>
+                          </a:rPr>
+                        </m:ctrlPr>
+                      </m:sSubPr>
+                      <m:e>
+                        <m:r>
+                          <a:rPr lang="pt-BR" i="1">
+                            <a:latin typeface="Cambria Math" panose="02040503050406030204" pitchFamily="18" charset="0"/>
+                          </a:rPr>
+                          <m:t>h</m:t>
+                        </m:r>
+                      </m:e>
+                      <m:sub>
+                        <m:r>
+                          <a:rPr lang="pt-BR" b="1" i="1">
+                            <a:latin typeface="Cambria Math" panose="02040503050406030204" pitchFamily="18" charset="0"/>
+                          </a:rPr>
+                          <m:t>𝒂</m:t>
+                        </m:r>
+                      </m:sub>
+                    </m:sSub>
+                    <m:d>
+                      <m:dPr>
+                        <m:ctrlPr>
+                          <a:rPr lang="pt-BR" i="1">
+                            <a:latin typeface="Cambria Math" panose="02040503050406030204" pitchFamily="18" charset="0"/>
+                          </a:rPr>
+                        </m:ctrlPr>
+                      </m:dPr>
+                      <m:e>
+                        <m:r>
+                          <a:rPr lang="pt-BR" b="1" i="1">
+                            <a:latin typeface="Cambria Math" panose="02040503050406030204" pitchFamily="18" charset="0"/>
+                          </a:rPr>
+                          <m:t>𝒙</m:t>
+                        </m:r>
+                      </m:e>
+                    </m:d>
+                  </m:oMath>
+                </a14:m>
+                <a:r>
+                  <a:rPr lang="pt-BR" b="1" i="1" dirty="0"/>
+                  <a:t> </a:t>
+                </a:r>
+                <a:r>
+                  <a:rPr lang="pt-BR" dirty="0"/>
+                  <a:t>é conhecida como </a:t>
+                </a:r>
+                <a:r>
+                  <a:rPr lang="pt-BR" b="1" i="1" dirty="0"/>
+                  <a:t>função hipótese de classificação</a:t>
+                </a:r>
+                <a:r>
+                  <a:rPr lang="pt-BR" dirty="0" smtClean="0"/>
+                  <a:t>, </a:t>
                 </a:r>
                 <a14:m>
                   <m:oMath xmlns:m="http://schemas.openxmlformats.org/officeDocument/2006/math">
@@ -8580,19 +8727,16 @@
                       </m:sub>
                     </m:sSub>
                     <m:r>
-                      <a:rPr lang="pt-BR" b="0" i="0" smtClean="0">
+                      <a:rPr lang="pt-BR" b="0" i="1" smtClean="0">
                         <a:latin typeface="Cambria Math" panose="02040503050406030204" pitchFamily="18" charset="0"/>
                       </a:rPr>
                       <m:t>,  </m:t>
                     </m:r>
                     <m:r>
-                      <m:rPr>
-                        <m:sty m:val="p"/>
-                      </m:rPr>
-                      <a:rPr lang="pt-BR" b="0" i="0" smtClean="0">
+                      <a:rPr lang="pt-BR" b="0" i="1" smtClean="0">
                         <a:latin typeface="Cambria Math" panose="02040503050406030204" pitchFamily="18" charset="0"/>
                       </a:rPr>
-                      <m:t>q</m:t>
+                      <m:t>𝑞</m:t>
                     </m:r>
                     <m:r>
                       <a:rPr lang="pt-BR" b="0" i="0" smtClean="0">
@@ -8601,13 +8745,10 @@
                       <m:t>=1,…,</m:t>
                     </m:r>
                     <m:r>
-                      <m:rPr>
-                        <m:sty m:val="p"/>
-                      </m:rPr>
-                      <a:rPr lang="pt-BR" b="0" i="0" smtClean="0">
+                      <a:rPr lang="pt-BR" b="0" i="1" smtClean="0">
                         <a:latin typeface="Cambria Math" panose="02040503050406030204" pitchFamily="18" charset="0"/>
                       </a:rPr>
-                      <m:t>Q</m:t>
+                      <m:t>𝑄</m:t>
                     </m:r>
                   </m:oMath>
                 </a14:m>
@@ -8765,83 +8906,10 @@
                   <a:t>.</a:t>
                 </a:r>
               </a:p>
-              <a:p>
-                <a14:m>
-                  <m:oMath xmlns:m="http://schemas.openxmlformats.org/officeDocument/2006/math">
-                    <m:sSub>
-                      <m:sSubPr>
-                        <m:ctrlPr>
-                          <a:rPr lang="pt-BR" i="1">
-                            <a:latin typeface="Cambria Math" panose="02040503050406030204" pitchFamily="18" charset="0"/>
-                          </a:rPr>
-                        </m:ctrlPr>
-                      </m:sSubPr>
-                      <m:e>
-                        <m:r>
-                          <a:rPr lang="pt-BR" i="1">
-                            <a:latin typeface="Cambria Math" panose="02040503050406030204" pitchFamily="18" charset="0"/>
-                          </a:rPr>
-                          <m:t>h</m:t>
-                        </m:r>
-                      </m:e>
-                      <m:sub>
-                        <m:r>
-                          <a:rPr lang="pt-BR" b="1" i="1">
-                            <a:latin typeface="Cambria Math" panose="02040503050406030204" pitchFamily="18" charset="0"/>
-                          </a:rPr>
-                          <m:t>𝒂</m:t>
-                        </m:r>
-                      </m:sub>
-                    </m:sSub>
-                    <m:d>
-                      <m:dPr>
-                        <m:ctrlPr>
-                          <a:rPr lang="pt-BR" i="1">
-                            <a:latin typeface="Cambria Math" panose="02040503050406030204" pitchFamily="18" charset="0"/>
-                          </a:rPr>
-                        </m:ctrlPr>
-                      </m:dPr>
-                      <m:e>
-                        <m:r>
-                          <a:rPr lang="pt-BR" b="1" i="1">
-                            <a:latin typeface="Cambria Math" panose="02040503050406030204" pitchFamily="18" charset="0"/>
-                          </a:rPr>
-                          <m:t>𝒙</m:t>
-                        </m:r>
-                      </m:e>
-                    </m:d>
-                  </m:oMath>
-                </a14:m>
-                <a:r>
-                  <a:rPr lang="pt-BR" b="1" i="1" dirty="0" smtClean="0"/>
-                  <a:t> </a:t>
-                </a:r>
-                <a:r>
-                  <a:rPr lang="pt-BR" dirty="0" smtClean="0"/>
-                  <a:t>é conhecida como </a:t>
-                </a:r>
-                <a:r>
-                  <a:rPr lang="pt-BR" b="1" i="1" dirty="0" smtClean="0"/>
-                  <a:t>função </a:t>
-                </a:r>
-                <a:r>
-                  <a:rPr lang="pt-BR" b="1" i="1" dirty="0"/>
-                  <a:t>hipótese de </a:t>
-                </a:r>
-                <a:r>
-                  <a:rPr lang="pt-BR" b="1" i="1" dirty="0" smtClean="0"/>
-                  <a:t>classificação</a:t>
-                </a:r>
-                <a:r>
-                  <a:rPr lang="pt-BR" dirty="0" smtClean="0"/>
-                  <a:t>.</a:t>
-                </a:r>
-                <a:endParaRPr lang="pt-BR" dirty="0"/>
-              </a:p>
             </p:txBody>
           </p:sp>
         </mc:Choice>
-        <mc:Fallback>
+        <mc:Fallback xmlns="">
           <p:sp>
             <p:nvSpPr>
               <p:cNvPr id="3" name="Content Placeholder 2"/>
@@ -8855,12 +8923,12 @@
             <p:spPr>
               <a:xfrm>
                 <a:off x="838199" y="1690688"/>
-                <a:ext cx="11110993" cy="5167311"/>
+                <a:ext cx="11112375" cy="5167311"/>
               </a:xfrm>
               <a:blipFill rotWithShape="0">
                 <a:blip r:embed="rId3"/>
                 <a:stretch>
-                  <a:fillRect l="-2139" t="-2241" r="-494" b="-6250"/>
+                  <a:fillRect l="-933" t="-2948" r="-1097" b="-2948"/>
                 </a:stretch>
               </a:blipFill>
             </p:spPr>
@@ -8943,8 +9011,8 @@
           </a:p>
         </p:txBody>
       </p:sp>
-      <mc:AlternateContent xmlns:mc="http://schemas.openxmlformats.org/markup-compatibility/2006">
-        <mc:Choice xmlns:a14="http://schemas.microsoft.com/office/drawing/2010/main" Requires="a14">
+      <mc:AlternateContent xmlns:mc="http://schemas.openxmlformats.org/markup-compatibility/2006" xmlns:a14="http://schemas.microsoft.com/office/drawing/2010/main">
+        <mc:Choice Requires="a14">
           <p:sp>
             <p:nvSpPr>
               <p:cNvPr id="3" name="Content Placeholder 2"/>
@@ -9208,7 +9276,7 @@
                 </a:r>
                 <a:r>
                   <a:rPr lang="pt-BR" dirty="0" smtClean="0"/>
-                  <a:t>(também chamada de </a:t>
+                  <a:t>(</a:t>
                 </a:r>
                 <a:r>
                   <a:rPr lang="pt-BR" b="1" i="1" dirty="0" smtClean="0"/>
@@ -9272,10 +9340,6 @@
                   <a:t>(</a:t>
                 </a:r>
                 <a:r>
-                  <a:rPr lang="pt-BR" dirty="0"/>
-                  <a:t>também chamada de </a:t>
-                </a:r>
-                <a:r>
                   <a:rPr lang="pt-BR" b="1" i="1" dirty="0" smtClean="0"/>
                   <a:t>classe </a:t>
                 </a:r>
@@ -9433,7 +9497,11 @@
                 </a:r>
                 <a:r>
                   <a:rPr lang="pt-BR" b="1" dirty="0" smtClean="0"/>
-                  <a:t>reta: </a:t>
+                  <a:t>reta</a:t>
+                </a:r>
+                <a:r>
+                  <a:rPr lang="pt-BR" dirty="0" smtClean="0"/>
+                  <a:t>: </a:t>
                 </a:r>
                 <a14:m>
                   <m:oMath xmlns:m="http://schemas.openxmlformats.org/officeDocument/2006/math">
@@ -9547,7 +9615,7 @@
             </p:txBody>
           </p:sp>
         </mc:Choice>
-        <mc:Fallback>
+        <mc:Fallback xmlns="">
           <p:sp>
             <p:nvSpPr>
               <p:cNvPr id="3" name="Content Placeholder 2"/>
@@ -9566,7 +9634,7 @@
               <a:blipFill rotWithShape="0">
                 <a:blip r:embed="rId3"/>
                 <a:stretch>
-                  <a:fillRect l="-923" t="-2358" r="-1538" b="-943"/>
+                  <a:fillRect l="-923" t="-2358" r="-1538"/>
                 </a:stretch>
               </a:blipFill>
             </p:spPr>
@@ -9934,21 +10002,25 @@
             <p:ph type="title"/>
           </p:nvPr>
         </p:nvSpPr>
-        <p:spPr/>
+        <p:spPr>
+          <a:xfrm>
+            <a:off x="838200" y="256489"/>
+            <a:ext cx="10515600" cy="1325563"/>
+          </a:xfrm>
+        </p:spPr>
         <p:txBody>
           <a:bodyPr/>
           <a:lstStyle/>
           <a:p>
             <a:r>
-              <a:rPr lang="pt-BR" dirty="0" smtClean="0"/>
+              <a:rPr lang="pt-BR" dirty="0"/>
               <a:t>Classificação não-linear</a:t>
             </a:r>
-            <a:endParaRPr lang="pt-BR" dirty="0"/>
           </a:p>
         </p:txBody>
       </p:sp>
-      <mc:AlternateContent xmlns:mc="http://schemas.openxmlformats.org/markup-compatibility/2006">
-        <mc:Choice xmlns:a14="http://schemas.microsoft.com/office/drawing/2010/main" Requires="a14">
+      <mc:AlternateContent xmlns:mc="http://schemas.openxmlformats.org/markup-compatibility/2006" xmlns:a14="http://schemas.microsoft.com/office/drawing/2010/main">
+        <mc:Choice Requires="a14">
           <p:sp>
             <p:nvSpPr>
               <p:cNvPr id="3" name="Content Placeholder 2"/>
@@ -9961,8 +10033,8 @@
             </p:nvSpPr>
             <p:spPr>
               <a:xfrm>
-                <a:off x="838199" y="1783420"/>
-                <a:ext cx="11187545" cy="5032375"/>
+                <a:off x="838199" y="1539090"/>
+                <a:ext cx="11175750" cy="5318910"/>
               </a:xfrm>
             </p:spPr>
             <p:txBody>
@@ -9972,45 +10044,37 @@
               <a:lstStyle/>
               <a:p>
                 <a:r>
+                  <a:rPr lang="pt-BR" dirty="0"/>
+                  <a:t>Originalmente, </a:t>
+                </a:r>
+                <a:r>
+                  <a:rPr lang="pt-BR" b="1" i="1" dirty="0"/>
+                  <a:t>classificação linear </a:t>
+                </a:r>
+                <a:r>
+                  <a:rPr lang="pt-BR" dirty="0"/>
+                  <a:t>é </a:t>
+                </a:r>
+                <a:r>
                   <a:rPr lang="pt-BR" dirty="0" smtClean="0"/>
-                  <a:t>Originalmente, </a:t>
+                  <a:t>usada </a:t>
+                </a:r>
+                <a:r>
+                  <a:rPr lang="pt-BR" dirty="0"/>
+                  <a:t>quando as classes podem ser separadas por </a:t>
                 </a:r>
                 <a:r>
                   <a:rPr lang="pt-BR" b="1" i="1" dirty="0"/>
-                  <a:t>c</a:t>
-                </a:r>
-                <a:r>
-                  <a:rPr lang="pt-BR" b="1" i="1" dirty="0" smtClean="0"/>
-                  <a:t>lassificação </a:t>
-                </a:r>
-                <a:r>
-                  <a:rPr lang="pt-BR" b="1" i="1" dirty="0" smtClean="0"/>
-                  <a:t>linear </a:t>
-                </a:r>
-                <a:r>
-                  <a:rPr lang="pt-BR" dirty="0" smtClean="0"/>
-                  <a:t>é </a:t>
+                  <a:t>superfícies de decisão lineares</a:t>
                 </a:r>
                 <a:r>
                   <a:rPr lang="pt-BR" dirty="0"/>
-                  <a:t>tradicionalmente </a:t>
-                </a:r>
-                <a:r>
-                  <a:rPr lang="pt-BR" dirty="0" smtClean="0"/>
-                  <a:t>usada quando as classes podem ser separadas por </a:t>
-                </a:r>
-                <a:r>
-                  <a:rPr lang="pt-BR" b="1" i="1" dirty="0" smtClean="0"/>
-                  <a:t>superfícies de decisão lineares</a:t>
-                </a:r>
-                <a:r>
-                  <a:rPr lang="pt-BR" dirty="0" smtClean="0"/>
                   <a:t>. </a:t>
                 </a:r>
               </a:p>
               <a:p>
                 <a:r>
-                  <a:rPr lang="pt-BR" dirty="0" smtClean="0"/>
+                  <a:rPr lang="pt-BR" dirty="0"/>
                   <a:t>Ou seja, as </a:t>
                 </a:r>
                 <a:r>
@@ -10018,11 +10082,11 @@
                   <a:t>funções discriminantes </a:t>
                 </a:r>
                 <a:r>
-                  <a:rPr lang="pt-BR" dirty="0" smtClean="0"/>
+                  <a:rPr lang="pt-BR" dirty="0"/>
                   <a:t>são </a:t>
                 </a:r>
                 <a:r>
-                  <a:rPr lang="pt-BR" b="1" i="1" dirty="0" smtClean="0"/>
+                  <a:rPr lang="pt-BR" b="1" i="1" dirty="0"/>
                   <a:t>hiperplanos</a:t>
                 </a:r>
                 <a:r>
@@ -10127,71 +10191,55 @@
                   </m:oMath>
                 </a14:m>
                 <a:r>
-                  <a:rPr lang="pt-BR" dirty="0" smtClean="0"/>
+                  <a:rPr lang="pt-BR" dirty="0"/>
                   <a:t>.</a:t>
                 </a:r>
               </a:p>
               <a:p>
                 <a:r>
-                  <a:rPr lang="pt-BR" dirty="0" smtClean="0"/>
+                  <a:rPr lang="pt-BR" dirty="0"/>
                   <a:t>Mas e se não pudermos separar as classes com um </a:t>
                 </a:r>
                 <a:r>
-                  <a:rPr lang="pt-BR" b="1" i="1" dirty="0" smtClean="0"/>
+                  <a:rPr lang="pt-BR" b="1" i="1" dirty="0"/>
                   <a:t>hiperplano</a:t>
                 </a:r>
                 <a:r>
-                  <a:rPr lang="pt-BR" dirty="0" smtClean="0"/>
-                  <a:t>, ou seja, </a:t>
-                </a:r>
-                <a:r>
-                  <a:rPr lang="pt-BR" dirty="0" smtClean="0"/>
-                  <a:t>se elas </a:t>
-                </a:r>
-                <a:r>
-                  <a:rPr lang="pt-BR" dirty="0" smtClean="0"/>
-                  <a:t>não </a:t>
-                </a:r>
-                <a:r>
-                  <a:rPr lang="pt-BR" dirty="0" smtClean="0"/>
-                  <a:t>forem </a:t>
-                </a:r>
-                <a:r>
-                  <a:rPr lang="pt-BR" b="1" i="1" dirty="0" smtClean="0"/>
-                  <a:t>linearmente </a:t>
-                </a:r>
-                <a:r>
-                  <a:rPr lang="pt-BR" b="1" i="1" dirty="0" smtClean="0"/>
-                  <a:t>separáveis</a:t>
-                </a:r>
-                <a:r>
-                  <a:rPr lang="pt-BR" dirty="0" smtClean="0"/>
+                  <a:rPr lang="pt-BR" dirty="0"/>
+                  <a:t>, ou seja, se elas não forem </a:t>
+                </a:r>
+                <a:r>
+                  <a:rPr lang="pt-BR" b="1" i="1" dirty="0"/>
+                  <a:t>linearmente separáveis</a:t>
+                </a:r>
+                <a:r>
+                  <a:rPr lang="pt-BR" dirty="0"/>
                   <a:t>?</a:t>
                 </a:r>
               </a:p>
               <a:p>
                 <a:r>
+                  <a:rPr lang="pt-BR" dirty="0"/>
+                  <a:t>Nestes casos, </a:t>
+                </a:r>
+                <a:r>
                   <a:rPr lang="pt-BR" dirty="0" smtClean="0"/>
-                  <a:t>Nestes casos, podemos usar </a:t>
-                </a:r>
-                <a:r>
-                  <a:rPr lang="pt-BR" b="1" i="1" dirty="0" smtClean="0"/>
+                  <a:t>usamos </a:t>
+                </a:r>
+                <a:r>
+                  <a:rPr lang="pt-BR" b="1" i="1" dirty="0"/>
                   <a:t>funções discriminantes não-lineares</a:t>
                 </a:r>
                 <a:r>
-                  <a:rPr lang="pt-BR" dirty="0" smtClean="0"/>
-                  <a:t>, como, por </a:t>
-                </a:r>
-                <a:r>
-                  <a:rPr lang="pt-BR" dirty="0" smtClean="0"/>
-                  <a:t>exemplo, </a:t>
-                </a:r>
-                <a:r>
-                  <a:rPr lang="pt-BR" b="1" i="1" dirty="0" smtClean="0"/>
+                  <a:rPr lang="pt-BR" dirty="0"/>
+                  <a:t>, como, por exemplo, </a:t>
+                </a:r>
+                <a:r>
+                  <a:rPr lang="pt-BR" b="1" i="1" dirty="0"/>
                   <a:t>polinômios</a:t>
                 </a:r>
                 <a:r>
-                  <a:rPr lang="pt-BR" dirty="0" smtClean="0"/>
+                  <a:rPr lang="pt-BR" dirty="0"/>
                   <a:t>:</a:t>
                 </a:r>
               </a:p>
@@ -10203,7 +10251,7 @@
                 <a14:m>
                   <m:oMath xmlns:m="http://schemas.openxmlformats.org/officeDocument/2006/math">
                     <m:r>
-                      <a:rPr lang="pt-BR" b="0" i="1" smtClean="0">
+                      <a:rPr lang="pt-BR" i="1">
                         <a:latin typeface="Cambria Math" panose="02040503050406030204" pitchFamily="18" charset="0"/>
                       </a:rPr>
                       <m:t>𝑔</m:t>
@@ -10211,14 +10259,14 @@
                     <m:d>
                       <m:dPr>
                         <m:ctrlPr>
-                          <a:rPr lang="pt-BR" b="0" i="1" smtClean="0">
+                          <a:rPr lang="pt-BR" i="1">
                             <a:latin typeface="Cambria Math" panose="02040503050406030204" pitchFamily="18" charset="0"/>
                           </a:rPr>
                         </m:ctrlPr>
                       </m:dPr>
                       <m:e>
                         <m:r>
-                          <a:rPr lang="pt-BR" b="1" i="1" smtClean="0">
+                          <a:rPr lang="pt-BR" b="1" i="1">
                             <a:latin typeface="Cambria Math" panose="02040503050406030204" pitchFamily="18" charset="0"/>
                           </a:rPr>
                           <m:t>𝒙</m:t>
@@ -10226,83 +10274,10 @@
                       </m:e>
                     </m:d>
                     <m:r>
-                      <a:rPr lang="pt-BR" b="0" i="1" smtClean="0">
+                      <a:rPr lang="pt-BR" i="1">
                         <a:latin typeface="Cambria Math" panose="02040503050406030204" pitchFamily="18" charset="0"/>
                       </a:rPr>
                       <m:t>=</m:t>
-                    </m:r>
-                    <m:sSup>
-                      <m:sSupPr>
-                        <m:ctrlPr>
-                          <a:rPr lang="pt-BR" b="0" i="1" smtClean="0">
-                            <a:latin typeface="Cambria Math" panose="02040503050406030204" pitchFamily="18" charset="0"/>
-                          </a:rPr>
-                        </m:ctrlPr>
-                      </m:sSupPr>
-                      <m:e>
-                        <m:d>
-                          <m:dPr>
-                            <m:ctrlPr>
-                              <a:rPr lang="pt-BR" b="0" i="1" smtClean="0">
-                                <a:latin typeface="Cambria Math" panose="02040503050406030204" pitchFamily="18" charset="0"/>
-                              </a:rPr>
-                            </m:ctrlPr>
-                          </m:dPr>
-                          <m:e>
-                            <m:sSub>
-                              <m:sSubPr>
-                                <m:ctrlPr>
-                                  <a:rPr lang="pt-BR" b="0" i="1" smtClean="0">
-                                    <a:latin typeface="Cambria Math" panose="02040503050406030204" pitchFamily="18" charset="0"/>
-                                  </a:rPr>
-                                </m:ctrlPr>
-                              </m:sSubPr>
-                              <m:e>
-                                <m:r>
-                                  <a:rPr lang="pt-BR" b="0" i="1" smtClean="0">
-                                    <a:latin typeface="Cambria Math" panose="02040503050406030204" pitchFamily="18" charset="0"/>
-                                  </a:rPr>
-                                  <m:t>𝑥</m:t>
-                                </m:r>
-                              </m:e>
-                              <m:sub>
-                                <m:r>
-                                  <a:rPr lang="pt-BR" b="0" i="1" smtClean="0">
-                                    <a:latin typeface="Cambria Math" panose="02040503050406030204" pitchFamily="18" charset="0"/>
-                                  </a:rPr>
-                                  <m:t>1</m:t>
-                                </m:r>
-                              </m:sub>
-                            </m:sSub>
-                            <m:r>
-                              <a:rPr lang="pt-BR" b="0" i="1" smtClean="0">
-                                <a:latin typeface="Cambria Math" panose="02040503050406030204" pitchFamily="18" charset="0"/>
-                              </a:rPr>
-                              <m:t>−</m:t>
-                            </m:r>
-                            <m:r>
-                              <a:rPr lang="pt-BR" b="0" i="1" smtClean="0">
-                                <a:latin typeface="Cambria Math" panose="02040503050406030204" pitchFamily="18" charset="0"/>
-                              </a:rPr>
-                              <m:t>𝑎</m:t>
-                            </m:r>
-                          </m:e>
-                        </m:d>
-                      </m:e>
-                      <m:sup>
-                        <m:r>
-                          <a:rPr lang="pt-BR" b="0" i="1" smtClean="0">
-                            <a:latin typeface="Cambria Math" panose="02040503050406030204" pitchFamily="18" charset="0"/>
-                          </a:rPr>
-                          <m:t>2</m:t>
-                        </m:r>
-                      </m:sup>
-                    </m:sSup>
-                    <m:r>
-                      <a:rPr lang="pt-BR" b="0" i="1" smtClean="0">
-                        <a:latin typeface="Cambria Math" panose="02040503050406030204" pitchFamily="18" charset="0"/>
-                      </a:rPr>
-                      <m:t>+</m:t>
                     </m:r>
                     <m:sSup>
                       <m:sSupPr>
@@ -10340,7 +10315,80 @@
                               </m:e>
                               <m:sub>
                                 <m:r>
-                                  <a:rPr lang="pt-BR" b="0" i="1" smtClean="0">
+                                  <a:rPr lang="pt-BR" i="1">
+                                    <a:latin typeface="Cambria Math" panose="02040503050406030204" pitchFamily="18" charset="0"/>
+                                  </a:rPr>
+                                  <m:t>1</m:t>
+                                </m:r>
+                              </m:sub>
+                            </m:sSub>
+                            <m:r>
+                              <a:rPr lang="pt-BR" i="1">
+                                <a:latin typeface="Cambria Math" panose="02040503050406030204" pitchFamily="18" charset="0"/>
+                              </a:rPr>
+                              <m:t>−</m:t>
+                            </m:r>
+                            <m:r>
+                              <a:rPr lang="pt-BR" i="1">
+                                <a:latin typeface="Cambria Math" panose="02040503050406030204" pitchFamily="18" charset="0"/>
+                              </a:rPr>
+                              <m:t>𝑎</m:t>
+                            </m:r>
+                          </m:e>
+                        </m:d>
+                      </m:e>
+                      <m:sup>
+                        <m:r>
+                          <a:rPr lang="pt-BR" i="1">
+                            <a:latin typeface="Cambria Math" panose="02040503050406030204" pitchFamily="18" charset="0"/>
+                          </a:rPr>
+                          <m:t>2</m:t>
+                        </m:r>
+                      </m:sup>
+                    </m:sSup>
+                    <m:r>
+                      <a:rPr lang="pt-BR" i="1">
+                        <a:latin typeface="Cambria Math" panose="02040503050406030204" pitchFamily="18" charset="0"/>
+                      </a:rPr>
+                      <m:t>+</m:t>
+                    </m:r>
+                    <m:sSup>
+                      <m:sSupPr>
+                        <m:ctrlPr>
+                          <a:rPr lang="pt-BR" i="1">
+                            <a:latin typeface="Cambria Math" panose="02040503050406030204" pitchFamily="18" charset="0"/>
+                          </a:rPr>
+                        </m:ctrlPr>
+                      </m:sSupPr>
+                      <m:e>
+                        <m:d>
+                          <m:dPr>
+                            <m:ctrlPr>
+                              <a:rPr lang="pt-BR" i="1">
+                                <a:latin typeface="Cambria Math" panose="02040503050406030204" pitchFamily="18" charset="0"/>
+                              </a:rPr>
+                            </m:ctrlPr>
+                          </m:dPr>
+                          <m:e>
+                            <m:sSub>
+                              <m:sSubPr>
+                                <m:ctrlPr>
+                                  <a:rPr lang="pt-BR" i="1">
+                                    <a:latin typeface="Cambria Math" panose="02040503050406030204" pitchFamily="18" charset="0"/>
+                                  </a:rPr>
+                                </m:ctrlPr>
+                              </m:sSubPr>
+                              <m:e>
+                                <m:r>
+                                  <a:rPr lang="pt-BR" i="1">
+                                    <a:latin typeface="Cambria Math" panose="02040503050406030204" pitchFamily="18" charset="0"/>
+                                  </a:rPr>
+                                  <m:t>𝑥</m:t>
+                                </m:r>
+                              </m:e>
+                              <m:sub>
+                                <m:r>
+                                  <a:rPr lang="pt-BR" i="1">
                                     <a:latin typeface="Cambria Math" panose="02040503050406030204" pitchFamily="18" charset="0"/>
                                   </a:rPr>
                                   <m:t>2</m:t>
@@ -10354,7 +10402,7 @@
                               <m:t>−</m:t>
                             </m:r>
                             <m:r>
-                              <a:rPr lang="pt-BR" b="0" i="1" smtClean="0">
+                              <a:rPr lang="pt-BR" i="1">
                                 <a:latin typeface="Cambria Math" panose="02040503050406030204" pitchFamily="18" charset="0"/>
                               </a:rPr>
                               <m:t>𝑏</m:t>
@@ -10372,7 +10420,7 @@
                       </m:sup>
                     </m:sSup>
                     <m:r>
-                      <a:rPr lang="pt-BR" b="0" i="1" smtClean="0">
+                      <a:rPr lang="pt-BR" i="1">
                         <a:latin typeface="Cambria Math" panose="02040503050406030204" pitchFamily="18" charset="0"/>
                       </a:rPr>
                       <m:t>−</m:t>
@@ -10380,14 +10428,14 @@
                     <m:sSup>
                       <m:sSupPr>
                         <m:ctrlPr>
-                          <a:rPr lang="pt-BR" b="0" i="1" smtClean="0">
+                          <a:rPr lang="pt-BR" i="1">
                             <a:latin typeface="Cambria Math" panose="02040503050406030204" pitchFamily="18" charset="0"/>
                           </a:rPr>
                         </m:ctrlPr>
                       </m:sSupPr>
                       <m:e>
                         <m:r>
-                          <a:rPr lang="pt-BR" b="0" i="1" smtClean="0">
+                          <a:rPr lang="pt-BR" i="1">
                             <a:latin typeface="Cambria Math" panose="02040503050406030204" pitchFamily="18" charset="0"/>
                           </a:rPr>
                           <m:t>𝑟</m:t>
@@ -10395,7 +10443,7 @@
                       </m:e>
                       <m:sup>
                         <m:r>
-                          <a:rPr lang="pt-BR" b="0" i="1" smtClean="0">
+                          <a:rPr lang="pt-BR" i="1">
                             <a:latin typeface="Cambria Math" panose="02040503050406030204" pitchFamily="18" charset="0"/>
                           </a:rPr>
                           <m:t>2</m:t>
@@ -10403,7 +10451,7 @@
                       </m:sup>
                     </m:sSup>
                     <m:r>
-                      <a:rPr lang="pt-BR" b="0" i="0" smtClean="0">
+                      <a:rPr lang="pt-BR">
                         <a:latin typeface="Cambria Math" panose="02040503050406030204" pitchFamily="18" charset="0"/>
                       </a:rPr>
                       <m:t>,</m:t>
@@ -10411,7 +10459,7 @@
                   </m:oMath>
                 </a14:m>
                 <a:r>
-                  <a:rPr lang="pt-BR" dirty="0" smtClean="0"/>
+                  <a:rPr lang="pt-BR" dirty="0"/>
                   <a:t> Círculo centrado em </a:t>
                 </a:r>
                 <a14:m>
@@ -10419,26 +10467,26 @@
                     <m:d>
                       <m:dPr>
                         <m:ctrlPr>
-                          <a:rPr lang="pt-BR" i="1" smtClean="0">
+                          <a:rPr lang="pt-BR" i="1">
                             <a:latin typeface="Cambria Math" panose="02040503050406030204" pitchFamily="18" charset="0"/>
                           </a:rPr>
                         </m:ctrlPr>
                       </m:dPr>
                       <m:e>
                         <m:r>
-                          <a:rPr lang="pt-BR" b="0" i="1" smtClean="0">
+                          <a:rPr lang="pt-BR" i="1">
                             <a:latin typeface="Cambria Math" panose="02040503050406030204" pitchFamily="18" charset="0"/>
                           </a:rPr>
                           <m:t>𝑎</m:t>
                         </m:r>
                         <m:r>
-                          <a:rPr lang="pt-BR" b="0" i="1" smtClean="0">
+                          <a:rPr lang="pt-BR" i="1">
                             <a:latin typeface="Cambria Math" panose="02040503050406030204" pitchFamily="18" charset="0"/>
                           </a:rPr>
                           <m:t>,</m:t>
                         </m:r>
                         <m:r>
-                          <a:rPr lang="pt-BR" b="0" i="1" smtClean="0">
+                          <a:rPr lang="pt-BR" i="1">
                             <a:latin typeface="Cambria Math" panose="02040503050406030204" pitchFamily="18" charset="0"/>
                           </a:rPr>
                           <m:t>𝑏</m:t>
@@ -10448,13 +10496,13 @@
                   </m:oMath>
                 </a14:m>
                 <a:r>
-                  <a:rPr lang="pt-BR" dirty="0" smtClean="0"/>
-                  <a:t> e raio </a:t>
+                  <a:rPr lang="pt-BR" dirty="0"/>
+                  <a:t> e com raio </a:t>
                 </a:r>
                 <a14:m>
                   <m:oMath xmlns:m="http://schemas.openxmlformats.org/officeDocument/2006/math">
                     <m:r>
-                      <a:rPr lang="pt-BR" b="0" i="1" smtClean="0">
+                      <a:rPr lang="pt-BR" i="1">
                         <a:latin typeface="Cambria Math" panose="02040503050406030204" pitchFamily="18" charset="0"/>
                       </a:rPr>
                       <m:t>𝑟</m:t>
@@ -10462,7 +10510,7 @@
                   </m:oMath>
                 </a14:m>
                 <a:r>
-                  <a:rPr lang="pt-BR" dirty="0" smtClean="0"/>
+                  <a:rPr lang="pt-BR" dirty="0"/>
                   <a:t>.</a:t>
                 </a:r>
               </a:p>
@@ -10505,7 +10553,7 @@
                     <m:f>
                       <m:fPr>
                         <m:ctrlPr>
-                          <a:rPr lang="pt-BR" i="1" smtClean="0">
+                          <a:rPr lang="pt-BR" i="1">
                             <a:latin typeface="Cambria Math" panose="02040503050406030204" pitchFamily="18" charset="0"/>
                           </a:rPr>
                         </m:ctrlPr>
@@ -10583,14 +10631,14 @@
                         <m:sSup>
                           <m:sSupPr>
                             <m:ctrlPr>
-                              <a:rPr lang="pt-BR" i="1" smtClean="0">
+                              <a:rPr lang="pt-BR" i="1">
                                 <a:latin typeface="Cambria Math" panose="02040503050406030204" pitchFamily="18" charset="0"/>
                               </a:rPr>
                             </m:ctrlPr>
                           </m:sSupPr>
                           <m:e>
                             <m:r>
-                              <a:rPr lang="pt-BR" b="0" i="1" smtClean="0">
+                              <a:rPr lang="pt-BR" i="1">
                                 <a:latin typeface="Cambria Math" panose="02040503050406030204" pitchFamily="18" charset="0"/>
                               </a:rPr>
                               <m:t>𝑐</m:t>
@@ -10598,7 +10646,7 @@
                           </m:e>
                           <m:sup>
                             <m:r>
-                              <a:rPr lang="pt-BR" b="0" i="1" smtClean="0">
+                              <a:rPr lang="pt-BR" i="1">
                                 <a:latin typeface="Cambria Math" panose="02040503050406030204" pitchFamily="18" charset="0"/>
                               </a:rPr>
                               <m:t>2</m:t>
@@ -10608,7 +10656,7 @@
                       </m:den>
                     </m:f>
                     <m:r>
-                      <a:rPr lang="pt-BR" b="0" i="1" smtClean="0">
+                      <a:rPr lang="pt-BR" i="1">
                         <a:latin typeface="Cambria Math" panose="02040503050406030204" pitchFamily="18" charset="0"/>
                       </a:rPr>
                       <m:t>+</m:t>
@@ -10643,7 +10691,7 @@
                                 <m:sSub>
                                   <m:sSubPr>
                                     <m:ctrlPr>
-                                      <a:rPr lang="pt-BR" i="1" smtClean="0">
+                                      <a:rPr lang="pt-BR" i="1">
                                         <a:latin typeface="Cambria Math" panose="02040503050406030204" pitchFamily="18" charset="0"/>
                                       </a:rPr>
                                     </m:ctrlPr>
@@ -10658,7 +10706,7 @@
                                   </m:e>
                                   <m:sub>
                                     <m:r>
-                                      <a:rPr lang="pt-BR" b="0" i="1" smtClean="0">
+                                      <a:rPr lang="pt-BR" i="1">
                                         <a:latin typeface="Cambria Math" panose="02040503050406030204" pitchFamily="18" charset="0"/>
                                       </a:rPr>
                                       <m:t>2</m:t>
@@ -10672,7 +10720,7 @@
                                   <m:t>−</m:t>
                                 </m:r>
                                 <m:r>
-                                  <a:rPr lang="pt-BR" b="0" i="1" smtClean="0">
+                                  <a:rPr lang="pt-BR" i="1">
                                     <a:latin typeface="Cambria Math" panose="02040503050406030204" pitchFamily="18" charset="0"/>
                                   </a:rPr>
                                   <m:t>𝑏</m:t>
@@ -10694,14 +10742,14 @@
                         <m:sSup>
                           <m:sSupPr>
                             <m:ctrlPr>
-                              <a:rPr lang="pt-BR" i="1" smtClean="0">
+                              <a:rPr lang="pt-BR" i="1">
                                 <a:latin typeface="Cambria Math" panose="02040503050406030204" pitchFamily="18" charset="0"/>
                               </a:rPr>
                             </m:ctrlPr>
                           </m:sSupPr>
                           <m:e>
                             <m:r>
-                              <a:rPr lang="pt-BR" b="0" i="1" smtClean="0">
+                              <a:rPr lang="pt-BR" i="1">
                                 <a:latin typeface="Cambria Math" panose="02040503050406030204" pitchFamily="18" charset="0"/>
                               </a:rPr>
                               <m:t>𝑑</m:t>
@@ -10709,7 +10757,7 @@
                           </m:e>
                           <m:sup>
                             <m:r>
-                              <a:rPr lang="pt-BR" b="0" i="1" smtClean="0">
+                              <a:rPr lang="pt-BR" i="1">
                                 <a:latin typeface="Cambria Math" panose="02040503050406030204" pitchFamily="18" charset="0"/>
                               </a:rPr>
                               <m:t>2</m:t>
@@ -10719,7 +10767,7 @@
                       </m:den>
                     </m:f>
                     <m:r>
-                      <a:rPr lang="pt-BR" b="0" i="1" smtClean="0">
+                      <a:rPr lang="pt-BR" i="1">
                         <a:latin typeface="Cambria Math" panose="02040503050406030204" pitchFamily="18" charset="0"/>
                       </a:rPr>
                       <m:t>−1,</m:t>
@@ -10727,12 +10775,8 @@
                   </m:oMath>
                 </a14:m>
                 <a:r>
-                  <a:rPr lang="pt-BR" dirty="0" smtClean="0"/>
-                  <a:t> Elipse centrada </a:t>
-                </a:r>
-                <a:r>
                   <a:rPr lang="pt-BR" dirty="0"/>
-                  <a:t>em </a:t>
+                  <a:t> Elipse centrada em </a:t>
                 </a:r>
                 <a14:m>
                   <m:oMath xmlns:m="http://schemas.openxmlformats.org/officeDocument/2006/math">
@@ -10768,36 +10812,8 @@
                   </m:oMath>
                 </a14:m>
                 <a:r>
-                  <a:rPr lang="pt-BR" dirty="0" smtClean="0"/>
-                  <a:t>, </a:t>
-                </a:r>
-                <a:r>
                   <a:rPr lang="pt-BR" dirty="0"/>
-                  <a:t>largura </a:t>
-                </a:r>
-                <a14:m>
-                  <m:oMath xmlns:m="http://schemas.openxmlformats.org/officeDocument/2006/math">
-                    <m:r>
-                      <a:rPr lang="pt-BR" b="0" i="1" smtClean="0">
-                        <a:latin typeface="Cambria Math" panose="02040503050406030204" pitchFamily="18" charset="0"/>
-                      </a:rPr>
-                      <m:t>2</m:t>
-                    </m:r>
-                    <m:r>
-                      <a:rPr lang="pt-BR" b="0" i="1" smtClean="0">
-                        <a:latin typeface="Cambria Math" panose="02040503050406030204" pitchFamily="18" charset="0"/>
-                      </a:rPr>
-                      <m:t>𝑐</m:t>
-                    </m:r>
-                  </m:oMath>
-                </a14:m>
-                <a:r>
-                  <a:rPr lang="pt-BR" dirty="0" smtClean="0"/>
-                  <a:t> </a:t>
-                </a:r>
-                <a:r>
-                  <a:rPr lang="pt-BR" dirty="0"/>
-                  <a:t>e altura </a:t>
+                  <a:t>, com largura </a:t>
                 </a:r>
                 <a14:m>
                   <m:oMath xmlns:m="http://schemas.openxmlformats.org/officeDocument/2006/math">
@@ -10808,7 +10824,27 @@
                       <m:t>2</m:t>
                     </m:r>
                     <m:r>
-                      <a:rPr lang="pt-BR" b="0" i="1" smtClean="0">
+                      <a:rPr lang="pt-BR" i="1">
+                        <a:latin typeface="Cambria Math" panose="02040503050406030204" pitchFamily="18" charset="0"/>
+                      </a:rPr>
+                      <m:t>𝑐</m:t>
+                    </m:r>
+                  </m:oMath>
+                </a14:m>
+                <a:r>
+                  <a:rPr lang="pt-BR" dirty="0"/>
+                  <a:t> e altura </a:t>
+                </a:r>
+                <a14:m>
+                  <m:oMath xmlns:m="http://schemas.openxmlformats.org/officeDocument/2006/math">
+                    <m:r>
+                      <a:rPr lang="pt-BR" i="1">
+                        <a:latin typeface="Cambria Math" panose="02040503050406030204" pitchFamily="18" charset="0"/>
+                      </a:rPr>
+                      <m:t>2</m:t>
+                    </m:r>
+                    <m:r>
+                      <a:rPr lang="pt-BR" i="1">
                         <a:latin typeface="Cambria Math" panose="02040503050406030204" pitchFamily="18" charset="0"/>
                       </a:rPr>
                       <m:t>𝑑</m:t>
@@ -10816,7 +10852,7 @@
                   </m:oMath>
                 </a14:m>
                 <a:r>
-                  <a:rPr lang="pt-BR" dirty="0" smtClean="0"/>
+                  <a:rPr lang="pt-BR" dirty="0"/>
                   <a:t>.</a:t>
                 </a:r>
               </a:p>
@@ -10866,7 +10902,7 @@
                       </m:sSubPr>
                       <m:e>
                         <m:r>
-                          <a:rPr lang="pt-BR" b="0" i="1" smtClean="0">
+                          <a:rPr lang="pt-BR" i="1">
                             <a:latin typeface="Cambria Math" panose="02040503050406030204" pitchFamily="18" charset="0"/>
                           </a:rPr>
                           <m:t>(</m:t>
@@ -10888,19 +10924,19 @@
                       </m:sub>
                     </m:sSub>
                     <m:r>
-                      <a:rPr lang="pt-BR" b="0" i="1" smtClean="0">
+                      <a:rPr lang="pt-BR" i="1">
                         <a:latin typeface="Cambria Math" panose="02040503050406030204" pitchFamily="18" charset="0"/>
                       </a:rPr>
                       <m:t>− </m:t>
                     </m:r>
                     <m:r>
-                      <a:rPr lang="pt-BR" b="0" i="1" smtClean="0">
+                      <a:rPr lang="pt-BR" i="1">
                         <a:latin typeface="Cambria Math" panose="02040503050406030204" pitchFamily="18" charset="0"/>
                       </a:rPr>
                       <m:t>𝑎</m:t>
                     </m:r>
                     <m:r>
-                      <a:rPr lang="pt-BR" b="0" i="1" smtClean="0">
+                      <a:rPr lang="pt-BR" i="1">
                         <a:latin typeface="Cambria Math" panose="02040503050406030204" pitchFamily="18" charset="0"/>
                       </a:rPr>
                       <m:t>)(</m:t>
@@ -10923,7 +10959,7 @@
                       </m:e>
                       <m:sub>
                         <m:r>
-                          <a:rPr lang="pt-BR" b="0" i="1" smtClean="0">
+                          <a:rPr lang="pt-BR" i="1">
                             <a:latin typeface="Cambria Math" panose="02040503050406030204" pitchFamily="18" charset="0"/>
                           </a:rPr>
                           <m:t>2</m:t>
@@ -10931,31 +10967,31 @@
                       </m:sub>
                     </m:sSub>
                     <m:r>
-                      <a:rPr lang="pt-BR" b="0" i="1" smtClean="0">
+                      <a:rPr lang="pt-BR" i="1">
                         <a:latin typeface="Cambria Math" panose="02040503050406030204" pitchFamily="18" charset="0"/>
                       </a:rPr>
                       <m:t>−</m:t>
                     </m:r>
                     <m:r>
-                      <a:rPr lang="pt-BR" b="0" i="1" smtClean="0">
+                      <a:rPr lang="pt-BR" i="1">
                         <a:latin typeface="Cambria Math" panose="02040503050406030204" pitchFamily="18" charset="0"/>
                       </a:rPr>
                       <m:t>𝑏</m:t>
                     </m:r>
                     <m:r>
-                      <a:rPr lang="pt-BR" b="0" i="1" smtClean="0">
+                      <a:rPr lang="pt-BR" i="1">
                         <a:latin typeface="Cambria Math" panose="02040503050406030204" pitchFamily="18" charset="0"/>
                       </a:rPr>
                       <m:t>)−</m:t>
                     </m:r>
                     <m:r>
-                      <a:rPr lang="pt-BR" b="0" i="1" smtClean="0">
+                      <a:rPr lang="pt-BR" i="1">
                         <a:latin typeface="Cambria Math" panose="02040503050406030204" pitchFamily="18" charset="0"/>
                       </a:rPr>
                       <m:t>𝑐</m:t>
                     </m:r>
                     <m:r>
-                      <a:rPr lang="pt-BR" b="0" i="1" smtClean="0">
+                      <a:rPr lang="pt-BR" i="1">
                         <a:latin typeface="Cambria Math" panose="02040503050406030204" pitchFamily="18" charset="0"/>
                       </a:rPr>
                       <m:t>,</m:t>
@@ -10963,41 +10999,21 @@
                   </m:oMath>
                 </a14:m>
                 <a:r>
-                  <a:rPr lang="pt-BR" dirty="0" smtClean="0"/>
-                  <a:t> </a:t>
-                </a:r>
-                <a:r>
                   <a:rPr lang="pt-BR" dirty="0"/>
-                  <a:t>H</a:t>
-                </a:r>
-                <a:r>
-                  <a:rPr lang="pt-BR" dirty="0" smtClean="0"/>
-                  <a:t>ipérbole retangular</a:t>
-                </a:r>
-                <a:r>
-                  <a:rPr lang="pt-BR" dirty="0"/>
-                  <a:t> </a:t>
-                </a:r>
-                <a:r>
-                  <a:rPr lang="pt-BR" dirty="0" smtClean="0"/>
-                  <a:t>com eixos paralelos às suas assíntotas.</a:t>
+                  <a:t> Hipérbole retangular com eixos paralelos às suas assíntotas.</a:t>
                 </a:r>
               </a:p>
               <a:p>
                 <a:r>
                   <a:rPr lang="pt-BR" dirty="0"/>
-                  <a:t>Portanto, </a:t>
-                </a:r>
-                <a:r>
-                  <a:rPr lang="pt-BR" dirty="0" smtClean="0"/>
-                  <a:t>quando usamos uma </a:t>
-                </a:r>
-                <a:r>
-                  <a:rPr lang="pt-BR" b="1" i="1" dirty="0" smtClean="0"/>
+                  <a:t>Portanto, quando usamos uma </a:t>
+                </a:r>
+                <a:r>
+                  <a:rPr lang="pt-BR" b="1" i="1" dirty="0"/>
                   <a:t>função discriminante não-linear</a:t>
                 </a:r>
                 <a:r>
-                  <a:rPr lang="pt-BR" dirty="0" smtClean="0"/>
+                  <a:rPr lang="pt-BR" dirty="0"/>
                   <a:t>, convertemos </a:t>
                 </a:r>
                 <a:r>
@@ -11018,33 +11034,511 @@
                 </a:r>
                 <a:r>
                   <a:rPr lang="pt-BR" dirty="0" smtClean="0"/>
-                  <a:t>através da aplicação de uma </a:t>
+                  <a:t>através de uma  </a:t>
+                </a:r>
+                <a:r>
+                  <a:rPr lang="pt-BR" b="1" i="1" dirty="0"/>
+                  <a:t>transformação d</a:t>
                 </a:r>
                 <a:r>
                   <a:rPr lang="pt-BR" b="1" i="1" dirty="0" smtClean="0"/>
-                  <a:t>transformação dos atributos</a:t>
-                </a:r>
-                <a:r>
-                  <a:rPr lang="pt-BR" dirty="0" smtClean="0"/>
+                  <a:t>os </a:t>
+                </a:r>
+                <a:r>
+                  <a:rPr lang="pt-BR" b="1" i="1" dirty="0"/>
+                  <a:t>atributos</a:t>
+                </a:r>
+                <a:r>
+                  <a:rPr lang="pt-BR" dirty="0"/>
                   <a:t>.</a:t>
                 </a:r>
               </a:p>
               <a:p>
-                <a:r>
-                  <a:rPr lang="pt-BR" dirty="0" smtClean="0"/>
-                  <a:t>Esta </a:t>
-                </a:r>
-                <a:r>
-                  <a:rPr lang="pt-BR" dirty="0" smtClean="0"/>
-                  <a:t>transformação pode ser vista também como uma mudança do </a:t>
-                </a:r>
+                <a:pPr lvl="1">
+                  <a:buFont typeface="Wingdings" panose="05000000000000000000" pitchFamily="2" charset="2"/>
+                  <a:buChar char="§"/>
+                </a:pPr>
+                <a14:m>
+                  <m:oMath xmlns:m="http://schemas.openxmlformats.org/officeDocument/2006/math">
+                    <m:r>
+                      <a:rPr lang="pt-BR" i="1">
+                        <a:latin typeface="Cambria Math" panose="02040503050406030204" pitchFamily="18" charset="0"/>
+                      </a:rPr>
+                      <m:t>𝑔</m:t>
+                    </m:r>
+                    <m:d>
+                      <m:dPr>
+                        <m:ctrlPr>
+                          <a:rPr lang="pt-BR" i="1">
+                            <a:latin typeface="Cambria Math" panose="02040503050406030204" pitchFamily="18" charset="0"/>
+                          </a:rPr>
+                        </m:ctrlPr>
+                      </m:dPr>
+                      <m:e>
+                        <m:r>
+                          <a:rPr lang="pt-BR" b="1" i="1">
+                            <a:latin typeface="Cambria Math" panose="02040503050406030204" pitchFamily="18" charset="0"/>
+                          </a:rPr>
+                          <m:t>𝒙</m:t>
+                        </m:r>
+                      </m:e>
+                    </m:d>
+                    <m:r>
+                      <a:rPr lang="pt-BR" i="1">
+                        <a:latin typeface="Cambria Math" panose="02040503050406030204" pitchFamily="18" charset="0"/>
+                      </a:rPr>
+                      <m:t>=</m:t>
+                    </m:r>
+                    <m:sSup>
+                      <m:sSupPr>
+                        <m:ctrlPr>
+                          <a:rPr lang="pt-BR" i="1">
+                            <a:latin typeface="Cambria Math" panose="02040503050406030204" pitchFamily="18" charset="0"/>
+                          </a:rPr>
+                        </m:ctrlPr>
+                      </m:sSupPr>
+                      <m:e>
+                        <m:d>
+                          <m:dPr>
+                            <m:ctrlPr>
+                              <a:rPr lang="pt-BR" i="1">
+                                <a:latin typeface="Cambria Math" panose="02040503050406030204" pitchFamily="18" charset="0"/>
+                              </a:rPr>
+                            </m:ctrlPr>
+                          </m:dPr>
+                          <m:e>
+                            <m:sSub>
+                              <m:sSubPr>
+                                <m:ctrlPr>
+                                  <a:rPr lang="pt-BR" i="1">
+                                    <a:latin typeface="Cambria Math" panose="02040503050406030204" pitchFamily="18" charset="0"/>
+                                  </a:rPr>
+                                </m:ctrlPr>
+                              </m:sSubPr>
+                              <m:e>
+                                <m:r>
+                                  <a:rPr lang="pt-BR" i="1">
+                                    <a:latin typeface="Cambria Math" panose="02040503050406030204" pitchFamily="18" charset="0"/>
+                                  </a:rPr>
+                                  <m:t>𝑥</m:t>
+                                </m:r>
+                              </m:e>
+                              <m:sub>
+                                <m:r>
+                                  <a:rPr lang="pt-BR" i="1">
+                                    <a:latin typeface="Cambria Math" panose="02040503050406030204" pitchFamily="18" charset="0"/>
+                                  </a:rPr>
+                                  <m:t>1</m:t>
+                                </m:r>
+                              </m:sub>
+                            </m:sSub>
+                            <m:r>
+                              <a:rPr lang="pt-BR" i="1">
+                                <a:latin typeface="Cambria Math" panose="02040503050406030204" pitchFamily="18" charset="0"/>
+                              </a:rPr>
+                              <m:t>−</m:t>
+                            </m:r>
+                            <m:r>
+                              <a:rPr lang="pt-BR" i="1">
+                                <a:latin typeface="Cambria Math" panose="02040503050406030204" pitchFamily="18" charset="0"/>
+                              </a:rPr>
+                              <m:t>𝑎</m:t>
+                            </m:r>
+                          </m:e>
+                        </m:d>
+                      </m:e>
+                      <m:sup>
+                        <m:r>
+                          <a:rPr lang="pt-BR" i="1">
+                            <a:latin typeface="Cambria Math" panose="02040503050406030204" pitchFamily="18" charset="0"/>
+                          </a:rPr>
+                          <m:t>2</m:t>
+                        </m:r>
+                      </m:sup>
+                    </m:sSup>
+                    <m:r>
+                      <a:rPr lang="pt-BR" i="1">
+                        <a:latin typeface="Cambria Math" panose="02040503050406030204" pitchFamily="18" charset="0"/>
+                      </a:rPr>
+                      <m:t>+</m:t>
+                    </m:r>
+                    <m:sSup>
+                      <m:sSupPr>
+                        <m:ctrlPr>
+                          <a:rPr lang="pt-BR" i="1">
+                            <a:latin typeface="Cambria Math" panose="02040503050406030204" pitchFamily="18" charset="0"/>
+                          </a:rPr>
+                        </m:ctrlPr>
+                      </m:sSupPr>
+                      <m:e>
+                        <m:d>
+                          <m:dPr>
+                            <m:ctrlPr>
+                              <a:rPr lang="pt-BR" i="1">
+                                <a:latin typeface="Cambria Math" panose="02040503050406030204" pitchFamily="18" charset="0"/>
+                              </a:rPr>
+                            </m:ctrlPr>
+                          </m:dPr>
+                          <m:e>
+                            <m:sSub>
+                              <m:sSubPr>
+                                <m:ctrlPr>
+                                  <a:rPr lang="pt-BR" i="1">
+                                    <a:latin typeface="Cambria Math" panose="02040503050406030204" pitchFamily="18" charset="0"/>
+                                  </a:rPr>
+                                </m:ctrlPr>
+                              </m:sSubPr>
+                              <m:e>
+                                <m:r>
+                                  <a:rPr lang="pt-BR" i="1">
+                                    <a:latin typeface="Cambria Math" panose="02040503050406030204" pitchFamily="18" charset="0"/>
+                                  </a:rPr>
+                                  <m:t>𝑥</m:t>
+                                </m:r>
+                              </m:e>
+                              <m:sub>
+                                <m:r>
+                                  <a:rPr lang="pt-BR" i="1">
+                                    <a:latin typeface="Cambria Math" panose="02040503050406030204" pitchFamily="18" charset="0"/>
+                                  </a:rPr>
+                                  <m:t>2</m:t>
+                                </m:r>
+                              </m:sub>
+                            </m:sSub>
+                            <m:r>
+                              <a:rPr lang="pt-BR" i="1">
+                                <a:latin typeface="Cambria Math" panose="02040503050406030204" pitchFamily="18" charset="0"/>
+                              </a:rPr>
+                              <m:t>−</m:t>
+                            </m:r>
+                            <m:r>
+                              <a:rPr lang="pt-BR" i="1">
+                                <a:latin typeface="Cambria Math" panose="02040503050406030204" pitchFamily="18" charset="0"/>
+                              </a:rPr>
+                              <m:t>𝑏</m:t>
+                            </m:r>
+                          </m:e>
+                        </m:d>
+                      </m:e>
+                      <m:sup>
+                        <m:r>
+                          <a:rPr lang="pt-BR" i="1">
+                            <a:latin typeface="Cambria Math" panose="02040503050406030204" pitchFamily="18" charset="0"/>
+                          </a:rPr>
+                          <m:t>2</m:t>
+                        </m:r>
+                      </m:sup>
+                    </m:sSup>
+                    <m:r>
+                      <a:rPr lang="pt-BR" i="1">
+                        <a:latin typeface="Cambria Math" panose="02040503050406030204" pitchFamily="18" charset="0"/>
+                      </a:rPr>
+                      <m:t>−</m:t>
+                    </m:r>
+                    <m:sSup>
+                      <m:sSupPr>
+                        <m:ctrlPr>
+                          <a:rPr lang="pt-BR" i="1">
+                            <a:latin typeface="Cambria Math" panose="02040503050406030204" pitchFamily="18" charset="0"/>
+                          </a:rPr>
+                        </m:ctrlPr>
+                      </m:sSupPr>
+                      <m:e>
+                        <m:r>
+                          <a:rPr lang="pt-BR" i="1">
+                            <a:latin typeface="Cambria Math" panose="02040503050406030204" pitchFamily="18" charset="0"/>
+                          </a:rPr>
+                          <m:t>𝑟</m:t>
+                        </m:r>
+                      </m:e>
+                      <m:sup>
+                        <m:r>
+                          <a:rPr lang="pt-BR" i="1">
+                            <a:latin typeface="Cambria Math" panose="02040503050406030204" pitchFamily="18" charset="0"/>
+                          </a:rPr>
+                          <m:t>2</m:t>
+                        </m:r>
+                      </m:sup>
+                    </m:sSup>
+                    <m:r>
+                      <a:rPr lang="pt-BR" i="1">
+                        <a:latin typeface="Cambria Math" panose="02040503050406030204" pitchFamily="18" charset="0"/>
+                      </a:rPr>
+                      <m:t>=</m:t>
+                    </m:r>
+                    <m:sSubSup>
+                      <m:sSubSupPr>
+                        <m:ctrlPr>
+                          <a:rPr lang="pt-BR" i="1">
+                            <a:latin typeface="Cambria Math" panose="02040503050406030204" pitchFamily="18" charset="0"/>
+                          </a:rPr>
+                        </m:ctrlPr>
+                      </m:sSubSupPr>
+                      <m:e>
+                        <m:r>
+                          <a:rPr lang="pt-BR" i="1">
+                            <a:latin typeface="Cambria Math" panose="02040503050406030204" pitchFamily="18" charset="0"/>
+                          </a:rPr>
+                          <m:t>𝑥</m:t>
+                        </m:r>
+                      </m:e>
+                      <m:sub>
+                        <m:r>
+                          <a:rPr lang="pt-BR" i="1">
+                            <a:latin typeface="Cambria Math" panose="02040503050406030204" pitchFamily="18" charset="0"/>
+                          </a:rPr>
+                          <m:t>1</m:t>
+                        </m:r>
+                      </m:sub>
+                      <m:sup>
+                        <m:r>
+                          <a:rPr lang="pt-BR" i="1">
+                            <a:latin typeface="Cambria Math" panose="02040503050406030204" pitchFamily="18" charset="0"/>
+                          </a:rPr>
+                          <m:t>2</m:t>
+                        </m:r>
+                      </m:sup>
+                    </m:sSubSup>
+                    <m:r>
+                      <a:rPr lang="pt-BR" i="1">
+                        <a:latin typeface="Cambria Math" panose="02040503050406030204" pitchFamily="18" charset="0"/>
+                      </a:rPr>
+                      <m:t>−2</m:t>
+                    </m:r>
+                    <m:r>
+                      <a:rPr lang="pt-BR" i="1">
+                        <a:latin typeface="Cambria Math" panose="02040503050406030204" pitchFamily="18" charset="0"/>
+                      </a:rPr>
+                      <m:t>𝑎</m:t>
+                    </m:r>
+                    <m:sSub>
+                      <m:sSubPr>
+                        <m:ctrlPr>
+                          <a:rPr lang="pt-BR" i="1">
+                            <a:latin typeface="Cambria Math" panose="02040503050406030204" pitchFamily="18" charset="0"/>
+                          </a:rPr>
+                        </m:ctrlPr>
+                      </m:sSubPr>
+                      <m:e>
+                        <m:r>
+                          <a:rPr lang="pt-BR" i="1">
+                            <a:latin typeface="Cambria Math" panose="02040503050406030204" pitchFamily="18" charset="0"/>
+                          </a:rPr>
+                          <m:t>𝑥</m:t>
+                        </m:r>
+                      </m:e>
+                      <m:sub>
+                        <m:r>
+                          <a:rPr lang="pt-BR" i="1">
+                            <a:latin typeface="Cambria Math" panose="02040503050406030204" pitchFamily="18" charset="0"/>
+                          </a:rPr>
+                          <m:t>1</m:t>
+                        </m:r>
+                      </m:sub>
+                    </m:sSub>
+                    <m:sSubSup>
+                      <m:sSubSupPr>
+                        <m:ctrlPr>
+                          <a:rPr lang="pt-BR" i="1">
+                            <a:latin typeface="Cambria Math" panose="02040503050406030204" pitchFamily="18" charset="0"/>
+                          </a:rPr>
+                        </m:ctrlPr>
+                      </m:sSubSupPr>
+                      <m:e>
+                        <m:r>
+                          <a:rPr lang="pt-BR" i="1">
+                            <a:latin typeface="Cambria Math" panose="02040503050406030204" pitchFamily="18" charset="0"/>
+                          </a:rPr>
+                          <m:t>+</m:t>
+                        </m:r>
+                        <m:r>
+                          <a:rPr lang="pt-BR" i="1">
+                            <a:latin typeface="Cambria Math" panose="02040503050406030204" pitchFamily="18" charset="0"/>
+                          </a:rPr>
+                          <m:t>𝑥</m:t>
+                        </m:r>
+                      </m:e>
+                      <m:sub>
+                        <m:r>
+                          <a:rPr lang="pt-BR" i="1">
+                            <a:latin typeface="Cambria Math" panose="02040503050406030204" pitchFamily="18" charset="0"/>
+                          </a:rPr>
+                          <m:t>2</m:t>
+                        </m:r>
+                      </m:sub>
+                      <m:sup>
+                        <m:r>
+                          <a:rPr lang="pt-BR" i="1">
+                            <a:latin typeface="Cambria Math" panose="02040503050406030204" pitchFamily="18" charset="0"/>
+                          </a:rPr>
+                          <m:t>2</m:t>
+                        </m:r>
+                      </m:sup>
+                    </m:sSubSup>
+                    <m:r>
+                      <a:rPr lang="pt-BR" i="1">
+                        <a:latin typeface="Cambria Math" panose="02040503050406030204" pitchFamily="18" charset="0"/>
+                      </a:rPr>
+                      <m:t>−2</m:t>
+                    </m:r>
+                    <m:r>
+                      <a:rPr lang="pt-BR" i="1">
+                        <a:latin typeface="Cambria Math" panose="02040503050406030204" pitchFamily="18" charset="0"/>
+                      </a:rPr>
+                      <m:t>𝑏</m:t>
+                    </m:r>
+                    <m:sSub>
+                      <m:sSubPr>
+                        <m:ctrlPr>
+                          <a:rPr lang="pt-BR" i="1">
+                            <a:latin typeface="Cambria Math" panose="02040503050406030204" pitchFamily="18" charset="0"/>
+                          </a:rPr>
+                        </m:ctrlPr>
+                      </m:sSubPr>
+                      <m:e>
+                        <m:r>
+                          <a:rPr lang="pt-BR" i="1">
+                            <a:latin typeface="Cambria Math" panose="02040503050406030204" pitchFamily="18" charset="0"/>
+                          </a:rPr>
+                          <m:t>𝑥</m:t>
+                        </m:r>
+                      </m:e>
+                      <m:sub>
+                        <m:r>
+                          <a:rPr lang="pt-BR" i="1">
+                            <a:latin typeface="Cambria Math" panose="02040503050406030204" pitchFamily="18" charset="0"/>
+                          </a:rPr>
+                          <m:t>2</m:t>
+                        </m:r>
+                      </m:sub>
+                    </m:sSub>
+                    <m:r>
+                      <a:rPr lang="pt-BR" i="1">
+                        <a:latin typeface="Cambria Math" panose="02040503050406030204" pitchFamily="18" charset="0"/>
+                      </a:rPr>
+                      <m:t>+(</m:t>
+                    </m:r>
+                    <m:sSup>
+                      <m:sSupPr>
+                        <m:ctrlPr>
+                          <a:rPr lang="pt-BR" i="1">
+                            <a:latin typeface="Cambria Math" panose="02040503050406030204" pitchFamily="18" charset="0"/>
+                          </a:rPr>
+                        </m:ctrlPr>
+                      </m:sSupPr>
+                      <m:e>
+                        <m:r>
+                          <a:rPr lang="pt-BR" i="1">
+                            <a:latin typeface="Cambria Math" panose="02040503050406030204" pitchFamily="18" charset="0"/>
+                          </a:rPr>
+                          <m:t>𝑎</m:t>
+                        </m:r>
+                      </m:e>
+                      <m:sup>
+                        <m:r>
+                          <a:rPr lang="pt-BR" i="1">
+                            <a:latin typeface="Cambria Math" panose="02040503050406030204" pitchFamily="18" charset="0"/>
+                          </a:rPr>
+                          <m:t>2</m:t>
+                        </m:r>
+                      </m:sup>
+                    </m:sSup>
+                    <m:r>
+                      <a:rPr lang="pt-BR" i="1">
+                        <a:latin typeface="Cambria Math" panose="02040503050406030204" pitchFamily="18" charset="0"/>
+                      </a:rPr>
+                      <m:t>+</m:t>
+                    </m:r>
+                    <m:sSup>
+                      <m:sSupPr>
+                        <m:ctrlPr>
+                          <a:rPr lang="pt-BR" i="1">
+                            <a:latin typeface="Cambria Math" panose="02040503050406030204" pitchFamily="18" charset="0"/>
+                          </a:rPr>
+                        </m:ctrlPr>
+                      </m:sSupPr>
+                      <m:e>
+                        <m:r>
+                          <a:rPr lang="pt-BR" i="1">
+                            <a:latin typeface="Cambria Math" panose="02040503050406030204" pitchFamily="18" charset="0"/>
+                          </a:rPr>
+                          <m:t>𝑏</m:t>
+                        </m:r>
+                      </m:e>
+                      <m:sup>
+                        <m:r>
+                          <a:rPr lang="pt-BR" i="1">
+                            <a:latin typeface="Cambria Math" panose="02040503050406030204" pitchFamily="18" charset="0"/>
+                          </a:rPr>
+                          <m:t>2</m:t>
+                        </m:r>
+                      </m:sup>
+                    </m:sSup>
+                    <m:r>
+                      <a:rPr lang="pt-BR" i="1">
+                        <a:latin typeface="Cambria Math" panose="02040503050406030204" pitchFamily="18" charset="0"/>
+                      </a:rPr>
+                      <m:t>−</m:t>
+                    </m:r>
+                    <m:sSup>
+                      <m:sSupPr>
+                        <m:ctrlPr>
+                          <a:rPr lang="pt-BR" i="1">
+                            <a:latin typeface="Cambria Math" panose="02040503050406030204" pitchFamily="18" charset="0"/>
+                          </a:rPr>
+                        </m:ctrlPr>
+                      </m:sSupPr>
+                      <m:e>
+                        <m:r>
+                          <a:rPr lang="pt-BR" i="1">
+                            <a:latin typeface="Cambria Math" panose="02040503050406030204" pitchFamily="18" charset="0"/>
+                          </a:rPr>
+                          <m:t>𝑟</m:t>
+                        </m:r>
+                      </m:e>
+                      <m:sup>
+                        <m:r>
+                          <a:rPr lang="pt-BR" i="1">
+                            <a:latin typeface="Cambria Math" panose="02040503050406030204" pitchFamily="18" charset="0"/>
+                          </a:rPr>
+                          <m:t>2</m:t>
+                        </m:r>
+                      </m:sup>
+                    </m:sSup>
+                    <m:r>
+                      <a:rPr lang="pt-BR" i="1">
+                        <a:latin typeface="Cambria Math" panose="02040503050406030204" pitchFamily="18" charset="0"/>
+                      </a:rPr>
+                      <m:t>)</m:t>
+                    </m:r>
+                  </m:oMath>
+                </a14:m>
+                <a:endParaRPr lang="pt-BR" dirty="0"/>
+              </a:p>
+              <a:p>
                 <a:r>
                   <a:rPr lang="pt-BR" dirty="0"/>
-                  <a:t>espaço de </a:t>
-                </a:r>
-                <a:r>
-                  <a:rPr lang="pt-BR" dirty="0" smtClean="0"/>
-                  <a:t>entrada, o que normalmente leva ao aumento das dimensões de entrada ou mudança dos eixos</a:t>
+                  <a:t>Esta transformação pode ser vista também como uma mudança do </a:t>
+                </a:r>
+                <a:r>
+                  <a:rPr lang="pt-BR" b="1" i="1" dirty="0"/>
+                  <a:t>espaço de entrada</a:t>
+                </a:r>
+                <a:r>
+                  <a:rPr lang="pt-BR" dirty="0"/>
+                  <a:t>, o que normalmente leva ao </a:t>
+                </a:r>
+                <a:r>
+                  <a:rPr lang="pt-BR" b="1" i="1" dirty="0"/>
+                  <a:t>aumento das dimensões de entrada </a:t>
+                </a:r>
+                <a:r>
+                  <a:rPr lang="pt-BR" dirty="0"/>
+                  <a:t>ou </a:t>
+                </a:r>
+                <a:r>
+                  <a:rPr lang="pt-BR" b="1" i="1" dirty="0"/>
+                  <a:t>mudança dos eixos</a:t>
                 </a:r>
                 <a:r>
                   <a:rPr lang="pt-BR" dirty="0" smtClean="0"/>
@@ -11055,7 +11549,7 @@
             </p:txBody>
           </p:sp>
         </mc:Choice>
-        <mc:Fallback>
+        <mc:Fallback xmlns="">
           <p:sp>
             <p:nvSpPr>
               <p:cNvPr id="3" name="Content Placeholder 2"/>
@@ -11068,13 +11562,13 @@
             </p:nvSpPr>
             <p:spPr>
               <a:xfrm>
-                <a:off x="838199" y="1783420"/>
-                <a:ext cx="11187545" cy="5032375"/>
+                <a:off x="838199" y="1539090"/>
+                <a:ext cx="11175750" cy="5318910"/>
               </a:xfrm>
               <a:blipFill rotWithShape="0">
                 <a:blip r:embed="rId3"/>
                 <a:stretch>
-                  <a:fillRect l="-708" t="-2788" r="-871" b="-2788"/>
+                  <a:fillRect l="-709" t="-2635" r="-981" b="-2405"/>
                 </a:stretch>
               </a:blipFill>
             </p:spPr>
@@ -11096,7 +11590,7 @@
     </p:spTree>
     <p:extLst>
       <p:ext uri="{BB962C8B-B14F-4D97-AF65-F5344CB8AC3E}">
-        <p14:creationId xmlns:p14="http://schemas.microsoft.com/office/powerpoint/2010/main" val="4224291905"/>
+        <p14:creationId xmlns:p14="http://schemas.microsoft.com/office/powerpoint/2010/main" val="1001896264"/>
       </p:ext>
     </p:extLst>
   </p:cSld>
@@ -11154,8 +11648,8 @@
           </a:p>
         </p:txBody>
       </p:sp>
-      <mc:AlternateContent xmlns:mc="http://schemas.openxmlformats.org/markup-compatibility/2006">
-        <mc:Choice xmlns:a14="http://schemas.microsoft.com/office/drawing/2010/main" Requires="a14">
+      <mc:AlternateContent xmlns:mc="http://schemas.openxmlformats.org/markup-compatibility/2006" xmlns:a14="http://schemas.microsoft.com/office/drawing/2010/main">
+        <mc:Choice Requires="a14">
           <p:sp>
             <p:nvSpPr>
               <p:cNvPr id="3" name="Content Placeholder 2"/>
@@ -11591,7 +12085,7 @@
                 </a14:m>
                 <a:r>
                   <a:rPr lang="pt-BR" dirty="0" smtClean="0"/>
-                  <a:t>, e a saída 0 ou 1 é feita através da </a:t>
+                  <a:t>, e a saída 0 ou 1 é feito através da </a:t>
                 </a:r>
                 <a:r>
                   <a:rPr lang="pt-BR" b="1" i="1" dirty="0" smtClean="0"/>
@@ -11718,11 +12212,11 @@
                   <a:t>A </a:t>
                 </a:r>
                 <a:r>
-                  <a:rPr lang="pt-BR" b="1" dirty="0"/>
+                  <a:rPr lang="pt-BR" b="1" i="1" dirty="0"/>
                   <a:t>função de limiar </a:t>
                 </a:r>
                 <a:r>
-                  <a:rPr lang="pt-BR" b="1" dirty="0" smtClean="0"/>
+                  <a:rPr lang="pt-BR" b="1" i="1" dirty="0" smtClean="0"/>
                   <a:t>de decisão rígido </a:t>
                 </a:r>
                 <a:r>
@@ -11906,7 +12400,7 @@
             </p:txBody>
           </p:sp>
         </mc:Choice>
-        <mc:Fallback>
+        <mc:Fallback xmlns="">
           <p:sp>
             <p:nvSpPr>
               <p:cNvPr id="3" name="Content Placeholder 2"/>
@@ -12407,8 +12901,8 @@
           </a:p>
         </p:txBody>
       </p:sp>
-      <mc:AlternateContent xmlns:mc="http://schemas.openxmlformats.org/markup-compatibility/2006">
-        <mc:Choice xmlns:a14="http://schemas.microsoft.com/office/drawing/2010/main" Requires="a14">
+      <mc:AlternateContent xmlns:mc="http://schemas.openxmlformats.org/markup-compatibility/2006" xmlns:a14="http://schemas.microsoft.com/office/drawing/2010/main">
+        <mc:Choice Requires="a14">
           <p:sp>
             <p:nvSpPr>
               <p:cNvPr id="3" name="Content Placeholder 2"/>
@@ -12421,13 +12915,13 @@
             </p:nvSpPr>
             <p:spPr>
               <a:xfrm>
-                <a:off x="838200" y="1898980"/>
-                <a:ext cx="8202176" cy="4918075"/>
+                <a:off x="838199" y="1898980"/>
+                <a:ext cx="8604565" cy="4959020"/>
               </a:xfrm>
             </p:spPr>
             <p:txBody>
               <a:bodyPr>
-                <a:normAutofit fontScale="92500" lnSpcReduction="20000"/>
+                <a:normAutofit fontScale="85000" lnSpcReduction="10000"/>
               </a:bodyPr>
               <a:lstStyle/>
               <a:p>
@@ -12503,15 +12997,7 @@
                 </a:r>
                 <a:r>
                   <a:rPr lang="pt-BR" dirty="0" smtClean="0"/>
-                  <a:t>tem uma forma matemática bem definida, </a:t>
-                </a:r>
-                <a:r>
-                  <a:rPr lang="pt-BR" dirty="0" smtClean="0"/>
-                  <a:t>nós </a:t>
-                </a:r>
-                <a:r>
-                  <a:rPr lang="pt-BR" dirty="0" smtClean="0"/>
-                  <a:t>podemos pensar em como escolher os pesos </a:t>
+                  <a:t>tem uma forma matemática bem definida, precisamos pensar em como encontrar os pesos, </a:t>
                 </a:r>
                 <a14:m>
                   <m:oMath xmlns:m="http://schemas.openxmlformats.org/officeDocument/2006/math">
@@ -12524,20 +13010,23 @@
                   </m:oMath>
                 </a14:m>
                 <a:r>
-                  <a:rPr lang="pt-BR" b="1" i="1" dirty="0" smtClean="0"/>
-                  <a:t> </a:t>
-                </a:r>
-                <a:r>
-                  <a:rPr lang="pt-BR" dirty="0" smtClean="0"/>
-                  <a:t>que </a:t>
-                </a:r>
-                <a:r>
-                  <a:rPr lang="pt-BR" b="1" i="1" dirty="0" smtClean="0"/>
-                  <a:t>minimizem o erro de classificação</a:t>
-                </a:r>
-                <a:r>
                   <a:rPr lang="pt-BR" dirty="0" smtClean="0"/>
                   <a:t>.</a:t>
+                </a:r>
+                <a:endParaRPr lang="pt-BR" b="1" i="1" dirty="0" smtClean="0"/>
+              </a:p>
+              <a:p>
+                <a:r>
+                  <a:rPr lang="pt-BR" dirty="0" smtClean="0"/>
+                  <a:t>Nós queremos encontrá-los de tal forma que </a:t>
+                </a:r>
+                <a:r>
+                  <a:rPr lang="pt-BR" b="1" i="1" dirty="0" smtClean="0"/>
+                  <a:t>o erro de classificação seja minimizado</a:t>
+                </a:r>
+                <a:r>
+                  <a:rPr lang="pt-BR" dirty="0" smtClean="0"/>
+                  <a:t>, ou seja, que os exemplos sejam atribuídos às suas respectivas classes.</a:t>
                 </a:r>
               </a:p>
               <a:p>
@@ -12569,19 +13058,7 @@
                 </a:r>
                 <a:r>
                   <a:rPr lang="pt-BR" dirty="0" smtClean="0"/>
-                  <a:t>) fazendo </a:t>
-                </a:r>
-                <a:r>
-                  <a:rPr lang="pt-BR" dirty="0" smtClean="0"/>
-                  <a:t>a derivada parcial </a:t>
-                </a:r>
-                <a:r>
-                  <a:rPr lang="pt-BR" dirty="0" smtClean="0"/>
-                  <a:t>com relação aos pesos </a:t>
-                </a:r>
-                <a:r>
-                  <a:rPr lang="pt-BR" dirty="0" smtClean="0"/>
-                  <a:t>igual a zero e resolvendo a equação para os pesos;</a:t>
+                  <a:t>) fazendo a derivada parcial com relação aos pesos igual a zero e resolvendo a equação para os pesos;</a:t>
                 </a:r>
               </a:p>
               <a:p>
@@ -12613,18 +13090,96 @@
                 </a:r>
                 <a:r>
                   <a:rPr lang="pt-BR" dirty="0" smtClean="0"/>
-                  <a:t>, nenhuma das duas abordagens é possível devido ao fato do </a:t>
+                  <a:t>, nenhuma das duas abordagens é possível devido a </a:t>
                 </a:r>
                 <a:r>
                   <a:rPr lang="pt-BR" b="1" i="1" dirty="0" smtClean="0"/>
-                  <a:t>gradiente</a:t>
+                  <a:t>derivada</a:t>
                 </a:r>
                 <a:r>
                   <a:rPr lang="pt-BR" dirty="0" smtClean="0"/>
-                  <a:t> ser igual a zero em todos os pontos do espaço de pesos exceto no ponto onde </a:t>
+                  <a:t> de </a:t>
                 </a:r>
                 <a14:m>
                   <m:oMath xmlns:m="http://schemas.openxmlformats.org/officeDocument/2006/math">
+                    <m:r>
+                      <a:rPr lang="en-US" i="1">
+                        <a:latin typeface="Cambria Math" panose="02040503050406030204" pitchFamily="18" charset="0"/>
+                      </a:rPr>
+                      <m:t>𝑓</m:t>
+                    </m:r>
+                    <m:r>
+                      <a:rPr lang="en-US" i="1">
+                        <a:latin typeface="Cambria Math" panose="02040503050406030204" pitchFamily="18" charset="0"/>
+                      </a:rPr>
+                      <m:t>(</m:t>
+                    </m:r>
+                    <m:r>
+                      <a:rPr lang="pt-BR" i="1">
+                        <a:latin typeface="Cambria Math" panose="02040503050406030204" pitchFamily="18" charset="0"/>
+                      </a:rPr>
+                      <m:t>𝑔</m:t>
+                    </m:r>
+                    <m:d>
+                      <m:dPr>
+                        <m:ctrlPr>
+                          <a:rPr lang="pt-BR" i="1">
+                            <a:latin typeface="Cambria Math" panose="02040503050406030204" pitchFamily="18" charset="0"/>
+                          </a:rPr>
+                        </m:ctrlPr>
+                      </m:dPr>
+                      <m:e>
+                        <m:r>
+                          <a:rPr lang="pt-BR" b="1" i="1">
+                            <a:latin typeface="Cambria Math" panose="02040503050406030204" pitchFamily="18" charset="0"/>
+                          </a:rPr>
+                          <m:t>𝒙</m:t>
+                        </m:r>
+                      </m:e>
+                    </m:d>
+                    <m:r>
+                      <a:rPr lang="en-US" i="1">
+                        <a:latin typeface="Cambria Math" panose="02040503050406030204" pitchFamily="18" charset="0"/>
+                      </a:rPr>
+                      <m:t>) </m:t>
+                    </m:r>
+                  </m:oMath>
+                </a14:m>
+                <a:r>
+                  <a:rPr lang="pt-BR" dirty="0" smtClean="0"/>
+                  <a:t>ser igual a zero em todos os pontos exceto em </a:t>
+                </a:r>
+                <a14:m>
+                  <m:oMath xmlns:m="http://schemas.openxmlformats.org/officeDocument/2006/math">
+                    <m:r>
+                      <a:rPr lang="pt-BR" i="1">
+                        <a:latin typeface="Cambria Math" panose="02040503050406030204" pitchFamily="18" charset="0"/>
+                      </a:rPr>
+                      <m:t>𝑔</m:t>
+                    </m:r>
+                    <m:d>
+                      <m:dPr>
+                        <m:ctrlPr>
+                          <a:rPr lang="pt-BR" i="1">
+                            <a:latin typeface="Cambria Math" panose="02040503050406030204" pitchFamily="18" charset="0"/>
+                          </a:rPr>
+                        </m:ctrlPr>
+                      </m:dPr>
+                      <m:e>
+                        <m:r>
+                          <a:rPr lang="pt-BR" b="1" i="1">
+                            <a:latin typeface="Cambria Math" panose="02040503050406030204" pitchFamily="18" charset="0"/>
+                          </a:rPr>
+                          <m:t>𝒙</m:t>
+                        </m:r>
+                      </m:e>
+                    </m:d>
+                    <m:r>
+                      <a:rPr lang="pt-BR" b="0" i="1" smtClean="0">
+                        <a:latin typeface="Cambria Math" panose="02040503050406030204" pitchFamily="18" charset="0"/>
+                      </a:rPr>
+                      <m:t>=</m:t>
+                    </m:r>
                     <m:sSup>
                       <m:sSupPr>
                         <m:ctrlPr>
@@ -12667,15 +13222,7 @@
                 </a14:m>
                 <a:r>
                   <a:rPr lang="pt-BR" dirty="0" smtClean="0"/>
-                  <a:t>, e mesmo assim, o </a:t>
-                </a:r>
-                <a:r>
-                  <a:rPr lang="pt-BR" b="1" i="1" dirty="0" smtClean="0"/>
-                  <a:t>gradiente</a:t>
-                </a:r>
-                <a:r>
-                  <a:rPr lang="pt-BR" dirty="0" smtClean="0"/>
-                  <a:t> é indeterminado nesse ponto.</a:t>
+                  <a:t>, onde ela é indeterminada.</a:t>
                 </a:r>
               </a:p>
               <a:p>
@@ -12696,7 +13243,7 @@
             </p:txBody>
           </p:sp>
         </mc:Choice>
-        <mc:Fallback>
+        <mc:Fallback xmlns="">
           <p:sp>
             <p:nvSpPr>
               <p:cNvPr id="3" name="Content Placeholder 2"/>
@@ -12709,13 +13256,13 @@
             </p:nvSpPr>
             <p:spPr>
               <a:xfrm>
-                <a:off x="838200" y="1898980"/>
-                <a:ext cx="8202176" cy="4918075"/>
+                <a:off x="838199" y="1898980"/>
+                <a:ext cx="8604565" cy="4959020"/>
               </a:xfrm>
               <a:blipFill rotWithShape="0">
                 <a:blip r:embed="rId3"/>
                 <a:stretch>
-                  <a:fillRect l="-1190" t="-3226" r="-1190" b="-2605"/>
+                  <a:fillRect l="-921" t="-2337" r="-425" b="-2214"/>
                 </a:stretch>
               </a:blipFill>
             </p:spPr>
@@ -12749,8 +13296,8 @@
         </p:blipFill>
         <p:spPr>
           <a:xfrm>
-            <a:off x="9040376" y="2424035"/>
-            <a:ext cx="3072122" cy="2851227"/>
+            <a:off x="9316016" y="3082697"/>
+            <a:ext cx="2792365" cy="2591585"/>
           </a:xfrm>
           <a:prstGeom prst="rect">
             <a:avLst/>
@@ -12842,7 +13389,7 @@
               <a:p>
                 <a:r>
                   <a:rPr lang="pt-BR" dirty="0" smtClean="0"/>
-                  <a:t>Uma possível abordagem para o problema quando utilizamos um </a:t>
+                  <a:t>Uma possível abordagem para o problema da aprendizagem quando utilizamos um </a:t>
                 </a:r>
                 <a:r>
                   <a:rPr lang="pt-BR" b="1" i="1" dirty="0" smtClean="0"/>
@@ -13125,7 +13672,29 @@
                 </a:r>
                 <a:r>
                   <a:rPr lang="pt-BR" dirty="0" smtClean="0"/>
-                  <a:t>.</a:t>
+                  <a:t>, </a:t>
+                </a:r>
+                <a14:m>
+                  <m:oMath xmlns:m="http://schemas.openxmlformats.org/officeDocument/2006/math">
+                    <m:r>
+                      <a:rPr lang="pt-BR" b="0" i="1">
+                        <a:latin typeface="Cambria Math" panose="02040503050406030204" pitchFamily="18" charset="0"/>
+                        <a:ea typeface="Cambria Math" panose="02040503050406030204" pitchFamily="18" charset="0"/>
+                      </a:rPr>
+                      <m:t>𝛼</m:t>
+                    </m:r>
+                    <m:r>
+                      <a:rPr lang="pt-BR" b="0" i="0">
+                        <a:latin typeface="Cambria Math" panose="02040503050406030204" pitchFamily="18" charset="0"/>
+                        <a:ea typeface="Cambria Math" panose="02040503050406030204" pitchFamily="18" charset="0"/>
+                      </a:rPr>
+                      <m:t> </m:t>
+                    </m:r>
+                  </m:oMath>
+                </a14:m>
+                <a:r>
+                  <a:rPr lang="pt-BR" dirty="0" smtClean="0"/>
+                  <a:t>onde é o passo de aprendizagem.</a:t>
                 </a:r>
               </a:p>
               <a:p>
@@ -13163,7 +13732,7 @@
               <a:p>
                 <a:r>
                   <a:rPr lang="pt-BR" dirty="0" smtClean="0"/>
-                  <a:t>Como estamos considerando classificadores com valores de saída 0 ou 1, o comportamento da regra de atualização será diferente do comportamento para  a regressão linear, como veremos a seguir.</a:t>
+                  <a:t>Como estamos considerando classificadores com valores de saída iguais a 0 ou 1, o comportamento da regra de atualização será diferente do comportamento para  a regressão linear, como veremos a seguir.</a:t>
                 </a:r>
                 <a:endParaRPr lang="pt-BR" dirty="0"/>
               </a:p>
@@ -13189,7 +13758,7 @@
               <a:blipFill rotWithShape="0">
                 <a:blip r:embed="rId2"/>
                 <a:stretch>
-                  <a:fillRect l="-874" t="-2764" r="-273"/>
+                  <a:fillRect l="-874" t="-2764"/>
                 </a:stretch>
               </a:blipFill>
             </p:spPr>
@@ -13216,8 +13785,8 @@
         </p:nvSpPr>
         <p:spPr>
           <a:xfrm>
-            <a:off x="9333932" y="2511183"/>
-            <a:ext cx="1897038" cy="830997"/>
+            <a:off x="9333932" y="2619825"/>
+            <a:ext cx="2019868" cy="738664"/>
           </a:xfrm>
           <a:prstGeom prst="rect">
             <a:avLst/>
@@ -13232,10 +13801,10 @@
           <a:p>
             <a:pPr algn="ctr"/>
             <a:r>
-              <a:rPr lang="pt-BR" sz="1600" dirty="0" smtClean="0"/>
-              <a:t>Os pesos são atualizados a cada novo exemplo.</a:t>
+              <a:rPr lang="pt-BR" sz="1400" dirty="0" smtClean="0"/>
+              <a:t>Os pesos são atualizados a cada novo exemplo, ou seja, amostra a amostra.</a:t>
             </a:r>
-            <a:endParaRPr lang="pt-BR" sz="1600" dirty="0"/>
+            <a:endParaRPr lang="pt-BR" sz="1400" dirty="0"/>
           </a:p>
         </p:txBody>
       </p:sp>
@@ -13249,8 +13818,8 @@
         </p:nvCxnSpPr>
         <p:spPr>
           <a:xfrm flipH="1">
-            <a:off x="7847463" y="2926682"/>
-            <a:ext cx="1486469" cy="280542"/>
+            <a:off x="7749766" y="2989157"/>
+            <a:ext cx="1584166" cy="324411"/>
           </a:xfrm>
           <a:prstGeom prst="straightConnector1">
             <a:avLst/>
@@ -13329,8 +13898,8 @@
           </a:p>
         </p:txBody>
       </p:sp>
-      <mc:AlternateContent xmlns:mc="http://schemas.openxmlformats.org/markup-compatibility/2006">
-        <mc:Choice xmlns:a14="http://schemas.microsoft.com/office/drawing/2010/main" Requires="a14">
+      <mc:AlternateContent xmlns:mc="http://schemas.openxmlformats.org/markup-compatibility/2006" xmlns:a14="http://schemas.microsoft.com/office/drawing/2010/main">
+        <mc:Choice Requires="a14">
           <p:sp>
             <p:nvSpPr>
               <p:cNvPr id="3" name="Content Placeholder 2"/>
@@ -13545,7 +14114,7 @@
               <a:p>
                 <a:r>
                   <a:rPr lang="pt-BR" dirty="0" smtClean="0"/>
-                  <a:t>Ambos, o valor desejado, </a:t>
+                  <a:t>Ambos, o valor esperado, </a:t>
                 </a:r>
                 <a14:m>
                   <m:oMath xmlns:m="http://schemas.openxmlformats.org/officeDocument/2006/math">
@@ -14425,7 +14994,7 @@
             </p:txBody>
           </p:sp>
         </mc:Choice>
-        <mc:Fallback>
+        <mc:Fallback xmlns="">
           <p:sp>
             <p:nvSpPr>
               <p:cNvPr id="3" name="Content Placeholder 2"/>

--- a/slides/T320_Classificação (Parte II).pptx
+++ b/slides/T320_Classificação (Parte II).pptx
@@ -288,7 +288,7 @@
           <a:p>
             <a:fld id="{144F1436-6906-4D93-B7A2-786C327BFA14}" type="datetimeFigureOut">
               <a:rPr lang="nl-BE" smtClean="0"/>
-              <a:t>17/02/2022</a:t>
+              <a:t>25/02/2022</a:t>
             </a:fld>
             <a:endParaRPr lang="nl-BE"/>
           </a:p>
@@ -354,7 +354,7 @@
           <a:p>
             <a:fld id="{F7E56D9B-79AD-444A-AFED-DEC23408F8B4}" type="slidenum">
               <a:rPr lang="nl-BE" smtClean="0"/>
-              <a:t>‹#›</a:t>
+              <a:t>‹nº›</a:t>
             </a:fld>
             <a:endParaRPr lang="nl-BE"/>
           </a:p>
@@ -453,7 +453,7 @@
           <a:p>
             <a:fld id="{AA8CD09E-2914-4F47-B6C1-51B2C31814C9}" type="datetimeFigureOut">
               <a:rPr lang="pt-BR" smtClean="0"/>
-              <a:t>17/02/2022</a:t>
+              <a:t>25/02/2022</a:t>
             </a:fld>
             <a:endParaRPr lang="pt-BR"/>
           </a:p>
@@ -611,7 +611,7 @@
           <a:p>
             <a:fld id="{6FC8D850-966F-45A6-8DE7-15B891E7D40D}" type="slidenum">
               <a:rPr lang="pt-BR" smtClean="0"/>
-              <a:t>‹#›</a:t>
+              <a:t>‹nº›</a:t>
             </a:fld>
             <a:endParaRPr lang="pt-BR"/>
           </a:p>
@@ -764,7 +764,7 @@
           <a:bodyPr/>
           <a:lstStyle/>
           <a:p>
-            <a:endParaRPr lang="pt-BR" baseline="0" dirty="0" smtClean="0"/>
+            <a:endParaRPr lang="pt-BR" baseline="0" dirty="0"/>
           </a:p>
         </p:txBody>
       </p:sp>
@@ -849,28 +849,28 @@
           <a:lstStyle/>
           <a:p>
             <a:r>
-              <a:rPr lang="pt-BR" b="1" i="1" dirty="0" smtClean="0"/>
+              <a:rPr lang="pt-BR" b="1" i="1" dirty="0"/>
               <a:t>Classificadores lineares </a:t>
             </a:r>
             <a:r>
-              <a:rPr lang="pt-BR" dirty="0" smtClean="0"/>
+              <a:rPr lang="pt-BR" dirty="0"/>
               <a:t>sãos frequentemente usados em situações em que a velocidade da classificação é um problema, pois ele geralmente é o classificador mais rápido. Lembre-se que a classificação envolve apenas um produto escalar e um mapeamento.</a:t>
             </a:r>
           </a:p>
           <a:p>
-            <a:endParaRPr lang="pt-BR" dirty="0" smtClean="0"/>
-          </a:p>
-          <a:p>
-            <a:r>
-              <a:rPr lang="pt-BR" dirty="0" smtClean="0"/>
+            <a:endParaRPr lang="pt-BR" dirty="0"/>
+          </a:p>
+          <a:p>
+            <a:r>
+              <a:rPr lang="pt-BR" dirty="0"/>
               <a:t>Além disso, os </a:t>
             </a:r>
             <a:r>
-              <a:rPr lang="pt-BR" b="1" i="1" dirty="0" smtClean="0"/>
+              <a:rPr lang="pt-BR" b="1" i="1" dirty="0"/>
               <a:t>classificadores lineares </a:t>
             </a:r>
             <a:r>
-              <a:rPr lang="pt-BR" dirty="0" smtClean="0"/>
+              <a:rPr lang="pt-BR" dirty="0"/>
               <a:t>geralmente funcionam muito bem quando o número de atributos é grande, como no caso da classificação de documentos (milhares de palavras, por exemplo).</a:t>
             </a:r>
           </a:p>
@@ -1040,29 +1040,29 @@
           <a:bodyPr/>
           <a:lstStyle/>
           <a:p>
-            <a:endParaRPr lang="pt-BR" dirty="0" smtClean="0"/>
-          </a:p>
-          <a:p>
-            <a:r>
-              <a:rPr lang="pt-BR" b="1" dirty="0" smtClean="0"/>
+            <a:endParaRPr lang="pt-BR" dirty="0"/>
+          </a:p>
+          <a:p>
+            <a:r>
+              <a:rPr lang="pt-BR" b="1" dirty="0"/>
               <a:t>Referências</a:t>
             </a:r>
           </a:p>
           <a:p>
             <a:r>
-              <a:rPr lang="pt-BR" dirty="0" smtClean="0"/>
+              <a:rPr lang="pt-BR" dirty="0"/>
               <a:t>[1] https://towardsdatascience.com/logistic-regression-as-a-nonlinear-classifier-bdc6746db734</a:t>
             </a:r>
           </a:p>
           <a:p>
             <a:r>
-              <a:rPr lang="pt-BR" dirty="0" smtClean="0"/>
+              <a:rPr lang="pt-BR" dirty="0"/>
               <a:t>[2] https://pt.wikipedia.org/wiki/Hip%C3%A9rbole</a:t>
             </a:r>
           </a:p>
           <a:p>
             <a:r>
-              <a:rPr lang="pt-BR" dirty="0" smtClean="0"/>
+              <a:rPr lang="pt-BR" dirty="0"/>
               <a:t>[3] https://pt.wikipedia.org/wiki/Hip%C3%A9rbole</a:t>
             </a:r>
           </a:p>
@@ -1152,10 +1152,9 @@
           <a:lstStyle/>
           <a:p>
             <a:r>
-              <a:rPr lang="pt-BR" dirty="0" smtClean="0"/>
+              <a:rPr lang="pt-BR" dirty="0"/>
               <a:t>O classificador sempre anuncia uma previsão completamente confiante de 0 ou 1, mesmo para exemplos muito próximos do limite. Em muitas situações, precisamos realmente de previsões mais graduadas.</a:t>
             </a:r>
-            <a:endParaRPr lang="pt-BR" dirty="0"/>
           </a:p>
         </p:txBody>
       </p:sp>
@@ -1214,7 +1213,7 @@
       </p:grpSpPr>
       <p:sp>
         <p:nvSpPr>
-          <p:cNvPr id="2" name="Slide Image Placeholder 1"/>
+          <p:cNvPr id="2" name="Espaço Reservado para Imagem de Slide 1"/>
           <p:cNvSpPr>
             <a:spLocks noGrp="1" noRot="1" noChangeAspect="1"/>
           </p:cNvSpPr>
@@ -1226,7 +1225,7 @@
       </p:sp>
       <p:sp>
         <p:nvSpPr>
-          <p:cNvPr id="3" name="Notes Placeholder 2"/>
+          <p:cNvPr id="3" name="Espaço Reservado para Anotações 2"/>
           <p:cNvSpPr>
             <a:spLocks noGrp="1"/>
           </p:cNvSpPr>
@@ -1239,46 +1238,1125 @@
           <a:bodyPr/>
           <a:lstStyle/>
           <a:p>
-            <a:pPr marL="0" marR="0" lvl="0" indent="0" algn="l" defTabSz="914400" rtl="0" eaLnBrk="1" fontAlgn="auto" latinLnBrk="0" hangingPunct="1">
-              <a:lnSpc>
-                <a:spcPct val="100000"/>
-              </a:lnSpc>
-              <a:spcBef>
-                <a:spcPts val="0"/>
-              </a:spcBef>
-              <a:spcAft>
-                <a:spcPts val="0"/>
-              </a:spcAft>
-              <a:buClrTx/>
-              <a:buSzTx/>
-              <a:buFontTx/>
-              <a:buNone/>
-              <a:tabLst/>
-              <a:defRPr/>
-            </a:pPr>
-            <a:r>
-              <a:rPr lang="pt-BR" b="1" dirty="0" smtClean="0"/>
-              <a:t>Exemplo</a:t>
-            </a:r>
-            <a:r>
-              <a:rPr lang="pt-BR" dirty="0" smtClean="0"/>
-              <a:t>: https://colab.research.google.com/github/zz4fap/t320_aprendizado_de_maquina/blob/main/notebooks/classificação/</a:t>
-            </a:r>
-            <a:r>
-              <a:rPr lang="pt-BR" sz="1200" dirty="0" smtClean="0"/>
-              <a:t>classificador_linear_com_limiar_rigido.ipynb</a:t>
-            </a:r>
+            <a:r>
+              <a:rPr lang="en-US" sz="1200" b="0" i="0" kern="1200" dirty="0">
+                <a:solidFill>
+                  <a:schemeClr val="tx1"/>
+                </a:solidFill>
+                <a:effectLst/>
+                <a:latin typeface="+mn-lt"/>
+                <a:ea typeface="+mn-ea"/>
+                <a:cs typeface="+mn-cs"/>
+              </a:rPr>
+              <a:t>“Stochastic”, in plain terms means “random”.</a:t>
+            </a:r>
+          </a:p>
+          <a:p>
+            <a:endParaRPr lang="en-US" sz="1200" b="0" i="0" kern="1200" dirty="0">
+              <a:solidFill>
+                <a:schemeClr val="tx1"/>
+              </a:solidFill>
+              <a:effectLst/>
+              <a:latin typeface="+mn-lt"/>
+              <a:ea typeface="+mn-ea"/>
+              <a:cs typeface="+mn-cs"/>
+            </a:endParaRPr>
+          </a:p>
+          <a:p>
+            <a:r>
+              <a:rPr lang="en-US" sz="1200" b="0" i="0" kern="1200" dirty="0">
+                <a:solidFill>
+                  <a:schemeClr val="tx1"/>
+                </a:solidFill>
+                <a:effectLst/>
+                <a:latin typeface="+mn-lt"/>
+                <a:ea typeface="+mn-ea"/>
+                <a:cs typeface="+mn-cs"/>
+              </a:rPr>
+              <a:t>A </a:t>
+            </a:r>
+            <a:r>
+              <a:rPr lang="en-US" sz="1200" b="0" i="0" kern="1200" dirty="0" err="1">
+                <a:solidFill>
+                  <a:schemeClr val="tx1"/>
+                </a:solidFill>
+                <a:effectLst/>
+                <a:latin typeface="+mn-lt"/>
+                <a:ea typeface="+mn-ea"/>
+                <a:cs typeface="+mn-cs"/>
+              </a:rPr>
+              <a:t>aleatoriedade</a:t>
+            </a:r>
+            <a:r>
+              <a:rPr lang="en-US" sz="1200" b="0" i="0" kern="1200" dirty="0">
+                <a:solidFill>
+                  <a:schemeClr val="tx1"/>
+                </a:solidFill>
+                <a:effectLst/>
+                <a:latin typeface="+mn-lt"/>
+                <a:ea typeface="+mn-ea"/>
+                <a:cs typeface="+mn-cs"/>
+              </a:rPr>
+              <a:t> </a:t>
+            </a:r>
+            <a:r>
+              <a:rPr lang="en-US" sz="1200" b="0" i="0" kern="1200" dirty="0" err="1">
+                <a:solidFill>
+                  <a:schemeClr val="tx1"/>
+                </a:solidFill>
+                <a:effectLst/>
+                <a:latin typeface="+mn-lt"/>
+                <a:ea typeface="+mn-ea"/>
+                <a:cs typeface="+mn-cs"/>
+              </a:rPr>
+              <a:t>na</a:t>
+            </a:r>
+            <a:r>
+              <a:rPr lang="en-US" sz="1200" b="0" i="0" kern="1200" dirty="0">
+                <a:solidFill>
+                  <a:schemeClr val="tx1"/>
+                </a:solidFill>
+                <a:effectLst/>
+                <a:latin typeface="+mn-lt"/>
+                <a:ea typeface="+mn-ea"/>
+                <a:cs typeface="+mn-cs"/>
+              </a:rPr>
+              <a:t> </a:t>
+            </a:r>
+            <a:r>
+              <a:rPr lang="en-US" sz="1200" b="0" i="0" kern="1200" dirty="0" err="1">
+                <a:solidFill>
+                  <a:schemeClr val="tx1"/>
+                </a:solidFill>
+                <a:effectLst/>
+                <a:latin typeface="+mn-lt"/>
+                <a:ea typeface="+mn-ea"/>
+                <a:cs typeface="+mn-cs"/>
+              </a:rPr>
+              <a:t>seleção</a:t>
+            </a:r>
+            <a:r>
+              <a:rPr lang="en-US" sz="1200" b="0" i="0" kern="1200" dirty="0">
+                <a:solidFill>
+                  <a:schemeClr val="tx1"/>
+                </a:solidFill>
+                <a:effectLst/>
+                <a:latin typeface="+mn-lt"/>
+                <a:ea typeface="+mn-ea"/>
+                <a:cs typeface="+mn-cs"/>
+              </a:rPr>
+              <a:t> das </a:t>
+            </a:r>
+            <a:r>
+              <a:rPr lang="en-US" sz="1200" b="0" i="0" kern="1200" dirty="0" err="1">
+                <a:solidFill>
+                  <a:schemeClr val="tx1"/>
+                </a:solidFill>
+                <a:effectLst/>
+                <a:latin typeface="+mn-lt"/>
+                <a:ea typeface="+mn-ea"/>
+                <a:cs typeface="+mn-cs"/>
+              </a:rPr>
+              <a:t>amostras</a:t>
+            </a:r>
+            <a:r>
+              <a:rPr lang="en-US" sz="1200" b="0" i="0" kern="1200" dirty="0">
+                <a:solidFill>
+                  <a:schemeClr val="tx1"/>
+                </a:solidFill>
+                <a:effectLst/>
+                <a:latin typeface="+mn-lt"/>
+                <a:ea typeface="+mn-ea"/>
+                <a:cs typeface="+mn-cs"/>
+              </a:rPr>
+              <a:t> </a:t>
+            </a:r>
+            <a:r>
+              <a:rPr lang="en-US" sz="1200" b="0" i="0" kern="1200" dirty="0" err="1">
+                <a:solidFill>
+                  <a:schemeClr val="tx1"/>
+                </a:solidFill>
+                <a:effectLst/>
+                <a:latin typeface="+mn-lt"/>
+                <a:ea typeface="+mn-ea"/>
+                <a:cs typeface="+mn-cs"/>
+              </a:rPr>
+              <a:t>ajuda</a:t>
+            </a:r>
+            <a:r>
+              <a:rPr lang="en-US" sz="1200" b="0" i="0" kern="1200" dirty="0">
+                <a:solidFill>
+                  <a:schemeClr val="tx1"/>
+                </a:solidFill>
+                <a:effectLst/>
+                <a:latin typeface="+mn-lt"/>
+                <a:ea typeface="+mn-ea"/>
+                <a:cs typeface="+mn-cs"/>
+              </a:rPr>
+              <a:t> o </a:t>
+            </a:r>
+            <a:r>
+              <a:rPr lang="en-US" sz="1200" b="0" i="0" kern="1200" dirty="0" err="1">
+                <a:solidFill>
+                  <a:schemeClr val="tx1"/>
+                </a:solidFill>
+                <a:effectLst/>
+                <a:latin typeface="+mn-lt"/>
+                <a:ea typeface="+mn-ea"/>
+                <a:cs typeface="+mn-cs"/>
+              </a:rPr>
+              <a:t>algoritmo</a:t>
+            </a:r>
+            <a:r>
+              <a:rPr lang="en-US" sz="1200" b="0" i="0" kern="1200" dirty="0">
+                <a:solidFill>
+                  <a:schemeClr val="tx1"/>
+                </a:solidFill>
+                <a:effectLst/>
+                <a:latin typeface="+mn-lt"/>
+                <a:ea typeface="+mn-ea"/>
+                <a:cs typeface="+mn-cs"/>
+              </a:rPr>
+              <a:t> a </a:t>
+            </a:r>
+            <a:r>
+              <a:rPr lang="en-US" sz="1200" b="0" i="0" kern="1200" dirty="0" err="1">
+                <a:solidFill>
+                  <a:schemeClr val="tx1"/>
+                </a:solidFill>
+                <a:effectLst/>
+                <a:latin typeface="+mn-lt"/>
+                <a:ea typeface="+mn-ea"/>
+                <a:cs typeface="+mn-cs"/>
+              </a:rPr>
+              <a:t>ir</a:t>
+            </a:r>
+            <a:r>
+              <a:rPr lang="en-US" sz="1200" b="0" i="0" kern="1200" dirty="0">
+                <a:solidFill>
+                  <a:schemeClr val="tx1"/>
+                </a:solidFill>
+                <a:effectLst/>
+                <a:latin typeface="+mn-lt"/>
+                <a:ea typeface="+mn-ea"/>
+                <a:cs typeface="+mn-cs"/>
+              </a:rPr>
+              <a:t> </a:t>
+            </a:r>
+            <a:r>
+              <a:rPr lang="en-US" sz="1200" b="0" i="0" kern="1200" dirty="0" err="1">
+                <a:solidFill>
+                  <a:schemeClr val="tx1"/>
+                </a:solidFill>
+                <a:effectLst/>
+                <a:latin typeface="+mn-lt"/>
+                <a:ea typeface="+mn-ea"/>
+                <a:cs typeface="+mn-cs"/>
+              </a:rPr>
+              <a:t>em</a:t>
+            </a:r>
+            <a:r>
+              <a:rPr lang="en-US" sz="1200" b="0" i="0" kern="1200" dirty="0">
+                <a:solidFill>
+                  <a:schemeClr val="tx1"/>
+                </a:solidFill>
+                <a:effectLst/>
+                <a:latin typeface="+mn-lt"/>
+                <a:ea typeface="+mn-ea"/>
+                <a:cs typeface="+mn-cs"/>
+              </a:rPr>
+              <a:t> </a:t>
+            </a:r>
+            <a:r>
+              <a:rPr lang="en-US" sz="1200" b="0" i="0" kern="1200" dirty="0" err="1">
+                <a:solidFill>
+                  <a:schemeClr val="tx1"/>
+                </a:solidFill>
+                <a:effectLst/>
+                <a:latin typeface="+mn-lt"/>
+                <a:ea typeface="+mn-ea"/>
+                <a:cs typeface="+mn-cs"/>
+              </a:rPr>
+              <a:t>direção</a:t>
+            </a:r>
+            <a:r>
+              <a:rPr lang="en-US" sz="1200" b="0" i="0" kern="1200" dirty="0">
+                <a:solidFill>
+                  <a:schemeClr val="tx1"/>
+                </a:solidFill>
+                <a:effectLst/>
+                <a:latin typeface="+mn-lt"/>
+                <a:ea typeface="+mn-ea"/>
+                <a:cs typeface="+mn-cs"/>
+              </a:rPr>
+              <a:t> </a:t>
+            </a:r>
+            <a:r>
+              <a:rPr lang="en-US" sz="1200" b="0" i="0" kern="1200" dirty="0" err="1">
+                <a:solidFill>
+                  <a:schemeClr val="tx1"/>
+                </a:solidFill>
+                <a:effectLst/>
+                <a:latin typeface="+mn-lt"/>
+                <a:ea typeface="+mn-ea"/>
+                <a:cs typeface="+mn-cs"/>
+              </a:rPr>
+              <a:t>ao</a:t>
+            </a:r>
+            <a:r>
+              <a:rPr lang="en-US" sz="1200" b="0" i="0" kern="1200" dirty="0">
+                <a:solidFill>
+                  <a:schemeClr val="tx1"/>
+                </a:solidFill>
+                <a:effectLst/>
+                <a:latin typeface="+mn-lt"/>
+                <a:ea typeface="+mn-ea"/>
+                <a:cs typeface="+mn-cs"/>
+              </a:rPr>
+              <a:t> </a:t>
+            </a:r>
+            <a:r>
+              <a:rPr lang="en-US" sz="1200" b="0" i="0" kern="1200" dirty="0" err="1">
+                <a:solidFill>
+                  <a:schemeClr val="tx1"/>
+                </a:solidFill>
+                <a:effectLst/>
+                <a:latin typeface="+mn-lt"/>
+                <a:ea typeface="+mn-ea"/>
+                <a:cs typeface="+mn-cs"/>
+              </a:rPr>
+              <a:t>mínimo</a:t>
+            </a:r>
+            <a:r>
+              <a:rPr lang="en-US" sz="1200" b="0" i="0" kern="1200" dirty="0">
+                <a:solidFill>
+                  <a:schemeClr val="tx1"/>
+                </a:solidFill>
+                <a:effectLst/>
+                <a:latin typeface="+mn-lt"/>
+                <a:ea typeface="+mn-ea"/>
+                <a:cs typeface="+mn-cs"/>
+              </a:rPr>
+              <a:t>, pois as chances de </a:t>
+            </a:r>
+            <a:r>
+              <a:rPr lang="en-US" sz="1200" b="0" i="0" kern="1200" dirty="0" err="1">
+                <a:solidFill>
+                  <a:schemeClr val="tx1"/>
+                </a:solidFill>
+                <a:effectLst/>
+                <a:latin typeface="+mn-lt"/>
+                <a:ea typeface="+mn-ea"/>
+                <a:cs typeface="+mn-cs"/>
+              </a:rPr>
+              <a:t>termos</a:t>
+            </a:r>
+            <a:r>
+              <a:rPr lang="en-US" sz="1200" b="0" i="0" kern="1200" dirty="0">
+                <a:solidFill>
+                  <a:schemeClr val="tx1"/>
+                </a:solidFill>
+                <a:effectLst/>
+                <a:latin typeface="+mn-lt"/>
+                <a:ea typeface="+mn-ea"/>
+                <a:cs typeface="+mn-cs"/>
+              </a:rPr>
+              <a:t> </a:t>
+            </a:r>
+            <a:r>
+              <a:rPr lang="en-US" sz="1200" b="0" i="0" kern="1200" dirty="0" err="1">
+                <a:solidFill>
+                  <a:schemeClr val="tx1"/>
+                </a:solidFill>
+                <a:effectLst/>
+                <a:latin typeface="+mn-lt"/>
+                <a:ea typeface="+mn-ea"/>
+                <a:cs typeface="+mn-cs"/>
+              </a:rPr>
+              <a:t>épocas</a:t>
+            </a:r>
+            <a:r>
+              <a:rPr lang="en-US" sz="1200" b="0" i="0" kern="1200" dirty="0">
+                <a:solidFill>
+                  <a:schemeClr val="tx1"/>
+                </a:solidFill>
+                <a:effectLst/>
+                <a:latin typeface="+mn-lt"/>
+                <a:ea typeface="+mn-ea"/>
+                <a:cs typeface="+mn-cs"/>
+              </a:rPr>
+              <a:t> </a:t>
+            </a:r>
+            <a:r>
+              <a:rPr lang="en-US" sz="1200" b="0" i="0" kern="1200" dirty="0" err="1">
+                <a:solidFill>
+                  <a:schemeClr val="tx1"/>
+                </a:solidFill>
+                <a:effectLst/>
+                <a:latin typeface="+mn-lt"/>
+                <a:ea typeface="+mn-ea"/>
+                <a:cs typeface="+mn-cs"/>
+              </a:rPr>
+              <a:t>onde</a:t>
+            </a:r>
+            <a:r>
+              <a:rPr lang="en-US" sz="1200" b="0" i="0" kern="1200" dirty="0">
+                <a:solidFill>
+                  <a:schemeClr val="tx1"/>
+                </a:solidFill>
+                <a:effectLst/>
+                <a:latin typeface="+mn-lt"/>
+                <a:ea typeface="+mn-ea"/>
+                <a:cs typeface="+mn-cs"/>
+              </a:rPr>
+              <a:t> </a:t>
+            </a:r>
+            <a:r>
+              <a:rPr lang="en-US" sz="1200" b="0" i="0" kern="1200" dirty="0" err="1">
+                <a:solidFill>
+                  <a:schemeClr val="tx1"/>
+                </a:solidFill>
+                <a:effectLst/>
+                <a:latin typeface="+mn-lt"/>
+                <a:ea typeface="+mn-ea"/>
+                <a:cs typeface="+mn-cs"/>
+              </a:rPr>
+              <a:t>todas</a:t>
+            </a:r>
+            <a:r>
+              <a:rPr lang="en-US" sz="1200" b="0" i="0" kern="1200" dirty="0">
+                <a:solidFill>
+                  <a:schemeClr val="tx1"/>
+                </a:solidFill>
+                <a:effectLst/>
+                <a:latin typeface="+mn-lt"/>
+                <a:ea typeface="+mn-ea"/>
+                <a:cs typeface="+mn-cs"/>
+              </a:rPr>
+              <a:t> as </a:t>
+            </a:r>
+            <a:r>
+              <a:rPr lang="en-US" sz="1200" b="0" i="0" kern="1200" dirty="0" err="1">
+                <a:solidFill>
+                  <a:schemeClr val="tx1"/>
+                </a:solidFill>
+                <a:effectLst/>
+                <a:latin typeface="+mn-lt"/>
+                <a:ea typeface="+mn-ea"/>
+                <a:cs typeface="+mn-cs"/>
+              </a:rPr>
+              <a:t>amostras</a:t>
+            </a:r>
+            <a:r>
+              <a:rPr lang="en-US" sz="1200" b="0" i="0" kern="1200" dirty="0">
+                <a:solidFill>
+                  <a:schemeClr val="tx1"/>
+                </a:solidFill>
+                <a:effectLst/>
+                <a:latin typeface="+mn-lt"/>
+                <a:ea typeface="+mn-ea"/>
+                <a:cs typeface="+mn-cs"/>
+              </a:rPr>
+              <a:t> </a:t>
+            </a:r>
+            <a:r>
+              <a:rPr lang="en-US" sz="1200" b="0" i="0" kern="1200" dirty="0" err="1">
+                <a:solidFill>
+                  <a:schemeClr val="tx1"/>
+                </a:solidFill>
+                <a:effectLst/>
+                <a:latin typeface="+mn-lt"/>
+                <a:ea typeface="+mn-ea"/>
+                <a:cs typeface="+mn-cs"/>
+              </a:rPr>
+              <a:t>fazem</a:t>
+            </a:r>
+            <a:r>
+              <a:rPr lang="en-US" sz="1200" b="0" i="0" kern="1200" dirty="0">
+                <a:solidFill>
+                  <a:schemeClr val="tx1"/>
+                </a:solidFill>
+                <a:effectLst/>
+                <a:latin typeface="+mn-lt"/>
+                <a:ea typeface="+mn-ea"/>
+                <a:cs typeface="+mn-cs"/>
+              </a:rPr>
+              <a:t> com que o </a:t>
+            </a:r>
+            <a:r>
+              <a:rPr lang="en-US" sz="1200" b="0" i="0" kern="1200" dirty="0" err="1">
+                <a:solidFill>
+                  <a:schemeClr val="tx1"/>
+                </a:solidFill>
+                <a:effectLst/>
+                <a:latin typeface="+mn-lt"/>
+                <a:ea typeface="+mn-ea"/>
+                <a:cs typeface="+mn-cs"/>
+              </a:rPr>
+              <a:t>algoritmo</a:t>
+            </a:r>
+            <a:r>
+              <a:rPr lang="en-US" sz="1200" b="0" i="0" kern="1200" dirty="0">
+                <a:solidFill>
+                  <a:schemeClr val="tx1"/>
+                </a:solidFill>
+                <a:effectLst/>
+                <a:latin typeface="+mn-lt"/>
+                <a:ea typeface="+mn-ea"/>
+                <a:cs typeface="+mn-cs"/>
+              </a:rPr>
+              <a:t> se </a:t>
+            </a:r>
+            <a:r>
+              <a:rPr lang="en-US" sz="1200" b="0" i="0" kern="1200" dirty="0" err="1">
+                <a:solidFill>
+                  <a:schemeClr val="tx1"/>
+                </a:solidFill>
+                <a:effectLst/>
+                <a:latin typeface="+mn-lt"/>
+                <a:ea typeface="+mn-ea"/>
+                <a:cs typeface="+mn-cs"/>
+              </a:rPr>
+              <a:t>distancie</a:t>
+            </a:r>
+            <a:r>
+              <a:rPr lang="en-US" sz="1200" b="0" i="0" kern="1200" dirty="0">
+                <a:solidFill>
+                  <a:schemeClr val="tx1"/>
+                </a:solidFill>
+                <a:effectLst/>
+                <a:latin typeface="+mn-lt"/>
+                <a:ea typeface="+mn-ea"/>
+                <a:cs typeface="+mn-cs"/>
+              </a:rPr>
+              <a:t> do </a:t>
+            </a:r>
+            <a:r>
+              <a:rPr lang="en-US" sz="1200" b="0" i="0" kern="1200" dirty="0" err="1">
+                <a:solidFill>
+                  <a:schemeClr val="tx1"/>
+                </a:solidFill>
+                <a:effectLst/>
+                <a:latin typeface="+mn-lt"/>
+                <a:ea typeface="+mn-ea"/>
+                <a:cs typeface="+mn-cs"/>
+              </a:rPr>
+              <a:t>mínimo</a:t>
+            </a:r>
+            <a:r>
+              <a:rPr lang="en-US" sz="1200" b="0" i="0" kern="1200" dirty="0">
+                <a:solidFill>
+                  <a:schemeClr val="tx1"/>
+                </a:solidFill>
+                <a:effectLst/>
+                <a:latin typeface="+mn-lt"/>
+                <a:ea typeface="+mn-ea"/>
+                <a:cs typeface="+mn-cs"/>
+              </a:rPr>
+              <a:t> </a:t>
+            </a:r>
+            <a:r>
+              <a:rPr lang="en-US" sz="1200" b="0" i="0" kern="1200" dirty="0" err="1">
+                <a:solidFill>
+                  <a:schemeClr val="tx1"/>
+                </a:solidFill>
+                <a:effectLst/>
+                <a:latin typeface="+mn-lt"/>
+                <a:ea typeface="+mn-ea"/>
+                <a:cs typeface="+mn-cs"/>
+              </a:rPr>
+              <a:t>são</a:t>
+            </a:r>
+            <a:r>
+              <a:rPr lang="en-US" sz="1200" b="0" i="0" kern="1200" dirty="0">
+                <a:solidFill>
+                  <a:schemeClr val="tx1"/>
+                </a:solidFill>
+                <a:effectLst/>
+                <a:latin typeface="+mn-lt"/>
+                <a:ea typeface="+mn-ea"/>
+                <a:cs typeface="+mn-cs"/>
+              </a:rPr>
+              <a:t> </a:t>
+            </a:r>
+            <a:r>
+              <a:rPr lang="en-US" sz="1200" b="0" i="0" kern="1200" dirty="0" err="1">
+                <a:solidFill>
+                  <a:schemeClr val="tx1"/>
+                </a:solidFill>
+                <a:effectLst/>
+                <a:latin typeface="+mn-lt"/>
+                <a:ea typeface="+mn-ea"/>
+                <a:cs typeface="+mn-cs"/>
+              </a:rPr>
+              <a:t>muito</a:t>
+            </a:r>
+            <a:r>
+              <a:rPr lang="en-US" sz="1200" b="0" i="0" kern="1200" dirty="0">
+                <a:solidFill>
+                  <a:schemeClr val="tx1"/>
+                </a:solidFill>
+                <a:effectLst/>
+                <a:latin typeface="+mn-lt"/>
+                <a:ea typeface="+mn-ea"/>
+                <a:cs typeface="+mn-cs"/>
+              </a:rPr>
+              <a:t> </a:t>
+            </a:r>
+            <a:r>
+              <a:rPr lang="en-US" sz="1200" b="0" i="0" kern="1200" dirty="0" err="1">
+                <a:solidFill>
+                  <a:schemeClr val="tx1"/>
+                </a:solidFill>
+                <a:effectLst/>
+                <a:latin typeface="+mn-lt"/>
+                <a:ea typeface="+mn-ea"/>
+                <a:cs typeface="+mn-cs"/>
+              </a:rPr>
+              <a:t>baixas</a:t>
+            </a:r>
+            <a:r>
+              <a:rPr lang="en-US" sz="1200" b="0" i="0" kern="1200" dirty="0">
+                <a:solidFill>
+                  <a:schemeClr val="tx1"/>
+                </a:solidFill>
+                <a:effectLst/>
+                <a:latin typeface="+mn-lt"/>
+                <a:ea typeface="+mn-ea"/>
+                <a:cs typeface="+mn-cs"/>
+              </a:rPr>
+              <a:t> </a:t>
+            </a:r>
+            <a:r>
+              <a:rPr lang="en-US" sz="1200" b="0" i="0" kern="1200" dirty="0" err="1">
+                <a:solidFill>
+                  <a:schemeClr val="tx1"/>
+                </a:solidFill>
+                <a:effectLst/>
+                <a:latin typeface="+mn-lt"/>
+                <a:ea typeface="+mn-ea"/>
+                <a:cs typeface="+mn-cs"/>
+              </a:rPr>
+              <a:t>ou</a:t>
+            </a:r>
+            <a:r>
+              <a:rPr lang="en-US" sz="1200" b="0" i="0" kern="1200" dirty="0">
+                <a:solidFill>
+                  <a:schemeClr val="tx1"/>
+                </a:solidFill>
+                <a:effectLst/>
+                <a:latin typeface="+mn-lt"/>
+                <a:ea typeface="+mn-ea"/>
+                <a:cs typeface="+mn-cs"/>
+              </a:rPr>
+              <a:t> </a:t>
+            </a:r>
+            <a:r>
+              <a:rPr lang="en-US" sz="1200" b="0" i="0" kern="1200" dirty="0" err="1">
+                <a:solidFill>
+                  <a:schemeClr val="tx1"/>
+                </a:solidFill>
+                <a:effectLst/>
+                <a:latin typeface="+mn-lt"/>
+                <a:ea typeface="+mn-ea"/>
+                <a:cs typeface="+mn-cs"/>
+              </a:rPr>
+              <a:t>inexistentes</a:t>
+            </a:r>
+            <a:r>
+              <a:rPr lang="en-US" sz="1200" b="0" i="0" kern="1200" dirty="0">
+                <a:solidFill>
+                  <a:schemeClr val="tx1"/>
+                </a:solidFill>
+                <a:effectLst/>
+                <a:latin typeface="+mn-lt"/>
+                <a:ea typeface="+mn-ea"/>
+                <a:cs typeface="+mn-cs"/>
+              </a:rPr>
+              <a:t>. </a:t>
+            </a:r>
+          </a:p>
+          <a:p>
+            <a:r>
+              <a:rPr lang="en-US" sz="1200" b="0" i="0" kern="1200" dirty="0">
+                <a:solidFill>
+                  <a:schemeClr val="tx1"/>
+                </a:solidFill>
+                <a:effectLst/>
+                <a:latin typeface="+mn-lt"/>
+                <a:ea typeface="+mn-ea"/>
+                <a:cs typeface="+mn-cs"/>
+              </a:rPr>
+              <a:t>Imagine se </a:t>
+            </a:r>
+            <a:r>
+              <a:rPr lang="en-US" sz="1200" b="0" i="0" kern="1200" dirty="0" err="1">
+                <a:solidFill>
+                  <a:schemeClr val="tx1"/>
+                </a:solidFill>
+                <a:effectLst/>
+                <a:latin typeface="+mn-lt"/>
+                <a:ea typeface="+mn-ea"/>
+                <a:cs typeface="+mn-cs"/>
+              </a:rPr>
+              <a:t>não</a:t>
+            </a:r>
+            <a:r>
+              <a:rPr lang="en-US" sz="1200" b="0" i="0" kern="1200" dirty="0">
+                <a:solidFill>
+                  <a:schemeClr val="tx1"/>
+                </a:solidFill>
+                <a:effectLst/>
+                <a:latin typeface="+mn-lt"/>
+                <a:ea typeface="+mn-ea"/>
+                <a:cs typeface="+mn-cs"/>
+              </a:rPr>
+              <a:t> </a:t>
+            </a:r>
+            <a:r>
+              <a:rPr lang="en-US" sz="1200" b="0" i="0" kern="1200" dirty="0" err="1">
+                <a:solidFill>
+                  <a:schemeClr val="tx1"/>
+                </a:solidFill>
+                <a:effectLst/>
+                <a:latin typeface="+mn-lt"/>
+                <a:ea typeface="+mn-ea"/>
+                <a:cs typeface="+mn-cs"/>
+              </a:rPr>
+              <a:t>houvesse</a:t>
+            </a:r>
+            <a:r>
+              <a:rPr lang="en-US" sz="1200" b="0" i="0" kern="1200" dirty="0">
+                <a:solidFill>
+                  <a:schemeClr val="tx1"/>
+                </a:solidFill>
+                <a:effectLst/>
+                <a:latin typeface="+mn-lt"/>
+                <a:ea typeface="+mn-ea"/>
+                <a:cs typeface="+mn-cs"/>
+              </a:rPr>
+              <a:t> a </a:t>
+            </a:r>
+            <a:r>
+              <a:rPr lang="en-US" sz="1200" b="0" i="0" kern="1200" dirty="0" err="1">
+                <a:solidFill>
+                  <a:schemeClr val="tx1"/>
+                </a:solidFill>
+                <a:effectLst/>
+                <a:latin typeface="+mn-lt"/>
+                <a:ea typeface="+mn-ea"/>
+                <a:cs typeface="+mn-cs"/>
+              </a:rPr>
+              <a:t>seleção</a:t>
+            </a:r>
+            <a:r>
+              <a:rPr lang="en-US" sz="1200" b="0" i="0" kern="1200" dirty="0">
+                <a:solidFill>
+                  <a:schemeClr val="tx1"/>
+                </a:solidFill>
+                <a:effectLst/>
+                <a:latin typeface="+mn-lt"/>
+                <a:ea typeface="+mn-ea"/>
+                <a:cs typeface="+mn-cs"/>
+              </a:rPr>
+              <a:t> </a:t>
+            </a:r>
+            <a:r>
+              <a:rPr lang="en-US" sz="1200" b="0" i="0" kern="1200" dirty="0" err="1">
+                <a:solidFill>
+                  <a:schemeClr val="tx1"/>
+                </a:solidFill>
+                <a:effectLst/>
+                <a:latin typeface="+mn-lt"/>
+                <a:ea typeface="+mn-ea"/>
+                <a:cs typeface="+mn-cs"/>
+              </a:rPr>
+              <a:t>aleatória</a:t>
+            </a:r>
+            <a:r>
+              <a:rPr lang="en-US" sz="1200" b="0" i="0" kern="1200" dirty="0">
+                <a:solidFill>
+                  <a:schemeClr val="tx1"/>
+                </a:solidFill>
+                <a:effectLst/>
+                <a:latin typeface="+mn-lt"/>
+                <a:ea typeface="+mn-ea"/>
+                <a:cs typeface="+mn-cs"/>
+              </a:rPr>
+              <a:t> de </a:t>
+            </a:r>
+            <a:r>
+              <a:rPr lang="en-US" sz="1200" b="0" i="0" kern="1200" dirty="0" err="1">
+                <a:solidFill>
+                  <a:schemeClr val="tx1"/>
+                </a:solidFill>
+                <a:effectLst/>
+                <a:latin typeface="+mn-lt"/>
+                <a:ea typeface="+mn-ea"/>
+                <a:cs typeface="+mn-cs"/>
+              </a:rPr>
+              <a:t>amostras</a:t>
+            </a:r>
+            <a:r>
+              <a:rPr lang="en-US" sz="1200" b="0" i="0" kern="1200" dirty="0">
+                <a:solidFill>
+                  <a:schemeClr val="tx1"/>
+                </a:solidFill>
+                <a:effectLst/>
+                <a:latin typeface="+mn-lt"/>
+                <a:ea typeface="+mn-ea"/>
+                <a:cs typeface="+mn-cs"/>
+              </a:rPr>
+              <a:t>, </a:t>
+            </a:r>
+            <a:r>
+              <a:rPr lang="en-US" sz="1200" b="0" i="0" kern="1200" dirty="0" err="1">
+                <a:solidFill>
+                  <a:schemeClr val="tx1"/>
+                </a:solidFill>
+                <a:effectLst/>
+                <a:latin typeface="+mn-lt"/>
+                <a:ea typeface="+mn-ea"/>
+                <a:cs typeface="+mn-cs"/>
+              </a:rPr>
+              <a:t>poderia</a:t>
+            </a:r>
+            <a:r>
+              <a:rPr lang="en-US" sz="1200" b="0" i="0" kern="1200" dirty="0">
+                <a:solidFill>
+                  <a:schemeClr val="tx1"/>
+                </a:solidFill>
+                <a:effectLst/>
+                <a:latin typeface="+mn-lt"/>
+                <a:ea typeface="+mn-ea"/>
+                <a:cs typeface="+mn-cs"/>
+              </a:rPr>
+              <a:t> </a:t>
+            </a:r>
+            <a:r>
+              <a:rPr lang="en-US" sz="1200" b="0" i="0" kern="1200" dirty="0" err="1">
+                <a:solidFill>
+                  <a:schemeClr val="tx1"/>
+                </a:solidFill>
+                <a:effectLst/>
+                <a:latin typeface="+mn-lt"/>
+                <a:ea typeface="+mn-ea"/>
+                <a:cs typeface="+mn-cs"/>
+              </a:rPr>
+              <a:t>ocorrer</a:t>
+            </a:r>
+            <a:r>
+              <a:rPr lang="en-US" sz="1200" b="0" i="0" kern="1200" dirty="0">
+                <a:solidFill>
+                  <a:schemeClr val="tx1"/>
+                </a:solidFill>
+                <a:effectLst/>
+                <a:latin typeface="+mn-lt"/>
+                <a:ea typeface="+mn-ea"/>
+                <a:cs typeface="+mn-cs"/>
+              </a:rPr>
+              <a:t> </a:t>
+            </a:r>
+            <a:r>
+              <a:rPr lang="en-US" sz="1200" b="0" i="0" kern="1200" dirty="0" err="1">
+                <a:solidFill>
+                  <a:schemeClr val="tx1"/>
+                </a:solidFill>
+                <a:effectLst/>
+                <a:latin typeface="+mn-lt"/>
+                <a:ea typeface="+mn-ea"/>
+                <a:cs typeface="+mn-cs"/>
+              </a:rPr>
+              <a:t>uma</a:t>
+            </a:r>
+            <a:r>
+              <a:rPr lang="en-US" sz="1200" b="0" i="0" kern="1200" dirty="0">
+                <a:solidFill>
+                  <a:schemeClr val="tx1"/>
+                </a:solidFill>
+                <a:effectLst/>
+                <a:latin typeface="+mn-lt"/>
+                <a:ea typeface="+mn-ea"/>
+                <a:cs typeface="+mn-cs"/>
+              </a:rPr>
+              <a:t> </a:t>
+            </a:r>
+            <a:r>
+              <a:rPr lang="en-US" sz="1200" b="0" i="0" kern="1200" dirty="0" err="1">
+                <a:solidFill>
+                  <a:schemeClr val="tx1"/>
+                </a:solidFill>
+                <a:effectLst/>
+                <a:latin typeface="+mn-lt"/>
+                <a:ea typeface="+mn-ea"/>
+                <a:cs typeface="+mn-cs"/>
+              </a:rPr>
+              <a:t>situação</a:t>
+            </a:r>
+            <a:r>
+              <a:rPr lang="en-US" sz="1200" b="0" i="0" kern="1200" dirty="0">
+                <a:solidFill>
+                  <a:schemeClr val="tx1"/>
+                </a:solidFill>
+                <a:effectLst/>
+                <a:latin typeface="+mn-lt"/>
+                <a:ea typeface="+mn-ea"/>
+                <a:cs typeface="+mn-cs"/>
+              </a:rPr>
+              <a:t> </a:t>
+            </a:r>
+            <a:r>
+              <a:rPr lang="en-US" sz="1200" b="0" i="0" kern="1200" dirty="0" err="1">
+                <a:solidFill>
+                  <a:schemeClr val="tx1"/>
+                </a:solidFill>
+                <a:effectLst/>
+                <a:latin typeface="+mn-lt"/>
+                <a:ea typeface="+mn-ea"/>
+                <a:cs typeface="+mn-cs"/>
+              </a:rPr>
+              <a:t>onde</a:t>
+            </a:r>
+            <a:r>
+              <a:rPr lang="en-US" sz="1200" b="0" i="0" kern="1200" dirty="0">
+                <a:solidFill>
+                  <a:schemeClr val="tx1"/>
+                </a:solidFill>
+                <a:effectLst/>
+                <a:latin typeface="+mn-lt"/>
+                <a:ea typeface="+mn-ea"/>
+                <a:cs typeface="+mn-cs"/>
+              </a:rPr>
+              <a:t> as </a:t>
+            </a:r>
+            <a:r>
+              <a:rPr lang="en-US" sz="1200" b="0" i="0" kern="1200" dirty="0" err="1">
+                <a:solidFill>
+                  <a:schemeClr val="tx1"/>
+                </a:solidFill>
+                <a:effectLst/>
+                <a:latin typeface="+mn-lt"/>
+                <a:ea typeface="+mn-ea"/>
+                <a:cs typeface="+mn-cs"/>
+              </a:rPr>
+              <a:t>amostras</a:t>
+            </a:r>
+            <a:r>
+              <a:rPr lang="en-US" sz="1200" b="0" i="0" kern="1200" dirty="0">
+                <a:solidFill>
+                  <a:schemeClr val="tx1"/>
+                </a:solidFill>
+                <a:effectLst/>
+                <a:latin typeface="+mn-lt"/>
+                <a:ea typeface="+mn-ea"/>
+                <a:cs typeface="+mn-cs"/>
+              </a:rPr>
+              <a:t> </a:t>
+            </a:r>
+            <a:r>
+              <a:rPr lang="en-US" sz="1200" b="0" i="0" kern="1200" dirty="0" err="1">
+                <a:solidFill>
+                  <a:schemeClr val="tx1"/>
+                </a:solidFill>
+                <a:effectLst/>
+                <a:latin typeface="+mn-lt"/>
+                <a:ea typeface="+mn-ea"/>
+                <a:cs typeface="+mn-cs"/>
+              </a:rPr>
+              <a:t>seguem</a:t>
+            </a:r>
+            <a:r>
+              <a:rPr lang="en-US" sz="1200" b="0" i="0" kern="1200" dirty="0">
+                <a:solidFill>
+                  <a:schemeClr val="tx1"/>
+                </a:solidFill>
+                <a:effectLst/>
+                <a:latin typeface="+mn-lt"/>
+                <a:ea typeface="+mn-ea"/>
+                <a:cs typeface="+mn-cs"/>
+              </a:rPr>
+              <a:t> </a:t>
+            </a:r>
+            <a:r>
+              <a:rPr lang="en-US" sz="1200" b="0" i="0" kern="1200" dirty="0" err="1">
+                <a:solidFill>
+                  <a:schemeClr val="tx1"/>
+                </a:solidFill>
+                <a:effectLst/>
+                <a:latin typeface="+mn-lt"/>
+                <a:ea typeface="+mn-ea"/>
+                <a:cs typeface="+mn-cs"/>
+              </a:rPr>
+              <a:t>uma</a:t>
+            </a:r>
+            <a:r>
+              <a:rPr lang="en-US" sz="1200" b="0" i="0" kern="1200" dirty="0">
+                <a:solidFill>
+                  <a:schemeClr val="tx1"/>
+                </a:solidFill>
+                <a:effectLst/>
+                <a:latin typeface="+mn-lt"/>
+                <a:ea typeface="+mn-ea"/>
+                <a:cs typeface="+mn-cs"/>
+              </a:rPr>
+              <a:t> </a:t>
+            </a:r>
+            <a:r>
+              <a:rPr lang="en-US" sz="1200" b="0" i="0" kern="1200" dirty="0" err="1">
+                <a:solidFill>
+                  <a:schemeClr val="tx1"/>
+                </a:solidFill>
+                <a:effectLst/>
+                <a:latin typeface="+mn-lt"/>
+                <a:ea typeface="+mn-ea"/>
+                <a:cs typeface="+mn-cs"/>
+              </a:rPr>
+              <a:t>sequência</a:t>
+            </a:r>
+            <a:r>
+              <a:rPr lang="en-US" sz="1200" b="0" i="0" kern="1200" dirty="0">
+                <a:solidFill>
+                  <a:schemeClr val="tx1"/>
+                </a:solidFill>
+                <a:effectLst/>
+                <a:latin typeface="+mn-lt"/>
+                <a:ea typeface="+mn-ea"/>
+                <a:cs typeface="+mn-cs"/>
+              </a:rPr>
+              <a:t> que </a:t>
+            </a:r>
+            <a:r>
+              <a:rPr lang="en-US" sz="1200" b="0" i="0" kern="1200" dirty="0" err="1">
+                <a:solidFill>
+                  <a:schemeClr val="tx1"/>
+                </a:solidFill>
+                <a:effectLst/>
+                <a:latin typeface="+mn-lt"/>
+                <a:ea typeface="+mn-ea"/>
+                <a:cs typeface="+mn-cs"/>
+              </a:rPr>
+              <a:t>faz</a:t>
+            </a:r>
+            <a:r>
+              <a:rPr lang="en-US" sz="1200" b="0" i="0" kern="1200" dirty="0">
+                <a:solidFill>
+                  <a:schemeClr val="tx1"/>
+                </a:solidFill>
+                <a:effectLst/>
+                <a:latin typeface="+mn-lt"/>
+                <a:ea typeface="+mn-ea"/>
+                <a:cs typeface="+mn-cs"/>
+              </a:rPr>
+              <a:t> com que o </a:t>
+            </a:r>
+            <a:r>
+              <a:rPr lang="en-US" sz="1200" b="0" i="0" kern="1200" dirty="0" err="1">
+                <a:solidFill>
+                  <a:schemeClr val="tx1"/>
+                </a:solidFill>
+                <a:effectLst/>
+                <a:latin typeface="+mn-lt"/>
+                <a:ea typeface="+mn-ea"/>
+                <a:cs typeface="+mn-cs"/>
+              </a:rPr>
+              <a:t>algoritmo</a:t>
+            </a:r>
+            <a:r>
+              <a:rPr lang="en-US" sz="1200" b="0" i="0" kern="1200" dirty="0">
+                <a:solidFill>
+                  <a:schemeClr val="tx1"/>
+                </a:solidFill>
+                <a:effectLst/>
+                <a:latin typeface="+mn-lt"/>
+                <a:ea typeface="+mn-ea"/>
+                <a:cs typeface="+mn-cs"/>
+              </a:rPr>
+              <a:t> se </a:t>
+            </a:r>
+            <a:r>
+              <a:rPr lang="en-US" sz="1200" b="0" i="0" kern="1200" dirty="0" err="1">
+                <a:solidFill>
+                  <a:schemeClr val="tx1"/>
+                </a:solidFill>
+                <a:effectLst/>
+                <a:latin typeface="+mn-lt"/>
+                <a:ea typeface="+mn-ea"/>
+                <a:cs typeface="+mn-cs"/>
+              </a:rPr>
+              <a:t>distancie</a:t>
+            </a:r>
+            <a:r>
+              <a:rPr lang="en-US" sz="1200" b="0" i="0" kern="1200" dirty="0">
+                <a:solidFill>
+                  <a:schemeClr val="tx1"/>
+                </a:solidFill>
+                <a:effectLst/>
+                <a:latin typeface="+mn-lt"/>
+                <a:ea typeface="+mn-ea"/>
+                <a:cs typeface="+mn-cs"/>
+              </a:rPr>
+              <a:t> do </a:t>
+            </a:r>
+            <a:r>
+              <a:rPr lang="en-US" sz="1200" b="0" i="0" kern="1200" dirty="0" err="1">
+                <a:solidFill>
+                  <a:schemeClr val="tx1"/>
+                </a:solidFill>
+                <a:effectLst/>
+                <a:latin typeface="+mn-lt"/>
+                <a:ea typeface="+mn-ea"/>
+                <a:cs typeface="+mn-cs"/>
+              </a:rPr>
+              <a:t>mínimo</a:t>
+            </a:r>
+            <a:r>
+              <a:rPr lang="en-US" sz="1200" b="0" i="0" kern="1200" dirty="0">
+                <a:solidFill>
+                  <a:schemeClr val="tx1"/>
+                </a:solidFill>
+                <a:effectLst/>
+                <a:latin typeface="+mn-lt"/>
+                <a:ea typeface="+mn-ea"/>
+                <a:cs typeface="+mn-cs"/>
+              </a:rPr>
+              <a:t>, por </a:t>
+            </a:r>
+            <a:r>
+              <a:rPr lang="en-US" sz="1200" b="0" i="0" kern="1200" dirty="0" err="1">
+                <a:solidFill>
+                  <a:schemeClr val="tx1"/>
+                </a:solidFill>
+                <a:effectLst/>
+                <a:latin typeface="+mn-lt"/>
+                <a:ea typeface="+mn-ea"/>
+                <a:cs typeface="+mn-cs"/>
+              </a:rPr>
+              <a:t>exemplo</a:t>
+            </a:r>
+            <a:r>
+              <a:rPr lang="en-US" sz="1200" b="0" i="0" kern="1200">
+                <a:solidFill>
+                  <a:schemeClr val="tx1"/>
+                </a:solidFill>
+                <a:effectLst/>
+                <a:latin typeface="+mn-lt"/>
+                <a:ea typeface="+mn-ea"/>
+                <a:cs typeface="+mn-cs"/>
+              </a:rPr>
+              <a:t>.</a:t>
+            </a:r>
+            <a:endParaRPr lang="pt-BR" dirty="0"/>
           </a:p>
         </p:txBody>
       </p:sp>
       <p:sp>
         <p:nvSpPr>
-          <p:cNvPr id="4" name="Slide Number Placeholder 3"/>
+          <p:cNvPr id="4" name="Espaço Reservado para Número de Slide 3"/>
           <p:cNvSpPr>
             <a:spLocks noGrp="1"/>
           </p:cNvSpPr>
           <p:nvPr>
-            <p:ph type="sldNum" sz="quarter" idx="10"/>
+            <p:ph type="sldNum" sz="quarter" idx="5"/>
           </p:nvPr>
         </p:nvSpPr>
         <p:spPr/>
@@ -1288,7 +2366,7 @@
           <a:p>
             <a:fld id="{6FC8D850-966F-45A6-8DE7-15B891E7D40D}" type="slidenum">
               <a:rPr lang="pt-BR" smtClean="0"/>
-              <a:t>10</a:t>
+              <a:t>8</a:t>
             </a:fld>
             <a:endParaRPr lang="pt-BR"/>
           </a:p>
@@ -1297,7 +2375,7 @@
     </p:spTree>
     <p:extLst>
       <p:ext uri="{BB962C8B-B14F-4D97-AF65-F5344CB8AC3E}">
-        <p14:creationId xmlns:p14="http://schemas.microsoft.com/office/powerpoint/2010/main" val="2028219504"/>
+        <p14:creationId xmlns:p14="http://schemas.microsoft.com/office/powerpoint/2010/main" val="3772262613"/>
       </p:ext>
     </p:extLst>
   </p:cSld>
@@ -1351,12 +2429,124 @@
           <a:bodyPr/>
           <a:lstStyle/>
           <a:p>
-            <a:r>
-              <a:rPr lang="pt-BR" sz="1200" b="1" dirty="0" smtClean="0"/>
+            <a:pPr marL="0" marR="0" lvl="0" indent="0" algn="l" defTabSz="914400" rtl="0" eaLnBrk="1" fontAlgn="auto" latinLnBrk="0" hangingPunct="1">
+              <a:lnSpc>
+                <a:spcPct val="100000"/>
+              </a:lnSpc>
+              <a:spcBef>
+                <a:spcPts val="0"/>
+              </a:spcBef>
+              <a:spcAft>
+                <a:spcPts val="0"/>
+              </a:spcAft>
+              <a:buClrTx/>
+              <a:buSzTx/>
+              <a:buFontTx/>
+              <a:buNone/>
+              <a:tabLst/>
+              <a:defRPr/>
+            </a:pPr>
+            <a:r>
+              <a:rPr lang="pt-BR" b="1" dirty="0"/>
+              <a:t>Exemplo</a:t>
+            </a:r>
+            <a:r>
+              <a:rPr lang="pt-BR" dirty="0"/>
+              <a:t>: https://colab.research.google.com/github/zz4fap/t320_aprendizado_de_maquina/blob/main/notebooks/classificação/</a:t>
+            </a:r>
+            <a:r>
+              <a:rPr lang="pt-BR" sz="1200" dirty="0"/>
+              <a:t>classificador_linear_com_limiar_rigido.ipynb</a:t>
+            </a:r>
+          </a:p>
+        </p:txBody>
+      </p:sp>
+      <p:sp>
+        <p:nvSpPr>
+          <p:cNvPr id="4" name="Slide Number Placeholder 3"/>
+          <p:cNvSpPr>
+            <a:spLocks noGrp="1"/>
+          </p:cNvSpPr>
+          <p:nvPr>
+            <p:ph type="sldNum" sz="quarter" idx="10"/>
+          </p:nvPr>
+        </p:nvSpPr>
+        <p:spPr/>
+        <p:txBody>
+          <a:bodyPr/>
+          <a:lstStyle/>
+          <a:p>
+            <a:fld id="{6FC8D850-966F-45A6-8DE7-15B891E7D40D}" type="slidenum">
+              <a:rPr lang="pt-BR" smtClean="0"/>
+              <a:t>10</a:t>
+            </a:fld>
+            <a:endParaRPr lang="pt-BR"/>
+          </a:p>
+        </p:txBody>
+      </p:sp>
+    </p:spTree>
+    <p:extLst>
+      <p:ext uri="{BB962C8B-B14F-4D97-AF65-F5344CB8AC3E}">
+        <p14:creationId xmlns:p14="http://schemas.microsoft.com/office/powerpoint/2010/main" val="2028219504"/>
+      </p:ext>
+    </p:extLst>
+  </p:cSld>
+  <p:clrMapOvr>
+    <a:masterClrMapping/>
+  </p:clrMapOvr>
+</p:notes>
+</file>
+
+<file path=ppt/notesSlides/notesSlide8.xml><?xml version="1.0" encoding="utf-8"?>
+<p:notes xmlns:a="http://schemas.openxmlformats.org/drawingml/2006/main" xmlns:r="http://schemas.openxmlformats.org/officeDocument/2006/relationships" xmlns:p="http://schemas.openxmlformats.org/presentationml/2006/main">
+  <p:cSld>
+    <p:spTree>
+      <p:nvGrpSpPr>
+        <p:cNvPr id="1" name=""/>
+        <p:cNvGrpSpPr/>
+        <p:nvPr/>
+      </p:nvGrpSpPr>
+      <p:grpSpPr>
+        <a:xfrm>
+          <a:off x="0" y="0"/>
+          <a:ext cx="0" cy="0"/>
+          <a:chOff x="0" y="0"/>
+          <a:chExt cx="0" cy="0"/>
+        </a:xfrm>
+      </p:grpSpPr>
+      <p:sp>
+        <p:nvSpPr>
+          <p:cNvPr id="2" name="Slide Image Placeholder 1"/>
+          <p:cNvSpPr>
+            <a:spLocks noGrp="1" noRot="1" noChangeAspect="1"/>
+          </p:cNvSpPr>
+          <p:nvPr>
+            <p:ph type="sldImg"/>
+          </p:nvPr>
+        </p:nvSpPr>
+        <p:spPr/>
+      </p:sp>
+      <p:sp>
+        <p:nvSpPr>
+          <p:cNvPr id="3" name="Notes Placeholder 2"/>
+          <p:cNvSpPr>
+            <a:spLocks noGrp="1"/>
+          </p:cNvSpPr>
+          <p:nvPr>
+            <p:ph type="body" idx="1"/>
+          </p:nvPr>
+        </p:nvSpPr>
+        <p:spPr/>
+        <p:txBody>
+          <a:bodyPr/>
+          <a:lstStyle/>
+          <a:p>
+            <a:r>
+              <a:rPr lang="pt-BR" sz="1200" b="1" dirty="0"/>
               <a:t>Laboratório #2</a:t>
             </a:r>
             <a:r>
-              <a:rPr lang="pt-BR" sz="1200" dirty="0" smtClean="0"/>
+              <a:rPr lang="pt-BR" sz="1200" dirty="0"/>
               <a:t>: https://mybinder.org/v2/gh/zz4fap/t320_aprendizado_de_maquina/main?filepath=labs%2FLaboratorio2.ipynb</a:t>
             </a:r>
           </a:p>
@@ -1423,7 +2613,7 @@
           <p:cNvPr id="2" name="Título 1">
             <a:extLst>
               <a:ext uri="{FF2B5EF4-FFF2-40B4-BE49-F238E27FC236}">
-                <a16:creationId xmlns="" xmlns:a16="http://schemas.microsoft.com/office/drawing/2014/main" id="{1DB9B4FF-B06E-403C-A326-BDC64D8FF94E}"/>
+                <a16:creationId xmlns:a16="http://schemas.microsoft.com/office/drawing/2014/main" id="{1DB9B4FF-B06E-403C-A326-BDC64D8FF94E}"/>
               </a:ext>
             </a:extLst>
           </p:cNvPr>
@@ -1460,7 +2650,7 @@
           <p:cNvPr id="3" name="Subtítulo 2">
             <a:extLst>
               <a:ext uri="{FF2B5EF4-FFF2-40B4-BE49-F238E27FC236}">
-                <a16:creationId xmlns="" xmlns:a16="http://schemas.microsoft.com/office/drawing/2014/main" id="{247BDFCE-746E-45BF-A319-4733D58D1632}"/>
+                <a16:creationId xmlns:a16="http://schemas.microsoft.com/office/drawing/2014/main" id="{247BDFCE-746E-45BF-A319-4733D58D1632}"/>
               </a:ext>
             </a:extLst>
           </p:cNvPr>
@@ -1530,7 +2720,7 @@
           <p:cNvPr id="4" name="Espaço Reservado para Data 3">
             <a:extLst>
               <a:ext uri="{FF2B5EF4-FFF2-40B4-BE49-F238E27FC236}">
-                <a16:creationId xmlns="" xmlns:a16="http://schemas.microsoft.com/office/drawing/2014/main" id="{9EDE2778-5372-4104-B96D-968184DA8288}"/>
+                <a16:creationId xmlns:a16="http://schemas.microsoft.com/office/drawing/2014/main" id="{9EDE2778-5372-4104-B96D-968184DA8288}"/>
               </a:ext>
             </a:extLst>
           </p:cNvPr>
@@ -1548,7 +2738,7 @@
           <a:p>
             <a:fld id="{63289F7E-B80B-496E-81B4-D396C37C9454}" type="datetimeFigureOut">
               <a:rPr lang="pt-BR" smtClean="0"/>
-              <a:t>17/02/2022</a:t>
+              <a:t>25/02/2022</a:t>
             </a:fld>
             <a:endParaRPr lang="pt-BR"/>
           </a:p>
@@ -1559,7 +2749,7 @@
           <p:cNvPr id="5" name="Espaço Reservado para Rodapé 4">
             <a:extLst>
               <a:ext uri="{FF2B5EF4-FFF2-40B4-BE49-F238E27FC236}">
-                <a16:creationId xmlns="" xmlns:a16="http://schemas.microsoft.com/office/drawing/2014/main" id="{C1DD0F41-C861-4051-988D-3024A37A4B93}"/>
+                <a16:creationId xmlns:a16="http://schemas.microsoft.com/office/drawing/2014/main" id="{C1DD0F41-C861-4051-988D-3024A37A4B93}"/>
               </a:ext>
             </a:extLst>
           </p:cNvPr>
@@ -1584,7 +2774,7 @@
           <p:cNvPr id="6" name="Espaço Reservado para Número de Slide 5">
             <a:extLst>
               <a:ext uri="{FF2B5EF4-FFF2-40B4-BE49-F238E27FC236}">
-                <a16:creationId xmlns="" xmlns:a16="http://schemas.microsoft.com/office/drawing/2014/main" id="{07E5967E-D980-431A-A5DB-3F0C5030A81E}"/>
+                <a16:creationId xmlns:a16="http://schemas.microsoft.com/office/drawing/2014/main" id="{07E5967E-D980-431A-A5DB-3F0C5030A81E}"/>
               </a:ext>
             </a:extLst>
           </p:cNvPr>
@@ -1602,7 +2792,7 @@
           <a:p>
             <a:fld id="{1A7E88B7-70CE-4035-AE73-13FA6FB985D4}" type="slidenum">
               <a:rPr lang="pt-BR" smtClean="0"/>
-              <a:t>‹#›</a:t>
+              <a:t>‹nº›</a:t>
             </a:fld>
             <a:endParaRPr lang="pt-BR"/>
           </a:p>
@@ -1643,7 +2833,7 @@
           <p:cNvPr id="2" name="Título 1">
             <a:extLst>
               <a:ext uri="{FF2B5EF4-FFF2-40B4-BE49-F238E27FC236}">
-                <a16:creationId xmlns="" xmlns:a16="http://schemas.microsoft.com/office/drawing/2014/main" id="{9036C49F-3E68-4175-81BA-3C3FEE44308A}"/>
+                <a16:creationId xmlns:a16="http://schemas.microsoft.com/office/drawing/2014/main" id="{9036C49F-3E68-4175-81BA-3C3FEE44308A}"/>
               </a:ext>
             </a:extLst>
           </p:cNvPr>
@@ -1671,7 +2861,7 @@
           <p:cNvPr id="3" name="Espaço Reservado para Texto Vertical 2">
             <a:extLst>
               <a:ext uri="{FF2B5EF4-FFF2-40B4-BE49-F238E27FC236}">
-                <a16:creationId xmlns="" xmlns:a16="http://schemas.microsoft.com/office/drawing/2014/main" id="{426FA736-3DD3-4D4E-B57B-BBE1D8F7D424}"/>
+                <a16:creationId xmlns:a16="http://schemas.microsoft.com/office/drawing/2014/main" id="{426FA736-3DD3-4D4E-B57B-BBE1D8F7D424}"/>
               </a:ext>
             </a:extLst>
           </p:cNvPr>
@@ -1728,7 +2918,7 @@
           <p:cNvPr id="4" name="Espaço Reservado para Data 3">
             <a:extLst>
               <a:ext uri="{FF2B5EF4-FFF2-40B4-BE49-F238E27FC236}">
-                <a16:creationId xmlns="" xmlns:a16="http://schemas.microsoft.com/office/drawing/2014/main" id="{99E8855C-D8FD-48F6-B14E-861E0DE4D915}"/>
+                <a16:creationId xmlns:a16="http://schemas.microsoft.com/office/drawing/2014/main" id="{99E8855C-D8FD-48F6-B14E-861E0DE4D915}"/>
               </a:ext>
             </a:extLst>
           </p:cNvPr>
@@ -1746,7 +2936,7 @@
           <a:p>
             <a:fld id="{63289F7E-B80B-496E-81B4-D396C37C9454}" type="datetimeFigureOut">
               <a:rPr lang="pt-BR" smtClean="0"/>
-              <a:t>17/02/2022</a:t>
+              <a:t>25/02/2022</a:t>
             </a:fld>
             <a:endParaRPr lang="pt-BR"/>
           </a:p>
@@ -1757,7 +2947,7 @@
           <p:cNvPr id="5" name="Espaço Reservado para Rodapé 4">
             <a:extLst>
               <a:ext uri="{FF2B5EF4-FFF2-40B4-BE49-F238E27FC236}">
-                <a16:creationId xmlns="" xmlns:a16="http://schemas.microsoft.com/office/drawing/2014/main" id="{97C0BB88-2F21-42A5-ACFF-83DA47F2D340}"/>
+                <a16:creationId xmlns:a16="http://schemas.microsoft.com/office/drawing/2014/main" id="{97C0BB88-2F21-42A5-ACFF-83DA47F2D340}"/>
               </a:ext>
             </a:extLst>
           </p:cNvPr>
@@ -1782,7 +2972,7 @@
           <p:cNvPr id="6" name="Espaço Reservado para Número de Slide 5">
             <a:extLst>
               <a:ext uri="{FF2B5EF4-FFF2-40B4-BE49-F238E27FC236}">
-                <a16:creationId xmlns="" xmlns:a16="http://schemas.microsoft.com/office/drawing/2014/main" id="{6CB462B3-1F22-4C05-B4B8-7A279FB7D5E9}"/>
+                <a16:creationId xmlns:a16="http://schemas.microsoft.com/office/drawing/2014/main" id="{6CB462B3-1F22-4C05-B4B8-7A279FB7D5E9}"/>
               </a:ext>
             </a:extLst>
           </p:cNvPr>
@@ -1800,7 +2990,7 @@
           <a:p>
             <a:fld id="{1A7E88B7-70CE-4035-AE73-13FA6FB985D4}" type="slidenum">
               <a:rPr lang="pt-BR" smtClean="0"/>
-              <a:t>‹#›</a:t>
+              <a:t>‹nº›</a:t>
             </a:fld>
             <a:endParaRPr lang="pt-BR"/>
           </a:p>
@@ -1841,7 +3031,7 @@
           <p:cNvPr id="2" name="Título Vertical 1">
             <a:extLst>
               <a:ext uri="{FF2B5EF4-FFF2-40B4-BE49-F238E27FC236}">
-                <a16:creationId xmlns="" xmlns:a16="http://schemas.microsoft.com/office/drawing/2014/main" id="{EAEAB728-701C-4207-A9D5-23FF45C60502}"/>
+                <a16:creationId xmlns:a16="http://schemas.microsoft.com/office/drawing/2014/main" id="{EAEAB728-701C-4207-A9D5-23FF45C60502}"/>
               </a:ext>
             </a:extLst>
           </p:cNvPr>
@@ -1874,7 +3064,7 @@
           <p:cNvPr id="3" name="Espaço Reservado para Texto Vertical 2">
             <a:extLst>
               <a:ext uri="{FF2B5EF4-FFF2-40B4-BE49-F238E27FC236}">
-                <a16:creationId xmlns="" xmlns:a16="http://schemas.microsoft.com/office/drawing/2014/main" id="{BA8C8CCF-7823-480A-9A19-0F664DD17E3B}"/>
+                <a16:creationId xmlns:a16="http://schemas.microsoft.com/office/drawing/2014/main" id="{BA8C8CCF-7823-480A-9A19-0F664DD17E3B}"/>
               </a:ext>
             </a:extLst>
           </p:cNvPr>
@@ -1936,7 +3126,7 @@
           <p:cNvPr id="4" name="Espaço Reservado para Data 3">
             <a:extLst>
               <a:ext uri="{FF2B5EF4-FFF2-40B4-BE49-F238E27FC236}">
-                <a16:creationId xmlns="" xmlns:a16="http://schemas.microsoft.com/office/drawing/2014/main" id="{721D5734-7B1F-425D-942F-6EB73344027C}"/>
+                <a16:creationId xmlns:a16="http://schemas.microsoft.com/office/drawing/2014/main" id="{721D5734-7B1F-425D-942F-6EB73344027C}"/>
               </a:ext>
             </a:extLst>
           </p:cNvPr>
@@ -1954,7 +3144,7 @@
           <a:p>
             <a:fld id="{63289F7E-B80B-496E-81B4-D396C37C9454}" type="datetimeFigureOut">
               <a:rPr lang="pt-BR" smtClean="0"/>
-              <a:t>17/02/2022</a:t>
+              <a:t>25/02/2022</a:t>
             </a:fld>
             <a:endParaRPr lang="pt-BR"/>
           </a:p>
@@ -1965,7 +3155,7 @@
           <p:cNvPr id="5" name="Espaço Reservado para Rodapé 4">
             <a:extLst>
               <a:ext uri="{FF2B5EF4-FFF2-40B4-BE49-F238E27FC236}">
-                <a16:creationId xmlns="" xmlns:a16="http://schemas.microsoft.com/office/drawing/2014/main" id="{1E1AAEAC-F08D-45FE-89EC-B1B349A868C9}"/>
+                <a16:creationId xmlns:a16="http://schemas.microsoft.com/office/drawing/2014/main" id="{1E1AAEAC-F08D-45FE-89EC-B1B349A868C9}"/>
               </a:ext>
             </a:extLst>
           </p:cNvPr>
@@ -1990,7 +3180,7 @@
           <p:cNvPr id="6" name="Espaço Reservado para Número de Slide 5">
             <a:extLst>
               <a:ext uri="{FF2B5EF4-FFF2-40B4-BE49-F238E27FC236}">
-                <a16:creationId xmlns="" xmlns:a16="http://schemas.microsoft.com/office/drawing/2014/main" id="{BAA44493-9911-47B2-87A6-C2141A972BC8}"/>
+                <a16:creationId xmlns:a16="http://schemas.microsoft.com/office/drawing/2014/main" id="{BAA44493-9911-47B2-87A6-C2141A972BC8}"/>
               </a:ext>
             </a:extLst>
           </p:cNvPr>
@@ -2008,7 +3198,7 @@
           <a:p>
             <a:fld id="{1A7E88B7-70CE-4035-AE73-13FA6FB985D4}" type="slidenum">
               <a:rPr lang="pt-BR" smtClean="0"/>
-              <a:t>‹#›</a:t>
+              <a:t>‹nº›</a:t>
             </a:fld>
             <a:endParaRPr lang="pt-BR"/>
           </a:p>
@@ -2049,7 +3239,7 @@
           <p:cNvPr id="2" name="Título 1">
             <a:extLst>
               <a:ext uri="{FF2B5EF4-FFF2-40B4-BE49-F238E27FC236}">
-                <a16:creationId xmlns="" xmlns:a16="http://schemas.microsoft.com/office/drawing/2014/main" id="{71BD44A5-8F21-4626-A01D-48A1C874B1D5}"/>
+                <a16:creationId xmlns:a16="http://schemas.microsoft.com/office/drawing/2014/main" id="{71BD44A5-8F21-4626-A01D-48A1C874B1D5}"/>
               </a:ext>
             </a:extLst>
           </p:cNvPr>
@@ -2077,7 +3267,7 @@
           <p:cNvPr id="3" name="Espaço Reservado para Conteúdo 2">
             <a:extLst>
               <a:ext uri="{FF2B5EF4-FFF2-40B4-BE49-F238E27FC236}">
-                <a16:creationId xmlns="" xmlns:a16="http://schemas.microsoft.com/office/drawing/2014/main" id="{B79E8085-65A9-48AA-951D-71D978BFF4ED}"/>
+                <a16:creationId xmlns:a16="http://schemas.microsoft.com/office/drawing/2014/main" id="{B79E8085-65A9-48AA-951D-71D978BFF4ED}"/>
               </a:ext>
             </a:extLst>
           </p:cNvPr>
@@ -2134,7 +3324,7 @@
           <p:cNvPr id="4" name="Espaço Reservado para Data 3">
             <a:extLst>
               <a:ext uri="{FF2B5EF4-FFF2-40B4-BE49-F238E27FC236}">
-                <a16:creationId xmlns="" xmlns:a16="http://schemas.microsoft.com/office/drawing/2014/main" id="{F05BE1AF-51EA-425D-B188-DE7BD675009F}"/>
+                <a16:creationId xmlns:a16="http://schemas.microsoft.com/office/drawing/2014/main" id="{F05BE1AF-51EA-425D-B188-DE7BD675009F}"/>
               </a:ext>
             </a:extLst>
           </p:cNvPr>
@@ -2152,7 +3342,7 @@
           <a:p>
             <a:fld id="{63289F7E-B80B-496E-81B4-D396C37C9454}" type="datetimeFigureOut">
               <a:rPr lang="pt-BR" smtClean="0"/>
-              <a:t>17/02/2022</a:t>
+              <a:t>25/02/2022</a:t>
             </a:fld>
             <a:endParaRPr lang="pt-BR"/>
           </a:p>
@@ -2163,7 +3353,7 @@
           <p:cNvPr id="5" name="Espaço Reservado para Rodapé 4">
             <a:extLst>
               <a:ext uri="{FF2B5EF4-FFF2-40B4-BE49-F238E27FC236}">
-                <a16:creationId xmlns="" xmlns:a16="http://schemas.microsoft.com/office/drawing/2014/main" id="{121BE632-29CF-4CB9-B365-C9EF38F89BE6}"/>
+                <a16:creationId xmlns:a16="http://schemas.microsoft.com/office/drawing/2014/main" id="{121BE632-29CF-4CB9-B365-C9EF38F89BE6}"/>
               </a:ext>
             </a:extLst>
           </p:cNvPr>
@@ -2188,7 +3378,7 @@
           <p:cNvPr id="6" name="Espaço Reservado para Número de Slide 5">
             <a:extLst>
               <a:ext uri="{FF2B5EF4-FFF2-40B4-BE49-F238E27FC236}">
-                <a16:creationId xmlns="" xmlns:a16="http://schemas.microsoft.com/office/drawing/2014/main" id="{60CF3DD1-9AEC-4A57-B461-4E4DD86FAC18}"/>
+                <a16:creationId xmlns:a16="http://schemas.microsoft.com/office/drawing/2014/main" id="{60CF3DD1-9AEC-4A57-B461-4E4DD86FAC18}"/>
               </a:ext>
             </a:extLst>
           </p:cNvPr>
@@ -2206,7 +3396,7 @@
           <a:p>
             <a:fld id="{1A7E88B7-70CE-4035-AE73-13FA6FB985D4}" type="slidenum">
               <a:rPr lang="pt-BR" smtClean="0"/>
-              <a:t>‹#›</a:t>
+              <a:t>‹nº›</a:t>
             </a:fld>
             <a:endParaRPr lang="pt-BR"/>
           </a:p>
@@ -2247,7 +3437,7 @@
           <p:cNvPr id="2" name="Título 1">
             <a:extLst>
               <a:ext uri="{FF2B5EF4-FFF2-40B4-BE49-F238E27FC236}">
-                <a16:creationId xmlns="" xmlns:a16="http://schemas.microsoft.com/office/drawing/2014/main" id="{34AB2FF0-A4D7-4E28-991D-FF26140D5988}"/>
+                <a16:creationId xmlns:a16="http://schemas.microsoft.com/office/drawing/2014/main" id="{34AB2FF0-A4D7-4E28-991D-FF26140D5988}"/>
               </a:ext>
             </a:extLst>
           </p:cNvPr>
@@ -2284,7 +3474,7 @@
           <p:cNvPr id="3" name="Espaço Reservado para Texto 2">
             <a:extLst>
               <a:ext uri="{FF2B5EF4-FFF2-40B4-BE49-F238E27FC236}">
-                <a16:creationId xmlns="" xmlns:a16="http://schemas.microsoft.com/office/drawing/2014/main" id="{E2AC45B0-4145-40DB-8E61-105461170604}"/>
+                <a16:creationId xmlns:a16="http://schemas.microsoft.com/office/drawing/2014/main" id="{E2AC45B0-4145-40DB-8E61-105461170604}"/>
               </a:ext>
             </a:extLst>
           </p:cNvPr>
@@ -2409,7 +3599,7 @@
           <p:cNvPr id="4" name="Espaço Reservado para Data 3">
             <a:extLst>
               <a:ext uri="{FF2B5EF4-FFF2-40B4-BE49-F238E27FC236}">
-                <a16:creationId xmlns="" xmlns:a16="http://schemas.microsoft.com/office/drawing/2014/main" id="{50F1D3FB-740A-4EBA-A309-2CE71D12ECFB}"/>
+                <a16:creationId xmlns:a16="http://schemas.microsoft.com/office/drawing/2014/main" id="{50F1D3FB-740A-4EBA-A309-2CE71D12ECFB}"/>
               </a:ext>
             </a:extLst>
           </p:cNvPr>
@@ -2427,7 +3617,7 @@
           <a:p>
             <a:fld id="{63289F7E-B80B-496E-81B4-D396C37C9454}" type="datetimeFigureOut">
               <a:rPr lang="pt-BR" smtClean="0"/>
-              <a:t>17/02/2022</a:t>
+              <a:t>25/02/2022</a:t>
             </a:fld>
             <a:endParaRPr lang="pt-BR"/>
           </a:p>
@@ -2438,7 +3628,7 @@
           <p:cNvPr id="5" name="Espaço Reservado para Rodapé 4">
             <a:extLst>
               <a:ext uri="{FF2B5EF4-FFF2-40B4-BE49-F238E27FC236}">
-                <a16:creationId xmlns="" xmlns:a16="http://schemas.microsoft.com/office/drawing/2014/main" id="{BDCAB18F-8715-4465-A940-F9C193A2ACE9}"/>
+                <a16:creationId xmlns:a16="http://schemas.microsoft.com/office/drawing/2014/main" id="{BDCAB18F-8715-4465-A940-F9C193A2ACE9}"/>
               </a:ext>
             </a:extLst>
           </p:cNvPr>
@@ -2463,7 +3653,7 @@
           <p:cNvPr id="6" name="Espaço Reservado para Número de Slide 5">
             <a:extLst>
               <a:ext uri="{FF2B5EF4-FFF2-40B4-BE49-F238E27FC236}">
-                <a16:creationId xmlns="" xmlns:a16="http://schemas.microsoft.com/office/drawing/2014/main" id="{353466C6-8248-429F-8056-FF040BF509EB}"/>
+                <a16:creationId xmlns:a16="http://schemas.microsoft.com/office/drawing/2014/main" id="{353466C6-8248-429F-8056-FF040BF509EB}"/>
               </a:ext>
             </a:extLst>
           </p:cNvPr>
@@ -2481,7 +3671,7 @@
           <a:p>
             <a:fld id="{1A7E88B7-70CE-4035-AE73-13FA6FB985D4}" type="slidenum">
               <a:rPr lang="pt-BR" smtClean="0"/>
-              <a:t>‹#›</a:t>
+              <a:t>‹nº›</a:t>
             </a:fld>
             <a:endParaRPr lang="pt-BR"/>
           </a:p>
@@ -2522,7 +3712,7 @@
           <p:cNvPr id="2" name="Título 1">
             <a:extLst>
               <a:ext uri="{FF2B5EF4-FFF2-40B4-BE49-F238E27FC236}">
-                <a16:creationId xmlns="" xmlns:a16="http://schemas.microsoft.com/office/drawing/2014/main" id="{BC7BB9F0-F14B-4A91-B2B7-35BC47FE4DE7}"/>
+                <a16:creationId xmlns:a16="http://schemas.microsoft.com/office/drawing/2014/main" id="{BC7BB9F0-F14B-4A91-B2B7-35BC47FE4DE7}"/>
               </a:ext>
             </a:extLst>
           </p:cNvPr>
@@ -2550,7 +3740,7 @@
           <p:cNvPr id="3" name="Espaço Reservado para Conteúdo 2">
             <a:extLst>
               <a:ext uri="{FF2B5EF4-FFF2-40B4-BE49-F238E27FC236}">
-                <a16:creationId xmlns="" xmlns:a16="http://schemas.microsoft.com/office/drawing/2014/main" id="{EC1FC1C4-73DA-47A6-8496-B0B457F7D39A}"/>
+                <a16:creationId xmlns:a16="http://schemas.microsoft.com/office/drawing/2014/main" id="{EC1FC1C4-73DA-47A6-8496-B0B457F7D39A}"/>
               </a:ext>
             </a:extLst>
           </p:cNvPr>
@@ -2612,7 +3802,7 @@
           <p:cNvPr id="4" name="Espaço Reservado para Conteúdo 3">
             <a:extLst>
               <a:ext uri="{FF2B5EF4-FFF2-40B4-BE49-F238E27FC236}">
-                <a16:creationId xmlns="" xmlns:a16="http://schemas.microsoft.com/office/drawing/2014/main" id="{E92F06A8-A449-4D92-9912-76873E529B38}"/>
+                <a16:creationId xmlns:a16="http://schemas.microsoft.com/office/drawing/2014/main" id="{E92F06A8-A449-4D92-9912-76873E529B38}"/>
               </a:ext>
             </a:extLst>
           </p:cNvPr>
@@ -2674,7 +3864,7 @@
           <p:cNvPr id="5" name="Espaço Reservado para Data 4">
             <a:extLst>
               <a:ext uri="{FF2B5EF4-FFF2-40B4-BE49-F238E27FC236}">
-                <a16:creationId xmlns="" xmlns:a16="http://schemas.microsoft.com/office/drawing/2014/main" id="{938070A4-BC2F-4D55-BD8D-DEAF11BB9EE9}"/>
+                <a16:creationId xmlns:a16="http://schemas.microsoft.com/office/drawing/2014/main" id="{938070A4-BC2F-4D55-BD8D-DEAF11BB9EE9}"/>
               </a:ext>
             </a:extLst>
           </p:cNvPr>
@@ -2692,7 +3882,7 @@
           <a:p>
             <a:fld id="{63289F7E-B80B-496E-81B4-D396C37C9454}" type="datetimeFigureOut">
               <a:rPr lang="pt-BR" smtClean="0"/>
-              <a:t>17/02/2022</a:t>
+              <a:t>25/02/2022</a:t>
             </a:fld>
             <a:endParaRPr lang="pt-BR"/>
           </a:p>
@@ -2703,7 +3893,7 @@
           <p:cNvPr id="6" name="Espaço Reservado para Rodapé 5">
             <a:extLst>
               <a:ext uri="{FF2B5EF4-FFF2-40B4-BE49-F238E27FC236}">
-                <a16:creationId xmlns="" xmlns:a16="http://schemas.microsoft.com/office/drawing/2014/main" id="{45CC2DB8-844A-465F-BA9A-7734C80C7F43}"/>
+                <a16:creationId xmlns:a16="http://schemas.microsoft.com/office/drawing/2014/main" id="{45CC2DB8-844A-465F-BA9A-7734C80C7F43}"/>
               </a:ext>
             </a:extLst>
           </p:cNvPr>
@@ -2728,7 +3918,7 @@
           <p:cNvPr id="7" name="Espaço Reservado para Número de Slide 6">
             <a:extLst>
               <a:ext uri="{FF2B5EF4-FFF2-40B4-BE49-F238E27FC236}">
-                <a16:creationId xmlns="" xmlns:a16="http://schemas.microsoft.com/office/drawing/2014/main" id="{4CC606A8-097B-4040-94E0-CD8C88280D8F}"/>
+                <a16:creationId xmlns:a16="http://schemas.microsoft.com/office/drawing/2014/main" id="{4CC606A8-097B-4040-94E0-CD8C88280D8F}"/>
               </a:ext>
             </a:extLst>
           </p:cNvPr>
@@ -2746,7 +3936,7 @@
           <a:p>
             <a:fld id="{1A7E88B7-70CE-4035-AE73-13FA6FB985D4}" type="slidenum">
               <a:rPr lang="pt-BR" smtClean="0"/>
-              <a:t>‹#›</a:t>
+              <a:t>‹nº›</a:t>
             </a:fld>
             <a:endParaRPr lang="pt-BR"/>
           </a:p>
@@ -2787,7 +3977,7 @@
           <p:cNvPr id="2" name="Título 1">
             <a:extLst>
               <a:ext uri="{FF2B5EF4-FFF2-40B4-BE49-F238E27FC236}">
-                <a16:creationId xmlns="" xmlns:a16="http://schemas.microsoft.com/office/drawing/2014/main" id="{76D66686-0143-4CB6-8C09-BA326F1E7ACA}"/>
+                <a16:creationId xmlns:a16="http://schemas.microsoft.com/office/drawing/2014/main" id="{76D66686-0143-4CB6-8C09-BA326F1E7ACA}"/>
               </a:ext>
             </a:extLst>
           </p:cNvPr>
@@ -2820,7 +4010,7 @@
           <p:cNvPr id="3" name="Espaço Reservado para Texto 2">
             <a:extLst>
               <a:ext uri="{FF2B5EF4-FFF2-40B4-BE49-F238E27FC236}">
-                <a16:creationId xmlns="" xmlns:a16="http://schemas.microsoft.com/office/drawing/2014/main" id="{0227AB85-F59E-4BCE-B846-4FA0992C2F23}"/>
+                <a16:creationId xmlns:a16="http://schemas.microsoft.com/office/drawing/2014/main" id="{0227AB85-F59E-4BCE-B846-4FA0992C2F23}"/>
               </a:ext>
             </a:extLst>
           </p:cNvPr>
@@ -2891,7 +4081,7 @@
           <p:cNvPr id="4" name="Espaço Reservado para Conteúdo 3">
             <a:extLst>
               <a:ext uri="{FF2B5EF4-FFF2-40B4-BE49-F238E27FC236}">
-                <a16:creationId xmlns="" xmlns:a16="http://schemas.microsoft.com/office/drawing/2014/main" id="{3373456C-7319-4D0A-827D-D29F6B083F5D}"/>
+                <a16:creationId xmlns:a16="http://schemas.microsoft.com/office/drawing/2014/main" id="{3373456C-7319-4D0A-827D-D29F6B083F5D}"/>
               </a:ext>
             </a:extLst>
           </p:cNvPr>
@@ -2953,7 +4143,7 @@
           <p:cNvPr id="5" name="Espaço Reservado para Texto 4">
             <a:extLst>
               <a:ext uri="{FF2B5EF4-FFF2-40B4-BE49-F238E27FC236}">
-                <a16:creationId xmlns="" xmlns:a16="http://schemas.microsoft.com/office/drawing/2014/main" id="{4CD109D0-2E83-4262-8029-A871CEC47406}"/>
+                <a16:creationId xmlns:a16="http://schemas.microsoft.com/office/drawing/2014/main" id="{4CD109D0-2E83-4262-8029-A871CEC47406}"/>
               </a:ext>
             </a:extLst>
           </p:cNvPr>
@@ -3024,7 +4214,7 @@
           <p:cNvPr id="6" name="Espaço Reservado para Conteúdo 5">
             <a:extLst>
               <a:ext uri="{FF2B5EF4-FFF2-40B4-BE49-F238E27FC236}">
-                <a16:creationId xmlns="" xmlns:a16="http://schemas.microsoft.com/office/drawing/2014/main" id="{AD706E3A-CFBB-4A6C-A65F-D0360A9E74FE}"/>
+                <a16:creationId xmlns:a16="http://schemas.microsoft.com/office/drawing/2014/main" id="{AD706E3A-CFBB-4A6C-A65F-D0360A9E74FE}"/>
               </a:ext>
             </a:extLst>
           </p:cNvPr>
@@ -3086,7 +4276,7 @@
           <p:cNvPr id="7" name="Espaço Reservado para Data 6">
             <a:extLst>
               <a:ext uri="{FF2B5EF4-FFF2-40B4-BE49-F238E27FC236}">
-                <a16:creationId xmlns="" xmlns:a16="http://schemas.microsoft.com/office/drawing/2014/main" id="{4172C0E5-5AF0-4805-BB51-443733CD2BD5}"/>
+                <a16:creationId xmlns:a16="http://schemas.microsoft.com/office/drawing/2014/main" id="{4172C0E5-5AF0-4805-BB51-443733CD2BD5}"/>
               </a:ext>
             </a:extLst>
           </p:cNvPr>
@@ -3104,7 +4294,7 @@
           <a:p>
             <a:fld id="{63289F7E-B80B-496E-81B4-D396C37C9454}" type="datetimeFigureOut">
               <a:rPr lang="pt-BR" smtClean="0"/>
-              <a:t>17/02/2022</a:t>
+              <a:t>25/02/2022</a:t>
             </a:fld>
             <a:endParaRPr lang="pt-BR"/>
           </a:p>
@@ -3115,7 +4305,7 @@
           <p:cNvPr id="8" name="Espaço Reservado para Rodapé 7">
             <a:extLst>
               <a:ext uri="{FF2B5EF4-FFF2-40B4-BE49-F238E27FC236}">
-                <a16:creationId xmlns="" xmlns:a16="http://schemas.microsoft.com/office/drawing/2014/main" id="{0E801648-156F-497E-99CF-797DF48051E1}"/>
+                <a16:creationId xmlns:a16="http://schemas.microsoft.com/office/drawing/2014/main" id="{0E801648-156F-497E-99CF-797DF48051E1}"/>
               </a:ext>
             </a:extLst>
           </p:cNvPr>
@@ -3140,7 +4330,7 @@
           <p:cNvPr id="9" name="Espaço Reservado para Número de Slide 8">
             <a:extLst>
               <a:ext uri="{FF2B5EF4-FFF2-40B4-BE49-F238E27FC236}">
-                <a16:creationId xmlns="" xmlns:a16="http://schemas.microsoft.com/office/drawing/2014/main" id="{EEE23D32-80E7-4796-A137-66BF842E4B53}"/>
+                <a16:creationId xmlns:a16="http://schemas.microsoft.com/office/drawing/2014/main" id="{EEE23D32-80E7-4796-A137-66BF842E4B53}"/>
               </a:ext>
             </a:extLst>
           </p:cNvPr>
@@ -3158,7 +4348,7 @@
           <a:p>
             <a:fld id="{1A7E88B7-70CE-4035-AE73-13FA6FB985D4}" type="slidenum">
               <a:rPr lang="pt-BR" smtClean="0"/>
-              <a:t>‹#›</a:t>
+              <a:t>‹nº›</a:t>
             </a:fld>
             <a:endParaRPr lang="pt-BR"/>
           </a:p>
@@ -3199,7 +4389,7 @@
           <p:cNvPr id="2" name="Título 1">
             <a:extLst>
               <a:ext uri="{FF2B5EF4-FFF2-40B4-BE49-F238E27FC236}">
-                <a16:creationId xmlns="" xmlns:a16="http://schemas.microsoft.com/office/drawing/2014/main" id="{2BCE2379-C78F-47E1-8CFC-B846E7AF148D}"/>
+                <a16:creationId xmlns:a16="http://schemas.microsoft.com/office/drawing/2014/main" id="{2BCE2379-C78F-47E1-8CFC-B846E7AF148D}"/>
               </a:ext>
             </a:extLst>
           </p:cNvPr>
@@ -3227,7 +4417,7 @@
           <p:cNvPr id="3" name="Espaço Reservado para Data 2">
             <a:extLst>
               <a:ext uri="{FF2B5EF4-FFF2-40B4-BE49-F238E27FC236}">
-                <a16:creationId xmlns="" xmlns:a16="http://schemas.microsoft.com/office/drawing/2014/main" id="{342600A9-7F92-4E22-9D94-E4717252A817}"/>
+                <a16:creationId xmlns:a16="http://schemas.microsoft.com/office/drawing/2014/main" id="{342600A9-7F92-4E22-9D94-E4717252A817}"/>
               </a:ext>
             </a:extLst>
           </p:cNvPr>
@@ -3245,7 +4435,7 @@
           <a:p>
             <a:fld id="{63289F7E-B80B-496E-81B4-D396C37C9454}" type="datetimeFigureOut">
               <a:rPr lang="pt-BR" smtClean="0"/>
-              <a:t>17/02/2022</a:t>
+              <a:t>25/02/2022</a:t>
             </a:fld>
             <a:endParaRPr lang="pt-BR"/>
           </a:p>
@@ -3256,7 +4446,7 @@
           <p:cNvPr id="4" name="Espaço Reservado para Rodapé 3">
             <a:extLst>
               <a:ext uri="{FF2B5EF4-FFF2-40B4-BE49-F238E27FC236}">
-                <a16:creationId xmlns="" xmlns:a16="http://schemas.microsoft.com/office/drawing/2014/main" id="{192E6BED-F546-40CC-A2DF-99CBA853654E}"/>
+                <a16:creationId xmlns:a16="http://schemas.microsoft.com/office/drawing/2014/main" id="{192E6BED-F546-40CC-A2DF-99CBA853654E}"/>
               </a:ext>
             </a:extLst>
           </p:cNvPr>
@@ -3281,7 +4471,7 @@
           <p:cNvPr id="5" name="Espaço Reservado para Número de Slide 4">
             <a:extLst>
               <a:ext uri="{FF2B5EF4-FFF2-40B4-BE49-F238E27FC236}">
-                <a16:creationId xmlns="" xmlns:a16="http://schemas.microsoft.com/office/drawing/2014/main" id="{6091CC40-A8C4-4063-80EB-CC5099621678}"/>
+                <a16:creationId xmlns:a16="http://schemas.microsoft.com/office/drawing/2014/main" id="{6091CC40-A8C4-4063-80EB-CC5099621678}"/>
               </a:ext>
             </a:extLst>
           </p:cNvPr>
@@ -3299,7 +4489,7 @@
           <a:p>
             <a:fld id="{1A7E88B7-70CE-4035-AE73-13FA6FB985D4}" type="slidenum">
               <a:rPr lang="pt-BR" smtClean="0"/>
-              <a:t>‹#›</a:t>
+              <a:t>‹nº›</a:t>
             </a:fld>
             <a:endParaRPr lang="pt-BR"/>
           </a:p>
@@ -3340,7 +4530,7 @@
           <p:cNvPr id="2" name="Espaço Reservado para Data 1">
             <a:extLst>
               <a:ext uri="{FF2B5EF4-FFF2-40B4-BE49-F238E27FC236}">
-                <a16:creationId xmlns="" xmlns:a16="http://schemas.microsoft.com/office/drawing/2014/main" id="{DD19515C-212C-4EAE-84A3-8FF4BC844F1B}"/>
+                <a16:creationId xmlns:a16="http://schemas.microsoft.com/office/drawing/2014/main" id="{DD19515C-212C-4EAE-84A3-8FF4BC844F1B}"/>
               </a:ext>
             </a:extLst>
           </p:cNvPr>
@@ -3358,7 +4548,7 @@
           <a:p>
             <a:fld id="{63289F7E-B80B-496E-81B4-D396C37C9454}" type="datetimeFigureOut">
               <a:rPr lang="pt-BR" smtClean="0"/>
-              <a:t>17/02/2022</a:t>
+              <a:t>25/02/2022</a:t>
             </a:fld>
             <a:endParaRPr lang="pt-BR"/>
           </a:p>
@@ -3369,7 +4559,7 @@
           <p:cNvPr id="3" name="Espaço Reservado para Rodapé 2">
             <a:extLst>
               <a:ext uri="{FF2B5EF4-FFF2-40B4-BE49-F238E27FC236}">
-                <a16:creationId xmlns="" xmlns:a16="http://schemas.microsoft.com/office/drawing/2014/main" id="{94D3D120-B3E8-4C96-861D-7A4F12F49B3A}"/>
+                <a16:creationId xmlns:a16="http://schemas.microsoft.com/office/drawing/2014/main" id="{94D3D120-B3E8-4C96-861D-7A4F12F49B3A}"/>
               </a:ext>
             </a:extLst>
           </p:cNvPr>
@@ -3394,7 +4584,7 @@
           <p:cNvPr id="4" name="Espaço Reservado para Número de Slide 3">
             <a:extLst>
               <a:ext uri="{FF2B5EF4-FFF2-40B4-BE49-F238E27FC236}">
-                <a16:creationId xmlns="" xmlns:a16="http://schemas.microsoft.com/office/drawing/2014/main" id="{42E49B68-FA1B-468B-9F17-D5C09243D454}"/>
+                <a16:creationId xmlns:a16="http://schemas.microsoft.com/office/drawing/2014/main" id="{42E49B68-FA1B-468B-9F17-D5C09243D454}"/>
               </a:ext>
             </a:extLst>
           </p:cNvPr>
@@ -3412,7 +4602,7 @@
           <a:p>
             <a:fld id="{1A7E88B7-70CE-4035-AE73-13FA6FB985D4}" type="slidenum">
               <a:rPr lang="pt-BR" smtClean="0"/>
-              <a:t>‹#›</a:t>
+              <a:t>‹nº›</a:t>
             </a:fld>
             <a:endParaRPr lang="pt-BR"/>
           </a:p>
@@ -3453,7 +4643,7 @@
           <p:cNvPr id="2" name="Título 1">
             <a:extLst>
               <a:ext uri="{FF2B5EF4-FFF2-40B4-BE49-F238E27FC236}">
-                <a16:creationId xmlns="" xmlns:a16="http://schemas.microsoft.com/office/drawing/2014/main" id="{1C17BCBE-A897-4319-85EC-D87909C24980}"/>
+                <a16:creationId xmlns:a16="http://schemas.microsoft.com/office/drawing/2014/main" id="{1C17BCBE-A897-4319-85EC-D87909C24980}"/>
               </a:ext>
             </a:extLst>
           </p:cNvPr>
@@ -3490,7 +4680,7 @@
           <p:cNvPr id="3" name="Espaço Reservado para Conteúdo 2">
             <a:extLst>
               <a:ext uri="{FF2B5EF4-FFF2-40B4-BE49-F238E27FC236}">
-                <a16:creationId xmlns="" xmlns:a16="http://schemas.microsoft.com/office/drawing/2014/main" id="{4226F885-0204-4913-868B-4B8B82576F17}"/>
+                <a16:creationId xmlns:a16="http://schemas.microsoft.com/office/drawing/2014/main" id="{4226F885-0204-4913-868B-4B8B82576F17}"/>
               </a:ext>
             </a:extLst>
           </p:cNvPr>
@@ -3580,7 +4770,7 @@
           <p:cNvPr id="4" name="Espaço Reservado para Texto 3">
             <a:extLst>
               <a:ext uri="{FF2B5EF4-FFF2-40B4-BE49-F238E27FC236}">
-                <a16:creationId xmlns="" xmlns:a16="http://schemas.microsoft.com/office/drawing/2014/main" id="{00F9F784-A858-441B-8AB5-697098141751}"/>
+                <a16:creationId xmlns:a16="http://schemas.microsoft.com/office/drawing/2014/main" id="{00F9F784-A858-441B-8AB5-697098141751}"/>
               </a:ext>
             </a:extLst>
           </p:cNvPr>
@@ -3651,7 +4841,7 @@
           <p:cNvPr id="5" name="Espaço Reservado para Data 4">
             <a:extLst>
               <a:ext uri="{FF2B5EF4-FFF2-40B4-BE49-F238E27FC236}">
-                <a16:creationId xmlns="" xmlns:a16="http://schemas.microsoft.com/office/drawing/2014/main" id="{A4DC363A-5000-472E-8B17-02E7DCB8840A}"/>
+                <a16:creationId xmlns:a16="http://schemas.microsoft.com/office/drawing/2014/main" id="{A4DC363A-5000-472E-8B17-02E7DCB8840A}"/>
               </a:ext>
             </a:extLst>
           </p:cNvPr>
@@ -3669,7 +4859,7 @@
           <a:p>
             <a:fld id="{63289F7E-B80B-496E-81B4-D396C37C9454}" type="datetimeFigureOut">
               <a:rPr lang="pt-BR" smtClean="0"/>
-              <a:t>17/02/2022</a:t>
+              <a:t>25/02/2022</a:t>
             </a:fld>
             <a:endParaRPr lang="pt-BR"/>
           </a:p>
@@ -3680,7 +4870,7 @@
           <p:cNvPr id="6" name="Espaço Reservado para Rodapé 5">
             <a:extLst>
               <a:ext uri="{FF2B5EF4-FFF2-40B4-BE49-F238E27FC236}">
-                <a16:creationId xmlns="" xmlns:a16="http://schemas.microsoft.com/office/drawing/2014/main" id="{5548425D-2C21-4C56-BAD4-662978775C28}"/>
+                <a16:creationId xmlns:a16="http://schemas.microsoft.com/office/drawing/2014/main" id="{5548425D-2C21-4C56-BAD4-662978775C28}"/>
               </a:ext>
             </a:extLst>
           </p:cNvPr>
@@ -3705,7 +4895,7 @@
           <p:cNvPr id="7" name="Espaço Reservado para Número de Slide 6">
             <a:extLst>
               <a:ext uri="{FF2B5EF4-FFF2-40B4-BE49-F238E27FC236}">
-                <a16:creationId xmlns="" xmlns:a16="http://schemas.microsoft.com/office/drawing/2014/main" id="{C63E9726-E64C-42B2-AE8A-8C235A956B48}"/>
+                <a16:creationId xmlns:a16="http://schemas.microsoft.com/office/drawing/2014/main" id="{C63E9726-E64C-42B2-AE8A-8C235A956B48}"/>
               </a:ext>
             </a:extLst>
           </p:cNvPr>
@@ -3723,7 +4913,7 @@
           <a:p>
             <a:fld id="{1A7E88B7-70CE-4035-AE73-13FA6FB985D4}" type="slidenum">
               <a:rPr lang="pt-BR" smtClean="0"/>
-              <a:t>‹#›</a:t>
+              <a:t>‹nº›</a:t>
             </a:fld>
             <a:endParaRPr lang="pt-BR"/>
           </a:p>
@@ -3764,7 +4954,7 @@
           <p:cNvPr id="2" name="Título 1">
             <a:extLst>
               <a:ext uri="{FF2B5EF4-FFF2-40B4-BE49-F238E27FC236}">
-                <a16:creationId xmlns="" xmlns:a16="http://schemas.microsoft.com/office/drawing/2014/main" id="{11086A78-3E74-450C-96A6-CA8AC37AF772}"/>
+                <a16:creationId xmlns:a16="http://schemas.microsoft.com/office/drawing/2014/main" id="{11086A78-3E74-450C-96A6-CA8AC37AF772}"/>
               </a:ext>
             </a:extLst>
           </p:cNvPr>
@@ -3801,7 +4991,7 @@
           <p:cNvPr id="3" name="Espaço Reservado para Imagem 2">
             <a:extLst>
               <a:ext uri="{FF2B5EF4-FFF2-40B4-BE49-F238E27FC236}">
-                <a16:creationId xmlns="" xmlns:a16="http://schemas.microsoft.com/office/drawing/2014/main" id="{5F5B7312-975A-4DBC-9B2F-3652ADA006FD}"/>
+                <a16:creationId xmlns:a16="http://schemas.microsoft.com/office/drawing/2014/main" id="{5F5B7312-975A-4DBC-9B2F-3652ADA006FD}"/>
               </a:ext>
             </a:extLst>
           </p:cNvPr>
@@ -3868,7 +5058,7 @@
           <p:cNvPr id="4" name="Espaço Reservado para Texto 3">
             <a:extLst>
               <a:ext uri="{FF2B5EF4-FFF2-40B4-BE49-F238E27FC236}">
-                <a16:creationId xmlns="" xmlns:a16="http://schemas.microsoft.com/office/drawing/2014/main" id="{AAF805F5-1DFF-41C6-944C-7D79FE0D0963}"/>
+                <a16:creationId xmlns:a16="http://schemas.microsoft.com/office/drawing/2014/main" id="{AAF805F5-1DFF-41C6-944C-7D79FE0D0963}"/>
               </a:ext>
             </a:extLst>
           </p:cNvPr>
@@ -3939,7 +5129,7 @@
           <p:cNvPr id="5" name="Espaço Reservado para Data 4">
             <a:extLst>
               <a:ext uri="{FF2B5EF4-FFF2-40B4-BE49-F238E27FC236}">
-                <a16:creationId xmlns="" xmlns:a16="http://schemas.microsoft.com/office/drawing/2014/main" id="{02113D81-8665-4516-BD81-C6A1F254EECD}"/>
+                <a16:creationId xmlns:a16="http://schemas.microsoft.com/office/drawing/2014/main" id="{02113D81-8665-4516-BD81-C6A1F254EECD}"/>
               </a:ext>
             </a:extLst>
           </p:cNvPr>
@@ -3957,7 +5147,7 @@
           <a:p>
             <a:fld id="{63289F7E-B80B-496E-81B4-D396C37C9454}" type="datetimeFigureOut">
               <a:rPr lang="pt-BR" smtClean="0"/>
-              <a:t>17/02/2022</a:t>
+              <a:t>25/02/2022</a:t>
             </a:fld>
             <a:endParaRPr lang="pt-BR"/>
           </a:p>
@@ -3968,7 +5158,7 @@
           <p:cNvPr id="6" name="Espaço Reservado para Rodapé 5">
             <a:extLst>
               <a:ext uri="{FF2B5EF4-FFF2-40B4-BE49-F238E27FC236}">
-                <a16:creationId xmlns="" xmlns:a16="http://schemas.microsoft.com/office/drawing/2014/main" id="{2B00C88B-FF32-40AA-A187-727D96FD7862}"/>
+                <a16:creationId xmlns:a16="http://schemas.microsoft.com/office/drawing/2014/main" id="{2B00C88B-FF32-40AA-A187-727D96FD7862}"/>
               </a:ext>
             </a:extLst>
           </p:cNvPr>
@@ -3993,7 +5183,7 @@
           <p:cNvPr id="7" name="Espaço Reservado para Número de Slide 6">
             <a:extLst>
               <a:ext uri="{FF2B5EF4-FFF2-40B4-BE49-F238E27FC236}">
-                <a16:creationId xmlns="" xmlns:a16="http://schemas.microsoft.com/office/drawing/2014/main" id="{A04D1A2D-69F7-4B8F-A730-BC26DC340BA6}"/>
+                <a16:creationId xmlns:a16="http://schemas.microsoft.com/office/drawing/2014/main" id="{A04D1A2D-69F7-4B8F-A730-BC26DC340BA6}"/>
               </a:ext>
             </a:extLst>
           </p:cNvPr>
@@ -4011,7 +5201,7 @@
           <a:p>
             <a:fld id="{1A7E88B7-70CE-4035-AE73-13FA6FB985D4}" type="slidenum">
               <a:rPr lang="pt-BR" smtClean="0"/>
-              <a:t>‹#›</a:t>
+              <a:t>‹nº›</a:t>
             </a:fld>
             <a:endParaRPr lang="pt-BR"/>
           </a:p>
@@ -4057,7 +5247,7 @@
           <p:cNvPr id="2" name="Espaço Reservado para Título 1">
             <a:extLst>
               <a:ext uri="{FF2B5EF4-FFF2-40B4-BE49-F238E27FC236}">
-                <a16:creationId xmlns="" xmlns:a16="http://schemas.microsoft.com/office/drawing/2014/main" id="{E69A0273-1966-4A1B-9370-4C1CE5036371}"/>
+                <a16:creationId xmlns:a16="http://schemas.microsoft.com/office/drawing/2014/main" id="{E69A0273-1966-4A1B-9370-4C1CE5036371}"/>
               </a:ext>
             </a:extLst>
           </p:cNvPr>
@@ -4095,7 +5285,7 @@
           <p:cNvPr id="3" name="Espaço Reservado para Texto 2">
             <a:extLst>
               <a:ext uri="{FF2B5EF4-FFF2-40B4-BE49-F238E27FC236}">
-                <a16:creationId xmlns="" xmlns:a16="http://schemas.microsoft.com/office/drawing/2014/main" id="{3B9CF87A-0448-49A7-AB25-EBC1D56A40EF}"/>
+                <a16:creationId xmlns:a16="http://schemas.microsoft.com/office/drawing/2014/main" id="{3B9CF87A-0448-49A7-AB25-EBC1D56A40EF}"/>
               </a:ext>
             </a:extLst>
           </p:cNvPr>
@@ -4162,7 +5352,7 @@
           <p:cNvPr id="4" name="Espaço Reservado para Data 3">
             <a:extLst>
               <a:ext uri="{FF2B5EF4-FFF2-40B4-BE49-F238E27FC236}">
-                <a16:creationId xmlns="" xmlns:a16="http://schemas.microsoft.com/office/drawing/2014/main" id="{2EF7B1F2-BB5A-44D0-816D-16AD2C71430E}"/>
+                <a16:creationId xmlns:a16="http://schemas.microsoft.com/office/drawing/2014/main" id="{2EF7B1F2-BB5A-44D0-816D-16AD2C71430E}"/>
               </a:ext>
             </a:extLst>
           </p:cNvPr>
@@ -4198,7 +5388,7 @@
           <a:p>
             <a:fld id="{63289F7E-B80B-496E-81B4-D396C37C9454}" type="datetimeFigureOut">
               <a:rPr lang="pt-BR" smtClean="0"/>
-              <a:t>17/02/2022</a:t>
+              <a:t>25/02/2022</a:t>
             </a:fld>
             <a:endParaRPr lang="pt-BR"/>
           </a:p>
@@ -4209,7 +5399,7 @@
           <p:cNvPr id="5" name="Espaço Reservado para Rodapé 4">
             <a:extLst>
               <a:ext uri="{FF2B5EF4-FFF2-40B4-BE49-F238E27FC236}">
-                <a16:creationId xmlns="" xmlns:a16="http://schemas.microsoft.com/office/drawing/2014/main" id="{C703F94C-2CC8-4DAA-BC35-14FC3E841DCD}"/>
+                <a16:creationId xmlns:a16="http://schemas.microsoft.com/office/drawing/2014/main" id="{C703F94C-2CC8-4DAA-BC35-14FC3E841DCD}"/>
               </a:ext>
             </a:extLst>
           </p:cNvPr>
@@ -4252,7 +5442,7 @@
           <p:cNvPr id="6" name="Espaço Reservado para Número de Slide 5">
             <a:extLst>
               <a:ext uri="{FF2B5EF4-FFF2-40B4-BE49-F238E27FC236}">
-                <a16:creationId xmlns="" xmlns:a16="http://schemas.microsoft.com/office/drawing/2014/main" id="{64051336-7048-457A-8B61-D94291D71648}"/>
+                <a16:creationId xmlns:a16="http://schemas.microsoft.com/office/drawing/2014/main" id="{64051336-7048-457A-8B61-D94291D71648}"/>
               </a:ext>
             </a:extLst>
           </p:cNvPr>
@@ -4288,7 +5478,7 @@
           <a:p>
             <a:fld id="{1A7E88B7-70CE-4035-AE73-13FA6FB985D4}" type="slidenum">
               <a:rPr lang="pt-BR" smtClean="0"/>
-              <a:t>‹#›</a:t>
+              <a:t>‹nº›</a:t>
             </a:fld>
             <a:endParaRPr lang="pt-BR"/>
           </a:p>
@@ -4620,7 +5810,7 @@
           <p:cNvPr id="2" name="Título 1">
             <a:extLst>
               <a:ext uri="{FF2B5EF4-FFF2-40B4-BE49-F238E27FC236}">
-                <a16:creationId xmlns="" xmlns:a16="http://schemas.microsoft.com/office/drawing/2014/main" id="{32666AC8-2E17-4DB4-B0F5-60C640CCFD2E}"/>
+                <a16:creationId xmlns:a16="http://schemas.microsoft.com/office/drawing/2014/main" id="{32666AC8-2E17-4DB4-B0F5-60C640CCFD2E}"/>
               </a:ext>
             </a:extLst>
           </p:cNvPr>
@@ -4644,21 +5834,16 @@
           <a:lstStyle/>
           <a:p>
             <a:r>
-              <a:rPr lang="pt-BR" sz="5400" dirty="0" smtClean="0"/>
+              <a:rPr lang="pt-BR" sz="5400" dirty="0"/>
               <a:t>T320 - Introdução ao Aprendizado de Máquina II:</a:t>
             </a:r>
-            <a:r>
-              <a:rPr lang="pt-BR" dirty="0" smtClean="0"/>
-              <a:t/>
-            </a:r>
             <a:br>
-              <a:rPr lang="pt-BR" dirty="0" smtClean="0"/>
+              <a:rPr lang="pt-BR" dirty="0"/>
             </a:br>
             <a:r>
-              <a:rPr lang="pt-BR" b="1" i="1" dirty="0" smtClean="0"/>
+              <a:rPr lang="pt-BR" b="1" i="1" dirty="0"/>
               <a:t>Classificação (Parte II)</a:t>
             </a:r>
-            <a:endParaRPr lang="pt-BR" b="1" i="1" dirty="0"/>
           </a:p>
         </p:txBody>
       </p:sp>
@@ -4667,7 +5852,7 @@
           <p:cNvPr id="4" name="CaixaDeTexto 3">
             <a:extLst>
               <a:ext uri="{FF2B5EF4-FFF2-40B4-BE49-F238E27FC236}">
-                <a16:creationId xmlns="" xmlns:a16="http://schemas.microsoft.com/office/drawing/2014/main" id="{430EB894-B7D4-434C-9D1A-A14094D9BEEC}"/>
+                <a16:creationId xmlns:a16="http://schemas.microsoft.com/office/drawing/2014/main" id="{430EB894-B7D4-434C-9D1A-A14094D9BEEC}"/>
               </a:ext>
             </a:extLst>
           </p:cNvPr>
@@ -4708,7 +5893,7 @@
           <p:cNvPr id="1026" name="Picture 2" descr="Logo">
             <a:extLst>
               <a:ext uri="{FF2B5EF4-FFF2-40B4-BE49-F238E27FC236}">
-                <a16:creationId xmlns="" xmlns:a16="http://schemas.microsoft.com/office/drawing/2014/main" id="{3F2642E0-4F6A-4196-8F58-E77D36E9A33F}"/>
+                <a16:creationId xmlns:a16="http://schemas.microsoft.com/office/drawing/2014/main" id="{3F2642E0-4F6A-4196-8F58-E77D36E9A33F}"/>
               </a:ext>
             </a:extLst>
           </p:cNvPr>
@@ -4753,7 +5938,7 @@
           <p:cNvPr id="5122" name="Picture 2" descr="Image result for machine learning">
             <a:extLst>
               <a:ext uri="{FF2B5EF4-FFF2-40B4-BE49-F238E27FC236}">
-                <a16:creationId xmlns="" xmlns:a16="http://schemas.microsoft.com/office/drawing/2014/main" id="{810CE0A2-4102-44A6-A370-175E7896CDCB}"/>
+                <a16:creationId xmlns:a16="http://schemas.microsoft.com/office/drawing/2014/main" id="{810CE0A2-4102-44A6-A370-175E7896CDCB}"/>
               </a:ext>
             </a:extLst>
           </p:cNvPr>
@@ -4870,7 +6055,7 @@
               <a:lstStyle/>
               <a:p>
                 <a:r>
-                  <a:rPr lang="pt-BR" dirty="0" smtClean="0"/>
+                  <a:rPr lang="pt-BR" dirty="0"/>
                   <a:t>A </a:t>
                 </a:r>
                 <a:r>
@@ -4882,11 +6067,11 @@
                   <a:t>converge para um </a:t>
                 </a:r>
                 <a:r>
-                  <a:rPr lang="pt-BR" b="1" i="1" dirty="0" smtClean="0"/>
+                  <a:rPr lang="pt-BR" b="1" i="1" dirty="0"/>
                   <a:t>separador perfeito</a:t>
                 </a:r>
                 <a:r>
-                  <a:rPr lang="pt-BR" dirty="0" smtClean="0"/>
+                  <a:rPr lang="pt-BR" dirty="0"/>
                   <a:t> quando:</a:t>
                 </a:r>
               </a:p>
@@ -4897,11 +6082,7 @@
                 </a:pPr>
                 <a:r>
                   <a:rPr lang="pt-BR" dirty="0"/>
-                  <a:t>A</a:t>
-                </a:r>
-                <a:r>
-                  <a:rPr lang="pt-BR" dirty="0" smtClean="0"/>
-                  <a:t>s classes são </a:t>
+                  <a:t>As classes são </a:t>
                 </a:r>
                 <a:r>
                   <a:rPr lang="pt-BR" b="1" i="1" dirty="0"/>
@@ -4909,11 +6090,7 @@
                 </a:r>
                 <a:r>
                   <a:rPr lang="pt-BR" dirty="0"/>
-                  <a:t>umas das </a:t>
-                </a:r>
-                <a:r>
-                  <a:rPr lang="pt-BR" dirty="0" smtClean="0"/>
-                  <a:t>outras, ou seja, não se sobrepõem.</a:t>
+                  <a:t>umas das outras, ou seja, não se sobrepõem.</a:t>
                 </a:r>
               </a:p>
               <a:p>
@@ -4922,56 +6099,40 @@
                   <a:buChar char="§"/>
                 </a:pPr>
                 <a:r>
-                  <a:rPr lang="pt-BR" dirty="0" smtClean="0"/>
+                  <a:rPr lang="pt-BR" dirty="0"/>
                   <a:t>Existe uma </a:t>
                 </a:r>
                 <a:r>
-                  <a:rPr lang="pt-BR" b="1" i="1" dirty="0" smtClean="0"/>
+                  <a:rPr lang="pt-BR" b="1" i="1" dirty="0"/>
                   <a:t>função discriminante adequada para o problema</a:t>
                 </a:r>
                 <a:r>
-                  <a:rPr lang="pt-BR" dirty="0" smtClean="0"/>
+                  <a:rPr lang="pt-BR" dirty="0"/>
                   <a:t>, mesmo que não seja um </a:t>
                 </a:r>
                 <a:r>
-                  <a:rPr lang="pt-BR" b="1" i="1" dirty="0" smtClean="0"/>
+                  <a:rPr lang="pt-BR" b="1" i="1" dirty="0"/>
                   <a:t>hiperplano</a:t>
                 </a:r>
                 <a:r>
-                  <a:rPr lang="pt-BR" dirty="0" smtClean="0"/>
+                  <a:rPr lang="pt-BR" dirty="0"/>
                   <a:t>.</a:t>
                 </a:r>
               </a:p>
               <a:p>
                 <a:r>
-                  <a:rPr lang="pt-BR" b="1" i="1" dirty="0" smtClean="0"/>
+                  <a:rPr lang="pt-BR" b="1" i="1" dirty="0"/>
                   <a:t>Separador perfeito: </a:t>
                 </a:r>
                 <a:r>
                   <a:rPr lang="pt-BR" dirty="0"/>
-                  <a:t>com erro </a:t>
-                </a:r>
-                <a:r>
-                  <a:rPr lang="pt-BR" dirty="0" smtClean="0"/>
-                  <a:t>de classificação igual </a:t>
-                </a:r>
-                <a:r>
-                  <a:rPr lang="pt-BR" dirty="0"/>
-                  <a:t>a </a:t>
-                </a:r>
-                <a:r>
-                  <a:rPr lang="pt-BR" dirty="0" smtClean="0"/>
-                  <a:t>zero, ou seja, todos os exemplos são perfeitamente classificados.</a:t>
+                  <a:t>com erro de classificação igual a zero, ou seja, todos os exemplos são perfeitamente classificados.</a:t>
                 </a:r>
               </a:p>
               <a:p>
                 <a:r>
-                  <a:rPr lang="pt-BR" dirty="0" smtClean="0"/>
-                  <a:t>Porém</a:t>
-                </a:r>
-                <a:r>
-                  <a:rPr lang="pt-BR" dirty="0"/>
-                  <a:t>, na prática essa situação não é muito comum.</a:t>
+                  <a:rPr lang="pt-BR" dirty="0"/>
+                  <a:t>Porém, na prática essa situação não é muito comum.</a:t>
                 </a:r>
               </a:p>
               <a:p>
@@ -4985,21 +6146,13 @@
                 </a:r>
                 <a:r>
                   <a:rPr lang="pt-BR" dirty="0"/>
-                  <a:t>falha em convergir para uma solução </a:t>
-                </a:r>
-                <a:r>
-                  <a:rPr lang="pt-BR" dirty="0" smtClean="0"/>
-                  <a:t>perfeita. </a:t>
+                  <a:t>falha em convergir para uma solução perfeita. </a:t>
                 </a:r>
               </a:p>
               <a:p>
                 <a:r>
-                  <a:rPr lang="pt-BR" dirty="0" smtClean="0"/>
-                  <a:t>Em </a:t>
-                </a:r>
-                <a:r>
-                  <a:rPr lang="pt-BR" dirty="0"/>
-                  <a:t>geral, essa regra não converge para uma solução estável para valores fixos do </a:t>
+                  <a:rPr lang="pt-BR" dirty="0"/>
+                  <a:t>Em geral, essa regra não converge para uma solução estável para valores fixos do </a:t>
                 </a:r>
                 <a:r>
                   <a:rPr lang="pt-BR" b="1" i="1" dirty="0"/>
@@ -5037,35 +6190,30 @@
                 </a14:m>
                 <a:r>
                   <a:rPr lang="pt-BR" dirty="0"/>
-                  <a:t> decresce de acordo com as iterações, então a regra tem uma chance de convergir para uma solução de erro mínimo quando os exemplos são apresentados de forma aleatória</a:t>
-                </a:r>
-                <a:r>
-                  <a:rPr lang="pt-BR" dirty="0" smtClean="0"/>
-                  <a:t>.</a:t>
+                  <a:t> decresce de acordo com as iterações, então a regra tem uma chance de convergir para uma solução de erro mínimo quando os exemplos são apresentados de forma aleatória.</a:t>
                 </a:r>
               </a:p>
               <a:p>
                 <a:r>
-                  <a:rPr lang="pt-BR" dirty="0" smtClean="0"/>
+                  <a:rPr lang="pt-BR" dirty="0"/>
                   <a:t>Podemos também usar o </a:t>
                 </a:r>
                 <a:r>
-                  <a:rPr lang="pt-BR" b="1" i="1" dirty="0" smtClean="0"/>
+                  <a:rPr lang="pt-BR" b="1" i="1" dirty="0"/>
                   <a:t>early-stop</a:t>
                 </a:r>
                 <a:r>
-                  <a:rPr lang="pt-BR" dirty="0" smtClean="0"/>
+                  <a:rPr lang="pt-BR" dirty="0"/>
                   <a:t> e utilizar os </a:t>
                 </a:r>
                 <a:r>
-                  <a:rPr lang="pt-BR" b="1" i="1" dirty="0" smtClean="0"/>
+                  <a:rPr lang="pt-BR" b="1" i="1" dirty="0"/>
                   <a:t>pesos</a:t>
                 </a:r>
                 <a:r>
-                  <a:rPr lang="pt-BR" dirty="0" smtClean="0"/>
+                  <a:rPr lang="pt-BR" dirty="0"/>
                   <a:t> que resultaram no menor erro de validação.</a:t>
                 </a:r>
-                <a:endParaRPr lang="pt-BR" dirty="0"/>
               </a:p>
             </p:txBody>
           </p:sp>
@@ -5130,7 +6278,7 @@
           <a:lstStyle/>
           <a:p>
             <a:r>
-              <a:rPr lang="pt-BR" sz="1600" dirty="0" smtClean="0">
+              <a:rPr lang="pt-BR" sz="1600" dirty="0">
                 <a:hlinkClick r:id="rId4"/>
               </a:rPr>
               <a:t>Exemplo: classificador_linear_com_limiar_rigido.ipynb</a:t>
@@ -5149,13 +6297,6 @@
   <p:clrMapOvr>
     <a:masterClrMapping/>
   </p:clrMapOvr>
-  <p:timing>
-    <p:tnLst>
-      <p:par>
-        <p:cTn id="1" dur="indefinite" restart="never" nodeType="tmRoot"/>
-      </p:par>
-    </p:tnLst>
-  </p:timing>
 </p:sld>
 </file>
 
@@ -5198,8 +6339,8 @@
           </a:p>
         </p:txBody>
       </p:sp>
-      <mc:AlternateContent xmlns:mc="http://schemas.openxmlformats.org/markup-compatibility/2006" xmlns:a14="http://schemas.microsoft.com/office/drawing/2010/main">
-        <mc:Choice Requires="a14">
+      <mc:AlternateContent xmlns:mc="http://schemas.openxmlformats.org/markup-compatibility/2006">
+        <mc:Choice xmlns:a14="http://schemas.microsoft.com/office/drawing/2010/main" Requires="a14">
           <p:sp>
             <p:nvSpPr>
               <p:cNvPr id="3" name="Content Placeholder 2"/>
@@ -5223,44 +6364,60 @@
               <a:lstStyle/>
               <a:p>
                 <a:r>
-                  <a:rPr lang="pt-BR" dirty="0" smtClean="0"/>
+                  <a:rPr lang="pt-BR" dirty="0"/>
                   <a:t>Outro problema com classificadores que usam </a:t>
                 </a:r>
                 <a:r>
-                  <a:rPr lang="pt-BR" b="1" i="1" dirty="0" smtClean="0"/>
+                  <a:rPr lang="pt-BR" b="1" i="1" dirty="0"/>
                   <a:t>limiar de decisão rígido </a:t>
                 </a:r>
                 <a:r>
-                  <a:rPr lang="pt-BR" dirty="0" smtClean="0"/>
-                  <a:t>é a falta de informação sobre a confiança do classificador quanto a um resultado.</a:t>
+                  <a:rPr lang="pt-BR" dirty="0"/>
+                  <a:t>é a falta de informação sobre a </a:t>
+                </a:r>
+                <a:r>
+                  <a:rPr lang="pt-BR" b="1" i="1" dirty="0"/>
+                  <a:t>confiança</a:t>
+                </a:r>
+                <a:r>
+                  <a:rPr lang="pt-BR" dirty="0"/>
+                  <a:t> do classificador quanto a um resultado.</a:t>
                 </a:r>
               </a:p>
               <a:p>
                 <a:r>
-                  <a:rPr lang="pt-BR" dirty="0" smtClean="0"/>
+                  <a:rPr lang="pt-BR" dirty="0"/>
                   <a:t>No exemplo ao lado, dois exemplos estão bem próximos da </a:t>
                 </a:r>
                 <a:r>
-                  <a:rPr lang="pt-BR" b="1" i="1" dirty="0" smtClean="0"/>
+                  <a:rPr lang="pt-BR" b="1" i="1" dirty="0"/>
                   <a:t>fronteira de decisão </a:t>
                 </a:r>
                 <a:r>
-                  <a:rPr lang="pt-BR" dirty="0" smtClean="0"/>
+                  <a:rPr lang="pt-BR" dirty="0"/>
                   <a:t>enquanto outros dois estão bem distantes dela.</a:t>
                 </a:r>
               </a:p>
               <a:p>
                 <a:r>
-                  <a:rPr lang="pt-BR" dirty="0" smtClean="0"/>
+                  <a:rPr lang="pt-BR" dirty="0"/>
                   <a:t>O classificador com </a:t>
                 </a:r>
                 <a:r>
-                  <a:rPr lang="pt-BR" b="1" i="1" dirty="0" smtClean="0"/>
+                  <a:rPr lang="pt-BR" b="1" i="1" dirty="0"/>
                   <a:t>limiar rígido</a:t>
                 </a:r>
                 <a:r>
-                  <a:rPr lang="pt-BR" dirty="0" smtClean="0"/>
-                  <a:t>, faria uma previsão completamente confiante pelo valor 1 para os dois pontos azuis e 0 para os dois triângulos vermelhos, mesmo eles tendo valores bem diferentes de </a:t>
+                  <a:rPr lang="pt-BR" dirty="0"/>
+                  <a:t>, faria uma previsão </a:t>
+                </a:r>
+                <a:r>
+                  <a:rPr lang="pt-BR" b="1" i="1" dirty="0"/>
+                  <a:t>completamente confiante </a:t>
+                </a:r>
+                <a:r>
+                  <a:rPr lang="pt-BR" dirty="0"/>
+                  <a:t>pelo valor 1 para os dois pontos azuis e 0 para os dois triângulos vermelhos, mesmo eles tendo valores bem diferentes de </a:t>
                 </a:r>
                 <a14:m>
                   <m:oMath xmlns:m="http://schemas.openxmlformats.org/officeDocument/2006/math">
@@ -5291,29 +6448,20 @@
                   </m:oMath>
                 </a14:m>
                 <a:r>
-                  <a:rPr lang="pt-BR" dirty="0" smtClean="0"/>
+                  <a:rPr lang="pt-BR" dirty="0"/>
                   <a:t>.</a:t>
                 </a:r>
               </a:p>
               <a:p>
                 <a:r>
-                  <a:rPr lang="pt-BR" dirty="0" smtClean="0"/>
-                  <a:t>Em </a:t>
-                </a:r>
-                <a:r>
-                  <a:rPr lang="pt-BR" dirty="0"/>
-                  <a:t>muitas situações, nós precisamos de previsões mais graduadas, que indiquem incertezas quanto à classificação</a:t>
-                </a:r>
-                <a:r>
-                  <a:rPr lang="pt-BR" dirty="0" smtClean="0"/>
-                  <a:t>.</a:t>
-                </a:r>
-                <a:endParaRPr lang="pt-BR" dirty="0"/>
+                  <a:rPr lang="pt-BR" dirty="0"/>
+                  <a:t>Em muitas situações, nós precisamos de previsões mais graduadas, que indiquem incertezas quanto à classificação.</a:t>
+                </a:r>
               </a:p>
             </p:txBody>
           </p:sp>
         </mc:Choice>
-        <mc:Fallback xmlns="">
+        <mc:Fallback>
           <p:sp>
             <p:nvSpPr>
               <p:cNvPr id="3" name="Content Placeholder 2"/>
@@ -5329,7 +6477,7 @@
                 <a:off x="838199" y="1825624"/>
                 <a:ext cx="7785295" cy="5032376"/>
               </a:xfrm>
-              <a:blipFill rotWithShape="0">
+              <a:blipFill>
                 <a:blip r:embed="rId2"/>
                 <a:stretch>
                   <a:fillRect l="-1174" t="-2421"/>
@@ -5380,8 +6528,8 @@
           </a:prstGeom>
         </p:spPr>
       </p:pic>
-      <mc:AlternateContent xmlns:mc="http://schemas.openxmlformats.org/markup-compatibility/2006" xmlns:a14="http://schemas.microsoft.com/office/drawing/2010/main">
-        <mc:Choice Requires="a14">
+      <mc:AlternateContent xmlns:mc="http://schemas.openxmlformats.org/markup-compatibility/2006">
+        <mc:Choice xmlns:a14="http://schemas.microsoft.com/office/drawing/2010/main" Requires="a14">
           <p:sp>
             <p:nvSpPr>
               <p:cNvPr id="9" name="TextBox 8"/>
@@ -5409,16 +6557,24 @@
                   <a:buChar char="•"/>
                 </a:pPr>
                 <a:r>
-                  <a:rPr lang="pt-BR" sz="1600" dirty="0" smtClean="0"/>
+                  <a:rPr lang="pt-BR" sz="1600" dirty="0"/>
                   <a:t>Os pontos distantes da </a:t>
                 </a:r>
                 <a:r>
-                  <a:rPr lang="pt-BR" sz="1600" b="1" i="1" dirty="0" smtClean="0"/>
+                  <a:rPr lang="pt-BR" sz="1600" b="1" i="1" dirty="0"/>
                   <a:t>fronteira de decisão </a:t>
                 </a:r>
                 <a:r>
-                  <a:rPr lang="pt-BR" sz="1600" dirty="0" smtClean="0"/>
-                  <a:t>têm valores absolutos de </a:t>
+                  <a:rPr lang="pt-BR" sz="1600" dirty="0"/>
+                  <a:t>têm valores </a:t>
+                </a:r>
+                <a:r>
+                  <a:rPr lang="pt-BR" sz="1600" b="1" i="1" dirty="0"/>
+                  <a:t>absolutos</a:t>
+                </a:r>
+                <a:r>
+                  <a:rPr lang="pt-BR" sz="1600" dirty="0"/>
+                  <a:t> de </a:t>
                 </a:r>
                 <a14:m>
                   <m:oMath xmlns:m="http://schemas.openxmlformats.org/officeDocument/2006/math">
@@ -5448,7 +6604,7 @@
                   </m:oMath>
                 </a14:m>
                 <a:r>
-                  <a:rPr lang="pt-BR" sz="1600" dirty="0" smtClean="0"/>
+                  <a:rPr lang="pt-BR" sz="1600" dirty="0"/>
                   <a:t> bem maiores do que os dos pontos próximos, os quais têm valores de </a:t>
                 </a:r>
                 <a14:m>
@@ -5480,7 +6636,7 @@
                   </m:oMath>
                 </a14:m>
                 <a:r>
-                  <a:rPr lang="pt-BR" sz="1600" dirty="0" smtClean="0"/>
+                  <a:rPr lang="pt-BR" sz="1600" dirty="0"/>
                   <a:t> muito próximos de 0. </a:t>
                 </a:r>
               </a:p>
@@ -5490,7 +6646,7 @@
                   <a:buChar char="•"/>
                 </a:pPr>
                 <a:r>
-                  <a:rPr lang="pt-BR" sz="1600" dirty="0" smtClean="0"/>
+                  <a:rPr lang="pt-BR" sz="1600" dirty="0"/>
                   <a:t>Ou seja, a confiança deveria ser maior para pontos distantes da fronteira.</a:t>
                 </a:r>
               </a:p>
@@ -5500,15 +6656,14 @@
                   <a:buChar char="•"/>
                 </a:pPr>
                 <a:r>
-                  <a:rPr lang="pt-BR" sz="1600" dirty="0" smtClean="0"/>
+                  <a:rPr lang="pt-BR" sz="1600" dirty="0"/>
                   <a:t>Porém, isso não é refletido na saída do classificador com limiar rígido.</a:t>
                 </a:r>
-                <a:endParaRPr lang="pt-BR" sz="1600" dirty="0"/>
               </a:p>
             </p:txBody>
           </p:sp>
         </mc:Choice>
-        <mc:Fallback xmlns="">
+        <mc:Fallback>
           <p:sp>
             <p:nvSpPr>
               <p:cNvPr id="9" name="TextBox 8"/>
@@ -5525,7 +6680,7 @@
               <a:prstGeom prst="rect">
                 <a:avLst/>
               </a:prstGeom>
-              <a:blipFill rotWithShape="0">
+              <a:blipFill>
                 <a:blip r:embed="rId4"/>
                 <a:stretch>
                   <a:fillRect l="-632" t="-792" b="-2375"/>
@@ -5557,13 +6712,6 @@
   <p:clrMapOvr>
     <a:masterClrMapping/>
   </p:clrMapOvr>
-  <p:timing>
-    <p:tnLst>
-      <p:par>
-        <p:cTn id="1" dur="indefinite" restart="never" nodeType="tmRoot"/>
-      </p:par>
-    </p:tnLst>
-  </p:timing>
 </p:sld>
 </file>
 
@@ -5600,10 +6748,9 @@
           <a:lstStyle/>
           <a:p>
             <a:r>
-              <a:rPr lang="pt-BR" dirty="0" smtClean="0"/>
+              <a:rPr lang="pt-BR" dirty="0"/>
               <a:t>Tarefas</a:t>
             </a:r>
-            <a:endParaRPr lang="pt-BR" dirty="0"/>
           </a:p>
         </p:txBody>
       </p:sp>
@@ -5623,47 +6770,39 @@
           <a:lstStyle/>
           <a:p>
             <a:r>
-              <a:rPr lang="pt-BR" b="1" dirty="0" smtClean="0"/>
+              <a:rPr lang="pt-BR" b="1" dirty="0"/>
               <a:t>Quiz</a:t>
             </a:r>
             <a:r>
-              <a:rPr lang="pt-BR" dirty="0" smtClean="0"/>
+              <a:rPr lang="pt-BR" dirty="0"/>
               <a:t>: “</a:t>
             </a:r>
             <a:r>
-              <a:rPr lang="pt-BR" i="1" dirty="0" smtClean="0"/>
-              <a:t>T320 </a:t>
-            </a:r>
-            <a:r>
               <a:rPr lang="pt-BR" i="1" dirty="0"/>
-              <a:t>- Quiz -</a:t>
-            </a:r>
-            <a:r>
-              <a:rPr lang="pt-BR" i="1" dirty="0" smtClean="0"/>
-              <a:t> Classificação (Parte II)</a:t>
-            </a:r>
-            <a:r>
-              <a:rPr lang="pt-BR" dirty="0" smtClean="0"/>
+              <a:t>T320 - Quiz - Classificação (Parte II)</a:t>
+            </a:r>
+            <a:r>
+              <a:rPr lang="pt-BR" dirty="0"/>
               <a:t>” que se encontra no MS Teams.</a:t>
             </a:r>
           </a:p>
           <a:p>
             <a:r>
-              <a:rPr lang="pt-BR" b="1" dirty="0" smtClean="0"/>
+              <a:rPr lang="pt-BR" b="1" dirty="0"/>
               <a:t>Exercício Prático</a:t>
             </a:r>
             <a:r>
-              <a:rPr lang="pt-BR" dirty="0" smtClean="0"/>
+              <a:rPr lang="pt-BR" dirty="0"/>
               <a:t>: </a:t>
             </a:r>
             <a:r>
-              <a:rPr lang="pt-BR" b="1" dirty="0" smtClean="0">
+              <a:rPr lang="pt-BR" b="1" dirty="0">
                 <a:hlinkClick r:id="rId3"/>
               </a:rPr>
               <a:t>Laboratório #2</a:t>
             </a:r>
             <a:r>
-              <a:rPr lang="pt-BR" dirty="0" smtClean="0"/>
+              <a:rPr lang="pt-BR" dirty="0"/>
               <a:t>.</a:t>
             </a:r>
           </a:p>
@@ -5696,37 +6835,13 @@
           </a:p>
           <a:p>
             <a:pPr lvl="1"/>
-            <a:r>
-              <a:rPr lang="pt-BR" b="1" dirty="0" smtClean="0">
-                <a:solidFill>
-                  <a:srgbClr val="FF0000"/>
-                </a:solidFill>
-              </a:rPr>
-              <a:t>Atividades podem </a:t>
-            </a:r>
             <a:r>
               <a:rPr lang="pt-BR" b="1" dirty="0">
                 <a:solidFill>
                   <a:srgbClr val="FF0000"/>
                 </a:solidFill>
               </a:rPr>
-              <a:t>ser </a:t>
-            </a:r>
-            <a:r>
-              <a:rPr lang="pt-BR" b="1" dirty="0" smtClean="0">
-                <a:solidFill>
-                  <a:srgbClr val="FF0000"/>
-                </a:solidFill>
-              </a:rPr>
-              <a:t>feitas </a:t>
-            </a:r>
-            <a:r>
-              <a:rPr lang="pt-BR" b="1" dirty="0">
-                <a:solidFill>
-                  <a:srgbClr val="FF0000"/>
-                </a:solidFill>
-              </a:rPr>
-              <a:t>em grupo, mas as entregas devem ser individuais.</a:t>
+              <a:t>Atividades podem ser feitas em grupo, mas as entregas devem ser individuais.</a:t>
             </a:r>
           </a:p>
         </p:txBody>
@@ -5741,13 +6856,6 @@
   <p:clrMapOvr>
     <a:masterClrMapping/>
   </p:clrMapOvr>
-  <p:timing>
-    <p:tnLst>
-      <p:par>
-        <p:cTn id="1" dur="indefinite" restart="never" nodeType="tmRoot"/>
-      </p:par>
-    </p:tnLst>
-  </p:timing>
 </p:sld>
 </file>
 
@@ -5773,7 +6881,7 @@
           <p:cNvPr id="4" name="Título 1">
             <a:extLst>
               <a:ext uri="{FF2B5EF4-FFF2-40B4-BE49-F238E27FC236}">
-                <a16:creationId xmlns="" xmlns:a16="http://schemas.microsoft.com/office/drawing/2014/main" id="{32666AC8-2E17-4DB4-B0F5-60C640CCFD2E}"/>
+                <a16:creationId xmlns:a16="http://schemas.microsoft.com/office/drawing/2014/main" id="{32666AC8-2E17-4DB4-B0F5-60C640CCFD2E}"/>
               </a:ext>
             </a:extLst>
           </p:cNvPr>
@@ -5817,7 +6925,7 @@
           <a:p>
             <a:pPr algn="ctr"/>
             <a:r>
-              <a:rPr lang="pt-BR" sz="6600" dirty="0" smtClean="0"/>
+              <a:rPr lang="pt-BR" sz="6600" dirty="0"/>
               <a:t>Obrigado!</a:t>
             </a:r>
             <a:endParaRPr lang="pt-BR" sz="6600" b="1" i="1" dirty="0"/>
@@ -5834,13 +6942,6 @@
   <p:clrMapOvr>
     <a:masterClrMapping/>
   </p:clrMapOvr>
-  <p:timing>
-    <p:tnLst>
-      <p:par>
-        <p:cTn id="1" dur="indefinite" restart="never" nodeType="tmRoot"/>
-      </p:par>
-    </p:tnLst>
-  </p:timing>
 </p:sld>
 </file>
 
@@ -7225,10 +8326,9 @@
             <a:p>
               <a:pPr algn="ctr"/>
               <a:r>
-                <a:rPr lang="pt-BR" sz="1400" dirty="0" smtClean="0"/>
+                <a:rPr lang="pt-BR" sz="1400" dirty="0"/>
                 <a:t>Qual a certeza destas classificações?</a:t>
               </a:r>
-              <a:endParaRPr lang="pt-BR" sz="1400" dirty="0"/>
             </a:p>
           </p:txBody>
         </p:sp>
@@ -7746,15 +8846,15 @@
           <a:lstStyle/>
           <a:p>
             <a:r>
-              <a:rPr lang="pt-BR" dirty="0" smtClean="0"/>
+              <a:rPr lang="pt-BR" dirty="0"/>
               <a:t>Anteriormente, vimos exemplos de uso de algoritmos de </a:t>
             </a:r>
             <a:r>
-              <a:rPr lang="pt-BR" b="1" i="1" dirty="0" smtClean="0"/>
+              <a:rPr lang="pt-BR" b="1" i="1" dirty="0"/>
               <a:t>classificação</a:t>
             </a:r>
             <a:r>
-              <a:rPr lang="pt-BR" dirty="0" smtClean="0"/>
+              <a:rPr lang="pt-BR" dirty="0"/>
               <a:t>.</a:t>
             </a:r>
           </a:p>
@@ -7764,7 +8864,7 @@
               <a:buChar char="§"/>
             </a:pPr>
             <a:r>
-              <a:rPr lang="pt-BR" dirty="0" smtClean="0"/>
+              <a:rPr lang="pt-BR" dirty="0"/>
               <a:t>Detecção de spams.</a:t>
             </a:r>
           </a:p>
@@ -7774,7 +8874,7 @@
               <a:buChar char="§"/>
             </a:pPr>
             <a:r>
-              <a:rPr lang="pt-BR" dirty="0" smtClean="0"/>
+              <a:rPr lang="pt-BR" dirty="0"/>
               <a:t>Análise de sentimentos.</a:t>
             </a:r>
           </a:p>
@@ -7784,41 +8884,41 @@
               <a:buChar char="§"/>
             </a:pPr>
             <a:r>
-              <a:rPr lang="pt-BR" dirty="0" smtClean="0"/>
+              <a:rPr lang="pt-BR" dirty="0"/>
               <a:t>Reconhecimento de dígitos.</a:t>
             </a:r>
           </a:p>
           <a:p>
             <a:r>
-              <a:rPr lang="pt-BR" dirty="0" smtClean="0"/>
+              <a:rPr lang="pt-BR" dirty="0"/>
               <a:t>Definimos o problema da classificação e concluímos que ele também é um problema de </a:t>
             </a:r>
             <a:r>
-              <a:rPr lang="pt-BR" b="1" i="1" dirty="0" smtClean="0"/>
+              <a:rPr lang="pt-BR" b="1" i="1" dirty="0"/>
               <a:t>aprendizado supervisionado</a:t>
             </a:r>
             <a:r>
-              <a:rPr lang="pt-BR" dirty="0" smtClean="0"/>
+              <a:rPr lang="pt-BR" dirty="0"/>
               <a:t>.</a:t>
             </a:r>
           </a:p>
           <a:p>
             <a:r>
-              <a:rPr lang="pt-BR" dirty="0" smtClean="0"/>
+              <a:rPr lang="pt-BR" dirty="0"/>
               <a:t>Aprendemos que as classes são separadas através de </a:t>
             </a:r>
             <a:r>
-              <a:rPr lang="pt-BR" b="1" i="1" dirty="0" smtClean="0"/>
+              <a:rPr lang="pt-BR" b="1" i="1" dirty="0"/>
               <a:t>funções discriminantes </a:t>
             </a:r>
             <a:r>
-              <a:rPr lang="pt-BR" dirty="0" smtClean="0"/>
+              <a:rPr lang="pt-BR" dirty="0"/>
               <a:t>e que o desafio é encontrar uma função adequada e os pesos correspondentes.</a:t>
             </a:r>
           </a:p>
           <a:p>
             <a:r>
-              <a:rPr lang="pt-BR" dirty="0" smtClean="0"/>
+              <a:rPr lang="pt-BR" dirty="0"/>
               <a:t>A partir da aula de hoje, começamos a discutir como encontrar os pesos.</a:t>
             </a:r>
           </a:p>
@@ -7906,12 +9006,8 @@
               <a:lstStyle/>
               <a:p>
                 <a:r>
-                  <a:rPr lang="pt-BR" dirty="0" smtClean="0"/>
-                  <a:t>Como vimos, </a:t>
-                </a:r>
-                <a:r>
-                  <a:rPr lang="pt-BR" dirty="0"/>
-                  <a:t>o objetivo da </a:t>
+                  <a:rPr lang="pt-BR" dirty="0"/>
+                  <a:t>Como vimos, o objetivo da </a:t>
                 </a:r>
                 <a:r>
                   <a:rPr lang="pt-BR" b="1" i="1" dirty="0"/>
@@ -7953,14 +9049,10 @@
                 </a:r>
                 <a:r>
                   <a:rPr lang="pt-BR" b="1" i="1" dirty="0"/>
-                  <a:t>função </a:t>
-                </a:r>
-                <a:r>
-                  <a:rPr lang="pt-BR" b="1" i="1" dirty="0" smtClean="0"/>
-                  <a:t>discriminante</a:t>
-                </a:r>
-                <a:r>
-                  <a:rPr lang="pt-BR" dirty="0" smtClean="0"/>
+                  <a:t>função discriminante</a:t>
+                </a:r>
+                <a:r>
+                  <a:rPr lang="pt-BR" dirty="0"/>
                   <a:t> </a:t>
                 </a:r>
                 <a:r>
@@ -8371,10 +9463,9 @@
                   </m:oMath>
                 </a14:m>
                 <a:r>
-                  <a:rPr lang="pt-BR" dirty="0" smtClean="0"/>
+                  <a:rPr lang="pt-BR" dirty="0"/>
                   <a:t>,</a:t>
                 </a:r>
-                <a:endParaRPr lang="pt-BR" dirty="0"/>
               </a:p>
               <a:p>
                 <a:pPr marL="0" indent="0">
@@ -8382,11 +9473,7 @@
                 </a:pPr>
                 <a:r>
                   <a:rPr lang="pt-BR" dirty="0"/>
-                  <a:t>o</a:t>
-                </a:r>
-                <a:r>
-                  <a:rPr lang="pt-BR" dirty="0" smtClean="0"/>
-                  <a:t>nde </a:t>
+                  <a:t>onde </a:t>
                 </a:r>
                 <a14:m>
                   <m:oMath xmlns:m="http://schemas.openxmlformats.org/officeDocument/2006/math">
@@ -8447,7 +9534,7 @@
                   <a:t>função hipótese de classificação</a:t>
                 </a:r>
                 <a:r>
-                  <a:rPr lang="pt-BR" dirty="0" smtClean="0"/>
+                  <a:rPr lang="pt-BR" dirty="0"/>
                   <a:t>, </a:t>
                 </a:r>
                 <a14:m>
@@ -8600,14 +9687,10 @@
                 </a:r>
                 <a:r>
                   <a:rPr lang="pt-BR" b="1" i="1" dirty="0"/>
-                  <a:t>função de limiar de </a:t>
-                </a:r>
-                <a:r>
-                  <a:rPr lang="pt-BR" b="1" i="1" dirty="0" smtClean="0"/>
-                  <a:t>decisão</a:t>
-                </a:r>
-                <a:r>
-                  <a:rPr lang="pt-BR" dirty="0" smtClean="0"/>
+                  <a:t>função de limiar de decisão</a:t>
+                </a:r>
+                <a:r>
+                  <a:rPr lang="pt-BR" dirty="0"/>
                   <a:t>.</a:t>
                 </a:r>
               </a:p>
@@ -8617,31 +9700,19 @@
                   <a:buChar char="§"/>
                 </a:pPr>
                 <a:r>
-                  <a:rPr lang="pt-BR" b="1" i="1" dirty="0" smtClean="0"/>
-                  <a:t>Função </a:t>
-                </a:r>
-                <a:r>
                   <a:rPr lang="pt-BR" b="1" i="1" dirty="0"/>
-                  <a:t>de limiar de decisão </a:t>
-                </a:r>
-                <a:r>
-                  <a:rPr lang="pt-BR" dirty="0" smtClean="0"/>
-                  <a:t>é </a:t>
-                </a:r>
-                <a:r>
-                  <a:rPr lang="pt-BR" dirty="0"/>
-                  <a:t>uma função que converte a saída da </a:t>
+                  <a:t>Função de limiar de decisão </a:t>
+                </a:r>
+                <a:r>
+                  <a:rPr lang="pt-BR" dirty="0"/>
+                  <a:t>é uma função que converte a saída da </a:t>
                 </a:r>
                 <a:r>
                   <a:rPr lang="pt-BR" b="1" i="1" dirty="0"/>
-                  <a:t>função </a:t>
-                </a:r>
-                <a:r>
-                  <a:rPr lang="pt-BR" b="1" i="1" dirty="0" smtClean="0"/>
-                  <a:t>discriminante</a:t>
-                </a:r>
-                <a:r>
-                  <a:rPr lang="pt-BR" dirty="0" smtClean="0"/>
+                  <a:t>função discriminante</a:t>
+                </a:r>
+                <a:r>
+                  <a:rPr lang="pt-BR" dirty="0"/>
                   <a:t> </a:t>
                 </a:r>
                 <a:r>
@@ -8689,15 +9760,7 @@
                 </a14:m>
                 <a:r>
                   <a:rPr lang="pt-BR" dirty="0"/>
-                  <a:t> </a:t>
-                </a:r>
-                <a:r>
-                  <a:rPr lang="pt-BR" dirty="0" smtClean="0"/>
-                  <a:t>(produto escalar), </a:t>
-                </a:r>
-                <a:r>
-                  <a:rPr lang="pt-BR" dirty="0"/>
-                  <a:t>na saída desejada, ou seja, na classe </a:t>
+                  <a:t> (produto escalar), na saída desejada, ou seja, na classe </a:t>
                 </a:r>
                 <a14:m>
                   <m:oMath xmlns:m="http://schemas.openxmlformats.org/officeDocument/2006/math">
@@ -8753,16 +9816,8 @@
                   </m:oMath>
                 </a14:m>
                 <a:r>
-                  <a:rPr lang="pt-BR" dirty="0" smtClean="0"/>
-                  <a:t>, </a:t>
-                </a:r>
-                <a:r>
-                  <a:rPr lang="pt-BR" dirty="0"/>
-                  <a:t>do objeto</a:t>
-                </a:r>
-                <a:r>
-                  <a:rPr lang="pt-BR" dirty="0" smtClean="0"/>
-                  <a:t>.</a:t>
+                  <a:rPr lang="pt-BR" dirty="0"/>
+                  <a:t>, do objeto.</a:t>
                 </a:r>
               </a:p>
               <a:p>
@@ -8771,37 +9826,37 @@
                   <a:buChar char="§"/>
                 </a:pPr>
                 <a:r>
-                  <a:rPr lang="pt-BR" dirty="0" smtClean="0"/>
+                  <a:rPr lang="pt-BR" dirty="0"/>
                   <a:t>Ela é apenas uma formalização matemática para os </a:t>
                 </a:r>
                 <a:r>
-                  <a:rPr lang="pt-BR" b="1" i="1" dirty="0" smtClean="0"/>
+                  <a:rPr lang="pt-BR" b="1" i="1" dirty="0"/>
                   <a:t>if</a:t>
                 </a:r>
                 <a:r>
-                  <a:rPr lang="pt-BR" dirty="0" smtClean="0"/>
+                  <a:rPr lang="pt-BR" dirty="0"/>
                   <a:t>s e </a:t>
                 </a:r>
                 <a:r>
-                  <a:rPr lang="pt-BR" b="1" i="1" dirty="0" smtClean="0"/>
+                  <a:rPr lang="pt-BR" b="1" i="1" dirty="0"/>
                   <a:t>else</a:t>
                 </a:r>
                 <a:r>
-                  <a:rPr lang="pt-BR" dirty="0" smtClean="0"/>
+                  <a:rPr lang="pt-BR" dirty="0"/>
                   <a:t>s que usamos para definir as classes.</a:t>
                 </a:r>
               </a:p>
               <a:p>
                 <a:r>
-                  <a:rPr lang="pt-BR" dirty="0" smtClean="0"/>
+                  <a:rPr lang="pt-BR" dirty="0"/>
                   <a:t>Originalmente, as </a:t>
                 </a:r>
                 <a:r>
-                  <a:rPr lang="pt-BR" b="1" i="1" dirty="0" smtClean="0"/>
+                  <a:rPr lang="pt-BR" b="1" i="1" dirty="0"/>
                   <a:t>funções discriminantes </a:t>
                 </a:r>
                 <a:r>
-                  <a:rPr lang="pt-BR" dirty="0" smtClean="0"/>
+                  <a:rPr lang="pt-BR" dirty="0"/>
                   <a:t>são formadas por equações de hiperplanos: </a:t>
                 </a:r>
                 <a14:m>
@@ -8902,7 +9957,7 @@
                   </m:oMath>
                 </a14:m>
                 <a:r>
-                  <a:rPr lang="pt-BR" dirty="0" smtClean="0"/>
+                  <a:rPr lang="pt-BR" dirty="0"/>
                   <a:t>.</a:t>
                 </a:r>
               </a:p>
@@ -8957,13 +10012,6 @@
   <p:clrMapOvr>
     <a:masterClrMapping/>
   </p:clrMapOvr>
-  <p:timing>
-    <p:tnLst>
-      <p:par>
-        <p:cTn id="1" dur="indefinite" restart="never" nodeType="tmRoot"/>
-      </p:par>
-    </p:tnLst>
-  </p:timing>
 </p:sld>
 </file>
 
@@ -9036,7 +10084,7 @@
               <a:lstStyle/>
               <a:p>
                 <a:r>
-                  <a:rPr lang="pt-BR" dirty="0" smtClean="0"/>
+                  <a:rPr lang="pt-BR" dirty="0"/>
                   <a:t>Dado um </a:t>
                 </a:r>
                 <a:r>
@@ -9072,16 +10120,12 @@
                   <a:t> </a:t>
                 </a:r>
                 <a:r>
-                  <a:rPr lang="pt-BR" b="1" i="1" dirty="0" smtClean="0"/>
+                  <a:rPr lang="pt-BR" b="1" i="1" dirty="0"/>
                   <a:t>hipótese de classificação</a:t>
                 </a:r>
                 <a:r>
-                  <a:rPr lang="pt-BR" dirty="0" smtClean="0"/>
-                  <a:t>,</a:t>
-                </a:r>
-                <a:r>
-                  <a:rPr lang="pt-BR" dirty="0"/>
-                  <a:t> </a:t>
+                  <a:rPr lang="pt-BR" dirty="0"/>
+                  <a:t>, </a:t>
                 </a:r>
                 <a14:m>
                   <m:oMath xmlns:m="http://schemas.openxmlformats.org/officeDocument/2006/math">
@@ -9130,28 +10174,8 @@
                   </m:oMath>
                 </a14:m>
                 <a:r>
-                  <a:rPr lang="pt-BR" dirty="0" smtClean="0"/>
-                  <a:t>, </a:t>
-                </a:r>
-                <a:r>
-                  <a:rPr lang="pt-BR" dirty="0"/>
-                  <a:t>que </a:t>
-                </a:r>
-                <a:r>
-                  <a:rPr lang="pt-BR" dirty="0" smtClean="0"/>
-                  <a:t>recebe </a:t>
-                </a:r>
-                <a:r>
-                  <a:rPr lang="pt-BR" dirty="0"/>
-                  <a:t>um </a:t>
-                </a:r>
-                <a:r>
-                  <a:rPr lang="pt-BR" dirty="0" smtClean="0"/>
-                  <a:t>exemplo </a:t>
-                </a:r>
-                <a:r>
-                  <a:rPr lang="pt-BR" dirty="0"/>
-                  <a:t>(e.g., </a:t>
+                  <a:rPr lang="pt-BR" dirty="0"/>
+                  <a:t>, que recebe um exemplo (e.g., </a:t>
                 </a:r>
                 <a14:m>
                   <m:oMath xmlns:m="http://schemas.openxmlformats.org/officeDocument/2006/math">
@@ -9217,28 +10241,24 @@
                 </a14:m>
                 <a:r>
                   <a:rPr lang="pt-BR" dirty="0"/>
-                  <a:t>) e </a:t>
-                </a:r>
-                <a:r>
-                  <a:rPr lang="pt-BR" dirty="0" smtClean="0"/>
-                  <a:t>retorna a classe do exemplo.</a:t>
+                  <a:t>) e retorna a classe do exemplo.</a:t>
                 </a:r>
               </a:p>
               <a:p>
                 <a:r>
-                  <a:rPr lang="pt-BR" b="1" i="1" dirty="0" smtClean="0"/>
+                  <a:rPr lang="pt-BR" b="1" i="1" dirty="0"/>
                   <a:t>Classificadores binários </a:t>
                 </a:r>
                 <a:r>
-                  <a:rPr lang="pt-BR" dirty="0" smtClean="0"/>
+                  <a:rPr lang="pt-BR" dirty="0"/>
                   <a:t>têm como saída o valor </a:t>
                 </a:r>
                 <a:r>
-                  <a:rPr lang="pt-BR" b="1" i="1" dirty="0" smtClean="0"/>
+                  <a:rPr lang="pt-BR" b="1" i="1" dirty="0"/>
                   <a:t>0</a:t>
                 </a:r>
                 <a:r>
-                  <a:rPr lang="pt-BR" dirty="0" smtClean="0"/>
+                  <a:rPr lang="pt-BR" dirty="0"/>
                   <a:t> caso o exemplo pertença à classe </a:t>
                 </a:r>
                 <a14:m>
@@ -9272,19 +10292,11 @@
                 </a14:m>
                 <a:r>
                   <a:rPr lang="pt-BR" dirty="0"/>
-                  <a:t> </a:t>
-                </a:r>
-                <a:r>
-                  <a:rPr lang="pt-BR" dirty="0" smtClean="0"/>
-                  <a:t>(</a:t>
-                </a:r>
-                <a:r>
-                  <a:rPr lang="pt-BR" b="1" i="1" dirty="0" smtClean="0"/>
-                  <a:t>classe </a:t>
+                  <a:t> (</a:t>
                 </a:r>
                 <a:r>
                   <a:rPr lang="pt-BR" b="1" i="1" dirty="0"/>
-                  <a:t>negativa</a:t>
+                  <a:t>classe negativa</a:t>
                 </a:r>
                 <a:r>
                   <a:rPr lang="pt-BR" dirty="0"/>
@@ -9296,11 +10308,7 @@
                 </a:r>
                 <a:r>
                   <a:rPr lang="pt-BR" dirty="0"/>
-                  <a:t> caso </a:t>
-                </a:r>
-                <a:r>
-                  <a:rPr lang="pt-BR" dirty="0" smtClean="0"/>
-                  <a:t>ele pertença à classe </a:t>
+                  <a:t> caso ele pertença à classe </a:t>
                 </a:r>
                 <a14:m>
                   <m:oMath xmlns:m="http://schemas.openxmlformats.org/officeDocument/2006/math">
@@ -9336,16 +10344,12 @@
                   <a:t> </a:t>
                 </a:r>
                 <a:r>
-                  <a:rPr lang="pt-BR" dirty="0" smtClean="0"/>
+                  <a:rPr lang="pt-BR" dirty="0"/>
                   <a:t>(</a:t>
                 </a:r>
                 <a:r>
-                  <a:rPr lang="pt-BR" b="1" i="1" dirty="0" smtClean="0"/>
-                  <a:t>classe </a:t>
-                </a:r>
-                <a:r>
                   <a:rPr lang="pt-BR" b="1" i="1" dirty="0"/>
-                  <a:t>positiva</a:t>
+                  <a:t>classe positiva</a:t>
                 </a:r>
                 <a:r>
                   <a:rPr lang="pt-BR" dirty="0"/>
@@ -9354,85 +10358,45 @@
               </a:p>
               <a:p>
                 <a:r>
-                  <a:rPr lang="pt-BR" dirty="0" smtClean="0"/>
-                  <a:t>Para </a:t>
-                </a:r>
-                <a:r>
-                  <a:rPr lang="pt-BR" dirty="0"/>
-                  <a:t>que </a:t>
-                </a:r>
-                <a:r>
-                  <a:rPr lang="pt-BR" dirty="0" smtClean="0"/>
-                  <a:t>um </a:t>
-                </a:r>
-                <a:r>
-                  <a:rPr lang="pt-BR" b="1" i="1" dirty="0" smtClean="0"/>
+                  <a:rPr lang="pt-BR" dirty="0"/>
+                  <a:t>Para que um </a:t>
+                </a:r>
+                <a:r>
+                  <a:rPr lang="pt-BR" b="1" i="1" dirty="0"/>
                   <a:t>classificador linear </a:t>
                 </a:r>
                 <a:r>
-                  <a:rPr lang="pt-BR" dirty="0" smtClean="0"/>
-                  <a:t>funcione </a:t>
-                </a:r>
-                <a:r>
-                  <a:rPr lang="pt-BR" dirty="0"/>
-                  <a:t>corretamente, as duas classes </a:t>
-                </a:r>
-                <a:r>
-                  <a:rPr lang="pt-BR" dirty="0" smtClean="0"/>
-                  <a:t>devem </a:t>
-                </a:r>
-                <a:r>
-                  <a:rPr lang="pt-BR" dirty="0"/>
-                  <a:t>ser </a:t>
+                  <a:rPr lang="pt-BR" dirty="0"/>
+                  <a:t>funcione corretamente, as duas classes devem ser </a:t>
                 </a:r>
                 <a:r>
                   <a:rPr lang="pt-BR" b="1" i="1" dirty="0"/>
                   <a:t>linearmente separáveis</a:t>
                 </a:r>
                 <a:r>
-                  <a:rPr lang="pt-BR" dirty="0" smtClean="0"/>
+                  <a:rPr lang="pt-BR" dirty="0"/>
                   <a:t>.</a:t>
                 </a:r>
               </a:p>
               <a:p>
                 <a:r>
-                  <a:rPr lang="pt-BR" dirty="0" smtClean="0"/>
-                  <a:t>Isso significa </a:t>
-                </a:r>
-                <a:r>
-                  <a:rPr lang="pt-BR" dirty="0"/>
-                  <a:t>que </a:t>
-                </a:r>
-                <a:r>
-                  <a:rPr lang="pt-BR" dirty="0" smtClean="0"/>
-                  <a:t>as classes devem </a:t>
-                </a:r>
-                <a:r>
-                  <a:rPr lang="pt-BR" dirty="0"/>
-                  <a:t>ser </a:t>
+                  <a:rPr lang="pt-BR" dirty="0"/>
+                  <a:t>Isso significa que as classes devem ser </a:t>
                 </a:r>
                 <a:r>
                   <a:rPr lang="pt-BR" b="1" i="1" dirty="0"/>
-                  <a:t>suficientemente </a:t>
-                </a:r>
-                <a:r>
-                  <a:rPr lang="pt-BR" b="1" i="1" dirty="0" smtClean="0"/>
-                  <a:t>separadas </a:t>
-                </a:r>
-                <a:r>
-                  <a:rPr lang="pt-BR" dirty="0" smtClean="0"/>
-                  <a:t>umas das outras </a:t>
-                </a:r>
-                <a:r>
-                  <a:rPr lang="pt-BR" dirty="0"/>
-                  <a:t>para garantir que a </a:t>
+                  <a:t>suficientemente separadas </a:t>
+                </a:r>
+                <a:r>
+                  <a:rPr lang="pt-BR" dirty="0"/>
+                  <a:t>umas das outras para garantir que a </a:t>
                 </a:r>
                 <a:r>
                   <a:rPr lang="pt-BR" b="1" i="1" dirty="0"/>
                   <a:t>superfície de decisão </a:t>
                 </a:r>
                 <a:r>
-                  <a:rPr lang="pt-BR" dirty="0" smtClean="0"/>
+                  <a:rPr lang="pt-BR" dirty="0"/>
                   <a:t>consista de um </a:t>
                 </a:r>
                 <a:r>
@@ -9440,44 +10404,36 @@
                   <a:t>hiperplano</a:t>
                 </a:r>
                 <a:r>
-                  <a:rPr lang="pt-BR" dirty="0" smtClean="0"/>
+                  <a:rPr lang="pt-BR" dirty="0"/>
                   <a:t>.</a:t>
                 </a:r>
               </a:p>
               <a:p>
                 <a:r>
-                  <a:rPr lang="pt-BR" dirty="0" smtClean="0"/>
+                  <a:rPr lang="pt-BR" dirty="0"/>
                   <a:t>Classes que podem ser separadas por um </a:t>
                 </a:r>
                 <a:r>
-                  <a:rPr lang="pt-BR" b="1" i="1" dirty="0" smtClean="0"/>
+                  <a:rPr lang="pt-BR" b="1" i="1" dirty="0"/>
                   <a:t>hiperplano</a:t>
                 </a:r>
                 <a:r>
-                  <a:rPr lang="pt-BR" dirty="0" smtClean="0"/>
+                  <a:rPr lang="pt-BR" dirty="0"/>
                   <a:t> são chamadas de </a:t>
                 </a:r>
                 <a:r>
-                  <a:rPr lang="pt-BR" b="1" i="1" dirty="0" smtClean="0"/>
+                  <a:rPr lang="pt-BR" b="1" i="1" dirty="0"/>
                   <a:t>linearmente separáveis</a:t>
                 </a:r>
                 <a:r>
-                  <a:rPr lang="pt-BR" dirty="0" smtClean="0"/>
+                  <a:rPr lang="pt-BR" dirty="0"/>
                   <a:t>.</a:t>
                 </a:r>
               </a:p>
               <a:p>
                 <a:r>
                   <a:rPr lang="pt-BR" dirty="0"/>
-                  <a:t>Na </a:t>
-                </a:r>
-                <a:r>
-                  <a:rPr lang="pt-BR" dirty="0" smtClean="0"/>
-                  <a:t>primeira figura, </a:t>
-                </a:r>
-                <a:r>
-                  <a:rPr lang="pt-BR" dirty="0"/>
-                  <a:t>a </a:t>
+                  <a:t>Na primeira figura, a </a:t>
                 </a:r>
                 <a:r>
                   <a:rPr lang="pt-BR" b="1" i="1" dirty="0"/>
@@ -9496,11 +10452,11 @@
                   <a:t>que é uma </a:t>
                 </a:r>
                 <a:r>
-                  <a:rPr lang="pt-BR" b="1" dirty="0" smtClean="0"/>
+                  <a:rPr lang="pt-BR" b="1" dirty="0"/>
                   <a:t>reta</a:t>
                 </a:r>
                 <a:r>
-                  <a:rPr lang="pt-BR" dirty="0" smtClean="0"/>
+                  <a:rPr lang="pt-BR" dirty="0"/>
                   <a:t>: </a:t>
                 </a:r>
                 <a14:m>
@@ -9593,24 +10549,23 @@
                   </m:oMath>
                 </a14:m>
                 <a:r>
-                  <a:rPr lang="pt-BR" dirty="0" smtClean="0"/>
+                  <a:rPr lang="pt-BR" dirty="0"/>
                   <a:t>.</a:t>
                 </a:r>
               </a:p>
               <a:p>
                 <a:r>
-                  <a:rPr lang="pt-BR" dirty="0" smtClean="0"/>
+                  <a:rPr lang="pt-BR" dirty="0"/>
                   <a:t>Na segunda figura, devido à proximidade das classes, não existe um </a:t>
                 </a:r>
                 <a:r>
-                  <a:rPr lang="pt-BR" b="1" i="1" dirty="0" smtClean="0"/>
+                  <a:rPr lang="pt-BR" b="1" i="1" dirty="0"/>
                   <a:t>hiperplano</a:t>
                 </a:r>
                 <a:r>
-                  <a:rPr lang="pt-BR" dirty="0" smtClean="0"/>
+                  <a:rPr lang="pt-BR" dirty="0"/>
                   <a:t> que as separe.</a:t>
                 </a:r>
-                <a:endParaRPr lang="pt-BR" dirty="0"/>
               </a:p>
             </p:txBody>
           </p:sp>
@@ -9677,26 +10632,25 @@
           <a:p>
             <a:pPr algn="ctr"/>
             <a:r>
-              <a:rPr lang="pt-BR" sz="1100" dirty="0" smtClean="0"/>
+              <a:rPr lang="pt-BR" sz="1100" dirty="0"/>
               <a:t>Frontreira de decisão, onde </a:t>
             </a:r>
             <a:r>
-              <a:rPr lang="pt-BR" sz="1100" i="1" dirty="0" smtClean="0"/>
+              <a:rPr lang="pt-BR" sz="1100" i="1" dirty="0"/>
               <a:t>g</a:t>
             </a:r>
             <a:r>
-              <a:rPr lang="pt-BR" sz="1100" dirty="0" smtClean="0"/>
+              <a:rPr lang="pt-BR" sz="1100" dirty="0"/>
               <a:t>(</a:t>
             </a:r>
             <a:r>
-              <a:rPr lang="pt-BR" sz="1100" b="1" i="1" dirty="0" smtClean="0"/>
+              <a:rPr lang="pt-BR" sz="1100" b="1" i="1" dirty="0"/>
               <a:t>x</a:t>
             </a:r>
             <a:r>
-              <a:rPr lang="pt-BR" sz="1100" dirty="0" smtClean="0"/>
+              <a:rPr lang="pt-BR" sz="1100" dirty="0"/>
               <a:t>) = 0</a:t>
             </a:r>
-            <a:endParaRPr lang="pt-BR" sz="1100" dirty="0"/>
           </a:p>
         </p:txBody>
       </p:sp>
@@ -9782,22 +10736,21 @@
           <a:p>
             <a:pPr algn="ctr"/>
             <a:r>
-              <a:rPr lang="pt-BR" sz="1100" i="1" dirty="0" smtClean="0"/>
+              <a:rPr lang="pt-BR" sz="1100" i="1" dirty="0"/>
               <a:t>g</a:t>
             </a:r>
             <a:r>
-              <a:rPr lang="pt-BR" sz="1100" dirty="0" smtClean="0"/>
+              <a:rPr lang="pt-BR" sz="1100" dirty="0"/>
               <a:t>(</a:t>
             </a:r>
             <a:r>
-              <a:rPr lang="pt-BR" sz="1100" b="1" i="1" dirty="0" smtClean="0"/>
+              <a:rPr lang="pt-BR" sz="1100" b="1" i="1" dirty="0"/>
               <a:t>x</a:t>
             </a:r>
             <a:r>
-              <a:rPr lang="pt-BR" sz="1100" dirty="0" smtClean="0"/>
+              <a:rPr lang="pt-BR" sz="1100" dirty="0"/>
               <a:t>) &gt; 0</a:t>
             </a:r>
-            <a:endParaRPr lang="pt-BR" sz="1100" dirty="0"/>
           </a:p>
         </p:txBody>
       </p:sp>
@@ -9866,30 +10819,21 @@
           <a:p>
             <a:pPr algn="ctr"/>
             <a:r>
-              <a:rPr lang="pt-BR" sz="1100" i="1" dirty="0" smtClean="0"/>
+              <a:rPr lang="pt-BR" sz="1100" i="1" dirty="0"/>
               <a:t>g</a:t>
             </a:r>
             <a:r>
-              <a:rPr lang="pt-BR" sz="1100" dirty="0" smtClean="0"/>
+              <a:rPr lang="pt-BR" sz="1100" dirty="0"/>
               <a:t>(</a:t>
             </a:r>
             <a:r>
-              <a:rPr lang="pt-BR" sz="1100" b="1" i="1" dirty="0" smtClean="0"/>
+              <a:rPr lang="pt-BR" sz="1100" b="1" i="1" dirty="0"/>
               <a:t>x</a:t>
             </a:r>
             <a:r>
-              <a:rPr lang="pt-BR" sz="1100" dirty="0" smtClean="0"/>
-              <a:t>) </a:t>
-            </a:r>
-            <a:r>
               <a:rPr lang="pt-BR" sz="1100" dirty="0"/>
-              <a:t>&lt;</a:t>
-            </a:r>
-            <a:r>
-              <a:rPr lang="pt-BR" sz="1100" dirty="0" smtClean="0"/>
-              <a:t> 0</a:t>
-            </a:r>
-            <a:endParaRPr lang="pt-BR" sz="1100" dirty="0"/>
+              <a:t>) &lt; 0</a:t>
+            </a:r>
           </a:p>
         </p:txBody>
       </p:sp>
@@ -9917,10 +10861,9 @@
           <a:p>
             <a:pPr algn="ctr"/>
             <a:r>
-              <a:rPr lang="pt-BR" sz="1600" dirty="0" smtClean="0"/>
+              <a:rPr lang="pt-BR" sz="1600" dirty="0"/>
               <a:t>Classes linearmente separáveis.</a:t>
             </a:r>
-            <a:endParaRPr lang="pt-BR" sz="1600" dirty="0"/>
           </a:p>
         </p:txBody>
       </p:sp>
@@ -9948,10 +10891,9 @@
           <a:p>
             <a:pPr algn="ctr"/>
             <a:r>
-              <a:rPr lang="pt-BR" sz="1600" dirty="0" smtClean="0"/>
+              <a:rPr lang="pt-BR" sz="1600" dirty="0"/>
               <a:t>Classes não-linearmente separáveis.</a:t>
             </a:r>
-            <a:endParaRPr lang="pt-BR" sz="1600" dirty="0"/>
           </a:p>
         </p:txBody>
       </p:sp>
@@ -9965,13 +10907,6 @@
   <p:clrMapOvr>
     <a:masterClrMapping/>
   </p:clrMapOvr>
-  <p:timing>
-    <p:tnLst>
-      <p:par>
-        <p:cTn id="1" dur="indefinite" restart="never" nodeType="tmRoot"/>
-      </p:par>
-    </p:tnLst>
-  </p:timing>
 </p:sld>
 </file>
 
@@ -10053,15 +10988,7 @@
                 </a:r>
                 <a:r>
                   <a:rPr lang="pt-BR" dirty="0"/>
-                  <a:t>é </a:t>
-                </a:r>
-                <a:r>
-                  <a:rPr lang="pt-BR" dirty="0" smtClean="0"/>
-                  <a:t>usada </a:t>
-                </a:r>
-                <a:r>
-                  <a:rPr lang="pt-BR" dirty="0"/>
-                  <a:t>quando as classes podem ser separadas por </a:t>
+                  <a:t>é usada quando as classes podem ser separadas por </a:t>
                 </a:r>
                 <a:r>
                   <a:rPr lang="pt-BR" b="1" i="1" dirty="0"/>
@@ -10220,11 +11147,7 @@
               <a:p>
                 <a:r>
                   <a:rPr lang="pt-BR" dirty="0"/>
-                  <a:t>Nestes casos, </a:t>
-                </a:r>
-                <a:r>
-                  <a:rPr lang="pt-BR" dirty="0" smtClean="0"/>
-                  <a:t>usamos </a:t>
+                  <a:t>Nestes casos, usamos </a:t>
                 </a:r>
                 <a:r>
                   <a:rPr lang="pt-BR" b="1" i="1" dirty="0"/>
@@ -11026,27 +11949,15 @@
                 </a:r>
                 <a:r>
                   <a:rPr lang="pt-BR" b="1" i="1" dirty="0"/>
-                  <a:t>classificadores </a:t>
-                </a:r>
-                <a:r>
-                  <a:rPr lang="pt-BR" b="1" i="1" dirty="0" smtClean="0"/>
-                  <a:t>não-lineares </a:t>
-                </a:r>
-                <a:r>
-                  <a:rPr lang="pt-BR" dirty="0" smtClean="0"/>
+                  <a:t>classificadores não-lineares </a:t>
+                </a:r>
+                <a:r>
+                  <a:rPr lang="pt-BR" dirty="0"/>
                   <a:t>através de uma  </a:t>
                 </a:r>
                 <a:r>
                   <a:rPr lang="pt-BR" b="1" i="1" dirty="0"/>
-                  <a:t>transformação d</a:t>
-                </a:r>
-                <a:r>
-                  <a:rPr lang="pt-BR" b="1" i="1" dirty="0" smtClean="0"/>
-                  <a:t>os </a:t>
-                </a:r>
-                <a:r>
-                  <a:rPr lang="pt-BR" b="1" i="1" dirty="0"/>
-                  <a:t>atributos</a:t>
+                  <a:t>transformação dos atributos</a:t>
                 </a:r>
                 <a:r>
                   <a:rPr lang="pt-BR" dirty="0"/>
@@ -11541,10 +12452,9 @@
                   <a:t>mudança dos eixos</a:t>
                 </a:r>
                 <a:r>
-                  <a:rPr lang="pt-BR" dirty="0" smtClean="0"/>
+                  <a:rPr lang="pt-BR" dirty="0"/>
                   <a:t>.</a:t>
                 </a:r>
-                <a:endParaRPr lang="pt-BR" dirty="0"/>
               </a:p>
             </p:txBody>
           </p:sp>
@@ -11638,12 +12548,8 @@
           <a:lstStyle/>
           <a:p>
             <a:r>
-              <a:rPr lang="pt-BR" dirty="0" smtClean="0"/>
-              <a:t>Limiar </a:t>
-            </a:r>
-            <a:r>
               <a:rPr lang="pt-BR" dirty="0"/>
-              <a:t>de decisão rígido</a:t>
+              <a:t>Limiar de decisão rígido</a:t>
             </a:r>
           </a:p>
         </p:txBody>
@@ -11673,19 +12579,15 @@
               <a:lstStyle/>
               <a:p>
                 <a:r>
-                  <a:rPr lang="pt-BR" dirty="0" smtClean="0"/>
-                  <a:t>Para </a:t>
-                </a:r>
-                <a:r>
-                  <a:rPr lang="pt-BR" dirty="0"/>
-                  <a:t>o exemplo ao lado, podemos definir a </a:t>
+                  <a:rPr lang="pt-BR" dirty="0"/>
+                  <a:t>Para o exemplo ao lado, podemos definir a </a:t>
                 </a:r>
                 <a:r>
                   <a:rPr lang="pt-BR" b="1" i="1" dirty="0"/>
                   <a:t>função hipótese de classificação </a:t>
                 </a:r>
                 <a:r>
-                  <a:rPr lang="pt-BR" dirty="0" smtClean="0"/>
+                  <a:rPr lang="pt-BR" dirty="0"/>
                   <a:t>como</a:t>
                 </a:r>
               </a:p>
@@ -12021,39 +12923,35 @@
                     </m:oMath>
                   </m:oMathPara>
                 </a14:m>
-                <a:endParaRPr lang="pt-BR" b="1" dirty="0" smtClean="0">
+                <a:endParaRPr lang="pt-BR" b="1" dirty="0">
                   <a:ea typeface="Cambria Math" panose="02040503050406030204" pitchFamily="18" charset="0"/>
                 </a:endParaRPr>
               </a:p>
               <a:p>
                 <a:r>
-                  <a:rPr lang="pt-BR" dirty="0" smtClean="0"/>
+                  <a:rPr lang="pt-BR" dirty="0"/>
                   <a:t>Percebam que a saída da </a:t>
                 </a:r>
                 <a:r>
                   <a:rPr lang="pt-BR" b="1" i="1" dirty="0"/>
-                  <a:t>função </a:t>
-                </a:r>
-                <a:r>
-                  <a:rPr lang="pt-BR" b="1" i="1" dirty="0" smtClean="0"/>
-                  <a:t>hipótese</a:t>
-                </a:r>
-                <a:r>
-                  <a:rPr lang="pt-BR" dirty="0" smtClean="0"/>
+                  <a:t>função hipótese</a:t>
+                </a:r>
+                <a:r>
+                  <a:rPr lang="pt-BR" dirty="0"/>
                   <a:t> é </a:t>
                 </a:r>
                 <a:r>
-                  <a:rPr lang="pt-BR" b="1" i="1" dirty="0" smtClean="0"/>
+                  <a:rPr lang="pt-BR" b="1" i="1" dirty="0"/>
                   <a:t>binária</a:t>
                 </a:r>
                 <a:r>
-                  <a:rPr lang="pt-BR" dirty="0" smtClean="0"/>
+                  <a:rPr lang="pt-BR" dirty="0"/>
                   <a:t>, ou seja, temos apenas 2 possíveis valores, 0 ou 1.</a:t>
                 </a:r>
               </a:p>
               <a:p>
                 <a:r>
-                  <a:rPr lang="pt-BR" dirty="0" smtClean="0"/>
+                  <a:rPr lang="pt-BR" dirty="0"/>
                   <a:t>O mapeamento entre o valor da função discriminante, </a:t>
                 </a:r>
                 <a14:m>
@@ -12084,15 +12982,15 @@
                   </m:oMath>
                 </a14:m>
                 <a:r>
-                  <a:rPr lang="pt-BR" dirty="0" smtClean="0"/>
+                  <a:rPr lang="pt-BR" dirty="0"/>
                   <a:t>, e a saída 0 ou 1 é feito através da </a:t>
                 </a:r>
                 <a:r>
-                  <a:rPr lang="pt-BR" b="1" i="1" dirty="0" smtClean="0"/>
+                  <a:rPr lang="pt-BR" b="1" i="1" dirty="0"/>
                   <a:t>função de limiar de decisão</a:t>
                 </a:r>
                 <a:r>
-                  <a:rPr lang="pt-BR" dirty="0" smtClean="0"/>
+                  <a:rPr lang="pt-BR" dirty="0"/>
                   <a:t>, </a:t>
                 </a:r>
                 <a14:m>
@@ -12141,21 +13039,21 @@
                   </m:oMath>
                 </a14:m>
                 <a:r>
-                  <a:rPr lang="pt-BR" dirty="0" smtClean="0"/>
+                  <a:rPr lang="pt-BR" dirty="0"/>
                   <a:t>.</a:t>
                 </a:r>
               </a:p>
               <a:p>
                 <a:r>
-                  <a:rPr lang="pt-BR" dirty="0" smtClean="0"/>
+                  <a:rPr lang="pt-BR" dirty="0"/>
                   <a:t>Uma </a:t>
                 </a:r>
                 <a:r>
-                  <a:rPr lang="pt-BR" b="1" i="1" dirty="0" smtClean="0"/>
+                  <a:rPr lang="pt-BR" b="1" i="1" dirty="0"/>
                   <a:t>função de limiar de decisão</a:t>
                 </a:r>
                 <a:r>
-                  <a:rPr lang="pt-BR" dirty="0" smtClean="0"/>
+                  <a:rPr lang="pt-BR" dirty="0"/>
                   <a:t> que faça o mapeamento do valor de </a:t>
                 </a:r>
                 <a14:m>
@@ -12186,23 +13084,15 @@
                   </m:oMath>
                 </a14:m>
                 <a:r>
-                  <a:rPr lang="pt-BR" dirty="0" smtClean="0"/>
+                  <a:rPr lang="pt-BR" dirty="0"/>
                   <a:t> em apenas 2 valores é chamada de </a:t>
                 </a:r>
                 <a:r>
-                  <a:rPr lang="pt-BR" b="1" i="1" dirty="0" smtClean="0"/>
-                  <a:t>função de limiar </a:t>
-                </a:r>
-                <a:r>
                   <a:rPr lang="pt-BR" b="1" i="1" dirty="0"/>
-                  <a:t>de decisão </a:t>
-                </a:r>
-                <a:r>
-                  <a:rPr lang="pt-BR" b="1" i="1" dirty="0" smtClean="0"/>
-                  <a:t>rígido</a:t>
-                </a:r>
-                <a:r>
-                  <a:rPr lang="pt-BR" dirty="0" smtClean="0"/>
+                  <a:t>função de limiar de decisão rígido</a:t>
+                </a:r>
+                <a:r>
+                  <a:rPr lang="pt-BR" dirty="0"/>
                   <a:t>.</a:t>
                 </a:r>
               </a:p>
@@ -12213,19 +13103,11 @@
                 </a:r>
                 <a:r>
                   <a:rPr lang="pt-BR" b="1" i="1" dirty="0"/>
-                  <a:t>função de limiar </a:t>
-                </a:r>
-                <a:r>
-                  <a:rPr lang="pt-BR" b="1" i="1" dirty="0" smtClean="0"/>
-                  <a:t>de decisão rígido </a:t>
-                </a:r>
-                <a:r>
-                  <a:rPr lang="pt-BR" dirty="0"/>
-                  <a:t>é mostrada na figura ao </a:t>
-                </a:r>
-                <a:r>
-                  <a:rPr lang="pt-BR" dirty="0" smtClean="0"/>
-                  <a:t>lado e é definda como</a:t>
+                  <a:t>função de limiar de decisão rígido </a:t>
+                </a:r>
+                <a:r>
+                  <a:rPr lang="pt-BR" dirty="0"/>
+                  <a:t>é mostrada na figura ao lado e é definda como</a:t>
                 </a:r>
               </a:p>
               <a:p>
@@ -12386,16 +13268,16 @@
                     </m:oMath>
                   </m:oMathPara>
                 </a14:m>
-                <a:endParaRPr lang="pt-BR" dirty="0" smtClean="0"/>
+                <a:endParaRPr lang="pt-BR" dirty="0"/>
               </a:p>
               <a:p>
                 <a:pPr marL="0" indent="0">
                   <a:buNone/>
                 </a:pPr>
-                <a:endParaRPr lang="pt-BR" dirty="0" smtClean="0"/>
+                <a:endParaRPr lang="pt-BR" dirty="0"/>
               </a:p>
               <a:p>
-                <a:endParaRPr lang="pt-BR" dirty="0" smtClean="0"/>
+                <a:endParaRPr lang="pt-BR" dirty="0"/>
               </a:p>
             </p:txBody>
           </p:sp>
@@ -12476,26 +13358,25 @@
             <a:p>
               <a:pPr algn="ctr"/>
               <a:r>
-                <a:rPr lang="pt-BR" sz="1100" dirty="0" smtClean="0"/>
+                <a:rPr lang="pt-BR" sz="1100" dirty="0"/>
                 <a:t>Frontreira de decisão, onde </a:t>
               </a:r>
               <a:r>
-                <a:rPr lang="pt-BR" sz="1100" i="1" dirty="0" smtClean="0"/>
+                <a:rPr lang="pt-BR" sz="1100" i="1" dirty="0"/>
                 <a:t>g</a:t>
               </a:r>
               <a:r>
-                <a:rPr lang="pt-BR" sz="1100" dirty="0" smtClean="0"/>
+                <a:rPr lang="pt-BR" sz="1100" dirty="0"/>
                 <a:t>(</a:t>
               </a:r>
               <a:r>
-                <a:rPr lang="pt-BR" sz="1100" b="1" i="1" dirty="0" smtClean="0"/>
+                <a:rPr lang="pt-BR" sz="1100" b="1" i="1" dirty="0"/>
                 <a:t>x</a:t>
               </a:r>
               <a:r>
-                <a:rPr lang="pt-BR" sz="1100" dirty="0" smtClean="0"/>
+                <a:rPr lang="pt-BR" sz="1100" dirty="0"/>
                 <a:t>) = 0</a:t>
               </a:r>
-              <a:endParaRPr lang="pt-BR" sz="1100" dirty="0"/>
             </a:p>
           </p:txBody>
         </p:sp>
@@ -12611,22 +13492,21 @@
               <a:p>
                 <a:pPr algn="ctr"/>
                 <a:r>
-                  <a:rPr lang="pt-BR" sz="1100" i="1" dirty="0" smtClean="0"/>
+                  <a:rPr lang="pt-BR" sz="1100" i="1" dirty="0"/>
                   <a:t>g</a:t>
                 </a:r>
                 <a:r>
-                  <a:rPr lang="pt-BR" sz="1100" dirty="0" smtClean="0"/>
+                  <a:rPr lang="pt-BR" sz="1100" dirty="0"/>
                   <a:t>(</a:t>
                 </a:r>
                 <a:r>
-                  <a:rPr lang="pt-BR" sz="1100" b="1" i="1" dirty="0" smtClean="0"/>
+                  <a:rPr lang="pt-BR" sz="1100" b="1" i="1" dirty="0"/>
                   <a:t>x</a:t>
                 </a:r>
                 <a:r>
-                  <a:rPr lang="pt-BR" sz="1100" dirty="0" smtClean="0"/>
+                  <a:rPr lang="pt-BR" sz="1100" dirty="0"/>
                   <a:t>) ≥ 0</a:t>
                 </a:r>
-                <a:endParaRPr lang="pt-BR" sz="1100" dirty="0"/>
               </a:p>
             </p:txBody>
           </p:sp>
@@ -12654,30 +13534,21 @@
               <a:p>
                 <a:pPr algn="ctr"/>
                 <a:r>
-                  <a:rPr lang="pt-BR" sz="1100" i="1" dirty="0" smtClean="0"/>
+                  <a:rPr lang="pt-BR" sz="1100" i="1" dirty="0"/>
                   <a:t>g</a:t>
                 </a:r>
                 <a:r>
-                  <a:rPr lang="pt-BR" sz="1100" dirty="0" smtClean="0"/>
+                  <a:rPr lang="pt-BR" sz="1100" dirty="0"/>
                   <a:t>(</a:t>
                 </a:r>
                 <a:r>
-                  <a:rPr lang="pt-BR" sz="1100" b="1" i="1" dirty="0" smtClean="0"/>
+                  <a:rPr lang="pt-BR" sz="1100" b="1" i="1" dirty="0"/>
                   <a:t>x</a:t>
                 </a:r>
                 <a:r>
-                  <a:rPr lang="pt-BR" sz="1100" dirty="0" smtClean="0"/>
-                  <a:t>) </a:t>
-                </a:r>
-                <a:r>
                   <a:rPr lang="pt-BR" sz="1100" dirty="0"/>
-                  <a:t>&lt;</a:t>
-                </a:r>
-                <a:r>
-                  <a:rPr lang="pt-BR" sz="1100" dirty="0" smtClean="0"/>
-                  <a:t> 0</a:t>
-                </a:r>
-                <a:endParaRPr lang="pt-BR" sz="1100" dirty="0"/>
+                  <a:t>) &lt; 0</a:t>
+                </a:r>
               </a:p>
             </p:txBody>
           </p:sp>
@@ -12767,10 +13638,9 @@
           <a:p>
             <a:pPr algn="ctr"/>
             <a:r>
-              <a:rPr lang="pt-BR" sz="1600" b="1" dirty="0" smtClean="0"/>
+              <a:rPr lang="pt-BR" sz="1600" b="1" dirty="0"/>
               <a:t>Função heaviside</a:t>
             </a:r>
-            <a:endParaRPr lang="pt-BR" sz="1600" b="1" dirty="0"/>
           </a:p>
         </p:txBody>
       </p:sp>
@@ -12798,14 +13668,13 @@
           <a:p>
             <a:pPr algn="ctr"/>
             <a:r>
-              <a:rPr lang="pt-BR" sz="1600" dirty="0" smtClean="0"/>
+              <a:rPr lang="pt-BR" sz="1600" dirty="0"/>
               <a:t>Conhecida também como </a:t>
             </a:r>
             <a:r>
-              <a:rPr lang="pt-BR" sz="1600" b="1" i="1" dirty="0" smtClean="0"/>
+              <a:rPr lang="pt-BR" sz="1600" b="1" i="1" dirty="0"/>
               <a:t>função heaviside.</a:t>
             </a:r>
-            <a:endParaRPr lang="pt-BR" sz="1600" b="1" i="1" dirty="0"/>
           </a:p>
         </p:txBody>
       </p:sp>
@@ -12891,12 +13760,8 @@
           <a:lstStyle/>
           <a:p>
             <a:r>
-              <a:rPr lang="pt-BR" dirty="0" smtClean="0"/>
-              <a:t>Classificação com </a:t>
-            </a:r>
-            <a:r>
               <a:rPr lang="pt-BR" dirty="0"/>
-              <a:t>limiar de decisão rígido</a:t>
+              <a:t>Classificação com limiar de decisão rígido</a:t>
             </a:r>
           </a:p>
         </p:txBody>
@@ -12926,19 +13791,19 @@
               <a:lstStyle/>
               <a:p>
                 <a:r>
-                  <a:rPr lang="pt-BR" dirty="0" smtClean="0"/>
+                  <a:rPr lang="pt-BR" dirty="0"/>
                   <a:t>Agora que a </a:t>
                 </a:r>
                 <a:r>
-                  <a:rPr lang="pt-BR" b="1" i="1" dirty="0" smtClean="0"/>
+                  <a:rPr lang="pt-BR" b="1" i="1" dirty="0"/>
                   <a:t>função hipótese</a:t>
                 </a:r>
                 <a:r>
-                  <a:rPr lang="pt-BR" dirty="0" smtClean="0"/>
+                  <a:rPr lang="pt-BR" dirty="0"/>
                   <a:t>,</a:t>
                 </a:r>
                 <a:r>
-                  <a:rPr lang="pt-BR" b="1" i="1" dirty="0" smtClean="0"/>
+                  <a:rPr lang="pt-BR" b="1" i="1" dirty="0"/>
                   <a:t> </a:t>
                 </a:r>
                 <a14:m>
@@ -12988,15 +13853,15 @@
                   </m:oMath>
                 </a14:m>
                 <a:r>
-                  <a:rPr lang="pt-BR" dirty="0" smtClean="0"/>
+                  <a:rPr lang="pt-BR" dirty="0"/>
                   <a:t>,</a:t>
                 </a:r>
                 <a:r>
-                  <a:rPr lang="pt-BR" b="1" i="1" dirty="0" smtClean="0"/>
+                  <a:rPr lang="pt-BR" b="1" i="1" dirty="0"/>
                   <a:t> </a:t>
                 </a:r>
                 <a:r>
-                  <a:rPr lang="pt-BR" dirty="0" smtClean="0"/>
+                  <a:rPr lang="pt-BR" dirty="0"/>
                   <a:t>tem uma forma matemática bem definida, precisamos pensar em como encontrar os pesos, </a:t>
                 </a:r>
                 <a14:m>
@@ -13010,36 +13875,36 @@
                   </m:oMath>
                 </a14:m>
                 <a:r>
-                  <a:rPr lang="pt-BR" dirty="0" smtClean="0"/>
+                  <a:rPr lang="pt-BR" dirty="0"/>
                   <a:t>.</a:t>
                 </a:r>
-                <a:endParaRPr lang="pt-BR" b="1" i="1" dirty="0" smtClean="0"/>
+                <a:endParaRPr lang="pt-BR" b="1" i="1" dirty="0"/>
               </a:p>
               <a:p>
                 <a:r>
-                  <a:rPr lang="pt-BR" dirty="0" smtClean="0"/>
+                  <a:rPr lang="pt-BR" dirty="0"/>
                   <a:t>Nós queremos encontrá-los de tal forma que </a:t>
                 </a:r>
                 <a:r>
-                  <a:rPr lang="pt-BR" b="1" i="1" dirty="0" smtClean="0"/>
+                  <a:rPr lang="pt-BR" b="1" i="1" dirty="0"/>
                   <a:t>o erro de classificação seja minimizado</a:t>
                 </a:r>
                 <a:r>
-                  <a:rPr lang="pt-BR" dirty="0" smtClean="0"/>
+                  <a:rPr lang="pt-BR" dirty="0"/>
                   <a:t>, ou seja, que os exemplos sejam atribuídos às suas respectivas classes.</a:t>
                 </a:r>
               </a:p>
               <a:p>
                 <a:r>
-                  <a:rPr lang="pt-BR" dirty="0" smtClean="0"/>
+                  <a:rPr lang="pt-BR" dirty="0"/>
                   <a:t>No caso da </a:t>
                 </a:r>
                 <a:r>
-                  <a:rPr lang="pt-BR" b="1" i="1" dirty="0" smtClean="0"/>
+                  <a:rPr lang="pt-BR" b="1" i="1" dirty="0"/>
                   <a:t>regressão linear</a:t>
                 </a:r>
                 <a:r>
-                  <a:rPr lang="pt-BR" dirty="0" smtClean="0"/>
+                  <a:rPr lang="pt-BR" dirty="0"/>
                   <a:t>, nós fizemos isso de duas maneiras: </a:t>
                 </a:r>
               </a:p>
@@ -13049,15 +13914,15 @@
                   <a:buAutoNum type="romanLcPeriod"/>
                 </a:pPr>
                 <a:r>
-                  <a:rPr lang="pt-BR" dirty="0" smtClean="0"/>
+                  <a:rPr lang="pt-BR" dirty="0"/>
                   <a:t>de forma fechada (através da </a:t>
                 </a:r>
                 <a:r>
-                  <a:rPr lang="pt-BR" b="1" i="1" dirty="0" smtClean="0"/>
+                  <a:rPr lang="pt-BR" b="1" i="1" dirty="0"/>
                   <a:t>equação normal</a:t>
                 </a:r>
                 <a:r>
-                  <a:rPr lang="pt-BR" dirty="0" smtClean="0"/>
+                  <a:rPr lang="pt-BR" dirty="0"/>
                   <a:t>) fazendo a derivada parcial com relação aos pesos igual a zero e resolvendo a equação para os pesos;</a:t>
                 </a:r>
               </a:p>
@@ -13067,37 +13932,37 @@
                   <a:buAutoNum type="romanLcPeriod"/>
                 </a:pPr>
                 <a:r>
-                  <a:rPr lang="pt-BR" dirty="0" smtClean="0"/>
+                  <a:rPr lang="pt-BR" dirty="0"/>
                   <a:t>e através do algoritmo do </a:t>
                 </a:r>
                 <a:r>
-                  <a:rPr lang="pt-BR" b="1" i="1" dirty="0" smtClean="0"/>
+                  <a:rPr lang="pt-BR" b="1" i="1" dirty="0"/>
                   <a:t>gradiente descendente</a:t>
                 </a:r>
                 <a:r>
-                  <a:rPr lang="pt-BR" dirty="0" smtClean="0"/>
+                  <a:rPr lang="pt-BR" dirty="0"/>
                   <a:t>.</a:t>
                 </a:r>
               </a:p>
               <a:p>
                 <a:r>
-                  <a:rPr lang="pt-BR" dirty="0" smtClean="0"/>
+                  <a:rPr lang="pt-BR" dirty="0"/>
                   <a:t>Entretanto, com a </a:t>
                 </a:r>
                 <a:r>
-                  <a:rPr lang="pt-BR" b="1" i="1" dirty="0" smtClean="0"/>
+                  <a:rPr lang="pt-BR" b="1" i="1" dirty="0"/>
                   <a:t>função de limiar rígido</a:t>
                 </a:r>
                 <a:r>
-                  <a:rPr lang="pt-BR" dirty="0" smtClean="0"/>
+                  <a:rPr lang="pt-BR" dirty="0"/>
                   <a:t>, nenhuma das duas abordagens é possível devido a </a:t>
                 </a:r>
                 <a:r>
-                  <a:rPr lang="pt-BR" b="1" i="1" dirty="0" smtClean="0"/>
+                  <a:rPr lang="pt-BR" b="1" i="1" dirty="0"/>
                   <a:t>derivada</a:t>
                 </a:r>
                 <a:r>
-                  <a:rPr lang="pt-BR" dirty="0" smtClean="0"/>
+                  <a:rPr lang="pt-BR" dirty="0"/>
                   <a:t> de </a:t>
                 </a:r>
                 <a14:m>
@@ -13146,7 +14011,7 @@
                   </m:oMath>
                 </a14:m>
                 <a:r>
-                  <a:rPr lang="pt-BR" dirty="0" smtClean="0"/>
+                  <a:rPr lang="pt-BR" dirty="0"/>
                   <a:t>ser igual a zero em todos os pontos exceto em </a:t>
                 </a:r>
                 <a14:m>
@@ -13221,24 +14086,19 @@
                   </m:oMath>
                 </a14:m>
                 <a:r>
-                  <a:rPr lang="pt-BR" dirty="0" smtClean="0"/>
+                  <a:rPr lang="pt-BR" dirty="0"/>
                   <a:t>, onde ela é indeterminada.</a:t>
                 </a:r>
               </a:p>
               <a:p>
                 <a:r>
-                  <a:rPr lang="pt-BR" b="1" dirty="0" smtClean="0">
+                  <a:rPr lang="pt-BR" b="1" dirty="0">
                     <a:solidFill>
                       <a:srgbClr val="FF0000"/>
                     </a:solidFill>
                   </a:rPr>
                   <a:t>Portanto, o que podemos fazer?</a:t>
                 </a:r>
-                <a:endParaRPr lang="pt-BR" b="1" dirty="0">
-                  <a:solidFill>
-                    <a:srgbClr val="FF0000"/>
-                  </a:solidFill>
-                </a:endParaRPr>
               </a:p>
             </p:txBody>
           </p:sp>
@@ -13314,13 +14174,6 @@
   <p:clrMapOvr>
     <a:masterClrMapping/>
   </p:clrMapOvr>
-  <p:timing>
-    <p:tnLst>
-      <p:par>
-        <p:cTn id="1" dur="indefinite" restart="never" nodeType="tmRoot"/>
-      </p:par>
-    </p:tnLst>
-  </p:timing>
 </p:sld>
 </file>
 
@@ -13388,56 +14241,63 @@
               <a:lstStyle/>
               <a:p>
                 <a:r>
-                  <a:rPr lang="pt-BR" dirty="0" smtClean="0"/>
+                  <a:rPr lang="pt-BR" dirty="0"/>
                   <a:t>Uma possível abordagem para o problema da aprendizagem quando utilizamos um </a:t>
                 </a:r>
                 <a:r>
-                  <a:rPr lang="pt-BR" b="1" i="1" dirty="0" smtClean="0"/>
+                  <a:rPr lang="pt-BR" b="1" i="1" dirty="0"/>
                   <a:t>limiar de decisão rígido</a:t>
                 </a:r>
                 <a:r>
-                  <a:rPr lang="pt-BR" dirty="0" smtClean="0"/>
+                  <a:rPr lang="pt-BR" dirty="0"/>
                   <a:t> é utilizar uma </a:t>
                 </a:r>
                 <a:r>
-                  <a:rPr lang="pt-BR" b="1" i="1" dirty="0" smtClean="0"/>
+                  <a:rPr lang="pt-BR" b="1" i="1" dirty="0"/>
                   <a:t>regra intuitiva </a:t>
                 </a:r>
                 <a:r>
-                  <a:rPr lang="pt-BR" dirty="0" smtClean="0"/>
+                  <a:rPr lang="pt-BR" dirty="0"/>
                   <a:t>de atualização dos </a:t>
                 </a:r>
                 <a:r>
-                  <a:rPr lang="pt-BR" b="1" i="1" dirty="0" smtClean="0"/>
+                  <a:rPr lang="pt-BR" b="1" i="1" dirty="0"/>
                   <a:t>pesos</a:t>
                 </a:r>
                 <a:r>
-                  <a:rPr lang="pt-BR" dirty="0" smtClean="0"/>
+                  <a:rPr lang="pt-BR" dirty="0"/>
                   <a:t> que converge para uma solução </a:t>
                 </a:r>
                 <a:r>
-                  <a:rPr lang="pt-BR" b="1" i="1" dirty="0" smtClean="0"/>
+                  <a:rPr lang="pt-BR" b="1" i="1" dirty="0"/>
                   <a:t>dado que exista uma função discriminante adequada e que as classes não se sobreponham</a:t>
                 </a:r>
                 <a:r>
-                  <a:rPr lang="pt-BR" dirty="0" smtClean="0"/>
+                  <a:rPr lang="pt-BR" dirty="0"/>
                   <a:t>.</a:t>
                 </a:r>
               </a:p>
               <a:p>
                 <a:r>
-                  <a:rPr lang="pt-BR" dirty="0" smtClean="0"/>
-                  <a:t>A atualização dos </a:t>
-                </a:r>
-                <a:r>
-                  <a:rPr lang="pt-BR" b="1" i="1" dirty="0" smtClean="0"/>
+                  <a:rPr lang="pt-BR" dirty="0"/>
+                  <a:t>A </a:t>
+                </a:r>
+                <a:r>
+                  <a:rPr lang="pt-BR" b="1" i="1" dirty="0"/>
+                  <a:t>regra de atualização</a:t>
+                </a:r>
+                <a:r>
+                  <a:rPr lang="pt-BR" dirty="0"/>
+                  <a:t> dos </a:t>
+                </a:r>
+                <a:r>
+                  <a:rPr lang="pt-BR" b="1" i="1" dirty="0"/>
                   <a:t>pesos</a:t>
                 </a:r>
                 <a:r>
-                  <a:rPr lang="pt-BR" dirty="0" smtClean="0"/>
+                  <a:rPr lang="pt-BR" dirty="0"/>
                   <a:t> é dada pela seguinte equação</a:t>
                 </a:r>
-                <a:endParaRPr lang="pt-BR" dirty="0"/>
               </a:p>
               <a:p>
                 <a:pPr marL="0" indent="0" algn="ctr">
@@ -13644,7 +14504,7 @@
                     </m:oMath>
                   </m:oMathPara>
                 </a14:m>
-                <a:endParaRPr lang="pt-BR" dirty="0" smtClean="0"/>
+                <a:endParaRPr lang="pt-BR" dirty="0"/>
               </a:p>
               <a:p>
                 <a:pPr marL="0" indent="0">
@@ -13652,26 +14512,22 @@
                 </a:pPr>
                 <a:r>
                   <a:rPr lang="pt-BR" dirty="0"/>
-                  <a:t>a</a:t>
-                </a:r>
-                <a:r>
-                  <a:rPr lang="pt-BR" dirty="0" smtClean="0"/>
-                  <a:t> qual é essencialmente idêntica à regra de atualização para a </a:t>
-                </a:r>
-                <a:r>
-                  <a:rPr lang="pt-BR" b="1" i="1" dirty="0" smtClean="0"/>
+                  <a:t>a qual é essencialmente idêntica à regra de atualização para a </a:t>
+                </a:r>
+                <a:r>
+                  <a:rPr lang="pt-BR" b="1" i="1" dirty="0"/>
                   <a:t>regressão linear</a:t>
                 </a:r>
                 <a:r>
-                  <a:rPr lang="pt-BR" dirty="0" smtClean="0"/>
+                  <a:rPr lang="pt-BR" dirty="0"/>
                   <a:t> quando utilizamos o </a:t>
                 </a:r>
                 <a:r>
-                  <a:rPr lang="pt-BR" b="1" i="1" dirty="0" smtClean="0"/>
+                  <a:rPr lang="pt-BR" b="1" i="1" dirty="0"/>
                   <a:t>gradiente descendente estocástico</a:t>
                 </a:r>
                 <a:r>
-                  <a:rPr lang="pt-BR" dirty="0" smtClean="0"/>
+                  <a:rPr lang="pt-BR" dirty="0"/>
                   <a:t>, </a:t>
                 </a:r>
                 <a14:m>
@@ -13693,48 +14549,47 @@
                   </m:oMath>
                 </a14:m>
                 <a:r>
-                  <a:rPr lang="pt-BR" dirty="0" smtClean="0"/>
+                  <a:rPr lang="pt-BR" dirty="0"/>
                   <a:t>onde é o passo de aprendizagem.</a:t>
                 </a:r>
               </a:p>
               <a:p>
                 <a:r>
-                  <a:rPr lang="pt-BR" dirty="0" smtClean="0"/>
-                  <a:t>Esta regra é chamada de </a:t>
-                </a:r>
-                <a:r>
-                  <a:rPr lang="pt-BR" b="1" i="1" dirty="0" smtClean="0"/>
-                  <a:t>regra de aprendizagem do perceptron</a:t>
-                </a:r>
-                <a:r>
-                  <a:rPr lang="pt-BR" dirty="0" smtClean="0"/>
-                  <a:t>, por razões que discutiremos em breve.</a:t>
+                  <a:rPr lang="pt-BR" dirty="0"/>
+                  <a:t>Por razões que discutiremos em breve, esta regra é chamada de </a:t>
+                </a:r>
+                <a:r>
+                  <a:rPr lang="pt-BR" b="1" i="1" dirty="0"/>
+                  <a:t>regra de aprendizagem do </a:t>
+                </a:r>
+                <a:r>
+                  <a:rPr lang="pt-BR" b="1" i="1" dirty="0" err="1"/>
+                  <a:t>perceptron</a:t>
+                </a:r>
+                <a:r>
+                  <a:rPr lang="pt-BR" dirty="0"/>
+                  <a:t>.</a:t>
                 </a:r>
               </a:p>
               <a:p>
                 <a:r>
-                  <a:rPr lang="pt-BR" dirty="0" smtClean="0"/>
-                  <a:t>Essa </a:t>
-                </a:r>
-                <a:r>
-                  <a:rPr lang="pt-BR" dirty="0"/>
-                  <a:t>regra de aprendizagem é aplicada a um exemplo por vez, escolhendo exemplos aleatóriamente, assim como fizemos com o </a:t>
+                  <a:rPr lang="pt-BR" dirty="0"/>
+                  <a:t>Essa regra de aprendizagem é aplicada a um exemplo por vez, escolhendo exemplos aleatóriamente, assim como fizemos com o </a:t>
                 </a:r>
                 <a:r>
                   <a:rPr lang="pt-BR" b="1" i="1" dirty="0"/>
                   <a:t>gradiente descendente estocástico</a:t>
                 </a:r>
                 <a:r>
-                  <a:rPr lang="pt-BR" dirty="0" smtClean="0"/>
+                  <a:rPr lang="pt-BR" dirty="0"/>
                   <a:t>.</a:t>
                 </a:r>
               </a:p>
               <a:p>
                 <a:r>
-                  <a:rPr lang="pt-BR" dirty="0" smtClean="0"/>
+                  <a:rPr lang="pt-BR" dirty="0"/>
                   <a:t>Como estamos considerando classificadores com valores de saída iguais a 0 ou 1, o comportamento da regra de atualização será diferente do comportamento para  a regressão linear, como veremos a seguir.</a:t>
                 </a:r>
-                <a:endParaRPr lang="pt-BR" dirty="0"/>
               </a:p>
             </p:txBody>
           </p:sp>
@@ -13755,8 +14610,8 @@
                 <a:off x="838200" y="1784680"/>
                 <a:ext cx="11158182" cy="5073320"/>
               </a:xfrm>
-              <a:blipFill rotWithShape="0">
-                <a:blip r:embed="rId2"/>
+              <a:blipFill>
+                <a:blip r:embed="rId3"/>
                 <a:stretch>
                   <a:fillRect l="-874" t="-2764"/>
                 </a:stretch>
@@ -13801,10 +14656,9 @@
           <a:p>
             <a:pPr algn="ctr"/>
             <a:r>
-              <a:rPr lang="pt-BR" sz="1400" dirty="0" smtClean="0"/>
+              <a:rPr lang="pt-BR" sz="1400" dirty="0"/>
               <a:t>Os pesos são atualizados a cada novo exemplo, ou seja, amostra a amostra.</a:t>
             </a:r>
-            <a:endParaRPr lang="pt-BR" sz="1400" dirty="0"/>
           </a:p>
         </p:txBody>
       </p:sp>
@@ -13923,7 +14777,7 @@
               <a:lstStyle/>
               <a:p>
                 <a:r>
-                  <a:rPr lang="pt-BR" dirty="0" smtClean="0"/>
+                  <a:rPr lang="pt-BR" dirty="0"/>
                   <a:t>Observem a equação de atualizaçao dos pesos</a:t>
                 </a:r>
               </a:p>
@@ -14109,11 +14963,11 @@
                     </m:oMath>
                   </m:oMathPara>
                 </a14:m>
-                <a:endParaRPr lang="pt-BR" dirty="0" smtClean="0"/>
+                <a:endParaRPr lang="pt-BR" dirty="0"/>
               </a:p>
               <a:p>
                 <a:r>
-                  <a:rPr lang="pt-BR" dirty="0" smtClean="0"/>
+                  <a:rPr lang="pt-BR" dirty="0"/>
                   <a:t>Ambos, o valor esperado, </a:t>
                 </a:r>
                 <a14:m>
@@ -14436,16 +15290,12 @@
                   <a:t>é positivo e </a:t>
                 </a:r>
                 <a:r>
-                  <a:rPr lang="pt-BR" b="1" i="1" dirty="0" smtClean="0"/>
+                  <a:rPr lang="pt-BR" b="1" i="1" dirty="0"/>
                   <a:t>diminuído</a:t>
                 </a:r>
                 <a:r>
-                  <a:rPr lang="pt-BR" dirty="0" smtClean="0"/>
-                  <a:t> </a:t>
-                </a:r>
-                <a:r>
-                  <a:rPr lang="pt-BR" dirty="0"/>
-                  <a:t>quando o valor de </a:t>
+                  <a:rPr lang="pt-BR" dirty="0"/>
+                  <a:t> quando o valor de </a:t>
                 </a:r>
                 <a14:m>
                   <m:oMath xmlns:m="http://schemas.openxmlformats.org/officeDocument/2006/math">
@@ -14484,7 +15334,6 @@
                   <a:rPr lang="pt-BR" dirty="0"/>
                   <a:t>é negativo. </a:t>
                 </a:r>
-                <a:endParaRPr lang="pt-BR" dirty="0" smtClean="0"/>
               </a:p>
               <a:p>
                 <a:pPr lvl="2">
@@ -14492,12 +15341,8 @@
                   <a:buChar char="o"/>
                 </a:pPr>
                 <a:r>
-                  <a:rPr lang="pt-BR" dirty="0" smtClean="0"/>
-                  <a:t>Isso </a:t>
-                </a:r>
-                <a:r>
-                  <a:rPr lang="pt-BR" dirty="0"/>
-                  <a:t>faz sentido pois nós queremos aumentar o valor do produto escalar </a:t>
+                  <a:rPr lang="pt-BR" dirty="0"/>
+                  <a:t>Isso faz sentido pois nós queremos aumentar o valor do produto escalar </a:t>
                 </a:r>
                 <a14:m>
                   <m:oMath xmlns:m="http://schemas.openxmlformats.org/officeDocument/2006/math">
@@ -14535,7 +15380,7 @@
                   </m:oMath>
                 </a14:m>
                 <a:r>
-                  <a:rPr lang="pt-BR" dirty="0" smtClean="0"/>
+                  <a:rPr lang="pt-BR" dirty="0"/>
                   <a:t>, ou seja, </a:t>
                 </a:r>
                 <a14:m>
@@ -14567,12 +15412,8 @@
                   </m:oMath>
                 </a14:m>
                 <a:r>
-                  <a:rPr lang="pt-BR" dirty="0" smtClean="0"/>
-                  <a:t>, </a:t>
-                </a:r>
-                <a:r>
-                  <a:rPr lang="pt-BR" dirty="0"/>
-                  <a:t>de tal forma que </a:t>
+                  <a:rPr lang="pt-BR" dirty="0"/>
+                  <a:t>, de tal forma que </a:t>
                 </a:r>
                 <a14:m>
                   <m:oMath xmlns:m="http://schemas.openxmlformats.org/officeDocument/2006/math">
@@ -14841,7 +15682,6 @@
                   <a:rPr lang="pt-BR" dirty="0"/>
                   <a:t>é negativo. </a:t>
                 </a:r>
-                <a:endParaRPr lang="pt-BR" dirty="0" smtClean="0"/>
               </a:p>
               <a:p>
                 <a:pPr lvl="2">
@@ -14849,12 +15689,8 @@
                   <a:buChar char="o"/>
                 </a:pPr>
                 <a:r>
-                  <a:rPr lang="pt-BR" dirty="0" smtClean="0"/>
-                  <a:t>Isso </a:t>
-                </a:r>
-                <a:r>
-                  <a:rPr lang="pt-BR" dirty="0"/>
-                  <a:t>faz sentido pois nós queremos diminuir o valor do produto escalar </a:t>
+                  <a:rPr lang="pt-BR" dirty="0"/>
+                  <a:t>Isso faz sentido pois nós queremos diminuir o valor do produto escalar </a:t>
                 </a:r>
                 <a14:m>
                   <m:oMath xmlns:m="http://schemas.openxmlformats.org/officeDocument/2006/math">
@@ -14892,7 +15728,7 @@
                   </m:oMath>
                 </a14:m>
                 <a:r>
-                  <a:rPr lang="pt-BR" dirty="0" smtClean="0"/>
+                  <a:rPr lang="pt-BR" dirty="0"/>
                   <a:t>, ou seja, </a:t>
                 </a:r>
                 <a14:m>
@@ -14925,15 +15761,7 @@
                 </a14:m>
                 <a:r>
                   <a:rPr lang="pt-BR" dirty="0"/>
-                  <a:t>,</a:t>
-                </a:r>
-                <a:r>
-                  <a:rPr lang="pt-BR" dirty="0" smtClean="0"/>
-                  <a:t> </a:t>
-                </a:r>
-                <a:r>
-                  <a:rPr lang="pt-BR" dirty="0"/>
-                  <a:t>de tal forma que </a:t>
+                  <a:t>, de tal forma que </a:t>
                 </a:r>
                 <a14:m>
                   <m:oMath xmlns:m="http://schemas.openxmlformats.org/officeDocument/2006/math">
@@ -14983,13 +15811,8 @@
                 </a14:m>
                 <a:r>
                   <a:rPr lang="pt-BR" dirty="0"/>
-                  <a:t> tenha como saída o valor 0</a:t>
-                </a:r>
-                <a:r>
-                  <a:rPr lang="pt-BR" dirty="0" smtClean="0"/>
-                  <a:t>.</a:t>
-                </a:r>
-                <a:endParaRPr lang="pt-BR" dirty="0"/>
+                  <a:t> tenha como saída o valor 0.</a:t>
+                </a:r>
               </a:p>
             </p:txBody>
           </p:sp>

--- a/slides/T320_Classificação (Parte II).pptx
+++ b/slides/T320_Classificação (Parte II).pptx
@@ -288,7 +288,7 @@
           <a:p>
             <a:fld id="{144F1436-6906-4D93-B7A2-786C327BFA14}" type="datetimeFigureOut">
               <a:rPr lang="nl-BE" smtClean="0"/>
-              <a:t>25/02/2022</a:t>
+              <a:t>5/08/2022</a:t>
             </a:fld>
             <a:endParaRPr lang="nl-BE"/>
           </a:p>
@@ -453,7 +453,7 @@
           <a:p>
             <a:fld id="{AA8CD09E-2914-4F47-B6C1-51B2C31814C9}" type="datetimeFigureOut">
               <a:rPr lang="pt-BR" smtClean="0"/>
-              <a:t>25/02/2022</a:t>
+              <a:t>05/08/2022</a:t>
             </a:fld>
             <a:endParaRPr lang="pt-BR"/>
           </a:p>
@@ -2613,7 +2613,7 @@
           <p:cNvPr id="2" name="Título 1">
             <a:extLst>
               <a:ext uri="{FF2B5EF4-FFF2-40B4-BE49-F238E27FC236}">
-                <a16:creationId xmlns:a16="http://schemas.microsoft.com/office/drawing/2014/main" id="{1DB9B4FF-B06E-403C-A326-BDC64D8FF94E}"/>
+                <a16:creationId xmlns:a16="http://schemas.microsoft.com/office/drawing/2014/main" xmlns="" id="{1DB9B4FF-B06E-403C-A326-BDC64D8FF94E}"/>
               </a:ext>
             </a:extLst>
           </p:cNvPr>
@@ -2650,7 +2650,7 @@
           <p:cNvPr id="3" name="Subtítulo 2">
             <a:extLst>
               <a:ext uri="{FF2B5EF4-FFF2-40B4-BE49-F238E27FC236}">
-                <a16:creationId xmlns:a16="http://schemas.microsoft.com/office/drawing/2014/main" id="{247BDFCE-746E-45BF-A319-4733D58D1632}"/>
+                <a16:creationId xmlns:a16="http://schemas.microsoft.com/office/drawing/2014/main" xmlns="" id="{247BDFCE-746E-45BF-A319-4733D58D1632}"/>
               </a:ext>
             </a:extLst>
           </p:cNvPr>
@@ -2720,7 +2720,7 @@
           <p:cNvPr id="4" name="Espaço Reservado para Data 3">
             <a:extLst>
               <a:ext uri="{FF2B5EF4-FFF2-40B4-BE49-F238E27FC236}">
-                <a16:creationId xmlns:a16="http://schemas.microsoft.com/office/drawing/2014/main" id="{9EDE2778-5372-4104-B96D-968184DA8288}"/>
+                <a16:creationId xmlns:a16="http://schemas.microsoft.com/office/drawing/2014/main" xmlns="" id="{9EDE2778-5372-4104-B96D-968184DA8288}"/>
               </a:ext>
             </a:extLst>
           </p:cNvPr>
@@ -2738,7 +2738,7 @@
           <a:p>
             <a:fld id="{63289F7E-B80B-496E-81B4-D396C37C9454}" type="datetimeFigureOut">
               <a:rPr lang="pt-BR" smtClean="0"/>
-              <a:t>25/02/2022</a:t>
+              <a:t>05/08/2022</a:t>
             </a:fld>
             <a:endParaRPr lang="pt-BR"/>
           </a:p>
@@ -2749,7 +2749,7 @@
           <p:cNvPr id="5" name="Espaço Reservado para Rodapé 4">
             <a:extLst>
               <a:ext uri="{FF2B5EF4-FFF2-40B4-BE49-F238E27FC236}">
-                <a16:creationId xmlns:a16="http://schemas.microsoft.com/office/drawing/2014/main" id="{C1DD0F41-C861-4051-988D-3024A37A4B93}"/>
+                <a16:creationId xmlns:a16="http://schemas.microsoft.com/office/drawing/2014/main" xmlns="" id="{C1DD0F41-C861-4051-988D-3024A37A4B93}"/>
               </a:ext>
             </a:extLst>
           </p:cNvPr>
@@ -2774,7 +2774,7 @@
           <p:cNvPr id="6" name="Espaço Reservado para Número de Slide 5">
             <a:extLst>
               <a:ext uri="{FF2B5EF4-FFF2-40B4-BE49-F238E27FC236}">
-                <a16:creationId xmlns:a16="http://schemas.microsoft.com/office/drawing/2014/main" id="{07E5967E-D980-431A-A5DB-3F0C5030A81E}"/>
+                <a16:creationId xmlns:a16="http://schemas.microsoft.com/office/drawing/2014/main" xmlns="" id="{07E5967E-D980-431A-A5DB-3F0C5030A81E}"/>
               </a:ext>
             </a:extLst>
           </p:cNvPr>
@@ -2833,7 +2833,7 @@
           <p:cNvPr id="2" name="Título 1">
             <a:extLst>
               <a:ext uri="{FF2B5EF4-FFF2-40B4-BE49-F238E27FC236}">
-                <a16:creationId xmlns:a16="http://schemas.microsoft.com/office/drawing/2014/main" id="{9036C49F-3E68-4175-81BA-3C3FEE44308A}"/>
+                <a16:creationId xmlns:a16="http://schemas.microsoft.com/office/drawing/2014/main" xmlns="" id="{9036C49F-3E68-4175-81BA-3C3FEE44308A}"/>
               </a:ext>
             </a:extLst>
           </p:cNvPr>
@@ -2861,7 +2861,7 @@
           <p:cNvPr id="3" name="Espaço Reservado para Texto Vertical 2">
             <a:extLst>
               <a:ext uri="{FF2B5EF4-FFF2-40B4-BE49-F238E27FC236}">
-                <a16:creationId xmlns:a16="http://schemas.microsoft.com/office/drawing/2014/main" id="{426FA736-3DD3-4D4E-B57B-BBE1D8F7D424}"/>
+                <a16:creationId xmlns:a16="http://schemas.microsoft.com/office/drawing/2014/main" xmlns="" id="{426FA736-3DD3-4D4E-B57B-BBE1D8F7D424}"/>
               </a:ext>
             </a:extLst>
           </p:cNvPr>
@@ -2918,7 +2918,7 @@
           <p:cNvPr id="4" name="Espaço Reservado para Data 3">
             <a:extLst>
               <a:ext uri="{FF2B5EF4-FFF2-40B4-BE49-F238E27FC236}">
-                <a16:creationId xmlns:a16="http://schemas.microsoft.com/office/drawing/2014/main" id="{99E8855C-D8FD-48F6-B14E-861E0DE4D915}"/>
+                <a16:creationId xmlns:a16="http://schemas.microsoft.com/office/drawing/2014/main" xmlns="" id="{99E8855C-D8FD-48F6-B14E-861E0DE4D915}"/>
               </a:ext>
             </a:extLst>
           </p:cNvPr>
@@ -2936,7 +2936,7 @@
           <a:p>
             <a:fld id="{63289F7E-B80B-496E-81B4-D396C37C9454}" type="datetimeFigureOut">
               <a:rPr lang="pt-BR" smtClean="0"/>
-              <a:t>25/02/2022</a:t>
+              <a:t>05/08/2022</a:t>
             </a:fld>
             <a:endParaRPr lang="pt-BR"/>
           </a:p>
@@ -2947,7 +2947,7 @@
           <p:cNvPr id="5" name="Espaço Reservado para Rodapé 4">
             <a:extLst>
               <a:ext uri="{FF2B5EF4-FFF2-40B4-BE49-F238E27FC236}">
-                <a16:creationId xmlns:a16="http://schemas.microsoft.com/office/drawing/2014/main" id="{97C0BB88-2F21-42A5-ACFF-83DA47F2D340}"/>
+                <a16:creationId xmlns:a16="http://schemas.microsoft.com/office/drawing/2014/main" xmlns="" id="{97C0BB88-2F21-42A5-ACFF-83DA47F2D340}"/>
               </a:ext>
             </a:extLst>
           </p:cNvPr>
@@ -2972,7 +2972,7 @@
           <p:cNvPr id="6" name="Espaço Reservado para Número de Slide 5">
             <a:extLst>
               <a:ext uri="{FF2B5EF4-FFF2-40B4-BE49-F238E27FC236}">
-                <a16:creationId xmlns:a16="http://schemas.microsoft.com/office/drawing/2014/main" id="{6CB462B3-1F22-4C05-B4B8-7A279FB7D5E9}"/>
+                <a16:creationId xmlns:a16="http://schemas.microsoft.com/office/drawing/2014/main" xmlns="" id="{6CB462B3-1F22-4C05-B4B8-7A279FB7D5E9}"/>
               </a:ext>
             </a:extLst>
           </p:cNvPr>
@@ -3031,7 +3031,7 @@
           <p:cNvPr id="2" name="Título Vertical 1">
             <a:extLst>
               <a:ext uri="{FF2B5EF4-FFF2-40B4-BE49-F238E27FC236}">
-                <a16:creationId xmlns:a16="http://schemas.microsoft.com/office/drawing/2014/main" id="{EAEAB728-701C-4207-A9D5-23FF45C60502}"/>
+                <a16:creationId xmlns:a16="http://schemas.microsoft.com/office/drawing/2014/main" xmlns="" id="{EAEAB728-701C-4207-A9D5-23FF45C60502}"/>
               </a:ext>
             </a:extLst>
           </p:cNvPr>
@@ -3064,7 +3064,7 @@
           <p:cNvPr id="3" name="Espaço Reservado para Texto Vertical 2">
             <a:extLst>
               <a:ext uri="{FF2B5EF4-FFF2-40B4-BE49-F238E27FC236}">
-                <a16:creationId xmlns:a16="http://schemas.microsoft.com/office/drawing/2014/main" id="{BA8C8CCF-7823-480A-9A19-0F664DD17E3B}"/>
+                <a16:creationId xmlns:a16="http://schemas.microsoft.com/office/drawing/2014/main" xmlns="" id="{BA8C8CCF-7823-480A-9A19-0F664DD17E3B}"/>
               </a:ext>
             </a:extLst>
           </p:cNvPr>
@@ -3126,7 +3126,7 @@
           <p:cNvPr id="4" name="Espaço Reservado para Data 3">
             <a:extLst>
               <a:ext uri="{FF2B5EF4-FFF2-40B4-BE49-F238E27FC236}">
-                <a16:creationId xmlns:a16="http://schemas.microsoft.com/office/drawing/2014/main" id="{721D5734-7B1F-425D-942F-6EB73344027C}"/>
+                <a16:creationId xmlns:a16="http://schemas.microsoft.com/office/drawing/2014/main" xmlns="" id="{721D5734-7B1F-425D-942F-6EB73344027C}"/>
               </a:ext>
             </a:extLst>
           </p:cNvPr>
@@ -3144,7 +3144,7 @@
           <a:p>
             <a:fld id="{63289F7E-B80B-496E-81B4-D396C37C9454}" type="datetimeFigureOut">
               <a:rPr lang="pt-BR" smtClean="0"/>
-              <a:t>25/02/2022</a:t>
+              <a:t>05/08/2022</a:t>
             </a:fld>
             <a:endParaRPr lang="pt-BR"/>
           </a:p>
@@ -3155,7 +3155,7 @@
           <p:cNvPr id="5" name="Espaço Reservado para Rodapé 4">
             <a:extLst>
               <a:ext uri="{FF2B5EF4-FFF2-40B4-BE49-F238E27FC236}">
-                <a16:creationId xmlns:a16="http://schemas.microsoft.com/office/drawing/2014/main" id="{1E1AAEAC-F08D-45FE-89EC-B1B349A868C9}"/>
+                <a16:creationId xmlns:a16="http://schemas.microsoft.com/office/drawing/2014/main" xmlns="" id="{1E1AAEAC-F08D-45FE-89EC-B1B349A868C9}"/>
               </a:ext>
             </a:extLst>
           </p:cNvPr>
@@ -3180,7 +3180,7 @@
           <p:cNvPr id="6" name="Espaço Reservado para Número de Slide 5">
             <a:extLst>
               <a:ext uri="{FF2B5EF4-FFF2-40B4-BE49-F238E27FC236}">
-                <a16:creationId xmlns:a16="http://schemas.microsoft.com/office/drawing/2014/main" id="{BAA44493-9911-47B2-87A6-C2141A972BC8}"/>
+                <a16:creationId xmlns:a16="http://schemas.microsoft.com/office/drawing/2014/main" xmlns="" id="{BAA44493-9911-47B2-87A6-C2141A972BC8}"/>
               </a:ext>
             </a:extLst>
           </p:cNvPr>
@@ -3239,7 +3239,7 @@
           <p:cNvPr id="2" name="Título 1">
             <a:extLst>
               <a:ext uri="{FF2B5EF4-FFF2-40B4-BE49-F238E27FC236}">
-                <a16:creationId xmlns:a16="http://schemas.microsoft.com/office/drawing/2014/main" id="{71BD44A5-8F21-4626-A01D-48A1C874B1D5}"/>
+                <a16:creationId xmlns:a16="http://schemas.microsoft.com/office/drawing/2014/main" xmlns="" id="{71BD44A5-8F21-4626-A01D-48A1C874B1D5}"/>
               </a:ext>
             </a:extLst>
           </p:cNvPr>
@@ -3267,7 +3267,7 @@
           <p:cNvPr id="3" name="Espaço Reservado para Conteúdo 2">
             <a:extLst>
               <a:ext uri="{FF2B5EF4-FFF2-40B4-BE49-F238E27FC236}">
-                <a16:creationId xmlns:a16="http://schemas.microsoft.com/office/drawing/2014/main" id="{B79E8085-65A9-48AA-951D-71D978BFF4ED}"/>
+                <a16:creationId xmlns:a16="http://schemas.microsoft.com/office/drawing/2014/main" xmlns="" id="{B79E8085-65A9-48AA-951D-71D978BFF4ED}"/>
               </a:ext>
             </a:extLst>
           </p:cNvPr>
@@ -3324,7 +3324,7 @@
           <p:cNvPr id="4" name="Espaço Reservado para Data 3">
             <a:extLst>
               <a:ext uri="{FF2B5EF4-FFF2-40B4-BE49-F238E27FC236}">
-                <a16:creationId xmlns:a16="http://schemas.microsoft.com/office/drawing/2014/main" id="{F05BE1AF-51EA-425D-B188-DE7BD675009F}"/>
+                <a16:creationId xmlns:a16="http://schemas.microsoft.com/office/drawing/2014/main" xmlns="" id="{F05BE1AF-51EA-425D-B188-DE7BD675009F}"/>
               </a:ext>
             </a:extLst>
           </p:cNvPr>
@@ -3342,7 +3342,7 @@
           <a:p>
             <a:fld id="{63289F7E-B80B-496E-81B4-D396C37C9454}" type="datetimeFigureOut">
               <a:rPr lang="pt-BR" smtClean="0"/>
-              <a:t>25/02/2022</a:t>
+              <a:t>05/08/2022</a:t>
             </a:fld>
             <a:endParaRPr lang="pt-BR"/>
           </a:p>
@@ -3353,7 +3353,7 @@
           <p:cNvPr id="5" name="Espaço Reservado para Rodapé 4">
             <a:extLst>
               <a:ext uri="{FF2B5EF4-FFF2-40B4-BE49-F238E27FC236}">
-                <a16:creationId xmlns:a16="http://schemas.microsoft.com/office/drawing/2014/main" id="{121BE632-29CF-4CB9-B365-C9EF38F89BE6}"/>
+                <a16:creationId xmlns:a16="http://schemas.microsoft.com/office/drawing/2014/main" xmlns="" id="{121BE632-29CF-4CB9-B365-C9EF38F89BE6}"/>
               </a:ext>
             </a:extLst>
           </p:cNvPr>
@@ -3378,7 +3378,7 @@
           <p:cNvPr id="6" name="Espaço Reservado para Número de Slide 5">
             <a:extLst>
               <a:ext uri="{FF2B5EF4-FFF2-40B4-BE49-F238E27FC236}">
-                <a16:creationId xmlns:a16="http://schemas.microsoft.com/office/drawing/2014/main" id="{60CF3DD1-9AEC-4A57-B461-4E4DD86FAC18}"/>
+                <a16:creationId xmlns:a16="http://schemas.microsoft.com/office/drawing/2014/main" xmlns="" id="{60CF3DD1-9AEC-4A57-B461-4E4DD86FAC18}"/>
               </a:ext>
             </a:extLst>
           </p:cNvPr>
@@ -3437,7 +3437,7 @@
           <p:cNvPr id="2" name="Título 1">
             <a:extLst>
               <a:ext uri="{FF2B5EF4-FFF2-40B4-BE49-F238E27FC236}">
-                <a16:creationId xmlns:a16="http://schemas.microsoft.com/office/drawing/2014/main" id="{34AB2FF0-A4D7-4E28-991D-FF26140D5988}"/>
+                <a16:creationId xmlns:a16="http://schemas.microsoft.com/office/drawing/2014/main" xmlns="" id="{34AB2FF0-A4D7-4E28-991D-FF26140D5988}"/>
               </a:ext>
             </a:extLst>
           </p:cNvPr>
@@ -3474,7 +3474,7 @@
           <p:cNvPr id="3" name="Espaço Reservado para Texto 2">
             <a:extLst>
               <a:ext uri="{FF2B5EF4-FFF2-40B4-BE49-F238E27FC236}">
-                <a16:creationId xmlns:a16="http://schemas.microsoft.com/office/drawing/2014/main" id="{E2AC45B0-4145-40DB-8E61-105461170604}"/>
+                <a16:creationId xmlns:a16="http://schemas.microsoft.com/office/drawing/2014/main" xmlns="" id="{E2AC45B0-4145-40DB-8E61-105461170604}"/>
               </a:ext>
             </a:extLst>
           </p:cNvPr>
@@ -3599,7 +3599,7 @@
           <p:cNvPr id="4" name="Espaço Reservado para Data 3">
             <a:extLst>
               <a:ext uri="{FF2B5EF4-FFF2-40B4-BE49-F238E27FC236}">
-                <a16:creationId xmlns:a16="http://schemas.microsoft.com/office/drawing/2014/main" id="{50F1D3FB-740A-4EBA-A309-2CE71D12ECFB}"/>
+                <a16:creationId xmlns:a16="http://schemas.microsoft.com/office/drawing/2014/main" xmlns="" id="{50F1D3FB-740A-4EBA-A309-2CE71D12ECFB}"/>
               </a:ext>
             </a:extLst>
           </p:cNvPr>
@@ -3617,7 +3617,7 @@
           <a:p>
             <a:fld id="{63289F7E-B80B-496E-81B4-D396C37C9454}" type="datetimeFigureOut">
               <a:rPr lang="pt-BR" smtClean="0"/>
-              <a:t>25/02/2022</a:t>
+              <a:t>05/08/2022</a:t>
             </a:fld>
             <a:endParaRPr lang="pt-BR"/>
           </a:p>
@@ -3628,7 +3628,7 @@
           <p:cNvPr id="5" name="Espaço Reservado para Rodapé 4">
             <a:extLst>
               <a:ext uri="{FF2B5EF4-FFF2-40B4-BE49-F238E27FC236}">
-                <a16:creationId xmlns:a16="http://schemas.microsoft.com/office/drawing/2014/main" id="{BDCAB18F-8715-4465-A940-F9C193A2ACE9}"/>
+                <a16:creationId xmlns:a16="http://schemas.microsoft.com/office/drawing/2014/main" xmlns="" id="{BDCAB18F-8715-4465-A940-F9C193A2ACE9}"/>
               </a:ext>
             </a:extLst>
           </p:cNvPr>
@@ -3653,7 +3653,7 @@
           <p:cNvPr id="6" name="Espaço Reservado para Número de Slide 5">
             <a:extLst>
               <a:ext uri="{FF2B5EF4-FFF2-40B4-BE49-F238E27FC236}">
-                <a16:creationId xmlns:a16="http://schemas.microsoft.com/office/drawing/2014/main" id="{353466C6-8248-429F-8056-FF040BF509EB}"/>
+                <a16:creationId xmlns:a16="http://schemas.microsoft.com/office/drawing/2014/main" xmlns="" id="{353466C6-8248-429F-8056-FF040BF509EB}"/>
               </a:ext>
             </a:extLst>
           </p:cNvPr>
@@ -3712,7 +3712,7 @@
           <p:cNvPr id="2" name="Título 1">
             <a:extLst>
               <a:ext uri="{FF2B5EF4-FFF2-40B4-BE49-F238E27FC236}">
-                <a16:creationId xmlns:a16="http://schemas.microsoft.com/office/drawing/2014/main" id="{BC7BB9F0-F14B-4A91-B2B7-35BC47FE4DE7}"/>
+                <a16:creationId xmlns:a16="http://schemas.microsoft.com/office/drawing/2014/main" xmlns="" id="{BC7BB9F0-F14B-4A91-B2B7-35BC47FE4DE7}"/>
               </a:ext>
             </a:extLst>
           </p:cNvPr>
@@ -3740,7 +3740,7 @@
           <p:cNvPr id="3" name="Espaço Reservado para Conteúdo 2">
             <a:extLst>
               <a:ext uri="{FF2B5EF4-FFF2-40B4-BE49-F238E27FC236}">
-                <a16:creationId xmlns:a16="http://schemas.microsoft.com/office/drawing/2014/main" id="{EC1FC1C4-73DA-47A6-8496-B0B457F7D39A}"/>
+                <a16:creationId xmlns:a16="http://schemas.microsoft.com/office/drawing/2014/main" xmlns="" id="{EC1FC1C4-73DA-47A6-8496-B0B457F7D39A}"/>
               </a:ext>
             </a:extLst>
           </p:cNvPr>
@@ -3802,7 +3802,7 @@
           <p:cNvPr id="4" name="Espaço Reservado para Conteúdo 3">
             <a:extLst>
               <a:ext uri="{FF2B5EF4-FFF2-40B4-BE49-F238E27FC236}">
-                <a16:creationId xmlns:a16="http://schemas.microsoft.com/office/drawing/2014/main" id="{E92F06A8-A449-4D92-9912-76873E529B38}"/>
+                <a16:creationId xmlns:a16="http://schemas.microsoft.com/office/drawing/2014/main" xmlns="" id="{E92F06A8-A449-4D92-9912-76873E529B38}"/>
               </a:ext>
             </a:extLst>
           </p:cNvPr>
@@ -3864,7 +3864,7 @@
           <p:cNvPr id="5" name="Espaço Reservado para Data 4">
             <a:extLst>
               <a:ext uri="{FF2B5EF4-FFF2-40B4-BE49-F238E27FC236}">
-                <a16:creationId xmlns:a16="http://schemas.microsoft.com/office/drawing/2014/main" id="{938070A4-BC2F-4D55-BD8D-DEAF11BB9EE9}"/>
+                <a16:creationId xmlns:a16="http://schemas.microsoft.com/office/drawing/2014/main" xmlns="" id="{938070A4-BC2F-4D55-BD8D-DEAF11BB9EE9}"/>
               </a:ext>
             </a:extLst>
           </p:cNvPr>
@@ -3882,7 +3882,7 @@
           <a:p>
             <a:fld id="{63289F7E-B80B-496E-81B4-D396C37C9454}" type="datetimeFigureOut">
               <a:rPr lang="pt-BR" smtClean="0"/>
-              <a:t>25/02/2022</a:t>
+              <a:t>05/08/2022</a:t>
             </a:fld>
             <a:endParaRPr lang="pt-BR"/>
           </a:p>
@@ -3893,7 +3893,7 @@
           <p:cNvPr id="6" name="Espaço Reservado para Rodapé 5">
             <a:extLst>
               <a:ext uri="{FF2B5EF4-FFF2-40B4-BE49-F238E27FC236}">
-                <a16:creationId xmlns:a16="http://schemas.microsoft.com/office/drawing/2014/main" id="{45CC2DB8-844A-465F-BA9A-7734C80C7F43}"/>
+                <a16:creationId xmlns:a16="http://schemas.microsoft.com/office/drawing/2014/main" xmlns="" id="{45CC2DB8-844A-465F-BA9A-7734C80C7F43}"/>
               </a:ext>
             </a:extLst>
           </p:cNvPr>
@@ -3918,7 +3918,7 @@
           <p:cNvPr id="7" name="Espaço Reservado para Número de Slide 6">
             <a:extLst>
               <a:ext uri="{FF2B5EF4-FFF2-40B4-BE49-F238E27FC236}">
-                <a16:creationId xmlns:a16="http://schemas.microsoft.com/office/drawing/2014/main" id="{4CC606A8-097B-4040-94E0-CD8C88280D8F}"/>
+                <a16:creationId xmlns:a16="http://schemas.microsoft.com/office/drawing/2014/main" xmlns="" id="{4CC606A8-097B-4040-94E0-CD8C88280D8F}"/>
               </a:ext>
             </a:extLst>
           </p:cNvPr>
@@ -3977,7 +3977,7 @@
           <p:cNvPr id="2" name="Título 1">
             <a:extLst>
               <a:ext uri="{FF2B5EF4-FFF2-40B4-BE49-F238E27FC236}">
-                <a16:creationId xmlns:a16="http://schemas.microsoft.com/office/drawing/2014/main" id="{76D66686-0143-4CB6-8C09-BA326F1E7ACA}"/>
+                <a16:creationId xmlns:a16="http://schemas.microsoft.com/office/drawing/2014/main" xmlns="" id="{76D66686-0143-4CB6-8C09-BA326F1E7ACA}"/>
               </a:ext>
             </a:extLst>
           </p:cNvPr>
@@ -4010,7 +4010,7 @@
           <p:cNvPr id="3" name="Espaço Reservado para Texto 2">
             <a:extLst>
               <a:ext uri="{FF2B5EF4-FFF2-40B4-BE49-F238E27FC236}">
-                <a16:creationId xmlns:a16="http://schemas.microsoft.com/office/drawing/2014/main" id="{0227AB85-F59E-4BCE-B846-4FA0992C2F23}"/>
+                <a16:creationId xmlns:a16="http://schemas.microsoft.com/office/drawing/2014/main" xmlns="" id="{0227AB85-F59E-4BCE-B846-4FA0992C2F23}"/>
               </a:ext>
             </a:extLst>
           </p:cNvPr>
@@ -4081,7 +4081,7 @@
           <p:cNvPr id="4" name="Espaço Reservado para Conteúdo 3">
             <a:extLst>
               <a:ext uri="{FF2B5EF4-FFF2-40B4-BE49-F238E27FC236}">
-                <a16:creationId xmlns:a16="http://schemas.microsoft.com/office/drawing/2014/main" id="{3373456C-7319-4D0A-827D-D29F6B083F5D}"/>
+                <a16:creationId xmlns:a16="http://schemas.microsoft.com/office/drawing/2014/main" xmlns="" id="{3373456C-7319-4D0A-827D-D29F6B083F5D}"/>
               </a:ext>
             </a:extLst>
           </p:cNvPr>
@@ -4143,7 +4143,7 @@
           <p:cNvPr id="5" name="Espaço Reservado para Texto 4">
             <a:extLst>
               <a:ext uri="{FF2B5EF4-FFF2-40B4-BE49-F238E27FC236}">
-                <a16:creationId xmlns:a16="http://schemas.microsoft.com/office/drawing/2014/main" id="{4CD109D0-2E83-4262-8029-A871CEC47406}"/>
+                <a16:creationId xmlns:a16="http://schemas.microsoft.com/office/drawing/2014/main" xmlns="" id="{4CD109D0-2E83-4262-8029-A871CEC47406}"/>
               </a:ext>
             </a:extLst>
           </p:cNvPr>
@@ -4214,7 +4214,7 @@
           <p:cNvPr id="6" name="Espaço Reservado para Conteúdo 5">
             <a:extLst>
               <a:ext uri="{FF2B5EF4-FFF2-40B4-BE49-F238E27FC236}">
-                <a16:creationId xmlns:a16="http://schemas.microsoft.com/office/drawing/2014/main" id="{AD706E3A-CFBB-4A6C-A65F-D0360A9E74FE}"/>
+                <a16:creationId xmlns:a16="http://schemas.microsoft.com/office/drawing/2014/main" xmlns="" id="{AD706E3A-CFBB-4A6C-A65F-D0360A9E74FE}"/>
               </a:ext>
             </a:extLst>
           </p:cNvPr>
@@ -4276,7 +4276,7 @@
           <p:cNvPr id="7" name="Espaço Reservado para Data 6">
             <a:extLst>
               <a:ext uri="{FF2B5EF4-FFF2-40B4-BE49-F238E27FC236}">
-                <a16:creationId xmlns:a16="http://schemas.microsoft.com/office/drawing/2014/main" id="{4172C0E5-5AF0-4805-BB51-443733CD2BD5}"/>
+                <a16:creationId xmlns:a16="http://schemas.microsoft.com/office/drawing/2014/main" xmlns="" id="{4172C0E5-5AF0-4805-BB51-443733CD2BD5}"/>
               </a:ext>
             </a:extLst>
           </p:cNvPr>
@@ -4294,7 +4294,7 @@
           <a:p>
             <a:fld id="{63289F7E-B80B-496E-81B4-D396C37C9454}" type="datetimeFigureOut">
               <a:rPr lang="pt-BR" smtClean="0"/>
-              <a:t>25/02/2022</a:t>
+              <a:t>05/08/2022</a:t>
             </a:fld>
             <a:endParaRPr lang="pt-BR"/>
           </a:p>
@@ -4305,7 +4305,7 @@
           <p:cNvPr id="8" name="Espaço Reservado para Rodapé 7">
             <a:extLst>
               <a:ext uri="{FF2B5EF4-FFF2-40B4-BE49-F238E27FC236}">
-                <a16:creationId xmlns:a16="http://schemas.microsoft.com/office/drawing/2014/main" id="{0E801648-156F-497E-99CF-797DF48051E1}"/>
+                <a16:creationId xmlns:a16="http://schemas.microsoft.com/office/drawing/2014/main" xmlns="" id="{0E801648-156F-497E-99CF-797DF48051E1}"/>
               </a:ext>
             </a:extLst>
           </p:cNvPr>
@@ -4330,7 +4330,7 @@
           <p:cNvPr id="9" name="Espaço Reservado para Número de Slide 8">
             <a:extLst>
               <a:ext uri="{FF2B5EF4-FFF2-40B4-BE49-F238E27FC236}">
-                <a16:creationId xmlns:a16="http://schemas.microsoft.com/office/drawing/2014/main" id="{EEE23D32-80E7-4796-A137-66BF842E4B53}"/>
+                <a16:creationId xmlns:a16="http://schemas.microsoft.com/office/drawing/2014/main" xmlns="" id="{EEE23D32-80E7-4796-A137-66BF842E4B53}"/>
               </a:ext>
             </a:extLst>
           </p:cNvPr>
@@ -4389,7 +4389,7 @@
           <p:cNvPr id="2" name="Título 1">
             <a:extLst>
               <a:ext uri="{FF2B5EF4-FFF2-40B4-BE49-F238E27FC236}">
-                <a16:creationId xmlns:a16="http://schemas.microsoft.com/office/drawing/2014/main" id="{2BCE2379-C78F-47E1-8CFC-B846E7AF148D}"/>
+                <a16:creationId xmlns:a16="http://schemas.microsoft.com/office/drawing/2014/main" xmlns="" id="{2BCE2379-C78F-47E1-8CFC-B846E7AF148D}"/>
               </a:ext>
             </a:extLst>
           </p:cNvPr>
@@ -4417,7 +4417,7 @@
           <p:cNvPr id="3" name="Espaço Reservado para Data 2">
             <a:extLst>
               <a:ext uri="{FF2B5EF4-FFF2-40B4-BE49-F238E27FC236}">
-                <a16:creationId xmlns:a16="http://schemas.microsoft.com/office/drawing/2014/main" id="{342600A9-7F92-4E22-9D94-E4717252A817}"/>
+                <a16:creationId xmlns:a16="http://schemas.microsoft.com/office/drawing/2014/main" xmlns="" id="{342600A9-7F92-4E22-9D94-E4717252A817}"/>
               </a:ext>
             </a:extLst>
           </p:cNvPr>
@@ -4435,7 +4435,7 @@
           <a:p>
             <a:fld id="{63289F7E-B80B-496E-81B4-D396C37C9454}" type="datetimeFigureOut">
               <a:rPr lang="pt-BR" smtClean="0"/>
-              <a:t>25/02/2022</a:t>
+              <a:t>05/08/2022</a:t>
             </a:fld>
             <a:endParaRPr lang="pt-BR"/>
           </a:p>
@@ -4446,7 +4446,7 @@
           <p:cNvPr id="4" name="Espaço Reservado para Rodapé 3">
             <a:extLst>
               <a:ext uri="{FF2B5EF4-FFF2-40B4-BE49-F238E27FC236}">
-                <a16:creationId xmlns:a16="http://schemas.microsoft.com/office/drawing/2014/main" id="{192E6BED-F546-40CC-A2DF-99CBA853654E}"/>
+                <a16:creationId xmlns:a16="http://schemas.microsoft.com/office/drawing/2014/main" xmlns="" id="{192E6BED-F546-40CC-A2DF-99CBA853654E}"/>
               </a:ext>
             </a:extLst>
           </p:cNvPr>
@@ -4471,7 +4471,7 @@
           <p:cNvPr id="5" name="Espaço Reservado para Número de Slide 4">
             <a:extLst>
               <a:ext uri="{FF2B5EF4-FFF2-40B4-BE49-F238E27FC236}">
-                <a16:creationId xmlns:a16="http://schemas.microsoft.com/office/drawing/2014/main" id="{6091CC40-A8C4-4063-80EB-CC5099621678}"/>
+                <a16:creationId xmlns:a16="http://schemas.microsoft.com/office/drawing/2014/main" xmlns="" id="{6091CC40-A8C4-4063-80EB-CC5099621678}"/>
               </a:ext>
             </a:extLst>
           </p:cNvPr>
@@ -4530,7 +4530,7 @@
           <p:cNvPr id="2" name="Espaço Reservado para Data 1">
             <a:extLst>
               <a:ext uri="{FF2B5EF4-FFF2-40B4-BE49-F238E27FC236}">
-                <a16:creationId xmlns:a16="http://schemas.microsoft.com/office/drawing/2014/main" id="{DD19515C-212C-4EAE-84A3-8FF4BC844F1B}"/>
+                <a16:creationId xmlns:a16="http://schemas.microsoft.com/office/drawing/2014/main" xmlns="" id="{DD19515C-212C-4EAE-84A3-8FF4BC844F1B}"/>
               </a:ext>
             </a:extLst>
           </p:cNvPr>
@@ -4548,7 +4548,7 @@
           <a:p>
             <a:fld id="{63289F7E-B80B-496E-81B4-D396C37C9454}" type="datetimeFigureOut">
               <a:rPr lang="pt-BR" smtClean="0"/>
-              <a:t>25/02/2022</a:t>
+              <a:t>05/08/2022</a:t>
             </a:fld>
             <a:endParaRPr lang="pt-BR"/>
           </a:p>
@@ -4559,7 +4559,7 @@
           <p:cNvPr id="3" name="Espaço Reservado para Rodapé 2">
             <a:extLst>
               <a:ext uri="{FF2B5EF4-FFF2-40B4-BE49-F238E27FC236}">
-                <a16:creationId xmlns:a16="http://schemas.microsoft.com/office/drawing/2014/main" id="{94D3D120-B3E8-4C96-861D-7A4F12F49B3A}"/>
+                <a16:creationId xmlns:a16="http://schemas.microsoft.com/office/drawing/2014/main" xmlns="" id="{94D3D120-B3E8-4C96-861D-7A4F12F49B3A}"/>
               </a:ext>
             </a:extLst>
           </p:cNvPr>
@@ -4584,7 +4584,7 @@
           <p:cNvPr id="4" name="Espaço Reservado para Número de Slide 3">
             <a:extLst>
               <a:ext uri="{FF2B5EF4-FFF2-40B4-BE49-F238E27FC236}">
-                <a16:creationId xmlns:a16="http://schemas.microsoft.com/office/drawing/2014/main" id="{42E49B68-FA1B-468B-9F17-D5C09243D454}"/>
+                <a16:creationId xmlns:a16="http://schemas.microsoft.com/office/drawing/2014/main" xmlns="" id="{42E49B68-FA1B-468B-9F17-D5C09243D454}"/>
               </a:ext>
             </a:extLst>
           </p:cNvPr>
@@ -4643,7 +4643,7 @@
           <p:cNvPr id="2" name="Título 1">
             <a:extLst>
               <a:ext uri="{FF2B5EF4-FFF2-40B4-BE49-F238E27FC236}">
-                <a16:creationId xmlns:a16="http://schemas.microsoft.com/office/drawing/2014/main" id="{1C17BCBE-A897-4319-85EC-D87909C24980}"/>
+                <a16:creationId xmlns:a16="http://schemas.microsoft.com/office/drawing/2014/main" xmlns="" id="{1C17BCBE-A897-4319-85EC-D87909C24980}"/>
               </a:ext>
             </a:extLst>
           </p:cNvPr>
@@ -4680,7 +4680,7 @@
           <p:cNvPr id="3" name="Espaço Reservado para Conteúdo 2">
             <a:extLst>
               <a:ext uri="{FF2B5EF4-FFF2-40B4-BE49-F238E27FC236}">
-                <a16:creationId xmlns:a16="http://schemas.microsoft.com/office/drawing/2014/main" id="{4226F885-0204-4913-868B-4B8B82576F17}"/>
+                <a16:creationId xmlns:a16="http://schemas.microsoft.com/office/drawing/2014/main" xmlns="" id="{4226F885-0204-4913-868B-4B8B82576F17}"/>
               </a:ext>
             </a:extLst>
           </p:cNvPr>
@@ -4770,7 +4770,7 @@
           <p:cNvPr id="4" name="Espaço Reservado para Texto 3">
             <a:extLst>
               <a:ext uri="{FF2B5EF4-FFF2-40B4-BE49-F238E27FC236}">
-                <a16:creationId xmlns:a16="http://schemas.microsoft.com/office/drawing/2014/main" id="{00F9F784-A858-441B-8AB5-697098141751}"/>
+                <a16:creationId xmlns:a16="http://schemas.microsoft.com/office/drawing/2014/main" xmlns="" id="{00F9F784-A858-441B-8AB5-697098141751}"/>
               </a:ext>
             </a:extLst>
           </p:cNvPr>
@@ -4841,7 +4841,7 @@
           <p:cNvPr id="5" name="Espaço Reservado para Data 4">
             <a:extLst>
               <a:ext uri="{FF2B5EF4-FFF2-40B4-BE49-F238E27FC236}">
-                <a16:creationId xmlns:a16="http://schemas.microsoft.com/office/drawing/2014/main" id="{A4DC363A-5000-472E-8B17-02E7DCB8840A}"/>
+                <a16:creationId xmlns:a16="http://schemas.microsoft.com/office/drawing/2014/main" xmlns="" id="{A4DC363A-5000-472E-8B17-02E7DCB8840A}"/>
               </a:ext>
             </a:extLst>
           </p:cNvPr>
@@ -4859,7 +4859,7 @@
           <a:p>
             <a:fld id="{63289F7E-B80B-496E-81B4-D396C37C9454}" type="datetimeFigureOut">
               <a:rPr lang="pt-BR" smtClean="0"/>
-              <a:t>25/02/2022</a:t>
+              <a:t>05/08/2022</a:t>
             </a:fld>
             <a:endParaRPr lang="pt-BR"/>
           </a:p>
@@ -4870,7 +4870,7 @@
           <p:cNvPr id="6" name="Espaço Reservado para Rodapé 5">
             <a:extLst>
               <a:ext uri="{FF2B5EF4-FFF2-40B4-BE49-F238E27FC236}">
-                <a16:creationId xmlns:a16="http://schemas.microsoft.com/office/drawing/2014/main" id="{5548425D-2C21-4C56-BAD4-662978775C28}"/>
+                <a16:creationId xmlns:a16="http://schemas.microsoft.com/office/drawing/2014/main" xmlns="" id="{5548425D-2C21-4C56-BAD4-662978775C28}"/>
               </a:ext>
             </a:extLst>
           </p:cNvPr>
@@ -4895,7 +4895,7 @@
           <p:cNvPr id="7" name="Espaço Reservado para Número de Slide 6">
             <a:extLst>
               <a:ext uri="{FF2B5EF4-FFF2-40B4-BE49-F238E27FC236}">
-                <a16:creationId xmlns:a16="http://schemas.microsoft.com/office/drawing/2014/main" id="{C63E9726-E64C-42B2-AE8A-8C235A956B48}"/>
+                <a16:creationId xmlns:a16="http://schemas.microsoft.com/office/drawing/2014/main" xmlns="" id="{C63E9726-E64C-42B2-AE8A-8C235A956B48}"/>
               </a:ext>
             </a:extLst>
           </p:cNvPr>
@@ -4954,7 +4954,7 @@
           <p:cNvPr id="2" name="Título 1">
             <a:extLst>
               <a:ext uri="{FF2B5EF4-FFF2-40B4-BE49-F238E27FC236}">
-                <a16:creationId xmlns:a16="http://schemas.microsoft.com/office/drawing/2014/main" id="{11086A78-3E74-450C-96A6-CA8AC37AF772}"/>
+                <a16:creationId xmlns:a16="http://schemas.microsoft.com/office/drawing/2014/main" xmlns="" id="{11086A78-3E74-450C-96A6-CA8AC37AF772}"/>
               </a:ext>
             </a:extLst>
           </p:cNvPr>
@@ -4991,7 +4991,7 @@
           <p:cNvPr id="3" name="Espaço Reservado para Imagem 2">
             <a:extLst>
               <a:ext uri="{FF2B5EF4-FFF2-40B4-BE49-F238E27FC236}">
-                <a16:creationId xmlns:a16="http://schemas.microsoft.com/office/drawing/2014/main" id="{5F5B7312-975A-4DBC-9B2F-3652ADA006FD}"/>
+                <a16:creationId xmlns:a16="http://schemas.microsoft.com/office/drawing/2014/main" xmlns="" id="{5F5B7312-975A-4DBC-9B2F-3652ADA006FD}"/>
               </a:ext>
             </a:extLst>
           </p:cNvPr>
@@ -5058,7 +5058,7 @@
           <p:cNvPr id="4" name="Espaço Reservado para Texto 3">
             <a:extLst>
               <a:ext uri="{FF2B5EF4-FFF2-40B4-BE49-F238E27FC236}">
-                <a16:creationId xmlns:a16="http://schemas.microsoft.com/office/drawing/2014/main" id="{AAF805F5-1DFF-41C6-944C-7D79FE0D0963}"/>
+                <a16:creationId xmlns:a16="http://schemas.microsoft.com/office/drawing/2014/main" xmlns="" id="{AAF805F5-1DFF-41C6-944C-7D79FE0D0963}"/>
               </a:ext>
             </a:extLst>
           </p:cNvPr>
@@ -5129,7 +5129,7 @@
           <p:cNvPr id="5" name="Espaço Reservado para Data 4">
             <a:extLst>
               <a:ext uri="{FF2B5EF4-FFF2-40B4-BE49-F238E27FC236}">
-                <a16:creationId xmlns:a16="http://schemas.microsoft.com/office/drawing/2014/main" id="{02113D81-8665-4516-BD81-C6A1F254EECD}"/>
+                <a16:creationId xmlns:a16="http://schemas.microsoft.com/office/drawing/2014/main" xmlns="" id="{02113D81-8665-4516-BD81-C6A1F254EECD}"/>
               </a:ext>
             </a:extLst>
           </p:cNvPr>
@@ -5147,7 +5147,7 @@
           <a:p>
             <a:fld id="{63289F7E-B80B-496E-81B4-D396C37C9454}" type="datetimeFigureOut">
               <a:rPr lang="pt-BR" smtClean="0"/>
-              <a:t>25/02/2022</a:t>
+              <a:t>05/08/2022</a:t>
             </a:fld>
             <a:endParaRPr lang="pt-BR"/>
           </a:p>
@@ -5158,7 +5158,7 @@
           <p:cNvPr id="6" name="Espaço Reservado para Rodapé 5">
             <a:extLst>
               <a:ext uri="{FF2B5EF4-FFF2-40B4-BE49-F238E27FC236}">
-                <a16:creationId xmlns:a16="http://schemas.microsoft.com/office/drawing/2014/main" id="{2B00C88B-FF32-40AA-A187-727D96FD7862}"/>
+                <a16:creationId xmlns:a16="http://schemas.microsoft.com/office/drawing/2014/main" xmlns="" id="{2B00C88B-FF32-40AA-A187-727D96FD7862}"/>
               </a:ext>
             </a:extLst>
           </p:cNvPr>
@@ -5183,7 +5183,7 @@
           <p:cNvPr id="7" name="Espaço Reservado para Número de Slide 6">
             <a:extLst>
               <a:ext uri="{FF2B5EF4-FFF2-40B4-BE49-F238E27FC236}">
-                <a16:creationId xmlns:a16="http://schemas.microsoft.com/office/drawing/2014/main" id="{A04D1A2D-69F7-4B8F-A730-BC26DC340BA6}"/>
+                <a16:creationId xmlns:a16="http://schemas.microsoft.com/office/drawing/2014/main" xmlns="" id="{A04D1A2D-69F7-4B8F-A730-BC26DC340BA6}"/>
               </a:ext>
             </a:extLst>
           </p:cNvPr>
@@ -5247,7 +5247,7 @@
           <p:cNvPr id="2" name="Espaço Reservado para Título 1">
             <a:extLst>
               <a:ext uri="{FF2B5EF4-FFF2-40B4-BE49-F238E27FC236}">
-                <a16:creationId xmlns:a16="http://schemas.microsoft.com/office/drawing/2014/main" id="{E69A0273-1966-4A1B-9370-4C1CE5036371}"/>
+                <a16:creationId xmlns:a16="http://schemas.microsoft.com/office/drawing/2014/main" xmlns="" id="{E69A0273-1966-4A1B-9370-4C1CE5036371}"/>
               </a:ext>
             </a:extLst>
           </p:cNvPr>
@@ -5285,7 +5285,7 @@
           <p:cNvPr id="3" name="Espaço Reservado para Texto 2">
             <a:extLst>
               <a:ext uri="{FF2B5EF4-FFF2-40B4-BE49-F238E27FC236}">
-                <a16:creationId xmlns:a16="http://schemas.microsoft.com/office/drawing/2014/main" id="{3B9CF87A-0448-49A7-AB25-EBC1D56A40EF}"/>
+                <a16:creationId xmlns:a16="http://schemas.microsoft.com/office/drawing/2014/main" xmlns="" id="{3B9CF87A-0448-49A7-AB25-EBC1D56A40EF}"/>
               </a:ext>
             </a:extLst>
           </p:cNvPr>
@@ -5352,7 +5352,7 @@
           <p:cNvPr id="4" name="Espaço Reservado para Data 3">
             <a:extLst>
               <a:ext uri="{FF2B5EF4-FFF2-40B4-BE49-F238E27FC236}">
-                <a16:creationId xmlns:a16="http://schemas.microsoft.com/office/drawing/2014/main" id="{2EF7B1F2-BB5A-44D0-816D-16AD2C71430E}"/>
+                <a16:creationId xmlns:a16="http://schemas.microsoft.com/office/drawing/2014/main" xmlns="" id="{2EF7B1F2-BB5A-44D0-816D-16AD2C71430E}"/>
               </a:ext>
             </a:extLst>
           </p:cNvPr>
@@ -5388,7 +5388,7 @@
           <a:p>
             <a:fld id="{63289F7E-B80B-496E-81B4-D396C37C9454}" type="datetimeFigureOut">
               <a:rPr lang="pt-BR" smtClean="0"/>
-              <a:t>25/02/2022</a:t>
+              <a:t>05/08/2022</a:t>
             </a:fld>
             <a:endParaRPr lang="pt-BR"/>
           </a:p>
@@ -5399,7 +5399,7 @@
           <p:cNvPr id="5" name="Espaço Reservado para Rodapé 4">
             <a:extLst>
               <a:ext uri="{FF2B5EF4-FFF2-40B4-BE49-F238E27FC236}">
-                <a16:creationId xmlns:a16="http://schemas.microsoft.com/office/drawing/2014/main" id="{C703F94C-2CC8-4DAA-BC35-14FC3E841DCD}"/>
+                <a16:creationId xmlns:a16="http://schemas.microsoft.com/office/drawing/2014/main" xmlns="" id="{C703F94C-2CC8-4DAA-BC35-14FC3E841DCD}"/>
               </a:ext>
             </a:extLst>
           </p:cNvPr>
@@ -5442,7 +5442,7 @@
           <p:cNvPr id="6" name="Espaço Reservado para Número de Slide 5">
             <a:extLst>
               <a:ext uri="{FF2B5EF4-FFF2-40B4-BE49-F238E27FC236}">
-                <a16:creationId xmlns:a16="http://schemas.microsoft.com/office/drawing/2014/main" id="{64051336-7048-457A-8B61-D94291D71648}"/>
+                <a16:creationId xmlns:a16="http://schemas.microsoft.com/office/drawing/2014/main" xmlns="" id="{64051336-7048-457A-8B61-D94291D71648}"/>
               </a:ext>
             </a:extLst>
           </p:cNvPr>
@@ -5810,7 +5810,7 @@
           <p:cNvPr id="2" name="Título 1">
             <a:extLst>
               <a:ext uri="{FF2B5EF4-FFF2-40B4-BE49-F238E27FC236}">
-                <a16:creationId xmlns:a16="http://schemas.microsoft.com/office/drawing/2014/main" id="{32666AC8-2E17-4DB4-B0F5-60C640CCFD2E}"/>
+                <a16:creationId xmlns:a16="http://schemas.microsoft.com/office/drawing/2014/main" xmlns="" id="{32666AC8-2E17-4DB4-B0F5-60C640CCFD2E}"/>
               </a:ext>
             </a:extLst>
           </p:cNvPr>
@@ -5837,6 +5837,10 @@
               <a:rPr lang="pt-BR" sz="5400" dirty="0"/>
               <a:t>T320 - Introdução ao Aprendizado de Máquina II:</a:t>
             </a:r>
+            <a:r>
+              <a:rPr lang="pt-BR" dirty="0"/>
+              <a:t/>
+            </a:r>
             <a:br>
               <a:rPr lang="pt-BR" dirty="0"/>
             </a:br>
@@ -5852,7 +5856,7 @@
           <p:cNvPr id="4" name="CaixaDeTexto 3">
             <a:extLst>
               <a:ext uri="{FF2B5EF4-FFF2-40B4-BE49-F238E27FC236}">
-                <a16:creationId xmlns:a16="http://schemas.microsoft.com/office/drawing/2014/main" id="{430EB894-B7D4-434C-9D1A-A14094D9BEEC}"/>
+                <a16:creationId xmlns:a16="http://schemas.microsoft.com/office/drawing/2014/main" xmlns="" id="{430EB894-B7D4-434C-9D1A-A14094D9BEEC}"/>
               </a:ext>
             </a:extLst>
           </p:cNvPr>
@@ -5893,7 +5897,7 @@
           <p:cNvPr id="1026" name="Picture 2" descr="Logo">
             <a:extLst>
               <a:ext uri="{FF2B5EF4-FFF2-40B4-BE49-F238E27FC236}">
-                <a16:creationId xmlns:a16="http://schemas.microsoft.com/office/drawing/2014/main" id="{3F2642E0-4F6A-4196-8F58-E77D36E9A33F}"/>
+                <a16:creationId xmlns:a16="http://schemas.microsoft.com/office/drawing/2014/main" xmlns="" id="{3F2642E0-4F6A-4196-8F58-E77D36E9A33F}"/>
               </a:ext>
             </a:extLst>
           </p:cNvPr>
@@ -5938,7 +5942,7 @@
           <p:cNvPr id="5122" name="Picture 2" descr="Image result for machine learning">
             <a:extLst>
               <a:ext uri="{FF2B5EF4-FFF2-40B4-BE49-F238E27FC236}">
-                <a16:creationId xmlns:a16="http://schemas.microsoft.com/office/drawing/2014/main" id="{810CE0A2-4102-44A6-A370-175E7896CDCB}"/>
+                <a16:creationId xmlns:a16="http://schemas.microsoft.com/office/drawing/2014/main" xmlns="" id="{810CE0A2-4102-44A6-A370-175E7896CDCB}"/>
               </a:ext>
             </a:extLst>
           </p:cNvPr>
@@ -6339,8 +6343,8 @@
           </a:p>
         </p:txBody>
       </p:sp>
-      <mc:AlternateContent xmlns:mc="http://schemas.openxmlformats.org/markup-compatibility/2006">
-        <mc:Choice xmlns:a14="http://schemas.microsoft.com/office/drawing/2010/main" Requires="a14">
+      <mc:AlternateContent xmlns:mc="http://schemas.openxmlformats.org/markup-compatibility/2006" xmlns:a14="http://schemas.microsoft.com/office/drawing/2010/main">
+        <mc:Choice Requires="a14">
           <p:sp>
             <p:nvSpPr>
               <p:cNvPr id="3" name="Content Placeholder 2"/>
@@ -6461,7 +6465,7 @@
             </p:txBody>
           </p:sp>
         </mc:Choice>
-        <mc:Fallback>
+        <mc:Fallback xmlns="">
           <p:sp>
             <p:nvSpPr>
               <p:cNvPr id="3" name="Content Placeholder 2"/>
@@ -6528,8 +6532,8 @@
           </a:prstGeom>
         </p:spPr>
       </p:pic>
-      <mc:AlternateContent xmlns:mc="http://schemas.openxmlformats.org/markup-compatibility/2006">
-        <mc:Choice xmlns:a14="http://schemas.microsoft.com/office/drawing/2010/main" Requires="a14">
+      <mc:AlternateContent xmlns:mc="http://schemas.openxmlformats.org/markup-compatibility/2006" xmlns:a14="http://schemas.microsoft.com/office/drawing/2010/main">
+        <mc:Choice Requires="a14">
           <p:sp>
             <p:nvSpPr>
               <p:cNvPr id="9" name="TextBox 8"/>
@@ -6663,7 +6667,7 @@
             </p:txBody>
           </p:sp>
         </mc:Choice>
-        <mc:Fallback>
+        <mc:Fallback xmlns="">
           <p:sp>
             <p:nvSpPr>
               <p:cNvPr id="9" name="TextBox 8"/>
@@ -6881,7 +6885,7 @@
           <p:cNvPr id="4" name="Título 1">
             <a:extLst>
               <a:ext uri="{FF2B5EF4-FFF2-40B4-BE49-F238E27FC236}">
-                <a16:creationId xmlns:a16="http://schemas.microsoft.com/office/drawing/2014/main" id="{32666AC8-2E17-4DB4-B0F5-60C640CCFD2E}"/>
+                <a16:creationId xmlns:a16="http://schemas.microsoft.com/office/drawing/2014/main" xmlns="" id="{32666AC8-2E17-4DB4-B0F5-60C640CCFD2E}"/>
               </a:ext>
             </a:extLst>
           </p:cNvPr>
@@ -8847,16 +8851,25 @@
           <a:p>
             <a:r>
               <a:rPr lang="pt-BR" dirty="0"/>
-              <a:t>Anteriormente, vimos exemplos de uso de algoritmos de </a:t>
-            </a:r>
-            <a:r>
-              <a:rPr lang="pt-BR" b="1" i="1" dirty="0"/>
+              <a:t>Anteriormente, vimos exemplos de </a:t>
+            </a:r>
+            <a:r>
+              <a:rPr lang="pt-BR" dirty="0" smtClean="0"/>
+              <a:t>aplicação de </a:t>
+            </a:r>
+            <a:r>
+              <a:rPr lang="pt-BR" dirty="0"/>
+              <a:t>algoritmos de </a:t>
+            </a:r>
+            <a:r>
+              <a:rPr lang="pt-BR" b="1" i="1" dirty="0" smtClean="0"/>
               <a:t>classificação</a:t>
             </a:r>
             <a:r>
               <a:rPr lang="pt-BR" dirty="0"/>
-              <a:t>.</a:t>
-            </a:r>
+              <a:t>:</a:t>
+            </a:r>
+            <a:endParaRPr lang="pt-BR" dirty="0"/>
           </a:p>
           <a:p>
             <a:pPr lvl="1">
@@ -8913,7 +8926,15 @@
             </a:r>
             <a:r>
               <a:rPr lang="pt-BR" dirty="0"/>
-              <a:t>e que o desafio é encontrar uma função adequada e os pesos correspondentes.</a:t>
+              <a:t>e que o desafio é encontrar </a:t>
+            </a:r>
+            <a:r>
+              <a:rPr lang="pt-BR" dirty="0" smtClean="0"/>
+              <a:t>funções adequadas </a:t>
+            </a:r>
+            <a:r>
+              <a:rPr lang="pt-BR" dirty="0"/>
+              <a:t>e os pesos correspondentes.</a:t>
             </a:r>
           </a:p>
           <a:p>
@@ -8981,8 +9002,8 @@
           </a:p>
         </p:txBody>
       </p:sp>
-      <mc:AlternateContent xmlns:mc="http://schemas.openxmlformats.org/markup-compatibility/2006" xmlns:a14="http://schemas.microsoft.com/office/drawing/2010/main">
-        <mc:Choice Requires="a14">
+      <mc:AlternateContent xmlns:mc="http://schemas.openxmlformats.org/markup-compatibility/2006">
+        <mc:Choice xmlns:a14="http://schemas.microsoft.com/office/drawing/2010/main" Requires="a14">
           <p:sp>
             <p:nvSpPr>
               <p:cNvPr id="3" name="Content Placeholder 2"/>
@@ -8995,13 +9016,13 @@
             </p:nvSpPr>
             <p:spPr>
               <a:xfrm>
-                <a:off x="838199" y="1690688"/>
-                <a:ext cx="11112375" cy="5167311"/>
+                <a:off x="838200" y="1690688"/>
+                <a:ext cx="11020426" cy="5167311"/>
               </a:xfrm>
             </p:spPr>
             <p:txBody>
               <a:bodyPr>
-                <a:normAutofit fontScale="92500" lnSpcReduction="20000"/>
+                <a:normAutofit fontScale="85000" lnSpcReduction="10000"/>
               </a:bodyPr>
               <a:lstStyle/>
               <a:p>
@@ -9015,7 +9036,29 @@
                 </a:r>
                 <a:r>
                   <a:rPr lang="pt-BR" dirty="0"/>
-                  <a:t> é usar as características (i.e., atributos) de, por exemplo, um objeto para identificar a qual classe ele pertence.</a:t>
+                  <a:t> é usar as características (i.e., </a:t>
+                </a:r>
+                <a:r>
+                  <a:rPr lang="pt-BR" dirty="0" smtClean="0"/>
+                  <a:t>vetores de atributos, </a:t>
+                </a:r>
+                <a14:m>
+                  <m:oMath xmlns:m="http://schemas.openxmlformats.org/officeDocument/2006/math">
+                    <m:r>
+                      <a:rPr lang="pt-BR" b="1" i="1">
+                        <a:latin typeface="Cambria Math" panose="02040503050406030204" pitchFamily="18" charset="0"/>
+                      </a:rPr>
+                      <m:t>𝒙</m:t>
+                    </m:r>
+                  </m:oMath>
+                </a14:m>
+                <a:r>
+                  <a:rPr lang="pt-BR" dirty="0" smtClean="0"/>
+                  <a:t>) </a:t>
+                </a:r>
+                <a:r>
+                  <a:rPr lang="pt-BR" dirty="0"/>
+                  <a:t>de, por exemplo, um objeto para identificar a qual classe ele pertence.</a:t>
                 </a:r>
               </a:p>
               <a:p>
@@ -9029,7 +9072,15 @@
                 </a:r>
                 <a:r>
                   <a:rPr lang="pt-BR" dirty="0"/>
-                  <a:t>atinge esse objetivo tomando uma decisão de classificação com base no valor de uma </a:t>
+                  <a:t>atinge esse objetivo </a:t>
+                </a:r>
+                <a:r>
+                  <a:rPr lang="pt-BR" b="1" i="1" dirty="0"/>
+                  <a:t>tomando uma decisão de classificação </a:t>
+                </a:r>
+                <a:r>
+                  <a:rPr lang="pt-BR" dirty="0"/>
+                  <a:t>com base no valor de uma </a:t>
                 </a:r>
                 <a:r>
                   <a:rPr lang="pt-BR" b="1" i="1" dirty="0"/>
@@ -9705,7 +9756,15 @@
                 </a:r>
                 <a:r>
                   <a:rPr lang="pt-BR" dirty="0"/>
-                  <a:t>é uma função que converte a saída da </a:t>
+                  <a:t>é uma função que </a:t>
+                </a:r>
+                <a:r>
+                  <a:rPr lang="pt-BR" dirty="0" smtClean="0"/>
+                  <a:t>mapeia a </a:t>
+                </a:r>
+                <a:r>
+                  <a:rPr lang="pt-BR" dirty="0"/>
+                  <a:t>saída da </a:t>
                 </a:r>
                 <a:r>
                   <a:rPr lang="pt-BR" b="1" i="1" dirty="0"/>
@@ -9856,8 +9915,12 @@
                   <a:t>funções discriminantes </a:t>
                 </a:r>
                 <a:r>
-                  <a:rPr lang="pt-BR" dirty="0"/>
-                  <a:t>são formadas por equações de hiperplanos: </a:t>
+                  <a:rPr lang="pt-BR" dirty="0" smtClean="0"/>
+                  <a:t>seguem equações </a:t>
+                </a:r>
+                <a:r>
+                  <a:rPr lang="pt-BR" dirty="0"/>
+                  <a:t>de hiperplanos: </a:t>
                 </a:r>
                 <a14:m>
                   <m:oMath xmlns:m="http://schemas.openxmlformats.org/officeDocument/2006/math">
@@ -9964,7 +10027,7 @@
             </p:txBody>
           </p:sp>
         </mc:Choice>
-        <mc:Fallback xmlns="">
+        <mc:Fallback>
           <p:sp>
             <p:nvSpPr>
               <p:cNvPr id="3" name="Content Placeholder 2"/>
@@ -9977,13 +10040,13 @@
             </p:nvSpPr>
             <p:spPr>
               <a:xfrm>
-                <a:off x="838199" y="1690688"/>
-                <a:ext cx="11112375" cy="5167311"/>
+                <a:off x="838200" y="1690688"/>
+                <a:ext cx="11020426" cy="5167311"/>
               </a:xfrm>
               <a:blipFill rotWithShape="0">
                 <a:blip r:embed="rId3"/>
                 <a:stretch>
-                  <a:fillRect l="-933" t="-2948" r="-1097" b="-2948"/>
+                  <a:fillRect l="-2214" t="-2241" r="-996" b="-11910"/>
                 </a:stretch>
               </a:blipFill>
             </p:spPr>
@@ -9992,7 +10055,7 @@
               <a:lstStyle/>
               <a:p>
                 <a:r>
-                  <a:rPr lang="pt-BR">
+                  <a:rPr lang="en-US">
                     <a:noFill/>
                   </a:rPr>
                   <a:t> </a:t>
@@ -10059,8 +10122,8 @@
           </a:p>
         </p:txBody>
       </p:sp>
-      <mc:AlternateContent xmlns:mc="http://schemas.openxmlformats.org/markup-compatibility/2006" xmlns:a14="http://schemas.microsoft.com/office/drawing/2010/main">
-        <mc:Choice Requires="a14">
+      <mc:AlternateContent xmlns:mc="http://schemas.openxmlformats.org/markup-compatibility/2006">
+        <mc:Choice xmlns:a14="http://schemas.microsoft.com/office/drawing/2010/main" Requires="a14">
           <p:sp>
             <p:nvSpPr>
               <p:cNvPr id="3" name="Content Placeholder 2"/>
@@ -10079,7 +10142,7 @@
             </p:spPr>
             <p:txBody>
               <a:bodyPr>
-                <a:normAutofit fontScale="77500" lnSpcReduction="20000"/>
+                <a:normAutofit fontScale="85000" lnSpcReduction="20000"/>
               </a:bodyPr>
               <a:lstStyle/>
               <a:p>
@@ -10246,128 +10309,80 @@
               </a:p>
               <a:p>
                 <a:r>
+                  <a:rPr lang="pt-BR" dirty="0" smtClean="0"/>
+                  <a:t>Para </a:t>
+                </a:r>
+                <a:r>
+                  <a:rPr lang="pt-BR" dirty="0"/>
+                  <a:t>que um </a:t>
+                </a:r>
+                <a:r>
                   <a:rPr lang="pt-BR" b="1" i="1" dirty="0"/>
-                  <a:t>Classificadores binários </a:t>
-                </a:r>
-                <a:r>
-                  <a:rPr lang="pt-BR" dirty="0"/>
-                  <a:t>têm como saída o valor </a:t>
+                  <a:t>classificador linear </a:t>
+                </a:r>
+                <a:r>
+                  <a:rPr lang="pt-BR" dirty="0"/>
+                  <a:t>funcione corretamente, </a:t>
+                </a:r>
+                <a:r>
+                  <a:rPr lang="pt-BR" dirty="0" smtClean="0"/>
+                  <a:t>as classes </a:t>
+                </a:r>
+                <a:r>
+                  <a:rPr lang="pt-BR" dirty="0"/>
+                  <a:t>devem ser </a:t>
                 </a:r>
                 <a:r>
                   <a:rPr lang="pt-BR" b="1" i="1" dirty="0"/>
-                  <a:t>0</a:t>
-                </a:r>
-                <a:r>
-                  <a:rPr lang="pt-BR" dirty="0"/>
-                  <a:t> caso o exemplo pertença à classe </a:t>
-                </a:r>
-                <a14:m>
-                  <m:oMath xmlns:m="http://schemas.openxmlformats.org/officeDocument/2006/math">
-                    <m:sSub>
-                      <m:sSubPr>
-                        <m:ctrlPr>
-                          <a:rPr lang="pt-BR" i="1">
-                            <a:latin typeface="Cambria Math" panose="02040503050406030204" pitchFamily="18" charset="0"/>
-                          </a:rPr>
-                        </m:ctrlPr>
-                      </m:sSubPr>
-                      <m:e>
-                        <m:r>
-                          <a:rPr lang="pt-BR" i="1">
-                            <a:latin typeface="Cambria Math" panose="02040503050406030204" pitchFamily="18" charset="0"/>
-                          </a:rPr>
-                          <m:t>𝐶</m:t>
-                        </m:r>
-                      </m:e>
-                      <m:sub>
-                        <m:r>
-                          <a:rPr lang="pt-BR" i="1">
-                            <a:latin typeface="Cambria Math" panose="02040503050406030204" pitchFamily="18" charset="0"/>
-                          </a:rPr>
-                          <m:t>1</m:t>
-                        </m:r>
-                      </m:sub>
-                    </m:sSub>
-                  </m:oMath>
-                </a14:m>
-                <a:r>
-                  <a:rPr lang="pt-BR" dirty="0"/>
-                  <a:t> (</a:t>
-                </a:r>
-                <a:r>
-                  <a:rPr lang="pt-BR" b="1" i="1" dirty="0"/>
-                  <a:t>classe negativa</a:t>
-                </a:r>
-                <a:r>
-                  <a:rPr lang="pt-BR" dirty="0"/>
-                  <a:t>) ou </a:t>
-                </a:r>
-                <a:r>
-                  <a:rPr lang="pt-BR" b="1" i="1" dirty="0"/>
-                  <a:t>1</a:t>
-                </a:r>
-                <a:r>
-                  <a:rPr lang="pt-BR" dirty="0"/>
-                  <a:t> caso ele pertença à classe </a:t>
-                </a:r>
-                <a14:m>
-                  <m:oMath xmlns:m="http://schemas.openxmlformats.org/officeDocument/2006/math">
-                    <m:sSub>
-                      <m:sSubPr>
-                        <m:ctrlPr>
-                          <a:rPr lang="pt-BR" i="1">
-                            <a:latin typeface="Cambria Math" panose="02040503050406030204" pitchFamily="18" charset="0"/>
-                          </a:rPr>
-                        </m:ctrlPr>
-                      </m:sSubPr>
-                      <m:e>
-                        <m:r>
-                          <a:rPr lang="pt-BR" i="1">
-                            <a:latin typeface="Cambria Math" panose="02040503050406030204" pitchFamily="18" charset="0"/>
-                          </a:rPr>
-                          <m:t>𝐶</m:t>
-                        </m:r>
-                      </m:e>
-                      <m:sub>
-                        <m:r>
-                          <a:rPr lang="pt-BR" i="1">
-                            <a:latin typeface="Cambria Math" panose="02040503050406030204" pitchFamily="18" charset="0"/>
-                          </a:rPr>
-                          <m:t>2</m:t>
-                        </m:r>
-                      </m:sub>
-                    </m:sSub>
-                  </m:oMath>
-                </a14:m>
-                <a:r>
-                  <a:rPr lang="pt-BR" b="1" i="1" dirty="0"/>
-                  <a:t> </a:t>
-                </a:r>
-                <a:r>
-                  <a:rPr lang="pt-BR" dirty="0"/>
-                  <a:t>(</a:t>
-                </a:r>
-                <a:r>
-                  <a:rPr lang="pt-BR" b="1" i="1" dirty="0"/>
-                  <a:t>classe positiva</a:t>
-                </a:r>
-                <a:r>
-                  <a:rPr lang="pt-BR" dirty="0"/>
-                  <a:t>).</a:t>
+                  <a:t>linearmente separáveis</a:t>
+                </a:r>
+                <a:r>
+                  <a:rPr lang="pt-BR" dirty="0"/>
+                  <a:t>.</a:t>
                 </a:r>
               </a:p>
               <a:p>
                 <a:r>
                   <a:rPr lang="pt-BR" dirty="0"/>
-                  <a:t>Para que um </a:t>
+                  <a:t>Isso significa que as classes devem ser </a:t>
                 </a:r>
                 <a:r>
                   <a:rPr lang="pt-BR" b="1" i="1" dirty="0"/>
-                  <a:t>classificador linear </a:t>
-                </a:r>
-                <a:r>
-                  <a:rPr lang="pt-BR" dirty="0"/>
-                  <a:t>funcione corretamente, as duas classes devem ser </a:t>
+                  <a:t>suficientemente separadas </a:t>
+                </a:r>
+                <a:r>
+                  <a:rPr lang="pt-BR" dirty="0"/>
+                  <a:t>umas das outras para garantir que a </a:t>
+                </a:r>
+                <a:r>
+                  <a:rPr lang="pt-BR" b="1" i="1" dirty="0"/>
+                  <a:t>superfície de decisão </a:t>
+                </a:r>
+                <a:r>
+                  <a:rPr lang="pt-BR" dirty="0"/>
+                  <a:t>consista de um </a:t>
+                </a:r>
+                <a:r>
+                  <a:rPr lang="pt-BR" b="1" i="1" dirty="0"/>
+                  <a:t>hiperplano</a:t>
+                </a:r>
+                <a:r>
+                  <a:rPr lang="pt-BR" dirty="0"/>
+                  <a:t>.</a:t>
+                </a:r>
+              </a:p>
+              <a:p>
+                <a:r>
+                  <a:rPr lang="pt-BR" dirty="0"/>
+                  <a:t>Classes que podem ser separadas por um </a:t>
+                </a:r>
+                <a:r>
+                  <a:rPr lang="pt-BR" b="1" i="1" dirty="0"/>
+                  <a:t>hiperplano</a:t>
+                </a:r>
+                <a:r>
+                  <a:rPr lang="pt-BR" dirty="0"/>
+                  <a:t> são chamadas de </a:t>
                 </a:r>
                 <a:r>
                   <a:rPr lang="pt-BR" b="1" i="1" dirty="0"/>
@@ -10381,58 +10396,6 @@
               <a:p>
                 <a:r>
                   <a:rPr lang="pt-BR" dirty="0"/>
-                  <a:t>Isso significa que as classes devem ser </a:t>
-                </a:r>
-                <a:r>
-                  <a:rPr lang="pt-BR" b="1" i="1" dirty="0"/>
-                  <a:t>suficientemente separadas </a:t>
-                </a:r>
-                <a:r>
-                  <a:rPr lang="pt-BR" dirty="0"/>
-                  <a:t>umas das outras para garantir que a </a:t>
-                </a:r>
-                <a:r>
-                  <a:rPr lang="pt-BR" b="1" i="1" dirty="0"/>
-                  <a:t>superfície de decisão </a:t>
-                </a:r>
-                <a:r>
-                  <a:rPr lang="pt-BR" dirty="0"/>
-                  <a:t>consista de um </a:t>
-                </a:r>
-                <a:r>
-                  <a:rPr lang="pt-BR" b="1" i="1" dirty="0"/>
-                  <a:t>hiperplano</a:t>
-                </a:r>
-                <a:r>
-                  <a:rPr lang="pt-BR" dirty="0"/>
-                  <a:t>.</a:t>
-                </a:r>
-              </a:p>
-              <a:p>
-                <a:r>
-                  <a:rPr lang="pt-BR" dirty="0"/>
-                  <a:t>Classes que podem ser separadas por um </a:t>
-                </a:r>
-                <a:r>
-                  <a:rPr lang="pt-BR" b="1" i="1" dirty="0"/>
-                  <a:t>hiperplano</a:t>
-                </a:r>
-                <a:r>
-                  <a:rPr lang="pt-BR" dirty="0"/>
-                  <a:t> são chamadas de </a:t>
-                </a:r>
-                <a:r>
-                  <a:rPr lang="pt-BR" b="1" i="1" dirty="0"/>
-                  <a:t>linearmente separáveis</a:t>
-                </a:r>
-                <a:r>
-                  <a:rPr lang="pt-BR" dirty="0"/>
-                  <a:t>.</a:t>
-                </a:r>
-              </a:p>
-              <a:p>
-                <a:r>
-                  <a:rPr lang="pt-BR" dirty="0"/>
                   <a:t>Na primeira figura, a </a:t>
                 </a:r>
                 <a:r>
@@ -10452,7 +10415,7 @@
                   <a:t>que é uma </a:t>
                 </a:r>
                 <a:r>
-                  <a:rPr lang="pt-BR" b="1" dirty="0"/>
+                  <a:rPr lang="pt-BR" b="1" i="1" dirty="0"/>
                   <a:t>reta</a:t>
                 </a:r>
                 <a:r>
@@ -10462,7 +10425,7 @@
                 <a14:m>
                   <m:oMath xmlns:m="http://schemas.openxmlformats.org/officeDocument/2006/math">
                     <m:r>
-                      <a:rPr lang="pt-BR" sz="2100" b="0" i="1" smtClean="0">
+                      <a:rPr lang="pt-BR" sz="2600" b="0" i="1" smtClean="0">
                         <a:latin typeface="Cambria Math" panose="02040503050406030204" pitchFamily="18" charset="0"/>
                       </a:rPr>
                       <m:t>𝑔</m:t>
@@ -10470,14 +10433,14 @@
                     <m:d>
                       <m:dPr>
                         <m:ctrlPr>
-                          <a:rPr lang="pt-BR" sz="2100" b="0" i="1" smtClean="0">
+                          <a:rPr lang="pt-BR" sz="2600" b="0" i="1" smtClean="0">
                             <a:latin typeface="Cambria Math" panose="02040503050406030204" pitchFamily="18" charset="0"/>
                           </a:rPr>
                         </m:ctrlPr>
                       </m:dPr>
                       <m:e>
                         <m:r>
-                          <a:rPr lang="pt-BR" sz="2100" b="1" i="1" smtClean="0">
+                          <a:rPr lang="pt-BR" sz="2600" b="1" i="1" smtClean="0">
                             <a:latin typeface="Cambria Math" panose="02040503050406030204" pitchFamily="18" charset="0"/>
                           </a:rPr>
                           <m:t>𝒙</m:t>
@@ -10485,7 +10448,7 @@
                       </m:e>
                     </m:d>
                     <m:r>
-                      <a:rPr lang="pt-BR" sz="2100" b="0" i="1" smtClean="0">
+                      <a:rPr lang="pt-BR" sz="2600" b="0" i="1" smtClean="0">
                         <a:latin typeface="Cambria Math" panose="02040503050406030204" pitchFamily="18" charset="0"/>
                       </a:rPr>
                       <m:t>=1−</m:t>
@@ -10493,14 +10456,14 @@
                     <m:sSub>
                       <m:sSubPr>
                         <m:ctrlPr>
-                          <a:rPr lang="pt-BR" sz="2100" b="0" i="1" smtClean="0">
+                          <a:rPr lang="pt-BR" sz="2600" b="0" i="1" smtClean="0">
                             <a:latin typeface="Cambria Math" panose="02040503050406030204" pitchFamily="18" charset="0"/>
                           </a:rPr>
                         </m:ctrlPr>
                       </m:sSubPr>
                       <m:e>
                         <m:r>
-                          <a:rPr lang="pt-BR" sz="2100" b="0" i="1" smtClean="0">
+                          <a:rPr lang="pt-BR" sz="2600" b="0" i="1" smtClean="0">
                             <a:latin typeface="Cambria Math" panose="02040503050406030204" pitchFamily="18" charset="0"/>
                           </a:rPr>
                           <m:t>𝑥</m:t>
@@ -10508,7 +10471,7 @@
                       </m:e>
                       <m:sub>
                         <m:r>
-                          <a:rPr lang="pt-BR" sz="2100" b="0" i="1" smtClean="0">
+                          <a:rPr lang="pt-BR" sz="2600" b="0" i="1" smtClean="0">
                             <a:latin typeface="Cambria Math" panose="02040503050406030204" pitchFamily="18" charset="0"/>
                           </a:rPr>
                           <m:t>1</m:t>
@@ -10516,7 +10479,7 @@
                       </m:sub>
                     </m:sSub>
                     <m:r>
-                      <a:rPr lang="pt-BR" sz="2100" b="0" i="1" smtClean="0">
+                      <a:rPr lang="pt-BR" sz="2600" b="0" i="1" smtClean="0">
                         <a:latin typeface="Cambria Math" panose="02040503050406030204" pitchFamily="18" charset="0"/>
                       </a:rPr>
                       <m:t>−</m:t>
@@ -10524,14 +10487,14 @@
                     <m:sSub>
                       <m:sSubPr>
                         <m:ctrlPr>
-                          <a:rPr lang="pt-BR" sz="2100" b="0" i="1" smtClean="0">
+                          <a:rPr lang="pt-BR" sz="2600" b="0" i="1" smtClean="0">
                             <a:latin typeface="Cambria Math" panose="02040503050406030204" pitchFamily="18" charset="0"/>
                           </a:rPr>
                         </m:ctrlPr>
                       </m:sSubPr>
                       <m:e>
                         <m:r>
-                          <a:rPr lang="pt-BR" sz="2100" b="0" i="1" smtClean="0">
+                          <a:rPr lang="pt-BR" sz="2600" b="0" i="1" smtClean="0">
                             <a:latin typeface="Cambria Math" panose="02040503050406030204" pitchFamily="18" charset="0"/>
                           </a:rPr>
                           <m:t>𝑥</m:t>
@@ -10539,7 +10502,7 @@
                       </m:e>
                       <m:sub>
                         <m:r>
-                          <a:rPr lang="pt-BR" sz="2100" b="0" i="1" smtClean="0">
+                          <a:rPr lang="pt-BR" sz="2600" b="0" i="1" smtClean="0">
                             <a:latin typeface="Cambria Math" panose="02040503050406030204" pitchFamily="18" charset="0"/>
                           </a:rPr>
                           <m:t>2</m:t>
@@ -10570,7 +10533,7 @@
             </p:txBody>
           </p:sp>
         </mc:Choice>
-        <mc:Fallback xmlns="">
+        <mc:Fallback>
           <p:sp>
             <p:nvSpPr>
               <p:cNvPr id="3" name="Content Placeholder 2"/>
@@ -10589,7 +10552,7 @@
               <a:blipFill rotWithShape="0">
                 <a:blip r:embed="rId3"/>
                 <a:stretch>
-                  <a:fillRect l="-923" t="-2358" r="-1538"/>
+                  <a:fillRect l="-1077" t="-2712" r="-1385"/>
                 </a:stretch>
               </a:blipFill>
             </p:spPr>
@@ -10598,7 +10561,7 @@
               <a:lstStyle/>
               <a:p>
                 <a:r>
-                  <a:rPr lang="pt-BR">
+                  <a:rPr lang="en-US">
                     <a:noFill/>
                   </a:rPr>
                   <a:t> </a:t>
@@ -12548,8 +12511,16 @@
           <a:lstStyle/>
           <a:p>
             <a:r>
+              <a:rPr lang="pt-BR" dirty="0" smtClean="0"/>
+              <a:t>Função de l</a:t>
+            </a:r>
+            <a:r>
+              <a:rPr lang="pt-BR" dirty="0" smtClean="0"/>
+              <a:t>imiar </a:t>
+            </a:r>
+            <a:r>
               <a:rPr lang="pt-BR" dirty="0"/>
-              <a:t>Limiar de decisão rígido</a:t>
+              <a:t>de decisão rígido</a:t>
             </a:r>
           </a:p>
         </p:txBody>
@@ -14216,8 +14187,8 @@
           </a:p>
         </p:txBody>
       </p:sp>
-      <mc:AlternateContent xmlns:mc="http://schemas.openxmlformats.org/markup-compatibility/2006" xmlns:a14="http://schemas.microsoft.com/office/drawing/2010/main">
-        <mc:Choice Requires="a14">
+      <mc:AlternateContent xmlns:mc="http://schemas.openxmlformats.org/markup-compatibility/2006">
+        <mc:Choice xmlns:a14="http://schemas.microsoft.com/office/drawing/2010/main" Requires="a14">
           <p:sp>
             <p:nvSpPr>
               <p:cNvPr id="3" name="Content Placeholder 2"/>
@@ -14530,17 +14501,21 @@
                   <a:rPr lang="pt-BR" dirty="0"/>
                   <a:t>, </a:t>
                 </a:r>
+                <a:r>
+                  <a:rPr lang="pt-BR" dirty="0" smtClean="0"/>
+                  <a:t>onde </a:t>
+                </a:r>
                 <a14:m>
                   <m:oMath xmlns:m="http://schemas.openxmlformats.org/officeDocument/2006/math">
                     <m:r>
-                      <a:rPr lang="pt-BR" b="0" i="1">
+                      <a:rPr lang="pt-BR" i="1">
                         <a:latin typeface="Cambria Math" panose="02040503050406030204" pitchFamily="18" charset="0"/>
                         <a:ea typeface="Cambria Math" panose="02040503050406030204" pitchFamily="18" charset="0"/>
                       </a:rPr>
                       <m:t>𝛼</m:t>
                     </m:r>
                     <m:r>
-                      <a:rPr lang="pt-BR" b="0" i="0">
+                      <a:rPr lang="pt-BR" i="1">
                         <a:latin typeface="Cambria Math" panose="02040503050406030204" pitchFamily="18" charset="0"/>
                         <a:ea typeface="Cambria Math" panose="02040503050406030204" pitchFamily="18" charset="0"/>
                       </a:rPr>
@@ -14550,7 +14525,7 @@
                 </a14:m>
                 <a:r>
                   <a:rPr lang="pt-BR" dirty="0"/>
-                  <a:t>onde é o passo de aprendizagem.</a:t>
+                  <a:t>é o passo de aprendizagem.</a:t>
                 </a:r>
               </a:p>
               <a:p>
@@ -14574,7 +14549,23 @@
               <a:p>
                 <a:r>
                   <a:rPr lang="pt-BR" dirty="0"/>
-                  <a:t>Essa regra de aprendizagem é aplicada a um exemplo por vez, escolhendo exemplos aleatóriamente, assim como fizemos com o </a:t>
+                  <a:t>Essa regra de aprendizagem é </a:t>
+                </a:r>
+                <a:r>
+                  <a:rPr lang="pt-BR" b="1" i="1" dirty="0"/>
+                  <a:t>aplicada a um exemplo por vez</a:t>
+                </a:r>
+                <a:r>
+                  <a:rPr lang="pt-BR" dirty="0"/>
+                  <a:t>, escolhendo exemplos </a:t>
+                </a:r>
+                <a:r>
+                  <a:rPr lang="pt-BR" b="1" i="1" dirty="0"/>
+                  <a:t>aleatóriamente</a:t>
+                </a:r>
+                <a:r>
+                  <a:rPr lang="pt-BR" dirty="0"/>
+                  <a:t>, assim como fizemos com o </a:t>
                 </a:r>
                 <a:r>
                   <a:rPr lang="pt-BR" b="1" i="1" dirty="0"/>
@@ -14594,7 +14585,7 @@
             </p:txBody>
           </p:sp>
         </mc:Choice>
-        <mc:Fallback xmlns="">
+        <mc:Fallback>
           <p:sp>
             <p:nvSpPr>
               <p:cNvPr id="3" name="Content Placeholder 2"/>
@@ -14610,7 +14601,7 @@
                 <a:off x="838200" y="1784680"/>
                 <a:ext cx="11158182" cy="5073320"/>
               </a:xfrm>
-              <a:blipFill>
+              <a:blipFill rotWithShape="0">
                 <a:blip r:embed="rId3"/>
                 <a:stretch>
                   <a:fillRect l="-874" t="-2764"/>
@@ -14622,7 +14613,7 @@
               <a:lstStyle/>
               <a:p>
                 <a:r>
-                  <a:rPr lang="pt-BR">
+                  <a:rPr lang="en-US">
                     <a:noFill/>
                   </a:rPr>
                   <a:t> </a:t>

--- a/slides/T320_Classificação (Parte II).pptx
+++ b/slides/T320_Classificação (Parte II).pptx
@@ -288,7 +288,7 @@
           <a:p>
             <a:fld id="{144F1436-6906-4D93-B7A2-786C327BFA14}" type="datetimeFigureOut">
               <a:rPr lang="nl-BE" smtClean="0"/>
-              <a:t>5/08/2022</a:t>
+              <a:t>6/08/2022</a:t>
             </a:fld>
             <a:endParaRPr lang="nl-BE"/>
           </a:p>
@@ -453,7 +453,7 @@
           <a:p>
             <a:fld id="{AA8CD09E-2914-4F47-B6C1-51B2C31814C9}" type="datetimeFigureOut">
               <a:rPr lang="pt-BR" smtClean="0"/>
-              <a:t>05/08/2022</a:t>
+              <a:t>06/08/2022</a:t>
             </a:fld>
             <a:endParaRPr lang="pt-BR"/>
           </a:p>
@@ -2613,7 +2613,7 @@
           <p:cNvPr id="2" name="Título 1">
             <a:extLst>
               <a:ext uri="{FF2B5EF4-FFF2-40B4-BE49-F238E27FC236}">
-                <a16:creationId xmlns:a16="http://schemas.microsoft.com/office/drawing/2014/main" xmlns="" id="{1DB9B4FF-B06E-403C-A326-BDC64D8FF94E}"/>
+                <a16:creationId xmlns="" xmlns:a16="http://schemas.microsoft.com/office/drawing/2014/main" id="{1DB9B4FF-B06E-403C-A326-BDC64D8FF94E}"/>
               </a:ext>
             </a:extLst>
           </p:cNvPr>
@@ -2650,7 +2650,7 @@
           <p:cNvPr id="3" name="Subtítulo 2">
             <a:extLst>
               <a:ext uri="{FF2B5EF4-FFF2-40B4-BE49-F238E27FC236}">
-                <a16:creationId xmlns:a16="http://schemas.microsoft.com/office/drawing/2014/main" xmlns="" id="{247BDFCE-746E-45BF-A319-4733D58D1632}"/>
+                <a16:creationId xmlns="" xmlns:a16="http://schemas.microsoft.com/office/drawing/2014/main" id="{247BDFCE-746E-45BF-A319-4733D58D1632}"/>
               </a:ext>
             </a:extLst>
           </p:cNvPr>
@@ -2720,7 +2720,7 @@
           <p:cNvPr id="4" name="Espaço Reservado para Data 3">
             <a:extLst>
               <a:ext uri="{FF2B5EF4-FFF2-40B4-BE49-F238E27FC236}">
-                <a16:creationId xmlns:a16="http://schemas.microsoft.com/office/drawing/2014/main" xmlns="" id="{9EDE2778-5372-4104-B96D-968184DA8288}"/>
+                <a16:creationId xmlns="" xmlns:a16="http://schemas.microsoft.com/office/drawing/2014/main" id="{9EDE2778-5372-4104-B96D-968184DA8288}"/>
               </a:ext>
             </a:extLst>
           </p:cNvPr>
@@ -2738,7 +2738,7 @@
           <a:p>
             <a:fld id="{63289F7E-B80B-496E-81B4-D396C37C9454}" type="datetimeFigureOut">
               <a:rPr lang="pt-BR" smtClean="0"/>
-              <a:t>05/08/2022</a:t>
+              <a:t>06/08/2022</a:t>
             </a:fld>
             <a:endParaRPr lang="pt-BR"/>
           </a:p>
@@ -2749,7 +2749,7 @@
           <p:cNvPr id="5" name="Espaço Reservado para Rodapé 4">
             <a:extLst>
               <a:ext uri="{FF2B5EF4-FFF2-40B4-BE49-F238E27FC236}">
-                <a16:creationId xmlns:a16="http://schemas.microsoft.com/office/drawing/2014/main" xmlns="" id="{C1DD0F41-C861-4051-988D-3024A37A4B93}"/>
+                <a16:creationId xmlns="" xmlns:a16="http://schemas.microsoft.com/office/drawing/2014/main" id="{C1DD0F41-C861-4051-988D-3024A37A4B93}"/>
               </a:ext>
             </a:extLst>
           </p:cNvPr>
@@ -2774,7 +2774,7 @@
           <p:cNvPr id="6" name="Espaço Reservado para Número de Slide 5">
             <a:extLst>
               <a:ext uri="{FF2B5EF4-FFF2-40B4-BE49-F238E27FC236}">
-                <a16:creationId xmlns:a16="http://schemas.microsoft.com/office/drawing/2014/main" xmlns="" id="{07E5967E-D980-431A-A5DB-3F0C5030A81E}"/>
+                <a16:creationId xmlns="" xmlns:a16="http://schemas.microsoft.com/office/drawing/2014/main" id="{07E5967E-D980-431A-A5DB-3F0C5030A81E}"/>
               </a:ext>
             </a:extLst>
           </p:cNvPr>
@@ -2833,7 +2833,7 @@
           <p:cNvPr id="2" name="Título 1">
             <a:extLst>
               <a:ext uri="{FF2B5EF4-FFF2-40B4-BE49-F238E27FC236}">
-                <a16:creationId xmlns:a16="http://schemas.microsoft.com/office/drawing/2014/main" xmlns="" id="{9036C49F-3E68-4175-81BA-3C3FEE44308A}"/>
+                <a16:creationId xmlns="" xmlns:a16="http://schemas.microsoft.com/office/drawing/2014/main" id="{9036C49F-3E68-4175-81BA-3C3FEE44308A}"/>
               </a:ext>
             </a:extLst>
           </p:cNvPr>
@@ -2861,7 +2861,7 @@
           <p:cNvPr id="3" name="Espaço Reservado para Texto Vertical 2">
             <a:extLst>
               <a:ext uri="{FF2B5EF4-FFF2-40B4-BE49-F238E27FC236}">
-                <a16:creationId xmlns:a16="http://schemas.microsoft.com/office/drawing/2014/main" xmlns="" id="{426FA736-3DD3-4D4E-B57B-BBE1D8F7D424}"/>
+                <a16:creationId xmlns="" xmlns:a16="http://schemas.microsoft.com/office/drawing/2014/main" id="{426FA736-3DD3-4D4E-B57B-BBE1D8F7D424}"/>
               </a:ext>
             </a:extLst>
           </p:cNvPr>
@@ -2918,7 +2918,7 @@
           <p:cNvPr id="4" name="Espaço Reservado para Data 3">
             <a:extLst>
               <a:ext uri="{FF2B5EF4-FFF2-40B4-BE49-F238E27FC236}">
-                <a16:creationId xmlns:a16="http://schemas.microsoft.com/office/drawing/2014/main" xmlns="" id="{99E8855C-D8FD-48F6-B14E-861E0DE4D915}"/>
+                <a16:creationId xmlns="" xmlns:a16="http://schemas.microsoft.com/office/drawing/2014/main" id="{99E8855C-D8FD-48F6-B14E-861E0DE4D915}"/>
               </a:ext>
             </a:extLst>
           </p:cNvPr>
@@ -2936,7 +2936,7 @@
           <a:p>
             <a:fld id="{63289F7E-B80B-496E-81B4-D396C37C9454}" type="datetimeFigureOut">
               <a:rPr lang="pt-BR" smtClean="0"/>
-              <a:t>05/08/2022</a:t>
+              <a:t>06/08/2022</a:t>
             </a:fld>
             <a:endParaRPr lang="pt-BR"/>
           </a:p>
@@ -2947,7 +2947,7 @@
           <p:cNvPr id="5" name="Espaço Reservado para Rodapé 4">
             <a:extLst>
               <a:ext uri="{FF2B5EF4-FFF2-40B4-BE49-F238E27FC236}">
-                <a16:creationId xmlns:a16="http://schemas.microsoft.com/office/drawing/2014/main" xmlns="" id="{97C0BB88-2F21-42A5-ACFF-83DA47F2D340}"/>
+                <a16:creationId xmlns="" xmlns:a16="http://schemas.microsoft.com/office/drawing/2014/main" id="{97C0BB88-2F21-42A5-ACFF-83DA47F2D340}"/>
               </a:ext>
             </a:extLst>
           </p:cNvPr>
@@ -2972,7 +2972,7 @@
           <p:cNvPr id="6" name="Espaço Reservado para Número de Slide 5">
             <a:extLst>
               <a:ext uri="{FF2B5EF4-FFF2-40B4-BE49-F238E27FC236}">
-                <a16:creationId xmlns:a16="http://schemas.microsoft.com/office/drawing/2014/main" xmlns="" id="{6CB462B3-1F22-4C05-B4B8-7A279FB7D5E9}"/>
+                <a16:creationId xmlns="" xmlns:a16="http://schemas.microsoft.com/office/drawing/2014/main" id="{6CB462B3-1F22-4C05-B4B8-7A279FB7D5E9}"/>
               </a:ext>
             </a:extLst>
           </p:cNvPr>
@@ -3031,7 +3031,7 @@
           <p:cNvPr id="2" name="Título Vertical 1">
             <a:extLst>
               <a:ext uri="{FF2B5EF4-FFF2-40B4-BE49-F238E27FC236}">
-                <a16:creationId xmlns:a16="http://schemas.microsoft.com/office/drawing/2014/main" xmlns="" id="{EAEAB728-701C-4207-A9D5-23FF45C60502}"/>
+                <a16:creationId xmlns="" xmlns:a16="http://schemas.microsoft.com/office/drawing/2014/main" id="{EAEAB728-701C-4207-A9D5-23FF45C60502}"/>
               </a:ext>
             </a:extLst>
           </p:cNvPr>
@@ -3064,7 +3064,7 @@
           <p:cNvPr id="3" name="Espaço Reservado para Texto Vertical 2">
             <a:extLst>
               <a:ext uri="{FF2B5EF4-FFF2-40B4-BE49-F238E27FC236}">
-                <a16:creationId xmlns:a16="http://schemas.microsoft.com/office/drawing/2014/main" xmlns="" id="{BA8C8CCF-7823-480A-9A19-0F664DD17E3B}"/>
+                <a16:creationId xmlns="" xmlns:a16="http://schemas.microsoft.com/office/drawing/2014/main" id="{BA8C8CCF-7823-480A-9A19-0F664DD17E3B}"/>
               </a:ext>
             </a:extLst>
           </p:cNvPr>
@@ -3126,7 +3126,7 @@
           <p:cNvPr id="4" name="Espaço Reservado para Data 3">
             <a:extLst>
               <a:ext uri="{FF2B5EF4-FFF2-40B4-BE49-F238E27FC236}">
-                <a16:creationId xmlns:a16="http://schemas.microsoft.com/office/drawing/2014/main" xmlns="" id="{721D5734-7B1F-425D-942F-6EB73344027C}"/>
+                <a16:creationId xmlns="" xmlns:a16="http://schemas.microsoft.com/office/drawing/2014/main" id="{721D5734-7B1F-425D-942F-6EB73344027C}"/>
               </a:ext>
             </a:extLst>
           </p:cNvPr>
@@ -3144,7 +3144,7 @@
           <a:p>
             <a:fld id="{63289F7E-B80B-496E-81B4-D396C37C9454}" type="datetimeFigureOut">
               <a:rPr lang="pt-BR" smtClean="0"/>
-              <a:t>05/08/2022</a:t>
+              <a:t>06/08/2022</a:t>
             </a:fld>
             <a:endParaRPr lang="pt-BR"/>
           </a:p>
@@ -3155,7 +3155,7 @@
           <p:cNvPr id="5" name="Espaço Reservado para Rodapé 4">
             <a:extLst>
               <a:ext uri="{FF2B5EF4-FFF2-40B4-BE49-F238E27FC236}">
-                <a16:creationId xmlns:a16="http://schemas.microsoft.com/office/drawing/2014/main" xmlns="" id="{1E1AAEAC-F08D-45FE-89EC-B1B349A868C9}"/>
+                <a16:creationId xmlns="" xmlns:a16="http://schemas.microsoft.com/office/drawing/2014/main" id="{1E1AAEAC-F08D-45FE-89EC-B1B349A868C9}"/>
               </a:ext>
             </a:extLst>
           </p:cNvPr>
@@ -3180,7 +3180,7 @@
           <p:cNvPr id="6" name="Espaço Reservado para Número de Slide 5">
             <a:extLst>
               <a:ext uri="{FF2B5EF4-FFF2-40B4-BE49-F238E27FC236}">
-                <a16:creationId xmlns:a16="http://schemas.microsoft.com/office/drawing/2014/main" xmlns="" id="{BAA44493-9911-47B2-87A6-C2141A972BC8}"/>
+                <a16:creationId xmlns="" xmlns:a16="http://schemas.microsoft.com/office/drawing/2014/main" id="{BAA44493-9911-47B2-87A6-C2141A972BC8}"/>
               </a:ext>
             </a:extLst>
           </p:cNvPr>
@@ -3239,7 +3239,7 @@
           <p:cNvPr id="2" name="Título 1">
             <a:extLst>
               <a:ext uri="{FF2B5EF4-FFF2-40B4-BE49-F238E27FC236}">
-                <a16:creationId xmlns:a16="http://schemas.microsoft.com/office/drawing/2014/main" xmlns="" id="{71BD44A5-8F21-4626-A01D-48A1C874B1D5}"/>
+                <a16:creationId xmlns="" xmlns:a16="http://schemas.microsoft.com/office/drawing/2014/main" id="{71BD44A5-8F21-4626-A01D-48A1C874B1D5}"/>
               </a:ext>
             </a:extLst>
           </p:cNvPr>
@@ -3267,7 +3267,7 @@
           <p:cNvPr id="3" name="Espaço Reservado para Conteúdo 2">
             <a:extLst>
               <a:ext uri="{FF2B5EF4-FFF2-40B4-BE49-F238E27FC236}">
-                <a16:creationId xmlns:a16="http://schemas.microsoft.com/office/drawing/2014/main" xmlns="" id="{B79E8085-65A9-48AA-951D-71D978BFF4ED}"/>
+                <a16:creationId xmlns="" xmlns:a16="http://schemas.microsoft.com/office/drawing/2014/main" id="{B79E8085-65A9-48AA-951D-71D978BFF4ED}"/>
               </a:ext>
             </a:extLst>
           </p:cNvPr>
@@ -3324,7 +3324,7 @@
           <p:cNvPr id="4" name="Espaço Reservado para Data 3">
             <a:extLst>
               <a:ext uri="{FF2B5EF4-FFF2-40B4-BE49-F238E27FC236}">
-                <a16:creationId xmlns:a16="http://schemas.microsoft.com/office/drawing/2014/main" xmlns="" id="{F05BE1AF-51EA-425D-B188-DE7BD675009F}"/>
+                <a16:creationId xmlns="" xmlns:a16="http://schemas.microsoft.com/office/drawing/2014/main" id="{F05BE1AF-51EA-425D-B188-DE7BD675009F}"/>
               </a:ext>
             </a:extLst>
           </p:cNvPr>
@@ -3342,7 +3342,7 @@
           <a:p>
             <a:fld id="{63289F7E-B80B-496E-81B4-D396C37C9454}" type="datetimeFigureOut">
               <a:rPr lang="pt-BR" smtClean="0"/>
-              <a:t>05/08/2022</a:t>
+              <a:t>06/08/2022</a:t>
             </a:fld>
             <a:endParaRPr lang="pt-BR"/>
           </a:p>
@@ -3353,7 +3353,7 @@
           <p:cNvPr id="5" name="Espaço Reservado para Rodapé 4">
             <a:extLst>
               <a:ext uri="{FF2B5EF4-FFF2-40B4-BE49-F238E27FC236}">
-                <a16:creationId xmlns:a16="http://schemas.microsoft.com/office/drawing/2014/main" xmlns="" id="{121BE632-29CF-4CB9-B365-C9EF38F89BE6}"/>
+                <a16:creationId xmlns="" xmlns:a16="http://schemas.microsoft.com/office/drawing/2014/main" id="{121BE632-29CF-4CB9-B365-C9EF38F89BE6}"/>
               </a:ext>
             </a:extLst>
           </p:cNvPr>
@@ -3378,7 +3378,7 @@
           <p:cNvPr id="6" name="Espaço Reservado para Número de Slide 5">
             <a:extLst>
               <a:ext uri="{FF2B5EF4-FFF2-40B4-BE49-F238E27FC236}">
-                <a16:creationId xmlns:a16="http://schemas.microsoft.com/office/drawing/2014/main" xmlns="" id="{60CF3DD1-9AEC-4A57-B461-4E4DD86FAC18}"/>
+                <a16:creationId xmlns="" xmlns:a16="http://schemas.microsoft.com/office/drawing/2014/main" id="{60CF3DD1-9AEC-4A57-B461-4E4DD86FAC18}"/>
               </a:ext>
             </a:extLst>
           </p:cNvPr>
@@ -3437,7 +3437,7 @@
           <p:cNvPr id="2" name="Título 1">
             <a:extLst>
               <a:ext uri="{FF2B5EF4-FFF2-40B4-BE49-F238E27FC236}">
-                <a16:creationId xmlns:a16="http://schemas.microsoft.com/office/drawing/2014/main" xmlns="" id="{34AB2FF0-A4D7-4E28-991D-FF26140D5988}"/>
+                <a16:creationId xmlns="" xmlns:a16="http://schemas.microsoft.com/office/drawing/2014/main" id="{34AB2FF0-A4D7-4E28-991D-FF26140D5988}"/>
               </a:ext>
             </a:extLst>
           </p:cNvPr>
@@ -3474,7 +3474,7 @@
           <p:cNvPr id="3" name="Espaço Reservado para Texto 2">
             <a:extLst>
               <a:ext uri="{FF2B5EF4-FFF2-40B4-BE49-F238E27FC236}">
-                <a16:creationId xmlns:a16="http://schemas.microsoft.com/office/drawing/2014/main" xmlns="" id="{E2AC45B0-4145-40DB-8E61-105461170604}"/>
+                <a16:creationId xmlns="" xmlns:a16="http://schemas.microsoft.com/office/drawing/2014/main" id="{E2AC45B0-4145-40DB-8E61-105461170604}"/>
               </a:ext>
             </a:extLst>
           </p:cNvPr>
@@ -3599,7 +3599,7 @@
           <p:cNvPr id="4" name="Espaço Reservado para Data 3">
             <a:extLst>
               <a:ext uri="{FF2B5EF4-FFF2-40B4-BE49-F238E27FC236}">
-                <a16:creationId xmlns:a16="http://schemas.microsoft.com/office/drawing/2014/main" xmlns="" id="{50F1D3FB-740A-4EBA-A309-2CE71D12ECFB}"/>
+                <a16:creationId xmlns="" xmlns:a16="http://schemas.microsoft.com/office/drawing/2014/main" id="{50F1D3FB-740A-4EBA-A309-2CE71D12ECFB}"/>
               </a:ext>
             </a:extLst>
           </p:cNvPr>
@@ -3617,7 +3617,7 @@
           <a:p>
             <a:fld id="{63289F7E-B80B-496E-81B4-D396C37C9454}" type="datetimeFigureOut">
               <a:rPr lang="pt-BR" smtClean="0"/>
-              <a:t>05/08/2022</a:t>
+              <a:t>06/08/2022</a:t>
             </a:fld>
             <a:endParaRPr lang="pt-BR"/>
           </a:p>
@@ -3628,7 +3628,7 @@
           <p:cNvPr id="5" name="Espaço Reservado para Rodapé 4">
             <a:extLst>
               <a:ext uri="{FF2B5EF4-FFF2-40B4-BE49-F238E27FC236}">
-                <a16:creationId xmlns:a16="http://schemas.microsoft.com/office/drawing/2014/main" xmlns="" id="{BDCAB18F-8715-4465-A940-F9C193A2ACE9}"/>
+                <a16:creationId xmlns="" xmlns:a16="http://schemas.microsoft.com/office/drawing/2014/main" id="{BDCAB18F-8715-4465-A940-F9C193A2ACE9}"/>
               </a:ext>
             </a:extLst>
           </p:cNvPr>
@@ -3653,7 +3653,7 @@
           <p:cNvPr id="6" name="Espaço Reservado para Número de Slide 5">
             <a:extLst>
               <a:ext uri="{FF2B5EF4-FFF2-40B4-BE49-F238E27FC236}">
-                <a16:creationId xmlns:a16="http://schemas.microsoft.com/office/drawing/2014/main" xmlns="" id="{353466C6-8248-429F-8056-FF040BF509EB}"/>
+                <a16:creationId xmlns="" xmlns:a16="http://schemas.microsoft.com/office/drawing/2014/main" id="{353466C6-8248-429F-8056-FF040BF509EB}"/>
               </a:ext>
             </a:extLst>
           </p:cNvPr>
@@ -3712,7 +3712,7 @@
           <p:cNvPr id="2" name="Título 1">
             <a:extLst>
               <a:ext uri="{FF2B5EF4-FFF2-40B4-BE49-F238E27FC236}">
-                <a16:creationId xmlns:a16="http://schemas.microsoft.com/office/drawing/2014/main" xmlns="" id="{BC7BB9F0-F14B-4A91-B2B7-35BC47FE4DE7}"/>
+                <a16:creationId xmlns="" xmlns:a16="http://schemas.microsoft.com/office/drawing/2014/main" id="{BC7BB9F0-F14B-4A91-B2B7-35BC47FE4DE7}"/>
               </a:ext>
             </a:extLst>
           </p:cNvPr>
@@ -3740,7 +3740,7 @@
           <p:cNvPr id="3" name="Espaço Reservado para Conteúdo 2">
             <a:extLst>
               <a:ext uri="{FF2B5EF4-FFF2-40B4-BE49-F238E27FC236}">
-                <a16:creationId xmlns:a16="http://schemas.microsoft.com/office/drawing/2014/main" xmlns="" id="{EC1FC1C4-73DA-47A6-8496-B0B457F7D39A}"/>
+                <a16:creationId xmlns="" xmlns:a16="http://schemas.microsoft.com/office/drawing/2014/main" id="{EC1FC1C4-73DA-47A6-8496-B0B457F7D39A}"/>
               </a:ext>
             </a:extLst>
           </p:cNvPr>
@@ -3802,7 +3802,7 @@
           <p:cNvPr id="4" name="Espaço Reservado para Conteúdo 3">
             <a:extLst>
               <a:ext uri="{FF2B5EF4-FFF2-40B4-BE49-F238E27FC236}">
-                <a16:creationId xmlns:a16="http://schemas.microsoft.com/office/drawing/2014/main" xmlns="" id="{E92F06A8-A449-4D92-9912-76873E529B38}"/>
+                <a16:creationId xmlns="" xmlns:a16="http://schemas.microsoft.com/office/drawing/2014/main" id="{E92F06A8-A449-4D92-9912-76873E529B38}"/>
               </a:ext>
             </a:extLst>
           </p:cNvPr>
@@ -3864,7 +3864,7 @@
           <p:cNvPr id="5" name="Espaço Reservado para Data 4">
             <a:extLst>
               <a:ext uri="{FF2B5EF4-FFF2-40B4-BE49-F238E27FC236}">
-                <a16:creationId xmlns:a16="http://schemas.microsoft.com/office/drawing/2014/main" xmlns="" id="{938070A4-BC2F-4D55-BD8D-DEAF11BB9EE9}"/>
+                <a16:creationId xmlns="" xmlns:a16="http://schemas.microsoft.com/office/drawing/2014/main" id="{938070A4-BC2F-4D55-BD8D-DEAF11BB9EE9}"/>
               </a:ext>
             </a:extLst>
           </p:cNvPr>
@@ -3882,7 +3882,7 @@
           <a:p>
             <a:fld id="{63289F7E-B80B-496E-81B4-D396C37C9454}" type="datetimeFigureOut">
               <a:rPr lang="pt-BR" smtClean="0"/>
-              <a:t>05/08/2022</a:t>
+              <a:t>06/08/2022</a:t>
             </a:fld>
             <a:endParaRPr lang="pt-BR"/>
           </a:p>
@@ -3893,7 +3893,7 @@
           <p:cNvPr id="6" name="Espaço Reservado para Rodapé 5">
             <a:extLst>
               <a:ext uri="{FF2B5EF4-FFF2-40B4-BE49-F238E27FC236}">
-                <a16:creationId xmlns:a16="http://schemas.microsoft.com/office/drawing/2014/main" xmlns="" id="{45CC2DB8-844A-465F-BA9A-7734C80C7F43}"/>
+                <a16:creationId xmlns="" xmlns:a16="http://schemas.microsoft.com/office/drawing/2014/main" id="{45CC2DB8-844A-465F-BA9A-7734C80C7F43}"/>
               </a:ext>
             </a:extLst>
           </p:cNvPr>
@@ -3918,7 +3918,7 @@
           <p:cNvPr id="7" name="Espaço Reservado para Número de Slide 6">
             <a:extLst>
               <a:ext uri="{FF2B5EF4-FFF2-40B4-BE49-F238E27FC236}">
-                <a16:creationId xmlns:a16="http://schemas.microsoft.com/office/drawing/2014/main" xmlns="" id="{4CC606A8-097B-4040-94E0-CD8C88280D8F}"/>
+                <a16:creationId xmlns="" xmlns:a16="http://schemas.microsoft.com/office/drawing/2014/main" id="{4CC606A8-097B-4040-94E0-CD8C88280D8F}"/>
               </a:ext>
             </a:extLst>
           </p:cNvPr>
@@ -3977,7 +3977,7 @@
           <p:cNvPr id="2" name="Título 1">
             <a:extLst>
               <a:ext uri="{FF2B5EF4-FFF2-40B4-BE49-F238E27FC236}">
-                <a16:creationId xmlns:a16="http://schemas.microsoft.com/office/drawing/2014/main" xmlns="" id="{76D66686-0143-4CB6-8C09-BA326F1E7ACA}"/>
+                <a16:creationId xmlns="" xmlns:a16="http://schemas.microsoft.com/office/drawing/2014/main" id="{76D66686-0143-4CB6-8C09-BA326F1E7ACA}"/>
               </a:ext>
             </a:extLst>
           </p:cNvPr>
@@ -4010,7 +4010,7 @@
           <p:cNvPr id="3" name="Espaço Reservado para Texto 2">
             <a:extLst>
               <a:ext uri="{FF2B5EF4-FFF2-40B4-BE49-F238E27FC236}">
-                <a16:creationId xmlns:a16="http://schemas.microsoft.com/office/drawing/2014/main" xmlns="" id="{0227AB85-F59E-4BCE-B846-4FA0992C2F23}"/>
+                <a16:creationId xmlns="" xmlns:a16="http://schemas.microsoft.com/office/drawing/2014/main" id="{0227AB85-F59E-4BCE-B846-4FA0992C2F23}"/>
               </a:ext>
             </a:extLst>
           </p:cNvPr>
@@ -4081,7 +4081,7 @@
           <p:cNvPr id="4" name="Espaço Reservado para Conteúdo 3">
             <a:extLst>
               <a:ext uri="{FF2B5EF4-FFF2-40B4-BE49-F238E27FC236}">
-                <a16:creationId xmlns:a16="http://schemas.microsoft.com/office/drawing/2014/main" xmlns="" id="{3373456C-7319-4D0A-827D-D29F6B083F5D}"/>
+                <a16:creationId xmlns="" xmlns:a16="http://schemas.microsoft.com/office/drawing/2014/main" id="{3373456C-7319-4D0A-827D-D29F6B083F5D}"/>
               </a:ext>
             </a:extLst>
           </p:cNvPr>
@@ -4143,7 +4143,7 @@
           <p:cNvPr id="5" name="Espaço Reservado para Texto 4">
             <a:extLst>
               <a:ext uri="{FF2B5EF4-FFF2-40B4-BE49-F238E27FC236}">
-                <a16:creationId xmlns:a16="http://schemas.microsoft.com/office/drawing/2014/main" xmlns="" id="{4CD109D0-2E83-4262-8029-A871CEC47406}"/>
+                <a16:creationId xmlns="" xmlns:a16="http://schemas.microsoft.com/office/drawing/2014/main" id="{4CD109D0-2E83-4262-8029-A871CEC47406}"/>
               </a:ext>
             </a:extLst>
           </p:cNvPr>
@@ -4214,7 +4214,7 @@
           <p:cNvPr id="6" name="Espaço Reservado para Conteúdo 5">
             <a:extLst>
               <a:ext uri="{FF2B5EF4-FFF2-40B4-BE49-F238E27FC236}">
-                <a16:creationId xmlns:a16="http://schemas.microsoft.com/office/drawing/2014/main" xmlns="" id="{AD706E3A-CFBB-4A6C-A65F-D0360A9E74FE}"/>
+                <a16:creationId xmlns="" xmlns:a16="http://schemas.microsoft.com/office/drawing/2014/main" id="{AD706E3A-CFBB-4A6C-A65F-D0360A9E74FE}"/>
               </a:ext>
             </a:extLst>
           </p:cNvPr>
@@ -4276,7 +4276,7 @@
           <p:cNvPr id="7" name="Espaço Reservado para Data 6">
             <a:extLst>
               <a:ext uri="{FF2B5EF4-FFF2-40B4-BE49-F238E27FC236}">
-                <a16:creationId xmlns:a16="http://schemas.microsoft.com/office/drawing/2014/main" xmlns="" id="{4172C0E5-5AF0-4805-BB51-443733CD2BD5}"/>
+                <a16:creationId xmlns="" xmlns:a16="http://schemas.microsoft.com/office/drawing/2014/main" id="{4172C0E5-5AF0-4805-BB51-443733CD2BD5}"/>
               </a:ext>
             </a:extLst>
           </p:cNvPr>
@@ -4294,7 +4294,7 @@
           <a:p>
             <a:fld id="{63289F7E-B80B-496E-81B4-D396C37C9454}" type="datetimeFigureOut">
               <a:rPr lang="pt-BR" smtClean="0"/>
-              <a:t>05/08/2022</a:t>
+              <a:t>06/08/2022</a:t>
             </a:fld>
             <a:endParaRPr lang="pt-BR"/>
           </a:p>
@@ -4305,7 +4305,7 @@
           <p:cNvPr id="8" name="Espaço Reservado para Rodapé 7">
             <a:extLst>
               <a:ext uri="{FF2B5EF4-FFF2-40B4-BE49-F238E27FC236}">
-                <a16:creationId xmlns:a16="http://schemas.microsoft.com/office/drawing/2014/main" xmlns="" id="{0E801648-156F-497E-99CF-797DF48051E1}"/>
+                <a16:creationId xmlns="" xmlns:a16="http://schemas.microsoft.com/office/drawing/2014/main" id="{0E801648-156F-497E-99CF-797DF48051E1}"/>
               </a:ext>
             </a:extLst>
           </p:cNvPr>
@@ -4330,7 +4330,7 @@
           <p:cNvPr id="9" name="Espaço Reservado para Número de Slide 8">
             <a:extLst>
               <a:ext uri="{FF2B5EF4-FFF2-40B4-BE49-F238E27FC236}">
-                <a16:creationId xmlns:a16="http://schemas.microsoft.com/office/drawing/2014/main" xmlns="" id="{EEE23D32-80E7-4796-A137-66BF842E4B53}"/>
+                <a16:creationId xmlns="" xmlns:a16="http://schemas.microsoft.com/office/drawing/2014/main" id="{EEE23D32-80E7-4796-A137-66BF842E4B53}"/>
               </a:ext>
             </a:extLst>
           </p:cNvPr>
@@ -4389,7 +4389,7 @@
           <p:cNvPr id="2" name="Título 1">
             <a:extLst>
               <a:ext uri="{FF2B5EF4-FFF2-40B4-BE49-F238E27FC236}">
-                <a16:creationId xmlns:a16="http://schemas.microsoft.com/office/drawing/2014/main" xmlns="" id="{2BCE2379-C78F-47E1-8CFC-B846E7AF148D}"/>
+                <a16:creationId xmlns="" xmlns:a16="http://schemas.microsoft.com/office/drawing/2014/main" id="{2BCE2379-C78F-47E1-8CFC-B846E7AF148D}"/>
               </a:ext>
             </a:extLst>
           </p:cNvPr>
@@ -4417,7 +4417,7 @@
           <p:cNvPr id="3" name="Espaço Reservado para Data 2">
             <a:extLst>
               <a:ext uri="{FF2B5EF4-FFF2-40B4-BE49-F238E27FC236}">
-                <a16:creationId xmlns:a16="http://schemas.microsoft.com/office/drawing/2014/main" xmlns="" id="{342600A9-7F92-4E22-9D94-E4717252A817}"/>
+                <a16:creationId xmlns="" xmlns:a16="http://schemas.microsoft.com/office/drawing/2014/main" id="{342600A9-7F92-4E22-9D94-E4717252A817}"/>
               </a:ext>
             </a:extLst>
           </p:cNvPr>
@@ -4435,7 +4435,7 @@
           <a:p>
             <a:fld id="{63289F7E-B80B-496E-81B4-D396C37C9454}" type="datetimeFigureOut">
               <a:rPr lang="pt-BR" smtClean="0"/>
-              <a:t>05/08/2022</a:t>
+              <a:t>06/08/2022</a:t>
             </a:fld>
             <a:endParaRPr lang="pt-BR"/>
           </a:p>
@@ -4446,7 +4446,7 @@
           <p:cNvPr id="4" name="Espaço Reservado para Rodapé 3">
             <a:extLst>
               <a:ext uri="{FF2B5EF4-FFF2-40B4-BE49-F238E27FC236}">
-                <a16:creationId xmlns:a16="http://schemas.microsoft.com/office/drawing/2014/main" xmlns="" id="{192E6BED-F546-40CC-A2DF-99CBA853654E}"/>
+                <a16:creationId xmlns="" xmlns:a16="http://schemas.microsoft.com/office/drawing/2014/main" id="{192E6BED-F546-40CC-A2DF-99CBA853654E}"/>
               </a:ext>
             </a:extLst>
           </p:cNvPr>
@@ -4471,7 +4471,7 @@
           <p:cNvPr id="5" name="Espaço Reservado para Número de Slide 4">
             <a:extLst>
               <a:ext uri="{FF2B5EF4-FFF2-40B4-BE49-F238E27FC236}">
-                <a16:creationId xmlns:a16="http://schemas.microsoft.com/office/drawing/2014/main" xmlns="" id="{6091CC40-A8C4-4063-80EB-CC5099621678}"/>
+                <a16:creationId xmlns="" xmlns:a16="http://schemas.microsoft.com/office/drawing/2014/main" id="{6091CC40-A8C4-4063-80EB-CC5099621678}"/>
               </a:ext>
             </a:extLst>
           </p:cNvPr>
@@ -4530,7 +4530,7 @@
           <p:cNvPr id="2" name="Espaço Reservado para Data 1">
             <a:extLst>
               <a:ext uri="{FF2B5EF4-FFF2-40B4-BE49-F238E27FC236}">
-                <a16:creationId xmlns:a16="http://schemas.microsoft.com/office/drawing/2014/main" xmlns="" id="{DD19515C-212C-4EAE-84A3-8FF4BC844F1B}"/>
+                <a16:creationId xmlns="" xmlns:a16="http://schemas.microsoft.com/office/drawing/2014/main" id="{DD19515C-212C-4EAE-84A3-8FF4BC844F1B}"/>
               </a:ext>
             </a:extLst>
           </p:cNvPr>
@@ -4548,7 +4548,7 @@
           <a:p>
             <a:fld id="{63289F7E-B80B-496E-81B4-D396C37C9454}" type="datetimeFigureOut">
               <a:rPr lang="pt-BR" smtClean="0"/>
-              <a:t>05/08/2022</a:t>
+              <a:t>06/08/2022</a:t>
             </a:fld>
             <a:endParaRPr lang="pt-BR"/>
           </a:p>
@@ -4559,7 +4559,7 @@
           <p:cNvPr id="3" name="Espaço Reservado para Rodapé 2">
             <a:extLst>
               <a:ext uri="{FF2B5EF4-FFF2-40B4-BE49-F238E27FC236}">
-                <a16:creationId xmlns:a16="http://schemas.microsoft.com/office/drawing/2014/main" xmlns="" id="{94D3D120-B3E8-4C96-861D-7A4F12F49B3A}"/>
+                <a16:creationId xmlns="" xmlns:a16="http://schemas.microsoft.com/office/drawing/2014/main" id="{94D3D120-B3E8-4C96-861D-7A4F12F49B3A}"/>
               </a:ext>
             </a:extLst>
           </p:cNvPr>
@@ -4584,7 +4584,7 @@
           <p:cNvPr id="4" name="Espaço Reservado para Número de Slide 3">
             <a:extLst>
               <a:ext uri="{FF2B5EF4-FFF2-40B4-BE49-F238E27FC236}">
-                <a16:creationId xmlns:a16="http://schemas.microsoft.com/office/drawing/2014/main" xmlns="" id="{42E49B68-FA1B-468B-9F17-D5C09243D454}"/>
+                <a16:creationId xmlns="" xmlns:a16="http://schemas.microsoft.com/office/drawing/2014/main" id="{42E49B68-FA1B-468B-9F17-D5C09243D454}"/>
               </a:ext>
             </a:extLst>
           </p:cNvPr>
@@ -4643,7 +4643,7 @@
           <p:cNvPr id="2" name="Título 1">
             <a:extLst>
               <a:ext uri="{FF2B5EF4-FFF2-40B4-BE49-F238E27FC236}">
-                <a16:creationId xmlns:a16="http://schemas.microsoft.com/office/drawing/2014/main" xmlns="" id="{1C17BCBE-A897-4319-85EC-D87909C24980}"/>
+                <a16:creationId xmlns="" xmlns:a16="http://schemas.microsoft.com/office/drawing/2014/main" id="{1C17BCBE-A897-4319-85EC-D87909C24980}"/>
               </a:ext>
             </a:extLst>
           </p:cNvPr>
@@ -4680,7 +4680,7 @@
           <p:cNvPr id="3" name="Espaço Reservado para Conteúdo 2">
             <a:extLst>
               <a:ext uri="{FF2B5EF4-FFF2-40B4-BE49-F238E27FC236}">
-                <a16:creationId xmlns:a16="http://schemas.microsoft.com/office/drawing/2014/main" xmlns="" id="{4226F885-0204-4913-868B-4B8B82576F17}"/>
+                <a16:creationId xmlns="" xmlns:a16="http://schemas.microsoft.com/office/drawing/2014/main" id="{4226F885-0204-4913-868B-4B8B82576F17}"/>
               </a:ext>
             </a:extLst>
           </p:cNvPr>
@@ -4770,7 +4770,7 @@
           <p:cNvPr id="4" name="Espaço Reservado para Texto 3">
             <a:extLst>
               <a:ext uri="{FF2B5EF4-FFF2-40B4-BE49-F238E27FC236}">
-                <a16:creationId xmlns:a16="http://schemas.microsoft.com/office/drawing/2014/main" xmlns="" id="{00F9F784-A858-441B-8AB5-697098141751}"/>
+                <a16:creationId xmlns="" xmlns:a16="http://schemas.microsoft.com/office/drawing/2014/main" id="{00F9F784-A858-441B-8AB5-697098141751}"/>
               </a:ext>
             </a:extLst>
           </p:cNvPr>
@@ -4841,7 +4841,7 @@
           <p:cNvPr id="5" name="Espaço Reservado para Data 4">
             <a:extLst>
               <a:ext uri="{FF2B5EF4-FFF2-40B4-BE49-F238E27FC236}">
-                <a16:creationId xmlns:a16="http://schemas.microsoft.com/office/drawing/2014/main" xmlns="" id="{A4DC363A-5000-472E-8B17-02E7DCB8840A}"/>
+                <a16:creationId xmlns="" xmlns:a16="http://schemas.microsoft.com/office/drawing/2014/main" id="{A4DC363A-5000-472E-8B17-02E7DCB8840A}"/>
               </a:ext>
             </a:extLst>
           </p:cNvPr>
@@ -4859,7 +4859,7 @@
           <a:p>
             <a:fld id="{63289F7E-B80B-496E-81B4-D396C37C9454}" type="datetimeFigureOut">
               <a:rPr lang="pt-BR" smtClean="0"/>
-              <a:t>05/08/2022</a:t>
+              <a:t>06/08/2022</a:t>
             </a:fld>
             <a:endParaRPr lang="pt-BR"/>
           </a:p>
@@ -4870,7 +4870,7 @@
           <p:cNvPr id="6" name="Espaço Reservado para Rodapé 5">
             <a:extLst>
               <a:ext uri="{FF2B5EF4-FFF2-40B4-BE49-F238E27FC236}">
-                <a16:creationId xmlns:a16="http://schemas.microsoft.com/office/drawing/2014/main" xmlns="" id="{5548425D-2C21-4C56-BAD4-662978775C28}"/>
+                <a16:creationId xmlns="" xmlns:a16="http://schemas.microsoft.com/office/drawing/2014/main" id="{5548425D-2C21-4C56-BAD4-662978775C28}"/>
               </a:ext>
             </a:extLst>
           </p:cNvPr>
@@ -4895,7 +4895,7 @@
           <p:cNvPr id="7" name="Espaço Reservado para Número de Slide 6">
             <a:extLst>
               <a:ext uri="{FF2B5EF4-FFF2-40B4-BE49-F238E27FC236}">
-                <a16:creationId xmlns:a16="http://schemas.microsoft.com/office/drawing/2014/main" xmlns="" id="{C63E9726-E64C-42B2-AE8A-8C235A956B48}"/>
+                <a16:creationId xmlns="" xmlns:a16="http://schemas.microsoft.com/office/drawing/2014/main" id="{C63E9726-E64C-42B2-AE8A-8C235A956B48}"/>
               </a:ext>
             </a:extLst>
           </p:cNvPr>
@@ -4954,7 +4954,7 @@
           <p:cNvPr id="2" name="Título 1">
             <a:extLst>
               <a:ext uri="{FF2B5EF4-FFF2-40B4-BE49-F238E27FC236}">
-                <a16:creationId xmlns:a16="http://schemas.microsoft.com/office/drawing/2014/main" xmlns="" id="{11086A78-3E74-450C-96A6-CA8AC37AF772}"/>
+                <a16:creationId xmlns="" xmlns:a16="http://schemas.microsoft.com/office/drawing/2014/main" id="{11086A78-3E74-450C-96A6-CA8AC37AF772}"/>
               </a:ext>
             </a:extLst>
           </p:cNvPr>
@@ -4991,7 +4991,7 @@
           <p:cNvPr id="3" name="Espaço Reservado para Imagem 2">
             <a:extLst>
               <a:ext uri="{FF2B5EF4-FFF2-40B4-BE49-F238E27FC236}">
-                <a16:creationId xmlns:a16="http://schemas.microsoft.com/office/drawing/2014/main" xmlns="" id="{5F5B7312-975A-4DBC-9B2F-3652ADA006FD}"/>
+                <a16:creationId xmlns="" xmlns:a16="http://schemas.microsoft.com/office/drawing/2014/main" id="{5F5B7312-975A-4DBC-9B2F-3652ADA006FD}"/>
               </a:ext>
             </a:extLst>
           </p:cNvPr>
@@ -5058,7 +5058,7 @@
           <p:cNvPr id="4" name="Espaço Reservado para Texto 3">
             <a:extLst>
               <a:ext uri="{FF2B5EF4-FFF2-40B4-BE49-F238E27FC236}">
-                <a16:creationId xmlns:a16="http://schemas.microsoft.com/office/drawing/2014/main" xmlns="" id="{AAF805F5-1DFF-41C6-944C-7D79FE0D0963}"/>
+                <a16:creationId xmlns="" xmlns:a16="http://schemas.microsoft.com/office/drawing/2014/main" id="{AAF805F5-1DFF-41C6-944C-7D79FE0D0963}"/>
               </a:ext>
             </a:extLst>
           </p:cNvPr>
@@ -5129,7 +5129,7 @@
           <p:cNvPr id="5" name="Espaço Reservado para Data 4">
             <a:extLst>
               <a:ext uri="{FF2B5EF4-FFF2-40B4-BE49-F238E27FC236}">
-                <a16:creationId xmlns:a16="http://schemas.microsoft.com/office/drawing/2014/main" xmlns="" id="{02113D81-8665-4516-BD81-C6A1F254EECD}"/>
+                <a16:creationId xmlns="" xmlns:a16="http://schemas.microsoft.com/office/drawing/2014/main" id="{02113D81-8665-4516-BD81-C6A1F254EECD}"/>
               </a:ext>
             </a:extLst>
           </p:cNvPr>
@@ -5147,7 +5147,7 @@
           <a:p>
             <a:fld id="{63289F7E-B80B-496E-81B4-D396C37C9454}" type="datetimeFigureOut">
               <a:rPr lang="pt-BR" smtClean="0"/>
-              <a:t>05/08/2022</a:t>
+              <a:t>06/08/2022</a:t>
             </a:fld>
             <a:endParaRPr lang="pt-BR"/>
           </a:p>
@@ -5158,7 +5158,7 @@
           <p:cNvPr id="6" name="Espaço Reservado para Rodapé 5">
             <a:extLst>
               <a:ext uri="{FF2B5EF4-FFF2-40B4-BE49-F238E27FC236}">
-                <a16:creationId xmlns:a16="http://schemas.microsoft.com/office/drawing/2014/main" xmlns="" id="{2B00C88B-FF32-40AA-A187-727D96FD7862}"/>
+                <a16:creationId xmlns="" xmlns:a16="http://schemas.microsoft.com/office/drawing/2014/main" id="{2B00C88B-FF32-40AA-A187-727D96FD7862}"/>
               </a:ext>
             </a:extLst>
           </p:cNvPr>
@@ -5183,7 +5183,7 @@
           <p:cNvPr id="7" name="Espaço Reservado para Número de Slide 6">
             <a:extLst>
               <a:ext uri="{FF2B5EF4-FFF2-40B4-BE49-F238E27FC236}">
-                <a16:creationId xmlns:a16="http://schemas.microsoft.com/office/drawing/2014/main" xmlns="" id="{A04D1A2D-69F7-4B8F-A730-BC26DC340BA6}"/>
+                <a16:creationId xmlns="" xmlns:a16="http://schemas.microsoft.com/office/drawing/2014/main" id="{A04D1A2D-69F7-4B8F-A730-BC26DC340BA6}"/>
               </a:ext>
             </a:extLst>
           </p:cNvPr>
@@ -5247,7 +5247,7 @@
           <p:cNvPr id="2" name="Espaço Reservado para Título 1">
             <a:extLst>
               <a:ext uri="{FF2B5EF4-FFF2-40B4-BE49-F238E27FC236}">
-                <a16:creationId xmlns:a16="http://schemas.microsoft.com/office/drawing/2014/main" xmlns="" id="{E69A0273-1966-4A1B-9370-4C1CE5036371}"/>
+                <a16:creationId xmlns="" xmlns:a16="http://schemas.microsoft.com/office/drawing/2014/main" id="{E69A0273-1966-4A1B-9370-4C1CE5036371}"/>
               </a:ext>
             </a:extLst>
           </p:cNvPr>
@@ -5285,7 +5285,7 @@
           <p:cNvPr id="3" name="Espaço Reservado para Texto 2">
             <a:extLst>
               <a:ext uri="{FF2B5EF4-FFF2-40B4-BE49-F238E27FC236}">
-                <a16:creationId xmlns:a16="http://schemas.microsoft.com/office/drawing/2014/main" xmlns="" id="{3B9CF87A-0448-49A7-AB25-EBC1D56A40EF}"/>
+                <a16:creationId xmlns="" xmlns:a16="http://schemas.microsoft.com/office/drawing/2014/main" id="{3B9CF87A-0448-49A7-AB25-EBC1D56A40EF}"/>
               </a:ext>
             </a:extLst>
           </p:cNvPr>
@@ -5352,7 +5352,7 @@
           <p:cNvPr id="4" name="Espaço Reservado para Data 3">
             <a:extLst>
               <a:ext uri="{FF2B5EF4-FFF2-40B4-BE49-F238E27FC236}">
-                <a16:creationId xmlns:a16="http://schemas.microsoft.com/office/drawing/2014/main" xmlns="" id="{2EF7B1F2-BB5A-44D0-816D-16AD2C71430E}"/>
+                <a16:creationId xmlns="" xmlns:a16="http://schemas.microsoft.com/office/drawing/2014/main" id="{2EF7B1F2-BB5A-44D0-816D-16AD2C71430E}"/>
               </a:ext>
             </a:extLst>
           </p:cNvPr>
@@ -5388,7 +5388,7 @@
           <a:p>
             <a:fld id="{63289F7E-B80B-496E-81B4-D396C37C9454}" type="datetimeFigureOut">
               <a:rPr lang="pt-BR" smtClean="0"/>
-              <a:t>05/08/2022</a:t>
+              <a:t>06/08/2022</a:t>
             </a:fld>
             <a:endParaRPr lang="pt-BR"/>
           </a:p>
@@ -5399,7 +5399,7 @@
           <p:cNvPr id="5" name="Espaço Reservado para Rodapé 4">
             <a:extLst>
               <a:ext uri="{FF2B5EF4-FFF2-40B4-BE49-F238E27FC236}">
-                <a16:creationId xmlns:a16="http://schemas.microsoft.com/office/drawing/2014/main" xmlns="" id="{C703F94C-2CC8-4DAA-BC35-14FC3E841DCD}"/>
+                <a16:creationId xmlns="" xmlns:a16="http://schemas.microsoft.com/office/drawing/2014/main" id="{C703F94C-2CC8-4DAA-BC35-14FC3E841DCD}"/>
               </a:ext>
             </a:extLst>
           </p:cNvPr>
@@ -5442,7 +5442,7 @@
           <p:cNvPr id="6" name="Espaço Reservado para Número de Slide 5">
             <a:extLst>
               <a:ext uri="{FF2B5EF4-FFF2-40B4-BE49-F238E27FC236}">
-                <a16:creationId xmlns:a16="http://schemas.microsoft.com/office/drawing/2014/main" xmlns="" id="{64051336-7048-457A-8B61-D94291D71648}"/>
+                <a16:creationId xmlns="" xmlns:a16="http://schemas.microsoft.com/office/drawing/2014/main" id="{64051336-7048-457A-8B61-D94291D71648}"/>
               </a:ext>
             </a:extLst>
           </p:cNvPr>
@@ -5810,7 +5810,7 @@
           <p:cNvPr id="2" name="Título 1">
             <a:extLst>
               <a:ext uri="{FF2B5EF4-FFF2-40B4-BE49-F238E27FC236}">
-                <a16:creationId xmlns:a16="http://schemas.microsoft.com/office/drawing/2014/main" xmlns="" id="{32666AC8-2E17-4DB4-B0F5-60C640CCFD2E}"/>
+                <a16:creationId xmlns="" xmlns:a16="http://schemas.microsoft.com/office/drawing/2014/main" id="{32666AC8-2E17-4DB4-B0F5-60C640CCFD2E}"/>
               </a:ext>
             </a:extLst>
           </p:cNvPr>
@@ -5856,7 +5856,7 @@
           <p:cNvPr id="4" name="CaixaDeTexto 3">
             <a:extLst>
               <a:ext uri="{FF2B5EF4-FFF2-40B4-BE49-F238E27FC236}">
-                <a16:creationId xmlns:a16="http://schemas.microsoft.com/office/drawing/2014/main" xmlns="" id="{430EB894-B7D4-434C-9D1A-A14094D9BEEC}"/>
+                <a16:creationId xmlns="" xmlns:a16="http://schemas.microsoft.com/office/drawing/2014/main" id="{430EB894-B7D4-434C-9D1A-A14094D9BEEC}"/>
               </a:ext>
             </a:extLst>
           </p:cNvPr>
@@ -5897,7 +5897,7 @@
           <p:cNvPr id="1026" name="Picture 2" descr="Logo">
             <a:extLst>
               <a:ext uri="{FF2B5EF4-FFF2-40B4-BE49-F238E27FC236}">
-                <a16:creationId xmlns:a16="http://schemas.microsoft.com/office/drawing/2014/main" xmlns="" id="{3F2642E0-4F6A-4196-8F58-E77D36E9A33F}"/>
+                <a16:creationId xmlns="" xmlns:a16="http://schemas.microsoft.com/office/drawing/2014/main" id="{3F2642E0-4F6A-4196-8F58-E77D36E9A33F}"/>
               </a:ext>
             </a:extLst>
           </p:cNvPr>
@@ -5942,7 +5942,7 @@
           <p:cNvPr id="5122" name="Picture 2" descr="Image result for machine learning">
             <a:extLst>
               <a:ext uri="{FF2B5EF4-FFF2-40B4-BE49-F238E27FC236}">
-                <a16:creationId xmlns:a16="http://schemas.microsoft.com/office/drawing/2014/main" xmlns="" id="{810CE0A2-4102-44A6-A370-175E7896CDCB}"/>
+                <a16:creationId xmlns="" xmlns:a16="http://schemas.microsoft.com/office/drawing/2014/main" id="{810CE0A2-4102-44A6-A370-175E7896CDCB}"/>
               </a:ext>
             </a:extLst>
           </p:cNvPr>
@@ -6814,14 +6814,26 @@
             <a:pPr lvl="1"/>
             <a:r>
               <a:rPr lang="pt-BR" dirty="0"/>
-              <a:t>Pode ser baixado do MS Teams ou do GitHub.</a:t>
+              <a:t>Pode ser acessado através do link acima (Google </a:t>
+            </a:r>
+            <a:r>
+              <a:rPr lang="pt-BR" dirty="0" err="1"/>
+              <a:t>Colab</a:t>
+            </a:r>
+            <a:r>
+              <a:rPr lang="pt-BR" dirty="0"/>
+              <a:t>) ou no GitHub.</a:t>
             </a:r>
           </a:p>
           <a:p>
             <a:pPr lvl="1"/>
             <a:r>
+              <a:rPr lang="pt-BR" smtClean="0"/>
+              <a:t>Se </a:t>
+            </a:r>
+            <a:r>
               <a:rPr lang="pt-BR" dirty="0"/>
-              <a:t>Pode ser respondido através do link acima (na nuvem) ou localmente.</a:t>
+              <a:t>atentem aos prazos de entrega.</a:t>
             </a:r>
           </a:p>
           <a:p>
@@ -6845,8 +6857,13 @@
                   <a:srgbClr val="FF0000"/>
                 </a:solidFill>
               </a:rPr>
-              <a:t>Atividades podem ser feitas em grupo, mas as entregas devem ser individuais.</a:t>
-            </a:r>
+              <a:t>Laboratórios podem ser resolvidos em grupo, mas as entregas devem ser individuais.</a:t>
+            </a:r>
+            <a:endParaRPr lang="pt-BR" b="1" dirty="0">
+              <a:solidFill>
+                <a:srgbClr val="FF0000"/>
+              </a:solidFill>
+            </a:endParaRPr>
           </a:p>
         </p:txBody>
       </p:sp>
@@ -6885,7 +6902,7 @@
           <p:cNvPr id="4" name="Título 1">
             <a:extLst>
               <a:ext uri="{FF2B5EF4-FFF2-40B4-BE49-F238E27FC236}">
-                <a16:creationId xmlns:a16="http://schemas.microsoft.com/office/drawing/2014/main" xmlns="" id="{32666AC8-2E17-4DB4-B0F5-60C640CCFD2E}"/>
+                <a16:creationId xmlns="" xmlns:a16="http://schemas.microsoft.com/office/drawing/2014/main" id="{32666AC8-2E17-4DB4-B0F5-60C640CCFD2E}"/>
               </a:ext>
             </a:extLst>
           </p:cNvPr>
@@ -8869,7 +8886,6 @@
               <a:rPr lang="pt-BR" dirty="0"/>
               <a:t>:</a:t>
             </a:r>
-            <a:endParaRPr lang="pt-BR" dirty="0"/>
           </a:p>
           <a:p>
             <a:pPr lvl="1">
@@ -9002,8 +9018,8 @@
           </a:p>
         </p:txBody>
       </p:sp>
-      <mc:AlternateContent xmlns:mc="http://schemas.openxmlformats.org/markup-compatibility/2006">
-        <mc:Choice xmlns:a14="http://schemas.microsoft.com/office/drawing/2010/main" Requires="a14">
+      <mc:AlternateContent xmlns:mc="http://schemas.openxmlformats.org/markup-compatibility/2006" xmlns:a14="http://schemas.microsoft.com/office/drawing/2010/main">
+        <mc:Choice Requires="a14">
           <p:sp>
             <p:nvSpPr>
               <p:cNvPr id="3" name="Content Placeholder 2"/>
@@ -10027,7 +10043,7 @@
             </p:txBody>
           </p:sp>
         </mc:Choice>
-        <mc:Fallback>
+        <mc:Fallback xmlns="">
           <p:sp>
             <p:nvSpPr>
               <p:cNvPr id="3" name="Content Placeholder 2"/>
@@ -10122,8 +10138,8 @@
           </a:p>
         </p:txBody>
       </p:sp>
-      <mc:AlternateContent xmlns:mc="http://schemas.openxmlformats.org/markup-compatibility/2006">
-        <mc:Choice xmlns:a14="http://schemas.microsoft.com/office/drawing/2010/main" Requires="a14">
+      <mc:AlternateContent xmlns:mc="http://schemas.openxmlformats.org/markup-compatibility/2006" xmlns:a14="http://schemas.microsoft.com/office/drawing/2010/main">
+        <mc:Choice Requires="a14">
           <p:sp>
             <p:nvSpPr>
               <p:cNvPr id="3" name="Content Placeholder 2"/>
@@ -10533,7 +10549,7 @@
             </p:txBody>
           </p:sp>
         </mc:Choice>
-        <mc:Fallback>
+        <mc:Fallback xmlns="">
           <p:sp>
             <p:nvSpPr>
               <p:cNvPr id="3" name="Content Placeholder 2"/>
@@ -12512,11 +12528,7 @@
           <a:p>
             <a:r>
               <a:rPr lang="pt-BR" dirty="0" smtClean="0"/>
-              <a:t>Função de l</a:t>
-            </a:r>
-            <a:r>
-              <a:rPr lang="pt-BR" dirty="0" smtClean="0"/>
-              <a:t>imiar </a:t>
+              <a:t>Função de limiar </a:t>
             </a:r>
             <a:r>
               <a:rPr lang="pt-BR" dirty="0"/>
@@ -14187,8 +14199,8 @@
           </a:p>
         </p:txBody>
       </p:sp>
-      <mc:AlternateContent xmlns:mc="http://schemas.openxmlformats.org/markup-compatibility/2006">
-        <mc:Choice xmlns:a14="http://schemas.microsoft.com/office/drawing/2010/main" Requires="a14">
+      <mc:AlternateContent xmlns:mc="http://schemas.openxmlformats.org/markup-compatibility/2006" xmlns:a14="http://schemas.microsoft.com/office/drawing/2010/main">
+        <mc:Choice Requires="a14">
           <p:sp>
             <p:nvSpPr>
               <p:cNvPr id="3" name="Content Placeholder 2"/>
@@ -14585,7 +14597,7 @@
             </p:txBody>
           </p:sp>
         </mc:Choice>
-        <mc:Fallback>
+        <mc:Fallback xmlns="">
           <p:sp>
             <p:nvSpPr>
               <p:cNvPr id="3" name="Content Placeholder 2"/>

--- a/slides/T320_Classificação (Parte II).pptx
+++ b/slides/T320_Classificação (Parte II).pptx
@@ -288,7 +288,7 @@
           <a:p>
             <a:fld id="{144F1436-6906-4D93-B7A2-786C327BFA14}" type="datetimeFigureOut">
               <a:rPr lang="nl-BE" smtClean="0"/>
-              <a:t>6/08/2022</a:t>
+              <a:t>26/08/2022</a:t>
             </a:fld>
             <a:endParaRPr lang="nl-BE"/>
           </a:p>
@@ -453,7 +453,7 @@
           <a:p>
             <a:fld id="{AA8CD09E-2914-4F47-B6C1-51B2C31814C9}" type="datetimeFigureOut">
               <a:rPr lang="pt-BR" smtClean="0"/>
-              <a:t>06/08/2022</a:t>
+              <a:t>26/08/2022</a:t>
             </a:fld>
             <a:endParaRPr lang="pt-BR"/>
           </a:p>
@@ -2613,7 +2613,7 @@
           <p:cNvPr id="2" name="Título 1">
             <a:extLst>
               <a:ext uri="{FF2B5EF4-FFF2-40B4-BE49-F238E27FC236}">
-                <a16:creationId xmlns="" xmlns:a16="http://schemas.microsoft.com/office/drawing/2014/main" id="{1DB9B4FF-B06E-403C-A326-BDC64D8FF94E}"/>
+                <a16:creationId xmlns:a16="http://schemas.microsoft.com/office/drawing/2014/main" xmlns="" id="{1DB9B4FF-B06E-403C-A326-BDC64D8FF94E}"/>
               </a:ext>
             </a:extLst>
           </p:cNvPr>
@@ -2650,7 +2650,7 @@
           <p:cNvPr id="3" name="Subtítulo 2">
             <a:extLst>
               <a:ext uri="{FF2B5EF4-FFF2-40B4-BE49-F238E27FC236}">
-                <a16:creationId xmlns="" xmlns:a16="http://schemas.microsoft.com/office/drawing/2014/main" id="{247BDFCE-746E-45BF-A319-4733D58D1632}"/>
+                <a16:creationId xmlns:a16="http://schemas.microsoft.com/office/drawing/2014/main" xmlns="" id="{247BDFCE-746E-45BF-A319-4733D58D1632}"/>
               </a:ext>
             </a:extLst>
           </p:cNvPr>
@@ -2720,7 +2720,7 @@
           <p:cNvPr id="4" name="Espaço Reservado para Data 3">
             <a:extLst>
               <a:ext uri="{FF2B5EF4-FFF2-40B4-BE49-F238E27FC236}">
-                <a16:creationId xmlns="" xmlns:a16="http://schemas.microsoft.com/office/drawing/2014/main" id="{9EDE2778-5372-4104-B96D-968184DA8288}"/>
+                <a16:creationId xmlns:a16="http://schemas.microsoft.com/office/drawing/2014/main" xmlns="" id="{9EDE2778-5372-4104-B96D-968184DA8288}"/>
               </a:ext>
             </a:extLst>
           </p:cNvPr>
@@ -2738,7 +2738,7 @@
           <a:p>
             <a:fld id="{63289F7E-B80B-496E-81B4-D396C37C9454}" type="datetimeFigureOut">
               <a:rPr lang="pt-BR" smtClean="0"/>
-              <a:t>06/08/2022</a:t>
+              <a:t>26/08/2022</a:t>
             </a:fld>
             <a:endParaRPr lang="pt-BR"/>
           </a:p>
@@ -2749,7 +2749,7 @@
           <p:cNvPr id="5" name="Espaço Reservado para Rodapé 4">
             <a:extLst>
               <a:ext uri="{FF2B5EF4-FFF2-40B4-BE49-F238E27FC236}">
-                <a16:creationId xmlns="" xmlns:a16="http://schemas.microsoft.com/office/drawing/2014/main" id="{C1DD0F41-C861-4051-988D-3024A37A4B93}"/>
+                <a16:creationId xmlns:a16="http://schemas.microsoft.com/office/drawing/2014/main" xmlns="" id="{C1DD0F41-C861-4051-988D-3024A37A4B93}"/>
               </a:ext>
             </a:extLst>
           </p:cNvPr>
@@ -2774,7 +2774,7 @@
           <p:cNvPr id="6" name="Espaço Reservado para Número de Slide 5">
             <a:extLst>
               <a:ext uri="{FF2B5EF4-FFF2-40B4-BE49-F238E27FC236}">
-                <a16:creationId xmlns="" xmlns:a16="http://schemas.microsoft.com/office/drawing/2014/main" id="{07E5967E-D980-431A-A5DB-3F0C5030A81E}"/>
+                <a16:creationId xmlns:a16="http://schemas.microsoft.com/office/drawing/2014/main" xmlns="" id="{07E5967E-D980-431A-A5DB-3F0C5030A81E}"/>
               </a:ext>
             </a:extLst>
           </p:cNvPr>
@@ -2833,7 +2833,7 @@
           <p:cNvPr id="2" name="Título 1">
             <a:extLst>
               <a:ext uri="{FF2B5EF4-FFF2-40B4-BE49-F238E27FC236}">
-                <a16:creationId xmlns="" xmlns:a16="http://schemas.microsoft.com/office/drawing/2014/main" id="{9036C49F-3E68-4175-81BA-3C3FEE44308A}"/>
+                <a16:creationId xmlns:a16="http://schemas.microsoft.com/office/drawing/2014/main" xmlns="" id="{9036C49F-3E68-4175-81BA-3C3FEE44308A}"/>
               </a:ext>
             </a:extLst>
           </p:cNvPr>
@@ -2861,7 +2861,7 @@
           <p:cNvPr id="3" name="Espaço Reservado para Texto Vertical 2">
             <a:extLst>
               <a:ext uri="{FF2B5EF4-FFF2-40B4-BE49-F238E27FC236}">
-                <a16:creationId xmlns="" xmlns:a16="http://schemas.microsoft.com/office/drawing/2014/main" id="{426FA736-3DD3-4D4E-B57B-BBE1D8F7D424}"/>
+                <a16:creationId xmlns:a16="http://schemas.microsoft.com/office/drawing/2014/main" xmlns="" id="{426FA736-3DD3-4D4E-B57B-BBE1D8F7D424}"/>
               </a:ext>
             </a:extLst>
           </p:cNvPr>
@@ -2918,7 +2918,7 @@
           <p:cNvPr id="4" name="Espaço Reservado para Data 3">
             <a:extLst>
               <a:ext uri="{FF2B5EF4-FFF2-40B4-BE49-F238E27FC236}">
-                <a16:creationId xmlns="" xmlns:a16="http://schemas.microsoft.com/office/drawing/2014/main" id="{99E8855C-D8FD-48F6-B14E-861E0DE4D915}"/>
+                <a16:creationId xmlns:a16="http://schemas.microsoft.com/office/drawing/2014/main" xmlns="" id="{99E8855C-D8FD-48F6-B14E-861E0DE4D915}"/>
               </a:ext>
             </a:extLst>
           </p:cNvPr>
@@ -2936,7 +2936,7 @@
           <a:p>
             <a:fld id="{63289F7E-B80B-496E-81B4-D396C37C9454}" type="datetimeFigureOut">
               <a:rPr lang="pt-BR" smtClean="0"/>
-              <a:t>06/08/2022</a:t>
+              <a:t>26/08/2022</a:t>
             </a:fld>
             <a:endParaRPr lang="pt-BR"/>
           </a:p>
@@ -2947,7 +2947,7 @@
           <p:cNvPr id="5" name="Espaço Reservado para Rodapé 4">
             <a:extLst>
               <a:ext uri="{FF2B5EF4-FFF2-40B4-BE49-F238E27FC236}">
-                <a16:creationId xmlns="" xmlns:a16="http://schemas.microsoft.com/office/drawing/2014/main" id="{97C0BB88-2F21-42A5-ACFF-83DA47F2D340}"/>
+                <a16:creationId xmlns:a16="http://schemas.microsoft.com/office/drawing/2014/main" xmlns="" id="{97C0BB88-2F21-42A5-ACFF-83DA47F2D340}"/>
               </a:ext>
             </a:extLst>
           </p:cNvPr>
@@ -2972,7 +2972,7 @@
           <p:cNvPr id="6" name="Espaço Reservado para Número de Slide 5">
             <a:extLst>
               <a:ext uri="{FF2B5EF4-FFF2-40B4-BE49-F238E27FC236}">
-                <a16:creationId xmlns="" xmlns:a16="http://schemas.microsoft.com/office/drawing/2014/main" id="{6CB462B3-1F22-4C05-B4B8-7A279FB7D5E9}"/>
+                <a16:creationId xmlns:a16="http://schemas.microsoft.com/office/drawing/2014/main" xmlns="" id="{6CB462B3-1F22-4C05-B4B8-7A279FB7D5E9}"/>
               </a:ext>
             </a:extLst>
           </p:cNvPr>
@@ -3031,7 +3031,7 @@
           <p:cNvPr id="2" name="Título Vertical 1">
             <a:extLst>
               <a:ext uri="{FF2B5EF4-FFF2-40B4-BE49-F238E27FC236}">
-                <a16:creationId xmlns="" xmlns:a16="http://schemas.microsoft.com/office/drawing/2014/main" id="{EAEAB728-701C-4207-A9D5-23FF45C60502}"/>
+                <a16:creationId xmlns:a16="http://schemas.microsoft.com/office/drawing/2014/main" xmlns="" id="{EAEAB728-701C-4207-A9D5-23FF45C60502}"/>
               </a:ext>
             </a:extLst>
           </p:cNvPr>
@@ -3064,7 +3064,7 @@
           <p:cNvPr id="3" name="Espaço Reservado para Texto Vertical 2">
             <a:extLst>
               <a:ext uri="{FF2B5EF4-FFF2-40B4-BE49-F238E27FC236}">
-                <a16:creationId xmlns="" xmlns:a16="http://schemas.microsoft.com/office/drawing/2014/main" id="{BA8C8CCF-7823-480A-9A19-0F664DD17E3B}"/>
+                <a16:creationId xmlns:a16="http://schemas.microsoft.com/office/drawing/2014/main" xmlns="" id="{BA8C8CCF-7823-480A-9A19-0F664DD17E3B}"/>
               </a:ext>
             </a:extLst>
           </p:cNvPr>
@@ -3126,7 +3126,7 @@
           <p:cNvPr id="4" name="Espaço Reservado para Data 3">
             <a:extLst>
               <a:ext uri="{FF2B5EF4-FFF2-40B4-BE49-F238E27FC236}">
-                <a16:creationId xmlns="" xmlns:a16="http://schemas.microsoft.com/office/drawing/2014/main" id="{721D5734-7B1F-425D-942F-6EB73344027C}"/>
+                <a16:creationId xmlns:a16="http://schemas.microsoft.com/office/drawing/2014/main" xmlns="" id="{721D5734-7B1F-425D-942F-6EB73344027C}"/>
               </a:ext>
             </a:extLst>
           </p:cNvPr>
@@ -3144,7 +3144,7 @@
           <a:p>
             <a:fld id="{63289F7E-B80B-496E-81B4-D396C37C9454}" type="datetimeFigureOut">
               <a:rPr lang="pt-BR" smtClean="0"/>
-              <a:t>06/08/2022</a:t>
+              <a:t>26/08/2022</a:t>
             </a:fld>
             <a:endParaRPr lang="pt-BR"/>
           </a:p>
@@ -3155,7 +3155,7 @@
           <p:cNvPr id="5" name="Espaço Reservado para Rodapé 4">
             <a:extLst>
               <a:ext uri="{FF2B5EF4-FFF2-40B4-BE49-F238E27FC236}">
-                <a16:creationId xmlns="" xmlns:a16="http://schemas.microsoft.com/office/drawing/2014/main" id="{1E1AAEAC-F08D-45FE-89EC-B1B349A868C9}"/>
+                <a16:creationId xmlns:a16="http://schemas.microsoft.com/office/drawing/2014/main" xmlns="" id="{1E1AAEAC-F08D-45FE-89EC-B1B349A868C9}"/>
               </a:ext>
             </a:extLst>
           </p:cNvPr>
@@ -3180,7 +3180,7 @@
           <p:cNvPr id="6" name="Espaço Reservado para Número de Slide 5">
             <a:extLst>
               <a:ext uri="{FF2B5EF4-FFF2-40B4-BE49-F238E27FC236}">
-                <a16:creationId xmlns="" xmlns:a16="http://schemas.microsoft.com/office/drawing/2014/main" id="{BAA44493-9911-47B2-87A6-C2141A972BC8}"/>
+                <a16:creationId xmlns:a16="http://schemas.microsoft.com/office/drawing/2014/main" xmlns="" id="{BAA44493-9911-47B2-87A6-C2141A972BC8}"/>
               </a:ext>
             </a:extLst>
           </p:cNvPr>
@@ -3239,7 +3239,7 @@
           <p:cNvPr id="2" name="Título 1">
             <a:extLst>
               <a:ext uri="{FF2B5EF4-FFF2-40B4-BE49-F238E27FC236}">
-                <a16:creationId xmlns="" xmlns:a16="http://schemas.microsoft.com/office/drawing/2014/main" id="{71BD44A5-8F21-4626-A01D-48A1C874B1D5}"/>
+                <a16:creationId xmlns:a16="http://schemas.microsoft.com/office/drawing/2014/main" xmlns="" id="{71BD44A5-8F21-4626-A01D-48A1C874B1D5}"/>
               </a:ext>
             </a:extLst>
           </p:cNvPr>
@@ -3267,7 +3267,7 @@
           <p:cNvPr id="3" name="Espaço Reservado para Conteúdo 2">
             <a:extLst>
               <a:ext uri="{FF2B5EF4-FFF2-40B4-BE49-F238E27FC236}">
-                <a16:creationId xmlns="" xmlns:a16="http://schemas.microsoft.com/office/drawing/2014/main" id="{B79E8085-65A9-48AA-951D-71D978BFF4ED}"/>
+                <a16:creationId xmlns:a16="http://schemas.microsoft.com/office/drawing/2014/main" xmlns="" id="{B79E8085-65A9-48AA-951D-71D978BFF4ED}"/>
               </a:ext>
             </a:extLst>
           </p:cNvPr>
@@ -3324,7 +3324,7 @@
           <p:cNvPr id="4" name="Espaço Reservado para Data 3">
             <a:extLst>
               <a:ext uri="{FF2B5EF4-FFF2-40B4-BE49-F238E27FC236}">
-                <a16:creationId xmlns="" xmlns:a16="http://schemas.microsoft.com/office/drawing/2014/main" id="{F05BE1AF-51EA-425D-B188-DE7BD675009F}"/>
+                <a16:creationId xmlns:a16="http://schemas.microsoft.com/office/drawing/2014/main" xmlns="" id="{F05BE1AF-51EA-425D-B188-DE7BD675009F}"/>
               </a:ext>
             </a:extLst>
           </p:cNvPr>
@@ -3342,7 +3342,7 @@
           <a:p>
             <a:fld id="{63289F7E-B80B-496E-81B4-D396C37C9454}" type="datetimeFigureOut">
               <a:rPr lang="pt-BR" smtClean="0"/>
-              <a:t>06/08/2022</a:t>
+              <a:t>26/08/2022</a:t>
             </a:fld>
             <a:endParaRPr lang="pt-BR"/>
           </a:p>
@@ -3353,7 +3353,7 @@
           <p:cNvPr id="5" name="Espaço Reservado para Rodapé 4">
             <a:extLst>
               <a:ext uri="{FF2B5EF4-FFF2-40B4-BE49-F238E27FC236}">
-                <a16:creationId xmlns="" xmlns:a16="http://schemas.microsoft.com/office/drawing/2014/main" id="{121BE632-29CF-4CB9-B365-C9EF38F89BE6}"/>
+                <a16:creationId xmlns:a16="http://schemas.microsoft.com/office/drawing/2014/main" xmlns="" id="{121BE632-29CF-4CB9-B365-C9EF38F89BE6}"/>
               </a:ext>
             </a:extLst>
           </p:cNvPr>
@@ -3378,7 +3378,7 @@
           <p:cNvPr id="6" name="Espaço Reservado para Número de Slide 5">
             <a:extLst>
               <a:ext uri="{FF2B5EF4-FFF2-40B4-BE49-F238E27FC236}">
-                <a16:creationId xmlns="" xmlns:a16="http://schemas.microsoft.com/office/drawing/2014/main" id="{60CF3DD1-9AEC-4A57-B461-4E4DD86FAC18}"/>
+                <a16:creationId xmlns:a16="http://schemas.microsoft.com/office/drawing/2014/main" xmlns="" id="{60CF3DD1-9AEC-4A57-B461-4E4DD86FAC18}"/>
               </a:ext>
             </a:extLst>
           </p:cNvPr>
@@ -3437,7 +3437,7 @@
           <p:cNvPr id="2" name="Título 1">
             <a:extLst>
               <a:ext uri="{FF2B5EF4-FFF2-40B4-BE49-F238E27FC236}">
-                <a16:creationId xmlns="" xmlns:a16="http://schemas.microsoft.com/office/drawing/2014/main" id="{34AB2FF0-A4D7-4E28-991D-FF26140D5988}"/>
+                <a16:creationId xmlns:a16="http://schemas.microsoft.com/office/drawing/2014/main" xmlns="" id="{34AB2FF0-A4D7-4E28-991D-FF26140D5988}"/>
               </a:ext>
             </a:extLst>
           </p:cNvPr>
@@ -3474,7 +3474,7 @@
           <p:cNvPr id="3" name="Espaço Reservado para Texto 2">
             <a:extLst>
               <a:ext uri="{FF2B5EF4-FFF2-40B4-BE49-F238E27FC236}">
-                <a16:creationId xmlns="" xmlns:a16="http://schemas.microsoft.com/office/drawing/2014/main" id="{E2AC45B0-4145-40DB-8E61-105461170604}"/>
+                <a16:creationId xmlns:a16="http://schemas.microsoft.com/office/drawing/2014/main" xmlns="" id="{E2AC45B0-4145-40DB-8E61-105461170604}"/>
               </a:ext>
             </a:extLst>
           </p:cNvPr>
@@ -3599,7 +3599,7 @@
           <p:cNvPr id="4" name="Espaço Reservado para Data 3">
             <a:extLst>
               <a:ext uri="{FF2B5EF4-FFF2-40B4-BE49-F238E27FC236}">
-                <a16:creationId xmlns="" xmlns:a16="http://schemas.microsoft.com/office/drawing/2014/main" id="{50F1D3FB-740A-4EBA-A309-2CE71D12ECFB}"/>
+                <a16:creationId xmlns:a16="http://schemas.microsoft.com/office/drawing/2014/main" xmlns="" id="{50F1D3FB-740A-4EBA-A309-2CE71D12ECFB}"/>
               </a:ext>
             </a:extLst>
           </p:cNvPr>
@@ -3617,7 +3617,7 @@
           <a:p>
             <a:fld id="{63289F7E-B80B-496E-81B4-D396C37C9454}" type="datetimeFigureOut">
               <a:rPr lang="pt-BR" smtClean="0"/>
-              <a:t>06/08/2022</a:t>
+              <a:t>26/08/2022</a:t>
             </a:fld>
             <a:endParaRPr lang="pt-BR"/>
           </a:p>
@@ -3628,7 +3628,7 @@
           <p:cNvPr id="5" name="Espaço Reservado para Rodapé 4">
             <a:extLst>
               <a:ext uri="{FF2B5EF4-FFF2-40B4-BE49-F238E27FC236}">
-                <a16:creationId xmlns="" xmlns:a16="http://schemas.microsoft.com/office/drawing/2014/main" id="{BDCAB18F-8715-4465-A940-F9C193A2ACE9}"/>
+                <a16:creationId xmlns:a16="http://schemas.microsoft.com/office/drawing/2014/main" xmlns="" id="{BDCAB18F-8715-4465-A940-F9C193A2ACE9}"/>
               </a:ext>
             </a:extLst>
           </p:cNvPr>
@@ -3653,7 +3653,7 @@
           <p:cNvPr id="6" name="Espaço Reservado para Número de Slide 5">
             <a:extLst>
               <a:ext uri="{FF2B5EF4-FFF2-40B4-BE49-F238E27FC236}">
-                <a16:creationId xmlns="" xmlns:a16="http://schemas.microsoft.com/office/drawing/2014/main" id="{353466C6-8248-429F-8056-FF040BF509EB}"/>
+                <a16:creationId xmlns:a16="http://schemas.microsoft.com/office/drawing/2014/main" xmlns="" id="{353466C6-8248-429F-8056-FF040BF509EB}"/>
               </a:ext>
             </a:extLst>
           </p:cNvPr>
@@ -3712,7 +3712,7 @@
           <p:cNvPr id="2" name="Título 1">
             <a:extLst>
               <a:ext uri="{FF2B5EF4-FFF2-40B4-BE49-F238E27FC236}">
-                <a16:creationId xmlns="" xmlns:a16="http://schemas.microsoft.com/office/drawing/2014/main" id="{BC7BB9F0-F14B-4A91-B2B7-35BC47FE4DE7}"/>
+                <a16:creationId xmlns:a16="http://schemas.microsoft.com/office/drawing/2014/main" xmlns="" id="{BC7BB9F0-F14B-4A91-B2B7-35BC47FE4DE7}"/>
               </a:ext>
             </a:extLst>
           </p:cNvPr>
@@ -3740,7 +3740,7 @@
           <p:cNvPr id="3" name="Espaço Reservado para Conteúdo 2">
             <a:extLst>
               <a:ext uri="{FF2B5EF4-FFF2-40B4-BE49-F238E27FC236}">
-                <a16:creationId xmlns="" xmlns:a16="http://schemas.microsoft.com/office/drawing/2014/main" id="{EC1FC1C4-73DA-47A6-8496-B0B457F7D39A}"/>
+                <a16:creationId xmlns:a16="http://schemas.microsoft.com/office/drawing/2014/main" xmlns="" id="{EC1FC1C4-73DA-47A6-8496-B0B457F7D39A}"/>
               </a:ext>
             </a:extLst>
           </p:cNvPr>
@@ -3802,7 +3802,7 @@
           <p:cNvPr id="4" name="Espaço Reservado para Conteúdo 3">
             <a:extLst>
               <a:ext uri="{FF2B5EF4-FFF2-40B4-BE49-F238E27FC236}">
-                <a16:creationId xmlns="" xmlns:a16="http://schemas.microsoft.com/office/drawing/2014/main" id="{E92F06A8-A449-4D92-9912-76873E529B38}"/>
+                <a16:creationId xmlns:a16="http://schemas.microsoft.com/office/drawing/2014/main" xmlns="" id="{E92F06A8-A449-4D92-9912-76873E529B38}"/>
               </a:ext>
             </a:extLst>
           </p:cNvPr>
@@ -3864,7 +3864,7 @@
           <p:cNvPr id="5" name="Espaço Reservado para Data 4">
             <a:extLst>
               <a:ext uri="{FF2B5EF4-FFF2-40B4-BE49-F238E27FC236}">
-                <a16:creationId xmlns="" xmlns:a16="http://schemas.microsoft.com/office/drawing/2014/main" id="{938070A4-BC2F-4D55-BD8D-DEAF11BB9EE9}"/>
+                <a16:creationId xmlns:a16="http://schemas.microsoft.com/office/drawing/2014/main" xmlns="" id="{938070A4-BC2F-4D55-BD8D-DEAF11BB9EE9}"/>
               </a:ext>
             </a:extLst>
           </p:cNvPr>
@@ -3882,7 +3882,7 @@
           <a:p>
             <a:fld id="{63289F7E-B80B-496E-81B4-D396C37C9454}" type="datetimeFigureOut">
               <a:rPr lang="pt-BR" smtClean="0"/>
-              <a:t>06/08/2022</a:t>
+              <a:t>26/08/2022</a:t>
             </a:fld>
             <a:endParaRPr lang="pt-BR"/>
           </a:p>
@@ -3893,7 +3893,7 @@
           <p:cNvPr id="6" name="Espaço Reservado para Rodapé 5">
             <a:extLst>
               <a:ext uri="{FF2B5EF4-FFF2-40B4-BE49-F238E27FC236}">
-                <a16:creationId xmlns="" xmlns:a16="http://schemas.microsoft.com/office/drawing/2014/main" id="{45CC2DB8-844A-465F-BA9A-7734C80C7F43}"/>
+                <a16:creationId xmlns:a16="http://schemas.microsoft.com/office/drawing/2014/main" xmlns="" id="{45CC2DB8-844A-465F-BA9A-7734C80C7F43}"/>
               </a:ext>
             </a:extLst>
           </p:cNvPr>
@@ -3918,7 +3918,7 @@
           <p:cNvPr id="7" name="Espaço Reservado para Número de Slide 6">
             <a:extLst>
               <a:ext uri="{FF2B5EF4-FFF2-40B4-BE49-F238E27FC236}">
-                <a16:creationId xmlns="" xmlns:a16="http://schemas.microsoft.com/office/drawing/2014/main" id="{4CC606A8-097B-4040-94E0-CD8C88280D8F}"/>
+                <a16:creationId xmlns:a16="http://schemas.microsoft.com/office/drawing/2014/main" xmlns="" id="{4CC606A8-097B-4040-94E0-CD8C88280D8F}"/>
               </a:ext>
             </a:extLst>
           </p:cNvPr>
@@ -3977,7 +3977,7 @@
           <p:cNvPr id="2" name="Título 1">
             <a:extLst>
               <a:ext uri="{FF2B5EF4-FFF2-40B4-BE49-F238E27FC236}">
-                <a16:creationId xmlns="" xmlns:a16="http://schemas.microsoft.com/office/drawing/2014/main" id="{76D66686-0143-4CB6-8C09-BA326F1E7ACA}"/>
+                <a16:creationId xmlns:a16="http://schemas.microsoft.com/office/drawing/2014/main" xmlns="" id="{76D66686-0143-4CB6-8C09-BA326F1E7ACA}"/>
               </a:ext>
             </a:extLst>
           </p:cNvPr>
@@ -4010,7 +4010,7 @@
           <p:cNvPr id="3" name="Espaço Reservado para Texto 2">
             <a:extLst>
               <a:ext uri="{FF2B5EF4-FFF2-40B4-BE49-F238E27FC236}">
-                <a16:creationId xmlns="" xmlns:a16="http://schemas.microsoft.com/office/drawing/2014/main" id="{0227AB85-F59E-4BCE-B846-4FA0992C2F23}"/>
+                <a16:creationId xmlns:a16="http://schemas.microsoft.com/office/drawing/2014/main" xmlns="" id="{0227AB85-F59E-4BCE-B846-4FA0992C2F23}"/>
               </a:ext>
             </a:extLst>
           </p:cNvPr>
@@ -4081,7 +4081,7 @@
           <p:cNvPr id="4" name="Espaço Reservado para Conteúdo 3">
             <a:extLst>
               <a:ext uri="{FF2B5EF4-FFF2-40B4-BE49-F238E27FC236}">
-                <a16:creationId xmlns="" xmlns:a16="http://schemas.microsoft.com/office/drawing/2014/main" id="{3373456C-7319-4D0A-827D-D29F6B083F5D}"/>
+                <a16:creationId xmlns:a16="http://schemas.microsoft.com/office/drawing/2014/main" xmlns="" id="{3373456C-7319-4D0A-827D-D29F6B083F5D}"/>
               </a:ext>
             </a:extLst>
           </p:cNvPr>
@@ -4143,7 +4143,7 @@
           <p:cNvPr id="5" name="Espaço Reservado para Texto 4">
             <a:extLst>
               <a:ext uri="{FF2B5EF4-FFF2-40B4-BE49-F238E27FC236}">
-                <a16:creationId xmlns="" xmlns:a16="http://schemas.microsoft.com/office/drawing/2014/main" id="{4CD109D0-2E83-4262-8029-A871CEC47406}"/>
+                <a16:creationId xmlns:a16="http://schemas.microsoft.com/office/drawing/2014/main" xmlns="" id="{4CD109D0-2E83-4262-8029-A871CEC47406}"/>
               </a:ext>
             </a:extLst>
           </p:cNvPr>
@@ -4214,7 +4214,7 @@
           <p:cNvPr id="6" name="Espaço Reservado para Conteúdo 5">
             <a:extLst>
               <a:ext uri="{FF2B5EF4-FFF2-40B4-BE49-F238E27FC236}">
-                <a16:creationId xmlns="" xmlns:a16="http://schemas.microsoft.com/office/drawing/2014/main" id="{AD706E3A-CFBB-4A6C-A65F-D0360A9E74FE}"/>
+                <a16:creationId xmlns:a16="http://schemas.microsoft.com/office/drawing/2014/main" xmlns="" id="{AD706E3A-CFBB-4A6C-A65F-D0360A9E74FE}"/>
               </a:ext>
             </a:extLst>
           </p:cNvPr>
@@ -4276,7 +4276,7 @@
           <p:cNvPr id="7" name="Espaço Reservado para Data 6">
             <a:extLst>
               <a:ext uri="{FF2B5EF4-FFF2-40B4-BE49-F238E27FC236}">
-                <a16:creationId xmlns="" xmlns:a16="http://schemas.microsoft.com/office/drawing/2014/main" id="{4172C0E5-5AF0-4805-BB51-443733CD2BD5}"/>
+                <a16:creationId xmlns:a16="http://schemas.microsoft.com/office/drawing/2014/main" xmlns="" id="{4172C0E5-5AF0-4805-BB51-443733CD2BD5}"/>
               </a:ext>
             </a:extLst>
           </p:cNvPr>
@@ -4294,7 +4294,7 @@
           <a:p>
             <a:fld id="{63289F7E-B80B-496E-81B4-D396C37C9454}" type="datetimeFigureOut">
               <a:rPr lang="pt-BR" smtClean="0"/>
-              <a:t>06/08/2022</a:t>
+              <a:t>26/08/2022</a:t>
             </a:fld>
             <a:endParaRPr lang="pt-BR"/>
           </a:p>
@@ -4305,7 +4305,7 @@
           <p:cNvPr id="8" name="Espaço Reservado para Rodapé 7">
             <a:extLst>
               <a:ext uri="{FF2B5EF4-FFF2-40B4-BE49-F238E27FC236}">
-                <a16:creationId xmlns="" xmlns:a16="http://schemas.microsoft.com/office/drawing/2014/main" id="{0E801648-156F-497E-99CF-797DF48051E1}"/>
+                <a16:creationId xmlns:a16="http://schemas.microsoft.com/office/drawing/2014/main" xmlns="" id="{0E801648-156F-497E-99CF-797DF48051E1}"/>
               </a:ext>
             </a:extLst>
           </p:cNvPr>
@@ -4330,7 +4330,7 @@
           <p:cNvPr id="9" name="Espaço Reservado para Número de Slide 8">
             <a:extLst>
               <a:ext uri="{FF2B5EF4-FFF2-40B4-BE49-F238E27FC236}">
-                <a16:creationId xmlns="" xmlns:a16="http://schemas.microsoft.com/office/drawing/2014/main" id="{EEE23D32-80E7-4796-A137-66BF842E4B53}"/>
+                <a16:creationId xmlns:a16="http://schemas.microsoft.com/office/drawing/2014/main" xmlns="" id="{EEE23D32-80E7-4796-A137-66BF842E4B53}"/>
               </a:ext>
             </a:extLst>
           </p:cNvPr>
@@ -4389,7 +4389,7 @@
           <p:cNvPr id="2" name="Título 1">
             <a:extLst>
               <a:ext uri="{FF2B5EF4-FFF2-40B4-BE49-F238E27FC236}">
-                <a16:creationId xmlns="" xmlns:a16="http://schemas.microsoft.com/office/drawing/2014/main" id="{2BCE2379-C78F-47E1-8CFC-B846E7AF148D}"/>
+                <a16:creationId xmlns:a16="http://schemas.microsoft.com/office/drawing/2014/main" xmlns="" id="{2BCE2379-C78F-47E1-8CFC-B846E7AF148D}"/>
               </a:ext>
             </a:extLst>
           </p:cNvPr>
@@ -4417,7 +4417,7 @@
           <p:cNvPr id="3" name="Espaço Reservado para Data 2">
             <a:extLst>
               <a:ext uri="{FF2B5EF4-FFF2-40B4-BE49-F238E27FC236}">
-                <a16:creationId xmlns="" xmlns:a16="http://schemas.microsoft.com/office/drawing/2014/main" id="{342600A9-7F92-4E22-9D94-E4717252A817}"/>
+                <a16:creationId xmlns:a16="http://schemas.microsoft.com/office/drawing/2014/main" xmlns="" id="{342600A9-7F92-4E22-9D94-E4717252A817}"/>
               </a:ext>
             </a:extLst>
           </p:cNvPr>
@@ -4435,7 +4435,7 @@
           <a:p>
             <a:fld id="{63289F7E-B80B-496E-81B4-D396C37C9454}" type="datetimeFigureOut">
               <a:rPr lang="pt-BR" smtClean="0"/>
-              <a:t>06/08/2022</a:t>
+              <a:t>26/08/2022</a:t>
             </a:fld>
             <a:endParaRPr lang="pt-BR"/>
           </a:p>
@@ -4446,7 +4446,7 @@
           <p:cNvPr id="4" name="Espaço Reservado para Rodapé 3">
             <a:extLst>
               <a:ext uri="{FF2B5EF4-FFF2-40B4-BE49-F238E27FC236}">
-                <a16:creationId xmlns="" xmlns:a16="http://schemas.microsoft.com/office/drawing/2014/main" id="{192E6BED-F546-40CC-A2DF-99CBA853654E}"/>
+                <a16:creationId xmlns:a16="http://schemas.microsoft.com/office/drawing/2014/main" xmlns="" id="{192E6BED-F546-40CC-A2DF-99CBA853654E}"/>
               </a:ext>
             </a:extLst>
           </p:cNvPr>
@@ -4471,7 +4471,7 @@
           <p:cNvPr id="5" name="Espaço Reservado para Número de Slide 4">
             <a:extLst>
               <a:ext uri="{FF2B5EF4-FFF2-40B4-BE49-F238E27FC236}">
-                <a16:creationId xmlns="" xmlns:a16="http://schemas.microsoft.com/office/drawing/2014/main" id="{6091CC40-A8C4-4063-80EB-CC5099621678}"/>
+                <a16:creationId xmlns:a16="http://schemas.microsoft.com/office/drawing/2014/main" xmlns="" id="{6091CC40-A8C4-4063-80EB-CC5099621678}"/>
               </a:ext>
             </a:extLst>
           </p:cNvPr>
@@ -4530,7 +4530,7 @@
           <p:cNvPr id="2" name="Espaço Reservado para Data 1">
             <a:extLst>
               <a:ext uri="{FF2B5EF4-FFF2-40B4-BE49-F238E27FC236}">
-                <a16:creationId xmlns="" xmlns:a16="http://schemas.microsoft.com/office/drawing/2014/main" id="{DD19515C-212C-4EAE-84A3-8FF4BC844F1B}"/>
+                <a16:creationId xmlns:a16="http://schemas.microsoft.com/office/drawing/2014/main" xmlns="" id="{DD19515C-212C-4EAE-84A3-8FF4BC844F1B}"/>
               </a:ext>
             </a:extLst>
           </p:cNvPr>
@@ -4548,7 +4548,7 @@
           <a:p>
             <a:fld id="{63289F7E-B80B-496E-81B4-D396C37C9454}" type="datetimeFigureOut">
               <a:rPr lang="pt-BR" smtClean="0"/>
-              <a:t>06/08/2022</a:t>
+              <a:t>26/08/2022</a:t>
             </a:fld>
             <a:endParaRPr lang="pt-BR"/>
           </a:p>
@@ -4559,7 +4559,7 @@
           <p:cNvPr id="3" name="Espaço Reservado para Rodapé 2">
             <a:extLst>
               <a:ext uri="{FF2B5EF4-FFF2-40B4-BE49-F238E27FC236}">
-                <a16:creationId xmlns="" xmlns:a16="http://schemas.microsoft.com/office/drawing/2014/main" id="{94D3D120-B3E8-4C96-861D-7A4F12F49B3A}"/>
+                <a16:creationId xmlns:a16="http://schemas.microsoft.com/office/drawing/2014/main" xmlns="" id="{94D3D120-B3E8-4C96-861D-7A4F12F49B3A}"/>
               </a:ext>
             </a:extLst>
           </p:cNvPr>
@@ -4584,7 +4584,7 @@
           <p:cNvPr id="4" name="Espaço Reservado para Número de Slide 3">
             <a:extLst>
               <a:ext uri="{FF2B5EF4-FFF2-40B4-BE49-F238E27FC236}">
-                <a16:creationId xmlns="" xmlns:a16="http://schemas.microsoft.com/office/drawing/2014/main" id="{42E49B68-FA1B-468B-9F17-D5C09243D454}"/>
+                <a16:creationId xmlns:a16="http://schemas.microsoft.com/office/drawing/2014/main" xmlns="" id="{42E49B68-FA1B-468B-9F17-D5C09243D454}"/>
               </a:ext>
             </a:extLst>
           </p:cNvPr>
@@ -4643,7 +4643,7 @@
           <p:cNvPr id="2" name="Título 1">
             <a:extLst>
               <a:ext uri="{FF2B5EF4-FFF2-40B4-BE49-F238E27FC236}">
-                <a16:creationId xmlns="" xmlns:a16="http://schemas.microsoft.com/office/drawing/2014/main" id="{1C17BCBE-A897-4319-85EC-D87909C24980}"/>
+                <a16:creationId xmlns:a16="http://schemas.microsoft.com/office/drawing/2014/main" xmlns="" id="{1C17BCBE-A897-4319-85EC-D87909C24980}"/>
               </a:ext>
             </a:extLst>
           </p:cNvPr>
@@ -4680,7 +4680,7 @@
           <p:cNvPr id="3" name="Espaço Reservado para Conteúdo 2">
             <a:extLst>
               <a:ext uri="{FF2B5EF4-FFF2-40B4-BE49-F238E27FC236}">
-                <a16:creationId xmlns="" xmlns:a16="http://schemas.microsoft.com/office/drawing/2014/main" id="{4226F885-0204-4913-868B-4B8B82576F17}"/>
+                <a16:creationId xmlns:a16="http://schemas.microsoft.com/office/drawing/2014/main" xmlns="" id="{4226F885-0204-4913-868B-4B8B82576F17}"/>
               </a:ext>
             </a:extLst>
           </p:cNvPr>
@@ -4770,7 +4770,7 @@
           <p:cNvPr id="4" name="Espaço Reservado para Texto 3">
             <a:extLst>
               <a:ext uri="{FF2B5EF4-FFF2-40B4-BE49-F238E27FC236}">
-                <a16:creationId xmlns="" xmlns:a16="http://schemas.microsoft.com/office/drawing/2014/main" id="{00F9F784-A858-441B-8AB5-697098141751}"/>
+                <a16:creationId xmlns:a16="http://schemas.microsoft.com/office/drawing/2014/main" xmlns="" id="{00F9F784-A858-441B-8AB5-697098141751}"/>
               </a:ext>
             </a:extLst>
           </p:cNvPr>
@@ -4841,7 +4841,7 @@
           <p:cNvPr id="5" name="Espaço Reservado para Data 4">
             <a:extLst>
               <a:ext uri="{FF2B5EF4-FFF2-40B4-BE49-F238E27FC236}">
-                <a16:creationId xmlns="" xmlns:a16="http://schemas.microsoft.com/office/drawing/2014/main" id="{A4DC363A-5000-472E-8B17-02E7DCB8840A}"/>
+                <a16:creationId xmlns:a16="http://schemas.microsoft.com/office/drawing/2014/main" xmlns="" id="{A4DC363A-5000-472E-8B17-02E7DCB8840A}"/>
               </a:ext>
             </a:extLst>
           </p:cNvPr>
@@ -4859,7 +4859,7 @@
           <a:p>
             <a:fld id="{63289F7E-B80B-496E-81B4-D396C37C9454}" type="datetimeFigureOut">
               <a:rPr lang="pt-BR" smtClean="0"/>
-              <a:t>06/08/2022</a:t>
+              <a:t>26/08/2022</a:t>
             </a:fld>
             <a:endParaRPr lang="pt-BR"/>
           </a:p>
@@ -4870,7 +4870,7 @@
           <p:cNvPr id="6" name="Espaço Reservado para Rodapé 5">
             <a:extLst>
               <a:ext uri="{FF2B5EF4-FFF2-40B4-BE49-F238E27FC236}">
-                <a16:creationId xmlns="" xmlns:a16="http://schemas.microsoft.com/office/drawing/2014/main" id="{5548425D-2C21-4C56-BAD4-662978775C28}"/>
+                <a16:creationId xmlns:a16="http://schemas.microsoft.com/office/drawing/2014/main" xmlns="" id="{5548425D-2C21-4C56-BAD4-662978775C28}"/>
               </a:ext>
             </a:extLst>
           </p:cNvPr>
@@ -4895,7 +4895,7 @@
           <p:cNvPr id="7" name="Espaço Reservado para Número de Slide 6">
             <a:extLst>
               <a:ext uri="{FF2B5EF4-FFF2-40B4-BE49-F238E27FC236}">
-                <a16:creationId xmlns="" xmlns:a16="http://schemas.microsoft.com/office/drawing/2014/main" id="{C63E9726-E64C-42B2-AE8A-8C235A956B48}"/>
+                <a16:creationId xmlns:a16="http://schemas.microsoft.com/office/drawing/2014/main" xmlns="" id="{C63E9726-E64C-42B2-AE8A-8C235A956B48}"/>
               </a:ext>
             </a:extLst>
           </p:cNvPr>
@@ -4954,7 +4954,7 @@
           <p:cNvPr id="2" name="Título 1">
             <a:extLst>
               <a:ext uri="{FF2B5EF4-FFF2-40B4-BE49-F238E27FC236}">
-                <a16:creationId xmlns="" xmlns:a16="http://schemas.microsoft.com/office/drawing/2014/main" id="{11086A78-3E74-450C-96A6-CA8AC37AF772}"/>
+                <a16:creationId xmlns:a16="http://schemas.microsoft.com/office/drawing/2014/main" xmlns="" id="{11086A78-3E74-450C-96A6-CA8AC37AF772}"/>
               </a:ext>
             </a:extLst>
           </p:cNvPr>
@@ -4991,7 +4991,7 @@
           <p:cNvPr id="3" name="Espaço Reservado para Imagem 2">
             <a:extLst>
               <a:ext uri="{FF2B5EF4-FFF2-40B4-BE49-F238E27FC236}">
-                <a16:creationId xmlns="" xmlns:a16="http://schemas.microsoft.com/office/drawing/2014/main" id="{5F5B7312-975A-4DBC-9B2F-3652ADA006FD}"/>
+                <a16:creationId xmlns:a16="http://schemas.microsoft.com/office/drawing/2014/main" xmlns="" id="{5F5B7312-975A-4DBC-9B2F-3652ADA006FD}"/>
               </a:ext>
             </a:extLst>
           </p:cNvPr>
@@ -5058,7 +5058,7 @@
           <p:cNvPr id="4" name="Espaço Reservado para Texto 3">
             <a:extLst>
               <a:ext uri="{FF2B5EF4-FFF2-40B4-BE49-F238E27FC236}">
-                <a16:creationId xmlns="" xmlns:a16="http://schemas.microsoft.com/office/drawing/2014/main" id="{AAF805F5-1DFF-41C6-944C-7D79FE0D0963}"/>
+                <a16:creationId xmlns:a16="http://schemas.microsoft.com/office/drawing/2014/main" xmlns="" id="{AAF805F5-1DFF-41C6-944C-7D79FE0D0963}"/>
               </a:ext>
             </a:extLst>
           </p:cNvPr>
@@ -5129,7 +5129,7 @@
           <p:cNvPr id="5" name="Espaço Reservado para Data 4">
             <a:extLst>
               <a:ext uri="{FF2B5EF4-FFF2-40B4-BE49-F238E27FC236}">
-                <a16:creationId xmlns="" xmlns:a16="http://schemas.microsoft.com/office/drawing/2014/main" id="{02113D81-8665-4516-BD81-C6A1F254EECD}"/>
+                <a16:creationId xmlns:a16="http://schemas.microsoft.com/office/drawing/2014/main" xmlns="" id="{02113D81-8665-4516-BD81-C6A1F254EECD}"/>
               </a:ext>
             </a:extLst>
           </p:cNvPr>
@@ -5147,7 +5147,7 @@
           <a:p>
             <a:fld id="{63289F7E-B80B-496E-81B4-D396C37C9454}" type="datetimeFigureOut">
               <a:rPr lang="pt-BR" smtClean="0"/>
-              <a:t>06/08/2022</a:t>
+              <a:t>26/08/2022</a:t>
             </a:fld>
             <a:endParaRPr lang="pt-BR"/>
           </a:p>
@@ -5158,7 +5158,7 @@
           <p:cNvPr id="6" name="Espaço Reservado para Rodapé 5">
             <a:extLst>
               <a:ext uri="{FF2B5EF4-FFF2-40B4-BE49-F238E27FC236}">
-                <a16:creationId xmlns="" xmlns:a16="http://schemas.microsoft.com/office/drawing/2014/main" id="{2B00C88B-FF32-40AA-A187-727D96FD7862}"/>
+                <a16:creationId xmlns:a16="http://schemas.microsoft.com/office/drawing/2014/main" xmlns="" id="{2B00C88B-FF32-40AA-A187-727D96FD7862}"/>
               </a:ext>
             </a:extLst>
           </p:cNvPr>
@@ -5183,7 +5183,7 @@
           <p:cNvPr id="7" name="Espaço Reservado para Número de Slide 6">
             <a:extLst>
               <a:ext uri="{FF2B5EF4-FFF2-40B4-BE49-F238E27FC236}">
-                <a16:creationId xmlns="" xmlns:a16="http://schemas.microsoft.com/office/drawing/2014/main" id="{A04D1A2D-69F7-4B8F-A730-BC26DC340BA6}"/>
+                <a16:creationId xmlns:a16="http://schemas.microsoft.com/office/drawing/2014/main" xmlns="" id="{A04D1A2D-69F7-4B8F-A730-BC26DC340BA6}"/>
               </a:ext>
             </a:extLst>
           </p:cNvPr>
@@ -5247,7 +5247,7 @@
           <p:cNvPr id="2" name="Espaço Reservado para Título 1">
             <a:extLst>
               <a:ext uri="{FF2B5EF4-FFF2-40B4-BE49-F238E27FC236}">
-                <a16:creationId xmlns="" xmlns:a16="http://schemas.microsoft.com/office/drawing/2014/main" id="{E69A0273-1966-4A1B-9370-4C1CE5036371}"/>
+                <a16:creationId xmlns:a16="http://schemas.microsoft.com/office/drawing/2014/main" xmlns="" id="{E69A0273-1966-4A1B-9370-4C1CE5036371}"/>
               </a:ext>
             </a:extLst>
           </p:cNvPr>
@@ -5285,7 +5285,7 @@
           <p:cNvPr id="3" name="Espaço Reservado para Texto 2">
             <a:extLst>
               <a:ext uri="{FF2B5EF4-FFF2-40B4-BE49-F238E27FC236}">
-                <a16:creationId xmlns="" xmlns:a16="http://schemas.microsoft.com/office/drawing/2014/main" id="{3B9CF87A-0448-49A7-AB25-EBC1D56A40EF}"/>
+                <a16:creationId xmlns:a16="http://schemas.microsoft.com/office/drawing/2014/main" xmlns="" id="{3B9CF87A-0448-49A7-AB25-EBC1D56A40EF}"/>
               </a:ext>
             </a:extLst>
           </p:cNvPr>
@@ -5352,7 +5352,7 @@
           <p:cNvPr id="4" name="Espaço Reservado para Data 3">
             <a:extLst>
               <a:ext uri="{FF2B5EF4-FFF2-40B4-BE49-F238E27FC236}">
-                <a16:creationId xmlns="" xmlns:a16="http://schemas.microsoft.com/office/drawing/2014/main" id="{2EF7B1F2-BB5A-44D0-816D-16AD2C71430E}"/>
+                <a16:creationId xmlns:a16="http://schemas.microsoft.com/office/drawing/2014/main" xmlns="" id="{2EF7B1F2-BB5A-44D0-816D-16AD2C71430E}"/>
               </a:ext>
             </a:extLst>
           </p:cNvPr>
@@ -5388,7 +5388,7 @@
           <a:p>
             <a:fld id="{63289F7E-B80B-496E-81B4-D396C37C9454}" type="datetimeFigureOut">
               <a:rPr lang="pt-BR" smtClean="0"/>
-              <a:t>06/08/2022</a:t>
+              <a:t>26/08/2022</a:t>
             </a:fld>
             <a:endParaRPr lang="pt-BR"/>
           </a:p>
@@ -5399,7 +5399,7 @@
           <p:cNvPr id="5" name="Espaço Reservado para Rodapé 4">
             <a:extLst>
               <a:ext uri="{FF2B5EF4-FFF2-40B4-BE49-F238E27FC236}">
-                <a16:creationId xmlns="" xmlns:a16="http://schemas.microsoft.com/office/drawing/2014/main" id="{C703F94C-2CC8-4DAA-BC35-14FC3E841DCD}"/>
+                <a16:creationId xmlns:a16="http://schemas.microsoft.com/office/drawing/2014/main" xmlns="" id="{C703F94C-2CC8-4DAA-BC35-14FC3E841DCD}"/>
               </a:ext>
             </a:extLst>
           </p:cNvPr>
@@ -5442,7 +5442,7 @@
           <p:cNvPr id="6" name="Espaço Reservado para Número de Slide 5">
             <a:extLst>
               <a:ext uri="{FF2B5EF4-FFF2-40B4-BE49-F238E27FC236}">
-                <a16:creationId xmlns="" xmlns:a16="http://schemas.microsoft.com/office/drawing/2014/main" id="{64051336-7048-457A-8B61-D94291D71648}"/>
+                <a16:creationId xmlns:a16="http://schemas.microsoft.com/office/drawing/2014/main" xmlns="" id="{64051336-7048-457A-8B61-D94291D71648}"/>
               </a:ext>
             </a:extLst>
           </p:cNvPr>
@@ -5810,7 +5810,7 @@
           <p:cNvPr id="2" name="Título 1">
             <a:extLst>
               <a:ext uri="{FF2B5EF4-FFF2-40B4-BE49-F238E27FC236}">
-                <a16:creationId xmlns="" xmlns:a16="http://schemas.microsoft.com/office/drawing/2014/main" id="{32666AC8-2E17-4DB4-B0F5-60C640CCFD2E}"/>
+                <a16:creationId xmlns:a16="http://schemas.microsoft.com/office/drawing/2014/main" xmlns="" id="{32666AC8-2E17-4DB4-B0F5-60C640CCFD2E}"/>
               </a:ext>
             </a:extLst>
           </p:cNvPr>
@@ -5856,7 +5856,7 @@
           <p:cNvPr id="4" name="CaixaDeTexto 3">
             <a:extLst>
               <a:ext uri="{FF2B5EF4-FFF2-40B4-BE49-F238E27FC236}">
-                <a16:creationId xmlns="" xmlns:a16="http://schemas.microsoft.com/office/drawing/2014/main" id="{430EB894-B7D4-434C-9D1A-A14094D9BEEC}"/>
+                <a16:creationId xmlns:a16="http://schemas.microsoft.com/office/drawing/2014/main" xmlns="" id="{430EB894-B7D4-434C-9D1A-A14094D9BEEC}"/>
               </a:ext>
             </a:extLst>
           </p:cNvPr>
@@ -5897,7 +5897,7 @@
           <p:cNvPr id="1026" name="Picture 2" descr="Logo">
             <a:extLst>
               <a:ext uri="{FF2B5EF4-FFF2-40B4-BE49-F238E27FC236}">
-                <a16:creationId xmlns="" xmlns:a16="http://schemas.microsoft.com/office/drawing/2014/main" id="{3F2642E0-4F6A-4196-8F58-E77D36E9A33F}"/>
+                <a16:creationId xmlns:a16="http://schemas.microsoft.com/office/drawing/2014/main" xmlns="" id="{3F2642E0-4F6A-4196-8F58-E77D36E9A33F}"/>
               </a:ext>
             </a:extLst>
           </p:cNvPr>
@@ -5942,7 +5942,7 @@
           <p:cNvPr id="5122" name="Picture 2" descr="Image result for machine learning">
             <a:extLst>
               <a:ext uri="{FF2B5EF4-FFF2-40B4-BE49-F238E27FC236}">
-                <a16:creationId xmlns="" xmlns:a16="http://schemas.microsoft.com/office/drawing/2014/main" id="{810CE0A2-4102-44A6-A370-175E7896CDCB}"/>
+                <a16:creationId xmlns:a16="http://schemas.microsoft.com/office/drawing/2014/main" xmlns="" id="{810CE0A2-4102-44A6-A370-175E7896CDCB}"/>
               </a:ext>
             </a:extLst>
           </p:cNvPr>
@@ -6811,7 +6811,10 @@
             </a:r>
           </a:p>
           <a:p>
-            <a:pPr lvl="1"/>
+            <a:pPr lvl="1">
+              <a:buFont typeface="Wingdings" panose="05000000000000000000" pitchFamily="2" charset="2"/>
+              <a:buChar char="§"/>
+            </a:pPr>
             <a:r>
               <a:rPr lang="pt-BR" dirty="0"/>
               <a:t>Pode ser acessado através do link acima (Google </a:t>
@@ -6826,9 +6829,12 @@
             </a:r>
           </a:p>
           <a:p>
-            <a:pPr lvl="1"/>
-            <a:r>
-              <a:rPr lang="pt-BR" smtClean="0"/>
+            <a:pPr lvl="1">
+              <a:buFont typeface="Wingdings" panose="05000000000000000000" pitchFamily="2" charset="2"/>
+              <a:buChar char="§"/>
+            </a:pPr>
+            <a:r>
+              <a:rPr lang="pt-BR" dirty="0" smtClean="0"/>
               <a:t>Se </a:t>
             </a:r>
             <a:r>
@@ -6837,7 +6843,10 @@
             </a:r>
           </a:p>
           <a:p>
-            <a:pPr lvl="1"/>
+            <a:pPr lvl="1">
+              <a:buFont typeface="Wingdings" panose="05000000000000000000" pitchFamily="2" charset="2"/>
+              <a:buChar char="§"/>
+            </a:pPr>
             <a:r>
               <a:rPr lang="pt-BR" dirty="0">
                 <a:hlinkClick r:id="rId4"/>
@@ -6850,7 +6859,10 @@
             </a:r>
           </a:p>
           <a:p>
-            <a:pPr lvl="1"/>
+            <a:pPr lvl="1">
+              <a:buFont typeface="Wingdings" panose="05000000000000000000" pitchFamily="2" charset="2"/>
+              <a:buChar char="§"/>
+            </a:pPr>
             <a:r>
               <a:rPr lang="pt-BR" b="1" dirty="0">
                 <a:solidFill>
@@ -6859,11 +6871,6 @@
               </a:rPr>
               <a:t>Laboratórios podem ser resolvidos em grupo, mas as entregas devem ser individuais.</a:t>
             </a:r>
-            <a:endParaRPr lang="pt-BR" b="1" dirty="0">
-              <a:solidFill>
-                <a:srgbClr val="FF0000"/>
-              </a:solidFill>
-            </a:endParaRPr>
           </a:p>
         </p:txBody>
       </p:sp>
@@ -6902,7 +6909,7 @@
           <p:cNvPr id="4" name="Título 1">
             <a:extLst>
               <a:ext uri="{FF2B5EF4-FFF2-40B4-BE49-F238E27FC236}">
-                <a16:creationId xmlns="" xmlns:a16="http://schemas.microsoft.com/office/drawing/2014/main" id="{32666AC8-2E17-4DB4-B0F5-60C640CCFD2E}"/>
+                <a16:creationId xmlns:a16="http://schemas.microsoft.com/office/drawing/2014/main" xmlns="" id="{32666AC8-2E17-4DB4-B0F5-60C640CCFD2E}"/>
               </a:ext>
             </a:extLst>
           </p:cNvPr>

--- a/slides/T320_Classificação (Parte II).pptx
+++ b/slides/T320_Classificação (Parte II).pptx
@@ -288,7 +288,7 @@
           <a:p>
             <a:fld id="{144F1436-6906-4D93-B7A2-786C327BFA14}" type="datetimeFigureOut">
               <a:rPr lang="nl-BE" smtClean="0"/>
-              <a:t>26/08/2022</a:t>
+              <a:t>17/02/2023</a:t>
             </a:fld>
             <a:endParaRPr lang="nl-BE"/>
           </a:p>
@@ -453,7 +453,7 @@
           <a:p>
             <a:fld id="{AA8CD09E-2914-4F47-B6C1-51B2C31814C9}" type="datetimeFigureOut">
               <a:rPr lang="pt-BR" smtClean="0"/>
-              <a:t>26/08/2022</a:t>
+              <a:t>17/02/2023</a:t>
             </a:fld>
             <a:endParaRPr lang="pt-BR"/>
           </a:p>
@@ -2613,7 +2613,7 @@
           <p:cNvPr id="2" name="Título 1">
             <a:extLst>
               <a:ext uri="{FF2B5EF4-FFF2-40B4-BE49-F238E27FC236}">
-                <a16:creationId xmlns:a16="http://schemas.microsoft.com/office/drawing/2014/main" xmlns="" id="{1DB9B4FF-B06E-403C-A326-BDC64D8FF94E}"/>
+                <a16:creationId xmlns="" xmlns:a16="http://schemas.microsoft.com/office/drawing/2014/main" id="{1DB9B4FF-B06E-403C-A326-BDC64D8FF94E}"/>
               </a:ext>
             </a:extLst>
           </p:cNvPr>
@@ -2650,7 +2650,7 @@
           <p:cNvPr id="3" name="Subtítulo 2">
             <a:extLst>
               <a:ext uri="{FF2B5EF4-FFF2-40B4-BE49-F238E27FC236}">
-                <a16:creationId xmlns:a16="http://schemas.microsoft.com/office/drawing/2014/main" xmlns="" id="{247BDFCE-746E-45BF-A319-4733D58D1632}"/>
+                <a16:creationId xmlns="" xmlns:a16="http://schemas.microsoft.com/office/drawing/2014/main" id="{247BDFCE-746E-45BF-A319-4733D58D1632}"/>
               </a:ext>
             </a:extLst>
           </p:cNvPr>
@@ -2720,7 +2720,7 @@
           <p:cNvPr id="4" name="Espaço Reservado para Data 3">
             <a:extLst>
               <a:ext uri="{FF2B5EF4-FFF2-40B4-BE49-F238E27FC236}">
-                <a16:creationId xmlns:a16="http://schemas.microsoft.com/office/drawing/2014/main" xmlns="" id="{9EDE2778-5372-4104-B96D-968184DA8288}"/>
+                <a16:creationId xmlns="" xmlns:a16="http://schemas.microsoft.com/office/drawing/2014/main" id="{9EDE2778-5372-4104-B96D-968184DA8288}"/>
               </a:ext>
             </a:extLst>
           </p:cNvPr>
@@ -2738,7 +2738,7 @@
           <a:p>
             <a:fld id="{63289F7E-B80B-496E-81B4-D396C37C9454}" type="datetimeFigureOut">
               <a:rPr lang="pt-BR" smtClean="0"/>
-              <a:t>26/08/2022</a:t>
+              <a:t>17/02/2023</a:t>
             </a:fld>
             <a:endParaRPr lang="pt-BR"/>
           </a:p>
@@ -2749,7 +2749,7 @@
           <p:cNvPr id="5" name="Espaço Reservado para Rodapé 4">
             <a:extLst>
               <a:ext uri="{FF2B5EF4-FFF2-40B4-BE49-F238E27FC236}">
-                <a16:creationId xmlns:a16="http://schemas.microsoft.com/office/drawing/2014/main" xmlns="" id="{C1DD0F41-C861-4051-988D-3024A37A4B93}"/>
+                <a16:creationId xmlns="" xmlns:a16="http://schemas.microsoft.com/office/drawing/2014/main" id="{C1DD0F41-C861-4051-988D-3024A37A4B93}"/>
               </a:ext>
             </a:extLst>
           </p:cNvPr>
@@ -2774,7 +2774,7 @@
           <p:cNvPr id="6" name="Espaço Reservado para Número de Slide 5">
             <a:extLst>
               <a:ext uri="{FF2B5EF4-FFF2-40B4-BE49-F238E27FC236}">
-                <a16:creationId xmlns:a16="http://schemas.microsoft.com/office/drawing/2014/main" xmlns="" id="{07E5967E-D980-431A-A5DB-3F0C5030A81E}"/>
+                <a16:creationId xmlns="" xmlns:a16="http://schemas.microsoft.com/office/drawing/2014/main" id="{07E5967E-D980-431A-A5DB-3F0C5030A81E}"/>
               </a:ext>
             </a:extLst>
           </p:cNvPr>
@@ -2833,7 +2833,7 @@
           <p:cNvPr id="2" name="Título 1">
             <a:extLst>
               <a:ext uri="{FF2B5EF4-FFF2-40B4-BE49-F238E27FC236}">
-                <a16:creationId xmlns:a16="http://schemas.microsoft.com/office/drawing/2014/main" xmlns="" id="{9036C49F-3E68-4175-81BA-3C3FEE44308A}"/>
+                <a16:creationId xmlns="" xmlns:a16="http://schemas.microsoft.com/office/drawing/2014/main" id="{9036C49F-3E68-4175-81BA-3C3FEE44308A}"/>
               </a:ext>
             </a:extLst>
           </p:cNvPr>
@@ -2861,7 +2861,7 @@
           <p:cNvPr id="3" name="Espaço Reservado para Texto Vertical 2">
             <a:extLst>
               <a:ext uri="{FF2B5EF4-FFF2-40B4-BE49-F238E27FC236}">
-                <a16:creationId xmlns:a16="http://schemas.microsoft.com/office/drawing/2014/main" xmlns="" id="{426FA736-3DD3-4D4E-B57B-BBE1D8F7D424}"/>
+                <a16:creationId xmlns="" xmlns:a16="http://schemas.microsoft.com/office/drawing/2014/main" id="{426FA736-3DD3-4D4E-B57B-BBE1D8F7D424}"/>
               </a:ext>
             </a:extLst>
           </p:cNvPr>
@@ -2918,7 +2918,7 @@
           <p:cNvPr id="4" name="Espaço Reservado para Data 3">
             <a:extLst>
               <a:ext uri="{FF2B5EF4-FFF2-40B4-BE49-F238E27FC236}">
-                <a16:creationId xmlns:a16="http://schemas.microsoft.com/office/drawing/2014/main" xmlns="" id="{99E8855C-D8FD-48F6-B14E-861E0DE4D915}"/>
+                <a16:creationId xmlns="" xmlns:a16="http://schemas.microsoft.com/office/drawing/2014/main" id="{99E8855C-D8FD-48F6-B14E-861E0DE4D915}"/>
               </a:ext>
             </a:extLst>
           </p:cNvPr>
@@ -2936,7 +2936,7 @@
           <a:p>
             <a:fld id="{63289F7E-B80B-496E-81B4-D396C37C9454}" type="datetimeFigureOut">
               <a:rPr lang="pt-BR" smtClean="0"/>
-              <a:t>26/08/2022</a:t>
+              <a:t>17/02/2023</a:t>
             </a:fld>
             <a:endParaRPr lang="pt-BR"/>
           </a:p>
@@ -2947,7 +2947,7 @@
           <p:cNvPr id="5" name="Espaço Reservado para Rodapé 4">
             <a:extLst>
               <a:ext uri="{FF2B5EF4-FFF2-40B4-BE49-F238E27FC236}">
-                <a16:creationId xmlns:a16="http://schemas.microsoft.com/office/drawing/2014/main" xmlns="" id="{97C0BB88-2F21-42A5-ACFF-83DA47F2D340}"/>
+                <a16:creationId xmlns="" xmlns:a16="http://schemas.microsoft.com/office/drawing/2014/main" id="{97C0BB88-2F21-42A5-ACFF-83DA47F2D340}"/>
               </a:ext>
             </a:extLst>
           </p:cNvPr>
@@ -2972,7 +2972,7 @@
           <p:cNvPr id="6" name="Espaço Reservado para Número de Slide 5">
             <a:extLst>
               <a:ext uri="{FF2B5EF4-FFF2-40B4-BE49-F238E27FC236}">
-                <a16:creationId xmlns:a16="http://schemas.microsoft.com/office/drawing/2014/main" xmlns="" id="{6CB462B3-1F22-4C05-B4B8-7A279FB7D5E9}"/>
+                <a16:creationId xmlns="" xmlns:a16="http://schemas.microsoft.com/office/drawing/2014/main" id="{6CB462B3-1F22-4C05-B4B8-7A279FB7D5E9}"/>
               </a:ext>
             </a:extLst>
           </p:cNvPr>
@@ -3031,7 +3031,7 @@
           <p:cNvPr id="2" name="Título Vertical 1">
             <a:extLst>
               <a:ext uri="{FF2B5EF4-FFF2-40B4-BE49-F238E27FC236}">
-                <a16:creationId xmlns:a16="http://schemas.microsoft.com/office/drawing/2014/main" xmlns="" id="{EAEAB728-701C-4207-A9D5-23FF45C60502}"/>
+                <a16:creationId xmlns="" xmlns:a16="http://schemas.microsoft.com/office/drawing/2014/main" id="{EAEAB728-701C-4207-A9D5-23FF45C60502}"/>
               </a:ext>
             </a:extLst>
           </p:cNvPr>
@@ -3064,7 +3064,7 @@
           <p:cNvPr id="3" name="Espaço Reservado para Texto Vertical 2">
             <a:extLst>
               <a:ext uri="{FF2B5EF4-FFF2-40B4-BE49-F238E27FC236}">
-                <a16:creationId xmlns:a16="http://schemas.microsoft.com/office/drawing/2014/main" xmlns="" id="{BA8C8CCF-7823-480A-9A19-0F664DD17E3B}"/>
+                <a16:creationId xmlns="" xmlns:a16="http://schemas.microsoft.com/office/drawing/2014/main" id="{BA8C8CCF-7823-480A-9A19-0F664DD17E3B}"/>
               </a:ext>
             </a:extLst>
           </p:cNvPr>
@@ -3126,7 +3126,7 @@
           <p:cNvPr id="4" name="Espaço Reservado para Data 3">
             <a:extLst>
               <a:ext uri="{FF2B5EF4-FFF2-40B4-BE49-F238E27FC236}">
-                <a16:creationId xmlns:a16="http://schemas.microsoft.com/office/drawing/2014/main" xmlns="" id="{721D5734-7B1F-425D-942F-6EB73344027C}"/>
+                <a16:creationId xmlns="" xmlns:a16="http://schemas.microsoft.com/office/drawing/2014/main" id="{721D5734-7B1F-425D-942F-6EB73344027C}"/>
               </a:ext>
             </a:extLst>
           </p:cNvPr>
@@ -3144,7 +3144,7 @@
           <a:p>
             <a:fld id="{63289F7E-B80B-496E-81B4-D396C37C9454}" type="datetimeFigureOut">
               <a:rPr lang="pt-BR" smtClean="0"/>
-              <a:t>26/08/2022</a:t>
+              <a:t>17/02/2023</a:t>
             </a:fld>
             <a:endParaRPr lang="pt-BR"/>
           </a:p>
@@ -3155,7 +3155,7 @@
           <p:cNvPr id="5" name="Espaço Reservado para Rodapé 4">
             <a:extLst>
               <a:ext uri="{FF2B5EF4-FFF2-40B4-BE49-F238E27FC236}">
-                <a16:creationId xmlns:a16="http://schemas.microsoft.com/office/drawing/2014/main" xmlns="" id="{1E1AAEAC-F08D-45FE-89EC-B1B349A868C9}"/>
+                <a16:creationId xmlns="" xmlns:a16="http://schemas.microsoft.com/office/drawing/2014/main" id="{1E1AAEAC-F08D-45FE-89EC-B1B349A868C9}"/>
               </a:ext>
             </a:extLst>
           </p:cNvPr>
@@ -3180,7 +3180,7 @@
           <p:cNvPr id="6" name="Espaço Reservado para Número de Slide 5">
             <a:extLst>
               <a:ext uri="{FF2B5EF4-FFF2-40B4-BE49-F238E27FC236}">
-                <a16:creationId xmlns:a16="http://schemas.microsoft.com/office/drawing/2014/main" xmlns="" id="{BAA44493-9911-47B2-87A6-C2141A972BC8}"/>
+                <a16:creationId xmlns="" xmlns:a16="http://schemas.microsoft.com/office/drawing/2014/main" id="{BAA44493-9911-47B2-87A6-C2141A972BC8}"/>
               </a:ext>
             </a:extLst>
           </p:cNvPr>
@@ -3239,7 +3239,7 @@
           <p:cNvPr id="2" name="Título 1">
             <a:extLst>
               <a:ext uri="{FF2B5EF4-FFF2-40B4-BE49-F238E27FC236}">
-                <a16:creationId xmlns:a16="http://schemas.microsoft.com/office/drawing/2014/main" xmlns="" id="{71BD44A5-8F21-4626-A01D-48A1C874B1D5}"/>
+                <a16:creationId xmlns="" xmlns:a16="http://schemas.microsoft.com/office/drawing/2014/main" id="{71BD44A5-8F21-4626-A01D-48A1C874B1D5}"/>
               </a:ext>
             </a:extLst>
           </p:cNvPr>
@@ -3267,7 +3267,7 @@
           <p:cNvPr id="3" name="Espaço Reservado para Conteúdo 2">
             <a:extLst>
               <a:ext uri="{FF2B5EF4-FFF2-40B4-BE49-F238E27FC236}">
-                <a16:creationId xmlns:a16="http://schemas.microsoft.com/office/drawing/2014/main" xmlns="" id="{B79E8085-65A9-48AA-951D-71D978BFF4ED}"/>
+                <a16:creationId xmlns="" xmlns:a16="http://schemas.microsoft.com/office/drawing/2014/main" id="{B79E8085-65A9-48AA-951D-71D978BFF4ED}"/>
               </a:ext>
             </a:extLst>
           </p:cNvPr>
@@ -3324,7 +3324,7 @@
           <p:cNvPr id="4" name="Espaço Reservado para Data 3">
             <a:extLst>
               <a:ext uri="{FF2B5EF4-FFF2-40B4-BE49-F238E27FC236}">
-                <a16:creationId xmlns:a16="http://schemas.microsoft.com/office/drawing/2014/main" xmlns="" id="{F05BE1AF-51EA-425D-B188-DE7BD675009F}"/>
+                <a16:creationId xmlns="" xmlns:a16="http://schemas.microsoft.com/office/drawing/2014/main" id="{F05BE1AF-51EA-425D-B188-DE7BD675009F}"/>
               </a:ext>
             </a:extLst>
           </p:cNvPr>
@@ -3342,7 +3342,7 @@
           <a:p>
             <a:fld id="{63289F7E-B80B-496E-81B4-D396C37C9454}" type="datetimeFigureOut">
               <a:rPr lang="pt-BR" smtClean="0"/>
-              <a:t>26/08/2022</a:t>
+              <a:t>17/02/2023</a:t>
             </a:fld>
             <a:endParaRPr lang="pt-BR"/>
           </a:p>
@@ -3353,7 +3353,7 @@
           <p:cNvPr id="5" name="Espaço Reservado para Rodapé 4">
             <a:extLst>
               <a:ext uri="{FF2B5EF4-FFF2-40B4-BE49-F238E27FC236}">
-                <a16:creationId xmlns:a16="http://schemas.microsoft.com/office/drawing/2014/main" xmlns="" id="{121BE632-29CF-4CB9-B365-C9EF38F89BE6}"/>
+                <a16:creationId xmlns="" xmlns:a16="http://schemas.microsoft.com/office/drawing/2014/main" id="{121BE632-29CF-4CB9-B365-C9EF38F89BE6}"/>
               </a:ext>
             </a:extLst>
           </p:cNvPr>
@@ -3378,7 +3378,7 @@
           <p:cNvPr id="6" name="Espaço Reservado para Número de Slide 5">
             <a:extLst>
               <a:ext uri="{FF2B5EF4-FFF2-40B4-BE49-F238E27FC236}">
-                <a16:creationId xmlns:a16="http://schemas.microsoft.com/office/drawing/2014/main" xmlns="" id="{60CF3DD1-9AEC-4A57-B461-4E4DD86FAC18}"/>
+                <a16:creationId xmlns="" xmlns:a16="http://schemas.microsoft.com/office/drawing/2014/main" id="{60CF3DD1-9AEC-4A57-B461-4E4DD86FAC18}"/>
               </a:ext>
             </a:extLst>
           </p:cNvPr>
@@ -3437,7 +3437,7 @@
           <p:cNvPr id="2" name="Título 1">
             <a:extLst>
               <a:ext uri="{FF2B5EF4-FFF2-40B4-BE49-F238E27FC236}">
-                <a16:creationId xmlns:a16="http://schemas.microsoft.com/office/drawing/2014/main" xmlns="" id="{34AB2FF0-A4D7-4E28-991D-FF26140D5988}"/>
+                <a16:creationId xmlns="" xmlns:a16="http://schemas.microsoft.com/office/drawing/2014/main" id="{34AB2FF0-A4D7-4E28-991D-FF26140D5988}"/>
               </a:ext>
             </a:extLst>
           </p:cNvPr>
@@ -3474,7 +3474,7 @@
           <p:cNvPr id="3" name="Espaço Reservado para Texto 2">
             <a:extLst>
               <a:ext uri="{FF2B5EF4-FFF2-40B4-BE49-F238E27FC236}">
-                <a16:creationId xmlns:a16="http://schemas.microsoft.com/office/drawing/2014/main" xmlns="" id="{E2AC45B0-4145-40DB-8E61-105461170604}"/>
+                <a16:creationId xmlns="" xmlns:a16="http://schemas.microsoft.com/office/drawing/2014/main" id="{E2AC45B0-4145-40DB-8E61-105461170604}"/>
               </a:ext>
             </a:extLst>
           </p:cNvPr>
@@ -3599,7 +3599,7 @@
           <p:cNvPr id="4" name="Espaço Reservado para Data 3">
             <a:extLst>
               <a:ext uri="{FF2B5EF4-FFF2-40B4-BE49-F238E27FC236}">
-                <a16:creationId xmlns:a16="http://schemas.microsoft.com/office/drawing/2014/main" xmlns="" id="{50F1D3FB-740A-4EBA-A309-2CE71D12ECFB}"/>
+                <a16:creationId xmlns="" xmlns:a16="http://schemas.microsoft.com/office/drawing/2014/main" id="{50F1D3FB-740A-4EBA-A309-2CE71D12ECFB}"/>
               </a:ext>
             </a:extLst>
           </p:cNvPr>
@@ -3617,7 +3617,7 @@
           <a:p>
             <a:fld id="{63289F7E-B80B-496E-81B4-D396C37C9454}" type="datetimeFigureOut">
               <a:rPr lang="pt-BR" smtClean="0"/>
-              <a:t>26/08/2022</a:t>
+              <a:t>17/02/2023</a:t>
             </a:fld>
             <a:endParaRPr lang="pt-BR"/>
           </a:p>
@@ -3628,7 +3628,7 @@
           <p:cNvPr id="5" name="Espaço Reservado para Rodapé 4">
             <a:extLst>
               <a:ext uri="{FF2B5EF4-FFF2-40B4-BE49-F238E27FC236}">
-                <a16:creationId xmlns:a16="http://schemas.microsoft.com/office/drawing/2014/main" xmlns="" id="{BDCAB18F-8715-4465-A940-F9C193A2ACE9}"/>
+                <a16:creationId xmlns="" xmlns:a16="http://schemas.microsoft.com/office/drawing/2014/main" id="{BDCAB18F-8715-4465-A940-F9C193A2ACE9}"/>
               </a:ext>
             </a:extLst>
           </p:cNvPr>
@@ -3653,7 +3653,7 @@
           <p:cNvPr id="6" name="Espaço Reservado para Número de Slide 5">
             <a:extLst>
               <a:ext uri="{FF2B5EF4-FFF2-40B4-BE49-F238E27FC236}">
-                <a16:creationId xmlns:a16="http://schemas.microsoft.com/office/drawing/2014/main" xmlns="" id="{353466C6-8248-429F-8056-FF040BF509EB}"/>
+                <a16:creationId xmlns="" xmlns:a16="http://schemas.microsoft.com/office/drawing/2014/main" id="{353466C6-8248-429F-8056-FF040BF509EB}"/>
               </a:ext>
             </a:extLst>
           </p:cNvPr>
@@ -3712,7 +3712,7 @@
           <p:cNvPr id="2" name="Título 1">
             <a:extLst>
               <a:ext uri="{FF2B5EF4-FFF2-40B4-BE49-F238E27FC236}">
-                <a16:creationId xmlns:a16="http://schemas.microsoft.com/office/drawing/2014/main" xmlns="" id="{BC7BB9F0-F14B-4A91-B2B7-35BC47FE4DE7}"/>
+                <a16:creationId xmlns="" xmlns:a16="http://schemas.microsoft.com/office/drawing/2014/main" id="{BC7BB9F0-F14B-4A91-B2B7-35BC47FE4DE7}"/>
               </a:ext>
             </a:extLst>
           </p:cNvPr>
@@ -3740,7 +3740,7 @@
           <p:cNvPr id="3" name="Espaço Reservado para Conteúdo 2">
             <a:extLst>
               <a:ext uri="{FF2B5EF4-FFF2-40B4-BE49-F238E27FC236}">
-                <a16:creationId xmlns:a16="http://schemas.microsoft.com/office/drawing/2014/main" xmlns="" id="{EC1FC1C4-73DA-47A6-8496-B0B457F7D39A}"/>
+                <a16:creationId xmlns="" xmlns:a16="http://schemas.microsoft.com/office/drawing/2014/main" id="{EC1FC1C4-73DA-47A6-8496-B0B457F7D39A}"/>
               </a:ext>
             </a:extLst>
           </p:cNvPr>
@@ -3802,7 +3802,7 @@
           <p:cNvPr id="4" name="Espaço Reservado para Conteúdo 3">
             <a:extLst>
               <a:ext uri="{FF2B5EF4-FFF2-40B4-BE49-F238E27FC236}">
-                <a16:creationId xmlns:a16="http://schemas.microsoft.com/office/drawing/2014/main" xmlns="" id="{E92F06A8-A449-4D92-9912-76873E529B38}"/>
+                <a16:creationId xmlns="" xmlns:a16="http://schemas.microsoft.com/office/drawing/2014/main" id="{E92F06A8-A449-4D92-9912-76873E529B38}"/>
               </a:ext>
             </a:extLst>
           </p:cNvPr>
@@ -3864,7 +3864,7 @@
           <p:cNvPr id="5" name="Espaço Reservado para Data 4">
             <a:extLst>
               <a:ext uri="{FF2B5EF4-FFF2-40B4-BE49-F238E27FC236}">
-                <a16:creationId xmlns:a16="http://schemas.microsoft.com/office/drawing/2014/main" xmlns="" id="{938070A4-BC2F-4D55-BD8D-DEAF11BB9EE9}"/>
+                <a16:creationId xmlns="" xmlns:a16="http://schemas.microsoft.com/office/drawing/2014/main" id="{938070A4-BC2F-4D55-BD8D-DEAF11BB9EE9}"/>
               </a:ext>
             </a:extLst>
           </p:cNvPr>
@@ -3882,7 +3882,7 @@
           <a:p>
             <a:fld id="{63289F7E-B80B-496E-81B4-D396C37C9454}" type="datetimeFigureOut">
               <a:rPr lang="pt-BR" smtClean="0"/>
-              <a:t>26/08/2022</a:t>
+              <a:t>17/02/2023</a:t>
             </a:fld>
             <a:endParaRPr lang="pt-BR"/>
           </a:p>
@@ -3893,7 +3893,7 @@
           <p:cNvPr id="6" name="Espaço Reservado para Rodapé 5">
             <a:extLst>
               <a:ext uri="{FF2B5EF4-FFF2-40B4-BE49-F238E27FC236}">
-                <a16:creationId xmlns:a16="http://schemas.microsoft.com/office/drawing/2014/main" xmlns="" id="{45CC2DB8-844A-465F-BA9A-7734C80C7F43}"/>
+                <a16:creationId xmlns="" xmlns:a16="http://schemas.microsoft.com/office/drawing/2014/main" id="{45CC2DB8-844A-465F-BA9A-7734C80C7F43}"/>
               </a:ext>
             </a:extLst>
           </p:cNvPr>
@@ -3918,7 +3918,7 @@
           <p:cNvPr id="7" name="Espaço Reservado para Número de Slide 6">
             <a:extLst>
               <a:ext uri="{FF2B5EF4-FFF2-40B4-BE49-F238E27FC236}">
-                <a16:creationId xmlns:a16="http://schemas.microsoft.com/office/drawing/2014/main" xmlns="" id="{4CC606A8-097B-4040-94E0-CD8C88280D8F}"/>
+                <a16:creationId xmlns="" xmlns:a16="http://schemas.microsoft.com/office/drawing/2014/main" id="{4CC606A8-097B-4040-94E0-CD8C88280D8F}"/>
               </a:ext>
             </a:extLst>
           </p:cNvPr>
@@ -3977,7 +3977,7 @@
           <p:cNvPr id="2" name="Título 1">
             <a:extLst>
               <a:ext uri="{FF2B5EF4-FFF2-40B4-BE49-F238E27FC236}">
-                <a16:creationId xmlns:a16="http://schemas.microsoft.com/office/drawing/2014/main" xmlns="" id="{76D66686-0143-4CB6-8C09-BA326F1E7ACA}"/>
+                <a16:creationId xmlns="" xmlns:a16="http://schemas.microsoft.com/office/drawing/2014/main" id="{76D66686-0143-4CB6-8C09-BA326F1E7ACA}"/>
               </a:ext>
             </a:extLst>
           </p:cNvPr>
@@ -4010,7 +4010,7 @@
           <p:cNvPr id="3" name="Espaço Reservado para Texto 2">
             <a:extLst>
               <a:ext uri="{FF2B5EF4-FFF2-40B4-BE49-F238E27FC236}">
-                <a16:creationId xmlns:a16="http://schemas.microsoft.com/office/drawing/2014/main" xmlns="" id="{0227AB85-F59E-4BCE-B846-4FA0992C2F23}"/>
+                <a16:creationId xmlns="" xmlns:a16="http://schemas.microsoft.com/office/drawing/2014/main" id="{0227AB85-F59E-4BCE-B846-4FA0992C2F23}"/>
               </a:ext>
             </a:extLst>
           </p:cNvPr>
@@ -4081,7 +4081,7 @@
           <p:cNvPr id="4" name="Espaço Reservado para Conteúdo 3">
             <a:extLst>
               <a:ext uri="{FF2B5EF4-FFF2-40B4-BE49-F238E27FC236}">
-                <a16:creationId xmlns:a16="http://schemas.microsoft.com/office/drawing/2014/main" xmlns="" id="{3373456C-7319-4D0A-827D-D29F6B083F5D}"/>
+                <a16:creationId xmlns="" xmlns:a16="http://schemas.microsoft.com/office/drawing/2014/main" id="{3373456C-7319-4D0A-827D-D29F6B083F5D}"/>
               </a:ext>
             </a:extLst>
           </p:cNvPr>
@@ -4143,7 +4143,7 @@
           <p:cNvPr id="5" name="Espaço Reservado para Texto 4">
             <a:extLst>
               <a:ext uri="{FF2B5EF4-FFF2-40B4-BE49-F238E27FC236}">
-                <a16:creationId xmlns:a16="http://schemas.microsoft.com/office/drawing/2014/main" xmlns="" id="{4CD109D0-2E83-4262-8029-A871CEC47406}"/>
+                <a16:creationId xmlns="" xmlns:a16="http://schemas.microsoft.com/office/drawing/2014/main" id="{4CD109D0-2E83-4262-8029-A871CEC47406}"/>
               </a:ext>
             </a:extLst>
           </p:cNvPr>
@@ -4214,7 +4214,7 @@
           <p:cNvPr id="6" name="Espaço Reservado para Conteúdo 5">
             <a:extLst>
               <a:ext uri="{FF2B5EF4-FFF2-40B4-BE49-F238E27FC236}">
-                <a16:creationId xmlns:a16="http://schemas.microsoft.com/office/drawing/2014/main" xmlns="" id="{AD706E3A-CFBB-4A6C-A65F-D0360A9E74FE}"/>
+                <a16:creationId xmlns="" xmlns:a16="http://schemas.microsoft.com/office/drawing/2014/main" id="{AD706E3A-CFBB-4A6C-A65F-D0360A9E74FE}"/>
               </a:ext>
             </a:extLst>
           </p:cNvPr>
@@ -4276,7 +4276,7 @@
           <p:cNvPr id="7" name="Espaço Reservado para Data 6">
             <a:extLst>
               <a:ext uri="{FF2B5EF4-FFF2-40B4-BE49-F238E27FC236}">
-                <a16:creationId xmlns:a16="http://schemas.microsoft.com/office/drawing/2014/main" xmlns="" id="{4172C0E5-5AF0-4805-BB51-443733CD2BD5}"/>
+                <a16:creationId xmlns="" xmlns:a16="http://schemas.microsoft.com/office/drawing/2014/main" id="{4172C0E5-5AF0-4805-BB51-443733CD2BD5}"/>
               </a:ext>
             </a:extLst>
           </p:cNvPr>
@@ -4294,7 +4294,7 @@
           <a:p>
             <a:fld id="{63289F7E-B80B-496E-81B4-D396C37C9454}" type="datetimeFigureOut">
               <a:rPr lang="pt-BR" smtClean="0"/>
-              <a:t>26/08/2022</a:t>
+              <a:t>17/02/2023</a:t>
             </a:fld>
             <a:endParaRPr lang="pt-BR"/>
           </a:p>
@@ -4305,7 +4305,7 @@
           <p:cNvPr id="8" name="Espaço Reservado para Rodapé 7">
             <a:extLst>
               <a:ext uri="{FF2B5EF4-FFF2-40B4-BE49-F238E27FC236}">
-                <a16:creationId xmlns:a16="http://schemas.microsoft.com/office/drawing/2014/main" xmlns="" id="{0E801648-156F-497E-99CF-797DF48051E1}"/>
+                <a16:creationId xmlns="" xmlns:a16="http://schemas.microsoft.com/office/drawing/2014/main" id="{0E801648-156F-497E-99CF-797DF48051E1}"/>
               </a:ext>
             </a:extLst>
           </p:cNvPr>
@@ -4330,7 +4330,7 @@
           <p:cNvPr id="9" name="Espaço Reservado para Número de Slide 8">
             <a:extLst>
               <a:ext uri="{FF2B5EF4-FFF2-40B4-BE49-F238E27FC236}">
-                <a16:creationId xmlns:a16="http://schemas.microsoft.com/office/drawing/2014/main" xmlns="" id="{EEE23D32-80E7-4796-A137-66BF842E4B53}"/>
+                <a16:creationId xmlns="" xmlns:a16="http://schemas.microsoft.com/office/drawing/2014/main" id="{EEE23D32-80E7-4796-A137-66BF842E4B53}"/>
               </a:ext>
             </a:extLst>
           </p:cNvPr>
@@ -4389,7 +4389,7 @@
           <p:cNvPr id="2" name="Título 1">
             <a:extLst>
               <a:ext uri="{FF2B5EF4-FFF2-40B4-BE49-F238E27FC236}">
-                <a16:creationId xmlns:a16="http://schemas.microsoft.com/office/drawing/2014/main" xmlns="" id="{2BCE2379-C78F-47E1-8CFC-B846E7AF148D}"/>
+                <a16:creationId xmlns="" xmlns:a16="http://schemas.microsoft.com/office/drawing/2014/main" id="{2BCE2379-C78F-47E1-8CFC-B846E7AF148D}"/>
               </a:ext>
             </a:extLst>
           </p:cNvPr>
@@ -4417,7 +4417,7 @@
           <p:cNvPr id="3" name="Espaço Reservado para Data 2">
             <a:extLst>
               <a:ext uri="{FF2B5EF4-FFF2-40B4-BE49-F238E27FC236}">
-                <a16:creationId xmlns:a16="http://schemas.microsoft.com/office/drawing/2014/main" xmlns="" id="{342600A9-7F92-4E22-9D94-E4717252A817}"/>
+                <a16:creationId xmlns="" xmlns:a16="http://schemas.microsoft.com/office/drawing/2014/main" id="{342600A9-7F92-4E22-9D94-E4717252A817}"/>
               </a:ext>
             </a:extLst>
           </p:cNvPr>
@@ -4435,7 +4435,7 @@
           <a:p>
             <a:fld id="{63289F7E-B80B-496E-81B4-D396C37C9454}" type="datetimeFigureOut">
               <a:rPr lang="pt-BR" smtClean="0"/>
-              <a:t>26/08/2022</a:t>
+              <a:t>17/02/2023</a:t>
             </a:fld>
             <a:endParaRPr lang="pt-BR"/>
           </a:p>
@@ -4446,7 +4446,7 @@
           <p:cNvPr id="4" name="Espaço Reservado para Rodapé 3">
             <a:extLst>
               <a:ext uri="{FF2B5EF4-FFF2-40B4-BE49-F238E27FC236}">
-                <a16:creationId xmlns:a16="http://schemas.microsoft.com/office/drawing/2014/main" xmlns="" id="{192E6BED-F546-40CC-A2DF-99CBA853654E}"/>
+                <a16:creationId xmlns="" xmlns:a16="http://schemas.microsoft.com/office/drawing/2014/main" id="{192E6BED-F546-40CC-A2DF-99CBA853654E}"/>
               </a:ext>
             </a:extLst>
           </p:cNvPr>
@@ -4471,7 +4471,7 @@
           <p:cNvPr id="5" name="Espaço Reservado para Número de Slide 4">
             <a:extLst>
               <a:ext uri="{FF2B5EF4-FFF2-40B4-BE49-F238E27FC236}">
-                <a16:creationId xmlns:a16="http://schemas.microsoft.com/office/drawing/2014/main" xmlns="" id="{6091CC40-A8C4-4063-80EB-CC5099621678}"/>
+                <a16:creationId xmlns="" xmlns:a16="http://schemas.microsoft.com/office/drawing/2014/main" id="{6091CC40-A8C4-4063-80EB-CC5099621678}"/>
               </a:ext>
             </a:extLst>
           </p:cNvPr>
@@ -4530,7 +4530,7 @@
           <p:cNvPr id="2" name="Espaço Reservado para Data 1">
             <a:extLst>
               <a:ext uri="{FF2B5EF4-FFF2-40B4-BE49-F238E27FC236}">
-                <a16:creationId xmlns:a16="http://schemas.microsoft.com/office/drawing/2014/main" xmlns="" id="{DD19515C-212C-4EAE-84A3-8FF4BC844F1B}"/>
+                <a16:creationId xmlns="" xmlns:a16="http://schemas.microsoft.com/office/drawing/2014/main" id="{DD19515C-212C-4EAE-84A3-8FF4BC844F1B}"/>
               </a:ext>
             </a:extLst>
           </p:cNvPr>
@@ -4548,7 +4548,7 @@
           <a:p>
             <a:fld id="{63289F7E-B80B-496E-81B4-D396C37C9454}" type="datetimeFigureOut">
               <a:rPr lang="pt-BR" smtClean="0"/>
-              <a:t>26/08/2022</a:t>
+              <a:t>17/02/2023</a:t>
             </a:fld>
             <a:endParaRPr lang="pt-BR"/>
           </a:p>
@@ -4559,7 +4559,7 @@
           <p:cNvPr id="3" name="Espaço Reservado para Rodapé 2">
             <a:extLst>
               <a:ext uri="{FF2B5EF4-FFF2-40B4-BE49-F238E27FC236}">
-                <a16:creationId xmlns:a16="http://schemas.microsoft.com/office/drawing/2014/main" xmlns="" id="{94D3D120-B3E8-4C96-861D-7A4F12F49B3A}"/>
+                <a16:creationId xmlns="" xmlns:a16="http://schemas.microsoft.com/office/drawing/2014/main" id="{94D3D120-B3E8-4C96-861D-7A4F12F49B3A}"/>
               </a:ext>
             </a:extLst>
           </p:cNvPr>
@@ -4584,7 +4584,7 @@
           <p:cNvPr id="4" name="Espaço Reservado para Número de Slide 3">
             <a:extLst>
               <a:ext uri="{FF2B5EF4-FFF2-40B4-BE49-F238E27FC236}">
-                <a16:creationId xmlns:a16="http://schemas.microsoft.com/office/drawing/2014/main" xmlns="" id="{42E49B68-FA1B-468B-9F17-D5C09243D454}"/>
+                <a16:creationId xmlns="" xmlns:a16="http://schemas.microsoft.com/office/drawing/2014/main" id="{42E49B68-FA1B-468B-9F17-D5C09243D454}"/>
               </a:ext>
             </a:extLst>
           </p:cNvPr>
@@ -4643,7 +4643,7 @@
           <p:cNvPr id="2" name="Título 1">
             <a:extLst>
               <a:ext uri="{FF2B5EF4-FFF2-40B4-BE49-F238E27FC236}">
-                <a16:creationId xmlns:a16="http://schemas.microsoft.com/office/drawing/2014/main" xmlns="" id="{1C17BCBE-A897-4319-85EC-D87909C24980}"/>
+                <a16:creationId xmlns="" xmlns:a16="http://schemas.microsoft.com/office/drawing/2014/main" id="{1C17BCBE-A897-4319-85EC-D87909C24980}"/>
               </a:ext>
             </a:extLst>
           </p:cNvPr>
@@ -4680,7 +4680,7 @@
           <p:cNvPr id="3" name="Espaço Reservado para Conteúdo 2">
             <a:extLst>
               <a:ext uri="{FF2B5EF4-FFF2-40B4-BE49-F238E27FC236}">
-                <a16:creationId xmlns:a16="http://schemas.microsoft.com/office/drawing/2014/main" xmlns="" id="{4226F885-0204-4913-868B-4B8B82576F17}"/>
+                <a16:creationId xmlns="" xmlns:a16="http://schemas.microsoft.com/office/drawing/2014/main" id="{4226F885-0204-4913-868B-4B8B82576F17}"/>
               </a:ext>
             </a:extLst>
           </p:cNvPr>
@@ -4770,7 +4770,7 @@
           <p:cNvPr id="4" name="Espaço Reservado para Texto 3">
             <a:extLst>
               <a:ext uri="{FF2B5EF4-FFF2-40B4-BE49-F238E27FC236}">
-                <a16:creationId xmlns:a16="http://schemas.microsoft.com/office/drawing/2014/main" xmlns="" id="{00F9F784-A858-441B-8AB5-697098141751}"/>
+                <a16:creationId xmlns="" xmlns:a16="http://schemas.microsoft.com/office/drawing/2014/main" id="{00F9F784-A858-441B-8AB5-697098141751}"/>
               </a:ext>
             </a:extLst>
           </p:cNvPr>
@@ -4841,7 +4841,7 @@
           <p:cNvPr id="5" name="Espaço Reservado para Data 4">
             <a:extLst>
               <a:ext uri="{FF2B5EF4-FFF2-40B4-BE49-F238E27FC236}">
-                <a16:creationId xmlns:a16="http://schemas.microsoft.com/office/drawing/2014/main" xmlns="" id="{A4DC363A-5000-472E-8B17-02E7DCB8840A}"/>
+                <a16:creationId xmlns="" xmlns:a16="http://schemas.microsoft.com/office/drawing/2014/main" id="{A4DC363A-5000-472E-8B17-02E7DCB8840A}"/>
               </a:ext>
             </a:extLst>
           </p:cNvPr>
@@ -4859,7 +4859,7 @@
           <a:p>
             <a:fld id="{63289F7E-B80B-496E-81B4-D396C37C9454}" type="datetimeFigureOut">
               <a:rPr lang="pt-BR" smtClean="0"/>
-              <a:t>26/08/2022</a:t>
+              <a:t>17/02/2023</a:t>
             </a:fld>
             <a:endParaRPr lang="pt-BR"/>
           </a:p>
@@ -4870,7 +4870,7 @@
           <p:cNvPr id="6" name="Espaço Reservado para Rodapé 5">
             <a:extLst>
               <a:ext uri="{FF2B5EF4-FFF2-40B4-BE49-F238E27FC236}">
-                <a16:creationId xmlns:a16="http://schemas.microsoft.com/office/drawing/2014/main" xmlns="" id="{5548425D-2C21-4C56-BAD4-662978775C28}"/>
+                <a16:creationId xmlns="" xmlns:a16="http://schemas.microsoft.com/office/drawing/2014/main" id="{5548425D-2C21-4C56-BAD4-662978775C28}"/>
               </a:ext>
             </a:extLst>
           </p:cNvPr>
@@ -4895,7 +4895,7 @@
           <p:cNvPr id="7" name="Espaço Reservado para Número de Slide 6">
             <a:extLst>
               <a:ext uri="{FF2B5EF4-FFF2-40B4-BE49-F238E27FC236}">
-                <a16:creationId xmlns:a16="http://schemas.microsoft.com/office/drawing/2014/main" xmlns="" id="{C63E9726-E64C-42B2-AE8A-8C235A956B48}"/>
+                <a16:creationId xmlns="" xmlns:a16="http://schemas.microsoft.com/office/drawing/2014/main" id="{C63E9726-E64C-42B2-AE8A-8C235A956B48}"/>
               </a:ext>
             </a:extLst>
           </p:cNvPr>
@@ -4954,7 +4954,7 @@
           <p:cNvPr id="2" name="Título 1">
             <a:extLst>
               <a:ext uri="{FF2B5EF4-FFF2-40B4-BE49-F238E27FC236}">
-                <a16:creationId xmlns:a16="http://schemas.microsoft.com/office/drawing/2014/main" xmlns="" id="{11086A78-3E74-450C-96A6-CA8AC37AF772}"/>
+                <a16:creationId xmlns="" xmlns:a16="http://schemas.microsoft.com/office/drawing/2014/main" id="{11086A78-3E74-450C-96A6-CA8AC37AF772}"/>
               </a:ext>
             </a:extLst>
           </p:cNvPr>
@@ -4991,7 +4991,7 @@
           <p:cNvPr id="3" name="Espaço Reservado para Imagem 2">
             <a:extLst>
               <a:ext uri="{FF2B5EF4-FFF2-40B4-BE49-F238E27FC236}">
-                <a16:creationId xmlns:a16="http://schemas.microsoft.com/office/drawing/2014/main" xmlns="" id="{5F5B7312-975A-4DBC-9B2F-3652ADA006FD}"/>
+                <a16:creationId xmlns="" xmlns:a16="http://schemas.microsoft.com/office/drawing/2014/main" id="{5F5B7312-975A-4DBC-9B2F-3652ADA006FD}"/>
               </a:ext>
             </a:extLst>
           </p:cNvPr>
@@ -5058,7 +5058,7 @@
           <p:cNvPr id="4" name="Espaço Reservado para Texto 3">
             <a:extLst>
               <a:ext uri="{FF2B5EF4-FFF2-40B4-BE49-F238E27FC236}">
-                <a16:creationId xmlns:a16="http://schemas.microsoft.com/office/drawing/2014/main" xmlns="" id="{AAF805F5-1DFF-41C6-944C-7D79FE0D0963}"/>
+                <a16:creationId xmlns="" xmlns:a16="http://schemas.microsoft.com/office/drawing/2014/main" id="{AAF805F5-1DFF-41C6-944C-7D79FE0D0963}"/>
               </a:ext>
             </a:extLst>
           </p:cNvPr>
@@ -5129,7 +5129,7 @@
           <p:cNvPr id="5" name="Espaço Reservado para Data 4">
             <a:extLst>
               <a:ext uri="{FF2B5EF4-FFF2-40B4-BE49-F238E27FC236}">
-                <a16:creationId xmlns:a16="http://schemas.microsoft.com/office/drawing/2014/main" xmlns="" id="{02113D81-8665-4516-BD81-C6A1F254EECD}"/>
+                <a16:creationId xmlns="" xmlns:a16="http://schemas.microsoft.com/office/drawing/2014/main" id="{02113D81-8665-4516-BD81-C6A1F254EECD}"/>
               </a:ext>
             </a:extLst>
           </p:cNvPr>
@@ -5147,7 +5147,7 @@
           <a:p>
             <a:fld id="{63289F7E-B80B-496E-81B4-D396C37C9454}" type="datetimeFigureOut">
               <a:rPr lang="pt-BR" smtClean="0"/>
-              <a:t>26/08/2022</a:t>
+              <a:t>17/02/2023</a:t>
             </a:fld>
             <a:endParaRPr lang="pt-BR"/>
           </a:p>
@@ -5158,7 +5158,7 @@
           <p:cNvPr id="6" name="Espaço Reservado para Rodapé 5">
             <a:extLst>
               <a:ext uri="{FF2B5EF4-FFF2-40B4-BE49-F238E27FC236}">
-                <a16:creationId xmlns:a16="http://schemas.microsoft.com/office/drawing/2014/main" xmlns="" id="{2B00C88B-FF32-40AA-A187-727D96FD7862}"/>
+                <a16:creationId xmlns="" xmlns:a16="http://schemas.microsoft.com/office/drawing/2014/main" id="{2B00C88B-FF32-40AA-A187-727D96FD7862}"/>
               </a:ext>
             </a:extLst>
           </p:cNvPr>
@@ -5183,7 +5183,7 @@
           <p:cNvPr id="7" name="Espaço Reservado para Número de Slide 6">
             <a:extLst>
               <a:ext uri="{FF2B5EF4-FFF2-40B4-BE49-F238E27FC236}">
-                <a16:creationId xmlns:a16="http://schemas.microsoft.com/office/drawing/2014/main" xmlns="" id="{A04D1A2D-69F7-4B8F-A730-BC26DC340BA6}"/>
+                <a16:creationId xmlns="" xmlns:a16="http://schemas.microsoft.com/office/drawing/2014/main" id="{A04D1A2D-69F7-4B8F-A730-BC26DC340BA6}"/>
               </a:ext>
             </a:extLst>
           </p:cNvPr>
@@ -5247,7 +5247,7 @@
           <p:cNvPr id="2" name="Espaço Reservado para Título 1">
             <a:extLst>
               <a:ext uri="{FF2B5EF4-FFF2-40B4-BE49-F238E27FC236}">
-                <a16:creationId xmlns:a16="http://schemas.microsoft.com/office/drawing/2014/main" xmlns="" id="{E69A0273-1966-4A1B-9370-4C1CE5036371}"/>
+                <a16:creationId xmlns="" xmlns:a16="http://schemas.microsoft.com/office/drawing/2014/main" id="{E69A0273-1966-4A1B-9370-4C1CE5036371}"/>
               </a:ext>
             </a:extLst>
           </p:cNvPr>
@@ -5285,7 +5285,7 @@
           <p:cNvPr id="3" name="Espaço Reservado para Texto 2">
             <a:extLst>
               <a:ext uri="{FF2B5EF4-FFF2-40B4-BE49-F238E27FC236}">
-                <a16:creationId xmlns:a16="http://schemas.microsoft.com/office/drawing/2014/main" xmlns="" id="{3B9CF87A-0448-49A7-AB25-EBC1D56A40EF}"/>
+                <a16:creationId xmlns="" xmlns:a16="http://schemas.microsoft.com/office/drawing/2014/main" id="{3B9CF87A-0448-49A7-AB25-EBC1D56A40EF}"/>
               </a:ext>
             </a:extLst>
           </p:cNvPr>
@@ -5352,7 +5352,7 @@
           <p:cNvPr id="4" name="Espaço Reservado para Data 3">
             <a:extLst>
               <a:ext uri="{FF2B5EF4-FFF2-40B4-BE49-F238E27FC236}">
-                <a16:creationId xmlns:a16="http://schemas.microsoft.com/office/drawing/2014/main" xmlns="" id="{2EF7B1F2-BB5A-44D0-816D-16AD2C71430E}"/>
+                <a16:creationId xmlns="" xmlns:a16="http://schemas.microsoft.com/office/drawing/2014/main" id="{2EF7B1F2-BB5A-44D0-816D-16AD2C71430E}"/>
               </a:ext>
             </a:extLst>
           </p:cNvPr>
@@ -5388,7 +5388,7 @@
           <a:p>
             <a:fld id="{63289F7E-B80B-496E-81B4-D396C37C9454}" type="datetimeFigureOut">
               <a:rPr lang="pt-BR" smtClean="0"/>
-              <a:t>26/08/2022</a:t>
+              <a:t>17/02/2023</a:t>
             </a:fld>
             <a:endParaRPr lang="pt-BR"/>
           </a:p>
@@ -5399,7 +5399,7 @@
           <p:cNvPr id="5" name="Espaço Reservado para Rodapé 4">
             <a:extLst>
               <a:ext uri="{FF2B5EF4-FFF2-40B4-BE49-F238E27FC236}">
-                <a16:creationId xmlns:a16="http://schemas.microsoft.com/office/drawing/2014/main" xmlns="" id="{C703F94C-2CC8-4DAA-BC35-14FC3E841DCD}"/>
+                <a16:creationId xmlns="" xmlns:a16="http://schemas.microsoft.com/office/drawing/2014/main" id="{C703F94C-2CC8-4DAA-BC35-14FC3E841DCD}"/>
               </a:ext>
             </a:extLst>
           </p:cNvPr>
@@ -5442,7 +5442,7 @@
           <p:cNvPr id="6" name="Espaço Reservado para Número de Slide 5">
             <a:extLst>
               <a:ext uri="{FF2B5EF4-FFF2-40B4-BE49-F238E27FC236}">
-                <a16:creationId xmlns:a16="http://schemas.microsoft.com/office/drawing/2014/main" xmlns="" id="{64051336-7048-457A-8B61-D94291D71648}"/>
+                <a16:creationId xmlns="" xmlns:a16="http://schemas.microsoft.com/office/drawing/2014/main" id="{64051336-7048-457A-8B61-D94291D71648}"/>
               </a:ext>
             </a:extLst>
           </p:cNvPr>
@@ -5810,7 +5810,7 @@
           <p:cNvPr id="2" name="Título 1">
             <a:extLst>
               <a:ext uri="{FF2B5EF4-FFF2-40B4-BE49-F238E27FC236}">
-                <a16:creationId xmlns:a16="http://schemas.microsoft.com/office/drawing/2014/main" xmlns="" id="{32666AC8-2E17-4DB4-B0F5-60C640CCFD2E}"/>
+                <a16:creationId xmlns="" xmlns:a16="http://schemas.microsoft.com/office/drawing/2014/main" id="{32666AC8-2E17-4DB4-B0F5-60C640CCFD2E}"/>
               </a:ext>
             </a:extLst>
           </p:cNvPr>
@@ -5856,7 +5856,7 @@
           <p:cNvPr id="4" name="CaixaDeTexto 3">
             <a:extLst>
               <a:ext uri="{FF2B5EF4-FFF2-40B4-BE49-F238E27FC236}">
-                <a16:creationId xmlns:a16="http://schemas.microsoft.com/office/drawing/2014/main" xmlns="" id="{430EB894-B7D4-434C-9D1A-A14094D9BEEC}"/>
+                <a16:creationId xmlns="" xmlns:a16="http://schemas.microsoft.com/office/drawing/2014/main" id="{430EB894-B7D4-434C-9D1A-A14094D9BEEC}"/>
               </a:ext>
             </a:extLst>
           </p:cNvPr>
@@ -5897,7 +5897,7 @@
           <p:cNvPr id="1026" name="Picture 2" descr="Logo">
             <a:extLst>
               <a:ext uri="{FF2B5EF4-FFF2-40B4-BE49-F238E27FC236}">
-                <a16:creationId xmlns:a16="http://schemas.microsoft.com/office/drawing/2014/main" xmlns="" id="{3F2642E0-4F6A-4196-8F58-E77D36E9A33F}"/>
+                <a16:creationId xmlns="" xmlns:a16="http://schemas.microsoft.com/office/drawing/2014/main" id="{3F2642E0-4F6A-4196-8F58-E77D36E9A33F}"/>
               </a:ext>
             </a:extLst>
           </p:cNvPr>
@@ -5942,7 +5942,7 @@
           <p:cNvPr id="5122" name="Picture 2" descr="Image result for machine learning">
             <a:extLst>
               <a:ext uri="{FF2B5EF4-FFF2-40B4-BE49-F238E27FC236}">
-                <a16:creationId xmlns:a16="http://schemas.microsoft.com/office/drawing/2014/main" xmlns="" id="{810CE0A2-4102-44A6-A370-175E7896CDCB}"/>
+                <a16:creationId xmlns="" xmlns:a16="http://schemas.microsoft.com/office/drawing/2014/main" id="{810CE0A2-4102-44A6-A370-175E7896CDCB}"/>
               </a:ext>
             </a:extLst>
           </p:cNvPr>
@@ -6301,6 +6301,13 @@
   <p:clrMapOvr>
     <a:masterClrMapping/>
   </p:clrMapOvr>
+  <p:timing>
+    <p:tnLst>
+      <p:par>
+        <p:cTn id="1" dur="indefinite" restart="never" nodeType="tmRoot"/>
+      </p:par>
+    </p:tnLst>
+  </p:timing>
 </p:sld>
 </file>
 
@@ -6909,7 +6916,7 @@
           <p:cNvPr id="4" name="Título 1">
             <a:extLst>
               <a:ext uri="{FF2B5EF4-FFF2-40B4-BE49-F238E27FC236}">
-                <a16:creationId xmlns:a16="http://schemas.microsoft.com/office/drawing/2014/main" xmlns="" id="{32666AC8-2E17-4DB4-B0F5-60C640CCFD2E}"/>
+                <a16:creationId xmlns="" xmlns:a16="http://schemas.microsoft.com/office/drawing/2014/main" id="{32666AC8-2E17-4DB4-B0F5-60C640CCFD2E}"/>
               </a:ext>
             </a:extLst>
           </p:cNvPr>
@@ -8864,7 +8871,7 @@
         <p:spPr>
           <a:xfrm>
             <a:off x="838200" y="1825624"/>
-            <a:ext cx="11157642" cy="4901101"/>
+            <a:ext cx="11157642" cy="5032376"/>
           </a:xfrm>
         </p:spPr>
         <p:txBody>
@@ -8874,8 +8881,12 @@
           <a:lstStyle/>
           <a:p>
             <a:r>
+              <a:rPr lang="pt-BR" dirty="0" smtClean="0"/>
+              <a:t>Anteriormente, apresentei alguns exemplos </a:t>
+            </a:r>
+            <a:r>
               <a:rPr lang="pt-BR" dirty="0"/>
-              <a:t>Anteriormente, vimos exemplos de </a:t>
+              <a:t>de </a:t>
             </a:r>
             <a:r>
               <a:rPr lang="pt-BR" dirty="0" smtClean="0"/>
@@ -8901,8 +8912,13 @@
             </a:pPr>
             <a:r>
               <a:rPr lang="pt-BR" dirty="0"/>
-              <a:t>Detecção de spams.</a:t>
-            </a:r>
+              <a:t>Detecção de </a:t>
+            </a:r>
+            <a:r>
+              <a:rPr lang="pt-BR" dirty="0" smtClean="0"/>
+              <a:t>spam.</a:t>
+            </a:r>
+            <a:endParaRPr lang="pt-BR" dirty="0"/>
           </a:p>
           <a:p>
             <a:pPr lvl="1">
@@ -8921,8 +8937,13 @@
             </a:pPr>
             <a:r>
               <a:rPr lang="pt-BR" dirty="0"/>
-              <a:t>Reconhecimento de dígitos.</a:t>
-            </a:r>
+              <a:t>Reconhecimento de </a:t>
+            </a:r>
+            <a:r>
+              <a:rPr lang="pt-BR" dirty="0" smtClean="0"/>
+              <a:t>objetos, faces, letras/dígitos.</a:t>
+            </a:r>
+            <a:endParaRPr lang="pt-BR" dirty="0"/>
           </a:p>
           <a:p>
             <a:r>
@@ -8957,8 +8978,13 @@
             </a:r>
             <a:r>
               <a:rPr lang="pt-BR" dirty="0"/>
-              <a:t>e os pesos correspondentes.</a:t>
-            </a:r>
+              <a:t>e </a:t>
+            </a:r>
+            <a:r>
+              <a:rPr lang="pt-BR" dirty="0" smtClean="0"/>
+              <a:t>seus respectivos pesos.</a:t>
+            </a:r>
+            <a:endParaRPr lang="pt-BR" dirty="0"/>
           </a:p>
           <a:p>
             <a:r>
@@ -10088,6 +10114,68 @@
           </p:sp>
         </mc:Fallback>
       </mc:AlternateContent>
+      <p:sp>
+        <p:nvSpPr>
+          <p:cNvPr id="4" name="Retângulo 3"/>
+          <p:cNvSpPr/>
+          <p:nvPr/>
+        </p:nvSpPr>
+        <p:spPr>
+          <a:xfrm>
+            <a:off x="10453130" y="3159574"/>
+            <a:ext cx="900670" cy="461665"/>
+          </a:xfrm>
+          <a:prstGeom prst="rect">
+            <a:avLst/>
+          </a:prstGeom>
+        </p:spPr>
+        <p:txBody>
+          <a:bodyPr wrap="square">
+            <a:spAutoFit/>
+          </a:bodyPr>
+          <a:lstStyle/>
+          <a:p>
+            <a:pPr algn="ctr"/>
+            <a:r>
+              <a:rPr lang="pt-BR" sz="1200" dirty="0"/>
+              <a:t>produto escalar</a:t>
+            </a:r>
+          </a:p>
+        </p:txBody>
+      </p:sp>
+      <p:cxnSp>
+        <p:nvCxnSpPr>
+          <p:cNvPr id="6" name="Conector de seta reta 5"/>
+          <p:cNvCxnSpPr/>
+          <p:nvPr/>
+        </p:nvCxnSpPr>
+        <p:spPr>
+          <a:xfrm flipV="1">
+            <a:off x="10582275" y="3606082"/>
+            <a:ext cx="304800" cy="257175"/>
+          </a:xfrm>
+          <a:prstGeom prst="straightConnector1">
+            <a:avLst/>
+          </a:prstGeom>
+          <a:ln>
+            <a:tailEnd type="triangle"/>
+          </a:ln>
+        </p:spPr>
+        <p:style>
+          <a:lnRef idx="1">
+            <a:schemeClr val="accent1"/>
+          </a:lnRef>
+          <a:fillRef idx="0">
+            <a:schemeClr val="accent1"/>
+          </a:fillRef>
+          <a:effectRef idx="0">
+            <a:schemeClr val="accent1"/>
+          </a:effectRef>
+          <a:fontRef idx="minor">
+            <a:schemeClr val="tx1"/>
+          </a:fontRef>
+        </p:style>
+      </p:cxnSp>
     </p:spTree>
     <p:extLst>
       <p:ext uri="{BB962C8B-B14F-4D97-AF65-F5344CB8AC3E}">
@@ -10940,8 +11028,8 @@
           </a:p>
         </p:txBody>
       </p:sp>
-      <mc:AlternateContent xmlns:mc="http://schemas.openxmlformats.org/markup-compatibility/2006" xmlns:a14="http://schemas.microsoft.com/office/drawing/2010/main">
-        <mc:Choice Requires="a14">
+      <mc:AlternateContent xmlns:mc="http://schemas.openxmlformats.org/markup-compatibility/2006">
+        <mc:Choice xmlns:a14="http://schemas.microsoft.com/office/drawing/2010/main" Requires="a14">
           <p:sp>
             <p:nvSpPr>
               <p:cNvPr id="3" name="Content Placeholder 2"/>
@@ -11909,7 +11997,15 @@
                 </a14:m>
                 <a:r>
                   <a:rPr lang="pt-BR" dirty="0"/>
-                  <a:t> Hipérbole retangular com eixos paralelos às suas assíntotas.</a:t>
+                  <a:t> Hipérbole retangular com eixos paralelos </a:t>
+                </a:r>
+                <a:r>
+                  <a:rPr lang="pt-BR" dirty="0" smtClean="0"/>
+                  <a:t>às </a:t>
+                </a:r>
+                <a:r>
+                  <a:rPr lang="pt-BR" dirty="0"/>
+                  <a:t>suas assíntotas.</a:t>
                 </a:r>
               </a:p>
               <a:p>
@@ -12445,7 +12541,7 @@
             </p:txBody>
           </p:sp>
         </mc:Choice>
-        <mc:Fallback xmlns="">
+        <mc:Fallback>
           <p:sp>
             <p:nvSpPr>
               <p:cNvPr id="3" name="Content Placeholder 2"/>
@@ -12544,8 +12640,8 @@
           </a:p>
         </p:txBody>
       </p:sp>
-      <mc:AlternateContent xmlns:mc="http://schemas.openxmlformats.org/markup-compatibility/2006" xmlns:a14="http://schemas.microsoft.com/office/drawing/2010/main">
-        <mc:Choice Requires="a14">
+      <mc:AlternateContent xmlns:mc="http://schemas.openxmlformats.org/markup-compatibility/2006">
+        <mc:Choice xmlns:a14="http://schemas.microsoft.com/office/drawing/2010/main" Requires="a14">
           <p:sp>
             <p:nvSpPr>
               <p:cNvPr id="3" name="Content Placeholder 2"/>
@@ -12558,8 +12654,8 @@
             </p:nvSpPr>
             <p:spPr>
               <a:xfrm>
-                <a:off x="838200" y="1608800"/>
-                <a:ext cx="7925555" cy="5167311"/>
+                <a:off x="838199" y="1608800"/>
+                <a:ext cx="8381327" cy="5249200"/>
               </a:xfrm>
             </p:spPr>
             <p:txBody>
@@ -12936,8 +13032,31 @@
                 </a:r>
                 <a:r>
                   <a:rPr lang="pt-BR" dirty="0"/>
-                  <a:t>, ou seja, temos apenas 2 possíveis valores, 0 ou 1.</a:t>
-                </a:r>
+                  <a:t>, ou seja, temos apenas 2 possíveis valores, 0 ou </a:t>
+                </a:r>
+                <a:r>
+                  <a:rPr lang="pt-BR" dirty="0" smtClean="0"/>
+                  <a:t>1.</a:t>
+                </a:r>
+              </a:p>
+              <a:p>
+                <a:pPr lvl="1">
+                  <a:buFont typeface="Wingdings" panose="05000000000000000000" pitchFamily="2" charset="2"/>
+                  <a:buChar char="§"/>
+                </a:pPr>
+                <a:r>
+                  <a:rPr lang="pt-BR" dirty="0" smtClean="0"/>
+                  <a:t>Como implementar essas </a:t>
+                </a:r>
+                <a:r>
+                  <a:rPr lang="pt-BR" b="1" i="1" dirty="0" smtClean="0"/>
+                  <a:t>condições</a:t>
+                </a:r>
+                <a:r>
+                  <a:rPr lang="pt-BR" dirty="0" smtClean="0"/>
+                  <a:t> de forma matemática?</a:t>
+                </a:r>
+                <a:endParaRPr lang="pt-BR" dirty="0"/>
               </a:p>
               <a:p>
                 <a:r>
@@ -13272,7 +13391,7 @@
             </p:txBody>
           </p:sp>
         </mc:Choice>
-        <mc:Fallback xmlns="">
+        <mc:Fallback>
           <p:sp>
             <p:nvSpPr>
               <p:cNvPr id="3" name="Content Placeholder 2"/>
@@ -13285,13 +13404,13 @@
             </p:nvSpPr>
             <p:spPr>
               <a:xfrm>
-                <a:off x="838200" y="1608800"/>
-                <a:ext cx="7925555" cy="5167311"/>
+                <a:off x="838199" y="1608800"/>
+                <a:ext cx="8381327" cy="5249200"/>
               </a:xfrm>
               <a:blipFill rotWithShape="0">
                 <a:blip r:embed="rId2"/>
                 <a:stretch>
-                  <a:fillRect l="-923" t="-2476" r="-1692"/>
+                  <a:fillRect l="-800" t="-2439" r="-1018"/>
                 </a:stretch>
               </a:blipFill>
             </p:spPr>
@@ -13318,8 +13437,8 @@
         </p:nvGrpSpPr>
         <p:grpSpPr>
           <a:xfrm>
-            <a:off x="8763755" y="18440"/>
-            <a:ext cx="3428245" cy="3487817"/>
+            <a:off x="8988368" y="18441"/>
+            <a:ext cx="3203632" cy="3353410"/>
             <a:chOff x="8763755" y="2154390"/>
             <a:chExt cx="3428245" cy="3487817"/>
           </a:xfrm>
@@ -13597,8 +13716,8 @@
         </p:blipFill>
         <p:spPr>
           <a:xfrm>
-            <a:off x="8763755" y="3800192"/>
-            <a:ext cx="3289300" cy="3052789"/>
+            <a:off x="9117549" y="3800192"/>
+            <a:ext cx="2935505" cy="2724433"/>
           </a:xfrm>
           <a:prstGeom prst="rect">
             <a:avLst/>
@@ -13613,8 +13732,8 @@
         </p:nvSpPr>
         <p:spPr>
           <a:xfrm>
-            <a:off x="8988368" y="3547226"/>
-            <a:ext cx="3064687" cy="338554"/>
+            <a:off x="9286875" y="3547226"/>
+            <a:ext cx="2766180" cy="338554"/>
           </a:xfrm>
           <a:prstGeom prst="rect">
             <a:avLst/>
@@ -13704,6 +13823,92 @@
           </a:fontRef>
         </p:style>
       </p:cxnSp>
+      <p:sp>
+        <p:nvSpPr>
+          <p:cNvPr id="13" name="CaixaDeTexto 12"/>
+          <p:cNvSpPr txBox="1"/>
+          <p:nvPr/>
+        </p:nvSpPr>
+        <p:spPr>
+          <a:xfrm>
+            <a:off x="8009730" y="2195020"/>
+            <a:ext cx="619125" cy="584775"/>
+          </a:xfrm>
+          <a:prstGeom prst="rect">
+            <a:avLst/>
+          </a:prstGeom>
+          <a:noFill/>
+        </p:spPr>
+        <p:txBody>
+          <a:bodyPr wrap="square" rtlCol="0">
+            <a:spAutoFit/>
+          </a:bodyPr>
+          <a:lstStyle/>
+          <a:p>
+            <a:pPr algn="ctr"/>
+            <a:r>
+              <a:rPr lang="pt-BR" sz="1600" b="1" i="1" dirty="0" err="1"/>
+              <a:t>i</a:t>
+            </a:r>
+            <a:r>
+              <a:rPr lang="pt-BR" sz="1600" b="1" i="1" dirty="0" err="1" smtClean="0"/>
+              <a:t>f</a:t>
+            </a:r>
+            <a:r>
+              <a:rPr lang="pt-BR" sz="1600" dirty="0" smtClean="0"/>
+              <a:t> e </a:t>
+            </a:r>
+            <a:r>
+              <a:rPr lang="pt-BR" sz="1600" b="1" i="1" dirty="0" err="1" smtClean="0"/>
+              <a:t>else</a:t>
+            </a:r>
+            <a:endParaRPr lang="pt-BR" sz="1600" b="1" i="1" dirty="0"/>
+          </a:p>
+        </p:txBody>
+      </p:sp>
+      <p:sp>
+        <p:nvSpPr>
+          <p:cNvPr id="14" name="Chave direita 13"/>
+          <p:cNvSpPr/>
+          <p:nvPr/>
+        </p:nvSpPr>
+        <p:spPr>
+          <a:xfrm>
+            <a:off x="7867136" y="2063546"/>
+            <a:ext cx="209710" cy="847725"/>
+          </a:xfrm>
+          <a:prstGeom prst="rightBrace">
+            <a:avLst/>
+          </a:prstGeom>
+          <a:ln>
+            <a:solidFill>
+              <a:schemeClr val="tx1"/>
+            </a:solidFill>
+          </a:ln>
+        </p:spPr>
+        <p:style>
+          <a:lnRef idx="1">
+            <a:schemeClr val="accent1"/>
+          </a:lnRef>
+          <a:fillRef idx="0">
+            <a:schemeClr val="accent1"/>
+          </a:fillRef>
+          <a:effectRef idx="0">
+            <a:schemeClr val="accent1"/>
+          </a:effectRef>
+          <a:fontRef idx="minor">
+            <a:schemeClr val="tx1"/>
+          </a:fontRef>
+        </p:style>
+        <p:txBody>
+          <a:bodyPr rtlCol="0" anchor="ctr"/>
+          <a:lstStyle/>
+          <a:p>
+            <a:pPr algn="ctr"/>
+            <a:endParaRPr lang="pt-BR"/>
+          </a:p>
+        </p:txBody>
+      </p:sp>
     </p:spTree>
     <p:extLst>
       <p:ext uri="{BB962C8B-B14F-4D97-AF65-F5344CB8AC3E}">
@@ -13756,8 +13961,8 @@
           </a:p>
         </p:txBody>
       </p:sp>
-      <mc:AlternateContent xmlns:mc="http://schemas.openxmlformats.org/markup-compatibility/2006" xmlns:a14="http://schemas.microsoft.com/office/drawing/2010/main">
-        <mc:Choice Requires="a14">
+      <mc:AlternateContent xmlns:mc="http://schemas.openxmlformats.org/markup-compatibility/2006">
+        <mc:Choice xmlns:a14="http://schemas.microsoft.com/office/drawing/2010/main" Requires="a14">
           <p:sp>
             <p:nvSpPr>
               <p:cNvPr id="3" name="Content Placeholder 2"/>
@@ -13786,14 +13991,18 @@
                 </a:r>
                 <a:r>
                   <a:rPr lang="pt-BR" b="1" i="1" dirty="0"/>
-                  <a:t>função hipótese</a:t>
-                </a:r>
-                <a:r>
-                  <a:rPr lang="pt-BR" dirty="0"/>
+                  <a:t>função </a:t>
+                </a:r>
+                <a:r>
+                  <a:rPr lang="pt-BR" b="1" i="1" dirty="0" smtClean="0"/>
+                  <a:t>hipótese</a:t>
+                </a:r>
+                <a:r>
+                  <a:rPr lang="pt-BR" dirty="0" smtClean="0"/>
                   <a:t>,</a:t>
                 </a:r>
                 <a:r>
-                  <a:rPr lang="pt-BR" b="1" i="1" dirty="0"/>
+                  <a:rPr lang="pt-BR" b="1" i="1" dirty="0" smtClean="0"/>
                   <a:t> </a:t>
                 </a:r>
                 <a14:m>
@@ -14093,7 +14302,7 @@
             </p:txBody>
           </p:sp>
         </mc:Choice>
-        <mc:Fallback xmlns="">
+        <mc:Fallback>
           <p:sp>
             <p:nvSpPr>
               <p:cNvPr id="3" name="Content Placeholder 2"/>
@@ -14206,8 +14415,8 @@
           </a:p>
         </p:txBody>
       </p:sp>
-      <mc:AlternateContent xmlns:mc="http://schemas.openxmlformats.org/markup-compatibility/2006" xmlns:a14="http://schemas.microsoft.com/office/drawing/2010/main">
-        <mc:Choice Requires="a14">
+      <mc:AlternateContent xmlns:mc="http://schemas.openxmlformats.org/markup-compatibility/2006">
+        <mc:Choice xmlns:a14="http://schemas.microsoft.com/office/drawing/2010/main" Requires="a14">
           <p:sp>
             <p:nvSpPr>
               <p:cNvPr id="3" name="Content Placeholder 2"/>
@@ -14256,11 +14465,15 @@
                 </a:r>
                 <a:r>
                   <a:rPr lang="pt-BR" dirty="0"/>
-                  <a:t> que converge para uma solução </a:t>
-                </a:r>
-                <a:r>
-                  <a:rPr lang="pt-BR" b="1" i="1" dirty="0"/>
-                  <a:t>dado que exista uma função discriminante adequada e que as classes não se sobreponham</a:t>
+                  <a:t> que </a:t>
+                </a:r>
+                <a:r>
+                  <a:rPr lang="pt-BR" b="1" i="1" dirty="0">
+                    <a:solidFill>
+                      <a:srgbClr val="FF0000"/>
+                    </a:solidFill>
+                  </a:rPr>
+                  <a:t>converge para uma solução dado que exista uma função discriminante adequada e que as classes não se sobreponham</a:t>
                 </a:r>
                 <a:r>
                   <a:rPr lang="pt-BR" dirty="0"/>
@@ -14550,7 +14763,15 @@
               <a:p>
                 <a:r>
                   <a:rPr lang="pt-BR" dirty="0"/>
-                  <a:t>Por razões que discutiremos em breve, esta regra é chamada de </a:t>
+                  <a:t>Por razões que discutiremos </a:t>
+                </a:r>
+                <a:r>
+                  <a:rPr lang="pt-BR" dirty="0" smtClean="0"/>
+                  <a:t>mais adiante, </a:t>
+                </a:r>
+                <a:r>
+                  <a:rPr lang="pt-BR" dirty="0"/>
+                  <a:t>esta regra é chamada de </a:t>
                 </a:r>
                 <a:r>
                   <a:rPr lang="pt-BR" b="1" i="1" dirty="0"/>
@@ -14604,7 +14825,7 @@
             </p:txBody>
           </p:sp>
         </mc:Choice>
-        <mc:Fallback xmlns="">
+        <mc:Fallback>
           <p:sp>
             <p:nvSpPr>
               <p:cNvPr id="3" name="Content Placeholder 2"/>
@@ -14632,7 +14853,7 @@
               <a:lstStyle/>
               <a:p>
                 <a:r>
-                  <a:rPr lang="en-US">
+                  <a:rPr lang="pt-BR">
                     <a:noFill/>
                   </a:rPr>
                   <a:t> </a:t>
@@ -15865,6 +16086,29 @@
           </p:sp>
         </mc:Fallback>
       </mc:AlternateContent>
+      <p:pic>
+        <p:nvPicPr>
+          <p:cNvPr id="4" name="Picture 4"/>
+          <p:cNvPicPr>
+            <a:picLocks noChangeAspect="1"/>
+          </p:cNvPicPr>
+          <p:nvPr/>
+        </p:nvPicPr>
+        <p:blipFill rotWithShape="1">
+          <a:blip r:embed="rId3"/>
+          <a:srcRect l="3046" t="5896" r="8832"/>
+          <a:stretch/>
+        </p:blipFill>
+        <p:spPr>
+          <a:xfrm>
+            <a:off x="10267950" y="1336919"/>
+            <a:ext cx="1688031" cy="1566656"/>
+          </a:xfrm>
+          <a:prstGeom prst="rect">
+            <a:avLst/>
+          </a:prstGeom>
+        </p:spPr>
+      </p:pic>
     </p:spTree>
     <p:extLst>
       <p:ext uri="{BB962C8B-B14F-4D97-AF65-F5344CB8AC3E}">
@@ -15875,6 +16119,13 @@
   <p:clrMapOvr>
     <a:masterClrMapping/>
   </p:clrMapOvr>
+  <p:timing>
+    <p:tnLst>
+      <p:par>
+        <p:cTn id="1" dur="indefinite" restart="never" nodeType="tmRoot"/>
+      </p:par>
+    </p:tnLst>
+  </p:timing>
 </p:sld>
 </file>
 

--- a/slides/T320_Classificação (Parte II).pptx
+++ b/slides/T320_Classificação (Parte II).pptx
@@ -288,7 +288,7 @@
           <a:p>
             <a:fld id="{144F1436-6906-4D93-B7A2-786C327BFA14}" type="datetimeFigureOut">
               <a:rPr lang="nl-BE" smtClean="0"/>
-              <a:t>17/02/2023</a:t>
+              <a:t>24/02/2023</a:t>
             </a:fld>
             <a:endParaRPr lang="nl-BE"/>
           </a:p>
@@ -453,7 +453,7 @@
           <a:p>
             <a:fld id="{AA8CD09E-2914-4F47-B6C1-51B2C31814C9}" type="datetimeFigureOut">
               <a:rPr lang="pt-BR" smtClean="0"/>
-              <a:t>17/02/2023</a:t>
+              <a:t>24/02/2023</a:t>
             </a:fld>
             <a:endParaRPr lang="pt-BR"/>
           </a:p>
@@ -2613,7 +2613,7 @@
           <p:cNvPr id="2" name="Título 1">
             <a:extLst>
               <a:ext uri="{FF2B5EF4-FFF2-40B4-BE49-F238E27FC236}">
-                <a16:creationId xmlns="" xmlns:a16="http://schemas.microsoft.com/office/drawing/2014/main" id="{1DB9B4FF-B06E-403C-A326-BDC64D8FF94E}"/>
+                <a16:creationId xmlns:a16="http://schemas.microsoft.com/office/drawing/2014/main" xmlns="" id="{1DB9B4FF-B06E-403C-A326-BDC64D8FF94E}"/>
               </a:ext>
             </a:extLst>
           </p:cNvPr>
@@ -2650,7 +2650,7 @@
           <p:cNvPr id="3" name="Subtítulo 2">
             <a:extLst>
               <a:ext uri="{FF2B5EF4-FFF2-40B4-BE49-F238E27FC236}">
-                <a16:creationId xmlns="" xmlns:a16="http://schemas.microsoft.com/office/drawing/2014/main" id="{247BDFCE-746E-45BF-A319-4733D58D1632}"/>
+                <a16:creationId xmlns:a16="http://schemas.microsoft.com/office/drawing/2014/main" xmlns="" id="{247BDFCE-746E-45BF-A319-4733D58D1632}"/>
               </a:ext>
             </a:extLst>
           </p:cNvPr>
@@ -2720,7 +2720,7 @@
           <p:cNvPr id="4" name="Espaço Reservado para Data 3">
             <a:extLst>
               <a:ext uri="{FF2B5EF4-FFF2-40B4-BE49-F238E27FC236}">
-                <a16:creationId xmlns="" xmlns:a16="http://schemas.microsoft.com/office/drawing/2014/main" id="{9EDE2778-5372-4104-B96D-968184DA8288}"/>
+                <a16:creationId xmlns:a16="http://schemas.microsoft.com/office/drawing/2014/main" xmlns="" id="{9EDE2778-5372-4104-B96D-968184DA8288}"/>
               </a:ext>
             </a:extLst>
           </p:cNvPr>
@@ -2738,7 +2738,7 @@
           <a:p>
             <a:fld id="{63289F7E-B80B-496E-81B4-D396C37C9454}" type="datetimeFigureOut">
               <a:rPr lang="pt-BR" smtClean="0"/>
-              <a:t>17/02/2023</a:t>
+              <a:t>24/02/2023</a:t>
             </a:fld>
             <a:endParaRPr lang="pt-BR"/>
           </a:p>
@@ -2749,7 +2749,7 @@
           <p:cNvPr id="5" name="Espaço Reservado para Rodapé 4">
             <a:extLst>
               <a:ext uri="{FF2B5EF4-FFF2-40B4-BE49-F238E27FC236}">
-                <a16:creationId xmlns="" xmlns:a16="http://schemas.microsoft.com/office/drawing/2014/main" id="{C1DD0F41-C861-4051-988D-3024A37A4B93}"/>
+                <a16:creationId xmlns:a16="http://schemas.microsoft.com/office/drawing/2014/main" xmlns="" id="{C1DD0F41-C861-4051-988D-3024A37A4B93}"/>
               </a:ext>
             </a:extLst>
           </p:cNvPr>
@@ -2774,7 +2774,7 @@
           <p:cNvPr id="6" name="Espaço Reservado para Número de Slide 5">
             <a:extLst>
               <a:ext uri="{FF2B5EF4-FFF2-40B4-BE49-F238E27FC236}">
-                <a16:creationId xmlns="" xmlns:a16="http://schemas.microsoft.com/office/drawing/2014/main" id="{07E5967E-D980-431A-A5DB-3F0C5030A81E}"/>
+                <a16:creationId xmlns:a16="http://schemas.microsoft.com/office/drawing/2014/main" xmlns="" id="{07E5967E-D980-431A-A5DB-3F0C5030A81E}"/>
               </a:ext>
             </a:extLst>
           </p:cNvPr>
@@ -2833,7 +2833,7 @@
           <p:cNvPr id="2" name="Título 1">
             <a:extLst>
               <a:ext uri="{FF2B5EF4-FFF2-40B4-BE49-F238E27FC236}">
-                <a16:creationId xmlns="" xmlns:a16="http://schemas.microsoft.com/office/drawing/2014/main" id="{9036C49F-3E68-4175-81BA-3C3FEE44308A}"/>
+                <a16:creationId xmlns:a16="http://schemas.microsoft.com/office/drawing/2014/main" xmlns="" id="{9036C49F-3E68-4175-81BA-3C3FEE44308A}"/>
               </a:ext>
             </a:extLst>
           </p:cNvPr>
@@ -2861,7 +2861,7 @@
           <p:cNvPr id="3" name="Espaço Reservado para Texto Vertical 2">
             <a:extLst>
               <a:ext uri="{FF2B5EF4-FFF2-40B4-BE49-F238E27FC236}">
-                <a16:creationId xmlns="" xmlns:a16="http://schemas.microsoft.com/office/drawing/2014/main" id="{426FA736-3DD3-4D4E-B57B-BBE1D8F7D424}"/>
+                <a16:creationId xmlns:a16="http://schemas.microsoft.com/office/drawing/2014/main" xmlns="" id="{426FA736-3DD3-4D4E-B57B-BBE1D8F7D424}"/>
               </a:ext>
             </a:extLst>
           </p:cNvPr>
@@ -2918,7 +2918,7 @@
           <p:cNvPr id="4" name="Espaço Reservado para Data 3">
             <a:extLst>
               <a:ext uri="{FF2B5EF4-FFF2-40B4-BE49-F238E27FC236}">
-                <a16:creationId xmlns="" xmlns:a16="http://schemas.microsoft.com/office/drawing/2014/main" id="{99E8855C-D8FD-48F6-B14E-861E0DE4D915}"/>
+                <a16:creationId xmlns:a16="http://schemas.microsoft.com/office/drawing/2014/main" xmlns="" id="{99E8855C-D8FD-48F6-B14E-861E0DE4D915}"/>
               </a:ext>
             </a:extLst>
           </p:cNvPr>
@@ -2936,7 +2936,7 @@
           <a:p>
             <a:fld id="{63289F7E-B80B-496E-81B4-D396C37C9454}" type="datetimeFigureOut">
               <a:rPr lang="pt-BR" smtClean="0"/>
-              <a:t>17/02/2023</a:t>
+              <a:t>24/02/2023</a:t>
             </a:fld>
             <a:endParaRPr lang="pt-BR"/>
           </a:p>
@@ -2947,7 +2947,7 @@
           <p:cNvPr id="5" name="Espaço Reservado para Rodapé 4">
             <a:extLst>
               <a:ext uri="{FF2B5EF4-FFF2-40B4-BE49-F238E27FC236}">
-                <a16:creationId xmlns="" xmlns:a16="http://schemas.microsoft.com/office/drawing/2014/main" id="{97C0BB88-2F21-42A5-ACFF-83DA47F2D340}"/>
+                <a16:creationId xmlns:a16="http://schemas.microsoft.com/office/drawing/2014/main" xmlns="" id="{97C0BB88-2F21-42A5-ACFF-83DA47F2D340}"/>
               </a:ext>
             </a:extLst>
           </p:cNvPr>
@@ -2972,7 +2972,7 @@
           <p:cNvPr id="6" name="Espaço Reservado para Número de Slide 5">
             <a:extLst>
               <a:ext uri="{FF2B5EF4-FFF2-40B4-BE49-F238E27FC236}">
-                <a16:creationId xmlns="" xmlns:a16="http://schemas.microsoft.com/office/drawing/2014/main" id="{6CB462B3-1F22-4C05-B4B8-7A279FB7D5E9}"/>
+                <a16:creationId xmlns:a16="http://schemas.microsoft.com/office/drawing/2014/main" xmlns="" id="{6CB462B3-1F22-4C05-B4B8-7A279FB7D5E9}"/>
               </a:ext>
             </a:extLst>
           </p:cNvPr>
@@ -3031,7 +3031,7 @@
           <p:cNvPr id="2" name="Título Vertical 1">
             <a:extLst>
               <a:ext uri="{FF2B5EF4-FFF2-40B4-BE49-F238E27FC236}">
-                <a16:creationId xmlns="" xmlns:a16="http://schemas.microsoft.com/office/drawing/2014/main" id="{EAEAB728-701C-4207-A9D5-23FF45C60502}"/>
+                <a16:creationId xmlns:a16="http://schemas.microsoft.com/office/drawing/2014/main" xmlns="" id="{EAEAB728-701C-4207-A9D5-23FF45C60502}"/>
               </a:ext>
             </a:extLst>
           </p:cNvPr>
@@ -3064,7 +3064,7 @@
           <p:cNvPr id="3" name="Espaço Reservado para Texto Vertical 2">
             <a:extLst>
               <a:ext uri="{FF2B5EF4-FFF2-40B4-BE49-F238E27FC236}">
-                <a16:creationId xmlns="" xmlns:a16="http://schemas.microsoft.com/office/drawing/2014/main" id="{BA8C8CCF-7823-480A-9A19-0F664DD17E3B}"/>
+                <a16:creationId xmlns:a16="http://schemas.microsoft.com/office/drawing/2014/main" xmlns="" id="{BA8C8CCF-7823-480A-9A19-0F664DD17E3B}"/>
               </a:ext>
             </a:extLst>
           </p:cNvPr>
@@ -3126,7 +3126,7 @@
           <p:cNvPr id="4" name="Espaço Reservado para Data 3">
             <a:extLst>
               <a:ext uri="{FF2B5EF4-FFF2-40B4-BE49-F238E27FC236}">
-                <a16:creationId xmlns="" xmlns:a16="http://schemas.microsoft.com/office/drawing/2014/main" id="{721D5734-7B1F-425D-942F-6EB73344027C}"/>
+                <a16:creationId xmlns:a16="http://schemas.microsoft.com/office/drawing/2014/main" xmlns="" id="{721D5734-7B1F-425D-942F-6EB73344027C}"/>
               </a:ext>
             </a:extLst>
           </p:cNvPr>
@@ -3144,7 +3144,7 @@
           <a:p>
             <a:fld id="{63289F7E-B80B-496E-81B4-D396C37C9454}" type="datetimeFigureOut">
               <a:rPr lang="pt-BR" smtClean="0"/>
-              <a:t>17/02/2023</a:t>
+              <a:t>24/02/2023</a:t>
             </a:fld>
             <a:endParaRPr lang="pt-BR"/>
           </a:p>
@@ -3155,7 +3155,7 @@
           <p:cNvPr id="5" name="Espaço Reservado para Rodapé 4">
             <a:extLst>
               <a:ext uri="{FF2B5EF4-FFF2-40B4-BE49-F238E27FC236}">
-                <a16:creationId xmlns="" xmlns:a16="http://schemas.microsoft.com/office/drawing/2014/main" id="{1E1AAEAC-F08D-45FE-89EC-B1B349A868C9}"/>
+                <a16:creationId xmlns:a16="http://schemas.microsoft.com/office/drawing/2014/main" xmlns="" id="{1E1AAEAC-F08D-45FE-89EC-B1B349A868C9}"/>
               </a:ext>
             </a:extLst>
           </p:cNvPr>
@@ -3180,7 +3180,7 @@
           <p:cNvPr id="6" name="Espaço Reservado para Número de Slide 5">
             <a:extLst>
               <a:ext uri="{FF2B5EF4-FFF2-40B4-BE49-F238E27FC236}">
-                <a16:creationId xmlns="" xmlns:a16="http://schemas.microsoft.com/office/drawing/2014/main" id="{BAA44493-9911-47B2-87A6-C2141A972BC8}"/>
+                <a16:creationId xmlns:a16="http://schemas.microsoft.com/office/drawing/2014/main" xmlns="" id="{BAA44493-9911-47B2-87A6-C2141A972BC8}"/>
               </a:ext>
             </a:extLst>
           </p:cNvPr>
@@ -3239,7 +3239,7 @@
           <p:cNvPr id="2" name="Título 1">
             <a:extLst>
               <a:ext uri="{FF2B5EF4-FFF2-40B4-BE49-F238E27FC236}">
-                <a16:creationId xmlns="" xmlns:a16="http://schemas.microsoft.com/office/drawing/2014/main" id="{71BD44A5-8F21-4626-A01D-48A1C874B1D5}"/>
+                <a16:creationId xmlns:a16="http://schemas.microsoft.com/office/drawing/2014/main" xmlns="" id="{71BD44A5-8F21-4626-A01D-48A1C874B1D5}"/>
               </a:ext>
             </a:extLst>
           </p:cNvPr>
@@ -3267,7 +3267,7 @@
           <p:cNvPr id="3" name="Espaço Reservado para Conteúdo 2">
             <a:extLst>
               <a:ext uri="{FF2B5EF4-FFF2-40B4-BE49-F238E27FC236}">
-                <a16:creationId xmlns="" xmlns:a16="http://schemas.microsoft.com/office/drawing/2014/main" id="{B79E8085-65A9-48AA-951D-71D978BFF4ED}"/>
+                <a16:creationId xmlns:a16="http://schemas.microsoft.com/office/drawing/2014/main" xmlns="" id="{B79E8085-65A9-48AA-951D-71D978BFF4ED}"/>
               </a:ext>
             </a:extLst>
           </p:cNvPr>
@@ -3324,7 +3324,7 @@
           <p:cNvPr id="4" name="Espaço Reservado para Data 3">
             <a:extLst>
               <a:ext uri="{FF2B5EF4-FFF2-40B4-BE49-F238E27FC236}">
-                <a16:creationId xmlns="" xmlns:a16="http://schemas.microsoft.com/office/drawing/2014/main" id="{F05BE1AF-51EA-425D-B188-DE7BD675009F}"/>
+                <a16:creationId xmlns:a16="http://schemas.microsoft.com/office/drawing/2014/main" xmlns="" id="{F05BE1AF-51EA-425D-B188-DE7BD675009F}"/>
               </a:ext>
             </a:extLst>
           </p:cNvPr>
@@ -3342,7 +3342,7 @@
           <a:p>
             <a:fld id="{63289F7E-B80B-496E-81B4-D396C37C9454}" type="datetimeFigureOut">
               <a:rPr lang="pt-BR" smtClean="0"/>
-              <a:t>17/02/2023</a:t>
+              <a:t>24/02/2023</a:t>
             </a:fld>
             <a:endParaRPr lang="pt-BR"/>
           </a:p>
@@ -3353,7 +3353,7 @@
           <p:cNvPr id="5" name="Espaço Reservado para Rodapé 4">
             <a:extLst>
               <a:ext uri="{FF2B5EF4-FFF2-40B4-BE49-F238E27FC236}">
-                <a16:creationId xmlns="" xmlns:a16="http://schemas.microsoft.com/office/drawing/2014/main" id="{121BE632-29CF-4CB9-B365-C9EF38F89BE6}"/>
+                <a16:creationId xmlns:a16="http://schemas.microsoft.com/office/drawing/2014/main" xmlns="" id="{121BE632-29CF-4CB9-B365-C9EF38F89BE6}"/>
               </a:ext>
             </a:extLst>
           </p:cNvPr>
@@ -3378,7 +3378,7 @@
           <p:cNvPr id="6" name="Espaço Reservado para Número de Slide 5">
             <a:extLst>
               <a:ext uri="{FF2B5EF4-FFF2-40B4-BE49-F238E27FC236}">
-                <a16:creationId xmlns="" xmlns:a16="http://schemas.microsoft.com/office/drawing/2014/main" id="{60CF3DD1-9AEC-4A57-B461-4E4DD86FAC18}"/>
+                <a16:creationId xmlns:a16="http://schemas.microsoft.com/office/drawing/2014/main" xmlns="" id="{60CF3DD1-9AEC-4A57-B461-4E4DD86FAC18}"/>
               </a:ext>
             </a:extLst>
           </p:cNvPr>
@@ -3437,7 +3437,7 @@
           <p:cNvPr id="2" name="Título 1">
             <a:extLst>
               <a:ext uri="{FF2B5EF4-FFF2-40B4-BE49-F238E27FC236}">
-                <a16:creationId xmlns="" xmlns:a16="http://schemas.microsoft.com/office/drawing/2014/main" id="{34AB2FF0-A4D7-4E28-991D-FF26140D5988}"/>
+                <a16:creationId xmlns:a16="http://schemas.microsoft.com/office/drawing/2014/main" xmlns="" id="{34AB2FF0-A4D7-4E28-991D-FF26140D5988}"/>
               </a:ext>
             </a:extLst>
           </p:cNvPr>
@@ -3474,7 +3474,7 @@
           <p:cNvPr id="3" name="Espaço Reservado para Texto 2">
             <a:extLst>
               <a:ext uri="{FF2B5EF4-FFF2-40B4-BE49-F238E27FC236}">
-                <a16:creationId xmlns="" xmlns:a16="http://schemas.microsoft.com/office/drawing/2014/main" id="{E2AC45B0-4145-40DB-8E61-105461170604}"/>
+                <a16:creationId xmlns:a16="http://schemas.microsoft.com/office/drawing/2014/main" xmlns="" id="{E2AC45B0-4145-40DB-8E61-105461170604}"/>
               </a:ext>
             </a:extLst>
           </p:cNvPr>
@@ -3599,7 +3599,7 @@
           <p:cNvPr id="4" name="Espaço Reservado para Data 3">
             <a:extLst>
               <a:ext uri="{FF2B5EF4-FFF2-40B4-BE49-F238E27FC236}">
-                <a16:creationId xmlns="" xmlns:a16="http://schemas.microsoft.com/office/drawing/2014/main" id="{50F1D3FB-740A-4EBA-A309-2CE71D12ECFB}"/>
+                <a16:creationId xmlns:a16="http://schemas.microsoft.com/office/drawing/2014/main" xmlns="" id="{50F1D3FB-740A-4EBA-A309-2CE71D12ECFB}"/>
               </a:ext>
             </a:extLst>
           </p:cNvPr>
@@ -3617,7 +3617,7 @@
           <a:p>
             <a:fld id="{63289F7E-B80B-496E-81B4-D396C37C9454}" type="datetimeFigureOut">
               <a:rPr lang="pt-BR" smtClean="0"/>
-              <a:t>17/02/2023</a:t>
+              <a:t>24/02/2023</a:t>
             </a:fld>
             <a:endParaRPr lang="pt-BR"/>
           </a:p>
@@ -3628,7 +3628,7 @@
           <p:cNvPr id="5" name="Espaço Reservado para Rodapé 4">
             <a:extLst>
               <a:ext uri="{FF2B5EF4-FFF2-40B4-BE49-F238E27FC236}">
-                <a16:creationId xmlns="" xmlns:a16="http://schemas.microsoft.com/office/drawing/2014/main" id="{BDCAB18F-8715-4465-A940-F9C193A2ACE9}"/>
+                <a16:creationId xmlns:a16="http://schemas.microsoft.com/office/drawing/2014/main" xmlns="" id="{BDCAB18F-8715-4465-A940-F9C193A2ACE9}"/>
               </a:ext>
             </a:extLst>
           </p:cNvPr>
@@ -3653,7 +3653,7 @@
           <p:cNvPr id="6" name="Espaço Reservado para Número de Slide 5">
             <a:extLst>
               <a:ext uri="{FF2B5EF4-FFF2-40B4-BE49-F238E27FC236}">
-                <a16:creationId xmlns="" xmlns:a16="http://schemas.microsoft.com/office/drawing/2014/main" id="{353466C6-8248-429F-8056-FF040BF509EB}"/>
+                <a16:creationId xmlns:a16="http://schemas.microsoft.com/office/drawing/2014/main" xmlns="" id="{353466C6-8248-429F-8056-FF040BF509EB}"/>
               </a:ext>
             </a:extLst>
           </p:cNvPr>
@@ -3712,7 +3712,7 @@
           <p:cNvPr id="2" name="Título 1">
             <a:extLst>
               <a:ext uri="{FF2B5EF4-FFF2-40B4-BE49-F238E27FC236}">
-                <a16:creationId xmlns="" xmlns:a16="http://schemas.microsoft.com/office/drawing/2014/main" id="{BC7BB9F0-F14B-4A91-B2B7-35BC47FE4DE7}"/>
+                <a16:creationId xmlns:a16="http://schemas.microsoft.com/office/drawing/2014/main" xmlns="" id="{BC7BB9F0-F14B-4A91-B2B7-35BC47FE4DE7}"/>
               </a:ext>
             </a:extLst>
           </p:cNvPr>
@@ -3740,7 +3740,7 @@
           <p:cNvPr id="3" name="Espaço Reservado para Conteúdo 2">
             <a:extLst>
               <a:ext uri="{FF2B5EF4-FFF2-40B4-BE49-F238E27FC236}">
-                <a16:creationId xmlns="" xmlns:a16="http://schemas.microsoft.com/office/drawing/2014/main" id="{EC1FC1C4-73DA-47A6-8496-B0B457F7D39A}"/>
+                <a16:creationId xmlns:a16="http://schemas.microsoft.com/office/drawing/2014/main" xmlns="" id="{EC1FC1C4-73DA-47A6-8496-B0B457F7D39A}"/>
               </a:ext>
             </a:extLst>
           </p:cNvPr>
@@ -3802,7 +3802,7 @@
           <p:cNvPr id="4" name="Espaço Reservado para Conteúdo 3">
             <a:extLst>
               <a:ext uri="{FF2B5EF4-FFF2-40B4-BE49-F238E27FC236}">
-                <a16:creationId xmlns="" xmlns:a16="http://schemas.microsoft.com/office/drawing/2014/main" id="{E92F06A8-A449-4D92-9912-76873E529B38}"/>
+                <a16:creationId xmlns:a16="http://schemas.microsoft.com/office/drawing/2014/main" xmlns="" id="{E92F06A8-A449-4D92-9912-76873E529B38}"/>
               </a:ext>
             </a:extLst>
           </p:cNvPr>
@@ -3864,7 +3864,7 @@
           <p:cNvPr id="5" name="Espaço Reservado para Data 4">
             <a:extLst>
               <a:ext uri="{FF2B5EF4-FFF2-40B4-BE49-F238E27FC236}">
-                <a16:creationId xmlns="" xmlns:a16="http://schemas.microsoft.com/office/drawing/2014/main" id="{938070A4-BC2F-4D55-BD8D-DEAF11BB9EE9}"/>
+                <a16:creationId xmlns:a16="http://schemas.microsoft.com/office/drawing/2014/main" xmlns="" id="{938070A4-BC2F-4D55-BD8D-DEAF11BB9EE9}"/>
               </a:ext>
             </a:extLst>
           </p:cNvPr>
@@ -3882,7 +3882,7 @@
           <a:p>
             <a:fld id="{63289F7E-B80B-496E-81B4-D396C37C9454}" type="datetimeFigureOut">
               <a:rPr lang="pt-BR" smtClean="0"/>
-              <a:t>17/02/2023</a:t>
+              <a:t>24/02/2023</a:t>
             </a:fld>
             <a:endParaRPr lang="pt-BR"/>
           </a:p>
@@ -3893,7 +3893,7 @@
           <p:cNvPr id="6" name="Espaço Reservado para Rodapé 5">
             <a:extLst>
               <a:ext uri="{FF2B5EF4-FFF2-40B4-BE49-F238E27FC236}">
-                <a16:creationId xmlns="" xmlns:a16="http://schemas.microsoft.com/office/drawing/2014/main" id="{45CC2DB8-844A-465F-BA9A-7734C80C7F43}"/>
+                <a16:creationId xmlns:a16="http://schemas.microsoft.com/office/drawing/2014/main" xmlns="" id="{45CC2DB8-844A-465F-BA9A-7734C80C7F43}"/>
               </a:ext>
             </a:extLst>
           </p:cNvPr>
@@ -3918,7 +3918,7 @@
           <p:cNvPr id="7" name="Espaço Reservado para Número de Slide 6">
             <a:extLst>
               <a:ext uri="{FF2B5EF4-FFF2-40B4-BE49-F238E27FC236}">
-                <a16:creationId xmlns="" xmlns:a16="http://schemas.microsoft.com/office/drawing/2014/main" id="{4CC606A8-097B-4040-94E0-CD8C88280D8F}"/>
+                <a16:creationId xmlns:a16="http://schemas.microsoft.com/office/drawing/2014/main" xmlns="" id="{4CC606A8-097B-4040-94E0-CD8C88280D8F}"/>
               </a:ext>
             </a:extLst>
           </p:cNvPr>
@@ -3977,7 +3977,7 @@
           <p:cNvPr id="2" name="Título 1">
             <a:extLst>
               <a:ext uri="{FF2B5EF4-FFF2-40B4-BE49-F238E27FC236}">
-                <a16:creationId xmlns="" xmlns:a16="http://schemas.microsoft.com/office/drawing/2014/main" id="{76D66686-0143-4CB6-8C09-BA326F1E7ACA}"/>
+                <a16:creationId xmlns:a16="http://schemas.microsoft.com/office/drawing/2014/main" xmlns="" id="{76D66686-0143-4CB6-8C09-BA326F1E7ACA}"/>
               </a:ext>
             </a:extLst>
           </p:cNvPr>
@@ -4010,7 +4010,7 @@
           <p:cNvPr id="3" name="Espaço Reservado para Texto 2">
             <a:extLst>
               <a:ext uri="{FF2B5EF4-FFF2-40B4-BE49-F238E27FC236}">
-                <a16:creationId xmlns="" xmlns:a16="http://schemas.microsoft.com/office/drawing/2014/main" id="{0227AB85-F59E-4BCE-B846-4FA0992C2F23}"/>
+                <a16:creationId xmlns:a16="http://schemas.microsoft.com/office/drawing/2014/main" xmlns="" id="{0227AB85-F59E-4BCE-B846-4FA0992C2F23}"/>
               </a:ext>
             </a:extLst>
           </p:cNvPr>
@@ -4081,7 +4081,7 @@
           <p:cNvPr id="4" name="Espaço Reservado para Conteúdo 3">
             <a:extLst>
               <a:ext uri="{FF2B5EF4-FFF2-40B4-BE49-F238E27FC236}">
-                <a16:creationId xmlns="" xmlns:a16="http://schemas.microsoft.com/office/drawing/2014/main" id="{3373456C-7319-4D0A-827D-D29F6B083F5D}"/>
+                <a16:creationId xmlns:a16="http://schemas.microsoft.com/office/drawing/2014/main" xmlns="" id="{3373456C-7319-4D0A-827D-D29F6B083F5D}"/>
               </a:ext>
             </a:extLst>
           </p:cNvPr>
@@ -4143,7 +4143,7 @@
           <p:cNvPr id="5" name="Espaço Reservado para Texto 4">
             <a:extLst>
               <a:ext uri="{FF2B5EF4-FFF2-40B4-BE49-F238E27FC236}">
-                <a16:creationId xmlns="" xmlns:a16="http://schemas.microsoft.com/office/drawing/2014/main" id="{4CD109D0-2E83-4262-8029-A871CEC47406}"/>
+                <a16:creationId xmlns:a16="http://schemas.microsoft.com/office/drawing/2014/main" xmlns="" id="{4CD109D0-2E83-4262-8029-A871CEC47406}"/>
               </a:ext>
             </a:extLst>
           </p:cNvPr>
@@ -4214,7 +4214,7 @@
           <p:cNvPr id="6" name="Espaço Reservado para Conteúdo 5">
             <a:extLst>
               <a:ext uri="{FF2B5EF4-FFF2-40B4-BE49-F238E27FC236}">
-                <a16:creationId xmlns="" xmlns:a16="http://schemas.microsoft.com/office/drawing/2014/main" id="{AD706E3A-CFBB-4A6C-A65F-D0360A9E74FE}"/>
+                <a16:creationId xmlns:a16="http://schemas.microsoft.com/office/drawing/2014/main" xmlns="" id="{AD706E3A-CFBB-4A6C-A65F-D0360A9E74FE}"/>
               </a:ext>
             </a:extLst>
           </p:cNvPr>
@@ -4276,7 +4276,7 @@
           <p:cNvPr id="7" name="Espaço Reservado para Data 6">
             <a:extLst>
               <a:ext uri="{FF2B5EF4-FFF2-40B4-BE49-F238E27FC236}">
-                <a16:creationId xmlns="" xmlns:a16="http://schemas.microsoft.com/office/drawing/2014/main" id="{4172C0E5-5AF0-4805-BB51-443733CD2BD5}"/>
+                <a16:creationId xmlns:a16="http://schemas.microsoft.com/office/drawing/2014/main" xmlns="" id="{4172C0E5-5AF0-4805-BB51-443733CD2BD5}"/>
               </a:ext>
             </a:extLst>
           </p:cNvPr>
@@ -4294,7 +4294,7 @@
           <a:p>
             <a:fld id="{63289F7E-B80B-496E-81B4-D396C37C9454}" type="datetimeFigureOut">
               <a:rPr lang="pt-BR" smtClean="0"/>
-              <a:t>17/02/2023</a:t>
+              <a:t>24/02/2023</a:t>
             </a:fld>
             <a:endParaRPr lang="pt-BR"/>
           </a:p>
@@ -4305,7 +4305,7 @@
           <p:cNvPr id="8" name="Espaço Reservado para Rodapé 7">
             <a:extLst>
               <a:ext uri="{FF2B5EF4-FFF2-40B4-BE49-F238E27FC236}">
-                <a16:creationId xmlns="" xmlns:a16="http://schemas.microsoft.com/office/drawing/2014/main" id="{0E801648-156F-497E-99CF-797DF48051E1}"/>
+                <a16:creationId xmlns:a16="http://schemas.microsoft.com/office/drawing/2014/main" xmlns="" id="{0E801648-156F-497E-99CF-797DF48051E1}"/>
               </a:ext>
             </a:extLst>
           </p:cNvPr>
@@ -4330,7 +4330,7 @@
           <p:cNvPr id="9" name="Espaço Reservado para Número de Slide 8">
             <a:extLst>
               <a:ext uri="{FF2B5EF4-FFF2-40B4-BE49-F238E27FC236}">
-                <a16:creationId xmlns="" xmlns:a16="http://schemas.microsoft.com/office/drawing/2014/main" id="{EEE23D32-80E7-4796-A137-66BF842E4B53}"/>
+                <a16:creationId xmlns:a16="http://schemas.microsoft.com/office/drawing/2014/main" xmlns="" id="{EEE23D32-80E7-4796-A137-66BF842E4B53}"/>
               </a:ext>
             </a:extLst>
           </p:cNvPr>
@@ -4389,7 +4389,7 @@
           <p:cNvPr id="2" name="Título 1">
             <a:extLst>
               <a:ext uri="{FF2B5EF4-FFF2-40B4-BE49-F238E27FC236}">
-                <a16:creationId xmlns="" xmlns:a16="http://schemas.microsoft.com/office/drawing/2014/main" id="{2BCE2379-C78F-47E1-8CFC-B846E7AF148D}"/>
+                <a16:creationId xmlns:a16="http://schemas.microsoft.com/office/drawing/2014/main" xmlns="" id="{2BCE2379-C78F-47E1-8CFC-B846E7AF148D}"/>
               </a:ext>
             </a:extLst>
           </p:cNvPr>
@@ -4417,7 +4417,7 @@
           <p:cNvPr id="3" name="Espaço Reservado para Data 2">
             <a:extLst>
               <a:ext uri="{FF2B5EF4-FFF2-40B4-BE49-F238E27FC236}">
-                <a16:creationId xmlns="" xmlns:a16="http://schemas.microsoft.com/office/drawing/2014/main" id="{342600A9-7F92-4E22-9D94-E4717252A817}"/>
+                <a16:creationId xmlns:a16="http://schemas.microsoft.com/office/drawing/2014/main" xmlns="" id="{342600A9-7F92-4E22-9D94-E4717252A817}"/>
               </a:ext>
             </a:extLst>
           </p:cNvPr>
@@ -4435,7 +4435,7 @@
           <a:p>
             <a:fld id="{63289F7E-B80B-496E-81B4-D396C37C9454}" type="datetimeFigureOut">
               <a:rPr lang="pt-BR" smtClean="0"/>
-              <a:t>17/02/2023</a:t>
+              <a:t>24/02/2023</a:t>
             </a:fld>
             <a:endParaRPr lang="pt-BR"/>
           </a:p>
@@ -4446,7 +4446,7 @@
           <p:cNvPr id="4" name="Espaço Reservado para Rodapé 3">
             <a:extLst>
               <a:ext uri="{FF2B5EF4-FFF2-40B4-BE49-F238E27FC236}">
-                <a16:creationId xmlns="" xmlns:a16="http://schemas.microsoft.com/office/drawing/2014/main" id="{192E6BED-F546-40CC-A2DF-99CBA853654E}"/>
+                <a16:creationId xmlns:a16="http://schemas.microsoft.com/office/drawing/2014/main" xmlns="" id="{192E6BED-F546-40CC-A2DF-99CBA853654E}"/>
               </a:ext>
             </a:extLst>
           </p:cNvPr>
@@ -4471,7 +4471,7 @@
           <p:cNvPr id="5" name="Espaço Reservado para Número de Slide 4">
             <a:extLst>
               <a:ext uri="{FF2B5EF4-FFF2-40B4-BE49-F238E27FC236}">
-                <a16:creationId xmlns="" xmlns:a16="http://schemas.microsoft.com/office/drawing/2014/main" id="{6091CC40-A8C4-4063-80EB-CC5099621678}"/>
+                <a16:creationId xmlns:a16="http://schemas.microsoft.com/office/drawing/2014/main" xmlns="" id="{6091CC40-A8C4-4063-80EB-CC5099621678}"/>
               </a:ext>
             </a:extLst>
           </p:cNvPr>
@@ -4530,7 +4530,7 @@
           <p:cNvPr id="2" name="Espaço Reservado para Data 1">
             <a:extLst>
               <a:ext uri="{FF2B5EF4-FFF2-40B4-BE49-F238E27FC236}">
-                <a16:creationId xmlns="" xmlns:a16="http://schemas.microsoft.com/office/drawing/2014/main" id="{DD19515C-212C-4EAE-84A3-8FF4BC844F1B}"/>
+                <a16:creationId xmlns:a16="http://schemas.microsoft.com/office/drawing/2014/main" xmlns="" id="{DD19515C-212C-4EAE-84A3-8FF4BC844F1B}"/>
               </a:ext>
             </a:extLst>
           </p:cNvPr>
@@ -4548,7 +4548,7 @@
           <a:p>
             <a:fld id="{63289F7E-B80B-496E-81B4-D396C37C9454}" type="datetimeFigureOut">
               <a:rPr lang="pt-BR" smtClean="0"/>
-              <a:t>17/02/2023</a:t>
+              <a:t>24/02/2023</a:t>
             </a:fld>
             <a:endParaRPr lang="pt-BR"/>
           </a:p>
@@ -4559,7 +4559,7 @@
           <p:cNvPr id="3" name="Espaço Reservado para Rodapé 2">
             <a:extLst>
               <a:ext uri="{FF2B5EF4-FFF2-40B4-BE49-F238E27FC236}">
-                <a16:creationId xmlns="" xmlns:a16="http://schemas.microsoft.com/office/drawing/2014/main" id="{94D3D120-B3E8-4C96-861D-7A4F12F49B3A}"/>
+                <a16:creationId xmlns:a16="http://schemas.microsoft.com/office/drawing/2014/main" xmlns="" id="{94D3D120-B3E8-4C96-861D-7A4F12F49B3A}"/>
               </a:ext>
             </a:extLst>
           </p:cNvPr>
@@ -4584,7 +4584,7 @@
           <p:cNvPr id="4" name="Espaço Reservado para Número de Slide 3">
             <a:extLst>
               <a:ext uri="{FF2B5EF4-FFF2-40B4-BE49-F238E27FC236}">
-                <a16:creationId xmlns="" xmlns:a16="http://schemas.microsoft.com/office/drawing/2014/main" id="{42E49B68-FA1B-468B-9F17-D5C09243D454}"/>
+                <a16:creationId xmlns:a16="http://schemas.microsoft.com/office/drawing/2014/main" xmlns="" id="{42E49B68-FA1B-468B-9F17-D5C09243D454}"/>
               </a:ext>
             </a:extLst>
           </p:cNvPr>
@@ -4643,7 +4643,7 @@
           <p:cNvPr id="2" name="Título 1">
             <a:extLst>
               <a:ext uri="{FF2B5EF4-FFF2-40B4-BE49-F238E27FC236}">
-                <a16:creationId xmlns="" xmlns:a16="http://schemas.microsoft.com/office/drawing/2014/main" id="{1C17BCBE-A897-4319-85EC-D87909C24980}"/>
+                <a16:creationId xmlns:a16="http://schemas.microsoft.com/office/drawing/2014/main" xmlns="" id="{1C17BCBE-A897-4319-85EC-D87909C24980}"/>
               </a:ext>
             </a:extLst>
           </p:cNvPr>
@@ -4680,7 +4680,7 @@
           <p:cNvPr id="3" name="Espaço Reservado para Conteúdo 2">
             <a:extLst>
               <a:ext uri="{FF2B5EF4-FFF2-40B4-BE49-F238E27FC236}">
-                <a16:creationId xmlns="" xmlns:a16="http://schemas.microsoft.com/office/drawing/2014/main" id="{4226F885-0204-4913-868B-4B8B82576F17}"/>
+                <a16:creationId xmlns:a16="http://schemas.microsoft.com/office/drawing/2014/main" xmlns="" id="{4226F885-0204-4913-868B-4B8B82576F17}"/>
               </a:ext>
             </a:extLst>
           </p:cNvPr>
@@ -4770,7 +4770,7 @@
           <p:cNvPr id="4" name="Espaço Reservado para Texto 3">
             <a:extLst>
               <a:ext uri="{FF2B5EF4-FFF2-40B4-BE49-F238E27FC236}">
-                <a16:creationId xmlns="" xmlns:a16="http://schemas.microsoft.com/office/drawing/2014/main" id="{00F9F784-A858-441B-8AB5-697098141751}"/>
+                <a16:creationId xmlns:a16="http://schemas.microsoft.com/office/drawing/2014/main" xmlns="" id="{00F9F784-A858-441B-8AB5-697098141751}"/>
               </a:ext>
             </a:extLst>
           </p:cNvPr>
@@ -4841,7 +4841,7 @@
           <p:cNvPr id="5" name="Espaço Reservado para Data 4">
             <a:extLst>
               <a:ext uri="{FF2B5EF4-FFF2-40B4-BE49-F238E27FC236}">
-                <a16:creationId xmlns="" xmlns:a16="http://schemas.microsoft.com/office/drawing/2014/main" id="{A4DC363A-5000-472E-8B17-02E7DCB8840A}"/>
+                <a16:creationId xmlns:a16="http://schemas.microsoft.com/office/drawing/2014/main" xmlns="" id="{A4DC363A-5000-472E-8B17-02E7DCB8840A}"/>
               </a:ext>
             </a:extLst>
           </p:cNvPr>
@@ -4859,7 +4859,7 @@
           <a:p>
             <a:fld id="{63289F7E-B80B-496E-81B4-D396C37C9454}" type="datetimeFigureOut">
               <a:rPr lang="pt-BR" smtClean="0"/>
-              <a:t>17/02/2023</a:t>
+              <a:t>24/02/2023</a:t>
             </a:fld>
             <a:endParaRPr lang="pt-BR"/>
           </a:p>
@@ -4870,7 +4870,7 @@
           <p:cNvPr id="6" name="Espaço Reservado para Rodapé 5">
             <a:extLst>
               <a:ext uri="{FF2B5EF4-FFF2-40B4-BE49-F238E27FC236}">
-                <a16:creationId xmlns="" xmlns:a16="http://schemas.microsoft.com/office/drawing/2014/main" id="{5548425D-2C21-4C56-BAD4-662978775C28}"/>
+                <a16:creationId xmlns:a16="http://schemas.microsoft.com/office/drawing/2014/main" xmlns="" id="{5548425D-2C21-4C56-BAD4-662978775C28}"/>
               </a:ext>
             </a:extLst>
           </p:cNvPr>
@@ -4895,7 +4895,7 @@
           <p:cNvPr id="7" name="Espaço Reservado para Número de Slide 6">
             <a:extLst>
               <a:ext uri="{FF2B5EF4-FFF2-40B4-BE49-F238E27FC236}">
-                <a16:creationId xmlns="" xmlns:a16="http://schemas.microsoft.com/office/drawing/2014/main" id="{C63E9726-E64C-42B2-AE8A-8C235A956B48}"/>
+                <a16:creationId xmlns:a16="http://schemas.microsoft.com/office/drawing/2014/main" xmlns="" id="{C63E9726-E64C-42B2-AE8A-8C235A956B48}"/>
               </a:ext>
             </a:extLst>
           </p:cNvPr>
@@ -4954,7 +4954,7 @@
           <p:cNvPr id="2" name="Título 1">
             <a:extLst>
               <a:ext uri="{FF2B5EF4-FFF2-40B4-BE49-F238E27FC236}">
-                <a16:creationId xmlns="" xmlns:a16="http://schemas.microsoft.com/office/drawing/2014/main" id="{11086A78-3E74-450C-96A6-CA8AC37AF772}"/>
+                <a16:creationId xmlns:a16="http://schemas.microsoft.com/office/drawing/2014/main" xmlns="" id="{11086A78-3E74-450C-96A6-CA8AC37AF772}"/>
               </a:ext>
             </a:extLst>
           </p:cNvPr>
@@ -4991,7 +4991,7 @@
           <p:cNvPr id="3" name="Espaço Reservado para Imagem 2">
             <a:extLst>
               <a:ext uri="{FF2B5EF4-FFF2-40B4-BE49-F238E27FC236}">
-                <a16:creationId xmlns="" xmlns:a16="http://schemas.microsoft.com/office/drawing/2014/main" id="{5F5B7312-975A-4DBC-9B2F-3652ADA006FD}"/>
+                <a16:creationId xmlns:a16="http://schemas.microsoft.com/office/drawing/2014/main" xmlns="" id="{5F5B7312-975A-4DBC-9B2F-3652ADA006FD}"/>
               </a:ext>
             </a:extLst>
           </p:cNvPr>
@@ -5058,7 +5058,7 @@
           <p:cNvPr id="4" name="Espaço Reservado para Texto 3">
             <a:extLst>
               <a:ext uri="{FF2B5EF4-FFF2-40B4-BE49-F238E27FC236}">
-                <a16:creationId xmlns="" xmlns:a16="http://schemas.microsoft.com/office/drawing/2014/main" id="{AAF805F5-1DFF-41C6-944C-7D79FE0D0963}"/>
+                <a16:creationId xmlns:a16="http://schemas.microsoft.com/office/drawing/2014/main" xmlns="" id="{AAF805F5-1DFF-41C6-944C-7D79FE0D0963}"/>
               </a:ext>
             </a:extLst>
           </p:cNvPr>
@@ -5129,7 +5129,7 @@
           <p:cNvPr id="5" name="Espaço Reservado para Data 4">
             <a:extLst>
               <a:ext uri="{FF2B5EF4-FFF2-40B4-BE49-F238E27FC236}">
-                <a16:creationId xmlns="" xmlns:a16="http://schemas.microsoft.com/office/drawing/2014/main" id="{02113D81-8665-4516-BD81-C6A1F254EECD}"/>
+                <a16:creationId xmlns:a16="http://schemas.microsoft.com/office/drawing/2014/main" xmlns="" id="{02113D81-8665-4516-BD81-C6A1F254EECD}"/>
               </a:ext>
             </a:extLst>
           </p:cNvPr>
@@ -5147,7 +5147,7 @@
           <a:p>
             <a:fld id="{63289F7E-B80B-496E-81B4-D396C37C9454}" type="datetimeFigureOut">
               <a:rPr lang="pt-BR" smtClean="0"/>
-              <a:t>17/02/2023</a:t>
+              <a:t>24/02/2023</a:t>
             </a:fld>
             <a:endParaRPr lang="pt-BR"/>
           </a:p>
@@ -5158,7 +5158,7 @@
           <p:cNvPr id="6" name="Espaço Reservado para Rodapé 5">
             <a:extLst>
               <a:ext uri="{FF2B5EF4-FFF2-40B4-BE49-F238E27FC236}">
-                <a16:creationId xmlns="" xmlns:a16="http://schemas.microsoft.com/office/drawing/2014/main" id="{2B00C88B-FF32-40AA-A187-727D96FD7862}"/>
+                <a16:creationId xmlns:a16="http://schemas.microsoft.com/office/drawing/2014/main" xmlns="" id="{2B00C88B-FF32-40AA-A187-727D96FD7862}"/>
               </a:ext>
             </a:extLst>
           </p:cNvPr>
@@ -5183,7 +5183,7 @@
           <p:cNvPr id="7" name="Espaço Reservado para Número de Slide 6">
             <a:extLst>
               <a:ext uri="{FF2B5EF4-FFF2-40B4-BE49-F238E27FC236}">
-                <a16:creationId xmlns="" xmlns:a16="http://schemas.microsoft.com/office/drawing/2014/main" id="{A04D1A2D-69F7-4B8F-A730-BC26DC340BA6}"/>
+                <a16:creationId xmlns:a16="http://schemas.microsoft.com/office/drawing/2014/main" xmlns="" id="{A04D1A2D-69F7-4B8F-A730-BC26DC340BA6}"/>
               </a:ext>
             </a:extLst>
           </p:cNvPr>
@@ -5247,7 +5247,7 @@
           <p:cNvPr id="2" name="Espaço Reservado para Título 1">
             <a:extLst>
               <a:ext uri="{FF2B5EF4-FFF2-40B4-BE49-F238E27FC236}">
-                <a16:creationId xmlns="" xmlns:a16="http://schemas.microsoft.com/office/drawing/2014/main" id="{E69A0273-1966-4A1B-9370-4C1CE5036371}"/>
+                <a16:creationId xmlns:a16="http://schemas.microsoft.com/office/drawing/2014/main" xmlns="" id="{E69A0273-1966-4A1B-9370-4C1CE5036371}"/>
               </a:ext>
             </a:extLst>
           </p:cNvPr>
@@ -5285,7 +5285,7 @@
           <p:cNvPr id="3" name="Espaço Reservado para Texto 2">
             <a:extLst>
               <a:ext uri="{FF2B5EF4-FFF2-40B4-BE49-F238E27FC236}">
-                <a16:creationId xmlns="" xmlns:a16="http://schemas.microsoft.com/office/drawing/2014/main" id="{3B9CF87A-0448-49A7-AB25-EBC1D56A40EF}"/>
+                <a16:creationId xmlns:a16="http://schemas.microsoft.com/office/drawing/2014/main" xmlns="" id="{3B9CF87A-0448-49A7-AB25-EBC1D56A40EF}"/>
               </a:ext>
             </a:extLst>
           </p:cNvPr>
@@ -5352,7 +5352,7 @@
           <p:cNvPr id="4" name="Espaço Reservado para Data 3">
             <a:extLst>
               <a:ext uri="{FF2B5EF4-FFF2-40B4-BE49-F238E27FC236}">
-                <a16:creationId xmlns="" xmlns:a16="http://schemas.microsoft.com/office/drawing/2014/main" id="{2EF7B1F2-BB5A-44D0-816D-16AD2C71430E}"/>
+                <a16:creationId xmlns:a16="http://schemas.microsoft.com/office/drawing/2014/main" xmlns="" id="{2EF7B1F2-BB5A-44D0-816D-16AD2C71430E}"/>
               </a:ext>
             </a:extLst>
           </p:cNvPr>
@@ -5388,7 +5388,7 @@
           <a:p>
             <a:fld id="{63289F7E-B80B-496E-81B4-D396C37C9454}" type="datetimeFigureOut">
               <a:rPr lang="pt-BR" smtClean="0"/>
-              <a:t>17/02/2023</a:t>
+              <a:t>24/02/2023</a:t>
             </a:fld>
             <a:endParaRPr lang="pt-BR"/>
           </a:p>
@@ -5399,7 +5399,7 @@
           <p:cNvPr id="5" name="Espaço Reservado para Rodapé 4">
             <a:extLst>
               <a:ext uri="{FF2B5EF4-FFF2-40B4-BE49-F238E27FC236}">
-                <a16:creationId xmlns="" xmlns:a16="http://schemas.microsoft.com/office/drawing/2014/main" id="{C703F94C-2CC8-4DAA-BC35-14FC3E841DCD}"/>
+                <a16:creationId xmlns:a16="http://schemas.microsoft.com/office/drawing/2014/main" xmlns="" id="{C703F94C-2CC8-4DAA-BC35-14FC3E841DCD}"/>
               </a:ext>
             </a:extLst>
           </p:cNvPr>
@@ -5442,7 +5442,7 @@
           <p:cNvPr id="6" name="Espaço Reservado para Número de Slide 5">
             <a:extLst>
               <a:ext uri="{FF2B5EF4-FFF2-40B4-BE49-F238E27FC236}">
-                <a16:creationId xmlns="" xmlns:a16="http://schemas.microsoft.com/office/drawing/2014/main" id="{64051336-7048-457A-8B61-D94291D71648}"/>
+                <a16:creationId xmlns:a16="http://schemas.microsoft.com/office/drawing/2014/main" xmlns="" id="{64051336-7048-457A-8B61-D94291D71648}"/>
               </a:ext>
             </a:extLst>
           </p:cNvPr>
@@ -5810,7 +5810,7 @@
           <p:cNvPr id="2" name="Título 1">
             <a:extLst>
               <a:ext uri="{FF2B5EF4-FFF2-40B4-BE49-F238E27FC236}">
-                <a16:creationId xmlns="" xmlns:a16="http://schemas.microsoft.com/office/drawing/2014/main" id="{32666AC8-2E17-4DB4-B0F5-60C640CCFD2E}"/>
+                <a16:creationId xmlns:a16="http://schemas.microsoft.com/office/drawing/2014/main" xmlns="" id="{32666AC8-2E17-4DB4-B0F5-60C640CCFD2E}"/>
               </a:ext>
             </a:extLst>
           </p:cNvPr>
@@ -5856,7 +5856,7 @@
           <p:cNvPr id="4" name="CaixaDeTexto 3">
             <a:extLst>
               <a:ext uri="{FF2B5EF4-FFF2-40B4-BE49-F238E27FC236}">
-                <a16:creationId xmlns="" xmlns:a16="http://schemas.microsoft.com/office/drawing/2014/main" id="{430EB894-B7D4-434C-9D1A-A14094D9BEEC}"/>
+                <a16:creationId xmlns:a16="http://schemas.microsoft.com/office/drawing/2014/main" xmlns="" id="{430EB894-B7D4-434C-9D1A-A14094D9BEEC}"/>
               </a:ext>
             </a:extLst>
           </p:cNvPr>
@@ -5897,7 +5897,7 @@
           <p:cNvPr id="1026" name="Picture 2" descr="Logo">
             <a:extLst>
               <a:ext uri="{FF2B5EF4-FFF2-40B4-BE49-F238E27FC236}">
-                <a16:creationId xmlns="" xmlns:a16="http://schemas.microsoft.com/office/drawing/2014/main" id="{3F2642E0-4F6A-4196-8F58-E77D36E9A33F}"/>
+                <a16:creationId xmlns:a16="http://schemas.microsoft.com/office/drawing/2014/main" xmlns="" id="{3F2642E0-4F6A-4196-8F58-E77D36E9A33F}"/>
               </a:ext>
             </a:extLst>
           </p:cNvPr>
@@ -5942,7 +5942,7 @@
           <p:cNvPr id="5122" name="Picture 2" descr="Image result for machine learning">
             <a:extLst>
               <a:ext uri="{FF2B5EF4-FFF2-40B4-BE49-F238E27FC236}">
-                <a16:creationId xmlns="" xmlns:a16="http://schemas.microsoft.com/office/drawing/2014/main" id="{810CE0A2-4102-44A6-A370-175E7896CDCB}"/>
+                <a16:creationId xmlns:a16="http://schemas.microsoft.com/office/drawing/2014/main" xmlns="" id="{810CE0A2-4102-44A6-A370-175E7896CDCB}"/>
               </a:ext>
             </a:extLst>
           </p:cNvPr>
@@ -6022,7 +6022,12 @@
             <p:ph type="title"/>
           </p:nvPr>
         </p:nvSpPr>
-        <p:spPr/>
+        <p:spPr>
+          <a:xfrm>
+            <a:off x="838200" y="365125"/>
+            <a:ext cx="10515600" cy="1006475"/>
+          </a:xfrm>
+        </p:spPr>
         <p:txBody>
           <a:bodyPr/>
           <a:lstStyle/>
@@ -6034,8 +6039,8 @@
           </a:p>
         </p:txBody>
       </p:sp>
-      <mc:AlternateContent xmlns:mc="http://schemas.openxmlformats.org/markup-compatibility/2006" xmlns:a14="http://schemas.microsoft.com/office/drawing/2010/main">
-        <mc:Choice Requires="a14">
+      <mc:AlternateContent xmlns:mc="http://schemas.openxmlformats.org/markup-compatibility/2006">
+        <mc:Choice xmlns:a14="http://schemas.microsoft.com/office/drawing/2010/main" Requires="a14">
           <p:sp>
             <p:nvSpPr>
               <p:cNvPr id="3" name="Content Placeholder 2"/>
@@ -6048,8 +6053,8 @@
             </p:nvSpPr>
             <p:spPr>
               <a:xfrm>
-                <a:off x="838199" y="1911926"/>
-                <a:ext cx="11209421" cy="4946073"/>
+                <a:off x="838199" y="1690688"/>
+                <a:ext cx="11209421" cy="5167311"/>
               </a:xfrm>
             </p:spPr>
             <p:txBody>
@@ -6141,8 +6146,8 @@
               </a:p>
               <a:p>
                 <a:r>
-                  <a:rPr lang="pt-BR" dirty="0"/>
-                  <a:t>Nesse caso, a </a:t>
+                  <a:rPr lang="pt-BR" dirty="0" smtClean="0"/>
+                  <a:t>Quando as classes se sobrepõem, a </a:t>
                 </a:r>
                 <a:r>
                   <a:rPr lang="pt-BR" b="1" i="1" dirty="0"/>
@@ -6155,8 +6160,20 @@
               </a:p>
               <a:p>
                 <a:r>
-                  <a:rPr lang="pt-BR" dirty="0"/>
-                  <a:t>Em geral, essa regra não converge para uma solução estável para valores fixos do </a:t>
+                  <a:rPr lang="pt-BR" dirty="0" smtClean="0"/>
+                  <a:t>Nesse caso, a regra </a:t>
+                </a:r>
+                <a:r>
+                  <a:rPr lang="pt-BR" dirty="0"/>
+                  <a:t>não converge para uma solução </a:t>
+                </a:r>
+                <a:r>
+                  <a:rPr lang="pt-BR" b="1" i="1" dirty="0"/>
+                  <a:t>estável</a:t>
+                </a:r>
+                <a:r>
+                  <a:rPr lang="pt-BR" dirty="0"/>
+                  <a:t> para valores fixos do </a:t>
                 </a:r>
                 <a:r>
                   <a:rPr lang="pt-BR" b="1" i="1" dirty="0"/>
@@ -6178,8 +6195,18 @@
                   </m:oMath>
                 </a14:m>
                 <a:r>
-                  <a:rPr lang="pt-BR" dirty="0"/>
-                  <a:t>, mas se </a:t>
+                  <a:rPr lang="pt-BR" dirty="0" smtClean="0"/>
+                  <a:t>, assim como acontece com o GDE.</a:t>
+                </a:r>
+              </a:p>
+              <a:p>
+                <a:r>
+                  <a:rPr lang="pt-BR" dirty="0" smtClean="0"/>
+                  <a:t>Porém, </a:t>
+                </a:r>
+                <a:r>
+                  <a:rPr lang="pt-BR" dirty="0"/>
+                  <a:t>se </a:t>
                 </a:r>
                 <a14:m>
                   <m:oMath xmlns:m="http://schemas.openxmlformats.org/officeDocument/2006/math">
@@ -6194,7 +6221,15 @@
                 </a14:m>
                 <a:r>
                   <a:rPr lang="pt-BR" dirty="0"/>
-                  <a:t> decresce de acordo com as iterações, então a regra tem uma chance de convergir para uma solução de erro mínimo quando os exemplos são apresentados de forma aleatória.</a:t>
+                  <a:t> decresce de acordo com as </a:t>
+                </a:r>
+                <a:r>
+                  <a:rPr lang="pt-BR" dirty="0" smtClean="0"/>
+                  <a:t>iterações de treinamento, </a:t>
+                </a:r>
+                <a:r>
+                  <a:rPr lang="pt-BR" dirty="0"/>
+                  <a:t>então a regra tem uma chance de convergir para uma solução de erro mínimo quando os exemplos são apresentados de forma aleatória.</a:t>
                 </a:r>
               </a:p>
               <a:p>
@@ -6222,7 +6257,7 @@
             </p:txBody>
           </p:sp>
         </mc:Choice>
-        <mc:Fallback xmlns="">
+        <mc:Fallback>
           <p:sp>
             <p:nvSpPr>
               <p:cNvPr id="3" name="Content Placeholder 2"/>
@@ -6235,13 +6270,13 @@
             </p:nvSpPr>
             <p:spPr>
               <a:xfrm>
-                <a:off x="838199" y="1911926"/>
-                <a:ext cx="11209421" cy="4946073"/>
+                <a:off x="838199" y="1690688"/>
+                <a:ext cx="11209421" cy="5167311"/>
               </a:xfrm>
               <a:blipFill rotWithShape="0">
                 <a:blip r:embed="rId3"/>
                 <a:stretch>
-                  <a:fillRect l="-707" t="-2836" r="-1142"/>
+                  <a:fillRect l="-707" t="-2712" r="-489"/>
                 </a:stretch>
               </a:blipFill>
             </p:spPr>
@@ -6350,8 +6385,8 @@
           </a:p>
         </p:txBody>
       </p:sp>
-      <mc:AlternateContent xmlns:mc="http://schemas.openxmlformats.org/markup-compatibility/2006" xmlns:a14="http://schemas.microsoft.com/office/drawing/2010/main">
-        <mc:Choice Requires="a14">
+      <mc:AlternateContent xmlns:mc="http://schemas.openxmlformats.org/markup-compatibility/2006">
+        <mc:Choice xmlns:a14="http://schemas.microsoft.com/office/drawing/2010/main" Requires="a14">
           <p:sp>
             <p:nvSpPr>
               <p:cNvPr id="3" name="Content Placeholder 2"/>
@@ -6397,8 +6432,12 @@
               </a:p>
               <a:p>
                 <a:r>
-                  <a:rPr lang="pt-BR" dirty="0"/>
-                  <a:t>No exemplo ao lado, dois exemplos estão bem próximos da </a:t>
+                  <a:rPr lang="pt-BR" dirty="0" smtClean="0"/>
+                  <a:t>Na figura ao </a:t>
+                </a:r>
+                <a:r>
+                  <a:rPr lang="pt-BR" dirty="0"/>
+                  <a:t>lado, dois exemplos estão bem próximos da </a:t>
                 </a:r>
                 <a:r>
                   <a:rPr lang="pt-BR" b="1" i="1" dirty="0"/>
@@ -6472,7 +6511,7 @@
             </p:txBody>
           </p:sp>
         </mc:Choice>
-        <mc:Fallback xmlns="">
+        <mc:Fallback>
           <p:sp>
             <p:nvSpPr>
               <p:cNvPr id="3" name="Content Placeholder 2"/>
@@ -6488,7 +6527,7 @@
                 <a:off x="838199" y="1825624"/>
                 <a:ext cx="7785295" cy="5032376"/>
               </a:xfrm>
-              <a:blipFill>
+              <a:blipFill rotWithShape="0">
                 <a:blip r:embed="rId2"/>
                 <a:stretch>
                   <a:fillRect l="-1174" t="-2421"/>
@@ -6916,7 +6955,7 @@
           <p:cNvPr id="4" name="Título 1">
             <a:extLst>
               <a:ext uri="{FF2B5EF4-FFF2-40B4-BE49-F238E27FC236}">
-                <a16:creationId xmlns="" xmlns:a16="http://schemas.microsoft.com/office/drawing/2014/main" id="{32666AC8-2E17-4DB4-B0F5-60C640CCFD2E}"/>
+                <a16:creationId xmlns:a16="http://schemas.microsoft.com/office/drawing/2014/main" xmlns="" id="{32666AC8-2E17-4DB4-B0F5-60C640CCFD2E}"/>
               </a:ext>
             </a:extLst>
           </p:cNvPr>
@@ -11028,8 +11067,8 @@
           </a:p>
         </p:txBody>
       </p:sp>
-      <mc:AlternateContent xmlns:mc="http://schemas.openxmlformats.org/markup-compatibility/2006">
-        <mc:Choice xmlns:a14="http://schemas.microsoft.com/office/drawing/2010/main" Requires="a14">
+      <mc:AlternateContent xmlns:mc="http://schemas.openxmlformats.org/markup-compatibility/2006" xmlns:a14="http://schemas.microsoft.com/office/drawing/2010/main">
+        <mc:Choice Requires="a14">
           <p:sp>
             <p:nvSpPr>
               <p:cNvPr id="3" name="Content Placeholder 2"/>
@@ -12541,7 +12580,7 @@
             </p:txBody>
           </p:sp>
         </mc:Choice>
-        <mc:Fallback>
+        <mc:Fallback xmlns="">
           <p:sp>
             <p:nvSpPr>
               <p:cNvPr id="3" name="Content Placeholder 2"/>
@@ -13054,7 +13093,19 @@
                 </a:r>
                 <a:r>
                   <a:rPr lang="pt-BR" dirty="0" smtClean="0"/>
-                  <a:t> de forma matemática?</a:t>
+                  <a:t> </a:t>
+                </a:r>
+                <a:r>
+                  <a:rPr lang="pt-BR" dirty="0" smtClean="0"/>
+                  <a:t>através de uma função </a:t>
+                </a:r>
+                <a:r>
+                  <a:rPr lang="pt-BR" dirty="0" smtClean="0"/>
+                  <a:t>matemática</a:t>
+                </a:r>
+                <a:r>
+                  <a:rPr lang="pt-BR" dirty="0" smtClean="0"/>
+                  <a:t>?</a:t>
                 </a:r>
                 <a:endParaRPr lang="pt-BR" dirty="0"/>
               </a:p>
@@ -13961,8 +14012,8 @@
           </a:p>
         </p:txBody>
       </p:sp>
-      <mc:AlternateContent xmlns:mc="http://schemas.openxmlformats.org/markup-compatibility/2006">
-        <mc:Choice xmlns:a14="http://schemas.microsoft.com/office/drawing/2010/main" Requires="a14">
+      <mc:AlternateContent xmlns:mc="http://schemas.openxmlformats.org/markup-compatibility/2006" xmlns:a14="http://schemas.microsoft.com/office/drawing/2010/main">
+        <mc:Choice Requires="a14">
           <p:sp>
             <p:nvSpPr>
               <p:cNvPr id="3" name="Content Placeholder 2"/>
@@ -14302,7 +14353,7 @@
             </p:txBody>
           </p:sp>
         </mc:Choice>
-        <mc:Fallback>
+        <mc:Fallback xmlns="">
           <p:sp>
             <p:nvSpPr>
               <p:cNvPr id="3" name="Content Placeholder 2"/>
@@ -14441,11 +14492,19 @@
               <a:p>
                 <a:r>
                   <a:rPr lang="pt-BR" dirty="0"/>
-                  <a:t>Uma possível abordagem para o problema da aprendizagem quando utilizamos um </a:t>
+                  <a:t>Uma possível abordagem para o problema da aprendizagem quando utilizamos </a:t>
+                </a:r>
+                <a:r>
+                  <a:rPr lang="pt-BR" dirty="0" smtClean="0"/>
+                  <a:t>o </a:t>
+                </a:r>
+                <a:r>
+                  <a:rPr lang="pt-BR" b="1" i="1" dirty="0" smtClean="0"/>
+                  <a:t>limiar </a:t>
                 </a:r>
                 <a:r>
                   <a:rPr lang="pt-BR" b="1" i="1" dirty="0"/>
-                  <a:t>limiar de decisão rígido</a:t>
+                  <a:t>de decisão rígido</a:t>
                 </a:r>
                 <a:r>
                   <a:rPr lang="pt-BR" dirty="0"/>
@@ -14689,14 +14748,11 @@
                         <m:t>∀</m:t>
                       </m:r>
                       <m:r>
-                        <m:rPr>
-                          <m:sty m:val="p"/>
-                        </m:rPr>
-                        <a:rPr lang="pt-BR" b="0" i="0" smtClean="0">
+                        <a:rPr lang="pt-BR" i="1">
                           <a:latin typeface="Cambria Math" panose="02040503050406030204" pitchFamily="18" charset="0"/>
                           <a:ea typeface="Cambria Math" panose="02040503050406030204" pitchFamily="18" charset="0"/>
                         </a:rPr>
-                        <m:t>i</m:t>
+                        <m:t>𝑖</m:t>
                       </m:r>
                       <m:r>
                         <a:rPr lang="pt-BR" b="0" i="0" smtClean="0">
@@ -14871,8 +14927,8 @@
         </p:nvSpPr>
         <p:spPr>
           <a:xfrm>
-            <a:off x="9333932" y="2619825"/>
-            <a:ext cx="2019868" cy="738664"/>
+            <a:off x="8962456" y="3238950"/>
+            <a:ext cx="2543743" cy="461665"/>
           </a:xfrm>
           <a:prstGeom prst="rect">
             <a:avLst/>
@@ -14887,50 +14943,12 @@
           <a:p>
             <a:pPr algn="ctr"/>
             <a:r>
-              <a:rPr lang="pt-BR" sz="1400" dirty="0"/>
+              <a:rPr lang="pt-BR" sz="1200" dirty="0"/>
               <a:t>Os pesos são atualizados a cada novo exemplo, ou seja, amostra a amostra.</a:t>
             </a:r>
           </a:p>
         </p:txBody>
       </p:sp>
-      <p:cxnSp>
-        <p:nvCxnSpPr>
-          <p:cNvPr id="6" name="Straight Arrow Connector 5"/>
-          <p:cNvCxnSpPr>
-            <a:stCxn id="4" idx="1"/>
-          </p:cNvCxnSpPr>
-          <p:nvPr/>
-        </p:nvCxnSpPr>
-        <p:spPr>
-          <a:xfrm flipH="1">
-            <a:off x="7749766" y="2989157"/>
-            <a:ext cx="1584166" cy="324411"/>
-          </a:xfrm>
-          <a:prstGeom prst="straightConnector1">
-            <a:avLst/>
-          </a:prstGeom>
-          <a:ln>
-            <a:solidFill>
-              <a:srgbClr val="FF0000"/>
-            </a:solidFill>
-            <a:tailEnd type="triangle"/>
-          </a:ln>
-        </p:spPr>
-        <p:style>
-          <a:lnRef idx="1">
-            <a:schemeClr val="accent1"/>
-          </a:lnRef>
-          <a:fillRef idx="0">
-            <a:schemeClr val="accent1"/>
-          </a:fillRef>
-          <a:effectRef idx="0">
-            <a:schemeClr val="accent1"/>
-          </a:effectRef>
-          <a:fontRef idx="minor">
-            <a:schemeClr val="tx1"/>
-          </a:fontRef>
-        </p:style>
-      </p:cxnSp>
     </p:spTree>
     <p:extLst>
       <p:ext uri="{BB962C8B-B14F-4D97-AF65-F5344CB8AC3E}">
@@ -14983,8 +15001,8 @@
           </a:p>
         </p:txBody>
       </p:sp>
-      <mc:AlternateContent xmlns:mc="http://schemas.openxmlformats.org/markup-compatibility/2006" xmlns:a14="http://schemas.microsoft.com/office/drawing/2010/main">
-        <mc:Choice Requires="a14">
+      <mc:AlternateContent xmlns:mc="http://schemas.openxmlformats.org/markup-compatibility/2006">
+        <mc:Choice xmlns:a14="http://schemas.microsoft.com/office/drawing/2010/main" Requires="a14">
           <p:sp>
             <p:nvSpPr>
               <p:cNvPr id="3" name="Content Placeholder 2"/>
@@ -15008,7 +15026,7 @@
               <a:lstStyle/>
               <a:p>
                 <a:r>
-                  <a:rPr lang="pt-BR" dirty="0"/>
+                  <a:rPr lang="pt-BR" dirty="0" smtClean="0"/>
                   <a:t>Observem a equação de atualizaçao dos pesos</a:t>
                 </a:r>
               </a:p>
@@ -15644,7 +15662,48 @@
                 </a14:m>
                 <a:r>
                   <a:rPr lang="pt-BR" dirty="0"/>
-                  <a:t>, de tal forma que </a:t>
+                  <a:t>, de tal forma </a:t>
+                </a:r>
+                <a:r>
+                  <a:rPr lang="pt-BR" dirty="0" smtClean="0"/>
+                  <a:t>que </a:t>
+                </a:r>
+                <a14:m>
+                  <m:oMath xmlns:m="http://schemas.openxmlformats.org/officeDocument/2006/math">
+                    <m:r>
+                      <a:rPr lang="pt-BR" i="1">
+                        <a:latin typeface="Cambria Math" panose="02040503050406030204" pitchFamily="18" charset="0"/>
+                      </a:rPr>
+                      <m:t>𝑔</m:t>
+                    </m:r>
+                    <m:d>
+                      <m:dPr>
+                        <m:ctrlPr>
+                          <a:rPr lang="pt-BR" i="1">
+                            <a:latin typeface="Cambria Math" panose="02040503050406030204" pitchFamily="18" charset="0"/>
+                          </a:rPr>
+                        </m:ctrlPr>
+                      </m:dPr>
+                      <m:e>
+                        <m:r>
+                          <a:rPr lang="pt-BR" b="1" i="1">
+                            <a:latin typeface="Cambria Math" panose="02040503050406030204" pitchFamily="18" charset="0"/>
+                          </a:rPr>
+                          <m:t>𝒙</m:t>
+                        </m:r>
+                      </m:e>
+                    </m:d>
+                    <m:r>
+                      <a:rPr lang="pt-BR" b="0" i="0" smtClean="0">
+                        <a:latin typeface="Cambria Math" panose="02040503050406030204" pitchFamily="18" charset="0"/>
+                      </a:rPr>
+                      <m:t>&gt;0</m:t>
+                    </m:r>
+                  </m:oMath>
+                </a14:m>
+                <a:r>
+                  <a:rPr lang="pt-BR" dirty="0" smtClean="0"/>
+                  <a:t> e, consequentemente, </a:t>
                 </a:r>
                 <a14:m>
                   <m:oMath xmlns:m="http://schemas.openxmlformats.org/officeDocument/2006/math">
@@ -15992,7 +16051,58 @@
                 </a14:m>
                 <a:r>
                   <a:rPr lang="pt-BR" dirty="0"/>
-                  <a:t>, de tal forma que </a:t>
+                  <a:t>, de tal forma </a:t>
+                </a:r>
+                <a:r>
+                  <a:rPr lang="pt-BR" dirty="0" smtClean="0"/>
+                  <a:t>que </a:t>
+                </a:r>
+                <a14:m>
+                  <m:oMath xmlns:m="http://schemas.openxmlformats.org/officeDocument/2006/math">
+                    <m:r>
+                      <a:rPr lang="pt-BR" i="1">
+                        <a:latin typeface="Cambria Math" panose="02040503050406030204" pitchFamily="18" charset="0"/>
+                      </a:rPr>
+                      <m:t>𝑔</m:t>
+                    </m:r>
+                    <m:d>
+                      <m:dPr>
+                        <m:ctrlPr>
+                          <a:rPr lang="pt-BR" i="1">
+                            <a:latin typeface="Cambria Math" panose="02040503050406030204" pitchFamily="18" charset="0"/>
+                          </a:rPr>
+                        </m:ctrlPr>
+                      </m:dPr>
+                      <m:e>
+                        <m:r>
+                          <a:rPr lang="pt-BR" b="1" i="1">
+                            <a:latin typeface="Cambria Math" panose="02040503050406030204" pitchFamily="18" charset="0"/>
+                          </a:rPr>
+                          <m:t>𝒙</m:t>
+                        </m:r>
+                      </m:e>
+                    </m:d>
+                    <m:r>
+                      <a:rPr lang="pt-BR" b="0" i="0" smtClean="0">
+                        <a:latin typeface="Cambria Math" panose="02040503050406030204" pitchFamily="18" charset="0"/>
+                      </a:rPr>
+                      <m:t>&lt;</m:t>
+                    </m:r>
+                    <m:r>
+                      <a:rPr lang="pt-BR">
+                        <a:latin typeface="Cambria Math" panose="02040503050406030204" pitchFamily="18" charset="0"/>
+                      </a:rPr>
+                      <m:t>0</m:t>
+                    </m:r>
+                  </m:oMath>
+                </a14:m>
+                <a:r>
+                  <a:rPr lang="pt-BR" dirty="0"/>
+                  <a:t> e, consequentemente,</a:t>
+                </a:r>
+                <a:r>
+                  <a:rPr lang="pt-BR" dirty="0" smtClean="0"/>
+                  <a:t> </a:t>
                 </a:r>
                 <a14:m>
                   <m:oMath xmlns:m="http://schemas.openxmlformats.org/officeDocument/2006/math">
@@ -16048,7 +16158,7 @@
             </p:txBody>
           </p:sp>
         </mc:Choice>
-        <mc:Fallback xmlns="">
+        <mc:Fallback>
           <p:sp>
             <p:nvSpPr>
               <p:cNvPr id="3" name="Content Placeholder 2"/>
@@ -16067,7 +16177,7 @@
               <a:blipFill rotWithShape="0">
                 <a:blip r:embed="rId2"/>
                 <a:stretch>
-                  <a:fillRect l="-970" t="-1887" r="-228"/>
+                  <a:fillRect l="-970" t="-1887" r="-685"/>
                 </a:stretch>
               </a:blipFill>
             </p:spPr>

--- a/slides/T320_Classificação (Parte II).pptx
+++ b/slides/T320_Classificação (Parte II).pptx
@@ -5,10 +5,10 @@
     <p:sldMasterId id="2147483648" r:id="rId1"/>
   </p:sldMasterIdLst>
   <p:notesMasterIdLst>
-    <p:notesMasterId r:id="rId23"/>
+    <p:notesMasterId r:id="rId25"/>
   </p:notesMasterIdLst>
   <p:handoutMasterIdLst>
-    <p:handoutMasterId r:id="rId24"/>
+    <p:handoutMasterId r:id="rId26"/>
   </p:handoutMasterIdLst>
   <p:sldIdLst>
     <p:sldId id="256" r:id="rId2"/>
@@ -27,11 +27,13 @@
     <p:sldId id="348" r:id="rId15"/>
     <p:sldId id="380" r:id="rId16"/>
     <p:sldId id="381" r:id="rId17"/>
-    <p:sldId id="349" r:id="rId18"/>
-    <p:sldId id="366" r:id="rId19"/>
-    <p:sldId id="324" r:id="rId20"/>
-    <p:sldId id="306" r:id="rId21"/>
-    <p:sldId id="367" r:id="rId22"/>
+    <p:sldId id="382" r:id="rId18"/>
+    <p:sldId id="383" r:id="rId19"/>
+    <p:sldId id="385" r:id="rId20"/>
+    <p:sldId id="386" r:id="rId21"/>
+    <p:sldId id="324" r:id="rId22"/>
+    <p:sldId id="306" r:id="rId23"/>
+    <p:sldId id="367" r:id="rId24"/>
   </p:sldIdLst>
   <p:sldSz cx="12192000" cy="6858000"/>
   <p:notesSz cx="7315200" cy="9601200"/>
@@ -295,7 +297,7 @@
           <a:p>
             <a:fld id="{144F1436-6906-4D93-B7A2-786C327BFA14}" type="datetimeFigureOut">
               <a:rPr lang="nl-BE" smtClean="0"/>
-              <a:t>12/08/2023</a:t>
+              <a:t>18/08/2023</a:t>
             </a:fld>
             <a:endParaRPr lang="nl-BE"/>
           </a:p>
@@ -460,7 +462,7 @@
           <a:p>
             <a:fld id="{AA8CD09E-2914-4F47-B6C1-51B2C31814C9}" type="datetimeFigureOut">
               <a:rPr lang="pt-BR" smtClean="0"/>
-              <a:t>12/08/2023</a:t>
+              <a:t>18/08/2023</a:t>
             </a:fld>
             <a:endParaRPr lang="pt-BR"/>
           </a:p>
@@ -2102,7 +2104,547 @@
       </p:grpSpPr>
       <p:sp>
         <p:nvSpPr>
-          <p:cNvPr id="2" name="Slide Image Placeholder 1"/>
+          <p:cNvPr id="2" name="Espaço Reservado para Imagem de Slide 1"/>
+          <p:cNvSpPr>
+            <a:spLocks noGrp="1" noRot="1" noChangeAspect="1"/>
+          </p:cNvSpPr>
+          <p:nvPr>
+            <p:ph type="sldImg"/>
+          </p:nvPr>
+        </p:nvSpPr>
+        <p:spPr/>
+      </p:sp>
+      <mc:AlternateContent xmlns:mc="http://schemas.openxmlformats.org/markup-compatibility/2006">
+        <mc:Choice xmlns:a14="http://schemas.microsoft.com/office/drawing/2010/main" Requires="a14">
+          <p:sp>
+            <p:nvSpPr>
+              <p:cNvPr id="3" name="Espaço Reservado para Anotações 2"/>
+              <p:cNvSpPr>
+                <a:spLocks noGrp="1"/>
+              </p:cNvSpPr>
+              <p:nvPr>
+                <p:ph type="body" idx="1"/>
+              </p:nvPr>
+            </p:nvSpPr>
+            <p:spPr/>
+            <p:txBody>
+              <a:bodyPr/>
+              <a:lstStyle/>
+              <a:p>
+                <a:r>
+                  <a:rPr lang="pt-BR" dirty="0"/>
+                  <a:t>a   x   a’   resultado de a*x</a:t>
+                </a:r>
+              </a:p>
+              <a:p>
+                <a:r>
+                  <a:rPr lang="pt-BR" dirty="0"/>
+                  <a:t>+  +   </a:t>
+                </a:r>
+                <a14:m>
+                  <m:oMath xmlns:m="http://schemas.openxmlformats.org/officeDocument/2006/math">
+                    <m:r>
+                      <a:rPr lang="pt-BR" i="1" smtClean="0">
+                        <a:latin typeface="Cambria Math" panose="02040503050406030204" pitchFamily="18" charset="0"/>
+                        <a:ea typeface="Cambria Math" panose="02040503050406030204" pitchFamily="18" charset="0"/>
+                      </a:rPr>
+                      <m:t>↑</m:t>
+                    </m:r>
+                  </m:oMath>
+                </a14:m>
+                <a:r>
+                  <a:rPr lang="pt-BR" dirty="0"/>
+                  <a:t>    +</a:t>
+                </a:r>
+              </a:p>
+              <a:p>
+                <a:r>
+                  <a:rPr lang="pt-BR" dirty="0"/>
+                  <a:t>+  -    </a:t>
+                </a:r>
+                <a14:m>
+                  <m:oMath xmlns:m="http://schemas.openxmlformats.org/officeDocument/2006/math">
+                    <m:r>
+                      <a:rPr lang="pt-BR" i="1" smtClean="0">
+                        <a:latin typeface="Cambria Math" panose="02040503050406030204" pitchFamily="18" charset="0"/>
+                        <a:ea typeface="Cambria Math" panose="02040503050406030204" pitchFamily="18" charset="0"/>
+                      </a:rPr>
+                      <m:t>↓</m:t>
+                    </m:r>
+                  </m:oMath>
+                </a14:m>
+                <a:r>
+                  <a:rPr lang="pt-BR" dirty="0"/>
+                  <a:t>     -</a:t>
+                </a:r>
+              </a:p>
+              <a:p>
+                <a:r>
+                  <a:rPr lang="pt-BR" dirty="0"/>
+                  <a:t>-   +   </a:t>
+                </a:r>
+                <a14:m>
+                  <m:oMath xmlns:m="http://schemas.openxmlformats.org/officeDocument/2006/math">
+                    <m:r>
+                      <a:rPr lang="pt-BR" i="1" smtClean="0">
+                        <a:latin typeface="Cambria Math" panose="02040503050406030204" pitchFamily="18" charset="0"/>
+                        <a:ea typeface="Cambria Math" panose="02040503050406030204" pitchFamily="18" charset="0"/>
+                      </a:rPr>
+                      <m:t>↓</m:t>
+                    </m:r>
+                  </m:oMath>
+                </a14:m>
+                <a:r>
+                  <a:rPr lang="pt-BR" dirty="0"/>
+                  <a:t>     -</a:t>
+                </a:r>
+              </a:p>
+              <a:p>
+                <a:r>
+                  <a:rPr lang="pt-BR" dirty="0"/>
+                  <a:t>-   -    </a:t>
+                </a:r>
+                <a14:m>
+                  <m:oMath xmlns:m="http://schemas.openxmlformats.org/officeDocument/2006/math">
+                    <m:r>
+                      <a:rPr lang="pt-BR" i="1" smtClean="0">
+                        <a:latin typeface="Cambria Math" panose="02040503050406030204" pitchFamily="18" charset="0"/>
+                        <a:ea typeface="Cambria Math" panose="02040503050406030204" pitchFamily="18" charset="0"/>
+                      </a:rPr>
+                      <m:t>↑</m:t>
+                    </m:r>
+                  </m:oMath>
+                </a14:m>
+                <a:r>
+                  <a:rPr lang="pt-BR" dirty="0"/>
+                  <a:t>    +</a:t>
+                </a:r>
+              </a:p>
+            </p:txBody>
+          </p:sp>
+        </mc:Choice>
+        <mc:Fallback>
+          <p:sp>
+            <p:nvSpPr>
+              <p:cNvPr id="3" name="Espaço Reservado para Anotações 2"/>
+              <p:cNvSpPr>
+                <a:spLocks noGrp="1"/>
+              </p:cNvSpPr>
+              <p:nvPr>
+                <p:ph type="body" idx="1"/>
+              </p:nvPr>
+            </p:nvSpPr>
+            <p:spPr/>
+            <p:txBody>
+              <a:bodyPr/>
+              <a:lstStyle/>
+              <a:p>
+                <a:r>
+                  <a:rPr lang="pt-BR" dirty="0"/>
+                  <a:t>a   x   a’   resultado de a*x</a:t>
+                </a:r>
+              </a:p>
+              <a:p>
+                <a:r>
+                  <a:rPr lang="pt-BR" dirty="0"/>
+                  <a:t>+  +   </a:t>
+                </a:r>
+                <a:r>
+                  <a:rPr lang="pt-BR" i="0">
+                    <a:latin typeface="Cambria Math" panose="02040503050406030204" pitchFamily="18" charset="0"/>
+                    <a:ea typeface="Cambria Math" panose="02040503050406030204" pitchFamily="18" charset="0"/>
+                  </a:rPr>
+                  <a:t>↑</a:t>
+                </a:r>
+                <a:r>
+                  <a:rPr lang="pt-BR" dirty="0"/>
+                  <a:t>    +</a:t>
+                </a:r>
+              </a:p>
+              <a:p>
+                <a:r>
+                  <a:rPr lang="pt-BR" dirty="0"/>
+                  <a:t>+  -    </a:t>
+                </a:r>
+                <a:r>
+                  <a:rPr lang="pt-BR" i="0">
+                    <a:latin typeface="Cambria Math" panose="02040503050406030204" pitchFamily="18" charset="0"/>
+                    <a:ea typeface="Cambria Math" panose="02040503050406030204" pitchFamily="18" charset="0"/>
+                  </a:rPr>
+                  <a:t>↓</a:t>
+                </a:r>
+                <a:r>
+                  <a:rPr lang="pt-BR" dirty="0"/>
+                  <a:t>     -</a:t>
+                </a:r>
+              </a:p>
+              <a:p>
+                <a:r>
+                  <a:rPr lang="pt-BR" dirty="0"/>
+                  <a:t>-   +   </a:t>
+                </a:r>
+                <a:r>
+                  <a:rPr lang="pt-BR" i="0">
+                    <a:latin typeface="Cambria Math" panose="02040503050406030204" pitchFamily="18" charset="0"/>
+                    <a:ea typeface="Cambria Math" panose="02040503050406030204" pitchFamily="18" charset="0"/>
+                  </a:rPr>
+                  <a:t>↓</a:t>
+                </a:r>
+                <a:r>
+                  <a:rPr lang="pt-BR" dirty="0"/>
+                  <a:t>     -</a:t>
+                </a:r>
+              </a:p>
+              <a:p>
+                <a:r>
+                  <a:rPr lang="pt-BR" dirty="0"/>
+                  <a:t>-   -    </a:t>
+                </a:r>
+                <a:r>
+                  <a:rPr lang="pt-BR" i="0">
+                    <a:latin typeface="Cambria Math" panose="02040503050406030204" pitchFamily="18" charset="0"/>
+                    <a:ea typeface="Cambria Math" panose="02040503050406030204" pitchFamily="18" charset="0"/>
+                  </a:rPr>
+                  <a:t>↑</a:t>
+                </a:r>
+                <a:r>
+                  <a:rPr lang="pt-BR" dirty="0"/>
+                  <a:t>    +</a:t>
+                </a:r>
+              </a:p>
+            </p:txBody>
+          </p:sp>
+        </mc:Fallback>
+      </mc:AlternateContent>
+      <p:sp>
+        <p:nvSpPr>
+          <p:cNvPr id="4" name="Espaço Reservado para Número de Slide 3"/>
+          <p:cNvSpPr>
+            <a:spLocks noGrp="1"/>
+          </p:cNvSpPr>
+          <p:nvPr>
+            <p:ph type="sldNum" sz="quarter" idx="5"/>
+          </p:nvPr>
+        </p:nvSpPr>
+        <p:spPr/>
+        <p:txBody>
+          <a:bodyPr/>
+          <a:lstStyle/>
+          <a:p>
+            <a:fld id="{6FC8D850-966F-45A6-8DE7-15B891E7D40D}" type="slidenum">
+              <a:rPr lang="pt-BR" smtClean="0"/>
+              <a:t>15</a:t>
+            </a:fld>
+            <a:endParaRPr lang="pt-BR"/>
+          </a:p>
+        </p:txBody>
+      </p:sp>
+    </p:spTree>
+    <p:extLst>
+      <p:ext uri="{BB962C8B-B14F-4D97-AF65-F5344CB8AC3E}">
+        <p14:creationId xmlns:p14="http://schemas.microsoft.com/office/powerpoint/2010/main" val="2313446752"/>
+      </p:ext>
+    </p:extLst>
+  </p:cSld>
+  <p:clrMapOvr>
+    <a:masterClrMapping/>
+  </p:clrMapOvr>
+</p:notes>
+</file>
+
+<file path=ppt/notesSlides/notesSlide12.xml><?xml version="1.0" encoding="utf-8"?>
+<p:notes xmlns:a="http://schemas.openxmlformats.org/drawingml/2006/main" xmlns:r="http://schemas.openxmlformats.org/officeDocument/2006/relationships" xmlns:p="http://schemas.openxmlformats.org/presentationml/2006/main">
+  <p:cSld>
+    <p:spTree>
+      <p:nvGrpSpPr>
+        <p:cNvPr id="1" name=""/>
+        <p:cNvGrpSpPr/>
+        <p:nvPr/>
+      </p:nvGrpSpPr>
+      <p:grpSpPr>
+        <a:xfrm>
+          <a:off x="0" y="0"/>
+          <a:ext cx="0" cy="0"/>
+          <a:chOff x="0" y="0"/>
+          <a:chExt cx="0" cy="0"/>
+        </a:xfrm>
+      </p:grpSpPr>
+      <p:sp>
+        <p:nvSpPr>
+          <p:cNvPr id="2" name="Espaço Reservado para Imagem de Slide 1"/>
+          <p:cNvSpPr>
+            <a:spLocks noGrp="1" noRot="1" noChangeAspect="1"/>
+          </p:cNvSpPr>
+          <p:nvPr>
+            <p:ph type="sldImg"/>
+          </p:nvPr>
+        </p:nvSpPr>
+        <p:spPr/>
+      </p:sp>
+      <mc:AlternateContent xmlns:mc="http://schemas.openxmlformats.org/markup-compatibility/2006">
+        <mc:Choice xmlns:a14="http://schemas.microsoft.com/office/drawing/2010/main" Requires="a14">
+          <p:sp>
+            <p:nvSpPr>
+              <p:cNvPr id="3" name="Espaço Reservado para Anotações 2"/>
+              <p:cNvSpPr>
+                <a:spLocks noGrp="1"/>
+              </p:cNvSpPr>
+              <p:nvPr>
+                <p:ph type="body" idx="1"/>
+              </p:nvPr>
+            </p:nvSpPr>
+            <p:spPr/>
+            <p:txBody>
+              <a:bodyPr/>
+              <a:lstStyle/>
+              <a:p>
+                <a:r>
+                  <a:rPr lang="pt-BR" dirty="0"/>
+                  <a:t>a   x   a’   resultado de a*x</a:t>
+                </a:r>
+              </a:p>
+              <a:p>
+                <a:r>
+                  <a:rPr lang="pt-BR" dirty="0"/>
+                  <a:t>+  +   </a:t>
+                </a:r>
+                <a14:m>
+                  <m:oMath xmlns:m="http://schemas.openxmlformats.org/officeDocument/2006/math">
+                    <m:r>
+                      <a:rPr lang="pt-BR" i="1" smtClean="0">
+                        <a:latin typeface="Cambria Math" panose="02040503050406030204" pitchFamily="18" charset="0"/>
+                        <a:ea typeface="Cambria Math" panose="02040503050406030204" pitchFamily="18" charset="0"/>
+                      </a:rPr>
+                      <m:t>↓</m:t>
+                    </m:r>
+                  </m:oMath>
+                </a14:m>
+                <a:r>
+                  <a:rPr lang="pt-BR" dirty="0"/>
+                  <a:t>    +</a:t>
+                </a:r>
+              </a:p>
+              <a:p>
+                <a:r>
+                  <a:rPr lang="pt-BR" dirty="0"/>
+                  <a:t>+  -    </a:t>
+                </a:r>
+                <a14:m>
+                  <m:oMath xmlns:m="http://schemas.openxmlformats.org/officeDocument/2006/math">
+                    <m:r>
+                      <a:rPr lang="pt-BR" i="1" smtClean="0">
+                        <a:latin typeface="Cambria Math" panose="02040503050406030204" pitchFamily="18" charset="0"/>
+                        <a:ea typeface="Cambria Math" panose="02040503050406030204" pitchFamily="18" charset="0"/>
+                      </a:rPr>
+                      <m:t>↑</m:t>
+                    </m:r>
+                  </m:oMath>
+                </a14:m>
+                <a:r>
+                  <a:rPr lang="pt-BR" dirty="0"/>
+                  <a:t>    -</a:t>
+                </a:r>
+              </a:p>
+              <a:p>
+                <a:r>
+                  <a:rPr lang="pt-BR" dirty="0"/>
+                  <a:t>-   +   </a:t>
+                </a:r>
+                <a14:m>
+                  <m:oMath xmlns:m="http://schemas.openxmlformats.org/officeDocument/2006/math">
+                    <m:r>
+                      <a:rPr lang="pt-BR" i="1" smtClean="0">
+                        <a:latin typeface="Cambria Math" panose="02040503050406030204" pitchFamily="18" charset="0"/>
+                        <a:ea typeface="Cambria Math" panose="02040503050406030204" pitchFamily="18" charset="0"/>
+                      </a:rPr>
+                      <m:t>↑</m:t>
+                    </m:r>
+                  </m:oMath>
+                </a14:m>
+                <a:r>
+                  <a:rPr lang="pt-BR" dirty="0"/>
+                  <a:t>    -</a:t>
+                </a:r>
+              </a:p>
+              <a:p>
+                <a:r>
+                  <a:rPr lang="pt-BR" dirty="0"/>
+                  <a:t>-   -    </a:t>
+                </a:r>
+                <a14:m>
+                  <m:oMath xmlns:m="http://schemas.openxmlformats.org/officeDocument/2006/math">
+                    <m:r>
+                      <a:rPr lang="pt-BR" i="1" smtClean="0">
+                        <a:latin typeface="Cambria Math" panose="02040503050406030204" pitchFamily="18" charset="0"/>
+                        <a:ea typeface="Cambria Math" panose="02040503050406030204" pitchFamily="18" charset="0"/>
+                      </a:rPr>
+                      <m:t>↓</m:t>
+                    </m:r>
+                  </m:oMath>
+                </a14:m>
+                <a:r>
+                  <a:rPr lang="pt-BR" dirty="0"/>
+                  <a:t>   +</a:t>
+                </a:r>
+              </a:p>
+              <a:p>
+                <a:endParaRPr lang="pt-BR" dirty="0"/>
+              </a:p>
+            </p:txBody>
+          </p:sp>
+        </mc:Choice>
+        <mc:Fallback>
+          <p:sp>
+            <p:nvSpPr>
+              <p:cNvPr id="3" name="Espaço Reservado para Anotações 2"/>
+              <p:cNvSpPr>
+                <a:spLocks noGrp="1"/>
+              </p:cNvSpPr>
+              <p:nvPr>
+                <p:ph type="body" idx="1"/>
+              </p:nvPr>
+            </p:nvSpPr>
+            <p:spPr/>
+            <p:txBody>
+              <a:bodyPr/>
+              <a:lstStyle/>
+              <a:p>
+                <a:r>
+                  <a:rPr lang="pt-BR" dirty="0"/>
+                  <a:t>a   x   a’   resultado de a*x</a:t>
+                </a:r>
+              </a:p>
+              <a:p>
+                <a:r>
+                  <a:rPr lang="pt-BR" dirty="0"/>
+                  <a:t>+  +   </a:t>
+                </a:r>
+                <a:r>
+                  <a:rPr lang="pt-BR" i="0">
+                    <a:latin typeface="Cambria Math" panose="02040503050406030204" pitchFamily="18" charset="0"/>
+                    <a:ea typeface="Cambria Math" panose="02040503050406030204" pitchFamily="18" charset="0"/>
+                  </a:rPr>
+                  <a:t>↓</a:t>
+                </a:r>
+                <a:r>
+                  <a:rPr lang="pt-BR" dirty="0"/>
+                  <a:t>    +</a:t>
+                </a:r>
+              </a:p>
+              <a:p>
+                <a:r>
+                  <a:rPr lang="pt-BR" dirty="0"/>
+                  <a:t>+  -    </a:t>
+                </a:r>
+                <a:r>
+                  <a:rPr lang="pt-BR" i="0">
+                    <a:latin typeface="Cambria Math" panose="02040503050406030204" pitchFamily="18" charset="0"/>
+                    <a:ea typeface="Cambria Math" panose="02040503050406030204" pitchFamily="18" charset="0"/>
+                  </a:rPr>
+                  <a:t>↑</a:t>
+                </a:r>
+                <a:r>
+                  <a:rPr lang="pt-BR" dirty="0"/>
+                  <a:t>    -</a:t>
+                </a:r>
+              </a:p>
+              <a:p>
+                <a:r>
+                  <a:rPr lang="pt-BR" dirty="0"/>
+                  <a:t>-   +   </a:t>
+                </a:r>
+                <a:r>
+                  <a:rPr lang="pt-BR" i="0">
+                    <a:latin typeface="Cambria Math" panose="02040503050406030204" pitchFamily="18" charset="0"/>
+                    <a:ea typeface="Cambria Math" panose="02040503050406030204" pitchFamily="18" charset="0"/>
+                  </a:rPr>
+                  <a:t>↑</a:t>
+                </a:r>
+                <a:r>
+                  <a:rPr lang="pt-BR" dirty="0"/>
+                  <a:t>    -</a:t>
+                </a:r>
+              </a:p>
+              <a:p>
+                <a:r>
+                  <a:rPr lang="pt-BR" dirty="0"/>
+                  <a:t>-   -    </a:t>
+                </a:r>
+                <a:r>
+                  <a:rPr lang="pt-BR" i="0">
+                    <a:latin typeface="Cambria Math" panose="02040503050406030204" pitchFamily="18" charset="0"/>
+                    <a:ea typeface="Cambria Math" panose="02040503050406030204" pitchFamily="18" charset="0"/>
+                  </a:rPr>
+                  <a:t>↓</a:t>
+                </a:r>
+                <a:r>
+                  <a:rPr lang="pt-BR" dirty="0"/>
+                  <a:t>   +</a:t>
+                </a:r>
+              </a:p>
+              <a:p>
+                <a:endParaRPr lang="pt-BR" dirty="0"/>
+              </a:p>
+            </p:txBody>
+          </p:sp>
+        </mc:Fallback>
+      </mc:AlternateContent>
+      <p:sp>
+        <p:nvSpPr>
+          <p:cNvPr id="4" name="Espaço Reservado para Número de Slide 3"/>
+          <p:cNvSpPr>
+            <a:spLocks noGrp="1"/>
+          </p:cNvSpPr>
+          <p:nvPr>
+            <p:ph type="sldNum" sz="quarter" idx="5"/>
+          </p:nvPr>
+        </p:nvSpPr>
+        <p:spPr/>
+        <p:txBody>
+          <a:bodyPr/>
+          <a:lstStyle/>
+          <a:p>
+            <a:fld id="{6FC8D850-966F-45A6-8DE7-15B891E7D40D}" type="slidenum">
+              <a:rPr lang="pt-BR" smtClean="0"/>
+              <a:t>16</a:t>
+            </a:fld>
+            <a:endParaRPr lang="pt-BR"/>
+          </a:p>
+        </p:txBody>
+      </p:sp>
+    </p:spTree>
+    <p:extLst>
+      <p:ext uri="{BB962C8B-B14F-4D97-AF65-F5344CB8AC3E}">
+        <p14:creationId xmlns:p14="http://schemas.microsoft.com/office/powerpoint/2010/main" val="1965965601"/>
+      </p:ext>
+    </p:extLst>
+  </p:cSld>
+  <p:clrMapOvr>
+    <a:masterClrMapping/>
+  </p:clrMapOvr>
+</p:notes>
+</file>
+
+<file path=ppt/notesSlides/notesSlide13.xml><?xml version="1.0" encoding="utf-8"?>
+<p:notes xmlns:a="http://schemas.openxmlformats.org/drawingml/2006/main" xmlns:r="http://schemas.openxmlformats.org/officeDocument/2006/relationships" xmlns:p="http://schemas.openxmlformats.org/presentationml/2006/main">
+  <p:cSld>
+    <p:spTree>
+      <p:nvGrpSpPr>
+        <p:cNvPr id="1" name=""/>
+        <p:cNvGrpSpPr/>
+        <p:nvPr/>
+      </p:nvGrpSpPr>
+      <p:grpSpPr>
+        <a:xfrm>
+          <a:off x="0" y="0"/>
+          <a:ext cx="0" cy="0"/>
+          <a:chOff x="0" y="0"/>
+          <a:chExt cx="0" cy="0"/>
+        </a:xfrm>
+      </p:grpSpPr>
+      <p:sp>
+        <p:nvSpPr>
+          <p:cNvPr id="2" name="Espaço Reservado para Imagem de Slide 1"/>
           <p:cNvSpPr>
             <a:spLocks noGrp="1" noRot="1" noChangeAspect="1"/>
           </p:cNvSpPr>
@@ -2114,7 +2656,7 @@
       </p:sp>
       <p:sp>
         <p:nvSpPr>
-          <p:cNvPr id="3" name="Notes Placeholder 2"/>
+          <p:cNvPr id="3" name="Espaço Reservado para Anotações 2"/>
           <p:cNvSpPr>
             <a:spLocks noGrp="1"/>
           </p:cNvSpPr>
@@ -2150,23 +2692,51 @@
             </a:r>
             <a:r>
               <a:rPr lang="pt-BR" dirty="0"/>
-              <a:t>: https://colab.research.google.com/github/zz4fap/t320_aprendizado_de_maquina/blob/main/notebooks/classificação/</a:t>
-            </a:r>
-            <a:r>
-              <a:rPr lang="pt-BR" sz="1200" dirty="0"/>
+              <a:t>: https://colab.research.google.com/</a:t>
+            </a:r>
+            <a:r>
+              <a:rPr lang="pt-BR" dirty="0" err="1"/>
+              <a:t>github</a:t>
+            </a:r>
+            <a:r>
+              <a:rPr lang="pt-BR" dirty="0"/>
+              <a:t>/zz4fap/t320_aprendizado_de_maquina/</a:t>
+            </a:r>
+            <a:r>
+              <a:rPr lang="pt-BR" dirty="0" err="1"/>
+              <a:t>blob</a:t>
+            </a:r>
+            <a:r>
+              <a:rPr lang="pt-BR" dirty="0"/>
+              <a:t>/</a:t>
+            </a:r>
+            <a:r>
+              <a:rPr lang="pt-BR" dirty="0" err="1"/>
+              <a:t>main</a:t>
+            </a:r>
+            <a:r>
+              <a:rPr lang="pt-BR" dirty="0"/>
+              <a:t>/notebooks/classificação/</a:t>
+            </a:r>
+            <a:r>
+              <a:rPr lang="pt-BR" sz="1200" dirty="0" err="1"/>
               <a:t>classificador_linear_com_limiar_rigido.ipynb</a:t>
             </a:r>
+            <a:endParaRPr lang="pt-BR" sz="1200" dirty="0"/>
+          </a:p>
+          <a:p>
+            <a:endParaRPr lang="pt-BR" dirty="0"/>
           </a:p>
         </p:txBody>
       </p:sp>
       <p:sp>
         <p:nvSpPr>
-          <p:cNvPr id="4" name="Slide Number Placeholder 3"/>
+          <p:cNvPr id="4" name="Espaço Reservado para Número de Slide 3"/>
           <p:cNvSpPr>
             <a:spLocks noGrp="1"/>
           </p:cNvSpPr>
           <p:nvPr>
-            <p:ph type="sldNum" sz="quarter" idx="10"/>
+            <p:ph type="sldNum" sz="quarter" idx="5"/>
           </p:nvPr>
         </p:nvSpPr>
         <p:spPr/>
@@ -2176,7 +2746,7 @@
           <a:p>
             <a:fld id="{6FC8D850-966F-45A6-8DE7-15B891E7D40D}" type="slidenum">
               <a:rPr lang="pt-BR" smtClean="0"/>
-              <a:t>17</a:t>
+              <a:t>18</a:t>
             </a:fld>
             <a:endParaRPr lang="pt-BR"/>
           </a:p>
@@ -2185,7 +2755,7 @@
     </p:spTree>
     <p:extLst>
       <p:ext uri="{BB962C8B-B14F-4D97-AF65-F5344CB8AC3E}">
-        <p14:creationId xmlns:p14="http://schemas.microsoft.com/office/powerpoint/2010/main" val="2028219504"/>
+        <p14:creationId xmlns:p14="http://schemas.microsoft.com/office/powerpoint/2010/main" val="762463304"/>
       </p:ext>
     </p:extLst>
   </p:cSld>
@@ -2195,7 +2765,7 @@
 </p:notes>
 </file>
 
-<file path=ppt/notesSlides/notesSlide12.xml><?xml version="1.0" encoding="utf-8"?>
+<file path=ppt/notesSlides/notesSlide14.xml><?xml version="1.0" encoding="utf-8"?>
 <p:notes xmlns:a="http://schemas.openxmlformats.org/drawingml/2006/main" xmlns:r="http://schemas.openxmlformats.org/officeDocument/2006/relationships" xmlns:p="http://schemas.openxmlformats.org/presentationml/2006/main">
   <p:cSld>
     <p:spTree>
@@ -2270,7 +2840,7 @@
           <a:p>
             <a:fld id="{6FC8D850-966F-45A6-8DE7-15B891E7D40D}" type="slidenum">
               <a:rPr lang="pt-BR" smtClean="0"/>
-              <a:t>19</a:t>
+              <a:t>21</a:t>
             </a:fld>
             <a:endParaRPr lang="pt-BR"/>
           </a:p>
@@ -4574,7 +5144,7 @@
           <a:p>
             <a:fld id="{63289F7E-B80B-496E-81B4-D396C37C9454}" type="datetimeFigureOut">
               <a:rPr lang="pt-BR" smtClean="0"/>
-              <a:t>12/08/2023</a:t>
+              <a:t>18/08/2023</a:t>
             </a:fld>
             <a:endParaRPr lang="pt-BR"/>
           </a:p>
@@ -4772,7 +5342,7 @@
           <a:p>
             <a:fld id="{63289F7E-B80B-496E-81B4-D396C37C9454}" type="datetimeFigureOut">
               <a:rPr lang="pt-BR" smtClean="0"/>
-              <a:t>12/08/2023</a:t>
+              <a:t>18/08/2023</a:t>
             </a:fld>
             <a:endParaRPr lang="pt-BR"/>
           </a:p>
@@ -4980,7 +5550,7 @@
           <a:p>
             <a:fld id="{63289F7E-B80B-496E-81B4-D396C37C9454}" type="datetimeFigureOut">
               <a:rPr lang="pt-BR" smtClean="0"/>
-              <a:t>12/08/2023</a:t>
+              <a:t>18/08/2023</a:t>
             </a:fld>
             <a:endParaRPr lang="pt-BR"/>
           </a:p>
@@ -5178,7 +5748,7 @@
           <a:p>
             <a:fld id="{63289F7E-B80B-496E-81B4-D396C37C9454}" type="datetimeFigureOut">
               <a:rPr lang="pt-BR" smtClean="0"/>
-              <a:t>12/08/2023</a:t>
+              <a:t>18/08/2023</a:t>
             </a:fld>
             <a:endParaRPr lang="pt-BR"/>
           </a:p>
@@ -5453,7 +6023,7 @@
           <a:p>
             <a:fld id="{63289F7E-B80B-496E-81B4-D396C37C9454}" type="datetimeFigureOut">
               <a:rPr lang="pt-BR" smtClean="0"/>
-              <a:t>12/08/2023</a:t>
+              <a:t>18/08/2023</a:t>
             </a:fld>
             <a:endParaRPr lang="pt-BR"/>
           </a:p>
@@ -5718,7 +6288,7 @@
           <a:p>
             <a:fld id="{63289F7E-B80B-496E-81B4-D396C37C9454}" type="datetimeFigureOut">
               <a:rPr lang="pt-BR" smtClean="0"/>
-              <a:t>12/08/2023</a:t>
+              <a:t>18/08/2023</a:t>
             </a:fld>
             <a:endParaRPr lang="pt-BR"/>
           </a:p>
@@ -6130,7 +6700,7 @@
           <a:p>
             <a:fld id="{63289F7E-B80B-496E-81B4-D396C37C9454}" type="datetimeFigureOut">
               <a:rPr lang="pt-BR" smtClean="0"/>
-              <a:t>12/08/2023</a:t>
+              <a:t>18/08/2023</a:t>
             </a:fld>
             <a:endParaRPr lang="pt-BR"/>
           </a:p>
@@ -6271,7 +6841,7 @@
           <a:p>
             <a:fld id="{63289F7E-B80B-496E-81B4-D396C37C9454}" type="datetimeFigureOut">
               <a:rPr lang="pt-BR" smtClean="0"/>
-              <a:t>12/08/2023</a:t>
+              <a:t>18/08/2023</a:t>
             </a:fld>
             <a:endParaRPr lang="pt-BR"/>
           </a:p>
@@ -6384,7 +6954,7 @@
           <a:p>
             <a:fld id="{63289F7E-B80B-496E-81B4-D396C37C9454}" type="datetimeFigureOut">
               <a:rPr lang="pt-BR" smtClean="0"/>
-              <a:t>12/08/2023</a:t>
+              <a:t>18/08/2023</a:t>
             </a:fld>
             <a:endParaRPr lang="pt-BR"/>
           </a:p>
@@ -6695,7 +7265,7 @@
           <a:p>
             <a:fld id="{63289F7E-B80B-496E-81B4-D396C37C9454}" type="datetimeFigureOut">
               <a:rPr lang="pt-BR" smtClean="0"/>
-              <a:t>12/08/2023</a:t>
+              <a:t>18/08/2023</a:t>
             </a:fld>
             <a:endParaRPr lang="pt-BR"/>
           </a:p>
@@ -6983,7 +7553,7 @@
           <a:p>
             <a:fld id="{63289F7E-B80B-496E-81B4-D396C37C9454}" type="datetimeFigureOut">
               <a:rPr lang="pt-BR" smtClean="0"/>
-              <a:t>12/08/2023</a:t>
+              <a:t>18/08/2023</a:t>
             </a:fld>
             <a:endParaRPr lang="pt-BR"/>
           </a:p>
@@ -7224,7 +7794,7 @@
           <a:p>
             <a:fld id="{63289F7E-B80B-496E-81B4-D396C37C9454}" type="datetimeFigureOut">
               <a:rPr lang="pt-BR" smtClean="0"/>
-              <a:t>12/08/2023</a:t>
+              <a:t>18/08/2023</a:t>
             </a:fld>
             <a:endParaRPr lang="pt-BR"/>
           </a:p>
@@ -7872,8 +8442,8 @@
           </a:p>
         </p:txBody>
       </p:sp>
-      <mc:AlternateContent xmlns:mc="http://schemas.openxmlformats.org/markup-compatibility/2006">
-        <mc:Choice xmlns:a14="http://schemas.microsoft.com/office/drawing/2010/main" Requires="a14">
+      <mc:AlternateContent xmlns:mc="http://schemas.openxmlformats.org/markup-compatibility/2006" xmlns:a14="http://schemas.microsoft.com/office/drawing/2010/main">
+        <mc:Choice Requires="a14">
           <p:sp>
             <p:nvSpPr>
               <p:cNvPr id="3" name="Espaço Reservado para Conteúdo 2">
@@ -8087,13 +8657,7 @@
                                 <a:rPr lang="pt-BR" i="1">
                                   <a:latin typeface="Cambria Math" panose="02040503050406030204" pitchFamily="18" charset="0"/>
                                 </a:rPr>
-                                <m:t>)&lt;</m:t>
-                              </m:r>
-                              <m:r>
-                                <a:rPr lang="pt-BR" i="1">
-                                  <a:latin typeface="Cambria Math" panose="02040503050406030204" pitchFamily="18" charset="0"/>
-                                </a:rPr>
-                                <m:t>0</m:t>
+                                <m:t>)&lt;0</m:t>
                               </m:r>
                             </m:e>
                             <m:e>
@@ -8211,7 +8775,7 @@
             </p:txBody>
           </p:sp>
         </mc:Choice>
-        <mc:Fallback>
+        <mc:Fallback xmlns="">
           <p:sp>
             <p:nvSpPr>
               <p:cNvPr id="3" name="Espaço Reservado para Conteúdo 2">
@@ -8423,8 +8987,8 @@
             </a:p>
           </p:txBody>
         </p:sp>
-        <mc:AlternateContent xmlns:mc="http://schemas.openxmlformats.org/markup-compatibility/2006">
-          <mc:Choice xmlns:a14="http://schemas.microsoft.com/office/drawing/2010/main" Requires="a14">
+        <mc:AlternateContent xmlns:mc="http://schemas.openxmlformats.org/markup-compatibility/2006" xmlns:a14="http://schemas.microsoft.com/office/drawing/2010/main">
+          <mc:Choice Requires="a14">
             <p:sp>
               <p:nvSpPr>
                 <p:cNvPr id="13" name="CaixaDeTexto 12">
@@ -8494,7 +9058,7 @@
               </p:txBody>
             </p:sp>
           </mc:Choice>
-          <mc:Fallback>
+          <mc:Fallback xmlns="">
             <p:sp>
               <p:nvSpPr>
                 <p:cNvPr id="13" name="CaixaDeTexto 12">
@@ -8539,8 +9103,8 @@
             </p:sp>
           </mc:Fallback>
         </mc:AlternateContent>
-        <mc:AlternateContent xmlns:mc="http://schemas.openxmlformats.org/markup-compatibility/2006">
-          <mc:Choice xmlns:a14="http://schemas.microsoft.com/office/drawing/2010/main" Requires="a14">
+        <mc:AlternateContent xmlns:mc="http://schemas.openxmlformats.org/markup-compatibility/2006" xmlns:a14="http://schemas.microsoft.com/office/drawing/2010/main">
+          <mc:Choice Requires="a14">
             <p:sp>
               <p:nvSpPr>
                 <p:cNvPr id="15" name="CaixaDeTexto 14">
@@ -8627,7 +9191,7 @@
               </p:txBody>
             </p:sp>
           </mc:Choice>
-          <mc:Fallback>
+          <mc:Fallback xmlns="">
             <p:sp>
               <p:nvSpPr>
                 <p:cNvPr id="15" name="CaixaDeTexto 14">
@@ -8725,8 +9289,8 @@
           </a:p>
         </p:txBody>
       </p:sp>
-      <mc:AlternateContent xmlns:mc="http://schemas.openxmlformats.org/markup-compatibility/2006">
-        <mc:Choice xmlns:a14="http://schemas.microsoft.com/office/drawing/2010/main" Requires="a14">
+      <mc:AlternateContent xmlns:mc="http://schemas.openxmlformats.org/markup-compatibility/2006" xmlns:a14="http://schemas.microsoft.com/office/drawing/2010/main">
+        <mc:Choice Requires="a14">
           <p:sp>
             <p:nvSpPr>
               <p:cNvPr id="3" name="Content Placeholder 2"/>
@@ -9041,7 +9605,7 @@
             </p:txBody>
           </p:sp>
         </mc:Choice>
-        <mc:Fallback>
+        <mc:Fallback xmlns="">
           <p:sp>
             <p:nvSpPr>
               <p:cNvPr id="3" name="Content Placeholder 2"/>
@@ -9163,8 +9727,8 @@
             </a:p>
           </p:txBody>
         </p:sp>
-        <mc:AlternateContent xmlns:mc="http://schemas.openxmlformats.org/markup-compatibility/2006">
-          <mc:Choice xmlns:a14="http://schemas.microsoft.com/office/drawing/2010/main" Requires="a14">
+        <mc:AlternateContent xmlns:mc="http://schemas.openxmlformats.org/markup-compatibility/2006" xmlns:a14="http://schemas.microsoft.com/office/drawing/2010/main">
+          <mc:Choice Requires="a14">
             <p:sp>
               <p:nvSpPr>
                 <p:cNvPr id="8" name="CaixaDeTexto 7">
@@ -9234,7 +9798,7 @@
               </p:txBody>
             </p:sp>
           </mc:Choice>
-          <mc:Fallback>
+          <mc:Fallback xmlns="">
             <p:sp>
               <p:nvSpPr>
                 <p:cNvPr id="8" name="CaixaDeTexto 7">
@@ -9279,8 +9843,8 @@
             </p:sp>
           </mc:Fallback>
         </mc:AlternateContent>
-        <mc:AlternateContent xmlns:mc="http://schemas.openxmlformats.org/markup-compatibility/2006">
-          <mc:Choice xmlns:a14="http://schemas.microsoft.com/office/drawing/2010/main" Requires="a14">
+        <mc:AlternateContent xmlns:mc="http://schemas.openxmlformats.org/markup-compatibility/2006" xmlns:a14="http://schemas.microsoft.com/office/drawing/2010/main">
+          <mc:Choice Requires="a14">
             <p:sp>
               <p:nvSpPr>
                 <p:cNvPr id="9" name="CaixaDeTexto 8">
@@ -9367,7 +9931,7 @@
               </p:txBody>
             </p:sp>
           </mc:Choice>
-          <mc:Fallback>
+          <mc:Fallback xmlns="">
             <p:sp>
               <p:nvSpPr>
                 <p:cNvPr id="9" name="CaixaDeTexto 8">
@@ -9471,8 +10035,8 @@
           </a:p>
         </p:txBody>
       </p:sp>
-      <mc:AlternateContent xmlns:mc="http://schemas.openxmlformats.org/markup-compatibility/2006">
-        <mc:Choice xmlns:a14="http://schemas.microsoft.com/office/drawing/2010/main" Requires="a14">
+      <mc:AlternateContent xmlns:mc="http://schemas.openxmlformats.org/markup-compatibility/2006" xmlns:a14="http://schemas.microsoft.com/office/drawing/2010/main">
+        <mc:Choice Requires="a14">
           <p:sp>
             <p:nvSpPr>
               <p:cNvPr id="3" name="Espaço Reservado para Conteúdo 2">
@@ -9824,7 +10388,7 @@
             </p:txBody>
           </p:sp>
         </mc:Choice>
-        <mc:Fallback>
+        <mc:Fallback xmlns="">
           <p:sp>
             <p:nvSpPr>
               <p:cNvPr id="3" name="Espaço Reservado para Conteúdo 2">
@@ -9947,7 +10511,7 @@
             <p:spPr>
               <a:xfrm>
                 <a:off x="838200" y="1825624"/>
-                <a:ext cx="11097638" cy="5032375"/>
+                <a:ext cx="11155878" cy="5032375"/>
               </a:xfrm>
             </p:spPr>
             <p:txBody>
@@ -10207,6 +10771,16 @@
                 </a:r>
               </a:p>
               <a:p>
+                <a:pPr lvl="1">
+                  <a:buFont typeface="Wingdings" panose="05000000000000000000" pitchFamily="2" charset="2"/>
+                  <a:buChar char="§"/>
+                </a:pPr>
+                <a:r>
+                  <a:rPr lang="pt-BR" dirty="0"/>
+                  <a:t>Ou seja, atualiza os pesos usando apenas um exemplo aleatório por vez.</a:t>
+                </a:r>
+              </a:p>
+              <a:p>
                 <a:r>
                   <a:rPr lang="pt-BR" dirty="0"/>
                   <a:t>Como estamos considerando classificadores com valores de saída iguais a 0 ou 1, o comportamento da regra de atualização será diferente do comportamento para a regressão linear, como veremos a seguir.</a:t>
@@ -10235,12 +10809,12 @@
             <p:spPr>
               <a:xfrm>
                 <a:off x="838200" y="1825624"/>
-                <a:ext cx="11097638" cy="5032375"/>
+                <a:ext cx="11155878" cy="5032375"/>
               </a:xfrm>
               <a:blipFill>
                 <a:blip r:embed="rId3"/>
                 <a:stretch>
-                  <a:fillRect l="-989" r="-879"/>
+                  <a:fillRect l="-984" r="-1639"/>
                 </a:stretch>
               </a:blipFill>
             </p:spPr>
@@ -10325,8 +10899,8 @@
             </p:nvSpPr>
             <p:spPr>
               <a:xfrm>
-                <a:off x="4916385" y="1690688"/>
-                <a:ext cx="7065818" cy="5167312"/>
+                <a:off x="4476997" y="1690688"/>
+                <a:ext cx="7612084" cy="5167312"/>
               </a:xfrm>
             </p:spPr>
             <p:txBody>
@@ -10813,6 +11387,24 @@
                                       </m:r>
                                     </m:sub>
                                   </m:sSub>
+                                  <m:r>
+                                    <a:rPr lang="pt-BR" b="0" i="1" smtClean="0">
+                                      <a:latin typeface="Cambria Math" panose="02040503050406030204" pitchFamily="18" charset="0"/>
+                                    </a:rPr>
+                                    <m:t>(</m:t>
+                                  </m:r>
+                                  <m:r>
+                                    <a:rPr lang="pt-BR" b="0" i="1" smtClean="0">
+                                      <a:latin typeface="Cambria Math" panose="02040503050406030204" pitchFamily="18" charset="0"/>
+                                    </a:rPr>
+                                    <m:t>𝑖</m:t>
+                                  </m:r>
+                                  <m:r>
+                                    <a:rPr lang="pt-BR" b="0" i="1" smtClean="0">
+                                      <a:latin typeface="Cambria Math" panose="02040503050406030204" pitchFamily="18" charset="0"/>
+                                    </a:rPr>
+                                    <m:t>)</m:t>
+                                  </m:r>
                                 </m:e>
                                 <m:e>
                                   <m:sSub>
@@ -10840,6 +11432,24 @@
                                       </m:r>
                                     </m:sub>
                                   </m:sSub>
+                                  <m:r>
+                                    <a:rPr lang="pt-BR" i="1">
+                                      <a:latin typeface="Cambria Math" panose="02040503050406030204" pitchFamily="18" charset="0"/>
+                                    </a:rPr>
+                                    <m:t>(</m:t>
+                                  </m:r>
+                                  <m:r>
+                                    <a:rPr lang="pt-BR" i="1">
+                                      <a:latin typeface="Cambria Math" panose="02040503050406030204" pitchFamily="18" charset="0"/>
+                                    </a:rPr>
+                                    <m:t>𝑖</m:t>
+                                  </m:r>
+                                  <m:r>
+                                    <a:rPr lang="pt-BR" i="1">
+                                      <a:latin typeface="Cambria Math" panose="02040503050406030204" pitchFamily="18" charset="0"/>
+                                    </a:rPr>
+                                    <m:t>)</m:t>
+                                  </m:r>
                                 </m:e>
                                 <m:e>
                                   <m:m>
@@ -10896,6 +11506,24 @@
                                             </m:r>
                                           </m:sub>
                                         </m:sSub>
+                                        <m:r>
+                                          <a:rPr lang="pt-BR" i="1">
+                                            <a:latin typeface="Cambria Math" panose="02040503050406030204" pitchFamily="18" charset="0"/>
+                                          </a:rPr>
+                                          <m:t>(</m:t>
+                                        </m:r>
+                                        <m:r>
+                                          <a:rPr lang="pt-BR" i="1">
+                                            <a:latin typeface="Cambria Math" panose="02040503050406030204" pitchFamily="18" charset="0"/>
+                                          </a:rPr>
+                                          <m:t>𝑖</m:t>
+                                        </m:r>
+                                        <m:r>
+                                          <a:rPr lang="pt-BR" i="1">
+                                            <a:latin typeface="Cambria Math" panose="02040503050406030204" pitchFamily="18" charset="0"/>
+                                          </a:rPr>
+                                          <m:t>)</m:t>
+                                        </m:r>
                                       </m:e>
                                     </m:mr>
                                   </m:m>
@@ -10997,7 +11625,25 @@
                 </a14:m>
                 <a:r>
                   <a:rPr lang="pt-BR" dirty="0"/>
-                  <a:t>, assumem os valores 0 ou 1, portanto, existem apenas 3 possibilidades:</a:t>
+                  <a:t>, assumem os valores 0 ou 1, portanto, existem </a:t>
+                </a:r>
+                <a:r>
+                  <a:rPr lang="pt-BR" b="1" i="1" dirty="0">
+                    <a:solidFill>
+                      <a:srgbClr val="00B050"/>
+                    </a:solidFill>
+                  </a:rPr>
+                  <a:t>apenas 3 possibilidades</a:t>
+                </a:r>
+                <a:r>
+                  <a:rPr lang="pt-BR" dirty="0"/>
+                  <a:t>.</a:t>
+                </a:r>
+              </a:p>
+              <a:p>
+                <a:r>
+                  <a:rPr lang="pt-BR" dirty="0"/>
+                  <a:t>Primeira possibilidade</a:t>
                 </a:r>
               </a:p>
               <a:p>
@@ -11007,7 +11653,7 @@
                 </a:pPr>
                 <a:r>
                   <a:rPr lang="pt-BR" dirty="0"/>
-                  <a:t> Se a saída estiver correta, i.e., </a:t>
+                  <a:t> Se o valor de saída do classificador for igual ao esperado, i.e., </a:t>
                 </a:r>
                 <a14:m>
                   <m:oMath xmlns:m="http://schemas.openxmlformats.org/officeDocument/2006/math">
@@ -11238,7 +11884,19 @@
                 </a:pPr>
                 <a:r>
                   <a:rPr lang="pt-BR" dirty="0"/>
-                  <a:t> Portanto os pesos não são atualizados.</a:t>
+                  <a:t> Portanto, </a:t>
+                </a:r>
+                <a:r>
+                  <a:rPr lang="pt-BR" b="1" i="1" dirty="0">
+                    <a:solidFill>
+                      <a:srgbClr val="00B050"/>
+                    </a:solidFill>
+                  </a:rPr>
+                  <a:t>os pesos não são atualizados</a:t>
+                </a:r>
+                <a:r>
+                  <a:rPr lang="pt-BR" dirty="0"/>
+                  <a:t>.</a:t>
                 </a:r>
               </a:p>
             </p:txBody>
@@ -11257,13 +11915,13 @@
             </p:nvSpPr>
             <p:spPr>
               <a:xfrm>
-                <a:off x="4916385" y="1690688"/>
-                <a:ext cx="7065818" cy="5167312"/>
+                <a:off x="4476997" y="1690688"/>
+                <a:ext cx="7612084" cy="5167312"/>
               </a:xfrm>
               <a:blipFill>
                 <a:blip r:embed="rId2"/>
                 <a:stretch>
-                  <a:fillRect l="-1724" t="-2594" r="-2155" b="-118"/>
+                  <a:fillRect l="-1601" t="-2594" b="-2594"/>
                 </a:stretch>
               </a:blipFill>
             </p:spPr>
@@ -11296,7 +11954,7 @@
         </p:nvGrpSpPr>
         <p:grpSpPr>
           <a:xfrm>
-            <a:off x="503838" y="2063923"/>
+            <a:off x="290082" y="2063923"/>
             <a:ext cx="3838573" cy="3796878"/>
             <a:chOff x="257177" y="2194676"/>
             <a:chExt cx="3838573" cy="3796878"/>
@@ -11366,8 +12024,8 @@
             </a:p>
           </p:txBody>
         </p:sp>
-        <mc:AlternateContent xmlns:mc="http://schemas.openxmlformats.org/markup-compatibility/2006">
-          <mc:Choice xmlns:a14="http://schemas.microsoft.com/office/drawing/2010/main" Requires="a14">
+        <mc:AlternateContent xmlns:mc="http://schemas.openxmlformats.org/markup-compatibility/2006" xmlns:a14="http://schemas.microsoft.com/office/drawing/2010/main">
+          <mc:Choice Requires="a14">
             <p:sp>
               <p:nvSpPr>
                 <p:cNvPr id="8" name="CaixaDeTexto 7">
@@ -11437,7 +12095,7 @@
               </p:txBody>
             </p:sp>
           </mc:Choice>
-          <mc:Fallback>
+          <mc:Fallback xmlns="">
             <p:sp>
               <p:nvSpPr>
                 <p:cNvPr id="8" name="CaixaDeTexto 7">
@@ -11482,8 +12140,8 @@
             </p:sp>
           </mc:Fallback>
         </mc:AlternateContent>
-        <mc:AlternateContent xmlns:mc="http://schemas.openxmlformats.org/markup-compatibility/2006">
-          <mc:Choice xmlns:a14="http://schemas.microsoft.com/office/drawing/2010/main" Requires="a14">
+        <mc:AlternateContent xmlns:mc="http://schemas.openxmlformats.org/markup-compatibility/2006" xmlns:a14="http://schemas.microsoft.com/office/drawing/2010/main">
+          <mc:Choice Requires="a14">
             <p:sp>
               <p:nvSpPr>
                 <p:cNvPr id="9" name="CaixaDeTexto 8">
@@ -11570,7 +12228,7 @@
               </p:txBody>
             </p:sp>
           </mc:Choice>
-          <mc:Fallback>
+          <mc:Fallback xmlns="">
             <p:sp>
               <p:nvSpPr>
                 <p:cNvPr id="9" name="CaixaDeTexto 8">
@@ -11930,7 +12588,7 @@
                 </a14:m>
                 <a:r>
                   <a:rPr lang="pt-BR" dirty="0"/>
-                  <a:t> , mas </a:t>
+                  <a:t>, mas </a:t>
                 </a:r>
                 <a14:m>
                   <m:oMath xmlns:m="http://schemas.openxmlformats.org/officeDocument/2006/math">
@@ -12112,15 +12770,7 @@
                 </a14:m>
                 <a:r>
                   <a:rPr lang="pt-BR" dirty="0"/>
-                  <a:t>-</a:t>
-                </a:r>
-                <a:r>
-                  <a:rPr lang="pt-BR" dirty="0" err="1"/>
-                  <a:t>ésimo</a:t>
-                </a:r>
-                <a:r>
-                  <a:rPr lang="pt-BR" dirty="0"/>
-                  <a:t> peso, </a:t>
+                  <a:t>-ésimo peso, </a:t>
                 </a:r>
                 <a14:m>
                   <m:oMath xmlns:m="http://schemas.openxmlformats.org/officeDocument/2006/math">
@@ -12172,12 +12822,44 @@
                     <m:sSub>
                       <m:sSubPr>
                         <m:ctrlPr>
-                          <a:rPr lang="pt-BR" i="1">
+                          <a:rPr lang="pt-BR" i="1" smtClean="0">
                             <a:latin typeface="Cambria Math" panose="02040503050406030204" pitchFamily="18" charset="0"/>
                           </a:rPr>
                         </m:ctrlPr>
                       </m:sSubPr>
                       <m:e>
+                        <m:sSub>
+                          <m:sSubPr>
+                            <m:ctrlPr>
+                              <a:rPr lang="pt-BR" i="1">
+                                <a:latin typeface="Cambria Math" panose="02040503050406030204" pitchFamily="18" charset="0"/>
+                              </a:rPr>
+                            </m:ctrlPr>
+                          </m:sSubPr>
+                          <m:e>
+                            <m:r>
+                              <a:rPr lang="pt-BR" i="1">
+                                <a:latin typeface="Cambria Math" panose="02040503050406030204" pitchFamily="18" charset="0"/>
+                              </a:rPr>
+                              <m:t>𝑎</m:t>
+                            </m:r>
+                          </m:e>
+                          <m:sub>
+                            <m:r>
+                              <a:rPr lang="pt-BR" i="1">
+                                <a:latin typeface="Cambria Math" panose="02040503050406030204" pitchFamily="18" charset="0"/>
+                              </a:rPr>
+                              <m:t>𝑘</m:t>
+                            </m:r>
+                          </m:sub>
+                        </m:sSub>
+                        <m:r>
+                          <a:rPr lang="pt-BR" i="1" smtClean="0">
+                            <a:latin typeface="Cambria Math" panose="02040503050406030204" pitchFamily="18" charset="0"/>
+                            <a:ea typeface="Cambria Math" panose="02040503050406030204" pitchFamily="18" charset="0"/>
+                          </a:rPr>
+                          <m:t>×</m:t>
+                        </m:r>
                         <m:r>
                           <a:rPr lang="pt-BR" i="1">
                             <a:latin typeface="Cambria Math" panose="02040503050406030204" pitchFamily="18" charset="0"/>
@@ -12227,6 +12909,38 @@
                         </m:ctrlPr>
                       </m:sSubPr>
                       <m:e>
+                        <m:sSub>
+                          <m:sSubPr>
+                            <m:ctrlPr>
+                              <a:rPr lang="pt-BR" i="1">
+                                <a:latin typeface="Cambria Math" panose="02040503050406030204" pitchFamily="18" charset="0"/>
+                              </a:rPr>
+                            </m:ctrlPr>
+                          </m:sSubPr>
+                          <m:e>
+                            <m:r>
+                              <a:rPr lang="pt-BR" i="1">
+                                <a:latin typeface="Cambria Math" panose="02040503050406030204" pitchFamily="18" charset="0"/>
+                              </a:rPr>
+                              <m:t>𝑎</m:t>
+                            </m:r>
+                          </m:e>
+                          <m:sub>
+                            <m:r>
+                              <a:rPr lang="pt-BR" i="1">
+                                <a:latin typeface="Cambria Math" panose="02040503050406030204" pitchFamily="18" charset="0"/>
+                              </a:rPr>
+                              <m:t>𝑘</m:t>
+                            </m:r>
+                          </m:sub>
+                        </m:sSub>
+                        <m:r>
+                          <a:rPr lang="pt-BR" i="1">
+                            <a:latin typeface="Cambria Math" panose="02040503050406030204" pitchFamily="18" charset="0"/>
+                            <a:ea typeface="Cambria Math" panose="02040503050406030204" pitchFamily="18" charset="0"/>
+                          </a:rPr>
+                          <m:t>×</m:t>
+                        </m:r>
                         <m:r>
                           <a:rPr lang="pt-BR" i="1">
                             <a:latin typeface="Cambria Math" panose="02040503050406030204" pitchFamily="18" charset="0"/>
@@ -12534,9 +13248,9 @@
                 <a:ext cx="7287369" cy="5167312"/>
               </a:xfrm>
               <a:blipFill>
-                <a:blip r:embed="rId2"/>
+                <a:blip r:embed="rId3"/>
                 <a:stretch>
-                  <a:fillRect l="-1505" t="-1887"/>
+                  <a:fillRect l="-1505" t="-1887" r="-753"/>
                 </a:stretch>
               </a:blipFill>
             </p:spPr>
@@ -12590,7 +13304,7 @@
             <p:nvPr/>
           </p:nvPicPr>
           <p:blipFill rotWithShape="1">
-            <a:blip r:embed="rId3"/>
+            <a:blip r:embed="rId4"/>
             <a:srcRect l="3046" t="5896" r="8832"/>
             <a:stretch/>
           </p:blipFill>
@@ -12639,8 +13353,8 @@
             </a:p>
           </p:txBody>
         </p:sp>
-        <mc:AlternateContent xmlns:mc="http://schemas.openxmlformats.org/markup-compatibility/2006">
-          <mc:Choice xmlns:a14="http://schemas.microsoft.com/office/drawing/2010/main" Requires="a14">
+        <mc:AlternateContent xmlns:mc="http://schemas.openxmlformats.org/markup-compatibility/2006" xmlns:a14="http://schemas.microsoft.com/office/drawing/2010/main">
+          <mc:Choice Requires="a14">
             <p:sp>
               <p:nvSpPr>
                 <p:cNvPr id="8" name="CaixaDeTexto 7">
@@ -12710,7 +13424,7 @@
               </p:txBody>
             </p:sp>
           </mc:Choice>
-          <mc:Fallback>
+          <mc:Fallback xmlns="">
             <p:sp>
               <p:nvSpPr>
                 <p:cNvPr id="8" name="CaixaDeTexto 7">
@@ -12734,7 +13448,7 @@
                   <a:avLst/>
                 </a:prstGeom>
                 <a:blipFill>
-                  <a:blip r:embed="rId4"/>
+                  <a:blip r:embed="rId5"/>
                   <a:stretch>
                     <a:fillRect b="-13333"/>
                   </a:stretch>
@@ -12755,8 +13469,8 @@
             </p:sp>
           </mc:Fallback>
         </mc:AlternateContent>
-        <mc:AlternateContent xmlns:mc="http://schemas.openxmlformats.org/markup-compatibility/2006">
-          <mc:Choice xmlns:a14="http://schemas.microsoft.com/office/drawing/2010/main" Requires="a14">
+        <mc:AlternateContent xmlns:mc="http://schemas.openxmlformats.org/markup-compatibility/2006" xmlns:a14="http://schemas.microsoft.com/office/drawing/2010/main">
+          <mc:Choice Requires="a14">
             <p:sp>
               <p:nvSpPr>
                 <p:cNvPr id="9" name="CaixaDeTexto 8">
@@ -12843,7 +13557,7 @@
               </p:txBody>
             </p:sp>
           </mc:Choice>
-          <mc:Fallback>
+          <mc:Fallback xmlns="">
             <p:sp>
               <p:nvSpPr>
                 <p:cNvPr id="9" name="CaixaDeTexto 8">
@@ -12867,7 +13581,7 @@
                   <a:avLst/>
                 </a:prstGeom>
                 <a:blipFill>
-                  <a:blip r:embed="rId5"/>
+                  <a:blip r:embed="rId6"/>
                   <a:stretch>
                     <a:fillRect r="-13333"/>
                   </a:stretch>
@@ -13210,7 +13924,7 @@
                 </a14:m>
                 <a:r>
                   <a:rPr lang="pt-BR" dirty="0"/>
-                  <a:t> , mas </a:t>
+                  <a:t>, mas </a:t>
                 </a:r>
                 <a14:m>
                   <m:oMath xmlns:m="http://schemas.openxmlformats.org/officeDocument/2006/math">
@@ -13392,15 +14106,7 @@
                 </a14:m>
                 <a:r>
                   <a:rPr lang="pt-BR" dirty="0"/>
-                  <a:t>-</a:t>
-                </a:r>
-                <a:r>
-                  <a:rPr lang="pt-BR" dirty="0" err="1"/>
-                  <a:t>ésimo</a:t>
-                </a:r>
-                <a:r>
-                  <a:rPr lang="pt-BR" dirty="0"/>
-                  <a:t> peso, </a:t>
+                  <a:t>-ésimo peso, </a:t>
                 </a:r>
                 <a14:m>
                   <m:oMath xmlns:m="http://schemas.openxmlformats.org/officeDocument/2006/math">
@@ -13458,6 +14164,38 @@
                         </m:ctrlPr>
                       </m:sSubPr>
                       <m:e>
+                        <m:sSub>
+                          <m:sSubPr>
+                            <m:ctrlPr>
+                              <a:rPr lang="pt-BR" i="1">
+                                <a:latin typeface="Cambria Math" panose="02040503050406030204" pitchFamily="18" charset="0"/>
+                              </a:rPr>
+                            </m:ctrlPr>
+                          </m:sSubPr>
+                          <m:e>
+                            <m:r>
+                              <a:rPr lang="pt-BR" i="1">
+                                <a:latin typeface="Cambria Math" panose="02040503050406030204" pitchFamily="18" charset="0"/>
+                              </a:rPr>
+                              <m:t>𝑎</m:t>
+                            </m:r>
+                          </m:e>
+                          <m:sub>
+                            <m:r>
+                              <a:rPr lang="pt-BR" i="1">
+                                <a:latin typeface="Cambria Math" panose="02040503050406030204" pitchFamily="18" charset="0"/>
+                              </a:rPr>
+                              <m:t>𝑘</m:t>
+                            </m:r>
+                          </m:sub>
+                        </m:sSub>
+                        <m:r>
+                          <a:rPr lang="pt-BR" i="1">
+                            <a:latin typeface="Cambria Math" panose="02040503050406030204" pitchFamily="18" charset="0"/>
+                            <a:ea typeface="Cambria Math" panose="02040503050406030204" pitchFamily="18" charset="0"/>
+                          </a:rPr>
+                          <m:t>×</m:t>
+                        </m:r>
                         <m:r>
                           <a:rPr lang="pt-BR" i="1">
                             <a:latin typeface="Cambria Math" panose="02040503050406030204" pitchFamily="18" charset="0"/>
@@ -13474,12 +14212,14 @@
                         </m:r>
                       </m:sub>
                     </m:sSub>
+                    <m:r>
+                      <a:rPr lang="pt-BR" i="1">
+                        <a:latin typeface="Cambria Math" panose="02040503050406030204" pitchFamily="18" charset="0"/>
+                      </a:rPr>
+                      <m:t> </m:t>
+                    </m:r>
                   </m:oMath>
                 </a14:m>
-                <a:r>
-                  <a:rPr lang="pt-BR" b="1" i="1" dirty="0"/>
-                  <a:t> </a:t>
-                </a:r>
                 <a:r>
                   <a:rPr lang="pt-BR" dirty="0"/>
                   <a:t>é positivo e </a:t>
@@ -13507,6 +14247,38 @@
                         </m:ctrlPr>
                       </m:sSubPr>
                       <m:e>
+                        <m:sSub>
+                          <m:sSubPr>
+                            <m:ctrlPr>
+                              <a:rPr lang="pt-BR" i="1">
+                                <a:latin typeface="Cambria Math" panose="02040503050406030204" pitchFamily="18" charset="0"/>
+                              </a:rPr>
+                            </m:ctrlPr>
+                          </m:sSubPr>
+                          <m:e>
+                            <m:r>
+                              <a:rPr lang="pt-BR" i="1">
+                                <a:latin typeface="Cambria Math" panose="02040503050406030204" pitchFamily="18" charset="0"/>
+                              </a:rPr>
+                              <m:t>𝑎</m:t>
+                            </m:r>
+                          </m:e>
+                          <m:sub>
+                            <m:r>
+                              <a:rPr lang="pt-BR" i="1">
+                                <a:latin typeface="Cambria Math" panose="02040503050406030204" pitchFamily="18" charset="0"/>
+                              </a:rPr>
+                              <m:t>𝑘</m:t>
+                            </m:r>
+                          </m:sub>
+                        </m:sSub>
+                        <m:r>
+                          <a:rPr lang="pt-BR" i="1">
+                            <a:latin typeface="Cambria Math" panose="02040503050406030204" pitchFamily="18" charset="0"/>
+                            <a:ea typeface="Cambria Math" panose="02040503050406030204" pitchFamily="18" charset="0"/>
+                          </a:rPr>
+                          <m:t>×</m:t>
+                        </m:r>
                         <m:r>
                           <a:rPr lang="pt-BR" i="1">
                             <a:latin typeface="Cambria Math" panose="02040503050406030204" pitchFamily="18" charset="0"/>
@@ -13523,12 +14295,14 @@
                         </m:r>
                       </m:sub>
                     </m:sSub>
+                    <m:r>
+                      <a:rPr lang="pt-BR" i="1">
+                        <a:latin typeface="Cambria Math" panose="02040503050406030204" pitchFamily="18" charset="0"/>
+                      </a:rPr>
+                      <m:t> </m:t>
+                    </m:r>
                   </m:oMath>
                 </a14:m>
-                <a:r>
-                  <a:rPr lang="pt-BR" b="1" i="1" dirty="0"/>
-                  <a:t> </a:t>
-                </a:r>
                 <a:r>
                   <a:rPr lang="pt-BR" dirty="0"/>
                   <a:t>é negativo. </a:t>
@@ -13612,13 +14386,7 @@
                       <a:rPr lang="pt-BR" b="0" i="0" smtClean="0">
                         <a:latin typeface="Cambria Math" panose="02040503050406030204" pitchFamily="18" charset="0"/>
                       </a:rPr>
-                      <m:t>&lt;</m:t>
-                    </m:r>
-                    <m:r>
-                      <a:rPr lang="pt-BR" b="0" i="0" smtClean="0">
-                        <a:latin typeface="Cambria Math" panose="02040503050406030204" pitchFamily="18" charset="0"/>
-                      </a:rPr>
-                      <m:t>0</m:t>
+                      <m:t>&lt;0</m:t>
                     </m:r>
                   </m:oMath>
                 </a14:m>
@@ -13820,7 +14588,7 @@
                 <a:ext cx="7287369" cy="5167312"/>
               </a:xfrm>
               <a:blipFill>
-                <a:blip r:embed="rId2"/>
+                <a:blip r:embed="rId3"/>
                 <a:stretch>
                   <a:fillRect l="-1505" t="-1887" r="-2007"/>
                 </a:stretch>
@@ -13876,7 +14644,7 @@
             <p:nvPr/>
           </p:nvPicPr>
           <p:blipFill rotWithShape="1">
-            <a:blip r:embed="rId3"/>
+            <a:blip r:embed="rId4"/>
             <a:srcRect l="3046" t="5896" r="8832"/>
             <a:stretch/>
           </p:blipFill>
@@ -13925,8 +14693,8 @@
             </a:p>
           </p:txBody>
         </p:sp>
-        <mc:AlternateContent xmlns:mc="http://schemas.openxmlformats.org/markup-compatibility/2006">
-          <mc:Choice xmlns:a14="http://schemas.microsoft.com/office/drawing/2010/main" Requires="a14">
+        <mc:AlternateContent xmlns:mc="http://schemas.openxmlformats.org/markup-compatibility/2006" xmlns:a14="http://schemas.microsoft.com/office/drawing/2010/main">
+          <mc:Choice Requires="a14">
             <p:sp>
               <p:nvSpPr>
                 <p:cNvPr id="8" name="CaixaDeTexto 7">
@@ -13996,7 +14764,7 @@
               </p:txBody>
             </p:sp>
           </mc:Choice>
-          <mc:Fallback>
+          <mc:Fallback xmlns="">
             <p:sp>
               <p:nvSpPr>
                 <p:cNvPr id="8" name="CaixaDeTexto 7">
@@ -14020,7 +14788,7 @@
                   <a:avLst/>
                 </a:prstGeom>
                 <a:blipFill>
-                  <a:blip r:embed="rId4"/>
+                  <a:blip r:embed="rId5"/>
                   <a:stretch>
                     <a:fillRect b="-13333"/>
                   </a:stretch>
@@ -14041,8 +14809,8 @@
             </p:sp>
           </mc:Fallback>
         </mc:AlternateContent>
-        <mc:AlternateContent xmlns:mc="http://schemas.openxmlformats.org/markup-compatibility/2006">
-          <mc:Choice xmlns:a14="http://schemas.microsoft.com/office/drawing/2010/main" Requires="a14">
+        <mc:AlternateContent xmlns:mc="http://schemas.openxmlformats.org/markup-compatibility/2006" xmlns:a14="http://schemas.microsoft.com/office/drawing/2010/main">
+          <mc:Choice Requires="a14">
             <p:sp>
               <p:nvSpPr>
                 <p:cNvPr id="9" name="CaixaDeTexto 8">
@@ -14129,7 +14897,7 @@
               </p:txBody>
             </p:sp>
           </mc:Choice>
-          <mc:Fallback>
+          <mc:Fallback xmlns="">
             <p:sp>
               <p:nvSpPr>
                 <p:cNvPr id="9" name="CaixaDeTexto 8">
@@ -14153,7 +14921,7 @@
                   <a:avLst/>
                 </a:prstGeom>
                 <a:blipFill>
-                  <a:blip r:embed="rId5"/>
+                  <a:blip r:embed="rId6"/>
                   <a:stretch>
                     <a:fillRect r="-13333"/>
                   </a:stretch>
@@ -14207,7 +14975,13 @@
       </p:grpSpPr>
       <p:sp>
         <p:nvSpPr>
-          <p:cNvPr id="2" name="Title 1"/>
+          <p:cNvPr id="2" name="Título 1">
+            <a:extLst>
+              <a:ext uri="{FF2B5EF4-FFF2-40B4-BE49-F238E27FC236}">
+                <a16:creationId xmlns:a16="http://schemas.microsoft.com/office/drawing/2014/main" id="{6636B7CF-8113-56BB-B99E-8A161CD9B1EB}"/>
+              </a:ext>
+            </a:extLst>
+          </p:cNvPr>
           <p:cNvSpPr>
             <a:spLocks noGrp="1"/>
           </p:cNvSpPr>
@@ -14215,12 +14989,7 @@
             <p:ph type="title"/>
           </p:nvPr>
         </p:nvSpPr>
-        <p:spPr>
-          <a:xfrm>
-            <a:off x="838200" y="365125"/>
-            <a:ext cx="10515600" cy="1006475"/>
-          </a:xfrm>
-        </p:spPr>
+        <p:spPr/>
         <p:txBody>
           <a:bodyPr/>
           <a:lstStyle/>
@@ -14232,281 +15001,214 @@
           </a:p>
         </p:txBody>
       </p:sp>
-      <mc:AlternateContent xmlns:mc="http://schemas.openxmlformats.org/markup-compatibility/2006" xmlns:a14="http://schemas.microsoft.com/office/drawing/2010/main">
-        <mc:Choice Requires="a14">
-          <p:sp>
-            <p:nvSpPr>
-              <p:cNvPr id="3" name="Content Placeholder 2"/>
-              <p:cNvSpPr>
-                <a:spLocks noGrp="1"/>
-              </p:cNvSpPr>
-              <p:nvPr>
-                <p:ph idx="1"/>
-              </p:nvPr>
-            </p:nvSpPr>
-            <p:spPr>
-              <a:xfrm>
-                <a:off x="838199" y="1690688"/>
-                <a:ext cx="11209421" cy="5167311"/>
-              </a:xfrm>
-            </p:spPr>
-            <p:txBody>
-              <a:bodyPr>
-                <a:normAutofit fontScale="85000" lnSpcReduction="20000"/>
-              </a:bodyPr>
-              <a:lstStyle/>
-              <a:p>
-                <a:r>
-                  <a:rPr lang="pt-BR" dirty="0"/>
-                  <a:t>A </a:t>
-                </a:r>
-                <a:r>
-                  <a:rPr lang="pt-BR" b="1" i="1" dirty="0"/>
-                  <a:t>regra de aprendizagem do perceptron </a:t>
-                </a:r>
-                <a:r>
-                  <a:rPr lang="pt-BR" dirty="0"/>
-                  <a:t>converge para um </a:t>
-                </a:r>
-                <a:r>
-                  <a:rPr lang="pt-BR" b="1" i="1" dirty="0"/>
-                  <a:t>separador perfeito</a:t>
-                </a:r>
-                <a:r>
-                  <a:rPr lang="pt-BR" dirty="0"/>
-                  <a:t> quando:</a:t>
-                </a:r>
-              </a:p>
-              <a:p>
-                <a:pPr lvl="1">
-                  <a:buFont typeface="Wingdings" panose="05000000000000000000" pitchFamily="2" charset="2"/>
-                  <a:buChar char="§"/>
-                </a:pPr>
-                <a:r>
-                  <a:rPr lang="pt-BR" dirty="0"/>
-                  <a:t>As classes são </a:t>
-                </a:r>
-                <a:r>
-                  <a:rPr lang="pt-BR" b="1" i="1" dirty="0"/>
-                  <a:t>suficientemente separadas </a:t>
-                </a:r>
-                <a:r>
-                  <a:rPr lang="pt-BR" dirty="0"/>
-                  <a:t>umas das outras, ou seja, não se sobrepõem.</a:t>
-                </a:r>
-              </a:p>
-              <a:p>
-                <a:pPr lvl="1">
-                  <a:buFont typeface="Wingdings" panose="05000000000000000000" pitchFamily="2" charset="2"/>
-                  <a:buChar char="§"/>
-                </a:pPr>
-                <a:r>
-                  <a:rPr lang="pt-BR" dirty="0"/>
-                  <a:t>Existe uma </a:t>
-                </a:r>
-                <a:r>
-                  <a:rPr lang="pt-BR" b="1" i="1" dirty="0"/>
-                  <a:t>função discriminante adequada para o problema</a:t>
-                </a:r>
-                <a:r>
-                  <a:rPr lang="pt-BR" dirty="0"/>
-                  <a:t>, mesmo que não seja um </a:t>
-                </a:r>
-                <a:r>
-                  <a:rPr lang="pt-BR" b="1" i="1" dirty="0"/>
-                  <a:t>hiperplano</a:t>
-                </a:r>
-                <a:r>
-                  <a:rPr lang="pt-BR" dirty="0"/>
-                  <a:t>.</a:t>
-                </a:r>
-              </a:p>
-              <a:p>
-                <a:r>
-                  <a:rPr lang="pt-BR" b="1" i="1" dirty="0"/>
-                  <a:t>Separador perfeito: </a:t>
-                </a:r>
-                <a:r>
-                  <a:rPr lang="pt-BR" dirty="0"/>
-                  <a:t>com erro de classificação igual a zero, ou seja, todos os exemplos são perfeitamente classificados.</a:t>
-                </a:r>
-              </a:p>
-              <a:p>
-                <a:r>
-                  <a:rPr lang="pt-BR" dirty="0"/>
-                  <a:t>Porém, na prática essa situação não é muito comum.</a:t>
-                </a:r>
-              </a:p>
-              <a:p>
-                <a:r>
-                  <a:rPr lang="pt-BR" dirty="0"/>
-                  <a:t>Quando as classes se sobrepõem, a </a:t>
-                </a:r>
-                <a:r>
-                  <a:rPr lang="pt-BR" b="1" i="1" dirty="0"/>
-                  <a:t>regra de aprendizagem do perceptron </a:t>
-                </a:r>
-                <a:r>
-                  <a:rPr lang="pt-BR" dirty="0"/>
-                  <a:t>falha em convergir para uma solução perfeita. </a:t>
-                </a:r>
-              </a:p>
-              <a:p>
-                <a:r>
-                  <a:rPr lang="pt-BR" dirty="0"/>
-                  <a:t>Nesse caso, a regra não converge para uma solução </a:t>
-                </a:r>
-                <a:r>
-                  <a:rPr lang="pt-BR" b="1" i="1" dirty="0"/>
-                  <a:t>estável</a:t>
-                </a:r>
-                <a:r>
-                  <a:rPr lang="pt-BR" dirty="0"/>
-                  <a:t> para valores fixos do </a:t>
-                </a:r>
-                <a:r>
-                  <a:rPr lang="pt-BR" b="1" i="1" dirty="0"/>
-                  <a:t>passo de aprendizagem</a:t>
-                </a:r>
-                <a:r>
-                  <a:rPr lang="pt-BR" dirty="0"/>
-                  <a:t>, </a:t>
-                </a:r>
-                <a14:m>
-                  <m:oMath xmlns:m="http://schemas.openxmlformats.org/officeDocument/2006/math">
-                    <m:r>
-                      <a:rPr lang="pt-BR" i="1">
-                        <a:latin typeface="Cambria Math" panose="02040503050406030204" pitchFamily="18" charset="0"/>
-                        <a:ea typeface="Cambria Math" panose="02040503050406030204" pitchFamily="18" charset="0"/>
-                      </a:rPr>
-                      <m:t>𝛼</m:t>
-                    </m:r>
-                  </m:oMath>
-                </a14:m>
-                <a:r>
-                  <a:rPr lang="pt-BR" dirty="0"/>
-                  <a:t>, assim como acontece com o GDE.</a:t>
-                </a:r>
-              </a:p>
-              <a:p>
-                <a:r>
-                  <a:rPr lang="pt-BR" dirty="0"/>
-                  <a:t>Porém, se </a:t>
-                </a:r>
-                <a14:m>
-                  <m:oMath xmlns:m="http://schemas.openxmlformats.org/officeDocument/2006/math">
-                    <m:r>
-                      <a:rPr lang="pt-BR" i="1">
-                        <a:latin typeface="Cambria Math" panose="02040503050406030204" pitchFamily="18" charset="0"/>
-                        <a:ea typeface="Cambria Math" panose="02040503050406030204" pitchFamily="18" charset="0"/>
-                      </a:rPr>
-                      <m:t>𝛼</m:t>
-                    </m:r>
-                  </m:oMath>
-                </a14:m>
-                <a:r>
-                  <a:rPr lang="pt-BR" dirty="0"/>
-                  <a:t> decresce de acordo com as iterações de treinamento, então a regra tem uma chance de convergir para uma solução de erro mínimo quando os exemplos são apresentados de forma aleatória.</a:t>
-                </a:r>
-              </a:p>
-              <a:p>
-                <a:r>
-                  <a:rPr lang="pt-BR" dirty="0"/>
-                  <a:t>Podemos também usar o </a:t>
-                </a:r>
-                <a:r>
-                  <a:rPr lang="pt-BR" b="1" i="1" dirty="0"/>
-                  <a:t>early-stop</a:t>
-                </a:r>
-                <a:r>
-                  <a:rPr lang="pt-BR" dirty="0"/>
-                  <a:t> e utilizar os </a:t>
-                </a:r>
-                <a:r>
-                  <a:rPr lang="pt-BR" b="1" i="1" dirty="0"/>
-                  <a:t>pesos</a:t>
-                </a:r>
-                <a:r>
-                  <a:rPr lang="pt-BR" dirty="0"/>
-                  <a:t> que resultaram no menor erro de validação.</a:t>
-                </a:r>
-              </a:p>
-            </p:txBody>
-          </p:sp>
-        </mc:Choice>
-        <mc:Fallback xmlns="">
-          <p:sp>
-            <p:nvSpPr>
-              <p:cNvPr id="3" name="Content Placeholder 2"/>
-              <p:cNvSpPr>
-                <a:spLocks noGrp="1" noRot="1" noChangeAspect="1" noMove="1" noResize="1" noEditPoints="1" noAdjustHandles="1" noChangeArrowheads="1" noChangeShapeType="1" noTextEdit="1"/>
-              </p:cNvSpPr>
-              <p:nvPr>
-                <p:ph idx="1"/>
-              </p:nvPr>
-            </p:nvSpPr>
-            <p:spPr>
-              <a:xfrm>
-                <a:off x="838199" y="1690688"/>
-                <a:ext cx="11209421" cy="5167311"/>
-              </a:xfrm>
-              <a:blipFill rotWithShape="0">
-                <a:blip r:embed="rId3"/>
-                <a:stretch>
-                  <a:fillRect l="-707" t="-2712" r="-489"/>
-                </a:stretch>
-              </a:blipFill>
-            </p:spPr>
-            <p:txBody>
-              <a:bodyPr/>
-              <a:lstStyle/>
-              <a:p>
-                <a:r>
-                  <a:rPr lang="pt-BR">
-                    <a:noFill/>
-                  </a:rPr>
-                  <a:t> </a:t>
-                </a:r>
-              </a:p>
-            </p:txBody>
-          </p:sp>
-        </mc:Fallback>
-      </mc:AlternateContent>
       <p:sp>
         <p:nvSpPr>
-          <p:cNvPr id="4" name="Rectangle 3"/>
-          <p:cNvSpPr/>
-          <p:nvPr/>
+          <p:cNvPr id="3" name="Espaço Reservado para Conteúdo 2">
+            <a:extLst>
+              <a:ext uri="{FF2B5EF4-FFF2-40B4-BE49-F238E27FC236}">
+                <a16:creationId xmlns:a16="http://schemas.microsoft.com/office/drawing/2014/main" id="{3A545FD3-C171-8153-940B-3CC27506941C}"/>
+              </a:ext>
+            </a:extLst>
+          </p:cNvPr>
+          <p:cNvSpPr>
+            <a:spLocks noGrp="1"/>
+          </p:cNvSpPr>
+          <p:nvPr>
+            <p:ph idx="1"/>
+          </p:nvPr>
         </p:nvSpPr>
         <p:spPr>
           <a:xfrm>
-            <a:off x="7472695" y="6519445"/>
-            <a:ext cx="4719305" cy="338554"/>
+            <a:off x="4417621" y="1825624"/>
+            <a:ext cx="7552705" cy="5032375"/>
+          </a:xfrm>
+        </p:spPr>
+        <p:txBody>
+          <a:bodyPr>
+            <a:normAutofit/>
+          </a:bodyPr>
+          <a:lstStyle/>
+          <a:p>
+            <a:r>
+              <a:rPr lang="pt-BR" dirty="0"/>
+              <a:t>A </a:t>
+            </a:r>
+            <a:r>
+              <a:rPr lang="pt-BR" b="1" i="1" dirty="0"/>
+              <a:t>regra de aprendizagem do perceptron </a:t>
+            </a:r>
+            <a:r>
+              <a:rPr lang="pt-BR" dirty="0"/>
+              <a:t>converge para um </a:t>
+            </a:r>
+            <a:r>
+              <a:rPr lang="pt-BR" b="1" i="1" dirty="0"/>
+              <a:t>separador perfeito</a:t>
+            </a:r>
+            <a:r>
+              <a:rPr lang="pt-BR" dirty="0"/>
+              <a:t> quando:</a:t>
+            </a:r>
+          </a:p>
+          <a:p>
+            <a:pPr lvl="1">
+              <a:buFont typeface="Wingdings" panose="05000000000000000000" pitchFamily="2" charset="2"/>
+              <a:buChar char="§"/>
+            </a:pPr>
+            <a:r>
+              <a:rPr lang="pt-BR" dirty="0"/>
+              <a:t>As classes são </a:t>
+            </a:r>
+            <a:r>
+              <a:rPr lang="pt-BR" b="1" i="1" dirty="0"/>
+              <a:t>suficientemente separadas </a:t>
+            </a:r>
+            <a:r>
+              <a:rPr lang="pt-BR" dirty="0"/>
+              <a:t>umas das outras, ou seja, não se sobrepõem.</a:t>
+            </a:r>
+          </a:p>
+          <a:p>
+            <a:pPr lvl="1">
+              <a:buFont typeface="Wingdings" panose="05000000000000000000" pitchFamily="2" charset="2"/>
+              <a:buChar char="§"/>
+            </a:pPr>
+            <a:r>
+              <a:rPr lang="pt-BR" dirty="0"/>
+              <a:t>E existe uma </a:t>
+            </a:r>
+            <a:r>
+              <a:rPr lang="pt-BR" b="1" i="1" dirty="0"/>
+              <a:t>função discriminante adequada para o problema</a:t>
+            </a:r>
+            <a:r>
+              <a:rPr lang="pt-BR" dirty="0"/>
+              <a:t>, mesmo que não seja um </a:t>
+            </a:r>
+            <a:r>
+              <a:rPr lang="pt-BR" b="1" i="1" dirty="0"/>
+              <a:t>hiperplano</a:t>
+            </a:r>
+            <a:r>
+              <a:rPr lang="pt-BR" dirty="0"/>
+              <a:t>.</a:t>
+            </a:r>
+          </a:p>
+          <a:p>
+            <a:r>
+              <a:rPr lang="pt-BR" b="1" i="1" dirty="0"/>
+              <a:t>Separador perfeito: </a:t>
+            </a:r>
+            <a:r>
+              <a:rPr lang="pt-BR" dirty="0"/>
+              <a:t>com erro de classificação igual a zero, ou seja, todos os exemplos são perfeitamente classificados.</a:t>
+            </a:r>
+          </a:p>
+          <a:p>
+            <a:r>
+              <a:rPr lang="pt-BR" dirty="0"/>
+              <a:t>Porém, na prática essa situação não é muito comum.</a:t>
+            </a:r>
+          </a:p>
+        </p:txBody>
+      </p:sp>
+      <p:pic>
+        <p:nvPicPr>
+          <p:cNvPr id="5" name="Picture 3">
+            <a:extLst>
+              <a:ext uri="{FF2B5EF4-FFF2-40B4-BE49-F238E27FC236}">
+                <a16:creationId xmlns:a16="http://schemas.microsoft.com/office/drawing/2014/main" id="{54D0F914-40D4-E004-16D1-A0567AB22B09}"/>
+              </a:ext>
+            </a:extLst>
+          </p:cNvPr>
+          <p:cNvPicPr>
+            <a:picLocks noChangeAspect="1"/>
+          </p:cNvPicPr>
+          <p:nvPr/>
+        </p:nvPicPr>
+        <p:blipFill rotWithShape="1">
+          <a:blip r:embed="rId2" cstate="print">
+            <a:extLst>
+              <a:ext uri="{28A0092B-C50C-407E-A947-70E740481C1C}">
+                <a14:useLocalDpi xmlns:a14="http://schemas.microsoft.com/office/drawing/2010/main" val="0"/>
+              </a:ext>
+            </a:extLst>
+          </a:blip>
+          <a:srcRect t="10964" r="9343"/>
+          <a:stretch/>
+        </p:blipFill>
+        <p:spPr>
+          <a:xfrm>
+            <a:off x="1019514" y="5225992"/>
+            <a:ext cx="2329327" cy="1525132"/>
           </a:xfrm>
           <a:prstGeom prst="rect">
             <a:avLst/>
           </a:prstGeom>
         </p:spPr>
-        <p:txBody>
-          <a:bodyPr wrap="none">
-            <a:spAutoFit/>
-          </a:bodyPr>
-          <a:lstStyle/>
-          <a:p>
-            <a:r>
-              <a:rPr lang="pt-BR" sz="1600" dirty="0">
-                <a:hlinkClick r:id="rId4"/>
-              </a:rPr>
-              <a:t>Exemplo: classificador_linear_com_limiar_rigido.ipynb</a:t>
-            </a:r>
-            <a:endParaRPr lang="pt-BR" sz="1600" dirty="0"/>
-          </a:p>
-        </p:txBody>
-      </p:sp>
+      </p:pic>
+      <p:pic>
+        <p:nvPicPr>
+          <p:cNvPr id="7" name="Imagem 6">
+            <a:extLst>
+              <a:ext uri="{FF2B5EF4-FFF2-40B4-BE49-F238E27FC236}">
+                <a16:creationId xmlns:a16="http://schemas.microsoft.com/office/drawing/2014/main" id="{D9C2A466-55C5-046B-2430-AC3551D26304}"/>
+              </a:ext>
+            </a:extLst>
+          </p:cNvPr>
+          <p:cNvPicPr>
+            <a:picLocks noChangeAspect="1"/>
+          </p:cNvPicPr>
+          <p:nvPr/>
+        </p:nvPicPr>
+        <p:blipFill rotWithShape="1">
+          <a:blip r:embed="rId3"/>
+          <a:srcRect l="1875" t="11979" r="9531"/>
+          <a:stretch/>
+        </p:blipFill>
+        <p:spPr>
+          <a:xfrm>
+            <a:off x="1019512" y="3390690"/>
+            <a:ext cx="2329327" cy="1735697"/>
+          </a:xfrm>
+          <a:prstGeom prst="rect">
+            <a:avLst/>
+          </a:prstGeom>
+        </p:spPr>
+      </p:pic>
+      <p:pic>
+        <p:nvPicPr>
+          <p:cNvPr id="15" name="Imagem 14">
+            <a:extLst>
+              <a:ext uri="{FF2B5EF4-FFF2-40B4-BE49-F238E27FC236}">
+                <a16:creationId xmlns:a16="http://schemas.microsoft.com/office/drawing/2014/main" id="{39407819-FE6A-C2CA-4C72-A0623AD14F78}"/>
+              </a:ext>
+            </a:extLst>
+          </p:cNvPr>
+          <p:cNvPicPr>
+            <a:picLocks noChangeAspect="1"/>
+          </p:cNvPicPr>
+          <p:nvPr/>
+        </p:nvPicPr>
+        <p:blipFill rotWithShape="1">
+          <a:blip r:embed="rId4"/>
+          <a:srcRect l="3751" t="11459" r="9375" b="1244"/>
+          <a:stretch/>
+        </p:blipFill>
+        <p:spPr>
+          <a:xfrm>
+            <a:off x="1019512" y="1531004"/>
+            <a:ext cx="2329327" cy="1755496"/>
+          </a:xfrm>
+          <a:prstGeom prst="rect">
+            <a:avLst/>
+          </a:prstGeom>
+        </p:spPr>
+      </p:pic>
     </p:spTree>
     <p:extLst>
       <p:ext uri="{BB962C8B-B14F-4D97-AF65-F5344CB8AC3E}">
-        <p14:creationId xmlns:p14="http://schemas.microsoft.com/office/powerpoint/2010/main" val="1865431314"/>
+        <p14:creationId xmlns:p14="http://schemas.microsoft.com/office/powerpoint/2010/main" val="3644546566"/>
       </p:ext>
     </p:extLst>
   </p:cSld>
@@ -14535,7 +15237,13 @@
       </p:grpSpPr>
       <p:sp>
         <p:nvSpPr>
-          <p:cNvPr id="2" name="Title 1"/>
+          <p:cNvPr id="2" name="Título 1">
+            <a:extLst>
+              <a:ext uri="{FF2B5EF4-FFF2-40B4-BE49-F238E27FC236}">
+                <a16:creationId xmlns:a16="http://schemas.microsoft.com/office/drawing/2014/main" id="{CF9B30B4-0805-101B-C227-AD4405F0BA79}"/>
+              </a:ext>
+            </a:extLst>
+          </p:cNvPr>
           <p:cNvSpPr>
             <a:spLocks noGrp="1"/>
           </p:cNvSpPr>
@@ -14555,11 +15263,17 @@
           </a:p>
         </p:txBody>
       </p:sp>
-      <mc:AlternateContent xmlns:mc="http://schemas.openxmlformats.org/markup-compatibility/2006" xmlns:a14="http://schemas.microsoft.com/office/drawing/2010/main">
-        <mc:Choice Requires="a14">
+      <mc:AlternateContent xmlns:mc="http://schemas.openxmlformats.org/markup-compatibility/2006">
+        <mc:Choice xmlns:a14="http://schemas.microsoft.com/office/drawing/2010/main" Requires="a14">
           <p:sp>
             <p:nvSpPr>
-              <p:cNvPr id="3" name="Content Placeholder 2"/>
+              <p:cNvPr id="3" name="Espaço Reservado para Conteúdo 2">
+                <a:extLst>
+                  <a:ext uri="{FF2B5EF4-FFF2-40B4-BE49-F238E27FC236}">
+                    <a16:creationId xmlns:a16="http://schemas.microsoft.com/office/drawing/2014/main" id="{1B95DA0B-9FB2-61FE-86F8-6A65C4F51978}"/>
+                  </a:ext>
+                </a:extLst>
+              </p:cNvPr>
               <p:cNvSpPr>
                 <a:spLocks noGrp="1"/>
               </p:cNvSpPr>
@@ -14569,118 +15283,126 @@
             </p:nvSpPr>
             <p:spPr>
               <a:xfrm>
-                <a:off x="838199" y="1825624"/>
-                <a:ext cx="7785295" cy="5032376"/>
+                <a:off x="4298868" y="1825624"/>
+                <a:ext cx="7718959" cy="5032375"/>
               </a:xfrm>
             </p:spPr>
             <p:txBody>
               <a:bodyPr>
-                <a:normAutofit fontScale="92500" lnSpcReduction="10000"/>
+                <a:normAutofit fontScale="92500"/>
               </a:bodyPr>
               <a:lstStyle/>
               <a:p>
                 <a:r>
                   <a:rPr lang="pt-BR" dirty="0"/>
-                  <a:t>Outro problema com classificadores que usam </a:t>
+                  <a:t>Quando as classes se sobrepõem, a </a:t>
                 </a:r>
                 <a:r>
                   <a:rPr lang="pt-BR" b="1" i="1" dirty="0"/>
-                  <a:t>limiar de decisão rígido </a:t>
+                  <a:t>regra de aprendizagem do perceptron </a:t>
                 </a:r>
                 <a:r>
                   <a:rPr lang="pt-BR" dirty="0"/>
-                  <a:t>é a falta de informação sobre a </a:t>
-                </a:r>
-                <a:r>
-                  <a:rPr lang="pt-BR" b="1" i="1" dirty="0"/>
-                  <a:t>confiança</a:t>
-                </a:r>
-                <a:r>
-                  <a:rPr lang="pt-BR" dirty="0"/>
-                  <a:t> do classificador quanto a um resultado.</a:t>
+                  <a:t>falha em convergir para uma solução perfeita. </a:t>
                 </a:r>
               </a:p>
               <a:p>
                 <a:r>
                   <a:rPr lang="pt-BR" dirty="0"/>
-                  <a:t>Na figura ao lado, dois exemplos estão bem próximos da </a:t>
+                  <a:t>Nesse caso, a regra não converge para uma solução </a:t>
                 </a:r>
                 <a:r>
                   <a:rPr lang="pt-BR" b="1" i="1" dirty="0"/>
-                  <a:t>fronteira de decisão </a:t>
+                  <a:t>estável</a:t>
                 </a:r>
                 <a:r>
                   <a:rPr lang="pt-BR" dirty="0"/>
-                  <a:t>enquanto outros dois estão bem distantes dela.</a:t>
-                </a:r>
-              </a:p>
-              <a:p>
+                  <a:t> para </a:t>
+                </a:r>
+                <a:r>
+                  <a:rPr lang="pt-BR" b="1" i="1" dirty="0">
+                    <a:solidFill>
+                      <a:srgbClr val="00B050"/>
+                    </a:solidFill>
+                  </a:rPr>
+                  <a:t>valores fixos do passo de aprendizagem</a:t>
+                </a:r>
                 <a:r>
                   <a:rPr lang="pt-BR" dirty="0"/>
-                  <a:t>O classificador com </a:t>
-                </a:r>
-                <a:r>
-                  <a:rPr lang="pt-BR" b="1" i="1" dirty="0"/>
-                  <a:t>limiar rígido</a:t>
-                </a:r>
-                <a:r>
-                  <a:rPr lang="pt-BR" dirty="0"/>
-                  <a:t>, faria uma previsão </a:t>
-                </a:r>
-                <a:r>
-                  <a:rPr lang="pt-BR" b="1" i="1" dirty="0"/>
-                  <a:t>completamente confiante </a:t>
-                </a:r>
-                <a:r>
-                  <a:rPr lang="pt-BR" dirty="0"/>
-                  <a:t>pelo valor 1 para os dois pontos azuis e 0 para os dois triângulos vermelhos, mesmo eles tendo valores bem diferentes de </a:t>
+                  <a:t>, </a:t>
                 </a:r>
                 <a14:m>
                   <m:oMath xmlns:m="http://schemas.openxmlformats.org/officeDocument/2006/math">
                     <m:r>
-                      <a:rPr lang="pt-BR" b="0" i="1" smtClean="0">
+                      <a:rPr lang="pt-BR" i="1">
                         <a:latin typeface="Cambria Math" panose="02040503050406030204" pitchFamily="18" charset="0"/>
+                        <a:ea typeface="Cambria Math" panose="02040503050406030204" pitchFamily="18" charset="0"/>
                       </a:rPr>
-                      <m:t>𝑔</m:t>
-                    </m:r>
-                    <m:r>
-                      <a:rPr lang="pt-BR" b="0" i="1" smtClean="0">
-                        <a:latin typeface="Cambria Math" panose="02040503050406030204" pitchFamily="18" charset="0"/>
-                      </a:rPr>
-                      <m:t>(</m:t>
-                    </m:r>
-                    <m:r>
-                      <a:rPr lang="pt-BR" b="1" i="1" smtClean="0">
-                        <a:latin typeface="Cambria Math" panose="02040503050406030204" pitchFamily="18" charset="0"/>
-                      </a:rPr>
-                      <m:t>𝒙</m:t>
-                    </m:r>
-                    <m:r>
-                      <a:rPr lang="pt-BR" b="0" i="1" smtClean="0">
-                        <a:latin typeface="Cambria Math" panose="02040503050406030204" pitchFamily="18" charset="0"/>
-                      </a:rPr>
-                      <m:t>)</m:t>
+                      <m:t>𝛼</m:t>
                     </m:r>
                   </m:oMath>
                 </a14:m>
                 <a:r>
                   <a:rPr lang="pt-BR" dirty="0"/>
-                  <a:t>.</a:t>
+                  <a:t>, assim como acontece com o GDE.</a:t>
                 </a:r>
               </a:p>
               <a:p>
                 <a:r>
                   <a:rPr lang="pt-BR" dirty="0"/>
-                  <a:t>Em muitas situações, nós precisamos de previsões mais graduadas, que indiquem incertezas quanto à classificação.</a:t>
+                  <a:t>Porém, se </a:t>
+                </a:r>
+                <a14:m>
+                  <m:oMath xmlns:m="http://schemas.openxmlformats.org/officeDocument/2006/math">
+                    <m:r>
+                      <a:rPr lang="pt-BR" i="1">
+                        <a:latin typeface="Cambria Math" panose="02040503050406030204" pitchFamily="18" charset="0"/>
+                        <a:ea typeface="Cambria Math" panose="02040503050406030204" pitchFamily="18" charset="0"/>
+                      </a:rPr>
+                      <m:t>𝛼</m:t>
+                    </m:r>
+                  </m:oMath>
+                </a14:m>
+                <a:r>
+                  <a:rPr lang="pt-BR" dirty="0"/>
+                  <a:t> decresce de acordo com as iterações de treinamento, então a regra tem uma chance de convergir para uma solução de erro mínimo quando os exemplos são apresentados de forma aleatória.</a:t>
+                </a:r>
+              </a:p>
+              <a:p>
+                <a:r>
+                  <a:rPr lang="pt-BR" dirty="0"/>
+                  <a:t>Podemos também usar o </a:t>
+                </a:r>
+                <a:r>
+                  <a:rPr lang="pt-BR" b="1" i="1" dirty="0"/>
+                  <a:t>early-stop</a:t>
+                </a:r>
+                <a:r>
+                  <a:rPr lang="pt-BR" dirty="0"/>
+                  <a:t> e utilizar os </a:t>
+                </a:r>
+                <a:r>
+                  <a:rPr lang="pt-BR" b="1" i="1" dirty="0"/>
+                  <a:t>pesos</a:t>
+                </a:r>
+                <a:r>
+                  <a:rPr lang="pt-BR" dirty="0"/>
+                  <a:t> que resultaram no menor erro de validação.</a:t>
                 </a:r>
               </a:p>
             </p:txBody>
           </p:sp>
         </mc:Choice>
-        <mc:Fallback xmlns="">
+        <mc:Fallback>
           <p:sp>
             <p:nvSpPr>
-              <p:cNvPr id="3" name="Content Placeholder 2"/>
+              <p:cNvPr id="3" name="Espaço Reservado para Conteúdo 2">
+                <a:extLst>
+                  <a:ext uri="{FF2B5EF4-FFF2-40B4-BE49-F238E27FC236}">
+                    <a16:creationId xmlns:a16="http://schemas.microsoft.com/office/drawing/2014/main" id="{1B95DA0B-9FB2-61FE-86F8-6A65C4F51978}"/>
+                  </a:ext>
+                </a:extLst>
+              </p:cNvPr>
               <p:cNvSpPr>
                 <a:spLocks noGrp="1" noRot="1" noChangeAspect="1" noMove="1" noResize="1" noEditPoints="1" noAdjustHandles="1" noChangeArrowheads="1" noChangeShapeType="1" noTextEdit="1"/>
               </p:cNvSpPr>
@@ -14690,13 +15412,13 @@
             </p:nvSpPr>
             <p:spPr>
               <a:xfrm>
-                <a:off x="838199" y="1825624"/>
-                <a:ext cx="7785295" cy="5032376"/>
+                <a:off x="4298868" y="1825624"/>
+                <a:ext cx="7718959" cy="5032375"/>
               </a:xfrm>
-              <a:blipFill rotWithShape="0">
-                <a:blip r:embed="rId2"/>
+              <a:blipFill>
+                <a:blip r:embed="rId3"/>
                 <a:stretch>
-                  <a:fillRect l="-1174" t="-2421"/>
+                  <a:fillRect l="-1185" t="-1816" r="-1501"/>
                 </a:stretch>
               </a:blipFill>
             </p:spPr>
@@ -14715,213 +15437,76 @@
           </p:sp>
         </mc:Fallback>
       </mc:AlternateContent>
+      <p:sp>
+        <p:nvSpPr>
+          <p:cNvPr id="4" name="Rectangle 3">
+            <a:extLst>
+              <a:ext uri="{FF2B5EF4-FFF2-40B4-BE49-F238E27FC236}">
+                <a16:creationId xmlns:a16="http://schemas.microsoft.com/office/drawing/2014/main" id="{C1A5A3C4-8FC4-F1E4-A1F3-D619B2FCB0C3}"/>
+              </a:ext>
+            </a:extLst>
+          </p:cNvPr>
+          <p:cNvSpPr/>
+          <p:nvPr/>
+        </p:nvSpPr>
+        <p:spPr>
+          <a:xfrm>
+            <a:off x="7472695" y="6519445"/>
+            <a:ext cx="4719305" cy="338554"/>
+          </a:xfrm>
+          <a:prstGeom prst="rect">
+            <a:avLst/>
+          </a:prstGeom>
+        </p:spPr>
+        <p:txBody>
+          <a:bodyPr wrap="none">
+            <a:spAutoFit/>
+          </a:bodyPr>
+          <a:lstStyle/>
+          <a:p>
+            <a:r>
+              <a:rPr lang="pt-BR" sz="1600" dirty="0">
+                <a:hlinkClick r:id="rId4"/>
+              </a:rPr>
+              <a:t>Exemplo: classificador_linear_com_limiar_rigido.ipynb</a:t>
+            </a:r>
+            <a:endParaRPr lang="pt-BR" sz="1600" dirty="0"/>
+          </a:p>
+        </p:txBody>
+      </p:sp>
       <p:pic>
         <p:nvPicPr>
-          <p:cNvPr id="8" name="Picture 7"/>
+          <p:cNvPr id="6" name="Imagem 5">
+            <a:extLst>
+              <a:ext uri="{FF2B5EF4-FFF2-40B4-BE49-F238E27FC236}">
+                <a16:creationId xmlns:a16="http://schemas.microsoft.com/office/drawing/2014/main" id="{51E800F4-4EF1-060E-4866-FAF7105FC993}"/>
+              </a:ext>
+            </a:extLst>
+          </p:cNvPr>
           <p:cNvPicPr>
             <a:picLocks noChangeAspect="1"/>
           </p:cNvPicPr>
           <p:nvPr/>
         </p:nvPicPr>
         <p:blipFill rotWithShape="1">
-          <a:blip r:embed="rId3">
-            <a:extLst>
-              <a:ext uri="{28A0092B-C50C-407E-A947-70E740481C1C}">
-                <a14:useLocalDpi xmlns:a14="http://schemas.microsoft.com/office/drawing/2010/main" val="0"/>
-              </a:ext>
-            </a:extLst>
-          </a:blip>
-          <a:srcRect l="6890" t="2565" r="7668"/>
+          <a:blip r:embed="rId5"/>
+          <a:srcRect l="3855" t="11854" r="9545" b="1146"/>
           <a:stretch/>
         </p:blipFill>
         <p:spPr>
           <a:xfrm>
-            <a:off x="8467075" y="1422698"/>
-            <a:ext cx="3542199" cy="3050935"/>
+            <a:off x="174173" y="2588820"/>
+            <a:ext cx="3864840" cy="2912051"/>
           </a:xfrm>
           <a:prstGeom prst="rect">
             <a:avLst/>
           </a:prstGeom>
         </p:spPr>
       </p:pic>
-      <mc:AlternateContent xmlns:mc="http://schemas.openxmlformats.org/markup-compatibility/2006" xmlns:a14="http://schemas.microsoft.com/office/drawing/2010/main">
-        <mc:Choice Requires="a14">
-          <p:sp>
-            <p:nvSpPr>
-              <p:cNvPr id="9" name="TextBox 8"/>
-              <p:cNvSpPr txBox="1"/>
-              <p:nvPr/>
-            </p:nvSpPr>
-            <p:spPr>
-              <a:xfrm>
-                <a:off x="8310657" y="4473633"/>
-                <a:ext cx="3855036" cy="2308324"/>
-              </a:xfrm>
-              <a:prstGeom prst="rect">
-                <a:avLst/>
-              </a:prstGeom>
-              <a:noFill/>
-            </p:spPr>
-            <p:txBody>
-              <a:bodyPr wrap="square" rtlCol="0">
-                <a:spAutoFit/>
-              </a:bodyPr>
-              <a:lstStyle/>
-              <a:p>
-                <a:pPr marL="285750" indent="-285750">
-                  <a:buFont typeface="Arial" panose="020B0604020202020204" pitchFamily="34" charset="0"/>
-                  <a:buChar char="•"/>
-                </a:pPr>
-                <a:r>
-                  <a:rPr lang="pt-BR" sz="1600" dirty="0"/>
-                  <a:t>Os pontos distantes da </a:t>
-                </a:r>
-                <a:r>
-                  <a:rPr lang="pt-BR" sz="1600" b="1" i="1" dirty="0"/>
-                  <a:t>fronteira de decisão </a:t>
-                </a:r>
-                <a:r>
-                  <a:rPr lang="pt-BR" sz="1600" dirty="0"/>
-                  <a:t>têm valores </a:t>
-                </a:r>
-                <a:r>
-                  <a:rPr lang="pt-BR" sz="1600" b="1" i="1" dirty="0"/>
-                  <a:t>absolutos</a:t>
-                </a:r>
-                <a:r>
-                  <a:rPr lang="pt-BR" sz="1600" dirty="0"/>
-                  <a:t> de </a:t>
-                </a:r>
-                <a14:m>
-                  <m:oMath xmlns:m="http://schemas.openxmlformats.org/officeDocument/2006/math">
-                    <m:r>
-                      <a:rPr lang="pt-BR" sz="1600" i="1">
-                        <a:latin typeface="Cambria Math" panose="02040503050406030204" pitchFamily="18" charset="0"/>
-                      </a:rPr>
-                      <m:t>𝑔</m:t>
-                    </m:r>
-                    <m:d>
-                      <m:dPr>
-                        <m:ctrlPr>
-                          <a:rPr lang="pt-BR" sz="1600" i="1">
-                            <a:latin typeface="Cambria Math" panose="02040503050406030204" pitchFamily="18" charset="0"/>
-                          </a:rPr>
-                        </m:ctrlPr>
-                      </m:dPr>
-                      <m:e>
-                        <m:r>
-                          <a:rPr lang="pt-BR" sz="1600" b="1" i="1">
-                            <a:latin typeface="Cambria Math" panose="02040503050406030204" pitchFamily="18" charset="0"/>
-                          </a:rPr>
-                          <m:t>𝒙</m:t>
-                        </m:r>
-                      </m:e>
-                    </m:d>
-                  </m:oMath>
-                </a14:m>
-                <a:r>
-                  <a:rPr lang="pt-BR" sz="1600" dirty="0"/>
-                  <a:t> bem maiores do que os dos pontos próximos, os quais têm valores de </a:t>
-                </a:r>
-                <a14:m>
-                  <m:oMath xmlns:m="http://schemas.openxmlformats.org/officeDocument/2006/math">
-                    <m:r>
-                      <a:rPr lang="pt-BR" sz="1600" i="1">
-                        <a:latin typeface="Cambria Math" panose="02040503050406030204" pitchFamily="18" charset="0"/>
-                      </a:rPr>
-                      <m:t>𝑔</m:t>
-                    </m:r>
-                    <m:r>
-                      <a:rPr lang="pt-BR" sz="1600" i="1">
-                        <a:latin typeface="Cambria Math" panose="02040503050406030204" pitchFamily="18" charset="0"/>
-                      </a:rPr>
-                      <m:t>(</m:t>
-                    </m:r>
-                    <m:r>
-                      <a:rPr lang="pt-BR" sz="1600" b="1" i="1">
-                        <a:latin typeface="Cambria Math" panose="02040503050406030204" pitchFamily="18" charset="0"/>
-                      </a:rPr>
-                      <m:t>𝒙</m:t>
-                    </m:r>
-                    <m:r>
-                      <a:rPr lang="pt-BR" sz="1600" i="1">
-                        <a:latin typeface="Cambria Math" panose="02040503050406030204" pitchFamily="18" charset="0"/>
-                      </a:rPr>
-                      <m:t>)</m:t>
-                    </m:r>
-                  </m:oMath>
-                </a14:m>
-                <a:r>
-                  <a:rPr lang="pt-BR" sz="1600" dirty="0"/>
-                  <a:t> muito próximos de 0. </a:t>
-                </a:r>
-              </a:p>
-              <a:p>
-                <a:pPr marL="285750" indent="-285750">
-                  <a:buFont typeface="Arial" panose="020B0604020202020204" pitchFamily="34" charset="0"/>
-                  <a:buChar char="•"/>
-                </a:pPr>
-                <a:r>
-                  <a:rPr lang="pt-BR" sz="1600" dirty="0"/>
-                  <a:t>Ou seja, a confiança deveria ser maior para pontos distantes da fronteira.</a:t>
-                </a:r>
-              </a:p>
-              <a:p>
-                <a:pPr marL="285750" indent="-285750">
-                  <a:buFont typeface="Arial" panose="020B0604020202020204" pitchFamily="34" charset="0"/>
-                  <a:buChar char="•"/>
-                </a:pPr>
-                <a:r>
-                  <a:rPr lang="pt-BR" sz="1600" dirty="0"/>
-                  <a:t>Porém, isso não é refletido na saída do classificador com limiar rígido.</a:t>
-                </a:r>
-              </a:p>
-            </p:txBody>
-          </p:sp>
-        </mc:Choice>
-        <mc:Fallback xmlns="">
-          <p:sp>
-            <p:nvSpPr>
-              <p:cNvPr id="9" name="TextBox 8"/>
-              <p:cNvSpPr txBox="1">
-                <a:spLocks noRot="1" noChangeAspect="1" noMove="1" noResize="1" noEditPoints="1" noAdjustHandles="1" noChangeArrowheads="1" noChangeShapeType="1" noTextEdit="1"/>
-              </p:cNvSpPr>
-              <p:nvPr/>
-            </p:nvSpPr>
-            <p:spPr>
-              <a:xfrm>
-                <a:off x="8310657" y="4473633"/>
-                <a:ext cx="3855036" cy="2308324"/>
-              </a:xfrm>
-              <a:prstGeom prst="rect">
-                <a:avLst/>
-              </a:prstGeom>
-              <a:blipFill>
-                <a:blip r:embed="rId4"/>
-                <a:stretch>
-                  <a:fillRect l="-632" t="-792" b="-2375"/>
-                </a:stretch>
-              </a:blipFill>
-            </p:spPr>
-            <p:txBody>
-              <a:bodyPr/>
-              <a:lstStyle/>
-              <a:p>
-                <a:r>
-                  <a:rPr lang="pt-BR">
-                    <a:noFill/>
-                  </a:rPr>
-                  <a:t> </a:t>
-                </a:r>
-              </a:p>
-            </p:txBody>
-          </p:sp>
-        </mc:Fallback>
-      </mc:AlternateContent>
     </p:spTree>
     <p:extLst>
       <p:ext uri="{BB962C8B-B14F-4D97-AF65-F5344CB8AC3E}">
-        <p14:creationId xmlns:p14="http://schemas.microsoft.com/office/powerpoint/2010/main" val="2997199183"/>
+        <p14:creationId xmlns:p14="http://schemas.microsoft.com/office/powerpoint/2010/main" val="2638987049"/>
       </p:ext>
     </p:extLst>
   </p:cSld>
@@ -14965,160 +15550,206 @@
           <a:p>
             <a:r>
               <a:rPr lang="pt-BR" dirty="0"/>
-              <a:t>Tarefas</a:t>
+              <a:t>Classificação com limiar de decisão rígido</a:t>
             </a:r>
           </a:p>
         </p:txBody>
       </p:sp>
-      <p:sp>
-        <p:nvSpPr>
-          <p:cNvPr id="3" name="Content Placeholder 2"/>
-          <p:cNvSpPr>
-            <a:spLocks noGrp="1"/>
-          </p:cNvSpPr>
-          <p:nvPr>
-            <p:ph idx="1"/>
-          </p:nvPr>
-        </p:nvSpPr>
+      <mc:AlternateContent xmlns:mc="http://schemas.openxmlformats.org/markup-compatibility/2006">
+        <mc:Choice xmlns:a14="http://schemas.microsoft.com/office/drawing/2010/main" Requires="a14">
+          <p:sp>
+            <p:nvSpPr>
+              <p:cNvPr id="3" name="Content Placeholder 2"/>
+              <p:cNvSpPr>
+                <a:spLocks noGrp="1"/>
+              </p:cNvSpPr>
+              <p:nvPr>
+                <p:ph idx="1"/>
+              </p:nvPr>
+            </p:nvSpPr>
+            <p:spPr>
+              <a:xfrm>
+                <a:off x="4678878" y="1825624"/>
+                <a:ext cx="7362701" cy="5032376"/>
+              </a:xfrm>
+            </p:spPr>
+            <p:txBody>
+              <a:bodyPr>
+                <a:normAutofit/>
+              </a:bodyPr>
+              <a:lstStyle/>
+              <a:p>
+                <a:r>
+                  <a:rPr lang="pt-BR" dirty="0"/>
+                  <a:t>Outro problema com classificadores que usam </a:t>
+                </a:r>
+                <a:r>
+                  <a:rPr lang="pt-BR" b="1" i="1" dirty="0"/>
+                  <a:t>limiar de decisão rígido </a:t>
+                </a:r>
+                <a:r>
+                  <a:rPr lang="pt-BR" dirty="0"/>
+                  <a:t>é a </a:t>
+                </a:r>
+                <a:r>
+                  <a:rPr lang="pt-BR" b="1" i="1" dirty="0">
+                    <a:solidFill>
+                      <a:srgbClr val="00B050"/>
+                    </a:solidFill>
+                  </a:rPr>
+                  <a:t>falta de informação sobre a confiança </a:t>
+                </a:r>
+                <a:r>
+                  <a:rPr lang="pt-BR" dirty="0"/>
+                  <a:t>do classificador quanto a uma classificação.</a:t>
+                </a:r>
+              </a:p>
+              <a:p>
+                <a:r>
+                  <a:rPr lang="pt-BR" dirty="0"/>
+                  <a:t>Na figura ao lado, dois exemplos estão bem próximos da </a:t>
+                </a:r>
+                <a:r>
+                  <a:rPr lang="pt-BR" b="1" i="1" dirty="0"/>
+                  <a:t>fronteira de decisão </a:t>
+                </a:r>
+                <a:r>
+                  <a:rPr lang="pt-BR" dirty="0"/>
+                  <a:t>enquanto outros dois estão bem distantes dela.</a:t>
+                </a:r>
+              </a:p>
+              <a:p>
+                <a:r>
+                  <a:rPr lang="pt-BR" dirty="0"/>
+                  <a:t>O classificador com </a:t>
+                </a:r>
+                <a:r>
+                  <a:rPr lang="pt-BR" b="1" i="1" dirty="0"/>
+                  <a:t>limiar de decisão rígido</a:t>
+                </a:r>
+                <a:r>
+                  <a:rPr lang="pt-BR" dirty="0"/>
+                  <a:t>, faria uma previsão </a:t>
+                </a:r>
+                <a:r>
+                  <a:rPr lang="pt-BR" b="1" i="1" dirty="0">
+                    <a:solidFill>
+                      <a:srgbClr val="00B050"/>
+                    </a:solidFill>
+                  </a:rPr>
+                  <a:t>completamente confiante </a:t>
+                </a:r>
+                <a:r>
+                  <a:rPr lang="pt-BR" dirty="0"/>
+                  <a:t>pelo valor 1 para os dois pontos azuis e 0 para os dois triângulos vermelhos, mesmo eles tendo valores bem diferentes de </a:t>
+                </a:r>
+                <a14:m>
+                  <m:oMath xmlns:m="http://schemas.openxmlformats.org/officeDocument/2006/math">
+                    <m:r>
+                      <a:rPr lang="pt-BR" b="0" i="1" smtClean="0">
+                        <a:latin typeface="Cambria Math" panose="02040503050406030204" pitchFamily="18" charset="0"/>
+                      </a:rPr>
+                      <m:t>𝑔</m:t>
+                    </m:r>
+                    <m:r>
+                      <a:rPr lang="pt-BR" b="0" i="1" smtClean="0">
+                        <a:latin typeface="Cambria Math" panose="02040503050406030204" pitchFamily="18" charset="0"/>
+                      </a:rPr>
+                      <m:t>(</m:t>
+                    </m:r>
+                    <m:r>
+                      <a:rPr lang="pt-BR" b="1" i="1" smtClean="0">
+                        <a:latin typeface="Cambria Math" panose="02040503050406030204" pitchFamily="18" charset="0"/>
+                      </a:rPr>
+                      <m:t>𝒙</m:t>
+                    </m:r>
+                    <m:r>
+                      <a:rPr lang="pt-BR" b="0" i="1" smtClean="0">
+                        <a:latin typeface="Cambria Math" panose="02040503050406030204" pitchFamily="18" charset="0"/>
+                      </a:rPr>
+                      <m:t>)</m:t>
+                    </m:r>
+                  </m:oMath>
+                </a14:m>
+                <a:r>
+                  <a:rPr lang="pt-BR" dirty="0"/>
+                  <a:t>.</a:t>
+                </a:r>
+              </a:p>
+            </p:txBody>
+          </p:sp>
+        </mc:Choice>
+        <mc:Fallback>
+          <p:sp>
+            <p:nvSpPr>
+              <p:cNvPr id="3" name="Content Placeholder 2"/>
+              <p:cNvSpPr>
+                <a:spLocks noGrp="1" noRot="1" noChangeAspect="1" noMove="1" noResize="1" noEditPoints="1" noAdjustHandles="1" noChangeArrowheads="1" noChangeShapeType="1" noTextEdit="1"/>
+              </p:cNvSpPr>
+              <p:nvPr>
+                <p:ph idx="1"/>
+              </p:nvPr>
+            </p:nvSpPr>
+            <p:spPr>
+              <a:xfrm>
+                <a:off x="4678878" y="1825624"/>
+                <a:ext cx="7362701" cy="5032376"/>
+              </a:xfrm>
+              <a:blipFill>
+                <a:blip r:embed="rId2"/>
+                <a:stretch>
+                  <a:fillRect l="-1491" t="-1937" r="-2568" b="-1816"/>
+                </a:stretch>
+              </a:blipFill>
+            </p:spPr>
+            <p:txBody>
+              <a:bodyPr/>
+              <a:lstStyle/>
+              <a:p>
+                <a:r>
+                  <a:rPr lang="pt-BR">
+                    <a:noFill/>
+                  </a:rPr>
+                  <a:t> </a:t>
+                </a:r>
+              </a:p>
+            </p:txBody>
+          </p:sp>
+        </mc:Fallback>
+      </mc:AlternateContent>
+      <p:pic>
+        <p:nvPicPr>
+          <p:cNvPr id="8" name="Picture 7"/>
+          <p:cNvPicPr>
+            <a:picLocks noChangeAspect="1"/>
+          </p:cNvPicPr>
+          <p:nvPr/>
+        </p:nvPicPr>
+        <p:blipFill rotWithShape="1">
+          <a:blip r:embed="rId3">
+            <a:extLst>
+              <a:ext uri="{28A0092B-C50C-407E-A947-70E740481C1C}">
+                <a14:useLocalDpi xmlns:a14="http://schemas.microsoft.com/office/drawing/2010/main" val="0"/>
+              </a:ext>
+            </a:extLst>
+          </a:blip>
+          <a:srcRect l="6890" t="2565" r="7668"/>
+          <a:stretch/>
+        </p:blipFill>
         <p:spPr>
           <a:xfrm>
-            <a:off x="838199" y="1825624"/>
-            <a:ext cx="11009243" cy="4783897"/>
+            <a:off x="464671" y="2253972"/>
+            <a:ext cx="4028665" cy="3469934"/>
           </a:xfrm>
+          <a:prstGeom prst="rect">
+            <a:avLst/>
+          </a:prstGeom>
         </p:spPr>
-        <p:txBody>
-          <a:bodyPr>
-            <a:normAutofit/>
-          </a:bodyPr>
-          <a:lstStyle/>
-          <a:p>
-            <a:r>
-              <a:rPr lang="pt-BR" b="1" dirty="0"/>
-              <a:t>Quiz</a:t>
-            </a:r>
-            <a:r>
-              <a:rPr lang="pt-BR" dirty="0"/>
-              <a:t>: “</a:t>
-            </a:r>
-            <a:r>
-              <a:rPr lang="pt-BR" i="1" dirty="0"/>
-              <a:t>T320 - Quiz - Classificação (Parte II)</a:t>
-            </a:r>
-            <a:r>
-              <a:rPr lang="pt-BR" dirty="0"/>
-              <a:t>” que se encontra no MS Teams.</a:t>
-            </a:r>
-          </a:p>
-          <a:p>
-            <a:r>
-              <a:rPr lang="pt-BR" b="1" dirty="0"/>
-              <a:t>Exercício Prático</a:t>
-            </a:r>
-            <a:r>
-              <a:rPr lang="pt-BR" dirty="0"/>
-              <a:t>: </a:t>
-            </a:r>
-            <a:r>
-              <a:rPr lang="pt-BR" b="1" dirty="0">
-                <a:hlinkClick r:id="rId3"/>
-              </a:rPr>
-              <a:t>Laboratório #2</a:t>
-            </a:r>
-            <a:r>
-              <a:rPr lang="pt-BR" dirty="0"/>
-              <a:t>.</a:t>
-            </a:r>
-          </a:p>
-          <a:p>
-            <a:pPr lvl="1">
-              <a:buFont typeface="Wingdings" panose="05000000000000000000" pitchFamily="2" charset="2"/>
-              <a:buChar char="§"/>
-            </a:pPr>
-            <a:r>
-              <a:rPr lang="pt-BR" dirty="0"/>
-              <a:t>Pode ser acessado através do link acima (Google </a:t>
-            </a:r>
-            <a:r>
-              <a:rPr lang="pt-BR" dirty="0" err="1"/>
-              <a:t>Colab</a:t>
-            </a:r>
-            <a:r>
-              <a:rPr lang="pt-BR" dirty="0"/>
-              <a:t>) ou no GitHub.</a:t>
-            </a:r>
-          </a:p>
-          <a:p>
-            <a:pPr lvl="1">
-              <a:buFont typeface="Wingdings" panose="05000000000000000000" pitchFamily="2" charset="2"/>
-              <a:buChar char="§"/>
-            </a:pPr>
-            <a:r>
-              <a:rPr lang="pt-BR" dirty="0"/>
-              <a:t>Se atentem aos prazos de entrega.</a:t>
-            </a:r>
-          </a:p>
-          <a:p>
-            <a:pPr lvl="1">
-              <a:buFont typeface="Wingdings" panose="05000000000000000000" pitchFamily="2" charset="2"/>
-              <a:buChar char="§"/>
-            </a:pPr>
-            <a:r>
-              <a:rPr lang="pt-BR" dirty="0">
-                <a:hlinkClick r:id="rId4"/>
-              </a:rPr>
-              <a:t>Instruções para resolução e entrega dos laboratórios</a:t>
-            </a:r>
-            <a:r>
-              <a:rPr lang="pt-BR" dirty="0"/>
-              <a:t>.</a:t>
-            </a:r>
-          </a:p>
-          <a:p>
-            <a:pPr lvl="1">
-              <a:buFont typeface="Wingdings" panose="05000000000000000000" pitchFamily="2" charset="2"/>
-              <a:buChar char="§"/>
-            </a:pPr>
-            <a:r>
-              <a:rPr lang="pt-BR" b="1" dirty="0">
-                <a:solidFill>
-                  <a:srgbClr val="FF0000"/>
-                </a:solidFill>
-              </a:rPr>
-              <a:t>Laboratórios podem ser resolvidos em grupo, mas as entregas devem ser individuais.</a:t>
-            </a:r>
-          </a:p>
-          <a:p>
-            <a:r>
-              <a:rPr lang="pt-BR" b="1" dirty="0">
-                <a:solidFill>
-                  <a:srgbClr val="00B050"/>
-                </a:solidFill>
-              </a:rPr>
-              <a:t>Projetos já estão disponíveis no </a:t>
-            </a:r>
-            <a:r>
-              <a:rPr lang="pt-BR" b="1" dirty="0" err="1">
-                <a:solidFill>
-                  <a:srgbClr val="00B050"/>
-                </a:solidFill>
-              </a:rPr>
-              <a:t>github</a:t>
-            </a:r>
-            <a:r>
-              <a:rPr lang="pt-BR" b="1" dirty="0">
-                <a:solidFill>
-                  <a:srgbClr val="00B050"/>
-                </a:solidFill>
-              </a:rPr>
-              <a:t>, logo abaixo dos lab. 5 e 9, respectivamente.</a:t>
-            </a:r>
-          </a:p>
-        </p:txBody>
-      </p:sp>
+      </p:pic>
     </p:spTree>
     <p:extLst>
       <p:ext uri="{BB962C8B-B14F-4D97-AF65-F5344CB8AC3E}">
-        <p14:creationId xmlns:p14="http://schemas.microsoft.com/office/powerpoint/2010/main" val="2037160769"/>
+        <p14:creationId xmlns:p14="http://schemas.microsoft.com/office/powerpoint/2010/main" val="2498397298"/>
       </p:ext>
     </p:extLst>
   </p:cSld>
@@ -15282,6 +15913,500 @@
 </file>
 
 <file path=ppt/slides/slide20.xml><?xml version="1.0" encoding="utf-8"?>
+<p:sld xmlns:a="http://schemas.openxmlformats.org/drawingml/2006/main" xmlns:r="http://schemas.openxmlformats.org/officeDocument/2006/relationships" xmlns:p="http://schemas.openxmlformats.org/presentationml/2006/main">
+  <p:cSld>
+    <p:spTree>
+      <p:nvGrpSpPr>
+        <p:cNvPr id="1" name=""/>
+        <p:cNvGrpSpPr/>
+        <p:nvPr/>
+      </p:nvGrpSpPr>
+      <p:grpSpPr>
+        <a:xfrm>
+          <a:off x="0" y="0"/>
+          <a:ext cx="0" cy="0"/>
+          <a:chOff x="0" y="0"/>
+          <a:chExt cx="0" cy="0"/>
+        </a:xfrm>
+      </p:grpSpPr>
+      <p:sp>
+        <p:nvSpPr>
+          <p:cNvPr id="2" name="Título 1">
+            <a:extLst>
+              <a:ext uri="{FF2B5EF4-FFF2-40B4-BE49-F238E27FC236}">
+                <a16:creationId xmlns:a16="http://schemas.microsoft.com/office/drawing/2014/main" id="{D21F8F56-5724-DFC6-0D15-D186C211F203}"/>
+              </a:ext>
+            </a:extLst>
+          </p:cNvPr>
+          <p:cNvSpPr>
+            <a:spLocks noGrp="1"/>
+          </p:cNvSpPr>
+          <p:nvPr>
+            <p:ph type="title"/>
+          </p:nvPr>
+        </p:nvSpPr>
+        <p:spPr/>
+        <p:txBody>
+          <a:bodyPr/>
+          <a:lstStyle/>
+          <a:p>
+            <a:r>
+              <a:rPr lang="pt-BR" dirty="0"/>
+              <a:t>Classificação com limiar de decisão rígido</a:t>
+            </a:r>
+          </a:p>
+        </p:txBody>
+      </p:sp>
+      <mc:AlternateContent xmlns:mc="http://schemas.openxmlformats.org/markup-compatibility/2006">
+        <mc:Choice xmlns:a14="http://schemas.microsoft.com/office/drawing/2010/main" Requires="a14">
+          <p:sp>
+            <p:nvSpPr>
+              <p:cNvPr id="3" name="Espaço Reservado para Conteúdo 2">
+                <a:extLst>
+                  <a:ext uri="{FF2B5EF4-FFF2-40B4-BE49-F238E27FC236}">
+                    <a16:creationId xmlns:a16="http://schemas.microsoft.com/office/drawing/2014/main" id="{8C2770DA-BD52-05F3-F2B3-56BA4FC4C1F3}"/>
+                  </a:ext>
+                </a:extLst>
+              </p:cNvPr>
+              <p:cNvSpPr>
+                <a:spLocks noGrp="1"/>
+              </p:cNvSpPr>
+              <p:nvPr>
+                <p:ph idx="1"/>
+              </p:nvPr>
+            </p:nvSpPr>
+            <p:spPr>
+              <a:xfrm>
+                <a:off x="4773880" y="1849376"/>
+                <a:ext cx="7243949" cy="5008624"/>
+              </a:xfrm>
+            </p:spPr>
+            <p:txBody>
+              <a:bodyPr>
+                <a:normAutofit/>
+              </a:bodyPr>
+              <a:lstStyle/>
+              <a:p>
+                <a:pPr marL="285750" indent="-285750">
+                  <a:buFont typeface="Arial" panose="020B0604020202020204" pitchFamily="34" charset="0"/>
+                  <a:buChar char="•"/>
+                </a:pPr>
+                <a:r>
+                  <a:rPr lang="pt-BR" sz="2800" dirty="0"/>
+                  <a:t>Os pontos distantes da </a:t>
+                </a:r>
+                <a:r>
+                  <a:rPr lang="pt-BR" sz="2800" b="1" i="1" dirty="0"/>
+                  <a:t>fronteira de decisão </a:t>
+                </a:r>
+                <a:r>
+                  <a:rPr lang="pt-BR" sz="2800" dirty="0"/>
+                  <a:t>têm valores </a:t>
+                </a:r>
+                <a:r>
+                  <a:rPr lang="pt-BR" sz="2800" b="1" i="1" dirty="0"/>
+                  <a:t>absolutos</a:t>
+                </a:r>
+                <a:r>
+                  <a:rPr lang="pt-BR" sz="2800" dirty="0"/>
+                  <a:t> de </a:t>
+                </a:r>
+                <a14:m>
+                  <m:oMath xmlns:m="http://schemas.openxmlformats.org/officeDocument/2006/math">
+                    <m:r>
+                      <a:rPr lang="pt-BR" sz="2800" i="1">
+                        <a:latin typeface="Cambria Math" panose="02040503050406030204" pitchFamily="18" charset="0"/>
+                      </a:rPr>
+                      <m:t>𝑔</m:t>
+                    </m:r>
+                    <m:d>
+                      <m:dPr>
+                        <m:ctrlPr>
+                          <a:rPr lang="pt-BR" sz="2800" i="1">
+                            <a:latin typeface="Cambria Math" panose="02040503050406030204" pitchFamily="18" charset="0"/>
+                          </a:rPr>
+                        </m:ctrlPr>
+                      </m:dPr>
+                      <m:e>
+                        <m:r>
+                          <a:rPr lang="pt-BR" sz="2800" b="1" i="1">
+                            <a:latin typeface="Cambria Math" panose="02040503050406030204" pitchFamily="18" charset="0"/>
+                          </a:rPr>
+                          <m:t>𝒙</m:t>
+                        </m:r>
+                      </m:e>
+                    </m:d>
+                  </m:oMath>
+                </a14:m>
+                <a:r>
+                  <a:rPr lang="pt-BR" sz="2800" dirty="0"/>
+                  <a:t> bem maiores do que os dos pontos próximos, os quais têm valores de </a:t>
+                </a:r>
+                <a14:m>
+                  <m:oMath xmlns:m="http://schemas.openxmlformats.org/officeDocument/2006/math">
+                    <m:r>
+                      <a:rPr lang="pt-BR" sz="2800" i="1">
+                        <a:latin typeface="Cambria Math" panose="02040503050406030204" pitchFamily="18" charset="0"/>
+                      </a:rPr>
+                      <m:t>𝑔</m:t>
+                    </m:r>
+                    <m:r>
+                      <a:rPr lang="pt-BR" sz="2800" i="1">
+                        <a:latin typeface="Cambria Math" panose="02040503050406030204" pitchFamily="18" charset="0"/>
+                      </a:rPr>
+                      <m:t>(</m:t>
+                    </m:r>
+                    <m:r>
+                      <a:rPr lang="pt-BR" sz="2800" b="1" i="1">
+                        <a:latin typeface="Cambria Math" panose="02040503050406030204" pitchFamily="18" charset="0"/>
+                      </a:rPr>
+                      <m:t>𝒙</m:t>
+                    </m:r>
+                    <m:r>
+                      <a:rPr lang="pt-BR" sz="2800" i="1">
+                        <a:latin typeface="Cambria Math" panose="02040503050406030204" pitchFamily="18" charset="0"/>
+                      </a:rPr>
+                      <m:t>)</m:t>
+                    </m:r>
+                  </m:oMath>
+                </a14:m>
+                <a:r>
+                  <a:rPr lang="pt-BR" sz="2800" dirty="0"/>
+                  <a:t> muito próximos de 0. </a:t>
+                </a:r>
+              </a:p>
+              <a:p>
+                <a:pPr marL="285750" indent="-285750">
+                  <a:buFont typeface="Arial" panose="020B0604020202020204" pitchFamily="34" charset="0"/>
+                  <a:buChar char="•"/>
+                </a:pPr>
+                <a:r>
+                  <a:rPr lang="pt-BR" sz="2800" dirty="0"/>
+                  <a:t>Ou seja, a confiança deveria ser maior para pontos distantes da fronteira.</a:t>
+                </a:r>
+              </a:p>
+              <a:p>
+                <a:pPr marL="285750" indent="-285750">
+                  <a:buFont typeface="Arial" panose="020B0604020202020204" pitchFamily="34" charset="0"/>
+                  <a:buChar char="•"/>
+                </a:pPr>
+                <a:r>
+                  <a:rPr lang="pt-BR" sz="2800" dirty="0"/>
+                  <a:t>Porém, isso não é refletido na saída do classificador com limiar rígido.</a:t>
+                </a:r>
+              </a:p>
+              <a:p>
+                <a:pPr marL="285750" indent="-285750"/>
+                <a:r>
+                  <a:rPr lang="pt-BR" dirty="0"/>
+                  <a:t>Em muitas situações, nós precisamos de previsões mais graduadas, que indiquem incertezas quanto à classificação.</a:t>
+                </a:r>
+                <a:endParaRPr lang="pt-BR" sz="2800" dirty="0"/>
+              </a:p>
+              <a:p>
+                <a:endParaRPr lang="pt-BR" dirty="0"/>
+              </a:p>
+            </p:txBody>
+          </p:sp>
+        </mc:Choice>
+        <mc:Fallback>
+          <p:sp>
+            <p:nvSpPr>
+              <p:cNvPr id="3" name="Espaço Reservado para Conteúdo 2">
+                <a:extLst>
+                  <a:ext uri="{FF2B5EF4-FFF2-40B4-BE49-F238E27FC236}">
+                    <a16:creationId xmlns:a16="http://schemas.microsoft.com/office/drawing/2014/main" id="{8C2770DA-BD52-05F3-F2B3-56BA4FC4C1F3}"/>
+                  </a:ext>
+                </a:extLst>
+              </p:cNvPr>
+              <p:cNvSpPr>
+                <a:spLocks noGrp="1" noRot="1" noChangeAspect="1" noMove="1" noResize="1" noEditPoints="1" noAdjustHandles="1" noChangeArrowheads="1" noChangeShapeType="1" noTextEdit="1"/>
+              </p:cNvSpPr>
+              <p:nvPr>
+                <p:ph idx="1"/>
+              </p:nvPr>
+            </p:nvSpPr>
+            <p:spPr>
+              <a:xfrm>
+                <a:off x="4773880" y="1849376"/>
+                <a:ext cx="7243949" cy="5008624"/>
+              </a:xfrm>
+              <a:blipFill>
+                <a:blip r:embed="rId2"/>
+                <a:stretch>
+                  <a:fillRect l="-1515" t="-1946"/>
+                </a:stretch>
+              </a:blipFill>
+            </p:spPr>
+            <p:txBody>
+              <a:bodyPr/>
+              <a:lstStyle/>
+              <a:p>
+                <a:r>
+                  <a:rPr lang="pt-BR">
+                    <a:noFill/>
+                  </a:rPr>
+                  <a:t> </a:t>
+                </a:r>
+              </a:p>
+            </p:txBody>
+          </p:sp>
+        </mc:Fallback>
+      </mc:AlternateContent>
+      <p:pic>
+        <p:nvPicPr>
+          <p:cNvPr id="4" name="Picture 7">
+            <a:extLst>
+              <a:ext uri="{FF2B5EF4-FFF2-40B4-BE49-F238E27FC236}">
+                <a16:creationId xmlns:a16="http://schemas.microsoft.com/office/drawing/2014/main" id="{064D04EA-BB6B-F149-41BD-B5A755FCCDC2}"/>
+              </a:ext>
+            </a:extLst>
+          </p:cNvPr>
+          <p:cNvPicPr>
+            <a:picLocks noChangeAspect="1"/>
+          </p:cNvPicPr>
+          <p:nvPr/>
+        </p:nvPicPr>
+        <p:blipFill rotWithShape="1">
+          <a:blip r:embed="rId3">
+            <a:extLst>
+              <a:ext uri="{28A0092B-C50C-407E-A947-70E740481C1C}">
+                <a14:useLocalDpi xmlns:a14="http://schemas.microsoft.com/office/drawing/2010/main" val="0"/>
+              </a:ext>
+            </a:extLst>
+          </a:blip>
+          <a:srcRect l="6890" t="2565" r="7668"/>
+          <a:stretch/>
+        </p:blipFill>
+        <p:spPr>
+          <a:xfrm>
+            <a:off x="345918" y="2265847"/>
+            <a:ext cx="3952950" cy="3404719"/>
+          </a:xfrm>
+          <a:prstGeom prst="rect">
+            <a:avLst/>
+          </a:prstGeom>
+        </p:spPr>
+      </p:pic>
+    </p:spTree>
+    <p:extLst>
+      <p:ext uri="{BB962C8B-B14F-4D97-AF65-F5344CB8AC3E}">
+        <p14:creationId xmlns:p14="http://schemas.microsoft.com/office/powerpoint/2010/main" val="3127161698"/>
+      </p:ext>
+    </p:extLst>
+  </p:cSld>
+  <p:clrMapOvr>
+    <a:masterClrMapping/>
+  </p:clrMapOvr>
+</p:sld>
+</file>
+
+<file path=ppt/slides/slide21.xml><?xml version="1.0" encoding="utf-8"?>
+<p:sld xmlns:a="http://schemas.openxmlformats.org/drawingml/2006/main" xmlns:r="http://schemas.openxmlformats.org/officeDocument/2006/relationships" xmlns:p="http://schemas.openxmlformats.org/presentationml/2006/main">
+  <p:cSld>
+    <p:spTree>
+      <p:nvGrpSpPr>
+        <p:cNvPr id="1" name=""/>
+        <p:cNvGrpSpPr/>
+        <p:nvPr/>
+      </p:nvGrpSpPr>
+      <p:grpSpPr>
+        <a:xfrm>
+          <a:off x="0" y="0"/>
+          <a:ext cx="0" cy="0"/>
+          <a:chOff x="0" y="0"/>
+          <a:chExt cx="0" cy="0"/>
+        </a:xfrm>
+      </p:grpSpPr>
+      <p:sp>
+        <p:nvSpPr>
+          <p:cNvPr id="2" name="Title 1"/>
+          <p:cNvSpPr>
+            <a:spLocks noGrp="1"/>
+          </p:cNvSpPr>
+          <p:nvPr>
+            <p:ph type="title"/>
+          </p:nvPr>
+        </p:nvSpPr>
+        <p:spPr/>
+        <p:txBody>
+          <a:bodyPr/>
+          <a:lstStyle/>
+          <a:p>
+            <a:r>
+              <a:rPr lang="pt-BR" dirty="0"/>
+              <a:t>Tarefas</a:t>
+            </a:r>
+          </a:p>
+        </p:txBody>
+      </p:sp>
+      <p:sp>
+        <p:nvSpPr>
+          <p:cNvPr id="3" name="Content Placeholder 2"/>
+          <p:cNvSpPr>
+            <a:spLocks noGrp="1"/>
+          </p:cNvSpPr>
+          <p:nvPr>
+            <p:ph idx="1"/>
+          </p:nvPr>
+        </p:nvSpPr>
+        <p:spPr>
+          <a:xfrm>
+            <a:off x="838199" y="1825624"/>
+            <a:ext cx="11132128" cy="5032376"/>
+          </a:xfrm>
+        </p:spPr>
+        <p:txBody>
+          <a:bodyPr>
+            <a:normAutofit/>
+          </a:bodyPr>
+          <a:lstStyle/>
+          <a:p>
+            <a:r>
+              <a:rPr lang="pt-BR" b="1" dirty="0"/>
+              <a:t>Quiz</a:t>
+            </a:r>
+            <a:r>
+              <a:rPr lang="pt-BR" dirty="0"/>
+              <a:t>: “</a:t>
+            </a:r>
+            <a:r>
+              <a:rPr lang="pt-BR" i="1" dirty="0"/>
+              <a:t>T320 - Quiz - Classificação (Parte II)</a:t>
+            </a:r>
+            <a:r>
+              <a:rPr lang="pt-BR" dirty="0"/>
+              <a:t>” que se encontra no MS Teams.</a:t>
+            </a:r>
+          </a:p>
+          <a:p>
+            <a:r>
+              <a:rPr lang="pt-BR" b="1" dirty="0"/>
+              <a:t>Exercício Prático</a:t>
+            </a:r>
+            <a:r>
+              <a:rPr lang="pt-BR" dirty="0"/>
+              <a:t>: </a:t>
+            </a:r>
+            <a:r>
+              <a:rPr lang="pt-BR" b="1" dirty="0">
+                <a:hlinkClick r:id="rId3"/>
+              </a:rPr>
+              <a:t>Laboratório #2</a:t>
+            </a:r>
+            <a:r>
+              <a:rPr lang="pt-BR" dirty="0"/>
+              <a:t>.</a:t>
+            </a:r>
+          </a:p>
+          <a:p>
+            <a:pPr lvl="1">
+              <a:buFont typeface="Wingdings" panose="05000000000000000000" pitchFamily="2" charset="2"/>
+              <a:buChar char="§"/>
+            </a:pPr>
+            <a:r>
+              <a:rPr lang="pt-BR" dirty="0"/>
+              <a:t>Pode ser acessado através do link acima (Google </a:t>
+            </a:r>
+            <a:r>
+              <a:rPr lang="pt-BR" dirty="0" err="1"/>
+              <a:t>Colab</a:t>
+            </a:r>
+            <a:r>
+              <a:rPr lang="pt-BR" dirty="0"/>
+              <a:t>) ou no GitHub.</a:t>
+            </a:r>
+          </a:p>
+          <a:p>
+            <a:pPr lvl="1">
+              <a:buFont typeface="Wingdings" panose="05000000000000000000" pitchFamily="2" charset="2"/>
+              <a:buChar char="§"/>
+            </a:pPr>
+            <a:r>
+              <a:rPr lang="pt-BR" dirty="0"/>
+              <a:t>Se atentem aos prazos de entrega.</a:t>
+            </a:r>
+          </a:p>
+          <a:p>
+            <a:pPr lvl="1">
+              <a:buFont typeface="Wingdings" panose="05000000000000000000" pitchFamily="2" charset="2"/>
+              <a:buChar char="§"/>
+            </a:pPr>
+            <a:r>
+              <a:rPr lang="pt-BR" dirty="0">
+                <a:hlinkClick r:id="rId4"/>
+              </a:rPr>
+              <a:t>Instruções para resolução e entrega dos laboratórios</a:t>
+            </a:r>
+            <a:r>
+              <a:rPr lang="pt-BR" dirty="0"/>
+              <a:t>.</a:t>
+            </a:r>
+          </a:p>
+          <a:p>
+            <a:pPr lvl="1">
+              <a:buFont typeface="Wingdings" panose="05000000000000000000" pitchFamily="2" charset="2"/>
+              <a:buChar char="§"/>
+            </a:pPr>
+            <a:r>
+              <a:rPr lang="pt-BR" b="1" dirty="0">
+                <a:solidFill>
+                  <a:srgbClr val="FF0000"/>
+                </a:solidFill>
+              </a:rPr>
+              <a:t>Laboratórios podem ser resolvidos em grupo, mas as entregas devem ser individuais.</a:t>
+            </a:r>
+          </a:p>
+          <a:p>
+            <a:r>
+              <a:rPr lang="pt-BR" b="1">
+                <a:solidFill>
+                  <a:srgbClr val="00B050"/>
+                </a:solidFill>
+              </a:rPr>
+              <a:t>Os projetos </a:t>
+            </a:r>
+            <a:r>
+              <a:rPr lang="pt-BR" b="1" dirty="0">
+                <a:solidFill>
+                  <a:srgbClr val="00B050"/>
+                </a:solidFill>
+              </a:rPr>
+              <a:t>já estão disponíveis no </a:t>
+            </a:r>
+            <a:r>
+              <a:rPr lang="pt-BR" b="1" i="1" dirty="0">
+                <a:solidFill>
+                  <a:srgbClr val="00B050"/>
+                </a:solidFill>
+              </a:rPr>
+              <a:t>GitHub</a:t>
+            </a:r>
+            <a:r>
+              <a:rPr lang="pt-BR" b="1" dirty="0">
+                <a:solidFill>
+                  <a:srgbClr val="00B050"/>
+                </a:solidFill>
+              </a:rPr>
+              <a:t>, logo abaixo dos lab. 5 e 9, respectivamente.</a:t>
+            </a:r>
+          </a:p>
+        </p:txBody>
+      </p:sp>
+    </p:spTree>
+    <p:extLst>
+      <p:ext uri="{BB962C8B-B14F-4D97-AF65-F5344CB8AC3E}">
+        <p14:creationId xmlns:p14="http://schemas.microsoft.com/office/powerpoint/2010/main" val="2037160769"/>
+      </p:ext>
+    </p:extLst>
+  </p:cSld>
+  <p:clrMapOvr>
+    <a:masterClrMapping/>
+  </p:clrMapOvr>
+</p:sld>
+</file>
+
+<file path=ppt/slides/slide22.xml><?xml version="1.0" encoding="utf-8"?>
 <p:sld xmlns:a="http://schemas.openxmlformats.org/drawingml/2006/main" xmlns:r="http://schemas.openxmlformats.org/officeDocument/2006/relationships" xmlns:p="http://schemas.openxmlformats.org/presentationml/2006/main">
   <p:cSld>
     <p:spTree>
@@ -15367,7 +16492,7 @@
 </p:sld>
 </file>
 
-<file path=ppt/slides/slide21.xml><?xml version="1.0" encoding="utf-8"?>
+<file path=ppt/slides/slide23.xml><?xml version="1.0" encoding="utf-8"?>
 <p:sld xmlns:a="http://schemas.openxmlformats.org/drawingml/2006/main" xmlns:r="http://schemas.openxmlformats.org/officeDocument/2006/relationships" xmlns:p="http://schemas.openxmlformats.org/presentationml/2006/main">
   <p:cSld>
     <p:spTree>
@@ -20557,8 +21682,8 @@
           </a:p>
         </p:txBody>
       </p:sp>
-      <mc:AlternateContent xmlns:mc="http://schemas.openxmlformats.org/markup-compatibility/2006">
-        <mc:Choice xmlns:a14="http://schemas.microsoft.com/office/drawing/2010/main" Requires="a14">
+      <mc:AlternateContent xmlns:mc="http://schemas.openxmlformats.org/markup-compatibility/2006" xmlns:a14="http://schemas.microsoft.com/office/drawing/2010/main">
+        <mc:Choice Requires="a14">
           <p:sp>
             <p:nvSpPr>
               <p:cNvPr id="3" name="Espaço Reservado para Conteúdo 2">
@@ -21729,7 +22854,7 @@
             </p:txBody>
           </p:sp>
         </mc:Choice>
-        <mc:Fallback>
+        <mc:Fallback xmlns="">
           <p:sp>
             <p:nvSpPr>
               <p:cNvPr id="3" name="Espaço Reservado para Conteúdo 2">
@@ -22056,8 +23181,8 @@
           </a:fontRef>
         </p:style>
       </p:cxnSp>
-      <mc:AlternateContent xmlns:mc="http://schemas.openxmlformats.org/markup-compatibility/2006">
-        <mc:Choice xmlns:a14="http://schemas.microsoft.com/office/drawing/2010/main" Requires="a14">
+      <mc:AlternateContent xmlns:mc="http://schemas.openxmlformats.org/markup-compatibility/2006" xmlns:a14="http://schemas.microsoft.com/office/drawing/2010/main">
+        <mc:Choice Requires="a14">
           <p:sp>
             <p:nvSpPr>
               <p:cNvPr id="22" name="CaixaDeTexto 21">
@@ -22133,7 +23258,7 @@
             </p:txBody>
           </p:sp>
         </mc:Choice>
-        <mc:Fallback>
+        <mc:Fallback xmlns="">
           <p:sp>
             <p:nvSpPr>
               <p:cNvPr id="22" name="CaixaDeTexto 21">
@@ -22222,8 +23347,8 @@
           </a:fontRef>
         </p:style>
       </p:cxnSp>
-      <mc:AlternateContent xmlns:mc="http://schemas.openxmlformats.org/markup-compatibility/2006">
-        <mc:Choice xmlns:a14="http://schemas.microsoft.com/office/drawing/2010/main" Requires="a14">
+      <mc:AlternateContent xmlns:mc="http://schemas.openxmlformats.org/markup-compatibility/2006" xmlns:a14="http://schemas.microsoft.com/office/drawing/2010/main">
+        <mc:Choice Requires="a14">
           <p:sp>
             <p:nvSpPr>
               <p:cNvPr id="24" name="CaixaDeTexto 23">
@@ -22299,7 +23424,7 @@
             </p:txBody>
           </p:sp>
         </mc:Choice>
-        <mc:Fallback>
+        <mc:Fallback xmlns="">
           <p:sp>
             <p:nvSpPr>
               <p:cNvPr id="24" name="CaixaDeTexto 23">
@@ -22402,8 +23527,8 @@
           </a:p>
         </p:txBody>
       </p:sp>
-      <mc:AlternateContent xmlns:mc="http://schemas.openxmlformats.org/markup-compatibility/2006">
-        <mc:Choice xmlns:a14="http://schemas.microsoft.com/office/drawing/2010/main" Requires="a14">
+      <mc:AlternateContent xmlns:mc="http://schemas.openxmlformats.org/markup-compatibility/2006" xmlns:a14="http://schemas.microsoft.com/office/drawing/2010/main">
+        <mc:Choice Requires="a14">
           <p:sp>
             <p:nvSpPr>
               <p:cNvPr id="3" name="Espaço Reservado para Conteúdo 2">
@@ -23570,7 +24695,7 @@
             </p:txBody>
           </p:sp>
         </mc:Choice>
-        <mc:Fallback>
+        <mc:Fallback xmlns="">
           <p:sp>
             <p:nvSpPr>
               <p:cNvPr id="3" name="Espaço Reservado para Conteúdo 2">
@@ -23942,8 +25067,8 @@
           </a:p>
         </p:txBody>
       </p:sp>
-      <mc:AlternateContent xmlns:mc="http://schemas.openxmlformats.org/markup-compatibility/2006">
-        <mc:Choice xmlns:a14="http://schemas.microsoft.com/office/drawing/2010/main" Requires="a14">
+      <mc:AlternateContent xmlns:mc="http://schemas.openxmlformats.org/markup-compatibility/2006" xmlns:a14="http://schemas.microsoft.com/office/drawing/2010/main">
+        <mc:Choice Requires="a14">
           <p:sp>
             <p:nvSpPr>
               <p:cNvPr id="3" name="Espaço Reservado para Conteúdo 2">
@@ -24494,7 +25619,7 @@
             </p:txBody>
           </p:sp>
         </mc:Choice>
-        <mc:Fallback>
+        <mc:Fallback xmlns="">
           <p:sp>
             <p:nvSpPr>
               <p:cNvPr id="3" name="Espaço Reservado para Conteúdo 2">

--- a/slides/T320_Classificação (Parte II).pptx
+++ b/slides/T320_Classificação (Parte II).pptx
@@ -297,7 +297,7 @@
           <a:p>
             <a:fld id="{144F1436-6906-4D93-B7A2-786C327BFA14}" type="datetimeFigureOut">
               <a:rPr lang="nl-BE" smtClean="0"/>
-              <a:t>18/08/2023</a:t>
+              <a:t>19/08/2023</a:t>
             </a:fld>
             <a:endParaRPr lang="nl-BE"/>
           </a:p>
@@ -462,7 +462,7 @@
           <a:p>
             <a:fld id="{AA8CD09E-2914-4F47-B6C1-51B2C31814C9}" type="datetimeFigureOut">
               <a:rPr lang="pt-BR" smtClean="0"/>
-              <a:t>18/08/2023</a:t>
+              <a:t>19/08/2023</a:t>
             </a:fld>
             <a:endParaRPr lang="pt-BR"/>
           </a:p>
@@ -2114,8 +2114,8 @@
         </p:nvSpPr>
         <p:spPr/>
       </p:sp>
-      <mc:AlternateContent xmlns:mc="http://schemas.openxmlformats.org/markup-compatibility/2006">
-        <mc:Choice xmlns:a14="http://schemas.microsoft.com/office/drawing/2010/main" Requires="a14">
+      <mc:AlternateContent xmlns:mc="http://schemas.openxmlformats.org/markup-compatibility/2006" xmlns:a14="http://schemas.microsoft.com/office/drawing/2010/main">
+        <mc:Choice Requires="a14">
           <p:sp>
             <p:nvSpPr>
               <p:cNvPr id="3" name="Espaço Reservado para Anotações 2"/>
@@ -2223,7 +2223,7 @@
             </p:txBody>
           </p:sp>
         </mc:Choice>
-        <mc:Fallback>
+        <mc:Fallback xmlns="">
           <p:sp>
             <p:nvSpPr>
               <p:cNvPr id="3" name="Espaço Reservado para Anotações 2"/>
@@ -2381,8 +2381,8 @@
         </p:nvSpPr>
         <p:spPr/>
       </p:sp>
-      <mc:AlternateContent xmlns:mc="http://schemas.openxmlformats.org/markup-compatibility/2006">
-        <mc:Choice xmlns:a14="http://schemas.microsoft.com/office/drawing/2010/main" Requires="a14">
+      <mc:AlternateContent xmlns:mc="http://schemas.openxmlformats.org/markup-compatibility/2006" xmlns:a14="http://schemas.microsoft.com/office/drawing/2010/main">
+        <mc:Choice Requires="a14">
           <p:sp>
             <p:nvSpPr>
               <p:cNvPr id="3" name="Espaço Reservado para Anotações 2"/>
@@ -2493,7 +2493,7 @@
             </p:txBody>
           </p:sp>
         </mc:Choice>
-        <mc:Fallback>
+        <mc:Fallback xmlns="">
           <p:sp>
             <p:nvSpPr>
               <p:cNvPr id="3" name="Espaço Reservado para Anotações 2"/>
@@ -5144,7 +5144,7 @@
           <a:p>
             <a:fld id="{63289F7E-B80B-496E-81B4-D396C37C9454}" type="datetimeFigureOut">
               <a:rPr lang="pt-BR" smtClean="0"/>
-              <a:t>18/08/2023</a:t>
+              <a:t>19/08/2023</a:t>
             </a:fld>
             <a:endParaRPr lang="pt-BR"/>
           </a:p>
@@ -5342,7 +5342,7 @@
           <a:p>
             <a:fld id="{63289F7E-B80B-496E-81B4-D396C37C9454}" type="datetimeFigureOut">
               <a:rPr lang="pt-BR" smtClean="0"/>
-              <a:t>18/08/2023</a:t>
+              <a:t>19/08/2023</a:t>
             </a:fld>
             <a:endParaRPr lang="pt-BR"/>
           </a:p>
@@ -5550,7 +5550,7 @@
           <a:p>
             <a:fld id="{63289F7E-B80B-496E-81B4-D396C37C9454}" type="datetimeFigureOut">
               <a:rPr lang="pt-BR" smtClean="0"/>
-              <a:t>18/08/2023</a:t>
+              <a:t>19/08/2023</a:t>
             </a:fld>
             <a:endParaRPr lang="pt-BR"/>
           </a:p>
@@ -5748,7 +5748,7 @@
           <a:p>
             <a:fld id="{63289F7E-B80B-496E-81B4-D396C37C9454}" type="datetimeFigureOut">
               <a:rPr lang="pt-BR" smtClean="0"/>
-              <a:t>18/08/2023</a:t>
+              <a:t>19/08/2023</a:t>
             </a:fld>
             <a:endParaRPr lang="pt-BR"/>
           </a:p>
@@ -6023,7 +6023,7 @@
           <a:p>
             <a:fld id="{63289F7E-B80B-496E-81B4-D396C37C9454}" type="datetimeFigureOut">
               <a:rPr lang="pt-BR" smtClean="0"/>
-              <a:t>18/08/2023</a:t>
+              <a:t>19/08/2023</a:t>
             </a:fld>
             <a:endParaRPr lang="pt-BR"/>
           </a:p>
@@ -6288,7 +6288,7 @@
           <a:p>
             <a:fld id="{63289F7E-B80B-496E-81B4-D396C37C9454}" type="datetimeFigureOut">
               <a:rPr lang="pt-BR" smtClean="0"/>
-              <a:t>18/08/2023</a:t>
+              <a:t>19/08/2023</a:t>
             </a:fld>
             <a:endParaRPr lang="pt-BR"/>
           </a:p>
@@ -6700,7 +6700,7 @@
           <a:p>
             <a:fld id="{63289F7E-B80B-496E-81B4-D396C37C9454}" type="datetimeFigureOut">
               <a:rPr lang="pt-BR" smtClean="0"/>
-              <a:t>18/08/2023</a:t>
+              <a:t>19/08/2023</a:t>
             </a:fld>
             <a:endParaRPr lang="pt-BR"/>
           </a:p>
@@ -6841,7 +6841,7 @@
           <a:p>
             <a:fld id="{63289F7E-B80B-496E-81B4-D396C37C9454}" type="datetimeFigureOut">
               <a:rPr lang="pt-BR" smtClean="0"/>
-              <a:t>18/08/2023</a:t>
+              <a:t>19/08/2023</a:t>
             </a:fld>
             <a:endParaRPr lang="pt-BR"/>
           </a:p>
@@ -6954,7 +6954,7 @@
           <a:p>
             <a:fld id="{63289F7E-B80B-496E-81B4-D396C37C9454}" type="datetimeFigureOut">
               <a:rPr lang="pt-BR" smtClean="0"/>
-              <a:t>18/08/2023</a:t>
+              <a:t>19/08/2023</a:t>
             </a:fld>
             <a:endParaRPr lang="pt-BR"/>
           </a:p>
@@ -7265,7 +7265,7 @@
           <a:p>
             <a:fld id="{63289F7E-B80B-496E-81B4-D396C37C9454}" type="datetimeFigureOut">
               <a:rPr lang="pt-BR" smtClean="0"/>
-              <a:t>18/08/2023</a:t>
+              <a:t>19/08/2023</a:t>
             </a:fld>
             <a:endParaRPr lang="pt-BR"/>
           </a:p>
@@ -7553,7 +7553,7 @@
           <a:p>
             <a:fld id="{63289F7E-B80B-496E-81B4-D396C37C9454}" type="datetimeFigureOut">
               <a:rPr lang="pt-BR" smtClean="0"/>
-              <a:t>18/08/2023</a:t>
+              <a:t>19/08/2023</a:t>
             </a:fld>
             <a:endParaRPr lang="pt-BR"/>
           </a:p>
@@ -7794,7 +7794,7 @@
           <a:p>
             <a:fld id="{63289F7E-B80B-496E-81B4-D396C37C9454}" type="datetimeFigureOut">
               <a:rPr lang="pt-BR" smtClean="0"/>
-              <a:t>18/08/2023</a:t>
+              <a:t>19/08/2023</a:t>
             </a:fld>
             <a:endParaRPr lang="pt-BR"/>
           </a:p>
@@ -10754,7 +10754,11 @@
                   <a:t>, escolhendo exemplos </a:t>
                 </a:r>
                 <a:r>
-                  <a:rPr lang="pt-BR" b="1" i="1" dirty="0"/>
+                  <a:rPr lang="pt-BR" b="1" i="1" dirty="0">
+                    <a:solidFill>
+                      <a:srgbClr val="7030A0"/>
+                    </a:solidFill>
+                  </a:rPr>
                   <a:t>aleatoriamente</a:t>
                 </a:r>
                 <a:r>
@@ -10777,7 +10781,31 @@
                 </a:pPr>
                 <a:r>
                   <a:rPr lang="pt-BR" dirty="0"/>
-                  <a:t>Ou seja, atualiza os pesos usando apenas um exemplo aleatório por vez.</a:t>
+                  <a:t>Ou seja, </a:t>
+                </a:r>
+                <a:r>
+                  <a:rPr lang="pt-BR" b="1" i="1" dirty="0">
+                    <a:solidFill>
+                      <a:srgbClr val="7030A0"/>
+                    </a:solidFill>
+                  </a:rPr>
+                  <a:t>atualiza-se os pesos usando-se apenas um exemplo</a:t>
+                </a:r>
+                <a:r>
+                  <a:rPr lang="pt-BR" dirty="0"/>
+                  <a:t>, </a:t>
+                </a:r>
+                <a:r>
+                  <a:rPr lang="pt-BR" b="1" i="1" dirty="0">
+                    <a:solidFill>
+                      <a:srgbClr val="7030A0"/>
+                    </a:solidFill>
+                  </a:rPr>
+                  <a:t>tomado de forma aleatória</a:t>
+                </a:r>
+                <a:r>
+                  <a:rPr lang="pt-BR" dirty="0"/>
+                  <a:t> do conjunto de treinamento, por vez.</a:t>
                 </a:r>
               </a:p>
               <a:p>
@@ -10885,8 +10913,8 @@
           </a:p>
         </p:txBody>
       </p:sp>
-      <mc:AlternateContent xmlns:mc="http://schemas.openxmlformats.org/markup-compatibility/2006">
-        <mc:Choice xmlns:a14="http://schemas.microsoft.com/office/drawing/2010/main" Requires="a14">
+      <mc:AlternateContent xmlns:mc="http://schemas.openxmlformats.org/markup-compatibility/2006" xmlns:a14="http://schemas.microsoft.com/office/drawing/2010/main">
+        <mc:Choice Requires="a14">
           <p:sp>
             <p:nvSpPr>
               <p:cNvPr id="3" name="Content Placeholder 2"/>
@@ -11902,7 +11930,7 @@
             </p:txBody>
           </p:sp>
         </mc:Choice>
-        <mc:Fallback>
+        <mc:Fallback xmlns="">
           <p:sp>
             <p:nvSpPr>
               <p:cNvPr id="3" name="Content Placeholder 2"/>
@@ -12326,8 +12354,8 @@
           </a:p>
         </p:txBody>
       </p:sp>
-      <mc:AlternateContent xmlns:mc="http://schemas.openxmlformats.org/markup-compatibility/2006">
-        <mc:Choice xmlns:a14="http://schemas.microsoft.com/office/drawing/2010/main" Requires="a14">
+      <mc:AlternateContent xmlns:mc="http://schemas.openxmlformats.org/markup-compatibility/2006" xmlns:a14="http://schemas.microsoft.com/office/drawing/2010/main">
+        <mc:Choice Requires="a14">
           <p:sp>
             <p:nvSpPr>
               <p:cNvPr id="3" name="Content Placeholder 2"/>
@@ -13231,7 +13259,7 @@
             </p:txBody>
           </p:sp>
         </mc:Choice>
-        <mc:Fallback>
+        <mc:Fallback xmlns="">
           <p:sp>
             <p:nvSpPr>
               <p:cNvPr id="3" name="Content Placeholder 2"/>
@@ -13655,8 +13683,8 @@
           </a:p>
         </p:txBody>
       </p:sp>
-      <mc:AlternateContent xmlns:mc="http://schemas.openxmlformats.org/markup-compatibility/2006">
-        <mc:Choice xmlns:a14="http://schemas.microsoft.com/office/drawing/2010/main" Requires="a14">
+      <mc:AlternateContent xmlns:mc="http://schemas.openxmlformats.org/markup-compatibility/2006" xmlns:a14="http://schemas.microsoft.com/office/drawing/2010/main">
+        <mc:Choice Requires="a14">
           <p:sp>
             <p:nvSpPr>
               <p:cNvPr id="3" name="Content Placeholder 2"/>
@@ -14571,7 +14599,7 @@
             </p:txBody>
           </p:sp>
         </mc:Choice>
-        <mc:Fallback>
+        <mc:Fallback xmlns="">
           <p:sp>
             <p:nvSpPr>
               <p:cNvPr id="3" name="Content Placeholder 2"/>
@@ -15263,8 +15291,8 @@
           </a:p>
         </p:txBody>
       </p:sp>
-      <mc:AlternateContent xmlns:mc="http://schemas.openxmlformats.org/markup-compatibility/2006">
-        <mc:Choice xmlns:a14="http://schemas.microsoft.com/office/drawing/2010/main" Requires="a14">
+      <mc:AlternateContent xmlns:mc="http://schemas.openxmlformats.org/markup-compatibility/2006" xmlns:a14="http://schemas.microsoft.com/office/drawing/2010/main">
+        <mc:Choice Requires="a14">
           <p:sp>
             <p:nvSpPr>
               <p:cNvPr id="3" name="Espaço Reservado para Conteúdo 2">
@@ -15393,7 +15421,7 @@
             </p:txBody>
           </p:sp>
         </mc:Choice>
-        <mc:Fallback>
+        <mc:Fallback xmlns="">
           <p:sp>
             <p:nvSpPr>
               <p:cNvPr id="3" name="Espaço Reservado para Conteúdo 2">
@@ -15555,8 +15583,8 @@
           </a:p>
         </p:txBody>
       </p:sp>
-      <mc:AlternateContent xmlns:mc="http://schemas.openxmlformats.org/markup-compatibility/2006">
-        <mc:Choice xmlns:a14="http://schemas.microsoft.com/office/drawing/2010/main" Requires="a14">
+      <mc:AlternateContent xmlns:mc="http://schemas.openxmlformats.org/markup-compatibility/2006" xmlns:a14="http://schemas.microsoft.com/office/drawing/2010/main">
+        <mc:Choice Requires="a14">
           <p:sp>
             <p:nvSpPr>
               <p:cNvPr id="3" name="Content Placeholder 2"/>
@@ -15679,7 +15707,7 @@
             </p:txBody>
           </p:sp>
         </mc:Choice>
-        <mc:Fallback>
+        <mc:Fallback xmlns="">
           <p:sp>
             <p:nvSpPr>
               <p:cNvPr id="3" name="Content Placeholder 2"/>
@@ -15957,8 +15985,8 @@
           </a:p>
         </p:txBody>
       </p:sp>
-      <mc:AlternateContent xmlns:mc="http://schemas.openxmlformats.org/markup-compatibility/2006">
-        <mc:Choice xmlns:a14="http://schemas.microsoft.com/office/drawing/2010/main" Requires="a14">
+      <mc:AlternateContent xmlns:mc="http://schemas.openxmlformats.org/markup-compatibility/2006" xmlns:a14="http://schemas.microsoft.com/office/drawing/2010/main">
+        <mc:Choice Requires="a14">
           <p:sp>
             <p:nvSpPr>
               <p:cNvPr id="3" name="Espaço Reservado para Conteúdo 2">
@@ -16109,7 +16137,7 @@
             </p:txBody>
           </p:sp>
         </mc:Choice>
-        <mc:Fallback>
+        <mc:Fallback xmlns="">
           <p:sp>
             <p:nvSpPr>
               <p:cNvPr id="3" name="Espaço Reservado para Conteúdo 2">

--- a/slides/T320_Classificação (Parte II).pptx
+++ b/slides/T320_Classificação (Parte II).pptx
@@ -10490,8 +10490,8 @@
           </a:p>
         </p:txBody>
       </p:sp>
-      <mc:AlternateContent xmlns:mc="http://schemas.openxmlformats.org/markup-compatibility/2006">
-        <mc:Choice xmlns:a14="http://schemas.microsoft.com/office/drawing/2010/main" Requires="a14">
+      <mc:AlternateContent xmlns:mc="http://schemas.openxmlformats.org/markup-compatibility/2006" xmlns:a14="http://schemas.microsoft.com/office/drawing/2010/main">
+        <mc:Choice Requires="a14">
           <p:sp>
             <p:nvSpPr>
               <p:cNvPr id="3" name="Espaço Reservado para Conteúdo 2">
@@ -10817,7 +10817,7 @@
             </p:txBody>
           </p:sp>
         </mc:Choice>
-        <mc:Fallback>
+        <mc:Fallback xmlns="">
           <p:sp>
             <p:nvSpPr>
               <p:cNvPr id="3" name="Espaço Reservado para Conteúdo 2">
@@ -15583,8 +15583,8 @@
           </a:p>
         </p:txBody>
       </p:sp>
-      <mc:AlternateContent xmlns:mc="http://schemas.openxmlformats.org/markup-compatibility/2006" xmlns:a14="http://schemas.microsoft.com/office/drawing/2010/main">
-        <mc:Choice Requires="a14">
+      <mc:AlternateContent xmlns:mc="http://schemas.openxmlformats.org/markup-compatibility/2006">
+        <mc:Choice xmlns:a14="http://schemas.microsoft.com/office/drawing/2010/main" Requires="a14">
           <p:sp>
             <p:nvSpPr>
               <p:cNvPr id="3" name="Content Placeholder 2"/>
@@ -15669,7 +15669,23 @@
                 </a:r>
                 <a:r>
                   <a:rPr lang="pt-BR" dirty="0"/>
-                  <a:t>pelo valor 1 para os dois pontos azuis e 0 para os dois triângulos vermelhos, mesmo eles tendo valores bem diferentes de </a:t>
+                  <a:t>pelo </a:t>
+                </a:r>
+                <a:r>
+                  <a:rPr lang="pt-BR"/>
+                  <a:t>valor 0 </a:t>
+                </a:r>
+                <a:r>
+                  <a:rPr lang="pt-BR" dirty="0"/>
+                  <a:t>para os dois pontos azuis </a:t>
+                </a:r>
+                <a:r>
+                  <a:rPr lang="pt-BR"/>
+                  <a:t>e 1 </a:t>
+                </a:r>
+                <a:r>
+                  <a:rPr lang="pt-BR" dirty="0"/>
+                  <a:t>para os dois triângulos vermelhos, mesmo eles tendo valores bem diferentes de </a:t>
                 </a:r>
                 <a14:m>
                   <m:oMath xmlns:m="http://schemas.openxmlformats.org/officeDocument/2006/math">
@@ -15707,7 +15723,7 @@
             </p:txBody>
           </p:sp>
         </mc:Choice>
-        <mc:Fallback xmlns="">
+        <mc:Fallback>
           <p:sp>
             <p:nvSpPr>
               <p:cNvPr id="3" name="Content Placeholder 2"/>
@@ -15747,7 +15763,13 @@
       </mc:AlternateContent>
       <p:pic>
         <p:nvPicPr>
-          <p:cNvPr id="8" name="Picture 7"/>
+          <p:cNvPr id="5" name="Imagem 4">
+            <a:extLst>
+              <a:ext uri="{FF2B5EF4-FFF2-40B4-BE49-F238E27FC236}">
+                <a16:creationId xmlns:a16="http://schemas.microsoft.com/office/drawing/2014/main" id="{5FD9BD3A-EECA-05F4-C300-1441F18AB71D}"/>
+              </a:ext>
+            </a:extLst>
+          </p:cNvPr>
           <p:cNvPicPr>
             <a:picLocks noChangeAspect="1"/>
           </p:cNvPicPr>
@@ -15761,13 +15783,13 @@
               </a:ext>
             </a:extLst>
           </a:blip>
-          <a:srcRect l="6890" t="2565" r="7668"/>
+          <a:srcRect l="6649" r="7298"/>
           <a:stretch/>
         </p:blipFill>
         <p:spPr>
           <a:xfrm>
-            <a:off x="464671" y="2253972"/>
-            <a:ext cx="4028665" cy="3469934"/>
+            <a:off x="315379" y="2328616"/>
+            <a:ext cx="4214207" cy="3685588"/>
           </a:xfrm>
           <a:prstGeom prst="rect">
             <a:avLst/>
@@ -16183,10 +16205,10 @@
       </mc:AlternateContent>
       <p:pic>
         <p:nvPicPr>
-          <p:cNvPr id="4" name="Picture 7">
+          <p:cNvPr id="5" name="Imagem 4">
             <a:extLst>
               <a:ext uri="{FF2B5EF4-FFF2-40B4-BE49-F238E27FC236}">
-                <a16:creationId xmlns:a16="http://schemas.microsoft.com/office/drawing/2014/main" id="{064D04EA-BB6B-F149-41BD-B5A755FCCDC2}"/>
+                <a16:creationId xmlns:a16="http://schemas.microsoft.com/office/drawing/2014/main" id="{37586BBD-40B1-F01B-4474-DE26CFC5EB64}"/>
               </a:ext>
             </a:extLst>
           </p:cNvPr>
@@ -16203,13 +16225,13 @@
               </a:ext>
             </a:extLst>
           </a:blip>
-          <a:srcRect l="6890" t="2565" r="7668"/>
+          <a:srcRect l="6649" r="7298"/>
           <a:stretch/>
         </p:blipFill>
         <p:spPr>
           <a:xfrm>
-            <a:off x="345918" y="2265847"/>
-            <a:ext cx="3952950" cy="3404719"/>
+            <a:off x="315379" y="2328616"/>
+            <a:ext cx="4214207" cy="3685588"/>
           </a:xfrm>
           <a:prstGeom prst="rect">
             <a:avLst/>
@@ -17378,8 +17400,8 @@
             </a:p>
           </p:txBody>
         </p:sp>
-        <mc:AlternateContent xmlns:mc="http://schemas.openxmlformats.org/markup-compatibility/2006" xmlns:a14="http://schemas.microsoft.com/office/drawing/2010/main">
-          <mc:Choice Requires="a14">
+        <mc:AlternateContent xmlns:mc="http://schemas.openxmlformats.org/markup-compatibility/2006">
+          <mc:Choice xmlns:a14="http://schemas.microsoft.com/office/drawing/2010/main" Requires="a14">
             <p:sp>
               <p:nvSpPr>
                 <p:cNvPr id="23" name="Rectangle 22"/>
@@ -17389,6 +17411,108 @@
               <p:spPr>
                 <a:xfrm>
                   <a:off x="5029533" y="3989093"/>
+                  <a:ext cx="515206" cy="400110"/>
+                </a:xfrm>
+                <a:prstGeom prst="rect">
+                  <a:avLst/>
+                </a:prstGeom>
+              </p:spPr>
+              <p:txBody>
+                <a:bodyPr wrap="none">
+                  <a:spAutoFit/>
+                </a:bodyPr>
+                <a:lstStyle/>
+                <a:p>
+                  <a:pPr/>
+                  <a14:m>
+                    <m:oMathPara xmlns:m="http://schemas.openxmlformats.org/officeDocument/2006/math">
+                      <m:oMathParaPr>
+                        <m:jc m:val="centerGroup"/>
+                      </m:oMathParaPr>
+                      <m:oMath xmlns:m="http://schemas.openxmlformats.org/officeDocument/2006/math">
+                        <m:sSub>
+                          <m:sSubPr>
+                            <m:ctrlPr>
+                              <a:rPr lang="pt-BR" sz="2000" i="1" smtClean="0">
+                                <a:latin typeface="Cambria Math" panose="02040503050406030204" pitchFamily="18" charset="0"/>
+                              </a:rPr>
+                            </m:ctrlPr>
+                          </m:sSubPr>
+                          <m:e>
+                            <m:r>
+                              <a:rPr lang="pt-BR" sz="2000" i="1">
+                                <a:latin typeface="Cambria Math" panose="02040503050406030204" pitchFamily="18" charset="0"/>
+                              </a:rPr>
+                              <m:t>𝑅</m:t>
+                            </m:r>
+                          </m:e>
+                          <m:sub>
+                            <m:r>
+                              <a:rPr lang="pt-BR" sz="2000" b="0" i="1" smtClean="0">
+                                <a:latin typeface="Cambria Math" panose="02040503050406030204" pitchFamily="18" charset="0"/>
+                              </a:rPr>
+                              <m:t>1</m:t>
+                            </m:r>
+                          </m:sub>
+                        </m:sSub>
+                      </m:oMath>
+                    </m:oMathPara>
+                  </a14:m>
+                  <a:endParaRPr lang="pt-BR" sz="2000" dirty="0"/>
+                </a:p>
+              </p:txBody>
+            </p:sp>
+          </mc:Choice>
+          <mc:Fallback>
+            <p:sp>
+              <p:nvSpPr>
+                <p:cNvPr id="23" name="Rectangle 22"/>
+                <p:cNvSpPr>
+                  <a:spLocks noRot="1" noChangeAspect="1" noMove="1" noResize="1" noEditPoints="1" noAdjustHandles="1" noChangeArrowheads="1" noChangeShapeType="1" noTextEdit="1"/>
+                </p:cNvSpPr>
+                <p:nvPr/>
+              </p:nvSpPr>
+              <p:spPr>
+                <a:xfrm>
+                  <a:off x="5029533" y="3989093"/>
+                  <a:ext cx="515206" cy="400110"/>
+                </a:xfrm>
+                <a:prstGeom prst="rect">
+                  <a:avLst/>
+                </a:prstGeom>
+                <a:blipFill>
+                  <a:blip r:embed="rId2"/>
+                  <a:stretch>
+                    <a:fillRect/>
+                  </a:stretch>
+                </a:blipFill>
+              </p:spPr>
+              <p:txBody>
+                <a:bodyPr/>
+                <a:lstStyle/>
+                <a:p>
+                  <a:r>
+                    <a:rPr lang="pt-BR">
+                      <a:noFill/>
+                    </a:rPr>
+                    <a:t> </a:t>
+                  </a:r>
+                </a:p>
+              </p:txBody>
+            </p:sp>
+          </mc:Fallback>
+        </mc:AlternateContent>
+        <mc:AlternateContent xmlns:mc="http://schemas.openxmlformats.org/markup-compatibility/2006">
+          <mc:Choice xmlns:a14="http://schemas.microsoft.com/office/drawing/2010/main" Requires="a14">
+            <p:sp>
+              <p:nvSpPr>
+                <p:cNvPr id="24" name="Rectangle 23"/>
+                <p:cNvSpPr/>
+                <p:nvPr/>
+              </p:nvSpPr>
+              <p:spPr>
+                <a:xfrm>
+                  <a:off x="6674365" y="2967590"/>
                   <a:ext cx="521168" cy="400110"/>
                 </a:xfrm>
                 <a:prstGeom prst="rect">
@@ -17441,109 +17565,7 @@
               </p:txBody>
             </p:sp>
           </mc:Choice>
-          <mc:Fallback xmlns="">
-            <p:sp>
-              <p:nvSpPr>
-                <p:cNvPr id="23" name="Rectangle 22"/>
-                <p:cNvSpPr>
-                  <a:spLocks noRot="1" noChangeAspect="1" noMove="1" noResize="1" noEditPoints="1" noAdjustHandles="1" noChangeArrowheads="1" noChangeShapeType="1" noTextEdit="1"/>
-                </p:cNvSpPr>
-                <p:nvPr/>
-              </p:nvSpPr>
-              <p:spPr>
-                <a:xfrm>
-                  <a:off x="5029533" y="3989093"/>
-                  <a:ext cx="521168" cy="400110"/>
-                </a:xfrm>
-                <a:prstGeom prst="rect">
-                  <a:avLst/>
-                </a:prstGeom>
-                <a:blipFill rotWithShape="0">
-                  <a:blip r:embed="rId2"/>
-                  <a:stretch>
-                    <a:fillRect/>
-                  </a:stretch>
-                </a:blipFill>
-              </p:spPr>
-              <p:txBody>
-                <a:bodyPr/>
-                <a:lstStyle/>
-                <a:p>
-                  <a:r>
-                    <a:rPr lang="pt-BR">
-                      <a:noFill/>
-                    </a:rPr>
-                    <a:t> </a:t>
-                  </a:r>
-                </a:p>
-              </p:txBody>
-            </p:sp>
-          </mc:Fallback>
-        </mc:AlternateContent>
-        <mc:AlternateContent xmlns:mc="http://schemas.openxmlformats.org/markup-compatibility/2006" xmlns:a14="http://schemas.microsoft.com/office/drawing/2010/main">
-          <mc:Choice Requires="a14">
-            <p:sp>
-              <p:nvSpPr>
-                <p:cNvPr id="24" name="Rectangle 23"/>
-                <p:cNvSpPr/>
-                <p:nvPr/>
-              </p:nvSpPr>
-              <p:spPr>
-                <a:xfrm>
-                  <a:off x="6674365" y="2967590"/>
-                  <a:ext cx="515206" cy="400110"/>
-                </a:xfrm>
-                <a:prstGeom prst="rect">
-                  <a:avLst/>
-                </a:prstGeom>
-              </p:spPr>
-              <p:txBody>
-                <a:bodyPr wrap="none">
-                  <a:spAutoFit/>
-                </a:bodyPr>
-                <a:lstStyle/>
-                <a:p>
-                  <a:pPr/>
-                  <a14:m>
-                    <m:oMathPara xmlns:m="http://schemas.openxmlformats.org/officeDocument/2006/math">
-                      <m:oMathParaPr>
-                        <m:jc m:val="centerGroup"/>
-                      </m:oMathParaPr>
-                      <m:oMath xmlns:m="http://schemas.openxmlformats.org/officeDocument/2006/math">
-                        <m:sSub>
-                          <m:sSubPr>
-                            <m:ctrlPr>
-                              <a:rPr lang="pt-BR" sz="2000" i="1" smtClean="0">
-                                <a:latin typeface="Cambria Math" panose="02040503050406030204" pitchFamily="18" charset="0"/>
-                              </a:rPr>
-                            </m:ctrlPr>
-                          </m:sSubPr>
-                          <m:e>
-                            <m:r>
-                              <a:rPr lang="pt-BR" sz="2000" i="1">
-                                <a:latin typeface="Cambria Math" panose="02040503050406030204" pitchFamily="18" charset="0"/>
-                              </a:rPr>
-                              <m:t>𝑅</m:t>
-                            </m:r>
-                          </m:e>
-                          <m:sub>
-                            <m:r>
-                              <a:rPr lang="pt-BR" sz="2000" b="0" i="1" smtClean="0">
-                                <a:latin typeface="Cambria Math" panose="02040503050406030204" pitchFamily="18" charset="0"/>
-                              </a:rPr>
-                              <m:t>1</m:t>
-                            </m:r>
-                          </m:sub>
-                        </m:sSub>
-                      </m:oMath>
-                    </m:oMathPara>
-                  </a14:m>
-                  <a:endParaRPr lang="pt-BR" sz="2000" dirty="0"/>
-                </a:p>
-              </p:txBody>
-            </p:sp>
-          </mc:Choice>
-          <mc:Fallback xmlns="">
+          <mc:Fallback>
             <p:sp>
               <p:nvSpPr>
                 <p:cNvPr id="24" name="Rectangle 23"/>
@@ -17555,15 +17577,15 @@
               <p:spPr>
                 <a:xfrm>
                   <a:off x="6674365" y="2967590"/>
-                  <a:ext cx="515206" cy="400110"/>
+                  <a:ext cx="521168" cy="400110"/>
                 </a:xfrm>
                 <a:prstGeom prst="rect">
                   <a:avLst/>
                 </a:prstGeom>
-                <a:blipFill rotWithShape="0">
+                <a:blipFill>
                   <a:blip r:embed="rId3"/>
                   <a:stretch>
-                    <a:fillRect/>
+                    <a:fillRect b="-1538"/>
                   </a:stretch>
                 </a:blipFill>
               </p:spPr>
@@ -18131,8 +18153,8 @@
             </a:fontRef>
           </p:style>
         </p:cxnSp>
-        <mc:AlternateContent xmlns:mc="http://schemas.openxmlformats.org/markup-compatibility/2006" xmlns:a14="http://schemas.microsoft.com/office/drawing/2010/main">
-          <mc:Choice Requires="a14">
+        <mc:AlternateContent xmlns:mc="http://schemas.openxmlformats.org/markup-compatibility/2006">
+          <mc:Choice xmlns:a14="http://schemas.microsoft.com/office/drawing/2010/main" Requires="a14">
             <p:sp>
               <p:nvSpPr>
                 <p:cNvPr id="48" name="TextBox 47"/>
@@ -18189,7 +18211,13 @@
                           <a:rPr lang="pt-BR" sz="1400" b="0" i="1" smtClean="0">
                             <a:latin typeface="Cambria Math" panose="02040503050406030204" pitchFamily="18" charset="0"/>
                           </a:rPr>
-                          <m:t>&gt;0</m:t>
+                          <m:t>&lt;</m:t>
+                        </m:r>
+                        <m:r>
+                          <a:rPr lang="pt-BR" sz="1400" b="0" i="1" smtClean="0">
+                            <a:latin typeface="Cambria Math" panose="02040503050406030204" pitchFamily="18" charset="0"/>
+                          </a:rPr>
+                          <m:t>0</m:t>
                         </m:r>
                       </m:oMath>
                     </m:oMathPara>
@@ -18199,7 +18227,7 @@
               </p:txBody>
             </p:sp>
           </mc:Choice>
-          <mc:Fallback xmlns="">
+          <mc:Fallback>
             <p:sp>
               <p:nvSpPr>
                 <p:cNvPr id="48" name="TextBox 47"/>
@@ -18216,7 +18244,7 @@
                 <a:prstGeom prst="rect">
                   <a:avLst/>
                 </a:prstGeom>
-                <a:blipFill rotWithShape="0">
+                <a:blipFill>
                   <a:blip r:embed="rId6"/>
                   <a:stretch>
                     <a:fillRect b="-2000"/>
@@ -18238,8 +18266,8 @@
             </p:sp>
           </mc:Fallback>
         </mc:AlternateContent>
-        <mc:AlternateContent xmlns:mc="http://schemas.openxmlformats.org/markup-compatibility/2006" xmlns:a14="http://schemas.microsoft.com/office/drawing/2010/main">
-          <mc:Choice Requires="a14">
+        <mc:AlternateContent xmlns:mc="http://schemas.openxmlformats.org/markup-compatibility/2006">
+          <mc:Choice xmlns:a14="http://schemas.microsoft.com/office/drawing/2010/main" Requires="a14">
             <p:sp>
               <p:nvSpPr>
                 <p:cNvPr id="49" name="TextBox 48"/>
@@ -18296,7 +18324,13 @@
                           <a:rPr lang="pt-BR" sz="1400" b="0" i="1" smtClean="0">
                             <a:latin typeface="Cambria Math" panose="02040503050406030204" pitchFamily="18" charset="0"/>
                           </a:rPr>
-                          <m:t>&lt;0</m:t>
+                          <m:t>&gt;</m:t>
+                        </m:r>
+                        <m:r>
+                          <a:rPr lang="pt-BR" sz="1400" b="0" i="1" smtClean="0">
+                            <a:latin typeface="Cambria Math" panose="02040503050406030204" pitchFamily="18" charset="0"/>
+                          </a:rPr>
+                          <m:t>0</m:t>
                         </m:r>
                       </m:oMath>
                     </m:oMathPara>
@@ -18306,7 +18340,7 @@
               </p:txBody>
             </p:sp>
           </mc:Choice>
-          <mc:Fallback xmlns="">
+          <mc:Fallback>
             <p:sp>
               <p:nvSpPr>
                 <p:cNvPr id="49" name="TextBox 48"/>
@@ -18323,7 +18357,7 @@
                 <a:prstGeom prst="rect">
                   <a:avLst/>
                 </a:prstGeom>
-                <a:blipFill rotWithShape="0">
+                <a:blipFill>
                   <a:blip r:embed="rId7"/>
                   <a:stretch>
                     <a:fillRect b="-2000"/>

--- a/slides/T320_Classificação (Parte II).pptx
+++ b/slides/T320_Classificação (Parte II).pptx
@@ -2784,6 +2784,143 @@
       </p:grpSpPr>
       <p:sp>
         <p:nvSpPr>
+          <p:cNvPr id="2" name="Espaço Reservado para Imagem de Slide 1"/>
+          <p:cNvSpPr>
+            <a:spLocks noGrp="1" noRot="1" noChangeAspect="1"/>
+          </p:cNvSpPr>
+          <p:nvPr>
+            <p:ph type="sldImg"/>
+          </p:nvPr>
+        </p:nvSpPr>
+        <p:spPr/>
+      </p:sp>
+      <p:sp>
+        <p:nvSpPr>
+          <p:cNvPr id="3" name="Espaço Reservado para Anotações 2"/>
+          <p:cNvSpPr>
+            <a:spLocks noGrp="1"/>
+          </p:cNvSpPr>
+          <p:nvPr>
+            <p:ph type="body" idx="1"/>
+          </p:nvPr>
+        </p:nvSpPr>
+        <p:spPr/>
+        <p:txBody>
+          <a:bodyPr/>
+          <a:lstStyle/>
+          <a:p>
+            <a:pPr marL="0" marR="0" lvl="0" indent="0" algn="l" defTabSz="914400" rtl="0" eaLnBrk="1" fontAlgn="auto" latinLnBrk="0" hangingPunct="1">
+              <a:lnSpc>
+                <a:spcPct val="100000"/>
+              </a:lnSpc>
+              <a:spcBef>
+                <a:spcPts val="0"/>
+              </a:spcBef>
+              <a:spcAft>
+                <a:spcPts val="0"/>
+              </a:spcAft>
+              <a:buClrTx/>
+              <a:buSzTx/>
+              <a:buFontTx/>
+              <a:buNone/>
+              <a:tabLst/>
+              <a:defRPr/>
+            </a:pPr>
+            <a:r>
+              <a:rPr lang="pt-BR" b="1" dirty="0"/>
+              <a:t>Exemplo</a:t>
+            </a:r>
+            <a:r>
+              <a:rPr lang="pt-BR" dirty="0"/>
+              <a:t>: https://colab.research.google.com/</a:t>
+            </a:r>
+            <a:r>
+              <a:rPr lang="pt-BR" dirty="0" err="1"/>
+              <a:t>github</a:t>
+            </a:r>
+            <a:r>
+              <a:rPr lang="pt-BR" dirty="0"/>
+              <a:t>/zz4fap/t320_aprendizado_de_maquina/</a:t>
+            </a:r>
+            <a:r>
+              <a:rPr lang="pt-BR" dirty="0" err="1"/>
+              <a:t>blob</a:t>
+            </a:r>
+            <a:r>
+              <a:rPr lang="pt-BR" dirty="0"/>
+              <a:t>/</a:t>
+            </a:r>
+            <a:r>
+              <a:rPr lang="pt-BR" dirty="0" err="1"/>
+              <a:t>main</a:t>
+            </a:r>
+            <a:r>
+              <a:rPr lang="pt-BR" dirty="0"/>
+              <a:t>/notebooks/classificação/</a:t>
+            </a:r>
+            <a:r>
+              <a:rPr lang="pt-BR" dirty="0" err="1"/>
+              <a:t>classificação_rígida.ipynb</a:t>
+            </a:r>
+            <a:endParaRPr lang="pt-BR" dirty="0"/>
+          </a:p>
+        </p:txBody>
+      </p:sp>
+      <p:sp>
+        <p:nvSpPr>
+          <p:cNvPr id="4" name="Espaço Reservado para Número de Slide 3"/>
+          <p:cNvSpPr>
+            <a:spLocks noGrp="1"/>
+          </p:cNvSpPr>
+          <p:nvPr>
+            <p:ph type="sldNum" sz="quarter" idx="5"/>
+          </p:nvPr>
+        </p:nvSpPr>
+        <p:spPr/>
+        <p:txBody>
+          <a:bodyPr/>
+          <a:lstStyle/>
+          <a:p>
+            <a:fld id="{6FC8D850-966F-45A6-8DE7-15B891E7D40D}" type="slidenum">
+              <a:rPr lang="pt-BR" smtClean="0"/>
+              <a:t>20</a:t>
+            </a:fld>
+            <a:endParaRPr lang="pt-BR"/>
+          </a:p>
+        </p:txBody>
+      </p:sp>
+    </p:spTree>
+    <p:extLst>
+      <p:ext uri="{BB962C8B-B14F-4D97-AF65-F5344CB8AC3E}">
+        <p14:creationId xmlns:p14="http://schemas.microsoft.com/office/powerpoint/2010/main" val="3151563493"/>
+      </p:ext>
+    </p:extLst>
+  </p:cSld>
+  <p:clrMapOvr>
+    <a:masterClrMapping/>
+  </p:clrMapOvr>
+</p:notes>
+</file>
+
+<file path=ppt/notesSlides/notesSlide15.xml><?xml version="1.0" encoding="utf-8"?>
+<p:notes xmlns:a="http://schemas.openxmlformats.org/drawingml/2006/main" xmlns:r="http://schemas.openxmlformats.org/officeDocument/2006/relationships" xmlns:p="http://schemas.openxmlformats.org/presentationml/2006/main">
+  <p:cSld>
+    <p:spTree>
+      <p:nvGrpSpPr>
+        <p:cNvPr id="1" name=""/>
+        <p:cNvGrpSpPr/>
+        <p:nvPr/>
+      </p:nvGrpSpPr>
+      <p:grpSpPr>
+        <a:xfrm>
+          <a:off x="0" y="0"/>
+          <a:ext cx="0" cy="0"/>
+          <a:chOff x="0" y="0"/>
+          <a:chExt cx="0" cy="0"/>
+        </a:xfrm>
+      </p:grpSpPr>
+      <p:sp>
+        <p:nvSpPr>
           <p:cNvPr id="2" name="Slide Image Placeholder 1"/>
           <p:cNvSpPr>
             <a:spLocks noGrp="1" noRot="1" noChangeAspect="1"/>
@@ -15583,8 +15720,8 @@
           </a:p>
         </p:txBody>
       </p:sp>
-      <mc:AlternateContent xmlns:mc="http://schemas.openxmlformats.org/markup-compatibility/2006">
-        <mc:Choice xmlns:a14="http://schemas.microsoft.com/office/drawing/2010/main" Requires="a14">
+      <mc:AlternateContent xmlns:mc="http://schemas.openxmlformats.org/markup-compatibility/2006" xmlns:a14="http://schemas.microsoft.com/office/drawing/2010/main">
+        <mc:Choice Requires="a14">
           <p:sp>
             <p:nvSpPr>
               <p:cNvPr id="3" name="Content Placeholder 2"/>
@@ -15723,7 +15860,7 @@
             </p:txBody>
           </p:sp>
         </mc:Choice>
-        <mc:Fallback>
+        <mc:Fallback xmlns="">
           <p:sp>
             <p:nvSpPr>
               <p:cNvPr id="3" name="Content Placeholder 2"/>
@@ -16007,8 +16144,8 @@
           </a:p>
         </p:txBody>
       </p:sp>
-      <mc:AlternateContent xmlns:mc="http://schemas.openxmlformats.org/markup-compatibility/2006" xmlns:a14="http://schemas.microsoft.com/office/drawing/2010/main">
-        <mc:Choice Requires="a14">
+      <mc:AlternateContent xmlns:mc="http://schemas.openxmlformats.org/markup-compatibility/2006">
+        <mc:Choice xmlns:a14="http://schemas.microsoft.com/office/drawing/2010/main" Requires="a14">
           <p:sp>
             <p:nvSpPr>
               <p:cNvPr id="3" name="Espaço Reservado para Conteúdo 2">
@@ -16153,13 +16290,10 @@
                 </a:r>
                 <a:endParaRPr lang="pt-BR" sz="2800" dirty="0"/>
               </a:p>
-              <a:p>
-                <a:endParaRPr lang="pt-BR" dirty="0"/>
-              </a:p>
             </p:txBody>
           </p:sp>
         </mc:Choice>
-        <mc:Fallback xmlns="">
+        <mc:Fallback>
           <p:sp>
             <p:nvSpPr>
               <p:cNvPr id="3" name="Espaço Reservado para Conteúdo 2">
@@ -16182,7 +16316,7 @@
                 <a:ext cx="7243949" cy="5008624"/>
               </a:xfrm>
               <a:blipFill>
-                <a:blip r:embed="rId2"/>
+                <a:blip r:embed="rId3"/>
                 <a:stretch>
                   <a:fillRect l="-1515" t="-1946"/>
                 </a:stretch>
@@ -16218,7 +16352,7 @@
           <p:nvPr/>
         </p:nvPicPr>
         <p:blipFill rotWithShape="1">
-          <a:blip r:embed="rId3">
+          <a:blip r:embed="rId4">
             <a:extLst>
               <a:ext uri="{28A0092B-C50C-407E-A947-70E740481C1C}">
                 <a14:useLocalDpi xmlns:a14="http://schemas.microsoft.com/office/drawing/2010/main" val="0"/>
@@ -16238,6 +16372,49 @@
           </a:prstGeom>
         </p:spPr>
       </p:pic>
+      <p:sp>
+        <p:nvSpPr>
+          <p:cNvPr id="4" name="Rectangle 3">
+            <a:extLst>
+              <a:ext uri="{FF2B5EF4-FFF2-40B4-BE49-F238E27FC236}">
+                <a16:creationId xmlns:a16="http://schemas.microsoft.com/office/drawing/2014/main" id="{8486856A-A906-F895-6B4C-453EFD40E6EF}"/>
+              </a:ext>
+            </a:extLst>
+          </p:cNvPr>
+          <p:cNvSpPr/>
+          <p:nvPr/>
+        </p:nvSpPr>
+        <p:spPr>
+          <a:xfrm>
+            <a:off x="9443106" y="6525566"/>
+            <a:ext cx="2748894" cy="307777"/>
+          </a:xfrm>
+          <a:prstGeom prst="rect">
+            <a:avLst/>
+          </a:prstGeom>
+        </p:spPr>
+        <p:txBody>
+          <a:bodyPr wrap="none">
+            <a:spAutoFit/>
+          </a:bodyPr>
+          <a:lstStyle/>
+          <a:p>
+            <a:r>
+              <a:rPr lang="pt-BR" sz="1400" dirty="0">
+                <a:hlinkClick r:id="rId5"/>
+              </a:rPr>
+              <a:t>Exemplo: </a:t>
+            </a:r>
+            <a:r>
+              <a:rPr lang="pt-BR" sz="1400" dirty="0" err="1">
+                <a:hlinkClick r:id="rId5"/>
+              </a:rPr>
+              <a:t>classificação_rígida.ipynb</a:t>
+            </a:r>
+            <a:endParaRPr lang="pt-BR" sz="1400" dirty="0"/>
+          </a:p>
+        </p:txBody>
+      </p:sp>
     </p:spTree>
     <p:extLst>
       <p:ext uri="{BB962C8B-B14F-4D97-AF65-F5344CB8AC3E}">
@@ -17400,8 +17577,8 @@
             </a:p>
           </p:txBody>
         </p:sp>
-        <mc:AlternateContent xmlns:mc="http://schemas.openxmlformats.org/markup-compatibility/2006">
-          <mc:Choice xmlns:a14="http://schemas.microsoft.com/office/drawing/2010/main" Requires="a14">
+        <mc:AlternateContent xmlns:mc="http://schemas.openxmlformats.org/markup-compatibility/2006" xmlns:a14="http://schemas.microsoft.com/office/drawing/2010/main">
+          <mc:Choice Requires="a14">
             <p:sp>
               <p:nvSpPr>
                 <p:cNvPr id="23" name="Rectangle 22"/>
@@ -17463,7 +17640,7 @@
               </p:txBody>
             </p:sp>
           </mc:Choice>
-          <mc:Fallback>
+          <mc:Fallback xmlns="">
             <p:sp>
               <p:nvSpPr>
                 <p:cNvPr id="23" name="Rectangle 22"/>
@@ -17502,8 +17679,8 @@
             </p:sp>
           </mc:Fallback>
         </mc:AlternateContent>
-        <mc:AlternateContent xmlns:mc="http://schemas.openxmlformats.org/markup-compatibility/2006">
-          <mc:Choice xmlns:a14="http://schemas.microsoft.com/office/drawing/2010/main" Requires="a14">
+        <mc:AlternateContent xmlns:mc="http://schemas.openxmlformats.org/markup-compatibility/2006" xmlns:a14="http://schemas.microsoft.com/office/drawing/2010/main">
+          <mc:Choice Requires="a14">
             <p:sp>
               <p:nvSpPr>
                 <p:cNvPr id="24" name="Rectangle 23"/>
@@ -17565,7 +17742,7 @@
               </p:txBody>
             </p:sp>
           </mc:Choice>
-          <mc:Fallback>
+          <mc:Fallback xmlns="">
             <p:sp>
               <p:nvSpPr>
                 <p:cNvPr id="24" name="Rectangle 23"/>
@@ -18153,8 +18330,8 @@
             </a:fontRef>
           </p:style>
         </p:cxnSp>
-        <mc:AlternateContent xmlns:mc="http://schemas.openxmlformats.org/markup-compatibility/2006">
-          <mc:Choice xmlns:a14="http://schemas.microsoft.com/office/drawing/2010/main" Requires="a14">
+        <mc:AlternateContent xmlns:mc="http://schemas.openxmlformats.org/markup-compatibility/2006" xmlns:a14="http://schemas.microsoft.com/office/drawing/2010/main">
+          <mc:Choice Requires="a14">
             <p:sp>
               <p:nvSpPr>
                 <p:cNvPr id="48" name="TextBox 47"/>
@@ -18211,13 +18388,7 @@
                           <a:rPr lang="pt-BR" sz="1400" b="0" i="1" smtClean="0">
                             <a:latin typeface="Cambria Math" panose="02040503050406030204" pitchFamily="18" charset="0"/>
                           </a:rPr>
-                          <m:t>&lt;</m:t>
-                        </m:r>
-                        <m:r>
-                          <a:rPr lang="pt-BR" sz="1400" b="0" i="1" smtClean="0">
-                            <a:latin typeface="Cambria Math" panose="02040503050406030204" pitchFamily="18" charset="0"/>
-                          </a:rPr>
-                          <m:t>0</m:t>
+                          <m:t>&lt;0</m:t>
                         </m:r>
                       </m:oMath>
                     </m:oMathPara>
@@ -18227,7 +18398,7 @@
               </p:txBody>
             </p:sp>
           </mc:Choice>
-          <mc:Fallback>
+          <mc:Fallback xmlns="">
             <p:sp>
               <p:nvSpPr>
                 <p:cNvPr id="48" name="TextBox 47"/>
@@ -18266,8 +18437,8 @@
             </p:sp>
           </mc:Fallback>
         </mc:AlternateContent>
-        <mc:AlternateContent xmlns:mc="http://schemas.openxmlformats.org/markup-compatibility/2006">
-          <mc:Choice xmlns:a14="http://schemas.microsoft.com/office/drawing/2010/main" Requires="a14">
+        <mc:AlternateContent xmlns:mc="http://schemas.openxmlformats.org/markup-compatibility/2006" xmlns:a14="http://schemas.microsoft.com/office/drawing/2010/main">
+          <mc:Choice Requires="a14">
             <p:sp>
               <p:nvSpPr>
                 <p:cNvPr id="49" name="TextBox 48"/>
@@ -18324,13 +18495,7 @@
                           <a:rPr lang="pt-BR" sz="1400" b="0" i="1" smtClean="0">
                             <a:latin typeface="Cambria Math" panose="02040503050406030204" pitchFamily="18" charset="0"/>
                           </a:rPr>
-                          <m:t>&gt;</m:t>
-                        </m:r>
-                        <m:r>
-                          <a:rPr lang="pt-BR" sz="1400" b="0" i="1" smtClean="0">
-                            <a:latin typeface="Cambria Math" panose="02040503050406030204" pitchFamily="18" charset="0"/>
-                          </a:rPr>
-                          <m:t>0</m:t>
+                          <m:t>&gt;0</m:t>
                         </m:r>
                       </m:oMath>
                     </m:oMathPara>
@@ -18340,7 +18505,7 @@
               </p:txBody>
             </p:sp>
           </mc:Choice>
-          <mc:Fallback>
+          <mc:Fallback xmlns="">
             <p:sp>
               <p:nvSpPr>
                 <p:cNvPr id="49" name="TextBox 48"/>

--- a/slides/T320_Classificação (Parte II).pptx
+++ b/slides/T320_Classificação (Parte II).pptx
@@ -5,10 +5,10 @@
     <p:sldMasterId id="2147483648" r:id="rId1"/>
   </p:sldMasterIdLst>
   <p:notesMasterIdLst>
-    <p:notesMasterId r:id="rId25"/>
+    <p:notesMasterId r:id="rId27"/>
   </p:notesMasterIdLst>
   <p:handoutMasterIdLst>
-    <p:handoutMasterId r:id="rId26"/>
+    <p:handoutMasterId r:id="rId28"/>
   </p:handoutMasterIdLst>
   <p:sldIdLst>
     <p:sldId id="256" r:id="rId2"/>
@@ -30,10 +30,12 @@
     <p:sldId id="382" r:id="rId18"/>
     <p:sldId id="383" r:id="rId19"/>
     <p:sldId id="385" r:id="rId20"/>
-    <p:sldId id="386" r:id="rId21"/>
-    <p:sldId id="324" r:id="rId22"/>
-    <p:sldId id="306" r:id="rId23"/>
-    <p:sldId id="367" r:id="rId24"/>
+    <p:sldId id="387" r:id="rId21"/>
+    <p:sldId id="389" r:id="rId22"/>
+    <p:sldId id="386" r:id="rId23"/>
+    <p:sldId id="324" r:id="rId24"/>
+    <p:sldId id="306" r:id="rId25"/>
+    <p:sldId id="367" r:id="rId26"/>
   </p:sldIdLst>
   <p:sldSz cx="12192000" cy="6858000"/>
   <p:notesSz cx="7315200" cy="9601200"/>
@@ -297,7 +299,7 @@
           <a:p>
             <a:fld id="{144F1436-6906-4D93-B7A2-786C327BFA14}" type="datetimeFigureOut">
               <a:rPr lang="nl-BE" smtClean="0"/>
-              <a:t>19/08/2023</a:t>
+              <a:t>25/08/2023</a:t>
             </a:fld>
             <a:endParaRPr lang="nl-BE"/>
           </a:p>
@@ -462,7 +464,7 @@
           <a:p>
             <a:fld id="{AA8CD09E-2914-4F47-B6C1-51B2C31814C9}" type="datetimeFigureOut">
               <a:rPr lang="pt-BR" smtClean="0"/>
-              <a:t>19/08/2023</a:t>
+              <a:t>25/08/2023</a:t>
             </a:fld>
             <a:endParaRPr lang="pt-BR"/>
           </a:p>
@@ -2809,59 +2811,6 @@
           <a:bodyPr/>
           <a:lstStyle/>
           <a:p>
-            <a:pPr marL="0" marR="0" lvl="0" indent="0" algn="l" defTabSz="914400" rtl="0" eaLnBrk="1" fontAlgn="auto" latinLnBrk="0" hangingPunct="1">
-              <a:lnSpc>
-                <a:spcPct val="100000"/>
-              </a:lnSpc>
-              <a:spcBef>
-                <a:spcPts val="0"/>
-              </a:spcBef>
-              <a:spcAft>
-                <a:spcPts val="0"/>
-              </a:spcAft>
-              <a:buClrTx/>
-              <a:buSzTx/>
-              <a:buFontTx/>
-              <a:buNone/>
-              <a:tabLst/>
-              <a:defRPr/>
-            </a:pPr>
-            <a:r>
-              <a:rPr lang="pt-BR" b="1" dirty="0"/>
-              <a:t>Exemplo</a:t>
-            </a:r>
-            <a:r>
-              <a:rPr lang="pt-BR" dirty="0"/>
-              <a:t>: https://colab.research.google.com/</a:t>
-            </a:r>
-            <a:r>
-              <a:rPr lang="pt-BR" dirty="0" err="1"/>
-              <a:t>github</a:t>
-            </a:r>
-            <a:r>
-              <a:rPr lang="pt-BR" dirty="0"/>
-              <a:t>/zz4fap/t320_aprendizado_de_maquina/</a:t>
-            </a:r>
-            <a:r>
-              <a:rPr lang="pt-BR" dirty="0" err="1"/>
-              <a:t>blob</a:t>
-            </a:r>
-            <a:r>
-              <a:rPr lang="pt-BR" dirty="0"/>
-              <a:t>/</a:t>
-            </a:r>
-            <a:r>
-              <a:rPr lang="pt-BR" dirty="0" err="1"/>
-              <a:t>main</a:t>
-            </a:r>
-            <a:r>
-              <a:rPr lang="pt-BR" dirty="0"/>
-              <a:t>/notebooks/classificação/</a:t>
-            </a:r>
-            <a:r>
-              <a:rPr lang="pt-BR" dirty="0" err="1"/>
-              <a:t>classificação_rígida.ipynb</a:t>
-            </a:r>
             <a:endParaRPr lang="pt-BR" dirty="0"/>
           </a:p>
         </p:txBody>
@@ -2892,6 +2841,227 @@
     </p:spTree>
     <p:extLst>
       <p:ext uri="{BB962C8B-B14F-4D97-AF65-F5344CB8AC3E}">
+        <p14:creationId xmlns:p14="http://schemas.microsoft.com/office/powerpoint/2010/main" val="1455485540"/>
+      </p:ext>
+    </p:extLst>
+  </p:cSld>
+  <p:clrMapOvr>
+    <a:masterClrMapping/>
+  </p:clrMapOvr>
+</p:notes>
+</file>
+
+<file path=ppt/notesSlides/notesSlide15.xml><?xml version="1.0" encoding="utf-8"?>
+<p:notes xmlns:a="http://schemas.openxmlformats.org/drawingml/2006/main" xmlns:r="http://schemas.openxmlformats.org/officeDocument/2006/relationships" xmlns:p="http://schemas.openxmlformats.org/presentationml/2006/main">
+  <p:cSld>
+    <p:spTree>
+      <p:nvGrpSpPr>
+        <p:cNvPr id="1" name=""/>
+        <p:cNvGrpSpPr/>
+        <p:nvPr/>
+      </p:nvGrpSpPr>
+      <p:grpSpPr>
+        <a:xfrm>
+          <a:off x="0" y="0"/>
+          <a:ext cx="0" cy="0"/>
+          <a:chOff x="0" y="0"/>
+          <a:chExt cx="0" cy="0"/>
+        </a:xfrm>
+      </p:grpSpPr>
+      <p:sp>
+        <p:nvSpPr>
+          <p:cNvPr id="2" name="Espaço Reservado para Imagem de Slide 1"/>
+          <p:cNvSpPr>
+            <a:spLocks noGrp="1" noRot="1" noChangeAspect="1"/>
+          </p:cNvSpPr>
+          <p:nvPr>
+            <p:ph type="sldImg"/>
+          </p:nvPr>
+        </p:nvSpPr>
+        <p:spPr/>
+      </p:sp>
+      <p:sp>
+        <p:nvSpPr>
+          <p:cNvPr id="3" name="Espaço Reservado para Anotações 2"/>
+          <p:cNvSpPr>
+            <a:spLocks noGrp="1"/>
+          </p:cNvSpPr>
+          <p:nvPr>
+            <p:ph type="body" idx="1"/>
+          </p:nvPr>
+        </p:nvSpPr>
+        <p:spPr/>
+        <p:txBody>
+          <a:bodyPr/>
+          <a:lstStyle/>
+          <a:p>
+            <a:endParaRPr lang="pt-BR" dirty="0"/>
+          </a:p>
+        </p:txBody>
+      </p:sp>
+      <p:sp>
+        <p:nvSpPr>
+          <p:cNvPr id="4" name="Espaço Reservado para Número de Slide 3"/>
+          <p:cNvSpPr>
+            <a:spLocks noGrp="1"/>
+          </p:cNvSpPr>
+          <p:nvPr>
+            <p:ph type="sldNum" sz="quarter" idx="5"/>
+          </p:nvPr>
+        </p:nvSpPr>
+        <p:spPr/>
+        <p:txBody>
+          <a:bodyPr/>
+          <a:lstStyle/>
+          <a:p>
+            <a:fld id="{6FC8D850-966F-45A6-8DE7-15B891E7D40D}" type="slidenum">
+              <a:rPr lang="pt-BR" smtClean="0"/>
+              <a:t>21</a:t>
+            </a:fld>
+            <a:endParaRPr lang="pt-BR"/>
+          </a:p>
+        </p:txBody>
+      </p:sp>
+    </p:spTree>
+    <p:extLst>
+      <p:ext uri="{BB962C8B-B14F-4D97-AF65-F5344CB8AC3E}">
+        <p14:creationId xmlns:p14="http://schemas.microsoft.com/office/powerpoint/2010/main" val="232648102"/>
+      </p:ext>
+    </p:extLst>
+  </p:cSld>
+  <p:clrMapOvr>
+    <a:masterClrMapping/>
+  </p:clrMapOvr>
+</p:notes>
+</file>
+
+<file path=ppt/notesSlides/notesSlide16.xml><?xml version="1.0" encoding="utf-8"?>
+<p:notes xmlns:a="http://schemas.openxmlformats.org/drawingml/2006/main" xmlns:r="http://schemas.openxmlformats.org/officeDocument/2006/relationships" xmlns:p="http://schemas.openxmlformats.org/presentationml/2006/main">
+  <p:cSld>
+    <p:spTree>
+      <p:nvGrpSpPr>
+        <p:cNvPr id="1" name=""/>
+        <p:cNvGrpSpPr/>
+        <p:nvPr/>
+      </p:nvGrpSpPr>
+      <p:grpSpPr>
+        <a:xfrm>
+          <a:off x="0" y="0"/>
+          <a:ext cx="0" cy="0"/>
+          <a:chOff x="0" y="0"/>
+          <a:chExt cx="0" cy="0"/>
+        </a:xfrm>
+      </p:grpSpPr>
+      <p:sp>
+        <p:nvSpPr>
+          <p:cNvPr id="2" name="Espaço Reservado para Imagem de Slide 1"/>
+          <p:cNvSpPr>
+            <a:spLocks noGrp="1" noRot="1" noChangeAspect="1"/>
+          </p:cNvSpPr>
+          <p:nvPr>
+            <p:ph type="sldImg"/>
+          </p:nvPr>
+        </p:nvSpPr>
+        <p:spPr/>
+      </p:sp>
+      <p:sp>
+        <p:nvSpPr>
+          <p:cNvPr id="3" name="Espaço Reservado para Anotações 2"/>
+          <p:cNvSpPr>
+            <a:spLocks noGrp="1"/>
+          </p:cNvSpPr>
+          <p:nvPr>
+            <p:ph type="body" idx="1"/>
+          </p:nvPr>
+        </p:nvSpPr>
+        <p:spPr/>
+        <p:txBody>
+          <a:bodyPr/>
+          <a:lstStyle/>
+          <a:p>
+            <a:pPr marL="0" marR="0" lvl="0" indent="0" algn="l" defTabSz="914400" rtl="0" eaLnBrk="1" fontAlgn="auto" latinLnBrk="0" hangingPunct="1">
+              <a:lnSpc>
+                <a:spcPct val="100000"/>
+              </a:lnSpc>
+              <a:spcBef>
+                <a:spcPts val="0"/>
+              </a:spcBef>
+              <a:spcAft>
+                <a:spcPts val="0"/>
+              </a:spcAft>
+              <a:buClrTx/>
+              <a:buSzTx/>
+              <a:buFontTx/>
+              <a:buNone/>
+              <a:tabLst/>
+              <a:defRPr/>
+            </a:pPr>
+            <a:r>
+              <a:rPr lang="pt-BR" b="1" dirty="0"/>
+              <a:t>Exemplo</a:t>
+            </a:r>
+            <a:r>
+              <a:rPr lang="pt-BR" dirty="0"/>
+              <a:t>: https://colab.research.google.com/</a:t>
+            </a:r>
+            <a:r>
+              <a:rPr lang="pt-BR" dirty="0" err="1"/>
+              <a:t>github</a:t>
+            </a:r>
+            <a:r>
+              <a:rPr lang="pt-BR" dirty="0"/>
+              <a:t>/zz4fap/t320_aprendizado_de_maquina/</a:t>
+            </a:r>
+            <a:r>
+              <a:rPr lang="pt-BR" dirty="0" err="1"/>
+              <a:t>blob</a:t>
+            </a:r>
+            <a:r>
+              <a:rPr lang="pt-BR" dirty="0"/>
+              <a:t>/</a:t>
+            </a:r>
+            <a:r>
+              <a:rPr lang="pt-BR" dirty="0" err="1"/>
+              <a:t>main</a:t>
+            </a:r>
+            <a:r>
+              <a:rPr lang="pt-BR" dirty="0"/>
+              <a:t>/notebooks/classificação/</a:t>
+            </a:r>
+            <a:r>
+              <a:rPr lang="pt-BR" dirty="0" err="1"/>
+              <a:t>classificação_rígida.ipynb</a:t>
+            </a:r>
+            <a:endParaRPr lang="pt-BR" dirty="0"/>
+          </a:p>
+        </p:txBody>
+      </p:sp>
+      <p:sp>
+        <p:nvSpPr>
+          <p:cNvPr id="4" name="Espaço Reservado para Número de Slide 3"/>
+          <p:cNvSpPr>
+            <a:spLocks noGrp="1"/>
+          </p:cNvSpPr>
+          <p:nvPr>
+            <p:ph type="sldNum" sz="quarter" idx="5"/>
+          </p:nvPr>
+        </p:nvSpPr>
+        <p:spPr/>
+        <p:txBody>
+          <a:bodyPr/>
+          <a:lstStyle/>
+          <a:p>
+            <a:fld id="{6FC8D850-966F-45A6-8DE7-15B891E7D40D}" type="slidenum">
+              <a:rPr lang="pt-BR" smtClean="0"/>
+              <a:t>22</a:t>
+            </a:fld>
+            <a:endParaRPr lang="pt-BR"/>
+          </a:p>
+        </p:txBody>
+      </p:sp>
+    </p:spTree>
+    <p:extLst>
+      <p:ext uri="{BB962C8B-B14F-4D97-AF65-F5344CB8AC3E}">
         <p14:creationId xmlns:p14="http://schemas.microsoft.com/office/powerpoint/2010/main" val="3151563493"/>
       </p:ext>
     </p:extLst>
@@ -2902,7 +3072,7 @@
 </p:notes>
 </file>
 
-<file path=ppt/notesSlides/notesSlide15.xml><?xml version="1.0" encoding="utf-8"?>
+<file path=ppt/notesSlides/notesSlide17.xml><?xml version="1.0" encoding="utf-8"?>
 <p:notes xmlns:a="http://schemas.openxmlformats.org/drawingml/2006/main" xmlns:r="http://schemas.openxmlformats.org/officeDocument/2006/relationships" xmlns:p="http://schemas.openxmlformats.org/presentationml/2006/main">
   <p:cSld>
     <p:spTree>
@@ -2977,7 +3147,7 @@
           <a:p>
             <a:fld id="{6FC8D850-966F-45A6-8DE7-15B891E7D40D}" type="slidenum">
               <a:rPr lang="pt-BR" smtClean="0"/>
-              <a:t>21</a:t>
+              <a:t>23</a:t>
             </a:fld>
             <a:endParaRPr lang="pt-BR"/>
           </a:p>
@@ -5281,7 +5451,7 @@
           <a:p>
             <a:fld id="{63289F7E-B80B-496E-81B4-D396C37C9454}" type="datetimeFigureOut">
               <a:rPr lang="pt-BR" smtClean="0"/>
-              <a:t>19/08/2023</a:t>
+              <a:t>25/08/2023</a:t>
             </a:fld>
             <a:endParaRPr lang="pt-BR"/>
           </a:p>
@@ -5479,7 +5649,7 @@
           <a:p>
             <a:fld id="{63289F7E-B80B-496E-81B4-D396C37C9454}" type="datetimeFigureOut">
               <a:rPr lang="pt-BR" smtClean="0"/>
-              <a:t>19/08/2023</a:t>
+              <a:t>25/08/2023</a:t>
             </a:fld>
             <a:endParaRPr lang="pt-BR"/>
           </a:p>
@@ -5687,7 +5857,7 @@
           <a:p>
             <a:fld id="{63289F7E-B80B-496E-81B4-D396C37C9454}" type="datetimeFigureOut">
               <a:rPr lang="pt-BR" smtClean="0"/>
-              <a:t>19/08/2023</a:t>
+              <a:t>25/08/2023</a:t>
             </a:fld>
             <a:endParaRPr lang="pt-BR"/>
           </a:p>
@@ -5885,7 +6055,7 @@
           <a:p>
             <a:fld id="{63289F7E-B80B-496E-81B4-D396C37C9454}" type="datetimeFigureOut">
               <a:rPr lang="pt-BR" smtClean="0"/>
-              <a:t>19/08/2023</a:t>
+              <a:t>25/08/2023</a:t>
             </a:fld>
             <a:endParaRPr lang="pt-BR"/>
           </a:p>
@@ -6160,7 +6330,7 @@
           <a:p>
             <a:fld id="{63289F7E-B80B-496E-81B4-D396C37C9454}" type="datetimeFigureOut">
               <a:rPr lang="pt-BR" smtClean="0"/>
-              <a:t>19/08/2023</a:t>
+              <a:t>25/08/2023</a:t>
             </a:fld>
             <a:endParaRPr lang="pt-BR"/>
           </a:p>
@@ -6425,7 +6595,7 @@
           <a:p>
             <a:fld id="{63289F7E-B80B-496E-81B4-D396C37C9454}" type="datetimeFigureOut">
               <a:rPr lang="pt-BR" smtClean="0"/>
-              <a:t>19/08/2023</a:t>
+              <a:t>25/08/2023</a:t>
             </a:fld>
             <a:endParaRPr lang="pt-BR"/>
           </a:p>
@@ -6837,7 +7007,7 @@
           <a:p>
             <a:fld id="{63289F7E-B80B-496E-81B4-D396C37C9454}" type="datetimeFigureOut">
               <a:rPr lang="pt-BR" smtClean="0"/>
-              <a:t>19/08/2023</a:t>
+              <a:t>25/08/2023</a:t>
             </a:fld>
             <a:endParaRPr lang="pt-BR"/>
           </a:p>
@@ -6978,7 +7148,7 @@
           <a:p>
             <a:fld id="{63289F7E-B80B-496E-81B4-D396C37C9454}" type="datetimeFigureOut">
               <a:rPr lang="pt-BR" smtClean="0"/>
-              <a:t>19/08/2023</a:t>
+              <a:t>25/08/2023</a:t>
             </a:fld>
             <a:endParaRPr lang="pt-BR"/>
           </a:p>
@@ -7091,7 +7261,7 @@
           <a:p>
             <a:fld id="{63289F7E-B80B-496E-81B4-D396C37C9454}" type="datetimeFigureOut">
               <a:rPr lang="pt-BR" smtClean="0"/>
-              <a:t>19/08/2023</a:t>
+              <a:t>25/08/2023</a:t>
             </a:fld>
             <a:endParaRPr lang="pt-BR"/>
           </a:p>
@@ -7402,7 +7572,7 @@
           <a:p>
             <a:fld id="{63289F7E-B80B-496E-81B4-D396C37C9454}" type="datetimeFigureOut">
               <a:rPr lang="pt-BR" smtClean="0"/>
-              <a:t>19/08/2023</a:t>
+              <a:t>25/08/2023</a:t>
             </a:fld>
             <a:endParaRPr lang="pt-BR"/>
           </a:p>
@@ -7690,7 +7860,7 @@
           <a:p>
             <a:fld id="{63289F7E-B80B-496E-81B4-D396C37C9454}" type="datetimeFigureOut">
               <a:rPr lang="pt-BR" smtClean="0"/>
-              <a:t>19/08/2023</a:t>
+              <a:t>25/08/2023</a:t>
             </a:fld>
             <a:endParaRPr lang="pt-BR"/>
           </a:p>
@@ -7931,7 +8101,7 @@
           <a:p>
             <a:fld id="{63289F7E-B80B-496E-81B4-D396C37C9454}" type="datetimeFigureOut">
               <a:rPr lang="pt-BR" smtClean="0"/>
-              <a:t>19/08/2023</a:t>
+              <a:t>25/08/2023</a:t>
             </a:fld>
             <a:endParaRPr lang="pt-BR"/>
           </a:p>
@@ -15720,184 +15890,83 @@
           </a:p>
         </p:txBody>
       </p:sp>
-      <mc:AlternateContent xmlns:mc="http://schemas.openxmlformats.org/markup-compatibility/2006" xmlns:a14="http://schemas.microsoft.com/office/drawing/2010/main">
-        <mc:Choice Requires="a14">
-          <p:sp>
-            <p:nvSpPr>
-              <p:cNvPr id="3" name="Content Placeholder 2"/>
-              <p:cNvSpPr>
-                <a:spLocks noGrp="1"/>
-              </p:cNvSpPr>
-              <p:nvPr>
-                <p:ph idx="1"/>
-              </p:nvPr>
-            </p:nvSpPr>
-            <p:spPr>
-              <a:xfrm>
-                <a:off x="4678878" y="1825624"/>
-                <a:ext cx="7362701" cy="5032376"/>
-              </a:xfrm>
-            </p:spPr>
-            <p:txBody>
-              <a:bodyPr>
-                <a:normAutofit/>
-              </a:bodyPr>
-              <a:lstStyle/>
-              <a:p>
-                <a:r>
-                  <a:rPr lang="pt-BR" dirty="0"/>
-                  <a:t>Outro problema com classificadores que usam </a:t>
-                </a:r>
-                <a:r>
-                  <a:rPr lang="pt-BR" b="1" i="1" dirty="0"/>
-                  <a:t>limiar de decisão rígido </a:t>
-                </a:r>
-                <a:r>
-                  <a:rPr lang="pt-BR" dirty="0"/>
-                  <a:t>é a </a:t>
-                </a:r>
-                <a:r>
-                  <a:rPr lang="pt-BR" b="1" i="1" dirty="0">
-                    <a:solidFill>
-                      <a:srgbClr val="00B050"/>
-                    </a:solidFill>
-                  </a:rPr>
-                  <a:t>falta de informação sobre a confiança </a:t>
-                </a:r>
-                <a:r>
-                  <a:rPr lang="pt-BR" dirty="0"/>
-                  <a:t>do classificador quanto a uma classificação.</a:t>
-                </a:r>
-              </a:p>
-              <a:p>
-                <a:r>
-                  <a:rPr lang="pt-BR" dirty="0"/>
-                  <a:t>Na figura ao lado, dois exemplos estão bem próximos da </a:t>
-                </a:r>
-                <a:r>
-                  <a:rPr lang="pt-BR" b="1" i="1" dirty="0"/>
-                  <a:t>fronteira de decisão </a:t>
-                </a:r>
-                <a:r>
-                  <a:rPr lang="pt-BR" dirty="0"/>
-                  <a:t>enquanto outros dois estão bem distantes dela.</a:t>
-                </a:r>
-              </a:p>
-              <a:p>
-                <a:r>
-                  <a:rPr lang="pt-BR" dirty="0"/>
-                  <a:t>O classificador com </a:t>
-                </a:r>
-                <a:r>
-                  <a:rPr lang="pt-BR" b="1" i="1" dirty="0"/>
-                  <a:t>limiar de decisão rígido</a:t>
-                </a:r>
-                <a:r>
-                  <a:rPr lang="pt-BR" dirty="0"/>
-                  <a:t>, faria uma previsão </a:t>
-                </a:r>
-                <a:r>
-                  <a:rPr lang="pt-BR" b="1" i="1" dirty="0">
-                    <a:solidFill>
-                      <a:srgbClr val="00B050"/>
-                    </a:solidFill>
-                  </a:rPr>
-                  <a:t>completamente confiante </a:t>
-                </a:r>
-                <a:r>
-                  <a:rPr lang="pt-BR" dirty="0"/>
-                  <a:t>pelo </a:t>
-                </a:r>
-                <a:r>
-                  <a:rPr lang="pt-BR"/>
-                  <a:t>valor 0 </a:t>
-                </a:r>
-                <a:r>
-                  <a:rPr lang="pt-BR" dirty="0"/>
-                  <a:t>para os dois pontos azuis </a:t>
-                </a:r>
-                <a:r>
-                  <a:rPr lang="pt-BR"/>
-                  <a:t>e 1 </a:t>
-                </a:r>
-                <a:r>
-                  <a:rPr lang="pt-BR" dirty="0"/>
-                  <a:t>para os dois triângulos vermelhos, mesmo eles tendo valores bem diferentes de </a:t>
-                </a:r>
-                <a14:m>
-                  <m:oMath xmlns:m="http://schemas.openxmlformats.org/officeDocument/2006/math">
-                    <m:r>
-                      <a:rPr lang="pt-BR" b="0" i="1" smtClean="0">
-                        <a:latin typeface="Cambria Math" panose="02040503050406030204" pitchFamily="18" charset="0"/>
-                      </a:rPr>
-                      <m:t>𝑔</m:t>
-                    </m:r>
-                    <m:r>
-                      <a:rPr lang="pt-BR" b="0" i="1" smtClean="0">
-                        <a:latin typeface="Cambria Math" panose="02040503050406030204" pitchFamily="18" charset="0"/>
-                      </a:rPr>
-                      <m:t>(</m:t>
-                    </m:r>
-                    <m:r>
-                      <a:rPr lang="pt-BR" b="1" i="1" smtClean="0">
-                        <a:latin typeface="Cambria Math" panose="02040503050406030204" pitchFamily="18" charset="0"/>
-                      </a:rPr>
-                      <m:t>𝒙</m:t>
-                    </m:r>
-                    <m:r>
-                      <a:rPr lang="pt-BR" b="0" i="1" smtClean="0">
-                        <a:latin typeface="Cambria Math" panose="02040503050406030204" pitchFamily="18" charset="0"/>
-                      </a:rPr>
-                      <m:t>)</m:t>
-                    </m:r>
-                  </m:oMath>
-                </a14:m>
-                <a:r>
-                  <a:rPr lang="pt-BR" dirty="0"/>
-                  <a:t>.</a:t>
-                </a:r>
-              </a:p>
-            </p:txBody>
-          </p:sp>
-        </mc:Choice>
-        <mc:Fallback xmlns="">
-          <p:sp>
-            <p:nvSpPr>
-              <p:cNvPr id="3" name="Content Placeholder 2"/>
-              <p:cNvSpPr>
-                <a:spLocks noGrp="1" noRot="1" noChangeAspect="1" noMove="1" noResize="1" noEditPoints="1" noAdjustHandles="1" noChangeArrowheads="1" noChangeShapeType="1" noTextEdit="1"/>
-              </p:cNvSpPr>
-              <p:nvPr>
-                <p:ph idx="1"/>
-              </p:nvPr>
-            </p:nvSpPr>
-            <p:spPr>
-              <a:xfrm>
-                <a:off x="4678878" y="1825624"/>
-                <a:ext cx="7362701" cy="5032376"/>
-              </a:xfrm>
-              <a:blipFill>
-                <a:blip r:embed="rId2"/>
-                <a:stretch>
-                  <a:fillRect l="-1491" t="-1937" r="-2568" b="-1816"/>
-                </a:stretch>
-              </a:blipFill>
-            </p:spPr>
-            <p:txBody>
-              <a:bodyPr/>
-              <a:lstStyle/>
-              <a:p>
-                <a:r>
-                  <a:rPr lang="pt-BR">
-                    <a:noFill/>
-                  </a:rPr>
-                  <a:t> </a:t>
-                </a:r>
-              </a:p>
-            </p:txBody>
-          </p:sp>
-        </mc:Fallback>
-      </mc:AlternateContent>
+      <p:sp>
+        <p:nvSpPr>
+          <p:cNvPr id="3" name="Content Placeholder 2"/>
+          <p:cNvSpPr>
+            <a:spLocks noGrp="1"/>
+          </p:cNvSpPr>
+          <p:nvPr>
+            <p:ph idx="1"/>
+          </p:nvPr>
+        </p:nvSpPr>
+        <p:spPr>
+          <a:xfrm>
+            <a:off x="4678878" y="1825624"/>
+            <a:ext cx="7362701" cy="5032376"/>
+          </a:xfrm>
+        </p:spPr>
+        <p:txBody>
+          <a:bodyPr>
+            <a:normAutofit/>
+          </a:bodyPr>
+          <a:lstStyle/>
+          <a:p>
+            <a:r>
+              <a:rPr lang="pt-BR" dirty="0"/>
+              <a:t>Outro problema com classificadores que usam </a:t>
+            </a:r>
+            <a:r>
+              <a:rPr lang="pt-BR" b="1" i="1" dirty="0"/>
+              <a:t>limiar de decisão rígido </a:t>
+            </a:r>
+            <a:r>
+              <a:rPr lang="pt-BR" dirty="0"/>
+              <a:t>é a </a:t>
+            </a:r>
+            <a:r>
+              <a:rPr lang="pt-BR" b="1" i="1" dirty="0">
+                <a:solidFill>
+                  <a:srgbClr val="00B050"/>
+                </a:solidFill>
+              </a:rPr>
+              <a:t>falta de informação sobre a confiança </a:t>
+            </a:r>
+            <a:r>
+              <a:rPr lang="pt-BR" dirty="0"/>
+              <a:t>quanto a uma classificação.</a:t>
+            </a:r>
+          </a:p>
+          <a:p>
+            <a:r>
+              <a:rPr lang="pt-BR" dirty="0"/>
+              <a:t>Na figura ao lado, dois exemplos estão bem próximos da </a:t>
+            </a:r>
+            <a:r>
+              <a:rPr lang="pt-BR" b="1" i="1" dirty="0"/>
+              <a:t>fronteira de decisão </a:t>
+            </a:r>
+            <a:r>
+              <a:rPr lang="pt-BR" dirty="0"/>
+              <a:t>enquanto outros dois estão bem distantes dela.</a:t>
+            </a:r>
+          </a:p>
+          <a:p>
+            <a:r>
+              <a:rPr lang="pt-BR" dirty="0"/>
+              <a:t>Como o classificador com </a:t>
+            </a:r>
+            <a:r>
+              <a:rPr lang="pt-BR" b="1" i="1" dirty="0"/>
+              <a:t>limiar de decisão rígido </a:t>
+            </a:r>
+            <a:r>
+              <a:rPr lang="pt-BR" dirty="0"/>
+              <a:t>classificaria esses exemplos?</a:t>
+            </a:r>
+          </a:p>
+        </p:txBody>
+      </p:sp>
       <p:pic>
         <p:nvPicPr>
           <p:cNvPr id="5" name="Imagem 4">
@@ -15913,7 +15982,7 @@
           <p:nvPr/>
         </p:nvPicPr>
         <p:blipFill rotWithShape="1">
-          <a:blip r:embed="rId3">
+          <a:blip r:embed="rId2">
             <a:extLst>
               <a:ext uri="{28A0092B-C50C-407E-A947-70E740481C1C}">
                 <a14:useLocalDpi xmlns:a14="http://schemas.microsoft.com/office/drawing/2010/main" val="0"/>
@@ -16118,6 +16187,1523 @@
       </p:grpSpPr>
       <p:sp>
         <p:nvSpPr>
+          <p:cNvPr id="2" name="Title 1"/>
+          <p:cNvSpPr>
+            <a:spLocks noGrp="1"/>
+          </p:cNvSpPr>
+          <p:nvPr>
+            <p:ph type="title"/>
+          </p:nvPr>
+        </p:nvSpPr>
+        <p:spPr/>
+        <p:txBody>
+          <a:bodyPr/>
+          <a:lstStyle/>
+          <a:p>
+            <a:r>
+              <a:rPr lang="pt-BR" dirty="0"/>
+              <a:t>Classificação com limiar de decisão rígido</a:t>
+            </a:r>
+          </a:p>
+        </p:txBody>
+      </p:sp>
+      <mc:AlternateContent xmlns:mc="http://schemas.openxmlformats.org/markup-compatibility/2006">
+        <mc:Choice xmlns:a14="http://schemas.microsoft.com/office/drawing/2010/main" Requires="a14">
+          <p:sp>
+            <p:nvSpPr>
+              <p:cNvPr id="3" name="Content Placeholder 2"/>
+              <p:cNvSpPr>
+                <a:spLocks noGrp="1"/>
+              </p:cNvSpPr>
+              <p:nvPr>
+                <p:ph idx="1"/>
+              </p:nvPr>
+            </p:nvSpPr>
+            <p:spPr>
+              <a:xfrm>
+                <a:off x="5245847" y="1825624"/>
+                <a:ext cx="6795732" cy="5032376"/>
+              </a:xfrm>
+            </p:spPr>
+            <p:txBody>
+              <a:bodyPr>
+                <a:normAutofit/>
+              </a:bodyPr>
+              <a:lstStyle/>
+              <a:p>
+                <a:r>
+                  <a:rPr lang="pt-BR" dirty="0"/>
+                  <a:t>Olhando para a função de </a:t>
+                </a:r>
+                <a:r>
+                  <a:rPr lang="pt-BR" b="1" i="1" dirty="0"/>
+                  <a:t>limiar de decisão rígido</a:t>
+                </a:r>
+                <a:r>
+                  <a:rPr lang="pt-BR" dirty="0"/>
+                  <a:t>, percebemos que o classificador faz predições </a:t>
+                </a:r>
+                <a:r>
+                  <a:rPr lang="pt-BR" b="1" i="1" dirty="0">
+                    <a:solidFill>
+                      <a:srgbClr val="00B050"/>
+                    </a:solidFill>
+                  </a:rPr>
+                  <a:t>muito confiantes</a:t>
+                </a:r>
+                <a:r>
+                  <a:rPr lang="pt-BR" dirty="0"/>
+                  <a:t> sempre iguais 0 para </a:t>
+                </a:r>
+                <a14:m>
+                  <m:oMath xmlns:m="http://schemas.openxmlformats.org/officeDocument/2006/math">
+                    <m:r>
+                      <a:rPr lang="pt-BR" b="0" i="1" smtClean="0">
+                        <a:latin typeface="Cambria Math" panose="02040503050406030204" pitchFamily="18" charset="0"/>
+                      </a:rPr>
+                      <m:t>𝑔</m:t>
+                    </m:r>
+                    <m:d>
+                      <m:dPr>
+                        <m:ctrlPr>
+                          <a:rPr lang="pt-BR" b="0" i="1" smtClean="0">
+                            <a:latin typeface="Cambria Math" panose="02040503050406030204" pitchFamily="18" charset="0"/>
+                          </a:rPr>
+                        </m:ctrlPr>
+                      </m:dPr>
+                      <m:e>
+                        <m:r>
+                          <a:rPr lang="pt-BR" b="1" i="1" smtClean="0">
+                            <a:latin typeface="Cambria Math" panose="02040503050406030204" pitchFamily="18" charset="0"/>
+                          </a:rPr>
+                          <m:t>𝒙</m:t>
+                        </m:r>
+                      </m:e>
+                    </m:d>
+                    <m:r>
+                      <a:rPr lang="pt-BR" b="0" i="1" smtClean="0">
+                        <a:latin typeface="Cambria Math" panose="02040503050406030204" pitchFamily="18" charset="0"/>
+                      </a:rPr>
+                      <m:t>&lt;0</m:t>
+                    </m:r>
+                  </m:oMath>
+                </a14:m>
+                <a:r>
+                  <a:rPr lang="pt-BR" dirty="0"/>
+                  <a:t> e iguais a 1 quando </a:t>
+                </a:r>
+                <a14:m>
+                  <m:oMath xmlns:m="http://schemas.openxmlformats.org/officeDocument/2006/math">
+                    <m:r>
+                      <a:rPr lang="pt-BR" i="1">
+                        <a:latin typeface="Cambria Math" panose="02040503050406030204" pitchFamily="18" charset="0"/>
+                      </a:rPr>
+                      <m:t>𝑔</m:t>
+                    </m:r>
+                    <m:d>
+                      <m:dPr>
+                        <m:ctrlPr>
+                          <a:rPr lang="pt-BR" i="1">
+                            <a:latin typeface="Cambria Math" panose="02040503050406030204" pitchFamily="18" charset="0"/>
+                          </a:rPr>
+                        </m:ctrlPr>
+                      </m:dPr>
+                      <m:e>
+                        <m:r>
+                          <a:rPr lang="pt-BR" b="1" i="1">
+                            <a:latin typeface="Cambria Math" panose="02040503050406030204" pitchFamily="18" charset="0"/>
+                          </a:rPr>
+                          <m:t>𝒙</m:t>
+                        </m:r>
+                      </m:e>
+                    </m:d>
+                    <m:r>
+                      <a:rPr lang="pt-BR" b="0" i="1" smtClean="0">
+                        <a:latin typeface="Cambria Math" panose="02040503050406030204" pitchFamily="18" charset="0"/>
+                      </a:rPr>
+                      <m:t>&gt;0</m:t>
+                    </m:r>
+                  </m:oMath>
+                </a14:m>
+                <a:r>
+                  <a:rPr lang="pt-BR" dirty="0"/>
+                  <a:t>, </a:t>
+                </a:r>
+                <a:r>
+                  <a:rPr lang="pt-BR" b="1" i="1" dirty="0">
+                    <a:solidFill>
+                      <a:srgbClr val="00B050"/>
+                    </a:solidFill>
+                  </a:rPr>
+                  <a:t>independente se o exemplo está distante ou não da fronteira de decisão</a:t>
+                </a:r>
+                <a:r>
+                  <a:rPr lang="pt-BR" dirty="0"/>
+                  <a:t>.</a:t>
+                </a:r>
+              </a:p>
+              <a:p>
+                <a:r>
+                  <a:rPr lang="pt-BR" dirty="0"/>
+                  <a:t>Exemplos </a:t>
+                </a:r>
+                <a:r>
+                  <a:rPr lang="pt-BR" b="1" i="1" dirty="0">
+                    <a:solidFill>
+                      <a:srgbClr val="00B050"/>
+                    </a:solidFill>
+                  </a:rPr>
+                  <a:t>mais distantes da fronteira </a:t>
+                </a:r>
+                <a:r>
+                  <a:rPr lang="pt-BR" dirty="0"/>
+                  <a:t>têm uma </a:t>
+                </a:r>
+                <a:r>
+                  <a:rPr lang="pt-BR" b="1" i="1" dirty="0">
+                    <a:solidFill>
+                      <a:srgbClr val="00B050"/>
+                    </a:solidFill>
+                  </a:rPr>
+                  <a:t>probabilidade</a:t>
+                </a:r>
+                <a:r>
+                  <a:rPr lang="pt-BR" dirty="0"/>
+                  <a:t> </a:t>
+                </a:r>
+                <a:r>
+                  <a:rPr lang="pt-BR" b="1" i="1" dirty="0">
+                    <a:solidFill>
+                      <a:srgbClr val="00B050"/>
+                    </a:solidFill>
+                  </a:rPr>
+                  <a:t>maior</a:t>
+                </a:r>
+                <a:r>
+                  <a:rPr lang="pt-BR" dirty="0"/>
+                  <a:t> de realmente </a:t>
+                </a:r>
+                <a:r>
+                  <a:rPr lang="pt-BR" b="1" i="1" dirty="0">
+                    <a:solidFill>
+                      <a:srgbClr val="00B050"/>
+                    </a:solidFill>
+                  </a:rPr>
+                  <a:t>pertencerem à classe da região onde se encontram e não serem </a:t>
+                </a:r>
+                <a:r>
+                  <a:rPr lang="pt-BR" b="1" i="1" dirty="0">
+                    <a:solidFill>
+                      <a:srgbClr val="7030A0"/>
+                    </a:solidFill>
+                  </a:rPr>
+                  <a:t>outliers</a:t>
+                </a:r>
+                <a:r>
+                  <a:rPr lang="pt-BR" dirty="0"/>
+                  <a:t>.</a:t>
+                </a:r>
+              </a:p>
+              <a:p>
+                <a:pPr lvl="1">
+                  <a:buFont typeface="Wingdings" panose="05000000000000000000" pitchFamily="2" charset="2"/>
+                  <a:buChar char="§"/>
+                </a:pPr>
+                <a:r>
+                  <a:rPr lang="pt-BR" dirty="0"/>
+                  <a:t>Quanto maior o valor absoluto de </a:t>
+                </a:r>
+                <a14:m>
+                  <m:oMath xmlns:m="http://schemas.openxmlformats.org/officeDocument/2006/math">
+                    <m:r>
+                      <a:rPr lang="pt-BR" i="1" smtClean="0">
+                        <a:latin typeface="Cambria Math" panose="02040503050406030204" pitchFamily="18" charset="0"/>
+                      </a:rPr>
+                      <m:t>𝑔</m:t>
+                    </m:r>
+                    <m:d>
+                      <m:dPr>
+                        <m:ctrlPr>
+                          <a:rPr lang="pt-BR" i="1">
+                            <a:latin typeface="Cambria Math" panose="02040503050406030204" pitchFamily="18" charset="0"/>
+                          </a:rPr>
+                        </m:ctrlPr>
+                      </m:dPr>
+                      <m:e>
+                        <m:r>
+                          <a:rPr lang="pt-BR" b="1" i="1">
+                            <a:latin typeface="Cambria Math" panose="02040503050406030204" pitchFamily="18" charset="0"/>
+                          </a:rPr>
+                          <m:t>𝒙</m:t>
+                        </m:r>
+                      </m:e>
+                    </m:d>
+                  </m:oMath>
+                </a14:m>
+                <a:r>
+                  <a:rPr lang="pt-BR" dirty="0"/>
+                  <a:t>, mais distante da fronteira está o exemplo.</a:t>
+                </a:r>
+              </a:p>
+            </p:txBody>
+          </p:sp>
+        </mc:Choice>
+        <mc:Fallback>
+          <p:sp>
+            <p:nvSpPr>
+              <p:cNvPr id="3" name="Content Placeholder 2"/>
+              <p:cNvSpPr>
+                <a:spLocks noGrp="1" noRot="1" noChangeAspect="1" noMove="1" noResize="1" noEditPoints="1" noAdjustHandles="1" noChangeArrowheads="1" noChangeShapeType="1" noTextEdit="1"/>
+              </p:cNvSpPr>
+              <p:nvPr>
+                <p:ph idx="1"/>
+              </p:nvPr>
+            </p:nvSpPr>
+            <p:spPr>
+              <a:xfrm>
+                <a:off x="5245847" y="1825624"/>
+                <a:ext cx="6795732" cy="5032376"/>
+              </a:xfrm>
+              <a:blipFill>
+                <a:blip r:embed="rId3"/>
+                <a:stretch>
+                  <a:fillRect l="-1616" t="-1937" r="-2693"/>
+                </a:stretch>
+              </a:blipFill>
+            </p:spPr>
+            <p:txBody>
+              <a:bodyPr/>
+              <a:lstStyle/>
+              <a:p>
+                <a:r>
+                  <a:rPr lang="pt-BR">
+                    <a:noFill/>
+                  </a:rPr>
+                  <a:t> </a:t>
+                </a:r>
+              </a:p>
+            </p:txBody>
+          </p:sp>
+        </mc:Fallback>
+      </mc:AlternateContent>
+      <p:grpSp>
+        <p:nvGrpSpPr>
+          <p:cNvPr id="17" name="Agrupar 16">
+            <a:extLst>
+              <a:ext uri="{FF2B5EF4-FFF2-40B4-BE49-F238E27FC236}">
+                <a16:creationId xmlns:a16="http://schemas.microsoft.com/office/drawing/2014/main" id="{852A6A1D-DA43-B970-7D3B-CD86E9299F8C}"/>
+              </a:ext>
+            </a:extLst>
+          </p:cNvPr>
+          <p:cNvGrpSpPr/>
+          <p:nvPr/>
+        </p:nvGrpSpPr>
+        <p:grpSpPr>
+          <a:xfrm>
+            <a:off x="858078" y="1642941"/>
+            <a:ext cx="3354287" cy="5215059"/>
+            <a:chOff x="453276" y="1631131"/>
+            <a:chExt cx="3354287" cy="5215059"/>
+          </a:xfrm>
+        </p:grpSpPr>
+        <p:pic>
+          <p:nvPicPr>
+            <p:cNvPr id="13" name="Imagem 12">
+              <a:extLst>
+                <a:ext uri="{FF2B5EF4-FFF2-40B4-BE49-F238E27FC236}">
+                  <a16:creationId xmlns:a16="http://schemas.microsoft.com/office/drawing/2014/main" id="{4B4DD64C-FB97-65B7-AD47-6491E6E5E7F1}"/>
+                </a:ext>
+              </a:extLst>
+            </p:cNvPr>
+            <p:cNvPicPr>
+              <a:picLocks noChangeAspect="1"/>
+            </p:cNvPicPr>
+            <p:nvPr/>
+          </p:nvPicPr>
+          <p:blipFill rotWithShape="1">
+            <a:blip r:embed="rId4">
+              <a:extLst>
+                <a:ext uri="{28A0092B-C50C-407E-A947-70E740481C1C}">
+                  <a14:useLocalDpi xmlns:a14="http://schemas.microsoft.com/office/drawing/2010/main" val="0"/>
+                </a:ext>
+              </a:extLst>
+            </a:blip>
+            <a:srcRect l="7607" t="5177" r="7347"/>
+            <a:stretch/>
+          </p:blipFill>
+          <p:spPr>
+            <a:xfrm>
+              <a:off x="844653" y="1631131"/>
+              <a:ext cx="2962910" cy="2297801"/>
+            </a:xfrm>
+            <a:prstGeom prst="rect">
+              <a:avLst/>
+            </a:prstGeom>
+          </p:spPr>
+        </p:pic>
+        <p:pic>
+          <p:nvPicPr>
+            <p:cNvPr id="6" name="Picture 16">
+              <a:extLst>
+                <a:ext uri="{FF2B5EF4-FFF2-40B4-BE49-F238E27FC236}">
+                  <a16:creationId xmlns:a16="http://schemas.microsoft.com/office/drawing/2014/main" id="{256166DD-0A30-8757-3512-E3DEA440F495}"/>
+                </a:ext>
+              </a:extLst>
+            </p:cNvPr>
+            <p:cNvPicPr>
+              <a:picLocks noChangeAspect="1"/>
+            </p:cNvPicPr>
+            <p:nvPr/>
+          </p:nvPicPr>
+          <p:blipFill rotWithShape="1">
+            <a:blip r:embed="rId5"/>
+            <a:srcRect l="3046" t="5896" r="8832"/>
+            <a:stretch/>
+          </p:blipFill>
+          <p:spPr>
+            <a:xfrm>
+              <a:off x="638472" y="4049377"/>
+              <a:ext cx="2831997" cy="2628367"/>
+            </a:xfrm>
+            <a:prstGeom prst="rect">
+              <a:avLst/>
+            </a:prstGeom>
+          </p:spPr>
+        </p:pic>
+        <mc:AlternateContent xmlns:mc="http://schemas.openxmlformats.org/markup-compatibility/2006">
+          <mc:Choice xmlns:a14="http://schemas.microsoft.com/office/drawing/2010/main" Requires="a14">
+            <p:sp>
+              <p:nvSpPr>
+                <p:cNvPr id="8" name="CaixaDeTexto 7">
+                  <a:extLst>
+                    <a:ext uri="{FF2B5EF4-FFF2-40B4-BE49-F238E27FC236}">
+                      <a16:creationId xmlns:a16="http://schemas.microsoft.com/office/drawing/2014/main" id="{FE29F1DF-B6FA-783E-169F-125859E9A35D}"/>
+                    </a:ext>
+                  </a:extLst>
+                </p:cNvPr>
+                <p:cNvSpPr txBox="1"/>
+                <p:nvPr/>
+              </p:nvSpPr>
+              <p:spPr>
+                <a:xfrm>
+                  <a:off x="1564912" y="6538413"/>
+                  <a:ext cx="1266826" cy="307777"/>
+                </a:xfrm>
+                <a:prstGeom prst="rect">
+                  <a:avLst/>
+                </a:prstGeom>
+                <a:solidFill>
+                  <a:schemeClr val="bg1"/>
+                </a:solidFill>
+              </p:spPr>
+              <p:txBody>
+                <a:bodyPr wrap="square">
+                  <a:spAutoFit/>
+                </a:bodyPr>
+                <a:lstStyle/>
+                <a:p>
+                  <a:pPr/>
+                  <a14:m>
+                    <m:oMathPara xmlns:m="http://schemas.openxmlformats.org/officeDocument/2006/math">
+                      <m:oMathParaPr>
+                        <m:jc m:val="centerGroup"/>
+                      </m:oMathParaPr>
+                      <m:oMath xmlns:m="http://schemas.openxmlformats.org/officeDocument/2006/math">
+                        <m:r>
+                          <a:rPr lang="pt-BR" sz="1400" b="0" i="1" smtClean="0">
+                            <a:latin typeface="Cambria Math" panose="02040503050406030204" pitchFamily="18" charset="0"/>
+                          </a:rPr>
+                          <m:t>𝑔</m:t>
+                        </m:r>
+                        <m:r>
+                          <a:rPr lang="pt-BR" sz="1400" b="0" i="1" smtClean="0">
+                            <a:latin typeface="Cambria Math" panose="02040503050406030204" pitchFamily="18" charset="0"/>
+                          </a:rPr>
+                          <m:t>(</m:t>
+                        </m:r>
+                        <m:r>
+                          <a:rPr lang="pt-BR" sz="1400" b="1" i="1" smtClean="0">
+                            <a:latin typeface="Cambria Math" panose="02040503050406030204" pitchFamily="18" charset="0"/>
+                          </a:rPr>
+                          <m:t>𝒙</m:t>
+                        </m:r>
+                        <m:r>
+                          <a:rPr lang="pt-BR" sz="1400" b="0" i="1" smtClean="0">
+                            <a:latin typeface="Cambria Math" panose="02040503050406030204" pitchFamily="18" charset="0"/>
+                          </a:rPr>
+                          <m:t>)</m:t>
+                        </m:r>
+                      </m:oMath>
+                    </m:oMathPara>
+                  </a14:m>
+                  <a:endParaRPr lang="pt-BR" sz="1400" dirty="0"/>
+                </a:p>
+              </p:txBody>
+            </p:sp>
+          </mc:Choice>
+          <mc:Fallback>
+            <p:sp>
+              <p:nvSpPr>
+                <p:cNvPr id="8" name="CaixaDeTexto 7">
+                  <a:extLst>
+                    <a:ext uri="{FF2B5EF4-FFF2-40B4-BE49-F238E27FC236}">
+                      <a16:creationId xmlns:a16="http://schemas.microsoft.com/office/drawing/2014/main" id="{FE29F1DF-B6FA-783E-169F-125859E9A35D}"/>
+                    </a:ext>
+                  </a:extLst>
+                </p:cNvPr>
+                <p:cNvSpPr txBox="1">
+                  <a:spLocks noRot="1" noChangeAspect="1" noMove="1" noResize="1" noEditPoints="1" noAdjustHandles="1" noChangeArrowheads="1" noChangeShapeType="1" noTextEdit="1"/>
+                </p:cNvSpPr>
+                <p:nvPr/>
+              </p:nvSpPr>
+              <p:spPr>
+                <a:xfrm>
+                  <a:off x="1564912" y="6538413"/>
+                  <a:ext cx="1266826" cy="307777"/>
+                </a:xfrm>
+                <a:prstGeom prst="rect">
+                  <a:avLst/>
+                </a:prstGeom>
+                <a:blipFill>
+                  <a:blip r:embed="rId6"/>
+                  <a:stretch>
+                    <a:fillRect b="-8000"/>
+                  </a:stretch>
+                </a:blipFill>
+              </p:spPr>
+              <p:txBody>
+                <a:bodyPr/>
+                <a:lstStyle/>
+                <a:p>
+                  <a:r>
+                    <a:rPr lang="pt-BR">
+                      <a:noFill/>
+                    </a:rPr>
+                    <a:t> </a:t>
+                  </a:r>
+                </a:p>
+              </p:txBody>
+            </p:sp>
+          </mc:Fallback>
+        </mc:AlternateContent>
+        <mc:AlternateContent xmlns:mc="http://schemas.openxmlformats.org/markup-compatibility/2006">
+          <mc:Choice xmlns:a14="http://schemas.microsoft.com/office/drawing/2010/main" Requires="a14">
+            <p:sp>
+              <p:nvSpPr>
+                <p:cNvPr id="9" name="CaixaDeTexto 8">
+                  <a:extLst>
+                    <a:ext uri="{FF2B5EF4-FFF2-40B4-BE49-F238E27FC236}">
+                      <a16:creationId xmlns:a16="http://schemas.microsoft.com/office/drawing/2014/main" id="{4C0855C4-B563-8234-DFE3-4B6C2B7E81F9}"/>
+                    </a:ext>
+                  </a:extLst>
+                </p:cNvPr>
+                <p:cNvSpPr txBox="1"/>
+                <p:nvPr/>
+              </p:nvSpPr>
+              <p:spPr>
+                <a:xfrm rot="16200000">
+                  <a:off x="216483" y="5087088"/>
+                  <a:ext cx="781363" cy="307777"/>
+                </a:xfrm>
+                <a:prstGeom prst="rect">
+                  <a:avLst/>
+                </a:prstGeom>
+                <a:solidFill>
+                  <a:schemeClr val="bg1"/>
+                </a:solidFill>
+              </p:spPr>
+              <p:txBody>
+                <a:bodyPr wrap="square">
+                  <a:spAutoFit/>
+                </a:bodyPr>
+                <a:lstStyle/>
+                <a:p>
+                  <a:pPr/>
+                  <a14:m>
+                    <m:oMathPara xmlns:m="http://schemas.openxmlformats.org/officeDocument/2006/math">
+                      <m:oMathParaPr>
+                        <m:jc m:val="centerGroup"/>
+                      </m:oMathParaPr>
+                      <m:oMath xmlns:m="http://schemas.openxmlformats.org/officeDocument/2006/math">
+                        <m:r>
+                          <a:rPr lang="pt-BR" sz="1400" b="0" i="1" smtClean="0">
+                            <a:latin typeface="Cambria Math" panose="02040503050406030204" pitchFamily="18" charset="0"/>
+                          </a:rPr>
+                          <m:t>𝑓</m:t>
+                        </m:r>
+                        <m:d>
+                          <m:dPr>
+                            <m:ctrlPr>
+                              <a:rPr lang="pt-BR" sz="1400" i="1">
+                                <a:latin typeface="Cambria Math" panose="02040503050406030204" pitchFamily="18" charset="0"/>
+                              </a:rPr>
+                            </m:ctrlPr>
+                          </m:dPr>
+                          <m:e>
+                            <m:r>
+                              <a:rPr lang="pt-BR" sz="1400" b="0" i="1" smtClean="0">
+                                <a:latin typeface="Cambria Math" panose="02040503050406030204" pitchFamily="18" charset="0"/>
+                              </a:rPr>
+                              <m:t>𝑔</m:t>
+                            </m:r>
+                            <m:r>
+                              <a:rPr lang="pt-BR" sz="1400" b="0" i="1" smtClean="0">
+                                <a:latin typeface="Cambria Math" panose="02040503050406030204" pitchFamily="18" charset="0"/>
+                              </a:rPr>
+                              <m:t>(</m:t>
+                            </m:r>
+                            <m:r>
+                              <a:rPr lang="pt-BR" sz="1400" b="1" i="1" smtClean="0">
+                                <a:latin typeface="Cambria Math" panose="02040503050406030204" pitchFamily="18" charset="0"/>
+                              </a:rPr>
+                              <m:t>𝒙</m:t>
+                            </m:r>
+                            <m:r>
+                              <a:rPr lang="pt-BR" sz="1400" b="0" i="1" smtClean="0">
+                                <a:latin typeface="Cambria Math" panose="02040503050406030204" pitchFamily="18" charset="0"/>
+                              </a:rPr>
+                              <m:t>)</m:t>
+                            </m:r>
+                          </m:e>
+                        </m:d>
+                      </m:oMath>
+                    </m:oMathPara>
+                  </a14:m>
+                  <a:endParaRPr lang="pt-BR" sz="1400" dirty="0"/>
+                </a:p>
+              </p:txBody>
+            </p:sp>
+          </mc:Choice>
+          <mc:Fallback>
+            <p:sp>
+              <p:nvSpPr>
+                <p:cNvPr id="9" name="CaixaDeTexto 8">
+                  <a:extLst>
+                    <a:ext uri="{FF2B5EF4-FFF2-40B4-BE49-F238E27FC236}">
+                      <a16:creationId xmlns:a16="http://schemas.microsoft.com/office/drawing/2014/main" id="{4C0855C4-B563-8234-DFE3-4B6C2B7E81F9}"/>
+                    </a:ext>
+                  </a:extLst>
+                </p:cNvPr>
+                <p:cNvSpPr txBox="1">
+                  <a:spLocks noRot="1" noChangeAspect="1" noMove="1" noResize="1" noEditPoints="1" noAdjustHandles="1" noChangeArrowheads="1" noChangeShapeType="1" noTextEdit="1"/>
+                </p:cNvSpPr>
+                <p:nvPr/>
+              </p:nvSpPr>
+              <p:spPr>
+                <a:xfrm rot="16200000">
+                  <a:off x="216483" y="5087088"/>
+                  <a:ext cx="781363" cy="307777"/>
+                </a:xfrm>
+                <a:prstGeom prst="rect">
+                  <a:avLst/>
+                </a:prstGeom>
+                <a:blipFill>
+                  <a:blip r:embed="rId7"/>
+                  <a:stretch>
+                    <a:fillRect r="-8000"/>
+                  </a:stretch>
+                </a:blipFill>
+              </p:spPr>
+              <p:txBody>
+                <a:bodyPr/>
+                <a:lstStyle/>
+                <a:p>
+                  <a:r>
+                    <a:rPr lang="pt-BR">
+                      <a:noFill/>
+                    </a:rPr>
+                    <a:t> </a:t>
+                  </a:r>
+                </a:p>
+              </p:txBody>
+            </p:sp>
+          </mc:Fallback>
+        </mc:AlternateContent>
+        <p:sp>
+          <p:nvSpPr>
+            <p:cNvPr id="11" name="Retângulo 10">
+              <a:extLst>
+                <a:ext uri="{FF2B5EF4-FFF2-40B4-BE49-F238E27FC236}">
+                  <a16:creationId xmlns:a16="http://schemas.microsoft.com/office/drawing/2014/main" id="{C66842E7-77DB-DED6-551A-CFBE055B87A7}"/>
+                </a:ext>
+              </a:extLst>
+            </p:cNvPr>
+            <p:cNvSpPr/>
+            <p:nvPr/>
+          </p:nvSpPr>
+          <p:spPr>
+            <a:xfrm rot="1995663">
+              <a:off x="712352" y="2785892"/>
+              <a:ext cx="2971946" cy="155530"/>
+            </a:xfrm>
+            <a:prstGeom prst="rect">
+              <a:avLst/>
+            </a:prstGeom>
+            <a:noFill/>
+            <a:ln w="38100">
+              <a:solidFill>
+                <a:srgbClr val="FF0000"/>
+              </a:solidFill>
+            </a:ln>
+          </p:spPr>
+          <p:style>
+            <a:lnRef idx="2">
+              <a:schemeClr val="accent1">
+                <a:shade val="15000"/>
+              </a:schemeClr>
+            </a:lnRef>
+            <a:fillRef idx="1">
+              <a:schemeClr val="accent1"/>
+            </a:fillRef>
+            <a:effectRef idx="0">
+              <a:schemeClr val="accent1"/>
+            </a:effectRef>
+            <a:fontRef idx="minor">
+              <a:schemeClr val="lt1"/>
+            </a:fontRef>
+          </p:style>
+          <p:txBody>
+            <a:bodyPr rtlCol="0" anchor="ctr"/>
+            <a:lstStyle/>
+            <a:p>
+              <a:pPr algn="ctr"/>
+              <a:endParaRPr lang="pt-BR"/>
+            </a:p>
+          </p:txBody>
+        </p:sp>
+        <p:cxnSp>
+          <p:nvCxnSpPr>
+            <p:cNvPr id="15" name="Conector de Seta Reta 14">
+              <a:extLst>
+                <a:ext uri="{FF2B5EF4-FFF2-40B4-BE49-F238E27FC236}">
+                  <a16:creationId xmlns:a16="http://schemas.microsoft.com/office/drawing/2014/main" id="{851D0E37-E94F-E50F-4120-E98CB2FF97BE}"/>
+                </a:ext>
+              </a:extLst>
+            </p:cNvPr>
+            <p:cNvCxnSpPr>
+              <a:cxnSpLocks/>
+            </p:cNvCxnSpPr>
+            <p:nvPr/>
+          </p:nvCxnSpPr>
+          <p:spPr>
+            <a:xfrm>
+              <a:off x="2202180" y="2977599"/>
+              <a:ext cx="0" cy="1057220"/>
+            </a:xfrm>
+            <a:prstGeom prst="straightConnector1">
+              <a:avLst/>
+            </a:prstGeom>
+            <a:ln w="38100">
+              <a:solidFill>
+                <a:srgbClr val="FF0000"/>
+              </a:solidFill>
+              <a:tailEnd type="triangle"/>
+            </a:ln>
+          </p:spPr>
+          <p:style>
+            <a:lnRef idx="1">
+              <a:schemeClr val="accent1"/>
+            </a:lnRef>
+            <a:fillRef idx="0">
+              <a:schemeClr val="accent1"/>
+            </a:fillRef>
+            <a:effectRef idx="0">
+              <a:schemeClr val="accent1"/>
+            </a:effectRef>
+            <a:fontRef idx="minor">
+              <a:schemeClr val="tx1"/>
+            </a:fontRef>
+          </p:style>
+        </p:cxnSp>
+      </p:grpSp>
+    </p:spTree>
+    <p:extLst>
+      <p:ext uri="{BB962C8B-B14F-4D97-AF65-F5344CB8AC3E}">
+        <p14:creationId xmlns:p14="http://schemas.microsoft.com/office/powerpoint/2010/main" val="726048151"/>
+      </p:ext>
+    </p:extLst>
+  </p:cSld>
+  <p:clrMapOvr>
+    <a:masterClrMapping/>
+  </p:clrMapOvr>
+</p:sld>
+</file>
+
+<file path=ppt/slides/slide21.xml><?xml version="1.0" encoding="utf-8"?>
+<p:sld xmlns:a="http://schemas.openxmlformats.org/drawingml/2006/main" xmlns:r="http://schemas.openxmlformats.org/officeDocument/2006/relationships" xmlns:p="http://schemas.openxmlformats.org/presentationml/2006/main">
+  <p:cSld>
+    <p:spTree>
+      <p:nvGrpSpPr>
+        <p:cNvPr id="1" name=""/>
+        <p:cNvGrpSpPr/>
+        <p:nvPr/>
+      </p:nvGrpSpPr>
+      <p:grpSpPr>
+        <a:xfrm>
+          <a:off x="0" y="0"/>
+          <a:ext cx="0" cy="0"/>
+          <a:chOff x="0" y="0"/>
+          <a:chExt cx="0" cy="0"/>
+        </a:xfrm>
+      </p:grpSpPr>
+      <p:sp>
+        <p:nvSpPr>
+          <p:cNvPr id="2" name="Title 1"/>
+          <p:cNvSpPr>
+            <a:spLocks noGrp="1"/>
+          </p:cNvSpPr>
+          <p:nvPr>
+            <p:ph type="title"/>
+          </p:nvPr>
+        </p:nvSpPr>
+        <p:spPr/>
+        <p:txBody>
+          <a:bodyPr/>
+          <a:lstStyle/>
+          <a:p>
+            <a:r>
+              <a:rPr lang="pt-BR" dirty="0"/>
+              <a:t>Classificação com limiar de decisão rígido</a:t>
+            </a:r>
+          </a:p>
+        </p:txBody>
+      </p:sp>
+      <mc:AlternateContent xmlns:mc="http://schemas.openxmlformats.org/markup-compatibility/2006">
+        <mc:Choice xmlns:a14="http://schemas.microsoft.com/office/drawing/2010/main" Requires="a14">
+          <p:sp>
+            <p:nvSpPr>
+              <p:cNvPr id="3" name="Content Placeholder 2"/>
+              <p:cNvSpPr>
+                <a:spLocks noGrp="1"/>
+              </p:cNvSpPr>
+              <p:nvPr>
+                <p:ph idx="1"/>
+              </p:nvPr>
+            </p:nvSpPr>
+            <p:spPr>
+              <a:xfrm>
+                <a:off x="5501413" y="1825624"/>
+                <a:ext cx="6540166" cy="5032376"/>
+              </a:xfrm>
+            </p:spPr>
+            <p:txBody>
+              <a:bodyPr>
+                <a:normAutofit/>
+              </a:bodyPr>
+              <a:lstStyle/>
+              <a:p>
+                <a:r>
+                  <a:rPr lang="pt-BR" dirty="0"/>
+                  <a:t>Assim, usando </a:t>
+                </a:r>
+                <a:r>
+                  <a:rPr lang="pt-BR" b="1" i="1" dirty="0"/>
+                  <a:t>limiar de decisão rígido</a:t>
+                </a:r>
+                <a:r>
+                  <a:rPr lang="pt-BR" dirty="0"/>
+                  <a:t>, os dois </a:t>
+                </a:r>
+                <a:r>
+                  <a:rPr lang="pt-BR" b="1" i="1" dirty="0">
+                    <a:solidFill>
+                      <a:srgbClr val="00B050"/>
+                    </a:solidFill>
+                  </a:rPr>
+                  <a:t>pontos azuis </a:t>
+                </a:r>
+                <a:r>
+                  <a:rPr lang="pt-BR" dirty="0"/>
+                  <a:t>seriam classificados como pertencentes à </a:t>
+                </a:r>
+                <a:r>
+                  <a:rPr lang="pt-BR" b="1" i="1" dirty="0">
+                    <a:solidFill>
+                      <a:srgbClr val="00B050"/>
+                    </a:solidFill>
+                  </a:rPr>
+                  <a:t>classe negativa </a:t>
+                </a:r>
+                <a:r>
+                  <a:rPr lang="pt-BR" dirty="0"/>
+                  <a:t>(valor 0) e os dois </a:t>
+                </a:r>
+                <a:r>
+                  <a:rPr lang="pt-BR" b="1" i="1" dirty="0">
+                    <a:solidFill>
+                      <a:srgbClr val="00B050"/>
+                    </a:solidFill>
+                  </a:rPr>
+                  <a:t>triângulos vermelhos </a:t>
+                </a:r>
+                <a:r>
+                  <a:rPr lang="pt-BR" dirty="0"/>
+                  <a:t>classificados como pertencentes à </a:t>
+                </a:r>
+                <a:r>
+                  <a:rPr lang="pt-BR" b="1" i="1" dirty="0">
+                    <a:solidFill>
+                      <a:srgbClr val="00B050"/>
+                    </a:solidFill>
+                  </a:rPr>
+                  <a:t>classe</a:t>
+                </a:r>
+                <a:r>
+                  <a:rPr lang="pt-BR" dirty="0"/>
+                  <a:t> </a:t>
+                </a:r>
+                <a:r>
+                  <a:rPr lang="pt-BR" b="1" i="1" dirty="0">
+                    <a:solidFill>
+                      <a:srgbClr val="00B050"/>
+                    </a:solidFill>
+                  </a:rPr>
+                  <a:t>positiva</a:t>
+                </a:r>
+                <a:r>
+                  <a:rPr lang="pt-BR" dirty="0"/>
+                  <a:t> (valor 1), mesmo tendo valores </a:t>
+                </a:r>
+                <a:r>
+                  <a:rPr lang="pt-BR" b="1" i="1" dirty="0">
+                    <a:solidFill>
+                      <a:srgbClr val="00B050"/>
+                    </a:solidFill>
+                  </a:rPr>
+                  <a:t>absolutos de </a:t>
+                </a:r>
+                <a14:m>
+                  <m:oMath xmlns:m="http://schemas.openxmlformats.org/officeDocument/2006/math">
+                    <m:r>
+                      <a:rPr lang="pt-BR" b="0" i="1" smtClean="0">
+                        <a:latin typeface="Cambria Math" panose="02040503050406030204" pitchFamily="18" charset="0"/>
+                      </a:rPr>
+                      <m:t>𝑔</m:t>
+                    </m:r>
+                    <m:r>
+                      <a:rPr lang="pt-BR" b="0" i="1" smtClean="0">
+                        <a:latin typeface="Cambria Math" panose="02040503050406030204" pitchFamily="18" charset="0"/>
+                      </a:rPr>
+                      <m:t>(</m:t>
+                    </m:r>
+                    <m:r>
+                      <a:rPr lang="pt-BR" b="1" i="1" smtClean="0">
+                        <a:latin typeface="Cambria Math" panose="02040503050406030204" pitchFamily="18" charset="0"/>
+                      </a:rPr>
+                      <m:t>𝒙</m:t>
+                    </m:r>
+                    <m:r>
+                      <a:rPr lang="pt-BR" b="0" i="1" smtClean="0">
+                        <a:latin typeface="Cambria Math" panose="02040503050406030204" pitchFamily="18" charset="0"/>
+                      </a:rPr>
+                      <m:t>)</m:t>
+                    </m:r>
+                  </m:oMath>
+                </a14:m>
+                <a:r>
+                  <a:rPr lang="pt-BR" dirty="0"/>
+                  <a:t> </a:t>
+                </a:r>
+                <a:r>
+                  <a:rPr lang="pt-BR" b="1" i="1" dirty="0">
+                    <a:solidFill>
+                      <a:srgbClr val="00B050"/>
+                    </a:solidFill>
+                  </a:rPr>
+                  <a:t>bem diferentes</a:t>
+                </a:r>
+                <a:r>
+                  <a:rPr lang="pt-BR" dirty="0"/>
+                  <a:t>.</a:t>
+                </a:r>
+              </a:p>
+              <a:p>
+                <a:pPr lvl="1">
+                  <a:buFont typeface="Wingdings" panose="05000000000000000000" pitchFamily="2" charset="2"/>
+                  <a:buChar char="§"/>
+                </a:pPr>
+                <a:r>
+                  <a:rPr lang="pt-BR" dirty="0"/>
+                  <a:t>Pontos muito próximos da fronteira de decisão têm valor absoluto de </a:t>
+                </a:r>
+                <a14:m>
+                  <m:oMath xmlns:m="http://schemas.openxmlformats.org/officeDocument/2006/math">
+                    <m:r>
+                      <a:rPr lang="pt-BR" b="0" i="1" smtClean="0">
+                        <a:latin typeface="Cambria Math" panose="02040503050406030204" pitchFamily="18" charset="0"/>
+                      </a:rPr>
+                      <m:t>𝑔</m:t>
+                    </m:r>
+                    <m:r>
+                      <a:rPr lang="pt-BR" b="0" i="1" smtClean="0">
+                        <a:latin typeface="Cambria Math" panose="02040503050406030204" pitchFamily="18" charset="0"/>
+                      </a:rPr>
+                      <m:t>(</m:t>
+                    </m:r>
+                    <m:r>
+                      <a:rPr lang="pt-BR" b="1" i="1" smtClean="0">
+                        <a:latin typeface="Cambria Math" panose="02040503050406030204" pitchFamily="18" charset="0"/>
+                      </a:rPr>
+                      <m:t>𝒙</m:t>
+                    </m:r>
+                    <m:r>
+                      <a:rPr lang="pt-BR" b="0" i="1" smtClean="0">
+                        <a:latin typeface="Cambria Math" panose="02040503050406030204" pitchFamily="18" charset="0"/>
+                      </a:rPr>
+                      <m:t>)</m:t>
+                    </m:r>
+                  </m:oMath>
+                </a14:m>
+                <a:r>
+                  <a:rPr lang="pt-BR" dirty="0"/>
+                  <a:t> próximo de zero.</a:t>
+                </a:r>
+              </a:p>
+              <a:p>
+                <a:pPr lvl="1">
+                  <a:buFont typeface="Wingdings" panose="05000000000000000000" pitchFamily="2" charset="2"/>
+                  <a:buChar char="§"/>
+                </a:pPr>
+                <a:r>
+                  <a:rPr lang="pt-BR" dirty="0"/>
+                  <a:t>Já pontos muito distantes têm valor absoluto de </a:t>
+                </a:r>
+                <a14:m>
+                  <m:oMath xmlns:m="http://schemas.openxmlformats.org/officeDocument/2006/math">
+                    <m:r>
+                      <a:rPr lang="pt-BR" b="0" i="1" smtClean="0">
+                        <a:latin typeface="Cambria Math" panose="02040503050406030204" pitchFamily="18" charset="0"/>
+                      </a:rPr>
+                      <m:t>𝑔</m:t>
+                    </m:r>
+                    <m:r>
+                      <a:rPr lang="pt-BR" b="0" i="1" smtClean="0">
+                        <a:latin typeface="Cambria Math" panose="02040503050406030204" pitchFamily="18" charset="0"/>
+                      </a:rPr>
+                      <m:t>(</m:t>
+                    </m:r>
+                    <m:r>
+                      <a:rPr lang="pt-BR" b="1" i="1" smtClean="0">
+                        <a:latin typeface="Cambria Math" panose="02040503050406030204" pitchFamily="18" charset="0"/>
+                      </a:rPr>
+                      <m:t>𝒙</m:t>
+                    </m:r>
+                    <m:r>
+                      <a:rPr lang="pt-BR" b="0" i="1" smtClean="0">
+                        <a:latin typeface="Cambria Math" panose="02040503050406030204" pitchFamily="18" charset="0"/>
+                      </a:rPr>
+                      <m:t>)</m:t>
+                    </m:r>
+                  </m:oMath>
+                </a14:m>
+                <a:r>
+                  <a:rPr lang="pt-BR" dirty="0"/>
+                  <a:t> muito maior do que zero.</a:t>
+                </a:r>
+              </a:p>
+            </p:txBody>
+          </p:sp>
+        </mc:Choice>
+        <mc:Fallback>
+          <p:sp>
+            <p:nvSpPr>
+              <p:cNvPr id="3" name="Content Placeholder 2"/>
+              <p:cNvSpPr>
+                <a:spLocks noGrp="1" noRot="1" noChangeAspect="1" noMove="1" noResize="1" noEditPoints="1" noAdjustHandles="1" noChangeArrowheads="1" noChangeShapeType="1" noTextEdit="1"/>
+              </p:cNvSpPr>
+              <p:nvPr>
+                <p:ph idx="1"/>
+              </p:nvPr>
+            </p:nvSpPr>
+            <p:spPr>
+              <a:xfrm>
+                <a:off x="5501413" y="1825624"/>
+                <a:ext cx="6540166" cy="5032376"/>
+              </a:xfrm>
+              <a:blipFill>
+                <a:blip r:embed="rId3"/>
+                <a:stretch>
+                  <a:fillRect l="-1678" t="-1937" r="-2703"/>
+                </a:stretch>
+              </a:blipFill>
+            </p:spPr>
+            <p:txBody>
+              <a:bodyPr/>
+              <a:lstStyle/>
+              <a:p>
+                <a:r>
+                  <a:rPr lang="pt-BR">
+                    <a:noFill/>
+                  </a:rPr>
+                  <a:t> </a:t>
+                </a:r>
+              </a:p>
+            </p:txBody>
+          </p:sp>
+        </mc:Fallback>
+      </mc:AlternateContent>
+      <p:grpSp>
+        <p:nvGrpSpPr>
+          <p:cNvPr id="17" name="Agrupar 16">
+            <a:extLst>
+              <a:ext uri="{FF2B5EF4-FFF2-40B4-BE49-F238E27FC236}">
+                <a16:creationId xmlns:a16="http://schemas.microsoft.com/office/drawing/2014/main" id="{852A6A1D-DA43-B970-7D3B-CD86E9299F8C}"/>
+              </a:ext>
+            </a:extLst>
+          </p:cNvPr>
+          <p:cNvGrpSpPr/>
+          <p:nvPr/>
+        </p:nvGrpSpPr>
+        <p:grpSpPr>
+          <a:xfrm>
+            <a:off x="858078" y="1642941"/>
+            <a:ext cx="3354287" cy="5215059"/>
+            <a:chOff x="453276" y="1631131"/>
+            <a:chExt cx="3354287" cy="5215059"/>
+          </a:xfrm>
+        </p:grpSpPr>
+        <p:pic>
+          <p:nvPicPr>
+            <p:cNvPr id="13" name="Imagem 12">
+              <a:extLst>
+                <a:ext uri="{FF2B5EF4-FFF2-40B4-BE49-F238E27FC236}">
+                  <a16:creationId xmlns:a16="http://schemas.microsoft.com/office/drawing/2014/main" id="{4B4DD64C-FB97-65B7-AD47-6491E6E5E7F1}"/>
+                </a:ext>
+              </a:extLst>
+            </p:cNvPr>
+            <p:cNvPicPr>
+              <a:picLocks noChangeAspect="1"/>
+            </p:cNvPicPr>
+            <p:nvPr/>
+          </p:nvPicPr>
+          <p:blipFill rotWithShape="1">
+            <a:blip r:embed="rId4">
+              <a:extLst>
+                <a:ext uri="{28A0092B-C50C-407E-A947-70E740481C1C}">
+                  <a14:useLocalDpi xmlns:a14="http://schemas.microsoft.com/office/drawing/2010/main" val="0"/>
+                </a:ext>
+              </a:extLst>
+            </a:blip>
+            <a:srcRect l="7607" t="5177" r="7347"/>
+            <a:stretch/>
+          </p:blipFill>
+          <p:spPr>
+            <a:xfrm>
+              <a:off x="844653" y="1631131"/>
+              <a:ext cx="2962910" cy="2297801"/>
+            </a:xfrm>
+            <a:prstGeom prst="rect">
+              <a:avLst/>
+            </a:prstGeom>
+          </p:spPr>
+        </p:pic>
+        <p:pic>
+          <p:nvPicPr>
+            <p:cNvPr id="6" name="Picture 16">
+              <a:extLst>
+                <a:ext uri="{FF2B5EF4-FFF2-40B4-BE49-F238E27FC236}">
+                  <a16:creationId xmlns:a16="http://schemas.microsoft.com/office/drawing/2014/main" id="{256166DD-0A30-8757-3512-E3DEA440F495}"/>
+                </a:ext>
+              </a:extLst>
+            </p:cNvPr>
+            <p:cNvPicPr>
+              <a:picLocks noChangeAspect="1"/>
+            </p:cNvPicPr>
+            <p:nvPr/>
+          </p:nvPicPr>
+          <p:blipFill rotWithShape="1">
+            <a:blip r:embed="rId5"/>
+            <a:srcRect l="3046" t="5896" r="8832"/>
+            <a:stretch/>
+          </p:blipFill>
+          <p:spPr>
+            <a:xfrm>
+              <a:off x="638472" y="4049377"/>
+              <a:ext cx="2831997" cy="2628367"/>
+            </a:xfrm>
+            <a:prstGeom prst="rect">
+              <a:avLst/>
+            </a:prstGeom>
+          </p:spPr>
+        </p:pic>
+        <mc:AlternateContent xmlns:mc="http://schemas.openxmlformats.org/markup-compatibility/2006">
+          <mc:Choice xmlns:a14="http://schemas.microsoft.com/office/drawing/2010/main" Requires="a14">
+            <p:sp>
+              <p:nvSpPr>
+                <p:cNvPr id="8" name="CaixaDeTexto 7">
+                  <a:extLst>
+                    <a:ext uri="{FF2B5EF4-FFF2-40B4-BE49-F238E27FC236}">
+                      <a16:creationId xmlns:a16="http://schemas.microsoft.com/office/drawing/2014/main" id="{FE29F1DF-B6FA-783E-169F-125859E9A35D}"/>
+                    </a:ext>
+                  </a:extLst>
+                </p:cNvPr>
+                <p:cNvSpPr txBox="1"/>
+                <p:nvPr/>
+              </p:nvSpPr>
+              <p:spPr>
+                <a:xfrm>
+                  <a:off x="1564912" y="6538413"/>
+                  <a:ext cx="1266826" cy="307777"/>
+                </a:xfrm>
+                <a:prstGeom prst="rect">
+                  <a:avLst/>
+                </a:prstGeom>
+                <a:solidFill>
+                  <a:schemeClr val="bg1"/>
+                </a:solidFill>
+              </p:spPr>
+              <p:txBody>
+                <a:bodyPr wrap="square">
+                  <a:spAutoFit/>
+                </a:bodyPr>
+                <a:lstStyle/>
+                <a:p>
+                  <a:pPr/>
+                  <a14:m>
+                    <m:oMathPara xmlns:m="http://schemas.openxmlformats.org/officeDocument/2006/math">
+                      <m:oMathParaPr>
+                        <m:jc m:val="centerGroup"/>
+                      </m:oMathParaPr>
+                      <m:oMath xmlns:m="http://schemas.openxmlformats.org/officeDocument/2006/math">
+                        <m:r>
+                          <a:rPr lang="pt-BR" sz="1400" b="0" i="1" smtClean="0">
+                            <a:latin typeface="Cambria Math" panose="02040503050406030204" pitchFamily="18" charset="0"/>
+                          </a:rPr>
+                          <m:t>𝑔</m:t>
+                        </m:r>
+                        <m:r>
+                          <a:rPr lang="pt-BR" sz="1400" b="0" i="1" smtClean="0">
+                            <a:latin typeface="Cambria Math" panose="02040503050406030204" pitchFamily="18" charset="0"/>
+                          </a:rPr>
+                          <m:t>(</m:t>
+                        </m:r>
+                        <m:r>
+                          <a:rPr lang="pt-BR" sz="1400" b="1" i="1" smtClean="0">
+                            <a:latin typeface="Cambria Math" panose="02040503050406030204" pitchFamily="18" charset="0"/>
+                          </a:rPr>
+                          <m:t>𝒙</m:t>
+                        </m:r>
+                        <m:r>
+                          <a:rPr lang="pt-BR" sz="1400" b="0" i="1" smtClean="0">
+                            <a:latin typeface="Cambria Math" panose="02040503050406030204" pitchFamily="18" charset="0"/>
+                          </a:rPr>
+                          <m:t>)</m:t>
+                        </m:r>
+                      </m:oMath>
+                    </m:oMathPara>
+                  </a14:m>
+                  <a:endParaRPr lang="pt-BR" sz="1400" dirty="0"/>
+                </a:p>
+              </p:txBody>
+            </p:sp>
+          </mc:Choice>
+          <mc:Fallback>
+            <p:sp>
+              <p:nvSpPr>
+                <p:cNvPr id="8" name="CaixaDeTexto 7">
+                  <a:extLst>
+                    <a:ext uri="{FF2B5EF4-FFF2-40B4-BE49-F238E27FC236}">
+                      <a16:creationId xmlns:a16="http://schemas.microsoft.com/office/drawing/2014/main" id="{FE29F1DF-B6FA-783E-169F-125859E9A35D}"/>
+                    </a:ext>
+                  </a:extLst>
+                </p:cNvPr>
+                <p:cNvSpPr txBox="1">
+                  <a:spLocks noRot="1" noChangeAspect="1" noMove="1" noResize="1" noEditPoints="1" noAdjustHandles="1" noChangeArrowheads="1" noChangeShapeType="1" noTextEdit="1"/>
+                </p:cNvSpPr>
+                <p:nvPr/>
+              </p:nvSpPr>
+              <p:spPr>
+                <a:xfrm>
+                  <a:off x="1564912" y="6538413"/>
+                  <a:ext cx="1266826" cy="307777"/>
+                </a:xfrm>
+                <a:prstGeom prst="rect">
+                  <a:avLst/>
+                </a:prstGeom>
+                <a:blipFill>
+                  <a:blip r:embed="rId6"/>
+                  <a:stretch>
+                    <a:fillRect b="-8000"/>
+                  </a:stretch>
+                </a:blipFill>
+              </p:spPr>
+              <p:txBody>
+                <a:bodyPr/>
+                <a:lstStyle/>
+                <a:p>
+                  <a:r>
+                    <a:rPr lang="pt-BR">
+                      <a:noFill/>
+                    </a:rPr>
+                    <a:t> </a:t>
+                  </a:r>
+                </a:p>
+              </p:txBody>
+            </p:sp>
+          </mc:Fallback>
+        </mc:AlternateContent>
+        <mc:AlternateContent xmlns:mc="http://schemas.openxmlformats.org/markup-compatibility/2006">
+          <mc:Choice xmlns:a14="http://schemas.microsoft.com/office/drawing/2010/main" Requires="a14">
+            <p:sp>
+              <p:nvSpPr>
+                <p:cNvPr id="9" name="CaixaDeTexto 8">
+                  <a:extLst>
+                    <a:ext uri="{FF2B5EF4-FFF2-40B4-BE49-F238E27FC236}">
+                      <a16:creationId xmlns:a16="http://schemas.microsoft.com/office/drawing/2014/main" id="{4C0855C4-B563-8234-DFE3-4B6C2B7E81F9}"/>
+                    </a:ext>
+                  </a:extLst>
+                </p:cNvPr>
+                <p:cNvSpPr txBox="1"/>
+                <p:nvPr/>
+              </p:nvSpPr>
+              <p:spPr>
+                <a:xfrm rot="16200000">
+                  <a:off x="216483" y="5087088"/>
+                  <a:ext cx="781363" cy="307777"/>
+                </a:xfrm>
+                <a:prstGeom prst="rect">
+                  <a:avLst/>
+                </a:prstGeom>
+                <a:solidFill>
+                  <a:schemeClr val="bg1"/>
+                </a:solidFill>
+              </p:spPr>
+              <p:txBody>
+                <a:bodyPr wrap="square">
+                  <a:spAutoFit/>
+                </a:bodyPr>
+                <a:lstStyle/>
+                <a:p>
+                  <a:pPr/>
+                  <a14:m>
+                    <m:oMathPara xmlns:m="http://schemas.openxmlformats.org/officeDocument/2006/math">
+                      <m:oMathParaPr>
+                        <m:jc m:val="centerGroup"/>
+                      </m:oMathParaPr>
+                      <m:oMath xmlns:m="http://schemas.openxmlformats.org/officeDocument/2006/math">
+                        <m:r>
+                          <a:rPr lang="pt-BR" sz="1400" b="0" i="1" smtClean="0">
+                            <a:latin typeface="Cambria Math" panose="02040503050406030204" pitchFamily="18" charset="0"/>
+                          </a:rPr>
+                          <m:t>𝑓</m:t>
+                        </m:r>
+                        <m:d>
+                          <m:dPr>
+                            <m:ctrlPr>
+                              <a:rPr lang="pt-BR" sz="1400" i="1">
+                                <a:latin typeface="Cambria Math" panose="02040503050406030204" pitchFamily="18" charset="0"/>
+                              </a:rPr>
+                            </m:ctrlPr>
+                          </m:dPr>
+                          <m:e>
+                            <m:r>
+                              <a:rPr lang="pt-BR" sz="1400" b="0" i="1" smtClean="0">
+                                <a:latin typeface="Cambria Math" panose="02040503050406030204" pitchFamily="18" charset="0"/>
+                              </a:rPr>
+                              <m:t>𝑔</m:t>
+                            </m:r>
+                            <m:r>
+                              <a:rPr lang="pt-BR" sz="1400" b="0" i="1" smtClean="0">
+                                <a:latin typeface="Cambria Math" panose="02040503050406030204" pitchFamily="18" charset="0"/>
+                              </a:rPr>
+                              <m:t>(</m:t>
+                            </m:r>
+                            <m:r>
+                              <a:rPr lang="pt-BR" sz="1400" b="1" i="1" smtClean="0">
+                                <a:latin typeface="Cambria Math" panose="02040503050406030204" pitchFamily="18" charset="0"/>
+                              </a:rPr>
+                              <m:t>𝒙</m:t>
+                            </m:r>
+                            <m:r>
+                              <a:rPr lang="pt-BR" sz="1400" b="0" i="1" smtClean="0">
+                                <a:latin typeface="Cambria Math" panose="02040503050406030204" pitchFamily="18" charset="0"/>
+                              </a:rPr>
+                              <m:t>)</m:t>
+                            </m:r>
+                          </m:e>
+                        </m:d>
+                      </m:oMath>
+                    </m:oMathPara>
+                  </a14:m>
+                  <a:endParaRPr lang="pt-BR" sz="1400" dirty="0"/>
+                </a:p>
+              </p:txBody>
+            </p:sp>
+          </mc:Choice>
+          <mc:Fallback>
+            <p:sp>
+              <p:nvSpPr>
+                <p:cNvPr id="9" name="CaixaDeTexto 8">
+                  <a:extLst>
+                    <a:ext uri="{FF2B5EF4-FFF2-40B4-BE49-F238E27FC236}">
+                      <a16:creationId xmlns:a16="http://schemas.microsoft.com/office/drawing/2014/main" id="{4C0855C4-B563-8234-DFE3-4B6C2B7E81F9}"/>
+                    </a:ext>
+                  </a:extLst>
+                </p:cNvPr>
+                <p:cNvSpPr txBox="1">
+                  <a:spLocks noRot="1" noChangeAspect="1" noMove="1" noResize="1" noEditPoints="1" noAdjustHandles="1" noChangeArrowheads="1" noChangeShapeType="1" noTextEdit="1"/>
+                </p:cNvSpPr>
+                <p:nvPr/>
+              </p:nvSpPr>
+              <p:spPr>
+                <a:xfrm rot="16200000">
+                  <a:off x="216483" y="5087088"/>
+                  <a:ext cx="781363" cy="307777"/>
+                </a:xfrm>
+                <a:prstGeom prst="rect">
+                  <a:avLst/>
+                </a:prstGeom>
+                <a:blipFill>
+                  <a:blip r:embed="rId7"/>
+                  <a:stretch>
+                    <a:fillRect r="-8000"/>
+                  </a:stretch>
+                </a:blipFill>
+              </p:spPr>
+              <p:txBody>
+                <a:bodyPr/>
+                <a:lstStyle/>
+                <a:p>
+                  <a:r>
+                    <a:rPr lang="pt-BR">
+                      <a:noFill/>
+                    </a:rPr>
+                    <a:t> </a:t>
+                  </a:r>
+                </a:p>
+              </p:txBody>
+            </p:sp>
+          </mc:Fallback>
+        </mc:AlternateContent>
+        <p:sp>
+          <p:nvSpPr>
+            <p:cNvPr id="11" name="Retângulo 10">
+              <a:extLst>
+                <a:ext uri="{FF2B5EF4-FFF2-40B4-BE49-F238E27FC236}">
+                  <a16:creationId xmlns:a16="http://schemas.microsoft.com/office/drawing/2014/main" id="{C66842E7-77DB-DED6-551A-CFBE055B87A7}"/>
+                </a:ext>
+              </a:extLst>
+            </p:cNvPr>
+            <p:cNvSpPr/>
+            <p:nvPr/>
+          </p:nvSpPr>
+          <p:spPr>
+            <a:xfrm rot="1995663">
+              <a:off x="712352" y="2785892"/>
+              <a:ext cx="2971946" cy="155530"/>
+            </a:xfrm>
+            <a:prstGeom prst="rect">
+              <a:avLst/>
+            </a:prstGeom>
+            <a:noFill/>
+            <a:ln w="38100">
+              <a:solidFill>
+                <a:srgbClr val="FF0000"/>
+              </a:solidFill>
+            </a:ln>
+          </p:spPr>
+          <p:style>
+            <a:lnRef idx="2">
+              <a:schemeClr val="accent1">
+                <a:shade val="15000"/>
+              </a:schemeClr>
+            </a:lnRef>
+            <a:fillRef idx="1">
+              <a:schemeClr val="accent1"/>
+            </a:fillRef>
+            <a:effectRef idx="0">
+              <a:schemeClr val="accent1"/>
+            </a:effectRef>
+            <a:fontRef idx="minor">
+              <a:schemeClr val="lt1"/>
+            </a:fontRef>
+          </p:style>
+          <p:txBody>
+            <a:bodyPr rtlCol="0" anchor="ctr"/>
+            <a:lstStyle/>
+            <a:p>
+              <a:pPr algn="ctr"/>
+              <a:endParaRPr lang="pt-BR"/>
+            </a:p>
+          </p:txBody>
+        </p:sp>
+        <p:cxnSp>
+          <p:nvCxnSpPr>
+            <p:cNvPr id="15" name="Conector de Seta Reta 14">
+              <a:extLst>
+                <a:ext uri="{FF2B5EF4-FFF2-40B4-BE49-F238E27FC236}">
+                  <a16:creationId xmlns:a16="http://schemas.microsoft.com/office/drawing/2014/main" id="{851D0E37-E94F-E50F-4120-E98CB2FF97BE}"/>
+                </a:ext>
+              </a:extLst>
+            </p:cNvPr>
+            <p:cNvCxnSpPr>
+              <a:cxnSpLocks/>
+            </p:cNvCxnSpPr>
+            <p:nvPr/>
+          </p:nvCxnSpPr>
+          <p:spPr>
+            <a:xfrm>
+              <a:off x="2202180" y="2977599"/>
+              <a:ext cx="0" cy="1057220"/>
+            </a:xfrm>
+            <a:prstGeom prst="straightConnector1">
+              <a:avLst/>
+            </a:prstGeom>
+            <a:ln w="38100">
+              <a:solidFill>
+                <a:srgbClr val="FF0000"/>
+              </a:solidFill>
+              <a:tailEnd type="triangle"/>
+            </a:ln>
+          </p:spPr>
+          <p:style>
+            <a:lnRef idx="1">
+              <a:schemeClr val="accent1"/>
+            </a:lnRef>
+            <a:fillRef idx="0">
+              <a:schemeClr val="accent1"/>
+            </a:fillRef>
+            <a:effectRef idx="0">
+              <a:schemeClr val="accent1"/>
+            </a:effectRef>
+            <a:fontRef idx="minor">
+              <a:schemeClr val="tx1"/>
+            </a:fontRef>
+          </p:style>
+        </p:cxnSp>
+      </p:grpSp>
+    </p:spTree>
+    <p:extLst>
+      <p:ext uri="{BB962C8B-B14F-4D97-AF65-F5344CB8AC3E}">
+        <p14:creationId xmlns:p14="http://schemas.microsoft.com/office/powerpoint/2010/main" val="2885297545"/>
+      </p:ext>
+    </p:extLst>
+  </p:cSld>
+  <p:clrMapOvr>
+    <a:masterClrMapping/>
+  </p:clrMapOvr>
+</p:sld>
+</file>
+
+<file path=ppt/slides/slide22.xml><?xml version="1.0" encoding="utf-8"?>
+<p:sld xmlns:a="http://schemas.openxmlformats.org/drawingml/2006/main" xmlns:r="http://schemas.openxmlformats.org/officeDocument/2006/relationships" xmlns:p="http://schemas.openxmlformats.org/presentationml/2006/main">
+  <p:cSld>
+    <p:spTree>
+      <p:nvGrpSpPr>
+        <p:cNvPr id="1" name=""/>
+        <p:cNvGrpSpPr/>
+        <p:nvPr/>
+      </p:nvGrpSpPr>
+      <p:grpSpPr>
+        <a:xfrm>
+          <a:off x="0" y="0"/>
+          <a:ext cx="0" cy="0"/>
+          <a:chOff x="0" y="0"/>
+          <a:chExt cx="0" cy="0"/>
+        </a:xfrm>
+      </p:grpSpPr>
+      <p:sp>
+        <p:nvSpPr>
           <p:cNvPr id="2" name="Título 1">
             <a:extLst>
               <a:ext uri="{FF2B5EF4-FFF2-40B4-BE49-F238E27FC236}">
@@ -16144,199 +17730,121 @@
           </a:p>
         </p:txBody>
       </p:sp>
-      <mc:AlternateContent xmlns:mc="http://schemas.openxmlformats.org/markup-compatibility/2006">
-        <mc:Choice xmlns:a14="http://schemas.microsoft.com/office/drawing/2010/main" Requires="a14">
-          <p:sp>
-            <p:nvSpPr>
-              <p:cNvPr id="3" name="Espaço Reservado para Conteúdo 2">
-                <a:extLst>
-                  <a:ext uri="{FF2B5EF4-FFF2-40B4-BE49-F238E27FC236}">
-                    <a16:creationId xmlns:a16="http://schemas.microsoft.com/office/drawing/2014/main" id="{8C2770DA-BD52-05F3-F2B3-56BA4FC4C1F3}"/>
-                  </a:ext>
-                </a:extLst>
-              </p:cNvPr>
-              <p:cNvSpPr>
-                <a:spLocks noGrp="1"/>
-              </p:cNvSpPr>
-              <p:nvPr>
-                <p:ph idx="1"/>
-              </p:nvPr>
-            </p:nvSpPr>
-            <p:spPr>
-              <a:xfrm>
-                <a:off x="4773880" y="1849376"/>
-                <a:ext cx="7243949" cy="5008624"/>
-              </a:xfrm>
-            </p:spPr>
-            <p:txBody>
-              <a:bodyPr>
-                <a:normAutofit/>
-              </a:bodyPr>
-              <a:lstStyle/>
-              <a:p>
-                <a:pPr marL="285750" indent="-285750">
-                  <a:buFont typeface="Arial" panose="020B0604020202020204" pitchFamily="34" charset="0"/>
-                  <a:buChar char="•"/>
-                </a:pPr>
-                <a:r>
-                  <a:rPr lang="pt-BR" sz="2800" dirty="0"/>
-                  <a:t>Os pontos distantes da </a:t>
-                </a:r>
-                <a:r>
-                  <a:rPr lang="pt-BR" sz="2800" b="1" i="1" dirty="0"/>
-                  <a:t>fronteira de decisão </a:t>
-                </a:r>
-                <a:r>
-                  <a:rPr lang="pt-BR" sz="2800" dirty="0"/>
-                  <a:t>têm valores </a:t>
-                </a:r>
-                <a:r>
-                  <a:rPr lang="pt-BR" sz="2800" b="1" i="1" dirty="0"/>
-                  <a:t>absolutos</a:t>
-                </a:r>
-                <a:r>
-                  <a:rPr lang="pt-BR" sz="2800" dirty="0"/>
-                  <a:t> de </a:t>
-                </a:r>
-                <a14:m>
-                  <m:oMath xmlns:m="http://schemas.openxmlformats.org/officeDocument/2006/math">
-                    <m:r>
-                      <a:rPr lang="pt-BR" sz="2800" i="1">
-                        <a:latin typeface="Cambria Math" panose="02040503050406030204" pitchFamily="18" charset="0"/>
-                      </a:rPr>
-                      <m:t>𝑔</m:t>
-                    </m:r>
-                    <m:d>
-                      <m:dPr>
-                        <m:ctrlPr>
-                          <a:rPr lang="pt-BR" sz="2800" i="1">
-                            <a:latin typeface="Cambria Math" panose="02040503050406030204" pitchFamily="18" charset="0"/>
-                          </a:rPr>
-                        </m:ctrlPr>
-                      </m:dPr>
-                      <m:e>
-                        <m:r>
-                          <a:rPr lang="pt-BR" sz="2800" b="1" i="1">
-                            <a:latin typeface="Cambria Math" panose="02040503050406030204" pitchFamily="18" charset="0"/>
-                          </a:rPr>
-                          <m:t>𝒙</m:t>
-                        </m:r>
-                      </m:e>
-                    </m:d>
-                  </m:oMath>
-                </a14:m>
-                <a:r>
-                  <a:rPr lang="pt-BR" sz="2800" dirty="0"/>
-                  <a:t> bem maiores do que os dos pontos próximos, os quais têm valores de </a:t>
-                </a:r>
-                <a14:m>
-                  <m:oMath xmlns:m="http://schemas.openxmlformats.org/officeDocument/2006/math">
-                    <m:r>
-                      <a:rPr lang="pt-BR" sz="2800" i="1">
-                        <a:latin typeface="Cambria Math" panose="02040503050406030204" pitchFamily="18" charset="0"/>
-                      </a:rPr>
-                      <m:t>𝑔</m:t>
-                    </m:r>
-                    <m:r>
-                      <a:rPr lang="pt-BR" sz="2800" i="1">
-                        <a:latin typeface="Cambria Math" panose="02040503050406030204" pitchFamily="18" charset="0"/>
-                      </a:rPr>
-                      <m:t>(</m:t>
-                    </m:r>
-                    <m:r>
-                      <a:rPr lang="pt-BR" sz="2800" b="1" i="1">
-                        <a:latin typeface="Cambria Math" panose="02040503050406030204" pitchFamily="18" charset="0"/>
-                      </a:rPr>
-                      <m:t>𝒙</m:t>
-                    </m:r>
-                    <m:r>
-                      <a:rPr lang="pt-BR" sz="2800" i="1">
-                        <a:latin typeface="Cambria Math" panose="02040503050406030204" pitchFamily="18" charset="0"/>
-                      </a:rPr>
-                      <m:t>)</m:t>
-                    </m:r>
-                  </m:oMath>
-                </a14:m>
-                <a:r>
-                  <a:rPr lang="pt-BR" sz="2800" dirty="0"/>
-                  <a:t> muito próximos de 0. </a:t>
-                </a:r>
-              </a:p>
-              <a:p>
-                <a:pPr marL="285750" indent="-285750">
-                  <a:buFont typeface="Arial" panose="020B0604020202020204" pitchFamily="34" charset="0"/>
-                  <a:buChar char="•"/>
-                </a:pPr>
-                <a:r>
-                  <a:rPr lang="pt-BR" sz="2800" dirty="0"/>
-                  <a:t>Ou seja, a confiança deveria ser maior para pontos distantes da fronteira.</a:t>
-                </a:r>
-              </a:p>
-              <a:p>
-                <a:pPr marL="285750" indent="-285750">
-                  <a:buFont typeface="Arial" panose="020B0604020202020204" pitchFamily="34" charset="0"/>
-                  <a:buChar char="•"/>
-                </a:pPr>
-                <a:r>
-                  <a:rPr lang="pt-BR" sz="2800" dirty="0"/>
-                  <a:t>Porém, isso não é refletido na saída do classificador com limiar rígido.</a:t>
-                </a:r>
-              </a:p>
-              <a:p>
-                <a:pPr marL="285750" indent="-285750"/>
-                <a:r>
-                  <a:rPr lang="pt-BR" dirty="0"/>
-                  <a:t>Em muitas situações, nós precisamos de previsões mais graduadas, que indiquem incertezas quanto à classificação.</a:t>
-                </a:r>
-                <a:endParaRPr lang="pt-BR" sz="2800" dirty="0"/>
-              </a:p>
-            </p:txBody>
-          </p:sp>
-        </mc:Choice>
-        <mc:Fallback>
-          <p:sp>
-            <p:nvSpPr>
-              <p:cNvPr id="3" name="Espaço Reservado para Conteúdo 2">
-                <a:extLst>
-                  <a:ext uri="{FF2B5EF4-FFF2-40B4-BE49-F238E27FC236}">
-                    <a16:creationId xmlns:a16="http://schemas.microsoft.com/office/drawing/2014/main" id="{8C2770DA-BD52-05F3-F2B3-56BA4FC4C1F3}"/>
-                  </a:ext>
-                </a:extLst>
-              </p:cNvPr>
-              <p:cNvSpPr>
-                <a:spLocks noGrp="1" noRot="1" noChangeAspect="1" noMove="1" noResize="1" noEditPoints="1" noAdjustHandles="1" noChangeArrowheads="1" noChangeShapeType="1" noTextEdit="1"/>
-              </p:cNvSpPr>
-              <p:nvPr>
-                <p:ph idx="1"/>
-              </p:nvPr>
-            </p:nvSpPr>
-            <p:spPr>
-              <a:xfrm>
-                <a:off x="4773880" y="1849376"/>
-                <a:ext cx="7243949" cy="5008624"/>
-              </a:xfrm>
-              <a:blipFill>
-                <a:blip r:embed="rId3"/>
-                <a:stretch>
-                  <a:fillRect l="-1515" t="-1946"/>
-                </a:stretch>
-              </a:blipFill>
-            </p:spPr>
-            <p:txBody>
-              <a:bodyPr/>
-              <a:lstStyle/>
-              <a:p>
-                <a:r>
-                  <a:rPr lang="pt-BR">
-                    <a:noFill/>
-                  </a:rPr>
-                  <a:t> </a:t>
-                </a:r>
-              </a:p>
-            </p:txBody>
-          </p:sp>
-        </mc:Fallback>
-      </mc:AlternateContent>
+      <p:sp>
+        <p:nvSpPr>
+          <p:cNvPr id="3" name="Espaço Reservado para Conteúdo 2">
+            <a:extLst>
+              <a:ext uri="{FF2B5EF4-FFF2-40B4-BE49-F238E27FC236}">
+                <a16:creationId xmlns:a16="http://schemas.microsoft.com/office/drawing/2014/main" id="{8C2770DA-BD52-05F3-F2B3-56BA4FC4C1F3}"/>
+              </a:ext>
+            </a:extLst>
+          </p:cNvPr>
+          <p:cNvSpPr>
+            <a:spLocks noGrp="1"/>
+          </p:cNvSpPr>
+          <p:nvPr>
+            <p:ph idx="1"/>
+          </p:nvPr>
+        </p:nvSpPr>
+        <p:spPr>
+          <a:xfrm>
+            <a:off x="4773880" y="1849376"/>
+            <a:ext cx="7243949" cy="5008624"/>
+          </a:xfrm>
+        </p:spPr>
+        <p:txBody>
+          <a:bodyPr>
+            <a:normAutofit/>
+          </a:bodyPr>
+          <a:lstStyle/>
+          <a:p>
+            <a:pPr marL="285750" indent="-285750"/>
+            <a:r>
+              <a:rPr lang="pt-BR" dirty="0"/>
+              <a:t>Em resumo, </a:t>
+            </a:r>
+            <a:r>
+              <a:rPr lang="pt-BR" b="1" i="1" dirty="0">
+                <a:solidFill>
+                  <a:srgbClr val="00B050"/>
+                </a:solidFill>
+              </a:rPr>
+              <a:t>pontos </a:t>
+            </a:r>
+            <a:r>
+              <a:rPr lang="pt-BR" sz="2800" b="1" i="1" dirty="0">
+                <a:solidFill>
+                  <a:srgbClr val="00B050"/>
+                </a:solidFill>
+              </a:rPr>
+              <a:t>distantes da fronteira </a:t>
+            </a:r>
+            <a:r>
+              <a:rPr lang="pt-BR" sz="2800" dirty="0"/>
+              <a:t>de decisão </a:t>
+            </a:r>
+            <a:r>
+              <a:rPr lang="pt-BR" sz="2800" b="1" i="1" dirty="0">
+                <a:solidFill>
+                  <a:srgbClr val="7030A0"/>
+                </a:solidFill>
+              </a:rPr>
+              <a:t>deveriam</a:t>
+            </a:r>
+            <a:r>
+              <a:rPr lang="pt-BR" sz="2800" b="1" i="1" dirty="0">
+                <a:solidFill>
+                  <a:srgbClr val="00B050"/>
+                </a:solidFill>
+              </a:rPr>
+              <a:t> ter uma </a:t>
+            </a:r>
+            <a:r>
+              <a:rPr lang="pt-BR" b="1" i="1" dirty="0">
+                <a:solidFill>
+                  <a:srgbClr val="00B050"/>
+                </a:solidFill>
+              </a:rPr>
+              <a:t>confiança</a:t>
+            </a:r>
+            <a:r>
+              <a:rPr lang="pt-BR" dirty="0"/>
+              <a:t> (ou probabilidade) de </a:t>
+            </a:r>
+            <a:r>
+              <a:rPr lang="pt-BR" b="1" i="1" dirty="0">
+                <a:solidFill>
+                  <a:srgbClr val="00B050"/>
+                </a:solidFill>
+              </a:rPr>
+              <a:t>pertencerem a uma determinada classe bem maior do que pontos próximos</a:t>
+            </a:r>
+            <a:r>
+              <a:rPr lang="pt-BR" dirty="0"/>
+              <a:t>.</a:t>
+            </a:r>
+            <a:endParaRPr lang="pt-BR" sz="2800" dirty="0"/>
+          </a:p>
+          <a:p>
+            <a:pPr marL="285750" indent="-285750">
+              <a:buFont typeface="Arial" panose="020B0604020202020204" pitchFamily="34" charset="0"/>
+              <a:buChar char="•"/>
+            </a:pPr>
+            <a:r>
+              <a:rPr lang="pt-BR" sz="2800" dirty="0"/>
+              <a:t>Porém, isso não é refletido na saída do classificador com limiar de decisão rígido.</a:t>
+            </a:r>
+          </a:p>
+          <a:p>
+            <a:pPr marL="285750" indent="-285750"/>
+            <a:r>
+              <a:rPr lang="pt-BR" dirty="0"/>
+              <a:t>Entretanto, em muitas situações, nós precisamos de predições mais graduadas, que indiquem incertezas quanto à classificação.</a:t>
+            </a:r>
+            <a:endParaRPr lang="pt-BR" sz="2800" dirty="0"/>
+          </a:p>
+        </p:txBody>
+      </p:sp>
       <p:pic>
         <p:nvPicPr>
           <p:cNvPr id="5" name="Imagem 4">
@@ -16352,7 +17860,7 @@
           <p:nvPr/>
         </p:nvPicPr>
         <p:blipFill rotWithShape="1">
-          <a:blip r:embed="rId4">
+          <a:blip r:embed="rId3">
             <a:extLst>
               <a:ext uri="{28A0092B-C50C-407E-A947-70E740481C1C}">
                 <a14:useLocalDpi xmlns:a14="http://schemas.microsoft.com/office/drawing/2010/main" val="0"/>
@@ -16401,13 +17909,13 @@
           <a:p>
             <a:r>
               <a:rPr lang="pt-BR" sz="1400" dirty="0">
-                <a:hlinkClick r:id="rId5"/>
+                <a:hlinkClick r:id="rId4"/>
               </a:rPr>
               <a:t>Exemplo: </a:t>
             </a:r>
             <a:r>
               <a:rPr lang="pt-BR" sz="1400" dirty="0" err="1">
-                <a:hlinkClick r:id="rId5"/>
+                <a:hlinkClick r:id="rId4"/>
               </a:rPr>
               <a:t>classificação_rígida.ipynb</a:t>
             </a:r>
@@ -16428,7 +17936,7 @@
 </p:sld>
 </file>
 
-<file path=ppt/slides/slide21.xml><?xml version="1.0" encoding="utf-8"?>
+<file path=ppt/slides/slide23.xml><?xml version="1.0" encoding="utf-8"?>
 <p:sld xmlns:a="http://schemas.openxmlformats.org/drawingml/2006/main" xmlns:r="http://schemas.openxmlformats.org/officeDocument/2006/relationships" xmlns:p="http://schemas.openxmlformats.org/presentationml/2006/main">
   <p:cSld>
     <p:spTree>
@@ -16586,20 +18094,12 @@
           </a:p>
           <a:p>
             <a:r>
-              <a:rPr lang="pt-BR" b="1">
-                <a:solidFill>
-                  <a:srgbClr val="00B050"/>
-                </a:solidFill>
-              </a:rPr>
-              <a:t>Os projetos </a:t>
-            </a:r>
-            <a:r>
               <a:rPr lang="pt-BR" b="1" dirty="0">
                 <a:solidFill>
                   <a:srgbClr val="00B050"/>
                 </a:solidFill>
               </a:rPr>
-              <a:t>já estão disponíveis no </a:t>
+              <a:t>Os projetos já estão disponíveis no </a:t>
             </a:r>
             <a:r>
               <a:rPr lang="pt-BR" b="1" i="1" dirty="0">
@@ -16633,7 +18133,7 @@
 </p:sld>
 </file>
 
-<file path=ppt/slides/slide22.xml><?xml version="1.0" encoding="utf-8"?>
+<file path=ppt/slides/slide24.xml><?xml version="1.0" encoding="utf-8"?>
 <p:sld xmlns:a="http://schemas.openxmlformats.org/drawingml/2006/main" xmlns:r="http://schemas.openxmlformats.org/officeDocument/2006/relationships" xmlns:p="http://schemas.openxmlformats.org/presentationml/2006/main">
   <p:cSld>
     <p:spTree>
@@ -16719,7 +18219,7 @@
 </p:sld>
 </file>
 
-<file path=ppt/slides/slide23.xml><?xml version="1.0" encoding="utf-8"?>
+<file path=ppt/slides/slide25.xml><?xml version="1.0" encoding="utf-8"?>
 <p:sld xmlns:a="http://schemas.openxmlformats.org/drawingml/2006/main" xmlns:r="http://schemas.openxmlformats.org/officeDocument/2006/relationships" xmlns:p="http://schemas.openxmlformats.org/presentationml/2006/main">
   <p:cSld>
     <p:spTree>
@@ -16744,7 +18244,7 @@
         </p:nvGrpSpPr>
         <p:grpSpPr>
           <a:xfrm>
-            <a:off x="4010190" y="1821094"/>
+            <a:off x="1086015" y="1802044"/>
             <a:ext cx="3740834" cy="2807647"/>
             <a:chOff x="4010190" y="1821094"/>
             <a:chExt cx="3740834" cy="2807647"/>
@@ -18545,6 +20045,1832 @@
           </mc:Fallback>
         </mc:AlternateContent>
       </p:grpSp>
+      <p:grpSp>
+        <p:nvGrpSpPr>
+          <p:cNvPr id="2" name="Group 49">
+            <a:extLst>
+              <a:ext uri="{FF2B5EF4-FFF2-40B4-BE49-F238E27FC236}">
+                <a16:creationId xmlns:a16="http://schemas.microsoft.com/office/drawing/2014/main" id="{A01877FB-57F2-AD41-82CB-EAC3CD6BE376}"/>
+              </a:ext>
+            </a:extLst>
+          </p:cNvPr>
+          <p:cNvGrpSpPr/>
+          <p:nvPr/>
+        </p:nvGrpSpPr>
+        <p:grpSpPr>
+          <a:xfrm>
+            <a:off x="5639334" y="2087246"/>
+            <a:ext cx="3740834" cy="2602233"/>
+            <a:chOff x="4010190" y="2026508"/>
+            <a:chExt cx="3740834" cy="2602233"/>
+          </a:xfrm>
+        </p:grpSpPr>
+        <p:cxnSp>
+          <p:nvCxnSpPr>
+            <p:cNvPr id="3" name="Straight Arrow Connector 4">
+              <a:extLst>
+                <a:ext uri="{FF2B5EF4-FFF2-40B4-BE49-F238E27FC236}">
+                  <a16:creationId xmlns:a16="http://schemas.microsoft.com/office/drawing/2014/main" id="{559F5EC3-8BB0-7A49-4FC1-31DBAE0A5A53}"/>
+                </a:ext>
+              </a:extLst>
+            </p:cNvPr>
+            <p:cNvCxnSpPr/>
+            <p:nvPr/>
+          </p:nvCxnSpPr>
+          <p:spPr>
+            <a:xfrm flipV="1">
+              <a:off x="4403890" y="2415405"/>
+              <a:ext cx="0" cy="2009104"/>
+            </a:xfrm>
+            <a:prstGeom prst="straightConnector1">
+              <a:avLst/>
+            </a:prstGeom>
+            <a:ln w="28575">
+              <a:solidFill>
+                <a:schemeClr val="tx1"/>
+              </a:solidFill>
+              <a:tailEnd type="triangle"/>
+            </a:ln>
+          </p:spPr>
+          <p:style>
+            <a:lnRef idx="1">
+              <a:schemeClr val="accent1"/>
+            </a:lnRef>
+            <a:fillRef idx="0">
+              <a:schemeClr val="accent1"/>
+            </a:fillRef>
+            <a:effectRef idx="0">
+              <a:schemeClr val="accent1"/>
+            </a:effectRef>
+            <a:fontRef idx="minor">
+              <a:schemeClr val="tx1"/>
+            </a:fontRef>
+          </p:style>
+        </p:cxnSp>
+        <p:cxnSp>
+          <p:nvCxnSpPr>
+            <p:cNvPr id="4" name="Straight Arrow Connector 5">
+              <a:extLst>
+                <a:ext uri="{FF2B5EF4-FFF2-40B4-BE49-F238E27FC236}">
+                  <a16:creationId xmlns:a16="http://schemas.microsoft.com/office/drawing/2014/main" id="{DE64CED1-087D-F8C1-C8DE-ED77429386B6}"/>
+                </a:ext>
+              </a:extLst>
+            </p:cNvPr>
+            <p:cNvCxnSpPr/>
+            <p:nvPr/>
+          </p:nvCxnSpPr>
+          <p:spPr>
+            <a:xfrm>
+              <a:off x="4391190" y="4424509"/>
+              <a:ext cx="2772000" cy="0"/>
+            </a:xfrm>
+            <a:prstGeom prst="straightConnector1">
+              <a:avLst/>
+            </a:prstGeom>
+            <a:ln w="28575">
+              <a:solidFill>
+                <a:schemeClr val="tx1"/>
+              </a:solidFill>
+              <a:tailEnd type="triangle"/>
+            </a:ln>
+          </p:spPr>
+          <p:style>
+            <a:lnRef idx="1">
+              <a:schemeClr val="accent1"/>
+            </a:lnRef>
+            <a:fillRef idx="0">
+              <a:schemeClr val="accent1"/>
+            </a:fillRef>
+            <a:effectRef idx="0">
+              <a:schemeClr val="accent1"/>
+            </a:effectRef>
+            <a:fontRef idx="minor">
+              <a:schemeClr val="tx1"/>
+            </a:fontRef>
+          </p:style>
+        </p:cxnSp>
+        <p:sp>
+          <p:nvSpPr>
+            <p:cNvPr id="27" name="Oval 6">
+              <a:extLst>
+                <a:ext uri="{FF2B5EF4-FFF2-40B4-BE49-F238E27FC236}">
+                  <a16:creationId xmlns:a16="http://schemas.microsoft.com/office/drawing/2014/main" id="{4BAC0974-32C4-6B7D-7B84-E15EC1A4EDAD}"/>
+                </a:ext>
+              </a:extLst>
+            </p:cNvPr>
+            <p:cNvSpPr/>
+            <p:nvPr/>
+          </p:nvSpPr>
+          <p:spPr>
+            <a:xfrm>
+              <a:off x="5312521" y="3819300"/>
+              <a:ext cx="146765" cy="154547"/>
+            </a:xfrm>
+            <a:prstGeom prst="ellipse">
+              <a:avLst/>
+            </a:prstGeom>
+            <a:solidFill>
+              <a:schemeClr val="accent5"/>
+            </a:solidFill>
+            <a:ln>
+              <a:solidFill>
+                <a:schemeClr val="accent5"/>
+              </a:solidFill>
+            </a:ln>
+          </p:spPr>
+          <p:style>
+            <a:lnRef idx="2">
+              <a:schemeClr val="accent1">
+                <a:shade val="50000"/>
+              </a:schemeClr>
+            </a:lnRef>
+            <a:fillRef idx="1">
+              <a:schemeClr val="accent1"/>
+            </a:fillRef>
+            <a:effectRef idx="0">
+              <a:schemeClr val="accent1"/>
+            </a:effectRef>
+            <a:fontRef idx="minor">
+              <a:schemeClr val="lt1"/>
+            </a:fontRef>
+          </p:style>
+          <p:txBody>
+            <a:bodyPr rtlCol="0" anchor="ctr"/>
+            <a:lstStyle/>
+            <a:p>
+              <a:pPr algn="ctr"/>
+              <a:endParaRPr lang="pt-BR"/>
+            </a:p>
+          </p:txBody>
+        </p:sp>
+        <p:sp>
+          <p:nvSpPr>
+            <p:cNvPr id="29" name="Isosceles Triangle 7">
+              <a:extLst>
+                <a:ext uri="{FF2B5EF4-FFF2-40B4-BE49-F238E27FC236}">
+                  <a16:creationId xmlns:a16="http://schemas.microsoft.com/office/drawing/2014/main" id="{0591E6DC-765A-BFBB-1F8D-DDEC4152C35F}"/>
+                </a:ext>
+              </a:extLst>
+            </p:cNvPr>
+            <p:cNvSpPr/>
+            <p:nvPr/>
+          </p:nvSpPr>
+          <p:spPr>
+            <a:xfrm>
+              <a:off x="4928082" y="2433336"/>
+              <a:ext cx="133350" cy="165100"/>
+            </a:xfrm>
+            <a:prstGeom prst="triangle">
+              <a:avLst/>
+            </a:prstGeom>
+            <a:solidFill>
+              <a:srgbClr val="FF0000"/>
+            </a:solidFill>
+            <a:ln>
+              <a:solidFill>
+                <a:srgbClr val="FF0000"/>
+              </a:solidFill>
+            </a:ln>
+          </p:spPr>
+          <p:style>
+            <a:lnRef idx="2">
+              <a:schemeClr val="accent1">
+                <a:shade val="50000"/>
+              </a:schemeClr>
+            </a:lnRef>
+            <a:fillRef idx="1">
+              <a:schemeClr val="accent1"/>
+            </a:fillRef>
+            <a:effectRef idx="0">
+              <a:schemeClr val="accent1"/>
+            </a:effectRef>
+            <a:fontRef idx="minor">
+              <a:schemeClr val="lt1"/>
+            </a:fontRef>
+          </p:style>
+          <p:txBody>
+            <a:bodyPr rtlCol="0" anchor="ctr"/>
+            <a:lstStyle/>
+            <a:p>
+              <a:pPr algn="ctr"/>
+              <a:endParaRPr lang="pt-BR"/>
+            </a:p>
+          </p:txBody>
+        </p:sp>
+        <p:cxnSp>
+          <p:nvCxnSpPr>
+            <p:cNvPr id="32" name="Straight Connector 8">
+              <a:extLst>
+                <a:ext uri="{FF2B5EF4-FFF2-40B4-BE49-F238E27FC236}">
+                  <a16:creationId xmlns:a16="http://schemas.microsoft.com/office/drawing/2014/main" id="{E1734E95-0FBF-02AF-2569-135BB7B22E05}"/>
+                </a:ext>
+              </a:extLst>
+            </p:cNvPr>
+            <p:cNvCxnSpPr/>
+            <p:nvPr/>
+          </p:nvCxnSpPr>
+          <p:spPr>
+            <a:xfrm>
+              <a:off x="4402673" y="2616367"/>
+              <a:ext cx="2664000" cy="1728000"/>
+            </a:xfrm>
+            <a:prstGeom prst="line">
+              <a:avLst/>
+            </a:prstGeom>
+            <a:ln w="12700">
+              <a:solidFill>
+                <a:schemeClr val="tx1"/>
+              </a:solidFill>
+            </a:ln>
+          </p:spPr>
+          <p:style>
+            <a:lnRef idx="1">
+              <a:schemeClr val="accent1"/>
+            </a:lnRef>
+            <a:fillRef idx="0">
+              <a:schemeClr val="accent1"/>
+            </a:fillRef>
+            <a:effectRef idx="0">
+              <a:schemeClr val="accent1"/>
+            </a:effectRef>
+            <a:fontRef idx="minor">
+              <a:schemeClr val="tx1"/>
+            </a:fontRef>
+          </p:style>
+        </p:cxnSp>
+        <p:sp>
+          <p:nvSpPr>
+            <p:cNvPr id="33" name="Oval 9">
+              <a:extLst>
+                <a:ext uri="{FF2B5EF4-FFF2-40B4-BE49-F238E27FC236}">
+                  <a16:creationId xmlns:a16="http://schemas.microsoft.com/office/drawing/2014/main" id="{6B37EE68-5A0B-827B-8C98-DE6B17AC56E3}"/>
+                </a:ext>
+              </a:extLst>
+            </p:cNvPr>
+            <p:cNvSpPr/>
+            <p:nvPr/>
+          </p:nvSpPr>
+          <p:spPr>
+            <a:xfrm>
+              <a:off x="5076117" y="3546619"/>
+              <a:ext cx="146765" cy="154547"/>
+            </a:xfrm>
+            <a:prstGeom prst="ellipse">
+              <a:avLst/>
+            </a:prstGeom>
+            <a:solidFill>
+              <a:schemeClr val="accent5"/>
+            </a:solidFill>
+            <a:ln>
+              <a:solidFill>
+                <a:schemeClr val="accent5"/>
+              </a:solidFill>
+            </a:ln>
+          </p:spPr>
+          <p:style>
+            <a:lnRef idx="2">
+              <a:schemeClr val="accent1">
+                <a:shade val="50000"/>
+              </a:schemeClr>
+            </a:lnRef>
+            <a:fillRef idx="1">
+              <a:schemeClr val="accent1"/>
+            </a:fillRef>
+            <a:effectRef idx="0">
+              <a:schemeClr val="accent1"/>
+            </a:effectRef>
+            <a:fontRef idx="minor">
+              <a:schemeClr val="lt1"/>
+            </a:fontRef>
+          </p:style>
+          <p:txBody>
+            <a:bodyPr rtlCol="0" anchor="ctr"/>
+            <a:lstStyle/>
+            <a:p>
+              <a:pPr algn="ctr"/>
+              <a:endParaRPr lang="pt-BR"/>
+            </a:p>
+          </p:txBody>
+        </p:sp>
+        <p:sp>
+          <p:nvSpPr>
+            <p:cNvPr id="34" name="Oval 10">
+              <a:extLst>
+                <a:ext uri="{FF2B5EF4-FFF2-40B4-BE49-F238E27FC236}">
+                  <a16:creationId xmlns:a16="http://schemas.microsoft.com/office/drawing/2014/main" id="{1261DDC8-59C7-FD0B-DD60-BE3CB7FCDA62}"/>
+                </a:ext>
+              </a:extLst>
+            </p:cNvPr>
+            <p:cNvSpPr/>
+            <p:nvPr/>
+          </p:nvSpPr>
+          <p:spPr>
+            <a:xfrm>
+              <a:off x="4636086" y="4026266"/>
+              <a:ext cx="146765" cy="154547"/>
+            </a:xfrm>
+            <a:prstGeom prst="ellipse">
+              <a:avLst/>
+            </a:prstGeom>
+            <a:solidFill>
+              <a:schemeClr val="accent5"/>
+            </a:solidFill>
+            <a:ln>
+              <a:solidFill>
+                <a:schemeClr val="accent5"/>
+              </a:solidFill>
+            </a:ln>
+          </p:spPr>
+          <p:style>
+            <a:lnRef idx="2">
+              <a:schemeClr val="accent1">
+                <a:shade val="50000"/>
+              </a:schemeClr>
+            </a:lnRef>
+            <a:fillRef idx="1">
+              <a:schemeClr val="accent1"/>
+            </a:fillRef>
+            <a:effectRef idx="0">
+              <a:schemeClr val="accent1"/>
+            </a:effectRef>
+            <a:fontRef idx="minor">
+              <a:schemeClr val="lt1"/>
+            </a:fontRef>
+          </p:style>
+          <p:txBody>
+            <a:bodyPr rtlCol="0" anchor="ctr"/>
+            <a:lstStyle/>
+            <a:p>
+              <a:pPr algn="ctr"/>
+              <a:endParaRPr lang="pt-BR"/>
+            </a:p>
+          </p:txBody>
+        </p:sp>
+        <p:sp>
+          <p:nvSpPr>
+            <p:cNvPr id="35" name="Oval 11">
+              <a:extLst>
+                <a:ext uri="{FF2B5EF4-FFF2-40B4-BE49-F238E27FC236}">
+                  <a16:creationId xmlns:a16="http://schemas.microsoft.com/office/drawing/2014/main" id="{6B51829B-5A4D-3096-8DFA-23F65727F0A5}"/>
+                </a:ext>
+              </a:extLst>
+            </p:cNvPr>
+            <p:cNvSpPr/>
+            <p:nvPr/>
+          </p:nvSpPr>
+          <p:spPr>
+            <a:xfrm>
+              <a:off x="5688595" y="3846095"/>
+              <a:ext cx="146765" cy="154547"/>
+            </a:xfrm>
+            <a:prstGeom prst="ellipse">
+              <a:avLst/>
+            </a:prstGeom>
+            <a:solidFill>
+              <a:schemeClr val="accent5"/>
+            </a:solidFill>
+            <a:ln>
+              <a:solidFill>
+                <a:schemeClr val="accent5"/>
+              </a:solidFill>
+            </a:ln>
+          </p:spPr>
+          <p:style>
+            <a:lnRef idx="2">
+              <a:schemeClr val="accent1">
+                <a:shade val="50000"/>
+              </a:schemeClr>
+            </a:lnRef>
+            <a:fillRef idx="1">
+              <a:schemeClr val="accent1"/>
+            </a:fillRef>
+            <a:effectRef idx="0">
+              <a:schemeClr val="accent1"/>
+            </a:effectRef>
+            <a:fontRef idx="minor">
+              <a:schemeClr val="lt1"/>
+            </a:fontRef>
+          </p:style>
+          <p:txBody>
+            <a:bodyPr rtlCol="0" anchor="ctr"/>
+            <a:lstStyle/>
+            <a:p>
+              <a:pPr algn="ctr"/>
+              <a:endParaRPr lang="pt-BR"/>
+            </a:p>
+          </p:txBody>
+        </p:sp>
+        <p:sp>
+          <p:nvSpPr>
+            <p:cNvPr id="37" name="Oval 12">
+              <a:extLst>
+                <a:ext uri="{FF2B5EF4-FFF2-40B4-BE49-F238E27FC236}">
+                  <a16:creationId xmlns:a16="http://schemas.microsoft.com/office/drawing/2014/main" id="{1DCF8C81-BE56-28DB-0646-E7672E3BDC98}"/>
+                </a:ext>
+              </a:extLst>
+            </p:cNvPr>
+            <p:cNvSpPr/>
+            <p:nvPr/>
+          </p:nvSpPr>
+          <p:spPr>
+            <a:xfrm>
+              <a:off x="4728351" y="3533536"/>
+              <a:ext cx="146765" cy="154547"/>
+            </a:xfrm>
+            <a:prstGeom prst="ellipse">
+              <a:avLst/>
+            </a:prstGeom>
+            <a:solidFill>
+              <a:schemeClr val="accent5"/>
+            </a:solidFill>
+            <a:ln>
+              <a:solidFill>
+                <a:schemeClr val="accent5"/>
+              </a:solidFill>
+            </a:ln>
+          </p:spPr>
+          <p:style>
+            <a:lnRef idx="2">
+              <a:schemeClr val="accent1">
+                <a:shade val="50000"/>
+              </a:schemeClr>
+            </a:lnRef>
+            <a:fillRef idx="1">
+              <a:schemeClr val="accent1"/>
+            </a:fillRef>
+            <a:effectRef idx="0">
+              <a:schemeClr val="accent1"/>
+            </a:effectRef>
+            <a:fontRef idx="minor">
+              <a:schemeClr val="lt1"/>
+            </a:fontRef>
+          </p:style>
+          <p:txBody>
+            <a:bodyPr rtlCol="0" anchor="ctr"/>
+            <a:lstStyle/>
+            <a:p>
+              <a:pPr algn="ctr"/>
+              <a:endParaRPr lang="pt-BR"/>
+            </a:p>
+          </p:txBody>
+        </p:sp>
+        <p:sp>
+          <p:nvSpPr>
+            <p:cNvPr id="41" name="Oval 13">
+              <a:extLst>
+                <a:ext uri="{FF2B5EF4-FFF2-40B4-BE49-F238E27FC236}">
+                  <a16:creationId xmlns:a16="http://schemas.microsoft.com/office/drawing/2014/main" id="{D4191678-9CF5-8B2C-2FFD-5FD130B3B412}"/>
+                </a:ext>
+              </a:extLst>
+            </p:cNvPr>
+            <p:cNvSpPr/>
+            <p:nvPr/>
+          </p:nvSpPr>
+          <p:spPr>
+            <a:xfrm>
+              <a:off x="4812863" y="3219326"/>
+              <a:ext cx="152400" cy="154547"/>
+            </a:xfrm>
+            <a:prstGeom prst="ellipse">
+              <a:avLst/>
+            </a:prstGeom>
+            <a:solidFill>
+              <a:schemeClr val="accent5"/>
+            </a:solidFill>
+            <a:ln>
+              <a:solidFill>
+                <a:schemeClr val="accent5"/>
+              </a:solidFill>
+            </a:ln>
+          </p:spPr>
+          <p:style>
+            <a:lnRef idx="2">
+              <a:schemeClr val="accent1">
+                <a:shade val="50000"/>
+              </a:schemeClr>
+            </a:lnRef>
+            <a:fillRef idx="1">
+              <a:schemeClr val="accent1"/>
+            </a:fillRef>
+            <a:effectRef idx="0">
+              <a:schemeClr val="accent1"/>
+            </a:effectRef>
+            <a:fontRef idx="minor">
+              <a:schemeClr val="lt1"/>
+            </a:fontRef>
+          </p:style>
+          <p:txBody>
+            <a:bodyPr rtlCol="0" anchor="ctr"/>
+            <a:lstStyle/>
+            <a:p>
+              <a:pPr algn="ctr"/>
+              <a:endParaRPr lang="pt-BR"/>
+            </a:p>
+          </p:txBody>
+        </p:sp>
+        <p:sp>
+          <p:nvSpPr>
+            <p:cNvPr id="42" name="Oval 14">
+              <a:extLst>
+                <a:ext uri="{FF2B5EF4-FFF2-40B4-BE49-F238E27FC236}">
+                  <a16:creationId xmlns:a16="http://schemas.microsoft.com/office/drawing/2014/main" id="{15DAC9EB-F5F3-0131-4EAA-DF22D2351AB8}"/>
+                </a:ext>
+              </a:extLst>
+            </p:cNvPr>
+            <p:cNvSpPr/>
+            <p:nvPr/>
+          </p:nvSpPr>
+          <p:spPr>
+            <a:xfrm>
+              <a:off x="5512242" y="3393649"/>
+              <a:ext cx="146765" cy="154547"/>
+            </a:xfrm>
+            <a:prstGeom prst="ellipse">
+              <a:avLst/>
+            </a:prstGeom>
+            <a:solidFill>
+              <a:schemeClr val="accent5"/>
+            </a:solidFill>
+            <a:ln>
+              <a:solidFill>
+                <a:schemeClr val="accent5"/>
+              </a:solidFill>
+            </a:ln>
+          </p:spPr>
+          <p:style>
+            <a:lnRef idx="2">
+              <a:schemeClr val="accent1">
+                <a:shade val="50000"/>
+              </a:schemeClr>
+            </a:lnRef>
+            <a:fillRef idx="1">
+              <a:schemeClr val="accent1"/>
+            </a:fillRef>
+            <a:effectRef idx="0">
+              <a:schemeClr val="accent1"/>
+            </a:effectRef>
+            <a:fontRef idx="minor">
+              <a:schemeClr val="lt1"/>
+            </a:fontRef>
+          </p:style>
+          <p:txBody>
+            <a:bodyPr rtlCol="0" anchor="ctr"/>
+            <a:lstStyle/>
+            <a:p>
+              <a:pPr algn="ctr"/>
+              <a:endParaRPr lang="pt-BR"/>
+            </a:p>
+          </p:txBody>
+        </p:sp>
+        <p:sp>
+          <p:nvSpPr>
+            <p:cNvPr id="44" name="Isosceles Triangle 15">
+              <a:extLst>
+                <a:ext uri="{FF2B5EF4-FFF2-40B4-BE49-F238E27FC236}">
+                  <a16:creationId xmlns:a16="http://schemas.microsoft.com/office/drawing/2014/main" id="{17847434-848F-7030-60BF-0A6AFF31EAEE}"/>
+                </a:ext>
+              </a:extLst>
+            </p:cNvPr>
+            <p:cNvSpPr/>
+            <p:nvPr/>
+          </p:nvSpPr>
+          <p:spPr>
+            <a:xfrm>
+              <a:off x="6219587" y="2814337"/>
+              <a:ext cx="133350" cy="165100"/>
+            </a:xfrm>
+            <a:prstGeom prst="triangle">
+              <a:avLst/>
+            </a:prstGeom>
+            <a:solidFill>
+              <a:srgbClr val="FF0000"/>
+            </a:solidFill>
+            <a:ln>
+              <a:solidFill>
+                <a:srgbClr val="FF0000"/>
+              </a:solidFill>
+            </a:ln>
+          </p:spPr>
+          <p:style>
+            <a:lnRef idx="2">
+              <a:schemeClr val="accent1">
+                <a:shade val="50000"/>
+              </a:schemeClr>
+            </a:lnRef>
+            <a:fillRef idx="1">
+              <a:schemeClr val="accent1"/>
+            </a:fillRef>
+            <a:effectRef idx="0">
+              <a:schemeClr val="accent1"/>
+            </a:effectRef>
+            <a:fontRef idx="minor">
+              <a:schemeClr val="lt1"/>
+            </a:fontRef>
+          </p:style>
+          <p:txBody>
+            <a:bodyPr rtlCol="0" anchor="ctr"/>
+            <a:lstStyle/>
+            <a:p>
+              <a:pPr algn="ctr"/>
+              <a:endParaRPr lang="pt-BR"/>
+            </a:p>
+          </p:txBody>
+        </p:sp>
+        <p:sp>
+          <p:nvSpPr>
+            <p:cNvPr id="45" name="Isosceles Triangle 16">
+              <a:extLst>
+                <a:ext uri="{FF2B5EF4-FFF2-40B4-BE49-F238E27FC236}">
+                  <a16:creationId xmlns:a16="http://schemas.microsoft.com/office/drawing/2014/main" id="{69F7D8A7-7BB4-29BF-6783-381784D1576B}"/>
+                </a:ext>
+              </a:extLst>
+            </p:cNvPr>
+            <p:cNvSpPr/>
+            <p:nvPr/>
+          </p:nvSpPr>
+          <p:spPr>
+            <a:xfrm>
+              <a:off x="5912596" y="3010068"/>
+              <a:ext cx="133350" cy="165100"/>
+            </a:xfrm>
+            <a:prstGeom prst="triangle">
+              <a:avLst/>
+            </a:prstGeom>
+            <a:solidFill>
+              <a:srgbClr val="FF0000"/>
+            </a:solidFill>
+            <a:ln>
+              <a:solidFill>
+                <a:srgbClr val="FF0000"/>
+              </a:solidFill>
+            </a:ln>
+          </p:spPr>
+          <p:style>
+            <a:lnRef idx="2">
+              <a:schemeClr val="accent1">
+                <a:shade val="50000"/>
+              </a:schemeClr>
+            </a:lnRef>
+            <a:fillRef idx="1">
+              <a:schemeClr val="accent1"/>
+            </a:fillRef>
+            <a:effectRef idx="0">
+              <a:schemeClr val="accent1"/>
+            </a:effectRef>
+            <a:fontRef idx="minor">
+              <a:schemeClr val="lt1"/>
+            </a:fontRef>
+          </p:style>
+          <p:txBody>
+            <a:bodyPr rtlCol="0" anchor="ctr"/>
+            <a:lstStyle/>
+            <a:p>
+              <a:pPr algn="ctr"/>
+              <a:endParaRPr lang="pt-BR"/>
+            </a:p>
+          </p:txBody>
+        </p:sp>
+        <p:sp>
+          <p:nvSpPr>
+            <p:cNvPr id="46" name="Isosceles Triangle 17">
+              <a:extLst>
+                <a:ext uri="{FF2B5EF4-FFF2-40B4-BE49-F238E27FC236}">
+                  <a16:creationId xmlns:a16="http://schemas.microsoft.com/office/drawing/2014/main" id="{A7E0AD2F-77D1-2E5F-BC04-C0BD98EF8FB2}"/>
+                </a:ext>
+              </a:extLst>
+            </p:cNvPr>
+            <p:cNvSpPr/>
+            <p:nvPr/>
+          </p:nvSpPr>
+          <p:spPr>
+            <a:xfrm>
+              <a:off x="5914244" y="3424248"/>
+              <a:ext cx="133350" cy="165100"/>
+            </a:xfrm>
+            <a:prstGeom prst="triangle">
+              <a:avLst/>
+            </a:prstGeom>
+            <a:solidFill>
+              <a:srgbClr val="FF0000"/>
+            </a:solidFill>
+            <a:ln>
+              <a:solidFill>
+                <a:srgbClr val="FF0000"/>
+              </a:solidFill>
+            </a:ln>
+          </p:spPr>
+          <p:style>
+            <a:lnRef idx="2">
+              <a:schemeClr val="accent1">
+                <a:shade val="50000"/>
+              </a:schemeClr>
+            </a:lnRef>
+            <a:fillRef idx="1">
+              <a:schemeClr val="accent1"/>
+            </a:fillRef>
+            <a:effectRef idx="0">
+              <a:schemeClr val="accent1"/>
+            </a:effectRef>
+            <a:fontRef idx="minor">
+              <a:schemeClr val="lt1"/>
+            </a:fontRef>
+          </p:style>
+          <p:txBody>
+            <a:bodyPr rtlCol="0" anchor="ctr"/>
+            <a:lstStyle/>
+            <a:p>
+              <a:pPr algn="ctr"/>
+              <a:endParaRPr lang="pt-BR"/>
+            </a:p>
+          </p:txBody>
+        </p:sp>
+        <p:sp>
+          <p:nvSpPr>
+            <p:cNvPr id="47" name="Isosceles Triangle 18">
+              <a:extLst>
+                <a:ext uri="{FF2B5EF4-FFF2-40B4-BE49-F238E27FC236}">
+                  <a16:creationId xmlns:a16="http://schemas.microsoft.com/office/drawing/2014/main" id="{1C15A1BA-A5A1-121A-47A2-67D01670EB8D}"/>
+                </a:ext>
+              </a:extLst>
+            </p:cNvPr>
+            <p:cNvSpPr/>
+            <p:nvPr/>
+          </p:nvSpPr>
+          <p:spPr>
+            <a:xfrm>
+              <a:off x="5585624" y="2876475"/>
+              <a:ext cx="133350" cy="165100"/>
+            </a:xfrm>
+            <a:prstGeom prst="triangle">
+              <a:avLst/>
+            </a:prstGeom>
+            <a:solidFill>
+              <a:srgbClr val="FF0000"/>
+            </a:solidFill>
+            <a:ln>
+              <a:solidFill>
+                <a:srgbClr val="FF0000"/>
+              </a:solidFill>
+            </a:ln>
+          </p:spPr>
+          <p:style>
+            <a:lnRef idx="2">
+              <a:schemeClr val="accent1">
+                <a:shade val="50000"/>
+              </a:schemeClr>
+            </a:lnRef>
+            <a:fillRef idx="1">
+              <a:schemeClr val="accent1"/>
+            </a:fillRef>
+            <a:effectRef idx="0">
+              <a:schemeClr val="accent1"/>
+            </a:effectRef>
+            <a:fontRef idx="minor">
+              <a:schemeClr val="lt1"/>
+            </a:fontRef>
+          </p:style>
+          <p:txBody>
+            <a:bodyPr rtlCol="0" anchor="ctr"/>
+            <a:lstStyle/>
+            <a:p>
+              <a:pPr algn="ctr"/>
+              <a:endParaRPr lang="pt-BR"/>
+            </a:p>
+          </p:txBody>
+        </p:sp>
+        <p:sp>
+          <p:nvSpPr>
+            <p:cNvPr id="51" name="Isosceles Triangle 19">
+              <a:extLst>
+                <a:ext uri="{FF2B5EF4-FFF2-40B4-BE49-F238E27FC236}">
+                  <a16:creationId xmlns:a16="http://schemas.microsoft.com/office/drawing/2014/main" id="{2691A117-2238-4EA8-BA72-DD69B2537E74}"/>
+                </a:ext>
+              </a:extLst>
+            </p:cNvPr>
+            <p:cNvSpPr/>
+            <p:nvPr/>
+          </p:nvSpPr>
+          <p:spPr>
+            <a:xfrm>
+              <a:off x="5889909" y="2512355"/>
+              <a:ext cx="133350" cy="165100"/>
+            </a:xfrm>
+            <a:prstGeom prst="triangle">
+              <a:avLst/>
+            </a:prstGeom>
+            <a:solidFill>
+              <a:srgbClr val="FF0000"/>
+            </a:solidFill>
+            <a:ln>
+              <a:solidFill>
+                <a:srgbClr val="FF0000"/>
+              </a:solidFill>
+            </a:ln>
+          </p:spPr>
+          <p:style>
+            <a:lnRef idx="2">
+              <a:schemeClr val="accent1">
+                <a:shade val="50000"/>
+              </a:schemeClr>
+            </a:lnRef>
+            <a:fillRef idx="1">
+              <a:schemeClr val="accent1"/>
+            </a:fillRef>
+            <a:effectRef idx="0">
+              <a:schemeClr val="accent1"/>
+            </a:effectRef>
+            <a:fontRef idx="minor">
+              <a:schemeClr val="lt1"/>
+            </a:fontRef>
+          </p:style>
+          <p:txBody>
+            <a:bodyPr rtlCol="0" anchor="ctr"/>
+            <a:lstStyle/>
+            <a:p>
+              <a:pPr algn="ctr"/>
+              <a:endParaRPr lang="pt-BR"/>
+            </a:p>
+          </p:txBody>
+        </p:sp>
+        <p:sp>
+          <p:nvSpPr>
+            <p:cNvPr id="52" name="Isosceles Triangle 20">
+              <a:extLst>
+                <a:ext uri="{FF2B5EF4-FFF2-40B4-BE49-F238E27FC236}">
+                  <a16:creationId xmlns:a16="http://schemas.microsoft.com/office/drawing/2014/main" id="{87886991-92AA-789B-A048-42556E41EF78}"/>
+                </a:ext>
+              </a:extLst>
+            </p:cNvPr>
+            <p:cNvSpPr/>
+            <p:nvPr/>
+          </p:nvSpPr>
+          <p:spPr>
+            <a:xfrm>
+              <a:off x="5149499" y="2657256"/>
+              <a:ext cx="133350" cy="165100"/>
+            </a:xfrm>
+            <a:prstGeom prst="triangle">
+              <a:avLst/>
+            </a:prstGeom>
+            <a:solidFill>
+              <a:srgbClr val="FF0000"/>
+            </a:solidFill>
+            <a:ln>
+              <a:solidFill>
+                <a:srgbClr val="FF0000"/>
+              </a:solidFill>
+            </a:ln>
+          </p:spPr>
+          <p:style>
+            <a:lnRef idx="2">
+              <a:schemeClr val="accent1">
+                <a:shade val="50000"/>
+              </a:schemeClr>
+            </a:lnRef>
+            <a:fillRef idx="1">
+              <a:schemeClr val="accent1"/>
+            </a:fillRef>
+            <a:effectRef idx="0">
+              <a:schemeClr val="accent1"/>
+            </a:effectRef>
+            <a:fontRef idx="minor">
+              <a:schemeClr val="lt1"/>
+            </a:fontRef>
+          </p:style>
+          <p:txBody>
+            <a:bodyPr rtlCol="0" anchor="ctr"/>
+            <a:lstStyle/>
+            <a:p>
+              <a:pPr algn="ctr"/>
+              <a:endParaRPr lang="pt-BR"/>
+            </a:p>
+          </p:txBody>
+        </p:sp>
+        <p:sp>
+          <p:nvSpPr>
+            <p:cNvPr id="53" name="Isosceles Triangle 21">
+              <a:extLst>
+                <a:ext uri="{FF2B5EF4-FFF2-40B4-BE49-F238E27FC236}">
+                  <a16:creationId xmlns:a16="http://schemas.microsoft.com/office/drawing/2014/main" id="{FC918483-70D9-78EF-7892-9A698C58B3BE}"/>
+                </a:ext>
+              </a:extLst>
+            </p:cNvPr>
+            <p:cNvSpPr/>
+            <p:nvPr/>
+          </p:nvSpPr>
+          <p:spPr>
+            <a:xfrm>
+              <a:off x="6422959" y="3139606"/>
+              <a:ext cx="133350" cy="165100"/>
+            </a:xfrm>
+            <a:prstGeom prst="triangle">
+              <a:avLst/>
+            </a:prstGeom>
+            <a:solidFill>
+              <a:srgbClr val="FF0000"/>
+            </a:solidFill>
+            <a:ln>
+              <a:solidFill>
+                <a:srgbClr val="FF0000"/>
+              </a:solidFill>
+            </a:ln>
+          </p:spPr>
+          <p:style>
+            <a:lnRef idx="2">
+              <a:schemeClr val="accent1">
+                <a:shade val="50000"/>
+              </a:schemeClr>
+            </a:lnRef>
+            <a:fillRef idx="1">
+              <a:schemeClr val="accent1"/>
+            </a:fillRef>
+            <a:effectRef idx="0">
+              <a:schemeClr val="accent1"/>
+            </a:effectRef>
+            <a:fontRef idx="minor">
+              <a:schemeClr val="lt1"/>
+            </a:fontRef>
+          </p:style>
+          <p:txBody>
+            <a:bodyPr rtlCol="0" anchor="ctr"/>
+            <a:lstStyle/>
+            <a:p>
+              <a:pPr algn="ctr"/>
+              <a:endParaRPr lang="pt-BR"/>
+            </a:p>
+          </p:txBody>
+        </p:sp>
+        <mc:AlternateContent xmlns:mc="http://schemas.openxmlformats.org/markup-compatibility/2006" xmlns:a14="http://schemas.microsoft.com/office/drawing/2010/main">
+          <mc:Choice Requires="a14">
+            <p:sp>
+              <p:nvSpPr>
+                <p:cNvPr id="54" name="Rectangle 22">
+                  <a:extLst>
+                    <a:ext uri="{FF2B5EF4-FFF2-40B4-BE49-F238E27FC236}">
+                      <a16:creationId xmlns:a16="http://schemas.microsoft.com/office/drawing/2014/main" id="{2FE86596-1D83-0567-72ED-6BE31DAD111D}"/>
+                    </a:ext>
+                  </a:extLst>
+                </p:cNvPr>
+                <p:cNvSpPr/>
+                <p:nvPr/>
+              </p:nvSpPr>
+              <p:spPr>
+                <a:xfrm>
+                  <a:off x="5029533" y="3989093"/>
+                  <a:ext cx="515206" cy="400110"/>
+                </a:xfrm>
+                <a:prstGeom prst="rect">
+                  <a:avLst/>
+                </a:prstGeom>
+              </p:spPr>
+              <p:txBody>
+                <a:bodyPr wrap="none">
+                  <a:spAutoFit/>
+                </a:bodyPr>
+                <a:lstStyle/>
+                <a:p>
+                  <a:pPr/>
+                  <a14:m>
+                    <m:oMathPara xmlns:m="http://schemas.openxmlformats.org/officeDocument/2006/math">
+                      <m:oMathParaPr>
+                        <m:jc m:val="centerGroup"/>
+                      </m:oMathParaPr>
+                      <m:oMath xmlns:m="http://schemas.openxmlformats.org/officeDocument/2006/math">
+                        <m:sSub>
+                          <m:sSubPr>
+                            <m:ctrlPr>
+                              <a:rPr lang="pt-BR" sz="2000" i="1" smtClean="0">
+                                <a:latin typeface="Cambria Math" panose="02040503050406030204" pitchFamily="18" charset="0"/>
+                              </a:rPr>
+                            </m:ctrlPr>
+                          </m:sSubPr>
+                          <m:e>
+                            <m:r>
+                              <a:rPr lang="pt-BR" sz="2000" i="1">
+                                <a:latin typeface="Cambria Math" panose="02040503050406030204" pitchFamily="18" charset="0"/>
+                              </a:rPr>
+                              <m:t>𝑅</m:t>
+                            </m:r>
+                          </m:e>
+                          <m:sub>
+                            <m:r>
+                              <a:rPr lang="pt-BR" sz="2000" b="0" i="1" smtClean="0">
+                                <a:latin typeface="Cambria Math" panose="02040503050406030204" pitchFamily="18" charset="0"/>
+                              </a:rPr>
+                              <m:t>1</m:t>
+                            </m:r>
+                          </m:sub>
+                        </m:sSub>
+                      </m:oMath>
+                    </m:oMathPara>
+                  </a14:m>
+                  <a:endParaRPr lang="pt-BR" sz="2000" dirty="0"/>
+                </a:p>
+              </p:txBody>
+            </p:sp>
+          </mc:Choice>
+          <mc:Fallback xmlns="">
+            <p:sp>
+              <p:nvSpPr>
+                <p:cNvPr id="23" name="Rectangle 22"/>
+                <p:cNvSpPr>
+                  <a:spLocks noRot="1" noChangeAspect="1" noMove="1" noResize="1" noEditPoints="1" noAdjustHandles="1" noChangeArrowheads="1" noChangeShapeType="1" noTextEdit="1"/>
+                </p:cNvSpPr>
+                <p:nvPr/>
+              </p:nvSpPr>
+              <p:spPr>
+                <a:xfrm>
+                  <a:off x="5029533" y="3989093"/>
+                  <a:ext cx="515206" cy="400110"/>
+                </a:xfrm>
+                <a:prstGeom prst="rect">
+                  <a:avLst/>
+                </a:prstGeom>
+                <a:blipFill>
+                  <a:blip r:embed="rId2"/>
+                  <a:stretch>
+                    <a:fillRect/>
+                  </a:stretch>
+                </a:blipFill>
+              </p:spPr>
+              <p:txBody>
+                <a:bodyPr/>
+                <a:lstStyle/>
+                <a:p>
+                  <a:r>
+                    <a:rPr lang="pt-BR">
+                      <a:noFill/>
+                    </a:rPr>
+                    <a:t> </a:t>
+                  </a:r>
+                </a:p>
+              </p:txBody>
+            </p:sp>
+          </mc:Fallback>
+        </mc:AlternateContent>
+        <mc:AlternateContent xmlns:mc="http://schemas.openxmlformats.org/markup-compatibility/2006" xmlns:a14="http://schemas.microsoft.com/office/drawing/2010/main">
+          <mc:Choice Requires="a14">
+            <p:sp>
+              <p:nvSpPr>
+                <p:cNvPr id="55" name="Rectangle 23">
+                  <a:extLst>
+                    <a:ext uri="{FF2B5EF4-FFF2-40B4-BE49-F238E27FC236}">
+                      <a16:creationId xmlns:a16="http://schemas.microsoft.com/office/drawing/2014/main" id="{02397193-CB62-B516-6901-D12765FA74FD}"/>
+                    </a:ext>
+                  </a:extLst>
+                </p:cNvPr>
+                <p:cNvSpPr/>
+                <p:nvPr/>
+              </p:nvSpPr>
+              <p:spPr>
+                <a:xfrm>
+                  <a:off x="6674365" y="2967590"/>
+                  <a:ext cx="521168" cy="400110"/>
+                </a:xfrm>
+                <a:prstGeom prst="rect">
+                  <a:avLst/>
+                </a:prstGeom>
+              </p:spPr>
+              <p:txBody>
+                <a:bodyPr wrap="none">
+                  <a:spAutoFit/>
+                </a:bodyPr>
+                <a:lstStyle/>
+                <a:p>
+                  <a:pPr/>
+                  <a14:m>
+                    <m:oMathPara xmlns:m="http://schemas.openxmlformats.org/officeDocument/2006/math">
+                      <m:oMathParaPr>
+                        <m:jc m:val="centerGroup"/>
+                      </m:oMathParaPr>
+                      <m:oMath xmlns:m="http://schemas.openxmlformats.org/officeDocument/2006/math">
+                        <m:sSub>
+                          <m:sSubPr>
+                            <m:ctrlPr>
+                              <a:rPr lang="pt-BR" sz="2000" i="1" smtClean="0">
+                                <a:latin typeface="Cambria Math" panose="02040503050406030204" pitchFamily="18" charset="0"/>
+                              </a:rPr>
+                            </m:ctrlPr>
+                          </m:sSubPr>
+                          <m:e>
+                            <m:r>
+                              <a:rPr lang="pt-BR" sz="2000" i="1">
+                                <a:latin typeface="Cambria Math" panose="02040503050406030204" pitchFamily="18" charset="0"/>
+                              </a:rPr>
+                              <m:t>𝑅</m:t>
+                            </m:r>
+                          </m:e>
+                          <m:sub>
+                            <m:r>
+                              <a:rPr lang="pt-BR" sz="2000" b="0" i="1" smtClean="0">
+                                <a:latin typeface="Cambria Math" panose="02040503050406030204" pitchFamily="18" charset="0"/>
+                              </a:rPr>
+                              <m:t>2</m:t>
+                            </m:r>
+                          </m:sub>
+                        </m:sSub>
+                      </m:oMath>
+                    </m:oMathPara>
+                  </a14:m>
+                  <a:endParaRPr lang="pt-BR" sz="2000" dirty="0"/>
+                </a:p>
+              </p:txBody>
+            </p:sp>
+          </mc:Choice>
+          <mc:Fallback xmlns="">
+            <p:sp>
+              <p:nvSpPr>
+                <p:cNvPr id="24" name="Rectangle 23"/>
+                <p:cNvSpPr>
+                  <a:spLocks noRot="1" noChangeAspect="1" noMove="1" noResize="1" noEditPoints="1" noAdjustHandles="1" noChangeArrowheads="1" noChangeShapeType="1" noTextEdit="1"/>
+                </p:cNvSpPr>
+                <p:nvPr/>
+              </p:nvSpPr>
+              <p:spPr>
+                <a:xfrm>
+                  <a:off x="6674365" y="2967590"/>
+                  <a:ext cx="521168" cy="400110"/>
+                </a:xfrm>
+                <a:prstGeom prst="rect">
+                  <a:avLst/>
+                </a:prstGeom>
+                <a:blipFill>
+                  <a:blip r:embed="rId3"/>
+                  <a:stretch>
+                    <a:fillRect b="-1538"/>
+                  </a:stretch>
+                </a:blipFill>
+              </p:spPr>
+              <p:txBody>
+                <a:bodyPr/>
+                <a:lstStyle/>
+                <a:p>
+                  <a:r>
+                    <a:rPr lang="pt-BR">
+                      <a:noFill/>
+                    </a:rPr>
+                    <a:t> </a:t>
+                  </a:r>
+                </a:p>
+              </p:txBody>
+            </p:sp>
+          </mc:Fallback>
+        </mc:AlternateContent>
+        <mc:AlternateContent xmlns:mc="http://schemas.openxmlformats.org/markup-compatibility/2006" xmlns:a14="http://schemas.microsoft.com/office/drawing/2010/main">
+          <mc:Choice Requires="a14">
+            <p:sp>
+              <p:nvSpPr>
+                <p:cNvPr id="56" name="TextBox 24">
+                  <a:extLst>
+                    <a:ext uri="{FF2B5EF4-FFF2-40B4-BE49-F238E27FC236}">
+                      <a16:creationId xmlns:a16="http://schemas.microsoft.com/office/drawing/2014/main" id="{F29ADD8A-D74E-84D1-F235-CE5EA18629ED}"/>
+                    </a:ext>
+                  </a:extLst>
+                </p:cNvPr>
+                <p:cNvSpPr txBox="1"/>
+                <p:nvPr/>
+              </p:nvSpPr>
+              <p:spPr>
+                <a:xfrm>
+                  <a:off x="6963624" y="4259409"/>
+                  <a:ext cx="787400" cy="369332"/>
+                </a:xfrm>
+                <a:prstGeom prst="rect">
+                  <a:avLst/>
+                </a:prstGeom>
+                <a:noFill/>
+              </p:spPr>
+              <p:txBody>
+                <a:bodyPr wrap="square" rtlCol="0">
+                  <a:spAutoFit/>
+                </a:bodyPr>
+                <a:lstStyle/>
+                <a:p>
+                  <a:pPr/>
+                  <a14:m>
+                    <m:oMathPara xmlns:m="http://schemas.openxmlformats.org/officeDocument/2006/math">
+                      <m:oMathParaPr>
+                        <m:jc m:val="centerGroup"/>
+                      </m:oMathParaPr>
+                      <m:oMath xmlns:m="http://schemas.openxmlformats.org/officeDocument/2006/math">
+                        <m:sSub>
+                          <m:sSubPr>
+                            <m:ctrlPr>
+                              <a:rPr lang="pt-BR" i="1" smtClean="0">
+                                <a:latin typeface="Cambria Math" panose="02040503050406030204" pitchFamily="18" charset="0"/>
+                              </a:rPr>
+                            </m:ctrlPr>
+                          </m:sSubPr>
+                          <m:e>
+                            <m:r>
+                              <a:rPr lang="pt-BR" b="0" i="1" smtClean="0">
+                                <a:latin typeface="Cambria Math" panose="02040503050406030204" pitchFamily="18" charset="0"/>
+                              </a:rPr>
+                              <m:t>𝑥</m:t>
+                            </m:r>
+                          </m:e>
+                          <m:sub>
+                            <m:r>
+                              <a:rPr lang="pt-BR" b="0" i="1" smtClean="0">
+                                <a:latin typeface="Cambria Math" panose="02040503050406030204" pitchFamily="18" charset="0"/>
+                              </a:rPr>
+                              <m:t>1</m:t>
+                            </m:r>
+                          </m:sub>
+                        </m:sSub>
+                      </m:oMath>
+                    </m:oMathPara>
+                  </a14:m>
+                  <a:endParaRPr lang="pt-BR" dirty="0"/>
+                </a:p>
+              </p:txBody>
+            </p:sp>
+          </mc:Choice>
+          <mc:Fallback xmlns="">
+            <p:sp>
+              <p:nvSpPr>
+                <p:cNvPr id="25" name="TextBox 24"/>
+                <p:cNvSpPr txBox="1">
+                  <a:spLocks noRot="1" noChangeAspect="1" noMove="1" noResize="1" noEditPoints="1" noAdjustHandles="1" noChangeArrowheads="1" noChangeShapeType="1" noTextEdit="1"/>
+                </p:cNvSpPr>
+                <p:nvPr/>
+              </p:nvSpPr>
+              <p:spPr>
+                <a:xfrm>
+                  <a:off x="6963624" y="4259409"/>
+                  <a:ext cx="787400" cy="369332"/>
+                </a:xfrm>
+                <a:prstGeom prst="rect">
+                  <a:avLst/>
+                </a:prstGeom>
+                <a:blipFill rotWithShape="0">
+                  <a:blip r:embed="rId4"/>
+                  <a:stretch>
+                    <a:fillRect/>
+                  </a:stretch>
+                </a:blipFill>
+              </p:spPr>
+              <p:txBody>
+                <a:bodyPr/>
+                <a:lstStyle/>
+                <a:p>
+                  <a:r>
+                    <a:rPr lang="pt-BR">
+                      <a:noFill/>
+                    </a:rPr>
+                    <a:t> </a:t>
+                  </a:r>
+                </a:p>
+              </p:txBody>
+            </p:sp>
+          </mc:Fallback>
+        </mc:AlternateContent>
+        <mc:AlternateContent xmlns:mc="http://schemas.openxmlformats.org/markup-compatibility/2006" xmlns:a14="http://schemas.microsoft.com/office/drawing/2010/main">
+          <mc:Choice Requires="a14">
+            <p:sp>
+              <p:nvSpPr>
+                <p:cNvPr id="57" name="TextBox 25">
+                  <a:extLst>
+                    <a:ext uri="{FF2B5EF4-FFF2-40B4-BE49-F238E27FC236}">
+                      <a16:creationId xmlns:a16="http://schemas.microsoft.com/office/drawing/2014/main" id="{7A3F41DF-BDCB-C85B-90EB-7672C6BBB835}"/>
+                    </a:ext>
+                  </a:extLst>
+                </p:cNvPr>
+                <p:cNvSpPr txBox="1"/>
+                <p:nvPr/>
+              </p:nvSpPr>
+              <p:spPr>
+                <a:xfrm>
+                  <a:off x="4010190" y="2026508"/>
+                  <a:ext cx="787400" cy="369332"/>
+                </a:xfrm>
+                <a:prstGeom prst="rect">
+                  <a:avLst/>
+                </a:prstGeom>
+                <a:noFill/>
+              </p:spPr>
+              <p:txBody>
+                <a:bodyPr wrap="square" rtlCol="0">
+                  <a:spAutoFit/>
+                </a:bodyPr>
+                <a:lstStyle/>
+                <a:p>
+                  <a:pPr/>
+                  <a14:m>
+                    <m:oMathPara xmlns:m="http://schemas.openxmlformats.org/officeDocument/2006/math">
+                      <m:oMathParaPr>
+                        <m:jc m:val="centerGroup"/>
+                      </m:oMathParaPr>
+                      <m:oMath xmlns:m="http://schemas.openxmlformats.org/officeDocument/2006/math">
+                        <m:sSub>
+                          <m:sSubPr>
+                            <m:ctrlPr>
+                              <a:rPr lang="pt-BR" i="1" smtClean="0">
+                                <a:latin typeface="Cambria Math" panose="02040503050406030204" pitchFamily="18" charset="0"/>
+                              </a:rPr>
+                            </m:ctrlPr>
+                          </m:sSubPr>
+                          <m:e>
+                            <m:r>
+                              <a:rPr lang="pt-BR" b="0" i="1" smtClean="0">
+                                <a:latin typeface="Cambria Math" panose="02040503050406030204" pitchFamily="18" charset="0"/>
+                              </a:rPr>
+                              <m:t>𝑥</m:t>
+                            </m:r>
+                          </m:e>
+                          <m:sub>
+                            <m:r>
+                              <a:rPr lang="pt-BR" b="0" i="1" smtClean="0">
+                                <a:latin typeface="Cambria Math" panose="02040503050406030204" pitchFamily="18" charset="0"/>
+                              </a:rPr>
+                              <m:t>2</m:t>
+                            </m:r>
+                          </m:sub>
+                        </m:sSub>
+                      </m:oMath>
+                    </m:oMathPara>
+                  </a14:m>
+                  <a:endParaRPr lang="pt-BR" dirty="0"/>
+                </a:p>
+              </p:txBody>
+            </p:sp>
+          </mc:Choice>
+          <mc:Fallback xmlns="">
+            <p:sp>
+              <p:nvSpPr>
+                <p:cNvPr id="26" name="TextBox 25"/>
+                <p:cNvSpPr txBox="1">
+                  <a:spLocks noRot="1" noChangeAspect="1" noMove="1" noResize="1" noEditPoints="1" noAdjustHandles="1" noChangeArrowheads="1" noChangeShapeType="1" noTextEdit="1"/>
+                </p:cNvSpPr>
+                <p:nvPr/>
+              </p:nvSpPr>
+              <p:spPr>
+                <a:xfrm>
+                  <a:off x="4010190" y="2026508"/>
+                  <a:ext cx="787400" cy="369332"/>
+                </a:xfrm>
+                <a:prstGeom prst="rect">
+                  <a:avLst/>
+                </a:prstGeom>
+                <a:blipFill rotWithShape="0">
+                  <a:blip r:embed="rId5"/>
+                  <a:stretch>
+                    <a:fillRect/>
+                  </a:stretch>
+                </a:blipFill>
+              </p:spPr>
+              <p:txBody>
+                <a:bodyPr/>
+                <a:lstStyle/>
+                <a:p>
+                  <a:r>
+                    <a:rPr lang="pt-BR">
+                      <a:noFill/>
+                    </a:rPr>
+                    <a:t> </a:t>
+                  </a:r>
+                </a:p>
+              </p:txBody>
+            </p:sp>
+          </mc:Fallback>
+        </mc:AlternateContent>
+        <p:sp>
+          <p:nvSpPr>
+            <p:cNvPr id="58" name="Oval 27">
+              <a:extLst>
+                <a:ext uri="{FF2B5EF4-FFF2-40B4-BE49-F238E27FC236}">
+                  <a16:creationId xmlns:a16="http://schemas.microsoft.com/office/drawing/2014/main" id="{847A52EB-C501-D440-8610-5419FB823317}"/>
+                </a:ext>
+              </a:extLst>
+            </p:cNvPr>
+            <p:cNvSpPr/>
+            <p:nvPr/>
+          </p:nvSpPr>
+          <p:spPr>
+            <a:xfrm>
+              <a:off x="5406766" y="3352981"/>
+              <a:ext cx="788277" cy="273808"/>
+            </a:xfrm>
+            <a:prstGeom prst="ellipse">
+              <a:avLst/>
+            </a:prstGeom>
+            <a:noFill/>
+            <a:ln w="28575">
+              <a:solidFill>
+                <a:srgbClr val="7030A0"/>
+              </a:solidFill>
+            </a:ln>
+          </p:spPr>
+          <p:style>
+            <a:lnRef idx="2">
+              <a:schemeClr val="accent1">
+                <a:shade val="50000"/>
+              </a:schemeClr>
+            </a:lnRef>
+            <a:fillRef idx="1">
+              <a:schemeClr val="accent1"/>
+            </a:fillRef>
+            <a:effectRef idx="0">
+              <a:schemeClr val="accent1"/>
+            </a:effectRef>
+            <a:fontRef idx="minor">
+              <a:schemeClr val="lt1"/>
+            </a:fontRef>
+          </p:style>
+          <p:txBody>
+            <a:bodyPr rtlCol="0" anchor="ctr"/>
+            <a:lstStyle/>
+            <a:p>
+              <a:pPr algn="ctr"/>
+              <a:endParaRPr lang="pt-BR"/>
+            </a:p>
+          </p:txBody>
+        </p:sp>
+        <p:sp>
+          <p:nvSpPr>
+            <p:cNvPr id="61" name="Oval 35">
+              <a:extLst>
+                <a:ext uri="{FF2B5EF4-FFF2-40B4-BE49-F238E27FC236}">
+                  <a16:creationId xmlns:a16="http://schemas.microsoft.com/office/drawing/2014/main" id="{EB453B61-9506-A107-5EF7-8246E747FF1E}"/>
+                </a:ext>
+              </a:extLst>
+            </p:cNvPr>
+            <p:cNvSpPr/>
+            <p:nvPr/>
+          </p:nvSpPr>
+          <p:spPr>
+            <a:xfrm>
+              <a:off x="4594381" y="3962196"/>
+              <a:ext cx="248152" cy="273808"/>
+            </a:xfrm>
+            <a:prstGeom prst="ellipse">
+              <a:avLst/>
+            </a:prstGeom>
+            <a:noFill/>
+            <a:ln w="28575">
+              <a:solidFill>
+                <a:srgbClr val="7030A0"/>
+              </a:solidFill>
+            </a:ln>
+          </p:spPr>
+          <p:style>
+            <a:lnRef idx="2">
+              <a:schemeClr val="accent1">
+                <a:shade val="50000"/>
+              </a:schemeClr>
+            </a:lnRef>
+            <a:fillRef idx="1">
+              <a:schemeClr val="accent1"/>
+            </a:fillRef>
+            <a:effectRef idx="0">
+              <a:schemeClr val="accent1"/>
+            </a:effectRef>
+            <a:fontRef idx="minor">
+              <a:schemeClr val="lt1"/>
+            </a:fontRef>
+          </p:style>
+          <p:txBody>
+            <a:bodyPr rtlCol="0" anchor="ctr"/>
+            <a:lstStyle/>
+            <a:p>
+              <a:pPr algn="ctr"/>
+              <a:endParaRPr lang="pt-BR"/>
+            </a:p>
+          </p:txBody>
+        </p:sp>
+        <p:sp>
+          <p:nvSpPr>
+            <p:cNvPr id="62" name="Oval 37">
+              <a:extLst>
+                <a:ext uri="{FF2B5EF4-FFF2-40B4-BE49-F238E27FC236}">
+                  <a16:creationId xmlns:a16="http://schemas.microsoft.com/office/drawing/2014/main" id="{CA70CD2A-20CC-7D7E-FBB5-315D08338E70}"/>
+                </a:ext>
+              </a:extLst>
+            </p:cNvPr>
+            <p:cNvSpPr/>
+            <p:nvPr/>
+          </p:nvSpPr>
+          <p:spPr>
+            <a:xfrm>
+              <a:off x="6750897" y="2497010"/>
+              <a:ext cx="248152" cy="273808"/>
+            </a:xfrm>
+            <a:prstGeom prst="ellipse">
+              <a:avLst/>
+            </a:prstGeom>
+            <a:noFill/>
+            <a:ln w="28575">
+              <a:solidFill>
+                <a:srgbClr val="7030A0"/>
+              </a:solidFill>
+            </a:ln>
+          </p:spPr>
+          <p:style>
+            <a:lnRef idx="2">
+              <a:schemeClr val="accent1">
+                <a:shade val="50000"/>
+              </a:schemeClr>
+            </a:lnRef>
+            <a:fillRef idx="1">
+              <a:schemeClr val="accent1"/>
+            </a:fillRef>
+            <a:effectRef idx="0">
+              <a:schemeClr val="accent1"/>
+            </a:effectRef>
+            <a:fontRef idx="minor">
+              <a:schemeClr val="lt1"/>
+            </a:fontRef>
+          </p:style>
+          <p:txBody>
+            <a:bodyPr rtlCol="0" anchor="ctr"/>
+            <a:lstStyle/>
+            <a:p>
+              <a:pPr algn="ctr"/>
+              <a:endParaRPr lang="pt-BR"/>
+            </a:p>
+          </p:txBody>
+        </p:sp>
+        <p:sp>
+          <p:nvSpPr>
+            <p:cNvPr id="63" name="Isosceles Triangle 38">
+              <a:extLst>
+                <a:ext uri="{FF2B5EF4-FFF2-40B4-BE49-F238E27FC236}">
+                  <a16:creationId xmlns:a16="http://schemas.microsoft.com/office/drawing/2014/main" id="{1B63DD9A-FDD2-7248-23B2-3CB843634382}"/>
+                </a:ext>
+              </a:extLst>
+            </p:cNvPr>
+            <p:cNvSpPr/>
+            <p:nvPr/>
+          </p:nvSpPr>
+          <p:spPr>
+            <a:xfrm>
+              <a:off x="6808298" y="2552268"/>
+              <a:ext cx="133350" cy="165100"/>
+            </a:xfrm>
+            <a:prstGeom prst="triangle">
+              <a:avLst/>
+            </a:prstGeom>
+            <a:solidFill>
+              <a:srgbClr val="FF0000"/>
+            </a:solidFill>
+            <a:ln>
+              <a:solidFill>
+                <a:srgbClr val="FF0000"/>
+              </a:solidFill>
+            </a:ln>
+          </p:spPr>
+          <p:style>
+            <a:lnRef idx="2">
+              <a:schemeClr val="accent1">
+                <a:shade val="50000"/>
+              </a:schemeClr>
+            </a:lnRef>
+            <a:fillRef idx="1">
+              <a:schemeClr val="accent1"/>
+            </a:fillRef>
+            <a:effectRef idx="0">
+              <a:schemeClr val="accent1"/>
+            </a:effectRef>
+            <a:fontRef idx="minor">
+              <a:schemeClr val="lt1"/>
+            </a:fontRef>
+          </p:style>
+          <p:txBody>
+            <a:bodyPr rtlCol="0" anchor="ctr"/>
+            <a:lstStyle/>
+            <a:p>
+              <a:pPr algn="ctr"/>
+              <a:endParaRPr lang="pt-BR"/>
+            </a:p>
+          </p:txBody>
+        </p:sp>
+        <mc:AlternateContent xmlns:mc="http://schemas.openxmlformats.org/markup-compatibility/2006" xmlns:a14="http://schemas.microsoft.com/office/drawing/2010/main">
+          <mc:Choice Requires="a14">
+            <p:sp>
+              <p:nvSpPr>
+                <p:cNvPr id="66" name="TextBox 47">
+                  <a:extLst>
+                    <a:ext uri="{FF2B5EF4-FFF2-40B4-BE49-F238E27FC236}">
+                      <a16:creationId xmlns:a16="http://schemas.microsoft.com/office/drawing/2014/main" id="{6063CA95-FC23-6B2F-BFA4-9A9FAF88B4A6}"/>
+                    </a:ext>
+                  </a:extLst>
+                </p:cNvPr>
+                <p:cNvSpPr txBox="1"/>
+                <p:nvPr/>
+              </p:nvSpPr>
+              <p:spPr>
+                <a:xfrm>
+                  <a:off x="5736007" y="4101486"/>
+                  <a:ext cx="925446" cy="307777"/>
+                </a:xfrm>
+                <a:prstGeom prst="rect">
+                  <a:avLst/>
+                </a:prstGeom>
+                <a:noFill/>
+              </p:spPr>
+              <p:txBody>
+                <a:bodyPr wrap="none" rtlCol="0">
+                  <a:spAutoFit/>
+                </a:bodyPr>
+                <a:lstStyle/>
+                <a:p>
+                  <a:pPr/>
+                  <a14:m>
+                    <m:oMathPara xmlns:m="http://schemas.openxmlformats.org/officeDocument/2006/math">
+                      <m:oMathParaPr>
+                        <m:jc m:val="centerGroup"/>
+                      </m:oMathParaPr>
+                      <m:oMath xmlns:m="http://schemas.openxmlformats.org/officeDocument/2006/math">
+                        <m:r>
+                          <a:rPr lang="pt-BR" sz="1400" b="0" i="1" smtClean="0">
+                            <a:latin typeface="Cambria Math" panose="02040503050406030204" pitchFamily="18" charset="0"/>
+                          </a:rPr>
+                          <m:t>𝑔</m:t>
+                        </m:r>
+                        <m:d>
+                          <m:dPr>
+                            <m:ctrlPr>
+                              <a:rPr lang="pt-BR" sz="1400" b="0" i="1" smtClean="0">
+                                <a:latin typeface="Cambria Math" panose="02040503050406030204" pitchFamily="18" charset="0"/>
+                              </a:rPr>
+                            </m:ctrlPr>
+                          </m:dPr>
+                          <m:e>
+                            <m:r>
+                              <a:rPr lang="pt-BR" sz="1400" b="1" i="1" smtClean="0">
+                                <a:latin typeface="Cambria Math" panose="02040503050406030204" pitchFamily="18" charset="0"/>
+                              </a:rPr>
+                              <m:t>𝒙</m:t>
+                            </m:r>
+                          </m:e>
+                        </m:d>
+                        <m:r>
+                          <a:rPr lang="pt-BR" sz="1400" b="0" i="1" smtClean="0">
+                            <a:latin typeface="Cambria Math" panose="02040503050406030204" pitchFamily="18" charset="0"/>
+                          </a:rPr>
+                          <m:t>&lt;0</m:t>
+                        </m:r>
+                      </m:oMath>
+                    </m:oMathPara>
+                  </a14:m>
+                  <a:endParaRPr lang="pt-BR" sz="1400" dirty="0"/>
+                </a:p>
+              </p:txBody>
+            </p:sp>
+          </mc:Choice>
+          <mc:Fallback xmlns="">
+            <p:sp>
+              <p:nvSpPr>
+                <p:cNvPr id="48" name="TextBox 47"/>
+                <p:cNvSpPr txBox="1">
+                  <a:spLocks noRot="1" noChangeAspect="1" noMove="1" noResize="1" noEditPoints="1" noAdjustHandles="1" noChangeArrowheads="1" noChangeShapeType="1" noTextEdit="1"/>
+                </p:cNvSpPr>
+                <p:nvPr/>
+              </p:nvSpPr>
+              <p:spPr>
+                <a:xfrm>
+                  <a:off x="5736007" y="4101486"/>
+                  <a:ext cx="925446" cy="307777"/>
+                </a:xfrm>
+                <a:prstGeom prst="rect">
+                  <a:avLst/>
+                </a:prstGeom>
+                <a:blipFill>
+                  <a:blip r:embed="rId6"/>
+                  <a:stretch>
+                    <a:fillRect b="-2000"/>
+                  </a:stretch>
+                </a:blipFill>
+              </p:spPr>
+              <p:txBody>
+                <a:bodyPr/>
+                <a:lstStyle/>
+                <a:p>
+                  <a:r>
+                    <a:rPr lang="pt-BR">
+                      <a:noFill/>
+                    </a:rPr>
+                    <a:t> </a:t>
+                  </a:r>
+                </a:p>
+              </p:txBody>
+            </p:sp>
+          </mc:Fallback>
+        </mc:AlternateContent>
+        <mc:AlternateContent xmlns:mc="http://schemas.openxmlformats.org/markup-compatibility/2006" xmlns:a14="http://schemas.microsoft.com/office/drawing/2010/main">
+          <mc:Choice Requires="a14">
+            <p:sp>
+              <p:nvSpPr>
+                <p:cNvPr id="67" name="TextBox 48">
+                  <a:extLst>
+                    <a:ext uri="{FF2B5EF4-FFF2-40B4-BE49-F238E27FC236}">
+                      <a16:creationId xmlns:a16="http://schemas.microsoft.com/office/drawing/2014/main" id="{CF068210-CAED-73B7-26B0-19BA9DC8137E}"/>
+                    </a:ext>
+                  </a:extLst>
+                </p:cNvPr>
+                <p:cNvSpPr txBox="1"/>
+                <p:nvPr/>
+              </p:nvSpPr>
+              <p:spPr>
+                <a:xfrm>
+                  <a:off x="6543528" y="3736131"/>
+                  <a:ext cx="925446" cy="307777"/>
+                </a:xfrm>
+                <a:prstGeom prst="rect">
+                  <a:avLst/>
+                </a:prstGeom>
+                <a:noFill/>
+              </p:spPr>
+              <p:txBody>
+                <a:bodyPr wrap="none" rtlCol="0">
+                  <a:spAutoFit/>
+                </a:bodyPr>
+                <a:lstStyle/>
+                <a:p>
+                  <a:pPr/>
+                  <a14:m>
+                    <m:oMathPara xmlns:m="http://schemas.openxmlformats.org/officeDocument/2006/math">
+                      <m:oMathParaPr>
+                        <m:jc m:val="centerGroup"/>
+                      </m:oMathParaPr>
+                      <m:oMath xmlns:m="http://schemas.openxmlformats.org/officeDocument/2006/math">
+                        <m:r>
+                          <a:rPr lang="pt-BR" sz="1400" b="0" i="1" smtClean="0">
+                            <a:latin typeface="Cambria Math" panose="02040503050406030204" pitchFamily="18" charset="0"/>
+                          </a:rPr>
+                          <m:t>𝑔</m:t>
+                        </m:r>
+                        <m:d>
+                          <m:dPr>
+                            <m:ctrlPr>
+                              <a:rPr lang="pt-BR" sz="1400" b="0" i="1" smtClean="0">
+                                <a:latin typeface="Cambria Math" panose="02040503050406030204" pitchFamily="18" charset="0"/>
+                              </a:rPr>
+                            </m:ctrlPr>
+                          </m:dPr>
+                          <m:e>
+                            <m:r>
+                              <a:rPr lang="pt-BR" sz="1400" b="1" i="1" smtClean="0">
+                                <a:latin typeface="Cambria Math" panose="02040503050406030204" pitchFamily="18" charset="0"/>
+                              </a:rPr>
+                              <m:t>𝒙</m:t>
+                            </m:r>
+                          </m:e>
+                        </m:d>
+                        <m:r>
+                          <a:rPr lang="pt-BR" sz="1400" b="0" i="1" smtClean="0">
+                            <a:latin typeface="Cambria Math" panose="02040503050406030204" pitchFamily="18" charset="0"/>
+                          </a:rPr>
+                          <m:t>&gt;0</m:t>
+                        </m:r>
+                      </m:oMath>
+                    </m:oMathPara>
+                  </a14:m>
+                  <a:endParaRPr lang="pt-BR" sz="1400" dirty="0"/>
+                </a:p>
+              </p:txBody>
+            </p:sp>
+          </mc:Choice>
+          <mc:Fallback xmlns="">
+            <p:sp>
+              <p:nvSpPr>
+                <p:cNvPr id="49" name="TextBox 48"/>
+                <p:cNvSpPr txBox="1">
+                  <a:spLocks noRot="1" noChangeAspect="1" noMove="1" noResize="1" noEditPoints="1" noAdjustHandles="1" noChangeArrowheads="1" noChangeShapeType="1" noTextEdit="1"/>
+                </p:cNvSpPr>
+                <p:nvPr/>
+              </p:nvSpPr>
+              <p:spPr>
+                <a:xfrm>
+                  <a:off x="6543528" y="3736131"/>
+                  <a:ext cx="925446" cy="307777"/>
+                </a:xfrm>
+                <a:prstGeom prst="rect">
+                  <a:avLst/>
+                </a:prstGeom>
+                <a:blipFill>
+                  <a:blip r:embed="rId7"/>
+                  <a:stretch>
+                    <a:fillRect b="-2000"/>
+                  </a:stretch>
+                </a:blipFill>
+              </p:spPr>
+              <p:txBody>
+                <a:bodyPr/>
+                <a:lstStyle/>
+                <a:p>
+                  <a:r>
+                    <a:rPr lang="pt-BR">
+                      <a:noFill/>
+                    </a:rPr>
+                    <a:t> </a:t>
+                  </a:r>
+                </a:p>
+              </p:txBody>
+            </p:sp>
+          </mc:Fallback>
+        </mc:AlternateContent>
+      </p:grpSp>
     </p:spTree>
     <p:extLst>
       <p:ext uri="{BB962C8B-B14F-4D97-AF65-F5344CB8AC3E}">

--- a/slides/T320_Classificação (Parte II).pptx
+++ b/slides/T320_Classificação (Parte II).pptx
@@ -299,7 +299,7 @@
           <a:p>
             <a:fld id="{144F1436-6906-4D93-B7A2-786C327BFA14}" type="datetimeFigureOut">
               <a:rPr lang="nl-BE" smtClean="0"/>
-              <a:t>25/08/2023</a:t>
+              <a:t>26/08/2023</a:t>
             </a:fld>
             <a:endParaRPr lang="nl-BE"/>
           </a:p>
@@ -464,7 +464,7 @@
           <a:p>
             <a:fld id="{AA8CD09E-2914-4F47-B6C1-51B2C31814C9}" type="datetimeFigureOut">
               <a:rPr lang="pt-BR" smtClean="0"/>
-              <a:t>25/08/2023</a:t>
+              <a:t>26/08/2023</a:t>
             </a:fld>
             <a:endParaRPr lang="pt-BR"/>
           </a:p>
@@ -5451,7 +5451,7 @@
           <a:p>
             <a:fld id="{63289F7E-B80B-496E-81B4-D396C37C9454}" type="datetimeFigureOut">
               <a:rPr lang="pt-BR" smtClean="0"/>
-              <a:t>25/08/2023</a:t>
+              <a:t>26/08/2023</a:t>
             </a:fld>
             <a:endParaRPr lang="pt-BR"/>
           </a:p>
@@ -5649,7 +5649,7 @@
           <a:p>
             <a:fld id="{63289F7E-B80B-496E-81B4-D396C37C9454}" type="datetimeFigureOut">
               <a:rPr lang="pt-BR" smtClean="0"/>
-              <a:t>25/08/2023</a:t>
+              <a:t>26/08/2023</a:t>
             </a:fld>
             <a:endParaRPr lang="pt-BR"/>
           </a:p>
@@ -5857,7 +5857,7 @@
           <a:p>
             <a:fld id="{63289F7E-B80B-496E-81B4-D396C37C9454}" type="datetimeFigureOut">
               <a:rPr lang="pt-BR" smtClean="0"/>
-              <a:t>25/08/2023</a:t>
+              <a:t>26/08/2023</a:t>
             </a:fld>
             <a:endParaRPr lang="pt-BR"/>
           </a:p>
@@ -6055,7 +6055,7 @@
           <a:p>
             <a:fld id="{63289F7E-B80B-496E-81B4-D396C37C9454}" type="datetimeFigureOut">
               <a:rPr lang="pt-BR" smtClean="0"/>
-              <a:t>25/08/2023</a:t>
+              <a:t>26/08/2023</a:t>
             </a:fld>
             <a:endParaRPr lang="pt-BR"/>
           </a:p>
@@ -6330,7 +6330,7 @@
           <a:p>
             <a:fld id="{63289F7E-B80B-496E-81B4-D396C37C9454}" type="datetimeFigureOut">
               <a:rPr lang="pt-BR" smtClean="0"/>
-              <a:t>25/08/2023</a:t>
+              <a:t>26/08/2023</a:t>
             </a:fld>
             <a:endParaRPr lang="pt-BR"/>
           </a:p>
@@ -6595,7 +6595,7 @@
           <a:p>
             <a:fld id="{63289F7E-B80B-496E-81B4-D396C37C9454}" type="datetimeFigureOut">
               <a:rPr lang="pt-BR" smtClean="0"/>
-              <a:t>25/08/2023</a:t>
+              <a:t>26/08/2023</a:t>
             </a:fld>
             <a:endParaRPr lang="pt-BR"/>
           </a:p>
@@ -7007,7 +7007,7 @@
           <a:p>
             <a:fld id="{63289F7E-B80B-496E-81B4-D396C37C9454}" type="datetimeFigureOut">
               <a:rPr lang="pt-BR" smtClean="0"/>
-              <a:t>25/08/2023</a:t>
+              <a:t>26/08/2023</a:t>
             </a:fld>
             <a:endParaRPr lang="pt-BR"/>
           </a:p>
@@ -7148,7 +7148,7 @@
           <a:p>
             <a:fld id="{63289F7E-B80B-496E-81B4-D396C37C9454}" type="datetimeFigureOut">
               <a:rPr lang="pt-BR" smtClean="0"/>
-              <a:t>25/08/2023</a:t>
+              <a:t>26/08/2023</a:t>
             </a:fld>
             <a:endParaRPr lang="pt-BR"/>
           </a:p>
@@ -7261,7 +7261,7 @@
           <a:p>
             <a:fld id="{63289F7E-B80B-496E-81B4-D396C37C9454}" type="datetimeFigureOut">
               <a:rPr lang="pt-BR" smtClean="0"/>
-              <a:t>25/08/2023</a:t>
+              <a:t>26/08/2023</a:t>
             </a:fld>
             <a:endParaRPr lang="pt-BR"/>
           </a:p>
@@ -7572,7 +7572,7 @@
           <a:p>
             <a:fld id="{63289F7E-B80B-496E-81B4-D396C37C9454}" type="datetimeFigureOut">
               <a:rPr lang="pt-BR" smtClean="0"/>
-              <a:t>25/08/2023</a:t>
+              <a:t>26/08/2023</a:t>
             </a:fld>
             <a:endParaRPr lang="pt-BR"/>
           </a:p>
@@ -7860,7 +7860,7 @@
           <a:p>
             <a:fld id="{63289F7E-B80B-496E-81B4-D396C37C9454}" type="datetimeFigureOut">
               <a:rPr lang="pt-BR" smtClean="0"/>
-              <a:t>25/08/2023</a:t>
+              <a:t>26/08/2023</a:t>
             </a:fld>
             <a:endParaRPr lang="pt-BR"/>
           </a:p>
@@ -8101,7 +8101,7 @@
           <a:p>
             <a:fld id="{63289F7E-B80B-496E-81B4-D396C37C9454}" type="datetimeFigureOut">
               <a:rPr lang="pt-BR" smtClean="0"/>
-              <a:t>25/08/2023</a:t>
+              <a:t>26/08/2023</a:t>
             </a:fld>
             <a:endParaRPr lang="pt-BR"/>
           </a:p>
@@ -16207,8 +16207,8 @@
           </a:p>
         </p:txBody>
       </p:sp>
-      <mc:AlternateContent xmlns:mc="http://schemas.openxmlformats.org/markup-compatibility/2006">
-        <mc:Choice xmlns:a14="http://schemas.microsoft.com/office/drawing/2010/main" Requires="a14">
+      <mc:AlternateContent xmlns:mc="http://schemas.openxmlformats.org/markup-compatibility/2006" xmlns:a14="http://schemas.microsoft.com/office/drawing/2010/main">
+        <mc:Choice Requires="a14">
           <p:sp>
             <p:nvSpPr>
               <p:cNvPr id="3" name="Content Placeholder 2"/>
@@ -16448,7 +16448,7 @@
             </p:txBody>
           </p:sp>
         </mc:Choice>
-        <mc:Fallback>
+        <mc:Fallback xmlns="">
           <p:sp>
             <p:nvSpPr>
               <p:cNvPr id="3" name="Content Placeholder 2"/>
@@ -16570,8 +16570,8 @@
             </a:prstGeom>
           </p:spPr>
         </p:pic>
-        <mc:AlternateContent xmlns:mc="http://schemas.openxmlformats.org/markup-compatibility/2006">
-          <mc:Choice xmlns:a14="http://schemas.microsoft.com/office/drawing/2010/main" Requires="a14">
+        <mc:AlternateContent xmlns:mc="http://schemas.openxmlformats.org/markup-compatibility/2006" xmlns:a14="http://schemas.microsoft.com/office/drawing/2010/main">
+          <mc:Choice Requires="a14">
             <p:sp>
               <p:nvSpPr>
                 <p:cNvPr id="8" name="CaixaDeTexto 7">
@@ -16641,7 +16641,7 @@
               </p:txBody>
             </p:sp>
           </mc:Choice>
-          <mc:Fallback>
+          <mc:Fallback xmlns="">
             <p:sp>
               <p:nvSpPr>
                 <p:cNvPr id="8" name="CaixaDeTexto 7">
@@ -16686,8 +16686,8 @@
             </p:sp>
           </mc:Fallback>
         </mc:AlternateContent>
-        <mc:AlternateContent xmlns:mc="http://schemas.openxmlformats.org/markup-compatibility/2006">
-          <mc:Choice xmlns:a14="http://schemas.microsoft.com/office/drawing/2010/main" Requires="a14">
+        <mc:AlternateContent xmlns:mc="http://schemas.openxmlformats.org/markup-compatibility/2006" xmlns:a14="http://schemas.microsoft.com/office/drawing/2010/main">
+          <mc:Choice Requires="a14">
             <p:sp>
               <p:nvSpPr>
                 <p:cNvPr id="9" name="CaixaDeTexto 8">
@@ -16774,7 +16774,7 @@
               </p:txBody>
             </p:sp>
           </mc:Choice>
-          <mc:Fallback>
+          <mc:Fallback xmlns="">
             <p:sp>
               <p:nvSpPr>
                 <p:cNvPr id="9" name="CaixaDeTexto 8">
@@ -16968,8 +16968,8 @@
           </a:p>
         </p:txBody>
       </p:sp>
-      <mc:AlternateContent xmlns:mc="http://schemas.openxmlformats.org/markup-compatibility/2006">
-        <mc:Choice xmlns:a14="http://schemas.microsoft.com/office/drawing/2010/main" Requires="a14">
+      <mc:AlternateContent xmlns:mc="http://schemas.openxmlformats.org/markup-compatibility/2006" xmlns:a14="http://schemas.microsoft.com/office/drawing/2010/main">
+        <mc:Choice Requires="a14">
           <p:sp>
             <p:nvSpPr>
               <p:cNvPr id="3" name="Content Placeholder 2"/>
@@ -17204,7 +17204,7 @@
             </p:txBody>
           </p:sp>
         </mc:Choice>
-        <mc:Fallback>
+        <mc:Fallback xmlns="">
           <p:sp>
             <p:nvSpPr>
               <p:cNvPr id="3" name="Content Placeholder 2"/>
@@ -17326,8 +17326,8 @@
             </a:prstGeom>
           </p:spPr>
         </p:pic>
-        <mc:AlternateContent xmlns:mc="http://schemas.openxmlformats.org/markup-compatibility/2006">
-          <mc:Choice xmlns:a14="http://schemas.microsoft.com/office/drawing/2010/main" Requires="a14">
+        <mc:AlternateContent xmlns:mc="http://schemas.openxmlformats.org/markup-compatibility/2006" xmlns:a14="http://schemas.microsoft.com/office/drawing/2010/main">
+          <mc:Choice Requires="a14">
             <p:sp>
               <p:nvSpPr>
                 <p:cNvPr id="8" name="CaixaDeTexto 7">
@@ -17397,7 +17397,7 @@
               </p:txBody>
             </p:sp>
           </mc:Choice>
-          <mc:Fallback>
+          <mc:Fallback xmlns="">
             <p:sp>
               <p:nvSpPr>
                 <p:cNvPr id="8" name="CaixaDeTexto 7">
@@ -17442,8 +17442,8 @@
             </p:sp>
           </mc:Fallback>
         </mc:AlternateContent>
-        <mc:AlternateContent xmlns:mc="http://schemas.openxmlformats.org/markup-compatibility/2006">
-          <mc:Choice xmlns:a14="http://schemas.microsoft.com/office/drawing/2010/main" Requires="a14">
+        <mc:AlternateContent xmlns:mc="http://schemas.openxmlformats.org/markup-compatibility/2006" xmlns:a14="http://schemas.microsoft.com/office/drawing/2010/main">
+          <mc:Choice Requires="a14">
             <p:sp>
               <p:nvSpPr>
                 <p:cNvPr id="9" name="CaixaDeTexto 8">
@@ -17530,7 +17530,7 @@
               </p:txBody>
             </p:sp>
           </mc:Choice>
-          <mc:Fallback>
+          <mc:Fallback xmlns="">
             <p:sp>
               <p:nvSpPr>
                 <p:cNvPr id="9" name="CaixaDeTexto 8">
@@ -17839,7 +17839,7 @@
             <a:pPr marL="285750" indent="-285750"/>
             <a:r>
               <a:rPr lang="pt-BR" dirty="0"/>
-              <a:t>Entretanto, em muitas situações, nós precisamos de predições mais graduadas, que indiquem incertezas quanto à classificação.</a:t>
+              <a:t>Entretanto, em muitas situações, nós precisamos de predições mais graduadas, que indiquem incertezas quanto à predição.</a:t>
             </a:r>
             <a:endParaRPr lang="pt-BR" sz="2800" dirty="0"/>
           </a:p>

--- a/slides/T320_Classificação (Parte II).pptx
+++ b/slides/T320_Classificação (Parte II).pptx
@@ -299,7 +299,7 @@
           <a:p>
             <a:fld id="{144F1436-6906-4D93-B7A2-786C327BFA14}" type="datetimeFigureOut">
               <a:rPr lang="nl-BE" smtClean="0"/>
-              <a:t>26/08/2023</a:t>
+              <a:t>22/10/2023</a:t>
             </a:fld>
             <a:endParaRPr lang="nl-BE"/>
           </a:p>
@@ -464,7 +464,7 @@
           <a:p>
             <a:fld id="{AA8CD09E-2914-4F47-B6C1-51B2C31814C9}" type="datetimeFigureOut">
               <a:rPr lang="pt-BR" smtClean="0"/>
-              <a:t>26/08/2023</a:t>
+              <a:t>22/10/2023</a:t>
             </a:fld>
             <a:endParaRPr lang="pt-BR"/>
           </a:p>
@@ -5451,7 +5451,7 @@
           <a:p>
             <a:fld id="{63289F7E-B80B-496E-81B4-D396C37C9454}" type="datetimeFigureOut">
               <a:rPr lang="pt-BR" smtClean="0"/>
-              <a:t>26/08/2023</a:t>
+              <a:t>22/10/2023</a:t>
             </a:fld>
             <a:endParaRPr lang="pt-BR"/>
           </a:p>
@@ -5649,7 +5649,7 @@
           <a:p>
             <a:fld id="{63289F7E-B80B-496E-81B4-D396C37C9454}" type="datetimeFigureOut">
               <a:rPr lang="pt-BR" smtClean="0"/>
-              <a:t>26/08/2023</a:t>
+              <a:t>22/10/2023</a:t>
             </a:fld>
             <a:endParaRPr lang="pt-BR"/>
           </a:p>
@@ -5857,7 +5857,7 @@
           <a:p>
             <a:fld id="{63289F7E-B80B-496E-81B4-D396C37C9454}" type="datetimeFigureOut">
               <a:rPr lang="pt-BR" smtClean="0"/>
-              <a:t>26/08/2023</a:t>
+              <a:t>22/10/2023</a:t>
             </a:fld>
             <a:endParaRPr lang="pt-BR"/>
           </a:p>
@@ -6055,7 +6055,7 @@
           <a:p>
             <a:fld id="{63289F7E-B80B-496E-81B4-D396C37C9454}" type="datetimeFigureOut">
               <a:rPr lang="pt-BR" smtClean="0"/>
-              <a:t>26/08/2023</a:t>
+              <a:t>22/10/2023</a:t>
             </a:fld>
             <a:endParaRPr lang="pt-BR"/>
           </a:p>
@@ -6330,7 +6330,7 @@
           <a:p>
             <a:fld id="{63289F7E-B80B-496E-81B4-D396C37C9454}" type="datetimeFigureOut">
               <a:rPr lang="pt-BR" smtClean="0"/>
-              <a:t>26/08/2023</a:t>
+              <a:t>22/10/2023</a:t>
             </a:fld>
             <a:endParaRPr lang="pt-BR"/>
           </a:p>
@@ -6595,7 +6595,7 @@
           <a:p>
             <a:fld id="{63289F7E-B80B-496E-81B4-D396C37C9454}" type="datetimeFigureOut">
               <a:rPr lang="pt-BR" smtClean="0"/>
-              <a:t>26/08/2023</a:t>
+              <a:t>22/10/2023</a:t>
             </a:fld>
             <a:endParaRPr lang="pt-BR"/>
           </a:p>
@@ -7007,7 +7007,7 @@
           <a:p>
             <a:fld id="{63289F7E-B80B-496E-81B4-D396C37C9454}" type="datetimeFigureOut">
               <a:rPr lang="pt-BR" smtClean="0"/>
-              <a:t>26/08/2023</a:t>
+              <a:t>22/10/2023</a:t>
             </a:fld>
             <a:endParaRPr lang="pt-BR"/>
           </a:p>
@@ -7148,7 +7148,7 @@
           <a:p>
             <a:fld id="{63289F7E-B80B-496E-81B4-D396C37C9454}" type="datetimeFigureOut">
               <a:rPr lang="pt-BR" smtClean="0"/>
-              <a:t>26/08/2023</a:t>
+              <a:t>22/10/2023</a:t>
             </a:fld>
             <a:endParaRPr lang="pt-BR"/>
           </a:p>
@@ -7261,7 +7261,7 @@
           <a:p>
             <a:fld id="{63289F7E-B80B-496E-81B4-D396C37C9454}" type="datetimeFigureOut">
               <a:rPr lang="pt-BR" smtClean="0"/>
-              <a:t>26/08/2023</a:t>
+              <a:t>22/10/2023</a:t>
             </a:fld>
             <a:endParaRPr lang="pt-BR"/>
           </a:p>
@@ -7572,7 +7572,7 @@
           <a:p>
             <a:fld id="{63289F7E-B80B-496E-81B4-D396C37C9454}" type="datetimeFigureOut">
               <a:rPr lang="pt-BR" smtClean="0"/>
-              <a:t>26/08/2023</a:t>
+              <a:t>22/10/2023</a:t>
             </a:fld>
             <a:endParaRPr lang="pt-BR"/>
           </a:p>
@@ -7860,7 +7860,7 @@
           <a:p>
             <a:fld id="{63289F7E-B80B-496E-81B4-D396C37C9454}" type="datetimeFigureOut">
               <a:rPr lang="pt-BR" smtClean="0"/>
-              <a:t>26/08/2023</a:t>
+              <a:t>22/10/2023</a:t>
             </a:fld>
             <a:endParaRPr lang="pt-BR"/>
           </a:p>
@@ -8101,7 +8101,7 @@
           <a:p>
             <a:fld id="{63289F7E-B80B-496E-81B4-D396C37C9454}" type="datetimeFigureOut">
               <a:rPr lang="pt-BR" smtClean="0"/>
-              <a:t>26/08/2023</a:t>
+              <a:t>22/10/2023</a:t>
             </a:fld>
             <a:endParaRPr lang="pt-BR"/>
           </a:p>
@@ -18079,27 +18079,21 @@
             </a:r>
           </a:p>
           <a:p>
-            <a:pPr lvl="1">
-              <a:buFont typeface="Wingdings" panose="05000000000000000000" pitchFamily="2" charset="2"/>
-              <a:buChar char="§"/>
-            </a:pPr>
-            <a:r>
-              <a:rPr lang="pt-BR" b="1" dirty="0">
+            <a:r>
+              <a:rPr lang="pt-BR" b="1">
                 <a:solidFill>
-                  <a:srgbClr val="FF0000"/>
+                  <a:srgbClr val="00B050"/>
                 </a:solidFill>
               </a:rPr>
-              <a:t>Laboratórios podem ser resolvidos em grupo, mas as entregas devem ser individuais.</a:t>
-            </a:r>
-          </a:p>
-          <a:p>
+              <a:t>Os </a:t>
+            </a:r>
             <a:r>
               <a:rPr lang="pt-BR" b="1" dirty="0">
                 <a:solidFill>
                   <a:srgbClr val="00B050"/>
                 </a:solidFill>
               </a:rPr>
-              <a:t>Os projetos já estão disponíveis no </a:t>
+              <a:t>projetos já estão disponíveis no </a:t>
             </a:r>
             <a:r>
               <a:rPr lang="pt-BR" b="1" i="1" dirty="0">

--- a/slides/T320_Classificação (Parte II).pptx
+++ b/slides/T320_Classificação (Parte II).pptx
@@ -299,7 +299,7 @@
           <a:p>
             <a:fld id="{144F1436-6906-4D93-B7A2-786C327BFA14}" type="datetimeFigureOut">
               <a:rPr lang="nl-BE" smtClean="0"/>
-              <a:t>22/10/2023</a:t>
+              <a:t>17/02/2024</a:t>
             </a:fld>
             <a:endParaRPr lang="nl-BE"/>
           </a:p>
@@ -464,7 +464,7 @@
           <a:p>
             <a:fld id="{AA8CD09E-2914-4F47-B6C1-51B2C31814C9}" type="datetimeFigureOut">
               <a:rPr lang="pt-BR" smtClean="0"/>
-              <a:t>22/10/2023</a:t>
+              <a:t>17/02/2024</a:t>
             </a:fld>
             <a:endParaRPr lang="pt-BR"/>
           </a:p>
@@ -5451,7 +5451,7 @@
           <a:p>
             <a:fld id="{63289F7E-B80B-496E-81B4-D396C37C9454}" type="datetimeFigureOut">
               <a:rPr lang="pt-BR" smtClean="0"/>
-              <a:t>22/10/2023</a:t>
+              <a:t>17/02/2024</a:t>
             </a:fld>
             <a:endParaRPr lang="pt-BR"/>
           </a:p>
@@ -5649,7 +5649,7 @@
           <a:p>
             <a:fld id="{63289F7E-B80B-496E-81B4-D396C37C9454}" type="datetimeFigureOut">
               <a:rPr lang="pt-BR" smtClean="0"/>
-              <a:t>22/10/2023</a:t>
+              <a:t>17/02/2024</a:t>
             </a:fld>
             <a:endParaRPr lang="pt-BR"/>
           </a:p>
@@ -5857,7 +5857,7 @@
           <a:p>
             <a:fld id="{63289F7E-B80B-496E-81B4-D396C37C9454}" type="datetimeFigureOut">
               <a:rPr lang="pt-BR" smtClean="0"/>
-              <a:t>22/10/2023</a:t>
+              <a:t>17/02/2024</a:t>
             </a:fld>
             <a:endParaRPr lang="pt-BR"/>
           </a:p>
@@ -6055,7 +6055,7 @@
           <a:p>
             <a:fld id="{63289F7E-B80B-496E-81B4-D396C37C9454}" type="datetimeFigureOut">
               <a:rPr lang="pt-BR" smtClean="0"/>
-              <a:t>22/10/2023</a:t>
+              <a:t>17/02/2024</a:t>
             </a:fld>
             <a:endParaRPr lang="pt-BR"/>
           </a:p>
@@ -6330,7 +6330,7 @@
           <a:p>
             <a:fld id="{63289F7E-B80B-496E-81B4-D396C37C9454}" type="datetimeFigureOut">
               <a:rPr lang="pt-BR" smtClean="0"/>
-              <a:t>22/10/2023</a:t>
+              <a:t>17/02/2024</a:t>
             </a:fld>
             <a:endParaRPr lang="pt-BR"/>
           </a:p>
@@ -6595,7 +6595,7 @@
           <a:p>
             <a:fld id="{63289F7E-B80B-496E-81B4-D396C37C9454}" type="datetimeFigureOut">
               <a:rPr lang="pt-BR" smtClean="0"/>
-              <a:t>22/10/2023</a:t>
+              <a:t>17/02/2024</a:t>
             </a:fld>
             <a:endParaRPr lang="pt-BR"/>
           </a:p>
@@ -7007,7 +7007,7 @@
           <a:p>
             <a:fld id="{63289F7E-B80B-496E-81B4-D396C37C9454}" type="datetimeFigureOut">
               <a:rPr lang="pt-BR" smtClean="0"/>
-              <a:t>22/10/2023</a:t>
+              <a:t>17/02/2024</a:t>
             </a:fld>
             <a:endParaRPr lang="pt-BR"/>
           </a:p>
@@ -7148,7 +7148,7 @@
           <a:p>
             <a:fld id="{63289F7E-B80B-496E-81B4-D396C37C9454}" type="datetimeFigureOut">
               <a:rPr lang="pt-BR" smtClean="0"/>
-              <a:t>22/10/2023</a:t>
+              <a:t>17/02/2024</a:t>
             </a:fld>
             <a:endParaRPr lang="pt-BR"/>
           </a:p>
@@ -7261,7 +7261,7 @@
           <a:p>
             <a:fld id="{63289F7E-B80B-496E-81B4-D396C37C9454}" type="datetimeFigureOut">
               <a:rPr lang="pt-BR" smtClean="0"/>
-              <a:t>22/10/2023</a:t>
+              <a:t>17/02/2024</a:t>
             </a:fld>
             <a:endParaRPr lang="pt-BR"/>
           </a:p>
@@ -7572,7 +7572,7 @@
           <a:p>
             <a:fld id="{63289F7E-B80B-496E-81B4-D396C37C9454}" type="datetimeFigureOut">
               <a:rPr lang="pt-BR" smtClean="0"/>
-              <a:t>22/10/2023</a:t>
+              <a:t>17/02/2024</a:t>
             </a:fld>
             <a:endParaRPr lang="pt-BR"/>
           </a:p>
@@ -7860,7 +7860,7 @@
           <a:p>
             <a:fld id="{63289F7E-B80B-496E-81B4-D396C37C9454}" type="datetimeFigureOut">
               <a:rPr lang="pt-BR" smtClean="0"/>
-              <a:t>22/10/2023</a:t>
+              <a:t>17/02/2024</a:t>
             </a:fld>
             <a:endParaRPr lang="pt-BR"/>
           </a:p>
@@ -8101,7 +8101,7 @@
           <a:p>
             <a:fld id="{63289F7E-B80B-496E-81B4-D396C37C9454}" type="datetimeFigureOut">
               <a:rPr lang="pt-BR" smtClean="0"/>
-              <a:t>22/10/2023</a:t>
+              <a:t>17/02/2024</a:t>
             </a:fld>
             <a:endParaRPr lang="pt-BR"/>
           </a:p>
@@ -8749,8 +8749,8 @@
           </a:p>
         </p:txBody>
       </p:sp>
-      <mc:AlternateContent xmlns:mc="http://schemas.openxmlformats.org/markup-compatibility/2006" xmlns:a14="http://schemas.microsoft.com/office/drawing/2010/main">
-        <mc:Choice Requires="a14">
+      <mc:AlternateContent xmlns:mc="http://schemas.openxmlformats.org/markup-compatibility/2006">
+        <mc:Choice xmlns:a14="http://schemas.microsoft.com/office/drawing/2010/main" Requires="a14">
           <p:sp>
             <p:nvSpPr>
               <p:cNvPr id="3" name="Espaço Reservado para Conteúdo 2">
@@ -8787,7 +8787,7 @@
                 </a:r>
                 <a:r>
                   <a:rPr lang="pt-BR" dirty="0"/>
-                  <a:t> simples que faça o mapeamento do valor de </a:t>
+                  <a:t> simples que faz o mapeamento do valor de </a:t>
                 </a:r>
                 <a14:m>
                   <m:oMath xmlns:m="http://schemas.openxmlformats.org/officeDocument/2006/math">
@@ -9082,7 +9082,7 @@
             </p:txBody>
           </p:sp>
         </mc:Choice>
-        <mc:Fallback xmlns="">
+        <mc:Fallback>
           <p:sp>
             <p:nvSpPr>
               <p:cNvPr id="3" name="Espaço Reservado para Conteúdo 2">
@@ -9140,8 +9140,8 @@
         </p:nvSpPr>
         <p:spPr>
           <a:xfrm>
-            <a:off x="4095750" y="5681330"/>
-            <a:ext cx="1665026" cy="830997"/>
+            <a:off x="3881437" y="5677734"/>
+            <a:ext cx="2276475" cy="830997"/>
           </a:xfrm>
           <a:prstGeom prst="rect">
             <a:avLst/>
@@ -9161,7 +9161,15 @@
             </a:r>
             <a:r>
               <a:rPr lang="pt-BR" sz="1600" b="1" i="1" dirty="0"/>
-              <a:t>função heaviside.</a:t>
+              <a:t>função </a:t>
+            </a:r>
+            <a:r>
+              <a:rPr lang="pt-BR" sz="1600" b="1" i="1" dirty="0" err="1"/>
+              <a:t>heaviside</a:t>
+            </a:r>
+            <a:r>
+              <a:rPr lang="pt-BR" sz="1600" b="1" i="1" dirty="0"/>
+              <a:t> ou degrau unitário.</a:t>
             </a:r>
           </a:p>
         </p:txBody>
@@ -9596,8 +9604,8 @@
           </a:p>
         </p:txBody>
       </p:sp>
-      <mc:AlternateContent xmlns:mc="http://schemas.openxmlformats.org/markup-compatibility/2006" xmlns:a14="http://schemas.microsoft.com/office/drawing/2010/main">
-        <mc:Choice Requires="a14">
+      <mc:AlternateContent xmlns:mc="http://schemas.openxmlformats.org/markup-compatibility/2006">
+        <mc:Choice xmlns:a14="http://schemas.microsoft.com/office/drawing/2010/main" Requires="a14">
           <p:sp>
             <p:nvSpPr>
               <p:cNvPr id="3" name="Content Placeholder 2"/>
@@ -9801,7 +9809,7 @@
                 </a:r>
                 <a:r>
                   <a:rPr lang="pt-BR" dirty="0"/>
-                  <a:t>devido a </a:t>
+                  <a:t>devido à </a:t>
                 </a:r>
                 <a:r>
                   <a:rPr lang="pt-BR" b="1" i="1" dirty="0"/>
@@ -9912,7 +9920,7 @@
             </p:txBody>
           </p:sp>
         </mc:Choice>
-        <mc:Fallback xmlns="">
+        <mc:Fallback>
           <p:sp>
             <p:nvSpPr>
               <p:cNvPr id="3" name="Content Placeholder 2"/>
@@ -10342,8 +10350,8 @@
           </a:p>
         </p:txBody>
       </p:sp>
-      <mc:AlternateContent xmlns:mc="http://schemas.openxmlformats.org/markup-compatibility/2006" xmlns:a14="http://schemas.microsoft.com/office/drawing/2010/main">
-        <mc:Choice Requires="a14">
+      <mc:AlternateContent xmlns:mc="http://schemas.openxmlformats.org/markup-compatibility/2006">
+        <mc:Choice xmlns:a14="http://schemas.microsoft.com/office/drawing/2010/main" Requires="a14">
           <p:sp>
             <p:nvSpPr>
               <p:cNvPr id="3" name="Espaço Reservado para Conteúdo 2">
@@ -10385,7 +10393,11 @@
                   <a:t> é utilizar uma </a:t>
                 </a:r>
                 <a:r>
-                  <a:rPr lang="pt-BR" b="1" i="1" dirty="0"/>
+                  <a:rPr lang="pt-BR" b="1" i="1" dirty="0">
+                    <a:solidFill>
+                      <a:srgbClr val="7030A0"/>
+                    </a:solidFill>
+                  </a:rPr>
                   <a:t>regra intuitiva </a:t>
                 </a:r>
                 <a:r>
@@ -10416,15 +10428,23 @@
               <a:p>
                 <a:r>
                   <a:rPr lang="pt-BR" dirty="0"/>
-                  <a:t>A </a:t>
+                  <a:t>Essa </a:t>
                 </a:r>
                 <a:r>
                   <a:rPr lang="pt-BR" b="1" i="1" dirty="0"/>
-                  <a:t>regra de atualização</a:t>
+                  <a:t>regra intuitiva de atualização</a:t>
                 </a:r>
                 <a:r>
                   <a:rPr lang="pt-BR" dirty="0"/>
-                  <a:t> dos </a:t>
+                  <a:t> </a:t>
+                </a:r>
+                <a:r>
+                  <a:rPr lang="pt-BR" b="1" i="1" dirty="0"/>
+                  <a:t>dos</a:t>
+                </a:r>
+                <a:r>
+                  <a:rPr lang="pt-BR" dirty="0"/>
+                  <a:t> </a:t>
                 </a:r>
                 <a:r>
                   <a:rPr lang="pt-BR" b="1" i="1" dirty="0"/>
@@ -10667,7 +10687,7 @@
                 </a14:m>
                 <a:r>
                   <a:rPr lang="pt-BR" dirty="0"/>
-                  <a:t>é o passo de aprendizagem.</a:t>
+                  <a:t>é o passo de aprendizagem, o qual é positivo e maior do que zero.</a:t>
                 </a:r>
               </a:p>
               <a:p>
@@ -10695,7 +10715,7 @@
             </p:txBody>
           </p:sp>
         </mc:Choice>
-        <mc:Fallback xmlns="">
+        <mc:Fallback>
           <p:sp>
             <p:nvSpPr>
               <p:cNvPr id="3" name="Espaço Reservado para Conteúdo 2">
@@ -10720,7 +10740,7 @@
               <a:blipFill>
                 <a:blip r:embed="rId3"/>
                 <a:stretch>
-                  <a:fillRect l="-1093" t="-1937" r="-273"/>
+                  <a:fillRect l="-1093" t="-1937" r="-273" b="-484"/>
                 </a:stretch>
               </a:blipFill>
             </p:spPr>
@@ -10797,8 +10817,8 @@
           </a:p>
         </p:txBody>
       </p:sp>
-      <mc:AlternateContent xmlns:mc="http://schemas.openxmlformats.org/markup-compatibility/2006" xmlns:a14="http://schemas.microsoft.com/office/drawing/2010/main">
-        <mc:Choice Requires="a14">
+      <mc:AlternateContent xmlns:mc="http://schemas.openxmlformats.org/markup-compatibility/2006">
+        <mc:Choice xmlns:a14="http://schemas.microsoft.com/office/drawing/2010/main" Requires="a14">
           <p:sp>
             <p:nvSpPr>
               <p:cNvPr id="3" name="Espaço Reservado para Conteúdo 2">
@@ -11058,7 +11078,7 @@
                 </a:r>
                 <a:r>
                   <a:rPr lang="pt-BR" dirty="0"/>
-                  <a:t>, escolhendo exemplos </a:t>
+                  <a:t>, escolhido de forma </a:t>
                 </a:r>
                 <a:r>
                   <a:rPr lang="pt-BR" b="1" i="1" dirty="0">
@@ -11066,7 +11086,7 @@
                       <a:srgbClr val="7030A0"/>
                     </a:solidFill>
                   </a:rPr>
-                  <a:t>aleatoriamente</a:t>
+                  <a:t>aleatória</a:t>
                 </a:r>
                 <a:r>
                   <a:rPr lang="pt-BR" dirty="0"/>
@@ -11124,7 +11144,7 @@
             </p:txBody>
           </p:sp>
         </mc:Choice>
-        <mc:Fallback xmlns="">
+        <mc:Fallback>
           <p:sp>
             <p:nvSpPr>
               <p:cNvPr id="3" name="Espaço Reservado para Conteúdo 2">
@@ -11149,7 +11169,7 @@
               <a:blipFill>
                 <a:blip r:embed="rId3"/>
                 <a:stretch>
-                  <a:fillRect l="-984" r="-1639"/>
+                  <a:fillRect l="-984" r="-328"/>
                 </a:stretch>
               </a:blipFill>
             </p:spPr>
@@ -11220,8 +11240,8 @@
           </a:p>
         </p:txBody>
       </p:sp>
-      <mc:AlternateContent xmlns:mc="http://schemas.openxmlformats.org/markup-compatibility/2006" xmlns:a14="http://schemas.microsoft.com/office/drawing/2010/main">
-        <mc:Choice Requires="a14">
+      <mc:AlternateContent xmlns:mc="http://schemas.openxmlformats.org/markup-compatibility/2006">
+        <mc:Choice xmlns:a14="http://schemas.microsoft.com/office/drawing/2010/main" Requires="a14">
           <p:sp>
             <p:nvSpPr>
               <p:cNvPr id="3" name="Content Placeholder 2"/>
@@ -11960,7 +11980,7 @@
                 </a14:m>
                 <a:r>
                   <a:rPr lang="pt-BR" dirty="0"/>
-                  <a:t>, assumem os valores 0 ou 1, portanto, existem </a:t>
+                  <a:t>, assumem os valores 0 ou 1. Portanto, existem </a:t>
                 </a:r>
                 <a:r>
                   <a:rPr lang="pt-BR" b="1" i="1" dirty="0">
@@ -12237,7 +12257,7 @@
             </p:txBody>
           </p:sp>
         </mc:Choice>
-        <mc:Fallback xmlns="">
+        <mc:Fallback>
           <p:sp>
             <p:nvSpPr>
               <p:cNvPr id="3" name="Content Placeholder 2"/>
@@ -12661,8 +12681,8 @@
           </a:p>
         </p:txBody>
       </p:sp>
-      <mc:AlternateContent xmlns:mc="http://schemas.openxmlformats.org/markup-compatibility/2006" xmlns:a14="http://schemas.microsoft.com/office/drawing/2010/main">
-        <mc:Choice Requires="a14">
+      <mc:AlternateContent xmlns:mc="http://schemas.openxmlformats.org/markup-compatibility/2006">
+        <mc:Choice xmlns:a14="http://schemas.microsoft.com/office/drawing/2010/main" Requires="a14">
           <p:sp>
             <p:nvSpPr>
               <p:cNvPr id="3" name="Content Placeholder 2"/>
@@ -13457,23 +13477,28 @@
                       </a:rPr>
                       <m:t>𝑔</m:t>
                     </m:r>
+                    <m:d>
+                      <m:dPr>
+                        <m:ctrlPr>
+                          <a:rPr lang="pt-BR" i="1">
+                            <a:latin typeface="Cambria Math" panose="02040503050406030204" pitchFamily="18" charset="0"/>
+                          </a:rPr>
+                        </m:ctrlPr>
+                      </m:dPr>
+                      <m:e>
+                        <m:r>
+                          <a:rPr lang="pt-BR" b="1" i="1">
+                            <a:latin typeface="Cambria Math" panose="02040503050406030204" pitchFamily="18" charset="0"/>
+                          </a:rPr>
+                          <m:t>𝒙</m:t>
+                        </m:r>
+                      </m:e>
+                    </m:d>
                     <m:r>
                       <a:rPr lang="pt-BR" i="1">
                         <a:latin typeface="Cambria Math" panose="02040503050406030204" pitchFamily="18" charset="0"/>
                       </a:rPr>
-                      <m:t>(</m:t>
-                    </m:r>
-                    <m:r>
-                      <a:rPr lang="pt-BR" b="1" i="1">
-                        <a:latin typeface="Cambria Math" panose="02040503050406030204" pitchFamily="18" charset="0"/>
-                      </a:rPr>
-                      <m:t>𝒙</m:t>
-                    </m:r>
-                    <m:r>
-                      <a:rPr lang="pt-BR" i="1">
-                        <a:latin typeface="Cambria Math" panose="02040503050406030204" pitchFamily="18" charset="0"/>
-                      </a:rPr>
-                      <m:t>)=</m:t>
+                      <m:t>=</m:t>
                     </m:r>
                     <m:sSub>
                       <m:sSubPr>
@@ -13504,7 +13529,69 @@
                       <a:rPr lang="pt-BR" i="1">
                         <a:latin typeface="Cambria Math" panose="02040503050406030204" pitchFamily="18" charset="0"/>
                       </a:rPr>
-                      <m:t>+⋯+</m:t>
+                      <m:t>+</m:t>
+                    </m:r>
+                    <m:sSub>
+                      <m:sSubPr>
+                        <m:ctrlPr>
+                          <a:rPr lang="pt-BR" i="1">
+                            <a:latin typeface="Cambria Math" panose="02040503050406030204" pitchFamily="18" charset="0"/>
+                          </a:rPr>
+                        </m:ctrlPr>
+                      </m:sSubPr>
+                      <m:e>
+                        <m:r>
+                          <a:rPr lang="pt-BR" i="1">
+                            <a:latin typeface="Cambria Math" panose="02040503050406030204" pitchFamily="18" charset="0"/>
+                          </a:rPr>
+                          <m:t>𝑎</m:t>
+                        </m:r>
+                      </m:e>
+                      <m:sub>
+                        <m:r>
+                          <a:rPr lang="pt-BR" b="0" i="1" smtClean="0">
+                            <a:latin typeface="Cambria Math" panose="02040503050406030204" pitchFamily="18" charset="0"/>
+                          </a:rPr>
+                          <m:t>1</m:t>
+                        </m:r>
+                      </m:sub>
+                    </m:sSub>
+                    <m:sSub>
+                      <m:sSubPr>
+                        <m:ctrlPr>
+                          <a:rPr lang="pt-BR" i="1">
+                            <a:latin typeface="Cambria Math" panose="02040503050406030204" pitchFamily="18" charset="0"/>
+                          </a:rPr>
+                        </m:ctrlPr>
+                      </m:sSubPr>
+                      <m:e>
+                        <m:r>
+                          <a:rPr lang="pt-BR" i="1">
+                            <a:latin typeface="Cambria Math" panose="02040503050406030204" pitchFamily="18" charset="0"/>
+                          </a:rPr>
+                          <m:t>𝑥</m:t>
+                        </m:r>
+                      </m:e>
+                      <m:sub>
+                        <m:r>
+                          <a:rPr lang="pt-BR" b="0" i="1" smtClean="0">
+                            <a:latin typeface="Cambria Math" panose="02040503050406030204" pitchFamily="18" charset="0"/>
+                          </a:rPr>
+                          <m:t>1</m:t>
+                        </m:r>
+                      </m:sub>
+                    </m:sSub>
+                    <m:r>
+                      <a:rPr lang="pt-BR" b="0" i="1" smtClean="0">
+                        <a:latin typeface="Cambria Math" panose="02040503050406030204" pitchFamily="18" charset="0"/>
+                      </a:rPr>
+                      <m:t>+</m:t>
+                    </m:r>
+                    <m:r>
+                      <a:rPr lang="pt-BR" i="1">
+                        <a:latin typeface="Cambria Math" panose="02040503050406030204" pitchFamily="18" charset="0"/>
+                      </a:rPr>
+                      <m:t>⋯+</m:t>
                     </m:r>
                     <m:sSub>
                       <m:sSubPr>
@@ -13566,7 +13653,7 @@
             </p:txBody>
           </p:sp>
         </mc:Choice>
-        <mc:Fallback xmlns="">
+        <mc:Fallback>
           <p:sp>
             <p:nvSpPr>
               <p:cNvPr id="3" name="Content Placeholder 2"/>
@@ -13990,8 +14077,8 @@
           </a:p>
         </p:txBody>
       </p:sp>
-      <mc:AlternateContent xmlns:mc="http://schemas.openxmlformats.org/markup-compatibility/2006" xmlns:a14="http://schemas.microsoft.com/office/drawing/2010/main">
-        <mc:Choice Requires="a14">
+      <mc:AlternateContent xmlns:mc="http://schemas.openxmlformats.org/markup-compatibility/2006">
+        <mc:Choice xmlns:a14="http://schemas.microsoft.com/office/drawing/2010/main" Requires="a14">
           <p:sp>
             <p:nvSpPr>
               <p:cNvPr id="3" name="Content Placeholder 2"/>
@@ -14797,23 +14884,28 @@
                       </a:rPr>
                       <m:t>𝑔</m:t>
                     </m:r>
+                    <m:d>
+                      <m:dPr>
+                        <m:ctrlPr>
+                          <a:rPr lang="pt-BR" i="1">
+                            <a:latin typeface="Cambria Math" panose="02040503050406030204" pitchFamily="18" charset="0"/>
+                          </a:rPr>
+                        </m:ctrlPr>
+                      </m:dPr>
+                      <m:e>
+                        <m:r>
+                          <a:rPr lang="pt-BR" b="1" i="1">
+                            <a:latin typeface="Cambria Math" panose="02040503050406030204" pitchFamily="18" charset="0"/>
+                          </a:rPr>
+                          <m:t>𝒙</m:t>
+                        </m:r>
+                      </m:e>
+                    </m:d>
                     <m:r>
                       <a:rPr lang="pt-BR" i="1">
                         <a:latin typeface="Cambria Math" panose="02040503050406030204" pitchFamily="18" charset="0"/>
                       </a:rPr>
-                      <m:t>(</m:t>
-                    </m:r>
-                    <m:r>
-                      <a:rPr lang="pt-BR" b="1" i="1">
-                        <a:latin typeface="Cambria Math" panose="02040503050406030204" pitchFamily="18" charset="0"/>
-                      </a:rPr>
-                      <m:t>𝒙</m:t>
-                    </m:r>
-                    <m:r>
-                      <a:rPr lang="pt-BR" i="1">
-                        <a:latin typeface="Cambria Math" panose="02040503050406030204" pitchFamily="18" charset="0"/>
-                      </a:rPr>
-                      <m:t>)=</m:t>
+                      <m:t>=</m:t>
                     </m:r>
                     <m:sSub>
                       <m:sSubPr>
@@ -14844,7 +14936,69 @@
                       <a:rPr lang="pt-BR" i="1">
                         <a:latin typeface="Cambria Math" panose="02040503050406030204" pitchFamily="18" charset="0"/>
                       </a:rPr>
-                      <m:t>+⋯+</m:t>
+                      <m:t>+</m:t>
+                    </m:r>
+                    <m:sSub>
+                      <m:sSubPr>
+                        <m:ctrlPr>
+                          <a:rPr lang="pt-BR" i="1">
+                            <a:latin typeface="Cambria Math" panose="02040503050406030204" pitchFamily="18" charset="0"/>
+                          </a:rPr>
+                        </m:ctrlPr>
+                      </m:sSubPr>
+                      <m:e>
+                        <m:r>
+                          <a:rPr lang="pt-BR" i="1">
+                            <a:latin typeface="Cambria Math" panose="02040503050406030204" pitchFamily="18" charset="0"/>
+                          </a:rPr>
+                          <m:t>𝑎</m:t>
+                        </m:r>
+                      </m:e>
+                      <m:sub>
+                        <m:r>
+                          <a:rPr lang="pt-BR" b="0" i="1" smtClean="0">
+                            <a:latin typeface="Cambria Math" panose="02040503050406030204" pitchFamily="18" charset="0"/>
+                          </a:rPr>
+                          <m:t>1</m:t>
+                        </m:r>
+                      </m:sub>
+                    </m:sSub>
+                    <m:sSub>
+                      <m:sSubPr>
+                        <m:ctrlPr>
+                          <a:rPr lang="pt-BR" i="1">
+                            <a:latin typeface="Cambria Math" panose="02040503050406030204" pitchFamily="18" charset="0"/>
+                          </a:rPr>
+                        </m:ctrlPr>
+                      </m:sSubPr>
+                      <m:e>
+                        <m:r>
+                          <a:rPr lang="pt-BR" i="1">
+                            <a:latin typeface="Cambria Math" panose="02040503050406030204" pitchFamily="18" charset="0"/>
+                          </a:rPr>
+                          <m:t>𝑥</m:t>
+                        </m:r>
+                      </m:e>
+                      <m:sub>
+                        <m:r>
+                          <a:rPr lang="pt-BR" b="0" i="1" smtClean="0">
+                            <a:latin typeface="Cambria Math" panose="02040503050406030204" pitchFamily="18" charset="0"/>
+                          </a:rPr>
+                          <m:t>1</m:t>
+                        </m:r>
+                      </m:sub>
+                    </m:sSub>
+                    <m:r>
+                      <a:rPr lang="pt-BR" b="0" i="1" smtClean="0">
+                        <a:latin typeface="Cambria Math" panose="02040503050406030204" pitchFamily="18" charset="0"/>
+                      </a:rPr>
+                      <m:t>+</m:t>
+                    </m:r>
+                    <m:r>
+                      <a:rPr lang="pt-BR" i="1">
+                        <a:latin typeface="Cambria Math" panose="02040503050406030204" pitchFamily="18" charset="0"/>
+                      </a:rPr>
+                      <m:t>⋯+</m:t>
                     </m:r>
                     <m:sSub>
                       <m:sSubPr>
@@ -14906,7 +15060,7 @@
             </p:txBody>
           </p:sp>
         </mc:Choice>
-        <mc:Fallback xmlns="">
+        <mc:Fallback>
           <p:sp>
             <p:nvSpPr>
               <p:cNvPr id="3" name="Content Placeholder 2"/>
@@ -22679,8 +22833,8 @@
           </a:p>
         </p:txBody>
       </p:sp>
-      <mc:AlternateContent xmlns:mc="http://schemas.openxmlformats.org/markup-compatibility/2006" xmlns:a14="http://schemas.microsoft.com/office/drawing/2010/main">
-        <mc:Choice Requires="a14">
+      <mc:AlternateContent xmlns:mc="http://schemas.openxmlformats.org/markup-compatibility/2006">
+        <mc:Choice xmlns:a14="http://schemas.microsoft.com/office/drawing/2010/main" Requires="a14">
           <p:sp>
             <p:nvSpPr>
               <p:cNvPr id="3" name="Content Placeholder 2"/>
@@ -22709,7 +22863,19 @@
                 </a:r>
                 <a:r>
                   <a:rPr lang="pt-BR" b="1" i="1" dirty="0"/>
-                  <a:t>classificador linear </a:t>
+                  <a:t>classificador </a:t>
+                </a:r>
+                <a:r>
+                  <a:rPr lang="pt-BR" b="1" i="1" dirty="0">
+                    <a:solidFill>
+                      <a:srgbClr val="7030A0"/>
+                    </a:solidFill>
+                  </a:rPr>
+                  <a:t>linear</a:t>
+                </a:r>
+                <a:r>
+                  <a:rPr lang="pt-BR" b="1" i="1" dirty="0"/>
+                  <a:t> </a:t>
                 </a:r>
                 <a:r>
                   <a:rPr lang="pt-BR" dirty="0"/>
@@ -23491,7 +23657,7 @@
                       <a:rPr lang="pt-BR" b="0" i="1" smtClean="0">
                         <a:latin typeface="Cambria Math" panose="02040503050406030204" pitchFamily="18" charset="0"/>
                       </a:rPr>
-                      <m:t>,  </m:t>
+                      <m:t>, </m:t>
                     </m:r>
                     <m:r>
                       <a:rPr lang="pt-BR" b="0" i="1" smtClean="0">
@@ -23670,7 +23836,7 @@
             </p:txBody>
           </p:sp>
         </mc:Choice>
-        <mc:Fallback xmlns="">
+        <mc:Fallback>
           <p:sp>
             <p:nvSpPr>
               <p:cNvPr id="3" name="Content Placeholder 2"/>
@@ -23716,7 +23882,7 @@
         </p:nvSpPr>
         <p:spPr>
           <a:xfrm>
-            <a:off x="11417300" y="2770260"/>
+            <a:off x="11506200" y="2728267"/>
             <a:ext cx="685800" cy="461665"/>
           </a:xfrm>
           <a:prstGeom prst="rect">
@@ -23747,8 +23913,8 @@
         </p:nvCxnSpPr>
         <p:spPr>
           <a:xfrm>
-            <a:off x="11163300" y="2667000"/>
-            <a:ext cx="279400" cy="292100"/>
+            <a:off x="11206065" y="2640563"/>
+            <a:ext cx="373225" cy="214604"/>
           </a:xfrm>
           <a:prstGeom prst="straightConnector1">
             <a:avLst/>
@@ -23829,8 +23995,8 @@
           </a:p>
         </p:txBody>
       </p:sp>
-      <mc:AlternateContent xmlns:mc="http://schemas.openxmlformats.org/markup-compatibility/2006" xmlns:a14="http://schemas.microsoft.com/office/drawing/2010/main">
-        <mc:Choice Requires="a14">
+      <mc:AlternateContent xmlns:mc="http://schemas.openxmlformats.org/markup-compatibility/2006">
+        <mc:Choice xmlns:a14="http://schemas.microsoft.com/office/drawing/2010/main" Requires="a14">
           <p:sp>
             <p:nvSpPr>
               <p:cNvPr id="3" name="Content Placeholder 2"/>
@@ -24063,7 +24229,7 @@
                 </a:r>
                 <a:r>
                   <a:rPr lang="pt-BR" dirty="0"/>
-                  <a:t>consista em um </a:t>
+                  <a:t>seja um </a:t>
                 </a:r>
                 <a:r>
                   <a:rPr lang="pt-BR" b="1" i="1" dirty="0"/>
@@ -24077,7 +24243,7 @@
             </p:txBody>
           </p:sp>
         </mc:Choice>
-        <mc:Fallback xmlns="">
+        <mc:Fallback>
           <p:sp>
             <p:nvSpPr>
               <p:cNvPr id="3" name="Content Placeholder 2"/>
@@ -28614,8 +28780,8 @@
           </a:p>
         </p:txBody>
       </p:sp>
-      <mc:AlternateContent xmlns:mc="http://schemas.openxmlformats.org/markup-compatibility/2006" xmlns:a14="http://schemas.microsoft.com/office/drawing/2010/main">
-        <mc:Choice Requires="a14">
+      <mc:AlternateContent xmlns:mc="http://schemas.openxmlformats.org/markup-compatibility/2006">
+        <mc:Choice xmlns:a14="http://schemas.microsoft.com/office/drawing/2010/main" Requires="a14">
           <p:sp>
             <p:nvSpPr>
               <p:cNvPr id="3" name="Espaço Reservado para Conteúdo 2">
@@ -28640,7 +28806,7 @@
             </p:spPr>
             <p:txBody>
               <a:bodyPr>
-                <a:normAutofit fontScale="92500"/>
+                <a:normAutofit fontScale="92500" lnSpcReduction="10000"/>
               </a:bodyPr>
               <a:lstStyle/>
               <a:p>
@@ -28654,7 +28820,19 @@
                 </a:r>
                 <a:r>
                   <a:rPr lang="pt-BR" dirty="0"/>
-                  <a:t>como sendo definida por</a:t>
+                  <a:t>como duas </a:t>
+                </a:r>
+                <a:r>
+                  <a:rPr lang="pt-BR" b="1" i="1" dirty="0">
+                    <a:solidFill>
+                      <a:srgbClr val="7030A0"/>
+                    </a:solidFill>
+                  </a:rPr>
+                  <a:t>condições</a:t>
+                </a:r>
+                <a:r>
+                  <a:rPr lang="pt-BR" dirty="0"/>
+                  <a:t>:</a:t>
                 </a:r>
               </a:p>
               <a:p>
@@ -29012,7 +29190,7 @@
                 </a:r>
                 <a:r>
                   <a:rPr lang="pt-BR" b="1" i="1" dirty="0"/>
-                  <a:t>função hipótese</a:t>
+                  <a:t>função hipótese de classificação</a:t>
                 </a:r>
                 <a:r>
                   <a:rPr lang="pt-BR" dirty="0"/>
@@ -29155,7 +29333,11 @@
                   <a:t>Como implementar essas </a:t>
                 </a:r>
                 <a:r>
-                  <a:rPr lang="pt-BR" b="1" i="1" dirty="0"/>
+                  <a:rPr lang="pt-BR" b="1" i="1" dirty="0">
+                    <a:solidFill>
+                      <a:srgbClr val="7030A0"/>
+                    </a:solidFill>
+                  </a:rPr>
                   <a:t>condições</a:t>
                 </a:r>
                 <a:r>
@@ -29166,7 +29348,7 @@
             </p:txBody>
           </p:sp>
         </mc:Choice>
-        <mc:Fallback xmlns="">
+        <mc:Fallback>
           <p:sp>
             <p:nvSpPr>
               <p:cNvPr id="3" name="Espaço Reservado para Conteúdo 2">
@@ -29191,7 +29373,7 @@
               <a:blipFill>
                 <a:blip r:embed="rId2"/>
                 <a:stretch>
-                  <a:fillRect l="-1297" t="-1816" r="-486" b="-1816"/>
+                  <a:fillRect l="-1297" t="-2421" b="-363"/>
                 </a:stretch>
               </a:blipFill>
             </p:spPr>
@@ -29551,7 +29733,7 @@
         </p:nvSpPr>
         <p:spPr>
           <a:xfrm>
-            <a:off x="11559607" y="2727612"/>
+            <a:off x="11511982" y="2679987"/>
             <a:ext cx="619125" cy="584775"/>
           </a:xfrm>
           <a:prstGeom prst="rect">
@@ -29596,7 +29778,7 @@
         </p:nvSpPr>
         <p:spPr>
           <a:xfrm>
-            <a:off x="11417013" y="2596138"/>
+            <a:off x="11369388" y="2548513"/>
             <a:ext cx="209710" cy="847725"/>
           </a:xfrm>
           <a:prstGeom prst="rightBrace">

--- a/slides/T320_Classificação (Parte II).pptx
+++ b/slides/T320_Classificação (Parte II).pptx
@@ -299,7 +299,7 @@
           <a:p>
             <a:fld id="{144F1436-6906-4D93-B7A2-786C327BFA14}" type="datetimeFigureOut">
               <a:rPr lang="nl-BE" smtClean="0"/>
-              <a:t>17/02/2024</a:t>
+              <a:t>24/02/2024</a:t>
             </a:fld>
             <a:endParaRPr lang="nl-BE"/>
           </a:p>
@@ -464,7 +464,7 @@
           <a:p>
             <a:fld id="{AA8CD09E-2914-4F47-B6C1-51B2C31814C9}" type="datetimeFigureOut">
               <a:rPr lang="pt-BR" smtClean="0"/>
-              <a:t>17/02/2024</a:t>
+              <a:t>24/02/2024</a:t>
             </a:fld>
             <a:endParaRPr lang="pt-BR"/>
           </a:p>
@@ -5451,7 +5451,7 @@
           <a:p>
             <a:fld id="{63289F7E-B80B-496E-81B4-D396C37C9454}" type="datetimeFigureOut">
               <a:rPr lang="pt-BR" smtClean="0"/>
-              <a:t>17/02/2024</a:t>
+              <a:t>24/02/2024</a:t>
             </a:fld>
             <a:endParaRPr lang="pt-BR"/>
           </a:p>
@@ -5649,7 +5649,7 @@
           <a:p>
             <a:fld id="{63289F7E-B80B-496E-81B4-D396C37C9454}" type="datetimeFigureOut">
               <a:rPr lang="pt-BR" smtClean="0"/>
-              <a:t>17/02/2024</a:t>
+              <a:t>24/02/2024</a:t>
             </a:fld>
             <a:endParaRPr lang="pt-BR"/>
           </a:p>
@@ -5857,7 +5857,7 @@
           <a:p>
             <a:fld id="{63289F7E-B80B-496E-81B4-D396C37C9454}" type="datetimeFigureOut">
               <a:rPr lang="pt-BR" smtClean="0"/>
-              <a:t>17/02/2024</a:t>
+              <a:t>24/02/2024</a:t>
             </a:fld>
             <a:endParaRPr lang="pt-BR"/>
           </a:p>
@@ -6055,7 +6055,7 @@
           <a:p>
             <a:fld id="{63289F7E-B80B-496E-81B4-D396C37C9454}" type="datetimeFigureOut">
               <a:rPr lang="pt-BR" smtClean="0"/>
-              <a:t>17/02/2024</a:t>
+              <a:t>24/02/2024</a:t>
             </a:fld>
             <a:endParaRPr lang="pt-BR"/>
           </a:p>
@@ -6330,7 +6330,7 @@
           <a:p>
             <a:fld id="{63289F7E-B80B-496E-81B4-D396C37C9454}" type="datetimeFigureOut">
               <a:rPr lang="pt-BR" smtClean="0"/>
-              <a:t>17/02/2024</a:t>
+              <a:t>24/02/2024</a:t>
             </a:fld>
             <a:endParaRPr lang="pt-BR"/>
           </a:p>
@@ -6595,7 +6595,7 @@
           <a:p>
             <a:fld id="{63289F7E-B80B-496E-81B4-D396C37C9454}" type="datetimeFigureOut">
               <a:rPr lang="pt-BR" smtClean="0"/>
-              <a:t>17/02/2024</a:t>
+              <a:t>24/02/2024</a:t>
             </a:fld>
             <a:endParaRPr lang="pt-BR"/>
           </a:p>
@@ -7007,7 +7007,7 @@
           <a:p>
             <a:fld id="{63289F7E-B80B-496E-81B4-D396C37C9454}" type="datetimeFigureOut">
               <a:rPr lang="pt-BR" smtClean="0"/>
-              <a:t>17/02/2024</a:t>
+              <a:t>24/02/2024</a:t>
             </a:fld>
             <a:endParaRPr lang="pt-BR"/>
           </a:p>
@@ -7148,7 +7148,7 @@
           <a:p>
             <a:fld id="{63289F7E-B80B-496E-81B4-D396C37C9454}" type="datetimeFigureOut">
               <a:rPr lang="pt-BR" smtClean="0"/>
-              <a:t>17/02/2024</a:t>
+              <a:t>24/02/2024</a:t>
             </a:fld>
             <a:endParaRPr lang="pt-BR"/>
           </a:p>
@@ -7261,7 +7261,7 @@
           <a:p>
             <a:fld id="{63289F7E-B80B-496E-81B4-D396C37C9454}" type="datetimeFigureOut">
               <a:rPr lang="pt-BR" smtClean="0"/>
-              <a:t>17/02/2024</a:t>
+              <a:t>24/02/2024</a:t>
             </a:fld>
             <a:endParaRPr lang="pt-BR"/>
           </a:p>
@@ -7572,7 +7572,7 @@
           <a:p>
             <a:fld id="{63289F7E-B80B-496E-81B4-D396C37C9454}" type="datetimeFigureOut">
               <a:rPr lang="pt-BR" smtClean="0"/>
-              <a:t>17/02/2024</a:t>
+              <a:t>24/02/2024</a:t>
             </a:fld>
             <a:endParaRPr lang="pt-BR"/>
           </a:p>
@@ -7860,7 +7860,7 @@
           <a:p>
             <a:fld id="{63289F7E-B80B-496E-81B4-D396C37C9454}" type="datetimeFigureOut">
               <a:rPr lang="pt-BR" smtClean="0"/>
-              <a:t>17/02/2024</a:t>
+              <a:t>24/02/2024</a:t>
             </a:fld>
             <a:endParaRPr lang="pt-BR"/>
           </a:p>
@@ -8101,7 +8101,7 @@
           <a:p>
             <a:fld id="{63289F7E-B80B-496E-81B4-D396C37C9454}" type="datetimeFigureOut">
               <a:rPr lang="pt-BR" smtClean="0"/>
-              <a:t>17/02/2024</a:t>
+              <a:t>24/02/2024</a:t>
             </a:fld>
             <a:endParaRPr lang="pt-BR"/>
           </a:p>
@@ -8749,8 +8749,8 @@
           </a:p>
         </p:txBody>
       </p:sp>
-      <mc:AlternateContent xmlns:mc="http://schemas.openxmlformats.org/markup-compatibility/2006">
-        <mc:Choice xmlns:a14="http://schemas.microsoft.com/office/drawing/2010/main" Requires="a14">
+      <mc:AlternateContent xmlns:mc="http://schemas.openxmlformats.org/markup-compatibility/2006" xmlns:a14="http://schemas.microsoft.com/office/drawing/2010/main">
+        <mc:Choice Requires="a14">
           <p:sp>
             <p:nvSpPr>
               <p:cNvPr id="3" name="Espaço Reservado para Conteúdo 2">
@@ -9082,7 +9082,7 @@
             </p:txBody>
           </p:sp>
         </mc:Choice>
-        <mc:Fallback>
+        <mc:Fallback xmlns="">
           <p:sp>
             <p:nvSpPr>
               <p:cNvPr id="3" name="Espaço Reservado para Conteúdo 2">
@@ -9604,8 +9604,8 @@
           </a:p>
         </p:txBody>
       </p:sp>
-      <mc:AlternateContent xmlns:mc="http://schemas.openxmlformats.org/markup-compatibility/2006">
-        <mc:Choice xmlns:a14="http://schemas.microsoft.com/office/drawing/2010/main" Requires="a14">
+      <mc:AlternateContent xmlns:mc="http://schemas.openxmlformats.org/markup-compatibility/2006" xmlns:a14="http://schemas.microsoft.com/office/drawing/2010/main">
+        <mc:Choice Requires="a14">
           <p:sp>
             <p:nvSpPr>
               <p:cNvPr id="3" name="Content Placeholder 2"/>
@@ -9920,7 +9920,7 @@
             </p:txBody>
           </p:sp>
         </mc:Choice>
-        <mc:Fallback>
+        <mc:Fallback xmlns="">
           <p:sp>
             <p:nvSpPr>
               <p:cNvPr id="3" name="Content Placeholder 2"/>
@@ -10350,8 +10350,8 @@
           </a:p>
         </p:txBody>
       </p:sp>
-      <mc:AlternateContent xmlns:mc="http://schemas.openxmlformats.org/markup-compatibility/2006">
-        <mc:Choice xmlns:a14="http://schemas.microsoft.com/office/drawing/2010/main" Requires="a14">
+      <mc:AlternateContent xmlns:mc="http://schemas.openxmlformats.org/markup-compatibility/2006" xmlns:a14="http://schemas.microsoft.com/office/drawing/2010/main">
+        <mc:Choice Requires="a14">
           <p:sp>
             <p:nvSpPr>
               <p:cNvPr id="3" name="Espaço Reservado para Conteúdo 2">
@@ -10687,7 +10687,7 @@
                 </a14:m>
                 <a:r>
                   <a:rPr lang="pt-BR" dirty="0"/>
-                  <a:t>é o passo de aprendizagem, o qual é positivo e maior do que zero.</a:t>
+                  <a:t>é o passo de aprendizagem, o qual é sempre maior do que zero.</a:t>
                 </a:r>
               </a:p>
               <a:p>
@@ -10715,7 +10715,7 @@
             </p:txBody>
           </p:sp>
         </mc:Choice>
-        <mc:Fallback>
+        <mc:Fallback xmlns="">
           <p:sp>
             <p:nvSpPr>
               <p:cNvPr id="3" name="Espaço Reservado para Conteúdo 2">
@@ -10817,8 +10817,8 @@
           </a:p>
         </p:txBody>
       </p:sp>
-      <mc:AlternateContent xmlns:mc="http://schemas.openxmlformats.org/markup-compatibility/2006">
-        <mc:Choice xmlns:a14="http://schemas.microsoft.com/office/drawing/2010/main" Requires="a14">
+      <mc:AlternateContent xmlns:mc="http://schemas.openxmlformats.org/markup-compatibility/2006" xmlns:a14="http://schemas.microsoft.com/office/drawing/2010/main">
+        <mc:Choice Requires="a14">
           <p:sp>
             <p:nvSpPr>
               <p:cNvPr id="3" name="Espaço Reservado para Conteúdo 2">
@@ -11138,13 +11138,13 @@
               <a:p>
                 <a:r>
                   <a:rPr lang="pt-BR" dirty="0"/>
-                  <a:t>Como estamos considerando classificadores com valores de saída iguais a 0 ou 1, o comportamento da regra de atualização será diferente do comportamento para a regressão linear, como veremos a seguir.</a:t>
+                  <a:t>Como estamos considerando classificadores, os quais têm valores de saída iguais a 0 ou 1, o comportamento da regra de atualização será diferente do comportamento para a regressão linear, como veremos a seguir.</a:t>
                 </a:r>
               </a:p>
             </p:txBody>
           </p:sp>
         </mc:Choice>
-        <mc:Fallback>
+        <mc:Fallback xmlns="">
           <p:sp>
             <p:nvSpPr>
               <p:cNvPr id="3" name="Espaço Reservado para Conteúdo 2">
@@ -11169,7 +11169,7 @@
               <a:blipFill>
                 <a:blip r:embed="rId3"/>
                 <a:stretch>
-                  <a:fillRect l="-984" r="-328"/>
+                  <a:fillRect l="-984" r="-1585"/>
                 </a:stretch>
               </a:blipFill>
             </p:spPr>
@@ -11240,8 +11240,8 @@
           </a:p>
         </p:txBody>
       </p:sp>
-      <mc:AlternateContent xmlns:mc="http://schemas.openxmlformats.org/markup-compatibility/2006">
-        <mc:Choice xmlns:a14="http://schemas.microsoft.com/office/drawing/2010/main" Requires="a14">
+      <mc:AlternateContent xmlns:mc="http://schemas.openxmlformats.org/markup-compatibility/2006" xmlns:a14="http://schemas.microsoft.com/office/drawing/2010/main">
+        <mc:Choice Requires="a14">
           <p:sp>
             <p:nvSpPr>
               <p:cNvPr id="3" name="Content Placeholder 2"/>
@@ -12257,7 +12257,7 @@
             </p:txBody>
           </p:sp>
         </mc:Choice>
-        <mc:Fallback>
+        <mc:Fallback xmlns="">
           <p:sp>
             <p:nvSpPr>
               <p:cNvPr id="3" name="Content Placeholder 2"/>
@@ -12681,8 +12681,8 @@
           </a:p>
         </p:txBody>
       </p:sp>
-      <mc:AlternateContent xmlns:mc="http://schemas.openxmlformats.org/markup-compatibility/2006">
-        <mc:Choice xmlns:a14="http://schemas.microsoft.com/office/drawing/2010/main" Requires="a14">
+      <mc:AlternateContent xmlns:mc="http://schemas.openxmlformats.org/markup-compatibility/2006" xmlns:a14="http://schemas.microsoft.com/office/drawing/2010/main">
+        <mc:Choice Requires="a14">
           <p:sp>
             <p:nvSpPr>
               <p:cNvPr id="3" name="Content Placeholder 2"/>
@@ -13653,7 +13653,7 @@
             </p:txBody>
           </p:sp>
         </mc:Choice>
-        <mc:Fallback>
+        <mc:Fallback xmlns="">
           <p:sp>
             <p:nvSpPr>
               <p:cNvPr id="3" name="Content Placeholder 2"/>
@@ -14077,8 +14077,8 @@
           </a:p>
         </p:txBody>
       </p:sp>
-      <mc:AlternateContent xmlns:mc="http://schemas.openxmlformats.org/markup-compatibility/2006">
-        <mc:Choice xmlns:a14="http://schemas.microsoft.com/office/drawing/2010/main" Requires="a14">
+      <mc:AlternateContent xmlns:mc="http://schemas.openxmlformats.org/markup-compatibility/2006" xmlns:a14="http://schemas.microsoft.com/office/drawing/2010/main">
+        <mc:Choice Requires="a14">
           <p:sp>
             <p:nvSpPr>
               <p:cNvPr id="3" name="Content Placeholder 2"/>
@@ -15060,7 +15060,7 @@
             </p:txBody>
           </p:sp>
         </mc:Choice>
-        <mc:Fallback>
+        <mc:Fallback xmlns="">
           <p:sp>
             <p:nvSpPr>
               <p:cNvPr id="3" name="Content Placeholder 2"/>
@@ -15596,8 +15596,13 @@
           <a:p>
             <a:r>
               <a:rPr lang="pt-BR" dirty="0"/>
-              <a:t>Porém, na prática essa situação não é muito comum.</a:t>
-            </a:r>
+              <a:t>Porém, na prática essa situação não é </a:t>
+            </a:r>
+            <a:r>
+              <a:rPr lang="pt-BR"/>
+              <a:t>muito comum.</a:t>
+            </a:r>
+            <a:endParaRPr lang="pt-BR" dirty="0"/>
           </a:p>
         </p:txBody>
       </p:sp>
@@ -18225,46 +18230,19 @@
               <a:rPr lang="pt-BR" dirty="0">
                 <a:hlinkClick r:id="rId4"/>
               </a:rPr>
-              <a:t>Instruções para resolução e entrega dos laboratórios</a:t>
-            </a:r>
-            <a:r>
-              <a:rPr lang="pt-BR" dirty="0"/>
+              <a:t>Instruções para resolução e entrega dos </a:t>
+            </a:r>
+            <a:r>
+              <a:rPr lang="pt-BR">
+                <a:hlinkClick r:id="rId4"/>
+              </a:rPr>
+              <a:t>laboratórios</a:t>
+            </a:r>
+            <a:r>
+              <a:rPr lang="pt-BR"/>
               <a:t>.</a:t>
             </a:r>
-          </a:p>
-          <a:p>
-            <a:r>
-              <a:rPr lang="pt-BR" b="1">
-                <a:solidFill>
-                  <a:srgbClr val="00B050"/>
-                </a:solidFill>
-              </a:rPr>
-              <a:t>Os </a:t>
-            </a:r>
-            <a:r>
-              <a:rPr lang="pt-BR" b="1" dirty="0">
-                <a:solidFill>
-                  <a:srgbClr val="00B050"/>
-                </a:solidFill>
-              </a:rPr>
-              <a:t>projetos já estão disponíveis no </a:t>
-            </a:r>
-            <a:r>
-              <a:rPr lang="pt-BR" b="1" i="1" dirty="0">
-                <a:solidFill>
-                  <a:srgbClr val="00B050"/>
-                </a:solidFill>
-              </a:rPr>
-              <a:t>GitHub</a:t>
-            </a:r>
-            <a:r>
-              <a:rPr lang="pt-BR" b="1" dirty="0">
-                <a:solidFill>
-                  <a:srgbClr val="00B050"/>
-                </a:solidFill>
-              </a:rPr>
-              <a:t>, logo abaixo dos lab. 5 e 9, respectivamente.</a:t>
-            </a:r>
+            <a:endParaRPr lang="pt-BR" dirty="0"/>
           </a:p>
         </p:txBody>
       </p:sp>
@@ -22833,8 +22811,8 @@
           </a:p>
         </p:txBody>
       </p:sp>
-      <mc:AlternateContent xmlns:mc="http://schemas.openxmlformats.org/markup-compatibility/2006">
-        <mc:Choice xmlns:a14="http://schemas.microsoft.com/office/drawing/2010/main" Requires="a14">
+      <mc:AlternateContent xmlns:mc="http://schemas.openxmlformats.org/markup-compatibility/2006" xmlns:a14="http://schemas.microsoft.com/office/drawing/2010/main">
+        <mc:Choice Requires="a14">
           <p:sp>
             <p:nvSpPr>
               <p:cNvPr id="3" name="Content Placeholder 2"/>
@@ -23836,7 +23814,7 @@
             </p:txBody>
           </p:sp>
         </mc:Choice>
-        <mc:Fallback>
+        <mc:Fallback xmlns="">
           <p:sp>
             <p:nvSpPr>
               <p:cNvPr id="3" name="Content Placeholder 2"/>
@@ -23995,8 +23973,8 @@
           </a:p>
         </p:txBody>
       </p:sp>
-      <mc:AlternateContent xmlns:mc="http://schemas.openxmlformats.org/markup-compatibility/2006">
-        <mc:Choice xmlns:a14="http://schemas.microsoft.com/office/drawing/2010/main" Requires="a14">
+      <mc:AlternateContent xmlns:mc="http://schemas.openxmlformats.org/markup-compatibility/2006" xmlns:a14="http://schemas.microsoft.com/office/drawing/2010/main">
+        <mc:Choice Requires="a14">
           <p:sp>
             <p:nvSpPr>
               <p:cNvPr id="3" name="Content Placeholder 2"/>
@@ -24243,7 +24221,7 @@
             </p:txBody>
           </p:sp>
         </mc:Choice>
-        <mc:Fallback>
+        <mc:Fallback xmlns="">
           <p:sp>
             <p:nvSpPr>
               <p:cNvPr id="3" name="Content Placeholder 2"/>
@@ -28780,8 +28758,8 @@
           </a:p>
         </p:txBody>
       </p:sp>
-      <mc:AlternateContent xmlns:mc="http://schemas.openxmlformats.org/markup-compatibility/2006">
-        <mc:Choice xmlns:a14="http://schemas.microsoft.com/office/drawing/2010/main" Requires="a14">
+      <mc:AlternateContent xmlns:mc="http://schemas.openxmlformats.org/markup-compatibility/2006" xmlns:a14="http://schemas.microsoft.com/office/drawing/2010/main">
+        <mc:Choice Requires="a14">
           <p:sp>
             <p:nvSpPr>
               <p:cNvPr id="3" name="Espaço Reservado para Conteúdo 2">
@@ -29348,7 +29326,7 @@
             </p:txBody>
           </p:sp>
         </mc:Choice>
-        <mc:Fallback>
+        <mc:Fallback xmlns="">
           <p:sp>
             <p:nvSpPr>
               <p:cNvPr id="3" name="Espaço Reservado para Conteúdo 2">

--- a/slides/T320_Classificação (Parte II).pptx
+++ b/slides/T320_Classificação (Parte II).pptx
@@ -15531,12 +15531,24 @@
               <a:t>converge para um </a:t>
             </a:r>
             <a:r>
-              <a:rPr lang="pt-BR" b="1" i="1" dirty="0"/>
+              <a:rPr lang="pt-BR" b="1" i="1" dirty="0">
+                <a:solidFill>
+                  <a:srgbClr val="7030A0"/>
+                </a:solidFill>
+              </a:rPr>
               <a:t>separador perfeito</a:t>
             </a:r>
             <a:r>
+              <a:rPr lang="pt-BR" dirty="0">
+                <a:solidFill>
+                  <a:srgbClr val="7030A0"/>
+                </a:solidFill>
+              </a:rPr>
+              <a:t> </a:t>
+            </a:r>
+            <a:r>
               <a:rPr lang="pt-BR" dirty="0"/>
-              <a:t> quando:</a:t>
+              <a:t>quando:</a:t>
             </a:r>
           </a:p>
           <a:p>
@@ -15585,8 +15597,16 @@
           </a:p>
           <a:p>
             <a:r>
+              <a:rPr lang="pt-BR" b="1" i="1" dirty="0">
+                <a:solidFill>
+                  <a:srgbClr val="7030A0"/>
+                </a:solidFill>
+              </a:rPr>
+              <a:t>Separador perfeito</a:t>
+            </a:r>
+            <a:r>
               <a:rPr lang="pt-BR" b="1" i="1" dirty="0"/>
-              <a:t>Separador perfeito: </a:t>
+              <a:t>: </a:t>
             </a:r>
             <a:r>
               <a:rPr lang="pt-BR" dirty="0"/>
@@ -15596,13 +15616,8 @@
           <a:p>
             <a:r>
               <a:rPr lang="pt-BR" dirty="0"/>
-              <a:t>Porém, na prática essa situação não é </a:t>
-            </a:r>
-            <a:r>
-              <a:rPr lang="pt-BR"/>
-              <a:t>muito comum.</a:t>
-            </a:r>
-            <a:endParaRPr lang="pt-BR" dirty="0"/>
+              <a:t>Porém, na prática essa situação não é muito comum.</a:t>
+            </a:r>
           </a:p>
         </p:txBody>
       </p:sp>
@@ -15945,8 +15960,8 @@
         </p:nvSpPr>
         <p:spPr>
           <a:xfrm>
-            <a:off x="7472695" y="6519445"/>
-            <a:ext cx="4719305" cy="338554"/>
+            <a:off x="8024449" y="6550222"/>
+            <a:ext cx="4167551" cy="307777"/>
           </a:xfrm>
           <a:prstGeom prst="rect">
             <a:avLst/>
@@ -15959,12 +15974,12 @@
           <a:lstStyle/>
           <a:p>
             <a:r>
-              <a:rPr lang="pt-BR" sz="1600" dirty="0">
+              <a:rPr lang="pt-BR" sz="1400" dirty="0">
                 <a:hlinkClick r:id="rId4"/>
               </a:rPr>
               <a:t>Exemplo: classificador_linear_com_limiar_rigido.ipynb</a:t>
             </a:r>
-            <a:endParaRPr lang="pt-BR" sz="1600" dirty="0"/>
+            <a:endParaRPr lang="pt-BR" sz="1400" dirty="0"/>
           </a:p>
         </p:txBody>
       </p:sp>
@@ -16366,8 +16381,8 @@
           </a:p>
         </p:txBody>
       </p:sp>
-      <mc:AlternateContent xmlns:mc="http://schemas.openxmlformats.org/markup-compatibility/2006" xmlns:a14="http://schemas.microsoft.com/office/drawing/2010/main">
-        <mc:Choice Requires="a14">
+      <mc:AlternateContent xmlns:mc="http://schemas.openxmlformats.org/markup-compatibility/2006">
+        <mc:Choice xmlns:a14="http://schemas.microsoft.com/office/drawing/2010/main" Requires="a14">
           <p:sp>
             <p:nvSpPr>
               <p:cNvPr id="3" name="Content Placeholder 2"/>
@@ -16405,14 +16420,22 @@
                 <a:r>
                   <a:rPr lang="pt-BR" b="1" i="1" dirty="0">
                     <a:solidFill>
-                      <a:srgbClr val="00B050"/>
+                      <a:srgbClr val="7030A0"/>
                     </a:solidFill>
                   </a:rPr>
                   <a:t>muito confiantes</a:t>
                 </a:r>
                 <a:r>
+                  <a:rPr lang="pt-BR" dirty="0">
+                    <a:solidFill>
+                      <a:srgbClr val="7030A0"/>
+                    </a:solidFill>
+                  </a:rPr>
+                  <a:t> </a:t>
+                </a:r>
+                <a:r>
                   <a:rPr lang="pt-BR" dirty="0"/>
-                  <a:t> sempre iguais 0 para </a:t>
+                  <a:t>sempre iguais 0 para </a:t>
                 </a:r>
                 <a14:m>
                   <m:oMath xmlns:m="http://schemas.openxmlformats.org/officeDocument/2006/math">
@@ -16607,7 +16630,7 @@
             </p:txBody>
           </p:sp>
         </mc:Choice>
-        <mc:Fallback xmlns="">
+        <mc:Fallback>
           <p:sp>
             <p:nvSpPr>
               <p:cNvPr id="3" name="Content Placeholder 2"/>
@@ -18230,19 +18253,12 @@
               <a:rPr lang="pt-BR" dirty="0">
                 <a:hlinkClick r:id="rId4"/>
               </a:rPr>
-              <a:t>Instruções para resolução e entrega dos </a:t>
-            </a:r>
-            <a:r>
-              <a:rPr lang="pt-BR">
-                <a:hlinkClick r:id="rId4"/>
-              </a:rPr>
-              <a:t>laboratórios</a:t>
-            </a:r>
-            <a:r>
-              <a:rPr lang="pt-BR"/>
+              <a:t>Instruções para resolução e entrega dos laboratórios</a:t>
+            </a:r>
+            <a:r>
+              <a:rPr lang="pt-BR" dirty="0"/>
               <a:t>.</a:t>
             </a:r>
-            <a:endParaRPr lang="pt-BR" dirty="0"/>
           </a:p>
         </p:txBody>
       </p:sp>

--- a/slides/T320_Classificação (Parte II).pptx
+++ b/slides/T320_Classificação (Parte II).pptx
@@ -299,7 +299,7 @@
           <a:p>
             <a:fld id="{144F1436-6906-4D93-B7A2-786C327BFA14}" type="datetimeFigureOut">
               <a:rPr lang="nl-BE" smtClean="0"/>
-              <a:t>24/02/2024</a:t>
+              <a:t>1/03/2024</a:t>
             </a:fld>
             <a:endParaRPr lang="nl-BE"/>
           </a:p>
@@ -464,7 +464,7 @@
           <a:p>
             <a:fld id="{AA8CD09E-2914-4F47-B6C1-51B2C31814C9}" type="datetimeFigureOut">
               <a:rPr lang="pt-BR" smtClean="0"/>
-              <a:t>24/02/2024</a:t>
+              <a:t>01/03/2024</a:t>
             </a:fld>
             <a:endParaRPr lang="pt-BR"/>
           </a:p>
@@ -5451,7 +5451,7 @@
           <a:p>
             <a:fld id="{63289F7E-B80B-496E-81B4-D396C37C9454}" type="datetimeFigureOut">
               <a:rPr lang="pt-BR" smtClean="0"/>
-              <a:t>24/02/2024</a:t>
+              <a:t>01/03/2024</a:t>
             </a:fld>
             <a:endParaRPr lang="pt-BR"/>
           </a:p>
@@ -5649,7 +5649,7 @@
           <a:p>
             <a:fld id="{63289F7E-B80B-496E-81B4-D396C37C9454}" type="datetimeFigureOut">
               <a:rPr lang="pt-BR" smtClean="0"/>
-              <a:t>24/02/2024</a:t>
+              <a:t>01/03/2024</a:t>
             </a:fld>
             <a:endParaRPr lang="pt-BR"/>
           </a:p>
@@ -5857,7 +5857,7 @@
           <a:p>
             <a:fld id="{63289F7E-B80B-496E-81B4-D396C37C9454}" type="datetimeFigureOut">
               <a:rPr lang="pt-BR" smtClean="0"/>
-              <a:t>24/02/2024</a:t>
+              <a:t>01/03/2024</a:t>
             </a:fld>
             <a:endParaRPr lang="pt-BR"/>
           </a:p>
@@ -6055,7 +6055,7 @@
           <a:p>
             <a:fld id="{63289F7E-B80B-496E-81B4-D396C37C9454}" type="datetimeFigureOut">
               <a:rPr lang="pt-BR" smtClean="0"/>
-              <a:t>24/02/2024</a:t>
+              <a:t>01/03/2024</a:t>
             </a:fld>
             <a:endParaRPr lang="pt-BR"/>
           </a:p>
@@ -6330,7 +6330,7 @@
           <a:p>
             <a:fld id="{63289F7E-B80B-496E-81B4-D396C37C9454}" type="datetimeFigureOut">
               <a:rPr lang="pt-BR" smtClean="0"/>
-              <a:t>24/02/2024</a:t>
+              <a:t>01/03/2024</a:t>
             </a:fld>
             <a:endParaRPr lang="pt-BR"/>
           </a:p>
@@ -6595,7 +6595,7 @@
           <a:p>
             <a:fld id="{63289F7E-B80B-496E-81B4-D396C37C9454}" type="datetimeFigureOut">
               <a:rPr lang="pt-BR" smtClean="0"/>
-              <a:t>24/02/2024</a:t>
+              <a:t>01/03/2024</a:t>
             </a:fld>
             <a:endParaRPr lang="pt-BR"/>
           </a:p>
@@ -7007,7 +7007,7 @@
           <a:p>
             <a:fld id="{63289F7E-B80B-496E-81B4-D396C37C9454}" type="datetimeFigureOut">
               <a:rPr lang="pt-BR" smtClean="0"/>
-              <a:t>24/02/2024</a:t>
+              <a:t>01/03/2024</a:t>
             </a:fld>
             <a:endParaRPr lang="pt-BR"/>
           </a:p>
@@ -7148,7 +7148,7 @@
           <a:p>
             <a:fld id="{63289F7E-B80B-496E-81B4-D396C37C9454}" type="datetimeFigureOut">
               <a:rPr lang="pt-BR" smtClean="0"/>
-              <a:t>24/02/2024</a:t>
+              <a:t>01/03/2024</a:t>
             </a:fld>
             <a:endParaRPr lang="pt-BR"/>
           </a:p>
@@ -7261,7 +7261,7 @@
           <a:p>
             <a:fld id="{63289F7E-B80B-496E-81B4-D396C37C9454}" type="datetimeFigureOut">
               <a:rPr lang="pt-BR" smtClean="0"/>
-              <a:t>24/02/2024</a:t>
+              <a:t>01/03/2024</a:t>
             </a:fld>
             <a:endParaRPr lang="pt-BR"/>
           </a:p>
@@ -7572,7 +7572,7 @@
           <a:p>
             <a:fld id="{63289F7E-B80B-496E-81B4-D396C37C9454}" type="datetimeFigureOut">
               <a:rPr lang="pt-BR" smtClean="0"/>
-              <a:t>24/02/2024</a:t>
+              <a:t>01/03/2024</a:t>
             </a:fld>
             <a:endParaRPr lang="pt-BR"/>
           </a:p>
@@ -7860,7 +7860,7 @@
           <a:p>
             <a:fld id="{63289F7E-B80B-496E-81B4-D396C37C9454}" type="datetimeFigureOut">
               <a:rPr lang="pt-BR" smtClean="0"/>
-              <a:t>24/02/2024</a:t>
+              <a:t>01/03/2024</a:t>
             </a:fld>
             <a:endParaRPr lang="pt-BR"/>
           </a:p>
@@ -8101,7 +8101,7 @@
           <a:p>
             <a:fld id="{63289F7E-B80B-496E-81B4-D396C37C9454}" type="datetimeFigureOut">
               <a:rPr lang="pt-BR" smtClean="0"/>
-              <a:t>24/02/2024</a:t>
+              <a:t>01/03/2024</a:t>
             </a:fld>
             <a:endParaRPr lang="pt-BR"/>
           </a:p>
@@ -16517,7 +16517,7 @@
                       <a:srgbClr val="00B050"/>
                     </a:solidFill>
                   </a:rPr>
-                  <a:t>independente se o exemplo está distante ou não da fronteira de decisão</a:t>
+                  <a:t>independente se o exemplo está distante ou próximo da fronteira de decisão</a:t>
                 </a:r>
                 <a:r>
                   <a:rPr lang="pt-BR" dirty="0"/>
@@ -16563,7 +16563,19 @@
                 </a:r>
                 <a:r>
                   <a:rPr lang="pt-BR" dirty="0"/>
-                  <a:t> de realmente </a:t>
+                  <a:t> de </a:t>
+                </a:r>
+                <a:r>
+                  <a:rPr lang="pt-BR" b="1" i="1" dirty="0">
+                    <a:solidFill>
+                      <a:srgbClr val="7030A0"/>
+                    </a:solidFill>
+                  </a:rPr>
+                  <a:t>realmente</a:t>
+                </a:r>
+                <a:r>
+                  <a:rPr lang="pt-BR" dirty="0"/>
+                  <a:t> </a:t>
                 </a:r>
                 <a:r>
                   <a:rPr lang="pt-BR" b="1" i="1" dirty="0">
@@ -17150,8 +17162,8 @@
           </a:p>
         </p:txBody>
       </p:sp>
-      <mc:AlternateContent xmlns:mc="http://schemas.openxmlformats.org/markup-compatibility/2006" xmlns:a14="http://schemas.microsoft.com/office/drawing/2010/main">
-        <mc:Choice Requires="a14">
+      <mc:AlternateContent xmlns:mc="http://schemas.openxmlformats.org/markup-compatibility/2006">
+        <mc:Choice xmlns:a14="http://schemas.microsoft.com/office/drawing/2010/main" Requires="a14">
           <p:sp>
             <p:nvSpPr>
               <p:cNvPr id="3" name="Content Placeholder 2"/>
@@ -17164,8 +17176,8 @@
             </p:nvSpPr>
             <p:spPr>
               <a:xfrm>
-                <a:off x="5501413" y="1825624"/>
-                <a:ext cx="6540166" cy="5032376"/>
+                <a:off x="5053783" y="1825624"/>
+                <a:ext cx="6987796" cy="5032376"/>
               </a:xfrm>
             </p:spPr>
             <p:txBody>
@@ -17386,7 +17398,7 @@
             </p:txBody>
           </p:sp>
         </mc:Choice>
-        <mc:Fallback xmlns="">
+        <mc:Fallback>
           <p:sp>
             <p:nvSpPr>
               <p:cNvPr id="3" name="Content Placeholder 2"/>
@@ -17399,13 +17411,13 @@
             </p:nvSpPr>
             <p:spPr>
               <a:xfrm>
-                <a:off x="5501413" y="1825624"/>
-                <a:ext cx="6540166" cy="5032376"/>
+                <a:off x="5053783" y="1825624"/>
+                <a:ext cx="6987796" cy="5032376"/>
               </a:xfrm>
               <a:blipFill>
                 <a:blip r:embed="rId3"/>
                 <a:stretch>
-                  <a:fillRect l="-1678" t="-1937" r="-2703"/>
+                  <a:fillRect l="-1571" t="-1937" r="-2531"/>
                 </a:stretch>
               </a:blipFill>
             </p:spPr>

--- a/slides/T320_Classificação (Parte II).pptx
+++ b/slides/T320_Classificação (Parte II).pptx
@@ -5,10 +5,10 @@
     <p:sldMasterId id="2147483648" r:id="rId1"/>
   </p:sldMasterIdLst>
   <p:notesMasterIdLst>
-    <p:notesMasterId r:id="rId27"/>
+    <p:notesMasterId r:id="rId29"/>
   </p:notesMasterIdLst>
   <p:handoutMasterIdLst>
-    <p:handoutMasterId r:id="rId28"/>
+    <p:handoutMasterId r:id="rId30"/>
   </p:handoutMasterIdLst>
   <p:sldIdLst>
     <p:sldId id="256" r:id="rId2"/>
@@ -22,20 +22,22 @@
     <p:sldId id="375" r:id="rId10"/>
     <p:sldId id="376" r:id="rId11"/>
     <p:sldId id="346" r:id="rId12"/>
-    <p:sldId id="377" r:id="rId13"/>
-    <p:sldId id="378" r:id="rId14"/>
-    <p:sldId id="348" r:id="rId15"/>
-    <p:sldId id="380" r:id="rId16"/>
-    <p:sldId id="381" r:id="rId17"/>
-    <p:sldId id="382" r:id="rId18"/>
-    <p:sldId id="383" r:id="rId19"/>
-    <p:sldId id="385" r:id="rId20"/>
-    <p:sldId id="387" r:id="rId21"/>
-    <p:sldId id="389" r:id="rId22"/>
-    <p:sldId id="386" r:id="rId23"/>
-    <p:sldId id="324" r:id="rId24"/>
-    <p:sldId id="306" r:id="rId25"/>
-    <p:sldId id="367" r:id="rId26"/>
+    <p:sldId id="390" r:id="rId13"/>
+    <p:sldId id="391" r:id="rId14"/>
+    <p:sldId id="377" r:id="rId15"/>
+    <p:sldId id="378" r:id="rId16"/>
+    <p:sldId id="348" r:id="rId17"/>
+    <p:sldId id="380" r:id="rId18"/>
+    <p:sldId id="381" r:id="rId19"/>
+    <p:sldId id="382" r:id="rId20"/>
+    <p:sldId id="383" r:id="rId21"/>
+    <p:sldId id="385" r:id="rId22"/>
+    <p:sldId id="387" r:id="rId23"/>
+    <p:sldId id="389" r:id="rId24"/>
+    <p:sldId id="386" r:id="rId25"/>
+    <p:sldId id="324" r:id="rId26"/>
+    <p:sldId id="306" r:id="rId27"/>
+    <p:sldId id="367" r:id="rId28"/>
   </p:sldIdLst>
   <p:sldSz cx="12192000" cy="6858000"/>
   <p:notesSz cx="7315200" cy="9601200"/>
@@ -299,7 +301,7 @@
           <a:p>
             <a:fld id="{144F1436-6906-4D93-B7A2-786C327BFA14}" type="datetimeFigureOut">
               <a:rPr lang="nl-BE" smtClean="0"/>
-              <a:t>1/03/2024</a:t>
+              <a:t>3/08/2024</a:t>
             </a:fld>
             <a:endParaRPr lang="nl-BE"/>
           </a:p>
@@ -464,7 +466,7 @@
           <a:p>
             <a:fld id="{AA8CD09E-2914-4F47-B6C1-51B2C31814C9}" type="datetimeFigureOut">
               <a:rPr lang="pt-BR" smtClean="0"/>
-              <a:t>01/03/2024</a:t>
+              <a:t>03/08/2024</a:t>
             </a:fld>
             <a:endParaRPr lang="pt-BR"/>
           </a:p>
@@ -834,6 +836,93 @@
       </p:grpSpPr>
       <p:sp>
         <p:nvSpPr>
+          <p:cNvPr id="2" name="Slide Image Placeholder 1"/>
+          <p:cNvSpPr>
+            <a:spLocks noGrp="1" noRot="1" noChangeAspect="1"/>
+          </p:cNvSpPr>
+          <p:nvPr>
+            <p:ph type="sldImg"/>
+          </p:nvPr>
+        </p:nvSpPr>
+        <p:spPr/>
+      </p:sp>
+      <p:sp>
+        <p:nvSpPr>
+          <p:cNvPr id="3" name="Notes Placeholder 2"/>
+          <p:cNvSpPr>
+            <a:spLocks noGrp="1"/>
+          </p:cNvSpPr>
+          <p:nvPr>
+            <p:ph type="body" idx="1"/>
+          </p:nvPr>
+        </p:nvSpPr>
+        <p:spPr/>
+        <p:txBody>
+          <a:bodyPr/>
+          <a:lstStyle/>
+          <a:p>
+            <a:r>
+              <a:rPr lang="pt-BR" dirty="0"/>
+              <a:t>O classificador sempre anuncia uma previsão completamente confiante de 0 ou 1, mesmo para exemplos muito próximos do limite. Em muitas situações, precisamos realmente de previsões mais graduadas.</a:t>
+            </a:r>
+          </a:p>
+        </p:txBody>
+      </p:sp>
+      <p:sp>
+        <p:nvSpPr>
+          <p:cNvPr id="4" name="Slide Number Placeholder 3"/>
+          <p:cNvSpPr>
+            <a:spLocks noGrp="1"/>
+          </p:cNvSpPr>
+          <p:nvPr>
+            <p:ph type="sldNum" sz="quarter" idx="10"/>
+          </p:nvPr>
+        </p:nvSpPr>
+        <p:spPr/>
+        <p:txBody>
+          <a:bodyPr/>
+          <a:lstStyle/>
+          <a:p>
+            <a:fld id="{F430A2A4-8C14-4B1A-AD48-7B6401078BF7}" type="slidenum">
+              <a:rPr lang="pt-BR" smtClean="0"/>
+              <a:t>13</a:t>
+            </a:fld>
+            <a:endParaRPr lang="pt-BR"/>
+          </a:p>
+        </p:txBody>
+      </p:sp>
+    </p:spTree>
+    <p:extLst>
+      <p:ext uri="{BB962C8B-B14F-4D97-AF65-F5344CB8AC3E}">
+        <p14:creationId xmlns:p14="http://schemas.microsoft.com/office/powerpoint/2010/main" val="1327913198"/>
+      </p:ext>
+    </p:extLst>
+  </p:cSld>
+  <p:clrMapOvr>
+    <a:masterClrMapping/>
+  </p:clrMapOvr>
+</p:notes>
+</file>
+
+<file path=ppt/notesSlides/notesSlide11.xml><?xml version="1.0" encoding="utf-8"?>
+<p:notes xmlns:a="http://schemas.openxmlformats.org/drawingml/2006/main" xmlns:r="http://schemas.openxmlformats.org/officeDocument/2006/relationships" xmlns:p="http://schemas.openxmlformats.org/presentationml/2006/main">
+  <p:cSld>
+    <p:spTree>
+      <p:nvGrpSpPr>
+        <p:cNvPr id="1" name=""/>
+        <p:cNvGrpSpPr/>
+        <p:nvPr/>
+      </p:nvGrpSpPr>
+      <p:grpSpPr>
+        <a:xfrm>
+          <a:off x="0" y="0"/>
+          <a:ext cx="0" cy="0"/>
+          <a:chOff x="0" y="0"/>
+          <a:chExt cx="0" cy="0"/>
+        </a:xfrm>
+      </p:grpSpPr>
+      <p:sp>
+        <p:nvSpPr>
           <p:cNvPr id="2" name="Espaço Reservado para Imagem de Slide 1"/>
           <p:cNvSpPr>
             <a:spLocks noGrp="1" noRot="1" noChangeAspect="1"/>
@@ -1996,6 +2085,9 @@
             <a:endParaRPr lang="pt-BR" dirty="0"/>
           </a:p>
           <a:p>
+            <a:endParaRPr lang="pt-BR" dirty="0"/>
+          </a:p>
+          <a:p>
             <a:r>
               <a:rPr lang="pt-BR" dirty="0"/>
               <a:t>O que é uma regra intuitiva?</a:t>
@@ -2068,7 +2160,1279 @@
           <a:p>
             <a:fld id="{6FC8D850-966F-45A6-8DE7-15B891E7D40D}" type="slidenum">
               <a:rPr lang="pt-BR" smtClean="0"/>
-              <a:t>13</a:t>
+              <a:t>14</a:t>
+            </a:fld>
+            <a:endParaRPr lang="pt-BR"/>
+          </a:p>
+        </p:txBody>
+      </p:sp>
+    </p:spTree>
+    <p:extLst>
+      <p:ext uri="{BB962C8B-B14F-4D97-AF65-F5344CB8AC3E}">
+        <p14:creationId xmlns:p14="http://schemas.microsoft.com/office/powerpoint/2010/main" val="2511962398"/>
+      </p:ext>
+    </p:extLst>
+  </p:cSld>
+  <p:clrMapOvr>
+    <a:masterClrMapping/>
+  </p:clrMapOvr>
+</p:notes>
+</file>
+
+<file path=ppt/notesSlides/notesSlide12.xml><?xml version="1.0" encoding="utf-8"?>
+<p:notes xmlns:a="http://schemas.openxmlformats.org/drawingml/2006/main" xmlns:r="http://schemas.openxmlformats.org/officeDocument/2006/relationships" xmlns:p="http://schemas.openxmlformats.org/presentationml/2006/main">
+  <p:cSld>
+    <p:spTree>
+      <p:nvGrpSpPr>
+        <p:cNvPr id="1" name=""/>
+        <p:cNvGrpSpPr/>
+        <p:nvPr/>
+      </p:nvGrpSpPr>
+      <p:grpSpPr>
+        <a:xfrm>
+          <a:off x="0" y="0"/>
+          <a:ext cx="0" cy="0"/>
+          <a:chOff x="0" y="0"/>
+          <a:chExt cx="0" cy="0"/>
+        </a:xfrm>
+      </p:grpSpPr>
+      <p:sp>
+        <p:nvSpPr>
+          <p:cNvPr id="2" name="Espaço Reservado para Imagem de Slide 1"/>
+          <p:cNvSpPr>
+            <a:spLocks noGrp="1" noRot="1" noChangeAspect="1"/>
+          </p:cNvSpPr>
+          <p:nvPr>
+            <p:ph type="sldImg"/>
+          </p:nvPr>
+        </p:nvSpPr>
+        <p:spPr/>
+      </p:sp>
+      <p:sp>
+        <p:nvSpPr>
+          <p:cNvPr id="3" name="Espaço Reservado para Anotações 2"/>
+          <p:cNvSpPr>
+            <a:spLocks noGrp="1"/>
+          </p:cNvSpPr>
+          <p:nvPr>
+            <p:ph type="body" idx="1"/>
+          </p:nvPr>
+        </p:nvSpPr>
+        <p:spPr/>
+        <p:txBody>
+          <a:bodyPr/>
+          <a:lstStyle/>
+          <a:p>
+            <a:r>
+              <a:rPr lang="en-US" sz="1200" b="0" i="0" kern="1200" dirty="0">
+                <a:solidFill>
+                  <a:schemeClr val="tx1"/>
+                </a:solidFill>
+                <a:effectLst/>
+                <a:latin typeface="+mn-lt"/>
+                <a:ea typeface="+mn-ea"/>
+                <a:cs typeface="+mn-cs"/>
+              </a:rPr>
+              <a:t>“Stochastic”, in plain terms means “random”.</a:t>
+            </a:r>
+          </a:p>
+          <a:p>
+            <a:endParaRPr lang="en-US" sz="1200" b="0" i="0" kern="1200" dirty="0">
+              <a:solidFill>
+                <a:schemeClr val="tx1"/>
+              </a:solidFill>
+              <a:effectLst/>
+              <a:latin typeface="+mn-lt"/>
+              <a:ea typeface="+mn-ea"/>
+              <a:cs typeface="+mn-cs"/>
+            </a:endParaRPr>
+          </a:p>
+          <a:p>
+            <a:r>
+              <a:rPr lang="en-US" sz="1200" b="0" i="0" kern="1200" dirty="0">
+                <a:solidFill>
+                  <a:schemeClr val="tx1"/>
+                </a:solidFill>
+                <a:effectLst/>
+                <a:latin typeface="+mn-lt"/>
+                <a:ea typeface="+mn-ea"/>
+                <a:cs typeface="+mn-cs"/>
+              </a:rPr>
+              <a:t>A </a:t>
+            </a:r>
+            <a:r>
+              <a:rPr lang="en-US" sz="1200" b="0" i="0" kern="1200" dirty="0" err="1">
+                <a:solidFill>
+                  <a:schemeClr val="tx1"/>
+                </a:solidFill>
+                <a:effectLst/>
+                <a:latin typeface="+mn-lt"/>
+                <a:ea typeface="+mn-ea"/>
+                <a:cs typeface="+mn-cs"/>
+              </a:rPr>
+              <a:t>aleatoriedade</a:t>
+            </a:r>
+            <a:r>
+              <a:rPr lang="en-US" sz="1200" b="0" i="0" kern="1200" dirty="0">
+                <a:solidFill>
+                  <a:schemeClr val="tx1"/>
+                </a:solidFill>
+                <a:effectLst/>
+                <a:latin typeface="+mn-lt"/>
+                <a:ea typeface="+mn-ea"/>
+                <a:cs typeface="+mn-cs"/>
+              </a:rPr>
+              <a:t> </a:t>
+            </a:r>
+            <a:r>
+              <a:rPr lang="en-US" sz="1200" b="0" i="0" kern="1200" dirty="0" err="1">
+                <a:solidFill>
+                  <a:schemeClr val="tx1"/>
+                </a:solidFill>
+                <a:effectLst/>
+                <a:latin typeface="+mn-lt"/>
+                <a:ea typeface="+mn-ea"/>
+                <a:cs typeface="+mn-cs"/>
+              </a:rPr>
+              <a:t>na</a:t>
+            </a:r>
+            <a:r>
+              <a:rPr lang="en-US" sz="1200" b="0" i="0" kern="1200" dirty="0">
+                <a:solidFill>
+                  <a:schemeClr val="tx1"/>
+                </a:solidFill>
+                <a:effectLst/>
+                <a:latin typeface="+mn-lt"/>
+                <a:ea typeface="+mn-ea"/>
+                <a:cs typeface="+mn-cs"/>
+              </a:rPr>
+              <a:t> </a:t>
+            </a:r>
+            <a:r>
+              <a:rPr lang="en-US" sz="1200" b="0" i="0" kern="1200" dirty="0" err="1">
+                <a:solidFill>
+                  <a:schemeClr val="tx1"/>
+                </a:solidFill>
+                <a:effectLst/>
+                <a:latin typeface="+mn-lt"/>
+                <a:ea typeface="+mn-ea"/>
+                <a:cs typeface="+mn-cs"/>
+              </a:rPr>
+              <a:t>seleção</a:t>
+            </a:r>
+            <a:r>
+              <a:rPr lang="en-US" sz="1200" b="0" i="0" kern="1200" dirty="0">
+                <a:solidFill>
+                  <a:schemeClr val="tx1"/>
+                </a:solidFill>
+                <a:effectLst/>
+                <a:latin typeface="+mn-lt"/>
+                <a:ea typeface="+mn-ea"/>
+                <a:cs typeface="+mn-cs"/>
+              </a:rPr>
+              <a:t> das </a:t>
+            </a:r>
+            <a:r>
+              <a:rPr lang="en-US" sz="1200" b="0" i="0" kern="1200" dirty="0" err="1">
+                <a:solidFill>
+                  <a:schemeClr val="tx1"/>
+                </a:solidFill>
+                <a:effectLst/>
+                <a:latin typeface="+mn-lt"/>
+                <a:ea typeface="+mn-ea"/>
+                <a:cs typeface="+mn-cs"/>
+              </a:rPr>
+              <a:t>amostras</a:t>
+            </a:r>
+            <a:r>
+              <a:rPr lang="en-US" sz="1200" b="0" i="0" kern="1200" dirty="0">
+                <a:solidFill>
+                  <a:schemeClr val="tx1"/>
+                </a:solidFill>
+                <a:effectLst/>
+                <a:latin typeface="+mn-lt"/>
+                <a:ea typeface="+mn-ea"/>
+                <a:cs typeface="+mn-cs"/>
+              </a:rPr>
+              <a:t> </a:t>
+            </a:r>
+            <a:r>
+              <a:rPr lang="en-US" sz="1200" b="0" i="0" kern="1200" dirty="0" err="1">
+                <a:solidFill>
+                  <a:schemeClr val="tx1"/>
+                </a:solidFill>
+                <a:effectLst/>
+                <a:latin typeface="+mn-lt"/>
+                <a:ea typeface="+mn-ea"/>
+                <a:cs typeface="+mn-cs"/>
+              </a:rPr>
+              <a:t>ajuda</a:t>
+            </a:r>
+            <a:r>
+              <a:rPr lang="en-US" sz="1200" b="0" i="0" kern="1200" dirty="0">
+                <a:solidFill>
+                  <a:schemeClr val="tx1"/>
+                </a:solidFill>
+                <a:effectLst/>
+                <a:latin typeface="+mn-lt"/>
+                <a:ea typeface="+mn-ea"/>
+                <a:cs typeface="+mn-cs"/>
+              </a:rPr>
+              <a:t> o </a:t>
+            </a:r>
+            <a:r>
+              <a:rPr lang="en-US" sz="1200" b="0" i="0" kern="1200" dirty="0" err="1">
+                <a:solidFill>
+                  <a:schemeClr val="tx1"/>
+                </a:solidFill>
+                <a:effectLst/>
+                <a:latin typeface="+mn-lt"/>
+                <a:ea typeface="+mn-ea"/>
+                <a:cs typeface="+mn-cs"/>
+              </a:rPr>
+              <a:t>algoritmo</a:t>
+            </a:r>
+            <a:r>
+              <a:rPr lang="en-US" sz="1200" b="0" i="0" kern="1200" dirty="0">
+                <a:solidFill>
+                  <a:schemeClr val="tx1"/>
+                </a:solidFill>
+                <a:effectLst/>
+                <a:latin typeface="+mn-lt"/>
+                <a:ea typeface="+mn-ea"/>
+                <a:cs typeface="+mn-cs"/>
+              </a:rPr>
+              <a:t> a </a:t>
+            </a:r>
+            <a:r>
+              <a:rPr lang="en-US" sz="1200" b="0" i="0" kern="1200" dirty="0" err="1">
+                <a:solidFill>
+                  <a:schemeClr val="tx1"/>
+                </a:solidFill>
+                <a:effectLst/>
+                <a:latin typeface="+mn-lt"/>
+                <a:ea typeface="+mn-ea"/>
+                <a:cs typeface="+mn-cs"/>
+              </a:rPr>
+              <a:t>ir</a:t>
+            </a:r>
+            <a:r>
+              <a:rPr lang="en-US" sz="1200" b="0" i="0" kern="1200" dirty="0">
+                <a:solidFill>
+                  <a:schemeClr val="tx1"/>
+                </a:solidFill>
+                <a:effectLst/>
+                <a:latin typeface="+mn-lt"/>
+                <a:ea typeface="+mn-ea"/>
+                <a:cs typeface="+mn-cs"/>
+              </a:rPr>
+              <a:t> </a:t>
+            </a:r>
+            <a:r>
+              <a:rPr lang="en-US" sz="1200" b="0" i="0" kern="1200" dirty="0" err="1">
+                <a:solidFill>
+                  <a:schemeClr val="tx1"/>
+                </a:solidFill>
+                <a:effectLst/>
+                <a:latin typeface="+mn-lt"/>
+                <a:ea typeface="+mn-ea"/>
+                <a:cs typeface="+mn-cs"/>
+              </a:rPr>
+              <a:t>em</a:t>
+            </a:r>
+            <a:r>
+              <a:rPr lang="en-US" sz="1200" b="0" i="0" kern="1200" dirty="0">
+                <a:solidFill>
+                  <a:schemeClr val="tx1"/>
+                </a:solidFill>
+                <a:effectLst/>
+                <a:latin typeface="+mn-lt"/>
+                <a:ea typeface="+mn-ea"/>
+                <a:cs typeface="+mn-cs"/>
+              </a:rPr>
+              <a:t> </a:t>
+            </a:r>
+            <a:r>
+              <a:rPr lang="en-US" sz="1200" b="0" i="0" kern="1200" dirty="0" err="1">
+                <a:solidFill>
+                  <a:schemeClr val="tx1"/>
+                </a:solidFill>
+                <a:effectLst/>
+                <a:latin typeface="+mn-lt"/>
+                <a:ea typeface="+mn-ea"/>
+                <a:cs typeface="+mn-cs"/>
+              </a:rPr>
+              <a:t>direção</a:t>
+            </a:r>
+            <a:r>
+              <a:rPr lang="en-US" sz="1200" b="0" i="0" kern="1200" dirty="0">
+                <a:solidFill>
+                  <a:schemeClr val="tx1"/>
+                </a:solidFill>
+                <a:effectLst/>
+                <a:latin typeface="+mn-lt"/>
+                <a:ea typeface="+mn-ea"/>
+                <a:cs typeface="+mn-cs"/>
+              </a:rPr>
+              <a:t> </a:t>
+            </a:r>
+            <a:r>
+              <a:rPr lang="en-US" sz="1200" b="0" i="0" kern="1200" dirty="0" err="1">
+                <a:solidFill>
+                  <a:schemeClr val="tx1"/>
+                </a:solidFill>
+                <a:effectLst/>
+                <a:latin typeface="+mn-lt"/>
+                <a:ea typeface="+mn-ea"/>
+                <a:cs typeface="+mn-cs"/>
+              </a:rPr>
+              <a:t>ao</a:t>
+            </a:r>
+            <a:r>
+              <a:rPr lang="en-US" sz="1200" b="0" i="0" kern="1200" dirty="0">
+                <a:solidFill>
+                  <a:schemeClr val="tx1"/>
+                </a:solidFill>
+                <a:effectLst/>
+                <a:latin typeface="+mn-lt"/>
+                <a:ea typeface="+mn-ea"/>
+                <a:cs typeface="+mn-cs"/>
+              </a:rPr>
+              <a:t> </a:t>
+            </a:r>
+            <a:r>
+              <a:rPr lang="en-US" sz="1200" b="0" i="0" kern="1200" dirty="0" err="1">
+                <a:solidFill>
+                  <a:schemeClr val="tx1"/>
+                </a:solidFill>
+                <a:effectLst/>
+                <a:latin typeface="+mn-lt"/>
+                <a:ea typeface="+mn-ea"/>
+                <a:cs typeface="+mn-cs"/>
+              </a:rPr>
+              <a:t>mínimo</a:t>
+            </a:r>
+            <a:r>
+              <a:rPr lang="en-US" sz="1200" b="0" i="0" kern="1200" dirty="0">
+                <a:solidFill>
+                  <a:schemeClr val="tx1"/>
+                </a:solidFill>
+                <a:effectLst/>
+                <a:latin typeface="+mn-lt"/>
+                <a:ea typeface="+mn-ea"/>
+                <a:cs typeface="+mn-cs"/>
+              </a:rPr>
+              <a:t>, pois as chances de </a:t>
+            </a:r>
+            <a:r>
+              <a:rPr lang="en-US" sz="1200" b="0" i="0" kern="1200" dirty="0" err="1">
+                <a:solidFill>
+                  <a:schemeClr val="tx1"/>
+                </a:solidFill>
+                <a:effectLst/>
+                <a:latin typeface="+mn-lt"/>
+                <a:ea typeface="+mn-ea"/>
+                <a:cs typeface="+mn-cs"/>
+              </a:rPr>
+              <a:t>termos</a:t>
+            </a:r>
+            <a:r>
+              <a:rPr lang="en-US" sz="1200" b="0" i="0" kern="1200" dirty="0">
+                <a:solidFill>
+                  <a:schemeClr val="tx1"/>
+                </a:solidFill>
+                <a:effectLst/>
+                <a:latin typeface="+mn-lt"/>
+                <a:ea typeface="+mn-ea"/>
+                <a:cs typeface="+mn-cs"/>
+              </a:rPr>
+              <a:t> </a:t>
+            </a:r>
+            <a:r>
+              <a:rPr lang="en-US" sz="1200" b="0" i="0" kern="1200" dirty="0" err="1">
+                <a:solidFill>
+                  <a:schemeClr val="tx1"/>
+                </a:solidFill>
+                <a:effectLst/>
+                <a:latin typeface="+mn-lt"/>
+                <a:ea typeface="+mn-ea"/>
+                <a:cs typeface="+mn-cs"/>
+              </a:rPr>
+              <a:t>épocas</a:t>
+            </a:r>
+            <a:r>
+              <a:rPr lang="en-US" sz="1200" b="0" i="0" kern="1200" dirty="0">
+                <a:solidFill>
+                  <a:schemeClr val="tx1"/>
+                </a:solidFill>
+                <a:effectLst/>
+                <a:latin typeface="+mn-lt"/>
+                <a:ea typeface="+mn-ea"/>
+                <a:cs typeface="+mn-cs"/>
+              </a:rPr>
+              <a:t> </a:t>
+            </a:r>
+            <a:r>
+              <a:rPr lang="en-US" sz="1200" b="0" i="0" kern="1200" dirty="0" err="1">
+                <a:solidFill>
+                  <a:schemeClr val="tx1"/>
+                </a:solidFill>
+                <a:effectLst/>
+                <a:latin typeface="+mn-lt"/>
+                <a:ea typeface="+mn-ea"/>
+                <a:cs typeface="+mn-cs"/>
+              </a:rPr>
+              <a:t>onde</a:t>
+            </a:r>
+            <a:r>
+              <a:rPr lang="en-US" sz="1200" b="0" i="0" kern="1200" dirty="0">
+                <a:solidFill>
+                  <a:schemeClr val="tx1"/>
+                </a:solidFill>
+                <a:effectLst/>
+                <a:latin typeface="+mn-lt"/>
+                <a:ea typeface="+mn-ea"/>
+                <a:cs typeface="+mn-cs"/>
+              </a:rPr>
+              <a:t> </a:t>
+            </a:r>
+            <a:r>
+              <a:rPr lang="en-US" sz="1200" b="0" i="0" kern="1200" dirty="0" err="1">
+                <a:solidFill>
+                  <a:schemeClr val="tx1"/>
+                </a:solidFill>
+                <a:effectLst/>
+                <a:latin typeface="+mn-lt"/>
+                <a:ea typeface="+mn-ea"/>
+                <a:cs typeface="+mn-cs"/>
+              </a:rPr>
+              <a:t>todas</a:t>
+            </a:r>
+            <a:r>
+              <a:rPr lang="en-US" sz="1200" b="0" i="0" kern="1200" dirty="0">
+                <a:solidFill>
+                  <a:schemeClr val="tx1"/>
+                </a:solidFill>
+                <a:effectLst/>
+                <a:latin typeface="+mn-lt"/>
+                <a:ea typeface="+mn-ea"/>
+                <a:cs typeface="+mn-cs"/>
+              </a:rPr>
+              <a:t> as </a:t>
+            </a:r>
+            <a:r>
+              <a:rPr lang="en-US" sz="1200" b="0" i="0" kern="1200" dirty="0" err="1">
+                <a:solidFill>
+                  <a:schemeClr val="tx1"/>
+                </a:solidFill>
+                <a:effectLst/>
+                <a:latin typeface="+mn-lt"/>
+                <a:ea typeface="+mn-ea"/>
+                <a:cs typeface="+mn-cs"/>
+              </a:rPr>
+              <a:t>amostras</a:t>
+            </a:r>
+            <a:r>
+              <a:rPr lang="en-US" sz="1200" b="0" i="0" kern="1200" dirty="0">
+                <a:solidFill>
+                  <a:schemeClr val="tx1"/>
+                </a:solidFill>
+                <a:effectLst/>
+                <a:latin typeface="+mn-lt"/>
+                <a:ea typeface="+mn-ea"/>
+                <a:cs typeface="+mn-cs"/>
+              </a:rPr>
+              <a:t> </a:t>
+            </a:r>
+            <a:r>
+              <a:rPr lang="en-US" sz="1200" b="0" i="0" kern="1200" dirty="0" err="1">
+                <a:solidFill>
+                  <a:schemeClr val="tx1"/>
+                </a:solidFill>
+                <a:effectLst/>
+                <a:latin typeface="+mn-lt"/>
+                <a:ea typeface="+mn-ea"/>
+                <a:cs typeface="+mn-cs"/>
+              </a:rPr>
+              <a:t>fazem</a:t>
+            </a:r>
+            <a:r>
+              <a:rPr lang="en-US" sz="1200" b="0" i="0" kern="1200" dirty="0">
+                <a:solidFill>
+                  <a:schemeClr val="tx1"/>
+                </a:solidFill>
+                <a:effectLst/>
+                <a:latin typeface="+mn-lt"/>
+                <a:ea typeface="+mn-ea"/>
+                <a:cs typeface="+mn-cs"/>
+              </a:rPr>
+              <a:t> com que o </a:t>
+            </a:r>
+            <a:r>
+              <a:rPr lang="en-US" sz="1200" b="0" i="0" kern="1200" dirty="0" err="1">
+                <a:solidFill>
+                  <a:schemeClr val="tx1"/>
+                </a:solidFill>
+                <a:effectLst/>
+                <a:latin typeface="+mn-lt"/>
+                <a:ea typeface="+mn-ea"/>
+                <a:cs typeface="+mn-cs"/>
+              </a:rPr>
+              <a:t>algoritmo</a:t>
+            </a:r>
+            <a:r>
+              <a:rPr lang="en-US" sz="1200" b="0" i="0" kern="1200" dirty="0">
+                <a:solidFill>
+                  <a:schemeClr val="tx1"/>
+                </a:solidFill>
+                <a:effectLst/>
+                <a:latin typeface="+mn-lt"/>
+                <a:ea typeface="+mn-ea"/>
+                <a:cs typeface="+mn-cs"/>
+              </a:rPr>
+              <a:t> se </a:t>
+            </a:r>
+            <a:r>
+              <a:rPr lang="en-US" sz="1200" b="0" i="0" kern="1200" dirty="0" err="1">
+                <a:solidFill>
+                  <a:schemeClr val="tx1"/>
+                </a:solidFill>
+                <a:effectLst/>
+                <a:latin typeface="+mn-lt"/>
+                <a:ea typeface="+mn-ea"/>
+                <a:cs typeface="+mn-cs"/>
+              </a:rPr>
+              <a:t>distancie</a:t>
+            </a:r>
+            <a:r>
+              <a:rPr lang="en-US" sz="1200" b="0" i="0" kern="1200" dirty="0">
+                <a:solidFill>
+                  <a:schemeClr val="tx1"/>
+                </a:solidFill>
+                <a:effectLst/>
+                <a:latin typeface="+mn-lt"/>
+                <a:ea typeface="+mn-ea"/>
+                <a:cs typeface="+mn-cs"/>
+              </a:rPr>
+              <a:t> do </a:t>
+            </a:r>
+            <a:r>
+              <a:rPr lang="en-US" sz="1200" b="0" i="0" kern="1200" dirty="0" err="1">
+                <a:solidFill>
+                  <a:schemeClr val="tx1"/>
+                </a:solidFill>
+                <a:effectLst/>
+                <a:latin typeface="+mn-lt"/>
+                <a:ea typeface="+mn-ea"/>
+                <a:cs typeface="+mn-cs"/>
+              </a:rPr>
+              <a:t>mínimo</a:t>
+            </a:r>
+            <a:r>
+              <a:rPr lang="en-US" sz="1200" b="0" i="0" kern="1200" dirty="0">
+                <a:solidFill>
+                  <a:schemeClr val="tx1"/>
+                </a:solidFill>
+                <a:effectLst/>
+                <a:latin typeface="+mn-lt"/>
+                <a:ea typeface="+mn-ea"/>
+                <a:cs typeface="+mn-cs"/>
+              </a:rPr>
+              <a:t> </a:t>
+            </a:r>
+            <a:r>
+              <a:rPr lang="en-US" sz="1200" b="0" i="0" kern="1200" dirty="0" err="1">
+                <a:solidFill>
+                  <a:schemeClr val="tx1"/>
+                </a:solidFill>
+                <a:effectLst/>
+                <a:latin typeface="+mn-lt"/>
+                <a:ea typeface="+mn-ea"/>
+                <a:cs typeface="+mn-cs"/>
+              </a:rPr>
+              <a:t>são</a:t>
+            </a:r>
+            <a:r>
+              <a:rPr lang="en-US" sz="1200" b="0" i="0" kern="1200" dirty="0">
+                <a:solidFill>
+                  <a:schemeClr val="tx1"/>
+                </a:solidFill>
+                <a:effectLst/>
+                <a:latin typeface="+mn-lt"/>
+                <a:ea typeface="+mn-ea"/>
+                <a:cs typeface="+mn-cs"/>
+              </a:rPr>
+              <a:t> </a:t>
+            </a:r>
+            <a:r>
+              <a:rPr lang="en-US" sz="1200" b="0" i="0" kern="1200" dirty="0" err="1">
+                <a:solidFill>
+                  <a:schemeClr val="tx1"/>
+                </a:solidFill>
+                <a:effectLst/>
+                <a:latin typeface="+mn-lt"/>
+                <a:ea typeface="+mn-ea"/>
+                <a:cs typeface="+mn-cs"/>
+              </a:rPr>
+              <a:t>muito</a:t>
+            </a:r>
+            <a:r>
+              <a:rPr lang="en-US" sz="1200" b="0" i="0" kern="1200" dirty="0">
+                <a:solidFill>
+                  <a:schemeClr val="tx1"/>
+                </a:solidFill>
+                <a:effectLst/>
+                <a:latin typeface="+mn-lt"/>
+                <a:ea typeface="+mn-ea"/>
+                <a:cs typeface="+mn-cs"/>
+              </a:rPr>
+              <a:t> </a:t>
+            </a:r>
+            <a:r>
+              <a:rPr lang="en-US" sz="1200" b="0" i="0" kern="1200" dirty="0" err="1">
+                <a:solidFill>
+                  <a:schemeClr val="tx1"/>
+                </a:solidFill>
+                <a:effectLst/>
+                <a:latin typeface="+mn-lt"/>
+                <a:ea typeface="+mn-ea"/>
+                <a:cs typeface="+mn-cs"/>
+              </a:rPr>
+              <a:t>baixas</a:t>
+            </a:r>
+            <a:r>
+              <a:rPr lang="en-US" sz="1200" b="0" i="0" kern="1200" dirty="0">
+                <a:solidFill>
+                  <a:schemeClr val="tx1"/>
+                </a:solidFill>
+                <a:effectLst/>
+                <a:latin typeface="+mn-lt"/>
+                <a:ea typeface="+mn-ea"/>
+                <a:cs typeface="+mn-cs"/>
+              </a:rPr>
+              <a:t> </a:t>
+            </a:r>
+            <a:r>
+              <a:rPr lang="en-US" sz="1200" b="0" i="0" kern="1200" dirty="0" err="1">
+                <a:solidFill>
+                  <a:schemeClr val="tx1"/>
+                </a:solidFill>
+                <a:effectLst/>
+                <a:latin typeface="+mn-lt"/>
+                <a:ea typeface="+mn-ea"/>
+                <a:cs typeface="+mn-cs"/>
+              </a:rPr>
+              <a:t>ou</a:t>
+            </a:r>
+            <a:r>
+              <a:rPr lang="en-US" sz="1200" b="0" i="0" kern="1200" dirty="0">
+                <a:solidFill>
+                  <a:schemeClr val="tx1"/>
+                </a:solidFill>
+                <a:effectLst/>
+                <a:latin typeface="+mn-lt"/>
+                <a:ea typeface="+mn-ea"/>
+                <a:cs typeface="+mn-cs"/>
+              </a:rPr>
+              <a:t> </a:t>
+            </a:r>
+            <a:r>
+              <a:rPr lang="en-US" sz="1200" b="0" i="0" kern="1200" dirty="0" err="1">
+                <a:solidFill>
+                  <a:schemeClr val="tx1"/>
+                </a:solidFill>
+                <a:effectLst/>
+                <a:latin typeface="+mn-lt"/>
+                <a:ea typeface="+mn-ea"/>
+                <a:cs typeface="+mn-cs"/>
+              </a:rPr>
+              <a:t>inexistentes</a:t>
+            </a:r>
+            <a:r>
+              <a:rPr lang="en-US" sz="1200" b="0" i="0" kern="1200" dirty="0">
+                <a:solidFill>
+                  <a:schemeClr val="tx1"/>
+                </a:solidFill>
+                <a:effectLst/>
+                <a:latin typeface="+mn-lt"/>
+                <a:ea typeface="+mn-ea"/>
+                <a:cs typeface="+mn-cs"/>
+              </a:rPr>
+              <a:t>. </a:t>
+            </a:r>
+          </a:p>
+          <a:p>
+            <a:r>
+              <a:rPr lang="en-US" sz="1200" b="0" i="0" kern="1200" dirty="0">
+                <a:solidFill>
+                  <a:schemeClr val="tx1"/>
+                </a:solidFill>
+                <a:effectLst/>
+                <a:latin typeface="+mn-lt"/>
+                <a:ea typeface="+mn-ea"/>
+                <a:cs typeface="+mn-cs"/>
+              </a:rPr>
+              <a:t>Imagine se </a:t>
+            </a:r>
+            <a:r>
+              <a:rPr lang="en-US" sz="1200" b="0" i="0" kern="1200" dirty="0" err="1">
+                <a:solidFill>
+                  <a:schemeClr val="tx1"/>
+                </a:solidFill>
+                <a:effectLst/>
+                <a:latin typeface="+mn-lt"/>
+                <a:ea typeface="+mn-ea"/>
+                <a:cs typeface="+mn-cs"/>
+              </a:rPr>
+              <a:t>não</a:t>
+            </a:r>
+            <a:r>
+              <a:rPr lang="en-US" sz="1200" b="0" i="0" kern="1200" dirty="0">
+                <a:solidFill>
+                  <a:schemeClr val="tx1"/>
+                </a:solidFill>
+                <a:effectLst/>
+                <a:latin typeface="+mn-lt"/>
+                <a:ea typeface="+mn-ea"/>
+                <a:cs typeface="+mn-cs"/>
+              </a:rPr>
+              <a:t> </a:t>
+            </a:r>
+            <a:r>
+              <a:rPr lang="en-US" sz="1200" b="0" i="0" kern="1200" dirty="0" err="1">
+                <a:solidFill>
+                  <a:schemeClr val="tx1"/>
+                </a:solidFill>
+                <a:effectLst/>
+                <a:latin typeface="+mn-lt"/>
+                <a:ea typeface="+mn-ea"/>
+                <a:cs typeface="+mn-cs"/>
+              </a:rPr>
+              <a:t>houvesse</a:t>
+            </a:r>
+            <a:r>
+              <a:rPr lang="en-US" sz="1200" b="0" i="0" kern="1200" dirty="0">
+                <a:solidFill>
+                  <a:schemeClr val="tx1"/>
+                </a:solidFill>
+                <a:effectLst/>
+                <a:latin typeface="+mn-lt"/>
+                <a:ea typeface="+mn-ea"/>
+                <a:cs typeface="+mn-cs"/>
+              </a:rPr>
+              <a:t> a </a:t>
+            </a:r>
+            <a:r>
+              <a:rPr lang="en-US" sz="1200" b="0" i="0" kern="1200" dirty="0" err="1">
+                <a:solidFill>
+                  <a:schemeClr val="tx1"/>
+                </a:solidFill>
+                <a:effectLst/>
+                <a:latin typeface="+mn-lt"/>
+                <a:ea typeface="+mn-ea"/>
+                <a:cs typeface="+mn-cs"/>
+              </a:rPr>
+              <a:t>seleção</a:t>
+            </a:r>
+            <a:r>
+              <a:rPr lang="en-US" sz="1200" b="0" i="0" kern="1200" dirty="0">
+                <a:solidFill>
+                  <a:schemeClr val="tx1"/>
+                </a:solidFill>
+                <a:effectLst/>
+                <a:latin typeface="+mn-lt"/>
+                <a:ea typeface="+mn-ea"/>
+                <a:cs typeface="+mn-cs"/>
+              </a:rPr>
+              <a:t> </a:t>
+            </a:r>
+            <a:r>
+              <a:rPr lang="en-US" sz="1200" b="0" i="0" kern="1200" dirty="0" err="1">
+                <a:solidFill>
+                  <a:schemeClr val="tx1"/>
+                </a:solidFill>
+                <a:effectLst/>
+                <a:latin typeface="+mn-lt"/>
+                <a:ea typeface="+mn-ea"/>
+                <a:cs typeface="+mn-cs"/>
+              </a:rPr>
+              <a:t>aleatória</a:t>
+            </a:r>
+            <a:r>
+              <a:rPr lang="en-US" sz="1200" b="0" i="0" kern="1200" dirty="0">
+                <a:solidFill>
+                  <a:schemeClr val="tx1"/>
+                </a:solidFill>
+                <a:effectLst/>
+                <a:latin typeface="+mn-lt"/>
+                <a:ea typeface="+mn-ea"/>
+                <a:cs typeface="+mn-cs"/>
+              </a:rPr>
+              <a:t> de </a:t>
+            </a:r>
+            <a:r>
+              <a:rPr lang="en-US" sz="1200" b="0" i="0" kern="1200" dirty="0" err="1">
+                <a:solidFill>
+                  <a:schemeClr val="tx1"/>
+                </a:solidFill>
+                <a:effectLst/>
+                <a:latin typeface="+mn-lt"/>
+                <a:ea typeface="+mn-ea"/>
+                <a:cs typeface="+mn-cs"/>
+              </a:rPr>
+              <a:t>amostras</a:t>
+            </a:r>
+            <a:r>
+              <a:rPr lang="en-US" sz="1200" b="0" i="0" kern="1200" dirty="0">
+                <a:solidFill>
+                  <a:schemeClr val="tx1"/>
+                </a:solidFill>
+                <a:effectLst/>
+                <a:latin typeface="+mn-lt"/>
+                <a:ea typeface="+mn-ea"/>
+                <a:cs typeface="+mn-cs"/>
+              </a:rPr>
+              <a:t>, </a:t>
+            </a:r>
+            <a:r>
+              <a:rPr lang="en-US" sz="1200" b="0" i="0" kern="1200" dirty="0" err="1">
+                <a:solidFill>
+                  <a:schemeClr val="tx1"/>
+                </a:solidFill>
+                <a:effectLst/>
+                <a:latin typeface="+mn-lt"/>
+                <a:ea typeface="+mn-ea"/>
+                <a:cs typeface="+mn-cs"/>
+              </a:rPr>
+              <a:t>poderia</a:t>
+            </a:r>
+            <a:r>
+              <a:rPr lang="en-US" sz="1200" b="0" i="0" kern="1200" dirty="0">
+                <a:solidFill>
+                  <a:schemeClr val="tx1"/>
+                </a:solidFill>
+                <a:effectLst/>
+                <a:latin typeface="+mn-lt"/>
+                <a:ea typeface="+mn-ea"/>
+                <a:cs typeface="+mn-cs"/>
+              </a:rPr>
+              <a:t> </a:t>
+            </a:r>
+            <a:r>
+              <a:rPr lang="en-US" sz="1200" b="0" i="0" kern="1200" dirty="0" err="1">
+                <a:solidFill>
+                  <a:schemeClr val="tx1"/>
+                </a:solidFill>
+                <a:effectLst/>
+                <a:latin typeface="+mn-lt"/>
+                <a:ea typeface="+mn-ea"/>
+                <a:cs typeface="+mn-cs"/>
+              </a:rPr>
+              <a:t>ocorrer</a:t>
+            </a:r>
+            <a:r>
+              <a:rPr lang="en-US" sz="1200" b="0" i="0" kern="1200" dirty="0">
+                <a:solidFill>
+                  <a:schemeClr val="tx1"/>
+                </a:solidFill>
+                <a:effectLst/>
+                <a:latin typeface="+mn-lt"/>
+                <a:ea typeface="+mn-ea"/>
+                <a:cs typeface="+mn-cs"/>
+              </a:rPr>
+              <a:t> </a:t>
+            </a:r>
+            <a:r>
+              <a:rPr lang="en-US" sz="1200" b="0" i="0" kern="1200" dirty="0" err="1">
+                <a:solidFill>
+                  <a:schemeClr val="tx1"/>
+                </a:solidFill>
+                <a:effectLst/>
+                <a:latin typeface="+mn-lt"/>
+                <a:ea typeface="+mn-ea"/>
+                <a:cs typeface="+mn-cs"/>
+              </a:rPr>
+              <a:t>uma</a:t>
+            </a:r>
+            <a:r>
+              <a:rPr lang="en-US" sz="1200" b="0" i="0" kern="1200" dirty="0">
+                <a:solidFill>
+                  <a:schemeClr val="tx1"/>
+                </a:solidFill>
+                <a:effectLst/>
+                <a:latin typeface="+mn-lt"/>
+                <a:ea typeface="+mn-ea"/>
+                <a:cs typeface="+mn-cs"/>
+              </a:rPr>
+              <a:t> </a:t>
+            </a:r>
+            <a:r>
+              <a:rPr lang="en-US" sz="1200" b="0" i="0" kern="1200" dirty="0" err="1">
+                <a:solidFill>
+                  <a:schemeClr val="tx1"/>
+                </a:solidFill>
+                <a:effectLst/>
+                <a:latin typeface="+mn-lt"/>
+                <a:ea typeface="+mn-ea"/>
+                <a:cs typeface="+mn-cs"/>
+              </a:rPr>
+              <a:t>situação</a:t>
+            </a:r>
+            <a:r>
+              <a:rPr lang="en-US" sz="1200" b="0" i="0" kern="1200" dirty="0">
+                <a:solidFill>
+                  <a:schemeClr val="tx1"/>
+                </a:solidFill>
+                <a:effectLst/>
+                <a:latin typeface="+mn-lt"/>
+                <a:ea typeface="+mn-ea"/>
+                <a:cs typeface="+mn-cs"/>
+              </a:rPr>
+              <a:t> </a:t>
+            </a:r>
+            <a:r>
+              <a:rPr lang="en-US" sz="1200" b="0" i="0" kern="1200" dirty="0" err="1">
+                <a:solidFill>
+                  <a:schemeClr val="tx1"/>
+                </a:solidFill>
+                <a:effectLst/>
+                <a:latin typeface="+mn-lt"/>
+                <a:ea typeface="+mn-ea"/>
+                <a:cs typeface="+mn-cs"/>
+              </a:rPr>
+              <a:t>onde</a:t>
+            </a:r>
+            <a:r>
+              <a:rPr lang="en-US" sz="1200" b="0" i="0" kern="1200" dirty="0">
+                <a:solidFill>
+                  <a:schemeClr val="tx1"/>
+                </a:solidFill>
+                <a:effectLst/>
+                <a:latin typeface="+mn-lt"/>
+                <a:ea typeface="+mn-ea"/>
+                <a:cs typeface="+mn-cs"/>
+              </a:rPr>
+              <a:t> as </a:t>
+            </a:r>
+            <a:r>
+              <a:rPr lang="en-US" sz="1200" b="0" i="0" kern="1200" dirty="0" err="1">
+                <a:solidFill>
+                  <a:schemeClr val="tx1"/>
+                </a:solidFill>
+                <a:effectLst/>
+                <a:latin typeface="+mn-lt"/>
+                <a:ea typeface="+mn-ea"/>
+                <a:cs typeface="+mn-cs"/>
+              </a:rPr>
+              <a:t>amostras</a:t>
+            </a:r>
+            <a:r>
+              <a:rPr lang="en-US" sz="1200" b="0" i="0" kern="1200" dirty="0">
+                <a:solidFill>
+                  <a:schemeClr val="tx1"/>
+                </a:solidFill>
+                <a:effectLst/>
+                <a:latin typeface="+mn-lt"/>
+                <a:ea typeface="+mn-ea"/>
+                <a:cs typeface="+mn-cs"/>
+              </a:rPr>
+              <a:t> </a:t>
+            </a:r>
+            <a:r>
+              <a:rPr lang="en-US" sz="1200" b="0" i="0" kern="1200" dirty="0" err="1">
+                <a:solidFill>
+                  <a:schemeClr val="tx1"/>
+                </a:solidFill>
+                <a:effectLst/>
+                <a:latin typeface="+mn-lt"/>
+                <a:ea typeface="+mn-ea"/>
+                <a:cs typeface="+mn-cs"/>
+              </a:rPr>
+              <a:t>seguem</a:t>
+            </a:r>
+            <a:r>
+              <a:rPr lang="en-US" sz="1200" b="0" i="0" kern="1200" dirty="0">
+                <a:solidFill>
+                  <a:schemeClr val="tx1"/>
+                </a:solidFill>
+                <a:effectLst/>
+                <a:latin typeface="+mn-lt"/>
+                <a:ea typeface="+mn-ea"/>
+                <a:cs typeface="+mn-cs"/>
+              </a:rPr>
+              <a:t> </a:t>
+            </a:r>
+            <a:r>
+              <a:rPr lang="en-US" sz="1200" b="0" i="0" kern="1200" dirty="0" err="1">
+                <a:solidFill>
+                  <a:schemeClr val="tx1"/>
+                </a:solidFill>
+                <a:effectLst/>
+                <a:latin typeface="+mn-lt"/>
+                <a:ea typeface="+mn-ea"/>
+                <a:cs typeface="+mn-cs"/>
+              </a:rPr>
+              <a:t>uma</a:t>
+            </a:r>
+            <a:r>
+              <a:rPr lang="en-US" sz="1200" b="0" i="0" kern="1200" dirty="0">
+                <a:solidFill>
+                  <a:schemeClr val="tx1"/>
+                </a:solidFill>
+                <a:effectLst/>
+                <a:latin typeface="+mn-lt"/>
+                <a:ea typeface="+mn-ea"/>
+                <a:cs typeface="+mn-cs"/>
+              </a:rPr>
+              <a:t> </a:t>
+            </a:r>
+            <a:r>
+              <a:rPr lang="en-US" sz="1200" b="0" i="0" kern="1200" dirty="0" err="1">
+                <a:solidFill>
+                  <a:schemeClr val="tx1"/>
+                </a:solidFill>
+                <a:effectLst/>
+                <a:latin typeface="+mn-lt"/>
+                <a:ea typeface="+mn-ea"/>
+                <a:cs typeface="+mn-cs"/>
+              </a:rPr>
+              <a:t>sequência</a:t>
+            </a:r>
+            <a:r>
+              <a:rPr lang="en-US" sz="1200" b="0" i="0" kern="1200" dirty="0">
+                <a:solidFill>
+                  <a:schemeClr val="tx1"/>
+                </a:solidFill>
+                <a:effectLst/>
+                <a:latin typeface="+mn-lt"/>
+                <a:ea typeface="+mn-ea"/>
+                <a:cs typeface="+mn-cs"/>
+              </a:rPr>
+              <a:t> que </a:t>
+            </a:r>
+            <a:r>
+              <a:rPr lang="en-US" sz="1200" b="0" i="0" kern="1200" dirty="0" err="1">
+                <a:solidFill>
+                  <a:schemeClr val="tx1"/>
+                </a:solidFill>
+                <a:effectLst/>
+                <a:latin typeface="+mn-lt"/>
+                <a:ea typeface="+mn-ea"/>
+                <a:cs typeface="+mn-cs"/>
+              </a:rPr>
+              <a:t>faz</a:t>
+            </a:r>
+            <a:r>
+              <a:rPr lang="en-US" sz="1200" b="0" i="0" kern="1200" dirty="0">
+                <a:solidFill>
+                  <a:schemeClr val="tx1"/>
+                </a:solidFill>
+                <a:effectLst/>
+                <a:latin typeface="+mn-lt"/>
+                <a:ea typeface="+mn-ea"/>
+                <a:cs typeface="+mn-cs"/>
+              </a:rPr>
+              <a:t> com que o </a:t>
+            </a:r>
+            <a:r>
+              <a:rPr lang="en-US" sz="1200" b="0" i="0" kern="1200" dirty="0" err="1">
+                <a:solidFill>
+                  <a:schemeClr val="tx1"/>
+                </a:solidFill>
+                <a:effectLst/>
+                <a:latin typeface="+mn-lt"/>
+                <a:ea typeface="+mn-ea"/>
+                <a:cs typeface="+mn-cs"/>
+              </a:rPr>
+              <a:t>algoritmo</a:t>
+            </a:r>
+            <a:r>
+              <a:rPr lang="en-US" sz="1200" b="0" i="0" kern="1200" dirty="0">
+                <a:solidFill>
+                  <a:schemeClr val="tx1"/>
+                </a:solidFill>
+                <a:effectLst/>
+                <a:latin typeface="+mn-lt"/>
+                <a:ea typeface="+mn-ea"/>
+                <a:cs typeface="+mn-cs"/>
+              </a:rPr>
+              <a:t> se </a:t>
+            </a:r>
+            <a:r>
+              <a:rPr lang="en-US" sz="1200" b="0" i="0" kern="1200" dirty="0" err="1">
+                <a:solidFill>
+                  <a:schemeClr val="tx1"/>
+                </a:solidFill>
+                <a:effectLst/>
+                <a:latin typeface="+mn-lt"/>
+                <a:ea typeface="+mn-ea"/>
+                <a:cs typeface="+mn-cs"/>
+              </a:rPr>
+              <a:t>distancie</a:t>
+            </a:r>
+            <a:r>
+              <a:rPr lang="en-US" sz="1200" b="0" i="0" kern="1200" dirty="0">
+                <a:solidFill>
+                  <a:schemeClr val="tx1"/>
+                </a:solidFill>
+                <a:effectLst/>
+                <a:latin typeface="+mn-lt"/>
+                <a:ea typeface="+mn-ea"/>
+                <a:cs typeface="+mn-cs"/>
+              </a:rPr>
+              <a:t> do </a:t>
+            </a:r>
+            <a:r>
+              <a:rPr lang="en-US" sz="1200" b="0" i="0" kern="1200" dirty="0" err="1">
+                <a:solidFill>
+                  <a:schemeClr val="tx1"/>
+                </a:solidFill>
+                <a:effectLst/>
+                <a:latin typeface="+mn-lt"/>
+                <a:ea typeface="+mn-ea"/>
+                <a:cs typeface="+mn-cs"/>
+              </a:rPr>
+              <a:t>mínimo</a:t>
+            </a:r>
+            <a:r>
+              <a:rPr lang="en-US" sz="1200" b="0" i="0" kern="1200" dirty="0">
+                <a:solidFill>
+                  <a:schemeClr val="tx1"/>
+                </a:solidFill>
+                <a:effectLst/>
+                <a:latin typeface="+mn-lt"/>
+                <a:ea typeface="+mn-ea"/>
+                <a:cs typeface="+mn-cs"/>
+              </a:rPr>
+              <a:t>, </a:t>
+            </a:r>
+            <a:r>
+              <a:rPr lang="en-US" sz="1200" b="0" i="0" kern="1200" dirty="0" err="1">
+                <a:solidFill>
+                  <a:schemeClr val="tx1"/>
+                </a:solidFill>
+                <a:effectLst/>
+                <a:latin typeface="+mn-lt"/>
+                <a:ea typeface="+mn-ea"/>
+                <a:cs typeface="+mn-cs"/>
+              </a:rPr>
+              <a:t>por</a:t>
+            </a:r>
+            <a:r>
+              <a:rPr lang="en-US" sz="1200" b="0" i="0" kern="1200" dirty="0">
+                <a:solidFill>
+                  <a:schemeClr val="tx1"/>
+                </a:solidFill>
+                <a:effectLst/>
+                <a:latin typeface="+mn-lt"/>
+                <a:ea typeface="+mn-ea"/>
+                <a:cs typeface="+mn-cs"/>
+              </a:rPr>
+              <a:t> </a:t>
+            </a:r>
+            <a:r>
+              <a:rPr lang="en-US" sz="1200" b="0" i="0" kern="1200" dirty="0" err="1">
+                <a:solidFill>
+                  <a:schemeClr val="tx1"/>
+                </a:solidFill>
+                <a:effectLst/>
+                <a:latin typeface="+mn-lt"/>
+                <a:ea typeface="+mn-ea"/>
+                <a:cs typeface="+mn-cs"/>
+              </a:rPr>
+              <a:t>exemplo</a:t>
+            </a:r>
+            <a:r>
+              <a:rPr lang="en-US" sz="1200" b="0" i="0" kern="1200" dirty="0">
+                <a:solidFill>
+                  <a:schemeClr val="tx1"/>
+                </a:solidFill>
+                <a:effectLst/>
+                <a:latin typeface="+mn-lt"/>
+                <a:ea typeface="+mn-ea"/>
+                <a:cs typeface="+mn-cs"/>
+              </a:rPr>
+              <a:t>.</a:t>
+            </a:r>
+            <a:endParaRPr lang="pt-BR" dirty="0"/>
+          </a:p>
+          <a:p>
+            <a:endParaRPr lang="pt-BR" dirty="0"/>
+          </a:p>
+          <a:p>
+            <a:r>
+              <a:rPr lang="pt-BR" dirty="0"/>
+              <a:t>O que é uma regra intuitiva?</a:t>
+            </a:r>
+            <a:br>
+              <a:rPr lang="pt-BR" dirty="0"/>
+            </a:br>
+            <a:br>
+              <a:rPr lang="pt-BR" dirty="0"/>
+            </a:br>
+            <a:r>
+              <a:rPr lang="pt-BR" dirty="0"/>
+              <a:t>Uma regra intuitiva é um princípio ou diretriz que é baseado na intuição, no bom senso ou na compreensão natural de um assunto. É uma abordagem que não se baseia necessariamente em análises ou cálculos rigorosos, mas sim em percepções e entendimentos informais. Regras intuitivas muitas vezes são usadas para tomar decisões rápidas ou para fazer inferências com base na experiência pessoal ou conhecimento prévio.</a:t>
+            </a:r>
+            <a:br>
+              <a:rPr lang="pt-BR" dirty="0"/>
+            </a:br>
+            <a:br>
+              <a:rPr lang="pt-BR" dirty="0"/>
+            </a:br>
+            <a:r>
+              <a:rPr lang="pt-BR" dirty="0"/>
+              <a:t>Essas regras são frequentemente desenvolvidas ao longo do tempo, à medida que as pessoas ganham experiência e se familiarizam com um determinado domínio. Elas podem ser úteis quando não há tempo ou recursos suficientes para uma análise detalhada ou quando a complexidade de um problema torna difícil a aplicação de métodos mais formais.</a:t>
+            </a:r>
+            <a:br>
+              <a:rPr lang="pt-BR" dirty="0"/>
+            </a:br>
+            <a:br>
+              <a:rPr lang="pt-BR" dirty="0"/>
+            </a:br>
+            <a:r>
+              <a:rPr lang="pt-BR" dirty="0"/>
+              <a:t>No entanto, é importante notar que as regras intuitivas nem sempre são precisas ou confiáveis, e podem ser influenciadas por vieses cognitivos e percepções subjetivas. Em algumas situações, as decisões baseadas em regras intuitivas podem ser inconsistentes ou levar a resultados </a:t>
+            </a:r>
+            <a:r>
+              <a:rPr lang="pt-BR" dirty="0" err="1"/>
+              <a:t>subótimos</a:t>
+            </a:r>
+            <a:r>
+              <a:rPr lang="pt-BR" dirty="0"/>
+              <a:t>.</a:t>
+            </a:r>
+            <a:br>
+              <a:rPr lang="pt-BR" dirty="0"/>
+            </a:br>
+            <a:br>
+              <a:rPr lang="pt-BR" dirty="0"/>
+            </a:br>
+            <a:r>
+              <a:rPr lang="pt-BR" dirty="0"/>
+              <a:t>Portanto, enquanto as regras intuitivas podem ser úteis como guias rápidos e práticos para a tomada de decisões, é importante equilibrá-las com abordagens mais analíticas e baseadas em evidências, especialmente em situações críticas ou complexas.</a:t>
+            </a:r>
+          </a:p>
+        </p:txBody>
+      </p:sp>
+      <p:sp>
+        <p:nvSpPr>
+          <p:cNvPr id="4" name="Espaço Reservado para Número de Slide 3"/>
+          <p:cNvSpPr>
+            <a:spLocks noGrp="1"/>
+          </p:cNvSpPr>
+          <p:nvPr>
+            <p:ph type="sldNum" sz="quarter" idx="5"/>
+          </p:nvPr>
+        </p:nvSpPr>
+        <p:spPr/>
+        <p:txBody>
+          <a:bodyPr/>
+          <a:lstStyle/>
+          <a:p>
+            <a:fld id="{6FC8D850-966F-45A6-8DE7-15B891E7D40D}" type="slidenum">
+              <a:rPr lang="pt-BR" smtClean="0"/>
+              <a:t>15</a:t>
             </a:fld>
             <a:endParaRPr lang="pt-BR"/>
           </a:p>
@@ -2087,7 +3451,7 @@
 </p:notes>
 </file>
 
-<file path=ppt/notesSlides/notesSlide11.xml><?xml version="1.0" encoding="utf-8"?>
+<file path=ppt/notesSlides/notesSlide13.xml><?xml version="1.0" encoding="utf-8"?>
 <p:notes xmlns:a="http://schemas.openxmlformats.org/drawingml/2006/main" xmlns:r="http://schemas.openxmlformats.org/officeDocument/2006/relationships" xmlns:p="http://schemas.openxmlformats.org/presentationml/2006/main">
   <p:cSld>
     <p:spTree>
@@ -2335,7 +3699,7 @@
           <a:p>
             <a:fld id="{6FC8D850-966F-45A6-8DE7-15B891E7D40D}" type="slidenum">
               <a:rPr lang="pt-BR" smtClean="0"/>
-              <a:t>15</a:t>
+              <a:t>17</a:t>
             </a:fld>
             <a:endParaRPr lang="pt-BR"/>
           </a:p>
@@ -2354,7 +3718,7 @@
 </p:notes>
 </file>
 
-<file path=ppt/notesSlides/notesSlide12.xml><?xml version="1.0" encoding="utf-8"?>
+<file path=ppt/notesSlides/notesSlide14.xml><?xml version="1.0" encoding="utf-8"?>
 <p:notes xmlns:a="http://schemas.openxmlformats.org/drawingml/2006/main" xmlns:r="http://schemas.openxmlformats.org/officeDocument/2006/relationships" xmlns:p="http://schemas.openxmlformats.org/presentationml/2006/main">
   <p:cSld>
     <p:spTree>
@@ -2608,7 +3972,7 @@
           <a:p>
             <a:fld id="{6FC8D850-966F-45A6-8DE7-15B891E7D40D}" type="slidenum">
               <a:rPr lang="pt-BR" smtClean="0"/>
-              <a:t>16</a:t>
+              <a:t>18</a:t>
             </a:fld>
             <a:endParaRPr lang="pt-BR"/>
           </a:p>
@@ -2627,7 +3991,7 @@
 </p:notes>
 </file>
 
-<file path=ppt/notesSlides/notesSlide13.xml><?xml version="1.0" encoding="utf-8"?>
+<file path=ppt/notesSlides/notesSlide15.xml><?xml version="1.0" encoding="utf-8"?>
 <p:notes xmlns:a="http://schemas.openxmlformats.org/drawingml/2006/main" xmlns:r="http://schemas.openxmlformats.org/officeDocument/2006/relationships" xmlns:p="http://schemas.openxmlformats.org/presentationml/2006/main">
   <p:cSld>
     <p:spTree>
@@ -2748,7 +4112,7 @@
           <a:p>
             <a:fld id="{6FC8D850-966F-45A6-8DE7-15B891E7D40D}" type="slidenum">
               <a:rPr lang="pt-BR" smtClean="0"/>
-              <a:t>18</a:t>
+              <a:t>20</a:t>
             </a:fld>
             <a:endParaRPr lang="pt-BR"/>
           </a:p>
@@ -2767,7 +4131,7 @@
 </p:notes>
 </file>
 
-<file path=ppt/notesSlides/notesSlide14.xml><?xml version="1.0" encoding="utf-8"?>
+<file path=ppt/notesSlides/notesSlide16.xml><?xml version="1.0" encoding="utf-8"?>
 <p:notes xmlns:a="http://schemas.openxmlformats.org/drawingml/2006/main" xmlns:r="http://schemas.openxmlformats.org/officeDocument/2006/relationships" xmlns:p="http://schemas.openxmlformats.org/presentationml/2006/main">
   <p:cSld>
     <p:spTree>
@@ -2832,7 +4196,7 @@
           <a:p>
             <a:fld id="{6FC8D850-966F-45A6-8DE7-15B891E7D40D}" type="slidenum">
               <a:rPr lang="pt-BR" smtClean="0"/>
-              <a:t>20</a:t>
+              <a:t>22</a:t>
             </a:fld>
             <a:endParaRPr lang="pt-BR"/>
           </a:p>
@@ -2851,7 +4215,7 @@
 </p:notes>
 </file>
 
-<file path=ppt/notesSlides/notesSlide15.xml><?xml version="1.0" encoding="utf-8"?>
+<file path=ppt/notesSlides/notesSlide17.xml><?xml version="1.0" encoding="utf-8"?>
 <p:notes xmlns:a="http://schemas.openxmlformats.org/drawingml/2006/main" xmlns:r="http://schemas.openxmlformats.org/officeDocument/2006/relationships" xmlns:p="http://schemas.openxmlformats.org/presentationml/2006/main">
   <p:cSld>
     <p:spTree>
@@ -2916,7 +4280,7 @@
           <a:p>
             <a:fld id="{6FC8D850-966F-45A6-8DE7-15B891E7D40D}" type="slidenum">
               <a:rPr lang="pt-BR" smtClean="0"/>
-              <a:t>21</a:t>
+              <a:t>23</a:t>
             </a:fld>
             <a:endParaRPr lang="pt-BR"/>
           </a:p>
@@ -2935,7 +4299,7 @@
 </p:notes>
 </file>
 
-<file path=ppt/notesSlides/notesSlide16.xml><?xml version="1.0" encoding="utf-8"?>
+<file path=ppt/notesSlides/notesSlide18.xml><?xml version="1.0" encoding="utf-8"?>
 <p:notes xmlns:a="http://schemas.openxmlformats.org/drawingml/2006/main" xmlns:r="http://schemas.openxmlformats.org/officeDocument/2006/relationships" xmlns:p="http://schemas.openxmlformats.org/presentationml/2006/main">
   <p:cSld>
     <p:spTree>
@@ -3053,7 +4417,7 @@
           <a:p>
             <a:fld id="{6FC8D850-966F-45A6-8DE7-15B891E7D40D}" type="slidenum">
               <a:rPr lang="pt-BR" smtClean="0"/>
-              <a:t>22</a:t>
+              <a:t>24</a:t>
             </a:fld>
             <a:endParaRPr lang="pt-BR"/>
           </a:p>
@@ -3072,7 +4436,7 @@
 </p:notes>
 </file>
 
-<file path=ppt/notesSlides/notesSlide17.xml><?xml version="1.0" encoding="utf-8"?>
+<file path=ppt/notesSlides/notesSlide19.xml><?xml version="1.0" encoding="utf-8"?>
 <p:notes xmlns:a="http://schemas.openxmlformats.org/drawingml/2006/main" xmlns:r="http://schemas.openxmlformats.org/officeDocument/2006/relationships" xmlns:p="http://schemas.openxmlformats.org/presentationml/2006/main">
   <p:cSld>
     <p:spTree>
@@ -3147,7 +4511,7 @@
           <a:p>
             <a:fld id="{6FC8D850-966F-45A6-8DE7-15B891E7D40D}" type="slidenum">
               <a:rPr lang="pt-BR" smtClean="0"/>
-              <a:t>23</a:t>
+              <a:t>25</a:t>
             </a:fld>
             <a:endParaRPr lang="pt-BR"/>
           </a:p>
@@ -4048,7 +5412,7 @@
       </p:grpSpPr>
       <p:sp>
         <p:nvSpPr>
-          <p:cNvPr id="2" name="Espaço Reservado para Imagem de Slide 1"/>
+          <p:cNvPr id="2" name="Slide Image Placeholder 1"/>
           <p:cNvSpPr>
             <a:spLocks noGrp="1" noRot="1" noChangeAspect="1"/>
           </p:cNvSpPr>
@@ -4060,7 +5424,7 @@
       </p:sp>
       <p:sp>
         <p:nvSpPr>
-          <p:cNvPr id="3" name="Espaço Reservado para Anotações 2"/>
+          <p:cNvPr id="3" name="Notes Placeholder 2"/>
           <p:cNvSpPr>
             <a:spLocks noGrp="1"/>
           </p:cNvSpPr>
@@ -4074,1208 +5438,20 @@
           <a:lstStyle/>
           <a:p>
             <a:r>
-              <a:rPr lang="en-US" sz="1200" b="0" i="0" kern="1200" dirty="0">
-                <a:solidFill>
-                  <a:schemeClr val="tx1"/>
-                </a:solidFill>
-                <a:effectLst/>
-                <a:latin typeface="+mn-lt"/>
-                <a:ea typeface="+mn-ea"/>
-                <a:cs typeface="+mn-cs"/>
-              </a:rPr>
-              <a:t>“Stochastic”, in plain terms means “random”.</a:t>
-            </a:r>
-          </a:p>
-          <a:p>
-            <a:endParaRPr lang="en-US" sz="1200" b="0" i="0" kern="1200" dirty="0">
-              <a:solidFill>
-                <a:schemeClr val="tx1"/>
-              </a:solidFill>
-              <a:effectLst/>
-              <a:latin typeface="+mn-lt"/>
-              <a:ea typeface="+mn-ea"/>
-              <a:cs typeface="+mn-cs"/>
-            </a:endParaRPr>
-          </a:p>
-          <a:p>
-            <a:r>
-              <a:rPr lang="en-US" sz="1200" b="0" i="0" kern="1200" dirty="0">
-                <a:solidFill>
-                  <a:schemeClr val="tx1"/>
-                </a:solidFill>
-                <a:effectLst/>
-                <a:latin typeface="+mn-lt"/>
-                <a:ea typeface="+mn-ea"/>
-                <a:cs typeface="+mn-cs"/>
-              </a:rPr>
-              <a:t>A </a:t>
-            </a:r>
-            <a:r>
-              <a:rPr lang="en-US" sz="1200" b="0" i="0" kern="1200" dirty="0" err="1">
-                <a:solidFill>
-                  <a:schemeClr val="tx1"/>
-                </a:solidFill>
-                <a:effectLst/>
-                <a:latin typeface="+mn-lt"/>
-                <a:ea typeface="+mn-ea"/>
-                <a:cs typeface="+mn-cs"/>
-              </a:rPr>
-              <a:t>aleatoriedade</a:t>
-            </a:r>
-            <a:r>
-              <a:rPr lang="en-US" sz="1200" b="0" i="0" kern="1200" dirty="0">
-                <a:solidFill>
-                  <a:schemeClr val="tx1"/>
-                </a:solidFill>
-                <a:effectLst/>
-                <a:latin typeface="+mn-lt"/>
-                <a:ea typeface="+mn-ea"/>
-                <a:cs typeface="+mn-cs"/>
-              </a:rPr>
-              <a:t> </a:t>
-            </a:r>
-            <a:r>
-              <a:rPr lang="en-US" sz="1200" b="0" i="0" kern="1200" dirty="0" err="1">
-                <a:solidFill>
-                  <a:schemeClr val="tx1"/>
-                </a:solidFill>
-                <a:effectLst/>
-                <a:latin typeface="+mn-lt"/>
-                <a:ea typeface="+mn-ea"/>
-                <a:cs typeface="+mn-cs"/>
-              </a:rPr>
-              <a:t>na</a:t>
-            </a:r>
-            <a:r>
-              <a:rPr lang="en-US" sz="1200" b="0" i="0" kern="1200" dirty="0">
-                <a:solidFill>
-                  <a:schemeClr val="tx1"/>
-                </a:solidFill>
-                <a:effectLst/>
-                <a:latin typeface="+mn-lt"/>
-                <a:ea typeface="+mn-ea"/>
-                <a:cs typeface="+mn-cs"/>
-              </a:rPr>
-              <a:t> </a:t>
-            </a:r>
-            <a:r>
-              <a:rPr lang="en-US" sz="1200" b="0" i="0" kern="1200" dirty="0" err="1">
-                <a:solidFill>
-                  <a:schemeClr val="tx1"/>
-                </a:solidFill>
-                <a:effectLst/>
-                <a:latin typeface="+mn-lt"/>
-                <a:ea typeface="+mn-ea"/>
-                <a:cs typeface="+mn-cs"/>
-              </a:rPr>
-              <a:t>seleção</a:t>
-            </a:r>
-            <a:r>
-              <a:rPr lang="en-US" sz="1200" b="0" i="0" kern="1200" dirty="0">
-                <a:solidFill>
-                  <a:schemeClr val="tx1"/>
-                </a:solidFill>
-                <a:effectLst/>
-                <a:latin typeface="+mn-lt"/>
-                <a:ea typeface="+mn-ea"/>
-                <a:cs typeface="+mn-cs"/>
-              </a:rPr>
-              <a:t> das </a:t>
-            </a:r>
-            <a:r>
-              <a:rPr lang="en-US" sz="1200" b="0" i="0" kern="1200" dirty="0" err="1">
-                <a:solidFill>
-                  <a:schemeClr val="tx1"/>
-                </a:solidFill>
-                <a:effectLst/>
-                <a:latin typeface="+mn-lt"/>
-                <a:ea typeface="+mn-ea"/>
-                <a:cs typeface="+mn-cs"/>
-              </a:rPr>
-              <a:t>amostras</a:t>
-            </a:r>
-            <a:r>
-              <a:rPr lang="en-US" sz="1200" b="0" i="0" kern="1200" dirty="0">
-                <a:solidFill>
-                  <a:schemeClr val="tx1"/>
-                </a:solidFill>
-                <a:effectLst/>
-                <a:latin typeface="+mn-lt"/>
-                <a:ea typeface="+mn-ea"/>
-                <a:cs typeface="+mn-cs"/>
-              </a:rPr>
-              <a:t> </a:t>
-            </a:r>
-            <a:r>
-              <a:rPr lang="en-US" sz="1200" b="0" i="0" kern="1200" dirty="0" err="1">
-                <a:solidFill>
-                  <a:schemeClr val="tx1"/>
-                </a:solidFill>
-                <a:effectLst/>
-                <a:latin typeface="+mn-lt"/>
-                <a:ea typeface="+mn-ea"/>
-                <a:cs typeface="+mn-cs"/>
-              </a:rPr>
-              <a:t>ajuda</a:t>
-            </a:r>
-            <a:r>
-              <a:rPr lang="en-US" sz="1200" b="0" i="0" kern="1200" dirty="0">
-                <a:solidFill>
-                  <a:schemeClr val="tx1"/>
-                </a:solidFill>
-                <a:effectLst/>
-                <a:latin typeface="+mn-lt"/>
-                <a:ea typeface="+mn-ea"/>
-                <a:cs typeface="+mn-cs"/>
-              </a:rPr>
-              <a:t> o </a:t>
-            </a:r>
-            <a:r>
-              <a:rPr lang="en-US" sz="1200" b="0" i="0" kern="1200" dirty="0" err="1">
-                <a:solidFill>
-                  <a:schemeClr val="tx1"/>
-                </a:solidFill>
-                <a:effectLst/>
-                <a:latin typeface="+mn-lt"/>
-                <a:ea typeface="+mn-ea"/>
-                <a:cs typeface="+mn-cs"/>
-              </a:rPr>
-              <a:t>algoritmo</a:t>
-            </a:r>
-            <a:r>
-              <a:rPr lang="en-US" sz="1200" b="0" i="0" kern="1200" dirty="0">
-                <a:solidFill>
-                  <a:schemeClr val="tx1"/>
-                </a:solidFill>
-                <a:effectLst/>
-                <a:latin typeface="+mn-lt"/>
-                <a:ea typeface="+mn-ea"/>
-                <a:cs typeface="+mn-cs"/>
-              </a:rPr>
-              <a:t> a </a:t>
-            </a:r>
-            <a:r>
-              <a:rPr lang="en-US" sz="1200" b="0" i="0" kern="1200" dirty="0" err="1">
-                <a:solidFill>
-                  <a:schemeClr val="tx1"/>
-                </a:solidFill>
-                <a:effectLst/>
-                <a:latin typeface="+mn-lt"/>
-                <a:ea typeface="+mn-ea"/>
-                <a:cs typeface="+mn-cs"/>
-              </a:rPr>
-              <a:t>ir</a:t>
-            </a:r>
-            <a:r>
-              <a:rPr lang="en-US" sz="1200" b="0" i="0" kern="1200" dirty="0">
-                <a:solidFill>
-                  <a:schemeClr val="tx1"/>
-                </a:solidFill>
-                <a:effectLst/>
-                <a:latin typeface="+mn-lt"/>
-                <a:ea typeface="+mn-ea"/>
-                <a:cs typeface="+mn-cs"/>
-              </a:rPr>
-              <a:t> </a:t>
-            </a:r>
-            <a:r>
-              <a:rPr lang="en-US" sz="1200" b="0" i="0" kern="1200" dirty="0" err="1">
-                <a:solidFill>
-                  <a:schemeClr val="tx1"/>
-                </a:solidFill>
-                <a:effectLst/>
-                <a:latin typeface="+mn-lt"/>
-                <a:ea typeface="+mn-ea"/>
-                <a:cs typeface="+mn-cs"/>
-              </a:rPr>
-              <a:t>em</a:t>
-            </a:r>
-            <a:r>
-              <a:rPr lang="en-US" sz="1200" b="0" i="0" kern="1200" dirty="0">
-                <a:solidFill>
-                  <a:schemeClr val="tx1"/>
-                </a:solidFill>
-                <a:effectLst/>
-                <a:latin typeface="+mn-lt"/>
-                <a:ea typeface="+mn-ea"/>
-                <a:cs typeface="+mn-cs"/>
-              </a:rPr>
-              <a:t> </a:t>
-            </a:r>
-            <a:r>
-              <a:rPr lang="en-US" sz="1200" b="0" i="0" kern="1200" dirty="0" err="1">
-                <a:solidFill>
-                  <a:schemeClr val="tx1"/>
-                </a:solidFill>
-                <a:effectLst/>
-                <a:latin typeface="+mn-lt"/>
-                <a:ea typeface="+mn-ea"/>
-                <a:cs typeface="+mn-cs"/>
-              </a:rPr>
-              <a:t>direção</a:t>
-            </a:r>
-            <a:r>
-              <a:rPr lang="en-US" sz="1200" b="0" i="0" kern="1200" dirty="0">
-                <a:solidFill>
-                  <a:schemeClr val="tx1"/>
-                </a:solidFill>
-                <a:effectLst/>
-                <a:latin typeface="+mn-lt"/>
-                <a:ea typeface="+mn-ea"/>
-                <a:cs typeface="+mn-cs"/>
-              </a:rPr>
-              <a:t> </a:t>
-            </a:r>
-            <a:r>
-              <a:rPr lang="en-US" sz="1200" b="0" i="0" kern="1200" dirty="0" err="1">
-                <a:solidFill>
-                  <a:schemeClr val="tx1"/>
-                </a:solidFill>
-                <a:effectLst/>
-                <a:latin typeface="+mn-lt"/>
-                <a:ea typeface="+mn-ea"/>
-                <a:cs typeface="+mn-cs"/>
-              </a:rPr>
-              <a:t>ao</a:t>
-            </a:r>
-            <a:r>
-              <a:rPr lang="en-US" sz="1200" b="0" i="0" kern="1200" dirty="0">
-                <a:solidFill>
-                  <a:schemeClr val="tx1"/>
-                </a:solidFill>
-                <a:effectLst/>
-                <a:latin typeface="+mn-lt"/>
-                <a:ea typeface="+mn-ea"/>
-                <a:cs typeface="+mn-cs"/>
-              </a:rPr>
-              <a:t> </a:t>
-            </a:r>
-            <a:r>
-              <a:rPr lang="en-US" sz="1200" b="0" i="0" kern="1200" dirty="0" err="1">
-                <a:solidFill>
-                  <a:schemeClr val="tx1"/>
-                </a:solidFill>
-                <a:effectLst/>
-                <a:latin typeface="+mn-lt"/>
-                <a:ea typeface="+mn-ea"/>
-                <a:cs typeface="+mn-cs"/>
-              </a:rPr>
-              <a:t>mínimo</a:t>
-            </a:r>
-            <a:r>
-              <a:rPr lang="en-US" sz="1200" b="0" i="0" kern="1200" dirty="0">
-                <a:solidFill>
-                  <a:schemeClr val="tx1"/>
-                </a:solidFill>
-                <a:effectLst/>
-                <a:latin typeface="+mn-lt"/>
-                <a:ea typeface="+mn-ea"/>
-                <a:cs typeface="+mn-cs"/>
-              </a:rPr>
-              <a:t>, pois as chances de </a:t>
-            </a:r>
-            <a:r>
-              <a:rPr lang="en-US" sz="1200" b="0" i="0" kern="1200" dirty="0" err="1">
-                <a:solidFill>
-                  <a:schemeClr val="tx1"/>
-                </a:solidFill>
-                <a:effectLst/>
-                <a:latin typeface="+mn-lt"/>
-                <a:ea typeface="+mn-ea"/>
-                <a:cs typeface="+mn-cs"/>
-              </a:rPr>
-              <a:t>termos</a:t>
-            </a:r>
-            <a:r>
-              <a:rPr lang="en-US" sz="1200" b="0" i="0" kern="1200" dirty="0">
-                <a:solidFill>
-                  <a:schemeClr val="tx1"/>
-                </a:solidFill>
-                <a:effectLst/>
-                <a:latin typeface="+mn-lt"/>
-                <a:ea typeface="+mn-ea"/>
-                <a:cs typeface="+mn-cs"/>
-              </a:rPr>
-              <a:t> </a:t>
-            </a:r>
-            <a:r>
-              <a:rPr lang="en-US" sz="1200" b="0" i="0" kern="1200" dirty="0" err="1">
-                <a:solidFill>
-                  <a:schemeClr val="tx1"/>
-                </a:solidFill>
-                <a:effectLst/>
-                <a:latin typeface="+mn-lt"/>
-                <a:ea typeface="+mn-ea"/>
-                <a:cs typeface="+mn-cs"/>
-              </a:rPr>
-              <a:t>épocas</a:t>
-            </a:r>
-            <a:r>
-              <a:rPr lang="en-US" sz="1200" b="0" i="0" kern="1200" dirty="0">
-                <a:solidFill>
-                  <a:schemeClr val="tx1"/>
-                </a:solidFill>
-                <a:effectLst/>
-                <a:latin typeface="+mn-lt"/>
-                <a:ea typeface="+mn-ea"/>
-                <a:cs typeface="+mn-cs"/>
-              </a:rPr>
-              <a:t> </a:t>
-            </a:r>
-            <a:r>
-              <a:rPr lang="en-US" sz="1200" b="0" i="0" kern="1200" dirty="0" err="1">
-                <a:solidFill>
-                  <a:schemeClr val="tx1"/>
-                </a:solidFill>
-                <a:effectLst/>
-                <a:latin typeface="+mn-lt"/>
-                <a:ea typeface="+mn-ea"/>
-                <a:cs typeface="+mn-cs"/>
-              </a:rPr>
-              <a:t>onde</a:t>
-            </a:r>
-            <a:r>
-              <a:rPr lang="en-US" sz="1200" b="0" i="0" kern="1200" dirty="0">
-                <a:solidFill>
-                  <a:schemeClr val="tx1"/>
-                </a:solidFill>
-                <a:effectLst/>
-                <a:latin typeface="+mn-lt"/>
-                <a:ea typeface="+mn-ea"/>
-                <a:cs typeface="+mn-cs"/>
-              </a:rPr>
-              <a:t> </a:t>
-            </a:r>
-            <a:r>
-              <a:rPr lang="en-US" sz="1200" b="0" i="0" kern="1200" dirty="0" err="1">
-                <a:solidFill>
-                  <a:schemeClr val="tx1"/>
-                </a:solidFill>
-                <a:effectLst/>
-                <a:latin typeface="+mn-lt"/>
-                <a:ea typeface="+mn-ea"/>
-                <a:cs typeface="+mn-cs"/>
-              </a:rPr>
-              <a:t>todas</a:t>
-            </a:r>
-            <a:r>
-              <a:rPr lang="en-US" sz="1200" b="0" i="0" kern="1200" dirty="0">
-                <a:solidFill>
-                  <a:schemeClr val="tx1"/>
-                </a:solidFill>
-                <a:effectLst/>
-                <a:latin typeface="+mn-lt"/>
-                <a:ea typeface="+mn-ea"/>
-                <a:cs typeface="+mn-cs"/>
-              </a:rPr>
-              <a:t> as </a:t>
-            </a:r>
-            <a:r>
-              <a:rPr lang="en-US" sz="1200" b="0" i="0" kern="1200" dirty="0" err="1">
-                <a:solidFill>
-                  <a:schemeClr val="tx1"/>
-                </a:solidFill>
-                <a:effectLst/>
-                <a:latin typeface="+mn-lt"/>
-                <a:ea typeface="+mn-ea"/>
-                <a:cs typeface="+mn-cs"/>
-              </a:rPr>
-              <a:t>amostras</a:t>
-            </a:r>
-            <a:r>
-              <a:rPr lang="en-US" sz="1200" b="0" i="0" kern="1200" dirty="0">
-                <a:solidFill>
-                  <a:schemeClr val="tx1"/>
-                </a:solidFill>
-                <a:effectLst/>
-                <a:latin typeface="+mn-lt"/>
-                <a:ea typeface="+mn-ea"/>
-                <a:cs typeface="+mn-cs"/>
-              </a:rPr>
-              <a:t> </a:t>
-            </a:r>
-            <a:r>
-              <a:rPr lang="en-US" sz="1200" b="0" i="0" kern="1200" dirty="0" err="1">
-                <a:solidFill>
-                  <a:schemeClr val="tx1"/>
-                </a:solidFill>
-                <a:effectLst/>
-                <a:latin typeface="+mn-lt"/>
-                <a:ea typeface="+mn-ea"/>
-                <a:cs typeface="+mn-cs"/>
-              </a:rPr>
-              <a:t>fazem</a:t>
-            </a:r>
-            <a:r>
-              <a:rPr lang="en-US" sz="1200" b="0" i="0" kern="1200" dirty="0">
-                <a:solidFill>
-                  <a:schemeClr val="tx1"/>
-                </a:solidFill>
-                <a:effectLst/>
-                <a:latin typeface="+mn-lt"/>
-                <a:ea typeface="+mn-ea"/>
-                <a:cs typeface="+mn-cs"/>
-              </a:rPr>
-              <a:t> com que o </a:t>
-            </a:r>
-            <a:r>
-              <a:rPr lang="en-US" sz="1200" b="0" i="0" kern="1200" dirty="0" err="1">
-                <a:solidFill>
-                  <a:schemeClr val="tx1"/>
-                </a:solidFill>
-                <a:effectLst/>
-                <a:latin typeface="+mn-lt"/>
-                <a:ea typeface="+mn-ea"/>
-                <a:cs typeface="+mn-cs"/>
-              </a:rPr>
-              <a:t>algoritmo</a:t>
-            </a:r>
-            <a:r>
-              <a:rPr lang="en-US" sz="1200" b="0" i="0" kern="1200" dirty="0">
-                <a:solidFill>
-                  <a:schemeClr val="tx1"/>
-                </a:solidFill>
-                <a:effectLst/>
-                <a:latin typeface="+mn-lt"/>
-                <a:ea typeface="+mn-ea"/>
-                <a:cs typeface="+mn-cs"/>
-              </a:rPr>
-              <a:t> se </a:t>
-            </a:r>
-            <a:r>
-              <a:rPr lang="en-US" sz="1200" b="0" i="0" kern="1200" dirty="0" err="1">
-                <a:solidFill>
-                  <a:schemeClr val="tx1"/>
-                </a:solidFill>
-                <a:effectLst/>
-                <a:latin typeface="+mn-lt"/>
-                <a:ea typeface="+mn-ea"/>
-                <a:cs typeface="+mn-cs"/>
-              </a:rPr>
-              <a:t>distancie</a:t>
-            </a:r>
-            <a:r>
-              <a:rPr lang="en-US" sz="1200" b="0" i="0" kern="1200" dirty="0">
-                <a:solidFill>
-                  <a:schemeClr val="tx1"/>
-                </a:solidFill>
-                <a:effectLst/>
-                <a:latin typeface="+mn-lt"/>
-                <a:ea typeface="+mn-ea"/>
-                <a:cs typeface="+mn-cs"/>
-              </a:rPr>
-              <a:t> do </a:t>
-            </a:r>
-            <a:r>
-              <a:rPr lang="en-US" sz="1200" b="0" i="0" kern="1200" dirty="0" err="1">
-                <a:solidFill>
-                  <a:schemeClr val="tx1"/>
-                </a:solidFill>
-                <a:effectLst/>
-                <a:latin typeface="+mn-lt"/>
-                <a:ea typeface="+mn-ea"/>
-                <a:cs typeface="+mn-cs"/>
-              </a:rPr>
-              <a:t>mínimo</a:t>
-            </a:r>
-            <a:r>
-              <a:rPr lang="en-US" sz="1200" b="0" i="0" kern="1200" dirty="0">
-                <a:solidFill>
-                  <a:schemeClr val="tx1"/>
-                </a:solidFill>
-                <a:effectLst/>
-                <a:latin typeface="+mn-lt"/>
-                <a:ea typeface="+mn-ea"/>
-                <a:cs typeface="+mn-cs"/>
-              </a:rPr>
-              <a:t> </a:t>
-            </a:r>
-            <a:r>
-              <a:rPr lang="en-US" sz="1200" b="0" i="0" kern="1200" dirty="0" err="1">
-                <a:solidFill>
-                  <a:schemeClr val="tx1"/>
-                </a:solidFill>
-                <a:effectLst/>
-                <a:latin typeface="+mn-lt"/>
-                <a:ea typeface="+mn-ea"/>
-                <a:cs typeface="+mn-cs"/>
-              </a:rPr>
-              <a:t>são</a:t>
-            </a:r>
-            <a:r>
-              <a:rPr lang="en-US" sz="1200" b="0" i="0" kern="1200" dirty="0">
-                <a:solidFill>
-                  <a:schemeClr val="tx1"/>
-                </a:solidFill>
-                <a:effectLst/>
-                <a:latin typeface="+mn-lt"/>
-                <a:ea typeface="+mn-ea"/>
-                <a:cs typeface="+mn-cs"/>
-              </a:rPr>
-              <a:t> </a:t>
-            </a:r>
-            <a:r>
-              <a:rPr lang="en-US" sz="1200" b="0" i="0" kern="1200" dirty="0" err="1">
-                <a:solidFill>
-                  <a:schemeClr val="tx1"/>
-                </a:solidFill>
-                <a:effectLst/>
-                <a:latin typeface="+mn-lt"/>
-                <a:ea typeface="+mn-ea"/>
-                <a:cs typeface="+mn-cs"/>
-              </a:rPr>
-              <a:t>muito</a:t>
-            </a:r>
-            <a:r>
-              <a:rPr lang="en-US" sz="1200" b="0" i="0" kern="1200" dirty="0">
-                <a:solidFill>
-                  <a:schemeClr val="tx1"/>
-                </a:solidFill>
-                <a:effectLst/>
-                <a:latin typeface="+mn-lt"/>
-                <a:ea typeface="+mn-ea"/>
-                <a:cs typeface="+mn-cs"/>
-              </a:rPr>
-              <a:t> </a:t>
-            </a:r>
-            <a:r>
-              <a:rPr lang="en-US" sz="1200" b="0" i="0" kern="1200" dirty="0" err="1">
-                <a:solidFill>
-                  <a:schemeClr val="tx1"/>
-                </a:solidFill>
-                <a:effectLst/>
-                <a:latin typeface="+mn-lt"/>
-                <a:ea typeface="+mn-ea"/>
-                <a:cs typeface="+mn-cs"/>
-              </a:rPr>
-              <a:t>baixas</a:t>
-            </a:r>
-            <a:r>
-              <a:rPr lang="en-US" sz="1200" b="0" i="0" kern="1200" dirty="0">
-                <a:solidFill>
-                  <a:schemeClr val="tx1"/>
-                </a:solidFill>
-                <a:effectLst/>
-                <a:latin typeface="+mn-lt"/>
-                <a:ea typeface="+mn-ea"/>
-                <a:cs typeface="+mn-cs"/>
-              </a:rPr>
-              <a:t> </a:t>
-            </a:r>
-            <a:r>
-              <a:rPr lang="en-US" sz="1200" b="0" i="0" kern="1200" dirty="0" err="1">
-                <a:solidFill>
-                  <a:schemeClr val="tx1"/>
-                </a:solidFill>
-                <a:effectLst/>
-                <a:latin typeface="+mn-lt"/>
-                <a:ea typeface="+mn-ea"/>
-                <a:cs typeface="+mn-cs"/>
-              </a:rPr>
-              <a:t>ou</a:t>
-            </a:r>
-            <a:r>
-              <a:rPr lang="en-US" sz="1200" b="0" i="0" kern="1200" dirty="0">
-                <a:solidFill>
-                  <a:schemeClr val="tx1"/>
-                </a:solidFill>
-                <a:effectLst/>
-                <a:latin typeface="+mn-lt"/>
-                <a:ea typeface="+mn-ea"/>
-                <a:cs typeface="+mn-cs"/>
-              </a:rPr>
-              <a:t> </a:t>
-            </a:r>
-            <a:r>
-              <a:rPr lang="en-US" sz="1200" b="0" i="0" kern="1200" dirty="0" err="1">
-                <a:solidFill>
-                  <a:schemeClr val="tx1"/>
-                </a:solidFill>
-                <a:effectLst/>
-                <a:latin typeface="+mn-lt"/>
-                <a:ea typeface="+mn-ea"/>
-                <a:cs typeface="+mn-cs"/>
-              </a:rPr>
-              <a:t>inexistentes</a:t>
-            </a:r>
-            <a:r>
-              <a:rPr lang="en-US" sz="1200" b="0" i="0" kern="1200" dirty="0">
-                <a:solidFill>
-                  <a:schemeClr val="tx1"/>
-                </a:solidFill>
-                <a:effectLst/>
-                <a:latin typeface="+mn-lt"/>
-                <a:ea typeface="+mn-ea"/>
-                <a:cs typeface="+mn-cs"/>
-              </a:rPr>
-              <a:t>. </a:t>
-            </a:r>
-          </a:p>
-          <a:p>
-            <a:r>
-              <a:rPr lang="en-US" sz="1200" b="0" i="0" kern="1200" dirty="0">
-                <a:solidFill>
-                  <a:schemeClr val="tx1"/>
-                </a:solidFill>
-                <a:effectLst/>
-                <a:latin typeface="+mn-lt"/>
-                <a:ea typeface="+mn-ea"/>
-                <a:cs typeface="+mn-cs"/>
-              </a:rPr>
-              <a:t>Imagine se </a:t>
-            </a:r>
-            <a:r>
-              <a:rPr lang="en-US" sz="1200" b="0" i="0" kern="1200" dirty="0" err="1">
-                <a:solidFill>
-                  <a:schemeClr val="tx1"/>
-                </a:solidFill>
-                <a:effectLst/>
-                <a:latin typeface="+mn-lt"/>
-                <a:ea typeface="+mn-ea"/>
-                <a:cs typeface="+mn-cs"/>
-              </a:rPr>
-              <a:t>não</a:t>
-            </a:r>
-            <a:r>
-              <a:rPr lang="en-US" sz="1200" b="0" i="0" kern="1200" dirty="0">
-                <a:solidFill>
-                  <a:schemeClr val="tx1"/>
-                </a:solidFill>
-                <a:effectLst/>
-                <a:latin typeface="+mn-lt"/>
-                <a:ea typeface="+mn-ea"/>
-                <a:cs typeface="+mn-cs"/>
-              </a:rPr>
-              <a:t> </a:t>
-            </a:r>
-            <a:r>
-              <a:rPr lang="en-US" sz="1200" b="0" i="0" kern="1200" dirty="0" err="1">
-                <a:solidFill>
-                  <a:schemeClr val="tx1"/>
-                </a:solidFill>
-                <a:effectLst/>
-                <a:latin typeface="+mn-lt"/>
-                <a:ea typeface="+mn-ea"/>
-                <a:cs typeface="+mn-cs"/>
-              </a:rPr>
-              <a:t>houvesse</a:t>
-            </a:r>
-            <a:r>
-              <a:rPr lang="en-US" sz="1200" b="0" i="0" kern="1200" dirty="0">
-                <a:solidFill>
-                  <a:schemeClr val="tx1"/>
-                </a:solidFill>
-                <a:effectLst/>
-                <a:latin typeface="+mn-lt"/>
-                <a:ea typeface="+mn-ea"/>
-                <a:cs typeface="+mn-cs"/>
-              </a:rPr>
-              <a:t> a </a:t>
-            </a:r>
-            <a:r>
-              <a:rPr lang="en-US" sz="1200" b="0" i="0" kern="1200" dirty="0" err="1">
-                <a:solidFill>
-                  <a:schemeClr val="tx1"/>
-                </a:solidFill>
-                <a:effectLst/>
-                <a:latin typeface="+mn-lt"/>
-                <a:ea typeface="+mn-ea"/>
-                <a:cs typeface="+mn-cs"/>
-              </a:rPr>
-              <a:t>seleção</a:t>
-            </a:r>
-            <a:r>
-              <a:rPr lang="en-US" sz="1200" b="0" i="0" kern="1200" dirty="0">
-                <a:solidFill>
-                  <a:schemeClr val="tx1"/>
-                </a:solidFill>
-                <a:effectLst/>
-                <a:latin typeface="+mn-lt"/>
-                <a:ea typeface="+mn-ea"/>
-                <a:cs typeface="+mn-cs"/>
-              </a:rPr>
-              <a:t> </a:t>
-            </a:r>
-            <a:r>
-              <a:rPr lang="en-US" sz="1200" b="0" i="0" kern="1200" dirty="0" err="1">
-                <a:solidFill>
-                  <a:schemeClr val="tx1"/>
-                </a:solidFill>
-                <a:effectLst/>
-                <a:latin typeface="+mn-lt"/>
-                <a:ea typeface="+mn-ea"/>
-                <a:cs typeface="+mn-cs"/>
-              </a:rPr>
-              <a:t>aleatória</a:t>
-            </a:r>
-            <a:r>
-              <a:rPr lang="en-US" sz="1200" b="0" i="0" kern="1200" dirty="0">
-                <a:solidFill>
-                  <a:schemeClr val="tx1"/>
-                </a:solidFill>
-                <a:effectLst/>
-                <a:latin typeface="+mn-lt"/>
-                <a:ea typeface="+mn-ea"/>
-                <a:cs typeface="+mn-cs"/>
-              </a:rPr>
-              <a:t> de </a:t>
-            </a:r>
-            <a:r>
-              <a:rPr lang="en-US" sz="1200" b="0" i="0" kern="1200" dirty="0" err="1">
-                <a:solidFill>
-                  <a:schemeClr val="tx1"/>
-                </a:solidFill>
-                <a:effectLst/>
-                <a:latin typeface="+mn-lt"/>
-                <a:ea typeface="+mn-ea"/>
-                <a:cs typeface="+mn-cs"/>
-              </a:rPr>
-              <a:t>amostras</a:t>
-            </a:r>
-            <a:r>
-              <a:rPr lang="en-US" sz="1200" b="0" i="0" kern="1200" dirty="0">
-                <a:solidFill>
-                  <a:schemeClr val="tx1"/>
-                </a:solidFill>
-                <a:effectLst/>
-                <a:latin typeface="+mn-lt"/>
-                <a:ea typeface="+mn-ea"/>
-                <a:cs typeface="+mn-cs"/>
-              </a:rPr>
-              <a:t>, </a:t>
-            </a:r>
-            <a:r>
-              <a:rPr lang="en-US" sz="1200" b="0" i="0" kern="1200" dirty="0" err="1">
-                <a:solidFill>
-                  <a:schemeClr val="tx1"/>
-                </a:solidFill>
-                <a:effectLst/>
-                <a:latin typeface="+mn-lt"/>
-                <a:ea typeface="+mn-ea"/>
-                <a:cs typeface="+mn-cs"/>
-              </a:rPr>
-              <a:t>poderia</a:t>
-            </a:r>
-            <a:r>
-              <a:rPr lang="en-US" sz="1200" b="0" i="0" kern="1200" dirty="0">
-                <a:solidFill>
-                  <a:schemeClr val="tx1"/>
-                </a:solidFill>
-                <a:effectLst/>
-                <a:latin typeface="+mn-lt"/>
-                <a:ea typeface="+mn-ea"/>
-                <a:cs typeface="+mn-cs"/>
-              </a:rPr>
-              <a:t> </a:t>
-            </a:r>
-            <a:r>
-              <a:rPr lang="en-US" sz="1200" b="0" i="0" kern="1200" dirty="0" err="1">
-                <a:solidFill>
-                  <a:schemeClr val="tx1"/>
-                </a:solidFill>
-                <a:effectLst/>
-                <a:latin typeface="+mn-lt"/>
-                <a:ea typeface="+mn-ea"/>
-                <a:cs typeface="+mn-cs"/>
-              </a:rPr>
-              <a:t>ocorrer</a:t>
-            </a:r>
-            <a:r>
-              <a:rPr lang="en-US" sz="1200" b="0" i="0" kern="1200" dirty="0">
-                <a:solidFill>
-                  <a:schemeClr val="tx1"/>
-                </a:solidFill>
-                <a:effectLst/>
-                <a:latin typeface="+mn-lt"/>
-                <a:ea typeface="+mn-ea"/>
-                <a:cs typeface="+mn-cs"/>
-              </a:rPr>
-              <a:t> </a:t>
-            </a:r>
-            <a:r>
-              <a:rPr lang="en-US" sz="1200" b="0" i="0" kern="1200" dirty="0" err="1">
-                <a:solidFill>
-                  <a:schemeClr val="tx1"/>
-                </a:solidFill>
-                <a:effectLst/>
-                <a:latin typeface="+mn-lt"/>
-                <a:ea typeface="+mn-ea"/>
-                <a:cs typeface="+mn-cs"/>
-              </a:rPr>
-              <a:t>uma</a:t>
-            </a:r>
-            <a:r>
-              <a:rPr lang="en-US" sz="1200" b="0" i="0" kern="1200" dirty="0">
-                <a:solidFill>
-                  <a:schemeClr val="tx1"/>
-                </a:solidFill>
-                <a:effectLst/>
-                <a:latin typeface="+mn-lt"/>
-                <a:ea typeface="+mn-ea"/>
-                <a:cs typeface="+mn-cs"/>
-              </a:rPr>
-              <a:t> </a:t>
-            </a:r>
-            <a:r>
-              <a:rPr lang="en-US" sz="1200" b="0" i="0" kern="1200" dirty="0" err="1">
-                <a:solidFill>
-                  <a:schemeClr val="tx1"/>
-                </a:solidFill>
-                <a:effectLst/>
-                <a:latin typeface="+mn-lt"/>
-                <a:ea typeface="+mn-ea"/>
-                <a:cs typeface="+mn-cs"/>
-              </a:rPr>
-              <a:t>situação</a:t>
-            </a:r>
-            <a:r>
-              <a:rPr lang="en-US" sz="1200" b="0" i="0" kern="1200" dirty="0">
-                <a:solidFill>
-                  <a:schemeClr val="tx1"/>
-                </a:solidFill>
-                <a:effectLst/>
-                <a:latin typeface="+mn-lt"/>
-                <a:ea typeface="+mn-ea"/>
-                <a:cs typeface="+mn-cs"/>
-              </a:rPr>
-              <a:t> </a:t>
-            </a:r>
-            <a:r>
-              <a:rPr lang="en-US" sz="1200" b="0" i="0" kern="1200" dirty="0" err="1">
-                <a:solidFill>
-                  <a:schemeClr val="tx1"/>
-                </a:solidFill>
-                <a:effectLst/>
-                <a:latin typeface="+mn-lt"/>
-                <a:ea typeface="+mn-ea"/>
-                <a:cs typeface="+mn-cs"/>
-              </a:rPr>
-              <a:t>onde</a:t>
-            </a:r>
-            <a:r>
-              <a:rPr lang="en-US" sz="1200" b="0" i="0" kern="1200" dirty="0">
-                <a:solidFill>
-                  <a:schemeClr val="tx1"/>
-                </a:solidFill>
-                <a:effectLst/>
-                <a:latin typeface="+mn-lt"/>
-                <a:ea typeface="+mn-ea"/>
-                <a:cs typeface="+mn-cs"/>
-              </a:rPr>
-              <a:t> as </a:t>
-            </a:r>
-            <a:r>
-              <a:rPr lang="en-US" sz="1200" b="0" i="0" kern="1200" dirty="0" err="1">
-                <a:solidFill>
-                  <a:schemeClr val="tx1"/>
-                </a:solidFill>
-                <a:effectLst/>
-                <a:latin typeface="+mn-lt"/>
-                <a:ea typeface="+mn-ea"/>
-                <a:cs typeface="+mn-cs"/>
-              </a:rPr>
-              <a:t>amostras</a:t>
-            </a:r>
-            <a:r>
-              <a:rPr lang="en-US" sz="1200" b="0" i="0" kern="1200" dirty="0">
-                <a:solidFill>
-                  <a:schemeClr val="tx1"/>
-                </a:solidFill>
-                <a:effectLst/>
-                <a:latin typeface="+mn-lt"/>
-                <a:ea typeface="+mn-ea"/>
-                <a:cs typeface="+mn-cs"/>
-              </a:rPr>
-              <a:t> </a:t>
-            </a:r>
-            <a:r>
-              <a:rPr lang="en-US" sz="1200" b="0" i="0" kern="1200" dirty="0" err="1">
-                <a:solidFill>
-                  <a:schemeClr val="tx1"/>
-                </a:solidFill>
-                <a:effectLst/>
-                <a:latin typeface="+mn-lt"/>
-                <a:ea typeface="+mn-ea"/>
-                <a:cs typeface="+mn-cs"/>
-              </a:rPr>
-              <a:t>seguem</a:t>
-            </a:r>
-            <a:r>
-              <a:rPr lang="en-US" sz="1200" b="0" i="0" kern="1200" dirty="0">
-                <a:solidFill>
-                  <a:schemeClr val="tx1"/>
-                </a:solidFill>
-                <a:effectLst/>
-                <a:latin typeface="+mn-lt"/>
-                <a:ea typeface="+mn-ea"/>
-                <a:cs typeface="+mn-cs"/>
-              </a:rPr>
-              <a:t> </a:t>
-            </a:r>
-            <a:r>
-              <a:rPr lang="en-US" sz="1200" b="0" i="0" kern="1200" dirty="0" err="1">
-                <a:solidFill>
-                  <a:schemeClr val="tx1"/>
-                </a:solidFill>
-                <a:effectLst/>
-                <a:latin typeface="+mn-lt"/>
-                <a:ea typeface="+mn-ea"/>
-                <a:cs typeface="+mn-cs"/>
-              </a:rPr>
-              <a:t>uma</a:t>
-            </a:r>
-            <a:r>
-              <a:rPr lang="en-US" sz="1200" b="0" i="0" kern="1200" dirty="0">
-                <a:solidFill>
-                  <a:schemeClr val="tx1"/>
-                </a:solidFill>
-                <a:effectLst/>
-                <a:latin typeface="+mn-lt"/>
-                <a:ea typeface="+mn-ea"/>
-                <a:cs typeface="+mn-cs"/>
-              </a:rPr>
-              <a:t> </a:t>
-            </a:r>
-            <a:r>
-              <a:rPr lang="en-US" sz="1200" b="0" i="0" kern="1200" dirty="0" err="1">
-                <a:solidFill>
-                  <a:schemeClr val="tx1"/>
-                </a:solidFill>
-                <a:effectLst/>
-                <a:latin typeface="+mn-lt"/>
-                <a:ea typeface="+mn-ea"/>
-                <a:cs typeface="+mn-cs"/>
-              </a:rPr>
-              <a:t>sequência</a:t>
-            </a:r>
-            <a:r>
-              <a:rPr lang="en-US" sz="1200" b="0" i="0" kern="1200" dirty="0">
-                <a:solidFill>
-                  <a:schemeClr val="tx1"/>
-                </a:solidFill>
-                <a:effectLst/>
-                <a:latin typeface="+mn-lt"/>
-                <a:ea typeface="+mn-ea"/>
-                <a:cs typeface="+mn-cs"/>
-              </a:rPr>
-              <a:t> que </a:t>
-            </a:r>
-            <a:r>
-              <a:rPr lang="en-US" sz="1200" b="0" i="0" kern="1200" dirty="0" err="1">
-                <a:solidFill>
-                  <a:schemeClr val="tx1"/>
-                </a:solidFill>
-                <a:effectLst/>
-                <a:latin typeface="+mn-lt"/>
-                <a:ea typeface="+mn-ea"/>
-                <a:cs typeface="+mn-cs"/>
-              </a:rPr>
-              <a:t>faz</a:t>
-            </a:r>
-            <a:r>
-              <a:rPr lang="en-US" sz="1200" b="0" i="0" kern="1200" dirty="0">
-                <a:solidFill>
-                  <a:schemeClr val="tx1"/>
-                </a:solidFill>
-                <a:effectLst/>
-                <a:latin typeface="+mn-lt"/>
-                <a:ea typeface="+mn-ea"/>
-                <a:cs typeface="+mn-cs"/>
-              </a:rPr>
-              <a:t> com que o </a:t>
-            </a:r>
-            <a:r>
-              <a:rPr lang="en-US" sz="1200" b="0" i="0" kern="1200" dirty="0" err="1">
-                <a:solidFill>
-                  <a:schemeClr val="tx1"/>
-                </a:solidFill>
-                <a:effectLst/>
-                <a:latin typeface="+mn-lt"/>
-                <a:ea typeface="+mn-ea"/>
-                <a:cs typeface="+mn-cs"/>
-              </a:rPr>
-              <a:t>algoritmo</a:t>
-            </a:r>
-            <a:r>
-              <a:rPr lang="en-US" sz="1200" b="0" i="0" kern="1200" dirty="0">
-                <a:solidFill>
-                  <a:schemeClr val="tx1"/>
-                </a:solidFill>
-                <a:effectLst/>
-                <a:latin typeface="+mn-lt"/>
-                <a:ea typeface="+mn-ea"/>
-                <a:cs typeface="+mn-cs"/>
-              </a:rPr>
-              <a:t> se </a:t>
-            </a:r>
-            <a:r>
-              <a:rPr lang="en-US" sz="1200" b="0" i="0" kern="1200" dirty="0" err="1">
-                <a:solidFill>
-                  <a:schemeClr val="tx1"/>
-                </a:solidFill>
-                <a:effectLst/>
-                <a:latin typeface="+mn-lt"/>
-                <a:ea typeface="+mn-ea"/>
-                <a:cs typeface="+mn-cs"/>
-              </a:rPr>
-              <a:t>distancie</a:t>
-            </a:r>
-            <a:r>
-              <a:rPr lang="en-US" sz="1200" b="0" i="0" kern="1200" dirty="0">
-                <a:solidFill>
-                  <a:schemeClr val="tx1"/>
-                </a:solidFill>
-                <a:effectLst/>
-                <a:latin typeface="+mn-lt"/>
-                <a:ea typeface="+mn-ea"/>
-                <a:cs typeface="+mn-cs"/>
-              </a:rPr>
-              <a:t> do </a:t>
-            </a:r>
-            <a:r>
-              <a:rPr lang="en-US" sz="1200" b="0" i="0" kern="1200" dirty="0" err="1">
-                <a:solidFill>
-                  <a:schemeClr val="tx1"/>
-                </a:solidFill>
-                <a:effectLst/>
-                <a:latin typeface="+mn-lt"/>
-                <a:ea typeface="+mn-ea"/>
-                <a:cs typeface="+mn-cs"/>
-              </a:rPr>
-              <a:t>mínimo</a:t>
-            </a:r>
-            <a:r>
-              <a:rPr lang="en-US" sz="1200" b="0" i="0" kern="1200" dirty="0">
-                <a:solidFill>
-                  <a:schemeClr val="tx1"/>
-                </a:solidFill>
-                <a:effectLst/>
-                <a:latin typeface="+mn-lt"/>
-                <a:ea typeface="+mn-ea"/>
-                <a:cs typeface="+mn-cs"/>
-              </a:rPr>
-              <a:t>, </a:t>
-            </a:r>
-            <a:r>
-              <a:rPr lang="en-US" sz="1200" b="0" i="0" kern="1200" dirty="0" err="1">
-                <a:solidFill>
-                  <a:schemeClr val="tx1"/>
-                </a:solidFill>
-                <a:effectLst/>
-                <a:latin typeface="+mn-lt"/>
-                <a:ea typeface="+mn-ea"/>
-                <a:cs typeface="+mn-cs"/>
-              </a:rPr>
-              <a:t>por</a:t>
-            </a:r>
-            <a:r>
-              <a:rPr lang="en-US" sz="1200" b="0" i="0" kern="1200" dirty="0">
-                <a:solidFill>
-                  <a:schemeClr val="tx1"/>
-                </a:solidFill>
-                <a:effectLst/>
-                <a:latin typeface="+mn-lt"/>
-                <a:ea typeface="+mn-ea"/>
-                <a:cs typeface="+mn-cs"/>
-              </a:rPr>
-              <a:t> </a:t>
-            </a:r>
-            <a:r>
-              <a:rPr lang="en-US" sz="1200" b="0" i="0" kern="1200" dirty="0" err="1">
-                <a:solidFill>
-                  <a:schemeClr val="tx1"/>
-                </a:solidFill>
-                <a:effectLst/>
-                <a:latin typeface="+mn-lt"/>
-                <a:ea typeface="+mn-ea"/>
-                <a:cs typeface="+mn-cs"/>
-              </a:rPr>
-              <a:t>exemplo</a:t>
-            </a:r>
-            <a:r>
-              <a:rPr lang="en-US" sz="1200" b="0" i="0" kern="1200" dirty="0">
-                <a:solidFill>
-                  <a:schemeClr val="tx1"/>
-                </a:solidFill>
-                <a:effectLst/>
-                <a:latin typeface="+mn-lt"/>
-                <a:ea typeface="+mn-ea"/>
-                <a:cs typeface="+mn-cs"/>
-              </a:rPr>
-              <a:t>.</a:t>
-            </a:r>
-            <a:endParaRPr lang="pt-BR" dirty="0"/>
-          </a:p>
-          <a:p>
-            <a:endParaRPr lang="pt-BR" dirty="0"/>
-          </a:p>
-          <a:p>
-            <a:endParaRPr lang="pt-BR" dirty="0"/>
-          </a:p>
-          <a:p>
-            <a:r>
               <a:rPr lang="pt-BR" dirty="0"/>
-              <a:t>O que é uma regra intuitiva?</a:t>
-            </a:r>
-            <a:br>
-              <a:rPr lang="pt-BR" dirty="0"/>
-            </a:br>
-            <a:br>
-              <a:rPr lang="pt-BR" dirty="0"/>
-            </a:br>
-            <a:r>
-              <a:rPr lang="pt-BR" dirty="0"/>
-              <a:t>Uma regra intuitiva é um princípio ou diretriz que é baseado na intuição, no bom senso ou na compreensão natural de um assunto. É uma abordagem que não se baseia necessariamente em análises ou cálculos rigorosos, mas sim em percepções e entendimentos informais. Regras intuitivas muitas vezes são usadas para tomar decisões rápidas ou para fazer inferências com base na experiência pessoal ou conhecimento prévio.</a:t>
-            </a:r>
-            <a:br>
-              <a:rPr lang="pt-BR" dirty="0"/>
-            </a:br>
-            <a:br>
-              <a:rPr lang="pt-BR" dirty="0"/>
-            </a:br>
-            <a:r>
-              <a:rPr lang="pt-BR" dirty="0"/>
-              <a:t>Essas regras são frequentemente desenvolvidas ao longo do tempo, à medida que as pessoas ganham experiência e se familiarizam com um determinado domínio. Elas podem ser úteis quando não há tempo ou recursos suficientes para uma análise detalhada ou quando a complexidade de um problema torna difícil a aplicação de métodos mais formais.</a:t>
-            </a:r>
-            <a:br>
-              <a:rPr lang="pt-BR" dirty="0"/>
-            </a:br>
-            <a:br>
-              <a:rPr lang="pt-BR" dirty="0"/>
-            </a:br>
-            <a:r>
-              <a:rPr lang="pt-BR" dirty="0"/>
-              <a:t>No entanto, é importante notar que as regras intuitivas nem sempre são precisas ou confiáveis, e podem ser influenciadas por vieses cognitivos e percepções subjetivas. Em algumas situações, as decisões baseadas em regras intuitivas podem ser inconsistentes ou levar a resultados </a:t>
-            </a:r>
-            <a:r>
-              <a:rPr lang="pt-BR" dirty="0" err="1"/>
-              <a:t>subótimos</a:t>
-            </a:r>
-            <a:r>
-              <a:rPr lang="pt-BR" dirty="0"/>
-              <a:t>.</a:t>
-            </a:r>
-            <a:br>
-              <a:rPr lang="pt-BR" dirty="0"/>
-            </a:br>
-            <a:br>
-              <a:rPr lang="pt-BR" dirty="0"/>
-            </a:br>
-            <a:r>
-              <a:rPr lang="pt-BR" dirty="0"/>
-              <a:t>Portanto, enquanto as regras intuitivas podem ser úteis como guias rápidos e práticos para a tomada de decisões, é importante equilibrá-las com abordagens mais analíticas e baseadas em evidências, especialmente em situações críticas ou complexas.</a:t>
+              <a:t>O classificador sempre anuncia uma previsão completamente confiante de 0 ou 1, mesmo para exemplos muito próximos do limite. Em muitas situações, precisamos realmente de previsões mais graduadas.</a:t>
             </a:r>
           </a:p>
         </p:txBody>
       </p:sp>
       <p:sp>
         <p:nvSpPr>
-          <p:cNvPr id="4" name="Espaço Reservado para Número de Slide 3"/>
+          <p:cNvPr id="4" name="Slide Number Placeholder 3"/>
           <p:cNvSpPr>
             <a:spLocks noGrp="1"/>
           </p:cNvSpPr>
           <p:nvPr>
-            <p:ph type="sldNum" sz="quarter" idx="5"/>
+            <p:ph type="sldNum" sz="quarter" idx="10"/>
           </p:nvPr>
         </p:nvSpPr>
         <p:spPr/>
@@ -5283,7 +5459,7 @@
           <a:bodyPr/>
           <a:lstStyle/>
           <a:p>
-            <a:fld id="{6FC8D850-966F-45A6-8DE7-15B891E7D40D}" type="slidenum">
+            <a:fld id="{F430A2A4-8C14-4B1A-AD48-7B6401078BF7}" type="slidenum">
               <a:rPr lang="pt-BR" smtClean="0"/>
               <a:t>12</a:t>
             </a:fld>
@@ -5294,7 +5470,7 @@
     </p:spTree>
     <p:extLst>
       <p:ext uri="{BB962C8B-B14F-4D97-AF65-F5344CB8AC3E}">
-        <p14:creationId xmlns:p14="http://schemas.microsoft.com/office/powerpoint/2010/main" val="2511962398"/>
+        <p14:creationId xmlns:p14="http://schemas.microsoft.com/office/powerpoint/2010/main" val="3710794323"/>
       </p:ext>
     </p:extLst>
   </p:cSld>
@@ -5451,7 +5627,7 @@
           <a:p>
             <a:fld id="{63289F7E-B80B-496E-81B4-D396C37C9454}" type="datetimeFigureOut">
               <a:rPr lang="pt-BR" smtClean="0"/>
-              <a:t>01/03/2024</a:t>
+              <a:t>03/08/2024</a:t>
             </a:fld>
             <a:endParaRPr lang="pt-BR"/>
           </a:p>
@@ -5649,7 +5825,7 @@
           <a:p>
             <a:fld id="{63289F7E-B80B-496E-81B4-D396C37C9454}" type="datetimeFigureOut">
               <a:rPr lang="pt-BR" smtClean="0"/>
-              <a:t>01/03/2024</a:t>
+              <a:t>03/08/2024</a:t>
             </a:fld>
             <a:endParaRPr lang="pt-BR"/>
           </a:p>
@@ -5857,7 +6033,7 @@
           <a:p>
             <a:fld id="{63289F7E-B80B-496E-81B4-D396C37C9454}" type="datetimeFigureOut">
               <a:rPr lang="pt-BR" smtClean="0"/>
-              <a:t>01/03/2024</a:t>
+              <a:t>03/08/2024</a:t>
             </a:fld>
             <a:endParaRPr lang="pt-BR"/>
           </a:p>
@@ -6055,7 +6231,7 @@
           <a:p>
             <a:fld id="{63289F7E-B80B-496E-81B4-D396C37C9454}" type="datetimeFigureOut">
               <a:rPr lang="pt-BR" smtClean="0"/>
-              <a:t>01/03/2024</a:t>
+              <a:t>03/08/2024</a:t>
             </a:fld>
             <a:endParaRPr lang="pt-BR"/>
           </a:p>
@@ -6330,7 +6506,7 @@
           <a:p>
             <a:fld id="{63289F7E-B80B-496E-81B4-D396C37C9454}" type="datetimeFigureOut">
               <a:rPr lang="pt-BR" smtClean="0"/>
-              <a:t>01/03/2024</a:t>
+              <a:t>03/08/2024</a:t>
             </a:fld>
             <a:endParaRPr lang="pt-BR"/>
           </a:p>
@@ -6595,7 +6771,7 @@
           <a:p>
             <a:fld id="{63289F7E-B80B-496E-81B4-D396C37C9454}" type="datetimeFigureOut">
               <a:rPr lang="pt-BR" smtClean="0"/>
-              <a:t>01/03/2024</a:t>
+              <a:t>03/08/2024</a:t>
             </a:fld>
             <a:endParaRPr lang="pt-BR"/>
           </a:p>
@@ -7007,7 +7183,7 @@
           <a:p>
             <a:fld id="{63289F7E-B80B-496E-81B4-D396C37C9454}" type="datetimeFigureOut">
               <a:rPr lang="pt-BR" smtClean="0"/>
-              <a:t>01/03/2024</a:t>
+              <a:t>03/08/2024</a:t>
             </a:fld>
             <a:endParaRPr lang="pt-BR"/>
           </a:p>
@@ -7148,7 +7324,7 @@
           <a:p>
             <a:fld id="{63289F7E-B80B-496E-81B4-D396C37C9454}" type="datetimeFigureOut">
               <a:rPr lang="pt-BR" smtClean="0"/>
-              <a:t>01/03/2024</a:t>
+              <a:t>03/08/2024</a:t>
             </a:fld>
             <a:endParaRPr lang="pt-BR"/>
           </a:p>
@@ -7261,7 +7437,7 @@
           <a:p>
             <a:fld id="{63289F7E-B80B-496E-81B4-D396C37C9454}" type="datetimeFigureOut">
               <a:rPr lang="pt-BR" smtClean="0"/>
-              <a:t>01/03/2024</a:t>
+              <a:t>03/08/2024</a:t>
             </a:fld>
             <a:endParaRPr lang="pt-BR"/>
           </a:p>
@@ -7572,7 +7748,7 @@
           <a:p>
             <a:fld id="{63289F7E-B80B-496E-81B4-D396C37C9454}" type="datetimeFigureOut">
               <a:rPr lang="pt-BR" smtClean="0"/>
-              <a:t>01/03/2024</a:t>
+              <a:t>03/08/2024</a:t>
             </a:fld>
             <a:endParaRPr lang="pt-BR"/>
           </a:p>
@@ -7860,7 +8036,7 @@
           <a:p>
             <a:fld id="{63289F7E-B80B-496E-81B4-D396C37C9454}" type="datetimeFigureOut">
               <a:rPr lang="pt-BR" smtClean="0"/>
-              <a:t>01/03/2024</a:t>
+              <a:t>03/08/2024</a:t>
             </a:fld>
             <a:endParaRPr lang="pt-BR"/>
           </a:p>
@@ -8101,7 +8277,7 @@
           <a:p>
             <a:fld id="{63289F7E-B80B-496E-81B4-D396C37C9454}" type="datetimeFigureOut">
               <a:rPr lang="pt-BR" smtClean="0"/>
-              <a:t>01/03/2024</a:t>
+              <a:t>03/08/2024</a:t>
             </a:fld>
             <a:endParaRPr lang="pt-BR"/>
           </a:p>
@@ -9604,8 +9780,8 @@
           </a:p>
         </p:txBody>
       </p:sp>
-      <mc:AlternateContent xmlns:mc="http://schemas.openxmlformats.org/markup-compatibility/2006" xmlns:a14="http://schemas.microsoft.com/office/drawing/2010/main">
-        <mc:Choice Requires="a14">
+      <mc:AlternateContent xmlns:mc="http://schemas.openxmlformats.org/markup-compatibility/2006">
+        <mc:Choice xmlns:a14="http://schemas.microsoft.com/office/drawing/2010/main" Requires="a14">
           <p:sp>
             <p:nvSpPr>
               <p:cNvPr id="3" name="Content Placeholder 2"/>
@@ -9618,13 +9794,13 @@
             </p:nvSpPr>
             <p:spPr>
               <a:xfrm>
-                <a:off x="4200522" y="1898980"/>
-                <a:ext cx="7867651" cy="4959020"/>
+                <a:off x="5197642" y="1898980"/>
+                <a:ext cx="6870531" cy="4959020"/>
               </a:xfrm>
             </p:spPr>
             <p:txBody>
               <a:bodyPr>
-                <a:normAutofit fontScale="85000" lnSpcReduction="20000"/>
+                <a:normAutofit/>
               </a:bodyPr>
               <a:lstStyle/>
               <a:p>
@@ -9718,209 +9894,10 @@
                 </a:r>
                 <a:endParaRPr lang="pt-BR" b="1" i="1" dirty="0"/>
               </a:p>
-              <a:p>
-                <a:r>
-                  <a:rPr lang="pt-BR" dirty="0"/>
-                  <a:t>Nós queremos encontrá-los de tal forma que </a:t>
-                </a:r>
-                <a:r>
-                  <a:rPr lang="pt-BR" b="1" i="1" dirty="0">
-                    <a:solidFill>
-                      <a:srgbClr val="00B050"/>
-                    </a:solidFill>
-                  </a:rPr>
-                  <a:t>o erro de classificação seja minimizado</a:t>
-                </a:r>
-                <a:r>
-                  <a:rPr lang="pt-BR" dirty="0"/>
-                  <a:t>, ou seja, que os exemplos sejam atribuídos corretamente às suas respectivas classes.</a:t>
-                </a:r>
-              </a:p>
-              <a:p>
-                <a:r>
-                  <a:rPr lang="pt-BR" dirty="0"/>
-                  <a:t>No caso da </a:t>
-                </a:r>
-                <a:r>
-                  <a:rPr lang="pt-BR" b="1" i="1" dirty="0"/>
-                  <a:t>regressão linear</a:t>
-                </a:r>
-                <a:r>
-                  <a:rPr lang="pt-BR" dirty="0"/>
-                  <a:t>, nós fizemos isso de duas maneiras: </a:t>
-                </a:r>
-              </a:p>
-              <a:p>
-                <a:pPr marL="971550" lvl="1" indent="-514350">
-                  <a:buFont typeface="+mj-lt"/>
-                  <a:buAutoNum type="romanLcPeriod"/>
-                </a:pPr>
-                <a:r>
-                  <a:rPr lang="pt-BR" dirty="0"/>
-                  <a:t>de forma fechada (através da </a:t>
-                </a:r>
-                <a:r>
-                  <a:rPr lang="pt-BR" b="1" i="1" dirty="0"/>
-                  <a:t>equação normal</a:t>
-                </a:r>
-                <a:r>
-                  <a:rPr lang="pt-BR" dirty="0"/>
-                  <a:t>) fazendo a derivada parcial do erro em relação aos pesos igual a zero e resolvendo a equação para os pesos;</a:t>
-                </a:r>
-              </a:p>
-              <a:p>
-                <a:pPr marL="971550" lvl="1" indent="-514350">
-                  <a:buFont typeface="+mj-lt"/>
-                  <a:buAutoNum type="romanLcPeriod"/>
-                </a:pPr>
-                <a:r>
-                  <a:rPr lang="pt-BR" dirty="0"/>
-                  <a:t>e através do algoritmo do </a:t>
-                </a:r>
-                <a:r>
-                  <a:rPr lang="pt-BR" b="1" i="1" dirty="0"/>
-                  <a:t>gradiente descendente</a:t>
-                </a:r>
-                <a:r>
-                  <a:rPr lang="pt-BR" dirty="0"/>
-                  <a:t>.</a:t>
-                </a:r>
-              </a:p>
-              <a:p>
-                <a:r>
-                  <a:rPr lang="pt-BR" dirty="0"/>
-                  <a:t>Entretanto, com a </a:t>
-                </a:r>
-                <a:r>
-                  <a:rPr lang="pt-BR" b="1" i="1" dirty="0"/>
-                  <a:t>função de limiar rígido</a:t>
-                </a:r>
-                <a:r>
-                  <a:rPr lang="pt-BR" dirty="0"/>
-                  <a:t>, </a:t>
-                </a:r>
-                <a:r>
-                  <a:rPr lang="pt-BR" b="1" i="1" dirty="0">
-                    <a:solidFill>
-                      <a:srgbClr val="FF0000"/>
-                    </a:solidFill>
-                  </a:rPr>
-                  <a:t>nenhuma das duas abordagens é possível </a:t>
-                </a:r>
-                <a:r>
-                  <a:rPr lang="pt-BR" dirty="0"/>
-                  <a:t>devido à </a:t>
-                </a:r>
-                <a:r>
-                  <a:rPr lang="pt-BR" b="1" i="1" dirty="0"/>
-                  <a:t>derivada</a:t>
-                </a:r>
-                <a:r>
-                  <a:rPr lang="pt-BR" dirty="0"/>
-                  <a:t> de </a:t>
-                </a:r>
-                <a14:m>
-                  <m:oMath xmlns:m="http://schemas.openxmlformats.org/officeDocument/2006/math">
-                    <m:r>
-                      <a:rPr lang="en-US" i="1">
-                        <a:latin typeface="Cambria Math" panose="02040503050406030204" pitchFamily="18" charset="0"/>
-                      </a:rPr>
-                      <m:t>𝑓</m:t>
-                    </m:r>
-                    <m:r>
-                      <a:rPr lang="en-US" i="1">
-                        <a:latin typeface="Cambria Math" panose="02040503050406030204" pitchFamily="18" charset="0"/>
-                      </a:rPr>
-                      <m:t>(</m:t>
-                    </m:r>
-                    <m:r>
-                      <a:rPr lang="pt-BR" i="1">
-                        <a:latin typeface="Cambria Math" panose="02040503050406030204" pitchFamily="18" charset="0"/>
-                      </a:rPr>
-                      <m:t>𝑔</m:t>
-                    </m:r>
-                    <m:d>
-                      <m:dPr>
-                        <m:ctrlPr>
-                          <a:rPr lang="pt-BR" i="1">
-                            <a:latin typeface="Cambria Math" panose="02040503050406030204" pitchFamily="18" charset="0"/>
-                          </a:rPr>
-                        </m:ctrlPr>
-                      </m:dPr>
-                      <m:e>
-                        <m:r>
-                          <a:rPr lang="pt-BR" b="1" i="1">
-                            <a:latin typeface="Cambria Math" panose="02040503050406030204" pitchFamily="18" charset="0"/>
-                          </a:rPr>
-                          <m:t>𝒙</m:t>
-                        </m:r>
-                      </m:e>
-                    </m:d>
-                    <m:r>
-                      <a:rPr lang="en-US" i="1">
-                        <a:latin typeface="Cambria Math" panose="02040503050406030204" pitchFamily="18" charset="0"/>
-                      </a:rPr>
-                      <m:t>) </m:t>
-                    </m:r>
-                  </m:oMath>
-                </a14:m>
-                <a:r>
-                  <a:rPr lang="pt-BR" dirty="0"/>
-                  <a:t>ser igual a zero em todos os pontos exceto em </a:t>
-                </a:r>
-                <a14:m>
-                  <m:oMath xmlns:m="http://schemas.openxmlformats.org/officeDocument/2006/math">
-                    <m:r>
-                      <a:rPr lang="pt-BR" i="1">
-                        <a:latin typeface="Cambria Math" panose="02040503050406030204" pitchFamily="18" charset="0"/>
-                      </a:rPr>
-                      <m:t>𝑔</m:t>
-                    </m:r>
-                    <m:d>
-                      <m:dPr>
-                        <m:ctrlPr>
-                          <a:rPr lang="pt-BR" i="1">
-                            <a:latin typeface="Cambria Math" panose="02040503050406030204" pitchFamily="18" charset="0"/>
-                          </a:rPr>
-                        </m:ctrlPr>
-                      </m:dPr>
-                      <m:e>
-                        <m:r>
-                          <a:rPr lang="pt-BR" b="1" i="1">
-                            <a:latin typeface="Cambria Math" panose="02040503050406030204" pitchFamily="18" charset="0"/>
-                          </a:rPr>
-                          <m:t>𝒙</m:t>
-                        </m:r>
-                      </m:e>
-                    </m:d>
-                    <m:r>
-                      <a:rPr lang="pt-BR" b="0" i="1" smtClean="0">
-                        <a:latin typeface="Cambria Math" panose="02040503050406030204" pitchFamily="18" charset="0"/>
-                        <a:ea typeface="Cambria Math" panose="02040503050406030204" pitchFamily="18" charset="0"/>
-                      </a:rPr>
-                      <m:t>=0</m:t>
-                    </m:r>
-                  </m:oMath>
-                </a14:m>
-                <a:r>
-                  <a:rPr lang="pt-BR" dirty="0"/>
-                  <a:t>, onde ela é indeterminada.</a:t>
-                </a:r>
-              </a:p>
-              <a:p>
-                <a:r>
-                  <a:rPr lang="pt-BR" b="1" dirty="0">
-                    <a:solidFill>
-                      <a:srgbClr val="7030A0"/>
-                    </a:solidFill>
-                  </a:rPr>
-                  <a:t>Portanto, o que podemos fazer?</a:t>
-                </a:r>
-              </a:p>
             </p:txBody>
           </p:sp>
         </mc:Choice>
-        <mc:Fallback xmlns="">
+        <mc:Fallback>
           <p:sp>
             <p:nvSpPr>
               <p:cNvPr id="3" name="Content Placeholder 2"/>
@@ -9933,13 +9910,13 @@
             </p:nvSpPr>
             <p:spPr>
               <a:xfrm>
-                <a:off x="4200522" y="1898980"/>
-                <a:ext cx="7867651" cy="4959020"/>
+                <a:off x="5197642" y="1898980"/>
+                <a:ext cx="6870531" cy="4959020"/>
               </a:xfrm>
               <a:blipFill>
                 <a:blip r:embed="rId3"/>
                 <a:stretch>
-                  <a:fillRect l="-1007" t="-2829" b="-2214"/>
+                  <a:fillRect l="-1597" t="-2091"/>
                 </a:stretch>
               </a:blipFill>
             </p:spPr>
@@ -9972,7 +9949,7 @@
         </p:nvGrpSpPr>
         <p:grpSpPr>
           <a:xfrm>
-            <a:off x="123827" y="2147051"/>
+            <a:off x="595465" y="2147051"/>
             <a:ext cx="3838573" cy="3796878"/>
             <a:chOff x="257177" y="2194676"/>
             <a:chExt cx="3838573" cy="3796878"/>
@@ -10324,6 +10301,1067 @@
       </p:grpSpPr>
       <p:sp>
         <p:nvSpPr>
+          <p:cNvPr id="2" name="Title 1"/>
+          <p:cNvSpPr>
+            <a:spLocks noGrp="1"/>
+          </p:cNvSpPr>
+          <p:nvPr>
+            <p:ph type="title"/>
+          </p:nvPr>
+        </p:nvSpPr>
+        <p:spPr/>
+        <p:txBody>
+          <a:bodyPr/>
+          <a:lstStyle/>
+          <a:p>
+            <a:r>
+              <a:rPr lang="pt-BR" dirty="0"/>
+              <a:t>Classificação com limiar de decisão rígido</a:t>
+            </a:r>
+          </a:p>
+        </p:txBody>
+      </p:sp>
+      <mc:AlternateContent xmlns:mc="http://schemas.openxmlformats.org/markup-compatibility/2006">
+        <mc:Choice xmlns:a14="http://schemas.microsoft.com/office/drawing/2010/main" Requires="a14">
+          <p:sp>
+            <p:nvSpPr>
+              <p:cNvPr id="3" name="Content Placeholder 2"/>
+              <p:cNvSpPr>
+                <a:spLocks noGrp="1"/>
+              </p:cNvSpPr>
+              <p:nvPr>
+                <p:ph idx="1"/>
+              </p:nvPr>
+            </p:nvSpPr>
+            <p:spPr>
+              <a:xfrm>
+                <a:off x="3962400" y="1898980"/>
+                <a:ext cx="8105773" cy="4959020"/>
+              </a:xfrm>
+            </p:spPr>
+            <p:txBody>
+              <a:bodyPr>
+                <a:normAutofit lnSpcReduction="10000"/>
+              </a:bodyPr>
+              <a:lstStyle/>
+              <a:p>
+                <a:r>
+                  <a:rPr lang="pt-BR" dirty="0"/>
+                  <a:t>Nós queremos encontrá-los de tal forma que </a:t>
+                </a:r>
+                <a:r>
+                  <a:rPr lang="pt-BR" b="1" i="1" dirty="0">
+                    <a:solidFill>
+                      <a:srgbClr val="00B050"/>
+                    </a:solidFill>
+                  </a:rPr>
+                  <a:t>o erro de classificação seja minimizado</a:t>
+                </a:r>
+                <a:r>
+                  <a:rPr lang="pt-BR" dirty="0"/>
+                  <a:t>, i.e., que os exemplos sejam classificados corretamente.</a:t>
+                </a:r>
+              </a:p>
+              <a:p>
+                <a:r>
+                  <a:rPr lang="pt-BR" dirty="0"/>
+                  <a:t>No caso da </a:t>
+                </a:r>
+                <a:r>
+                  <a:rPr lang="pt-BR" b="1" i="1" dirty="0"/>
+                  <a:t>regressão linear</a:t>
+                </a:r>
+                <a:r>
+                  <a:rPr lang="pt-BR" dirty="0"/>
+                  <a:t>, nós fizemos isso de duas maneiras: </a:t>
+                </a:r>
+              </a:p>
+              <a:p>
+                <a:pPr marL="971550" lvl="1" indent="-514350">
+                  <a:buFont typeface="+mj-lt"/>
+                  <a:buAutoNum type="romanLcPeriod"/>
+                </a:pPr>
+                <a:r>
+                  <a:rPr lang="pt-BR" dirty="0"/>
+                  <a:t>de forma fechada (através da </a:t>
+                </a:r>
+                <a:r>
+                  <a:rPr lang="pt-BR" b="1" i="1" dirty="0"/>
+                  <a:t>equação normal</a:t>
+                </a:r>
+                <a:r>
+                  <a:rPr lang="pt-BR" dirty="0"/>
+                  <a:t>) fazendo a derivada parcial do erro em relação aos pesos igual a zero e resolvendo a equação para os pesos;</a:t>
+                </a:r>
+              </a:p>
+              <a:p>
+                <a:pPr marL="971550" lvl="1" indent="-514350">
+                  <a:buFont typeface="+mj-lt"/>
+                  <a:buAutoNum type="romanLcPeriod"/>
+                </a:pPr>
+                <a:r>
+                  <a:rPr lang="pt-BR" dirty="0"/>
+                  <a:t>e através do algoritmo do </a:t>
+                </a:r>
+                <a:r>
+                  <a:rPr lang="pt-BR" b="1" i="1" dirty="0"/>
+                  <a:t>gradiente descendente</a:t>
+                </a:r>
+                <a:r>
+                  <a:rPr lang="pt-BR" dirty="0"/>
+                  <a:t>.</a:t>
+                </a:r>
+              </a:p>
+              <a:p>
+                <a:r>
+                  <a:rPr lang="pt-BR" dirty="0"/>
+                  <a:t>Entretanto, com a </a:t>
+                </a:r>
+                <a:r>
+                  <a:rPr lang="pt-BR" b="1" i="1" dirty="0"/>
+                  <a:t>função de limiar rígido</a:t>
+                </a:r>
+                <a:r>
+                  <a:rPr lang="pt-BR" dirty="0"/>
+                  <a:t>, </a:t>
+                </a:r>
+                <a:r>
+                  <a:rPr lang="pt-BR" b="1" i="1" dirty="0">
+                    <a:solidFill>
+                      <a:srgbClr val="FF0000"/>
+                    </a:solidFill>
+                  </a:rPr>
+                  <a:t>nenhuma das duas abordagens é possível </a:t>
+                </a:r>
+                <a:r>
+                  <a:rPr lang="pt-BR" dirty="0"/>
+                  <a:t>devido à </a:t>
+                </a:r>
+                <a:r>
+                  <a:rPr lang="pt-BR" b="1" i="1" dirty="0"/>
+                  <a:t>derivada</a:t>
+                </a:r>
+                <a:r>
+                  <a:rPr lang="pt-BR" dirty="0"/>
+                  <a:t> de </a:t>
+                </a:r>
+                <a14:m>
+                  <m:oMath xmlns:m="http://schemas.openxmlformats.org/officeDocument/2006/math">
+                    <m:r>
+                      <a:rPr lang="en-US" i="1">
+                        <a:latin typeface="Cambria Math" panose="02040503050406030204" pitchFamily="18" charset="0"/>
+                      </a:rPr>
+                      <m:t>𝑓</m:t>
+                    </m:r>
+                    <m:r>
+                      <a:rPr lang="en-US" i="1">
+                        <a:latin typeface="Cambria Math" panose="02040503050406030204" pitchFamily="18" charset="0"/>
+                      </a:rPr>
+                      <m:t>(</m:t>
+                    </m:r>
+                    <m:r>
+                      <a:rPr lang="pt-BR" i="1">
+                        <a:latin typeface="Cambria Math" panose="02040503050406030204" pitchFamily="18" charset="0"/>
+                      </a:rPr>
+                      <m:t>𝑔</m:t>
+                    </m:r>
+                    <m:d>
+                      <m:dPr>
+                        <m:ctrlPr>
+                          <a:rPr lang="pt-BR" i="1">
+                            <a:latin typeface="Cambria Math" panose="02040503050406030204" pitchFamily="18" charset="0"/>
+                          </a:rPr>
+                        </m:ctrlPr>
+                      </m:dPr>
+                      <m:e>
+                        <m:r>
+                          <a:rPr lang="pt-BR" b="1" i="1">
+                            <a:latin typeface="Cambria Math" panose="02040503050406030204" pitchFamily="18" charset="0"/>
+                          </a:rPr>
+                          <m:t>𝒙</m:t>
+                        </m:r>
+                      </m:e>
+                    </m:d>
+                    <m:r>
+                      <a:rPr lang="en-US" i="1">
+                        <a:latin typeface="Cambria Math" panose="02040503050406030204" pitchFamily="18" charset="0"/>
+                      </a:rPr>
+                      <m:t>) </m:t>
+                    </m:r>
+                  </m:oMath>
+                </a14:m>
+                <a:r>
+                  <a:rPr lang="pt-BR" dirty="0"/>
+                  <a:t>ser igual a zero em todos os pontos exceto em </a:t>
+                </a:r>
+                <a14:m>
+                  <m:oMath xmlns:m="http://schemas.openxmlformats.org/officeDocument/2006/math">
+                    <m:r>
+                      <a:rPr lang="pt-BR" i="1">
+                        <a:latin typeface="Cambria Math" panose="02040503050406030204" pitchFamily="18" charset="0"/>
+                      </a:rPr>
+                      <m:t>𝑔</m:t>
+                    </m:r>
+                    <m:d>
+                      <m:dPr>
+                        <m:ctrlPr>
+                          <a:rPr lang="pt-BR" i="1">
+                            <a:latin typeface="Cambria Math" panose="02040503050406030204" pitchFamily="18" charset="0"/>
+                          </a:rPr>
+                        </m:ctrlPr>
+                      </m:dPr>
+                      <m:e>
+                        <m:r>
+                          <a:rPr lang="pt-BR" b="1" i="1">
+                            <a:latin typeface="Cambria Math" panose="02040503050406030204" pitchFamily="18" charset="0"/>
+                          </a:rPr>
+                          <m:t>𝒙</m:t>
+                        </m:r>
+                      </m:e>
+                    </m:d>
+                    <m:r>
+                      <a:rPr lang="pt-BR" b="0" i="1" smtClean="0">
+                        <a:latin typeface="Cambria Math" panose="02040503050406030204" pitchFamily="18" charset="0"/>
+                        <a:ea typeface="Cambria Math" panose="02040503050406030204" pitchFamily="18" charset="0"/>
+                      </a:rPr>
+                      <m:t>=0</m:t>
+                    </m:r>
+                  </m:oMath>
+                </a14:m>
+                <a:r>
+                  <a:rPr lang="pt-BR" dirty="0"/>
+                  <a:t>, onde ela é indeterminada.</a:t>
+                </a:r>
+              </a:p>
+            </p:txBody>
+          </p:sp>
+        </mc:Choice>
+        <mc:Fallback>
+          <p:sp>
+            <p:nvSpPr>
+              <p:cNvPr id="3" name="Content Placeholder 2"/>
+              <p:cNvSpPr>
+                <a:spLocks noGrp="1" noRot="1" noChangeAspect="1" noMove="1" noResize="1" noEditPoints="1" noAdjustHandles="1" noChangeArrowheads="1" noChangeShapeType="1" noTextEdit="1"/>
+              </p:cNvSpPr>
+              <p:nvPr>
+                <p:ph idx="1"/>
+              </p:nvPr>
+            </p:nvSpPr>
+            <p:spPr>
+              <a:xfrm>
+                <a:off x="3962400" y="1898980"/>
+                <a:ext cx="8105773" cy="4959020"/>
+              </a:xfrm>
+              <a:blipFill>
+                <a:blip r:embed="rId3"/>
+                <a:stretch>
+                  <a:fillRect l="-1353" t="-2829" r="-827"/>
+                </a:stretch>
+              </a:blipFill>
+            </p:spPr>
+            <p:txBody>
+              <a:bodyPr/>
+              <a:lstStyle/>
+              <a:p>
+                <a:r>
+                  <a:rPr lang="pt-BR">
+                    <a:noFill/>
+                  </a:rPr>
+                  <a:t> </a:t>
+                </a:r>
+              </a:p>
+            </p:txBody>
+          </p:sp>
+        </mc:Fallback>
+      </mc:AlternateContent>
+      <p:grpSp>
+        <p:nvGrpSpPr>
+          <p:cNvPr id="4" name="Agrupar 3">
+            <a:extLst>
+              <a:ext uri="{FF2B5EF4-FFF2-40B4-BE49-F238E27FC236}">
+                <a16:creationId xmlns:a16="http://schemas.microsoft.com/office/drawing/2014/main" id="{9167699E-C148-E6E4-AA25-95745C8A9E72}"/>
+              </a:ext>
+            </a:extLst>
+          </p:cNvPr>
+          <p:cNvGrpSpPr/>
+          <p:nvPr/>
+        </p:nvGrpSpPr>
+        <p:grpSpPr>
+          <a:xfrm>
+            <a:off x="38500" y="2233678"/>
+            <a:ext cx="3838573" cy="3796878"/>
+            <a:chOff x="257177" y="2194676"/>
+            <a:chExt cx="3838573" cy="3796878"/>
+          </a:xfrm>
+        </p:grpSpPr>
+        <p:pic>
+          <p:nvPicPr>
+            <p:cNvPr id="6" name="Picture 16">
+              <a:extLst>
+                <a:ext uri="{FF2B5EF4-FFF2-40B4-BE49-F238E27FC236}">
+                  <a16:creationId xmlns:a16="http://schemas.microsoft.com/office/drawing/2014/main" id="{43A50A77-EC5B-72A7-708D-F766435B42BA}"/>
+                </a:ext>
+              </a:extLst>
+            </p:cNvPr>
+            <p:cNvPicPr>
+              <a:picLocks noChangeAspect="1"/>
+            </p:cNvPicPr>
+            <p:nvPr/>
+          </p:nvPicPr>
+          <p:blipFill rotWithShape="1">
+            <a:blip r:embed="rId4"/>
+            <a:srcRect l="3046" t="5896" r="8832"/>
+            <a:stretch/>
+          </p:blipFill>
+          <p:spPr>
+            <a:xfrm>
+              <a:off x="476250" y="2447642"/>
+              <a:ext cx="3619500" cy="3359246"/>
+            </a:xfrm>
+            <a:prstGeom prst="rect">
+              <a:avLst/>
+            </a:prstGeom>
+          </p:spPr>
+        </p:pic>
+        <p:sp>
+          <p:nvSpPr>
+            <p:cNvPr id="7" name="Rectangle 17">
+              <a:extLst>
+                <a:ext uri="{FF2B5EF4-FFF2-40B4-BE49-F238E27FC236}">
+                  <a16:creationId xmlns:a16="http://schemas.microsoft.com/office/drawing/2014/main" id="{78B0EA9B-5D67-2FF5-DDBD-1D93340B6BAD}"/>
+                </a:ext>
+              </a:extLst>
+            </p:cNvPr>
+            <p:cNvSpPr/>
+            <p:nvPr/>
+          </p:nvSpPr>
+          <p:spPr>
+            <a:xfrm>
+              <a:off x="914400" y="2194676"/>
+              <a:ext cx="3181350" cy="338554"/>
+            </a:xfrm>
+            <a:prstGeom prst="rect">
+              <a:avLst/>
+            </a:prstGeom>
+          </p:spPr>
+          <p:txBody>
+            <a:bodyPr wrap="square">
+              <a:spAutoFit/>
+            </a:bodyPr>
+            <a:lstStyle/>
+            <a:p>
+              <a:pPr algn="ctr"/>
+              <a:r>
+                <a:rPr lang="pt-BR" sz="1600" b="1" dirty="0"/>
+                <a:t>Função heaviside</a:t>
+              </a:r>
+            </a:p>
+          </p:txBody>
+        </p:sp>
+        <mc:AlternateContent xmlns:mc="http://schemas.openxmlformats.org/markup-compatibility/2006" xmlns:a14="http://schemas.microsoft.com/office/drawing/2010/main">
+          <mc:Choice Requires="a14">
+            <p:sp>
+              <p:nvSpPr>
+                <p:cNvPr id="8" name="CaixaDeTexto 7">
+                  <a:extLst>
+                    <a:ext uri="{FF2B5EF4-FFF2-40B4-BE49-F238E27FC236}">
+                      <a16:creationId xmlns:a16="http://schemas.microsoft.com/office/drawing/2014/main" id="{AF29DA71-4710-10E0-14BD-1B1438F22A8F}"/>
+                    </a:ext>
+                  </a:extLst>
+                </p:cNvPr>
+                <p:cNvSpPr txBox="1"/>
+                <p:nvPr/>
+              </p:nvSpPr>
+              <p:spPr>
+                <a:xfrm>
+                  <a:off x="1828798" y="5622222"/>
+                  <a:ext cx="1266826" cy="369332"/>
+                </a:xfrm>
+                <a:prstGeom prst="rect">
+                  <a:avLst/>
+                </a:prstGeom>
+                <a:solidFill>
+                  <a:schemeClr val="bg1"/>
+                </a:solidFill>
+              </p:spPr>
+              <p:txBody>
+                <a:bodyPr wrap="square">
+                  <a:spAutoFit/>
+                </a:bodyPr>
+                <a:lstStyle/>
+                <a:p>
+                  <a:pPr/>
+                  <a14:m>
+                    <m:oMathPara xmlns:m="http://schemas.openxmlformats.org/officeDocument/2006/math">
+                      <m:oMathParaPr>
+                        <m:jc m:val="centerGroup"/>
+                      </m:oMathParaPr>
+                      <m:oMath xmlns:m="http://schemas.openxmlformats.org/officeDocument/2006/math">
+                        <m:r>
+                          <a:rPr lang="pt-BR" b="0" i="1" smtClean="0">
+                            <a:latin typeface="Cambria Math" panose="02040503050406030204" pitchFamily="18" charset="0"/>
+                          </a:rPr>
+                          <m:t>𝑔</m:t>
+                        </m:r>
+                        <m:r>
+                          <a:rPr lang="pt-BR" b="0" i="1" smtClean="0">
+                            <a:latin typeface="Cambria Math" panose="02040503050406030204" pitchFamily="18" charset="0"/>
+                          </a:rPr>
+                          <m:t>(</m:t>
+                        </m:r>
+                        <m:r>
+                          <a:rPr lang="pt-BR" b="1" i="1" smtClean="0">
+                            <a:latin typeface="Cambria Math" panose="02040503050406030204" pitchFamily="18" charset="0"/>
+                          </a:rPr>
+                          <m:t>𝒙</m:t>
+                        </m:r>
+                        <m:r>
+                          <a:rPr lang="pt-BR" b="0" i="1" smtClean="0">
+                            <a:latin typeface="Cambria Math" panose="02040503050406030204" pitchFamily="18" charset="0"/>
+                          </a:rPr>
+                          <m:t>)</m:t>
+                        </m:r>
+                      </m:oMath>
+                    </m:oMathPara>
+                  </a14:m>
+                  <a:endParaRPr lang="pt-BR" dirty="0"/>
+                </a:p>
+              </p:txBody>
+            </p:sp>
+          </mc:Choice>
+          <mc:Fallback xmlns="">
+            <p:sp>
+              <p:nvSpPr>
+                <p:cNvPr id="8" name="CaixaDeTexto 7">
+                  <a:extLst>
+                    <a:ext uri="{FF2B5EF4-FFF2-40B4-BE49-F238E27FC236}">
+                      <a16:creationId xmlns:a16="http://schemas.microsoft.com/office/drawing/2014/main" id="{AF29DA71-4710-10E0-14BD-1B1438F22A8F}"/>
+                    </a:ext>
+                  </a:extLst>
+                </p:cNvPr>
+                <p:cNvSpPr txBox="1">
+                  <a:spLocks noRot="1" noChangeAspect="1" noMove="1" noResize="1" noEditPoints="1" noAdjustHandles="1" noChangeArrowheads="1" noChangeShapeType="1" noTextEdit="1"/>
+                </p:cNvSpPr>
+                <p:nvPr/>
+              </p:nvSpPr>
+              <p:spPr>
+                <a:xfrm>
+                  <a:off x="1828798" y="5622222"/>
+                  <a:ext cx="1266826" cy="369332"/>
+                </a:xfrm>
+                <a:prstGeom prst="rect">
+                  <a:avLst/>
+                </a:prstGeom>
+                <a:blipFill>
+                  <a:blip r:embed="rId5"/>
+                  <a:stretch>
+                    <a:fillRect b="-13115"/>
+                  </a:stretch>
+                </a:blipFill>
+              </p:spPr>
+              <p:txBody>
+                <a:bodyPr/>
+                <a:lstStyle/>
+                <a:p>
+                  <a:r>
+                    <a:rPr lang="pt-BR">
+                      <a:noFill/>
+                    </a:rPr>
+                    <a:t> </a:t>
+                  </a:r>
+                </a:p>
+              </p:txBody>
+            </p:sp>
+          </mc:Fallback>
+        </mc:AlternateContent>
+        <mc:AlternateContent xmlns:mc="http://schemas.openxmlformats.org/markup-compatibility/2006" xmlns:a14="http://schemas.microsoft.com/office/drawing/2010/main">
+          <mc:Choice Requires="a14">
+            <p:sp>
+              <p:nvSpPr>
+                <p:cNvPr id="9" name="CaixaDeTexto 8">
+                  <a:extLst>
+                    <a:ext uri="{FF2B5EF4-FFF2-40B4-BE49-F238E27FC236}">
+                      <a16:creationId xmlns:a16="http://schemas.microsoft.com/office/drawing/2014/main" id="{60F2DECC-8C19-18FE-B4F8-959EE96B8D82}"/>
+                    </a:ext>
+                  </a:extLst>
+                </p:cNvPr>
+                <p:cNvSpPr txBox="1"/>
+                <p:nvPr/>
+              </p:nvSpPr>
+              <p:spPr>
+                <a:xfrm rot="16200000">
+                  <a:off x="-67745" y="3753921"/>
+                  <a:ext cx="1019175" cy="369332"/>
+                </a:xfrm>
+                <a:prstGeom prst="rect">
+                  <a:avLst/>
+                </a:prstGeom>
+                <a:solidFill>
+                  <a:schemeClr val="bg1"/>
+                </a:solidFill>
+              </p:spPr>
+              <p:txBody>
+                <a:bodyPr wrap="square">
+                  <a:spAutoFit/>
+                </a:bodyPr>
+                <a:lstStyle/>
+                <a:p>
+                  <a:pPr/>
+                  <a14:m>
+                    <m:oMathPara xmlns:m="http://schemas.openxmlformats.org/officeDocument/2006/math">
+                      <m:oMathParaPr>
+                        <m:jc m:val="centerGroup"/>
+                      </m:oMathParaPr>
+                      <m:oMath xmlns:m="http://schemas.openxmlformats.org/officeDocument/2006/math">
+                        <m:r>
+                          <a:rPr lang="pt-BR" b="0" i="1" smtClean="0">
+                            <a:latin typeface="Cambria Math" panose="02040503050406030204" pitchFamily="18" charset="0"/>
+                          </a:rPr>
+                          <m:t>𝑓</m:t>
+                        </m:r>
+                        <m:d>
+                          <m:dPr>
+                            <m:ctrlPr>
+                              <a:rPr lang="pt-BR" i="1">
+                                <a:latin typeface="Cambria Math" panose="02040503050406030204" pitchFamily="18" charset="0"/>
+                              </a:rPr>
+                            </m:ctrlPr>
+                          </m:dPr>
+                          <m:e>
+                            <m:r>
+                              <a:rPr lang="pt-BR" b="0" i="1" smtClean="0">
+                                <a:latin typeface="Cambria Math" panose="02040503050406030204" pitchFamily="18" charset="0"/>
+                              </a:rPr>
+                              <m:t>𝑔</m:t>
+                            </m:r>
+                            <m:r>
+                              <a:rPr lang="pt-BR" b="0" i="1" smtClean="0">
+                                <a:latin typeface="Cambria Math" panose="02040503050406030204" pitchFamily="18" charset="0"/>
+                              </a:rPr>
+                              <m:t>(</m:t>
+                            </m:r>
+                            <m:r>
+                              <a:rPr lang="pt-BR" b="1" i="1" smtClean="0">
+                                <a:latin typeface="Cambria Math" panose="02040503050406030204" pitchFamily="18" charset="0"/>
+                              </a:rPr>
+                              <m:t>𝒙</m:t>
+                            </m:r>
+                            <m:r>
+                              <a:rPr lang="pt-BR" b="0" i="1" smtClean="0">
+                                <a:latin typeface="Cambria Math" panose="02040503050406030204" pitchFamily="18" charset="0"/>
+                              </a:rPr>
+                              <m:t>)</m:t>
+                            </m:r>
+                          </m:e>
+                        </m:d>
+                      </m:oMath>
+                    </m:oMathPara>
+                  </a14:m>
+                  <a:endParaRPr lang="pt-BR" dirty="0"/>
+                </a:p>
+              </p:txBody>
+            </p:sp>
+          </mc:Choice>
+          <mc:Fallback xmlns="">
+            <p:sp>
+              <p:nvSpPr>
+                <p:cNvPr id="9" name="CaixaDeTexto 8">
+                  <a:extLst>
+                    <a:ext uri="{FF2B5EF4-FFF2-40B4-BE49-F238E27FC236}">
+                      <a16:creationId xmlns:a16="http://schemas.microsoft.com/office/drawing/2014/main" id="{60F2DECC-8C19-18FE-B4F8-959EE96B8D82}"/>
+                    </a:ext>
+                  </a:extLst>
+                </p:cNvPr>
+                <p:cNvSpPr txBox="1">
+                  <a:spLocks noRot="1" noChangeAspect="1" noMove="1" noResize="1" noEditPoints="1" noAdjustHandles="1" noChangeArrowheads="1" noChangeShapeType="1" noTextEdit="1"/>
+                </p:cNvSpPr>
+                <p:nvPr/>
+              </p:nvSpPr>
+              <p:spPr>
+                <a:xfrm rot="16200000">
+                  <a:off x="-67745" y="3753921"/>
+                  <a:ext cx="1019175" cy="369332"/>
+                </a:xfrm>
+                <a:prstGeom prst="rect">
+                  <a:avLst/>
+                </a:prstGeom>
+                <a:blipFill>
+                  <a:blip r:embed="rId6"/>
+                  <a:stretch>
+                    <a:fillRect r="-13115"/>
+                  </a:stretch>
+                </a:blipFill>
+              </p:spPr>
+              <p:txBody>
+                <a:bodyPr/>
+                <a:lstStyle/>
+                <a:p>
+                  <a:r>
+                    <a:rPr lang="pt-BR">
+                      <a:noFill/>
+                    </a:rPr>
+                    <a:t> </a:t>
+                  </a:r>
+                </a:p>
+              </p:txBody>
+            </p:sp>
+          </mc:Fallback>
+        </mc:AlternateContent>
+      </p:grpSp>
+    </p:spTree>
+    <p:extLst>
+      <p:ext uri="{BB962C8B-B14F-4D97-AF65-F5344CB8AC3E}">
+        <p14:creationId xmlns:p14="http://schemas.microsoft.com/office/powerpoint/2010/main" val="3051340437"/>
+      </p:ext>
+    </p:extLst>
+  </p:cSld>
+  <p:clrMapOvr>
+    <a:masterClrMapping/>
+  </p:clrMapOvr>
+</p:sld>
+</file>
+
+<file path=ppt/slides/slide13.xml><?xml version="1.0" encoding="utf-8"?>
+<p:sld xmlns:a="http://schemas.openxmlformats.org/drawingml/2006/main" xmlns:r="http://schemas.openxmlformats.org/officeDocument/2006/relationships" xmlns:p="http://schemas.openxmlformats.org/presentationml/2006/main">
+  <p:cSld>
+    <p:spTree>
+      <p:nvGrpSpPr>
+        <p:cNvPr id="1" name=""/>
+        <p:cNvGrpSpPr/>
+        <p:nvPr/>
+      </p:nvGrpSpPr>
+      <p:grpSpPr>
+        <a:xfrm>
+          <a:off x="0" y="0"/>
+          <a:ext cx="0" cy="0"/>
+          <a:chOff x="0" y="0"/>
+          <a:chExt cx="0" cy="0"/>
+        </a:xfrm>
+      </p:grpSpPr>
+      <p:sp>
+        <p:nvSpPr>
+          <p:cNvPr id="2" name="Title 1"/>
+          <p:cNvSpPr>
+            <a:spLocks noGrp="1"/>
+          </p:cNvSpPr>
+          <p:nvPr>
+            <p:ph type="title"/>
+          </p:nvPr>
+        </p:nvSpPr>
+        <p:spPr/>
+        <p:txBody>
+          <a:bodyPr/>
+          <a:lstStyle/>
+          <a:p>
+            <a:r>
+              <a:rPr lang="pt-BR" dirty="0"/>
+              <a:t>Classificação com limiar de decisão rígido</a:t>
+            </a:r>
+          </a:p>
+        </p:txBody>
+      </p:sp>
+      <p:sp>
+        <p:nvSpPr>
+          <p:cNvPr id="3" name="Content Placeholder 2"/>
+          <p:cNvSpPr>
+            <a:spLocks noGrp="1"/>
+          </p:cNvSpPr>
+          <p:nvPr>
+            <p:ph idx="1"/>
+          </p:nvPr>
+        </p:nvSpPr>
+        <p:spPr>
+          <a:xfrm>
+            <a:off x="838200" y="5838824"/>
+            <a:ext cx="11229973" cy="1019176"/>
+          </a:xfrm>
+        </p:spPr>
+        <p:txBody>
+          <a:bodyPr>
+            <a:normAutofit/>
+          </a:bodyPr>
+          <a:lstStyle/>
+          <a:p>
+            <a:pPr marL="0" indent="0">
+              <a:buNone/>
+            </a:pPr>
+            <a:r>
+              <a:rPr lang="pt-BR" b="1" dirty="0">
+                <a:solidFill>
+                  <a:srgbClr val="7030A0"/>
+                </a:solidFill>
+              </a:rPr>
+              <a:t>Portanto, como podemos encontrar os pesos com essa limitação?</a:t>
+            </a:r>
+          </a:p>
+        </p:txBody>
+      </p:sp>
+      <p:grpSp>
+        <p:nvGrpSpPr>
+          <p:cNvPr id="4" name="Agrupar 3">
+            <a:extLst>
+              <a:ext uri="{FF2B5EF4-FFF2-40B4-BE49-F238E27FC236}">
+                <a16:creationId xmlns:a16="http://schemas.microsoft.com/office/drawing/2014/main" id="{9167699E-C148-E6E4-AA25-95745C8A9E72}"/>
+              </a:ext>
+            </a:extLst>
+          </p:cNvPr>
+          <p:cNvGrpSpPr/>
+          <p:nvPr/>
+        </p:nvGrpSpPr>
+        <p:grpSpPr>
+          <a:xfrm>
+            <a:off x="3685174" y="1866317"/>
+            <a:ext cx="3838573" cy="3796878"/>
+            <a:chOff x="257177" y="2194676"/>
+            <a:chExt cx="3838573" cy="3796878"/>
+          </a:xfrm>
+        </p:grpSpPr>
+        <p:pic>
+          <p:nvPicPr>
+            <p:cNvPr id="6" name="Picture 16">
+              <a:extLst>
+                <a:ext uri="{FF2B5EF4-FFF2-40B4-BE49-F238E27FC236}">
+                  <a16:creationId xmlns:a16="http://schemas.microsoft.com/office/drawing/2014/main" id="{43A50A77-EC5B-72A7-708D-F766435B42BA}"/>
+                </a:ext>
+              </a:extLst>
+            </p:cNvPr>
+            <p:cNvPicPr>
+              <a:picLocks noChangeAspect="1"/>
+            </p:cNvPicPr>
+            <p:nvPr/>
+          </p:nvPicPr>
+          <p:blipFill rotWithShape="1">
+            <a:blip r:embed="rId3"/>
+            <a:srcRect l="3046" t="5896" r="8832"/>
+            <a:stretch/>
+          </p:blipFill>
+          <p:spPr>
+            <a:xfrm>
+              <a:off x="476250" y="2447642"/>
+              <a:ext cx="3619500" cy="3359246"/>
+            </a:xfrm>
+            <a:prstGeom prst="rect">
+              <a:avLst/>
+            </a:prstGeom>
+          </p:spPr>
+        </p:pic>
+        <p:sp>
+          <p:nvSpPr>
+            <p:cNvPr id="7" name="Rectangle 17">
+              <a:extLst>
+                <a:ext uri="{FF2B5EF4-FFF2-40B4-BE49-F238E27FC236}">
+                  <a16:creationId xmlns:a16="http://schemas.microsoft.com/office/drawing/2014/main" id="{78B0EA9B-5D67-2FF5-DDBD-1D93340B6BAD}"/>
+                </a:ext>
+              </a:extLst>
+            </p:cNvPr>
+            <p:cNvSpPr/>
+            <p:nvPr/>
+          </p:nvSpPr>
+          <p:spPr>
+            <a:xfrm>
+              <a:off x="914400" y="2194676"/>
+              <a:ext cx="3181350" cy="338554"/>
+            </a:xfrm>
+            <a:prstGeom prst="rect">
+              <a:avLst/>
+            </a:prstGeom>
+          </p:spPr>
+          <p:txBody>
+            <a:bodyPr wrap="square">
+              <a:spAutoFit/>
+            </a:bodyPr>
+            <a:lstStyle/>
+            <a:p>
+              <a:pPr algn="ctr"/>
+              <a:r>
+                <a:rPr lang="pt-BR" sz="1600" b="1" dirty="0"/>
+                <a:t>Função heaviside</a:t>
+              </a:r>
+            </a:p>
+          </p:txBody>
+        </p:sp>
+        <mc:AlternateContent xmlns:mc="http://schemas.openxmlformats.org/markup-compatibility/2006" xmlns:a14="http://schemas.microsoft.com/office/drawing/2010/main">
+          <mc:Choice Requires="a14">
+            <p:sp>
+              <p:nvSpPr>
+                <p:cNvPr id="8" name="CaixaDeTexto 7">
+                  <a:extLst>
+                    <a:ext uri="{FF2B5EF4-FFF2-40B4-BE49-F238E27FC236}">
+                      <a16:creationId xmlns:a16="http://schemas.microsoft.com/office/drawing/2014/main" id="{AF29DA71-4710-10E0-14BD-1B1438F22A8F}"/>
+                    </a:ext>
+                  </a:extLst>
+                </p:cNvPr>
+                <p:cNvSpPr txBox="1"/>
+                <p:nvPr/>
+              </p:nvSpPr>
+              <p:spPr>
+                <a:xfrm>
+                  <a:off x="1828798" y="5622222"/>
+                  <a:ext cx="1266826" cy="369332"/>
+                </a:xfrm>
+                <a:prstGeom prst="rect">
+                  <a:avLst/>
+                </a:prstGeom>
+                <a:solidFill>
+                  <a:schemeClr val="bg1"/>
+                </a:solidFill>
+              </p:spPr>
+              <p:txBody>
+                <a:bodyPr wrap="square">
+                  <a:spAutoFit/>
+                </a:bodyPr>
+                <a:lstStyle/>
+                <a:p>
+                  <a:pPr/>
+                  <a14:m>
+                    <m:oMathPara xmlns:m="http://schemas.openxmlformats.org/officeDocument/2006/math">
+                      <m:oMathParaPr>
+                        <m:jc m:val="centerGroup"/>
+                      </m:oMathParaPr>
+                      <m:oMath xmlns:m="http://schemas.openxmlformats.org/officeDocument/2006/math">
+                        <m:r>
+                          <a:rPr lang="pt-BR" b="0" i="1" smtClean="0">
+                            <a:latin typeface="Cambria Math" panose="02040503050406030204" pitchFamily="18" charset="0"/>
+                          </a:rPr>
+                          <m:t>𝑔</m:t>
+                        </m:r>
+                        <m:r>
+                          <a:rPr lang="pt-BR" b="0" i="1" smtClean="0">
+                            <a:latin typeface="Cambria Math" panose="02040503050406030204" pitchFamily="18" charset="0"/>
+                          </a:rPr>
+                          <m:t>(</m:t>
+                        </m:r>
+                        <m:r>
+                          <a:rPr lang="pt-BR" b="1" i="1" smtClean="0">
+                            <a:latin typeface="Cambria Math" panose="02040503050406030204" pitchFamily="18" charset="0"/>
+                          </a:rPr>
+                          <m:t>𝒙</m:t>
+                        </m:r>
+                        <m:r>
+                          <a:rPr lang="pt-BR" b="0" i="1" smtClean="0">
+                            <a:latin typeface="Cambria Math" panose="02040503050406030204" pitchFamily="18" charset="0"/>
+                          </a:rPr>
+                          <m:t>)</m:t>
+                        </m:r>
+                      </m:oMath>
+                    </m:oMathPara>
+                  </a14:m>
+                  <a:endParaRPr lang="pt-BR" dirty="0"/>
+                </a:p>
+              </p:txBody>
+            </p:sp>
+          </mc:Choice>
+          <mc:Fallback xmlns="">
+            <p:sp>
+              <p:nvSpPr>
+                <p:cNvPr id="8" name="CaixaDeTexto 7">
+                  <a:extLst>
+                    <a:ext uri="{FF2B5EF4-FFF2-40B4-BE49-F238E27FC236}">
+                      <a16:creationId xmlns:a16="http://schemas.microsoft.com/office/drawing/2014/main" id="{AF29DA71-4710-10E0-14BD-1B1438F22A8F}"/>
+                    </a:ext>
+                  </a:extLst>
+                </p:cNvPr>
+                <p:cNvSpPr txBox="1">
+                  <a:spLocks noRot="1" noChangeAspect="1" noMove="1" noResize="1" noEditPoints="1" noAdjustHandles="1" noChangeArrowheads="1" noChangeShapeType="1" noTextEdit="1"/>
+                </p:cNvSpPr>
+                <p:nvPr/>
+              </p:nvSpPr>
+              <p:spPr>
+                <a:xfrm>
+                  <a:off x="1828798" y="5622222"/>
+                  <a:ext cx="1266826" cy="369332"/>
+                </a:xfrm>
+                <a:prstGeom prst="rect">
+                  <a:avLst/>
+                </a:prstGeom>
+                <a:blipFill>
+                  <a:blip r:embed="rId5"/>
+                  <a:stretch>
+                    <a:fillRect b="-13115"/>
+                  </a:stretch>
+                </a:blipFill>
+              </p:spPr>
+              <p:txBody>
+                <a:bodyPr/>
+                <a:lstStyle/>
+                <a:p>
+                  <a:r>
+                    <a:rPr lang="pt-BR">
+                      <a:noFill/>
+                    </a:rPr>
+                    <a:t> </a:t>
+                  </a:r>
+                </a:p>
+              </p:txBody>
+            </p:sp>
+          </mc:Fallback>
+        </mc:AlternateContent>
+        <mc:AlternateContent xmlns:mc="http://schemas.openxmlformats.org/markup-compatibility/2006" xmlns:a14="http://schemas.microsoft.com/office/drawing/2010/main">
+          <mc:Choice Requires="a14">
+            <p:sp>
+              <p:nvSpPr>
+                <p:cNvPr id="9" name="CaixaDeTexto 8">
+                  <a:extLst>
+                    <a:ext uri="{FF2B5EF4-FFF2-40B4-BE49-F238E27FC236}">
+                      <a16:creationId xmlns:a16="http://schemas.microsoft.com/office/drawing/2014/main" id="{60F2DECC-8C19-18FE-B4F8-959EE96B8D82}"/>
+                    </a:ext>
+                  </a:extLst>
+                </p:cNvPr>
+                <p:cNvSpPr txBox="1"/>
+                <p:nvPr/>
+              </p:nvSpPr>
+              <p:spPr>
+                <a:xfrm rot="16200000">
+                  <a:off x="-67745" y="3753921"/>
+                  <a:ext cx="1019175" cy="369332"/>
+                </a:xfrm>
+                <a:prstGeom prst="rect">
+                  <a:avLst/>
+                </a:prstGeom>
+                <a:solidFill>
+                  <a:schemeClr val="bg1"/>
+                </a:solidFill>
+              </p:spPr>
+              <p:txBody>
+                <a:bodyPr wrap="square">
+                  <a:spAutoFit/>
+                </a:bodyPr>
+                <a:lstStyle/>
+                <a:p>
+                  <a:pPr/>
+                  <a14:m>
+                    <m:oMathPara xmlns:m="http://schemas.openxmlformats.org/officeDocument/2006/math">
+                      <m:oMathParaPr>
+                        <m:jc m:val="centerGroup"/>
+                      </m:oMathParaPr>
+                      <m:oMath xmlns:m="http://schemas.openxmlformats.org/officeDocument/2006/math">
+                        <m:r>
+                          <a:rPr lang="pt-BR" b="0" i="1" smtClean="0">
+                            <a:latin typeface="Cambria Math" panose="02040503050406030204" pitchFamily="18" charset="0"/>
+                          </a:rPr>
+                          <m:t>𝑓</m:t>
+                        </m:r>
+                        <m:d>
+                          <m:dPr>
+                            <m:ctrlPr>
+                              <a:rPr lang="pt-BR" i="1">
+                                <a:latin typeface="Cambria Math" panose="02040503050406030204" pitchFamily="18" charset="0"/>
+                              </a:rPr>
+                            </m:ctrlPr>
+                          </m:dPr>
+                          <m:e>
+                            <m:r>
+                              <a:rPr lang="pt-BR" b="0" i="1" smtClean="0">
+                                <a:latin typeface="Cambria Math" panose="02040503050406030204" pitchFamily="18" charset="0"/>
+                              </a:rPr>
+                              <m:t>𝑔</m:t>
+                            </m:r>
+                            <m:r>
+                              <a:rPr lang="pt-BR" b="0" i="1" smtClean="0">
+                                <a:latin typeface="Cambria Math" panose="02040503050406030204" pitchFamily="18" charset="0"/>
+                              </a:rPr>
+                              <m:t>(</m:t>
+                            </m:r>
+                            <m:r>
+                              <a:rPr lang="pt-BR" b="1" i="1" smtClean="0">
+                                <a:latin typeface="Cambria Math" panose="02040503050406030204" pitchFamily="18" charset="0"/>
+                              </a:rPr>
+                              <m:t>𝒙</m:t>
+                            </m:r>
+                            <m:r>
+                              <a:rPr lang="pt-BR" b="0" i="1" smtClean="0">
+                                <a:latin typeface="Cambria Math" panose="02040503050406030204" pitchFamily="18" charset="0"/>
+                              </a:rPr>
+                              <m:t>)</m:t>
+                            </m:r>
+                          </m:e>
+                        </m:d>
+                      </m:oMath>
+                    </m:oMathPara>
+                  </a14:m>
+                  <a:endParaRPr lang="pt-BR" dirty="0"/>
+                </a:p>
+              </p:txBody>
+            </p:sp>
+          </mc:Choice>
+          <mc:Fallback xmlns="">
+            <p:sp>
+              <p:nvSpPr>
+                <p:cNvPr id="9" name="CaixaDeTexto 8">
+                  <a:extLst>
+                    <a:ext uri="{FF2B5EF4-FFF2-40B4-BE49-F238E27FC236}">
+                      <a16:creationId xmlns:a16="http://schemas.microsoft.com/office/drawing/2014/main" id="{60F2DECC-8C19-18FE-B4F8-959EE96B8D82}"/>
+                    </a:ext>
+                  </a:extLst>
+                </p:cNvPr>
+                <p:cNvSpPr txBox="1">
+                  <a:spLocks noRot="1" noChangeAspect="1" noMove="1" noResize="1" noEditPoints="1" noAdjustHandles="1" noChangeArrowheads="1" noChangeShapeType="1" noTextEdit="1"/>
+                </p:cNvSpPr>
+                <p:nvPr/>
+              </p:nvSpPr>
+              <p:spPr>
+                <a:xfrm rot="16200000">
+                  <a:off x="-67745" y="3753921"/>
+                  <a:ext cx="1019175" cy="369332"/>
+                </a:xfrm>
+                <a:prstGeom prst="rect">
+                  <a:avLst/>
+                </a:prstGeom>
+                <a:blipFill>
+                  <a:blip r:embed="rId6"/>
+                  <a:stretch>
+                    <a:fillRect r="-13115"/>
+                  </a:stretch>
+                </a:blipFill>
+              </p:spPr>
+              <p:txBody>
+                <a:bodyPr/>
+                <a:lstStyle/>
+                <a:p>
+                  <a:r>
+                    <a:rPr lang="pt-BR">
+                      <a:noFill/>
+                    </a:rPr>
+                    <a:t> </a:t>
+                  </a:r>
+                </a:p>
+              </p:txBody>
+            </p:sp>
+          </mc:Fallback>
+        </mc:AlternateContent>
+      </p:grpSp>
+    </p:spTree>
+    <p:extLst>
+      <p:ext uri="{BB962C8B-B14F-4D97-AF65-F5344CB8AC3E}">
+        <p14:creationId xmlns:p14="http://schemas.microsoft.com/office/powerpoint/2010/main" val="2472843989"/>
+      </p:ext>
+    </p:extLst>
+  </p:cSld>
+  <p:clrMapOvr>
+    <a:masterClrMapping/>
+  </p:clrMapOvr>
+</p:sld>
+</file>
+
+<file path=ppt/slides/slide14.xml><?xml version="1.0" encoding="utf-8"?>
+<p:sld xmlns:a="http://schemas.openxmlformats.org/drawingml/2006/main" xmlns:r="http://schemas.openxmlformats.org/officeDocument/2006/relationships" xmlns:p="http://schemas.openxmlformats.org/presentationml/2006/main">
+  <p:cSld>
+    <p:spTree>
+      <p:nvGrpSpPr>
+        <p:cNvPr id="1" name=""/>
+        <p:cNvGrpSpPr/>
+        <p:nvPr/>
+      </p:nvGrpSpPr>
+      <p:grpSpPr>
+        <a:xfrm>
+          <a:off x="0" y="0"/>
+          <a:ext cx="0" cy="0"/>
+          <a:chOff x="0" y="0"/>
+          <a:chExt cx="0" cy="0"/>
+        </a:xfrm>
+      </p:grpSpPr>
+      <p:sp>
+        <p:nvSpPr>
           <p:cNvPr id="2" name="Título 1">
             <a:extLst>
               <a:ext uri="{FF2B5EF4-FFF2-40B4-BE49-F238E27FC236}">
@@ -10350,8 +11388,8 @@
           </a:p>
         </p:txBody>
       </p:sp>
-      <mc:AlternateContent xmlns:mc="http://schemas.openxmlformats.org/markup-compatibility/2006" xmlns:a14="http://schemas.microsoft.com/office/drawing/2010/main">
-        <mc:Choice Requires="a14">
+      <mc:AlternateContent xmlns:mc="http://schemas.openxmlformats.org/markup-compatibility/2006">
+        <mc:Choice xmlns:a14="http://schemas.microsoft.com/office/drawing/2010/main" Requires="a14">
           <p:sp>
             <p:nvSpPr>
               <p:cNvPr id="3" name="Espaço Reservado para Conteúdo 2">
@@ -10693,7 +11731,7 @@
               <a:p>
                 <a:r>
                   <a:rPr lang="pt-BR" dirty="0"/>
-                  <a:t>A regra é essencialmente idêntica à regra de atualização para a </a:t>
+                  <a:t>A regra é idêntica à regra de atualização para a </a:t>
                 </a:r>
                 <a:r>
                   <a:rPr lang="pt-BR" b="1" i="1" dirty="0"/>
@@ -10715,7 +11753,7 @@
             </p:txBody>
           </p:sp>
         </mc:Choice>
-        <mc:Fallback xmlns="">
+        <mc:Fallback>
           <p:sp>
             <p:nvSpPr>
               <p:cNvPr id="3" name="Espaço Reservado para Conteúdo 2">
@@ -10740,7 +11778,7 @@
               <a:blipFill>
                 <a:blip r:embed="rId3"/>
                 <a:stretch>
-                  <a:fillRect l="-1093" t="-1937" r="-273" b="-484"/>
+                  <a:fillRect l="-1093" t="-1937" b="-484"/>
                 </a:stretch>
               </a:blipFill>
             </p:spPr>
@@ -10772,7 +11810,7 @@
 </p:sld>
 </file>
 
-<file path=ppt/slides/slide13.xml><?xml version="1.0" encoding="utf-8"?>
+<file path=ppt/slides/slide15.xml><?xml version="1.0" encoding="utf-8"?>
 <p:sld xmlns:a="http://schemas.openxmlformats.org/drawingml/2006/main" xmlns:r="http://schemas.openxmlformats.org/officeDocument/2006/relationships" xmlns:p="http://schemas.openxmlformats.org/presentationml/2006/main">
   <p:cSld>
     <p:spTree>
@@ -10817,8 +11855,8 @@
           </a:p>
         </p:txBody>
       </p:sp>
-      <mc:AlternateContent xmlns:mc="http://schemas.openxmlformats.org/markup-compatibility/2006" xmlns:a14="http://schemas.microsoft.com/office/drawing/2010/main">
-        <mc:Choice Requires="a14">
+      <mc:AlternateContent xmlns:mc="http://schemas.openxmlformats.org/markup-compatibility/2006">
+        <mc:Choice xmlns:a14="http://schemas.microsoft.com/office/drawing/2010/main" Requires="a14">
           <p:sp>
             <p:nvSpPr>
               <p:cNvPr id="3" name="Espaço Reservado para Conteúdo 2">
@@ -11074,7 +12112,15 @@
                 </a:r>
                 <a:r>
                   <a:rPr lang="pt-BR" b="1" i="1" dirty="0"/>
-                  <a:t>aplicada a um exemplo por vez</a:t>
+                  <a:t>aplicada a </a:t>
+                </a:r>
+                <a:r>
+                  <a:rPr lang="pt-BR" b="1" i="1" dirty="0">
+                    <a:solidFill>
+                      <a:srgbClr val="FF0000"/>
+                    </a:solidFill>
+                  </a:rPr>
+                  <a:t>um exemplo por vez</a:t>
                 </a:r>
                 <a:r>
                   <a:rPr lang="pt-BR" dirty="0"/>
@@ -11144,7 +12190,7 @@
             </p:txBody>
           </p:sp>
         </mc:Choice>
-        <mc:Fallback xmlns="">
+        <mc:Fallback>
           <p:sp>
             <p:nvSpPr>
               <p:cNvPr id="3" name="Espaço Reservado para Conteúdo 2">
@@ -11201,7 +12247,7 @@
 </p:sld>
 </file>
 
-<file path=ppt/slides/slide14.xml><?xml version="1.0" encoding="utf-8"?>
+<file path=ppt/slides/slide16.xml><?xml version="1.0" encoding="utf-8"?>
 <p:sld xmlns:a="http://schemas.openxmlformats.org/drawingml/2006/main" xmlns:r="http://schemas.openxmlformats.org/officeDocument/2006/relationships" xmlns:p="http://schemas.openxmlformats.org/presentationml/2006/main">
   <p:cSld>
     <p:spTree>
@@ -12642,7 +13688,7 @@
 </p:sld>
 </file>
 
-<file path=ppt/slides/slide15.xml><?xml version="1.0" encoding="utf-8"?>
+<file path=ppt/slides/slide17.xml><?xml version="1.0" encoding="utf-8"?>
 <p:sld xmlns:a="http://schemas.openxmlformats.org/drawingml/2006/main" xmlns:r="http://schemas.openxmlformats.org/officeDocument/2006/relationships" xmlns:p="http://schemas.openxmlformats.org/presentationml/2006/main">
   <p:cSld>
     <p:spTree>
@@ -14038,7 +15084,7 @@
 </p:sld>
 </file>
 
-<file path=ppt/slides/slide16.xml><?xml version="1.0" encoding="utf-8"?>
+<file path=ppt/slides/slide18.xml><?xml version="1.0" encoding="utf-8"?>
 <p:sld xmlns:a="http://schemas.openxmlformats.org/drawingml/2006/main" xmlns:r="http://schemas.openxmlformats.org/officeDocument/2006/relationships" xmlns:p="http://schemas.openxmlformats.org/presentationml/2006/main">
   <p:cSld>
     <p:spTree>
@@ -15445,7 +16491,7 @@
 </p:sld>
 </file>
 
-<file path=ppt/slides/slide17.xml><?xml version="1.0" encoding="utf-8"?>
+<file path=ppt/slides/slide19.xml><?xml version="1.0" encoding="utf-8"?>
 <p:sld xmlns:a="http://schemas.openxmlformats.org/drawingml/2006/main" xmlns:r="http://schemas.openxmlformats.org/officeDocument/2006/relationships" xmlns:p="http://schemas.openxmlformats.org/presentationml/2006/main">
   <p:cSld>
     <p:spTree>
@@ -15727,7 +16773,160 @@
 </p:sld>
 </file>
 
-<file path=ppt/slides/slide18.xml><?xml version="1.0" encoding="utf-8"?>
+<file path=ppt/slides/slide2.xml><?xml version="1.0" encoding="utf-8"?>
+<p:sld xmlns:a="http://schemas.openxmlformats.org/drawingml/2006/main" xmlns:r="http://schemas.openxmlformats.org/officeDocument/2006/relationships" xmlns:p="http://schemas.openxmlformats.org/presentationml/2006/main">
+  <p:cSld>
+    <p:spTree>
+      <p:nvGrpSpPr>
+        <p:cNvPr id="1" name=""/>
+        <p:cNvGrpSpPr/>
+        <p:nvPr/>
+      </p:nvGrpSpPr>
+      <p:grpSpPr>
+        <a:xfrm>
+          <a:off x="0" y="0"/>
+          <a:ext cx="0" cy="0"/>
+          <a:chOff x="0" y="0"/>
+          <a:chExt cx="0" cy="0"/>
+        </a:xfrm>
+      </p:grpSpPr>
+      <p:sp>
+        <p:nvSpPr>
+          <p:cNvPr id="2" name="Title 1"/>
+          <p:cNvSpPr>
+            <a:spLocks noGrp="1"/>
+          </p:cNvSpPr>
+          <p:nvPr>
+            <p:ph type="title"/>
+          </p:nvPr>
+        </p:nvSpPr>
+        <p:spPr/>
+        <p:txBody>
+          <a:bodyPr/>
+          <a:lstStyle/>
+          <a:p>
+            <a:r>
+              <a:rPr lang="pt-BR" dirty="0"/>
+              <a:t>Recapitulando</a:t>
+            </a:r>
+          </a:p>
+        </p:txBody>
+      </p:sp>
+      <p:sp>
+        <p:nvSpPr>
+          <p:cNvPr id="3" name="Content Placeholder 2"/>
+          <p:cNvSpPr>
+            <a:spLocks noGrp="1"/>
+          </p:cNvSpPr>
+          <p:nvPr>
+            <p:ph idx="1"/>
+          </p:nvPr>
+        </p:nvSpPr>
+        <p:spPr>
+          <a:xfrm>
+            <a:off x="838200" y="1825624"/>
+            <a:ext cx="11157642" cy="5032376"/>
+          </a:xfrm>
+        </p:spPr>
+        <p:txBody>
+          <a:bodyPr>
+            <a:normAutofit/>
+          </a:bodyPr>
+          <a:lstStyle/>
+          <a:p>
+            <a:r>
+              <a:rPr lang="pt-BR" dirty="0"/>
+              <a:t>Anteriormente, vimos alguns exemplos de aplicação de algoritmos de </a:t>
+            </a:r>
+            <a:r>
+              <a:rPr lang="pt-BR" b="1" i="1" dirty="0"/>
+              <a:t>classificação</a:t>
+            </a:r>
+            <a:r>
+              <a:rPr lang="pt-BR" dirty="0"/>
+              <a:t>:</a:t>
+            </a:r>
+          </a:p>
+          <a:p>
+            <a:pPr lvl="1">
+              <a:buFont typeface="Wingdings" panose="05000000000000000000" pitchFamily="2" charset="2"/>
+              <a:buChar char="§"/>
+            </a:pPr>
+            <a:r>
+              <a:rPr lang="pt-BR" dirty="0"/>
+              <a:t>Detecção de spam.</a:t>
+            </a:r>
+          </a:p>
+          <a:p>
+            <a:pPr lvl="1">
+              <a:buFont typeface="Wingdings" panose="05000000000000000000" pitchFamily="2" charset="2"/>
+              <a:buChar char="§"/>
+            </a:pPr>
+            <a:r>
+              <a:rPr lang="pt-BR" dirty="0"/>
+              <a:t>Análise de sentimentos.</a:t>
+            </a:r>
+          </a:p>
+          <a:p>
+            <a:pPr lvl="1">
+              <a:buFont typeface="Wingdings" panose="05000000000000000000" pitchFamily="2" charset="2"/>
+              <a:buChar char="§"/>
+            </a:pPr>
+            <a:r>
+              <a:rPr lang="pt-BR" dirty="0"/>
+              <a:t>Reconhecimento de objetos, faces, letras/dígitos.</a:t>
+            </a:r>
+          </a:p>
+          <a:p>
+            <a:r>
+              <a:rPr lang="pt-BR" dirty="0"/>
+              <a:t>Definimos o problema da classificação e concluímos que ele também é um problema de </a:t>
+            </a:r>
+            <a:r>
+              <a:rPr lang="pt-BR" b="1" i="1" dirty="0"/>
+              <a:t>aprendizado supervisionado</a:t>
+            </a:r>
+            <a:r>
+              <a:rPr lang="pt-BR" dirty="0"/>
+              <a:t>.</a:t>
+            </a:r>
+          </a:p>
+          <a:p>
+            <a:r>
+              <a:rPr lang="pt-BR" dirty="0"/>
+              <a:t>Aprendemos que as classes são separadas através de </a:t>
+            </a:r>
+            <a:r>
+              <a:rPr lang="pt-BR" b="1" i="1" dirty="0"/>
+              <a:t>funções discriminantes </a:t>
+            </a:r>
+            <a:r>
+              <a:rPr lang="pt-BR" dirty="0"/>
+              <a:t>e que o desafio é encontrar funções adequadas e seus respectivos pesos.</a:t>
+            </a:r>
+          </a:p>
+          <a:p>
+            <a:r>
+              <a:rPr lang="pt-BR" dirty="0"/>
+              <a:t>A partir desta aula, começaremos a discutir como encontrar os pesos.</a:t>
+            </a:r>
+          </a:p>
+        </p:txBody>
+      </p:sp>
+    </p:spTree>
+    <p:extLst>
+      <p:ext uri="{BB962C8B-B14F-4D97-AF65-F5344CB8AC3E}">
+        <p14:creationId xmlns:p14="http://schemas.microsoft.com/office/powerpoint/2010/main" val="193916927"/>
+      </p:ext>
+    </p:extLst>
+  </p:cSld>
+  <p:clrMapOvr>
+    <a:masterClrMapping/>
+  </p:clrMapOvr>
+</p:sld>
+</file>
+
+<file path=ppt/slides/slide20.xml><?xml version="1.0" encoding="utf-8"?>
 <p:sld xmlns:a="http://schemas.openxmlformats.org/drawingml/2006/main" xmlns:r="http://schemas.openxmlformats.org/officeDocument/2006/relationships" xmlns:p="http://schemas.openxmlformats.org/presentationml/2006/main">
   <p:cSld>
     <p:spTree>
@@ -16025,7 +17224,7 @@
 </p:sld>
 </file>
 
-<file path=ppt/slides/slide19.xml><?xml version="1.0" encoding="utf-8"?>
+<file path=ppt/slides/slide21.xml><?xml version="1.0" encoding="utf-8"?>
 <p:sld xmlns:a="http://schemas.openxmlformats.org/drawingml/2006/main" xmlns:r="http://schemas.openxmlformats.org/officeDocument/2006/relationships" xmlns:p="http://schemas.openxmlformats.org/presentationml/2006/main">
   <p:cSld>
     <p:spTree>
@@ -16189,7 +17388,7 @@
 </p:sld>
 </file>
 
-<file path=ppt/slides/slide2.xml><?xml version="1.0" encoding="utf-8"?>
+<file path=ppt/slides/slide22.xml><?xml version="1.0" encoding="utf-8"?>
 <p:sld xmlns:a="http://schemas.openxmlformats.org/drawingml/2006/main" xmlns:r="http://schemas.openxmlformats.org/officeDocument/2006/relationships" xmlns:p="http://schemas.openxmlformats.org/presentationml/2006/main">
   <p:cSld>
     <p:spTree>
@@ -16223,166 +17422,13 @@
           <a:p>
             <a:r>
               <a:rPr lang="pt-BR" dirty="0"/>
-              <a:t>Recapitulando</a:t>
+              <a:t>Classificação com limiar de decisão rígido</a:t>
             </a:r>
           </a:p>
         </p:txBody>
       </p:sp>
-      <p:sp>
-        <p:nvSpPr>
-          <p:cNvPr id="3" name="Content Placeholder 2"/>
-          <p:cNvSpPr>
-            <a:spLocks noGrp="1"/>
-          </p:cNvSpPr>
-          <p:nvPr>
-            <p:ph idx="1"/>
-          </p:nvPr>
-        </p:nvSpPr>
-        <p:spPr>
-          <a:xfrm>
-            <a:off x="838200" y="1825624"/>
-            <a:ext cx="11157642" cy="5032376"/>
-          </a:xfrm>
-        </p:spPr>
-        <p:txBody>
-          <a:bodyPr>
-            <a:normAutofit/>
-          </a:bodyPr>
-          <a:lstStyle/>
-          <a:p>
-            <a:r>
-              <a:rPr lang="pt-BR" dirty="0"/>
-              <a:t>Anteriormente, vimos alguns exemplos de aplicação de algoritmos de </a:t>
-            </a:r>
-            <a:r>
-              <a:rPr lang="pt-BR" b="1" i="1" dirty="0"/>
-              <a:t>classificação</a:t>
-            </a:r>
-            <a:r>
-              <a:rPr lang="pt-BR" dirty="0"/>
-              <a:t>:</a:t>
-            </a:r>
-          </a:p>
-          <a:p>
-            <a:pPr lvl="1">
-              <a:buFont typeface="Wingdings" panose="05000000000000000000" pitchFamily="2" charset="2"/>
-              <a:buChar char="§"/>
-            </a:pPr>
-            <a:r>
-              <a:rPr lang="pt-BR" dirty="0"/>
-              <a:t>Detecção de spam.</a:t>
-            </a:r>
-          </a:p>
-          <a:p>
-            <a:pPr lvl="1">
-              <a:buFont typeface="Wingdings" panose="05000000000000000000" pitchFamily="2" charset="2"/>
-              <a:buChar char="§"/>
-            </a:pPr>
-            <a:r>
-              <a:rPr lang="pt-BR" dirty="0"/>
-              <a:t>Análise de sentimentos.</a:t>
-            </a:r>
-          </a:p>
-          <a:p>
-            <a:pPr lvl="1">
-              <a:buFont typeface="Wingdings" panose="05000000000000000000" pitchFamily="2" charset="2"/>
-              <a:buChar char="§"/>
-            </a:pPr>
-            <a:r>
-              <a:rPr lang="pt-BR" dirty="0"/>
-              <a:t>Reconhecimento de objetos, faces, letras/dígitos.</a:t>
-            </a:r>
-          </a:p>
-          <a:p>
-            <a:r>
-              <a:rPr lang="pt-BR" dirty="0"/>
-              <a:t>Definimos o problema da classificação e concluímos que ele também é um problema de </a:t>
-            </a:r>
-            <a:r>
-              <a:rPr lang="pt-BR" b="1" i="1" dirty="0"/>
-              <a:t>aprendizado supervisionado</a:t>
-            </a:r>
-            <a:r>
-              <a:rPr lang="pt-BR" dirty="0"/>
-              <a:t>.</a:t>
-            </a:r>
-          </a:p>
-          <a:p>
-            <a:r>
-              <a:rPr lang="pt-BR" dirty="0"/>
-              <a:t>Aprendemos que as classes são separadas através de </a:t>
-            </a:r>
-            <a:r>
-              <a:rPr lang="pt-BR" b="1" i="1" dirty="0"/>
-              <a:t>funções discriminantes </a:t>
-            </a:r>
-            <a:r>
-              <a:rPr lang="pt-BR" dirty="0"/>
-              <a:t>e que o desafio é encontrar funções adequadas e seus respectivos pesos.</a:t>
-            </a:r>
-          </a:p>
-          <a:p>
-            <a:r>
-              <a:rPr lang="pt-BR" dirty="0"/>
-              <a:t>A partir da aula de hoje, começamos a discutir como encontrar os pesos.</a:t>
-            </a:r>
-          </a:p>
-        </p:txBody>
-      </p:sp>
-    </p:spTree>
-    <p:extLst>
-      <p:ext uri="{BB962C8B-B14F-4D97-AF65-F5344CB8AC3E}">
-        <p14:creationId xmlns:p14="http://schemas.microsoft.com/office/powerpoint/2010/main" val="193916927"/>
-      </p:ext>
-    </p:extLst>
-  </p:cSld>
-  <p:clrMapOvr>
-    <a:masterClrMapping/>
-  </p:clrMapOvr>
-</p:sld>
-</file>
-
-<file path=ppt/slides/slide20.xml><?xml version="1.0" encoding="utf-8"?>
-<p:sld xmlns:a="http://schemas.openxmlformats.org/drawingml/2006/main" xmlns:r="http://schemas.openxmlformats.org/officeDocument/2006/relationships" xmlns:p="http://schemas.openxmlformats.org/presentationml/2006/main">
-  <p:cSld>
-    <p:spTree>
-      <p:nvGrpSpPr>
-        <p:cNvPr id="1" name=""/>
-        <p:cNvGrpSpPr/>
-        <p:nvPr/>
-      </p:nvGrpSpPr>
-      <p:grpSpPr>
-        <a:xfrm>
-          <a:off x="0" y="0"/>
-          <a:ext cx="0" cy="0"/>
-          <a:chOff x="0" y="0"/>
-          <a:chExt cx="0" cy="0"/>
-        </a:xfrm>
-      </p:grpSpPr>
-      <p:sp>
-        <p:nvSpPr>
-          <p:cNvPr id="2" name="Title 1"/>
-          <p:cNvSpPr>
-            <a:spLocks noGrp="1"/>
-          </p:cNvSpPr>
-          <p:nvPr>
-            <p:ph type="title"/>
-          </p:nvPr>
-        </p:nvSpPr>
-        <p:spPr/>
-        <p:txBody>
-          <a:bodyPr/>
-          <a:lstStyle/>
-          <a:p>
-            <a:r>
-              <a:rPr lang="pt-BR" dirty="0"/>
-              <a:t>Classificação com limiar de decisão rígido</a:t>
-            </a:r>
-          </a:p>
-        </p:txBody>
-      </p:sp>
-      <mc:AlternateContent xmlns:mc="http://schemas.openxmlformats.org/markup-compatibility/2006">
-        <mc:Choice xmlns:a14="http://schemas.microsoft.com/office/drawing/2010/main" Requires="a14">
+      <mc:AlternateContent xmlns:mc="http://schemas.openxmlformats.org/markup-compatibility/2006" xmlns:a14="http://schemas.microsoft.com/office/drawing/2010/main">
+        <mc:Choice Requires="a14">
           <p:sp>
             <p:nvSpPr>
               <p:cNvPr id="3" name="Content Placeholder 2"/>
@@ -16642,7 +17688,7 @@
             </p:txBody>
           </p:sp>
         </mc:Choice>
-        <mc:Fallback>
+        <mc:Fallback xmlns="">
           <p:sp>
             <p:nvSpPr>
               <p:cNvPr id="3" name="Content Placeholder 2"/>
@@ -17123,7 +18169,7 @@
 </p:sld>
 </file>
 
-<file path=ppt/slides/slide21.xml><?xml version="1.0" encoding="utf-8"?>
+<file path=ppt/slides/slide23.xml><?xml version="1.0" encoding="utf-8"?>
 <p:sld xmlns:a="http://schemas.openxmlformats.org/drawingml/2006/main" xmlns:r="http://schemas.openxmlformats.org/officeDocument/2006/relationships" xmlns:p="http://schemas.openxmlformats.org/presentationml/2006/main">
   <p:cSld>
     <p:spTree>
@@ -17162,8 +18208,8 @@
           </a:p>
         </p:txBody>
       </p:sp>
-      <mc:AlternateContent xmlns:mc="http://schemas.openxmlformats.org/markup-compatibility/2006">
-        <mc:Choice xmlns:a14="http://schemas.microsoft.com/office/drawing/2010/main" Requires="a14">
+      <mc:AlternateContent xmlns:mc="http://schemas.openxmlformats.org/markup-compatibility/2006" xmlns:a14="http://schemas.microsoft.com/office/drawing/2010/main">
+        <mc:Choice Requires="a14">
           <p:sp>
             <p:nvSpPr>
               <p:cNvPr id="3" name="Content Placeholder 2"/>
@@ -17398,7 +18444,7 @@
             </p:txBody>
           </p:sp>
         </mc:Choice>
-        <mc:Fallback>
+        <mc:Fallback xmlns="">
           <p:sp>
             <p:nvSpPr>
               <p:cNvPr id="3" name="Content Placeholder 2"/>
@@ -17879,7 +18925,7 @@
 </p:sld>
 </file>
 
-<file path=ppt/slides/slide22.xml><?xml version="1.0" encoding="utf-8"?>
+<file path=ppt/slides/slide24.xml><?xml version="1.0" encoding="utf-8"?>
 <p:sld xmlns:a="http://schemas.openxmlformats.org/drawingml/2006/main" xmlns:r="http://schemas.openxmlformats.org/officeDocument/2006/relationships" xmlns:p="http://schemas.openxmlformats.org/presentationml/2006/main">
   <p:cSld>
     <p:spTree>
@@ -18130,7 +19176,7 @@
 </p:sld>
 </file>
 
-<file path=ppt/slides/slide23.xml><?xml version="1.0" encoding="utf-8"?>
+<file path=ppt/slides/slide25.xml><?xml version="1.0" encoding="utf-8"?>
 <p:sld xmlns:a="http://schemas.openxmlformats.org/drawingml/2006/main" xmlns:r="http://schemas.openxmlformats.org/officeDocument/2006/relationships" xmlns:p="http://schemas.openxmlformats.org/presentationml/2006/main">
   <p:cSld>
     <p:spTree>
@@ -18287,7 +19333,7 @@
 </p:sld>
 </file>
 
-<file path=ppt/slides/slide24.xml><?xml version="1.0" encoding="utf-8"?>
+<file path=ppt/slides/slide26.xml><?xml version="1.0" encoding="utf-8"?>
 <p:sld xmlns:a="http://schemas.openxmlformats.org/drawingml/2006/main" xmlns:r="http://schemas.openxmlformats.org/officeDocument/2006/relationships" xmlns:p="http://schemas.openxmlformats.org/presentationml/2006/main">
   <p:cSld>
     <p:spTree>
@@ -18373,7 +19419,7 @@
 </p:sld>
 </file>
 
-<file path=ppt/slides/slide25.xml><?xml version="1.0" encoding="utf-8"?>
+<file path=ppt/slides/slide27.xml><?xml version="1.0" encoding="utf-8"?>
 <p:sld xmlns:a="http://schemas.openxmlformats.org/drawingml/2006/main" xmlns:r="http://schemas.openxmlformats.org/officeDocument/2006/relationships" xmlns:p="http://schemas.openxmlformats.org/presentationml/2006/main">
   <p:cSld>
     <p:spTree>
@@ -22097,7 +23143,7 @@
             <p:spPr>
               <a:xfrm>
                 <a:off x="5575852" y="1690688"/>
-                <a:ext cx="6282774" cy="5167311"/>
+                <a:ext cx="6448508" cy="5167311"/>
               </a:xfrm>
             </p:spPr>
             <p:txBody>
@@ -22191,8 +23237,16 @@
                   <a:t> </a:t>
                 </a:r>
                 <a:r>
+                  <a:rPr lang="pt-BR" b="1" i="1" dirty="0">
+                    <a:solidFill>
+                      <a:schemeClr val="accent2"/>
+                    </a:solidFill>
+                  </a:rPr>
+                  <a:t>com base </a:t>
+                </a:r>
+                <a:r>
                   <a:rPr lang="pt-BR" dirty="0"/>
-                  <a:t>com base no valor de uma </a:t>
+                  <a:t>no valor de uma </a:t>
                 </a:r>
                 <a:r>
                   <a:rPr lang="pt-BR" b="1" i="1" dirty="0">
@@ -22240,12 +23294,12 @@
             <p:spPr>
               <a:xfrm>
                 <a:off x="5575852" y="1690688"/>
-                <a:ext cx="6282774" cy="5167311"/>
+                <a:ext cx="6448508" cy="5167311"/>
               </a:xfrm>
               <a:blipFill>
                 <a:blip r:embed="rId3"/>
                 <a:stretch>
-                  <a:fillRect l="-1748" t="-1887" r="-3204"/>
+                  <a:fillRect l="-1701" t="-1887" r="-2741"/>
                 </a:stretch>
               </a:blipFill>
             </p:spPr>
@@ -23353,7 +24407,15 @@
                 </a:r>
                 <a:r>
                   <a:rPr lang="pt-BR" b="1" i="1" dirty="0"/>
-                  <a:t>função hipótese de classificação</a:t>
+                  <a:t>função hipótese </a:t>
+                </a:r>
+                <a:r>
+                  <a:rPr lang="pt-BR" b="1" i="1" dirty="0">
+                    <a:solidFill>
+                      <a:srgbClr val="FF0000"/>
+                    </a:solidFill>
+                  </a:rPr>
+                  <a:t>de classificação</a:t>
                 </a:r>
                 <a:r>
                   <a:rPr lang="pt-BR" dirty="0"/>
@@ -23577,7 +24639,11 @@
                   <a:buChar char="§"/>
                 </a:pPr>
                 <a:r>
-                  <a:rPr lang="pt-BR" b="1" i="1" dirty="0"/>
+                  <a:rPr lang="pt-BR" b="1" i="1" dirty="0">
+                    <a:solidFill>
+                      <a:srgbClr val="00B050"/>
+                    </a:solidFill>
+                  </a:rPr>
                   <a:t>Função de limiar de decisão </a:t>
                 </a:r>
                 <a:r>
@@ -23697,7 +24763,15 @@
                 </a:pPr>
                 <a:r>
                   <a:rPr lang="pt-BR" dirty="0"/>
-                  <a:t>Ela é apenas uma formalização matemática para os </a:t>
+                  <a:t>Ela é apenas uma </a:t>
+                </a:r>
+                <a:r>
+                  <a:rPr lang="pt-BR" b="1" i="1" dirty="0"/>
+                  <a:t>formalização matemática </a:t>
+                </a:r>
+                <a:r>
+                  <a:rPr lang="pt-BR" dirty="0"/>
+                  <a:t>para os </a:t>
                 </a:r>
                 <a:r>
                   <a:rPr lang="pt-BR" b="1" i="1" dirty="0" err="1"/>
@@ -24205,7 +25279,7 @@
                 </a:r>
                 <a:r>
                   <a:rPr lang="pt-BR" dirty="0"/>
-                  <a:t>funcione corretamente, as classes devem ser </a:t>
+                  <a:t>aprenda uma boa separação, as classes devem ser </a:t>
                 </a:r>
                 <a:r>
                   <a:rPr lang="pt-BR" b="1" i="1" dirty="0"/>
@@ -24670,7 +25744,11 @@
                   <a:t> são chamadas de </a:t>
                 </a:r>
                 <a:r>
-                  <a:rPr lang="pt-BR" b="1" i="1" dirty="0"/>
+                  <a:rPr lang="pt-BR" b="1" i="1" dirty="0">
+                    <a:solidFill>
+                      <a:srgbClr val="00B050"/>
+                    </a:solidFill>
+                  </a:rPr>
                   <a:t>linearmente separáveis</a:t>
                 </a:r>
                 <a:r>
@@ -25484,7 +26562,7 @@
                 <a:r>
                   <a:rPr lang="pt-BR" b="1" i="1" dirty="0">
                     <a:solidFill>
-                      <a:schemeClr val="tx1"/>
+                      <a:srgbClr val="00B050"/>
                     </a:solidFill>
                   </a:rPr>
                   <a:t>funções discriminantes não-lineares</a:t>
@@ -27246,8 +28324,8 @@
           </a:p>
         </p:txBody>
       </p:sp>
-      <mc:AlternateContent xmlns:mc="http://schemas.openxmlformats.org/markup-compatibility/2006" xmlns:a14="http://schemas.microsoft.com/office/drawing/2010/main">
-        <mc:Choice Requires="a14">
+      <mc:AlternateContent xmlns:mc="http://schemas.openxmlformats.org/markup-compatibility/2006">
+        <mc:Choice xmlns:a14="http://schemas.microsoft.com/office/drawing/2010/main" Requires="a14">
           <p:sp>
             <p:nvSpPr>
               <p:cNvPr id="3" name="Espaço Reservado para Conteúdo 2">
@@ -27339,7 +28417,7 @@
                 <a:r>
                   <a:rPr lang="pt-BR" b="1" i="1" dirty="0">
                     <a:solidFill>
-                      <a:schemeClr val="tx1"/>
+                      <a:srgbClr val="00B050"/>
                     </a:solidFill>
                   </a:rPr>
                   <a:t>aumento das dimensões de entrada</a:t>
@@ -28414,7 +29492,7 @@
             </p:txBody>
           </p:sp>
         </mc:Choice>
-        <mc:Fallback xmlns="">
+        <mc:Fallback>
           <p:sp>
             <p:nvSpPr>
               <p:cNvPr id="3" name="Espaço Reservado para Conteúdo 2">

--- a/slides/T320_Classificação (Parte II).pptx
+++ b/slides/T320_Classificação (Parte II).pptx
@@ -5,10 +5,10 @@
     <p:sldMasterId id="2147483648" r:id="rId1"/>
   </p:sldMasterIdLst>
   <p:notesMasterIdLst>
-    <p:notesMasterId r:id="rId29"/>
+    <p:notesMasterId r:id="rId30"/>
   </p:notesMasterIdLst>
   <p:handoutMasterIdLst>
-    <p:handoutMasterId r:id="rId30"/>
+    <p:handoutMasterId r:id="rId31"/>
   </p:handoutMasterIdLst>
   <p:sldIdLst>
     <p:sldId id="256" r:id="rId2"/>
@@ -31,13 +31,14 @@
     <p:sldId id="381" r:id="rId19"/>
     <p:sldId id="382" r:id="rId20"/>
     <p:sldId id="383" r:id="rId21"/>
-    <p:sldId id="385" r:id="rId22"/>
-    <p:sldId id="387" r:id="rId23"/>
-    <p:sldId id="389" r:id="rId24"/>
-    <p:sldId id="386" r:id="rId25"/>
-    <p:sldId id="324" r:id="rId26"/>
-    <p:sldId id="306" r:id="rId27"/>
-    <p:sldId id="367" r:id="rId28"/>
+    <p:sldId id="392" r:id="rId22"/>
+    <p:sldId id="385" r:id="rId23"/>
+    <p:sldId id="387" r:id="rId24"/>
+    <p:sldId id="389" r:id="rId25"/>
+    <p:sldId id="386" r:id="rId26"/>
+    <p:sldId id="324" r:id="rId27"/>
+    <p:sldId id="306" r:id="rId28"/>
+    <p:sldId id="367" r:id="rId29"/>
   </p:sldIdLst>
   <p:sldSz cx="12192000" cy="6858000"/>
   <p:notesSz cx="7315200" cy="9601200"/>
@@ -301,7 +302,7 @@
           <a:p>
             <a:fld id="{144F1436-6906-4D93-B7A2-786C327BFA14}" type="datetimeFigureOut">
               <a:rPr lang="nl-BE" smtClean="0"/>
-              <a:t>3/08/2024</a:t>
+              <a:t>10/08/2024</a:t>
             </a:fld>
             <a:endParaRPr lang="nl-BE"/>
           </a:p>
@@ -466,7 +467,7 @@
           <a:p>
             <a:fld id="{AA8CD09E-2914-4F47-B6C1-51B2C31814C9}" type="datetimeFigureOut">
               <a:rPr lang="pt-BR" smtClean="0"/>
-              <a:t>03/08/2024</a:t>
+              <a:t>10/08/2024</a:t>
             </a:fld>
             <a:endParaRPr lang="pt-BR"/>
           </a:p>
@@ -4175,6 +4176,62 @@
           <a:bodyPr/>
           <a:lstStyle/>
           <a:p>
+            <a:pPr marL="0" marR="0" lvl="0" indent="0" algn="l" defTabSz="914400" rtl="0" eaLnBrk="1" fontAlgn="auto" latinLnBrk="0" hangingPunct="1">
+              <a:lnSpc>
+                <a:spcPct val="100000"/>
+              </a:lnSpc>
+              <a:spcBef>
+                <a:spcPts val="0"/>
+              </a:spcBef>
+              <a:spcAft>
+                <a:spcPts val="0"/>
+              </a:spcAft>
+              <a:buClrTx/>
+              <a:buSzTx/>
+              <a:buFontTx/>
+              <a:buNone/>
+              <a:tabLst/>
+              <a:defRPr/>
+            </a:pPr>
+            <a:r>
+              <a:rPr lang="pt-BR" b="1" dirty="0"/>
+              <a:t>Exemplo</a:t>
+            </a:r>
+            <a:r>
+              <a:rPr lang="pt-BR" dirty="0"/>
+              <a:t>: https://colab.research.google.com/</a:t>
+            </a:r>
+            <a:r>
+              <a:rPr lang="pt-BR" dirty="0" err="1"/>
+              <a:t>github</a:t>
+            </a:r>
+            <a:r>
+              <a:rPr lang="pt-BR" dirty="0"/>
+              <a:t>/zz4fap/t320_aprendizado_de_maquina/</a:t>
+            </a:r>
+            <a:r>
+              <a:rPr lang="pt-BR" dirty="0" err="1"/>
+              <a:t>blob</a:t>
+            </a:r>
+            <a:r>
+              <a:rPr lang="pt-BR" dirty="0"/>
+              <a:t>/</a:t>
+            </a:r>
+            <a:r>
+              <a:rPr lang="pt-BR" dirty="0" err="1"/>
+              <a:t>main</a:t>
+            </a:r>
+            <a:r>
+              <a:rPr lang="pt-BR" dirty="0"/>
+              <a:t>/notebooks/classificação/</a:t>
+            </a:r>
+            <a:r>
+              <a:rPr lang="pt-BR" sz="1200" dirty="0" err="1"/>
+              <a:t>classificador_linear_com_limiar_rigido.ipynb</a:t>
+            </a:r>
+            <a:endParaRPr lang="pt-BR" sz="1200" dirty="0"/>
+          </a:p>
+          <a:p>
             <a:endParaRPr lang="pt-BR" dirty="0"/>
           </a:p>
         </p:txBody>
@@ -4196,7 +4253,7 @@
           <a:p>
             <a:fld id="{6FC8D850-966F-45A6-8DE7-15B891E7D40D}" type="slidenum">
               <a:rPr lang="pt-BR" smtClean="0"/>
-              <a:t>22</a:t>
+              <a:t>21</a:t>
             </a:fld>
             <a:endParaRPr lang="pt-BR"/>
           </a:p>
@@ -4205,7 +4262,7 @@
     </p:spTree>
     <p:extLst>
       <p:ext uri="{BB962C8B-B14F-4D97-AF65-F5344CB8AC3E}">
-        <p14:creationId xmlns:p14="http://schemas.microsoft.com/office/powerpoint/2010/main" val="1455485540"/>
+        <p14:creationId xmlns:p14="http://schemas.microsoft.com/office/powerpoint/2010/main" val="1209791142"/>
       </p:ext>
     </p:extLst>
   </p:cSld>
@@ -4289,6 +4346,90 @@
     </p:spTree>
     <p:extLst>
       <p:ext uri="{BB962C8B-B14F-4D97-AF65-F5344CB8AC3E}">
+        <p14:creationId xmlns:p14="http://schemas.microsoft.com/office/powerpoint/2010/main" val="1455485540"/>
+      </p:ext>
+    </p:extLst>
+  </p:cSld>
+  <p:clrMapOvr>
+    <a:masterClrMapping/>
+  </p:clrMapOvr>
+</p:notes>
+</file>
+
+<file path=ppt/notesSlides/notesSlide18.xml><?xml version="1.0" encoding="utf-8"?>
+<p:notes xmlns:a="http://schemas.openxmlformats.org/drawingml/2006/main" xmlns:r="http://schemas.openxmlformats.org/officeDocument/2006/relationships" xmlns:p="http://schemas.openxmlformats.org/presentationml/2006/main">
+  <p:cSld>
+    <p:spTree>
+      <p:nvGrpSpPr>
+        <p:cNvPr id="1" name=""/>
+        <p:cNvGrpSpPr/>
+        <p:nvPr/>
+      </p:nvGrpSpPr>
+      <p:grpSpPr>
+        <a:xfrm>
+          <a:off x="0" y="0"/>
+          <a:ext cx="0" cy="0"/>
+          <a:chOff x="0" y="0"/>
+          <a:chExt cx="0" cy="0"/>
+        </a:xfrm>
+      </p:grpSpPr>
+      <p:sp>
+        <p:nvSpPr>
+          <p:cNvPr id="2" name="Espaço Reservado para Imagem de Slide 1"/>
+          <p:cNvSpPr>
+            <a:spLocks noGrp="1" noRot="1" noChangeAspect="1"/>
+          </p:cNvSpPr>
+          <p:nvPr>
+            <p:ph type="sldImg"/>
+          </p:nvPr>
+        </p:nvSpPr>
+        <p:spPr/>
+      </p:sp>
+      <p:sp>
+        <p:nvSpPr>
+          <p:cNvPr id="3" name="Espaço Reservado para Anotações 2"/>
+          <p:cNvSpPr>
+            <a:spLocks noGrp="1"/>
+          </p:cNvSpPr>
+          <p:nvPr>
+            <p:ph type="body" idx="1"/>
+          </p:nvPr>
+        </p:nvSpPr>
+        <p:spPr/>
+        <p:txBody>
+          <a:bodyPr/>
+          <a:lstStyle/>
+          <a:p>
+            <a:endParaRPr lang="pt-BR" dirty="0"/>
+          </a:p>
+        </p:txBody>
+      </p:sp>
+      <p:sp>
+        <p:nvSpPr>
+          <p:cNvPr id="4" name="Espaço Reservado para Número de Slide 3"/>
+          <p:cNvSpPr>
+            <a:spLocks noGrp="1"/>
+          </p:cNvSpPr>
+          <p:nvPr>
+            <p:ph type="sldNum" sz="quarter" idx="5"/>
+          </p:nvPr>
+        </p:nvSpPr>
+        <p:spPr/>
+        <p:txBody>
+          <a:bodyPr/>
+          <a:lstStyle/>
+          <a:p>
+            <a:fld id="{6FC8D850-966F-45A6-8DE7-15B891E7D40D}" type="slidenum">
+              <a:rPr lang="pt-BR" smtClean="0"/>
+              <a:t>24</a:t>
+            </a:fld>
+            <a:endParaRPr lang="pt-BR"/>
+          </a:p>
+        </p:txBody>
+      </p:sp>
+    </p:spTree>
+    <p:extLst>
+      <p:ext uri="{BB962C8B-B14F-4D97-AF65-F5344CB8AC3E}">
         <p14:creationId xmlns:p14="http://schemas.microsoft.com/office/powerpoint/2010/main" val="232648102"/>
       </p:ext>
     </p:extLst>
@@ -4299,7 +4440,7 @@
 </p:notes>
 </file>
 
-<file path=ppt/notesSlides/notesSlide18.xml><?xml version="1.0" encoding="utf-8"?>
+<file path=ppt/notesSlides/notesSlide19.xml><?xml version="1.0" encoding="utf-8"?>
 <p:notes xmlns:a="http://schemas.openxmlformats.org/drawingml/2006/main" xmlns:r="http://schemas.openxmlformats.org/officeDocument/2006/relationships" xmlns:p="http://schemas.openxmlformats.org/presentationml/2006/main">
   <p:cSld>
     <p:spTree>
@@ -4417,7 +4558,7 @@
           <a:p>
             <a:fld id="{6FC8D850-966F-45A6-8DE7-15B891E7D40D}" type="slidenum">
               <a:rPr lang="pt-BR" smtClean="0"/>
-              <a:t>24</a:t>
+              <a:t>25</a:t>
             </a:fld>
             <a:endParaRPr lang="pt-BR"/>
           </a:p>
@@ -4427,100 +4568,6 @@
     <p:extLst>
       <p:ext uri="{BB962C8B-B14F-4D97-AF65-F5344CB8AC3E}">
         <p14:creationId xmlns:p14="http://schemas.microsoft.com/office/powerpoint/2010/main" val="3151563493"/>
-      </p:ext>
-    </p:extLst>
-  </p:cSld>
-  <p:clrMapOvr>
-    <a:masterClrMapping/>
-  </p:clrMapOvr>
-</p:notes>
-</file>
-
-<file path=ppt/notesSlides/notesSlide19.xml><?xml version="1.0" encoding="utf-8"?>
-<p:notes xmlns:a="http://schemas.openxmlformats.org/drawingml/2006/main" xmlns:r="http://schemas.openxmlformats.org/officeDocument/2006/relationships" xmlns:p="http://schemas.openxmlformats.org/presentationml/2006/main">
-  <p:cSld>
-    <p:spTree>
-      <p:nvGrpSpPr>
-        <p:cNvPr id="1" name=""/>
-        <p:cNvGrpSpPr/>
-        <p:nvPr/>
-      </p:nvGrpSpPr>
-      <p:grpSpPr>
-        <a:xfrm>
-          <a:off x="0" y="0"/>
-          <a:ext cx="0" cy="0"/>
-          <a:chOff x="0" y="0"/>
-          <a:chExt cx="0" cy="0"/>
-        </a:xfrm>
-      </p:grpSpPr>
-      <p:sp>
-        <p:nvSpPr>
-          <p:cNvPr id="2" name="Slide Image Placeholder 1"/>
-          <p:cNvSpPr>
-            <a:spLocks noGrp="1" noRot="1" noChangeAspect="1"/>
-          </p:cNvSpPr>
-          <p:nvPr>
-            <p:ph type="sldImg"/>
-          </p:nvPr>
-        </p:nvSpPr>
-        <p:spPr/>
-      </p:sp>
-      <p:sp>
-        <p:nvSpPr>
-          <p:cNvPr id="3" name="Notes Placeholder 2"/>
-          <p:cNvSpPr>
-            <a:spLocks noGrp="1"/>
-          </p:cNvSpPr>
-          <p:nvPr>
-            <p:ph type="body" idx="1"/>
-          </p:nvPr>
-        </p:nvSpPr>
-        <p:spPr/>
-        <p:txBody>
-          <a:bodyPr/>
-          <a:lstStyle/>
-          <a:p>
-            <a:r>
-              <a:rPr lang="pt-BR" sz="1200" b="1" dirty="0"/>
-              <a:t>Laboratório #2</a:t>
-            </a:r>
-            <a:r>
-              <a:rPr lang="pt-BR" sz="1200" dirty="0"/>
-              <a:t>: https://mybinder.org/v2/gh/zz4fap/t320_aprendizado_de_maquina/main?filepath=labs%2FLaboratorio2.ipynb</a:t>
-            </a:r>
-          </a:p>
-          <a:p>
-            <a:endParaRPr lang="pt-BR" sz="1200" dirty="0"/>
-          </a:p>
-        </p:txBody>
-      </p:sp>
-      <p:sp>
-        <p:nvSpPr>
-          <p:cNvPr id="4" name="Slide Number Placeholder 3"/>
-          <p:cNvSpPr>
-            <a:spLocks noGrp="1"/>
-          </p:cNvSpPr>
-          <p:nvPr>
-            <p:ph type="sldNum" sz="quarter" idx="10"/>
-          </p:nvPr>
-        </p:nvSpPr>
-        <p:spPr/>
-        <p:txBody>
-          <a:bodyPr/>
-          <a:lstStyle/>
-          <a:p>
-            <a:fld id="{6FC8D850-966F-45A6-8DE7-15B891E7D40D}" type="slidenum">
-              <a:rPr lang="pt-BR" smtClean="0"/>
-              <a:t>25</a:t>
-            </a:fld>
-            <a:endParaRPr lang="pt-BR"/>
-          </a:p>
-        </p:txBody>
-      </p:sp>
-    </p:spTree>
-    <p:extLst>
-      <p:ext uri="{BB962C8B-B14F-4D97-AF65-F5344CB8AC3E}">
-        <p14:creationId xmlns:p14="http://schemas.microsoft.com/office/powerpoint/2010/main" val="1758614388"/>
       </p:ext>
     </p:extLst>
   </p:cSld>
@@ -4629,6 +4676,100 @@
     <p:extLst>
       <p:ext uri="{BB962C8B-B14F-4D97-AF65-F5344CB8AC3E}">
         <p14:creationId xmlns:p14="http://schemas.microsoft.com/office/powerpoint/2010/main" val="3931943674"/>
+      </p:ext>
+    </p:extLst>
+  </p:cSld>
+  <p:clrMapOvr>
+    <a:masterClrMapping/>
+  </p:clrMapOvr>
+</p:notes>
+</file>
+
+<file path=ppt/notesSlides/notesSlide20.xml><?xml version="1.0" encoding="utf-8"?>
+<p:notes xmlns:a="http://schemas.openxmlformats.org/drawingml/2006/main" xmlns:r="http://schemas.openxmlformats.org/officeDocument/2006/relationships" xmlns:p="http://schemas.openxmlformats.org/presentationml/2006/main">
+  <p:cSld>
+    <p:spTree>
+      <p:nvGrpSpPr>
+        <p:cNvPr id="1" name=""/>
+        <p:cNvGrpSpPr/>
+        <p:nvPr/>
+      </p:nvGrpSpPr>
+      <p:grpSpPr>
+        <a:xfrm>
+          <a:off x="0" y="0"/>
+          <a:ext cx="0" cy="0"/>
+          <a:chOff x="0" y="0"/>
+          <a:chExt cx="0" cy="0"/>
+        </a:xfrm>
+      </p:grpSpPr>
+      <p:sp>
+        <p:nvSpPr>
+          <p:cNvPr id="2" name="Slide Image Placeholder 1"/>
+          <p:cNvSpPr>
+            <a:spLocks noGrp="1" noRot="1" noChangeAspect="1"/>
+          </p:cNvSpPr>
+          <p:nvPr>
+            <p:ph type="sldImg"/>
+          </p:nvPr>
+        </p:nvSpPr>
+        <p:spPr/>
+      </p:sp>
+      <p:sp>
+        <p:nvSpPr>
+          <p:cNvPr id="3" name="Notes Placeholder 2"/>
+          <p:cNvSpPr>
+            <a:spLocks noGrp="1"/>
+          </p:cNvSpPr>
+          <p:nvPr>
+            <p:ph type="body" idx="1"/>
+          </p:nvPr>
+        </p:nvSpPr>
+        <p:spPr/>
+        <p:txBody>
+          <a:bodyPr/>
+          <a:lstStyle/>
+          <a:p>
+            <a:r>
+              <a:rPr lang="pt-BR" sz="1200" b="1" dirty="0"/>
+              <a:t>Laboratório #2</a:t>
+            </a:r>
+            <a:r>
+              <a:rPr lang="pt-BR" sz="1200" dirty="0"/>
+              <a:t>: https://mybinder.org/v2/gh/zz4fap/t320_aprendizado_de_maquina/main?filepath=labs%2FLaboratorio2.ipynb</a:t>
+            </a:r>
+          </a:p>
+          <a:p>
+            <a:endParaRPr lang="pt-BR" sz="1200" dirty="0"/>
+          </a:p>
+        </p:txBody>
+      </p:sp>
+      <p:sp>
+        <p:nvSpPr>
+          <p:cNvPr id="4" name="Slide Number Placeholder 3"/>
+          <p:cNvSpPr>
+            <a:spLocks noGrp="1"/>
+          </p:cNvSpPr>
+          <p:nvPr>
+            <p:ph type="sldNum" sz="quarter" idx="10"/>
+          </p:nvPr>
+        </p:nvSpPr>
+        <p:spPr/>
+        <p:txBody>
+          <a:bodyPr/>
+          <a:lstStyle/>
+          <a:p>
+            <a:fld id="{6FC8D850-966F-45A6-8DE7-15B891E7D40D}" type="slidenum">
+              <a:rPr lang="pt-BR" smtClean="0"/>
+              <a:t>26</a:t>
+            </a:fld>
+            <a:endParaRPr lang="pt-BR"/>
+          </a:p>
+        </p:txBody>
+      </p:sp>
+    </p:spTree>
+    <p:extLst>
+      <p:ext uri="{BB962C8B-B14F-4D97-AF65-F5344CB8AC3E}">
+        <p14:creationId xmlns:p14="http://schemas.microsoft.com/office/powerpoint/2010/main" val="1758614388"/>
       </p:ext>
     </p:extLst>
   </p:cSld>
@@ -5627,7 +5768,7 @@
           <a:p>
             <a:fld id="{63289F7E-B80B-496E-81B4-D396C37C9454}" type="datetimeFigureOut">
               <a:rPr lang="pt-BR" smtClean="0"/>
-              <a:t>03/08/2024</a:t>
+              <a:t>10/08/2024</a:t>
             </a:fld>
             <a:endParaRPr lang="pt-BR"/>
           </a:p>
@@ -5825,7 +5966,7 @@
           <a:p>
             <a:fld id="{63289F7E-B80B-496E-81B4-D396C37C9454}" type="datetimeFigureOut">
               <a:rPr lang="pt-BR" smtClean="0"/>
-              <a:t>03/08/2024</a:t>
+              <a:t>10/08/2024</a:t>
             </a:fld>
             <a:endParaRPr lang="pt-BR"/>
           </a:p>
@@ -6033,7 +6174,7 @@
           <a:p>
             <a:fld id="{63289F7E-B80B-496E-81B4-D396C37C9454}" type="datetimeFigureOut">
               <a:rPr lang="pt-BR" smtClean="0"/>
-              <a:t>03/08/2024</a:t>
+              <a:t>10/08/2024</a:t>
             </a:fld>
             <a:endParaRPr lang="pt-BR"/>
           </a:p>
@@ -6231,7 +6372,7 @@
           <a:p>
             <a:fld id="{63289F7E-B80B-496E-81B4-D396C37C9454}" type="datetimeFigureOut">
               <a:rPr lang="pt-BR" smtClean="0"/>
-              <a:t>03/08/2024</a:t>
+              <a:t>10/08/2024</a:t>
             </a:fld>
             <a:endParaRPr lang="pt-BR"/>
           </a:p>
@@ -6506,7 +6647,7 @@
           <a:p>
             <a:fld id="{63289F7E-B80B-496E-81B4-D396C37C9454}" type="datetimeFigureOut">
               <a:rPr lang="pt-BR" smtClean="0"/>
-              <a:t>03/08/2024</a:t>
+              <a:t>10/08/2024</a:t>
             </a:fld>
             <a:endParaRPr lang="pt-BR"/>
           </a:p>
@@ -6771,7 +6912,7 @@
           <a:p>
             <a:fld id="{63289F7E-B80B-496E-81B4-D396C37C9454}" type="datetimeFigureOut">
               <a:rPr lang="pt-BR" smtClean="0"/>
-              <a:t>03/08/2024</a:t>
+              <a:t>10/08/2024</a:t>
             </a:fld>
             <a:endParaRPr lang="pt-BR"/>
           </a:p>
@@ -7183,7 +7324,7 @@
           <a:p>
             <a:fld id="{63289F7E-B80B-496E-81B4-D396C37C9454}" type="datetimeFigureOut">
               <a:rPr lang="pt-BR" smtClean="0"/>
-              <a:t>03/08/2024</a:t>
+              <a:t>10/08/2024</a:t>
             </a:fld>
             <a:endParaRPr lang="pt-BR"/>
           </a:p>
@@ -7324,7 +7465,7 @@
           <a:p>
             <a:fld id="{63289F7E-B80B-496E-81B4-D396C37C9454}" type="datetimeFigureOut">
               <a:rPr lang="pt-BR" smtClean="0"/>
-              <a:t>03/08/2024</a:t>
+              <a:t>10/08/2024</a:t>
             </a:fld>
             <a:endParaRPr lang="pt-BR"/>
           </a:p>
@@ -7437,7 +7578,7 @@
           <a:p>
             <a:fld id="{63289F7E-B80B-496E-81B4-D396C37C9454}" type="datetimeFigureOut">
               <a:rPr lang="pt-BR" smtClean="0"/>
-              <a:t>03/08/2024</a:t>
+              <a:t>10/08/2024</a:t>
             </a:fld>
             <a:endParaRPr lang="pt-BR"/>
           </a:p>
@@ -7748,7 +7889,7 @@
           <a:p>
             <a:fld id="{63289F7E-B80B-496E-81B4-D396C37C9454}" type="datetimeFigureOut">
               <a:rPr lang="pt-BR" smtClean="0"/>
-              <a:t>03/08/2024</a:t>
+              <a:t>10/08/2024</a:t>
             </a:fld>
             <a:endParaRPr lang="pt-BR"/>
           </a:p>
@@ -8036,7 +8177,7 @@
           <a:p>
             <a:fld id="{63289F7E-B80B-496E-81B4-D396C37C9454}" type="datetimeFigureOut">
               <a:rPr lang="pt-BR" smtClean="0"/>
-              <a:t>03/08/2024</a:t>
+              <a:t>10/08/2024</a:t>
             </a:fld>
             <a:endParaRPr lang="pt-BR"/>
           </a:p>
@@ -8277,7 +8418,7 @@
           <a:p>
             <a:fld id="{63289F7E-B80B-496E-81B4-D396C37C9454}" type="datetimeFigureOut">
               <a:rPr lang="pt-BR" smtClean="0"/>
-              <a:t>03/08/2024</a:t>
+              <a:t>10/08/2024</a:t>
             </a:fld>
             <a:endParaRPr lang="pt-BR"/>
           </a:p>
@@ -9780,8 +9921,8 @@
           </a:p>
         </p:txBody>
       </p:sp>
-      <mc:AlternateContent xmlns:mc="http://schemas.openxmlformats.org/markup-compatibility/2006">
-        <mc:Choice xmlns:a14="http://schemas.microsoft.com/office/drawing/2010/main" Requires="a14">
+      <mc:AlternateContent xmlns:mc="http://schemas.openxmlformats.org/markup-compatibility/2006" xmlns:a14="http://schemas.microsoft.com/office/drawing/2010/main">
+        <mc:Choice Requires="a14">
           <p:sp>
             <p:nvSpPr>
               <p:cNvPr id="3" name="Content Placeholder 2"/>
@@ -9897,7 +10038,7 @@
             </p:txBody>
           </p:sp>
         </mc:Choice>
-        <mc:Fallback>
+        <mc:Fallback xmlns="">
           <p:sp>
             <p:nvSpPr>
               <p:cNvPr id="3" name="Content Placeholder 2"/>
@@ -10321,8 +10462,8 @@
           </a:p>
         </p:txBody>
       </p:sp>
-      <mc:AlternateContent xmlns:mc="http://schemas.openxmlformats.org/markup-compatibility/2006">
-        <mc:Choice xmlns:a14="http://schemas.microsoft.com/office/drawing/2010/main" Requires="a14">
+      <mc:AlternateContent xmlns:mc="http://schemas.openxmlformats.org/markup-compatibility/2006" xmlns:a14="http://schemas.microsoft.com/office/drawing/2010/main">
+        <mc:Choice Requires="a14">
           <p:sp>
             <p:nvSpPr>
               <p:cNvPr id="3" name="Content Placeholder 2"/>
@@ -10536,7 +10677,7 @@
             </p:txBody>
           </p:sp>
         </mc:Choice>
-        <mc:Fallback>
+        <mc:Fallback xmlns="">
           <p:sp>
             <p:nvSpPr>
               <p:cNvPr id="3" name="Content Placeholder 2"/>
@@ -11388,8 +11529,8 @@
           </a:p>
         </p:txBody>
       </p:sp>
-      <mc:AlternateContent xmlns:mc="http://schemas.openxmlformats.org/markup-compatibility/2006">
-        <mc:Choice xmlns:a14="http://schemas.microsoft.com/office/drawing/2010/main" Requires="a14">
+      <mc:AlternateContent xmlns:mc="http://schemas.openxmlformats.org/markup-compatibility/2006" xmlns:a14="http://schemas.microsoft.com/office/drawing/2010/main">
+        <mc:Choice Requires="a14">
           <p:sp>
             <p:nvSpPr>
               <p:cNvPr id="3" name="Espaço Reservado para Conteúdo 2">
@@ -11753,7 +11894,7 @@
             </p:txBody>
           </p:sp>
         </mc:Choice>
-        <mc:Fallback>
+        <mc:Fallback xmlns="">
           <p:sp>
             <p:nvSpPr>
               <p:cNvPr id="3" name="Espaço Reservado para Conteúdo 2">
@@ -11855,8 +11996,8 @@
           </a:p>
         </p:txBody>
       </p:sp>
-      <mc:AlternateContent xmlns:mc="http://schemas.openxmlformats.org/markup-compatibility/2006">
-        <mc:Choice xmlns:a14="http://schemas.microsoft.com/office/drawing/2010/main" Requires="a14">
+      <mc:AlternateContent xmlns:mc="http://schemas.openxmlformats.org/markup-compatibility/2006" xmlns:a14="http://schemas.microsoft.com/office/drawing/2010/main">
+        <mc:Choice Requires="a14">
           <p:sp>
             <p:nvSpPr>
               <p:cNvPr id="3" name="Espaço Reservado para Conteúdo 2">
@@ -12190,7 +12331,7 @@
             </p:txBody>
           </p:sp>
         </mc:Choice>
-        <mc:Fallback>
+        <mc:Fallback xmlns="">
           <p:sp>
             <p:nvSpPr>
               <p:cNvPr id="3" name="Espaço Reservado para Conteúdo 2">
@@ -13727,8 +13868,8 @@
           </a:p>
         </p:txBody>
       </p:sp>
-      <mc:AlternateContent xmlns:mc="http://schemas.openxmlformats.org/markup-compatibility/2006" xmlns:a14="http://schemas.microsoft.com/office/drawing/2010/main">
-        <mc:Choice Requires="a14">
+      <mc:AlternateContent xmlns:mc="http://schemas.openxmlformats.org/markup-compatibility/2006">
+        <mc:Choice xmlns:a14="http://schemas.microsoft.com/office/drawing/2010/main" Requires="a14">
           <p:sp>
             <p:nvSpPr>
               <p:cNvPr id="3" name="Content Placeholder 2"/>
@@ -14376,7 +14517,7 @@
                 </a:pPr>
                 <a:r>
                   <a:rPr lang="pt-BR" dirty="0"/>
-                  <a:t>Isso faz sentido pois nós queremos </a:t>
+                  <a:t>Isso faz sentido, pois nós queremos </a:t>
                 </a:r>
                 <a:r>
                   <a:rPr lang="pt-BR" b="1" i="1" dirty="0"/>
@@ -14699,7 +14840,7 @@
             </p:txBody>
           </p:sp>
         </mc:Choice>
-        <mc:Fallback xmlns="">
+        <mc:Fallback>
           <p:sp>
             <p:nvSpPr>
               <p:cNvPr id="3" name="Content Placeholder 2"/>
@@ -15123,8 +15264,8 @@
           </a:p>
         </p:txBody>
       </p:sp>
-      <mc:AlternateContent xmlns:mc="http://schemas.openxmlformats.org/markup-compatibility/2006" xmlns:a14="http://schemas.microsoft.com/office/drawing/2010/main">
-        <mc:Choice Requires="a14">
+      <mc:AlternateContent xmlns:mc="http://schemas.openxmlformats.org/markup-compatibility/2006">
+        <mc:Choice xmlns:a14="http://schemas.microsoft.com/office/drawing/2010/main" Requires="a14">
           <p:sp>
             <p:nvSpPr>
               <p:cNvPr id="3" name="Content Placeholder 2"/>
@@ -15783,7 +15924,7 @@
                 </a:pPr>
                 <a:r>
                   <a:rPr lang="pt-BR" dirty="0"/>
-                  <a:t>Isso faz sentido pois nós queremos </a:t>
+                  <a:t>Isso faz sentido, pois nós queremos </a:t>
                 </a:r>
                 <a:r>
                   <a:rPr lang="pt-BR" b="1" i="1" dirty="0"/>
@@ -16106,7 +16247,7 @@
             </p:txBody>
           </p:sp>
         </mc:Choice>
-        <mc:Fallback xmlns="">
+        <mc:Fallback>
           <p:sp>
             <p:nvSpPr>
               <p:cNvPr id="3" name="Content Placeholder 2"/>
@@ -16555,7 +16696,7 @@
         <p:spPr>
           <a:xfrm>
             <a:off x="4417621" y="1825624"/>
-            <a:ext cx="7552705" cy="5032375"/>
+            <a:ext cx="7642834" cy="5032375"/>
           </a:xfrm>
         </p:spPr>
         <p:txBody>
@@ -16639,6 +16780,16 @@
             <a:r>
               <a:rPr lang="pt-BR" dirty="0"/>
               <a:t>.</a:t>
+            </a:r>
+          </a:p>
+          <a:p>
+            <a:pPr lvl="2">
+              <a:buFont typeface="Wingdings" panose="05000000000000000000" pitchFamily="2" charset="2"/>
+              <a:buChar char="ü"/>
+            </a:pPr>
+            <a:r>
+              <a:rPr lang="pt-BR" dirty="0"/>
+              <a:t>Ou seja, não precisa ser um problema linearmente separável.</a:t>
             </a:r>
           </a:p>
           <a:p>
@@ -16971,8 +17122,8 @@
           </a:p>
         </p:txBody>
       </p:sp>
-      <mc:AlternateContent xmlns:mc="http://schemas.openxmlformats.org/markup-compatibility/2006" xmlns:a14="http://schemas.microsoft.com/office/drawing/2010/main">
-        <mc:Choice Requires="a14">
+      <mc:AlternateContent xmlns:mc="http://schemas.openxmlformats.org/markup-compatibility/2006">
+        <mc:Choice xmlns:a14="http://schemas.microsoft.com/office/drawing/2010/main" Requires="a14">
           <p:sp>
             <p:nvSpPr>
               <p:cNvPr id="3" name="Espaço Reservado para Conteúdo 2">
@@ -16991,13 +17142,13 @@
             </p:nvSpPr>
             <p:spPr>
               <a:xfrm>
-                <a:off x="4298868" y="1825624"/>
-                <a:ext cx="7718959" cy="5032375"/>
+                <a:off x="5688531" y="1825624"/>
+                <a:ext cx="6329296" cy="5032375"/>
               </a:xfrm>
             </p:spPr>
             <p:txBody>
               <a:bodyPr>
-                <a:normAutofit fontScale="92500"/>
+                <a:normAutofit/>
               </a:bodyPr>
               <a:lstStyle/>
               <a:p>
@@ -17020,7 +17171,11 @@
                   <a:t>Nesse caso, a regra não converge para uma solução </a:t>
                 </a:r>
                 <a:r>
-                  <a:rPr lang="pt-BR" b="1" i="1" dirty="0"/>
+                  <a:rPr lang="pt-BR" b="1" i="1" dirty="0">
+                    <a:solidFill>
+                      <a:srgbClr val="7030A0"/>
+                    </a:solidFill>
+                  </a:rPr>
                   <a:t>estável</a:t>
                 </a:r>
                 <a:r>
@@ -17058,50 +17213,13 @@
               <a:p>
                 <a:r>
                   <a:rPr lang="pt-BR" dirty="0"/>
-                  <a:t>Porém, se </a:t>
-                </a:r>
-                <a14:m>
-                  <m:oMath xmlns:m="http://schemas.openxmlformats.org/officeDocument/2006/math">
-                    <m:r>
-                      <a:rPr lang="pt-BR" i="1">
-                        <a:latin typeface="Cambria Math" panose="02040503050406030204" pitchFamily="18" charset="0"/>
-                        <a:ea typeface="Cambria Math" panose="02040503050406030204" pitchFamily="18" charset="0"/>
-                      </a:rPr>
-                      <m:t>𝛼</m:t>
-                    </m:r>
-                  </m:oMath>
-                </a14:m>
-                <a:r>
-                  <a:rPr lang="pt-BR" dirty="0"/>
-                  <a:t> decresce de acordo com as iterações de treinamento, então a regra tem uma chance de convergir para uma solução de erro mínimo quando os exemplos são apresentados de forma aleatória.</a:t>
-                </a:r>
-              </a:p>
-              <a:p>
-                <a:r>
-                  <a:rPr lang="pt-BR" dirty="0"/>
-                  <a:t>Podemos também usar o </a:t>
-                </a:r>
-                <a:r>
-                  <a:rPr lang="pt-BR" b="1" i="1" dirty="0"/>
-                  <a:t>early-stop</a:t>
-                </a:r>
-                <a:r>
-                  <a:rPr lang="pt-BR" dirty="0"/>
-                  <a:t> e utilizar os </a:t>
-                </a:r>
-                <a:r>
-                  <a:rPr lang="pt-BR" b="1" i="1" dirty="0"/>
-                  <a:t>pesos</a:t>
-                </a:r>
-                <a:r>
-                  <a:rPr lang="pt-BR" dirty="0"/>
-                  <a:t> que resultaram no menor erro de validação.</a:t>
+                  <a:t>Não há convergência pois o objetivo é encontrar um erro de classificação igual a 0.</a:t>
                 </a:r>
               </a:p>
             </p:txBody>
           </p:sp>
         </mc:Choice>
-        <mc:Fallback xmlns="">
+        <mc:Fallback>
           <p:sp>
             <p:nvSpPr>
               <p:cNvPr id="3" name="Espaço Reservado para Conteúdo 2">
@@ -17120,13 +17238,658 @@
             </p:nvSpPr>
             <p:spPr>
               <a:xfrm>
-                <a:off x="4298868" y="1825624"/>
-                <a:ext cx="7718959" cy="5032375"/>
+                <a:off x="5688531" y="1825624"/>
+                <a:ext cx="6329296" cy="5032375"/>
               </a:xfrm>
               <a:blipFill>
                 <a:blip r:embed="rId3"/>
                 <a:stretch>
-                  <a:fillRect l="-1185" t="-1816" r="-1501"/>
+                  <a:fillRect l="-1734" t="-1937" r="-193"/>
+                </a:stretch>
+              </a:blipFill>
+            </p:spPr>
+            <p:txBody>
+              <a:bodyPr/>
+              <a:lstStyle/>
+              <a:p>
+                <a:r>
+                  <a:rPr lang="pt-BR">
+                    <a:noFill/>
+                  </a:rPr>
+                  <a:t> </a:t>
+                </a:r>
+              </a:p>
+            </p:txBody>
+          </p:sp>
+        </mc:Fallback>
+      </mc:AlternateContent>
+      <p:pic>
+        <p:nvPicPr>
+          <p:cNvPr id="6" name="Imagem 5">
+            <a:extLst>
+              <a:ext uri="{FF2B5EF4-FFF2-40B4-BE49-F238E27FC236}">
+                <a16:creationId xmlns:a16="http://schemas.microsoft.com/office/drawing/2014/main" id="{51E800F4-4EF1-060E-4866-FAF7105FC993}"/>
+              </a:ext>
+            </a:extLst>
+          </p:cNvPr>
+          <p:cNvPicPr>
+            <a:picLocks noChangeAspect="1"/>
+          </p:cNvPicPr>
+          <p:nvPr/>
+        </p:nvPicPr>
+        <p:blipFill rotWithShape="1">
+          <a:blip r:embed="rId4"/>
+          <a:srcRect l="3855" t="11854" r="9545" b="1146"/>
+          <a:stretch/>
+        </p:blipFill>
+        <p:spPr>
+          <a:xfrm>
+            <a:off x="838200" y="2463692"/>
+            <a:ext cx="3864840" cy="2912051"/>
+          </a:xfrm>
+          <a:prstGeom prst="rect">
+            <a:avLst/>
+          </a:prstGeom>
+        </p:spPr>
+      </p:pic>
+      <p:cxnSp>
+        <p:nvCxnSpPr>
+          <p:cNvPr id="7" name="Conector reto 6">
+            <a:extLst>
+              <a:ext uri="{FF2B5EF4-FFF2-40B4-BE49-F238E27FC236}">
+                <a16:creationId xmlns:a16="http://schemas.microsoft.com/office/drawing/2014/main" id="{3D8F3701-F00B-FFBD-E048-5B4BEB1063B9}"/>
+              </a:ext>
+            </a:extLst>
+          </p:cNvPr>
+          <p:cNvCxnSpPr/>
+          <p:nvPr/>
+        </p:nvCxnSpPr>
+        <p:spPr>
+          <a:xfrm>
+            <a:off x="2190750" y="2482850"/>
+            <a:ext cx="1301750" cy="2565400"/>
+          </a:xfrm>
+          <a:prstGeom prst="line">
+            <a:avLst/>
+          </a:prstGeom>
+          <a:ln w="28575">
+            <a:solidFill>
+              <a:schemeClr val="tx1"/>
+            </a:solidFill>
+          </a:ln>
+        </p:spPr>
+        <p:style>
+          <a:lnRef idx="1">
+            <a:schemeClr val="accent1"/>
+          </a:lnRef>
+          <a:fillRef idx="0">
+            <a:schemeClr val="accent1"/>
+          </a:fillRef>
+          <a:effectRef idx="0">
+            <a:schemeClr val="accent1"/>
+          </a:effectRef>
+          <a:fontRef idx="minor">
+            <a:schemeClr val="tx1"/>
+          </a:fontRef>
+        </p:style>
+      </p:cxnSp>
+      <p:cxnSp>
+        <p:nvCxnSpPr>
+          <p:cNvPr id="8" name="Conector reto 7">
+            <a:extLst>
+              <a:ext uri="{FF2B5EF4-FFF2-40B4-BE49-F238E27FC236}">
+                <a16:creationId xmlns:a16="http://schemas.microsoft.com/office/drawing/2014/main" id="{379A4D02-30B5-EFB6-14C9-C0ED3378532A}"/>
+              </a:ext>
+            </a:extLst>
+          </p:cNvPr>
+          <p:cNvCxnSpPr/>
+          <p:nvPr/>
+        </p:nvCxnSpPr>
+        <p:spPr>
+          <a:xfrm>
+            <a:off x="2821420" y="2476392"/>
+            <a:ext cx="1301750" cy="2565400"/>
+          </a:xfrm>
+          <a:prstGeom prst="line">
+            <a:avLst/>
+          </a:prstGeom>
+          <a:ln w="28575">
+            <a:solidFill>
+              <a:schemeClr val="tx1"/>
+            </a:solidFill>
+          </a:ln>
+        </p:spPr>
+        <p:style>
+          <a:lnRef idx="1">
+            <a:schemeClr val="accent1"/>
+          </a:lnRef>
+          <a:fillRef idx="0">
+            <a:schemeClr val="accent1"/>
+          </a:fillRef>
+          <a:effectRef idx="0">
+            <a:schemeClr val="accent1"/>
+          </a:effectRef>
+          <a:fontRef idx="minor">
+            <a:schemeClr val="tx1"/>
+          </a:fontRef>
+        </p:style>
+      </p:cxnSp>
+      <p:cxnSp>
+        <p:nvCxnSpPr>
+          <p:cNvPr id="11" name="Conector de Seta Reta 10">
+            <a:extLst>
+              <a:ext uri="{FF2B5EF4-FFF2-40B4-BE49-F238E27FC236}">
+                <a16:creationId xmlns:a16="http://schemas.microsoft.com/office/drawing/2014/main" id="{0A78815D-AC06-0208-4006-098B3474FB0B}"/>
+              </a:ext>
+            </a:extLst>
+          </p:cNvPr>
+          <p:cNvCxnSpPr>
+            <a:cxnSpLocks/>
+          </p:cNvCxnSpPr>
+          <p:nvPr/>
+        </p:nvCxnSpPr>
+        <p:spPr>
+          <a:xfrm flipH="1" flipV="1">
+            <a:off x="2406650" y="2165350"/>
+            <a:ext cx="298450" cy="1219200"/>
+          </a:xfrm>
+          <a:prstGeom prst="straightConnector1">
+            <a:avLst/>
+          </a:prstGeom>
+          <a:ln>
+            <a:solidFill>
+              <a:srgbClr val="FF0000"/>
+            </a:solidFill>
+            <a:tailEnd type="triangle"/>
+          </a:ln>
+        </p:spPr>
+        <p:style>
+          <a:lnRef idx="1">
+            <a:schemeClr val="accent1"/>
+          </a:lnRef>
+          <a:fillRef idx="0">
+            <a:schemeClr val="accent1"/>
+          </a:fillRef>
+          <a:effectRef idx="0">
+            <a:schemeClr val="accent1"/>
+          </a:effectRef>
+          <a:fontRef idx="minor">
+            <a:schemeClr val="tx1"/>
+          </a:fontRef>
+        </p:style>
+      </p:cxnSp>
+      <p:cxnSp>
+        <p:nvCxnSpPr>
+          <p:cNvPr id="14" name="Conector de Seta Reta 13">
+            <a:extLst>
+              <a:ext uri="{FF2B5EF4-FFF2-40B4-BE49-F238E27FC236}">
+                <a16:creationId xmlns:a16="http://schemas.microsoft.com/office/drawing/2014/main" id="{4F8C8EB0-C19D-530A-7740-E886C3A77FCF}"/>
+              </a:ext>
+            </a:extLst>
+          </p:cNvPr>
+          <p:cNvCxnSpPr>
+            <a:cxnSpLocks/>
+          </p:cNvCxnSpPr>
+          <p:nvPr/>
+        </p:nvCxnSpPr>
+        <p:spPr>
+          <a:xfrm>
+            <a:off x="3287135" y="3429000"/>
+            <a:ext cx="185160" cy="2019137"/>
+          </a:xfrm>
+          <a:prstGeom prst="straightConnector1">
+            <a:avLst/>
+          </a:prstGeom>
+          <a:ln>
+            <a:tailEnd type="triangle"/>
+          </a:ln>
+        </p:spPr>
+        <p:style>
+          <a:lnRef idx="1">
+            <a:schemeClr val="accent1"/>
+          </a:lnRef>
+          <a:fillRef idx="0">
+            <a:schemeClr val="accent1"/>
+          </a:fillRef>
+          <a:effectRef idx="0">
+            <a:schemeClr val="accent1"/>
+          </a:effectRef>
+          <a:fontRef idx="minor">
+            <a:schemeClr val="tx1"/>
+          </a:fontRef>
+        </p:style>
+      </p:cxnSp>
+      <mc:AlternateContent xmlns:mc="http://schemas.openxmlformats.org/markup-compatibility/2006">
+        <mc:Choice xmlns:a14="http://schemas.microsoft.com/office/drawing/2010/main" Requires="a14">
+          <p:sp>
+            <p:nvSpPr>
+              <p:cNvPr id="16" name="CaixaDeTexto 15">
+                <a:extLst>
+                  <a:ext uri="{FF2B5EF4-FFF2-40B4-BE49-F238E27FC236}">
+                    <a16:creationId xmlns:a16="http://schemas.microsoft.com/office/drawing/2014/main" id="{D4D93B8E-F2A4-1E69-54A5-F0550E91736E}"/>
+                  </a:ext>
+                </a:extLst>
+              </p:cNvPr>
+              <p:cNvSpPr txBox="1"/>
+              <p:nvPr/>
+            </p:nvSpPr>
+            <p:spPr>
+              <a:xfrm>
+                <a:off x="1477543" y="1922106"/>
+                <a:ext cx="2068580" cy="261610"/>
+              </a:xfrm>
+              <a:prstGeom prst="rect">
+                <a:avLst/>
+              </a:prstGeom>
+              <a:noFill/>
+            </p:spPr>
+            <p:txBody>
+              <a:bodyPr wrap="none" rtlCol="0">
+                <a:spAutoFit/>
+              </a:bodyPr>
+              <a:lstStyle/>
+              <a:p>
+                <a14:m>
+                  <m:oMath xmlns:m="http://schemas.openxmlformats.org/officeDocument/2006/math">
+                    <m:r>
+                      <a:rPr lang="pt-BR" sz="1100" b="0" i="1" smtClean="0">
+                        <a:latin typeface="Cambria Math" panose="02040503050406030204" pitchFamily="18" charset="0"/>
+                      </a:rPr>
+                      <m:t>𝑔</m:t>
+                    </m:r>
+                    <m:d>
+                      <m:dPr>
+                        <m:ctrlPr>
+                          <a:rPr lang="pt-BR" sz="1100" b="0" i="1" smtClean="0">
+                            <a:latin typeface="Cambria Math" panose="02040503050406030204" pitchFamily="18" charset="0"/>
+                          </a:rPr>
+                        </m:ctrlPr>
+                      </m:dPr>
+                      <m:e>
+                        <m:r>
+                          <a:rPr lang="pt-BR" sz="1100" b="1" i="1" smtClean="0">
+                            <a:latin typeface="Cambria Math" panose="02040503050406030204" pitchFamily="18" charset="0"/>
+                          </a:rPr>
+                          <m:t>𝒙</m:t>
+                        </m:r>
+                      </m:e>
+                    </m:d>
+                    <m:r>
+                      <a:rPr lang="pt-BR" sz="1100" b="0" i="1" smtClean="0">
+                        <a:latin typeface="Cambria Math" panose="02040503050406030204" pitchFamily="18" charset="0"/>
+                      </a:rPr>
+                      <m:t> </m:t>
+                    </m:r>
+                    <m:r>
+                      <m:rPr>
+                        <m:sty m:val="p"/>
+                      </m:rPr>
+                      <a:rPr lang="pt-BR" sz="1100" b="0" i="0" smtClean="0">
+                        <a:latin typeface="Cambria Math" panose="02040503050406030204" pitchFamily="18" charset="0"/>
+                      </a:rPr>
+                      <m:t>d</m:t>
+                    </m:r>
+                  </m:oMath>
+                </a14:m>
+                <a:r>
+                  <a:rPr lang="pt-BR" sz="1100" dirty="0"/>
+                  <a:t>evido a amostra vermelha</a:t>
+                </a:r>
+              </a:p>
+            </p:txBody>
+          </p:sp>
+        </mc:Choice>
+        <mc:Fallback>
+          <p:sp>
+            <p:nvSpPr>
+              <p:cNvPr id="16" name="CaixaDeTexto 15">
+                <a:extLst>
+                  <a:ext uri="{FF2B5EF4-FFF2-40B4-BE49-F238E27FC236}">
+                    <a16:creationId xmlns:a16="http://schemas.microsoft.com/office/drawing/2014/main" id="{D4D93B8E-F2A4-1E69-54A5-F0550E91736E}"/>
+                  </a:ext>
+                </a:extLst>
+              </p:cNvPr>
+              <p:cNvSpPr txBox="1">
+                <a:spLocks noRot="1" noChangeAspect="1" noMove="1" noResize="1" noEditPoints="1" noAdjustHandles="1" noChangeArrowheads="1" noChangeShapeType="1" noTextEdit="1"/>
+              </p:cNvSpPr>
+              <p:nvPr/>
+            </p:nvSpPr>
+            <p:spPr>
+              <a:xfrm>
+                <a:off x="1477543" y="1922106"/>
+                <a:ext cx="2068580" cy="261610"/>
+              </a:xfrm>
+              <a:prstGeom prst="rect">
+                <a:avLst/>
+              </a:prstGeom>
+              <a:blipFill>
+                <a:blip r:embed="rId5"/>
+                <a:stretch>
+                  <a:fillRect b="-16279"/>
+                </a:stretch>
+              </a:blipFill>
+            </p:spPr>
+            <p:txBody>
+              <a:bodyPr/>
+              <a:lstStyle/>
+              <a:p>
+                <a:r>
+                  <a:rPr lang="pt-BR">
+                    <a:noFill/>
+                  </a:rPr>
+                  <a:t> </a:t>
+                </a:r>
+              </a:p>
+            </p:txBody>
+          </p:sp>
+        </mc:Fallback>
+      </mc:AlternateContent>
+      <mc:AlternateContent xmlns:mc="http://schemas.openxmlformats.org/markup-compatibility/2006">
+        <mc:Choice xmlns:a14="http://schemas.microsoft.com/office/drawing/2010/main" Requires="a14">
+          <p:sp>
+            <p:nvSpPr>
+              <p:cNvPr id="18" name="CaixaDeTexto 17">
+                <a:extLst>
+                  <a:ext uri="{FF2B5EF4-FFF2-40B4-BE49-F238E27FC236}">
+                    <a16:creationId xmlns:a16="http://schemas.microsoft.com/office/drawing/2014/main" id="{941F9E29-3D5B-7F7E-565A-94F4F6591E3F}"/>
+                  </a:ext>
+                </a:extLst>
+              </p:cNvPr>
+              <p:cNvSpPr txBox="1"/>
+              <p:nvPr/>
+            </p:nvSpPr>
+            <p:spPr>
+              <a:xfrm>
+                <a:off x="2634460" y="5446462"/>
+                <a:ext cx="1759712" cy="261610"/>
+              </a:xfrm>
+              <a:prstGeom prst="rect">
+                <a:avLst/>
+              </a:prstGeom>
+              <a:noFill/>
+            </p:spPr>
+            <p:txBody>
+              <a:bodyPr wrap="none" rtlCol="0">
+                <a:spAutoFit/>
+              </a:bodyPr>
+              <a:lstStyle/>
+              <a:p>
+                <a14:m>
+                  <m:oMath xmlns:m="http://schemas.openxmlformats.org/officeDocument/2006/math">
+                    <m:r>
+                      <a:rPr lang="pt-BR" sz="1100" b="0" i="1" smtClean="0">
+                        <a:latin typeface="Cambria Math" panose="02040503050406030204" pitchFamily="18" charset="0"/>
+                      </a:rPr>
+                      <m:t>𝑔</m:t>
+                    </m:r>
+                    <m:d>
+                      <m:dPr>
+                        <m:ctrlPr>
+                          <a:rPr lang="pt-BR" sz="1100" b="0" i="1" smtClean="0">
+                            <a:latin typeface="Cambria Math" panose="02040503050406030204" pitchFamily="18" charset="0"/>
+                          </a:rPr>
+                        </m:ctrlPr>
+                      </m:dPr>
+                      <m:e>
+                        <m:r>
+                          <a:rPr lang="pt-BR" sz="1100" b="1" i="1" smtClean="0">
+                            <a:latin typeface="Cambria Math" panose="02040503050406030204" pitchFamily="18" charset="0"/>
+                          </a:rPr>
+                          <m:t>𝒙</m:t>
+                        </m:r>
+                      </m:e>
+                    </m:d>
+                    <m:r>
+                      <a:rPr lang="pt-BR" sz="1100" b="0" i="1" smtClean="0">
+                        <a:latin typeface="Cambria Math" panose="02040503050406030204" pitchFamily="18" charset="0"/>
+                      </a:rPr>
+                      <m:t> </m:t>
+                    </m:r>
+                    <m:r>
+                      <m:rPr>
+                        <m:sty m:val="p"/>
+                      </m:rPr>
+                      <a:rPr lang="pt-BR" sz="1100" b="0" i="0" smtClean="0">
+                        <a:latin typeface="Cambria Math" panose="02040503050406030204" pitchFamily="18" charset="0"/>
+                      </a:rPr>
+                      <m:t>d</m:t>
+                    </m:r>
+                  </m:oMath>
+                </a14:m>
+                <a:r>
+                  <a:rPr lang="pt-BR" sz="1100" dirty="0"/>
+                  <a:t>evido a amostra azul</a:t>
+                </a:r>
+              </a:p>
+            </p:txBody>
+          </p:sp>
+        </mc:Choice>
+        <mc:Fallback>
+          <p:sp>
+            <p:nvSpPr>
+              <p:cNvPr id="18" name="CaixaDeTexto 17">
+                <a:extLst>
+                  <a:ext uri="{FF2B5EF4-FFF2-40B4-BE49-F238E27FC236}">
+                    <a16:creationId xmlns:a16="http://schemas.microsoft.com/office/drawing/2014/main" id="{941F9E29-3D5B-7F7E-565A-94F4F6591E3F}"/>
+                  </a:ext>
+                </a:extLst>
+              </p:cNvPr>
+              <p:cNvSpPr txBox="1">
+                <a:spLocks noRot="1" noChangeAspect="1" noMove="1" noResize="1" noEditPoints="1" noAdjustHandles="1" noChangeArrowheads="1" noChangeShapeType="1" noTextEdit="1"/>
+              </p:cNvSpPr>
+              <p:nvPr/>
+            </p:nvSpPr>
+            <p:spPr>
+              <a:xfrm>
+                <a:off x="2634460" y="5446462"/>
+                <a:ext cx="1759712" cy="261610"/>
+              </a:xfrm>
+              <a:prstGeom prst="rect">
+                <a:avLst/>
+              </a:prstGeom>
+              <a:blipFill>
+                <a:blip r:embed="rId6"/>
+                <a:stretch>
+                  <a:fillRect b="-16279"/>
+                </a:stretch>
+              </a:blipFill>
+            </p:spPr>
+            <p:txBody>
+              <a:bodyPr/>
+              <a:lstStyle/>
+              <a:p>
+                <a:r>
+                  <a:rPr lang="pt-BR">
+                    <a:noFill/>
+                  </a:rPr>
+                  <a:t> </a:t>
+                </a:r>
+              </a:p>
+            </p:txBody>
+          </p:sp>
+        </mc:Fallback>
+      </mc:AlternateContent>
+    </p:spTree>
+    <p:extLst>
+      <p:ext uri="{BB962C8B-B14F-4D97-AF65-F5344CB8AC3E}">
+        <p14:creationId xmlns:p14="http://schemas.microsoft.com/office/powerpoint/2010/main" val="2638987049"/>
+      </p:ext>
+    </p:extLst>
+  </p:cSld>
+  <p:clrMapOvr>
+    <a:masterClrMapping/>
+  </p:clrMapOvr>
+</p:sld>
+</file>
+
+<file path=ppt/slides/slide21.xml><?xml version="1.0" encoding="utf-8"?>
+<p:sld xmlns:a="http://schemas.openxmlformats.org/drawingml/2006/main" xmlns:r="http://schemas.openxmlformats.org/officeDocument/2006/relationships" xmlns:p="http://schemas.openxmlformats.org/presentationml/2006/main">
+  <p:cSld>
+    <p:spTree>
+      <p:nvGrpSpPr>
+        <p:cNvPr id="1" name=""/>
+        <p:cNvGrpSpPr/>
+        <p:nvPr/>
+      </p:nvGrpSpPr>
+      <p:grpSpPr>
+        <a:xfrm>
+          <a:off x="0" y="0"/>
+          <a:ext cx="0" cy="0"/>
+          <a:chOff x="0" y="0"/>
+          <a:chExt cx="0" cy="0"/>
+        </a:xfrm>
+      </p:grpSpPr>
+      <p:sp>
+        <p:nvSpPr>
+          <p:cNvPr id="2" name="Título 1">
+            <a:extLst>
+              <a:ext uri="{FF2B5EF4-FFF2-40B4-BE49-F238E27FC236}">
+                <a16:creationId xmlns:a16="http://schemas.microsoft.com/office/drawing/2014/main" id="{CF9B30B4-0805-101B-C227-AD4405F0BA79}"/>
+              </a:ext>
+            </a:extLst>
+          </p:cNvPr>
+          <p:cNvSpPr>
+            <a:spLocks noGrp="1"/>
+          </p:cNvSpPr>
+          <p:nvPr>
+            <p:ph type="title"/>
+          </p:nvPr>
+        </p:nvSpPr>
+        <p:spPr/>
+        <p:txBody>
+          <a:bodyPr/>
+          <a:lstStyle/>
+          <a:p>
+            <a:r>
+              <a:rPr lang="pt-BR" dirty="0"/>
+              <a:t>Classificação com limiar de decisão rígido</a:t>
+            </a:r>
+          </a:p>
+        </p:txBody>
+      </p:sp>
+      <mc:AlternateContent xmlns:mc="http://schemas.openxmlformats.org/markup-compatibility/2006">
+        <mc:Choice xmlns:a14="http://schemas.microsoft.com/office/drawing/2010/main" Requires="a14">
+          <p:sp>
+            <p:nvSpPr>
+              <p:cNvPr id="3" name="Espaço Reservado para Conteúdo 2">
+                <a:extLst>
+                  <a:ext uri="{FF2B5EF4-FFF2-40B4-BE49-F238E27FC236}">
+                    <a16:creationId xmlns:a16="http://schemas.microsoft.com/office/drawing/2014/main" id="{1B95DA0B-9FB2-61FE-86F8-6A65C4F51978}"/>
+                  </a:ext>
+                </a:extLst>
+              </p:cNvPr>
+              <p:cNvSpPr>
+                <a:spLocks noGrp="1"/>
+              </p:cNvSpPr>
+              <p:nvPr>
+                <p:ph idx="1"/>
+              </p:nvPr>
+            </p:nvSpPr>
+            <p:spPr>
+              <a:xfrm>
+                <a:off x="5447899" y="1825624"/>
+                <a:ext cx="6569928" cy="5032375"/>
+              </a:xfrm>
+            </p:spPr>
+            <p:txBody>
+              <a:bodyPr>
+                <a:normAutofit/>
+              </a:bodyPr>
+              <a:lstStyle/>
+              <a:p>
+                <a:r>
+                  <a:rPr lang="pt-BR" dirty="0"/>
+                  <a:t>Porém, se </a:t>
+                </a:r>
+                <a14:m>
+                  <m:oMath xmlns:m="http://schemas.openxmlformats.org/officeDocument/2006/math">
+                    <m:r>
+                      <a:rPr lang="pt-BR" i="1">
+                        <a:latin typeface="Cambria Math" panose="02040503050406030204" pitchFamily="18" charset="0"/>
+                        <a:ea typeface="Cambria Math" panose="02040503050406030204" pitchFamily="18" charset="0"/>
+                      </a:rPr>
+                      <m:t>𝛼</m:t>
+                    </m:r>
+                  </m:oMath>
+                </a14:m>
+                <a:r>
+                  <a:rPr lang="pt-BR" dirty="0"/>
+                  <a:t> decresce de acordo com as iterações de treinamento, então a regra tem uma chance de convergir para uma solução de erro mínimo quando os exemplos são apresentados de forma aleatória.</a:t>
+                </a:r>
+              </a:p>
+              <a:p>
+                <a:pPr lvl="1">
+                  <a:buFont typeface="Wingdings" panose="05000000000000000000" pitchFamily="2" charset="2"/>
+                  <a:buChar char="§"/>
+                </a:pPr>
+                <a:r>
+                  <a:rPr lang="pt-BR" dirty="0"/>
+                  <a:t>Similar ao que fizemos com o GDE.</a:t>
+                </a:r>
+              </a:p>
+              <a:p>
+                <a:r>
+                  <a:rPr lang="pt-BR" dirty="0"/>
+                  <a:t>Podemos também usar o </a:t>
+                </a:r>
+                <a:r>
+                  <a:rPr lang="pt-BR" b="1" i="1" dirty="0"/>
+                  <a:t>early-stop</a:t>
+                </a:r>
+                <a:r>
+                  <a:rPr lang="pt-BR" dirty="0"/>
+                  <a:t> e </a:t>
+                </a:r>
+                <a:r>
+                  <a:rPr lang="pt-BR" b="1" i="1" dirty="0">
+                    <a:solidFill>
+                      <a:srgbClr val="00B050"/>
+                    </a:solidFill>
+                  </a:rPr>
+                  <a:t>guardar</a:t>
+                </a:r>
+                <a:r>
+                  <a:rPr lang="pt-BR" dirty="0"/>
+                  <a:t> os </a:t>
+                </a:r>
+                <a:r>
+                  <a:rPr lang="pt-BR" b="1" i="1" dirty="0"/>
+                  <a:t>pesos</a:t>
+                </a:r>
+                <a:r>
+                  <a:rPr lang="pt-BR" dirty="0"/>
+                  <a:t> que resultaram no menor erro de validação.</a:t>
+                </a:r>
+              </a:p>
+            </p:txBody>
+          </p:sp>
+        </mc:Choice>
+        <mc:Fallback>
+          <p:sp>
+            <p:nvSpPr>
+              <p:cNvPr id="3" name="Espaço Reservado para Conteúdo 2">
+                <a:extLst>
+                  <a:ext uri="{FF2B5EF4-FFF2-40B4-BE49-F238E27FC236}">
+                    <a16:creationId xmlns:a16="http://schemas.microsoft.com/office/drawing/2014/main" id="{1B95DA0B-9FB2-61FE-86F8-6A65C4F51978}"/>
+                  </a:ext>
+                </a:extLst>
+              </p:cNvPr>
+              <p:cNvSpPr>
+                <a:spLocks noGrp="1" noRot="1" noChangeAspect="1" noMove="1" noResize="1" noEditPoints="1" noAdjustHandles="1" noChangeArrowheads="1" noChangeShapeType="1" noTextEdit="1"/>
+              </p:cNvSpPr>
+              <p:nvPr>
+                <p:ph idx="1"/>
+              </p:nvPr>
+            </p:nvSpPr>
+            <p:spPr>
+              <a:xfrm>
+                <a:off x="5447899" y="1825624"/>
+                <a:ext cx="6569928" cy="5032375"/>
+              </a:xfrm>
+              <a:blipFill>
+                <a:blip r:embed="rId3"/>
+                <a:stretch>
+                  <a:fillRect l="-1671" t="-1937"/>
                 </a:stretch>
               </a:blipFill>
             </p:spPr>
@@ -17203,7 +17966,7 @@
         </p:blipFill>
         <p:spPr>
           <a:xfrm>
-            <a:off x="174173" y="2588820"/>
+            <a:off x="751689" y="2588820"/>
             <a:ext cx="3864840" cy="2912051"/>
           </a:xfrm>
           <a:prstGeom prst="rect">
@@ -17214,7 +17977,7 @@
     </p:spTree>
     <p:extLst>
       <p:ext uri="{BB962C8B-B14F-4D97-AF65-F5344CB8AC3E}">
-        <p14:creationId xmlns:p14="http://schemas.microsoft.com/office/powerpoint/2010/main" val="2638987049"/>
+        <p14:creationId xmlns:p14="http://schemas.microsoft.com/office/powerpoint/2010/main" val="941010830"/>
       </p:ext>
     </p:extLst>
   </p:cSld>
@@ -17224,7 +17987,7 @@
 </p:sld>
 </file>
 
-<file path=ppt/slides/slide21.xml><?xml version="1.0" encoding="utf-8"?>
+<file path=ppt/slides/slide22.xml><?xml version="1.0" encoding="utf-8"?>
 <p:sld xmlns:a="http://schemas.openxmlformats.org/drawingml/2006/main" xmlns:r="http://schemas.openxmlformats.org/officeDocument/2006/relationships" xmlns:p="http://schemas.openxmlformats.org/presentationml/2006/main">
   <p:cSld>
     <p:spTree>
@@ -17388,7 +18151,7 @@
 </p:sld>
 </file>
 
-<file path=ppt/slides/slide22.xml><?xml version="1.0" encoding="utf-8"?>
+<file path=ppt/slides/slide23.xml><?xml version="1.0" encoding="utf-8"?>
 <p:sld xmlns:a="http://schemas.openxmlformats.org/drawingml/2006/main" xmlns:r="http://schemas.openxmlformats.org/officeDocument/2006/relationships" xmlns:p="http://schemas.openxmlformats.org/presentationml/2006/main">
   <p:cSld>
     <p:spTree>
@@ -18169,7 +18932,7 @@
 </p:sld>
 </file>
 
-<file path=ppt/slides/slide23.xml><?xml version="1.0" encoding="utf-8"?>
+<file path=ppt/slides/slide24.xml><?xml version="1.0" encoding="utf-8"?>
 <p:sld xmlns:a="http://schemas.openxmlformats.org/drawingml/2006/main" xmlns:r="http://schemas.openxmlformats.org/officeDocument/2006/relationships" xmlns:p="http://schemas.openxmlformats.org/presentationml/2006/main">
   <p:cSld>
     <p:spTree>
@@ -18925,7 +19688,7 @@
 </p:sld>
 </file>
 
-<file path=ppt/slides/slide24.xml><?xml version="1.0" encoding="utf-8"?>
+<file path=ppt/slides/slide25.xml><?xml version="1.0" encoding="utf-8"?>
 <p:sld xmlns:a="http://schemas.openxmlformats.org/drawingml/2006/main" xmlns:r="http://schemas.openxmlformats.org/officeDocument/2006/relationships" xmlns:p="http://schemas.openxmlformats.org/presentationml/2006/main">
   <p:cSld>
     <p:spTree>
@@ -19176,7 +19939,7 @@
 </p:sld>
 </file>
 
-<file path=ppt/slides/slide25.xml><?xml version="1.0" encoding="utf-8"?>
+<file path=ppt/slides/slide26.xml><?xml version="1.0" encoding="utf-8"?>
 <p:sld xmlns:a="http://schemas.openxmlformats.org/drawingml/2006/main" xmlns:r="http://schemas.openxmlformats.org/officeDocument/2006/relationships" xmlns:p="http://schemas.openxmlformats.org/presentationml/2006/main">
   <p:cSld>
     <p:spTree>
@@ -19333,7 +20096,7 @@
 </p:sld>
 </file>
 
-<file path=ppt/slides/slide26.xml><?xml version="1.0" encoding="utf-8"?>
+<file path=ppt/slides/slide27.xml><?xml version="1.0" encoding="utf-8"?>
 <p:sld xmlns:a="http://schemas.openxmlformats.org/drawingml/2006/main" xmlns:r="http://schemas.openxmlformats.org/officeDocument/2006/relationships" xmlns:p="http://schemas.openxmlformats.org/presentationml/2006/main">
   <p:cSld>
     <p:spTree>
@@ -19419,7 +20182,7 @@
 </p:sld>
 </file>
 
-<file path=ppt/slides/slide27.xml><?xml version="1.0" encoding="utf-8"?>
+<file path=ppt/slides/slide28.xml><?xml version="1.0" encoding="utf-8"?>
 <p:sld xmlns:a="http://schemas.openxmlformats.org/drawingml/2006/main" xmlns:r="http://schemas.openxmlformats.org/officeDocument/2006/relationships" xmlns:p="http://schemas.openxmlformats.org/presentationml/2006/main">
   <p:cSld>
     <p:spTree>
@@ -28324,8 +29087,8 @@
           </a:p>
         </p:txBody>
       </p:sp>
-      <mc:AlternateContent xmlns:mc="http://schemas.openxmlformats.org/markup-compatibility/2006">
-        <mc:Choice xmlns:a14="http://schemas.microsoft.com/office/drawing/2010/main" Requires="a14">
+      <mc:AlternateContent xmlns:mc="http://schemas.openxmlformats.org/markup-compatibility/2006" xmlns:a14="http://schemas.microsoft.com/office/drawing/2010/main">
+        <mc:Choice Requires="a14">
           <p:sp>
             <p:nvSpPr>
               <p:cNvPr id="3" name="Espaço Reservado para Conteúdo 2">
@@ -29492,7 +30255,7 @@
             </p:txBody>
           </p:sp>
         </mc:Choice>
-        <mc:Fallback>
+        <mc:Fallback xmlns="">
           <p:sp>
             <p:nvSpPr>
               <p:cNvPr id="3" name="Espaço Reservado para Conteúdo 2">

--- a/slides/T320_Classificação (Parte II).pptx
+++ b/slides/T320_Classificação (Parte II).pptx
@@ -13868,8 +13868,8 @@
           </a:p>
         </p:txBody>
       </p:sp>
-      <mc:AlternateContent xmlns:mc="http://schemas.openxmlformats.org/markup-compatibility/2006">
-        <mc:Choice xmlns:a14="http://schemas.microsoft.com/office/drawing/2010/main" Requires="a14">
+      <mc:AlternateContent xmlns:mc="http://schemas.openxmlformats.org/markup-compatibility/2006" xmlns:a14="http://schemas.microsoft.com/office/drawing/2010/main">
+        <mc:Choice Requires="a14">
           <p:sp>
             <p:nvSpPr>
               <p:cNvPr id="3" name="Content Placeholder 2"/>
@@ -14840,7 +14840,7 @@
             </p:txBody>
           </p:sp>
         </mc:Choice>
-        <mc:Fallback>
+        <mc:Fallback xmlns="">
           <p:sp>
             <p:nvSpPr>
               <p:cNvPr id="3" name="Content Placeholder 2"/>
@@ -15264,8 +15264,8 @@
           </a:p>
         </p:txBody>
       </p:sp>
-      <mc:AlternateContent xmlns:mc="http://schemas.openxmlformats.org/markup-compatibility/2006">
-        <mc:Choice xmlns:a14="http://schemas.microsoft.com/office/drawing/2010/main" Requires="a14">
+      <mc:AlternateContent xmlns:mc="http://schemas.openxmlformats.org/markup-compatibility/2006" xmlns:a14="http://schemas.microsoft.com/office/drawing/2010/main">
+        <mc:Choice Requires="a14">
           <p:sp>
             <p:nvSpPr>
               <p:cNvPr id="3" name="Content Placeholder 2"/>
@@ -16247,7 +16247,7 @@
             </p:txBody>
           </p:sp>
         </mc:Choice>
-        <mc:Fallback>
+        <mc:Fallback xmlns="">
           <p:sp>
             <p:nvSpPr>
               <p:cNvPr id="3" name="Content Placeholder 2"/>
@@ -17122,8 +17122,8 @@
           </a:p>
         </p:txBody>
       </p:sp>
-      <mc:AlternateContent xmlns:mc="http://schemas.openxmlformats.org/markup-compatibility/2006">
-        <mc:Choice xmlns:a14="http://schemas.microsoft.com/office/drawing/2010/main" Requires="a14">
+      <mc:AlternateContent xmlns:mc="http://schemas.openxmlformats.org/markup-compatibility/2006" xmlns:a14="http://schemas.microsoft.com/office/drawing/2010/main">
+        <mc:Choice Requires="a14">
           <p:sp>
             <p:nvSpPr>
               <p:cNvPr id="3" name="Espaço Reservado para Conteúdo 2">
@@ -17219,7 +17219,7 @@
             </p:txBody>
           </p:sp>
         </mc:Choice>
-        <mc:Fallback>
+        <mc:Fallback xmlns="">
           <p:sp>
             <p:nvSpPr>
               <p:cNvPr id="3" name="Espaço Reservado para Conteúdo 2">
@@ -17459,8 +17459,8 @@
           </a:fontRef>
         </p:style>
       </p:cxnSp>
-      <mc:AlternateContent xmlns:mc="http://schemas.openxmlformats.org/markup-compatibility/2006">
-        <mc:Choice xmlns:a14="http://schemas.microsoft.com/office/drawing/2010/main" Requires="a14">
+      <mc:AlternateContent xmlns:mc="http://schemas.openxmlformats.org/markup-compatibility/2006" xmlns:a14="http://schemas.microsoft.com/office/drawing/2010/main">
+        <mc:Choice Requires="a14">
           <p:sp>
             <p:nvSpPr>
               <p:cNvPr id="16" name="CaixaDeTexto 15">
@@ -17539,7 +17539,7 @@
             </p:txBody>
           </p:sp>
         </mc:Choice>
-        <mc:Fallback>
+        <mc:Fallback xmlns="">
           <p:sp>
             <p:nvSpPr>
               <p:cNvPr id="16" name="CaixaDeTexto 15">
@@ -17584,8 +17584,8 @@
           </p:sp>
         </mc:Fallback>
       </mc:AlternateContent>
-      <mc:AlternateContent xmlns:mc="http://schemas.openxmlformats.org/markup-compatibility/2006">
-        <mc:Choice xmlns:a14="http://schemas.microsoft.com/office/drawing/2010/main" Requires="a14">
+      <mc:AlternateContent xmlns:mc="http://schemas.openxmlformats.org/markup-compatibility/2006" xmlns:a14="http://schemas.microsoft.com/office/drawing/2010/main">
+        <mc:Choice Requires="a14">
           <p:sp>
             <p:nvSpPr>
               <p:cNvPr id="18" name="CaixaDeTexto 17">
@@ -17664,7 +17664,7 @@
             </p:txBody>
           </p:sp>
         </mc:Choice>
-        <mc:Fallback>
+        <mc:Fallback xmlns="">
           <p:sp>
             <p:nvSpPr>
               <p:cNvPr id="18" name="CaixaDeTexto 17">
@@ -17767,8 +17767,8 @@
           </a:p>
         </p:txBody>
       </p:sp>
-      <mc:AlternateContent xmlns:mc="http://schemas.openxmlformats.org/markup-compatibility/2006">
-        <mc:Choice xmlns:a14="http://schemas.microsoft.com/office/drawing/2010/main" Requires="a14">
+      <mc:AlternateContent xmlns:mc="http://schemas.openxmlformats.org/markup-compatibility/2006" xmlns:a14="http://schemas.microsoft.com/office/drawing/2010/main">
+        <mc:Choice Requires="a14">
           <p:sp>
             <p:nvSpPr>
               <p:cNvPr id="3" name="Espaço Reservado para Conteúdo 2">
@@ -17864,7 +17864,7 @@
             </p:txBody>
           </p:sp>
         </mc:Choice>
-        <mc:Fallback>
+        <mc:Fallback xmlns="">
           <p:sp>
             <p:nvSpPr>
               <p:cNvPr id="3" name="Espaço Reservado para Conteúdo 2">

--- a/slides/T320_Classificação (Parte II).pptx
+++ b/slides/T320_Classificação (Parte II).pptx
@@ -19769,7 +19769,7 @@
             <a:r>
               <a:rPr lang="pt-BR" b="1" i="1" dirty="0">
                 <a:solidFill>
-                  <a:srgbClr val="00B050"/>
+                  <a:schemeClr val="accent2"/>
                 </a:solidFill>
               </a:rPr>
               <a:t>pontos </a:t>
@@ -19777,7 +19777,7 @@
             <a:r>
               <a:rPr lang="pt-BR" sz="2800" b="1" i="1" dirty="0">
                 <a:solidFill>
-                  <a:srgbClr val="00B050"/>
+                  <a:schemeClr val="accent2"/>
                 </a:solidFill>
               </a:rPr>
               <a:t>distantes da fronteira </a:t>

--- a/slides/T320_Classificação (Parte II).pptx
+++ b/slides/T320_Classificação (Parte II).pptx
@@ -302,7 +302,7 @@
           <a:p>
             <a:fld id="{144F1436-6906-4D93-B7A2-786C327BFA14}" type="datetimeFigureOut">
               <a:rPr lang="nl-BE" smtClean="0"/>
-              <a:t>10/08/2024</a:t>
+              <a:t>17/08/2024</a:t>
             </a:fld>
             <a:endParaRPr lang="nl-BE"/>
           </a:p>
@@ -467,7 +467,7 @@
           <a:p>
             <a:fld id="{AA8CD09E-2914-4F47-B6C1-51B2C31814C9}" type="datetimeFigureOut">
               <a:rPr lang="pt-BR" smtClean="0"/>
-              <a:t>10/08/2024</a:t>
+              <a:t>17/08/2024</a:t>
             </a:fld>
             <a:endParaRPr lang="pt-BR"/>
           </a:p>
@@ -5768,7 +5768,7 @@
           <a:p>
             <a:fld id="{63289F7E-B80B-496E-81B4-D396C37C9454}" type="datetimeFigureOut">
               <a:rPr lang="pt-BR" smtClean="0"/>
-              <a:t>10/08/2024</a:t>
+              <a:t>17/08/2024</a:t>
             </a:fld>
             <a:endParaRPr lang="pt-BR"/>
           </a:p>
@@ -5966,7 +5966,7 @@
           <a:p>
             <a:fld id="{63289F7E-B80B-496E-81B4-D396C37C9454}" type="datetimeFigureOut">
               <a:rPr lang="pt-BR" smtClean="0"/>
-              <a:t>10/08/2024</a:t>
+              <a:t>17/08/2024</a:t>
             </a:fld>
             <a:endParaRPr lang="pt-BR"/>
           </a:p>
@@ -6174,7 +6174,7 @@
           <a:p>
             <a:fld id="{63289F7E-B80B-496E-81B4-D396C37C9454}" type="datetimeFigureOut">
               <a:rPr lang="pt-BR" smtClean="0"/>
-              <a:t>10/08/2024</a:t>
+              <a:t>17/08/2024</a:t>
             </a:fld>
             <a:endParaRPr lang="pt-BR"/>
           </a:p>
@@ -6372,7 +6372,7 @@
           <a:p>
             <a:fld id="{63289F7E-B80B-496E-81B4-D396C37C9454}" type="datetimeFigureOut">
               <a:rPr lang="pt-BR" smtClean="0"/>
-              <a:t>10/08/2024</a:t>
+              <a:t>17/08/2024</a:t>
             </a:fld>
             <a:endParaRPr lang="pt-BR"/>
           </a:p>
@@ -6647,7 +6647,7 @@
           <a:p>
             <a:fld id="{63289F7E-B80B-496E-81B4-D396C37C9454}" type="datetimeFigureOut">
               <a:rPr lang="pt-BR" smtClean="0"/>
-              <a:t>10/08/2024</a:t>
+              <a:t>17/08/2024</a:t>
             </a:fld>
             <a:endParaRPr lang="pt-BR"/>
           </a:p>
@@ -6912,7 +6912,7 @@
           <a:p>
             <a:fld id="{63289F7E-B80B-496E-81B4-D396C37C9454}" type="datetimeFigureOut">
               <a:rPr lang="pt-BR" smtClean="0"/>
-              <a:t>10/08/2024</a:t>
+              <a:t>17/08/2024</a:t>
             </a:fld>
             <a:endParaRPr lang="pt-BR"/>
           </a:p>
@@ -7324,7 +7324,7 @@
           <a:p>
             <a:fld id="{63289F7E-B80B-496E-81B4-D396C37C9454}" type="datetimeFigureOut">
               <a:rPr lang="pt-BR" smtClean="0"/>
-              <a:t>10/08/2024</a:t>
+              <a:t>17/08/2024</a:t>
             </a:fld>
             <a:endParaRPr lang="pt-BR"/>
           </a:p>
@@ -7465,7 +7465,7 @@
           <a:p>
             <a:fld id="{63289F7E-B80B-496E-81B4-D396C37C9454}" type="datetimeFigureOut">
               <a:rPr lang="pt-BR" smtClean="0"/>
-              <a:t>10/08/2024</a:t>
+              <a:t>17/08/2024</a:t>
             </a:fld>
             <a:endParaRPr lang="pt-BR"/>
           </a:p>
@@ -7578,7 +7578,7 @@
           <a:p>
             <a:fld id="{63289F7E-B80B-496E-81B4-D396C37C9454}" type="datetimeFigureOut">
               <a:rPr lang="pt-BR" smtClean="0"/>
-              <a:t>10/08/2024</a:t>
+              <a:t>17/08/2024</a:t>
             </a:fld>
             <a:endParaRPr lang="pt-BR"/>
           </a:p>
@@ -7889,7 +7889,7 @@
           <a:p>
             <a:fld id="{63289F7E-B80B-496E-81B4-D396C37C9454}" type="datetimeFigureOut">
               <a:rPr lang="pt-BR" smtClean="0"/>
-              <a:t>10/08/2024</a:t>
+              <a:t>17/08/2024</a:t>
             </a:fld>
             <a:endParaRPr lang="pt-BR"/>
           </a:p>
@@ -8177,7 +8177,7 @@
           <a:p>
             <a:fld id="{63289F7E-B80B-496E-81B4-D396C37C9454}" type="datetimeFigureOut">
               <a:rPr lang="pt-BR" smtClean="0"/>
-              <a:t>10/08/2024</a:t>
+              <a:t>17/08/2024</a:t>
             </a:fld>
             <a:endParaRPr lang="pt-BR"/>
           </a:p>
@@ -8418,7 +8418,7 @@
           <a:p>
             <a:fld id="{63289F7E-B80B-496E-81B4-D396C37C9454}" type="datetimeFigureOut">
               <a:rPr lang="pt-BR" smtClean="0"/>
-              <a:t>10/08/2024</a:t>
+              <a:t>17/08/2024</a:t>
             </a:fld>
             <a:endParaRPr lang="pt-BR"/>
           </a:p>
@@ -18971,8 +18971,8 @@
           </a:p>
         </p:txBody>
       </p:sp>
-      <mc:AlternateContent xmlns:mc="http://schemas.openxmlformats.org/markup-compatibility/2006" xmlns:a14="http://schemas.microsoft.com/office/drawing/2010/main">
-        <mc:Choice Requires="a14">
+      <mc:AlternateContent xmlns:mc="http://schemas.openxmlformats.org/markup-compatibility/2006">
+        <mc:Choice xmlns:a14="http://schemas.microsoft.com/office/drawing/2010/main" Requires="a14">
           <p:sp>
             <p:nvSpPr>
               <p:cNvPr id="3" name="Content Placeholder 2"/>
@@ -19017,7 +19017,7 @@
                 </a:r>
                 <a:r>
                   <a:rPr lang="pt-BR" dirty="0"/>
-                  <a:t>seriam classificados como pertencentes à </a:t>
+                  <a:t>são classificados como pertencentes à </a:t>
                 </a:r>
                 <a:r>
                   <a:rPr lang="pt-BR" b="1" i="1" dirty="0">
@@ -19207,7 +19207,7 @@
             </p:txBody>
           </p:sp>
         </mc:Choice>
-        <mc:Fallback xmlns="">
+        <mc:Fallback>
           <p:sp>
             <p:nvSpPr>
               <p:cNvPr id="3" name="Content Placeholder 2"/>

--- a/slides/T320_Classificação (Parte II).pptx
+++ b/slides/T320_Classificação (Parte II).pptx
@@ -302,7 +302,7 @@
           <a:p>
             <a:fld id="{144F1436-6906-4D93-B7A2-786C327BFA14}" type="datetimeFigureOut">
               <a:rPr lang="nl-BE" smtClean="0"/>
-              <a:t>17/08/2024</a:t>
+              <a:t>14/02/2025</a:t>
             </a:fld>
             <a:endParaRPr lang="nl-BE"/>
           </a:p>
@@ -368,7 +368,7 @@
           <a:p>
             <a:fld id="{F7E56D9B-79AD-444A-AFED-DEC23408F8B4}" type="slidenum">
               <a:rPr lang="nl-BE" smtClean="0"/>
-              <a:t>‹nº›</a:t>
+              <a:t>‹#›</a:t>
             </a:fld>
             <a:endParaRPr lang="nl-BE"/>
           </a:p>
@@ -467,7 +467,7 @@
           <a:p>
             <a:fld id="{AA8CD09E-2914-4F47-B6C1-51B2C31814C9}" type="datetimeFigureOut">
               <a:rPr lang="pt-BR" smtClean="0"/>
-              <a:t>17/08/2024</a:t>
+              <a:t>14/02/2025</a:t>
             </a:fld>
             <a:endParaRPr lang="pt-BR"/>
           </a:p>
@@ -625,7 +625,7 @@
           <a:p>
             <a:fld id="{6FC8D850-966F-45A6-8DE7-15B891E7D40D}" type="slidenum">
               <a:rPr lang="pt-BR" smtClean="0"/>
-              <a:t>‹nº›</a:t>
+              <a:t>‹#›</a:t>
             </a:fld>
             <a:endParaRPr lang="pt-BR"/>
           </a:p>
@@ -5768,7 +5768,7 @@
           <a:p>
             <a:fld id="{63289F7E-B80B-496E-81B4-D396C37C9454}" type="datetimeFigureOut">
               <a:rPr lang="pt-BR" smtClean="0"/>
-              <a:t>17/08/2024</a:t>
+              <a:t>14/02/2025</a:t>
             </a:fld>
             <a:endParaRPr lang="pt-BR"/>
           </a:p>
@@ -5822,7 +5822,7 @@
           <a:p>
             <a:fld id="{1A7E88B7-70CE-4035-AE73-13FA6FB985D4}" type="slidenum">
               <a:rPr lang="pt-BR" smtClean="0"/>
-              <a:t>‹nº›</a:t>
+              <a:t>‹#›</a:t>
             </a:fld>
             <a:endParaRPr lang="pt-BR"/>
           </a:p>
@@ -5966,7 +5966,7 @@
           <a:p>
             <a:fld id="{63289F7E-B80B-496E-81B4-D396C37C9454}" type="datetimeFigureOut">
               <a:rPr lang="pt-BR" smtClean="0"/>
-              <a:t>17/08/2024</a:t>
+              <a:t>14/02/2025</a:t>
             </a:fld>
             <a:endParaRPr lang="pt-BR"/>
           </a:p>
@@ -6020,7 +6020,7 @@
           <a:p>
             <a:fld id="{1A7E88B7-70CE-4035-AE73-13FA6FB985D4}" type="slidenum">
               <a:rPr lang="pt-BR" smtClean="0"/>
-              <a:t>‹nº›</a:t>
+              <a:t>‹#›</a:t>
             </a:fld>
             <a:endParaRPr lang="pt-BR"/>
           </a:p>
@@ -6174,7 +6174,7 @@
           <a:p>
             <a:fld id="{63289F7E-B80B-496E-81B4-D396C37C9454}" type="datetimeFigureOut">
               <a:rPr lang="pt-BR" smtClean="0"/>
-              <a:t>17/08/2024</a:t>
+              <a:t>14/02/2025</a:t>
             </a:fld>
             <a:endParaRPr lang="pt-BR"/>
           </a:p>
@@ -6228,7 +6228,7 @@
           <a:p>
             <a:fld id="{1A7E88B7-70CE-4035-AE73-13FA6FB985D4}" type="slidenum">
               <a:rPr lang="pt-BR" smtClean="0"/>
-              <a:t>‹nº›</a:t>
+              <a:t>‹#›</a:t>
             </a:fld>
             <a:endParaRPr lang="pt-BR"/>
           </a:p>
@@ -6372,7 +6372,7 @@
           <a:p>
             <a:fld id="{63289F7E-B80B-496E-81B4-D396C37C9454}" type="datetimeFigureOut">
               <a:rPr lang="pt-BR" smtClean="0"/>
-              <a:t>17/08/2024</a:t>
+              <a:t>14/02/2025</a:t>
             </a:fld>
             <a:endParaRPr lang="pt-BR"/>
           </a:p>
@@ -6426,7 +6426,7 @@
           <a:p>
             <a:fld id="{1A7E88B7-70CE-4035-AE73-13FA6FB985D4}" type="slidenum">
               <a:rPr lang="pt-BR" smtClean="0"/>
-              <a:t>‹nº›</a:t>
+              <a:t>‹#›</a:t>
             </a:fld>
             <a:endParaRPr lang="pt-BR"/>
           </a:p>
@@ -6647,7 +6647,7 @@
           <a:p>
             <a:fld id="{63289F7E-B80B-496E-81B4-D396C37C9454}" type="datetimeFigureOut">
               <a:rPr lang="pt-BR" smtClean="0"/>
-              <a:t>17/08/2024</a:t>
+              <a:t>14/02/2025</a:t>
             </a:fld>
             <a:endParaRPr lang="pt-BR"/>
           </a:p>
@@ -6701,7 +6701,7 @@
           <a:p>
             <a:fld id="{1A7E88B7-70CE-4035-AE73-13FA6FB985D4}" type="slidenum">
               <a:rPr lang="pt-BR" smtClean="0"/>
-              <a:t>‹nº›</a:t>
+              <a:t>‹#›</a:t>
             </a:fld>
             <a:endParaRPr lang="pt-BR"/>
           </a:p>
@@ -6912,7 +6912,7 @@
           <a:p>
             <a:fld id="{63289F7E-B80B-496E-81B4-D396C37C9454}" type="datetimeFigureOut">
               <a:rPr lang="pt-BR" smtClean="0"/>
-              <a:t>17/08/2024</a:t>
+              <a:t>14/02/2025</a:t>
             </a:fld>
             <a:endParaRPr lang="pt-BR"/>
           </a:p>
@@ -6966,7 +6966,7 @@
           <a:p>
             <a:fld id="{1A7E88B7-70CE-4035-AE73-13FA6FB985D4}" type="slidenum">
               <a:rPr lang="pt-BR" smtClean="0"/>
-              <a:t>‹nº›</a:t>
+              <a:t>‹#›</a:t>
             </a:fld>
             <a:endParaRPr lang="pt-BR"/>
           </a:p>
@@ -7324,7 +7324,7 @@
           <a:p>
             <a:fld id="{63289F7E-B80B-496E-81B4-D396C37C9454}" type="datetimeFigureOut">
               <a:rPr lang="pt-BR" smtClean="0"/>
-              <a:t>17/08/2024</a:t>
+              <a:t>14/02/2025</a:t>
             </a:fld>
             <a:endParaRPr lang="pt-BR"/>
           </a:p>
@@ -7378,7 +7378,7 @@
           <a:p>
             <a:fld id="{1A7E88B7-70CE-4035-AE73-13FA6FB985D4}" type="slidenum">
               <a:rPr lang="pt-BR" smtClean="0"/>
-              <a:t>‹nº›</a:t>
+              <a:t>‹#›</a:t>
             </a:fld>
             <a:endParaRPr lang="pt-BR"/>
           </a:p>
@@ -7465,7 +7465,7 @@
           <a:p>
             <a:fld id="{63289F7E-B80B-496E-81B4-D396C37C9454}" type="datetimeFigureOut">
               <a:rPr lang="pt-BR" smtClean="0"/>
-              <a:t>17/08/2024</a:t>
+              <a:t>14/02/2025</a:t>
             </a:fld>
             <a:endParaRPr lang="pt-BR"/>
           </a:p>
@@ -7519,7 +7519,7 @@
           <a:p>
             <a:fld id="{1A7E88B7-70CE-4035-AE73-13FA6FB985D4}" type="slidenum">
               <a:rPr lang="pt-BR" smtClean="0"/>
-              <a:t>‹nº›</a:t>
+              <a:t>‹#›</a:t>
             </a:fld>
             <a:endParaRPr lang="pt-BR"/>
           </a:p>
@@ -7578,7 +7578,7 @@
           <a:p>
             <a:fld id="{63289F7E-B80B-496E-81B4-D396C37C9454}" type="datetimeFigureOut">
               <a:rPr lang="pt-BR" smtClean="0"/>
-              <a:t>17/08/2024</a:t>
+              <a:t>14/02/2025</a:t>
             </a:fld>
             <a:endParaRPr lang="pt-BR"/>
           </a:p>
@@ -7632,7 +7632,7 @@
           <a:p>
             <a:fld id="{1A7E88B7-70CE-4035-AE73-13FA6FB985D4}" type="slidenum">
               <a:rPr lang="pt-BR" smtClean="0"/>
-              <a:t>‹nº›</a:t>
+              <a:t>‹#›</a:t>
             </a:fld>
             <a:endParaRPr lang="pt-BR"/>
           </a:p>
@@ -7889,7 +7889,7 @@
           <a:p>
             <a:fld id="{63289F7E-B80B-496E-81B4-D396C37C9454}" type="datetimeFigureOut">
               <a:rPr lang="pt-BR" smtClean="0"/>
-              <a:t>17/08/2024</a:t>
+              <a:t>14/02/2025</a:t>
             </a:fld>
             <a:endParaRPr lang="pt-BR"/>
           </a:p>
@@ -7943,7 +7943,7 @@
           <a:p>
             <a:fld id="{1A7E88B7-70CE-4035-AE73-13FA6FB985D4}" type="slidenum">
               <a:rPr lang="pt-BR" smtClean="0"/>
-              <a:t>‹nº›</a:t>
+              <a:t>‹#›</a:t>
             </a:fld>
             <a:endParaRPr lang="pt-BR"/>
           </a:p>
@@ -8177,7 +8177,7 @@
           <a:p>
             <a:fld id="{63289F7E-B80B-496E-81B4-D396C37C9454}" type="datetimeFigureOut">
               <a:rPr lang="pt-BR" smtClean="0"/>
-              <a:t>17/08/2024</a:t>
+              <a:t>14/02/2025</a:t>
             </a:fld>
             <a:endParaRPr lang="pt-BR"/>
           </a:p>
@@ -8231,7 +8231,7 @@
           <a:p>
             <a:fld id="{1A7E88B7-70CE-4035-AE73-13FA6FB985D4}" type="slidenum">
               <a:rPr lang="pt-BR" smtClean="0"/>
-              <a:t>‹nº›</a:t>
+              <a:t>‹#›</a:t>
             </a:fld>
             <a:endParaRPr lang="pt-BR"/>
           </a:p>
@@ -8418,7 +8418,7 @@
           <a:p>
             <a:fld id="{63289F7E-B80B-496E-81B4-D396C37C9454}" type="datetimeFigureOut">
               <a:rPr lang="pt-BR" smtClean="0"/>
-              <a:t>17/08/2024</a:t>
+              <a:t>14/02/2025</a:t>
             </a:fld>
             <a:endParaRPr lang="pt-BR"/>
           </a:p>
@@ -8508,7 +8508,7 @@
           <a:p>
             <a:fld id="{1A7E88B7-70CE-4035-AE73-13FA6FB985D4}" type="slidenum">
               <a:rPr lang="pt-BR" smtClean="0"/>
-              <a:t>‹nº›</a:t>
+              <a:t>‹#›</a:t>
             </a:fld>
             <a:endParaRPr lang="pt-BR"/>
           </a:p>
@@ -18971,8 +18971,8 @@
           </a:p>
         </p:txBody>
       </p:sp>
-      <mc:AlternateContent xmlns:mc="http://schemas.openxmlformats.org/markup-compatibility/2006">
-        <mc:Choice xmlns:a14="http://schemas.microsoft.com/office/drawing/2010/main" Requires="a14">
+      <mc:AlternateContent xmlns:mc="http://schemas.openxmlformats.org/markup-compatibility/2006" xmlns:a14="http://schemas.microsoft.com/office/drawing/2010/main">
+        <mc:Choice Requires="a14">
           <p:sp>
             <p:nvSpPr>
               <p:cNvPr id="3" name="Content Placeholder 2"/>
@@ -19207,7 +19207,7 @@
             </p:txBody>
           </p:sp>
         </mc:Choice>
-        <mc:Fallback>
+        <mc:Fallback xmlns="">
           <p:sp>
             <p:nvSpPr>
               <p:cNvPr id="3" name="Content Placeholder 2"/>
@@ -23891,8 +23891,8 @@
           </a:p>
         </p:txBody>
       </p:sp>
-      <mc:AlternateContent xmlns:mc="http://schemas.openxmlformats.org/markup-compatibility/2006" xmlns:a14="http://schemas.microsoft.com/office/drawing/2010/main">
-        <mc:Choice Requires="a14">
+      <mc:AlternateContent xmlns:mc="http://schemas.openxmlformats.org/markup-compatibility/2006">
+        <mc:Choice xmlns:a14="http://schemas.microsoft.com/office/drawing/2010/main" Requires="a14">
           <p:sp>
             <p:nvSpPr>
               <p:cNvPr id="3" name="Content Placeholder 2"/>
@@ -24009,7 +24009,7 @@
                 </a:r>
                 <a:r>
                   <a:rPr lang="pt-BR" dirty="0"/>
-                  <a:t>no valor de uma </a:t>
+                  <a:t>no valor de </a:t>
                 </a:r>
                 <a:r>
                   <a:rPr lang="pt-BR" b="1" i="1" dirty="0">
@@ -24017,15 +24017,15 @@
                       <a:srgbClr val="00B050"/>
                     </a:solidFill>
                   </a:rPr>
-                  <a:t>combinação linear dos atributos em relação aos pesos</a:t>
+                  <a:t>combinações lineares dos atributos em relação aos pesos</a:t>
                 </a:r>
                 <a:r>
                   <a:rPr lang="pt-BR" dirty="0"/>
-                  <a:t>, ou seja, na saída de uma </a:t>
+                  <a:t>, ou seja, na saída de uma ou mais </a:t>
                 </a:r>
                 <a:r>
                   <a:rPr lang="pt-BR" b="1" i="1" dirty="0"/>
-                  <a:t>função discriminante</a:t>
+                  <a:t>funções discriminantes</a:t>
                 </a:r>
                 <a:r>
                   <a:rPr lang="pt-BR" dirty="0"/>
@@ -24033,7 +24033,7 @@
                 </a:r>
                 <a:r>
                   <a:rPr lang="pt-BR" b="1" i="1" dirty="0"/>
-                  <a:t>linear</a:t>
+                  <a:t>lineares</a:t>
                 </a:r>
                 <a:r>
                   <a:rPr lang="pt-BR" dirty="0"/>
@@ -24043,7 +24043,7 @@
             </p:txBody>
           </p:sp>
         </mc:Choice>
-        <mc:Fallback xmlns="">
+        <mc:Fallback>
           <p:sp>
             <p:nvSpPr>
               <p:cNvPr id="3" name="Content Placeholder 2"/>
@@ -24071,7 +24071,7 @@
               <a:lstStyle/>
               <a:p>
                 <a:r>
-                  <a:rPr lang="pt-BR">
+                  <a:rPr lang="en-US">
                     <a:noFill/>
                   </a:rPr>
                   <a:t> </a:t>
@@ -29087,8 +29087,8 @@
           </a:p>
         </p:txBody>
       </p:sp>
-      <mc:AlternateContent xmlns:mc="http://schemas.openxmlformats.org/markup-compatibility/2006" xmlns:a14="http://schemas.microsoft.com/office/drawing/2010/main">
-        <mc:Choice Requires="a14">
+      <mc:AlternateContent xmlns:mc="http://schemas.openxmlformats.org/markup-compatibility/2006">
+        <mc:Choice xmlns:a14="http://schemas.microsoft.com/office/drawing/2010/main" Requires="a14">
           <p:sp>
             <p:nvSpPr>
               <p:cNvPr id="3" name="Espaço Reservado para Conteúdo 2">
@@ -29151,7 +29151,23 @@
                       <a:schemeClr val="tx1"/>
                     </a:solidFill>
                   </a:rPr>
-                  <a:t>transformações não-lineares aos atributos originais</a:t>
+                  <a:t>transformações não-lineares aos </a:t>
+                </a:r>
+                <a:r>
+                  <a:rPr lang="pt-BR" b="1" i="1" dirty="0">
+                    <a:solidFill>
+                      <a:srgbClr val="0070C0"/>
+                    </a:solidFill>
+                  </a:rPr>
+                  <a:t>atributos</a:t>
+                </a:r>
+                <a:r>
+                  <a:rPr lang="pt-BR" b="1" i="1" dirty="0">
+                    <a:solidFill>
+                      <a:schemeClr val="tx1"/>
+                    </a:solidFill>
+                  </a:rPr>
+                  <a:t> originais</a:t>
                 </a:r>
                 <a:r>
                   <a:rPr lang="pt-BR" dirty="0">
@@ -30255,7 +30271,7 @@
             </p:txBody>
           </p:sp>
         </mc:Choice>
-        <mc:Fallback xmlns="">
+        <mc:Fallback>
           <p:sp>
             <p:nvSpPr>
               <p:cNvPr id="3" name="Espaço Reservado para Conteúdo 2">
@@ -30289,7 +30305,7 @@
               <a:lstStyle/>
               <a:p>
                 <a:r>
-                  <a:rPr lang="pt-BR">
+                  <a:rPr lang="en-US">
                     <a:noFill/>
                   </a:rPr>
                   <a:t> </a:t>

--- a/slides/T320_Classificação (Parte II).pptx
+++ b/slides/T320_Classificação (Parte II).pptx
@@ -5,10 +5,10 @@
     <p:sldMasterId id="2147483648" r:id="rId1"/>
   </p:sldMasterIdLst>
   <p:notesMasterIdLst>
-    <p:notesMasterId r:id="rId30"/>
+    <p:notesMasterId r:id="rId31"/>
   </p:notesMasterIdLst>
   <p:handoutMasterIdLst>
-    <p:handoutMasterId r:id="rId31"/>
+    <p:handoutMasterId r:id="rId32"/>
   </p:handoutMasterIdLst>
   <p:sldIdLst>
     <p:sldId id="256" r:id="rId2"/>
@@ -34,11 +34,12 @@
     <p:sldId id="392" r:id="rId22"/>
     <p:sldId id="385" r:id="rId23"/>
     <p:sldId id="387" r:id="rId24"/>
-    <p:sldId id="389" r:id="rId25"/>
-    <p:sldId id="386" r:id="rId26"/>
-    <p:sldId id="324" r:id="rId27"/>
-    <p:sldId id="306" r:id="rId28"/>
-    <p:sldId id="367" r:id="rId29"/>
+    <p:sldId id="393" r:id="rId25"/>
+    <p:sldId id="389" r:id="rId26"/>
+    <p:sldId id="386" r:id="rId27"/>
+    <p:sldId id="324" r:id="rId28"/>
+    <p:sldId id="306" r:id="rId29"/>
+    <p:sldId id="367" r:id="rId30"/>
   </p:sldIdLst>
   <p:sldSz cx="12192000" cy="6858000"/>
   <p:notesSz cx="7315200" cy="9601200"/>
@@ -302,7 +303,7 @@
           <a:p>
             <a:fld id="{144F1436-6906-4D93-B7A2-786C327BFA14}" type="datetimeFigureOut">
               <a:rPr lang="nl-BE" smtClean="0"/>
-              <a:t>14/02/2025</a:t>
+              <a:t>22/02/2025</a:t>
             </a:fld>
             <a:endParaRPr lang="nl-BE"/>
           </a:p>
@@ -467,7 +468,7 @@
           <a:p>
             <a:fld id="{AA8CD09E-2914-4F47-B6C1-51B2C31814C9}" type="datetimeFigureOut">
               <a:rPr lang="pt-BR" smtClean="0"/>
-              <a:t>14/02/2025</a:t>
+              <a:t>22/02/2025</a:t>
             </a:fld>
             <a:endParaRPr lang="pt-BR"/>
           </a:p>
@@ -4361,6 +4362,114 @@
   <p:cSld>
     <p:spTree>
       <p:nvGrpSpPr>
+        <p:cNvPr id="1" name="">
+          <a:extLst>
+            <a:ext uri="{FF2B5EF4-FFF2-40B4-BE49-F238E27FC236}">
+              <a16:creationId xmlns:a16="http://schemas.microsoft.com/office/drawing/2014/main" id="{1BFBDC55-BB4D-2F06-71BF-76ED1A14AFED}"/>
+            </a:ext>
+          </a:extLst>
+        </p:cNvPr>
+        <p:cNvGrpSpPr/>
+        <p:nvPr/>
+      </p:nvGrpSpPr>
+      <p:grpSpPr>
+        <a:xfrm>
+          <a:off x="0" y="0"/>
+          <a:ext cx="0" cy="0"/>
+          <a:chOff x="0" y="0"/>
+          <a:chExt cx="0" cy="0"/>
+        </a:xfrm>
+      </p:grpSpPr>
+      <p:sp>
+        <p:nvSpPr>
+          <p:cNvPr id="2" name="Espaço Reservado para Imagem de Slide 1">
+            <a:extLst>
+              <a:ext uri="{FF2B5EF4-FFF2-40B4-BE49-F238E27FC236}">
+                <a16:creationId xmlns:a16="http://schemas.microsoft.com/office/drawing/2014/main" id="{13FDBDE3-54FF-D34A-6455-B4D01E3B3A99}"/>
+              </a:ext>
+            </a:extLst>
+          </p:cNvPr>
+          <p:cNvSpPr>
+            <a:spLocks noGrp="1" noRot="1" noChangeAspect="1"/>
+          </p:cNvSpPr>
+          <p:nvPr>
+            <p:ph type="sldImg"/>
+          </p:nvPr>
+        </p:nvSpPr>
+        <p:spPr/>
+      </p:sp>
+      <p:sp>
+        <p:nvSpPr>
+          <p:cNvPr id="3" name="Espaço Reservado para Anotações 2">
+            <a:extLst>
+              <a:ext uri="{FF2B5EF4-FFF2-40B4-BE49-F238E27FC236}">
+                <a16:creationId xmlns:a16="http://schemas.microsoft.com/office/drawing/2014/main" id="{B159710A-028C-37C9-8B04-776EB9E8B78A}"/>
+              </a:ext>
+            </a:extLst>
+          </p:cNvPr>
+          <p:cNvSpPr>
+            <a:spLocks noGrp="1"/>
+          </p:cNvSpPr>
+          <p:nvPr>
+            <p:ph type="body" idx="1"/>
+          </p:nvPr>
+        </p:nvSpPr>
+        <p:spPr/>
+        <p:txBody>
+          <a:bodyPr/>
+          <a:lstStyle/>
+          <a:p>
+            <a:endParaRPr lang="pt-BR" dirty="0"/>
+          </a:p>
+        </p:txBody>
+      </p:sp>
+      <p:sp>
+        <p:nvSpPr>
+          <p:cNvPr id="4" name="Espaço Reservado para Número de Slide 3">
+            <a:extLst>
+              <a:ext uri="{FF2B5EF4-FFF2-40B4-BE49-F238E27FC236}">
+                <a16:creationId xmlns:a16="http://schemas.microsoft.com/office/drawing/2014/main" id="{697E3764-6735-3BB1-4FF7-5946552F4788}"/>
+              </a:ext>
+            </a:extLst>
+          </p:cNvPr>
+          <p:cNvSpPr>
+            <a:spLocks noGrp="1"/>
+          </p:cNvSpPr>
+          <p:nvPr>
+            <p:ph type="sldNum" sz="quarter" idx="5"/>
+          </p:nvPr>
+        </p:nvSpPr>
+        <p:spPr/>
+        <p:txBody>
+          <a:bodyPr/>
+          <a:lstStyle/>
+          <a:p>
+            <a:fld id="{6FC8D850-966F-45A6-8DE7-15B891E7D40D}" type="slidenum">
+              <a:rPr lang="pt-BR" smtClean="0"/>
+              <a:t>24</a:t>
+            </a:fld>
+            <a:endParaRPr lang="pt-BR"/>
+          </a:p>
+        </p:txBody>
+      </p:sp>
+    </p:spTree>
+    <p:extLst>
+      <p:ext uri="{BB962C8B-B14F-4D97-AF65-F5344CB8AC3E}">
+        <p14:creationId xmlns:p14="http://schemas.microsoft.com/office/powerpoint/2010/main" val="455318536"/>
+      </p:ext>
+    </p:extLst>
+  </p:cSld>
+  <p:clrMapOvr>
+    <a:masterClrMapping/>
+  </p:clrMapOvr>
+</p:notes>
+</file>
+
+<file path=ppt/notesSlides/notesSlide19.xml><?xml version="1.0" encoding="utf-8"?>
+<p:notes xmlns:a="http://schemas.openxmlformats.org/drawingml/2006/main" xmlns:r="http://schemas.openxmlformats.org/officeDocument/2006/relationships" xmlns:p="http://schemas.openxmlformats.org/presentationml/2006/main">
+  <p:cSld>
+    <p:spTree>
+      <p:nvGrpSpPr>
         <p:cNvPr id="1" name=""/>
         <p:cNvGrpSpPr/>
         <p:nvPr/>
@@ -4421,7 +4530,7 @@
           <a:p>
             <a:fld id="{6FC8D850-966F-45A6-8DE7-15B891E7D40D}" type="slidenum">
               <a:rPr lang="pt-BR" smtClean="0"/>
-              <a:t>24</a:t>
+              <a:t>25</a:t>
             </a:fld>
             <a:endParaRPr lang="pt-BR"/>
           </a:p>
@@ -4440,7 +4549,115 @@
 </p:notes>
 </file>
 
-<file path=ppt/notesSlides/notesSlide19.xml><?xml version="1.0" encoding="utf-8"?>
+<file path=ppt/notesSlides/notesSlide2.xml><?xml version="1.0" encoding="utf-8"?>
+<p:notes xmlns:a="http://schemas.openxmlformats.org/drawingml/2006/main" xmlns:r="http://schemas.openxmlformats.org/officeDocument/2006/relationships" xmlns:p="http://schemas.openxmlformats.org/presentationml/2006/main">
+  <p:cSld>
+    <p:spTree>
+      <p:nvGrpSpPr>
+        <p:cNvPr id="1" name=""/>
+        <p:cNvGrpSpPr/>
+        <p:nvPr/>
+      </p:nvGrpSpPr>
+      <p:grpSpPr>
+        <a:xfrm>
+          <a:off x="0" y="0"/>
+          <a:ext cx="0" cy="0"/>
+          <a:chOff x="0" y="0"/>
+          <a:chExt cx="0" cy="0"/>
+        </a:xfrm>
+      </p:grpSpPr>
+      <p:sp>
+        <p:nvSpPr>
+          <p:cNvPr id="2" name="Slide Image Placeholder 1"/>
+          <p:cNvSpPr>
+            <a:spLocks noGrp="1" noRot="1" noChangeAspect="1"/>
+          </p:cNvSpPr>
+          <p:nvPr>
+            <p:ph type="sldImg"/>
+          </p:nvPr>
+        </p:nvSpPr>
+        <p:spPr/>
+      </p:sp>
+      <p:sp>
+        <p:nvSpPr>
+          <p:cNvPr id="3" name="Notes Placeholder 2"/>
+          <p:cNvSpPr>
+            <a:spLocks noGrp="1"/>
+          </p:cNvSpPr>
+          <p:nvPr>
+            <p:ph type="body" idx="1"/>
+          </p:nvPr>
+        </p:nvSpPr>
+        <p:spPr/>
+        <p:txBody>
+          <a:bodyPr/>
+          <a:lstStyle/>
+          <a:p>
+            <a:r>
+              <a:rPr lang="pt-BR" b="1" i="1" dirty="0"/>
+              <a:t>Classificadores lineares </a:t>
+            </a:r>
+            <a:r>
+              <a:rPr lang="pt-BR" dirty="0"/>
+              <a:t>sãos frequentemente usados em situações em que a velocidade da classificação é um problema, pois ele geralmente é o classificador mais rápido. Lembre-se que a classificação envolve apenas um produto escalar e um mapeamento.</a:t>
+            </a:r>
+          </a:p>
+          <a:p>
+            <a:endParaRPr lang="pt-BR" dirty="0"/>
+          </a:p>
+          <a:p>
+            <a:r>
+              <a:rPr lang="pt-BR" dirty="0"/>
+              <a:t>Além disso, os </a:t>
+            </a:r>
+            <a:r>
+              <a:rPr lang="pt-BR" b="1" i="1" dirty="0"/>
+              <a:t>classificadores lineares </a:t>
+            </a:r>
+            <a:r>
+              <a:rPr lang="pt-BR" dirty="0"/>
+              <a:t>geralmente funcionam muito bem quando o número de atributos é grande, como no caso da classificação de documentos (milhares de palavras, por exemplo).</a:t>
+            </a:r>
+          </a:p>
+        </p:txBody>
+      </p:sp>
+      <p:sp>
+        <p:nvSpPr>
+          <p:cNvPr id="4" name="Slide Number Placeholder 3"/>
+          <p:cNvSpPr>
+            <a:spLocks noGrp="1"/>
+          </p:cNvSpPr>
+          <p:nvPr>
+            <p:ph type="sldNum" sz="quarter" idx="10"/>
+          </p:nvPr>
+        </p:nvSpPr>
+        <p:spPr/>
+        <p:txBody>
+          <a:bodyPr/>
+          <a:lstStyle/>
+          <a:p>
+            <a:fld id="{6FC8D850-966F-45A6-8DE7-15B891E7D40D}" type="slidenum">
+              <a:rPr lang="pt-BR" smtClean="0"/>
+              <a:t>3</a:t>
+            </a:fld>
+            <a:endParaRPr lang="pt-BR"/>
+          </a:p>
+        </p:txBody>
+      </p:sp>
+    </p:spTree>
+    <p:extLst>
+      <p:ext uri="{BB962C8B-B14F-4D97-AF65-F5344CB8AC3E}">
+        <p14:creationId xmlns:p14="http://schemas.microsoft.com/office/powerpoint/2010/main" val="3931943674"/>
+      </p:ext>
+    </p:extLst>
+  </p:cSld>
+  <p:clrMapOvr>
+    <a:masterClrMapping/>
+  </p:clrMapOvr>
+</p:notes>
+</file>
+
+<file path=ppt/notesSlides/notesSlide20.xml><?xml version="1.0" encoding="utf-8"?>
 <p:notes xmlns:a="http://schemas.openxmlformats.org/drawingml/2006/main" xmlns:r="http://schemas.openxmlformats.org/officeDocument/2006/relationships" xmlns:p="http://schemas.openxmlformats.org/presentationml/2006/main">
   <p:cSld>
     <p:spTree>
@@ -4558,7 +4775,7 @@
           <a:p>
             <a:fld id="{6FC8D850-966F-45A6-8DE7-15B891E7D40D}" type="slidenum">
               <a:rPr lang="pt-BR" smtClean="0"/>
-              <a:t>25</a:t>
+              <a:t>26</a:t>
             </a:fld>
             <a:endParaRPr lang="pt-BR"/>
           </a:p>
@@ -4577,7 +4794,7 @@
 </p:notes>
 </file>
 
-<file path=ppt/notesSlides/notesSlide2.xml><?xml version="1.0" encoding="utf-8"?>
+<file path=ppt/notesSlides/notesSlide21.xml><?xml version="1.0" encoding="utf-8"?>
 <p:notes xmlns:a="http://schemas.openxmlformats.org/drawingml/2006/main" xmlns:r="http://schemas.openxmlformats.org/officeDocument/2006/relationships" xmlns:p="http://schemas.openxmlformats.org/presentationml/2006/main">
   <p:cSld>
     <p:spTree>
@@ -4622,114 +4839,6 @@
           <a:lstStyle/>
           <a:p>
             <a:r>
-              <a:rPr lang="pt-BR" b="1" i="1" dirty="0"/>
-              <a:t>Classificadores lineares </a:t>
-            </a:r>
-            <a:r>
-              <a:rPr lang="pt-BR" dirty="0"/>
-              <a:t>sãos frequentemente usados em situações em que a velocidade da classificação é um problema, pois ele geralmente é o classificador mais rápido. Lembre-se que a classificação envolve apenas um produto escalar e um mapeamento.</a:t>
-            </a:r>
-          </a:p>
-          <a:p>
-            <a:endParaRPr lang="pt-BR" dirty="0"/>
-          </a:p>
-          <a:p>
-            <a:r>
-              <a:rPr lang="pt-BR" dirty="0"/>
-              <a:t>Além disso, os </a:t>
-            </a:r>
-            <a:r>
-              <a:rPr lang="pt-BR" b="1" i="1" dirty="0"/>
-              <a:t>classificadores lineares </a:t>
-            </a:r>
-            <a:r>
-              <a:rPr lang="pt-BR" dirty="0"/>
-              <a:t>geralmente funcionam muito bem quando o número de atributos é grande, como no caso da classificação de documentos (milhares de palavras, por exemplo).</a:t>
-            </a:r>
-          </a:p>
-        </p:txBody>
-      </p:sp>
-      <p:sp>
-        <p:nvSpPr>
-          <p:cNvPr id="4" name="Slide Number Placeholder 3"/>
-          <p:cNvSpPr>
-            <a:spLocks noGrp="1"/>
-          </p:cNvSpPr>
-          <p:nvPr>
-            <p:ph type="sldNum" sz="quarter" idx="10"/>
-          </p:nvPr>
-        </p:nvSpPr>
-        <p:spPr/>
-        <p:txBody>
-          <a:bodyPr/>
-          <a:lstStyle/>
-          <a:p>
-            <a:fld id="{6FC8D850-966F-45A6-8DE7-15B891E7D40D}" type="slidenum">
-              <a:rPr lang="pt-BR" smtClean="0"/>
-              <a:t>3</a:t>
-            </a:fld>
-            <a:endParaRPr lang="pt-BR"/>
-          </a:p>
-        </p:txBody>
-      </p:sp>
-    </p:spTree>
-    <p:extLst>
-      <p:ext uri="{BB962C8B-B14F-4D97-AF65-F5344CB8AC3E}">
-        <p14:creationId xmlns:p14="http://schemas.microsoft.com/office/powerpoint/2010/main" val="3931943674"/>
-      </p:ext>
-    </p:extLst>
-  </p:cSld>
-  <p:clrMapOvr>
-    <a:masterClrMapping/>
-  </p:clrMapOvr>
-</p:notes>
-</file>
-
-<file path=ppt/notesSlides/notesSlide20.xml><?xml version="1.0" encoding="utf-8"?>
-<p:notes xmlns:a="http://schemas.openxmlformats.org/drawingml/2006/main" xmlns:r="http://schemas.openxmlformats.org/officeDocument/2006/relationships" xmlns:p="http://schemas.openxmlformats.org/presentationml/2006/main">
-  <p:cSld>
-    <p:spTree>
-      <p:nvGrpSpPr>
-        <p:cNvPr id="1" name=""/>
-        <p:cNvGrpSpPr/>
-        <p:nvPr/>
-      </p:nvGrpSpPr>
-      <p:grpSpPr>
-        <a:xfrm>
-          <a:off x="0" y="0"/>
-          <a:ext cx="0" cy="0"/>
-          <a:chOff x="0" y="0"/>
-          <a:chExt cx="0" cy="0"/>
-        </a:xfrm>
-      </p:grpSpPr>
-      <p:sp>
-        <p:nvSpPr>
-          <p:cNvPr id="2" name="Slide Image Placeholder 1"/>
-          <p:cNvSpPr>
-            <a:spLocks noGrp="1" noRot="1" noChangeAspect="1"/>
-          </p:cNvSpPr>
-          <p:nvPr>
-            <p:ph type="sldImg"/>
-          </p:nvPr>
-        </p:nvSpPr>
-        <p:spPr/>
-      </p:sp>
-      <p:sp>
-        <p:nvSpPr>
-          <p:cNvPr id="3" name="Notes Placeholder 2"/>
-          <p:cNvSpPr>
-            <a:spLocks noGrp="1"/>
-          </p:cNvSpPr>
-          <p:nvPr>
-            <p:ph type="body" idx="1"/>
-          </p:nvPr>
-        </p:nvSpPr>
-        <p:spPr/>
-        <p:txBody>
-          <a:bodyPr/>
-          <a:lstStyle/>
-          <a:p>
-            <a:r>
               <a:rPr lang="pt-BR" sz="1200" b="1" dirty="0"/>
               <a:t>Laboratório #2</a:t>
             </a:r>
@@ -4760,7 +4869,7 @@
           <a:p>
             <a:fld id="{6FC8D850-966F-45A6-8DE7-15B891E7D40D}" type="slidenum">
               <a:rPr lang="pt-BR" smtClean="0"/>
-              <a:t>26</a:t>
+              <a:t>27</a:t>
             </a:fld>
             <a:endParaRPr lang="pt-BR"/>
           </a:p>
@@ -5768,7 +5877,7 @@
           <a:p>
             <a:fld id="{63289F7E-B80B-496E-81B4-D396C37C9454}" type="datetimeFigureOut">
               <a:rPr lang="pt-BR" smtClean="0"/>
-              <a:t>14/02/2025</a:t>
+              <a:t>22/02/2025</a:t>
             </a:fld>
             <a:endParaRPr lang="pt-BR"/>
           </a:p>
@@ -5966,7 +6075,7 @@
           <a:p>
             <a:fld id="{63289F7E-B80B-496E-81B4-D396C37C9454}" type="datetimeFigureOut">
               <a:rPr lang="pt-BR" smtClean="0"/>
-              <a:t>14/02/2025</a:t>
+              <a:t>22/02/2025</a:t>
             </a:fld>
             <a:endParaRPr lang="pt-BR"/>
           </a:p>
@@ -6174,7 +6283,7 @@
           <a:p>
             <a:fld id="{63289F7E-B80B-496E-81B4-D396C37C9454}" type="datetimeFigureOut">
               <a:rPr lang="pt-BR" smtClean="0"/>
-              <a:t>14/02/2025</a:t>
+              <a:t>22/02/2025</a:t>
             </a:fld>
             <a:endParaRPr lang="pt-BR"/>
           </a:p>
@@ -6372,7 +6481,7 @@
           <a:p>
             <a:fld id="{63289F7E-B80B-496E-81B4-D396C37C9454}" type="datetimeFigureOut">
               <a:rPr lang="pt-BR" smtClean="0"/>
-              <a:t>14/02/2025</a:t>
+              <a:t>22/02/2025</a:t>
             </a:fld>
             <a:endParaRPr lang="pt-BR"/>
           </a:p>
@@ -6647,7 +6756,7 @@
           <a:p>
             <a:fld id="{63289F7E-B80B-496E-81B4-D396C37C9454}" type="datetimeFigureOut">
               <a:rPr lang="pt-BR" smtClean="0"/>
-              <a:t>14/02/2025</a:t>
+              <a:t>22/02/2025</a:t>
             </a:fld>
             <a:endParaRPr lang="pt-BR"/>
           </a:p>
@@ -6912,7 +7021,7 @@
           <a:p>
             <a:fld id="{63289F7E-B80B-496E-81B4-D396C37C9454}" type="datetimeFigureOut">
               <a:rPr lang="pt-BR" smtClean="0"/>
-              <a:t>14/02/2025</a:t>
+              <a:t>22/02/2025</a:t>
             </a:fld>
             <a:endParaRPr lang="pt-BR"/>
           </a:p>
@@ -7324,7 +7433,7 @@
           <a:p>
             <a:fld id="{63289F7E-B80B-496E-81B4-D396C37C9454}" type="datetimeFigureOut">
               <a:rPr lang="pt-BR" smtClean="0"/>
-              <a:t>14/02/2025</a:t>
+              <a:t>22/02/2025</a:t>
             </a:fld>
             <a:endParaRPr lang="pt-BR"/>
           </a:p>
@@ -7465,7 +7574,7 @@
           <a:p>
             <a:fld id="{63289F7E-B80B-496E-81B4-D396C37C9454}" type="datetimeFigureOut">
               <a:rPr lang="pt-BR" smtClean="0"/>
-              <a:t>14/02/2025</a:t>
+              <a:t>22/02/2025</a:t>
             </a:fld>
             <a:endParaRPr lang="pt-BR"/>
           </a:p>
@@ -7578,7 +7687,7 @@
           <a:p>
             <a:fld id="{63289F7E-B80B-496E-81B4-D396C37C9454}" type="datetimeFigureOut">
               <a:rPr lang="pt-BR" smtClean="0"/>
-              <a:t>14/02/2025</a:t>
+              <a:t>22/02/2025</a:t>
             </a:fld>
             <a:endParaRPr lang="pt-BR"/>
           </a:p>
@@ -7889,7 +7998,7 @@
           <a:p>
             <a:fld id="{63289F7E-B80B-496E-81B4-D396C37C9454}" type="datetimeFigureOut">
               <a:rPr lang="pt-BR" smtClean="0"/>
-              <a:t>14/02/2025</a:t>
+              <a:t>22/02/2025</a:t>
             </a:fld>
             <a:endParaRPr lang="pt-BR"/>
           </a:p>
@@ -8177,7 +8286,7 @@
           <a:p>
             <a:fld id="{63289F7E-B80B-496E-81B4-D396C37C9454}" type="datetimeFigureOut">
               <a:rPr lang="pt-BR" smtClean="0"/>
-              <a:t>14/02/2025</a:t>
+              <a:t>22/02/2025</a:t>
             </a:fld>
             <a:endParaRPr lang="pt-BR"/>
           </a:p>
@@ -8418,7 +8527,7 @@
           <a:p>
             <a:fld id="{63289F7E-B80B-496E-81B4-D396C37C9454}" type="datetimeFigureOut">
               <a:rPr lang="pt-BR" smtClean="0"/>
-              <a:t>14/02/2025</a:t>
+              <a:t>22/02/2025</a:t>
             </a:fld>
             <a:endParaRPr lang="pt-BR"/>
           </a:p>
@@ -17459,8 +17568,8 @@
           </a:fontRef>
         </p:style>
       </p:cxnSp>
-      <mc:AlternateContent xmlns:mc="http://schemas.openxmlformats.org/markup-compatibility/2006" xmlns:a14="http://schemas.microsoft.com/office/drawing/2010/main">
-        <mc:Choice Requires="a14">
+      <mc:AlternateContent xmlns:mc="http://schemas.openxmlformats.org/markup-compatibility/2006">
+        <mc:Choice xmlns:a14="http://schemas.microsoft.com/office/drawing/2010/main" Requires="a14">
           <p:sp>
             <p:nvSpPr>
               <p:cNvPr id="16" name="CaixaDeTexto 15">
@@ -17533,13 +17642,13 @@
                 </a14:m>
                 <a:r>
                   <a:rPr lang="pt-BR" sz="1100" dirty="0"/>
-                  <a:t>evido a amostra vermelha</a:t>
+                  <a:t>evido à amostra vermelha</a:t>
                 </a:r>
               </a:p>
             </p:txBody>
           </p:sp>
         </mc:Choice>
-        <mc:Fallback xmlns="">
+        <mc:Fallback>
           <p:sp>
             <p:nvSpPr>
               <p:cNvPr id="16" name="CaixaDeTexto 15">
@@ -17574,7 +17683,7 @@
               <a:lstStyle/>
               <a:p>
                 <a:r>
-                  <a:rPr lang="pt-BR">
+                  <a:rPr lang="en-US">
                     <a:noFill/>
                   </a:rPr>
                   <a:t> </a:t>
@@ -17584,8 +17693,8 @@
           </p:sp>
         </mc:Fallback>
       </mc:AlternateContent>
-      <mc:AlternateContent xmlns:mc="http://schemas.openxmlformats.org/markup-compatibility/2006" xmlns:a14="http://schemas.microsoft.com/office/drawing/2010/main">
-        <mc:Choice Requires="a14">
+      <mc:AlternateContent xmlns:mc="http://schemas.openxmlformats.org/markup-compatibility/2006">
+        <mc:Choice xmlns:a14="http://schemas.microsoft.com/office/drawing/2010/main" Requires="a14">
           <p:sp>
             <p:nvSpPr>
               <p:cNvPr id="18" name="CaixaDeTexto 17">
@@ -17658,13 +17767,13 @@
                 </a14:m>
                 <a:r>
                   <a:rPr lang="pt-BR" sz="1100" dirty="0"/>
-                  <a:t>evido a amostra azul</a:t>
+                  <a:t>evido à amostra azul</a:t>
                 </a:r>
               </a:p>
             </p:txBody>
           </p:sp>
         </mc:Choice>
-        <mc:Fallback xmlns="">
+        <mc:Fallback>
           <p:sp>
             <p:nvSpPr>
               <p:cNvPr id="18" name="CaixaDeTexto 17">
@@ -17699,7 +17808,7 @@
               <a:lstStyle/>
               <a:p>
                 <a:r>
-                  <a:rPr lang="pt-BR">
+                  <a:rPr lang="en-US">
                     <a:noFill/>
                   </a:rPr>
                   <a:t> </a:t>
@@ -17767,8 +17876,8 @@
           </a:p>
         </p:txBody>
       </p:sp>
-      <mc:AlternateContent xmlns:mc="http://schemas.openxmlformats.org/markup-compatibility/2006" xmlns:a14="http://schemas.microsoft.com/office/drawing/2010/main">
-        <mc:Choice Requires="a14">
+      <mc:AlternateContent xmlns:mc="http://schemas.openxmlformats.org/markup-compatibility/2006">
+        <mc:Choice xmlns:a14="http://schemas.microsoft.com/office/drawing/2010/main" Requires="a14">
           <p:sp>
             <p:nvSpPr>
               <p:cNvPr id="3" name="Espaço Reservado para Conteúdo 2">
@@ -17814,7 +17923,7 @@
                 </a14:m>
                 <a:r>
                   <a:rPr lang="pt-BR" dirty="0"/>
-                  <a:t> decresce de acordo com as iterações de treinamento, então a regra tem uma chance de convergir para uma solução de erro mínimo quando os exemplos são apresentados de forma aleatória.</a:t>
+                  <a:t> decrescer de acordo com as iterações de treinamento, então a regra tem uma chance de convergir para uma solução de erro mínimo quando os exemplos são apresentados de forma aleatória.</a:t>
                 </a:r>
               </a:p>
               <a:p>
@@ -17864,7 +17973,7 @@
             </p:txBody>
           </p:sp>
         </mc:Choice>
-        <mc:Fallback xmlns="">
+        <mc:Fallback>
           <p:sp>
             <p:nvSpPr>
               <p:cNvPr id="3" name="Espaço Reservado para Conteúdo 2">
@@ -17898,7 +18007,7 @@
               <a:lstStyle/>
               <a:p>
                 <a:r>
-                  <a:rPr lang="pt-BR">
+                  <a:rPr lang="en-US">
                     <a:noFill/>
                   </a:rPr>
                   <a:t> </a:t>
@@ -18190,8 +18299,8 @@
           </a:p>
         </p:txBody>
       </p:sp>
-      <mc:AlternateContent xmlns:mc="http://schemas.openxmlformats.org/markup-compatibility/2006" xmlns:a14="http://schemas.microsoft.com/office/drawing/2010/main">
-        <mc:Choice Requires="a14">
+      <mc:AlternateContent xmlns:mc="http://schemas.openxmlformats.org/markup-compatibility/2006">
+        <mc:Choice xmlns:a14="http://schemas.microsoft.com/office/drawing/2010/main" Requires="a14">
           <p:sp>
             <p:nvSpPr>
               <p:cNvPr id="3" name="Content Placeholder 2"/>
@@ -18204,8 +18313,8 @@
             </p:nvSpPr>
             <p:spPr>
               <a:xfrm>
-                <a:off x="5245847" y="1825624"/>
-                <a:ext cx="6795732" cy="5032376"/>
+                <a:off x="5138805" y="1825624"/>
+                <a:ext cx="6902774" cy="5032376"/>
               </a:xfrm>
             </p:spPr>
             <p:txBody>
@@ -18334,124 +18443,15 @@
                 </a:r>
               </a:p>
               <a:p>
-                <a:r>
-                  <a:rPr lang="pt-BR" dirty="0"/>
-                  <a:t>Exemplos </a:t>
-                </a:r>
-                <a:r>
-                  <a:rPr lang="pt-BR" b="1" i="1" dirty="0">
-                    <a:solidFill>
-                      <a:srgbClr val="00B050"/>
-                    </a:solidFill>
-                  </a:rPr>
-                  <a:t>mais distantes da fronteira </a:t>
-                </a:r>
-                <a:r>
-                  <a:rPr lang="pt-BR" dirty="0"/>
-                  <a:t>têm uma </a:t>
-                </a:r>
-                <a:r>
-                  <a:rPr lang="pt-BR" b="1" i="1" dirty="0">
-                    <a:solidFill>
-                      <a:srgbClr val="00B050"/>
-                    </a:solidFill>
-                  </a:rPr>
-                  <a:t>probabilidade</a:t>
-                </a:r>
-                <a:r>
-                  <a:rPr lang="pt-BR" dirty="0"/>
-                  <a:t> </a:t>
-                </a:r>
-                <a:r>
-                  <a:rPr lang="pt-BR" b="1" i="1" dirty="0">
-                    <a:solidFill>
-                      <a:srgbClr val="00B050"/>
-                    </a:solidFill>
-                  </a:rPr>
-                  <a:t>maior</a:t>
-                </a:r>
-                <a:r>
-                  <a:rPr lang="pt-BR" dirty="0"/>
-                  <a:t> de </a:t>
-                </a:r>
-                <a:r>
-                  <a:rPr lang="pt-BR" b="1" i="1" dirty="0">
-                    <a:solidFill>
-                      <a:srgbClr val="7030A0"/>
-                    </a:solidFill>
-                  </a:rPr>
-                  <a:t>realmente</a:t>
-                </a:r>
-                <a:r>
-                  <a:rPr lang="pt-BR" dirty="0"/>
-                  <a:t> </a:t>
-                </a:r>
-                <a:r>
-                  <a:rPr lang="pt-BR" b="1" i="1" dirty="0">
-                    <a:solidFill>
-                      <a:srgbClr val="00B050"/>
-                    </a:solidFill>
-                  </a:rPr>
-                  <a:t>pertencerem à classe da região onde se encontram e não serem </a:t>
-                </a:r>
-                <a:r>
-                  <a:rPr lang="pt-BR" b="1" i="1" dirty="0">
-                    <a:solidFill>
-                      <a:srgbClr val="7030A0"/>
-                    </a:solidFill>
-                  </a:rPr>
-                  <a:t>outliers</a:t>
-                </a:r>
-                <a:r>
-                  <a:rPr lang="pt-BR" dirty="0"/>
-                  <a:t>.</a:t>
-                </a:r>
-              </a:p>
-              <a:p>
-                <a:pPr lvl="1">
-                  <a:buFont typeface="Wingdings" panose="05000000000000000000" pitchFamily="2" charset="2"/>
-                  <a:buChar char="§"/>
+                <a:pPr marL="0" indent="0">
+                  <a:buNone/>
                 </a:pPr>
-                <a:r>
-                  <a:rPr lang="pt-BR" dirty="0"/>
-                  <a:t>Quanto maior o valor absoluto de </a:t>
-                </a:r>
-                <a14:m>
-                  <m:oMath xmlns:m="http://schemas.openxmlformats.org/officeDocument/2006/math">
-                    <m:r>
-                      <a:rPr lang="pt-BR" i="1" smtClean="0">
-                        <a:latin typeface="Cambria Math" panose="02040503050406030204" pitchFamily="18" charset="0"/>
-                      </a:rPr>
-                      <m:t>𝑔</m:t>
-                    </m:r>
-                    <m:d>
-                      <m:dPr>
-                        <m:ctrlPr>
-                          <a:rPr lang="pt-BR" i="1">
-                            <a:latin typeface="Cambria Math" panose="02040503050406030204" pitchFamily="18" charset="0"/>
-                          </a:rPr>
-                        </m:ctrlPr>
-                      </m:dPr>
-                      <m:e>
-                        <m:r>
-                          <a:rPr lang="pt-BR" b="1" i="1">
-                            <a:latin typeface="Cambria Math" panose="02040503050406030204" pitchFamily="18" charset="0"/>
-                          </a:rPr>
-                          <m:t>𝒙</m:t>
-                        </m:r>
-                      </m:e>
-                    </m:d>
-                  </m:oMath>
-                </a14:m>
-                <a:r>
-                  <a:rPr lang="pt-BR" dirty="0"/>
-                  <a:t>, mais distante da fronteira está o exemplo.</a:t>
-                </a:r>
+                <a:endParaRPr lang="pt-BR" dirty="0"/>
               </a:p>
             </p:txBody>
           </p:sp>
         </mc:Choice>
-        <mc:Fallback xmlns="">
+        <mc:Fallback>
           <p:sp>
             <p:nvSpPr>
               <p:cNvPr id="3" name="Content Placeholder 2"/>
@@ -18464,13 +18464,13 @@
             </p:nvSpPr>
             <p:spPr>
               <a:xfrm>
-                <a:off x="5245847" y="1825624"/>
-                <a:ext cx="6795732" cy="5032376"/>
+                <a:off x="5138805" y="1825624"/>
+                <a:ext cx="6902774" cy="5032376"/>
               </a:xfrm>
               <a:blipFill>
                 <a:blip r:embed="rId3"/>
                 <a:stretch>
-                  <a:fillRect l="-1616" t="-1937" r="-2693"/>
+                  <a:fillRect l="-1590" t="-1937" r="-1060"/>
                 </a:stretch>
               </a:blipFill>
             </p:spPr>
@@ -18479,7 +18479,7 @@
               <a:lstStyle/>
               <a:p>
                 <a:r>
-                  <a:rPr lang="pt-BR">
+                  <a:rPr lang="en-US">
                     <a:noFill/>
                   </a:rPr>
                   <a:t> </a:t>
@@ -18937,6 +18937,691 @@
   <p:cSld>
     <p:spTree>
       <p:nvGrpSpPr>
+        <p:cNvPr id="1" name="">
+          <a:extLst>
+            <a:ext uri="{FF2B5EF4-FFF2-40B4-BE49-F238E27FC236}">
+              <a16:creationId xmlns:a16="http://schemas.microsoft.com/office/drawing/2014/main" id="{CD6791E6-EFE7-E1D0-A05B-6A033903D8B9}"/>
+            </a:ext>
+          </a:extLst>
+        </p:cNvPr>
+        <p:cNvGrpSpPr/>
+        <p:nvPr/>
+      </p:nvGrpSpPr>
+      <p:grpSpPr>
+        <a:xfrm>
+          <a:off x="0" y="0"/>
+          <a:ext cx="0" cy="0"/>
+          <a:chOff x="0" y="0"/>
+          <a:chExt cx="0" cy="0"/>
+        </a:xfrm>
+      </p:grpSpPr>
+      <p:sp>
+        <p:nvSpPr>
+          <p:cNvPr id="2" name="Title 1">
+            <a:extLst>
+              <a:ext uri="{FF2B5EF4-FFF2-40B4-BE49-F238E27FC236}">
+                <a16:creationId xmlns:a16="http://schemas.microsoft.com/office/drawing/2014/main" id="{F647D7A8-0C38-A228-6137-93F608F4D4C0}"/>
+              </a:ext>
+            </a:extLst>
+          </p:cNvPr>
+          <p:cNvSpPr>
+            <a:spLocks noGrp="1"/>
+          </p:cNvSpPr>
+          <p:nvPr>
+            <p:ph type="title"/>
+          </p:nvPr>
+        </p:nvSpPr>
+        <p:spPr/>
+        <p:txBody>
+          <a:bodyPr/>
+          <a:lstStyle/>
+          <a:p>
+            <a:r>
+              <a:rPr lang="pt-BR" dirty="0"/>
+              <a:t>Classificação com limiar de decisão rígido</a:t>
+            </a:r>
+          </a:p>
+        </p:txBody>
+      </p:sp>
+      <mc:AlternateContent xmlns:mc="http://schemas.openxmlformats.org/markup-compatibility/2006">
+        <mc:Choice xmlns:a14="http://schemas.microsoft.com/office/drawing/2010/main" Requires="a14">
+          <p:sp>
+            <p:nvSpPr>
+              <p:cNvPr id="3" name="Content Placeholder 2">
+                <a:extLst>
+                  <a:ext uri="{FF2B5EF4-FFF2-40B4-BE49-F238E27FC236}">
+                    <a16:creationId xmlns:a16="http://schemas.microsoft.com/office/drawing/2014/main" id="{A01A9599-51A6-118D-65E9-1C6C3DD1B35B}"/>
+                  </a:ext>
+                </a:extLst>
+              </p:cNvPr>
+              <p:cNvSpPr>
+                <a:spLocks noGrp="1"/>
+              </p:cNvSpPr>
+              <p:nvPr>
+                <p:ph idx="1"/>
+              </p:nvPr>
+            </p:nvSpPr>
+            <p:spPr>
+              <a:xfrm>
+                <a:off x="5245847" y="1825624"/>
+                <a:ext cx="6795732" cy="5032376"/>
+              </a:xfrm>
+            </p:spPr>
+            <p:txBody>
+              <a:bodyPr>
+                <a:normAutofit/>
+              </a:bodyPr>
+              <a:lstStyle/>
+              <a:p>
+                <a:r>
+                  <a:rPr lang="pt-BR" dirty="0"/>
+                  <a:t>Exemplos </a:t>
+                </a:r>
+                <a:r>
+                  <a:rPr lang="pt-BR" b="1" i="1" dirty="0">
+                    <a:solidFill>
+                      <a:srgbClr val="00B050"/>
+                    </a:solidFill>
+                  </a:rPr>
+                  <a:t>mais distantes da fronteira </a:t>
+                </a:r>
+                <a:r>
+                  <a:rPr lang="pt-BR" dirty="0"/>
+                  <a:t>têm uma </a:t>
+                </a:r>
+                <a:r>
+                  <a:rPr lang="pt-BR" b="1" i="1" dirty="0">
+                    <a:solidFill>
+                      <a:srgbClr val="00B050"/>
+                    </a:solidFill>
+                  </a:rPr>
+                  <a:t>probabilidade</a:t>
+                </a:r>
+                <a:r>
+                  <a:rPr lang="pt-BR" dirty="0"/>
+                  <a:t> </a:t>
+                </a:r>
+                <a:r>
+                  <a:rPr lang="pt-BR" b="1" i="1" dirty="0">
+                    <a:solidFill>
+                      <a:srgbClr val="00B050"/>
+                    </a:solidFill>
+                  </a:rPr>
+                  <a:t>maior</a:t>
+                </a:r>
+                <a:r>
+                  <a:rPr lang="pt-BR" dirty="0"/>
+                  <a:t> de </a:t>
+                </a:r>
+                <a:r>
+                  <a:rPr lang="pt-BR" b="1" i="1" dirty="0">
+                    <a:solidFill>
+                      <a:srgbClr val="7030A0"/>
+                    </a:solidFill>
+                  </a:rPr>
+                  <a:t>realmente</a:t>
+                </a:r>
+                <a:r>
+                  <a:rPr lang="pt-BR" dirty="0"/>
+                  <a:t> </a:t>
+                </a:r>
+                <a:r>
+                  <a:rPr lang="pt-BR" b="1" i="1" dirty="0">
+                    <a:solidFill>
+                      <a:srgbClr val="00B050"/>
+                    </a:solidFill>
+                  </a:rPr>
+                  <a:t>pertencerem à classe da região onde se encontram e não serem </a:t>
+                </a:r>
+                <a:r>
+                  <a:rPr lang="pt-BR" b="1" i="1" dirty="0">
+                    <a:solidFill>
+                      <a:srgbClr val="7030A0"/>
+                    </a:solidFill>
+                  </a:rPr>
+                  <a:t>outliers</a:t>
+                </a:r>
+                <a:r>
+                  <a:rPr lang="pt-BR" dirty="0"/>
+                  <a:t>.</a:t>
+                </a:r>
+              </a:p>
+              <a:p>
+                <a:pPr lvl="1">
+                  <a:buFont typeface="Wingdings" panose="05000000000000000000" pitchFamily="2" charset="2"/>
+                  <a:buChar char="§"/>
+                </a:pPr>
+                <a:r>
+                  <a:rPr lang="pt-BR" dirty="0"/>
+                  <a:t>Quanto maior o valor absoluto de </a:t>
+                </a:r>
+                <a14:m>
+                  <m:oMath xmlns:m="http://schemas.openxmlformats.org/officeDocument/2006/math">
+                    <m:r>
+                      <a:rPr lang="pt-BR" i="1" smtClean="0">
+                        <a:latin typeface="Cambria Math" panose="02040503050406030204" pitchFamily="18" charset="0"/>
+                      </a:rPr>
+                      <m:t>𝑔</m:t>
+                    </m:r>
+                    <m:d>
+                      <m:dPr>
+                        <m:ctrlPr>
+                          <a:rPr lang="pt-BR" i="1">
+                            <a:latin typeface="Cambria Math" panose="02040503050406030204" pitchFamily="18" charset="0"/>
+                          </a:rPr>
+                        </m:ctrlPr>
+                      </m:dPr>
+                      <m:e>
+                        <m:r>
+                          <a:rPr lang="pt-BR" b="1" i="1">
+                            <a:latin typeface="Cambria Math" panose="02040503050406030204" pitchFamily="18" charset="0"/>
+                          </a:rPr>
+                          <m:t>𝒙</m:t>
+                        </m:r>
+                      </m:e>
+                    </m:d>
+                  </m:oMath>
+                </a14:m>
+                <a:r>
+                  <a:rPr lang="pt-BR" dirty="0"/>
+                  <a:t>, mais distante da fronteira está o exemplo.</a:t>
+                </a:r>
+              </a:p>
+            </p:txBody>
+          </p:sp>
+        </mc:Choice>
+        <mc:Fallback>
+          <p:sp>
+            <p:nvSpPr>
+              <p:cNvPr id="3" name="Content Placeholder 2">
+                <a:extLst>
+                  <a:ext uri="{FF2B5EF4-FFF2-40B4-BE49-F238E27FC236}">
+                    <a16:creationId xmlns:a16="http://schemas.microsoft.com/office/drawing/2014/main" id="{A01A9599-51A6-118D-65E9-1C6C3DD1B35B}"/>
+                  </a:ext>
+                </a:extLst>
+              </p:cNvPr>
+              <p:cNvSpPr>
+                <a:spLocks noGrp="1" noRot="1" noChangeAspect="1" noMove="1" noResize="1" noEditPoints="1" noAdjustHandles="1" noChangeArrowheads="1" noChangeShapeType="1" noTextEdit="1"/>
+              </p:cNvSpPr>
+              <p:nvPr>
+                <p:ph idx="1"/>
+              </p:nvPr>
+            </p:nvSpPr>
+            <p:spPr>
+              <a:xfrm>
+                <a:off x="5245847" y="1825624"/>
+                <a:ext cx="6795732" cy="5032376"/>
+              </a:xfrm>
+              <a:blipFill>
+                <a:blip r:embed="rId3"/>
+                <a:stretch>
+                  <a:fillRect l="-1616" t="-1937"/>
+                </a:stretch>
+              </a:blipFill>
+            </p:spPr>
+            <p:txBody>
+              <a:bodyPr/>
+              <a:lstStyle/>
+              <a:p>
+                <a:r>
+                  <a:rPr lang="en-US">
+                    <a:noFill/>
+                  </a:rPr>
+                  <a:t> </a:t>
+                </a:r>
+              </a:p>
+            </p:txBody>
+          </p:sp>
+        </mc:Fallback>
+      </mc:AlternateContent>
+      <p:grpSp>
+        <p:nvGrpSpPr>
+          <p:cNvPr id="17" name="Agrupar 16">
+            <a:extLst>
+              <a:ext uri="{FF2B5EF4-FFF2-40B4-BE49-F238E27FC236}">
+                <a16:creationId xmlns:a16="http://schemas.microsoft.com/office/drawing/2014/main" id="{610F2454-5C0C-EBCE-6D40-BB0B5F6AE729}"/>
+              </a:ext>
+            </a:extLst>
+          </p:cNvPr>
+          <p:cNvGrpSpPr/>
+          <p:nvPr/>
+        </p:nvGrpSpPr>
+        <p:grpSpPr>
+          <a:xfrm>
+            <a:off x="858078" y="1642941"/>
+            <a:ext cx="3354287" cy="5215059"/>
+            <a:chOff x="453276" y="1631131"/>
+            <a:chExt cx="3354287" cy="5215059"/>
+          </a:xfrm>
+        </p:grpSpPr>
+        <p:pic>
+          <p:nvPicPr>
+            <p:cNvPr id="13" name="Imagem 12">
+              <a:extLst>
+                <a:ext uri="{FF2B5EF4-FFF2-40B4-BE49-F238E27FC236}">
+                  <a16:creationId xmlns:a16="http://schemas.microsoft.com/office/drawing/2014/main" id="{33700BB8-7472-8A01-B6CF-778135215578}"/>
+                </a:ext>
+              </a:extLst>
+            </p:cNvPr>
+            <p:cNvPicPr>
+              <a:picLocks noChangeAspect="1"/>
+            </p:cNvPicPr>
+            <p:nvPr/>
+          </p:nvPicPr>
+          <p:blipFill rotWithShape="1">
+            <a:blip r:embed="rId4">
+              <a:extLst>
+                <a:ext uri="{28A0092B-C50C-407E-A947-70E740481C1C}">
+                  <a14:useLocalDpi xmlns:a14="http://schemas.microsoft.com/office/drawing/2010/main" val="0"/>
+                </a:ext>
+              </a:extLst>
+            </a:blip>
+            <a:srcRect l="7607" t="5177" r="7347"/>
+            <a:stretch/>
+          </p:blipFill>
+          <p:spPr>
+            <a:xfrm>
+              <a:off x="844653" y="1631131"/>
+              <a:ext cx="2962910" cy="2297801"/>
+            </a:xfrm>
+            <a:prstGeom prst="rect">
+              <a:avLst/>
+            </a:prstGeom>
+          </p:spPr>
+        </p:pic>
+        <p:pic>
+          <p:nvPicPr>
+            <p:cNvPr id="6" name="Picture 16">
+              <a:extLst>
+                <a:ext uri="{FF2B5EF4-FFF2-40B4-BE49-F238E27FC236}">
+                  <a16:creationId xmlns:a16="http://schemas.microsoft.com/office/drawing/2014/main" id="{ADF86BCB-2A4B-0998-76DA-72007576463A}"/>
+                </a:ext>
+              </a:extLst>
+            </p:cNvPr>
+            <p:cNvPicPr>
+              <a:picLocks noChangeAspect="1"/>
+            </p:cNvPicPr>
+            <p:nvPr/>
+          </p:nvPicPr>
+          <p:blipFill rotWithShape="1">
+            <a:blip r:embed="rId5"/>
+            <a:srcRect l="3046" t="5896" r="8832"/>
+            <a:stretch/>
+          </p:blipFill>
+          <p:spPr>
+            <a:xfrm>
+              <a:off x="638472" y="4049377"/>
+              <a:ext cx="2831997" cy="2628367"/>
+            </a:xfrm>
+            <a:prstGeom prst="rect">
+              <a:avLst/>
+            </a:prstGeom>
+          </p:spPr>
+        </p:pic>
+        <mc:AlternateContent xmlns:mc="http://schemas.openxmlformats.org/markup-compatibility/2006" xmlns:a14="http://schemas.microsoft.com/office/drawing/2010/main">
+          <mc:Choice Requires="a14">
+            <p:sp>
+              <p:nvSpPr>
+                <p:cNvPr id="8" name="CaixaDeTexto 7">
+                  <a:extLst>
+                    <a:ext uri="{FF2B5EF4-FFF2-40B4-BE49-F238E27FC236}">
+                      <a16:creationId xmlns:a16="http://schemas.microsoft.com/office/drawing/2014/main" id="{D6B287CA-CBF9-5090-D89E-5B46CA2AFD64}"/>
+                    </a:ext>
+                  </a:extLst>
+                </p:cNvPr>
+                <p:cNvSpPr txBox="1"/>
+                <p:nvPr/>
+              </p:nvSpPr>
+              <p:spPr>
+                <a:xfrm>
+                  <a:off x="1564912" y="6538413"/>
+                  <a:ext cx="1266826" cy="307777"/>
+                </a:xfrm>
+                <a:prstGeom prst="rect">
+                  <a:avLst/>
+                </a:prstGeom>
+                <a:solidFill>
+                  <a:schemeClr val="bg1"/>
+                </a:solidFill>
+              </p:spPr>
+              <p:txBody>
+                <a:bodyPr wrap="square">
+                  <a:spAutoFit/>
+                </a:bodyPr>
+                <a:lstStyle/>
+                <a:p>
+                  <a:pPr/>
+                  <a14:m>
+                    <m:oMathPara xmlns:m="http://schemas.openxmlformats.org/officeDocument/2006/math">
+                      <m:oMathParaPr>
+                        <m:jc m:val="centerGroup"/>
+                      </m:oMathParaPr>
+                      <m:oMath xmlns:m="http://schemas.openxmlformats.org/officeDocument/2006/math">
+                        <m:r>
+                          <a:rPr lang="pt-BR" sz="1400" b="0" i="1" smtClean="0">
+                            <a:latin typeface="Cambria Math" panose="02040503050406030204" pitchFamily="18" charset="0"/>
+                          </a:rPr>
+                          <m:t>𝑔</m:t>
+                        </m:r>
+                        <m:r>
+                          <a:rPr lang="pt-BR" sz="1400" b="0" i="1" smtClean="0">
+                            <a:latin typeface="Cambria Math" panose="02040503050406030204" pitchFamily="18" charset="0"/>
+                          </a:rPr>
+                          <m:t>(</m:t>
+                        </m:r>
+                        <m:r>
+                          <a:rPr lang="pt-BR" sz="1400" b="1" i="1" smtClean="0">
+                            <a:latin typeface="Cambria Math" panose="02040503050406030204" pitchFamily="18" charset="0"/>
+                          </a:rPr>
+                          <m:t>𝒙</m:t>
+                        </m:r>
+                        <m:r>
+                          <a:rPr lang="pt-BR" sz="1400" b="0" i="1" smtClean="0">
+                            <a:latin typeface="Cambria Math" panose="02040503050406030204" pitchFamily="18" charset="0"/>
+                          </a:rPr>
+                          <m:t>)</m:t>
+                        </m:r>
+                      </m:oMath>
+                    </m:oMathPara>
+                  </a14:m>
+                  <a:endParaRPr lang="pt-BR" sz="1400" dirty="0"/>
+                </a:p>
+              </p:txBody>
+            </p:sp>
+          </mc:Choice>
+          <mc:Fallback xmlns="">
+            <p:sp>
+              <p:nvSpPr>
+                <p:cNvPr id="8" name="CaixaDeTexto 7">
+                  <a:extLst>
+                    <a:ext uri="{FF2B5EF4-FFF2-40B4-BE49-F238E27FC236}">
+                      <a16:creationId xmlns:a16="http://schemas.microsoft.com/office/drawing/2014/main" id="{FE29F1DF-B6FA-783E-169F-125859E9A35D}"/>
+                    </a:ext>
+                  </a:extLst>
+                </p:cNvPr>
+                <p:cNvSpPr txBox="1">
+                  <a:spLocks noRot="1" noChangeAspect="1" noMove="1" noResize="1" noEditPoints="1" noAdjustHandles="1" noChangeArrowheads="1" noChangeShapeType="1" noTextEdit="1"/>
+                </p:cNvSpPr>
+                <p:nvPr/>
+              </p:nvSpPr>
+              <p:spPr>
+                <a:xfrm>
+                  <a:off x="1564912" y="6538413"/>
+                  <a:ext cx="1266826" cy="307777"/>
+                </a:xfrm>
+                <a:prstGeom prst="rect">
+                  <a:avLst/>
+                </a:prstGeom>
+                <a:blipFill>
+                  <a:blip r:embed="rId6"/>
+                  <a:stretch>
+                    <a:fillRect b="-8000"/>
+                  </a:stretch>
+                </a:blipFill>
+              </p:spPr>
+              <p:txBody>
+                <a:bodyPr/>
+                <a:lstStyle/>
+                <a:p>
+                  <a:r>
+                    <a:rPr lang="pt-BR">
+                      <a:noFill/>
+                    </a:rPr>
+                    <a:t> </a:t>
+                  </a:r>
+                </a:p>
+              </p:txBody>
+            </p:sp>
+          </mc:Fallback>
+        </mc:AlternateContent>
+        <mc:AlternateContent xmlns:mc="http://schemas.openxmlformats.org/markup-compatibility/2006" xmlns:a14="http://schemas.microsoft.com/office/drawing/2010/main">
+          <mc:Choice Requires="a14">
+            <p:sp>
+              <p:nvSpPr>
+                <p:cNvPr id="9" name="CaixaDeTexto 8">
+                  <a:extLst>
+                    <a:ext uri="{FF2B5EF4-FFF2-40B4-BE49-F238E27FC236}">
+                      <a16:creationId xmlns:a16="http://schemas.microsoft.com/office/drawing/2014/main" id="{31EAD500-6617-C59D-3E5F-E7C10E98A2F0}"/>
+                    </a:ext>
+                  </a:extLst>
+                </p:cNvPr>
+                <p:cNvSpPr txBox="1"/>
+                <p:nvPr/>
+              </p:nvSpPr>
+              <p:spPr>
+                <a:xfrm rot="16200000">
+                  <a:off x="216483" y="5087088"/>
+                  <a:ext cx="781363" cy="307777"/>
+                </a:xfrm>
+                <a:prstGeom prst="rect">
+                  <a:avLst/>
+                </a:prstGeom>
+                <a:solidFill>
+                  <a:schemeClr val="bg1"/>
+                </a:solidFill>
+              </p:spPr>
+              <p:txBody>
+                <a:bodyPr wrap="square">
+                  <a:spAutoFit/>
+                </a:bodyPr>
+                <a:lstStyle/>
+                <a:p>
+                  <a:pPr/>
+                  <a14:m>
+                    <m:oMathPara xmlns:m="http://schemas.openxmlformats.org/officeDocument/2006/math">
+                      <m:oMathParaPr>
+                        <m:jc m:val="centerGroup"/>
+                      </m:oMathParaPr>
+                      <m:oMath xmlns:m="http://schemas.openxmlformats.org/officeDocument/2006/math">
+                        <m:r>
+                          <a:rPr lang="pt-BR" sz="1400" b="0" i="1" smtClean="0">
+                            <a:latin typeface="Cambria Math" panose="02040503050406030204" pitchFamily="18" charset="0"/>
+                          </a:rPr>
+                          <m:t>𝑓</m:t>
+                        </m:r>
+                        <m:d>
+                          <m:dPr>
+                            <m:ctrlPr>
+                              <a:rPr lang="pt-BR" sz="1400" i="1">
+                                <a:latin typeface="Cambria Math" panose="02040503050406030204" pitchFamily="18" charset="0"/>
+                              </a:rPr>
+                            </m:ctrlPr>
+                          </m:dPr>
+                          <m:e>
+                            <m:r>
+                              <a:rPr lang="pt-BR" sz="1400" b="0" i="1" smtClean="0">
+                                <a:latin typeface="Cambria Math" panose="02040503050406030204" pitchFamily="18" charset="0"/>
+                              </a:rPr>
+                              <m:t>𝑔</m:t>
+                            </m:r>
+                            <m:r>
+                              <a:rPr lang="pt-BR" sz="1400" b="0" i="1" smtClean="0">
+                                <a:latin typeface="Cambria Math" panose="02040503050406030204" pitchFamily="18" charset="0"/>
+                              </a:rPr>
+                              <m:t>(</m:t>
+                            </m:r>
+                            <m:r>
+                              <a:rPr lang="pt-BR" sz="1400" b="1" i="1" smtClean="0">
+                                <a:latin typeface="Cambria Math" panose="02040503050406030204" pitchFamily="18" charset="0"/>
+                              </a:rPr>
+                              <m:t>𝒙</m:t>
+                            </m:r>
+                            <m:r>
+                              <a:rPr lang="pt-BR" sz="1400" b="0" i="1" smtClean="0">
+                                <a:latin typeface="Cambria Math" panose="02040503050406030204" pitchFamily="18" charset="0"/>
+                              </a:rPr>
+                              <m:t>)</m:t>
+                            </m:r>
+                          </m:e>
+                        </m:d>
+                      </m:oMath>
+                    </m:oMathPara>
+                  </a14:m>
+                  <a:endParaRPr lang="pt-BR" sz="1400" dirty="0"/>
+                </a:p>
+              </p:txBody>
+            </p:sp>
+          </mc:Choice>
+          <mc:Fallback xmlns="">
+            <p:sp>
+              <p:nvSpPr>
+                <p:cNvPr id="9" name="CaixaDeTexto 8">
+                  <a:extLst>
+                    <a:ext uri="{FF2B5EF4-FFF2-40B4-BE49-F238E27FC236}">
+                      <a16:creationId xmlns:a16="http://schemas.microsoft.com/office/drawing/2014/main" id="{4C0855C4-B563-8234-DFE3-4B6C2B7E81F9}"/>
+                    </a:ext>
+                  </a:extLst>
+                </p:cNvPr>
+                <p:cNvSpPr txBox="1">
+                  <a:spLocks noRot="1" noChangeAspect="1" noMove="1" noResize="1" noEditPoints="1" noAdjustHandles="1" noChangeArrowheads="1" noChangeShapeType="1" noTextEdit="1"/>
+                </p:cNvSpPr>
+                <p:nvPr/>
+              </p:nvSpPr>
+              <p:spPr>
+                <a:xfrm rot="16200000">
+                  <a:off x="216483" y="5087088"/>
+                  <a:ext cx="781363" cy="307777"/>
+                </a:xfrm>
+                <a:prstGeom prst="rect">
+                  <a:avLst/>
+                </a:prstGeom>
+                <a:blipFill>
+                  <a:blip r:embed="rId7"/>
+                  <a:stretch>
+                    <a:fillRect r="-8000"/>
+                  </a:stretch>
+                </a:blipFill>
+              </p:spPr>
+              <p:txBody>
+                <a:bodyPr/>
+                <a:lstStyle/>
+                <a:p>
+                  <a:r>
+                    <a:rPr lang="pt-BR">
+                      <a:noFill/>
+                    </a:rPr>
+                    <a:t> </a:t>
+                  </a:r>
+                </a:p>
+              </p:txBody>
+            </p:sp>
+          </mc:Fallback>
+        </mc:AlternateContent>
+        <p:sp>
+          <p:nvSpPr>
+            <p:cNvPr id="11" name="Retângulo 10">
+              <a:extLst>
+                <a:ext uri="{FF2B5EF4-FFF2-40B4-BE49-F238E27FC236}">
+                  <a16:creationId xmlns:a16="http://schemas.microsoft.com/office/drawing/2014/main" id="{BB6201C2-52AB-88DF-1039-4C291CBFE4B3}"/>
+                </a:ext>
+              </a:extLst>
+            </p:cNvPr>
+            <p:cNvSpPr/>
+            <p:nvPr/>
+          </p:nvSpPr>
+          <p:spPr>
+            <a:xfrm rot="1995663">
+              <a:off x="712352" y="2785892"/>
+              <a:ext cx="2971946" cy="155530"/>
+            </a:xfrm>
+            <a:prstGeom prst="rect">
+              <a:avLst/>
+            </a:prstGeom>
+            <a:noFill/>
+            <a:ln w="38100">
+              <a:solidFill>
+                <a:srgbClr val="FF0000"/>
+              </a:solidFill>
+            </a:ln>
+          </p:spPr>
+          <p:style>
+            <a:lnRef idx="2">
+              <a:schemeClr val="accent1">
+                <a:shade val="15000"/>
+              </a:schemeClr>
+            </a:lnRef>
+            <a:fillRef idx="1">
+              <a:schemeClr val="accent1"/>
+            </a:fillRef>
+            <a:effectRef idx="0">
+              <a:schemeClr val="accent1"/>
+            </a:effectRef>
+            <a:fontRef idx="minor">
+              <a:schemeClr val="lt1"/>
+            </a:fontRef>
+          </p:style>
+          <p:txBody>
+            <a:bodyPr rtlCol="0" anchor="ctr"/>
+            <a:lstStyle/>
+            <a:p>
+              <a:pPr algn="ctr"/>
+              <a:endParaRPr lang="pt-BR"/>
+            </a:p>
+          </p:txBody>
+        </p:sp>
+        <p:cxnSp>
+          <p:nvCxnSpPr>
+            <p:cNvPr id="15" name="Conector de Seta Reta 14">
+              <a:extLst>
+                <a:ext uri="{FF2B5EF4-FFF2-40B4-BE49-F238E27FC236}">
+                  <a16:creationId xmlns:a16="http://schemas.microsoft.com/office/drawing/2014/main" id="{50C4842E-E5F8-047C-A23B-F98AD0098206}"/>
+                </a:ext>
+              </a:extLst>
+            </p:cNvPr>
+            <p:cNvCxnSpPr>
+              <a:cxnSpLocks/>
+            </p:cNvCxnSpPr>
+            <p:nvPr/>
+          </p:nvCxnSpPr>
+          <p:spPr>
+            <a:xfrm>
+              <a:off x="2202180" y="2977599"/>
+              <a:ext cx="0" cy="1057220"/>
+            </a:xfrm>
+            <a:prstGeom prst="straightConnector1">
+              <a:avLst/>
+            </a:prstGeom>
+            <a:ln w="38100">
+              <a:solidFill>
+                <a:srgbClr val="FF0000"/>
+              </a:solidFill>
+              <a:tailEnd type="triangle"/>
+            </a:ln>
+          </p:spPr>
+          <p:style>
+            <a:lnRef idx="1">
+              <a:schemeClr val="accent1"/>
+            </a:lnRef>
+            <a:fillRef idx="0">
+              <a:schemeClr val="accent1"/>
+            </a:fillRef>
+            <a:effectRef idx="0">
+              <a:schemeClr val="accent1"/>
+            </a:effectRef>
+            <a:fontRef idx="minor">
+              <a:schemeClr val="tx1"/>
+            </a:fontRef>
+          </p:style>
+        </p:cxnSp>
+      </p:grpSp>
+    </p:spTree>
+    <p:extLst>
+      <p:ext uri="{BB962C8B-B14F-4D97-AF65-F5344CB8AC3E}">
+        <p14:creationId xmlns:p14="http://schemas.microsoft.com/office/powerpoint/2010/main" val="3563642625"/>
+      </p:ext>
+    </p:extLst>
+  </p:cSld>
+  <p:clrMapOvr>
+    <a:masterClrMapping/>
+  </p:clrMapOvr>
+</p:sld>
+</file>
+
+<file path=ppt/slides/slide25.xml><?xml version="1.0" encoding="utf-8"?>
+<p:sld xmlns:a="http://schemas.openxmlformats.org/drawingml/2006/main" xmlns:r="http://schemas.openxmlformats.org/officeDocument/2006/relationships" xmlns:p="http://schemas.openxmlformats.org/presentationml/2006/main">
+  <p:cSld>
+    <p:spTree>
+      <p:nvGrpSpPr>
         <p:cNvPr id="1" name=""/>
         <p:cNvGrpSpPr/>
         <p:nvPr/>
@@ -19280,7 +19965,7 @@
             <p:nvPr/>
           </p:nvPicPr>
           <p:blipFill rotWithShape="1">
-            <a:blip r:embed="rId4">
+            <a:blip r:embed="rId3">
               <a:extLst>
                 <a:ext uri="{28A0092B-C50C-407E-A947-70E740481C1C}">
                   <a14:useLocalDpi xmlns:a14="http://schemas.microsoft.com/office/drawing/2010/main" val="0"/>
@@ -19315,7 +20000,7 @@
             <p:nvPr/>
           </p:nvPicPr>
           <p:blipFill rotWithShape="1">
-            <a:blip r:embed="rId5"/>
+            <a:blip r:embed="rId4"/>
             <a:srcRect l="3046" t="5896" r="8832"/>
             <a:stretch/>
           </p:blipFill>
@@ -19688,7 +20373,7 @@
 </p:sld>
 </file>
 
-<file path=ppt/slides/slide25.xml><?xml version="1.0" encoding="utf-8"?>
+<file path=ppt/slides/slide26.xml><?xml version="1.0" encoding="utf-8"?>
 <p:sld xmlns:a="http://schemas.openxmlformats.org/drawingml/2006/main" xmlns:r="http://schemas.openxmlformats.org/officeDocument/2006/relationships" xmlns:p="http://schemas.openxmlformats.org/presentationml/2006/main">
   <p:cSld>
     <p:spTree>
@@ -19939,7 +20624,7 @@
 </p:sld>
 </file>
 
-<file path=ppt/slides/slide26.xml><?xml version="1.0" encoding="utf-8"?>
+<file path=ppt/slides/slide27.xml><?xml version="1.0" encoding="utf-8"?>
 <p:sld xmlns:a="http://schemas.openxmlformats.org/drawingml/2006/main" xmlns:r="http://schemas.openxmlformats.org/officeDocument/2006/relationships" xmlns:p="http://schemas.openxmlformats.org/presentationml/2006/main">
   <p:cSld>
     <p:spTree>
@@ -20096,7 +20781,7 @@
 </p:sld>
 </file>
 
-<file path=ppt/slides/slide27.xml><?xml version="1.0" encoding="utf-8"?>
+<file path=ppt/slides/slide28.xml><?xml version="1.0" encoding="utf-8"?>
 <p:sld xmlns:a="http://schemas.openxmlformats.org/drawingml/2006/main" xmlns:r="http://schemas.openxmlformats.org/officeDocument/2006/relationships" xmlns:p="http://schemas.openxmlformats.org/presentationml/2006/main">
   <p:cSld>
     <p:spTree>
@@ -20182,7 +20867,7 @@
 </p:sld>
 </file>
 
-<file path=ppt/slides/slide28.xml><?xml version="1.0" encoding="utf-8"?>
+<file path=ppt/slides/slide29.xml><?xml version="1.0" encoding="utf-8"?>
 <p:sld xmlns:a="http://schemas.openxmlformats.org/drawingml/2006/main" xmlns:r="http://schemas.openxmlformats.org/officeDocument/2006/relationships" xmlns:p="http://schemas.openxmlformats.org/presentationml/2006/main">
   <p:cSld>
     <p:spTree>
@@ -23891,8 +24576,8 @@
           </a:p>
         </p:txBody>
       </p:sp>
-      <mc:AlternateContent xmlns:mc="http://schemas.openxmlformats.org/markup-compatibility/2006">
-        <mc:Choice xmlns:a14="http://schemas.microsoft.com/office/drawing/2010/main" Requires="a14">
+      <mc:AlternateContent xmlns:mc="http://schemas.openxmlformats.org/markup-compatibility/2006" xmlns:a14="http://schemas.microsoft.com/office/drawing/2010/main">
+        <mc:Choice Requires="a14">
           <p:sp>
             <p:nvSpPr>
               <p:cNvPr id="3" name="Content Placeholder 2"/>
@@ -24043,7 +24728,7 @@
             </p:txBody>
           </p:sp>
         </mc:Choice>
-        <mc:Fallback>
+        <mc:Fallback xmlns="">
           <p:sp>
             <p:nvSpPr>
               <p:cNvPr id="3" name="Content Placeholder 2"/>
@@ -29087,8 +29772,8 @@
           </a:p>
         </p:txBody>
       </p:sp>
-      <mc:AlternateContent xmlns:mc="http://schemas.openxmlformats.org/markup-compatibility/2006">
-        <mc:Choice xmlns:a14="http://schemas.microsoft.com/office/drawing/2010/main" Requires="a14">
+      <mc:AlternateContent xmlns:mc="http://schemas.openxmlformats.org/markup-compatibility/2006" xmlns:a14="http://schemas.microsoft.com/office/drawing/2010/main">
+        <mc:Choice Requires="a14">
           <p:sp>
             <p:nvSpPr>
               <p:cNvPr id="3" name="Espaço Reservado para Conteúdo 2">
@@ -30271,7 +30956,7 @@
             </p:txBody>
           </p:sp>
         </mc:Choice>
-        <mc:Fallback>
+        <mc:Fallback xmlns="">
           <p:sp>
             <p:nvSpPr>
               <p:cNvPr id="3" name="Espaço Reservado para Conteúdo 2">

--- a/slides/T320_Classificação (Parte II).pptx
+++ b/slides/T320_Classificação (Parte II).pptx
@@ -303,7 +303,7 @@
           <a:p>
             <a:fld id="{144F1436-6906-4D93-B7A2-786C327BFA14}" type="datetimeFigureOut">
               <a:rPr lang="nl-BE" smtClean="0"/>
-              <a:t>22/02/2025</a:t>
+              <a:t>9/08/2025</a:t>
             </a:fld>
             <a:endParaRPr lang="nl-BE"/>
           </a:p>
@@ -369,7 +369,7 @@
           <a:p>
             <a:fld id="{F7E56D9B-79AD-444A-AFED-DEC23408F8B4}" type="slidenum">
               <a:rPr lang="nl-BE" smtClean="0"/>
-              <a:t>‹#›</a:t>
+              <a:t>‹nº›</a:t>
             </a:fld>
             <a:endParaRPr lang="nl-BE"/>
           </a:p>
@@ -468,7 +468,7 @@
           <a:p>
             <a:fld id="{AA8CD09E-2914-4F47-B6C1-51B2C31814C9}" type="datetimeFigureOut">
               <a:rPr lang="pt-BR" smtClean="0"/>
-              <a:t>22/02/2025</a:t>
+              <a:t>09/08/2025</a:t>
             </a:fld>
             <a:endParaRPr lang="pt-BR"/>
           </a:p>
@@ -626,7 +626,7 @@
           <a:p>
             <a:fld id="{6FC8D850-966F-45A6-8DE7-15B891E7D40D}" type="slidenum">
               <a:rPr lang="pt-BR" smtClean="0"/>
-              <a:t>‹#›</a:t>
+              <a:t>‹nº›</a:t>
             </a:fld>
             <a:endParaRPr lang="pt-BR"/>
           </a:p>
@@ -2097,6 +2097,10 @@
             <a:br>
               <a:rPr lang="pt-BR" dirty="0"/>
             </a:br>
+            <a:r>
+              <a:rPr lang="pt-BR" dirty="0"/>
+              <a:t/>
+            </a:r>
             <a:br>
               <a:rPr lang="pt-BR" dirty="0"/>
             </a:br>
@@ -2107,6 +2111,10 @@
             <a:br>
               <a:rPr lang="pt-BR" dirty="0"/>
             </a:br>
+            <a:r>
+              <a:rPr lang="pt-BR" dirty="0"/>
+              <a:t/>
+            </a:r>
             <a:br>
               <a:rPr lang="pt-BR" dirty="0"/>
             </a:br>
@@ -2117,6 +2125,10 @@
             <a:br>
               <a:rPr lang="pt-BR" dirty="0"/>
             </a:br>
+            <a:r>
+              <a:rPr lang="pt-BR" dirty="0"/>
+              <a:t/>
+            </a:r>
             <a:br>
               <a:rPr lang="pt-BR" dirty="0"/>
             </a:br>
@@ -2135,6 +2147,10 @@
             <a:br>
               <a:rPr lang="pt-BR" dirty="0"/>
             </a:br>
+            <a:r>
+              <a:rPr lang="pt-BR" dirty="0"/>
+              <a:t/>
+            </a:r>
             <a:br>
               <a:rPr lang="pt-BR" dirty="0"/>
             </a:br>
@@ -3369,6 +3385,10 @@
             <a:br>
               <a:rPr lang="pt-BR" dirty="0"/>
             </a:br>
+            <a:r>
+              <a:rPr lang="pt-BR" dirty="0"/>
+              <a:t/>
+            </a:r>
             <a:br>
               <a:rPr lang="pt-BR" dirty="0"/>
             </a:br>
@@ -3379,6 +3399,10 @@
             <a:br>
               <a:rPr lang="pt-BR" dirty="0"/>
             </a:br>
+            <a:r>
+              <a:rPr lang="pt-BR" dirty="0"/>
+              <a:t/>
+            </a:r>
             <a:br>
               <a:rPr lang="pt-BR" dirty="0"/>
             </a:br>
@@ -3389,6 +3413,10 @@
             <a:br>
               <a:rPr lang="pt-BR" dirty="0"/>
             </a:br>
+            <a:r>
+              <a:rPr lang="pt-BR" dirty="0"/>
+              <a:t/>
+            </a:r>
             <a:br>
               <a:rPr lang="pt-BR" dirty="0"/>
             </a:br>
@@ -3407,6 +3435,10 @@
             <a:br>
               <a:rPr lang="pt-BR" dirty="0"/>
             </a:br>
+            <a:r>
+              <a:rPr lang="pt-BR" dirty="0"/>
+              <a:t/>
+            </a:r>
             <a:br>
               <a:rPr lang="pt-BR" dirty="0"/>
             </a:br>
@@ -4365,7 +4397,7 @@
         <p:cNvPr id="1" name="">
           <a:extLst>
             <a:ext uri="{FF2B5EF4-FFF2-40B4-BE49-F238E27FC236}">
-              <a16:creationId xmlns:a16="http://schemas.microsoft.com/office/drawing/2014/main" id="{1BFBDC55-BB4D-2F06-71BF-76ED1A14AFED}"/>
+              <a16:creationId xmlns:a16="http://schemas.microsoft.com/office/drawing/2014/main" xmlns="" id="{1BFBDC55-BB4D-2F06-71BF-76ED1A14AFED}"/>
             </a:ext>
           </a:extLst>
         </p:cNvPr>
@@ -4385,7 +4417,7 @@
           <p:cNvPr id="2" name="Espaço Reservado para Imagem de Slide 1">
             <a:extLst>
               <a:ext uri="{FF2B5EF4-FFF2-40B4-BE49-F238E27FC236}">
-                <a16:creationId xmlns:a16="http://schemas.microsoft.com/office/drawing/2014/main" id="{13FDBDE3-54FF-D34A-6455-B4D01E3B3A99}"/>
+                <a16:creationId xmlns:a16="http://schemas.microsoft.com/office/drawing/2014/main" xmlns="" id="{13FDBDE3-54FF-D34A-6455-B4D01E3B3A99}"/>
               </a:ext>
             </a:extLst>
           </p:cNvPr>
@@ -4403,7 +4435,7 @@
           <p:cNvPr id="3" name="Espaço Reservado para Anotações 2">
             <a:extLst>
               <a:ext uri="{FF2B5EF4-FFF2-40B4-BE49-F238E27FC236}">
-                <a16:creationId xmlns:a16="http://schemas.microsoft.com/office/drawing/2014/main" id="{B159710A-028C-37C9-8B04-776EB9E8B78A}"/>
+                <a16:creationId xmlns:a16="http://schemas.microsoft.com/office/drawing/2014/main" xmlns="" id="{B159710A-028C-37C9-8B04-776EB9E8B78A}"/>
               </a:ext>
             </a:extLst>
           </p:cNvPr>
@@ -4428,7 +4460,7 @@
           <p:cNvPr id="4" name="Espaço Reservado para Número de Slide 3">
             <a:extLst>
               <a:ext uri="{FF2B5EF4-FFF2-40B4-BE49-F238E27FC236}">
-                <a16:creationId xmlns:a16="http://schemas.microsoft.com/office/drawing/2014/main" id="{697E3764-6735-3BB1-4FF7-5946552F4788}"/>
+                <a16:creationId xmlns:a16="http://schemas.microsoft.com/office/drawing/2014/main" xmlns="" id="{697E3764-6735-3BB1-4FF7-5946552F4788}"/>
               </a:ext>
             </a:extLst>
           </p:cNvPr>
@@ -5406,6 +5438,144 @@
           <a:p>
             <a:pPr algn="l"/>
             <a:r>
+              <a:rPr lang="pt-BR" sz="1200" b="0" i="0" kern="1200" dirty="0" smtClean="0">
+                <a:solidFill>
+                  <a:schemeClr val="tx1"/>
+                </a:solidFill>
+                <a:effectLst/>
+                <a:latin typeface="+mn-lt"/>
+                <a:ea typeface="+mn-ea"/>
+                <a:cs typeface="+mn-cs"/>
+              </a:rPr>
+              <a:t> A expansão polinomial </a:t>
+            </a:r>
+            <a:r>
+              <a:rPr lang="pt-BR" sz="1200" b="1" i="0" kern="1200" dirty="0" smtClean="0">
+                <a:solidFill>
+                  <a:schemeClr val="tx1"/>
+                </a:solidFill>
+                <a:effectLst/>
+                <a:latin typeface="+mn-lt"/>
+                <a:ea typeface="+mn-ea"/>
+                <a:cs typeface="+mn-cs"/>
+              </a:rPr>
+              <a:t>transforma </a:t>
+            </a:r>
+            <a:r>
+              <a:rPr lang="pt-BR" sz="1200" b="1" i="1" kern="1200" dirty="0" err="1" smtClean="0">
+                <a:solidFill>
+                  <a:schemeClr val="tx1"/>
+                </a:solidFill>
+                <a:effectLst/>
+                <a:latin typeface="+mn-lt"/>
+                <a:ea typeface="+mn-ea"/>
+                <a:cs typeface="+mn-cs"/>
+              </a:rPr>
+              <a:t>features</a:t>
+            </a:r>
+            <a:r>
+              <a:rPr lang="pt-BR" sz="1200" b="1" i="0" kern="1200" dirty="0" smtClean="0">
+                <a:solidFill>
+                  <a:schemeClr val="tx1"/>
+                </a:solidFill>
+                <a:effectLst/>
+                <a:latin typeface="+mn-lt"/>
+                <a:ea typeface="+mn-ea"/>
+                <a:cs typeface="+mn-cs"/>
+              </a:rPr>
+              <a:t> originais</a:t>
+            </a:r>
+            <a:r>
+              <a:rPr lang="pt-BR" sz="1200" b="0" i="0" kern="1200" dirty="0" smtClean="0">
+                <a:solidFill>
+                  <a:schemeClr val="tx1"/>
+                </a:solidFill>
+                <a:effectLst/>
+                <a:latin typeface="+mn-lt"/>
+                <a:ea typeface="+mn-ea"/>
+                <a:cs typeface="+mn-cs"/>
+              </a:rPr>
+              <a:t> em um </a:t>
+            </a:r>
+            <a:r>
+              <a:rPr lang="pt-BR" sz="1200" b="1" i="0" kern="1200" dirty="0" smtClean="0">
+                <a:solidFill>
+                  <a:schemeClr val="tx1"/>
+                </a:solidFill>
+                <a:effectLst/>
+                <a:latin typeface="+mn-lt"/>
+                <a:ea typeface="+mn-ea"/>
+                <a:cs typeface="+mn-cs"/>
+              </a:rPr>
+              <a:t>espaço de dimensão superior</a:t>
+            </a:r>
+            <a:r>
+              <a:rPr lang="pt-BR" sz="1200" b="0" i="0" kern="1200" dirty="0" smtClean="0">
+                <a:solidFill>
+                  <a:schemeClr val="tx1"/>
+                </a:solidFill>
+                <a:effectLst/>
+                <a:latin typeface="+mn-lt"/>
+                <a:ea typeface="+mn-ea"/>
+                <a:cs typeface="+mn-cs"/>
+              </a:rPr>
+              <a:t> usando combinações polinomiais, mantendo a </a:t>
+            </a:r>
+            <a:r>
+              <a:rPr lang="pt-BR" sz="1200" b="1" i="0" kern="1200" dirty="0" smtClean="0">
+                <a:solidFill>
+                  <a:schemeClr val="tx1"/>
+                </a:solidFill>
+                <a:effectLst/>
+                <a:latin typeface="+mn-lt"/>
+                <a:ea typeface="+mn-ea"/>
+                <a:cs typeface="+mn-cs"/>
+              </a:rPr>
+              <a:t>linearidade nos parâmetros</a:t>
+            </a:r>
+            <a:r>
+              <a:rPr lang="pt-BR" sz="1200" b="0" i="0" kern="1200" dirty="0" smtClean="0">
+                <a:solidFill>
+                  <a:schemeClr val="tx1"/>
+                </a:solidFill>
+                <a:effectLst/>
+                <a:latin typeface="+mn-lt"/>
+                <a:ea typeface="+mn-ea"/>
+                <a:cs typeface="+mn-cs"/>
+              </a:rPr>
+              <a:t> do modelo.</a:t>
+            </a:r>
+            <a:endParaRPr lang="pt-BR" b="0" i="0" dirty="0" smtClean="0">
+              <a:solidFill>
+                <a:srgbClr val="374151"/>
+              </a:solidFill>
+              <a:effectLst/>
+              <a:latin typeface="Söhne"/>
+            </a:endParaRPr>
+          </a:p>
+          <a:p>
+            <a:pPr algn="l"/>
+            <a:endParaRPr lang="pt-BR" b="0" i="0" dirty="0" smtClean="0">
+              <a:solidFill>
+                <a:srgbClr val="374151"/>
+              </a:solidFill>
+              <a:effectLst/>
+              <a:latin typeface="Söhne"/>
+            </a:endParaRPr>
+          </a:p>
+          <a:p>
+            <a:pPr algn="l"/>
+            <a:r>
+              <a:rPr lang="pt-BR" b="0" i="0" dirty="0" smtClean="0">
+                <a:solidFill>
+                  <a:srgbClr val="374151"/>
+                </a:solidFill>
+                <a:effectLst/>
+                <a:latin typeface="Söhne"/>
+              </a:rPr>
+              <a:t>Uma </a:t>
+            </a:r>
+            <a:r>
               <a:rPr lang="pt-BR" b="0" i="0" dirty="0">
                 <a:solidFill>
                   <a:srgbClr val="374151"/>
@@ -5413,7 +5583,7 @@
                 <a:effectLst/>
                 <a:latin typeface="Söhne"/>
               </a:rPr>
-              <a:t>Uma função discriminante não-linear é uma função que é usada para separar ou classificar diferentes classes ou categorias em um problema de classificação. No contexto da aprendizagem de máquina e da teoria da classificação, as funções discriminantes são usadas para determinar a qual classe um determinado ponto de dados pertence, com base em suas características.</a:t>
+              <a:t>função discriminante não-linear é uma função que é usada para separar ou classificar diferentes classes ou categorias em um problema de classificação. No contexto da aprendizagem de máquina e da teoria da classificação, as funções discriminantes são usadas para determinar a qual classe um determinado ponto de dados pertence, com base em suas características.</a:t>
             </a:r>
           </a:p>
           <a:p>
@@ -5752,7 +5922,7 @@
           <p:cNvPr id="2" name="Título 1">
             <a:extLst>
               <a:ext uri="{FF2B5EF4-FFF2-40B4-BE49-F238E27FC236}">
-                <a16:creationId xmlns:a16="http://schemas.microsoft.com/office/drawing/2014/main" id="{1DB9B4FF-B06E-403C-A326-BDC64D8FF94E}"/>
+                <a16:creationId xmlns:a16="http://schemas.microsoft.com/office/drawing/2014/main" xmlns="" id="{1DB9B4FF-B06E-403C-A326-BDC64D8FF94E}"/>
               </a:ext>
             </a:extLst>
           </p:cNvPr>
@@ -5789,7 +5959,7 @@
           <p:cNvPr id="3" name="Subtítulo 2">
             <a:extLst>
               <a:ext uri="{FF2B5EF4-FFF2-40B4-BE49-F238E27FC236}">
-                <a16:creationId xmlns:a16="http://schemas.microsoft.com/office/drawing/2014/main" id="{247BDFCE-746E-45BF-A319-4733D58D1632}"/>
+                <a16:creationId xmlns:a16="http://schemas.microsoft.com/office/drawing/2014/main" xmlns="" id="{247BDFCE-746E-45BF-A319-4733D58D1632}"/>
               </a:ext>
             </a:extLst>
           </p:cNvPr>
@@ -5859,7 +6029,7 @@
           <p:cNvPr id="4" name="Espaço Reservado para Data 3">
             <a:extLst>
               <a:ext uri="{FF2B5EF4-FFF2-40B4-BE49-F238E27FC236}">
-                <a16:creationId xmlns:a16="http://schemas.microsoft.com/office/drawing/2014/main" id="{9EDE2778-5372-4104-B96D-968184DA8288}"/>
+                <a16:creationId xmlns:a16="http://schemas.microsoft.com/office/drawing/2014/main" xmlns="" id="{9EDE2778-5372-4104-B96D-968184DA8288}"/>
               </a:ext>
             </a:extLst>
           </p:cNvPr>
@@ -5877,7 +6047,7 @@
           <a:p>
             <a:fld id="{63289F7E-B80B-496E-81B4-D396C37C9454}" type="datetimeFigureOut">
               <a:rPr lang="pt-BR" smtClean="0"/>
-              <a:t>22/02/2025</a:t>
+              <a:t>09/08/2025</a:t>
             </a:fld>
             <a:endParaRPr lang="pt-BR"/>
           </a:p>
@@ -5888,7 +6058,7 @@
           <p:cNvPr id="5" name="Espaço Reservado para Rodapé 4">
             <a:extLst>
               <a:ext uri="{FF2B5EF4-FFF2-40B4-BE49-F238E27FC236}">
-                <a16:creationId xmlns:a16="http://schemas.microsoft.com/office/drawing/2014/main" id="{C1DD0F41-C861-4051-988D-3024A37A4B93}"/>
+                <a16:creationId xmlns:a16="http://schemas.microsoft.com/office/drawing/2014/main" xmlns="" id="{C1DD0F41-C861-4051-988D-3024A37A4B93}"/>
               </a:ext>
             </a:extLst>
           </p:cNvPr>
@@ -5913,7 +6083,7 @@
           <p:cNvPr id="6" name="Espaço Reservado para Número de Slide 5">
             <a:extLst>
               <a:ext uri="{FF2B5EF4-FFF2-40B4-BE49-F238E27FC236}">
-                <a16:creationId xmlns:a16="http://schemas.microsoft.com/office/drawing/2014/main" id="{07E5967E-D980-431A-A5DB-3F0C5030A81E}"/>
+                <a16:creationId xmlns:a16="http://schemas.microsoft.com/office/drawing/2014/main" xmlns="" id="{07E5967E-D980-431A-A5DB-3F0C5030A81E}"/>
               </a:ext>
             </a:extLst>
           </p:cNvPr>
@@ -5931,7 +6101,7 @@
           <a:p>
             <a:fld id="{1A7E88B7-70CE-4035-AE73-13FA6FB985D4}" type="slidenum">
               <a:rPr lang="pt-BR" smtClean="0"/>
-              <a:t>‹#›</a:t>
+              <a:t>‹nº›</a:t>
             </a:fld>
             <a:endParaRPr lang="pt-BR"/>
           </a:p>
@@ -5972,7 +6142,7 @@
           <p:cNvPr id="2" name="Título 1">
             <a:extLst>
               <a:ext uri="{FF2B5EF4-FFF2-40B4-BE49-F238E27FC236}">
-                <a16:creationId xmlns:a16="http://schemas.microsoft.com/office/drawing/2014/main" id="{9036C49F-3E68-4175-81BA-3C3FEE44308A}"/>
+                <a16:creationId xmlns:a16="http://schemas.microsoft.com/office/drawing/2014/main" xmlns="" id="{9036C49F-3E68-4175-81BA-3C3FEE44308A}"/>
               </a:ext>
             </a:extLst>
           </p:cNvPr>
@@ -6000,7 +6170,7 @@
           <p:cNvPr id="3" name="Espaço Reservado para Texto Vertical 2">
             <a:extLst>
               <a:ext uri="{FF2B5EF4-FFF2-40B4-BE49-F238E27FC236}">
-                <a16:creationId xmlns:a16="http://schemas.microsoft.com/office/drawing/2014/main" id="{426FA736-3DD3-4D4E-B57B-BBE1D8F7D424}"/>
+                <a16:creationId xmlns:a16="http://schemas.microsoft.com/office/drawing/2014/main" xmlns="" id="{426FA736-3DD3-4D4E-B57B-BBE1D8F7D424}"/>
               </a:ext>
             </a:extLst>
           </p:cNvPr>
@@ -6057,7 +6227,7 @@
           <p:cNvPr id="4" name="Espaço Reservado para Data 3">
             <a:extLst>
               <a:ext uri="{FF2B5EF4-FFF2-40B4-BE49-F238E27FC236}">
-                <a16:creationId xmlns:a16="http://schemas.microsoft.com/office/drawing/2014/main" id="{99E8855C-D8FD-48F6-B14E-861E0DE4D915}"/>
+                <a16:creationId xmlns:a16="http://schemas.microsoft.com/office/drawing/2014/main" xmlns="" id="{99E8855C-D8FD-48F6-B14E-861E0DE4D915}"/>
               </a:ext>
             </a:extLst>
           </p:cNvPr>
@@ -6075,7 +6245,7 @@
           <a:p>
             <a:fld id="{63289F7E-B80B-496E-81B4-D396C37C9454}" type="datetimeFigureOut">
               <a:rPr lang="pt-BR" smtClean="0"/>
-              <a:t>22/02/2025</a:t>
+              <a:t>09/08/2025</a:t>
             </a:fld>
             <a:endParaRPr lang="pt-BR"/>
           </a:p>
@@ -6086,7 +6256,7 @@
           <p:cNvPr id="5" name="Espaço Reservado para Rodapé 4">
             <a:extLst>
               <a:ext uri="{FF2B5EF4-FFF2-40B4-BE49-F238E27FC236}">
-                <a16:creationId xmlns:a16="http://schemas.microsoft.com/office/drawing/2014/main" id="{97C0BB88-2F21-42A5-ACFF-83DA47F2D340}"/>
+                <a16:creationId xmlns:a16="http://schemas.microsoft.com/office/drawing/2014/main" xmlns="" id="{97C0BB88-2F21-42A5-ACFF-83DA47F2D340}"/>
               </a:ext>
             </a:extLst>
           </p:cNvPr>
@@ -6111,7 +6281,7 @@
           <p:cNvPr id="6" name="Espaço Reservado para Número de Slide 5">
             <a:extLst>
               <a:ext uri="{FF2B5EF4-FFF2-40B4-BE49-F238E27FC236}">
-                <a16:creationId xmlns:a16="http://schemas.microsoft.com/office/drawing/2014/main" id="{6CB462B3-1F22-4C05-B4B8-7A279FB7D5E9}"/>
+                <a16:creationId xmlns:a16="http://schemas.microsoft.com/office/drawing/2014/main" xmlns="" id="{6CB462B3-1F22-4C05-B4B8-7A279FB7D5E9}"/>
               </a:ext>
             </a:extLst>
           </p:cNvPr>
@@ -6129,7 +6299,7 @@
           <a:p>
             <a:fld id="{1A7E88B7-70CE-4035-AE73-13FA6FB985D4}" type="slidenum">
               <a:rPr lang="pt-BR" smtClean="0"/>
-              <a:t>‹#›</a:t>
+              <a:t>‹nº›</a:t>
             </a:fld>
             <a:endParaRPr lang="pt-BR"/>
           </a:p>
@@ -6170,7 +6340,7 @@
           <p:cNvPr id="2" name="Título Vertical 1">
             <a:extLst>
               <a:ext uri="{FF2B5EF4-FFF2-40B4-BE49-F238E27FC236}">
-                <a16:creationId xmlns:a16="http://schemas.microsoft.com/office/drawing/2014/main" id="{EAEAB728-701C-4207-A9D5-23FF45C60502}"/>
+                <a16:creationId xmlns:a16="http://schemas.microsoft.com/office/drawing/2014/main" xmlns="" id="{EAEAB728-701C-4207-A9D5-23FF45C60502}"/>
               </a:ext>
             </a:extLst>
           </p:cNvPr>
@@ -6203,7 +6373,7 @@
           <p:cNvPr id="3" name="Espaço Reservado para Texto Vertical 2">
             <a:extLst>
               <a:ext uri="{FF2B5EF4-FFF2-40B4-BE49-F238E27FC236}">
-                <a16:creationId xmlns:a16="http://schemas.microsoft.com/office/drawing/2014/main" id="{BA8C8CCF-7823-480A-9A19-0F664DD17E3B}"/>
+                <a16:creationId xmlns:a16="http://schemas.microsoft.com/office/drawing/2014/main" xmlns="" id="{BA8C8CCF-7823-480A-9A19-0F664DD17E3B}"/>
               </a:ext>
             </a:extLst>
           </p:cNvPr>
@@ -6265,7 +6435,7 @@
           <p:cNvPr id="4" name="Espaço Reservado para Data 3">
             <a:extLst>
               <a:ext uri="{FF2B5EF4-FFF2-40B4-BE49-F238E27FC236}">
-                <a16:creationId xmlns:a16="http://schemas.microsoft.com/office/drawing/2014/main" id="{721D5734-7B1F-425D-942F-6EB73344027C}"/>
+                <a16:creationId xmlns:a16="http://schemas.microsoft.com/office/drawing/2014/main" xmlns="" id="{721D5734-7B1F-425D-942F-6EB73344027C}"/>
               </a:ext>
             </a:extLst>
           </p:cNvPr>
@@ -6283,7 +6453,7 @@
           <a:p>
             <a:fld id="{63289F7E-B80B-496E-81B4-D396C37C9454}" type="datetimeFigureOut">
               <a:rPr lang="pt-BR" smtClean="0"/>
-              <a:t>22/02/2025</a:t>
+              <a:t>09/08/2025</a:t>
             </a:fld>
             <a:endParaRPr lang="pt-BR"/>
           </a:p>
@@ -6294,7 +6464,7 @@
           <p:cNvPr id="5" name="Espaço Reservado para Rodapé 4">
             <a:extLst>
               <a:ext uri="{FF2B5EF4-FFF2-40B4-BE49-F238E27FC236}">
-                <a16:creationId xmlns:a16="http://schemas.microsoft.com/office/drawing/2014/main" id="{1E1AAEAC-F08D-45FE-89EC-B1B349A868C9}"/>
+                <a16:creationId xmlns:a16="http://schemas.microsoft.com/office/drawing/2014/main" xmlns="" id="{1E1AAEAC-F08D-45FE-89EC-B1B349A868C9}"/>
               </a:ext>
             </a:extLst>
           </p:cNvPr>
@@ -6319,7 +6489,7 @@
           <p:cNvPr id="6" name="Espaço Reservado para Número de Slide 5">
             <a:extLst>
               <a:ext uri="{FF2B5EF4-FFF2-40B4-BE49-F238E27FC236}">
-                <a16:creationId xmlns:a16="http://schemas.microsoft.com/office/drawing/2014/main" id="{BAA44493-9911-47B2-87A6-C2141A972BC8}"/>
+                <a16:creationId xmlns:a16="http://schemas.microsoft.com/office/drawing/2014/main" xmlns="" id="{BAA44493-9911-47B2-87A6-C2141A972BC8}"/>
               </a:ext>
             </a:extLst>
           </p:cNvPr>
@@ -6337,7 +6507,7 @@
           <a:p>
             <a:fld id="{1A7E88B7-70CE-4035-AE73-13FA6FB985D4}" type="slidenum">
               <a:rPr lang="pt-BR" smtClean="0"/>
-              <a:t>‹#›</a:t>
+              <a:t>‹nº›</a:t>
             </a:fld>
             <a:endParaRPr lang="pt-BR"/>
           </a:p>
@@ -6378,7 +6548,7 @@
           <p:cNvPr id="2" name="Título 1">
             <a:extLst>
               <a:ext uri="{FF2B5EF4-FFF2-40B4-BE49-F238E27FC236}">
-                <a16:creationId xmlns:a16="http://schemas.microsoft.com/office/drawing/2014/main" id="{71BD44A5-8F21-4626-A01D-48A1C874B1D5}"/>
+                <a16:creationId xmlns:a16="http://schemas.microsoft.com/office/drawing/2014/main" xmlns="" id="{71BD44A5-8F21-4626-A01D-48A1C874B1D5}"/>
               </a:ext>
             </a:extLst>
           </p:cNvPr>
@@ -6406,7 +6576,7 @@
           <p:cNvPr id="3" name="Espaço Reservado para Conteúdo 2">
             <a:extLst>
               <a:ext uri="{FF2B5EF4-FFF2-40B4-BE49-F238E27FC236}">
-                <a16:creationId xmlns:a16="http://schemas.microsoft.com/office/drawing/2014/main" id="{B79E8085-65A9-48AA-951D-71D978BFF4ED}"/>
+                <a16:creationId xmlns:a16="http://schemas.microsoft.com/office/drawing/2014/main" xmlns="" id="{B79E8085-65A9-48AA-951D-71D978BFF4ED}"/>
               </a:ext>
             </a:extLst>
           </p:cNvPr>
@@ -6463,7 +6633,7 @@
           <p:cNvPr id="4" name="Espaço Reservado para Data 3">
             <a:extLst>
               <a:ext uri="{FF2B5EF4-FFF2-40B4-BE49-F238E27FC236}">
-                <a16:creationId xmlns:a16="http://schemas.microsoft.com/office/drawing/2014/main" id="{F05BE1AF-51EA-425D-B188-DE7BD675009F}"/>
+                <a16:creationId xmlns:a16="http://schemas.microsoft.com/office/drawing/2014/main" xmlns="" id="{F05BE1AF-51EA-425D-B188-DE7BD675009F}"/>
               </a:ext>
             </a:extLst>
           </p:cNvPr>
@@ -6481,7 +6651,7 @@
           <a:p>
             <a:fld id="{63289F7E-B80B-496E-81B4-D396C37C9454}" type="datetimeFigureOut">
               <a:rPr lang="pt-BR" smtClean="0"/>
-              <a:t>22/02/2025</a:t>
+              <a:t>09/08/2025</a:t>
             </a:fld>
             <a:endParaRPr lang="pt-BR"/>
           </a:p>
@@ -6492,7 +6662,7 @@
           <p:cNvPr id="5" name="Espaço Reservado para Rodapé 4">
             <a:extLst>
               <a:ext uri="{FF2B5EF4-FFF2-40B4-BE49-F238E27FC236}">
-                <a16:creationId xmlns:a16="http://schemas.microsoft.com/office/drawing/2014/main" id="{121BE632-29CF-4CB9-B365-C9EF38F89BE6}"/>
+                <a16:creationId xmlns:a16="http://schemas.microsoft.com/office/drawing/2014/main" xmlns="" id="{121BE632-29CF-4CB9-B365-C9EF38F89BE6}"/>
               </a:ext>
             </a:extLst>
           </p:cNvPr>
@@ -6517,7 +6687,7 @@
           <p:cNvPr id="6" name="Espaço Reservado para Número de Slide 5">
             <a:extLst>
               <a:ext uri="{FF2B5EF4-FFF2-40B4-BE49-F238E27FC236}">
-                <a16:creationId xmlns:a16="http://schemas.microsoft.com/office/drawing/2014/main" id="{60CF3DD1-9AEC-4A57-B461-4E4DD86FAC18}"/>
+                <a16:creationId xmlns:a16="http://schemas.microsoft.com/office/drawing/2014/main" xmlns="" id="{60CF3DD1-9AEC-4A57-B461-4E4DD86FAC18}"/>
               </a:ext>
             </a:extLst>
           </p:cNvPr>
@@ -6535,7 +6705,7 @@
           <a:p>
             <a:fld id="{1A7E88B7-70CE-4035-AE73-13FA6FB985D4}" type="slidenum">
               <a:rPr lang="pt-BR" smtClean="0"/>
-              <a:t>‹#›</a:t>
+              <a:t>‹nº›</a:t>
             </a:fld>
             <a:endParaRPr lang="pt-BR"/>
           </a:p>
@@ -6576,7 +6746,7 @@
           <p:cNvPr id="2" name="Título 1">
             <a:extLst>
               <a:ext uri="{FF2B5EF4-FFF2-40B4-BE49-F238E27FC236}">
-                <a16:creationId xmlns:a16="http://schemas.microsoft.com/office/drawing/2014/main" id="{34AB2FF0-A4D7-4E28-991D-FF26140D5988}"/>
+                <a16:creationId xmlns:a16="http://schemas.microsoft.com/office/drawing/2014/main" xmlns="" id="{34AB2FF0-A4D7-4E28-991D-FF26140D5988}"/>
               </a:ext>
             </a:extLst>
           </p:cNvPr>
@@ -6613,7 +6783,7 @@
           <p:cNvPr id="3" name="Espaço Reservado para Texto 2">
             <a:extLst>
               <a:ext uri="{FF2B5EF4-FFF2-40B4-BE49-F238E27FC236}">
-                <a16:creationId xmlns:a16="http://schemas.microsoft.com/office/drawing/2014/main" id="{E2AC45B0-4145-40DB-8E61-105461170604}"/>
+                <a16:creationId xmlns:a16="http://schemas.microsoft.com/office/drawing/2014/main" xmlns="" id="{E2AC45B0-4145-40DB-8E61-105461170604}"/>
               </a:ext>
             </a:extLst>
           </p:cNvPr>
@@ -6738,7 +6908,7 @@
           <p:cNvPr id="4" name="Espaço Reservado para Data 3">
             <a:extLst>
               <a:ext uri="{FF2B5EF4-FFF2-40B4-BE49-F238E27FC236}">
-                <a16:creationId xmlns:a16="http://schemas.microsoft.com/office/drawing/2014/main" id="{50F1D3FB-740A-4EBA-A309-2CE71D12ECFB}"/>
+                <a16:creationId xmlns:a16="http://schemas.microsoft.com/office/drawing/2014/main" xmlns="" id="{50F1D3FB-740A-4EBA-A309-2CE71D12ECFB}"/>
               </a:ext>
             </a:extLst>
           </p:cNvPr>
@@ -6756,7 +6926,7 @@
           <a:p>
             <a:fld id="{63289F7E-B80B-496E-81B4-D396C37C9454}" type="datetimeFigureOut">
               <a:rPr lang="pt-BR" smtClean="0"/>
-              <a:t>22/02/2025</a:t>
+              <a:t>09/08/2025</a:t>
             </a:fld>
             <a:endParaRPr lang="pt-BR"/>
           </a:p>
@@ -6767,7 +6937,7 @@
           <p:cNvPr id="5" name="Espaço Reservado para Rodapé 4">
             <a:extLst>
               <a:ext uri="{FF2B5EF4-FFF2-40B4-BE49-F238E27FC236}">
-                <a16:creationId xmlns:a16="http://schemas.microsoft.com/office/drawing/2014/main" id="{BDCAB18F-8715-4465-A940-F9C193A2ACE9}"/>
+                <a16:creationId xmlns:a16="http://schemas.microsoft.com/office/drawing/2014/main" xmlns="" id="{BDCAB18F-8715-4465-A940-F9C193A2ACE9}"/>
               </a:ext>
             </a:extLst>
           </p:cNvPr>
@@ -6792,7 +6962,7 @@
           <p:cNvPr id="6" name="Espaço Reservado para Número de Slide 5">
             <a:extLst>
               <a:ext uri="{FF2B5EF4-FFF2-40B4-BE49-F238E27FC236}">
-                <a16:creationId xmlns:a16="http://schemas.microsoft.com/office/drawing/2014/main" id="{353466C6-8248-429F-8056-FF040BF509EB}"/>
+                <a16:creationId xmlns:a16="http://schemas.microsoft.com/office/drawing/2014/main" xmlns="" id="{353466C6-8248-429F-8056-FF040BF509EB}"/>
               </a:ext>
             </a:extLst>
           </p:cNvPr>
@@ -6810,7 +6980,7 @@
           <a:p>
             <a:fld id="{1A7E88B7-70CE-4035-AE73-13FA6FB985D4}" type="slidenum">
               <a:rPr lang="pt-BR" smtClean="0"/>
-              <a:t>‹#›</a:t>
+              <a:t>‹nº›</a:t>
             </a:fld>
             <a:endParaRPr lang="pt-BR"/>
           </a:p>
@@ -6851,7 +7021,7 @@
           <p:cNvPr id="2" name="Título 1">
             <a:extLst>
               <a:ext uri="{FF2B5EF4-FFF2-40B4-BE49-F238E27FC236}">
-                <a16:creationId xmlns:a16="http://schemas.microsoft.com/office/drawing/2014/main" id="{BC7BB9F0-F14B-4A91-B2B7-35BC47FE4DE7}"/>
+                <a16:creationId xmlns:a16="http://schemas.microsoft.com/office/drawing/2014/main" xmlns="" id="{BC7BB9F0-F14B-4A91-B2B7-35BC47FE4DE7}"/>
               </a:ext>
             </a:extLst>
           </p:cNvPr>
@@ -6879,7 +7049,7 @@
           <p:cNvPr id="3" name="Espaço Reservado para Conteúdo 2">
             <a:extLst>
               <a:ext uri="{FF2B5EF4-FFF2-40B4-BE49-F238E27FC236}">
-                <a16:creationId xmlns:a16="http://schemas.microsoft.com/office/drawing/2014/main" id="{EC1FC1C4-73DA-47A6-8496-B0B457F7D39A}"/>
+                <a16:creationId xmlns:a16="http://schemas.microsoft.com/office/drawing/2014/main" xmlns="" id="{EC1FC1C4-73DA-47A6-8496-B0B457F7D39A}"/>
               </a:ext>
             </a:extLst>
           </p:cNvPr>
@@ -6941,7 +7111,7 @@
           <p:cNvPr id="4" name="Espaço Reservado para Conteúdo 3">
             <a:extLst>
               <a:ext uri="{FF2B5EF4-FFF2-40B4-BE49-F238E27FC236}">
-                <a16:creationId xmlns:a16="http://schemas.microsoft.com/office/drawing/2014/main" id="{E92F06A8-A449-4D92-9912-76873E529B38}"/>
+                <a16:creationId xmlns:a16="http://schemas.microsoft.com/office/drawing/2014/main" xmlns="" id="{E92F06A8-A449-4D92-9912-76873E529B38}"/>
               </a:ext>
             </a:extLst>
           </p:cNvPr>
@@ -7003,7 +7173,7 @@
           <p:cNvPr id="5" name="Espaço Reservado para Data 4">
             <a:extLst>
               <a:ext uri="{FF2B5EF4-FFF2-40B4-BE49-F238E27FC236}">
-                <a16:creationId xmlns:a16="http://schemas.microsoft.com/office/drawing/2014/main" id="{938070A4-BC2F-4D55-BD8D-DEAF11BB9EE9}"/>
+                <a16:creationId xmlns:a16="http://schemas.microsoft.com/office/drawing/2014/main" xmlns="" id="{938070A4-BC2F-4D55-BD8D-DEAF11BB9EE9}"/>
               </a:ext>
             </a:extLst>
           </p:cNvPr>
@@ -7021,7 +7191,7 @@
           <a:p>
             <a:fld id="{63289F7E-B80B-496E-81B4-D396C37C9454}" type="datetimeFigureOut">
               <a:rPr lang="pt-BR" smtClean="0"/>
-              <a:t>22/02/2025</a:t>
+              <a:t>09/08/2025</a:t>
             </a:fld>
             <a:endParaRPr lang="pt-BR"/>
           </a:p>
@@ -7032,7 +7202,7 @@
           <p:cNvPr id="6" name="Espaço Reservado para Rodapé 5">
             <a:extLst>
               <a:ext uri="{FF2B5EF4-FFF2-40B4-BE49-F238E27FC236}">
-                <a16:creationId xmlns:a16="http://schemas.microsoft.com/office/drawing/2014/main" id="{45CC2DB8-844A-465F-BA9A-7734C80C7F43}"/>
+                <a16:creationId xmlns:a16="http://schemas.microsoft.com/office/drawing/2014/main" xmlns="" id="{45CC2DB8-844A-465F-BA9A-7734C80C7F43}"/>
               </a:ext>
             </a:extLst>
           </p:cNvPr>
@@ -7057,7 +7227,7 @@
           <p:cNvPr id="7" name="Espaço Reservado para Número de Slide 6">
             <a:extLst>
               <a:ext uri="{FF2B5EF4-FFF2-40B4-BE49-F238E27FC236}">
-                <a16:creationId xmlns:a16="http://schemas.microsoft.com/office/drawing/2014/main" id="{4CC606A8-097B-4040-94E0-CD8C88280D8F}"/>
+                <a16:creationId xmlns:a16="http://schemas.microsoft.com/office/drawing/2014/main" xmlns="" id="{4CC606A8-097B-4040-94E0-CD8C88280D8F}"/>
               </a:ext>
             </a:extLst>
           </p:cNvPr>
@@ -7075,7 +7245,7 @@
           <a:p>
             <a:fld id="{1A7E88B7-70CE-4035-AE73-13FA6FB985D4}" type="slidenum">
               <a:rPr lang="pt-BR" smtClean="0"/>
-              <a:t>‹#›</a:t>
+              <a:t>‹nº›</a:t>
             </a:fld>
             <a:endParaRPr lang="pt-BR"/>
           </a:p>
@@ -7116,7 +7286,7 @@
           <p:cNvPr id="2" name="Título 1">
             <a:extLst>
               <a:ext uri="{FF2B5EF4-FFF2-40B4-BE49-F238E27FC236}">
-                <a16:creationId xmlns:a16="http://schemas.microsoft.com/office/drawing/2014/main" id="{76D66686-0143-4CB6-8C09-BA326F1E7ACA}"/>
+                <a16:creationId xmlns:a16="http://schemas.microsoft.com/office/drawing/2014/main" xmlns="" id="{76D66686-0143-4CB6-8C09-BA326F1E7ACA}"/>
               </a:ext>
             </a:extLst>
           </p:cNvPr>
@@ -7149,7 +7319,7 @@
           <p:cNvPr id="3" name="Espaço Reservado para Texto 2">
             <a:extLst>
               <a:ext uri="{FF2B5EF4-FFF2-40B4-BE49-F238E27FC236}">
-                <a16:creationId xmlns:a16="http://schemas.microsoft.com/office/drawing/2014/main" id="{0227AB85-F59E-4BCE-B846-4FA0992C2F23}"/>
+                <a16:creationId xmlns:a16="http://schemas.microsoft.com/office/drawing/2014/main" xmlns="" id="{0227AB85-F59E-4BCE-B846-4FA0992C2F23}"/>
               </a:ext>
             </a:extLst>
           </p:cNvPr>
@@ -7220,7 +7390,7 @@
           <p:cNvPr id="4" name="Espaço Reservado para Conteúdo 3">
             <a:extLst>
               <a:ext uri="{FF2B5EF4-FFF2-40B4-BE49-F238E27FC236}">
-                <a16:creationId xmlns:a16="http://schemas.microsoft.com/office/drawing/2014/main" id="{3373456C-7319-4D0A-827D-D29F6B083F5D}"/>
+                <a16:creationId xmlns:a16="http://schemas.microsoft.com/office/drawing/2014/main" xmlns="" id="{3373456C-7319-4D0A-827D-D29F6B083F5D}"/>
               </a:ext>
             </a:extLst>
           </p:cNvPr>
@@ -7282,7 +7452,7 @@
           <p:cNvPr id="5" name="Espaço Reservado para Texto 4">
             <a:extLst>
               <a:ext uri="{FF2B5EF4-FFF2-40B4-BE49-F238E27FC236}">
-                <a16:creationId xmlns:a16="http://schemas.microsoft.com/office/drawing/2014/main" id="{4CD109D0-2E83-4262-8029-A871CEC47406}"/>
+                <a16:creationId xmlns:a16="http://schemas.microsoft.com/office/drawing/2014/main" xmlns="" id="{4CD109D0-2E83-4262-8029-A871CEC47406}"/>
               </a:ext>
             </a:extLst>
           </p:cNvPr>
@@ -7353,7 +7523,7 @@
           <p:cNvPr id="6" name="Espaço Reservado para Conteúdo 5">
             <a:extLst>
               <a:ext uri="{FF2B5EF4-FFF2-40B4-BE49-F238E27FC236}">
-                <a16:creationId xmlns:a16="http://schemas.microsoft.com/office/drawing/2014/main" id="{AD706E3A-CFBB-4A6C-A65F-D0360A9E74FE}"/>
+                <a16:creationId xmlns:a16="http://schemas.microsoft.com/office/drawing/2014/main" xmlns="" id="{AD706E3A-CFBB-4A6C-A65F-D0360A9E74FE}"/>
               </a:ext>
             </a:extLst>
           </p:cNvPr>
@@ -7415,7 +7585,7 @@
           <p:cNvPr id="7" name="Espaço Reservado para Data 6">
             <a:extLst>
               <a:ext uri="{FF2B5EF4-FFF2-40B4-BE49-F238E27FC236}">
-                <a16:creationId xmlns:a16="http://schemas.microsoft.com/office/drawing/2014/main" id="{4172C0E5-5AF0-4805-BB51-443733CD2BD5}"/>
+                <a16:creationId xmlns:a16="http://schemas.microsoft.com/office/drawing/2014/main" xmlns="" id="{4172C0E5-5AF0-4805-BB51-443733CD2BD5}"/>
               </a:ext>
             </a:extLst>
           </p:cNvPr>
@@ -7433,7 +7603,7 @@
           <a:p>
             <a:fld id="{63289F7E-B80B-496E-81B4-D396C37C9454}" type="datetimeFigureOut">
               <a:rPr lang="pt-BR" smtClean="0"/>
-              <a:t>22/02/2025</a:t>
+              <a:t>09/08/2025</a:t>
             </a:fld>
             <a:endParaRPr lang="pt-BR"/>
           </a:p>
@@ -7444,7 +7614,7 @@
           <p:cNvPr id="8" name="Espaço Reservado para Rodapé 7">
             <a:extLst>
               <a:ext uri="{FF2B5EF4-FFF2-40B4-BE49-F238E27FC236}">
-                <a16:creationId xmlns:a16="http://schemas.microsoft.com/office/drawing/2014/main" id="{0E801648-156F-497E-99CF-797DF48051E1}"/>
+                <a16:creationId xmlns:a16="http://schemas.microsoft.com/office/drawing/2014/main" xmlns="" id="{0E801648-156F-497E-99CF-797DF48051E1}"/>
               </a:ext>
             </a:extLst>
           </p:cNvPr>
@@ -7469,7 +7639,7 @@
           <p:cNvPr id="9" name="Espaço Reservado para Número de Slide 8">
             <a:extLst>
               <a:ext uri="{FF2B5EF4-FFF2-40B4-BE49-F238E27FC236}">
-                <a16:creationId xmlns:a16="http://schemas.microsoft.com/office/drawing/2014/main" id="{EEE23D32-80E7-4796-A137-66BF842E4B53}"/>
+                <a16:creationId xmlns:a16="http://schemas.microsoft.com/office/drawing/2014/main" xmlns="" id="{EEE23D32-80E7-4796-A137-66BF842E4B53}"/>
               </a:ext>
             </a:extLst>
           </p:cNvPr>
@@ -7487,7 +7657,7 @@
           <a:p>
             <a:fld id="{1A7E88B7-70CE-4035-AE73-13FA6FB985D4}" type="slidenum">
               <a:rPr lang="pt-BR" smtClean="0"/>
-              <a:t>‹#›</a:t>
+              <a:t>‹nº›</a:t>
             </a:fld>
             <a:endParaRPr lang="pt-BR"/>
           </a:p>
@@ -7528,7 +7698,7 @@
           <p:cNvPr id="2" name="Título 1">
             <a:extLst>
               <a:ext uri="{FF2B5EF4-FFF2-40B4-BE49-F238E27FC236}">
-                <a16:creationId xmlns:a16="http://schemas.microsoft.com/office/drawing/2014/main" id="{2BCE2379-C78F-47E1-8CFC-B846E7AF148D}"/>
+                <a16:creationId xmlns:a16="http://schemas.microsoft.com/office/drawing/2014/main" xmlns="" id="{2BCE2379-C78F-47E1-8CFC-B846E7AF148D}"/>
               </a:ext>
             </a:extLst>
           </p:cNvPr>
@@ -7556,7 +7726,7 @@
           <p:cNvPr id="3" name="Espaço Reservado para Data 2">
             <a:extLst>
               <a:ext uri="{FF2B5EF4-FFF2-40B4-BE49-F238E27FC236}">
-                <a16:creationId xmlns:a16="http://schemas.microsoft.com/office/drawing/2014/main" id="{342600A9-7F92-4E22-9D94-E4717252A817}"/>
+                <a16:creationId xmlns:a16="http://schemas.microsoft.com/office/drawing/2014/main" xmlns="" id="{342600A9-7F92-4E22-9D94-E4717252A817}"/>
               </a:ext>
             </a:extLst>
           </p:cNvPr>
@@ -7574,7 +7744,7 @@
           <a:p>
             <a:fld id="{63289F7E-B80B-496E-81B4-D396C37C9454}" type="datetimeFigureOut">
               <a:rPr lang="pt-BR" smtClean="0"/>
-              <a:t>22/02/2025</a:t>
+              <a:t>09/08/2025</a:t>
             </a:fld>
             <a:endParaRPr lang="pt-BR"/>
           </a:p>
@@ -7585,7 +7755,7 @@
           <p:cNvPr id="4" name="Espaço Reservado para Rodapé 3">
             <a:extLst>
               <a:ext uri="{FF2B5EF4-FFF2-40B4-BE49-F238E27FC236}">
-                <a16:creationId xmlns:a16="http://schemas.microsoft.com/office/drawing/2014/main" id="{192E6BED-F546-40CC-A2DF-99CBA853654E}"/>
+                <a16:creationId xmlns:a16="http://schemas.microsoft.com/office/drawing/2014/main" xmlns="" id="{192E6BED-F546-40CC-A2DF-99CBA853654E}"/>
               </a:ext>
             </a:extLst>
           </p:cNvPr>
@@ -7610,7 +7780,7 @@
           <p:cNvPr id="5" name="Espaço Reservado para Número de Slide 4">
             <a:extLst>
               <a:ext uri="{FF2B5EF4-FFF2-40B4-BE49-F238E27FC236}">
-                <a16:creationId xmlns:a16="http://schemas.microsoft.com/office/drawing/2014/main" id="{6091CC40-A8C4-4063-80EB-CC5099621678}"/>
+                <a16:creationId xmlns:a16="http://schemas.microsoft.com/office/drawing/2014/main" xmlns="" id="{6091CC40-A8C4-4063-80EB-CC5099621678}"/>
               </a:ext>
             </a:extLst>
           </p:cNvPr>
@@ -7628,7 +7798,7 @@
           <a:p>
             <a:fld id="{1A7E88B7-70CE-4035-AE73-13FA6FB985D4}" type="slidenum">
               <a:rPr lang="pt-BR" smtClean="0"/>
-              <a:t>‹#›</a:t>
+              <a:t>‹nº›</a:t>
             </a:fld>
             <a:endParaRPr lang="pt-BR"/>
           </a:p>
@@ -7669,7 +7839,7 @@
           <p:cNvPr id="2" name="Espaço Reservado para Data 1">
             <a:extLst>
               <a:ext uri="{FF2B5EF4-FFF2-40B4-BE49-F238E27FC236}">
-                <a16:creationId xmlns:a16="http://schemas.microsoft.com/office/drawing/2014/main" id="{DD19515C-212C-4EAE-84A3-8FF4BC844F1B}"/>
+                <a16:creationId xmlns:a16="http://schemas.microsoft.com/office/drawing/2014/main" xmlns="" id="{DD19515C-212C-4EAE-84A3-8FF4BC844F1B}"/>
               </a:ext>
             </a:extLst>
           </p:cNvPr>
@@ -7687,7 +7857,7 @@
           <a:p>
             <a:fld id="{63289F7E-B80B-496E-81B4-D396C37C9454}" type="datetimeFigureOut">
               <a:rPr lang="pt-BR" smtClean="0"/>
-              <a:t>22/02/2025</a:t>
+              <a:t>09/08/2025</a:t>
             </a:fld>
             <a:endParaRPr lang="pt-BR"/>
           </a:p>
@@ -7698,7 +7868,7 @@
           <p:cNvPr id="3" name="Espaço Reservado para Rodapé 2">
             <a:extLst>
               <a:ext uri="{FF2B5EF4-FFF2-40B4-BE49-F238E27FC236}">
-                <a16:creationId xmlns:a16="http://schemas.microsoft.com/office/drawing/2014/main" id="{94D3D120-B3E8-4C96-861D-7A4F12F49B3A}"/>
+                <a16:creationId xmlns:a16="http://schemas.microsoft.com/office/drawing/2014/main" xmlns="" id="{94D3D120-B3E8-4C96-861D-7A4F12F49B3A}"/>
               </a:ext>
             </a:extLst>
           </p:cNvPr>
@@ -7723,7 +7893,7 @@
           <p:cNvPr id="4" name="Espaço Reservado para Número de Slide 3">
             <a:extLst>
               <a:ext uri="{FF2B5EF4-FFF2-40B4-BE49-F238E27FC236}">
-                <a16:creationId xmlns:a16="http://schemas.microsoft.com/office/drawing/2014/main" id="{42E49B68-FA1B-468B-9F17-D5C09243D454}"/>
+                <a16:creationId xmlns:a16="http://schemas.microsoft.com/office/drawing/2014/main" xmlns="" id="{42E49B68-FA1B-468B-9F17-D5C09243D454}"/>
               </a:ext>
             </a:extLst>
           </p:cNvPr>
@@ -7741,7 +7911,7 @@
           <a:p>
             <a:fld id="{1A7E88B7-70CE-4035-AE73-13FA6FB985D4}" type="slidenum">
               <a:rPr lang="pt-BR" smtClean="0"/>
-              <a:t>‹#›</a:t>
+              <a:t>‹nº›</a:t>
             </a:fld>
             <a:endParaRPr lang="pt-BR"/>
           </a:p>
@@ -7782,7 +7952,7 @@
           <p:cNvPr id="2" name="Título 1">
             <a:extLst>
               <a:ext uri="{FF2B5EF4-FFF2-40B4-BE49-F238E27FC236}">
-                <a16:creationId xmlns:a16="http://schemas.microsoft.com/office/drawing/2014/main" id="{1C17BCBE-A897-4319-85EC-D87909C24980}"/>
+                <a16:creationId xmlns:a16="http://schemas.microsoft.com/office/drawing/2014/main" xmlns="" id="{1C17BCBE-A897-4319-85EC-D87909C24980}"/>
               </a:ext>
             </a:extLst>
           </p:cNvPr>
@@ -7819,7 +7989,7 @@
           <p:cNvPr id="3" name="Espaço Reservado para Conteúdo 2">
             <a:extLst>
               <a:ext uri="{FF2B5EF4-FFF2-40B4-BE49-F238E27FC236}">
-                <a16:creationId xmlns:a16="http://schemas.microsoft.com/office/drawing/2014/main" id="{4226F885-0204-4913-868B-4B8B82576F17}"/>
+                <a16:creationId xmlns:a16="http://schemas.microsoft.com/office/drawing/2014/main" xmlns="" id="{4226F885-0204-4913-868B-4B8B82576F17}"/>
               </a:ext>
             </a:extLst>
           </p:cNvPr>
@@ -7909,7 +8079,7 @@
           <p:cNvPr id="4" name="Espaço Reservado para Texto 3">
             <a:extLst>
               <a:ext uri="{FF2B5EF4-FFF2-40B4-BE49-F238E27FC236}">
-                <a16:creationId xmlns:a16="http://schemas.microsoft.com/office/drawing/2014/main" id="{00F9F784-A858-441B-8AB5-697098141751}"/>
+                <a16:creationId xmlns:a16="http://schemas.microsoft.com/office/drawing/2014/main" xmlns="" id="{00F9F784-A858-441B-8AB5-697098141751}"/>
               </a:ext>
             </a:extLst>
           </p:cNvPr>
@@ -7980,7 +8150,7 @@
           <p:cNvPr id="5" name="Espaço Reservado para Data 4">
             <a:extLst>
               <a:ext uri="{FF2B5EF4-FFF2-40B4-BE49-F238E27FC236}">
-                <a16:creationId xmlns:a16="http://schemas.microsoft.com/office/drawing/2014/main" id="{A4DC363A-5000-472E-8B17-02E7DCB8840A}"/>
+                <a16:creationId xmlns:a16="http://schemas.microsoft.com/office/drawing/2014/main" xmlns="" id="{A4DC363A-5000-472E-8B17-02E7DCB8840A}"/>
               </a:ext>
             </a:extLst>
           </p:cNvPr>
@@ -7998,7 +8168,7 @@
           <a:p>
             <a:fld id="{63289F7E-B80B-496E-81B4-D396C37C9454}" type="datetimeFigureOut">
               <a:rPr lang="pt-BR" smtClean="0"/>
-              <a:t>22/02/2025</a:t>
+              <a:t>09/08/2025</a:t>
             </a:fld>
             <a:endParaRPr lang="pt-BR"/>
           </a:p>
@@ -8009,7 +8179,7 @@
           <p:cNvPr id="6" name="Espaço Reservado para Rodapé 5">
             <a:extLst>
               <a:ext uri="{FF2B5EF4-FFF2-40B4-BE49-F238E27FC236}">
-                <a16:creationId xmlns:a16="http://schemas.microsoft.com/office/drawing/2014/main" id="{5548425D-2C21-4C56-BAD4-662978775C28}"/>
+                <a16:creationId xmlns:a16="http://schemas.microsoft.com/office/drawing/2014/main" xmlns="" id="{5548425D-2C21-4C56-BAD4-662978775C28}"/>
               </a:ext>
             </a:extLst>
           </p:cNvPr>
@@ -8034,7 +8204,7 @@
           <p:cNvPr id="7" name="Espaço Reservado para Número de Slide 6">
             <a:extLst>
               <a:ext uri="{FF2B5EF4-FFF2-40B4-BE49-F238E27FC236}">
-                <a16:creationId xmlns:a16="http://schemas.microsoft.com/office/drawing/2014/main" id="{C63E9726-E64C-42B2-AE8A-8C235A956B48}"/>
+                <a16:creationId xmlns:a16="http://schemas.microsoft.com/office/drawing/2014/main" xmlns="" id="{C63E9726-E64C-42B2-AE8A-8C235A956B48}"/>
               </a:ext>
             </a:extLst>
           </p:cNvPr>
@@ -8052,7 +8222,7 @@
           <a:p>
             <a:fld id="{1A7E88B7-70CE-4035-AE73-13FA6FB985D4}" type="slidenum">
               <a:rPr lang="pt-BR" smtClean="0"/>
-              <a:t>‹#›</a:t>
+              <a:t>‹nº›</a:t>
             </a:fld>
             <a:endParaRPr lang="pt-BR"/>
           </a:p>
@@ -8093,7 +8263,7 @@
           <p:cNvPr id="2" name="Título 1">
             <a:extLst>
               <a:ext uri="{FF2B5EF4-FFF2-40B4-BE49-F238E27FC236}">
-                <a16:creationId xmlns:a16="http://schemas.microsoft.com/office/drawing/2014/main" id="{11086A78-3E74-450C-96A6-CA8AC37AF772}"/>
+                <a16:creationId xmlns:a16="http://schemas.microsoft.com/office/drawing/2014/main" xmlns="" id="{11086A78-3E74-450C-96A6-CA8AC37AF772}"/>
               </a:ext>
             </a:extLst>
           </p:cNvPr>
@@ -8130,7 +8300,7 @@
           <p:cNvPr id="3" name="Espaço Reservado para Imagem 2">
             <a:extLst>
               <a:ext uri="{FF2B5EF4-FFF2-40B4-BE49-F238E27FC236}">
-                <a16:creationId xmlns:a16="http://schemas.microsoft.com/office/drawing/2014/main" id="{5F5B7312-975A-4DBC-9B2F-3652ADA006FD}"/>
+                <a16:creationId xmlns:a16="http://schemas.microsoft.com/office/drawing/2014/main" xmlns="" id="{5F5B7312-975A-4DBC-9B2F-3652ADA006FD}"/>
               </a:ext>
             </a:extLst>
           </p:cNvPr>
@@ -8197,7 +8367,7 @@
           <p:cNvPr id="4" name="Espaço Reservado para Texto 3">
             <a:extLst>
               <a:ext uri="{FF2B5EF4-FFF2-40B4-BE49-F238E27FC236}">
-                <a16:creationId xmlns:a16="http://schemas.microsoft.com/office/drawing/2014/main" id="{AAF805F5-1DFF-41C6-944C-7D79FE0D0963}"/>
+                <a16:creationId xmlns:a16="http://schemas.microsoft.com/office/drawing/2014/main" xmlns="" id="{AAF805F5-1DFF-41C6-944C-7D79FE0D0963}"/>
               </a:ext>
             </a:extLst>
           </p:cNvPr>
@@ -8268,7 +8438,7 @@
           <p:cNvPr id="5" name="Espaço Reservado para Data 4">
             <a:extLst>
               <a:ext uri="{FF2B5EF4-FFF2-40B4-BE49-F238E27FC236}">
-                <a16:creationId xmlns:a16="http://schemas.microsoft.com/office/drawing/2014/main" id="{02113D81-8665-4516-BD81-C6A1F254EECD}"/>
+                <a16:creationId xmlns:a16="http://schemas.microsoft.com/office/drawing/2014/main" xmlns="" id="{02113D81-8665-4516-BD81-C6A1F254EECD}"/>
               </a:ext>
             </a:extLst>
           </p:cNvPr>
@@ -8286,7 +8456,7 @@
           <a:p>
             <a:fld id="{63289F7E-B80B-496E-81B4-D396C37C9454}" type="datetimeFigureOut">
               <a:rPr lang="pt-BR" smtClean="0"/>
-              <a:t>22/02/2025</a:t>
+              <a:t>09/08/2025</a:t>
             </a:fld>
             <a:endParaRPr lang="pt-BR"/>
           </a:p>
@@ -8297,7 +8467,7 @@
           <p:cNvPr id="6" name="Espaço Reservado para Rodapé 5">
             <a:extLst>
               <a:ext uri="{FF2B5EF4-FFF2-40B4-BE49-F238E27FC236}">
-                <a16:creationId xmlns:a16="http://schemas.microsoft.com/office/drawing/2014/main" id="{2B00C88B-FF32-40AA-A187-727D96FD7862}"/>
+                <a16:creationId xmlns:a16="http://schemas.microsoft.com/office/drawing/2014/main" xmlns="" id="{2B00C88B-FF32-40AA-A187-727D96FD7862}"/>
               </a:ext>
             </a:extLst>
           </p:cNvPr>
@@ -8322,7 +8492,7 @@
           <p:cNvPr id="7" name="Espaço Reservado para Número de Slide 6">
             <a:extLst>
               <a:ext uri="{FF2B5EF4-FFF2-40B4-BE49-F238E27FC236}">
-                <a16:creationId xmlns:a16="http://schemas.microsoft.com/office/drawing/2014/main" id="{A04D1A2D-69F7-4B8F-A730-BC26DC340BA6}"/>
+                <a16:creationId xmlns:a16="http://schemas.microsoft.com/office/drawing/2014/main" xmlns="" id="{A04D1A2D-69F7-4B8F-A730-BC26DC340BA6}"/>
               </a:ext>
             </a:extLst>
           </p:cNvPr>
@@ -8340,7 +8510,7 @@
           <a:p>
             <a:fld id="{1A7E88B7-70CE-4035-AE73-13FA6FB985D4}" type="slidenum">
               <a:rPr lang="pt-BR" smtClean="0"/>
-              <a:t>‹#›</a:t>
+              <a:t>‹nº›</a:t>
             </a:fld>
             <a:endParaRPr lang="pt-BR"/>
           </a:p>
@@ -8386,7 +8556,7 @@
           <p:cNvPr id="2" name="Espaço Reservado para Título 1">
             <a:extLst>
               <a:ext uri="{FF2B5EF4-FFF2-40B4-BE49-F238E27FC236}">
-                <a16:creationId xmlns:a16="http://schemas.microsoft.com/office/drawing/2014/main" id="{E69A0273-1966-4A1B-9370-4C1CE5036371}"/>
+                <a16:creationId xmlns:a16="http://schemas.microsoft.com/office/drawing/2014/main" xmlns="" id="{E69A0273-1966-4A1B-9370-4C1CE5036371}"/>
               </a:ext>
             </a:extLst>
           </p:cNvPr>
@@ -8424,7 +8594,7 @@
           <p:cNvPr id="3" name="Espaço Reservado para Texto 2">
             <a:extLst>
               <a:ext uri="{FF2B5EF4-FFF2-40B4-BE49-F238E27FC236}">
-                <a16:creationId xmlns:a16="http://schemas.microsoft.com/office/drawing/2014/main" id="{3B9CF87A-0448-49A7-AB25-EBC1D56A40EF}"/>
+                <a16:creationId xmlns:a16="http://schemas.microsoft.com/office/drawing/2014/main" xmlns="" id="{3B9CF87A-0448-49A7-AB25-EBC1D56A40EF}"/>
               </a:ext>
             </a:extLst>
           </p:cNvPr>
@@ -8491,7 +8661,7 @@
           <p:cNvPr id="4" name="Espaço Reservado para Data 3">
             <a:extLst>
               <a:ext uri="{FF2B5EF4-FFF2-40B4-BE49-F238E27FC236}">
-                <a16:creationId xmlns:a16="http://schemas.microsoft.com/office/drawing/2014/main" id="{2EF7B1F2-BB5A-44D0-816D-16AD2C71430E}"/>
+                <a16:creationId xmlns:a16="http://schemas.microsoft.com/office/drawing/2014/main" xmlns="" id="{2EF7B1F2-BB5A-44D0-816D-16AD2C71430E}"/>
               </a:ext>
             </a:extLst>
           </p:cNvPr>
@@ -8527,7 +8697,7 @@
           <a:p>
             <a:fld id="{63289F7E-B80B-496E-81B4-D396C37C9454}" type="datetimeFigureOut">
               <a:rPr lang="pt-BR" smtClean="0"/>
-              <a:t>22/02/2025</a:t>
+              <a:t>09/08/2025</a:t>
             </a:fld>
             <a:endParaRPr lang="pt-BR"/>
           </a:p>
@@ -8538,7 +8708,7 @@
           <p:cNvPr id="5" name="Espaço Reservado para Rodapé 4">
             <a:extLst>
               <a:ext uri="{FF2B5EF4-FFF2-40B4-BE49-F238E27FC236}">
-                <a16:creationId xmlns:a16="http://schemas.microsoft.com/office/drawing/2014/main" id="{C703F94C-2CC8-4DAA-BC35-14FC3E841DCD}"/>
+                <a16:creationId xmlns:a16="http://schemas.microsoft.com/office/drawing/2014/main" xmlns="" id="{C703F94C-2CC8-4DAA-BC35-14FC3E841DCD}"/>
               </a:ext>
             </a:extLst>
           </p:cNvPr>
@@ -8581,7 +8751,7 @@
           <p:cNvPr id="6" name="Espaço Reservado para Número de Slide 5">
             <a:extLst>
               <a:ext uri="{FF2B5EF4-FFF2-40B4-BE49-F238E27FC236}">
-                <a16:creationId xmlns:a16="http://schemas.microsoft.com/office/drawing/2014/main" id="{64051336-7048-457A-8B61-D94291D71648}"/>
+                <a16:creationId xmlns:a16="http://schemas.microsoft.com/office/drawing/2014/main" xmlns="" id="{64051336-7048-457A-8B61-D94291D71648}"/>
               </a:ext>
             </a:extLst>
           </p:cNvPr>
@@ -8617,7 +8787,7 @@
           <a:p>
             <a:fld id="{1A7E88B7-70CE-4035-AE73-13FA6FB985D4}" type="slidenum">
               <a:rPr lang="pt-BR" smtClean="0"/>
-              <a:t>‹#›</a:t>
+              <a:t>‹nº›</a:t>
             </a:fld>
             <a:endParaRPr lang="pt-BR"/>
           </a:p>
@@ -8949,7 +9119,7 @@
           <p:cNvPr id="2" name="Título 1">
             <a:extLst>
               <a:ext uri="{FF2B5EF4-FFF2-40B4-BE49-F238E27FC236}">
-                <a16:creationId xmlns:a16="http://schemas.microsoft.com/office/drawing/2014/main" id="{32666AC8-2E17-4DB4-B0F5-60C640CCFD2E}"/>
+                <a16:creationId xmlns:a16="http://schemas.microsoft.com/office/drawing/2014/main" xmlns="" id="{32666AC8-2E17-4DB4-B0F5-60C640CCFD2E}"/>
               </a:ext>
             </a:extLst>
           </p:cNvPr>
@@ -8976,6 +9146,10 @@
               <a:rPr lang="pt-BR" sz="5400" dirty="0"/>
               <a:t>T320 - Introdução ao Aprendizado de Máquina II:</a:t>
             </a:r>
+            <a:r>
+              <a:rPr lang="pt-BR" dirty="0"/>
+              <a:t/>
+            </a:r>
             <a:br>
               <a:rPr lang="pt-BR" dirty="0"/>
             </a:br>
@@ -8991,7 +9165,7 @@
           <p:cNvPr id="4" name="CaixaDeTexto 3">
             <a:extLst>
               <a:ext uri="{FF2B5EF4-FFF2-40B4-BE49-F238E27FC236}">
-                <a16:creationId xmlns:a16="http://schemas.microsoft.com/office/drawing/2014/main" id="{430EB894-B7D4-434C-9D1A-A14094D9BEEC}"/>
+                <a16:creationId xmlns:a16="http://schemas.microsoft.com/office/drawing/2014/main" xmlns="" id="{430EB894-B7D4-434C-9D1A-A14094D9BEEC}"/>
               </a:ext>
             </a:extLst>
           </p:cNvPr>
@@ -9032,7 +9206,7 @@
           <p:cNvPr id="1026" name="Picture 2" descr="Logo">
             <a:extLst>
               <a:ext uri="{FF2B5EF4-FFF2-40B4-BE49-F238E27FC236}">
-                <a16:creationId xmlns:a16="http://schemas.microsoft.com/office/drawing/2014/main" id="{3F2642E0-4F6A-4196-8F58-E77D36E9A33F}"/>
+                <a16:creationId xmlns:a16="http://schemas.microsoft.com/office/drawing/2014/main" xmlns="" id="{3F2642E0-4F6A-4196-8F58-E77D36E9A33F}"/>
               </a:ext>
             </a:extLst>
           </p:cNvPr>
@@ -9077,7 +9251,7 @@
           <p:cNvPr id="5122" name="Picture 2" descr="Image result for machine learning">
             <a:extLst>
               <a:ext uri="{FF2B5EF4-FFF2-40B4-BE49-F238E27FC236}">
-                <a16:creationId xmlns:a16="http://schemas.microsoft.com/office/drawing/2014/main" id="{810CE0A2-4102-44A6-A370-175E7896CDCB}"/>
+                <a16:creationId xmlns:a16="http://schemas.microsoft.com/office/drawing/2014/main" xmlns="" id="{810CE0A2-4102-44A6-A370-175E7896CDCB}"/>
               </a:ext>
             </a:extLst>
           </p:cNvPr>
@@ -9152,7 +9326,7 @@
           <p:cNvPr id="2" name="Título 1">
             <a:extLst>
               <a:ext uri="{FF2B5EF4-FFF2-40B4-BE49-F238E27FC236}">
-                <a16:creationId xmlns:a16="http://schemas.microsoft.com/office/drawing/2014/main" id="{B2DF1BE3-A387-1199-902E-AC1680BF9682}"/>
+                <a16:creationId xmlns:a16="http://schemas.microsoft.com/office/drawing/2014/main" xmlns="" id="{B2DF1BE3-A387-1199-902E-AC1680BF9682}"/>
               </a:ext>
             </a:extLst>
           </p:cNvPr>
@@ -9175,14 +9349,14 @@
           </a:p>
         </p:txBody>
       </p:sp>
-      <mc:AlternateContent xmlns:mc="http://schemas.openxmlformats.org/markup-compatibility/2006" xmlns:a14="http://schemas.microsoft.com/office/drawing/2010/main">
-        <mc:Choice Requires="a14">
+      <mc:AlternateContent xmlns:mc="http://schemas.openxmlformats.org/markup-compatibility/2006">
+        <mc:Choice xmlns:a14="http://schemas.microsoft.com/office/drawing/2010/main" Requires="a14">
           <p:sp>
             <p:nvSpPr>
               <p:cNvPr id="3" name="Espaço Reservado para Conteúdo 2">
                 <a:extLst>
                   <a:ext uri="{FF2B5EF4-FFF2-40B4-BE49-F238E27FC236}">
-                    <a16:creationId xmlns:a16="http://schemas.microsoft.com/office/drawing/2014/main" id="{D4A261E2-EE7B-ABC6-0440-76C231BADC90}"/>
+                    <a16:creationId xmlns:a16="http://schemas.microsoft.com/office/drawing/2014/main" xmlns="" id="{D4A261E2-EE7B-ABC6-0440-76C231BADC90}"/>
                   </a:ext>
                 </a:extLst>
               </p:cNvPr>
@@ -9244,7 +9418,15 @@
                 </a14:m>
                 <a:r>
                   <a:rPr lang="pt-BR" dirty="0"/>
-                  <a:t> em apenas 2 valores de saída é chamada de </a:t>
+                  <a:t> </a:t>
+                </a:r>
+                <a:r>
+                  <a:rPr lang="pt-BR" dirty="0" smtClean="0"/>
+                  <a:t>em 2 </a:t>
+                </a:r>
+                <a:r>
+                  <a:rPr lang="pt-BR" dirty="0"/>
+                  <a:t>valores de saída é chamada de </a:t>
                 </a:r>
                 <a:r>
                   <a:rPr lang="pt-BR" b="1" i="1" dirty="0">
@@ -9508,13 +9690,13 @@
             </p:txBody>
           </p:sp>
         </mc:Choice>
-        <mc:Fallback xmlns="">
+        <mc:Fallback>
           <p:sp>
             <p:nvSpPr>
               <p:cNvPr id="3" name="Espaço Reservado para Conteúdo 2">
                 <a:extLst>
                   <a:ext uri="{FF2B5EF4-FFF2-40B4-BE49-F238E27FC236}">
-                    <a16:creationId xmlns:a16="http://schemas.microsoft.com/office/drawing/2014/main" id="{D4A261E2-EE7B-ABC6-0440-76C231BADC90}"/>
+                    <a16:creationId xmlns:a16="http://schemas.microsoft.com/office/drawing/2014/main" xmlns:a14="http://schemas.microsoft.com/office/drawing/2010/main" xmlns="" id="{D4A261E2-EE7B-ABC6-0440-76C231BADC90}"/>
                   </a:ext>
                 </a:extLst>
               </p:cNvPr>
@@ -9530,7 +9712,7 @@
                 <a:off x="4829176" y="1825624"/>
                 <a:ext cx="7191374" cy="5032375"/>
               </a:xfrm>
-              <a:blipFill>
+              <a:blipFill rotWithShape="0">
                 <a:blip r:embed="rId2"/>
                 <a:stretch>
                   <a:fillRect l="-1525" t="-1937" r="-254"/>
@@ -9557,7 +9739,7 @@
           <p:cNvPr id="6" name="TextBox 19">
             <a:extLst>
               <a:ext uri="{FF2B5EF4-FFF2-40B4-BE49-F238E27FC236}">
-                <a16:creationId xmlns:a16="http://schemas.microsoft.com/office/drawing/2014/main" id="{A1BBAE81-E3A1-6786-5F92-A8B1850689D9}"/>
+                <a16:creationId xmlns:a16="http://schemas.microsoft.com/office/drawing/2014/main" xmlns="" id="{A1BBAE81-E3A1-6786-5F92-A8B1850689D9}"/>
               </a:ext>
             </a:extLst>
           </p:cNvPr>
@@ -9605,7 +9787,7 @@
           <p:cNvPr id="7" name="Straight Arrow Connector 24">
             <a:extLst>
               <a:ext uri="{FF2B5EF4-FFF2-40B4-BE49-F238E27FC236}">
-                <a16:creationId xmlns:a16="http://schemas.microsoft.com/office/drawing/2014/main" id="{C023577F-3BE8-777C-02F7-B6D4BA12EE9C}"/>
+                <a16:creationId xmlns:a16="http://schemas.microsoft.com/office/drawing/2014/main" xmlns="" id="{C023577F-3BE8-777C-02F7-B6D4BA12EE9C}"/>
               </a:ext>
             </a:extLst>
           </p:cNvPr>
@@ -9649,7 +9831,7 @@
           <p:cNvPr id="16" name="Agrupar 15">
             <a:extLst>
               <a:ext uri="{FF2B5EF4-FFF2-40B4-BE49-F238E27FC236}">
-                <a16:creationId xmlns:a16="http://schemas.microsoft.com/office/drawing/2014/main" id="{E1BC3B28-A877-B1F8-8724-FEC92B3B8AB1}"/>
+                <a16:creationId xmlns:a16="http://schemas.microsoft.com/office/drawing/2014/main" xmlns="" id="{E1BC3B28-A877-B1F8-8724-FEC92B3B8AB1}"/>
               </a:ext>
             </a:extLst>
           </p:cNvPr>
@@ -9669,7 +9851,7 @@
             <p:cNvPr id="4" name="Picture 16">
               <a:extLst>
                 <a:ext uri="{FF2B5EF4-FFF2-40B4-BE49-F238E27FC236}">
-                  <a16:creationId xmlns:a16="http://schemas.microsoft.com/office/drawing/2014/main" id="{7F40541D-F948-44BC-4E48-39EBFFB9640C}"/>
+                  <a16:creationId xmlns:a16="http://schemas.microsoft.com/office/drawing/2014/main" xmlns="" id="{7F40541D-F948-44BC-4E48-39EBFFB9640C}"/>
                 </a:ext>
               </a:extLst>
             </p:cNvPr>
@@ -9698,7 +9880,7 @@
             <p:cNvPr id="5" name="Rectangle 17">
               <a:extLst>
                 <a:ext uri="{FF2B5EF4-FFF2-40B4-BE49-F238E27FC236}">
-                  <a16:creationId xmlns:a16="http://schemas.microsoft.com/office/drawing/2014/main" id="{11D202E4-A9E4-6400-B6B5-08509661CB6A}"/>
+                  <a16:creationId xmlns:a16="http://schemas.microsoft.com/office/drawing/2014/main" xmlns="" id="{11D202E4-A9E4-6400-B6B5-08509661CB6A}"/>
                 </a:ext>
               </a:extLst>
             </p:cNvPr>
@@ -9735,7 +9917,7 @@
                 <p:cNvPr id="13" name="CaixaDeTexto 12">
                   <a:extLst>
                     <a:ext uri="{FF2B5EF4-FFF2-40B4-BE49-F238E27FC236}">
-                      <a16:creationId xmlns:a16="http://schemas.microsoft.com/office/drawing/2014/main" id="{618FA8DE-2726-6E85-B79D-64F78B73160C}"/>
+                      <a16:creationId xmlns:a16="http://schemas.microsoft.com/office/drawing/2014/main" xmlns="" id="{618FA8DE-2726-6E85-B79D-64F78B73160C}"/>
                     </a:ext>
                   </a:extLst>
                 </p:cNvPr>
@@ -9851,7 +10033,7 @@
                 <p:cNvPr id="15" name="CaixaDeTexto 14">
                   <a:extLst>
                     <a:ext uri="{FF2B5EF4-FFF2-40B4-BE49-F238E27FC236}">
-                      <a16:creationId xmlns:a16="http://schemas.microsoft.com/office/drawing/2014/main" id="{5C2FEE03-FCD1-7E66-0281-BFC9FB634050}"/>
+                      <a16:creationId xmlns:a16="http://schemas.microsoft.com/office/drawing/2014/main" xmlns="" id="{5C2FEE03-FCD1-7E66-0281-BFC9FB634050}"/>
                     </a:ext>
                   </a:extLst>
                 </p:cNvPr>
@@ -10030,8 +10212,8 @@
           </a:p>
         </p:txBody>
       </p:sp>
-      <mc:AlternateContent xmlns:mc="http://schemas.openxmlformats.org/markup-compatibility/2006" xmlns:a14="http://schemas.microsoft.com/office/drawing/2010/main">
-        <mc:Choice Requires="a14">
+      <mc:AlternateContent xmlns:mc="http://schemas.openxmlformats.org/markup-compatibility/2006">
+        <mc:Choice xmlns:a14="http://schemas.microsoft.com/office/drawing/2010/main" Requires="a14">
           <p:sp>
             <p:nvSpPr>
               <p:cNvPr id="3" name="Content Placeholder 2"/>
@@ -10126,7 +10308,19 @@
                 </a:r>
                 <a:r>
                   <a:rPr lang="pt-BR" dirty="0"/>
-                  <a:t>tem uma forma matemática bem definida, precisamos pensar em como encontrar os pesos, </a:t>
+                  <a:t>tem uma forma matemática bem definida, precisamos pensar em </a:t>
+                </a:r>
+                <a:r>
+                  <a:rPr lang="pt-BR" b="1" i="1" dirty="0">
+                    <a:solidFill>
+                      <a:srgbClr val="7030A0"/>
+                    </a:solidFill>
+                  </a:rPr>
+                  <a:t>como encontrar os pesos</a:t>
+                </a:r>
+                <a:r>
+                  <a:rPr lang="pt-BR" dirty="0"/>
+                  <a:t>, </a:t>
                 </a:r>
                 <a14:m>
                   <m:oMath xmlns:m="http://schemas.openxmlformats.org/officeDocument/2006/math">
@@ -10147,7 +10341,7 @@
             </p:txBody>
           </p:sp>
         </mc:Choice>
-        <mc:Fallback xmlns="">
+        <mc:Fallback>
           <p:sp>
             <p:nvSpPr>
               <p:cNvPr id="3" name="Content Placeholder 2"/>
@@ -10163,7 +10357,7 @@
                 <a:off x="5197642" y="1898980"/>
                 <a:ext cx="6870531" cy="4959020"/>
               </a:xfrm>
-              <a:blipFill>
+              <a:blipFill rotWithShape="0">
                 <a:blip r:embed="rId3"/>
                 <a:stretch>
                   <a:fillRect l="-1597" t="-2091"/>
@@ -10190,7 +10384,7 @@
           <p:cNvPr id="4" name="Agrupar 3">
             <a:extLst>
               <a:ext uri="{FF2B5EF4-FFF2-40B4-BE49-F238E27FC236}">
-                <a16:creationId xmlns:a16="http://schemas.microsoft.com/office/drawing/2014/main" id="{9167699E-C148-E6E4-AA25-95745C8A9E72}"/>
+                <a16:creationId xmlns:a16="http://schemas.microsoft.com/office/drawing/2014/main" xmlns="" id="{9167699E-C148-E6E4-AA25-95745C8A9E72}"/>
               </a:ext>
             </a:extLst>
           </p:cNvPr>
@@ -10210,7 +10404,7 @@
             <p:cNvPr id="6" name="Picture 16">
               <a:extLst>
                 <a:ext uri="{FF2B5EF4-FFF2-40B4-BE49-F238E27FC236}">
-                  <a16:creationId xmlns:a16="http://schemas.microsoft.com/office/drawing/2014/main" id="{43A50A77-EC5B-72A7-708D-F766435B42BA}"/>
+                  <a16:creationId xmlns:a16="http://schemas.microsoft.com/office/drawing/2014/main" xmlns="" id="{43A50A77-EC5B-72A7-708D-F766435B42BA}"/>
                 </a:ext>
               </a:extLst>
             </p:cNvPr>
@@ -10239,7 +10433,7 @@
             <p:cNvPr id="7" name="Rectangle 17">
               <a:extLst>
                 <a:ext uri="{FF2B5EF4-FFF2-40B4-BE49-F238E27FC236}">
-                  <a16:creationId xmlns:a16="http://schemas.microsoft.com/office/drawing/2014/main" id="{78B0EA9B-5D67-2FF5-DDBD-1D93340B6BAD}"/>
+                  <a16:creationId xmlns:a16="http://schemas.microsoft.com/office/drawing/2014/main" xmlns="" id="{78B0EA9B-5D67-2FF5-DDBD-1D93340B6BAD}"/>
                 </a:ext>
               </a:extLst>
             </p:cNvPr>
@@ -10276,7 +10470,7 @@
                 <p:cNvPr id="8" name="CaixaDeTexto 7">
                   <a:extLst>
                     <a:ext uri="{FF2B5EF4-FFF2-40B4-BE49-F238E27FC236}">
-                      <a16:creationId xmlns:a16="http://schemas.microsoft.com/office/drawing/2014/main" id="{AF29DA71-4710-10E0-14BD-1B1438F22A8F}"/>
+                      <a16:creationId xmlns:a16="http://schemas.microsoft.com/office/drawing/2014/main" xmlns="" id="{AF29DA71-4710-10E0-14BD-1B1438F22A8F}"/>
                     </a:ext>
                   </a:extLst>
                 </p:cNvPr>
@@ -10392,7 +10586,7 @@
                 <p:cNvPr id="9" name="CaixaDeTexto 8">
                   <a:extLst>
                     <a:ext uri="{FF2B5EF4-FFF2-40B4-BE49-F238E27FC236}">
-                      <a16:creationId xmlns:a16="http://schemas.microsoft.com/office/drawing/2014/main" id="{60F2DECC-8C19-18FE-B4F8-959EE96B8D82}"/>
+                      <a16:creationId xmlns:a16="http://schemas.microsoft.com/office/drawing/2014/main" xmlns="" id="{60F2DECC-8C19-18FE-B4F8-959EE96B8D82}"/>
                     </a:ext>
                   </a:extLst>
                 </p:cNvPr>
@@ -10829,7 +11023,7 @@
           <p:cNvPr id="4" name="Agrupar 3">
             <a:extLst>
               <a:ext uri="{FF2B5EF4-FFF2-40B4-BE49-F238E27FC236}">
-                <a16:creationId xmlns:a16="http://schemas.microsoft.com/office/drawing/2014/main" id="{9167699E-C148-E6E4-AA25-95745C8A9E72}"/>
+                <a16:creationId xmlns:a16="http://schemas.microsoft.com/office/drawing/2014/main" xmlns="" id="{9167699E-C148-E6E4-AA25-95745C8A9E72}"/>
               </a:ext>
             </a:extLst>
           </p:cNvPr>
@@ -10849,7 +11043,7 @@
             <p:cNvPr id="6" name="Picture 16">
               <a:extLst>
                 <a:ext uri="{FF2B5EF4-FFF2-40B4-BE49-F238E27FC236}">
-                  <a16:creationId xmlns:a16="http://schemas.microsoft.com/office/drawing/2014/main" id="{43A50A77-EC5B-72A7-708D-F766435B42BA}"/>
+                  <a16:creationId xmlns:a16="http://schemas.microsoft.com/office/drawing/2014/main" xmlns="" id="{43A50A77-EC5B-72A7-708D-F766435B42BA}"/>
                 </a:ext>
               </a:extLst>
             </p:cNvPr>
@@ -10878,7 +11072,7 @@
             <p:cNvPr id="7" name="Rectangle 17">
               <a:extLst>
                 <a:ext uri="{FF2B5EF4-FFF2-40B4-BE49-F238E27FC236}">
-                  <a16:creationId xmlns:a16="http://schemas.microsoft.com/office/drawing/2014/main" id="{78B0EA9B-5D67-2FF5-DDBD-1D93340B6BAD}"/>
+                  <a16:creationId xmlns:a16="http://schemas.microsoft.com/office/drawing/2014/main" xmlns="" id="{78B0EA9B-5D67-2FF5-DDBD-1D93340B6BAD}"/>
                 </a:ext>
               </a:extLst>
             </p:cNvPr>
@@ -10915,7 +11109,7 @@
                 <p:cNvPr id="8" name="CaixaDeTexto 7">
                   <a:extLst>
                     <a:ext uri="{FF2B5EF4-FFF2-40B4-BE49-F238E27FC236}">
-                      <a16:creationId xmlns:a16="http://schemas.microsoft.com/office/drawing/2014/main" id="{AF29DA71-4710-10E0-14BD-1B1438F22A8F}"/>
+                      <a16:creationId xmlns:a16="http://schemas.microsoft.com/office/drawing/2014/main" xmlns="" id="{AF29DA71-4710-10E0-14BD-1B1438F22A8F}"/>
                     </a:ext>
                   </a:extLst>
                 </p:cNvPr>
@@ -11031,7 +11225,7 @@
                 <p:cNvPr id="9" name="CaixaDeTexto 8">
                   <a:extLst>
                     <a:ext uri="{FF2B5EF4-FFF2-40B4-BE49-F238E27FC236}">
-                      <a16:creationId xmlns:a16="http://schemas.microsoft.com/office/drawing/2014/main" id="{60F2DECC-8C19-18FE-B4F8-959EE96B8D82}"/>
+                      <a16:creationId xmlns:a16="http://schemas.microsoft.com/office/drawing/2014/main" xmlns="" id="{60F2DECC-8C19-18FE-B4F8-959EE96B8D82}"/>
                     </a:ext>
                   </a:extLst>
                 </p:cNvPr>
@@ -11251,7 +11445,7 @@
           <p:cNvPr id="4" name="Agrupar 3">
             <a:extLst>
               <a:ext uri="{FF2B5EF4-FFF2-40B4-BE49-F238E27FC236}">
-                <a16:creationId xmlns:a16="http://schemas.microsoft.com/office/drawing/2014/main" id="{9167699E-C148-E6E4-AA25-95745C8A9E72}"/>
+                <a16:creationId xmlns:a16="http://schemas.microsoft.com/office/drawing/2014/main" xmlns="" id="{9167699E-C148-E6E4-AA25-95745C8A9E72}"/>
               </a:ext>
             </a:extLst>
           </p:cNvPr>
@@ -11271,7 +11465,7 @@
             <p:cNvPr id="6" name="Picture 16">
               <a:extLst>
                 <a:ext uri="{FF2B5EF4-FFF2-40B4-BE49-F238E27FC236}">
-                  <a16:creationId xmlns:a16="http://schemas.microsoft.com/office/drawing/2014/main" id="{43A50A77-EC5B-72A7-708D-F766435B42BA}"/>
+                  <a16:creationId xmlns:a16="http://schemas.microsoft.com/office/drawing/2014/main" xmlns="" id="{43A50A77-EC5B-72A7-708D-F766435B42BA}"/>
                 </a:ext>
               </a:extLst>
             </p:cNvPr>
@@ -11300,7 +11494,7 @@
             <p:cNvPr id="7" name="Rectangle 17">
               <a:extLst>
                 <a:ext uri="{FF2B5EF4-FFF2-40B4-BE49-F238E27FC236}">
-                  <a16:creationId xmlns:a16="http://schemas.microsoft.com/office/drawing/2014/main" id="{78B0EA9B-5D67-2FF5-DDBD-1D93340B6BAD}"/>
+                  <a16:creationId xmlns:a16="http://schemas.microsoft.com/office/drawing/2014/main" xmlns="" id="{78B0EA9B-5D67-2FF5-DDBD-1D93340B6BAD}"/>
                 </a:ext>
               </a:extLst>
             </p:cNvPr>
@@ -11337,7 +11531,7 @@
                 <p:cNvPr id="8" name="CaixaDeTexto 7">
                   <a:extLst>
                     <a:ext uri="{FF2B5EF4-FFF2-40B4-BE49-F238E27FC236}">
-                      <a16:creationId xmlns:a16="http://schemas.microsoft.com/office/drawing/2014/main" id="{AF29DA71-4710-10E0-14BD-1B1438F22A8F}"/>
+                      <a16:creationId xmlns:a16="http://schemas.microsoft.com/office/drawing/2014/main" xmlns="" id="{AF29DA71-4710-10E0-14BD-1B1438F22A8F}"/>
                     </a:ext>
                   </a:extLst>
                 </p:cNvPr>
@@ -11453,7 +11647,7 @@
                 <p:cNvPr id="9" name="CaixaDeTexto 8">
                   <a:extLst>
                     <a:ext uri="{FF2B5EF4-FFF2-40B4-BE49-F238E27FC236}">
-                      <a16:creationId xmlns:a16="http://schemas.microsoft.com/office/drawing/2014/main" id="{60F2DECC-8C19-18FE-B4F8-959EE96B8D82}"/>
+                      <a16:creationId xmlns:a16="http://schemas.microsoft.com/office/drawing/2014/main" xmlns="" id="{60F2DECC-8C19-18FE-B4F8-959EE96B8D82}"/>
                     </a:ext>
                   </a:extLst>
                 </p:cNvPr>
@@ -11615,7 +11809,7 @@
           <p:cNvPr id="2" name="Título 1">
             <a:extLst>
               <a:ext uri="{FF2B5EF4-FFF2-40B4-BE49-F238E27FC236}">
-                <a16:creationId xmlns:a16="http://schemas.microsoft.com/office/drawing/2014/main" id="{0701249B-8A42-478D-8165-DC55BCBE9F30}"/>
+                <a16:creationId xmlns:a16="http://schemas.microsoft.com/office/drawing/2014/main" xmlns="" id="{0701249B-8A42-478D-8165-DC55BCBE9F30}"/>
               </a:ext>
             </a:extLst>
           </p:cNvPr>
@@ -11638,14 +11832,14 @@
           </a:p>
         </p:txBody>
       </p:sp>
-      <mc:AlternateContent xmlns:mc="http://schemas.openxmlformats.org/markup-compatibility/2006" xmlns:a14="http://schemas.microsoft.com/office/drawing/2010/main">
-        <mc:Choice Requires="a14">
+      <mc:AlternateContent xmlns:mc="http://schemas.openxmlformats.org/markup-compatibility/2006">
+        <mc:Choice xmlns:a14="http://schemas.microsoft.com/office/drawing/2010/main" Requires="a14">
           <p:sp>
             <p:nvSpPr>
               <p:cNvPr id="3" name="Espaço Reservado para Conteúdo 2">
                 <a:extLst>
                   <a:ext uri="{FF2B5EF4-FFF2-40B4-BE49-F238E27FC236}">
-                    <a16:creationId xmlns:a16="http://schemas.microsoft.com/office/drawing/2014/main" id="{0DF9D294-ED00-CA9B-F674-FE09977FC471}"/>
+                    <a16:creationId xmlns:a16="http://schemas.microsoft.com/office/drawing/2014/main" xmlns="" id="{0DF9D294-ED00-CA9B-F674-FE09977FC471}"/>
                   </a:ext>
                 </a:extLst>
               </p:cNvPr>
@@ -11981,7 +12175,15 @@
               <a:p>
                 <a:r>
                   <a:rPr lang="pt-BR" dirty="0"/>
-                  <a:t>A regra é idêntica à regra de atualização para a </a:t>
+                  <a:t>A regra é idêntica à regra de atualização </a:t>
+                </a:r>
+                <a:r>
+                  <a:rPr lang="pt-BR" dirty="0" smtClean="0"/>
+                  <a:t>dos pesos para </a:t>
+                </a:r>
+                <a:r>
+                  <a:rPr lang="pt-BR" dirty="0"/>
+                  <a:t>a </a:t>
                 </a:r>
                 <a:r>
                   <a:rPr lang="pt-BR" b="1" i="1" dirty="0"/>
@@ -12003,13 +12205,13 @@
             </p:txBody>
           </p:sp>
         </mc:Choice>
-        <mc:Fallback xmlns="">
+        <mc:Fallback>
           <p:sp>
             <p:nvSpPr>
               <p:cNvPr id="3" name="Espaço Reservado para Conteúdo 2">
                 <a:extLst>
                   <a:ext uri="{FF2B5EF4-FFF2-40B4-BE49-F238E27FC236}">
-                    <a16:creationId xmlns:a16="http://schemas.microsoft.com/office/drawing/2014/main" id="{0DF9D294-ED00-CA9B-F674-FE09977FC471}"/>
+                    <a16:creationId xmlns:a16="http://schemas.microsoft.com/office/drawing/2014/main" xmlns:a14="http://schemas.microsoft.com/office/drawing/2010/main" xmlns="" id="{0DF9D294-ED00-CA9B-F674-FE09977FC471}"/>
                   </a:ext>
                 </a:extLst>
               </p:cNvPr>
@@ -12025,10 +12227,10 @@
                 <a:off x="838199" y="1825624"/>
                 <a:ext cx="11144004" cy="5032376"/>
               </a:xfrm>
-              <a:blipFill>
+              <a:blipFill rotWithShape="0">
                 <a:blip r:embed="rId3"/>
                 <a:stretch>
-                  <a:fillRect l="-1093" t="-1937" b="-484"/>
+                  <a:fillRect l="-1093" t="-1937" r="-547" b="-484"/>
                 </a:stretch>
               </a:blipFill>
             </p:spPr>
@@ -12082,7 +12284,7 @@
           <p:cNvPr id="2" name="Título 1">
             <a:extLst>
               <a:ext uri="{FF2B5EF4-FFF2-40B4-BE49-F238E27FC236}">
-                <a16:creationId xmlns:a16="http://schemas.microsoft.com/office/drawing/2014/main" id="{E8F62A90-2205-3D44-64BD-FF7C92AAABA5}"/>
+                <a16:creationId xmlns:a16="http://schemas.microsoft.com/office/drawing/2014/main" xmlns="" id="{E8F62A90-2205-3D44-64BD-FF7C92AAABA5}"/>
               </a:ext>
             </a:extLst>
           </p:cNvPr>
@@ -12112,7 +12314,7 @@
               <p:cNvPr id="3" name="Espaço Reservado para Conteúdo 2">
                 <a:extLst>
                   <a:ext uri="{FF2B5EF4-FFF2-40B4-BE49-F238E27FC236}">
-                    <a16:creationId xmlns:a16="http://schemas.microsoft.com/office/drawing/2014/main" id="{E09D0142-9D48-0627-42F7-9D56F2FF14AA}"/>
+                    <a16:creationId xmlns:a16="http://schemas.microsoft.com/office/drawing/2014/main" xmlns="" id="{E09D0142-9D48-0627-42F7-9D56F2FF14AA}"/>
                   </a:ext>
                 </a:extLst>
               </p:cNvPr>
@@ -13596,7 +13798,7 @@
           <p:cNvPr id="5" name="Agrupar 4">
             <a:extLst>
               <a:ext uri="{FF2B5EF4-FFF2-40B4-BE49-F238E27FC236}">
-                <a16:creationId xmlns:a16="http://schemas.microsoft.com/office/drawing/2014/main" id="{97BB793F-626C-032F-D789-595B3EF8990B}"/>
+                <a16:creationId xmlns:a16="http://schemas.microsoft.com/office/drawing/2014/main" xmlns="" id="{97BB793F-626C-032F-D789-595B3EF8990B}"/>
               </a:ext>
             </a:extLst>
           </p:cNvPr>
@@ -13616,7 +13818,7 @@
             <p:cNvPr id="6" name="Picture 16">
               <a:extLst>
                 <a:ext uri="{FF2B5EF4-FFF2-40B4-BE49-F238E27FC236}">
-                  <a16:creationId xmlns:a16="http://schemas.microsoft.com/office/drawing/2014/main" id="{ECF46F2F-920A-D968-C9C5-DE00D504373A}"/>
+                  <a16:creationId xmlns:a16="http://schemas.microsoft.com/office/drawing/2014/main" xmlns="" id="{ECF46F2F-920A-D968-C9C5-DE00D504373A}"/>
                 </a:ext>
               </a:extLst>
             </p:cNvPr>
@@ -13645,7 +13847,7 @@
             <p:cNvPr id="7" name="Rectangle 17">
               <a:extLst>
                 <a:ext uri="{FF2B5EF4-FFF2-40B4-BE49-F238E27FC236}">
-                  <a16:creationId xmlns:a16="http://schemas.microsoft.com/office/drawing/2014/main" id="{98EA6FC8-71BF-A9FA-24DA-9D7635294C6D}"/>
+                  <a16:creationId xmlns:a16="http://schemas.microsoft.com/office/drawing/2014/main" xmlns="" id="{98EA6FC8-71BF-A9FA-24DA-9D7635294C6D}"/>
                 </a:ext>
               </a:extLst>
             </p:cNvPr>
@@ -13682,7 +13884,7 @@
                 <p:cNvPr id="8" name="CaixaDeTexto 7">
                   <a:extLst>
                     <a:ext uri="{FF2B5EF4-FFF2-40B4-BE49-F238E27FC236}">
-                      <a16:creationId xmlns:a16="http://schemas.microsoft.com/office/drawing/2014/main" id="{BEC0682A-BB30-36D9-07EA-F237D1A563B3}"/>
+                      <a16:creationId xmlns:a16="http://schemas.microsoft.com/office/drawing/2014/main" xmlns="" id="{BEC0682A-BB30-36D9-07EA-F237D1A563B3}"/>
                     </a:ext>
                   </a:extLst>
                 </p:cNvPr>
@@ -13798,7 +14000,7 @@
                 <p:cNvPr id="9" name="CaixaDeTexto 8">
                   <a:extLst>
                     <a:ext uri="{FF2B5EF4-FFF2-40B4-BE49-F238E27FC236}">
-                      <a16:creationId xmlns:a16="http://schemas.microsoft.com/office/drawing/2014/main" id="{F8F08279-945E-08E1-766E-F06EF5760BC1}"/>
+                      <a16:creationId xmlns:a16="http://schemas.microsoft.com/office/drawing/2014/main" xmlns="" id="{F8F08279-945E-08E1-766E-F06EF5760BC1}"/>
                     </a:ext>
                   </a:extLst>
                 </p:cNvPr>
@@ -14992,7 +15194,7 @@
           <p:cNvPr id="5" name="Agrupar 4">
             <a:extLst>
               <a:ext uri="{FF2B5EF4-FFF2-40B4-BE49-F238E27FC236}">
-                <a16:creationId xmlns:a16="http://schemas.microsoft.com/office/drawing/2014/main" id="{97BB793F-626C-032F-D789-595B3EF8990B}"/>
+                <a16:creationId xmlns:a16="http://schemas.microsoft.com/office/drawing/2014/main" xmlns="" id="{97BB793F-626C-032F-D789-595B3EF8990B}"/>
               </a:ext>
             </a:extLst>
           </p:cNvPr>
@@ -15012,7 +15214,7 @@
             <p:cNvPr id="6" name="Picture 16">
               <a:extLst>
                 <a:ext uri="{FF2B5EF4-FFF2-40B4-BE49-F238E27FC236}">
-                  <a16:creationId xmlns:a16="http://schemas.microsoft.com/office/drawing/2014/main" id="{ECF46F2F-920A-D968-C9C5-DE00D504373A}"/>
+                  <a16:creationId xmlns:a16="http://schemas.microsoft.com/office/drawing/2014/main" xmlns="" id="{ECF46F2F-920A-D968-C9C5-DE00D504373A}"/>
                 </a:ext>
               </a:extLst>
             </p:cNvPr>
@@ -15041,7 +15243,7 @@
             <p:cNvPr id="7" name="Rectangle 17">
               <a:extLst>
                 <a:ext uri="{FF2B5EF4-FFF2-40B4-BE49-F238E27FC236}">
-                  <a16:creationId xmlns:a16="http://schemas.microsoft.com/office/drawing/2014/main" id="{98EA6FC8-71BF-A9FA-24DA-9D7635294C6D}"/>
+                  <a16:creationId xmlns:a16="http://schemas.microsoft.com/office/drawing/2014/main" xmlns="" id="{98EA6FC8-71BF-A9FA-24DA-9D7635294C6D}"/>
                 </a:ext>
               </a:extLst>
             </p:cNvPr>
@@ -15078,7 +15280,7 @@
                 <p:cNvPr id="8" name="CaixaDeTexto 7">
                   <a:extLst>
                     <a:ext uri="{FF2B5EF4-FFF2-40B4-BE49-F238E27FC236}">
-                      <a16:creationId xmlns:a16="http://schemas.microsoft.com/office/drawing/2014/main" id="{BEC0682A-BB30-36D9-07EA-F237D1A563B3}"/>
+                      <a16:creationId xmlns:a16="http://schemas.microsoft.com/office/drawing/2014/main" xmlns="" id="{BEC0682A-BB30-36D9-07EA-F237D1A563B3}"/>
                     </a:ext>
                   </a:extLst>
                 </p:cNvPr>
@@ -15194,7 +15396,7 @@
                 <p:cNvPr id="9" name="CaixaDeTexto 8">
                   <a:extLst>
                     <a:ext uri="{FF2B5EF4-FFF2-40B4-BE49-F238E27FC236}">
-                      <a16:creationId xmlns:a16="http://schemas.microsoft.com/office/drawing/2014/main" id="{F8F08279-945E-08E1-766E-F06EF5760BC1}"/>
+                      <a16:creationId xmlns:a16="http://schemas.microsoft.com/office/drawing/2014/main" xmlns="" id="{F8F08279-945E-08E1-766E-F06EF5760BC1}"/>
                     </a:ext>
                   </a:extLst>
                 </p:cNvPr>
@@ -16399,7 +16601,7 @@
           <p:cNvPr id="5" name="Agrupar 4">
             <a:extLst>
               <a:ext uri="{FF2B5EF4-FFF2-40B4-BE49-F238E27FC236}">
-                <a16:creationId xmlns:a16="http://schemas.microsoft.com/office/drawing/2014/main" id="{97BB793F-626C-032F-D789-595B3EF8990B}"/>
+                <a16:creationId xmlns:a16="http://schemas.microsoft.com/office/drawing/2014/main" xmlns="" id="{97BB793F-626C-032F-D789-595B3EF8990B}"/>
               </a:ext>
             </a:extLst>
           </p:cNvPr>
@@ -16419,7 +16621,7 @@
             <p:cNvPr id="6" name="Picture 16">
               <a:extLst>
                 <a:ext uri="{FF2B5EF4-FFF2-40B4-BE49-F238E27FC236}">
-                  <a16:creationId xmlns:a16="http://schemas.microsoft.com/office/drawing/2014/main" id="{ECF46F2F-920A-D968-C9C5-DE00D504373A}"/>
+                  <a16:creationId xmlns:a16="http://schemas.microsoft.com/office/drawing/2014/main" xmlns="" id="{ECF46F2F-920A-D968-C9C5-DE00D504373A}"/>
                 </a:ext>
               </a:extLst>
             </p:cNvPr>
@@ -16448,7 +16650,7 @@
             <p:cNvPr id="7" name="Rectangle 17">
               <a:extLst>
                 <a:ext uri="{FF2B5EF4-FFF2-40B4-BE49-F238E27FC236}">
-                  <a16:creationId xmlns:a16="http://schemas.microsoft.com/office/drawing/2014/main" id="{98EA6FC8-71BF-A9FA-24DA-9D7635294C6D}"/>
+                  <a16:creationId xmlns:a16="http://schemas.microsoft.com/office/drawing/2014/main" xmlns="" id="{98EA6FC8-71BF-A9FA-24DA-9D7635294C6D}"/>
                 </a:ext>
               </a:extLst>
             </p:cNvPr>
@@ -16485,7 +16687,7 @@
                 <p:cNvPr id="8" name="CaixaDeTexto 7">
                   <a:extLst>
                     <a:ext uri="{FF2B5EF4-FFF2-40B4-BE49-F238E27FC236}">
-                      <a16:creationId xmlns:a16="http://schemas.microsoft.com/office/drawing/2014/main" id="{BEC0682A-BB30-36D9-07EA-F237D1A563B3}"/>
+                      <a16:creationId xmlns:a16="http://schemas.microsoft.com/office/drawing/2014/main" xmlns="" id="{BEC0682A-BB30-36D9-07EA-F237D1A563B3}"/>
                     </a:ext>
                   </a:extLst>
                 </p:cNvPr>
@@ -16601,7 +16803,7 @@
                 <p:cNvPr id="9" name="CaixaDeTexto 8">
                   <a:extLst>
                     <a:ext uri="{FF2B5EF4-FFF2-40B4-BE49-F238E27FC236}">
-                      <a16:creationId xmlns:a16="http://schemas.microsoft.com/office/drawing/2014/main" id="{F8F08279-945E-08E1-766E-F06EF5760BC1}"/>
+                      <a16:creationId xmlns:a16="http://schemas.microsoft.com/office/drawing/2014/main" xmlns="" id="{F8F08279-945E-08E1-766E-F06EF5760BC1}"/>
                     </a:ext>
                   </a:extLst>
                 </p:cNvPr>
@@ -16763,7 +16965,7 @@
           <p:cNvPr id="2" name="Título 1">
             <a:extLst>
               <a:ext uri="{FF2B5EF4-FFF2-40B4-BE49-F238E27FC236}">
-                <a16:creationId xmlns:a16="http://schemas.microsoft.com/office/drawing/2014/main" id="{6636B7CF-8113-56BB-B99E-8A161CD9B1EB}"/>
+                <a16:creationId xmlns:a16="http://schemas.microsoft.com/office/drawing/2014/main" xmlns="" id="{6636B7CF-8113-56BB-B99E-8A161CD9B1EB}"/>
               </a:ext>
             </a:extLst>
           </p:cNvPr>
@@ -16791,7 +16993,7 @@
           <p:cNvPr id="3" name="Espaço Reservado para Conteúdo 2">
             <a:extLst>
               <a:ext uri="{FF2B5EF4-FFF2-40B4-BE49-F238E27FC236}">
-                <a16:creationId xmlns:a16="http://schemas.microsoft.com/office/drawing/2014/main" id="{3A545FD3-C171-8153-940B-3CC27506941C}"/>
+                <a16:creationId xmlns:a16="http://schemas.microsoft.com/office/drawing/2014/main" xmlns="" id="{3A545FD3-C171-8153-940B-3CC27506941C}"/>
               </a:ext>
             </a:extLst>
           </p:cNvPr>
@@ -16932,7 +17134,7 @@
           <p:cNvPr id="5" name="Picture 3">
             <a:extLst>
               <a:ext uri="{FF2B5EF4-FFF2-40B4-BE49-F238E27FC236}">
-                <a16:creationId xmlns:a16="http://schemas.microsoft.com/office/drawing/2014/main" id="{54D0F914-40D4-E004-16D1-A0567AB22B09}"/>
+                <a16:creationId xmlns:a16="http://schemas.microsoft.com/office/drawing/2014/main" xmlns="" id="{54D0F914-40D4-E004-16D1-A0567AB22B09}"/>
               </a:ext>
             </a:extLst>
           </p:cNvPr>
@@ -16967,7 +17169,7 @@
           <p:cNvPr id="7" name="Imagem 6">
             <a:extLst>
               <a:ext uri="{FF2B5EF4-FFF2-40B4-BE49-F238E27FC236}">
-                <a16:creationId xmlns:a16="http://schemas.microsoft.com/office/drawing/2014/main" id="{D9C2A466-55C5-046B-2430-AC3551D26304}"/>
+                <a16:creationId xmlns:a16="http://schemas.microsoft.com/office/drawing/2014/main" xmlns="" id="{D9C2A466-55C5-046B-2430-AC3551D26304}"/>
               </a:ext>
             </a:extLst>
           </p:cNvPr>
@@ -16996,7 +17198,7 @@
           <p:cNvPr id="15" name="Imagem 14">
             <a:extLst>
               <a:ext uri="{FF2B5EF4-FFF2-40B4-BE49-F238E27FC236}">
-                <a16:creationId xmlns:a16="http://schemas.microsoft.com/office/drawing/2014/main" id="{39407819-FE6A-C2CA-4C72-A0623AD14F78}"/>
+                <a16:creationId xmlns:a16="http://schemas.microsoft.com/office/drawing/2014/main" xmlns="" id="{39407819-FE6A-C2CA-4C72-A0623AD14F78}"/>
               </a:ext>
             </a:extLst>
           </p:cNvPr>
@@ -17208,7 +17410,7 @@
           <p:cNvPr id="2" name="Título 1">
             <a:extLst>
               <a:ext uri="{FF2B5EF4-FFF2-40B4-BE49-F238E27FC236}">
-                <a16:creationId xmlns:a16="http://schemas.microsoft.com/office/drawing/2014/main" id="{CF9B30B4-0805-101B-C227-AD4405F0BA79}"/>
+                <a16:creationId xmlns:a16="http://schemas.microsoft.com/office/drawing/2014/main" xmlns="" id="{CF9B30B4-0805-101B-C227-AD4405F0BA79}"/>
               </a:ext>
             </a:extLst>
           </p:cNvPr>
@@ -17238,7 +17440,7 @@
               <p:cNvPr id="3" name="Espaço Reservado para Conteúdo 2">
                 <a:extLst>
                   <a:ext uri="{FF2B5EF4-FFF2-40B4-BE49-F238E27FC236}">
-                    <a16:creationId xmlns:a16="http://schemas.microsoft.com/office/drawing/2014/main" id="{1B95DA0B-9FB2-61FE-86F8-6A65C4F51978}"/>
+                    <a16:creationId xmlns:a16="http://schemas.microsoft.com/office/drawing/2014/main" xmlns="" id="{1B95DA0B-9FB2-61FE-86F8-6A65C4F51978}"/>
                   </a:ext>
                 </a:extLst>
               </p:cNvPr>
@@ -17377,7 +17579,7 @@
           <p:cNvPr id="6" name="Imagem 5">
             <a:extLst>
               <a:ext uri="{FF2B5EF4-FFF2-40B4-BE49-F238E27FC236}">
-                <a16:creationId xmlns:a16="http://schemas.microsoft.com/office/drawing/2014/main" id="{51E800F4-4EF1-060E-4866-FAF7105FC993}"/>
+                <a16:creationId xmlns:a16="http://schemas.microsoft.com/office/drawing/2014/main" xmlns="" id="{51E800F4-4EF1-060E-4866-FAF7105FC993}"/>
               </a:ext>
             </a:extLst>
           </p:cNvPr>
@@ -17406,7 +17608,7 @@
           <p:cNvPr id="7" name="Conector reto 6">
             <a:extLst>
               <a:ext uri="{FF2B5EF4-FFF2-40B4-BE49-F238E27FC236}">
-                <a16:creationId xmlns:a16="http://schemas.microsoft.com/office/drawing/2014/main" id="{3D8F3701-F00B-FFBD-E048-5B4BEB1063B9}"/>
+                <a16:creationId xmlns:a16="http://schemas.microsoft.com/office/drawing/2014/main" xmlns="" id="{3D8F3701-F00B-FFBD-E048-5B4BEB1063B9}"/>
               </a:ext>
             </a:extLst>
           </p:cNvPr>
@@ -17447,7 +17649,7 @@
           <p:cNvPr id="8" name="Conector reto 7">
             <a:extLst>
               <a:ext uri="{FF2B5EF4-FFF2-40B4-BE49-F238E27FC236}">
-                <a16:creationId xmlns:a16="http://schemas.microsoft.com/office/drawing/2014/main" id="{379A4D02-30B5-EFB6-14C9-C0ED3378532A}"/>
+                <a16:creationId xmlns:a16="http://schemas.microsoft.com/office/drawing/2014/main" xmlns="" id="{379A4D02-30B5-EFB6-14C9-C0ED3378532A}"/>
               </a:ext>
             </a:extLst>
           </p:cNvPr>
@@ -17488,7 +17690,7 @@
           <p:cNvPr id="11" name="Conector de Seta Reta 10">
             <a:extLst>
               <a:ext uri="{FF2B5EF4-FFF2-40B4-BE49-F238E27FC236}">
-                <a16:creationId xmlns:a16="http://schemas.microsoft.com/office/drawing/2014/main" id="{0A78815D-AC06-0208-4006-098B3474FB0B}"/>
+                <a16:creationId xmlns:a16="http://schemas.microsoft.com/office/drawing/2014/main" xmlns="" id="{0A78815D-AC06-0208-4006-098B3474FB0B}"/>
               </a:ext>
             </a:extLst>
           </p:cNvPr>
@@ -17532,7 +17734,7 @@
           <p:cNvPr id="14" name="Conector de Seta Reta 13">
             <a:extLst>
               <a:ext uri="{FF2B5EF4-FFF2-40B4-BE49-F238E27FC236}">
-                <a16:creationId xmlns:a16="http://schemas.microsoft.com/office/drawing/2014/main" id="{4F8C8EB0-C19D-530A-7740-E886C3A77FCF}"/>
+                <a16:creationId xmlns:a16="http://schemas.microsoft.com/office/drawing/2014/main" xmlns="" id="{4F8C8EB0-C19D-530A-7740-E886C3A77FCF}"/>
               </a:ext>
             </a:extLst>
           </p:cNvPr>
@@ -17568,14 +17770,14 @@
           </a:fontRef>
         </p:style>
       </p:cxnSp>
-      <mc:AlternateContent xmlns:mc="http://schemas.openxmlformats.org/markup-compatibility/2006">
-        <mc:Choice xmlns:a14="http://schemas.microsoft.com/office/drawing/2010/main" Requires="a14">
+      <mc:AlternateContent xmlns:mc="http://schemas.openxmlformats.org/markup-compatibility/2006" xmlns:a14="http://schemas.microsoft.com/office/drawing/2010/main">
+        <mc:Choice Requires="a14">
           <p:sp>
             <p:nvSpPr>
               <p:cNvPr id="16" name="CaixaDeTexto 15">
                 <a:extLst>
                   <a:ext uri="{FF2B5EF4-FFF2-40B4-BE49-F238E27FC236}">
-                    <a16:creationId xmlns:a16="http://schemas.microsoft.com/office/drawing/2014/main" id="{D4D93B8E-F2A4-1E69-54A5-F0550E91736E}"/>
+                    <a16:creationId xmlns:a16="http://schemas.microsoft.com/office/drawing/2014/main" xmlns="" id="{D4D93B8E-F2A4-1E69-54A5-F0550E91736E}"/>
                   </a:ext>
                 </a:extLst>
               </p:cNvPr>
@@ -17648,7 +17850,7 @@
             </p:txBody>
           </p:sp>
         </mc:Choice>
-        <mc:Fallback>
+        <mc:Fallback xmlns="">
           <p:sp>
             <p:nvSpPr>
               <p:cNvPr id="16" name="CaixaDeTexto 15">
@@ -17693,14 +17895,14 @@
           </p:sp>
         </mc:Fallback>
       </mc:AlternateContent>
-      <mc:AlternateContent xmlns:mc="http://schemas.openxmlformats.org/markup-compatibility/2006">
-        <mc:Choice xmlns:a14="http://schemas.microsoft.com/office/drawing/2010/main" Requires="a14">
+      <mc:AlternateContent xmlns:mc="http://schemas.openxmlformats.org/markup-compatibility/2006" xmlns:a14="http://schemas.microsoft.com/office/drawing/2010/main">
+        <mc:Choice Requires="a14">
           <p:sp>
             <p:nvSpPr>
               <p:cNvPr id="18" name="CaixaDeTexto 17">
                 <a:extLst>
                   <a:ext uri="{FF2B5EF4-FFF2-40B4-BE49-F238E27FC236}">
-                    <a16:creationId xmlns:a16="http://schemas.microsoft.com/office/drawing/2014/main" id="{941F9E29-3D5B-7F7E-565A-94F4F6591E3F}"/>
+                    <a16:creationId xmlns:a16="http://schemas.microsoft.com/office/drawing/2014/main" xmlns="" id="{941F9E29-3D5B-7F7E-565A-94F4F6591E3F}"/>
                   </a:ext>
                 </a:extLst>
               </p:cNvPr>
@@ -17773,7 +17975,7 @@
             </p:txBody>
           </p:sp>
         </mc:Choice>
-        <mc:Fallback>
+        <mc:Fallback xmlns="">
           <p:sp>
             <p:nvSpPr>
               <p:cNvPr id="18" name="CaixaDeTexto 17">
@@ -17853,7 +18055,7 @@
           <p:cNvPr id="2" name="Título 1">
             <a:extLst>
               <a:ext uri="{FF2B5EF4-FFF2-40B4-BE49-F238E27FC236}">
-                <a16:creationId xmlns:a16="http://schemas.microsoft.com/office/drawing/2014/main" id="{CF9B30B4-0805-101B-C227-AD4405F0BA79}"/>
+                <a16:creationId xmlns:a16="http://schemas.microsoft.com/office/drawing/2014/main" xmlns="" id="{CF9B30B4-0805-101B-C227-AD4405F0BA79}"/>
               </a:ext>
             </a:extLst>
           </p:cNvPr>
@@ -17876,14 +18078,14 @@
           </a:p>
         </p:txBody>
       </p:sp>
-      <mc:AlternateContent xmlns:mc="http://schemas.openxmlformats.org/markup-compatibility/2006">
-        <mc:Choice xmlns:a14="http://schemas.microsoft.com/office/drawing/2010/main" Requires="a14">
+      <mc:AlternateContent xmlns:mc="http://schemas.openxmlformats.org/markup-compatibility/2006" xmlns:a14="http://schemas.microsoft.com/office/drawing/2010/main">
+        <mc:Choice Requires="a14">
           <p:sp>
             <p:nvSpPr>
               <p:cNvPr id="3" name="Espaço Reservado para Conteúdo 2">
                 <a:extLst>
                   <a:ext uri="{FF2B5EF4-FFF2-40B4-BE49-F238E27FC236}">
-                    <a16:creationId xmlns:a16="http://schemas.microsoft.com/office/drawing/2014/main" id="{1B95DA0B-9FB2-61FE-86F8-6A65C4F51978}"/>
+                    <a16:creationId xmlns:a16="http://schemas.microsoft.com/office/drawing/2014/main" xmlns="" id="{1B95DA0B-9FB2-61FE-86F8-6A65C4F51978}"/>
                   </a:ext>
                 </a:extLst>
               </p:cNvPr>
@@ -17973,7 +18175,7 @@
             </p:txBody>
           </p:sp>
         </mc:Choice>
-        <mc:Fallback>
+        <mc:Fallback xmlns="">
           <p:sp>
             <p:nvSpPr>
               <p:cNvPr id="3" name="Espaço Reservado para Conteúdo 2">
@@ -18022,7 +18224,7 @@
           <p:cNvPr id="4" name="Rectangle 3">
             <a:extLst>
               <a:ext uri="{FF2B5EF4-FFF2-40B4-BE49-F238E27FC236}">
-                <a16:creationId xmlns:a16="http://schemas.microsoft.com/office/drawing/2014/main" id="{C1A5A3C4-8FC4-F1E4-A1F3-D619B2FCB0C3}"/>
+                <a16:creationId xmlns:a16="http://schemas.microsoft.com/office/drawing/2014/main" xmlns="" id="{C1A5A3C4-8FC4-F1E4-A1F3-D619B2FCB0C3}"/>
               </a:ext>
             </a:extLst>
           </p:cNvPr>
@@ -18059,7 +18261,7 @@
           <p:cNvPr id="6" name="Imagem 5">
             <a:extLst>
               <a:ext uri="{FF2B5EF4-FFF2-40B4-BE49-F238E27FC236}">
-                <a16:creationId xmlns:a16="http://schemas.microsoft.com/office/drawing/2014/main" id="{51E800F4-4EF1-060E-4866-FAF7105FC993}"/>
+                <a16:creationId xmlns:a16="http://schemas.microsoft.com/office/drawing/2014/main" xmlns="" id="{51E800F4-4EF1-060E-4866-FAF7105FC993}"/>
               </a:ext>
             </a:extLst>
           </p:cNvPr>
@@ -18217,7 +18419,7 @@
           <p:cNvPr id="5" name="Imagem 4">
             <a:extLst>
               <a:ext uri="{FF2B5EF4-FFF2-40B4-BE49-F238E27FC236}">
-                <a16:creationId xmlns:a16="http://schemas.microsoft.com/office/drawing/2014/main" id="{5FD9BD3A-EECA-05F4-C300-1441F18AB71D}"/>
+                <a16:creationId xmlns:a16="http://schemas.microsoft.com/office/drawing/2014/main" xmlns="" id="{5FD9BD3A-EECA-05F4-C300-1441F18AB71D}"/>
               </a:ext>
             </a:extLst>
           </p:cNvPr>
@@ -18227,7 +18429,7 @@
           <p:nvPr/>
         </p:nvPicPr>
         <p:blipFill rotWithShape="1">
-          <a:blip r:embed="rId2">
+          <a:blip r:embed="rId2" cstate="print">
             <a:extLst>
               <a:ext uri="{28A0092B-C50C-407E-A947-70E740481C1C}">
                 <a14:useLocalDpi xmlns:a14="http://schemas.microsoft.com/office/drawing/2010/main" val="0"/>
@@ -18299,8 +18501,8 @@
           </a:p>
         </p:txBody>
       </p:sp>
-      <mc:AlternateContent xmlns:mc="http://schemas.openxmlformats.org/markup-compatibility/2006">
-        <mc:Choice xmlns:a14="http://schemas.microsoft.com/office/drawing/2010/main" Requires="a14">
+      <mc:AlternateContent xmlns:mc="http://schemas.openxmlformats.org/markup-compatibility/2006" xmlns:a14="http://schemas.microsoft.com/office/drawing/2010/main">
+        <mc:Choice Requires="a14">
           <p:sp>
             <p:nvSpPr>
               <p:cNvPr id="3" name="Content Placeholder 2"/>
@@ -18451,7 +18653,7 @@
             </p:txBody>
           </p:sp>
         </mc:Choice>
-        <mc:Fallback>
+        <mc:Fallback xmlns="">
           <p:sp>
             <p:nvSpPr>
               <p:cNvPr id="3" name="Content Placeholder 2"/>
@@ -18494,7 +18696,7 @@
           <p:cNvPr id="17" name="Agrupar 16">
             <a:extLst>
               <a:ext uri="{FF2B5EF4-FFF2-40B4-BE49-F238E27FC236}">
-                <a16:creationId xmlns:a16="http://schemas.microsoft.com/office/drawing/2014/main" id="{852A6A1D-DA43-B970-7D3B-CD86E9299F8C}"/>
+                <a16:creationId xmlns:a16="http://schemas.microsoft.com/office/drawing/2014/main" xmlns="" id="{852A6A1D-DA43-B970-7D3B-CD86E9299F8C}"/>
               </a:ext>
             </a:extLst>
           </p:cNvPr>
@@ -18514,7 +18716,7 @@
             <p:cNvPr id="13" name="Imagem 12">
               <a:extLst>
                 <a:ext uri="{FF2B5EF4-FFF2-40B4-BE49-F238E27FC236}">
-                  <a16:creationId xmlns:a16="http://schemas.microsoft.com/office/drawing/2014/main" id="{4B4DD64C-FB97-65B7-AD47-6491E6E5E7F1}"/>
+                  <a16:creationId xmlns:a16="http://schemas.microsoft.com/office/drawing/2014/main" xmlns="" id="{4B4DD64C-FB97-65B7-AD47-6491E6E5E7F1}"/>
                 </a:ext>
               </a:extLst>
             </p:cNvPr>
@@ -18524,7 +18726,7 @@
             <p:nvPr/>
           </p:nvPicPr>
           <p:blipFill rotWithShape="1">
-            <a:blip r:embed="rId4">
+            <a:blip r:embed="rId4" cstate="print">
               <a:extLst>
                 <a:ext uri="{28A0092B-C50C-407E-A947-70E740481C1C}">
                   <a14:useLocalDpi xmlns:a14="http://schemas.microsoft.com/office/drawing/2010/main" val="0"/>
@@ -18549,7 +18751,7 @@
             <p:cNvPr id="6" name="Picture 16">
               <a:extLst>
                 <a:ext uri="{FF2B5EF4-FFF2-40B4-BE49-F238E27FC236}">
-                  <a16:creationId xmlns:a16="http://schemas.microsoft.com/office/drawing/2014/main" id="{256166DD-0A30-8757-3512-E3DEA440F495}"/>
+                  <a16:creationId xmlns:a16="http://schemas.microsoft.com/office/drawing/2014/main" xmlns="" id="{256166DD-0A30-8757-3512-E3DEA440F495}"/>
                 </a:ext>
               </a:extLst>
             </p:cNvPr>
@@ -18580,7 +18782,7 @@
                 <p:cNvPr id="8" name="CaixaDeTexto 7">
                   <a:extLst>
                     <a:ext uri="{FF2B5EF4-FFF2-40B4-BE49-F238E27FC236}">
-                      <a16:creationId xmlns:a16="http://schemas.microsoft.com/office/drawing/2014/main" id="{FE29F1DF-B6FA-783E-169F-125859E9A35D}"/>
+                      <a16:creationId xmlns:a16="http://schemas.microsoft.com/office/drawing/2014/main" xmlns="" id="{FE29F1DF-B6FA-783E-169F-125859E9A35D}"/>
                     </a:ext>
                   </a:extLst>
                 </p:cNvPr>
@@ -18696,7 +18898,7 @@
                 <p:cNvPr id="9" name="CaixaDeTexto 8">
                   <a:extLst>
                     <a:ext uri="{FF2B5EF4-FFF2-40B4-BE49-F238E27FC236}">
-                      <a16:creationId xmlns:a16="http://schemas.microsoft.com/office/drawing/2014/main" id="{4C0855C4-B563-8234-DFE3-4B6C2B7E81F9}"/>
+                      <a16:creationId xmlns:a16="http://schemas.microsoft.com/office/drawing/2014/main" xmlns="" id="{4C0855C4-B563-8234-DFE3-4B6C2B7E81F9}"/>
                     </a:ext>
                   </a:extLst>
                 </p:cNvPr>
@@ -18827,7 +19029,7 @@
             <p:cNvPr id="11" name="Retângulo 10">
               <a:extLst>
                 <a:ext uri="{FF2B5EF4-FFF2-40B4-BE49-F238E27FC236}">
-                  <a16:creationId xmlns:a16="http://schemas.microsoft.com/office/drawing/2014/main" id="{C66842E7-77DB-DED6-551A-CFBE055B87A7}"/>
+                  <a16:creationId xmlns:a16="http://schemas.microsoft.com/office/drawing/2014/main" xmlns="" id="{C66842E7-77DB-DED6-551A-CFBE055B87A7}"/>
                 </a:ext>
               </a:extLst>
             </p:cNvPr>
@@ -18879,7 +19081,7 @@
             <p:cNvPr id="15" name="Conector de Seta Reta 14">
               <a:extLst>
                 <a:ext uri="{FF2B5EF4-FFF2-40B4-BE49-F238E27FC236}">
-                  <a16:creationId xmlns:a16="http://schemas.microsoft.com/office/drawing/2014/main" id="{851D0E37-E94F-E50F-4120-E98CB2FF97BE}"/>
+                  <a16:creationId xmlns:a16="http://schemas.microsoft.com/office/drawing/2014/main" xmlns="" id="{851D0E37-E94F-E50F-4120-E98CB2FF97BE}"/>
                 </a:ext>
               </a:extLst>
             </p:cNvPr>
@@ -18940,7 +19142,7 @@
         <p:cNvPr id="1" name="">
           <a:extLst>
             <a:ext uri="{FF2B5EF4-FFF2-40B4-BE49-F238E27FC236}">
-              <a16:creationId xmlns:a16="http://schemas.microsoft.com/office/drawing/2014/main" id="{CD6791E6-EFE7-E1D0-A05B-6A033903D8B9}"/>
+              <a16:creationId xmlns:a16="http://schemas.microsoft.com/office/drawing/2014/main" xmlns="" id="{CD6791E6-EFE7-E1D0-A05B-6A033903D8B9}"/>
             </a:ext>
           </a:extLst>
         </p:cNvPr>
@@ -18960,7 +19162,7 @@
           <p:cNvPr id="2" name="Title 1">
             <a:extLst>
               <a:ext uri="{FF2B5EF4-FFF2-40B4-BE49-F238E27FC236}">
-                <a16:creationId xmlns:a16="http://schemas.microsoft.com/office/drawing/2014/main" id="{F647D7A8-0C38-A228-6137-93F608F4D4C0}"/>
+                <a16:creationId xmlns:a16="http://schemas.microsoft.com/office/drawing/2014/main" xmlns="" id="{F647D7A8-0C38-A228-6137-93F608F4D4C0}"/>
               </a:ext>
             </a:extLst>
           </p:cNvPr>
@@ -18983,14 +19185,14 @@
           </a:p>
         </p:txBody>
       </p:sp>
-      <mc:AlternateContent xmlns:mc="http://schemas.openxmlformats.org/markup-compatibility/2006">
-        <mc:Choice xmlns:a14="http://schemas.microsoft.com/office/drawing/2010/main" Requires="a14">
+      <mc:AlternateContent xmlns:mc="http://schemas.openxmlformats.org/markup-compatibility/2006" xmlns:a14="http://schemas.microsoft.com/office/drawing/2010/main">
+        <mc:Choice Requires="a14">
           <p:sp>
             <p:nvSpPr>
               <p:cNvPr id="3" name="Content Placeholder 2">
                 <a:extLst>
                   <a:ext uri="{FF2B5EF4-FFF2-40B4-BE49-F238E27FC236}">
-                    <a16:creationId xmlns:a16="http://schemas.microsoft.com/office/drawing/2014/main" id="{A01A9599-51A6-118D-65E9-1C6C3DD1B35B}"/>
+                    <a16:creationId xmlns:a16="http://schemas.microsoft.com/office/drawing/2014/main" xmlns="" id="{A01A9599-51A6-118D-65E9-1C6C3DD1B35B}"/>
                   </a:ext>
                 </a:extLst>
               </p:cNvPr>
@@ -19130,7 +19332,7 @@
             </p:txBody>
           </p:sp>
         </mc:Choice>
-        <mc:Fallback>
+        <mc:Fallback xmlns="">
           <p:sp>
             <p:nvSpPr>
               <p:cNvPr id="3" name="Content Placeholder 2">
@@ -19179,7 +19381,7 @@
           <p:cNvPr id="17" name="Agrupar 16">
             <a:extLst>
               <a:ext uri="{FF2B5EF4-FFF2-40B4-BE49-F238E27FC236}">
-                <a16:creationId xmlns:a16="http://schemas.microsoft.com/office/drawing/2014/main" id="{610F2454-5C0C-EBCE-6D40-BB0B5F6AE729}"/>
+                <a16:creationId xmlns:a16="http://schemas.microsoft.com/office/drawing/2014/main" xmlns="" id="{610F2454-5C0C-EBCE-6D40-BB0B5F6AE729}"/>
               </a:ext>
             </a:extLst>
           </p:cNvPr>
@@ -19199,7 +19401,7 @@
             <p:cNvPr id="13" name="Imagem 12">
               <a:extLst>
                 <a:ext uri="{FF2B5EF4-FFF2-40B4-BE49-F238E27FC236}">
-                  <a16:creationId xmlns:a16="http://schemas.microsoft.com/office/drawing/2014/main" id="{33700BB8-7472-8A01-B6CF-778135215578}"/>
+                  <a16:creationId xmlns:a16="http://schemas.microsoft.com/office/drawing/2014/main" xmlns="" id="{33700BB8-7472-8A01-B6CF-778135215578}"/>
                 </a:ext>
               </a:extLst>
             </p:cNvPr>
@@ -19209,7 +19411,7 @@
             <p:nvPr/>
           </p:nvPicPr>
           <p:blipFill rotWithShape="1">
-            <a:blip r:embed="rId4">
+            <a:blip r:embed="rId4" cstate="print">
               <a:extLst>
                 <a:ext uri="{28A0092B-C50C-407E-A947-70E740481C1C}">
                   <a14:useLocalDpi xmlns:a14="http://schemas.microsoft.com/office/drawing/2010/main" val="0"/>
@@ -19234,7 +19436,7 @@
             <p:cNvPr id="6" name="Picture 16">
               <a:extLst>
                 <a:ext uri="{FF2B5EF4-FFF2-40B4-BE49-F238E27FC236}">
-                  <a16:creationId xmlns:a16="http://schemas.microsoft.com/office/drawing/2014/main" id="{ADF86BCB-2A4B-0998-76DA-72007576463A}"/>
+                  <a16:creationId xmlns:a16="http://schemas.microsoft.com/office/drawing/2014/main" xmlns="" id="{ADF86BCB-2A4B-0998-76DA-72007576463A}"/>
                 </a:ext>
               </a:extLst>
             </p:cNvPr>
@@ -19265,7 +19467,7 @@
                 <p:cNvPr id="8" name="CaixaDeTexto 7">
                   <a:extLst>
                     <a:ext uri="{FF2B5EF4-FFF2-40B4-BE49-F238E27FC236}">
-                      <a16:creationId xmlns:a16="http://schemas.microsoft.com/office/drawing/2014/main" id="{D6B287CA-CBF9-5090-D89E-5B46CA2AFD64}"/>
+                      <a16:creationId xmlns:a16="http://schemas.microsoft.com/office/drawing/2014/main" xmlns="" id="{D6B287CA-CBF9-5090-D89E-5B46CA2AFD64}"/>
                     </a:ext>
                   </a:extLst>
                 </p:cNvPr>
@@ -19381,7 +19583,7 @@
                 <p:cNvPr id="9" name="CaixaDeTexto 8">
                   <a:extLst>
                     <a:ext uri="{FF2B5EF4-FFF2-40B4-BE49-F238E27FC236}">
-                      <a16:creationId xmlns:a16="http://schemas.microsoft.com/office/drawing/2014/main" id="{31EAD500-6617-C59D-3E5F-E7C10E98A2F0}"/>
+                      <a16:creationId xmlns:a16="http://schemas.microsoft.com/office/drawing/2014/main" xmlns="" id="{31EAD500-6617-C59D-3E5F-E7C10E98A2F0}"/>
                     </a:ext>
                   </a:extLst>
                 </p:cNvPr>
@@ -19512,7 +19714,7 @@
             <p:cNvPr id="11" name="Retângulo 10">
               <a:extLst>
                 <a:ext uri="{FF2B5EF4-FFF2-40B4-BE49-F238E27FC236}">
-                  <a16:creationId xmlns:a16="http://schemas.microsoft.com/office/drawing/2014/main" id="{BB6201C2-52AB-88DF-1039-4C291CBFE4B3}"/>
+                  <a16:creationId xmlns:a16="http://schemas.microsoft.com/office/drawing/2014/main" xmlns="" id="{BB6201C2-52AB-88DF-1039-4C291CBFE4B3}"/>
                 </a:ext>
               </a:extLst>
             </p:cNvPr>
@@ -19564,7 +19766,7 @@
             <p:cNvPr id="15" name="Conector de Seta Reta 14">
               <a:extLst>
                 <a:ext uri="{FF2B5EF4-FFF2-40B4-BE49-F238E27FC236}">
-                  <a16:creationId xmlns:a16="http://schemas.microsoft.com/office/drawing/2014/main" id="{50C4842E-E5F8-047C-A23B-F98AD0098206}"/>
+                  <a16:creationId xmlns:a16="http://schemas.microsoft.com/office/drawing/2014/main" xmlns="" id="{50C4842E-E5F8-047C-A23B-F98AD0098206}"/>
                 </a:ext>
               </a:extLst>
             </p:cNvPr>
@@ -19935,7 +20137,7 @@
           <p:cNvPr id="17" name="Agrupar 16">
             <a:extLst>
               <a:ext uri="{FF2B5EF4-FFF2-40B4-BE49-F238E27FC236}">
-                <a16:creationId xmlns:a16="http://schemas.microsoft.com/office/drawing/2014/main" id="{852A6A1D-DA43-B970-7D3B-CD86E9299F8C}"/>
+                <a16:creationId xmlns:a16="http://schemas.microsoft.com/office/drawing/2014/main" xmlns="" id="{852A6A1D-DA43-B970-7D3B-CD86E9299F8C}"/>
               </a:ext>
             </a:extLst>
           </p:cNvPr>
@@ -19955,7 +20157,7 @@
             <p:cNvPr id="13" name="Imagem 12">
               <a:extLst>
                 <a:ext uri="{FF2B5EF4-FFF2-40B4-BE49-F238E27FC236}">
-                  <a16:creationId xmlns:a16="http://schemas.microsoft.com/office/drawing/2014/main" id="{4B4DD64C-FB97-65B7-AD47-6491E6E5E7F1}"/>
+                  <a16:creationId xmlns:a16="http://schemas.microsoft.com/office/drawing/2014/main" xmlns="" id="{4B4DD64C-FB97-65B7-AD47-6491E6E5E7F1}"/>
                 </a:ext>
               </a:extLst>
             </p:cNvPr>
@@ -19965,7 +20167,7 @@
             <p:nvPr/>
           </p:nvPicPr>
           <p:blipFill rotWithShape="1">
-            <a:blip r:embed="rId3">
+            <a:blip r:embed="rId4" cstate="print">
               <a:extLst>
                 <a:ext uri="{28A0092B-C50C-407E-A947-70E740481C1C}">
                   <a14:useLocalDpi xmlns:a14="http://schemas.microsoft.com/office/drawing/2010/main" val="0"/>
@@ -19990,7 +20192,7 @@
             <p:cNvPr id="6" name="Picture 16">
               <a:extLst>
                 <a:ext uri="{FF2B5EF4-FFF2-40B4-BE49-F238E27FC236}">
-                  <a16:creationId xmlns:a16="http://schemas.microsoft.com/office/drawing/2014/main" id="{256166DD-0A30-8757-3512-E3DEA440F495}"/>
+                  <a16:creationId xmlns:a16="http://schemas.microsoft.com/office/drawing/2014/main" xmlns="" id="{256166DD-0A30-8757-3512-E3DEA440F495}"/>
                 </a:ext>
               </a:extLst>
             </p:cNvPr>
@@ -20000,7 +20202,7 @@
             <p:nvPr/>
           </p:nvPicPr>
           <p:blipFill rotWithShape="1">
-            <a:blip r:embed="rId4"/>
+            <a:blip r:embed="rId5"/>
             <a:srcRect l="3046" t="5896" r="8832"/>
             <a:stretch/>
           </p:blipFill>
@@ -20021,7 +20223,7 @@
                 <p:cNvPr id="8" name="CaixaDeTexto 7">
                   <a:extLst>
                     <a:ext uri="{FF2B5EF4-FFF2-40B4-BE49-F238E27FC236}">
-                      <a16:creationId xmlns:a16="http://schemas.microsoft.com/office/drawing/2014/main" id="{FE29F1DF-B6FA-783E-169F-125859E9A35D}"/>
+                      <a16:creationId xmlns:a16="http://schemas.microsoft.com/office/drawing/2014/main" xmlns="" id="{FE29F1DF-B6FA-783E-169F-125859E9A35D}"/>
                     </a:ext>
                   </a:extLst>
                 </p:cNvPr>
@@ -20137,7 +20339,7 @@
                 <p:cNvPr id="9" name="CaixaDeTexto 8">
                   <a:extLst>
                     <a:ext uri="{FF2B5EF4-FFF2-40B4-BE49-F238E27FC236}">
-                      <a16:creationId xmlns:a16="http://schemas.microsoft.com/office/drawing/2014/main" id="{4C0855C4-B563-8234-DFE3-4B6C2B7E81F9}"/>
+                      <a16:creationId xmlns:a16="http://schemas.microsoft.com/office/drawing/2014/main" xmlns="" id="{4C0855C4-B563-8234-DFE3-4B6C2B7E81F9}"/>
                     </a:ext>
                   </a:extLst>
                 </p:cNvPr>
@@ -20268,7 +20470,7 @@
             <p:cNvPr id="11" name="Retângulo 10">
               <a:extLst>
                 <a:ext uri="{FF2B5EF4-FFF2-40B4-BE49-F238E27FC236}">
-                  <a16:creationId xmlns:a16="http://schemas.microsoft.com/office/drawing/2014/main" id="{C66842E7-77DB-DED6-551A-CFBE055B87A7}"/>
+                  <a16:creationId xmlns:a16="http://schemas.microsoft.com/office/drawing/2014/main" xmlns="" id="{C66842E7-77DB-DED6-551A-CFBE055B87A7}"/>
                 </a:ext>
               </a:extLst>
             </p:cNvPr>
@@ -20320,7 +20522,7 @@
             <p:cNvPr id="15" name="Conector de Seta Reta 14">
               <a:extLst>
                 <a:ext uri="{FF2B5EF4-FFF2-40B4-BE49-F238E27FC236}">
-                  <a16:creationId xmlns:a16="http://schemas.microsoft.com/office/drawing/2014/main" id="{851D0E37-E94F-E50F-4120-E98CB2FF97BE}"/>
+                  <a16:creationId xmlns:a16="http://schemas.microsoft.com/office/drawing/2014/main" xmlns="" id="{851D0E37-E94F-E50F-4120-E98CB2FF97BE}"/>
                 </a:ext>
               </a:extLst>
             </p:cNvPr>
@@ -20395,7 +20597,7 @@
           <p:cNvPr id="2" name="Título 1">
             <a:extLst>
               <a:ext uri="{FF2B5EF4-FFF2-40B4-BE49-F238E27FC236}">
-                <a16:creationId xmlns:a16="http://schemas.microsoft.com/office/drawing/2014/main" id="{D21F8F56-5724-DFC6-0D15-D186C211F203}"/>
+                <a16:creationId xmlns:a16="http://schemas.microsoft.com/office/drawing/2014/main" xmlns="" id="{D21F8F56-5724-DFC6-0D15-D186C211F203}"/>
               </a:ext>
             </a:extLst>
           </p:cNvPr>
@@ -20423,7 +20625,7 @@
           <p:cNvPr id="3" name="Espaço Reservado para Conteúdo 2">
             <a:extLst>
               <a:ext uri="{FF2B5EF4-FFF2-40B4-BE49-F238E27FC236}">
-                <a16:creationId xmlns:a16="http://schemas.microsoft.com/office/drawing/2014/main" id="{8C2770DA-BD52-05F3-F2B3-56BA4FC4C1F3}"/>
+                <a16:creationId xmlns:a16="http://schemas.microsoft.com/office/drawing/2014/main" xmlns="" id="{8C2770DA-BD52-05F3-F2B3-56BA4FC4C1F3}"/>
               </a:ext>
             </a:extLst>
           </p:cNvPr>
@@ -20538,7 +20740,7 @@
           <p:cNvPr id="5" name="Imagem 4">
             <a:extLst>
               <a:ext uri="{FF2B5EF4-FFF2-40B4-BE49-F238E27FC236}">
-                <a16:creationId xmlns:a16="http://schemas.microsoft.com/office/drawing/2014/main" id="{37586BBD-40B1-F01B-4474-DE26CFC5EB64}"/>
+                <a16:creationId xmlns:a16="http://schemas.microsoft.com/office/drawing/2014/main" xmlns="" id="{37586BBD-40B1-F01B-4474-DE26CFC5EB64}"/>
               </a:ext>
             </a:extLst>
           </p:cNvPr>
@@ -20548,7 +20750,7 @@
           <p:nvPr/>
         </p:nvPicPr>
         <p:blipFill rotWithShape="1">
-          <a:blip r:embed="rId3">
+          <a:blip r:embed="rId3" cstate="print">
             <a:extLst>
               <a:ext uri="{28A0092B-C50C-407E-A947-70E740481C1C}">
                 <a14:useLocalDpi xmlns:a14="http://schemas.microsoft.com/office/drawing/2010/main" val="0"/>
@@ -20573,7 +20775,7 @@
           <p:cNvPr id="4" name="Rectangle 3">
             <a:extLst>
               <a:ext uri="{FF2B5EF4-FFF2-40B4-BE49-F238E27FC236}">
-                <a16:creationId xmlns:a16="http://schemas.microsoft.com/office/drawing/2014/main" id="{8486856A-A906-F895-6B4C-453EFD40E6EF}"/>
+                <a16:creationId xmlns:a16="http://schemas.microsoft.com/office/drawing/2014/main" xmlns="" id="{8486856A-A906-F895-6B4C-453EFD40E6EF}"/>
               </a:ext>
             </a:extLst>
           </p:cNvPr>
@@ -20803,7 +21005,7 @@
           <p:cNvPr id="4" name="Título 1">
             <a:extLst>
               <a:ext uri="{FF2B5EF4-FFF2-40B4-BE49-F238E27FC236}">
-                <a16:creationId xmlns:a16="http://schemas.microsoft.com/office/drawing/2014/main" id="{32666AC8-2E17-4DB4-B0F5-60C640CCFD2E}"/>
+                <a16:creationId xmlns:a16="http://schemas.microsoft.com/office/drawing/2014/main" xmlns="" id="{32666AC8-2E17-4DB4-B0F5-60C640CCFD2E}"/>
               </a:ext>
             </a:extLst>
           </p:cNvPr>
@@ -22698,7 +22900,7 @@
           <p:cNvPr id="2" name="Group 49">
             <a:extLst>
               <a:ext uri="{FF2B5EF4-FFF2-40B4-BE49-F238E27FC236}">
-                <a16:creationId xmlns:a16="http://schemas.microsoft.com/office/drawing/2014/main" id="{A01877FB-57F2-AD41-82CB-EAC3CD6BE376}"/>
+                <a16:creationId xmlns:a16="http://schemas.microsoft.com/office/drawing/2014/main" xmlns="" id="{A01877FB-57F2-AD41-82CB-EAC3CD6BE376}"/>
               </a:ext>
             </a:extLst>
           </p:cNvPr>
@@ -22718,7 +22920,7 @@
             <p:cNvPr id="3" name="Straight Arrow Connector 4">
               <a:extLst>
                 <a:ext uri="{FF2B5EF4-FFF2-40B4-BE49-F238E27FC236}">
-                  <a16:creationId xmlns:a16="http://schemas.microsoft.com/office/drawing/2014/main" id="{559F5EC3-8BB0-7A49-4FC1-31DBAE0A5A53}"/>
+                  <a16:creationId xmlns:a16="http://schemas.microsoft.com/office/drawing/2014/main" xmlns="" id="{559F5EC3-8BB0-7A49-4FC1-31DBAE0A5A53}"/>
                 </a:ext>
               </a:extLst>
             </p:cNvPr>
@@ -22760,7 +22962,7 @@
             <p:cNvPr id="4" name="Straight Arrow Connector 5">
               <a:extLst>
                 <a:ext uri="{FF2B5EF4-FFF2-40B4-BE49-F238E27FC236}">
-                  <a16:creationId xmlns:a16="http://schemas.microsoft.com/office/drawing/2014/main" id="{DE64CED1-087D-F8C1-C8DE-ED77429386B6}"/>
+                  <a16:creationId xmlns:a16="http://schemas.microsoft.com/office/drawing/2014/main" xmlns="" id="{DE64CED1-087D-F8C1-C8DE-ED77429386B6}"/>
                 </a:ext>
               </a:extLst>
             </p:cNvPr>
@@ -22802,7 +23004,7 @@
             <p:cNvPr id="27" name="Oval 6">
               <a:extLst>
                 <a:ext uri="{FF2B5EF4-FFF2-40B4-BE49-F238E27FC236}">
-                  <a16:creationId xmlns:a16="http://schemas.microsoft.com/office/drawing/2014/main" id="{4BAC0974-32C4-6B7D-7B84-E15EC1A4EDAD}"/>
+                  <a16:creationId xmlns:a16="http://schemas.microsoft.com/office/drawing/2014/main" xmlns="" id="{4BAC0974-32C4-6B7D-7B84-E15EC1A4EDAD}"/>
                 </a:ext>
               </a:extLst>
             </p:cNvPr>
@@ -22856,7 +23058,7 @@
             <p:cNvPr id="29" name="Isosceles Triangle 7">
               <a:extLst>
                 <a:ext uri="{FF2B5EF4-FFF2-40B4-BE49-F238E27FC236}">
-                  <a16:creationId xmlns:a16="http://schemas.microsoft.com/office/drawing/2014/main" id="{0591E6DC-765A-BFBB-1F8D-DDEC4152C35F}"/>
+                  <a16:creationId xmlns:a16="http://schemas.microsoft.com/office/drawing/2014/main" xmlns="" id="{0591E6DC-765A-BFBB-1F8D-DDEC4152C35F}"/>
                 </a:ext>
               </a:extLst>
             </p:cNvPr>
@@ -22910,7 +23112,7 @@
             <p:cNvPr id="32" name="Straight Connector 8">
               <a:extLst>
                 <a:ext uri="{FF2B5EF4-FFF2-40B4-BE49-F238E27FC236}">
-                  <a16:creationId xmlns:a16="http://schemas.microsoft.com/office/drawing/2014/main" id="{E1734E95-0FBF-02AF-2569-135BB7B22E05}"/>
+                  <a16:creationId xmlns:a16="http://schemas.microsoft.com/office/drawing/2014/main" xmlns="" id="{E1734E95-0FBF-02AF-2569-135BB7B22E05}"/>
                 </a:ext>
               </a:extLst>
             </p:cNvPr>
@@ -22951,7 +23153,7 @@
             <p:cNvPr id="33" name="Oval 9">
               <a:extLst>
                 <a:ext uri="{FF2B5EF4-FFF2-40B4-BE49-F238E27FC236}">
-                  <a16:creationId xmlns:a16="http://schemas.microsoft.com/office/drawing/2014/main" id="{6B37EE68-5A0B-827B-8C98-DE6B17AC56E3}"/>
+                  <a16:creationId xmlns:a16="http://schemas.microsoft.com/office/drawing/2014/main" xmlns="" id="{6B37EE68-5A0B-827B-8C98-DE6B17AC56E3}"/>
                 </a:ext>
               </a:extLst>
             </p:cNvPr>
@@ -23005,7 +23207,7 @@
             <p:cNvPr id="34" name="Oval 10">
               <a:extLst>
                 <a:ext uri="{FF2B5EF4-FFF2-40B4-BE49-F238E27FC236}">
-                  <a16:creationId xmlns:a16="http://schemas.microsoft.com/office/drawing/2014/main" id="{1261DDC8-59C7-FD0B-DD60-BE3CB7FCDA62}"/>
+                  <a16:creationId xmlns:a16="http://schemas.microsoft.com/office/drawing/2014/main" xmlns="" id="{1261DDC8-59C7-FD0B-DD60-BE3CB7FCDA62}"/>
                 </a:ext>
               </a:extLst>
             </p:cNvPr>
@@ -23059,7 +23261,7 @@
             <p:cNvPr id="35" name="Oval 11">
               <a:extLst>
                 <a:ext uri="{FF2B5EF4-FFF2-40B4-BE49-F238E27FC236}">
-                  <a16:creationId xmlns:a16="http://schemas.microsoft.com/office/drawing/2014/main" id="{6B51829B-5A4D-3096-8DFA-23F65727F0A5}"/>
+                  <a16:creationId xmlns:a16="http://schemas.microsoft.com/office/drawing/2014/main" xmlns="" id="{6B51829B-5A4D-3096-8DFA-23F65727F0A5}"/>
                 </a:ext>
               </a:extLst>
             </p:cNvPr>
@@ -23113,7 +23315,7 @@
             <p:cNvPr id="37" name="Oval 12">
               <a:extLst>
                 <a:ext uri="{FF2B5EF4-FFF2-40B4-BE49-F238E27FC236}">
-                  <a16:creationId xmlns:a16="http://schemas.microsoft.com/office/drawing/2014/main" id="{1DCF8C81-BE56-28DB-0646-E7672E3BDC98}"/>
+                  <a16:creationId xmlns:a16="http://schemas.microsoft.com/office/drawing/2014/main" xmlns="" id="{1DCF8C81-BE56-28DB-0646-E7672E3BDC98}"/>
                 </a:ext>
               </a:extLst>
             </p:cNvPr>
@@ -23167,7 +23369,7 @@
             <p:cNvPr id="41" name="Oval 13">
               <a:extLst>
                 <a:ext uri="{FF2B5EF4-FFF2-40B4-BE49-F238E27FC236}">
-                  <a16:creationId xmlns:a16="http://schemas.microsoft.com/office/drawing/2014/main" id="{D4191678-9CF5-8B2C-2FFD-5FD130B3B412}"/>
+                  <a16:creationId xmlns:a16="http://schemas.microsoft.com/office/drawing/2014/main" xmlns="" id="{D4191678-9CF5-8B2C-2FFD-5FD130B3B412}"/>
                 </a:ext>
               </a:extLst>
             </p:cNvPr>
@@ -23221,7 +23423,7 @@
             <p:cNvPr id="42" name="Oval 14">
               <a:extLst>
                 <a:ext uri="{FF2B5EF4-FFF2-40B4-BE49-F238E27FC236}">
-                  <a16:creationId xmlns:a16="http://schemas.microsoft.com/office/drawing/2014/main" id="{15DAC9EB-F5F3-0131-4EAA-DF22D2351AB8}"/>
+                  <a16:creationId xmlns:a16="http://schemas.microsoft.com/office/drawing/2014/main" xmlns="" id="{15DAC9EB-F5F3-0131-4EAA-DF22D2351AB8}"/>
                 </a:ext>
               </a:extLst>
             </p:cNvPr>
@@ -23275,7 +23477,7 @@
             <p:cNvPr id="44" name="Isosceles Triangle 15">
               <a:extLst>
                 <a:ext uri="{FF2B5EF4-FFF2-40B4-BE49-F238E27FC236}">
-                  <a16:creationId xmlns:a16="http://schemas.microsoft.com/office/drawing/2014/main" id="{17847434-848F-7030-60BF-0A6AFF31EAEE}"/>
+                  <a16:creationId xmlns:a16="http://schemas.microsoft.com/office/drawing/2014/main" xmlns="" id="{17847434-848F-7030-60BF-0A6AFF31EAEE}"/>
                 </a:ext>
               </a:extLst>
             </p:cNvPr>
@@ -23329,7 +23531,7 @@
             <p:cNvPr id="45" name="Isosceles Triangle 16">
               <a:extLst>
                 <a:ext uri="{FF2B5EF4-FFF2-40B4-BE49-F238E27FC236}">
-                  <a16:creationId xmlns:a16="http://schemas.microsoft.com/office/drawing/2014/main" id="{69F7D8A7-7BB4-29BF-6783-381784D1576B}"/>
+                  <a16:creationId xmlns:a16="http://schemas.microsoft.com/office/drawing/2014/main" xmlns="" id="{69F7D8A7-7BB4-29BF-6783-381784D1576B}"/>
                 </a:ext>
               </a:extLst>
             </p:cNvPr>
@@ -23383,7 +23585,7 @@
             <p:cNvPr id="46" name="Isosceles Triangle 17">
               <a:extLst>
                 <a:ext uri="{FF2B5EF4-FFF2-40B4-BE49-F238E27FC236}">
-                  <a16:creationId xmlns:a16="http://schemas.microsoft.com/office/drawing/2014/main" id="{A7E0AD2F-77D1-2E5F-BC04-C0BD98EF8FB2}"/>
+                  <a16:creationId xmlns:a16="http://schemas.microsoft.com/office/drawing/2014/main" xmlns="" id="{A7E0AD2F-77D1-2E5F-BC04-C0BD98EF8FB2}"/>
                 </a:ext>
               </a:extLst>
             </p:cNvPr>
@@ -23437,7 +23639,7 @@
             <p:cNvPr id="47" name="Isosceles Triangle 18">
               <a:extLst>
                 <a:ext uri="{FF2B5EF4-FFF2-40B4-BE49-F238E27FC236}">
-                  <a16:creationId xmlns:a16="http://schemas.microsoft.com/office/drawing/2014/main" id="{1C15A1BA-A5A1-121A-47A2-67D01670EB8D}"/>
+                  <a16:creationId xmlns:a16="http://schemas.microsoft.com/office/drawing/2014/main" xmlns="" id="{1C15A1BA-A5A1-121A-47A2-67D01670EB8D}"/>
                 </a:ext>
               </a:extLst>
             </p:cNvPr>
@@ -23491,7 +23693,7 @@
             <p:cNvPr id="51" name="Isosceles Triangle 19">
               <a:extLst>
                 <a:ext uri="{FF2B5EF4-FFF2-40B4-BE49-F238E27FC236}">
-                  <a16:creationId xmlns:a16="http://schemas.microsoft.com/office/drawing/2014/main" id="{2691A117-2238-4EA8-BA72-DD69B2537E74}"/>
+                  <a16:creationId xmlns:a16="http://schemas.microsoft.com/office/drawing/2014/main" xmlns="" id="{2691A117-2238-4EA8-BA72-DD69B2537E74}"/>
                 </a:ext>
               </a:extLst>
             </p:cNvPr>
@@ -23545,7 +23747,7 @@
             <p:cNvPr id="52" name="Isosceles Triangle 20">
               <a:extLst>
                 <a:ext uri="{FF2B5EF4-FFF2-40B4-BE49-F238E27FC236}">
-                  <a16:creationId xmlns:a16="http://schemas.microsoft.com/office/drawing/2014/main" id="{87886991-92AA-789B-A048-42556E41EF78}"/>
+                  <a16:creationId xmlns:a16="http://schemas.microsoft.com/office/drawing/2014/main" xmlns="" id="{87886991-92AA-789B-A048-42556E41EF78}"/>
                 </a:ext>
               </a:extLst>
             </p:cNvPr>
@@ -23599,7 +23801,7 @@
             <p:cNvPr id="53" name="Isosceles Triangle 21">
               <a:extLst>
                 <a:ext uri="{FF2B5EF4-FFF2-40B4-BE49-F238E27FC236}">
-                  <a16:creationId xmlns:a16="http://schemas.microsoft.com/office/drawing/2014/main" id="{FC918483-70D9-78EF-7892-9A698C58B3BE}"/>
+                  <a16:creationId xmlns:a16="http://schemas.microsoft.com/office/drawing/2014/main" xmlns="" id="{FC918483-70D9-78EF-7892-9A698C58B3BE}"/>
                 </a:ext>
               </a:extLst>
             </p:cNvPr>
@@ -23655,7 +23857,7 @@
                 <p:cNvPr id="54" name="Rectangle 22">
                   <a:extLst>
                     <a:ext uri="{FF2B5EF4-FFF2-40B4-BE49-F238E27FC236}">
-                      <a16:creationId xmlns:a16="http://schemas.microsoft.com/office/drawing/2014/main" id="{2FE86596-1D83-0567-72ED-6BE31DAD111D}"/>
+                      <a16:creationId xmlns:a16="http://schemas.microsoft.com/office/drawing/2014/main" xmlns="" id="{2FE86596-1D83-0567-72ED-6BE31DAD111D}"/>
                     </a:ext>
                   </a:extLst>
                 </p:cNvPr>
@@ -23763,7 +23965,7 @@
                 <p:cNvPr id="55" name="Rectangle 23">
                   <a:extLst>
                     <a:ext uri="{FF2B5EF4-FFF2-40B4-BE49-F238E27FC236}">
-                      <a16:creationId xmlns:a16="http://schemas.microsoft.com/office/drawing/2014/main" id="{02397193-CB62-B516-6901-D12765FA74FD}"/>
+                      <a16:creationId xmlns:a16="http://schemas.microsoft.com/office/drawing/2014/main" xmlns="" id="{02397193-CB62-B516-6901-D12765FA74FD}"/>
                     </a:ext>
                   </a:extLst>
                 </p:cNvPr>
@@ -23871,7 +24073,7 @@
                 <p:cNvPr id="56" name="TextBox 24">
                   <a:extLst>
                     <a:ext uri="{FF2B5EF4-FFF2-40B4-BE49-F238E27FC236}">
-                      <a16:creationId xmlns:a16="http://schemas.microsoft.com/office/drawing/2014/main" id="{F29ADD8A-D74E-84D1-F235-CE5EA18629ED}"/>
+                      <a16:creationId xmlns:a16="http://schemas.microsoft.com/office/drawing/2014/main" xmlns="" id="{F29ADD8A-D74E-84D1-F235-CE5EA18629ED}"/>
                     </a:ext>
                   </a:extLst>
                 </p:cNvPr>
@@ -23980,7 +24182,7 @@
                 <p:cNvPr id="57" name="TextBox 25">
                   <a:extLst>
                     <a:ext uri="{FF2B5EF4-FFF2-40B4-BE49-F238E27FC236}">
-                      <a16:creationId xmlns:a16="http://schemas.microsoft.com/office/drawing/2014/main" id="{7A3F41DF-BDCB-C85B-90EB-7672C6BBB835}"/>
+                      <a16:creationId xmlns:a16="http://schemas.microsoft.com/office/drawing/2014/main" xmlns="" id="{7A3F41DF-BDCB-C85B-90EB-7672C6BBB835}"/>
                     </a:ext>
                   </a:extLst>
                 </p:cNvPr>
@@ -24087,7 +24289,7 @@
             <p:cNvPr id="58" name="Oval 27">
               <a:extLst>
                 <a:ext uri="{FF2B5EF4-FFF2-40B4-BE49-F238E27FC236}">
-                  <a16:creationId xmlns:a16="http://schemas.microsoft.com/office/drawing/2014/main" id="{847A52EB-C501-D440-8610-5419FB823317}"/>
+                  <a16:creationId xmlns:a16="http://schemas.microsoft.com/office/drawing/2014/main" xmlns="" id="{847A52EB-C501-D440-8610-5419FB823317}"/>
                 </a:ext>
               </a:extLst>
             </p:cNvPr>
@@ -24139,7 +24341,7 @@
             <p:cNvPr id="61" name="Oval 35">
               <a:extLst>
                 <a:ext uri="{FF2B5EF4-FFF2-40B4-BE49-F238E27FC236}">
-                  <a16:creationId xmlns:a16="http://schemas.microsoft.com/office/drawing/2014/main" id="{EB453B61-9506-A107-5EF7-8246E747FF1E}"/>
+                  <a16:creationId xmlns:a16="http://schemas.microsoft.com/office/drawing/2014/main" xmlns="" id="{EB453B61-9506-A107-5EF7-8246E747FF1E}"/>
                 </a:ext>
               </a:extLst>
             </p:cNvPr>
@@ -24191,7 +24393,7 @@
             <p:cNvPr id="62" name="Oval 37">
               <a:extLst>
                 <a:ext uri="{FF2B5EF4-FFF2-40B4-BE49-F238E27FC236}">
-                  <a16:creationId xmlns:a16="http://schemas.microsoft.com/office/drawing/2014/main" id="{CA70CD2A-20CC-7D7E-FBB5-315D08338E70}"/>
+                  <a16:creationId xmlns:a16="http://schemas.microsoft.com/office/drawing/2014/main" xmlns="" id="{CA70CD2A-20CC-7D7E-FBB5-315D08338E70}"/>
                 </a:ext>
               </a:extLst>
             </p:cNvPr>
@@ -24243,7 +24445,7 @@
             <p:cNvPr id="63" name="Isosceles Triangle 38">
               <a:extLst>
                 <a:ext uri="{FF2B5EF4-FFF2-40B4-BE49-F238E27FC236}">
-                  <a16:creationId xmlns:a16="http://schemas.microsoft.com/office/drawing/2014/main" id="{1B63DD9A-FDD2-7248-23B2-3CB843634382}"/>
+                  <a16:creationId xmlns:a16="http://schemas.microsoft.com/office/drawing/2014/main" xmlns="" id="{1B63DD9A-FDD2-7248-23B2-3CB843634382}"/>
                 </a:ext>
               </a:extLst>
             </p:cNvPr>
@@ -24299,7 +24501,7 @@
                 <p:cNvPr id="66" name="TextBox 47">
                   <a:extLst>
                     <a:ext uri="{FF2B5EF4-FFF2-40B4-BE49-F238E27FC236}">
-                      <a16:creationId xmlns:a16="http://schemas.microsoft.com/office/drawing/2014/main" id="{6063CA95-FC23-6B2F-BFA4-9A9FAF88B4A6}"/>
+                      <a16:creationId xmlns:a16="http://schemas.microsoft.com/office/drawing/2014/main" xmlns="" id="{6063CA95-FC23-6B2F-BFA4-9A9FAF88B4A6}"/>
                     </a:ext>
                   </a:extLst>
                 </p:cNvPr>
@@ -24412,7 +24614,7 @@
                 <p:cNvPr id="67" name="TextBox 48">
                   <a:extLst>
                     <a:ext uri="{FF2B5EF4-FFF2-40B4-BE49-F238E27FC236}">
-                      <a16:creationId xmlns:a16="http://schemas.microsoft.com/office/drawing/2014/main" id="{CF068210-CAED-73B7-26B0-19BA9DC8137E}"/>
+                      <a16:creationId xmlns:a16="http://schemas.microsoft.com/office/drawing/2014/main" xmlns="" id="{CF068210-CAED-73B7-26B0-19BA9DC8137E}"/>
                     </a:ext>
                   </a:extLst>
                 </p:cNvPr>
@@ -24576,8 +24778,8 @@
           </a:p>
         </p:txBody>
       </p:sp>
-      <mc:AlternateContent xmlns:mc="http://schemas.openxmlformats.org/markup-compatibility/2006" xmlns:a14="http://schemas.microsoft.com/office/drawing/2010/main">
-        <mc:Choice Requires="a14">
+      <mc:AlternateContent xmlns:mc="http://schemas.openxmlformats.org/markup-compatibility/2006">
+        <mc:Choice xmlns:a14="http://schemas.microsoft.com/office/drawing/2010/main" Requires="a14">
           <p:sp>
             <p:nvSpPr>
               <p:cNvPr id="3" name="Content Placeholder 2"/>
@@ -24650,7 +24852,23 @@
                 </a:r>
                 <a:r>
                   <a:rPr lang="pt-BR" dirty="0"/>
-                  <a:t> (i.e., os </a:t>
+                  <a:t> </a:t>
+                </a:r>
+                <a:r>
+                  <a:rPr lang="pt-BR" dirty="0" smtClean="0"/>
+                  <a:t>(</a:t>
+                </a:r>
+                <a:r>
+                  <a:rPr lang="pt-BR" dirty="0" smtClean="0"/>
+                  <a:t>e.g.</a:t>
+                </a:r>
+                <a:r>
+                  <a:rPr lang="pt-BR" dirty="0" smtClean="0"/>
+                  <a:t>, </a:t>
+                </a:r>
+                <a:r>
+                  <a:rPr lang="pt-BR" dirty="0"/>
+                  <a:t>os </a:t>
                 </a:r>
                 <a:r>
                   <a:rPr lang="pt-BR" b="1" i="1" dirty="0" err="1"/>
@@ -24728,7 +24946,7 @@
             </p:txBody>
           </p:sp>
         </mc:Choice>
-        <mc:Fallback xmlns="">
+        <mc:Fallback>
           <p:sp>
             <p:nvSpPr>
               <p:cNvPr id="3" name="Content Placeholder 2"/>
@@ -24744,7 +24962,7 @@
                 <a:off x="5575852" y="1690688"/>
                 <a:ext cx="6448508" cy="5167311"/>
               </a:xfrm>
-              <a:blipFill>
+              <a:blipFill rotWithShape="0">
                 <a:blip r:embed="rId3"/>
                 <a:stretch>
                   <a:fillRect l="-1701" t="-1887" r="-2741"/>
@@ -24756,7 +24974,7 @@
               <a:lstStyle/>
               <a:p>
                 <a:r>
-                  <a:rPr lang="en-US">
+                  <a:rPr lang="pt-BR">
                     <a:noFill/>
                   </a:rPr>
                   <a:t> </a:t>
@@ -24771,7 +24989,7 @@
           <p:cNvPr id="13" name="Agrupar 12">
             <a:extLst>
               <a:ext uri="{FF2B5EF4-FFF2-40B4-BE49-F238E27FC236}">
-                <a16:creationId xmlns:a16="http://schemas.microsoft.com/office/drawing/2014/main" id="{3ABE398D-1CE6-E437-DE7B-7C0199280699}"/>
+                <a16:creationId xmlns:a16="http://schemas.microsoft.com/office/drawing/2014/main" xmlns="" id="{3ABE398D-1CE6-E437-DE7B-7C0199280699}"/>
               </a:ext>
             </a:extLst>
           </p:cNvPr>
@@ -24791,7 +25009,7 @@
             <p:cNvPr id="5" name="TextBox 10">
               <a:extLst>
                 <a:ext uri="{FF2B5EF4-FFF2-40B4-BE49-F238E27FC236}">
-                  <a16:creationId xmlns:a16="http://schemas.microsoft.com/office/drawing/2014/main" id="{CEB8A630-173E-340A-464A-959B78DC2FE4}"/>
+                  <a16:creationId xmlns:a16="http://schemas.microsoft.com/office/drawing/2014/main" xmlns="" id="{CEB8A630-173E-340A-464A-959B78DC2FE4}"/>
                 </a:ext>
               </a:extLst>
             </p:cNvPr>
@@ -24843,7 +25061,7 @@
             <p:cNvPr id="7" name="Picture 4">
               <a:extLst>
                 <a:ext uri="{FF2B5EF4-FFF2-40B4-BE49-F238E27FC236}">
-                  <a16:creationId xmlns:a16="http://schemas.microsoft.com/office/drawing/2014/main" id="{B3138423-D6F8-2D44-1667-917F11AD6E86}"/>
+                  <a16:creationId xmlns:a16="http://schemas.microsoft.com/office/drawing/2014/main" xmlns="" id="{B3138423-D6F8-2D44-1667-917F11AD6E86}"/>
                 </a:ext>
               </a:extLst>
             </p:cNvPr>
@@ -24878,7 +25096,7 @@
             <p:cNvPr id="8" name="TextBox 11">
               <a:extLst>
                 <a:ext uri="{FF2B5EF4-FFF2-40B4-BE49-F238E27FC236}">
-                  <a16:creationId xmlns:a16="http://schemas.microsoft.com/office/drawing/2014/main" id="{FC08E9EE-1561-4BEF-2AEE-727B2D5F8E2F}"/>
+                  <a16:creationId xmlns:a16="http://schemas.microsoft.com/office/drawing/2014/main" xmlns="" id="{FC08E9EE-1561-4BEF-2AEE-727B2D5F8E2F}"/>
                 </a:ext>
               </a:extLst>
             </p:cNvPr>
@@ -24926,7 +25144,7 @@
             <p:cNvPr id="9" name="Curved Connector 9">
               <a:extLst>
                 <a:ext uri="{FF2B5EF4-FFF2-40B4-BE49-F238E27FC236}">
-                  <a16:creationId xmlns:a16="http://schemas.microsoft.com/office/drawing/2014/main" id="{14E20E58-751B-FACF-872B-3CECD3A49E40}"/>
+                  <a16:creationId xmlns:a16="http://schemas.microsoft.com/office/drawing/2014/main" xmlns="" id="{14E20E58-751B-FACF-872B-3CECD3A49E40}"/>
                 </a:ext>
               </a:extLst>
             </p:cNvPr>
@@ -24974,7 +25192,7 @@
             <p:cNvPr id="10" name="TextBox 12">
               <a:extLst>
                 <a:ext uri="{FF2B5EF4-FFF2-40B4-BE49-F238E27FC236}">
-                  <a16:creationId xmlns:a16="http://schemas.microsoft.com/office/drawing/2014/main" id="{2AF0D625-C807-BD82-FA55-87271C135B34}"/>
+                  <a16:creationId xmlns:a16="http://schemas.microsoft.com/office/drawing/2014/main" xmlns="" id="{2AF0D625-C807-BD82-FA55-87271C135B34}"/>
                 </a:ext>
               </a:extLst>
             </p:cNvPr>
@@ -25023,7 +25241,7 @@
           <p:cNvPr id="1026" name="Picture 2" descr="GitHub - OleksandrKosovan/dog-cat-classification: The Dogs vs. Cats dataset  is a standard computer vision dataset that involves classifying photos as  either containing a dog or cat.">
             <a:extLst>
               <a:ext uri="{FF2B5EF4-FFF2-40B4-BE49-F238E27FC236}">
-                <a16:creationId xmlns:a16="http://schemas.microsoft.com/office/drawing/2014/main" id="{9B362008-3E26-A52F-A9E6-62106E0CB485}"/>
+                <a16:creationId xmlns:a16="http://schemas.microsoft.com/office/drawing/2014/main" xmlns="" id="{9B362008-3E26-A52F-A9E6-62106E0CB485}"/>
               </a:ext>
             </a:extLst>
           </p:cNvPr>
@@ -25033,7 +25251,7 @@
           <p:nvPr/>
         </p:nvPicPr>
         <p:blipFill rotWithShape="1">
-          <a:blip r:embed="rId5">
+          <a:blip r:embed="rId5" cstate="print">
             <a:extLst>
               <a:ext uri="{28A0092B-C50C-407E-A947-70E740481C1C}">
                 <a14:useLocalDpi xmlns:a14="http://schemas.microsoft.com/office/drawing/2010/main" val="0"/>
@@ -25068,7 +25286,7 @@
           <p:cNvPr id="17" name="Conector reto 16">
             <a:extLst>
               <a:ext uri="{FF2B5EF4-FFF2-40B4-BE49-F238E27FC236}">
-                <a16:creationId xmlns:a16="http://schemas.microsoft.com/office/drawing/2014/main" id="{43CEAD89-1DD5-95EC-5172-BB2EC94F5092}"/>
+                <a16:creationId xmlns:a16="http://schemas.microsoft.com/office/drawing/2014/main" xmlns="" id="{43CEAD89-1DD5-95EC-5172-BB2EC94F5092}"/>
               </a:ext>
             </a:extLst>
           </p:cNvPr>
@@ -25112,7 +25330,7 @@
           <p:cNvPr id="19" name="Conector reto 18">
             <a:extLst>
               <a:ext uri="{FF2B5EF4-FFF2-40B4-BE49-F238E27FC236}">
-                <a16:creationId xmlns:a16="http://schemas.microsoft.com/office/drawing/2014/main" id="{9AAE2E5B-3772-7BF4-7C5B-C632C605DD48}"/>
+                <a16:creationId xmlns:a16="http://schemas.microsoft.com/office/drawing/2014/main" xmlns="" id="{9AAE2E5B-3772-7BF4-7C5B-C632C605DD48}"/>
               </a:ext>
             </a:extLst>
           </p:cNvPr>
@@ -25156,7 +25374,7 @@
           <p:cNvPr id="22" name="Picture 2" descr="GitHub - OleksandrKosovan/dog-cat-classification: The Dogs vs. Cats dataset  is a standard computer vision dataset that involves classifying photos as  either containing a dog or cat.">
             <a:extLst>
               <a:ext uri="{FF2B5EF4-FFF2-40B4-BE49-F238E27FC236}">
-                <a16:creationId xmlns:a16="http://schemas.microsoft.com/office/drawing/2014/main" id="{EE1E65C9-48DF-4E81-A7B5-1AD012861478}"/>
+                <a16:creationId xmlns:a16="http://schemas.microsoft.com/office/drawing/2014/main" xmlns="" id="{EE1E65C9-48DF-4E81-A7B5-1AD012861478}"/>
               </a:ext>
             </a:extLst>
           </p:cNvPr>
@@ -25166,7 +25384,7 @@
           <p:nvPr/>
         </p:nvPicPr>
         <p:blipFill rotWithShape="1">
-          <a:blip r:embed="rId5">
+          <a:blip r:embed="rId5" cstate="print">
             <a:extLst>
               <a:ext uri="{28A0092B-C50C-407E-A947-70E740481C1C}">
                 <a14:useLocalDpi xmlns:a14="http://schemas.microsoft.com/office/drawing/2010/main" val="0"/>
@@ -25201,7 +25419,7 @@
           <p:cNvPr id="23" name="Conector reto 22">
             <a:extLst>
               <a:ext uri="{FF2B5EF4-FFF2-40B4-BE49-F238E27FC236}">
-                <a16:creationId xmlns:a16="http://schemas.microsoft.com/office/drawing/2014/main" id="{844E5B43-B454-78DC-3F77-FE69A5DF57CC}"/>
+                <a16:creationId xmlns:a16="http://schemas.microsoft.com/office/drawing/2014/main" xmlns="" id="{844E5B43-B454-78DC-3F77-FE69A5DF57CC}"/>
               </a:ext>
             </a:extLst>
           </p:cNvPr>
@@ -25212,8 +25430,8 @@
         </p:nvCxnSpPr>
         <p:spPr>
           <a:xfrm flipH="1">
-            <a:off x="3752850" y="2828906"/>
-            <a:ext cx="1437633" cy="593744"/>
+            <a:off x="3753224" y="2828906"/>
+            <a:ext cx="1437260" cy="565729"/>
           </a:xfrm>
           <a:prstGeom prst="line">
             <a:avLst/>
@@ -25245,7 +25463,7 @@
           <p:cNvPr id="26" name="Conector reto 25">
             <a:extLst>
               <a:ext uri="{FF2B5EF4-FFF2-40B4-BE49-F238E27FC236}">
-                <a16:creationId xmlns:a16="http://schemas.microsoft.com/office/drawing/2014/main" id="{F222145A-3D1B-B666-1B27-DB501E6102EC}"/>
+                <a16:creationId xmlns:a16="http://schemas.microsoft.com/office/drawing/2014/main" xmlns="" id="{F222145A-3D1B-B666-1B27-DB501E6102EC}"/>
               </a:ext>
             </a:extLst>
           </p:cNvPr>
@@ -27537,7 +27755,7 @@
           <p:cNvPr id="6" name="TextBox 10">
             <a:extLst>
               <a:ext uri="{FF2B5EF4-FFF2-40B4-BE49-F238E27FC236}">
-                <a16:creationId xmlns:a16="http://schemas.microsoft.com/office/drawing/2014/main" id="{5C4B4108-2520-8F32-7ED8-A8D5762225C0}"/>
+                <a16:creationId xmlns:a16="http://schemas.microsoft.com/office/drawing/2014/main" xmlns="" id="{5C4B4108-2520-8F32-7ED8-A8D5762225C0}"/>
               </a:ext>
             </a:extLst>
           </p:cNvPr>
@@ -27589,7 +27807,7 @@
           <p:cNvPr id="7" name="Picture 3">
             <a:extLst>
               <a:ext uri="{FF2B5EF4-FFF2-40B4-BE49-F238E27FC236}">
-                <a16:creationId xmlns:a16="http://schemas.microsoft.com/office/drawing/2014/main" id="{18E14292-14A7-4B06-6830-9F831DD8A7A6}"/>
+                <a16:creationId xmlns:a16="http://schemas.microsoft.com/office/drawing/2014/main" xmlns="" id="{18E14292-14A7-4B06-6830-9F831DD8A7A6}"/>
               </a:ext>
             </a:extLst>
           </p:cNvPr>
@@ -27624,7 +27842,7 @@
           <p:cNvPr id="8" name="Picture 4">
             <a:extLst>
               <a:ext uri="{FF2B5EF4-FFF2-40B4-BE49-F238E27FC236}">
-                <a16:creationId xmlns:a16="http://schemas.microsoft.com/office/drawing/2014/main" id="{220E4A5A-F6C0-4DF4-14A9-6517D7BAD8FF}"/>
+                <a16:creationId xmlns:a16="http://schemas.microsoft.com/office/drawing/2014/main" xmlns="" id="{220E4A5A-F6C0-4DF4-14A9-6517D7BAD8FF}"/>
               </a:ext>
             </a:extLst>
           </p:cNvPr>
@@ -27659,7 +27877,7 @@
           <p:cNvPr id="9" name="TextBox 11">
             <a:extLst>
               <a:ext uri="{FF2B5EF4-FFF2-40B4-BE49-F238E27FC236}">
-                <a16:creationId xmlns:a16="http://schemas.microsoft.com/office/drawing/2014/main" id="{8ED363EC-FFE4-8465-8950-8EFDBEE4AA97}"/>
+                <a16:creationId xmlns:a16="http://schemas.microsoft.com/office/drawing/2014/main" xmlns="" id="{8ED363EC-FFE4-8465-8950-8EFDBEE4AA97}"/>
               </a:ext>
             </a:extLst>
           </p:cNvPr>
@@ -27707,7 +27925,7 @@
           <p:cNvPr id="14" name="Curved Connector 9">
             <a:extLst>
               <a:ext uri="{FF2B5EF4-FFF2-40B4-BE49-F238E27FC236}">
-                <a16:creationId xmlns:a16="http://schemas.microsoft.com/office/drawing/2014/main" id="{B8E4CCE2-8CD3-2DDD-9F9A-1C6C12E23FA9}"/>
+                <a16:creationId xmlns:a16="http://schemas.microsoft.com/office/drawing/2014/main" xmlns="" id="{B8E4CCE2-8CD3-2DDD-9F9A-1C6C12E23FA9}"/>
               </a:ext>
             </a:extLst>
           </p:cNvPr>
@@ -27754,7 +27972,7 @@
           <p:cNvPr id="17" name="TextBox 12">
             <a:extLst>
               <a:ext uri="{FF2B5EF4-FFF2-40B4-BE49-F238E27FC236}">
-                <a16:creationId xmlns:a16="http://schemas.microsoft.com/office/drawing/2014/main" id="{E58245ED-FDF9-96AD-E6EC-2F7C94A0B7E2}"/>
+                <a16:creationId xmlns:a16="http://schemas.microsoft.com/office/drawing/2014/main" xmlns="" id="{E58245ED-FDF9-96AD-E6EC-2F7C94A0B7E2}"/>
               </a:ext>
             </a:extLst>
           </p:cNvPr>
@@ -27802,7 +28020,7 @@
           <p:cNvPr id="18" name="TextBox 14">
             <a:extLst>
               <a:ext uri="{FF2B5EF4-FFF2-40B4-BE49-F238E27FC236}">
-                <a16:creationId xmlns:a16="http://schemas.microsoft.com/office/drawing/2014/main" id="{EF4FE9E1-2223-5403-959C-BACE49B9C0BB}"/>
+                <a16:creationId xmlns:a16="http://schemas.microsoft.com/office/drawing/2014/main" xmlns="" id="{EF4FE9E1-2223-5403-959C-BACE49B9C0BB}"/>
               </a:ext>
             </a:extLst>
           </p:cNvPr>
@@ -27838,7 +28056,7 @@
           <p:cNvPr id="19" name="TextBox 15">
             <a:extLst>
               <a:ext uri="{FF2B5EF4-FFF2-40B4-BE49-F238E27FC236}">
-                <a16:creationId xmlns:a16="http://schemas.microsoft.com/office/drawing/2014/main" id="{2D1AB59A-3453-53BF-02B0-2EA6510D278E}"/>
+                <a16:creationId xmlns:a16="http://schemas.microsoft.com/office/drawing/2014/main" xmlns="" id="{2D1AB59A-3453-53BF-02B0-2EA6510D278E}"/>
               </a:ext>
             </a:extLst>
           </p:cNvPr>
@@ -27904,7 +28122,7 @@
           <p:cNvPr id="2" name="Título 1">
             <a:extLst>
               <a:ext uri="{FF2B5EF4-FFF2-40B4-BE49-F238E27FC236}">
-                <a16:creationId xmlns:a16="http://schemas.microsoft.com/office/drawing/2014/main" id="{3495A63C-0894-86C7-670B-3F429FA243FC}"/>
+                <a16:creationId xmlns:a16="http://schemas.microsoft.com/office/drawing/2014/main" xmlns="" id="{3495A63C-0894-86C7-670B-3F429FA243FC}"/>
               </a:ext>
             </a:extLst>
           </p:cNvPr>
@@ -27934,7 +28152,7 @@
               <p:cNvPr id="3" name="Espaço Reservado para Conteúdo 2">
                 <a:extLst>
                   <a:ext uri="{FF2B5EF4-FFF2-40B4-BE49-F238E27FC236}">
-                    <a16:creationId xmlns:a16="http://schemas.microsoft.com/office/drawing/2014/main" id="{AB023315-E7E6-47FE-1333-C9490AC27BD4}"/>
+                    <a16:creationId xmlns:a16="http://schemas.microsoft.com/office/drawing/2014/main" xmlns="" id="{AB023315-E7E6-47FE-1333-C9490AC27BD4}"/>
                   </a:ext>
                 </a:extLst>
               </p:cNvPr>
@@ -29148,7 +29366,7 @@
           <p:cNvPr id="13" name="Agrupar 12">
             <a:extLst>
               <a:ext uri="{FF2B5EF4-FFF2-40B4-BE49-F238E27FC236}">
-                <a16:creationId xmlns:a16="http://schemas.microsoft.com/office/drawing/2014/main" id="{2B9489A0-43C9-F481-C89D-B77D90514774}"/>
+                <a16:creationId xmlns:a16="http://schemas.microsoft.com/office/drawing/2014/main" xmlns="" id="{2B9489A0-43C9-F481-C89D-B77D90514774}"/>
               </a:ext>
             </a:extLst>
           </p:cNvPr>
@@ -29168,7 +29386,7 @@
             <p:cNvPr id="6" name="Picture 3">
               <a:extLst>
                 <a:ext uri="{FF2B5EF4-FFF2-40B4-BE49-F238E27FC236}">
-                  <a16:creationId xmlns:a16="http://schemas.microsoft.com/office/drawing/2014/main" id="{4CD9C295-4EEF-10D5-87A5-FB0885539066}"/>
+                  <a16:creationId xmlns:a16="http://schemas.microsoft.com/office/drawing/2014/main" xmlns="" id="{4CD9C295-4EEF-10D5-87A5-FB0885539066}"/>
                 </a:ext>
               </a:extLst>
             </p:cNvPr>
@@ -29203,7 +29421,7 @@
             <p:cNvPr id="12" name="Forma Livre: Forma 11">
               <a:extLst>
                 <a:ext uri="{FF2B5EF4-FFF2-40B4-BE49-F238E27FC236}">
-                  <a16:creationId xmlns:a16="http://schemas.microsoft.com/office/drawing/2014/main" id="{F0E088D9-D778-25C4-93FD-A131A99C48A0}"/>
+                  <a16:creationId xmlns:a16="http://schemas.microsoft.com/office/drawing/2014/main" xmlns="" id="{F0E088D9-D778-25C4-93FD-A131A99C48A0}"/>
                 </a:ext>
               </a:extLst>
             </p:cNvPr>
@@ -29305,7 +29523,7 @@
           <p:cNvPr id="17" name="Imagem 16">
             <a:extLst>
               <a:ext uri="{FF2B5EF4-FFF2-40B4-BE49-F238E27FC236}">
-                <a16:creationId xmlns:a16="http://schemas.microsoft.com/office/drawing/2014/main" id="{1FF852E1-FC27-87CE-4AD8-93FE770BB709}"/>
+                <a16:creationId xmlns:a16="http://schemas.microsoft.com/office/drawing/2014/main" xmlns="" id="{1FF852E1-FC27-87CE-4AD8-93FE770BB709}"/>
               </a:ext>
             </a:extLst>
           </p:cNvPr>
@@ -29334,7 +29552,7 @@
           <p:cNvPr id="18" name="Elipse 17">
             <a:extLst>
               <a:ext uri="{FF2B5EF4-FFF2-40B4-BE49-F238E27FC236}">
-                <a16:creationId xmlns:a16="http://schemas.microsoft.com/office/drawing/2014/main" id="{54A56F1A-7CBB-5EB0-623A-D56498CD1D25}"/>
+                <a16:creationId xmlns:a16="http://schemas.microsoft.com/office/drawing/2014/main" xmlns="" id="{54A56F1A-7CBB-5EB0-623A-D56498CD1D25}"/>
               </a:ext>
             </a:extLst>
           </p:cNvPr>
@@ -29387,7 +29605,7 @@
           <p:cNvPr id="20" name="Conector de Seta Reta 19">
             <a:extLst>
               <a:ext uri="{FF2B5EF4-FFF2-40B4-BE49-F238E27FC236}">
-                <a16:creationId xmlns:a16="http://schemas.microsoft.com/office/drawing/2014/main" id="{B8C56CE2-655D-9F67-4479-7C25CEC7A4AD}"/>
+                <a16:creationId xmlns:a16="http://schemas.microsoft.com/office/drawing/2014/main" xmlns="" id="{B8C56CE2-655D-9F67-4479-7C25CEC7A4AD}"/>
               </a:ext>
             </a:extLst>
           </p:cNvPr>
@@ -29433,7 +29651,7 @@
               <p:cNvPr id="22" name="CaixaDeTexto 21">
                 <a:extLst>
                   <a:ext uri="{FF2B5EF4-FFF2-40B4-BE49-F238E27FC236}">
-                    <a16:creationId xmlns:a16="http://schemas.microsoft.com/office/drawing/2014/main" id="{F86B7526-8F2E-C225-228E-F0475FB39495}"/>
+                    <a16:creationId xmlns:a16="http://schemas.microsoft.com/office/drawing/2014/main" xmlns="" id="{F86B7526-8F2E-C225-228E-F0475FB39495}"/>
                   </a:ext>
                 </a:extLst>
               </p:cNvPr>
@@ -29553,7 +29771,7 @@
           <p:cNvPr id="23" name="Conector de Seta Reta 22">
             <a:extLst>
               <a:ext uri="{FF2B5EF4-FFF2-40B4-BE49-F238E27FC236}">
-                <a16:creationId xmlns:a16="http://schemas.microsoft.com/office/drawing/2014/main" id="{CB16F12A-6F3B-151C-8C84-E16F35E2EF7D}"/>
+                <a16:creationId xmlns:a16="http://schemas.microsoft.com/office/drawing/2014/main" xmlns="" id="{CB16F12A-6F3B-151C-8C84-E16F35E2EF7D}"/>
               </a:ext>
             </a:extLst>
           </p:cNvPr>
@@ -29599,7 +29817,7 @@
               <p:cNvPr id="24" name="CaixaDeTexto 23">
                 <a:extLst>
                   <a:ext uri="{FF2B5EF4-FFF2-40B4-BE49-F238E27FC236}">
-                    <a16:creationId xmlns:a16="http://schemas.microsoft.com/office/drawing/2014/main" id="{D55B1080-693D-2F06-7B95-7A479C457438}"/>
+                    <a16:creationId xmlns:a16="http://schemas.microsoft.com/office/drawing/2014/main" xmlns="" id="{D55B1080-693D-2F06-7B95-7A479C457438}"/>
                   </a:ext>
                 </a:extLst>
               </p:cNvPr>
@@ -29749,7 +29967,7 @@
           <p:cNvPr id="2" name="Título 1">
             <a:extLst>
               <a:ext uri="{FF2B5EF4-FFF2-40B4-BE49-F238E27FC236}">
-                <a16:creationId xmlns:a16="http://schemas.microsoft.com/office/drawing/2014/main" id="{9147CD5D-4047-7236-FE8C-6333CF960D70}"/>
+                <a16:creationId xmlns:a16="http://schemas.microsoft.com/office/drawing/2014/main" xmlns="" id="{9147CD5D-4047-7236-FE8C-6333CF960D70}"/>
               </a:ext>
             </a:extLst>
           </p:cNvPr>
@@ -29772,14 +29990,14 @@
           </a:p>
         </p:txBody>
       </p:sp>
-      <mc:AlternateContent xmlns:mc="http://schemas.openxmlformats.org/markup-compatibility/2006" xmlns:a14="http://schemas.microsoft.com/office/drawing/2010/main">
-        <mc:Choice Requires="a14">
+      <mc:AlternateContent xmlns:mc="http://schemas.openxmlformats.org/markup-compatibility/2006">
+        <mc:Choice xmlns:a14="http://schemas.microsoft.com/office/drawing/2010/main" Requires="a14">
           <p:sp>
             <p:nvSpPr>
               <p:cNvPr id="3" name="Espaço Reservado para Conteúdo 2">
                 <a:extLst>
                   <a:ext uri="{FF2B5EF4-FFF2-40B4-BE49-F238E27FC236}">
-                    <a16:creationId xmlns:a16="http://schemas.microsoft.com/office/drawing/2014/main" id="{A05B4EB0-4924-C01B-D7F8-B7CFF96841B2}"/>
+                    <a16:creationId xmlns:a16="http://schemas.microsoft.com/office/drawing/2014/main" xmlns="" id="{A05B4EB0-4924-C01B-D7F8-B7CFF96841B2}"/>
                   </a:ext>
                 </a:extLst>
               </p:cNvPr>
@@ -29820,7 +30038,15 @@
                       <a:schemeClr val="tx1"/>
                     </a:solidFill>
                   </a:rPr>
-                  <a:t>função discriminantes não-lineares</a:t>
+                  <a:t>função discriminantes </a:t>
+                </a:r>
+                <a:r>
+                  <a:rPr lang="pt-BR" b="1" i="1" dirty="0">
+                    <a:solidFill>
+                      <a:srgbClr val="7030A0"/>
+                    </a:solidFill>
+                  </a:rPr>
+                  <a:t>não-lineares</a:t>
                 </a:r>
                 <a:r>
                   <a:rPr lang="pt-BR" dirty="0">
@@ -29887,13 +30113,18 @@
                   <a:t>aumento das dimensões de entrada</a:t>
                 </a:r>
                 <a:r>
-                  <a:rPr lang="pt-BR" dirty="0">
+                  <a:rPr lang="pt-BR" dirty="0" smtClean="0">
                     <a:solidFill>
                       <a:schemeClr val="tx1"/>
                     </a:solidFill>
                   </a:rPr>
-                  <a:t>.</a:t>
-                </a:r>
+                  <a:t>. Por exemplo:</a:t>
+                </a:r>
+                <a:endParaRPr lang="pt-BR" dirty="0">
+                  <a:solidFill>
+                    <a:schemeClr val="tx1"/>
+                  </a:solidFill>
+                </a:endParaRPr>
               </a:p>
               <a:p>
                 <a:pPr lvl="1">
@@ -30956,13 +31187,13 @@
             </p:txBody>
           </p:sp>
         </mc:Choice>
-        <mc:Fallback xmlns="">
+        <mc:Fallback>
           <p:sp>
             <p:nvSpPr>
               <p:cNvPr id="3" name="Espaço Reservado para Conteúdo 2">
                 <a:extLst>
                   <a:ext uri="{FF2B5EF4-FFF2-40B4-BE49-F238E27FC236}">
-                    <a16:creationId xmlns:a16="http://schemas.microsoft.com/office/drawing/2014/main" id="{A05B4EB0-4924-C01B-D7F8-B7CFF96841B2}"/>
+                    <a16:creationId xmlns:a16="http://schemas.microsoft.com/office/drawing/2014/main" xmlns:a14="http://schemas.microsoft.com/office/drawing/2010/main" xmlns="" id="{A05B4EB0-4924-C01B-D7F8-B7CFF96841B2}"/>
                   </a:ext>
                 </a:extLst>
               </p:cNvPr>
@@ -30978,7 +31209,7 @@
                 <a:off x="4978400" y="1825624"/>
                 <a:ext cx="7089774" cy="5032375"/>
               </a:xfrm>
-              <a:blipFill>
+              <a:blipFill rotWithShape="0">
                 <a:blip r:embed="rId3"/>
                 <a:stretch>
                   <a:fillRect l="-1548" t="-1937" r="-2923"/>
@@ -30990,7 +31221,7 @@
               <a:lstStyle/>
               <a:p>
                 <a:r>
-                  <a:rPr lang="en-US">
+                  <a:rPr lang="pt-BR">
                     <a:noFill/>
                   </a:rPr>
                   <a:t> </a:t>
@@ -31005,7 +31236,7 @@
           <p:cNvPr id="23" name="Agrupar 22">
             <a:extLst>
               <a:ext uri="{FF2B5EF4-FFF2-40B4-BE49-F238E27FC236}">
-                <a16:creationId xmlns:a16="http://schemas.microsoft.com/office/drawing/2014/main" id="{51896EA7-CD7C-9502-0150-223B08803393}"/>
+                <a16:creationId xmlns:a16="http://schemas.microsoft.com/office/drawing/2014/main" xmlns="" id="{51896EA7-CD7C-9502-0150-223B08803393}"/>
               </a:ext>
             </a:extLst>
           </p:cNvPr>
@@ -31025,7 +31256,7 @@
             <p:cNvPr id="2050" name="Picture 2" descr="Dealing with nonlinear decision boundaries | Machine Learning for OpenCV 4  - Second Edition">
               <a:extLst>
                 <a:ext uri="{FF2B5EF4-FFF2-40B4-BE49-F238E27FC236}">
-                  <a16:creationId xmlns:a16="http://schemas.microsoft.com/office/drawing/2014/main" id="{5B5605AD-E772-CE0A-0D7E-F0FFFD068572}"/>
+                  <a16:creationId xmlns:a16="http://schemas.microsoft.com/office/drawing/2014/main" xmlns="" id="{5B5605AD-E772-CE0A-0D7E-F0FFFD068572}"/>
                 </a:ext>
               </a:extLst>
             </p:cNvPr>
@@ -31035,7 +31266,7 @@
             <p:nvPr/>
           </p:nvPicPr>
           <p:blipFill rotWithShape="1">
-            <a:blip r:embed="rId4">
+            <a:blip r:embed="rId4" cstate="print">
               <a:extLst>
                 <a:ext uri="{28A0092B-C50C-407E-A947-70E740481C1C}">
                   <a14:useLocalDpi xmlns:a14="http://schemas.microsoft.com/office/drawing/2010/main" val="0"/>
@@ -31070,7 +31301,7 @@
             <p:cNvPr id="14" name="CaixaDeTexto 13">
               <a:extLst>
                 <a:ext uri="{FF2B5EF4-FFF2-40B4-BE49-F238E27FC236}">
-                  <a16:creationId xmlns:a16="http://schemas.microsoft.com/office/drawing/2014/main" id="{01FEAA26-817B-85EC-AB0F-1F7C32F36C52}"/>
+                  <a16:creationId xmlns:a16="http://schemas.microsoft.com/office/drawing/2014/main" xmlns="" id="{01FEAA26-817B-85EC-AB0F-1F7C32F36C52}"/>
                 </a:ext>
               </a:extLst>
             </p:cNvPr>
@@ -31108,7 +31339,7 @@
             <p:cNvPr id="15" name="CaixaDeTexto 14">
               <a:extLst>
                 <a:ext uri="{FF2B5EF4-FFF2-40B4-BE49-F238E27FC236}">
-                  <a16:creationId xmlns:a16="http://schemas.microsoft.com/office/drawing/2014/main" id="{44D24527-64AE-5BB7-A595-AA5F0BB168C3}"/>
+                  <a16:creationId xmlns:a16="http://schemas.microsoft.com/office/drawing/2014/main" xmlns="" id="{44D24527-64AE-5BB7-A595-AA5F0BB168C3}"/>
                 </a:ext>
               </a:extLst>
             </p:cNvPr>
@@ -31146,7 +31377,7 @@
             <p:cNvPr id="17" name="CaixaDeTexto 16">
               <a:extLst>
                 <a:ext uri="{FF2B5EF4-FFF2-40B4-BE49-F238E27FC236}">
-                  <a16:creationId xmlns:a16="http://schemas.microsoft.com/office/drawing/2014/main" id="{1C16CD85-D162-F019-EC12-01B0FCBCF88C}"/>
+                  <a16:creationId xmlns:a16="http://schemas.microsoft.com/office/drawing/2014/main" xmlns="" id="{1C16CD85-D162-F019-EC12-01B0FCBCF88C}"/>
                 </a:ext>
               </a:extLst>
             </p:cNvPr>
@@ -31184,7 +31415,7 @@
             <p:cNvPr id="19" name="CaixaDeTexto 18">
               <a:extLst>
                 <a:ext uri="{FF2B5EF4-FFF2-40B4-BE49-F238E27FC236}">
-                  <a16:creationId xmlns:a16="http://schemas.microsoft.com/office/drawing/2014/main" id="{5A47254A-34EE-516A-893F-46C77F281F14}"/>
+                  <a16:creationId xmlns:a16="http://schemas.microsoft.com/office/drawing/2014/main" xmlns="" id="{5A47254A-34EE-516A-893F-46C77F281F14}"/>
                 </a:ext>
               </a:extLst>
             </p:cNvPr>
@@ -31229,7 +31460,7 @@
             <p:cNvPr id="21" name="Conector de Seta Reta 20">
               <a:extLst>
                 <a:ext uri="{FF2B5EF4-FFF2-40B4-BE49-F238E27FC236}">
-                  <a16:creationId xmlns:a16="http://schemas.microsoft.com/office/drawing/2014/main" id="{8CD96EDB-E3AE-8B49-6434-0E99AC8FD86A}"/>
+                  <a16:creationId xmlns:a16="http://schemas.microsoft.com/office/drawing/2014/main" xmlns="" id="{8CD96EDB-E3AE-8B49-6434-0E99AC8FD86A}"/>
                 </a:ext>
               </a:extLst>
             </p:cNvPr>
@@ -31305,7 +31536,7 @@
           <p:cNvPr id="2" name="Título 1">
             <a:extLst>
               <a:ext uri="{FF2B5EF4-FFF2-40B4-BE49-F238E27FC236}">
-                <a16:creationId xmlns:a16="http://schemas.microsoft.com/office/drawing/2014/main" id="{5D1F02FD-3573-18C5-6B1F-6FB93C24215E}"/>
+                <a16:creationId xmlns:a16="http://schemas.microsoft.com/office/drawing/2014/main" xmlns="" id="{5D1F02FD-3573-18C5-6B1F-6FB93C24215E}"/>
               </a:ext>
             </a:extLst>
           </p:cNvPr>
@@ -31335,7 +31566,7 @@
               <p:cNvPr id="3" name="Espaço Reservado para Conteúdo 2">
                 <a:extLst>
                   <a:ext uri="{FF2B5EF4-FFF2-40B4-BE49-F238E27FC236}">
-                    <a16:creationId xmlns:a16="http://schemas.microsoft.com/office/drawing/2014/main" id="{CA5EA8E2-9C93-A464-A824-B648FE8ECA8E}"/>
+                    <a16:creationId xmlns:a16="http://schemas.microsoft.com/office/drawing/2014/main" xmlns="" id="{CA5EA8E2-9C93-A464-A824-B648FE8ECA8E}"/>
                   </a:ext>
                 </a:extLst>
               </p:cNvPr>
@@ -31945,7 +32176,7 @@
           <p:cNvPr id="4" name="Group 11">
             <a:extLst>
               <a:ext uri="{FF2B5EF4-FFF2-40B4-BE49-F238E27FC236}">
-                <a16:creationId xmlns:a16="http://schemas.microsoft.com/office/drawing/2014/main" id="{AE4F4277-6964-0C1E-0DD3-569D7AE44CFF}"/>
+                <a16:creationId xmlns:a16="http://schemas.microsoft.com/office/drawing/2014/main" xmlns="" id="{AE4F4277-6964-0C1E-0DD3-569D7AE44CFF}"/>
               </a:ext>
             </a:extLst>
           </p:cNvPr>
@@ -31965,7 +32196,7 @@
             <p:cNvPr id="5" name="TextBox 4">
               <a:extLst>
                 <a:ext uri="{FF2B5EF4-FFF2-40B4-BE49-F238E27FC236}">
-                  <a16:creationId xmlns:a16="http://schemas.microsoft.com/office/drawing/2014/main" id="{27E02729-99B0-0A9C-BFBC-8A2DA40E9922}"/>
+                  <a16:creationId xmlns:a16="http://schemas.microsoft.com/office/drawing/2014/main" xmlns="" id="{27E02729-99B0-0A9C-BFBC-8A2DA40E9922}"/>
                 </a:ext>
               </a:extLst>
             </p:cNvPr>
@@ -32017,7 +32248,7 @@
             <p:cNvPr id="6" name="Group 5">
               <a:extLst>
                 <a:ext uri="{FF2B5EF4-FFF2-40B4-BE49-F238E27FC236}">
-                  <a16:creationId xmlns:a16="http://schemas.microsoft.com/office/drawing/2014/main" id="{747F032D-ACF4-5F87-06B9-C7A56B4B81C1}"/>
+                  <a16:creationId xmlns:a16="http://schemas.microsoft.com/office/drawing/2014/main" xmlns="" id="{747F032D-ACF4-5F87-06B9-C7A56B4B81C1}"/>
                 </a:ext>
               </a:extLst>
             </p:cNvPr>
@@ -32037,7 +32268,7 @@
               <p:cNvPr id="8" name="Group 6">
                 <a:extLst>
                   <a:ext uri="{FF2B5EF4-FFF2-40B4-BE49-F238E27FC236}">
-                    <a16:creationId xmlns:a16="http://schemas.microsoft.com/office/drawing/2014/main" id="{1C779583-0B37-EC5B-B6F1-0D8459340FB7}"/>
+                    <a16:creationId xmlns:a16="http://schemas.microsoft.com/office/drawing/2014/main" xmlns="" id="{1C779583-0B37-EC5B-B6F1-0D8459340FB7}"/>
                   </a:ext>
                 </a:extLst>
               </p:cNvPr>
@@ -32057,7 +32288,7 @@
                 <p:cNvPr id="11" name="Picture 9">
                   <a:extLst>
                     <a:ext uri="{FF2B5EF4-FFF2-40B4-BE49-F238E27FC236}">
-                      <a16:creationId xmlns:a16="http://schemas.microsoft.com/office/drawing/2014/main" id="{5EDAFFC9-D7AA-48D9-9403-C033C61678E3}"/>
+                      <a16:creationId xmlns:a16="http://schemas.microsoft.com/office/drawing/2014/main" xmlns="" id="{5EDAFFC9-D7AA-48D9-9403-C033C61678E3}"/>
                     </a:ext>
                   </a:extLst>
                 </p:cNvPr>
@@ -32086,7 +32317,7 @@
                 <p:cNvPr id="12" name="Straight Connector 10">
                   <a:extLst>
                     <a:ext uri="{FF2B5EF4-FFF2-40B4-BE49-F238E27FC236}">
-                      <a16:creationId xmlns:a16="http://schemas.microsoft.com/office/drawing/2014/main" id="{69C23BC7-60E3-3B5A-BCC8-7053B9A6F855}"/>
+                      <a16:creationId xmlns:a16="http://schemas.microsoft.com/office/drawing/2014/main" xmlns="" id="{69C23BC7-60E3-3B5A-BCC8-7053B9A6F855}"/>
                     </a:ext>
                   </a:extLst>
                 </p:cNvPr>
@@ -32129,7 +32360,7 @@
               <p:cNvPr id="9" name="TextBox 7">
                 <a:extLst>
                   <a:ext uri="{FF2B5EF4-FFF2-40B4-BE49-F238E27FC236}">
-                    <a16:creationId xmlns:a16="http://schemas.microsoft.com/office/drawing/2014/main" id="{2648BF23-0635-71F0-258F-B7728EA4A750}"/>
+                    <a16:creationId xmlns:a16="http://schemas.microsoft.com/office/drawing/2014/main" xmlns="" id="{2648BF23-0635-71F0-258F-B7728EA4A750}"/>
                   </a:ext>
                 </a:extLst>
               </p:cNvPr>
@@ -32177,7 +32408,7 @@
               <p:cNvPr id="10" name="TextBox 8">
                 <a:extLst>
                   <a:ext uri="{FF2B5EF4-FFF2-40B4-BE49-F238E27FC236}">
-                    <a16:creationId xmlns:a16="http://schemas.microsoft.com/office/drawing/2014/main" id="{D97F304C-2141-D333-74F5-8CCC51F5313F}"/>
+                    <a16:creationId xmlns:a16="http://schemas.microsoft.com/office/drawing/2014/main" xmlns="" id="{D97F304C-2141-D333-74F5-8CCC51F5313F}"/>
                   </a:ext>
                 </a:extLst>
               </p:cNvPr>
@@ -32226,7 +32457,7 @@
             <p:cNvPr id="7" name="Curved Connector 3">
               <a:extLst>
                 <a:ext uri="{FF2B5EF4-FFF2-40B4-BE49-F238E27FC236}">
-                  <a16:creationId xmlns:a16="http://schemas.microsoft.com/office/drawing/2014/main" id="{5C7C173C-95FF-CFC4-3A67-7626A47D5636}"/>
+                  <a16:creationId xmlns:a16="http://schemas.microsoft.com/office/drawing/2014/main" xmlns="" id="{5C7C173C-95FF-CFC4-3A67-7626A47D5636}"/>
                 </a:ext>
               </a:extLst>
             </p:cNvPr>
@@ -32272,7 +32503,7 @@
           <p:cNvPr id="13" name="CaixaDeTexto 12">
             <a:extLst>
               <a:ext uri="{FF2B5EF4-FFF2-40B4-BE49-F238E27FC236}">
-                <a16:creationId xmlns:a16="http://schemas.microsoft.com/office/drawing/2014/main" id="{A40DACEC-8E74-41F6-973B-1B4806F9D4C4}"/>
+                <a16:creationId xmlns:a16="http://schemas.microsoft.com/office/drawing/2014/main" xmlns="" id="{A40DACEC-8E74-41F6-973B-1B4806F9D4C4}"/>
               </a:ext>
             </a:extLst>
           </p:cNvPr>
@@ -32317,7 +32548,7 @@
           <p:cNvPr id="14" name="Chave direita 13">
             <a:extLst>
               <a:ext uri="{FF2B5EF4-FFF2-40B4-BE49-F238E27FC236}">
-                <a16:creationId xmlns:a16="http://schemas.microsoft.com/office/drawing/2014/main" id="{6285E6BF-6187-7ADC-6E46-0184AE45718E}"/>
+                <a16:creationId xmlns:a16="http://schemas.microsoft.com/office/drawing/2014/main" xmlns="" id="{6285E6BF-6187-7ADC-6E46-0184AE45718E}"/>
               </a:ext>
             </a:extLst>
           </p:cNvPr>

--- a/slides/T320_Classificação (Parte II).pptx
+++ b/slides/T320_Classificação (Parte II).pptx
@@ -303,7 +303,7 @@
           <a:p>
             <a:fld id="{144F1436-6906-4D93-B7A2-786C327BFA14}" type="datetimeFigureOut">
               <a:rPr lang="nl-BE" smtClean="0"/>
-              <a:t>9/08/2025</a:t>
+              <a:t>16/08/2025</a:t>
             </a:fld>
             <a:endParaRPr lang="nl-BE"/>
           </a:p>
@@ -468,7 +468,7 @@
           <a:p>
             <a:fld id="{AA8CD09E-2914-4F47-B6C1-51B2C31814C9}" type="datetimeFigureOut">
               <a:rPr lang="pt-BR" smtClean="0"/>
-              <a:t>09/08/2025</a:t>
+              <a:t>16/08/2025</a:t>
             </a:fld>
             <a:endParaRPr lang="pt-BR"/>
           </a:p>
@@ -4397,7 +4397,7 @@
         <p:cNvPr id="1" name="">
           <a:extLst>
             <a:ext uri="{FF2B5EF4-FFF2-40B4-BE49-F238E27FC236}">
-              <a16:creationId xmlns:a16="http://schemas.microsoft.com/office/drawing/2014/main" xmlns="" id="{1BFBDC55-BB4D-2F06-71BF-76ED1A14AFED}"/>
+              <a16:creationId xmlns="" xmlns:a16="http://schemas.microsoft.com/office/drawing/2014/main" id="{1BFBDC55-BB4D-2F06-71BF-76ED1A14AFED}"/>
             </a:ext>
           </a:extLst>
         </p:cNvPr>
@@ -4417,7 +4417,7 @@
           <p:cNvPr id="2" name="Espaço Reservado para Imagem de Slide 1">
             <a:extLst>
               <a:ext uri="{FF2B5EF4-FFF2-40B4-BE49-F238E27FC236}">
-                <a16:creationId xmlns:a16="http://schemas.microsoft.com/office/drawing/2014/main" xmlns="" id="{13FDBDE3-54FF-D34A-6455-B4D01E3B3A99}"/>
+                <a16:creationId xmlns="" xmlns:a16="http://schemas.microsoft.com/office/drawing/2014/main" id="{13FDBDE3-54FF-D34A-6455-B4D01E3B3A99}"/>
               </a:ext>
             </a:extLst>
           </p:cNvPr>
@@ -4435,7 +4435,7 @@
           <p:cNvPr id="3" name="Espaço Reservado para Anotações 2">
             <a:extLst>
               <a:ext uri="{FF2B5EF4-FFF2-40B4-BE49-F238E27FC236}">
-                <a16:creationId xmlns:a16="http://schemas.microsoft.com/office/drawing/2014/main" xmlns="" id="{B159710A-028C-37C9-8B04-776EB9E8B78A}"/>
+                <a16:creationId xmlns="" xmlns:a16="http://schemas.microsoft.com/office/drawing/2014/main" id="{B159710A-028C-37C9-8B04-776EB9E8B78A}"/>
               </a:ext>
             </a:extLst>
           </p:cNvPr>
@@ -4460,7 +4460,7 @@
           <p:cNvPr id="4" name="Espaço Reservado para Número de Slide 3">
             <a:extLst>
               <a:ext uri="{FF2B5EF4-FFF2-40B4-BE49-F238E27FC236}">
-                <a16:creationId xmlns:a16="http://schemas.microsoft.com/office/drawing/2014/main" xmlns="" id="{697E3764-6735-3BB1-4FF7-5946552F4788}"/>
+                <a16:creationId xmlns="" xmlns:a16="http://schemas.microsoft.com/office/drawing/2014/main" id="{697E3764-6735-3BB1-4FF7-5946552F4788}"/>
               </a:ext>
             </a:extLst>
           </p:cNvPr>
@@ -5922,7 +5922,7 @@
           <p:cNvPr id="2" name="Título 1">
             <a:extLst>
               <a:ext uri="{FF2B5EF4-FFF2-40B4-BE49-F238E27FC236}">
-                <a16:creationId xmlns:a16="http://schemas.microsoft.com/office/drawing/2014/main" xmlns="" id="{1DB9B4FF-B06E-403C-A326-BDC64D8FF94E}"/>
+                <a16:creationId xmlns="" xmlns:a16="http://schemas.microsoft.com/office/drawing/2014/main" id="{1DB9B4FF-B06E-403C-A326-BDC64D8FF94E}"/>
               </a:ext>
             </a:extLst>
           </p:cNvPr>
@@ -5959,7 +5959,7 @@
           <p:cNvPr id="3" name="Subtítulo 2">
             <a:extLst>
               <a:ext uri="{FF2B5EF4-FFF2-40B4-BE49-F238E27FC236}">
-                <a16:creationId xmlns:a16="http://schemas.microsoft.com/office/drawing/2014/main" xmlns="" id="{247BDFCE-746E-45BF-A319-4733D58D1632}"/>
+                <a16:creationId xmlns="" xmlns:a16="http://schemas.microsoft.com/office/drawing/2014/main" id="{247BDFCE-746E-45BF-A319-4733D58D1632}"/>
               </a:ext>
             </a:extLst>
           </p:cNvPr>
@@ -6029,7 +6029,7 @@
           <p:cNvPr id="4" name="Espaço Reservado para Data 3">
             <a:extLst>
               <a:ext uri="{FF2B5EF4-FFF2-40B4-BE49-F238E27FC236}">
-                <a16:creationId xmlns:a16="http://schemas.microsoft.com/office/drawing/2014/main" xmlns="" id="{9EDE2778-5372-4104-B96D-968184DA8288}"/>
+                <a16:creationId xmlns="" xmlns:a16="http://schemas.microsoft.com/office/drawing/2014/main" id="{9EDE2778-5372-4104-B96D-968184DA8288}"/>
               </a:ext>
             </a:extLst>
           </p:cNvPr>
@@ -6047,7 +6047,7 @@
           <a:p>
             <a:fld id="{63289F7E-B80B-496E-81B4-D396C37C9454}" type="datetimeFigureOut">
               <a:rPr lang="pt-BR" smtClean="0"/>
-              <a:t>09/08/2025</a:t>
+              <a:t>16/08/2025</a:t>
             </a:fld>
             <a:endParaRPr lang="pt-BR"/>
           </a:p>
@@ -6058,7 +6058,7 @@
           <p:cNvPr id="5" name="Espaço Reservado para Rodapé 4">
             <a:extLst>
               <a:ext uri="{FF2B5EF4-FFF2-40B4-BE49-F238E27FC236}">
-                <a16:creationId xmlns:a16="http://schemas.microsoft.com/office/drawing/2014/main" xmlns="" id="{C1DD0F41-C861-4051-988D-3024A37A4B93}"/>
+                <a16:creationId xmlns="" xmlns:a16="http://schemas.microsoft.com/office/drawing/2014/main" id="{C1DD0F41-C861-4051-988D-3024A37A4B93}"/>
               </a:ext>
             </a:extLst>
           </p:cNvPr>
@@ -6083,7 +6083,7 @@
           <p:cNvPr id="6" name="Espaço Reservado para Número de Slide 5">
             <a:extLst>
               <a:ext uri="{FF2B5EF4-FFF2-40B4-BE49-F238E27FC236}">
-                <a16:creationId xmlns:a16="http://schemas.microsoft.com/office/drawing/2014/main" xmlns="" id="{07E5967E-D980-431A-A5DB-3F0C5030A81E}"/>
+                <a16:creationId xmlns="" xmlns:a16="http://schemas.microsoft.com/office/drawing/2014/main" id="{07E5967E-D980-431A-A5DB-3F0C5030A81E}"/>
               </a:ext>
             </a:extLst>
           </p:cNvPr>
@@ -6142,7 +6142,7 @@
           <p:cNvPr id="2" name="Título 1">
             <a:extLst>
               <a:ext uri="{FF2B5EF4-FFF2-40B4-BE49-F238E27FC236}">
-                <a16:creationId xmlns:a16="http://schemas.microsoft.com/office/drawing/2014/main" xmlns="" id="{9036C49F-3E68-4175-81BA-3C3FEE44308A}"/>
+                <a16:creationId xmlns="" xmlns:a16="http://schemas.microsoft.com/office/drawing/2014/main" id="{9036C49F-3E68-4175-81BA-3C3FEE44308A}"/>
               </a:ext>
             </a:extLst>
           </p:cNvPr>
@@ -6170,7 +6170,7 @@
           <p:cNvPr id="3" name="Espaço Reservado para Texto Vertical 2">
             <a:extLst>
               <a:ext uri="{FF2B5EF4-FFF2-40B4-BE49-F238E27FC236}">
-                <a16:creationId xmlns:a16="http://schemas.microsoft.com/office/drawing/2014/main" xmlns="" id="{426FA736-3DD3-4D4E-B57B-BBE1D8F7D424}"/>
+                <a16:creationId xmlns="" xmlns:a16="http://schemas.microsoft.com/office/drawing/2014/main" id="{426FA736-3DD3-4D4E-B57B-BBE1D8F7D424}"/>
               </a:ext>
             </a:extLst>
           </p:cNvPr>
@@ -6227,7 +6227,7 @@
           <p:cNvPr id="4" name="Espaço Reservado para Data 3">
             <a:extLst>
               <a:ext uri="{FF2B5EF4-FFF2-40B4-BE49-F238E27FC236}">
-                <a16:creationId xmlns:a16="http://schemas.microsoft.com/office/drawing/2014/main" xmlns="" id="{99E8855C-D8FD-48F6-B14E-861E0DE4D915}"/>
+                <a16:creationId xmlns="" xmlns:a16="http://schemas.microsoft.com/office/drawing/2014/main" id="{99E8855C-D8FD-48F6-B14E-861E0DE4D915}"/>
               </a:ext>
             </a:extLst>
           </p:cNvPr>
@@ -6245,7 +6245,7 @@
           <a:p>
             <a:fld id="{63289F7E-B80B-496E-81B4-D396C37C9454}" type="datetimeFigureOut">
               <a:rPr lang="pt-BR" smtClean="0"/>
-              <a:t>09/08/2025</a:t>
+              <a:t>16/08/2025</a:t>
             </a:fld>
             <a:endParaRPr lang="pt-BR"/>
           </a:p>
@@ -6256,7 +6256,7 @@
           <p:cNvPr id="5" name="Espaço Reservado para Rodapé 4">
             <a:extLst>
               <a:ext uri="{FF2B5EF4-FFF2-40B4-BE49-F238E27FC236}">
-                <a16:creationId xmlns:a16="http://schemas.microsoft.com/office/drawing/2014/main" xmlns="" id="{97C0BB88-2F21-42A5-ACFF-83DA47F2D340}"/>
+                <a16:creationId xmlns="" xmlns:a16="http://schemas.microsoft.com/office/drawing/2014/main" id="{97C0BB88-2F21-42A5-ACFF-83DA47F2D340}"/>
               </a:ext>
             </a:extLst>
           </p:cNvPr>
@@ -6281,7 +6281,7 @@
           <p:cNvPr id="6" name="Espaço Reservado para Número de Slide 5">
             <a:extLst>
               <a:ext uri="{FF2B5EF4-FFF2-40B4-BE49-F238E27FC236}">
-                <a16:creationId xmlns:a16="http://schemas.microsoft.com/office/drawing/2014/main" xmlns="" id="{6CB462B3-1F22-4C05-B4B8-7A279FB7D5E9}"/>
+                <a16:creationId xmlns="" xmlns:a16="http://schemas.microsoft.com/office/drawing/2014/main" id="{6CB462B3-1F22-4C05-B4B8-7A279FB7D5E9}"/>
               </a:ext>
             </a:extLst>
           </p:cNvPr>
@@ -6340,7 +6340,7 @@
           <p:cNvPr id="2" name="Título Vertical 1">
             <a:extLst>
               <a:ext uri="{FF2B5EF4-FFF2-40B4-BE49-F238E27FC236}">
-                <a16:creationId xmlns:a16="http://schemas.microsoft.com/office/drawing/2014/main" xmlns="" id="{EAEAB728-701C-4207-A9D5-23FF45C60502}"/>
+                <a16:creationId xmlns="" xmlns:a16="http://schemas.microsoft.com/office/drawing/2014/main" id="{EAEAB728-701C-4207-A9D5-23FF45C60502}"/>
               </a:ext>
             </a:extLst>
           </p:cNvPr>
@@ -6373,7 +6373,7 @@
           <p:cNvPr id="3" name="Espaço Reservado para Texto Vertical 2">
             <a:extLst>
               <a:ext uri="{FF2B5EF4-FFF2-40B4-BE49-F238E27FC236}">
-                <a16:creationId xmlns:a16="http://schemas.microsoft.com/office/drawing/2014/main" xmlns="" id="{BA8C8CCF-7823-480A-9A19-0F664DD17E3B}"/>
+                <a16:creationId xmlns="" xmlns:a16="http://schemas.microsoft.com/office/drawing/2014/main" id="{BA8C8CCF-7823-480A-9A19-0F664DD17E3B}"/>
               </a:ext>
             </a:extLst>
           </p:cNvPr>
@@ -6435,7 +6435,7 @@
           <p:cNvPr id="4" name="Espaço Reservado para Data 3">
             <a:extLst>
               <a:ext uri="{FF2B5EF4-FFF2-40B4-BE49-F238E27FC236}">
-                <a16:creationId xmlns:a16="http://schemas.microsoft.com/office/drawing/2014/main" xmlns="" id="{721D5734-7B1F-425D-942F-6EB73344027C}"/>
+                <a16:creationId xmlns="" xmlns:a16="http://schemas.microsoft.com/office/drawing/2014/main" id="{721D5734-7B1F-425D-942F-6EB73344027C}"/>
               </a:ext>
             </a:extLst>
           </p:cNvPr>
@@ -6453,7 +6453,7 @@
           <a:p>
             <a:fld id="{63289F7E-B80B-496E-81B4-D396C37C9454}" type="datetimeFigureOut">
               <a:rPr lang="pt-BR" smtClean="0"/>
-              <a:t>09/08/2025</a:t>
+              <a:t>16/08/2025</a:t>
             </a:fld>
             <a:endParaRPr lang="pt-BR"/>
           </a:p>
@@ -6464,7 +6464,7 @@
           <p:cNvPr id="5" name="Espaço Reservado para Rodapé 4">
             <a:extLst>
               <a:ext uri="{FF2B5EF4-FFF2-40B4-BE49-F238E27FC236}">
-                <a16:creationId xmlns:a16="http://schemas.microsoft.com/office/drawing/2014/main" xmlns="" id="{1E1AAEAC-F08D-45FE-89EC-B1B349A868C9}"/>
+                <a16:creationId xmlns="" xmlns:a16="http://schemas.microsoft.com/office/drawing/2014/main" id="{1E1AAEAC-F08D-45FE-89EC-B1B349A868C9}"/>
               </a:ext>
             </a:extLst>
           </p:cNvPr>
@@ -6489,7 +6489,7 @@
           <p:cNvPr id="6" name="Espaço Reservado para Número de Slide 5">
             <a:extLst>
               <a:ext uri="{FF2B5EF4-FFF2-40B4-BE49-F238E27FC236}">
-                <a16:creationId xmlns:a16="http://schemas.microsoft.com/office/drawing/2014/main" xmlns="" id="{BAA44493-9911-47B2-87A6-C2141A972BC8}"/>
+                <a16:creationId xmlns="" xmlns:a16="http://schemas.microsoft.com/office/drawing/2014/main" id="{BAA44493-9911-47B2-87A6-C2141A972BC8}"/>
               </a:ext>
             </a:extLst>
           </p:cNvPr>
@@ -6548,7 +6548,7 @@
           <p:cNvPr id="2" name="Título 1">
             <a:extLst>
               <a:ext uri="{FF2B5EF4-FFF2-40B4-BE49-F238E27FC236}">
-                <a16:creationId xmlns:a16="http://schemas.microsoft.com/office/drawing/2014/main" xmlns="" id="{71BD44A5-8F21-4626-A01D-48A1C874B1D5}"/>
+                <a16:creationId xmlns="" xmlns:a16="http://schemas.microsoft.com/office/drawing/2014/main" id="{71BD44A5-8F21-4626-A01D-48A1C874B1D5}"/>
               </a:ext>
             </a:extLst>
           </p:cNvPr>
@@ -6576,7 +6576,7 @@
           <p:cNvPr id="3" name="Espaço Reservado para Conteúdo 2">
             <a:extLst>
               <a:ext uri="{FF2B5EF4-FFF2-40B4-BE49-F238E27FC236}">
-                <a16:creationId xmlns:a16="http://schemas.microsoft.com/office/drawing/2014/main" xmlns="" id="{B79E8085-65A9-48AA-951D-71D978BFF4ED}"/>
+                <a16:creationId xmlns="" xmlns:a16="http://schemas.microsoft.com/office/drawing/2014/main" id="{B79E8085-65A9-48AA-951D-71D978BFF4ED}"/>
               </a:ext>
             </a:extLst>
           </p:cNvPr>
@@ -6633,7 +6633,7 @@
           <p:cNvPr id="4" name="Espaço Reservado para Data 3">
             <a:extLst>
               <a:ext uri="{FF2B5EF4-FFF2-40B4-BE49-F238E27FC236}">
-                <a16:creationId xmlns:a16="http://schemas.microsoft.com/office/drawing/2014/main" xmlns="" id="{F05BE1AF-51EA-425D-B188-DE7BD675009F}"/>
+                <a16:creationId xmlns="" xmlns:a16="http://schemas.microsoft.com/office/drawing/2014/main" id="{F05BE1AF-51EA-425D-B188-DE7BD675009F}"/>
               </a:ext>
             </a:extLst>
           </p:cNvPr>
@@ -6651,7 +6651,7 @@
           <a:p>
             <a:fld id="{63289F7E-B80B-496E-81B4-D396C37C9454}" type="datetimeFigureOut">
               <a:rPr lang="pt-BR" smtClean="0"/>
-              <a:t>09/08/2025</a:t>
+              <a:t>16/08/2025</a:t>
             </a:fld>
             <a:endParaRPr lang="pt-BR"/>
           </a:p>
@@ -6662,7 +6662,7 @@
           <p:cNvPr id="5" name="Espaço Reservado para Rodapé 4">
             <a:extLst>
               <a:ext uri="{FF2B5EF4-FFF2-40B4-BE49-F238E27FC236}">
-                <a16:creationId xmlns:a16="http://schemas.microsoft.com/office/drawing/2014/main" xmlns="" id="{121BE632-29CF-4CB9-B365-C9EF38F89BE6}"/>
+                <a16:creationId xmlns="" xmlns:a16="http://schemas.microsoft.com/office/drawing/2014/main" id="{121BE632-29CF-4CB9-B365-C9EF38F89BE6}"/>
               </a:ext>
             </a:extLst>
           </p:cNvPr>
@@ -6687,7 +6687,7 @@
           <p:cNvPr id="6" name="Espaço Reservado para Número de Slide 5">
             <a:extLst>
               <a:ext uri="{FF2B5EF4-FFF2-40B4-BE49-F238E27FC236}">
-                <a16:creationId xmlns:a16="http://schemas.microsoft.com/office/drawing/2014/main" xmlns="" id="{60CF3DD1-9AEC-4A57-B461-4E4DD86FAC18}"/>
+                <a16:creationId xmlns="" xmlns:a16="http://schemas.microsoft.com/office/drawing/2014/main" id="{60CF3DD1-9AEC-4A57-B461-4E4DD86FAC18}"/>
               </a:ext>
             </a:extLst>
           </p:cNvPr>
@@ -6746,7 +6746,7 @@
           <p:cNvPr id="2" name="Título 1">
             <a:extLst>
               <a:ext uri="{FF2B5EF4-FFF2-40B4-BE49-F238E27FC236}">
-                <a16:creationId xmlns:a16="http://schemas.microsoft.com/office/drawing/2014/main" xmlns="" id="{34AB2FF0-A4D7-4E28-991D-FF26140D5988}"/>
+                <a16:creationId xmlns="" xmlns:a16="http://schemas.microsoft.com/office/drawing/2014/main" id="{34AB2FF0-A4D7-4E28-991D-FF26140D5988}"/>
               </a:ext>
             </a:extLst>
           </p:cNvPr>
@@ -6783,7 +6783,7 @@
           <p:cNvPr id="3" name="Espaço Reservado para Texto 2">
             <a:extLst>
               <a:ext uri="{FF2B5EF4-FFF2-40B4-BE49-F238E27FC236}">
-                <a16:creationId xmlns:a16="http://schemas.microsoft.com/office/drawing/2014/main" xmlns="" id="{E2AC45B0-4145-40DB-8E61-105461170604}"/>
+                <a16:creationId xmlns="" xmlns:a16="http://schemas.microsoft.com/office/drawing/2014/main" id="{E2AC45B0-4145-40DB-8E61-105461170604}"/>
               </a:ext>
             </a:extLst>
           </p:cNvPr>
@@ -6908,7 +6908,7 @@
           <p:cNvPr id="4" name="Espaço Reservado para Data 3">
             <a:extLst>
               <a:ext uri="{FF2B5EF4-FFF2-40B4-BE49-F238E27FC236}">
-                <a16:creationId xmlns:a16="http://schemas.microsoft.com/office/drawing/2014/main" xmlns="" id="{50F1D3FB-740A-4EBA-A309-2CE71D12ECFB}"/>
+                <a16:creationId xmlns="" xmlns:a16="http://schemas.microsoft.com/office/drawing/2014/main" id="{50F1D3FB-740A-4EBA-A309-2CE71D12ECFB}"/>
               </a:ext>
             </a:extLst>
           </p:cNvPr>
@@ -6926,7 +6926,7 @@
           <a:p>
             <a:fld id="{63289F7E-B80B-496E-81B4-D396C37C9454}" type="datetimeFigureOut">
               <a:rPr lang="pt-BR" smtClean="0"/>
-              <a:t>09/08/2025</a:t>
+              <a:t>16/08/2025</a:t>
             </a:fld>
             <a:endParaRPr lang="pt-BR"/>
           </a:p>
@@ -6937,7 +6937,7 @@
           <p:cNvPr id="5" name="Espaço Reservado para Rodapé 4">
             <a:extLst>
               <a:ext uri="{FF2B5EF4-FFF2-40B4-BE49-F238E27FC236}">
-                <a16:creationId xmlns:a16="http://schemas.microsoft.com/office/drawing/2014/main" xmlns="" id="{BDCAB18F-8715-4465-A940-F9C193A2ACE9}"/>
+                <a16:creationId xmlns="" xmlns:a16="http://schemas.microsoft.com/office/drawing/2014/main" id="{BDCAB18F-8715-4465-A940-F9C193A2ACE9}"/>
               </a:ext>
             </a:extLst>
           </p:cNvPr>
@@ -6962,7 +6962,7 @@
           <p:cNvPr id="6" name="Espaço Reservado para Número de Slide 5">
             <a:extLst>
               <a:ext uri="{FF2B5EF4-FFF2-40B4-BE49-F238E27FC236}">
-                <a16:creationId xmlns:a16="http://schemas.microsoft.com/office/drawing/2014/main" xmlns="" id="{353466C6-8248-429F-8056-FF040BF509EB}"/>
+                <a16:creationId xmlns="" xmlns:a16="http://schemas.microsoft.com/office/drawing/2014/main" id="{353466C6-8248-429F-8056-FF040BF509EB}"/>
               </a:ext>
             </a:extLst>
           </p:cNvPr>
@@ -7021,7 +7021,7 @@
           <p:cNvPr id="2" name="Título 1">
             <a:extLst>
               <a:ext uri="{FF2B5EF4-FFF2-40B4-BE49-F238E27FC236}">
-                <a16:creationId xmlns:a16="http://schemas.microsoft.com/office/drawing/2014/main" xmlns="" id="{BC7BB9F0-F14B-4A91-B2B7-35BC47FE4DE7}"/>
+                <a16:creationId xmlns="" xmlns:a16="http://schemas.microsoft.com/office/drawing/2014/main" id="{BC7BB9F0-F14B-4A91-B2B7-35BC47FE4DE7}"/>
               </a:ext>
             </a:extLst>
           </p:cNvPr>
@@ -7049,7 +7049,7 @@
           <p:cNvPr id="3" name="Espaço Reservado para Conteúdo 2">
             <a:extLst>
               <a:ext uri="{FF2B5EF4-FFF2-40B4-BE49-F238E27FC236}">
-                <a16:creationId xmlns:a16="http://schemas.microsoft.com/office/drawing/2014/main" xmlns="" id="{EC1FC1C4-73DA-47A6-8496-B0B457F7D39A}"/>
+                <a16:creationId xmlns="" xmlns:a16="http://schemas.microsoft.com/office/drawing/2014/main" id="{EC1FC1C4-73DA-47A6-8496-B0B457F7D39A}"/>
               </a:ext>
             </a:extLst>
           </p:cNvPr>
@@ -7111,7 +7111,7 @@
           <p:cNvPr id="4" name="Espaço Reservado para Conteúdo 3">
             <a:extLst>
               <a:ext uri="{FF2B5EF4-FFF2-40B4-BE49-F238E27FC236}">
-                <a16:creationId xmlns:a16="http://schemas.microsoft.com/office/drawing/2014/main" xmlns="" id="{E92F06A8-A449-4D92-9912-76873E529B38}"/>
+                <a16:creationId xmlns="" xmlns:a16="http://schemas.microsoft.com/office/drawing/2014/main" id="{E92F06A8-A449-4D92-9912-76873E529B38}"/>
               </a:ext>
             </a:extLst>
           </p:cNvPr>
@@ -7173,7 +7173,7 @@
           <p:cNvPr id="5" name="Espaço Reservado para Data 4">
             <a:extLst>
               <a:ext uri="{FF2B5EF4-FFF2-40B4-BE49-F238E27FC236}">
-                <a16:creationId xmlns:a16="http://schemas.microsoft.com/office/drawing/2014/main" xmlns="" id="{938070A4-BC2F-4D55-BD8D-DEAF11BB9EE9}"/>
+                <a16:creationId xmlns="" xmlns:a16="http://schemas.microsoft.com/office/drawing/2014/main" id="{938070A4-BC2F-4D55-BD8D-DEAF11BB9EE9}"/>
               </a:ext>
             </a:extLst>
           </p:cNvPr>
@@ -7191,7 +7191,7 @@
           <a:p>
             <a:fld id="{63289F7E-B80B-496E-81B4-D396C37C9454}" type="datetimeFigureOut">
               <a:rPr lang="pt-BR" smtClean="0"/>
-              <a:t>09/08/2025</a:t>
+              <a:t>16/08/2025</a:t>
             </a:fld>
             <a:endParaRPr lang="pt-BR"/>
           </a:p>
@@ -7202,7 +7202,7 @@
           <p:cNvPr id="6" name="Espaço Reservado para Rodapé 5">
             <a:extLst>
               <a:ext uri="{FF2B5EF4-FFF2-40B4-BE49-F238E27FC236}">
-                <a16:creationId xmlns:a16="http://schemas.microsoft.com/office/drawing/2014/main" xmlns="" id="{45CC2DB8-844A-465F-BA9A-7734C80C7F43}"/>
+                <a16:creationId xmlns="" xmlns:a16="http://schemas.microsoft.com/office/drawing/2014/main" id="{45CC2DB8-844A-465F-BA9A-7734C80C7F43}"/>
               </a:ext>
             </a:extLst>
           </p:cNvPr>
@@ -7227,7 +7227,7 @@
           <p:cNvPr id="7" name="Espaço Reservado para Número de Slide 6">
             <a:extLst>
               <a:ext uri="{FF2B5EF4-FFF2-40B4-BE49-F238E27FC236}">
-                <a16:creationId xmlns:a16="http://schemas.microsoft.com/office/drawing/2014/main" xmlns="" id="{4CC606A8-097B-4040-94E0-CD8C88280D8F}"/>
+                <a16:creationId xmlns="" xmlns:a16="http://schemas.microsoft.com/office/drawing/2014/main" id="{4CC606A8-097B-4040-94E0-CD8C88280D8F}"/>
               </a:ext>
             </a:extLst>
           </p:cNvPr>
@@ -7286,7 +7286,7 @@
           <p:cNvPr id="2" name="Título 1">
             <a:extLst>
               <a:ext uri="{FF2B5EF4-FFF2-40B4-BE49-F238E27FC236}">
-                <a16:creationId xmlns:a16="http://schemas.microsoft.com/office/drawing/2014/main" xmlns="" id="{76D66686-0143-4CB6-8C09-BA326F1E7ACA}"/>
+                <a16:creationId xmlns="" xmlns:a16="http://schemas.microsoft.com/office/drawing/2014/main" id="{76D66686-0143-4CB6-8C09-BA326F1E7ACA}"/>
               </a:ext>
             </a:extLst>
           </p:cNvPr>
@@ -7319,7 +7319,7 @@
           <p:cNvPr id="3" name="Espaço Reservado para Texto 2">
             <a:extLst>
               <a:ext uri="{FF2B5EF4-FFF2-40B4-BE49-F238E27FC236}">
-                <a16:creationId xmlns:a16="http://schemas.microsoft.com/office/drawing/2014/main" xmlns="" id="{0227AB85-F59E-4BCE-B846-4FA0992C2F23}"/>
+                <a16:creationId xmlns="" xmlns:a16="http://schemas.microsoft.com/office/drawing/2014/main" id="{0227AB85-F59E-4BCE-B846-4FA0992C2F23}"/>
               </a:ext>
             </a:extLst>
           </p:cNvPr>
@@ -7390,7 +7390,7 @@
           <p:cNvPr id="4" name="Espaço Reservado para Conteúdo 3">
             <a:extLst>
               <a:ext uri="{FF2B5EF4-FFF2-40B4-BE49-F238E27FC236}">
-                <a16:creationId xmlns:a16="http://schemas.microsoft.com/office/drawing/2014/main" xmlns="" id="{3373456C-7319-4D0A-827D-D29F6B083F5D}"/>
+                <a16:creationId xmlns="" xmlns:a16="http://schemas.microsoft.com/office/drawing/2014/main" id="{3373456C-7319-4D0A-827D-D29F6B083F5D}"/>
               </a:ext>
             </a:extLst>
           </p:cNvPr>
@@ -7452,7 